--- a/Pharmacy/UXUI/PagesUI.pptx
+++ b/Pharmacy/UXUI/PagesUI.pptx
@@ -5,7 +5,7 @@
     <p:sldMasterId id="2147483648" r:id="rId1"/>
   </p:sldMasterIdLst>
   <p:notesMasterIdLst>
-    <p:notesMasterId r:id="rId27"/>
+    <p:notesMasterId r:id="rId29"/>
   </p:notesMasterIdLst>
   <p:sldIdLst>
     <p:sldId id="261" r:id="rId2"/>
@@ -30,9 +30,11 @@
     <p:sldId id="280" r:id="rId21"/>
     <p:sldId id="281" r:id="rId22"/>
     <p:sldId id="282" r:id="rId23"/>
-    <p:sldId id="284" r:id="rId24"/>
-    <p:sldId id="283" r:id="rId25"/>
-    <p:sldId id="256" r:id="rId26"/>
+    <p:sldId id="285" r:id="rId24"/>
+    <p:sldId id="286" r:id="rId25"/>
+    <p:sldId id="284" r:id="rId26"/>
+    <p:sldId id="283" r:id="rId27"/>
+    <p:sldId id="256" r:id="rId28"/>
   </p:sldIdLst>
   <p:sldSz cx="9144000" cy="6858000" type="screen4x3"/>
   <p:notesSz cx="6858000" cy="9144000"/>
@@ -232,7 +234,7 @@
           <a:p>
             <a:fld id="{E193EC3E-9EBC-4FB4-91A0-D81688C87301}" type="datetimeFigureOut">
               <a:rPr lang="en-US" smtClean="0"/>
-              <a:t>12/9/2020</a:t>
+              <a:t>12/13/2020</a:t>
             </a:fld>
             <a:endParaRPr lang="en-US"/>
           </a:p>
@@ -1171,6 +1173,90 @@
 </p:notes>
 </file>
 
+<file path=ppt/notesSlides/notesSlide9.xml><?xml version="1.0" encoding="utf-8"?>
+<p:notes xmlns:a="http://schemas.openxmlformats.org/drawingml/2006/main" xmlns:r="http://schemas.openxmlformats.org/officeDocument/2006/relationships" xmlns:p="http://schemas.openxmlformats.org/presentationml/2006/main">
+  <p:cSld>
+    <p:spTree>
+      <p:nvGrpSpPr>
+        <p:cNvPr id="1" name=""/>
+        <p:cNvGrpSpPr/>
+        <p:nvPr/>
+      </p:nvGrpSpPr>
+      <p:grpSpPr>
+        <a:xfrm>
+          <a:off x="0" y="0"/>
+          <a:ext cx="0" cy="0"/>
+          <a:chOff x="0" y="0"/>
+          <a:chExt cx="0" cy="0"/>
+        </a:xfrm>
+      </p:grpSpPr>
+      <p:sp>
+        <p:nvSpPr>
+          <p:cNvPr id="2" name="Slide Image Placeholder 1"/>
+          <p:cNvSpPr>
+            <a:spLocks noGrp="1" noRot="1" noChangeAspect="1"/>
+          </p:cNvSpPr>
+          <p:nvPr>
+            <p:ph type="sldImg"/>
+          </p:nvPr>
+        </p:nvSpPr>
+        <p:spPr/>
+      </p:sp>
+      <p:sp>
+        <p:nvSpPr>
+          <p:cNvPr id="3" name="Notes Placeholder 2"/>
+          <p:cNvSpPr>
+            <a:spLocks noGrp="1"/>
+          </p:cNvSpPr>
+          <p:nvPr>
+            <p:ph type="body" idx="1"/>
+          </p:nvPr>
+        </p:nvSpPr>
+        <p:spPr/>
+        <p:txBody>
+          <a:bodyPr/>
+          <a:lstStyle/>
+          <a:p>
+            <a:endParaRPr lang="en-US" dirty="0"/>
+          </a:p>
+        </p:txBody>
+      </p:sp>
+      <p:sp>
+        <p:nvSpPr>
+          <p:cNvPr id="4" name="Slide Number Placeholder 3"/>
+          <p:cNvSpPr>
+            <a:spLocks noGrp="1"/>
+          </p:cNvSpPr>
+          <p:nvPr>
+            <p:ph type="sldNum" sz="quarter" idx="5"/>
+          </p:nvPr>
+        </p:nvSpPr>
+        <p:spPr/>
+        <p:txBody>
+          <a:bodyPr/>
+          <a:lstStyle/>
+          <a:p>
+            <a:fld id="{A6F3B38A-DAB2-4820-BD2E-7A10EE47D0F8}" type="slidenum">
+              <a:rPr lang="en-US" smtClean="0"/>
+              <a:t>24</a:t>
+            </a:fld>
+            <a:endParaRPr lang="en-US"/>
+          </a:p>
+        </p:txBody>
+      </p:sp>
+    </p:spTree>
+    <p:extLst>
+      <p:ext uri="{BB962C8B-B14F-4D97-AF65-F5344CB8AC3E}">
+        <p14:creationId xmlns:p14="http://schemas.microsoft.com/office/powerpoint/2010/main" val="2837512306"/>
+      </p:ext>
+    </p:extLst>
+  </p:cSld>
+  <p:clrMapOvr>
+    <a:masterClrMapping/>
+  </p:clrMapOvr>
+</p:notes>
+</file>
+
 <file path=ppt/slideLayouts/slideLayout1.xml><?xml version="1.0" encoding="utf-8"?>
 <p:sldLayout xmlns:a="http://schemas.openxmlformats.org/drawingml/2006/main" xmlns:r="http://schemas.openxmlformats.org/officeDocument/2006/relationships" xmlns:p="http://schemas.openxmlformats.org/presentationml/2006/main" type="title" preserve="1">
   <p:cSld name="Title Slide">
@@ -1350,7 +1436,7 @@
           <a:p>
             <a:fld id="{EA91886C-002B-40DC-BBAF-4CA608631BA0}" type="datetimeFigureOut">
               <a:rPr lang="en-US" smtClean="0"/>
-              <a:t>12/9/2020</a:t>
+              <a:t>12/13/2020</a:t>
             </a:fld>
             <a:endParaRPr lang="en-US"/>
           </a:p>
@@ -1518,7 +1604,7 @@
           <a:p>
             <a:fld id="{EA91886C-002B-40DC-BBAF-4CA608631BA0}" type="datetimeFigureOut">
               <a:rPr lang="en-US" smtClean="0"/>
-              <a:t>12/9/2020</a:t>
+              <a:t>12/13/2020</a:t>
             </a:fld>
             <a:endParaRPr lang="en-US"/>
           </a:p>
@@ -1696,7 +1782,7 @@
           <a:p>
             <a:fld id="{EA91886C-002B-40DC-BBAF-4CA608631BA0}" type="datetimeFigureOut">
               <a:rPr lang="en-US" smtClean="0"/>
-              <a:t>12/9/2020</a:t>
+              <a:t>12/13/2020</a:t>
             </a:fld>
             <a:endParaRPr lang="en-US"/>
           </a:p>
@@ -1864,7 +1950,7 @@
           <a:p>
             <a:fld id="{EA91886C-002B-40DC-BBAF-4CA608631BA0}" type="datetimeFigureOut">
               <a:rPr lang="en-US" smtClean="0"/>
-              <a:t>12/9/2020</a:t>
+              <a:t>12/13/2020</a:t>
             </a:fld>
             <a:endParaRPr lang="en-US"/>
           </a:p>
@@ -2109,7 +2195,7 @@
           <a:p>
             <a:fld id="{EA91886C-002B-40DC-BBAF-4CA608631BA0}" type="datetimeFigureOut">
               <a:rPr lang="en-US" smtClean="0"/>
-              <a:t>12/9/2020</a:t>
+              <a:t>12/13/2020</a:t>
             </a:fld>
             <a:endParaRPr lang="en-US"/>
           </a:p>
@@ -2394,7 +2480,7 @@
           <a:p>
             <a:fld id="{EA91886C-002B-40DC-BBAF-4CA608631BA0}" type="datetimeFigureOut">
               <a:rPr lang="en-US" smtClean="0"/>
-              <a:t>12/9/2020</a:t>
+              <a:t>12/13/2020</a:t>
             </a:fld>
             <a:endParaRPr lang="en-US"/>
           </a:p>
@@ -2813,7 +2899,7 @@
           <a:p>
             <a:fld id="{EA91886C-002B-40DC-BBAF-4CA608631BA0}" type="datetimeFigureOut">
               <a:rPr lang="en-US" smtClean="0"/>
-              <a:t>12/9/2020</a:t>
+              <a:t>12/13/2020</a:t>
             </a:fld>
             <a:endParaRPr lang="en-US"/>
           </a:p>
@@ -2930,7 +3016,7 @@
           <a:p>
             <a:fld id="{EA91886C-002B-40DC-BBAF-4CA608631BA0}" type="datetimeFigureOut">
               <a:rPr lang="en-US" smtClean="0"/>
-              <a:t>12/9/2020</a:t>
+              <a:t>12/13/2020</a:t>
             </a:fld>
             <a:endParaRPr lang="en-US"/>
           </a:p>
@@ -3025,7 +3111,7 @@
           <a:p>
             <a:fld id="{EA91886C-002B-40DC-BBAF-4CA608631BA0}" type="datetimeFigureOut">
               <a:rPr lang="en-US" smtClean="0"/>
-              <a:t>12/9/2020</a:t>
+              <a:t>12/13/2020</a:t>
             </a:fld>
             <a:endParaRPr lang="en-US"/>
           </a:p>
@@ -3300,7 +3386,7 @@
           <a:p>
             <a:fld id="{EA91886C-002B-40DC-BBAF-4CA608631BA0}" type="datetimeFigureOut">
               <a:rPr lang="en-US" smtClean="0"/>
-              <a:t>12/9/2020</a:t>
+              <a:t>12/13/2020</a:t>
             </a:fld>
             <a:endParaRPr lang="en-US"/>
           </a:p>
@@ -3552,7 +3638,7 @@
           <a:p>
             <a:fld id="{EA91886C-002B-40DC-BBAF-4CA608631BA0}" type="datetimeFigureOut">
               <a:rPr lang="en-US" smtClean="0"/>
-              <a:t>12/9/2020</a:t>
+              <a:t>12/13/2020</a:t>
             </a:fld>
             <a:endParaRPr lang="en-US"/>
           </a:p>
@@ -3763,7 +3849,7 @@
           <a:p>
             <a:fld id="{EA91886C-002B-40DC-BBAF-4CA608631BA0}" type="datetimeFigureOut">
               <a:rPr lang="en-US" smtClean="0"/>
-              <a:t>12/9/2020</a:t>
+              <a:t>12/13/2020</a:t>
             </a:fld>
             <a:endParaRPr lang="en-US"/>
           </a:p>
@@ -6217,15 +6303,15 @@
       </p:sp>
       <p:pic>
         <p:nvPicPr>
-          <p:cNvPr id="29" name="Picture 9" descr="C:\Users\HuyTran\Desktop\WPF project\Pharmacy\Pharmacy_R1\Pharmacy\Pharmacy\Resource\Icons\app icon.png">
-            <a:extLst>
-              <a:ext uri="{FF2B5EF4-FFF2-40B4-BE49-F238E27FC236}">
-                <a16:creationId xmlns:a16="http://schemas.microsoft.com/office/drawing/2014/main" id="{567AD017-EB3A-48D5-A845-E9D462E1FFF4}"/>
+          <p:cNvPr id="27" name="Picture 26">
+            <a:extLst>
+              <a:ext uri="{FF2B5EF4-FFF2-40B4-BE49-F238E27FC236}">
+                <a16:creationId xmlns:a16="http://schemas.microsoft.com/office/drawing/2014/main" id="{F8233DEE-CB43-4357-9797-CF14F6FA1001}"/>
               </a:ext>
             </a:extLst>
           </p:cNvPr>
           <p:cNvPicPr>
-            <a:picLocks noChangeAspect="1" noChangeArrowheads="1"/>
+            <a:picLocks noChangeAspect="1"/>
           </p:cNvPicPr>
           <p:nvPr/>
         </p:nvPicPr>
@@ -6237,29 +6323,18 @@
               </a:ext>
             </a:extLst>
           </a:blip>
-          <a:srcRect/>
           <a:stretch>
             <a:fillRect/>
           </a:stretch>
         </p:blipFill>
-        <p:spPr bwMode="auto">
-          <a:xfrm>
-            <a:off x="509752" y="904203"/>
-            <a:ext cx="404648" cy="409856"/>
-          </a:xfrm>
-          <a:prstGeom prst="rect">
-            <a:avLst/>
-          </a:prstGeom>
-          <a:noFill/>
-          <a:extLst>
-            <a:ext uri="{909E8E84-426E-40DD-AFC4-6F175D3DCCD1}">
-              <a14:hiddenFill xmlns:a14="http://schemas.microsoft.com/office/drawing/2010/main">
-                <a:solidFill>
-                  <a:srgbClr val="FFFFFF"/>
-                </a:solidFill>
-              </a14:hiddenFill>
-            </a:ext>
-          </a:extLst>
+        <p:spPr>
+          <a:xfrm>
+            <a:off x="533400" y="914400"/>
+            <a:ext cx="349430" cy="349430"/>
+          </a:xfrm>
+          <a:prstGeom prst="rect">
+            <a:avLst/>
+          </a:prstGeom>
         </p:spPr>
       </p:pic>
     </p:spTree>
@@ -7207,9 +7282,8 @@
               </a:ext>
             </a:extLst>
           </a:blip>
-          <a:stretch>
-            <a:fillRect/>
-          </a:stretch>
+          <a:srcRect/>
+          <a:stretch/>
         </p:blipFill>
         <p:spPr>
           <a:xfrm>
@@ -7428,9 +7502,8 @@
               </a:ext>
             </a:extLst>
           </a:blip>
-          <a:stretch>
-            <a:fillRect/>
-          </a:stretch>
+          <a:srcRect/>
+          <a:stretch/>
         </p:blipFill>
         <p:spPr>
           <a:xfrm>
@@ -7458,6 +7531,41 @@
         </p:nvPicPr>
         <p:blipFill>
           <a:blip r:embed="rId4" cstate="print">
+            <a:extLst>
+              <a:ext uri="{28A0092B-C50C-407E-A947-70E740481C1C}">
+                <a14:useLocalDpi xmlns:a14="http://schemas.microsoft.com/office/drawing/2010/main" val="0"/>
+              </a:ext>
+            </a:extLst>
+          </a:blip>
+          <a:srcRect/>
+          <a:stretch/>
+        </p:blipFill>
+        <p:spPr>
+          <a:xfrm>
+            <a:off x="7676276" y="4464968"/>
+            <a:ext cx="304800" cy="304800"/>
+          </a:xfrm>
+          <a:prstGeom prst="rect">
+            <a:avLst/>
+          </a:prstGeom>
+        </p:spPr>
+      </p:pic>
+      <p:pic>
+        <p:nvPicPr>
+          <p:cNvPr id="20" name="Picture 19">
+            <a:extLst>
+              <a:ext uri="{FF2B5EF4-FFF2-40B4-BE49-F238E27FC236}">
+                <a16:creationId xmlns:a16="http://schemas.microsoft.com/office/drawing/2014/main" id="{A1E27E13-D052-4757-96D9-B148BE0701D0}"/>
+              </a:ext>
+            </a:extLst>
+          </p:cNvPr>
+          <p:cNvPicPr>
+            <a:picLocks noChangeAspect="1"/>
+          </p:cNvPicPr>
+          <p:nvPr/>
+        </p:nvPicPr>
+        <p:blipFill>
+          <a:blip r:embed="rId5" cstate="print">
             <a:extLst>
               <a:ext uri="{28A0092B-C50C-407E-A947-70E740481C1C}">
                 <a14:useLocalDpi xmlns:a14="http://schemas.microsoft.com/office/drawing/2010/main" val="0"/>
@@ -7470,42 +7578,6 @@
         </p:blipFill>
         <p:spPr>
           <a:xfrm>
-            <a:off x="7676276" y="4464968"/>
-            <a:ext cx="304800" cy="304800"/>
-          </a:xfrm>
-          <a:prstGeom prst="rect">
-            <a:avLst/>
-          </a:prstGeom>
-        </p:spPr>
-      </p:pic>
-      <p:pic>
-        <p:nvPicPr>
-          <p:cNvPr id="20" name="Picture 19">
-            <a:extLst>
-              <a:ext uri="{FF2B5EF4-FFF2-40B4-BE49-F238E27FC236}">
-                <a16:creationId xmlns:a16="http://schemas.microsoft.com/office/drawing/2014/main" id="{A1E27E13-D052-4757-96D9-B148BE0701D0}"/>
-              </a:ext>
-            </a:extLst>
-          </p:cNvPr>
-          <p:cNvPicPr>
-            <a:picLocks noChangeAspect="1"/>
-          </p:cNvPicPr>
-          <p:nvPr/>
-        </p:nvPicPr>
-        <p:blipFill>
-          <a:blip r:embed="rId5" cstate="print">
-            <a:extLst>
-              <a:ext uri="{28A0092B-C50C-407E-A947-70E740481C1C}">
-                <a14:useLocalDpi xmlns:a14="http://schemas.microsoft.com/office/drawing/2010/main" val="0"/>
-              </a:ext>
-            </a:extLst>
-          </a:blip>
-          <a:stretch>
-            <a:fillRect/>
-          </a:stretch>
-        </p:blipFill>
-        <p:spPr>
-          <a:xfrm>
             <a:off x="8143438" y="4474218"/>
             <a:ext cx="304800" cy="304800"/>
           </a:xfrm>
@@ -7536,9 +7608,8 @@
               </a:ext>
             </a:extLst>
           </a:blip>
-          <a:stretch>
-            <a:fillRect/>
-          </a:stretch>
+          <a:srcRect/>
+          <a:stretch/>
         </p:blipFill>
         <p:spPr>
           <a:xfrm>
@@ -12815,9 +12886,8 @@
               </a:ext>
             </a:extLst>
           </a:blip>
-          <a:stretch>
-            <a:fillRect/>
-          </a:stretch>
+          <a:srcRect/>
+          <a:stretch/>
         </p:blipFill>
         <p:spPr>
           <a:xfrm>
@@ -12989,9 +13059,8 @@
               </a:ext>
             </a:extLst>
           </a:blip>
-          <a:stretch>
-            <a:fillRect/>
-          </a:stretch>
+          <a:srcRect/>
+          <a:stretch/>
         </p:blipFill>
         <p:spPr>
           <a:xfrm>
@@ -19334,10 +19403,10 @@
       </p:pic>
       <p:pic>
         <p:nvPicPr>
-          <p:cNvPr id="4" name="Picture 3">
-            <a:extLst>
-              <a:ext uri="{FF2B5EF4-FFF2-40B4-BE49-F238E27FC236}">
-                <a16:creationId xmlns:a16="http://schemas.microsoft.com/office/drawing/2014/main" id="{08872F51-3115-4FAB-A4D7-2C3CD488FBCA}"/>
+          <p:cNvPr id="22" name="Picture 21">
+            <a:extLst>
+              <a:ext uri="{FF2B5EF4-FFF2-40B4-BE49-F238E27FC236}">
+                <a16:creationId xmlns:a16="http://schemas.microsoft.com/office/drawing/2014/main" id="{152C4223-FE44-492A-94DA-D432CDA97147}"/>
               </a:ext>
             </a:extLst>
           </p:cNvPr>
@@ -19348,6 +19417,41 @@
         </p:nvPicPr>
         <p:blipFill>
           <a:blip r:embed="rId4" cstate="print">
+            <a:extLst>
+              <a:ext uri="{28A0092B-C50C-407E-A947-70E740481C1C}">
+                <a14:useLocalDpi xmlns:a14="http://schemas.microsoft.com/office/drawing/2010/main" val="0"/>
+              </a:ext>
+            </a:extLst>
+          </a:blip>
+          <a:srcRect/>
+          <a:stretch/>
+        </p:blipFill>
+        <p:spPr>
+          <a:xfrm>
+            <a:off x="7543800" y="3124200"/>
+            <a:ext cx="304800" cy="304800"/>
+          </a:xfrm>
+          <a:prstGeom prst="rect">
+            <a:avLst/>
+          </a:prstGeom>
+        </p:spPr>
+      </p:pic>
+      <p:pic>
+        <p:nvPicPr>
+          <p:cNvPr id="23" name="Picture 22">
+            <a:extLst>
+              <a:ext uri="{FF2B5EF4-FFF2-40B4-BE49-F238E27FC236}">
+                <a16:creationId xmlns:a16="http://schemas.microsoft.com/office/drawing/2014/main" id="{28EBE4F5-C6EB-4CF6-8188-71ACA64C1695}"/>
+              </a:ext>
+            </a:extLst>
+          </p:cNvPr>
+          <p:cNvPicPr>
+            <a:picLocks noChangeAspect="1"/>
+          </p:cNvPicPr>
+          <p:nvPr/>
+        </p:nvPicPr>
+        <p:blipFill>
+          <a:blip r:embed="rId5" cstate="print">
             <a:extLst>
               <a:ext uri="{28A0092B-C50C-407E-A947-70E740481C1C}">
                 <a14:useLocalDpi xmlns:a14="http://schemas.microsoft.com/office/drawing/2010/main" val="0"/>
@@ -19359,9 +19463,9 @@
           </a:stretch>
         </p:blipFill>
         <p:spPr>
-          <a:xfrm flipH="1">
-            <a:off x="500047" y="935000"/>
-            <a:ext cx="436600" cy="436600"/>
+          <a:xfrm>
+            <a:off x="8010962" y="3133450"/>
+            <a:ext cx="304800" cy="304800"/>
           </a:xfrm>
           <a:prstGeom prst="rect">
             <a:avLst/>
@@ -19370,10 +19474,80 @@
       </p:pic>
       <p:pic>
         <p:nvPicPr>
-          <p:cNvPr id="22" name="Picture 21">
-            <a:extLst>
-              <a:ext uri="{FF2B5EF4-FFF2-40B4-BE49-F238E27FC236}">
-                <a16:creationId xmlns:a16="http://schemas.microsoft.com/office/drawing/2014/main" id="{152C4223-FE44-492A-94DA-D432CDA97147}"/>
+          <p:cNvPr id="24" name="Picture 23">
+            <a:extLst>
+              <a:ext uri="{FF2B5EF4-FFF2-40B4-BE49-F238E27FC236}">
+                <a16:creationId xmlns:a16="http://schemas.microsoft.com/office/drawing/2014/main" id="{52EB17A2-1213-425A-87D0-9E086069B2A1}"/>
+              </a:ext>
+            </a:extLst>
+          </p:cNvPr>
+          <p:cNvPicPr>
+            <a:picLocks noChangeAspect="1"/>
+          </p:cNvPicPr>
+          <p:nvPr/>
+        </p:nvPicPr>
+        <p:blipFill>
+          <a:blip r:embed="rId6" cstate="print">
+            <a:extLst>
+              <a:ext uri="{28A0092B-C50C-407E-A947-70E740481C1C}">
+                <a14:useLocalDpi xmlns:a14="http://schemas.microsoft.com/office/drawing/2010/main" val="0"/>
+              </a:ext>
+            </a:extLst>
+          </a:blip>
+          <a:srcRect/>
+          <a:stretch/>
+        </p:blipFill>
+        <p:spPr>
+          <a:xfrm>
+            <a:off x="8478124" y="3124200"/>
+            <a:ext cx="304800" cy="304800"/>
+          </a:xfrm>
+          <a:prstGeom prst="rect">
+            <a:avLst/>
+          </a:prstGeom>
+        </p:spPr>
+      </p:pic>
+      <p:pic>
+        <p:nvPicPr>
+          <p:cNvPr id="32" name="Picture 31">
+            <a:extLst>
+              <a:ext uri="{FF2B5EF4-FFF2-40B4-BE49-F238E27FC236}">
+                <a16:creationId xmlns:a16="http://schemas.microsoft.com/office/drawing/2014/main" id="{9E933CBA-513F-4CCA-860A-2490166915F8}"/>
+              </a:ext>
+            </a:extLst>
+          </p:cNvPr>
+          <p:cNvPicPr>
+            <a:picLocks noChangeAspect="1"/>
+          </p:cNvPicPr>
+          <p:nvPr/>
+        </p:nvPicPr>
+        <p:blipFill>
+          <a:blip r:embed="rId4" cstate="print">
+            <a:extLst>
+              <a:ext uri="{28A0092B-C50C-407E-A947-70E740481C1C}">
+                <a14:useLocalDpi xmlns:a14="http://schemas.microsoft.com/office/drawing/2010/main" val="0"/>
+              </a:ext>
+            </a:extLst>
+          </a:blip>
+          <a:srcRect/>
+          <a:stretch/>
+        </p:blipFill>
+        <p:spPr>
+          <a:xfrm>
+            <a:off x="7543800" y="4419600"/>
+            <a:ext cx="304800" cy="304800"/>
+          </a:xfrm>
+          <a:prstGeom prst="rect">
+            <a:avLst/>
+          </a:prstGeom>
+        </p:spPr>
+      </p:pic>
+      <p:pic>
+        <p:nvPicPr>
+          <p:cNvPr id="33" name="Picture 32">
+            <a:extLst>
+              <a:ext uri="{FF2B5EF4-FFF2-40B4-BE49-F238E27FC236}">
+                <a16:creationId xmlns:a16="http://schemas.microsoft.com/office/drawing/2014/main" id="{2BC9312B-3AF4-440F-B845-F4A0B58E6C78}"/>
               </a:ext>
             </a:extLst>
           </p:cNvPr>
@@ -19396,7 +19570,7 @@
         </p:blipFill>
         <p:spPr>
           <a:xfrm>
-            <a:off x="7543800" y="3124200"/>
+            <a:off x="8010962" y="4428850"/>
             <a:ext cx="304800" cy="304800"/>
           </a:xfrm>
           <a:prstGeom prst="rect">
@@ -19406,10 +19580,10 @@
       </p:pic>
       <p:pic>
         <p:nvPicPr>
-          <p:cNvPr id="23" name="Picture 22">
-            <a:extLst>
-              <a:ext uri="{FF2B5EF4-FFF2-40B4-BE49-F238E27FC236}">
-                <a16:creationId xmlns:a16="http://schemas.microsoft.com/office/drawing/2014/main" id="{28EBE4F5-C6EB-4CF6-8188-71ACA64C1695}"/>
+          <p:cNvPr id="34" name="Picture 33">
+            <a:extLst>
+              <a:ext uri="{FF2B5EF4-FFF2-40B4-BE49-F238E27FC236}">
+                <a16:creationId xmlns:a16="http://schemas.microsoft.com/office/drawing/2014/main" id="{E087B8C1-BC3D-4931-BC92-8B4F12F136DF}"/>
               </a:ext>
             </a:extLst>
           </p:cNvPr>
@@ -19420,6 +19594,41 @@
         </p:nvPicPr>
         <p:blipFill>
           <a:blip r:embed="rId6" cstate="print">
+            <a:extLst>
+              <a:ext uri="{28A0092B-C50C-407E-A947-70E740481C1C}">
+                <a14:useLocalDpi xmlns:a14="http://schemas.microsoft.com/office/drawing/2010/main" val="0"/>
+              </a:ext>
+            </a:extLst>
+          </a:blip>
+          <a:srcRect/>
+          <a:stretch/>
+        </p:blipFill>
+        <p:spPr>
+          <a:xfrm>
+            <a:off x="8478124" y="4419600"/>
+            <a:ext cx="304800" cy="304800"/>
+          </a:xfrm>
+          <a:prstGeom prst="rect">
+            <a:avLst/>
+          </a:prstGeom>
+        </p:spPr>
+      </p:pic>
+      <p:pic>
+        <p:nvPicPr>
+          <p:cNvPr id="5" name="Picture 4">
+            <a:extLst>
+              <a:ext uri="{FF2B5EF4-FFF2-40B4-BE49-F238E27FC236}">
+                <a16:creationId xmlns:a16="http://schemas.microsoft.com/office/drawing/2014/main" id="{4EB02010-3707-4ED9-9532-806BF43A1420}"/>
+              </a:ext>
+            </a:extLst>
+          </p:cNvPr>
+          <p:cNvPicPr>
+            <a:picLocks noChangeAspect="1"/>
+          </p:cNvPicPr>
+          <p:nvPr/>
+        </p:nvPicPr>
+        <p:blipFill>
+          <a:blip r:embed="rId7" cstate="print">
             <a:extLst>
               <a:ext uri="{28A0092B-C50C-407E-A947-70E740481C1C}">
                 <a14:useLocalDpi xmlns:a14="http://schemas.microsoft.com/office/drawing/2010/main" val="0"/>
@@ -19432,152 +19641,8 @@
         </p:blipFill>
         <p:spPr>
           <a:xfrm>
-            <a:off x="8010962" y="3133450"/>
-            <a:ext cx="304800" cy="304800"/>
-          </a:xfrm>
-          <a:prstGeom prst="rect">
-            <a:avLst/>
-          </a:prstGeom>
-        </p:spPr>
-      </p:pic>
-      <p:pic>
-        <p:nvPicPr>
-          <p:cNvPr id="24" name="Picture 23">
-            <a:extLst>
-              <a:ext uri="{FF2B5EF4-FFF2-40B4-BE49-F238E27FC236}">
-                <a16:creationId xmlns:a16="http://schemas.microsoft.com/office/drawing/2014/main" id="{52EB17A2-1213-425A-87D0-9E086069B2A1}"/>
-              </a:ext>
-            </a:extLst>
-          </p:cNvPr>
-          <p:cNvPicPr>
-            <a:picLocks noChangeAspect="1"/>
-          </p:cNvPicPr>
-          <p:nvPr/>
-        </p:nvPicPr>
-        <p:blipFill>
-          <a:blip r:embed="rId7" cstate="print">
-            <a:extLst>
-              <a:ext uri="{28A0092B-C50C-407E-A947-70E740481C1C}">
-                <a14:useLocalDpi xmlns:a14="http://schemas.microsoft.com/office/drawing/2010/main" val="0"/>
-              </a:ext>
-            </a:extLst>
-          </a:blip>
-          <a:stretch>
-            <a:fillRect/>
-          </a:stretch>
-        </p:blipFill>
-        <p:spPr>
-          <a:xfrm>
-            <a:off x="8478124" y="3124200"/>
-            <a:ext cx="304800" cy="304800"/>
-          </a:xfrm>
-          <a:prstGeom prst="rect">
-            <a:avLst/>
-          </a:prstGeom>
-        </p:spPr>
-      </p:pic>
-      <p:pic>
-        <p:nvPicPr>
-          <p:cNvPr id="32" name="Picture 31">
-            <a:extLst>
-              <a:ext uri="{FF2B5EF4-FFF2-40B4-BE49-F238E27FC236}">
-                <a16:creationId xmlns:a16="http://schemas.microsoft.com/office/drawing/2014/main" id="{9E933CBA-513F-4CCA-860A-2490166915F8}"/>
-              </a:ext>
-            </a:extLst>
-          </p:cNvPr>
-          <p:cNvPicPr>
-            <a:picLocks noChangeAspect="1"/>
-          </p:cNvPicPr>
-          <p:nvPr/>
-        </p:nvPicPr>
-        <p:blipFill>
-          <a:blip r:embed="rId5" cstate="print">
-            <a:extLst>
-              <a:ext uri="{28A0092B-C50C-407E-A947-70E740481C1C}">
-                <a14:useLocalDpi xmlns:a14="http://schemas.microsoft.com/office/drawing/2010/main" val="0"/>
-              </a:ext>
-            </a:extLst>
-          </a:blip>
-          <a:stretch>
-            <a:fillRect/>
-          </a:stretch>
-        </p:blipFill>
-        <p:spPr>
-          <a:xfrm>
-            <a:off x="7543800" y="4419600"/>
-            <a:ext cx="304800" cy="304800"/>
-          </a:xfrm>
-          <a:prstGeom prst="rect">
-            <a:avLst/>
-          </a:prstGeom>
-        </p:spPr>
-      </p:pic>
-      <p:pic>
-        <p:nvPicPr>
-          <p:cNvPr id="33" name="Picture 32">
-            <a:extLst>
-              <a:ext uri="{FF2B5EF4-FFF2-40B4-BE49-F238E27FC236}">
-                <a16:creationId xmlns:a16="http://schemas.microsoft.com/office/drawing/2014/main" id="{2BC9312B-3AF4-440F-B845-F4A0B58E6C78}"/>
-              </a:ext>
-            </a:extLst>
-          </p:cNvPr>
-          <p:cNvPicPr>
-            <a:picLocks noChangeAspect="1"/>
-          </p:cNvPicPr>
-          <p:nvPr/>
-        </p:nvPicPr>
-        <p:blipFill>
-          <a:blip r:embed="rId6" cstate="print">
-            <a:extLst>
-              <a:ext uri="{28A0092B-C50C-407E-A947-70E740481C1C}">
-                <a14:useLocalDpi xmlns:a14="http://schemas.microsoft.com/office/drawing/2010/main" val="0"/>
-              </a:ext>
-            </a:extLst>
-          </a:blip>
-          <a:stretch>
-            <a:fillRect/>
-          </a:stretch>
-        </p:blipFill>
-        <p:spPr>
-          <a:xfrm>
-            <a:off x="8010962" y="4428850"/>
-            <a:ext cx="304800" cy="304800"/>
-          </a:xfrm>
-          <a:prstGeom prst="rect">
-            <a:avLst/>
-          </a:prstGeom>
-        </p:spPr>
-      </p:pic>
-      <p:pic>
-        <p:nvPicPr>
-          <p:cNvPr id="34" name="Picture 33">
-            <a:extLst>
-              <a:ext uri="{FF2B5EF4-FFF2-40B4-BE49-F238E27FC236}">
-                <a16:creationId xmlns:a16="http://schemas.microsoft.com/office/drawing/2014/main" id="{E087B8C1-BC3D-4931-BC92-8B4F12F136DF}"/>
-              </a:ext>
-            </a:extLst>
-          </p:cNvPr>
-          <p:cNvPicPr>
-            <a:picLocks noChangeAspect="1"/>
-          </p:cNvPicPr>
-          <p:nvPr/>
-        </p:nvPicPr>
-        <p:blipFill>
-          <a:blip r:embed="rId7" cstate="print">
-            <a:extLst>
-              <a:ext uri="{28A0092B-C50C-407E-A947-70E740481C1C}">
-                <a14:useLocalDpi xmlns:a14="http://schemas.microsoft.com/office/drawing/2010/main" val="0"/>
-              </a:ext>
-            </a:extLst>
-          </a:blip>
-          <a:stretch>
-            <a:fillRect/>
-          </a:stretch>
-        </p:blipFill>
-        <p:spPr>
-          <a:xfrm>
-            <a:off x="8478124" y="4419600"/>
-            <a:ext cx="304800" cy="304800"/>
+            <a:off x="506654" y="931247"/>
+            <a:ext cx="407746" cy="407746"/>
           </a:xfrm>
           <a:prstGeom prst="rect">
             <a:avLst/>
@@ -20394,42 +20459,6 @@
           </a:p>
         </p:txBody>
       </p:sp>
-      <p:pic>
-        <p:nvPicPr>
-          <p:cNvPr id="24" name="Picture 23">
-            <a:extLst>
-              <a:ext uri="{FF2B5EF4-FFF2-40B4-BE49-F238E27FC236}">
-                <a16:creationId xmlns:a16="http://schemas.microsoft.com/office/drawing/2014/main" id="{434B1BC7-1E01-4167-B8B3-3CF67E613B5F}"/>
-              </a:ext>
-            </a:extLst>
-          </p:cNvPr>
-          <p:cNvPicPr>
-            <a:picLocks noChangeAspect="1"/>
-          </p:cNvPicPr>
-          <p:nvPr/>
-        </p:nvPicPr>
-        <p:blipFill>
-          <a:blip r:embed="rId3" cstate="print">
-            <a:extLst>
-              <a:ext uri="{28A0092B-C50C-407E-A947-70E740481C1C}">
-                <a14:useLocalDpi xmlns:a14="http://schemas.microsoft.com/office/drawing/2010/main" val="0"/>
-              </a:ext>
-            </a:extLst>
-          </a:blip>
-          <a:stretch>
-            <a:fillRect/>
-          </a:stretch>
-        </p:blipFill>
-        <p:spPr>
-          <a:xfrm flipH="1">
-            <a:off x="500047" y="935000"/>
-            <a:ext cx="436600" cy="436600"/>
-          </a:xfrm>
-          <a:prstGeom prst="rect">
-            <a:avLst/>
-          </a:prstGeom>
-        </p:spPr>
-      </p:pic>
       <p:sp>
         <p:nvSpPr>
           <p:cNvPr id="25" name="TextBox 24">
@@ -20689,6 +20718,42 @@
           </a:p>
         </p:txBody>
       </p:sp>
+      <p:pic>
+        <p:nvPicPr>
+          <p:cNvPr id="21" name="Picture 20">
+            <a:extLst>
+              <a:ext uri="{FF2B5EF4-FFF2-40B4-BE49-F238E27FC236}">
+                <a16:creationId xmlns:a16="http://schemas.microsoft.com/office/drawing/2014/main" id="{AFEE3E03-059F-4485-BB9B-E7F9A7381F0D}"/>
+              </a:ext>
+            </a:extLst>
+          </p:cNvPr>
+          <p:cNvPicPr>
+            <a:picLocks noChangeAspect="1"/>
+          </p:cNvPicPr>
+          <p:nvPr/>
+        </p:nvPicPr>
+        <p:blipFill>
+          <a:blip r:embed="rId3" cstate="print">
+            <a:extLst>
+              <a:ext uri="{28A0092B-C50C-407E-A947-70E740481C1C}">
+                <a14:useLocalDpi xmlns:a14="http://schemas.microsoft.com/office/drawing/2010/main" val="0"/>
+              </a:ext>
+            </a:extLst>
+          </a:blip>
+          <a:stretch>
+            <a:fillRect/>
+          </a:stretch>
+        </p:blipFill>
+        <p:spPr>
+          <a:xfrm>
+            <a:off x="506654" y="931247"/>
+            <a:ext cx="407746" cy="407746"/>
+          </a:xfrm>
+          <a:prstGeom prst="rect">
+            <a:avLst/>
+          </a:prstGeom>
+        </p:spPr>
+      </p:pic>
     </p:spTree>
     <p:extLst>
       <p:ext uri="{BB962C8B-B14F-4D97-AF65-F5344CB8AC3E}">
@@ -20773,10 +20838,10 @@
       </p:sp>
       <p:pic>
         <p:nvPicPr>
-          <p:cNvPr id="9" name="Picture 8">
-            <a:extLst>
-              <a:ext uri="{FF2B5EF4-FFF2-40B4-BE49-F238E27FC236}">
-                <a16:creationId xmlns:a16="http://schemas.microsoft.com/office/drawing/2014/main" id="{388C0856-E120-414E-BBD6-A5CD81F9B20C}"/>
+          <p:cNvPr id="3" name="Picture 2">
+            <a:extLst>
+              <a:ext uri="{FF2B5EF4-FFF2-40B4-BE49-F238E27FC236}">
+                <a16:creationId xmlns:a16="http://schemas.microsoft.com/office/drawing/2014/main" id="{5C292BA5-A729-4FFF-85B0-3702B3A4EC3D}"/>
               </a:ext>
             </a:extLst>
           </p:cNvPr>
@@ -20793,8 +20858,8 @@
         </p:blipFill>
         <p:spPr>
           <a:xfrm>
-            <a:off x="0" y="655734"/>
-            <a:ext cx="9144000" cy="6184905"/>
+            <a:off x="0" y="857250"/>
+            <a:ext cx="9144000" cy="5143500"/>
           </a:xfrm>
           <a:prstGeom prst="rect">
             <a:avLst/>
@@ -22143,42 +22208,6 @@
           </a:p>
         </p:txBody>
       </p:sp>
-      <p:pic>
-        <p:nvPicPr>
-          <p:cNvPr id="31" name="Picture 30">
-            <a:extLst>
-              <a:ext uri="{FF2B5EF4-FFF2-40B4-BE49-F238E27FC236}">
-                <a16:creationId xmlns:a16="http://schemas.microsoft.com/office/drawing/2014/main" id="{6E6CB688-0CF3-45FD-BC06-95F23DB92DCD}"/>
-              </a:ext>
-            </a:extLst>
-          </p:cNvPr>
-          <p:cNvPicPr>
-            <a:picLocks noChangeAspect="1"/>
-          </p:cNvPicPr>
-          <p:nvPr/>
-        </p:nvPicPr>
-        <p:blipFill>
-          <a:blip r:embed="rId3" cstate="print">
-            <a:extLst>
-              <a:ext uri="{28A0092B-C50C-407E-A947-70E740481C1C}">
-                <a14:useLocalDpi xmlns:a14="http://schemas.microsoft.com/office/drawing/2010/main" val="0"/>
-              </a:ext>
-            </a:extLst>
-          </a:blip>
-          <a:stretch>
-            <a:fillRect/>
-          </a:stretch>
-        </p:blipFill>
-        <p:spPr>
-          <a:xfrm flipH="1">
-            <a:off x="500047" y="935000"/>
-            <a:ext cx="436600" cy="436600"/>
-          </a:xfrm>
-          <a:prstGeom prst="rect">
-            <a:avLst/>
-          </a:prstGeom>
-        </p:spPr>
-      </p:pic>
       <p:sp>
         <p:nvSpPr>
           <p:cNvPr id="32" name="Rectangle 31">
@@ -22355,6 +22384,42 @@
           </a:p>
         </p:txBody>
       </p:sp>
+      <p:pic>
+        <p:nvPicPr>
+          <p:cNvPr id="27" name="Picture 26">
+            <a:extLst>
+              <a:ext uri="{FF2B5EF4-FFF2-40B4-BE49-F238E27FC236}">
+                <a16:creationId xmlns:a16="http://schemas.microsoft.com/office/drawing/2014/main" id="{D6E0915E-A0EB-4F33-BBC4-EC1A86439242}"/>
+              </a:ext>
+            </a:extLst>
+          </p:cNvPr>
+          <p:cNvPicPr>
+            <a:picLocks noChangeAspect="1"/>
+          </p:cNvPicPr>
+          <p:nvPr/>
+        </p:nvPicPr>
+        <p:blipFill>
+          <a:blip r:embed="rId3" cstate="print">
+            <a:extLst>
+              <a:ext uri="{28A0092B-C50C-407E-A947-70E740481C1C}">
+                <a14:useLocalDpi xmlns:a14="http://schemas.microsoft.com/office/drawing/2010/main" val="0"/>
+              </a:ext>
+            </a:extLst>
+          </a:blip>
+          <a:stretch>
+            <a:fillRect/>
+          </a:stretch>
+        </p:blipFill>
+        <p:spPr>
+          <a:xfrm>
+            <a:off x="506654" y="931247"/>
+            <a:ext cx="407746" cy="407746"/>
+          </a:xfrm>
+          <a:prstGeom prst="rect">
+            <a:avLst/>
+          </a:prstGeom>
+        </p:spPr>
+      </p:pic>
     </p:spTree>
     <p:extLst>
       <p:ext uri="{BB962C8B-B14F-4D97-AF65-F5344CB8AC3E}">
@@ -23475,42 +23540,6 @@
           </a:p>
         </p:txBody>
       </p:sp>
-      <p:pic>
-        <p:nvPicPr>
-          <p:cNvPr id="19" name="Picture 18">
-            <a:extLst>
-              <a:ext uri="{FF2B5EF4-FFF2-40B4-BE49-F238E27FC236}">
-                <a16:creationId xmlns:a16="http://schemas.microsoft.com/office/drawing/2014/main" id="{F1A86748-C219-4BBC-8073-3EC6753C01D7}"/>
-              </a:ext>
-            </a:extLst>
-          </p:cNvPr>
-          <p:cNvPicPr>
-            <a:picLocks noChangeAspect="1"/>
-          </p:cNvPicPr>
-          <p:nvPr/>
-        </p:nvPicPr>
-        <p:blipFill>
-          <a:blip r:embed="rId3" cstate="print">
-            <a:extLst>
-              <a:ext uri="{28A0092B-C50C-407E-A947-70E740481C1C}">
-                <a14:useLocalDpi xmlns:a14="http://schemas.microsoft.com/office/drawing/2010/main" val="0"/>
-              </a:ext>
-            </a:extLst>
-          </a:blip>
-          <a:stretch>
-            <a:fillRect/>
-          </a:stretch>
-        </p:blipFill>
-        <p:spPr>
-          <a:xfrm flipH="1">
-            <a:off x="500047" y="935000"/>
-            <a:ext cx="436600" cy="436600"/>
-          </a:xfrm>
-          <a:prstGeom prst="rect">
-            <a:avLst/>
-          </a:prstGeom>
-        </p:spPr>
-      </p:pic>
       <p:sp>
         <p:nvSpPr>
           <p:cNvPr id="20" name="Rectangle 19">
@@ -23919,6 +23948,42 @@
           </a:p>
         </p:txBody>
       </p:sp>
+      <p:pic>
+        <p:nvPicPr>
+          <p:cNvPr id="23" name="Picture 22">
+            <a:extLst>
+              <a:ext uri="{FF2B5EF4-FFF2-40B4-BE49-F238E27FC236}">
+                <a16:creationId xmlns:a16="http://schemas.microsoft.com/office/drawing/2014/main" id="{C646A48A-F738-43B4-9B1D-67FC4EF2DF4B}"/>
+              </a:ext>
+            </a:extLst>
+          </p:cNvPr>
+          <p:cNvPicPr>
+            <a:picLocks noChangeAspect="1"/>
+          </p:cNvPicPr>
+          <p:nvPr/>
+        </p:nvPicPr>
+        <p:blipFill>
+          <a:blip r:embed="rId3" cstate="print">
+            <a:extLst>
+              <a:ext uri="{28A0092B-C50C-407E-A947-70E740481C1C}">
+                <a14:useLocalDpi xmlns:a14="http://schemas.microsoft.com/office/drawing/2010/main" val="0"/>
+              </a:ext>
+            </a:extLst>
+          </a:blip>
+          <a:stretch>
+            <a:fillRect/>
+          </a:stretch>
+        </p:blipFill>
+        <p:spPr>
+          <a:xfrm>
+            <a:off x="506654" y="931247"/>
+            <a:ext cx="407746" cy="407746"/>
+          </a:xfrm>
+          <a:prstGeom prst="rect">
+            <a:avLst/>
+          </a:prstGeom>
+        </p:spPr>
+      </p:pic>
     </p:spTree>
     <p:extLst>
       <p:ext uri="{BB962C8B-B14F-4D97-AF65-F5344CB8AC3E}">
@@ -26777,6 +26842,4210 @@
               <a:rPr lang="en-US" dirty="0">
                 <a:latin typeface="+mj-lt"/>
               </a:rPr>
+              <a:t> </a:t>
+            </a:r>
+            <a:r>
+              <a:rPr lang="en-US" dirty="0" err="1">
+                <a:latin typeface="+mj-lt"/>
+              </a:rPr>
+              <a:t>Quản</a:t>
+            </a:r>
+            <a:r>
+              <a:rPr lang="en-US" dirty="0">
+                <a:latin typeface="+mj-lt"/>
+              </a:rPr>
+              <a:t> </a:t>
+            </a:r>
+            <a:r>
+              <a:rPr lang="en-US" dirty="0" err="1">
+                <a:latin typeface="+mj-lt"/>
+              </a:rPr>
+              <a:t>lý</a:t>
+            </a:r>
+            <a:r>
+              <a:rPr lang="en-US" dirty="0">
+                <a:latin typeface="+mj-lt"/>
+              </a:rPr>
+              <a:t> </a:t>
+            </a:r>
+            <a:r>
+              <a:rPr lang="en-US" dirty="0" err="1">
+                <a:latin typeface="+mj-lt"/>
+              </a:rPr>
+              <a:t>hóa</a:t>
+            </a:r>
+            <a:r>
+              <a:rPr lang="en-US" dirty="0">
+                <a:latin typeface="+mj-lt"/>
+              </a:rPr>
+              <a:t> </a:t>
+            </a:r>
+            <a:r>
+              <a:rPr lang="en-US" dirty="0" err="1">
+                <a:latin typeface="+mj-lt"/>
+              </a:rPr>
+              <a:t>đơn</a:t>
+            </a:r>
+            <a:endParaRPr lang="en-US" sz="1800" b="1" dirty="0">
+              <a:solidFill>
+                <a:schemeClr val="tx1">
+                  <a:lumMod val="85000"/>
+                  <a:lumOff val="15000"/>
+                </a:schemeClr>
+              </a:solidFill>
+              <a:latin typeface="Bahnschrift Light Condensed" pitchFamily="34" charset="0"/>
+            </a:endParaRPr>
+          </a:p>
+          <a:p>
+            <a:endParaRPr lang="en-US" dirty="0">
+              <a:latin typeface="+mj-lt"/>
+            </a:endParaRPr>
+          </a:p>
+        </p:txBody>
+      </p:sp>
+      <p:pic>
+        <p:nvPicPr>
+          <p:cNvPr id="11" name="Picture 10">
+            <a:extLst>
+              <a:ext uri="{FF2B5EF4-FFF2-40B4-BE49-F238E27FC236}">
+                <a16:creationId xmlns:a16="http://schemas.microsoft.com/office/drawing/2014/main" id="{F6164AE6-B86F-4668-B82E-2CCF243694C5}"/>
+              </a:ext>
+            </a:extLst>
+          </p:cNvPr>
+          <p:cNvPicPr>
+            <a:picLocks noChangeAspect="1"/>
+          </p:cNvPicPr>
+          <p:nvPr/>
+        </p:nvPicPr>
+        <p:blipFill>
+          <a:blip r:embed="rId2"/>
+          <a:stretch>
+            <a:fillRect/>
+          </a:stretch>
+        </p:blipFill>
+        <p:spPr>
+          <a:xfrm>
+            <a:off x="-1398" y="673095"/>
+            <a:ext cx="9144000" cy="6184905"/>
+          </a:xfrm>
+          <a:prstGeom prst="rect">
+            <a:avLst/>
+          </a:prstGeom>
+        </p:spPr>
+      </p:pic>
+      <p:sp>
+        <p:nvSpPr>
+          <p:cNvPr id="43" name="TextBox 42">
+            <a:extLst>
+              <a:ext uri="{FF2B5EF4-FFF2-40B4-BE49-F238E27FC236}">
+                <a16:creationId xmlns:a16="http://schemas.microsoft.com/office/drawing/2014/main" id="{F43B97D8-23B6-4B2F-AE82-8C0B2E7C3495}"/>
+              </a:ext>
+            </a:extLst>
+          </p:cNvPr>
+          <p:cNvSpPr txBox="1"/>
+          <p:nvPr/>
+        </p:nvSpPr>
+        <p:spPr>
+          <a:xfrm>
+            <a:off x="888867" y="928098"/>
+            <a:ext cx="4300206" cy="369490"/>
+          </a:xfrm>
+          <a:prstGeom prst="rect">
+            <a:avLst/>
+          </a:prstGeom>
+          <a:noFill/>
+        </p:spPr>
+        <p:txBody>
+          <a:bodyPr wrap="square" rtlCol="0">
+            <a:spAutoFit/>
+          </a:bodyPr>
+          <a:lstStyle/>
+          <a:p>
+            <a:r>
+              <a:rPr lang="en-US" b="1" dirty="0" err="1">
+                <a:solidFill>
+                  <a:schemeClr val="tx1">
+                    <a:lumMod val="85000"/>
+                    <a:lumOff val="15000"/>
+                  </a:schemeClr>
+                </a:solidFill>
+                <a:latin typeface="+mj-lt"/>
+              </a:rPr>
+              <a:t>Quản</a:t>
+            </a:r>
+            <a:r>
+              <a:rPr lang="en-US" b="1" dirty="0">
+                <a:solidFill>
+                  <a:schemeClr val="tx1">
+                    <a:lumMod val="85000"/>
+                    <a:lumOff val="15000"/>
+                  </a:schemeClr>
+                </a:solidFill>
+                <a:latin typeface="+mj-lt"/>
+              </a:rPr>
+              <a:t> </a:t>
+            </a:r>
+            <a:r>
+              <a:rPr lang="en-US" b="1" dirty="0" err="1">
+                <a:solidFill>
+                  <a:schemeClr val="tx1">
+                    <a:lumMod val="85000"/>
+                    <a:lumOff val="15000"/>
+                  </a:schemeClr>
+                </a:solidFill>
+                <a:latin typeface="+mj-lt"/>
+              </a:rPr>
+              <a:t>lý</a:t>
+            </a:r>
+            <a:r>
+              <a:rPr lang="en-US" b="1" dirty="0">
+                <a:solidFill>
+                  <a:schemeClr val="tx1">
+                    <a:lumMod val="85000"/>
+                    <a:lumOff val="15000"/>
+                  </a:schemeClr>
+                </a:solidFill>
+                <a:latin typeface="+mj-lt"/>
+              </a:rPr>
+              <a:t> </a:t>
+            </a:r>
+            <a:r>
+              <a:rPr lang="en-US" b="1" dirty="0" err="1">
+                <a:solidFill>
+                  <a:schemeClr val="tx1">
+                    <a:lumMod val="85000"/>
+                    <a:lumOff val="15000"/>
+                  </a:schemeClr>
+                </a:solidFill>
+                <a:latin typeface="+mj-lt"/>
+              </a:rPr>
+              <a:t>hóa</a:t>
+            </a:r>
+            <a:r>
+              <a:rPr lang="en-US" b="1" dirty="0">
+                <a:solidFill>
+                  <a:schemeClr val="tx1">
+                    <a:lumMod val="85000"/>
+                    <a:lumOff val="15000"/>
+                  </a:schemeClr>
+                </a:solidFill>
+                <a:latin typeface="+mj-lt"/>
+              </a:rPr>
+              <a:t> </a:t>
+            </a:r>
+            <a:r>
+              <a:rPr lang="en-US" b="1" dirty="0" err="1">
+                <a:solidFill>
+                  <a:schemeClr val="tx1">
+                    <a:lumMod val="85000"/>
+                    <a:lumOff val="15000"/>
+                  </a:schemeClr>
+                </a:solidFill>
+                <a:latin typeface="+mj-lt"/>
+              </a:rPr>
+              <a:t>đơn</a:t>
+            </a:r>
+            <a:endParaRPr lang="en-US" b="1" dirty="0">
+              <a:solidFill>
+                <a:schemeClr val="tx1">
+                  <a:lumMod val="85000"/>
+                  <a:lumOff val="15000"/>
+                </a:schemeClr>
+              </a:solidFill>
+              <a:latin typeface="+mj-lt"/>
+            </a:endParaRPr>
+          </a:p>
+        </p:txBody>
+      </p:sp>
+      <p:graphicFrame>
+        <p:nvGraphicFramePr>
+          <p:cNvPr id="41" name="Table 3">
+            <a:extLst>
+              <a:ext uri="{FF2B5EF4-FFF2-40B4-BE49-F238E27FC236}">
+                <a16:creationId xmlns:a16="http://schemas.microsoft.com/office/drawing/2014/main" id="{995E6F81-12C9-4445-97C2-C8DA4F46028F}"/>
+              </a:ext>
+            </a:extLst>
+          </p:cNvPr>
+          <p:cNvGraphicFramePr>
+            <a:graphicFrameLocks noGrp="1"/>
+          </p:cNvGraphicFramePr>
+          <p:nvPr>
+            <p:extLst>
+              <p:ext uri="{D42A27DB-BD31-4B8C-83A1-F6EECF244321}">
+                <p14:modId xmlns:p14="http://schemas.microsoft.com/office/powerpoint/2010/main" val="3020795346"/>
+              </p:ext>
+            </p:extLst>
+          </p:nvPr>
+        </p:nvGraphicFramePr>
+        <p:xfrm>
+          <a:off x="532704" y="1905000"/>
+          <a:ext cx="8382696" cy="3339590"/>
+        </p:xfrm>
+        <a:graphic>
+          <a:graphicData uri="http://schemas.openxmlformats.org/drawingml/2006/table">
+            <a:tbl>
+              <a:tblPr firstRow="1" bandRow="1">
+                <a:tableStyleId>{5C22544A-7EE6-4342-B048-85BDC9FD1C3A}</a:tableStyleId>
+              </a:tblPr>
+              <a:tblGrid>
+                <a:gridCol w="1397116">
+                  <a:extLst>
+                    <a:ext uri="{9D8B030D-6E8A-4147-A177-3AD203B41FA5}">
+                      <a16:colId xmlns:a16="http://schemas.microsoft.com/office/drawing/2014/main" val="3679797539"/>
+                    </a:ext>
+                  </a:extLst>
+                </a:gridCol>
+                <a:gridCol w="1397116">
+                  <a:extLst>
+                    <a:ext uri="{9D8B030D-6E8A-4147-A177-3AD203B41FA5}">
+                      <a16:colId xmlns:a16="http://schemas.microsoft.com/office/drawing/2014/main" val="4188008786"/>
+                    </a:ext>
+                  </a:extLst>
+                </a:gridCol>
+                <a:gridCol w="2643435">
+                  <a:extLst>
+                    <a:ext uri="{9D8B030D-6E8A-4147-A177-3AD203B41FA5}">
+                      <a16:colId xmlns:a16="http://schemas.microsoft.com/office/drawing/2014/main" val="240713644"/>
+                    </a:ext>
+                  </a:extLst>
+                </a:gridCol>
+                <a:gridCol w="1283731">
+                  <a:extLst>
+                    <a:ext uri="{9D8B030D-6E8A-4147-A177-3AD203B41FA5}">
+                      <a16:colId xmlns:a16="http://schemas.microsoft.com/office/drawing/2014/main" val="3214238948"/>
+                    </a:ext>
+                  </a:extLst>
+                </a:gridCol>
+                <a:gridCol w="1661298">
+                  <a:extLst>
+                    <a:ext uri="{9D8B030D-6E8A-4147-A177-3AD203B41FA5}">
+                      <a16:colId xmlns:a16="http://schemas.microsoft.com/office/drawing/2014/main" val="1291486487"/>
+                    </a:ext>
+                  </a:extLst>
+                </a:gridCol>
+              </a:tblGrid>
+              <a:tr h="735904">
+                <a:tc>
+                  <a:txBody>
+                    <a:bodyPr/>
+                    <a:lstStyle/>
+                    <a:p>
+                      <a:pPr algn="ctr"/>
+                      <a:r>
+                        <a:rPr lang="en-US" sz="1200" dirty="0" err="1"/>
+                        <a:t>Thời</a:t>
+                      </a:r>
+                      <a:r>
+                        <a:rPr lang="en-US" sz="1200" dirty="0"/>
+                        <a:t> </a:t>
+                      </a:r>
+                      <a:r>
+                        <a:rPr lang="en-US" sz="1200" dirty="0" err="1"/>
+                        <a:t>gian</a:t>
+                      </a:r>
+                      <a:endParaRPr lang="en-US" sz="1200" dirty="0"/>
+                    </a:p>
+                  </a:txBody>
+                  <a:tcPr anchor="ctr">
+                    <a:solidFill>
+                      <a:schemeClr val="bg1">
+                        <a:lumMod val="50000"/>
+                      </a:schemeClr>
+                    </a:solidFill>
+                  </a:tcPr>
+                </a:tc>
+                <a:tc>
+                  <a:txBody>
+                    <a:bodyPr/>
+                    <a:lstStyle/>
+                    <a:p>
+                      <a:pPr algn="ctr"/>
+                      <a:r>
+                        <a:rPr lang="en-US" sz="1200" dirty="0" err="1"/>
+                        <a:t>Khách</a:t>
+                      </a:r>
+                      <a:r>
+                        <a:rPr lang="en-US" sz="1200" dirty="0"/>
+                        <a:t> </a:t>
+                      </a:r>
+                      <a:r>
+                        <a:rPr lang="en-US" sz="1200" dirty="0" err="1"/>
+                        <a:t>hàng</a:t>
+                      </a:r>
+                      <a:endParaRPr lang="en-US" sz="1200" dirty="0"/>
+                    </a:p>
+                  </a:txBody>
+                  <a:tcPr anchor="ctr">
+                    <a:solidFill>
+                      <a:schemeClr val="bg1">
+                        <a:lumMod val="50000"/>
+                      </a:schemeClr>
+                    </a:solidFill>
+                  </a:tcPr>
+                </a:tc>
+                <a:tc>
+                  <a:txBody>
+                    <a:bodyPr/>
+                    <a:lstStyle/>
+                    <a:p>
+                      <a:pPr algn="ctr"/>
+                      <a:r>
+                        <a:rPr lang="en-US" sz="1200" dirty="0" err="1"/>
+                        <a:t>Danh</a:t>
+                      </a:r>
+                      <a:r>
+                        <a:rPr lang="en-US" sz="1200" dirty="0"/>
+                        <a:t> </a:t>
+                      </a:r>
+                      <a:r>
+                        <a:rPr lang="en-US" sz="1200" dirty="0" err="1"/>
+                        <a:t>sách</a:t>
+                      </a:r>
+                      <a:r>
+                        <a:rPr lang="en-US" sz="1200" dirty="0"/>
+                        <a:t> </a:t>
+                      </a:r>
+                      <a:r>
+                        <a:rPr lang="en-US" sz="1200" dirty="0" err="1"/>
+                        <a:t>thuốc</a:t>
+                      </a:r>
+                      <a:endParaRPr lang="en-US" sz="1200" dirty="0"/>
+                    </a:p>
+                  </a:txBody>
+                  <a:tcPr anchor="ctr">
+                    <a:solidFill>
+                      <a:schemeClr val="bg1">
+                        <a:lumMod val="50000"/>
+                      </a:schemeClr>
+                    </a:solidFill>
+                  </a:tcPr>
+                </a:tc>
+                <a:tc>
+                  <a:txBody>
+                    <a:bodyPr/>
+                    <a:lstStyle/>
+                    <a:p>
+                      <a:pPr algn="ctr"/>
+                      <a:r>
+                        <a:rPr lang="en-US" sz="1200" dirty="0" err="1"/>
+                        <a:t>Thành</a:t>
+                      </a:r>
+                      <a:r>
+                        <a:rPr lang="en-US" sz="1200" dirty="0"/>
+                        <a:t> </a:t>
+                      </a:r>
+                      <a:r>
+                        <a:rPr lang="en-US" sz="1200" dirty="0" err="1"/>
+                        <a:t>tiền</a:t>
+                      </a:r>
+                      <a:endParaRPr lang="en-US" sz="1200" dirty="0"/>
+                    </a:p>
+                  </a:txBody>
+                  <a:tcPr anchor="ctr">
+                    <a:solidFill>
+                      <a:schemeClr val="bg1">
+                        <a:lumMod val="50000"/>
+                      </a:schemeClr>
+                    </a:solidFill>
+                  </a:tcPr>
+                </a:tc>
+                <a:tc>
+                  <a:txBody>
+                    <a:bodyPr/>
+                    <a:lstStyle/>
+                    <a:p>
+                      <a:pPr algn="ctr"/>
+                      <a:endParaRPr lang="en-US" sz="1200" dirty="0"/>
+                    </a:p>
+                  </a:txBody>
+                  <a:tcPr anchor="ctr">
+                    <a:solidFill>
+                      <a:schemeClr val="bg1">
+                        <a:lumMod val="50000"/>
+                      </a:schemeClr>
+                    </a:solidFill>
+                  </a:tcPr>
+                </a:tc>
+                <a:extLst>
+                  <a:ext uri="{0D108BD9-81ED-4DB2-BD59-A6C34878D82A}">
+                    <a16:rowId xmlns:a16="http://schemas.microsoft.com/office/drawing/2014/main" val="652390980"/>
+                  </a:ext>
+                </a:extLst>
+              </a:tr>
+              <a:tr h="1301843">
+                <a:tc>
+                  <a:txBody>
+                    <a:bodyPr/>
+                    <a:lstStyle/>
+                    <a:p>
+                      <a:pPr algn="ctr"/>
+                      <a:r>
+                        <a:rPr lang="en-US" sz="1200" dirty="0"/>
+                        <a:t>20/10/2020 19:30</a:t>
+                      </a:r>
+                    </a:p>
+                  </a:txBody>
+                  <a:tcPr anchor="ctr">
+                    <a:solidFill>
+                      <a:schemeClr val="bg1">
+                        <a:lumMod val="95000"/>
+                      </a:schemeClr>
+                    </a:solidFill>
+                  </a:tcPr>
+                </a:tc>
+                <a:tc>
+                  <a:txBody>
+                    <a:bodyPr/>
+                    <a:lstStyle/>
+                    <a:p>
+                      <a:pPr algn="ctr"/>
+                      <a:r>
+                        <a:rPr lang="en-US" sz="1200" dirty="0" err="1"/>
+                        <a:t>Khách</a:t>
+                      </a:r>
+                      <a:r>
+                        <a:rPr lang="en-US" sz="1200" dirty="0"/>
+                        <a:t> hang A</a:t>
+                      </a:r>
+                    </a:p>
+                  </a:txBody>
+                  <a:tcPr anchor="ctr">
+                    <a:solidFill>
+                      <a:schemeClr val="bg1">
+                        <a:lumMod val="95000"/>
+                      </a:schemeClr>
+                    </a:solidFill>
+                  </a:tcPr>
+                </a:tc>
+                <a:tc>
+                  <a:txBody>
+                    <a:bodyPr/>
+                    <a:lstStyle/>
+                    <a:p>
+                      <a:pPr algn="ctr"/>
+                      <a:r>
+                        <a:rPr lang="en-US" sz="1200" dirty="0" err="1"/>
+                        <a:t>Thuốc</a:t>
+                      </a:r>
+                      <a:r>
+                        <a:rPr lang="en-US" sz="1200" dirty="0"/>
+                        <a:t> 1</a:t>
+                      </a:r>
+                      <a:br>
+                        <a:rPr lang="en-US" sz="1200" dirty="0"/>
+                      </a:br>
+                      <a:r>
+                        <a:rPr lang="en-US" sz="1200" dirty="0" err="1"/>
+                        <a:t>Thuốc</a:t>
+                      </a:r>
+                      <a:r>
+                        <a:rPr lang="en-US" sz="1200" dirty="0"/>
+                        <a:t> 2</a:t>
+                      </a:r>
+                      <a:br>
+                        <a:rPr lang="en-US" sz="1200" dirty="0"/>
+                      </a:br>
+                      <a:r>
+                        <a:rPr lang="en-US" sz="1200" dirty="0"/>
+                        <a:t>…</a:t>
+                      </a:r>
+                    </a:p>
+                  </a:txBody>
+                  <a:tcPr anchor="ctr">
+                    <a:solidFill>
+                      <a:schemeClr val="bg1">
+                        <a:lumMod val="95000"/>
+                      </a:schemeClr>
+                    </a:solidFill>
+                  </a:tcPr>
+                </a:tc>
+                <a:tc>
+                  <a:txBody>
+                    <a:bodyPr/>
+                    <a:lstStyle/>
+                    <a:p>
+                      <a:pPr algn="ctr"/>
+                      <a:r>
+                        <a:rPr lang="en-US" sz="1200" dirty="0"/>
+                        <a:t>10,000</a:t>
+                      </a:r>
+                    </a:p>
+                  </a:txBody>
+                  <a:tcPr anchor="ctr">
+                    <a:solidFill>
+                      <a:schemeClr val="bg1">
+                        <a:lumMod val="95000"/>
+                      </a:schemeClr>
+                    </a:solidFill>
+                  </a:tcPr>
+                </a:tc>
+                <a:tc>
+                  <a:txBody>
+                    <a:bodyPr/>
+                    <a:lstStyle/>
+                    <a:p>
+                      <a:pPr algn="ctr"/>
+                      <a:endParaRPr lang="en-US" sz="1200" dirty="0"/>
+                    </a:p>
+                  </a:txBody>
+                  <a:tcPr anchor="ctr">
+                    <a:solidFill>
+                      <a:schemeClr val="bg1">
+                        <a:lumMod val="95000"/>
+                      </a:schemeClr>
+                    </a:solidFill>
+                  </a:tcPr>
+                </a:tc>
+                <a:extLst>
+                  <a:ext uri="{0D108BD9-81ED-4DB2-BD59-A6C34878D82A}">
+                    <a16:rowId xmlns:a16="http://schemas.microsoft.com/office/drawing/2014/main" val="730336656"/>
+                  </a:ext>
+                </a:extLst>
+              </a:tr>
+              <a:tr h="1301843">
+                <a:tc>
+                  <a:txBody>
+                    <a:bodyPr/>
+                    <a:lstStyle/>
+                    <a:p>
+                      <a:pPr algn="ctr"/>
+                      <a:r>
+                        <a:rPr lang="en-US" sz="1200" dirty="0"/>
+                        <a:t>12/10/2020 20:20</a:t>
+                      </a:r>
+                    </a:p>
+                  </a:txBody>
+                  <a:tcPr anchor="ctr">
+                    <a:solidFill>
+                      <a:schemeClr val="bg1">
+                        <a:lumMod val="95000"/>
+                      </a:schemeClr>
+                    </a:solidFill>
+                  </a:tcPr>
+                </a:tc>
+                <a:tc>
+                  <a:txBody>
+                    <a:bodyPr/>
+                    <a:lstStyle/>
+                    <a:p>
+                      <a:pPr algn="ctr"/>
+                      <a:r>
+                        <a:rPr lang="en-US" sz="1200" dirty="0" err="1"/>
+                        <a:t>Khách</a:t>
+                      </a:r>
+                      <a:r>
+                        <a:rPr lang="en-US" sz="1200" dirty="0"/>
+                        <a:t> hang B</a:t>
+                      </a:r>
+                    </a:p>
+                  </a:txBody>
+                  <a:tcPr anchor="ctr">
+                    <a:solidFill>
+                      <a:schemeClr val="bg1">
+                        <a:lumMod val="95000"/>
+                      </a:schemeClr>
+                    </a:solidFill>
+                  </a:tcPr>
+                </a:tc>
+                <a:tc>
+                  <a:txBody>
+                    <a:bodyPr/>
+                    <a:lstStyle/>
+                    <a:p>
+                      <a:pPr marL="0" marR="0" lvl="0" indent="0" algn="ctr" defTabSz="914400" rtl="0" eaLnBrk="1" fontAlgn="auto" latinLnBrk="0" hangingPunct="1">
+                        <a:lnSpc>
+                          <a:spcPct val="100000"/>
+                        </a:lnSpc>
+                        <a:spcBef>
+                          <a:spcPts val="0"/>
+                        </a:spcBef>
+                        <a:spcAft>
+                          <a:spcPts val="0"/>
+                        </a:spcAft>
+                        <a:buClrTx/>
+                        <a:buSzTx/>
+                        <a:buFontTx/>
+                        <a:buNone/>
+                        <a:tabLst/>
+                        <a:defRPr/>
+                      </a:pPr>
+                      <a:r>
+                        <a:rPr lang="en-US" sz="1200" dirty="0" err="1"/>
+                        <a:t>Thuốc</a:t>
+                      </a:r>
+                      <a:r>
+                        <a:rPr lang="en-US" sz="1200" dirty="0"/>
+                        <a:t> 3</a:t>
+                      </a:r>
+                    </a:p>
+                    <a:p>
+                      <a:pPr marL="0" marR="0" lvl="0" indent="0" algn="ctr" defTabSz="914400" rtl="0" eaLnBrk="1" fontAlgn="auto" latinLnBrk="0" hangingPunct="1">
+                        <a:lnSpc>
+                          <a:spcPct val="100000"/>
+                        </a:lnSpc>
+                        <a:spcBef>
+                          <a:spcPts val="0"/>
+                        </a:spcBef>
+                        <a:spcAft>
+                          <a:spcPts val="0"/>
+                        </a:spcAft>
+                        <a:buClrTx/>
+                        <a:buSzTx/>
+                        <a:buFontTx/>
+                        <a:buNone/>
+                        <a:tabLst/>
+                        <a:defRPr/>
+                      </a:pPr>
+                      <a:r>
+                        <a:rPr lang="en-US" sz="1200" dirty="0" err="1"/>
+                        <a:t>Thuốc</a:t>
+                      </a:r>
+                      <a:r>
+                        <a:rPr lang="en-US" sz="1200" dirty="0"/>
+                        <a:t> 4</a:t>
+                      </a:r>
+                      <a:br>
+                        <a:rPr lang="en-US" sz="1200" dirty="0"/>
+                      </a:br>
+                      <a:r>
+                        <a:rPr lang="en-US" sz="1200" dirty="0"/>
+                        <a:t>…</a:t>
+                      </a:r>
+                    </a:p>
+                  </a:txBody>
+                  <a:tcPr anchor="ctr">
+                    <a:solidFill>
+                      <a:schemeClr val="bg1">
+                        <a:lumMod val="95000"/>
+                      </a:schemeClr>
+                    </a:solidFill>
+                  </a:tcPr>
+                </a:tc>
+                <a:tc>
+                  <a:txBody>
+                    <a:bodyPr/>
+                    <a:lstStyle/>
+                    <a:p>
+                      <a:pPr marL="0" marR="0" lvl="0" indent="0" algn="ctr" defTabSz="914400" rtl="0" eaLnBrk="1" fontAlgn="auto" latinLnBrk="0" hangingPunct="1">
+                        <a:lnSpc>
+                          <a:spcPct val="100000"/>
+                        </a:lnSpc>
+                        <a:spcBef>
+                          <a:spcPts val="0"/>
+                        </a:spcBef>
+                        <a:spcAft>
+                          <a:spcPts val="0"/>
+                        </a:spcAft>
+                        <a:buClrTx/>
+                        <a:buSzTx/>
+                        <a:buFontTx/>
+                        <a:buNone/>
+                        <a:tabLst/>
+                        <a:defRPr/>
+                      </a:pPr>
+                      <a:r>
+                        <a:rPr lang="en-US" sz="1200" dirty="0"/>
+                        <a:t>3,000</a:t>
+                      </a:r>
+                    </a:p>
+                  </a:txBody>
+                  <a:tcPr anchor="ctr">
+                    <a:solidFill>
+                      <a:schemeClr val="bg1">
+                        <a:lumMod val="95000"/>
+                      </a:schemeClr>
+                    </a:solidFill>
+                  </a:tcPr>
+                </a:tc>
+                <a:tc>
+                  <a:txBody>
+                    <a:bodyPr/>
+                    <a:lstStyle/>
+                    <a:p>
+                      <a:pPr algn="ctr"/>
+                      <a:endParaRPr lang="en-US" sz="1200" dirty="0"/>
+                    </a:p>
+                  </a:txBody>
+                  <a:tcPr anchor="ctr">
+                    <a:solidFill>
+                      <a:schemeClr val="bg1">
+                        <a:lumMod val="95000"/>
+                      </a:schemeClr>
+                    </a:solidFill>
+                  </a:tcPr>
+                </a:tc>
+                <a:extLst>
+                  <a:ext uri="{0D108BD9-81ED-4DB2-BD59-A6C34878D82A}">
+                    <a16:rowId xmlns:a16="http://schemas.microsoft.com/office/drawing/2014/main" val="2897143220"/>
+                  </a:ext>
+                </a:extLst>
+              </a:tr>
+            </a:tbl>
+          </a:graphicData>
+        </a:graphic>
+      </p:graphicFrame>
+      <p:pic>
+        <p:nvPicPr>
+          <p:cNvPr id="44" name="Picture 43">
+            <a:extLst>
+              <a:ext uri="{FF2B5EF4-FFF2-40B4-BE49-F238E27FC236}">
+                <a16:creationId xmlns:a16="http://schemas.microsoft.com/office/drawing/2014/main" id="{E8F2500A-7FEF-4C34-9318-5BBA44B9C7EE}"/>
+              </a:ext>
+            </a:extLst>
+          </p:cNvPr>
+          <p:cNvPicPr>
+            <a:picLocks noChangeAspect="1"/>
+          </p:cNvPicPr>
+          <p:nvPr/>
+        </p:nvPicPr>
+        <p:blipFill>
+          <a:blip r:embed="rId3" cstate="print">
+            <a:extLst>
+              <a:ext uri="{28A0092B-C50C-407E-A947-70E740481C1C}">
+                <a14:useLocalDpi xmlns:a14="http://schemas.microsoft.com/office/drawing/2010/main" val="0"/>
+              </a:ext>
+            </a:extLst>
+          </a:blip>
+          <a:srcRect/>
+          <a:stretch/>
+        </p:blipFill>
+        <p:spPr>
+          <a:xfrm>
+            <a:off x="7395028" y="3198510"/>
+            <a:ext cx="172469" cy="172469"/>
+          </a:xfrm>
+          <a:prstGeom prst="rect">
+            <a:avLst/>
+          </a:prstGeom>
+        </p:spPr>
+      </p:pic>
+      <p:pic>
+        <p:nvPicPr>
+          <p:cNvPr id="47" name="Picture 46">
+            <a:extLst>
+              <a:ext uri="{FF2B5EF4-FFF2-40B4-BE49-F238E27FC236}">
+                <a16:creationId xmlns:a16="http://schemas.microsoft.com/office/drawing/2014/main" id="{6A95477A-CFEF-4433-9481-BDB8CE7372F9}"/>
+              </a:ext>
+            </a:extLst>
+          </p:cNvPr>
+          <p:cNvPicPr>
+            <a:picLocks noChangeAspect="1"/>
+          </p:cNvPicPr>
+          <p:nvPr/>
+        </p:nvPicPr>
+        <p:blipFill>
+          <a:blip r:embed="rId4" cstate="print">
+            <a:extLst>
+              <a:ext uri="{28A0092B-C50C-407E-A947-70E740481C1C}">
+                <a14:useLocalDpi xmlns:a14="http://schemas.microsoft.com/office/drawing/2010/main" val="0"/>
+              </a:ext>
+            </a:extLst>
+          </a:blip>
+          <a:stretch>
+            <a:fillRect/>
+          </a:stretch>
+        </p:blipFill>
+        <p:spPr>
+          <a:xfrm>
+            <a:off x="7701110" y="3198510"/>
+            <a:ext cx="172469" cy="172469"/>
+          </a:xfrm>
+          <a:prstGeom prst="rect">
+            <a:avLst/>
+          </a:prstGeom>
+        </p:spPr>
+      </p:pic>
+      <p:sp>
+        <p:nvSpPr>
+          <p:cNvPr id="58" name="TextBox 57">
+            <a:extLst>
+              <a:ext uri="{FF2B5EF4-FFF2-40B4-BE49-F238E27FC236}">
+                <a16:creationId xmlns:a16="http://schemas.microsoft.com/office/drawing/2014/main" id="{21306075-217C-4E77-89ED-9D0503261CA8}"/>
+              </a:ext>
+            </a:extLst>
+          </p:cNvPr>
+          <p:cNvSpPr txBox="1"/>
+          <p:nvPr/>
+        </p:nvSpPr>
+        <p:spPr>
+          <a:xfrm>
+            <a:off x="457200" y="1549293"/>
+            <a:ext cx="2676962" cy="369332"/>
+          </a:xfrm>
+          <a:prstGeom prst="rect">
+            <a:avLst/>
+          </a:prstGeom>
+          <a:noFill/>
+        </p:spPr>
+        <p:txBody>
+          <a:bodyPr wrap="square" rtlCol="0">
+            <a:spAutoFit/>
+          </a:bodyPr>
+          <a:lstStyle/>
+          <a:p>
+            <a:r>
+              <a:rPr lang="en-US" dirty="0" err="1">
+                <a:sym typeface="Wingdings" panose="05000000000000000000" pitchFamily="2" charset="2"/>
+              </a:rPr>
+              <a:t>Tìm</a:t>
+            </a:r>
+            <a:r>
+              <a:rPr lang="en-US" dirty="0">
+                <a:sym typeface="Wingdings" panose="05000000000000000000" pitchFamily="2" charset="2"/>
+              </a:rPr>
+              <a:t> </a:t>
+            </a:r>
+            <a:r>
+              <a:rPr lang="en-US" dirty="0" err="1">
+                <a:sym typeface="Wingdings" panose="05000000000000000000" pitchFamily="2" charset="2"/>
+              </a:rPr>
+              <a:t>kiếm</a:t>
+            </a:r>
+            <a:r>
+              <a:rPr lang="en-US" dirty="0">
+                <a:sym typeface="Wingdings" panose="05000000000000000000" pitchFamily="2" charset="2"/>
+              </a:rPr>
+              <a:t>:</a:t>
+            </a:r>
+            <a:endParaRPr lang="en-US" dirty="0"/>
+          </a:p>
+        </p:txBody>
+      </p:sp>
+      <p:sp>
+        <p:nvSpPr>
+          <p:cNvPr id="59" name="Rectangle 58">
+            <a:extLst>
+              <a:ext uri="{FF2B5EF4-FFF2-40B4-BE49-F238E27FC236}">
+                <a16:creationId xmlns:a16="http://schemas.microsoft.com/office/drawing/2014/main" id="{8D045116-D39B-4FEF-AD2E-F95906BA7D63}"/>
+              </a:ext>
+            </a:extLst>
+          </p:cNvPr>
+          <p:cNvSpPr/>
+          <p:nvPr/>
+        </p:nvSpPr>
+        <p:spPr>
+          <a:xfrm>
+            <a:off x="1524000" y="1592034"/>
+            <a:ext cx="3962400" cy="261554"/>
+          </a:xfrm>
+          <a:prstGeom prst="rect">
+            <a:avLst/>
+          </a:prstGeom>
+        </p:spPr>
+        <p:style>
+          <a:lnRef idx="2">
+            <a:schemeClr val="dk1"/>
+          </a:lnRef>
+          <a:fillRef idx="1">
+            <a:schemeClr val="lt1"/>
+          </a:fillRef>
+          <a:effectRef idx="0">
+            <a:schemeClr val="dk1"/>
+          </a:effectRef>
+          <a:fontRef idx="minor">
+            <a:schemeClr val="dk1"/>
+          </a:fontRef>
+        </p:style>
+        <p:txBody>
+          <a:bodyPr rtlCol="0" anchor="ctr"/>
+          <a:lstStyle/>
+          <a:p>
+            <a:pPr algn="ctr"/>
+            <a:endParaRPr lang="en-US">
+              <a:latin typeface="+mj-lt"/>
+            </a:endParaRPr>
+          </a:p>
+        </p:txBody>
+      </p:sp>
+      <p:pic>
+        <p:nvPicPr>
+          <p:cNvPr id="68" name="Picture 67">
+            <a:extLst>
+              <a:ext uri="{FF2B5EF4-FFF2-40B4-BE49-F238E27FC236}">
+                <a16:creationId xmlns:a16="http://schemas.microsoft.com/office/drawing/2014/main" id="{5A832714-A0D7-42F8-B326-727D02E5920A}"/>
+              </a:ext>
+            </a:extLst>
+          </p:cNvPr>
+          <p:cNvPicPr>
+            <a:picLocks noChangeAspect="1"/>
+          </p:cNvPicPr>
+          <p:nvPr/>
+        </p:nvPicPr>
+        <p:blipFill>
+          <a:blip r:embed="rId3" cstate="print">
+            <a:extLst>
+              <a:ext uri="{28A0092B-C50C-407E-A947-70E740481C1C}">
+                <a14:useLocalDpi xmlns:a14="http://schemas.microsoft.com/office/drawing/2010/main" val="0"/>
+              </a:ext>
+            </a:extLst>
+          </a:blip>
+          <a:srcRect/>
+          <a:stretch/>
+        </p:blipFill>
+        <p:spPr>
+          <a:xfrm>
+            <a:off x="7391400" y="4495800"/>
+            <a:ext cx="172469" cy="172469"/>
+          </a:xfrm>
+          <a:prstGeom prst="rect">
+            <a:avLst/>
+          </a:prstGeom>
+        </p:spPr>
+      </p:pic>
+      <p:pic>
+        <p:nvPicPr>
+          <p:cNvPr id="69" name="Picture 68">
+            <a:extLst>
+              <a:ext uri="{FF2B5EF4-FFF2-40B4-BE49-F238E27FC236}">
+                <a16:creationId xmlns:a16="http://schemas.microsoft.com/office/drawing/2014/main" id="{215FECDF-36BB-4530-9C84-D563FBCA6F25}"/>
+              </a:ext>
+            </a:extLst>
+          </p:cNvPr>
+          <p:cNvPicPr>
+            <a:picLocks noChangeAspect="1"/>
+          </p:cNvPicPr>
+          <p:nvPr/>
+        </p:nvPicPr>
+        <p:blipFill>
+          <a:blip r:embed="rId4" cstate="print">
+            <a:extLst>
+              <a:ext uri="{28A0092B-C50C-407E-A947-70E740481C1C}">
+                <a14:useLocalDpi xmlns:a14="http://schemas.microsoft.com/office/drawing/2010/main" val="0"/>
+              </a:ext>
+            </a:extLst>
+          </a:blip>
+          <a:stretch>
+            <a:fillRect/>
+          </a:stretch>
+        </p:blipFill>
+        <p:spPr>
+          <a:xfrm>
+            <a:off x="7697482" y="4495800"/>
+            <a:ext cx="172469" cy="172469"/>
+          </a:xfrm>
+          <a:prstGeom prst="rect">
+            <a:avLst/>
+          </a:prstGeom>
+        </p:spPr>
+      </p:pic>
+      <p:sp>
+        <p:nvSpPr>
+          <p:cNvPr id="70" name="TextBox 69">
+            <a:extLst>
+              <a:ext uri="{FF2B5EF4-FFF2-40B4-BE49-F238E27FC236}">
+                <a16:creationId xmlns:a16="http://schemas.microsoft.com/office/drawing/2014/main" id="{8634B90D-5054-47D1-83A7-B25F102206CE}"/>
+              </a:ext>
+            </a:extLst>
+          </p:cNvPr>
+          <p:cNvSpPr txBox="1"/>
+          <p:nvPr/>
+        </p:nvSpPr>
+        <p:spPr>
+          <a:xfrm>
+            <a:off x="5481227" y="1595734"/>
+            <a:ext cx="1295400" cy="276999"/>
+          </a:xfrm>
+          <a:prstGeom prst="rect">
+            <a:avLst/>
+          </a:prstGeom>
+          <a:noFill/>
+        </p:spPr>
+        <p:txBody>
+          <a:bodyPr wrap="square" rtlCol="0">
+            <a:spAutoFit/>
+          </a:bodyPr>
+          <a:lstStyle/>
+          <a:p>
+            <a:r>
+              <a:rPr lang="en-US" sz="1200" dirty="0" err="1">
+                <a:latin typeface="+mj-lt"/>
+              </a:rPr>
+              <a:t>Từ</a:t>
+            </a:r>
+            <a:r>
+              <a:rPr lang="en-US" sz="1200" dirty="0">
+                <a:latin typeface="+mj-lt"/>
+              </a:rPr>
+              <a:t>:</a:t>
+            </a:r>
+          </a:p>
+        </p:txBody>
+      </p:sp>
+      <p:sp>
+        <p:nvSpPr>
+          <p:cNvPr id="71" name="Rectangle 70">
+            <a:extLst>
+              <a:ext uri="{FF2B5EF4-FFF2-40B4-BE49-F238E27FC236}">
+                <a16:creationId xmlns:a16="http://schemas.microsoft.com/office/drawing/2014/main" id="{FDD46318-8266-4C48-B803-2AAFC5D44477}"/>
+              </a:ext>
+            </a:extLst>
+          </p:cNvPr>
+          <p:cNvSpPr/>
+          <p:nvPr/>
+        </p:nvSpPr>
+        <p:spPr>
+          <a:xfrm>
+            <a:off x="5867400" y="1589507"/>
+            <a:ext cx="830510" cy="261554"/>
+          </a:xfrm>
+          <a:prstGeom prst="rect">
+            <a:avLst/>
+          </a:prstGeom>
+        </p:spPr>
+        <p:style>
+          <a:lnRef idx="2">
+            <a:schemeClr val="dk1"/>
+          </a:lnRef>
+          <a:fillRef idx="1">
+            <a:schemeClr val="lt1"/>
+          </a:fillRef>
+          <a:effectRef idx="0">
+            <a:schemeClr val="dk1"/>
+          </a:effectRef>
+          <a:fontRef idx="minor">
+            <a:schemeClr val="dk1"/>
+          </a:fontRef>
+        </p:style>
+        <p:txBody>
+          <a:bodyPr rtlCol="0" anchor="ctr"/>
+          <a:lstStyle/>
+          <a:p>
+            <a:pPr algn="ctr"/>
+            <a:endParaRPr lang="en-US">
+              <a:latin typeface="+mj-lt"/>
+            </a:endParaRPr>
+          </a:p>
+        </p:txBody>
+      </p:sp>
+      <p:sp>
+        <p:nvSpPr>
+          <p:cNvPr id="72" name="TextBox 71">
+            <a:extLst>
+              <a:ext uri="{FF2B5EF4-FFF2-40B4-BE49-F238E27FC236}">
+                <a16:creationId xmlns:a16="http://schemas.microsoft.com/office/drawing/2014/main" id="{D328C833-50D6-47C1-822E-9675B0F83551}"/>
+              </a:ext>
+            </a:extLst>
+          </p:cNvPr>
+          <p:cNvSpPr txBox="1"/>
+          <p:nvPr/>
+        </p:nvSpPr>
+        <p:spPr>
+          <a:xfrm>
+            <a:off x="6798290" y="1582451"/>
+            <a:ext cx="1295400" cy="276999"/>
+          </a:xfrm>
+          <a:prstGeom prst="rect">
+            <a:avLst/>
+          </a:prstGeom>
+          <a:noFill/>
+        </p:spPr>
+        <p:txBody>
+          <a:bodyPr wrap="square" rtlCol="0">
+            <a:spAutoFit/>
+          </a:bodyPr>
+          <a:lstStyle/>
+          <a:p>
+            <a:r>
+              <a:rPr lang="en-US" sz="1200" dirty="0" err="1">
+                <a:latin typeface="+mj-lt"/>
+              </a:rPr>
+              <a:t>Đến</a:t>
+            </a:r>
+            <a:r>
+              <a:rPr lang="en-US" sz="1200" dirty="0">
+                <a:latin typeface="+mj-lt"/>
+              </a:rPr>
+              <a:t>:</a:t>
+            </a:r>
+          </a:p>
+        </p:txBody>
+      </p:sp>
+      <p:sp>
+        <p:nvSpPr>
+          <p:cNvPr id="73" name="Rectangle 72">
+            <a:extLst>
+              <a:ext uri="{FF2B5EF4-FFF2-40B4-BE49-F238E27FC236}">
+                <a16:creationId xmlns:a16="http://schemas.microsoft.com/office/drawing/2014/main" id="{23ECA885-2810-420C-8B87-E288FF3E7138}"/>
+              </a:ext>
+            </a:extLst>
+          </p:cNvPr>
+          <p:cNvSpPr/>
+          <p:nvPr/>
+        </p:nvSpPr>
+        <p:spPr>
+          <a:xfrm>
+            <a:off x="7258007" y="1584725"/>
+            <a:ext cx="830510" cy="261554"/>
+          </a:xfrm>
+          <a:prstGeom prst="rect">
+            <a:avLst/>
+          </a:prstGeom>
+        </p:spPr>
+        <p:style>
+          <a:lnRef idx="2">
+            <a:schemeClr val="dk1"/>
+          </a:lnRef>
+          <a:fillRef idx="1">
+            <a:schemeClr val="lt1"/>
+          </a:fillRef>
+          <a:effectRef idx="0">
+            <a:schemeClr val="dk1"/>
+          </a:effectRef>
+          <a:fontRef idx="minor">
+            <a:schemeClr val="dk1"/>
+          </a:fontRef>
+        </p:style>
+        <p:txBody>
+          <a:bodyPr rtlCol="0" anchor="ctr"/>
+          <a:lstStyle/>
+          <a:p>
+            <a:pPr algn="ctr"/>
+            <a:endParaRPr lang="en-US">
+              <a:latin typeface="+mj-lt"/>
+            </a:endParaRPr>
+          </a:p>
+        </p:txBody>
+      </p:sp>
+      <p:sp>
+        <p:nvSpPr>
+          <p:cNvPr id="74" name="TextBox 73">
+            <a:extLst>
+              <a:ext uri="{FF2B5EF4-FFF2-40B4-BE49-F238E27FC236}">
+                <a16:creationId xmlns:a16="http://schemas.microsoft.com/office/drawing/2014/main" id="{246592B6-F2E6-47EC-9E7D-B2E65A78625E}"/>
+              </a:ext>
+            </a:extLst>
+          </p:cNvPr>
+          <p:cNvSpPr txBox="1"/>
+          <p:nvPr/>
+        </p:nvSpPr>
+        <p:spPr>
+          <a:xfrm>
+            <a:off x="7610607" y="3138791"/>
+            <a:ext cx="1295400" cy="276999"/>
+          </a:xfrm>
+          <a:prstGeom prst="rect">
+            <a:avLst/>
+          </a:prstGeom>
+          <a:noFill/>
+        </p:spPr>
+        <p:txBody>
+          <a:bodyPr wrap="square" rtlCol="0">
+            <a:spAutoFit/>
+          </a:bodyPr>
+          <a:lstStyle/>
+          <a:p>
+            <a:pPr algn="r"/>
+            <a:r>
+              <a:rPr lang="en-US" sz="1200" i="1" u="sng" dirty="0" err="1">
+                <a:solidFill>
+                  <a:srgbClr val="0070C0"/>
+                </a:solidFill>
+                <a:latin typeface="+mj-lt"/>
+              </a:rPr>
+              <a:t>Xem</a:t>
+            </a:r>
+            <a:r>
+              <a:rPr lang="en-US" sz="1200" i="1" u="sng" dirty="0">
+                <a:solidFill>
+                  <a:srgbClr val="0070C0"/>
+                </a:solidFill>
+                <a:latin typeface="+mj-lt"/>
+              </a:rPr>
+              <a:t> </a:t>
+            </a:r>
+            <a:r>
+              <a:rPr lang="en-US" sz="1200" i="1" u="sng" dirty="0" err="1">
+                <a:solidFill>
+                  <a:srgbClr val="0070C0"/>
+                </a:solidFill>
+                <a:latin typeface="+mj-lt"/>
+              </a:rPr>
+              <a:t>hóa</a:t>
+            </a:r>
+            <a:r>
+              <a:rPr lang="en-US" sz="1200" i="1" u="sng" dirty="0">
+                <a:solidFill>
+                  <a:srgbClr val="0070C0"/>
+                </a:solidFill>
+                <a:latin typeface="+mj-lt"/>
+              </a:rPr>
+              <a:t> </a:t>
+            </a:r>
+            <a:r>
+              <a:rPr lang="en-US" sz="1200" i="1" u="sng" dirty="0" err="1">
+                <a:solidFill>
+                  <a:srgbClr val="0070C0"/>
+                </a:solidFill>
+                <a:latin typeface="+mj-lt"/>
+              </a:rPr>
+              <a:t>đơn</a:t>
+            </a:r>
+            <a:endParaRPr lang="en-US" sz="1200" i="1" u="sng" dirty="0">
+              <a:solidFill>
+                <a:srgbClr val="0070C0"/>
+              </a:solidFill>
+              <a:latin typeface="+mj-lt"/>
+            </a:endParaRPr>
+          </a:p>
+        </p:txBody>
+      </p:sp>
+      <p:sp>
+        <p:nvSpPr>
+          <p:cNvPr id="75" name="TextBox 74">
+            <a:extLst>
+              <a:ext uri="{FF2B5EF4-FFF2-40B4-BE49-F238E27FC236}">
+                <a16:creationId xmlns:a16="http://schemas.microsoft.com/office/drawing/2014/main" id="{7CA3F01E-33F0-42DF-A357-F5A6805C7D7A}"/>
+              </a:ext>
+            </a:extLst>
+          </p:cNvPr>
+          <p:cNvSpPr txBox="1"/>
+          <p:nvPr/>
+        </p:nvSpPr>
+        <p:spPr>
+          <a:xfrm>
+            <a:off x="7587537" y="4443534"/>
+            <a:ext cx="1295400" cy="276999"/>
+          </a:xfrm>
+          <a:prstGeom prst="rect">
+            <a:avLst/>
+          </a:prstGeom>
+          <a:noFill/>
+        </p:spPr>
+        <p:txBody>
+          <a:bodyPr wrap="square" rtlCol="0">
+            <a:spAutoFit/>
+          </a:bodyPr>
+          <a:lstStyle/>
+          <a:p>
+            <a:pPr algn="r"/>
+            <a:r>
+              <a:rPr lang="en-US" sz="1200" i="1" u="sng" dirty="0" err="1">
+                <a:solidFill>
+                  <a:srgbClr val="0070C0"/>
+                </a:solidFill>
+                <a:latin typeface="+mj-lt"/>
+              </a:rPr>
+              <a:t>Xem</a:t>
+            </a:r>
+            <a:r>
+              <a:rPr lang="en-US" sz="1200" i="1" u="sng" dirty="0">
+                <a:solidFill>
+                  <a:srgbClr val="0070C0"/>
+                </a:solidFill>
+                <a:latin typeface="+mj-lt"/>
+              </a:rPr>
+              <a:t> </a:t>
+            </a:r>
+            <a:r>
+              <a:rPr lang="en-US" sz="1200" i="1" u="sng" dirty="0" err="1">
+                <a:solidFill>
+                  <a:srgbClr val="0070C0"/>
+                </a:solidFill>
+                <a:latin typeface="+mj-lt"/>
+              </a:rPr>
+              <a:t>hóa</a:t>
+            </a:r>
+            <a:r>
+              <a:rPr lang="en-US" sz="1200" i="1" u="sng" dirty="0">
+                <a:solidFill>
+                  <a:srgbClr val="0070C0"/>
+                </a:solidFill>
+                <a:latin typeface="+mj-lt"/>
+              </a:rPr>
+              <a:t> </a:t>
+            </a:r>
+            <a:r>
+              <a:rPr lang="en-US" sz="1200" i="1" u="sng" dirty="0" err="1">
+                <a:solidFill>
+                  <a:srgbClr val="0070C0"/>
+                </a:solidFill>
+                <a:latin typeface="+mj-lt"/>
+              </a:rPr>
+              <a:t>đơn</a:t>
+            </a:r>
+            <a:endParaRPr lang="en-US" sz="1200" i="1" u="sng" dirty="0">
+              <a:solidFill>
+                <a:srgbClr val="0070C0"/>
+              </a:solidFill>
+              <a:latin typeface="+mj-lt"/>
+            </a:endParaRPr>
+          </a:p>
+        </p:txBody>
+      </p:sp>
+      <p:pic>
+        <p:nvPicPr>
+          <p:cNvPr id="4" name="Picture 3">
+            <a:extLst>
+              <a:ext uri="{FF2B5EF4-FFF2-40B4-BE49-F238E27FC236}">
+                <a16:creationId xmlns:a16="http://schemas.microsoft.com/office/drawing/2014/main" id="{BD2E99BE-00C8-42EC-82D6-902C26EC2318}"/>
+              </a:ext>
+            </a:extLst>
+          </p:cNvPr>
+          <p:cNvPicPr>
+            <a:picLocks noChangeAspect="1"/>
+          </p:cNvPicPr>
+          <p:nvPr/>
+        </p:nvPicPr>
+        <p:blipFill>
+          <a:blip r:embed="rId5" cstate="print">
+            <a:extLst>
+              <a:ext uri="{28A0092B-C50C-407E-A947-70E740481C1C}">
+                <a14:useLocalDpi xmlns:a14="http://schemas.microsoft.com/office/drawing/2010/main" val="0"/>
+              </a:ext>
+            </a:extLst>
+          </a:blip>
+          <a:stretch>
+            <a:fillRect/>
+          </a:stretch>
+        </p:blipFill>
+        <p:spPr>
+          <a:xfrm>
+            <a:off x="563411" y="935257"/>
+            <a:ext cx="325456" cy="325456"/>
+          </a:xfrm>
+          <a:prstGeom prst="rect">
+            <a:avLst/>
+          </a:prstGeom>
+        </p:spPr>
+      </p:pic>
+    </p:spTree>
+    <p:extLst>
+      <p:ext uri="{BB962C8B-B14F-4D97-AF65-F5344CB8AC3E}">
+        <p14:creationId xmlns:p14="http://schemas.microsoft.com/office/powerpoint/2010/main" val="2574149328"/>
+      </p:ext>
+    </p:extLst>
+  </p:cSld>
+  <p:clrMapOvr>
+    <a:masterClrMapping/>
+  </p:clrMapOvr>
+</p:sld>
+</file>
+
+<file path=ppt/slides/slide24.xml><?xml version="1.0" encoding="utf-8"?>
+<p:sld xmlns:a="http://schemas.openxmlformats.org/drawingml/2006/main" xmlns:r="http://schemas.openxmlformats.org/officeDocument/2006/relationships" xmlns:p="http://schemas.openxmlformats.org/presentationml/2006/main">
+  <p:cSld>
+    <p:spTree>
+      <p:nvGrpSpPr>
+        <p:cNvPr id="1" name=""/>
+        <p:cNvGrpSpPr/>
+        <p:nvPr/>
+      </p:nvGrpSpPr>
+      <p:grpSpPr>
+        <a:xfrm>
+          <a:off x="0" y="0"/>
+          <a:ext cx="0" cy="0"/>
+          <a:chOff x="0" y="0"/>
+          <a:chExt cx="0" cy="0"/>
+        </a:xfrm>
+      </p:grpSpPr>
+      <p:sp>
+        <p:nvSpPr>
+          <p:cNvPr id="6" name="TextBox 5">
+            <a:extLst>
+              <a:ext uri="{FF2B5EF4-FFF2-40B4-BE49-F238E27FC236}">
+                <a16:creationId xmlns:a16="http://schemas.microsoft.com/office/drawing/2014/main" id="{CD2A8DE0-B0E7-40FB-9538-60D54401A4F8}"/>
+              </a:ext>
+            </a:extLst>
+          </p:cNvPr>
+          <p:cNvSpPr txBox="1"/>
+          <p:nvPr/>
+        </p:nvSpPr>
+        <p:spPr>
+          <a:xfrm>
+            <a:off x="228600" y="76200"/>
+            <a:ext cx="7162800" cy="369332"/>
+          </a:xfrm>
+          <a:prstGeom prst="rect">
+            <a:avLst/>
+          </a:prstGeom>
+          <a:noFill/>
+        </p:spPr>
+        <p:txBody>
+          <a:bodyPr wrap="square" rtlCol="0">
+            <a:spAutoFit/>
+          </a:bodyPr>
+          <a:lstStyle/>
+          <a:p>
+            <a:r>
+              <a:rPr lang="en-US" dirty="0" err="1">
+                <a:latin typeface="+mj-lt"/>
+              </a:rPr>
+              <a:t>Màn</a:t>
+            </a:r>
+            <a:r>
+              <a:rPr lang="en-US" dirty="0">
+                <a:latin typeface="+mj-lt"/>
+              </a:rPr>
+              <a:t> </a:t>
+            </a:r>
+            <a:r>
+              <a:rPr lang="en-US" dirty="0" err="1">
+                <a:latin typeface="+mj-lt"/>
+              </a:rPr>
+              <a:t>hình</a:t>
+            </a:r>
+            <a:r>
+              <a:rPr lang="en-US" dirty="0">
+                <a:latin typeface="+mj-lt"/>
+              </a:rPr>
+              <a:t> </a:t>
+            </a:r>
+            <a:r>
+              <a:rPr lang="en-US" dirty="0" err="1">
+                <a:latin typeface="+mj-lt"/>
+              </a:rPr>
+              <a:t>Chỉnh</a:t>
+            </a:r>
+            <a:r>
+              <a:rPr lang="en-US" dirty="0">
+                <a:latin typeface="+mj-lt"/>
+              </a:rPr>
+              <a:t> </a:t>
+            </a:r>
+            <a:r>
+              <a:rPr lang="en-US" dirty="0" err="1">
+                <a:latin typeface="+mj-lt"/>
+              </a:rPr>
+              <a:t>sửa</a:t>
+            </a:r>
+            <a:r>
+              <a:rPr lang="en-US" dirty="0">
+                <a:latin typeface="+mj-lt"/>
+              </a:rPr>
+              <a:t> </a:t>
+            </a:r>
+            <a:r>
+              <a:rPr lang="en-US" dirty="0" err="1">
+                <a:latin typeface="+mj-lt"/>
+              </a:rPr>
+              <a:t>hóa</a:t>
+            </a:r>
+            <a:r>
+              <a:rPr lang="en-US" dirty="0">
+                <a:latin typeface="+mj-lt"/>
+              </a:rPr>
+              <a:t> </a:t>
+            </a:r>
+            <a:r>
+              <a:rPr lang="en-US" dirty="0" err="1">
+                <a:latin typeface="+mj-lt"/>
+              </a:rPr>
+              <a:t>đơn</a:t>
+            </a:r>
+            <a:endParaRPr lang="en-US" dirty="0">
+              <a:latin typeface="+mj-lt"/>
+            </a:endParaRPr>
+          </a:p>
+        </p:txBody>
+      </p:sp>
+      <p:pic>
+        <p:nvPicPr>
+          <p:cNvPr id="11" name="Picture 10">
+            <a:extLst>
+              <a:ext uri="{FF2B5EF4-FFF2-40B4-BE49-F238E27FC236}">
+                <a16:creationId xmlns:a16="http://schemas.microsoft.com/office/drawing/2014/main" id="{F6164AE6-B86F-4668-B82E-2CCF243694C5}"/>
+              </a:ext>
+            </a:extLst>
+          </p:cNvPr>
+          <p:cNvPicPr>
+            <a:picLocks noChangeAspect="1"/>
+          </p:cNvPicPr>
+          <p:nvPr/>
+        </p:nvPicPr>
+        <p:blipFill>
+          <a:blip r:embed="rId3"/>
+          <a:stretch>
+            <a:fillRect/>
+          </a:stretch>
+        </p:blipFill>
+        <p:spPr>
+          <a:xfrm>
+            <a:off x="0" y="673095"/>
+            <a:ext cx="9144000" cy="6184905"/>
+          </a:xfrm>
+          <a:prstGeom prst="rect">
+            <a:avLst/>
+          </a:prstGeom>
+        </p:spPr>
+      </p:pic>
+      <p:sp>
+        <p:nvSpPr>
+          <p:cNvPr id="29" name="TextBox 28">
+            <a:extLst>
+              <a:ext uri="{FF2B5EF4-FFF2-40B4-BE49-F238E27FC236}">
+                <a16:creationId xmlns:a16="http://schemas.microsoft.com/office/drawing/2014/main" id="{BFF6D494-CE07-489A-B995-2086F94ABE83}"/>
+              </a:ext>
+            </a:extLst>
+          </p:cNvPr>
+          <p:cNvSpPr txBox="1"/>
+          <p:nvPr/>
+        </p:nvSpPr>
+        <p:spPr>
+          <a:xfrm>
+            <a:off x="522516" y="1339599"/>
+            <a:ext cx="1295400" cy="276999"/>
+          </a:xfrm>
+          <a:prstGeom prst="rect">
+            <a:avLst/>
+          </a:prstGeom>
+          <a:noFill/>
+        </p:spPr>
+        <p:txBody>
+          <a:bodyPr wrap="square" rtlCol="0">
+            <a:spAutoFit/>
+          </a:bodyPr>
+          <a:lstStyle/>
+          <a:p>
+            <a:r>
+              <a:rPr lang="en-US" sz="1200" dirty="0" err="1">
+                <a:latin typeface="+mj-lt"/>
+              </a:rPr>
+              <a:t>Thời</a:t>
+            </a:r>
+            <a:r>
+              <a:rPr lang="en-US" sz="1200" dirty="0">
+                <a:latin typeface="+mj-lt"/>
+              </a:rPr>
+              <a:t> </a:t>
+            </a:r>
+            <a:r>
+              <a:rPr lang="en-US" sz="1200" dirty="0" err="1">
+                <a:latin typeface="+mj-lt"/>
+              </a:rPr>
+              <a:t>gian</a:t>
+            </a:r>
+            <a:r>
+              <a:rPr lang="en-US" sz="1200" dirty="0">
+                <a:latin typeface="+mj-lt"/>
+              </a:rPr>
+              <a:t>:</a:t>
+            </a:r>
+          </a:p>
+        </p:txBody>
+      </p:sp>
+      <p:sp>
+        <p:nvSpPr>
+          <p:cNvPr id="30" name="Rectangle 29">
+            <a:extLst>
+              <a:ext uri="{FF2B5EF4-FFF2-40B4-BE49-F238E27FC236}">
+                <a16:creationId xmlns:a16="http://schemas.microsoft.com/office/drawing/2014/main" id="{06527183-5952-4171-B7FC-1BEB45DFB228}"/>
+              </a:ext>
+            </a:extLst>
+          </p:cNvPr>
+          <p:cNvSpPr/>
+          <p:nvPr/>
+        </p:nvSpPr>
+        <p:spPr>
+          <a:xfrm>
+            <a:off x="1698522" y="1339599"/>
+            <a:ext cx="2780820" cy="261554"/>
+          </a:xfrm>
+          <a:prstGeom prst="rect">
+            <a:avLst/>
+          </a:prstGeom>
+          <a:ln>
+            <a:noFill/>
+          </a:ln>
+        </p:spPr>
+        <p:style>
+          <a:lnRef idx="2">
+            <a:schemeClr val="dk1"/>
+          </a:lnRef>
+          <a:fillRef idx="1">
+            <a:schemeClr val="lt1"/>
+          </a:fillRef>
+          <a:effectRef idx="0">
+            <a:schemeClr val="dk1"/>
+          </a:effectRef>
+          <a:fontRef idx="minor">
+            <a:schemeClr val="dk1"/>
+          </a:fontRef>
+        </p:style>
+        <p:txBody>
+          <a:bodyPr rtlCol="0" anchor="ctr"/>
+          <a:lstStyle/>
+          <a:p>
+            <a:r>
+              <a:rPr lang="en-US" sz="1400" dirty="0">
+                <a:latin typeface="+mj-lt"/>
+              </a:rPr>
+              <a:t>20/10/2020 19:30</a:t>
+            </a:r>
+          </a:p>
+        </p:txBody>
+      </p:sp>
+      <p:sp>
+        <p:nvSpPr>
+          <p:cNvPr id="39" name="TextBox 38">
+            <a:extLst>
+              <a:ext uri="{FF2B5EF4-FFF2-40B4-BE49-F238E27FC236}">
+                <a16:creationId xmlns:a16="http://schemas.microsoft.com/office/drawing/2014/main" id="{B521D3FC-1412-41B5-A658-C724DABB10C9}"/>
+              </a:ext>
+            </a:extLst>
+          </p:cNvPr>
+          <p:cNvSpPr txBox="1"/>
+          <p:nvPr/>
+        </p:nvSpPr>
+        <p:spPr>
+          <a:xfrm>
+            <a:off x="888867" y="928098"/>
+            <a:ext cx="4300206" cy="369490"/>
+          </a:xfrm>
+          <a:prstGeom prst="rect">
+            <a:avLst/>
+          </a:prstGeom>
+          <a:noFill/>
+        </p:spPr>
+        <p:txBody>
+          <a:bodyPr wrap="square" rtlCol="0">
+            <a:spAutoFit/>
+          </a:bodyPr>
+          <a:lstStyle/>
+          <a:p>
+            <a:r>
+              <a:rPr lang="en-US" b="1" dirty="0" err="1">
+                <a:solidFill>
+                  <a:schemeClr val="tx1">
+                    <a:lumMod val="85000"/>
+                    <a:lumOff val="15000"/>
+                  </a:schemeClr>
+                </a:solidFill>
+                <a:latin typeface="+mj-lt"/>
+              </a:rPr>
+              <a:t>Chỉnh</a:t>
+            </a:r>
+            <a:r>
+              <a:rPr lang="en-US" b="1" dirty="0">
+                <a:solidFill>
+                  <a:schemeClr val="tx1">
+                    <a:lumMod val="85000"/>
+                    <a:lumOff val="15000"/>
+                  </a:schemeClr>
+                </a:solidFill>
+                <a:latin typeface="+mj-lt"/>
+              </a:rPr>
+              <a:t> </a:t>
+            </a:r>
+            <a:r>
+              <a:rPr lang="en-US" b="1" dirty="0" err="1">
+                <a:solidFill>
+                  <a:schemeClr val="tx1">
+                    <a:lumMod val="85000"/>
+                    <a:lumOff val="15000"/>
+                  </a:schemeClr>
+                </a:solidFill>
+                <a:latin typeface="+mj-lt"/>
+              </a:rPr>
+              <a:t>sửa</a:t>
+            </a:r>
+            <a:r>
+              <a:rPr lang="en-US" b="1" dirty="0">
+                <a:solidFill>
+                  <a:schemeClr val="tx1">
+                    <a:lumMod val="85000"/>
+                    <a:lumOff val="15000"/>
+                  </a:schemeClr>
+                </a:solidFill>
+                <a:latin typeface="+mj-lt"/>
+              </a:rPr>
+              <a:t> </a:t>
+            </a:r>
+            <a:r>
+              <a:rPr lang="en-US" b="1" dirty="0" err="1">
+                <a:solidFill>
+                  <a:schemeClr val="tx1">
+                    <a:lumMod val="85000"/>
+                    <a:lumOff val="15000"/>
+                  </a:schemeClr>
+                </a:solidFill>
+                <a:latin typeface="+mj-lt"/>
+              </a:rPr>
+              <a:t>hóa</a:t>
+            </a:r>
+            <a:r>
+              <a:rPr lang="en-US" b="1" dirty="0">
+                <a:solidFill>
+                  <a:schemeClr val="tx1">
+                    <a:lumMod val="85000"/>
+                    <a:lumOff val="15000"/>
+                  </a:schemeClr>
+                </a:solidFill>
+                <a:latin typeface="+mj-lt"/>
+              </a:rPr>
+              <a:t> </a:t>
+            </a:r>
+            <a:r>
+              <a:rPr lang="en-US" b="1" dirty="0" err="1">
+                <a:solidFill>
+                  <a:schemeClr val="tx1">
+                    <a:lumMod val="85000"/>
+                    <a:lumOff val="15000"/>
+                  </a:schemeClr>
+                </a:solidFill>
+                <a:latin typeface="+mj-lt"/>
+              </a:rPr>
+              <a:t>đơn</a:t>
+            </a:r>
+            <a:endParaRPr lang="en-US" b="1" dirty="0">
+              <a:solidFill>
+                <a:schemeClr val="tx1">
+                  <a:lumMod val="85000"/>
+                  <a:lumOff val="15000"/>
+                </a:schemeClr>
+              </a:solidFill>
+              <a:latin typeface="+mj-lt"/>
+            </a:endParaRPr>
+          </a:p>
+        </p:txBody>
+      </p:sp>
+      <p:pic>
+        <p:nvPicPr>
+          <p:cNvPr id="41" name="Picture 40">
+            <a:extLst>
+              <a:ext uri="{FF2B5EF4-FFF2-40B4-BE49-F238E27FC236}">
+                <a16:creationId xmlns:a16="http://schemas.microsoft.com/office/drawing/2014/main" id="{A4495172-8BD4-4978-8E1A-C1B6AC078595}"/>
+              </a:ext>
+            </a:extLst>
+          </p:cNvPr>
+          <p:cNvPicPr>
+            <a:picLocks noChangeAspect="1"/>
+          </p:cNvPicPr>
+          <p:nvPr/>
+        </p:nvPicPr>
+        <p:blipFill>
+          <a:blip r:embed="rId4" cstate="print">
+            <a:extLst>
+              <a:ext uri="{28A0092B-C50C-407E-A947-70E740481C1C}">
+                <a14:useLocalDpi xmlns:a14="http://schemas.microsoft.com/office/drawing/2010/main" val="0"/>
+              </a:ext>
+            </a:extLst>
+          </a:blip>
+          <a:stretch>
+            <a:fillRect/>
+          </a:stretch>
+        </p:blipFill>
+        <p:spPr>
+          <a:xfrm>
+            <a:off x="563411" y="935257"/>
+            <a:ext cx="325456" cy="325456"/>
+          </a:xfrm>
+          <a:prstGeom prst="rect">
+            <a:avLst/>
+          </a:prstGeom>
+        </p:spPr>
+      </p:pic>
+      <p:sp>
+        <p:nvSpPr>
+          <p:cNvPr id="53" name="TextBox 52">
+            <a:extLst>
+              <a:ext uri="{FF2B5EF4-FFF2-40B4-BE49-F238E27FC236}">
+                <a16:creationId xmlns:a16="http://schemas.microsoft.com/office/drawing/2014/main" id="{CE832020-9CDE-4658-8DA3-E6824D6E34D4}"/>
+              </a:ext>
+            </a:extLst>
+          </p:cNvPr>
+          <p:cNvSpPr txBox="1"/>
+          <p:nvPr/>
+        </p:nvSpPr>
+        <p:spPr>
+          <a:xfrm>
+            <a:off x="605437" y="1845090"/>
+            <a:ext cx="1295400" cy="276999"/>
+          </a:xfrm>
+          <a:prstGeom prst="rect">
+            <a:avLst/>
+          </a:prstGeom>
+          <a:noFill/>
+        </p:spPr>
+        <p:txBody>
+          <a:bodyPr wrap="square" rtlCol="0">
+            <a:spAutoFit/>
+          </a:bodyPr>
+          <a:lstStyle/>
+          <a:p>
+            <a:r>
+              <a:rPr lang="en-US" sz="1200" dirty="0" err="1">
+                <a:latin typeface="+mj-lt"/>
+              </a:rPr>
+              <a:t>Tên</a:t>
+            </a:r>
+            <a:r>
+              <a:rPr lang="en-US" sz="1200" dirty="0">
+                <a:latin typeface="+mj-lt"/>
+              </a:rPr>
+              <a:t>:</a:t>
+            </a:r>
+          </a:p>
+        </p:txBody>
+      </p:sp>
+      <p:sp>
+        <p:nvSpPr>
+          <p:cNvPr id="55" name="Rectangle 54">
+            <a:extLst>
+              <a:ext uri="{FF2B5EF4-FFF2-40B4-BE49-F238E27FC236}">
+                <a16:creationId xmlns:a16="http://schemas.microsoft.com/office/drawing/2014/main" id="{07E4F0A4-E860-455D-97E8-3F196C5AFA92}"/>
+              </a:ext>
+            </a:extLst>
+          </p:cNvPr>
+          <p:cNvSpPr/>
+          <p:nvPr/>
+        </p:nvSpPr>
+        <p:spPr>
+          <a:xfrm>
+            <a:off x="1608900" y="1845090"/>
+            <a:ext cx="3124200" cy="261554"/>
+          </a:xfrm>
+          <a:prstGeom prst="rect">
+            <a:avLst/>
+          </a:prstGeom>
+        </p:spPr>
+        <p:style>
+          <a:lnRef idx="2">
+            <a:schemeClr val="dk1"/>
+          </a:lnRef>
+          <a:fillRef idx="1">
+            <a:schemeClr val="lt1"/>
+          </a:fillRef>
+          <a:effectRef idx="0">
+            <a:schemeClr val="dk1"/>
+          </a:effectRef>
+          <a:fontRef idx="minor">
+            <a:schemeClr val="dk1"/>
+          </a:fontRef>
+        </p:style>
+        <p:txBody>
+          <a:bodyPr rtlCol="0" anchor="ctr"/>
+          <a:lstStyle/>
+          <a:p>
+            <a:pPr algn="ctr"/>
+            <a:endParaRPr lang="en-US">
+              <a:latin typeface="+mj-lt"/>
+            </a:endParaRPr>
+          </a:p>
+        </p:txBody>
+      </p:sp>
+      <p:sp>
+        <p:nvSpPr>
+          <p:cNvPr id="59" name="TextBox 58">
+            <a:extLst>
+              <a:ext uri="{FF2B5EF4-FFF2-40B4-BE49-F238E27FC236}">
+                <a16:creationId xmlns:a16="http://schemas.microsoft.com/office/drawing/2014/main" id="{CEFD4588-7544-4B5F-9CED-2AB585FCC9C8}"/>
+              </a:ext>
+            </a:extLst>
+          </p:cNvPr>
+          <p:cNvSpPr txBox="1"/>
+          <p:nvPr/>
+        </p:nvSpPr>
+        <p:spPr>
+          <a:xfrm>
+            <a:off x="4939828" y="1826968"/>
+            <a:ext cx="1295400" cy="276999"/>
+          </a:xfrm>
+          <a:prstGeom prst="rect">
+            <a:avLst/>
+          </a:prstGeom>
+          <a:noFill/>
+        </p:spPr>
+        <p:txBody>
+          <a:bodyPr wrap="square" rtlCol="0">
+            <a:spAutoFit/>
+          </a:bodyPr>
+          <a:lstStyle/>
+          <a:p>
+            <a:r>
+              <a:rPr lang="en-US" sz="1200" dirty="0" err="1">
+                <a:latin typeface="+mj-lt"/>
+              </a:rPr>
+              <a:t>Điện</a:t>
+            </a:r>
+            <a:r>
+              <a:rPr lang="en-US" sz="1200" dirty="0">
+                <a:latin typeface="+mj-lt"/>
+              </a:rPr>
+              <a:t> </a:t>
+            </a:r>
+            <a:r>
+              <a:rPr lang="en-US" sz="1200" dirty="0" err="1">
+                <a:latin typeface="+mj-lt"/>
+              </a:rPr>
+              <a:t>thoại</a:t>
+            </a:r>
+            <a:r>
+              <a:rPr lang="en-US" sz="1200" dirty="0">
+                <a:latin typeface="+mj-lt"/>
+              </a:rPr>
+              <a:t>:</a:t>
+            </a:r>
+          </a:p>
+        </p:txBody>
+      </p:sp>
+      <p:sp>
+        <p:nvSpPr>
+          <p:cNvPr id="60" name="Rectangle 59">
+            <a:extLst>
+              <a:ext uri="{FF2B5EF4-FFF2-40B4-BE49-F238E27FC236}">
+                <a16:creationId xmlns:a16="http://schemas.microsoft.com/office/drawing/2014/main" id="{71FDB9AA-7266-4298-81AE-502F709C045A}"/>
+              </a:ext>
+            </a:extLst>
+          </p:cNvPr>
+          <p:cNvSpPr/>
+          <p:nvPr/>
+        </p:nvSpPr>
+        <p:spPr>
+          <a:xfrm>
+            <a:off x="5838924" y="1826968"/>
+            <a:ext cx="2987104" cy="261554"/>
+          </a:xfrm>
+          <a:prstGeom prst="rect">
+            <a:avLst/>
+          </a:prstGeom>
+        </p:spPr>
+        <p:style>
+          <a:lnRef idx="2">
+            <a:schemeClr val="dk1"/>
+          </a:lnRef>
+          <a:fillRef idx="1">
+            <a:schemeClr val="lt1"/>
+          </a:fillRef>
+          <a:effectRef idx="0">
+            <a:schemeClr val="dk1"/>
+          </a:effectRef>
+          <a:fontRef idx="minor">
+            <a:schemeClr val="dk1"/>
+          </a:fontRef>
+        </p:style>
+        <p:txBody>
+          <a:bodyPr rtlCol="0" anchor="ctr"/>
+          <a:lstStyle/>
+          <a:p>
+            <a:pPr algn="ctr"/>
+            <a:endParaRPr lang="en-US">
+              <a:latin typeface="+mj-lt"/>
+            </a:endParaRPr>
+          </a:p>
+        </p:txBody>
+      </p:sp>
+      <p:sp>
+        <p:nvSpPr>
+          <p:cNvPr id="61" name="TextBox 60">
+            <a:extLst>
+              <a:ext uri="{FF2B5EF4-FFF2-40B4-BE49-F238E27FC236}">
+                <a16:creationId xmlns:a16="http://schemas.microsoft.com/office/drawing/2014/main" id="{B9FB6F64-C32D-426B-850F-510D0B59D5E4}"/>
+              </a:ext>
+            </a:extLst>
+          </p:cNvPr>
+          <p:cNvSpPr txBox="1"/>
+          <p:nvPr/>
+        </p:nvSpPr>
+        <p:spPr>
+          <a:xfrm>
+            <a:off x="605437" y="2231532"/>
+            <a:ext cx="1295400" cy="276999"/>
+          </a:xfrm>
+          <a:prstGeom prst="rect">
+            <a:avLst/>
+          </a:prstGeom>
+          <a:noFill/>
+        </p:spPr>
+        <p:txBody>
+          <a:bodyPr wrap="square" rtlCol="0">
+            <a:spAutoFit/>
+          </a:bodyPr>
+          <a:lstStyle/>
+          <a:p>
+            <a:r>
+              <a:rPr lang="en-US" sz="1200" dirty="0" err="1">
+                <a:latin typeface="+mj-lt"/>
+              </a:rPr>
+              <a:t>Địa</a:t>
+            </a:r>
+            <a:r>
+              <a:rPr lang="en-US" sz="1200" dirty="0">
+                <a:latin typeface="+mj-lt"/>
+              </a:rPr>
+              <a:t> </a:t>
+            </a:r>
+            <a:r>
+              <a:rPr lang="en-US" sz="1200" dirty="0" err="1">
+                <a:latin typeface="+mj-lt"/>
+              </a:rPr>
+              <a:t>chỉ</a:t>
+            </a:r>
+            <a:r>
+              <a:rPr lang="en-US" sz="1200" dirty="0">
+                <a:latin typeface="+mj-lt"/>
+              </a:rPr>
+              <a:t>: </a:t>
+            </a:r>
+          </a:p>
+        </p:txBody>
+      </p:sp>
+      <p:sp>
+        <p:nvSpPr>
+          <p:cNvPr id="62" name="Rectangle 61">
+            <a:extLst>
+              <a:ext uri="{FF2B5EF4-FFF2-40B4-BE49-F238E27FC236}">
+                <a16:creationId xmlns:a16="http://schemas.microsoft.com/office/drawing/2014/main" id="{58018F04-E9E6-415C-AE2F-9ED7CC78D729}"/>
+              </a:ext>
+            </a:extLst>
+          </p:cNvPr>
+          <p:cNvSpPr/>
+          <p:nvPr/>
+        </p:nvSpPr>
+        <p:spPr>
+          <a:xfrm>
+            <a:off x="1608900" y="2231532"/>
+            <a:ext cx="3124200" cy="261554"/>
+          </a:xfrm>
+          <a:prstGeom prst="rect">
+            <a:avLst/>
+          </a:prstGeom>
+        </p:spPr>
+        <p:style>
+          <a:lnRef idx="2">
+            <a:schemeClr val="dk1"/>
+          </a:lnRef>
+          <a:fillRef idx="1">
+            <a:schemeClr val="lt1"/>
+          </a:fillRef>
+          <a:effectRef idx="0">
+            <a:schemeClr val="dk1"/>
+          </a:effectRef>
+          <a:fontRef idx="minor">
+            <a:schemeClr val="dk1"/>
+          </a:fontRef>
+        </p:style>
+        <p:txBody>
+          <a:bodyPr rtlCol="0" anchor="ctr"/>
+          <a:lstStyle/>
+          <a:p>
+            <a:pPr algn="ctr"/>
+            <a:endParaRPr lang="en-US">
+              <a:latin typeface="+mj-lt"/>
+            </a:endParaRPr>
+          </a:p>
+        </p:txBody>
+      </p:sp>
+      <p:sp>
+        <p:nvSpPr>
+          <p:cNvPr id="65" name="Rectangle 64">
+            <a:extLst>
+              <a:ext uri="{FF2B5EF4-FFF2-40B4-BE49-F238E27FC236}">
+                <a16:creationId xmlns:a16="http://schemas.microsoft.com/office/drawing/2014/main" id="{2D208BF8-B8FD-4515-9472-6F0489D28156}"/>
+              </a:ext>
+            </a:extLst>
+          </p:cNvPr>
+          <p:cNvSpPr/>
+          <p:nvPr/>
+        </p:nvSpPr>
+        <p:spPr>
+          <a:xfrm>
+            <a:off x="605437" y="1751954"/>
+            <a:ext cx="8372991" cy="817614"/>
+          </a:xfrm>
+          <a:prstGeom prst="rect">
+            <a:avLst/>
+          </a:prstGeom>
+          <a:noFill/>
+          <a:ln>
+            <a:solidFill>
+              <a:schemeClr val="tx1"/>
+            </a:solidFill>
+          </a:ln>
+        </p:spPr>
+        <p:style>
+          <a:lnRef idx="2">
+            <a:schemeClr val="accent1">
+              <a:shade val="50000"/>
+            </a:schemeClr>
+          </a:lnRef>
+          <a:fillRef idx="1">
+            <a:schemeClr val="accent1"/>
+          </a:fillRef>
+          <a:effectRef idx="0">
+            <a:schemeClr val="accent1"/>
+          </a:effectRef>
+          <a:fontRef idx="minor">
+            <a:schemeClr val="lt1"/>
+          </a:fontRef>
+        </p:style>
+        <p:txBody>
+          <a:bodyPr rtlCol="0" anchor="ctr"/>
+          <a:lstStyle/>
+          <a:p>
+            <a:pPr algn="ctr"/>
+            <a:endParaRPr lang="en-US"/>
+          </a:p>
+        </p:txBody>
+      </p:sp>
+      <p:sp>
+        <p:nvSpPr>
+          <p:cNvPr id="66" name="TextBox 65">
+            <a:extLst>
+              <a:ext uri="{FF2B5EF4-FFF2-40B4-BE49-F238E27FC236}">
+                <a16:creationId xmlns:a16="http://schemas.microsoft.com/office/drawing/2014/main" id="{B0AB6BC6-C475-4800-995C-6DE26CBC6053}"/>
+              </a:ext>
+            </a:extLst>
+          </p:cNvPr>
+          <p:cNvSpPr txBox="1"/>
+          <p:nvPr/>
+        </p:nvSpPr>
+        <p:spPr>
+          <a:xfrm>
+            <a:off x="622552" y="1601887"/>
+            <a:ext cx="949675" cy="276999"/>
+          </a:xfrm>
+          <a:prstGeom prst="rect">
+            <a:avLst/>
+          </a:prstGeom>
+          <a:solidFill>
+            <a:schemeClr val="bg1"/>
+          </a:solidFill>
+        </p:spPr>
+        <p:txBody>
+          <a:bodyPr wrap="square" rtlCol="0">
+            <a:spAutoFit/>
+          </a:bodyPr>
+          <a:lstStyle/>
+          <a:p>
+            <a:r>
+              <a:rPr lang="en-US" sz="1200" dirty="0" err="1">
+                <a:latin typeface="+mj-lt"/>
+              </a:rPr>
+              <a:t>Khách</a:t>
+            </a:r>
+            <a:r>
+              <a:rPr lang="en-US" sz="1200" dirty="0">
+                <a:latin typeface="+mj-lt"/>
+              </a:rPr>
+              <a:t> </a:t>
+            </a:r>
+            <a:r>
+              <a:rPr lang="en-US" sz="1200" dirty="0" err="1">
+                <a:latin typeface="+mj-lt"/>
+              </a:rPr>
+              <a:t>hàng</a:t>
+            </a:r>
+            <a:r>
+              <a:rPr lang="en-US" sz="1200" dirty="0">
+                <a:latin typeface="+mj-lt"/>
+              </a:rPr>
+              <a:t>:</a:t>
+            </a:r>
+          </a:p>
+        </p:txBody>
+      </p:sp>
+      <p:graphicFrame>
+        <p:nvGraphicFramePr>
+          <p:cNvPr id="67" name="Table 3">
+            <a:extLst>
+              <a:ext uri="{FF2B5EF4-FFF2-40B4-BE49-F238E27FC236}">
+                <a16:creationId xmlns:a16="http://schemas.microsoft.com/office/drawing/2014/main" id="{48744A14-B164-40D8-9551-D0E2F7F9396F}"/>
+              </a:ext>
+            </a:extLst>
+          </p:cNvPr>
+          <p:cNvGraphicFramePr>
+            <a:graphicFrameLocks noGrp="1"/>
+          </p:cNvGraphicFramePr>
+          <p:nvPr>
+            <p:extLst>
+              <p:ext uri="{D42A27DB-BD31-4B8C-83A1-F6EECF244321}">
+                <p14:modId xmlns:p14="http://schemas.microsoft.com/office/powerpoint/2010/main" val="1948894493"/>
+              </p:ext>
+            </p:extLst>
+          </p:nvPr>
+        </p:nvGraphicFramePr>
+        <p:xfrm>
+          <a:off x="679799" y="3683326"/>
+          <a:ext cx="8235601" cy="1639912"/>
+        </p:xfrm>
+        <a:graphic>
+          <a:graphicData uri="http://schemas.openxmlformats.org/drawingml/2006/table">
+            <a:tbl>
+              <a:tblPr firstRow="1" bandRow="1">
+                <a:tableStyleId>{5C22544A-7EE6-4342-B048-85BDC9FD1C3A}</a:tableStyleId>
+              </a:tblPr>
+              <a:tblGrid>
+                <a:gridCol w="1337199">
+                  <a:extLst>
+                    <a:ext uri="{9D8B030D-6E8A-4147-A177-3AD203B41FA5}">
+                      <a16:colId xmlns:a16="http://schemas.microsoft.com/office/drawing/2014/main" val="2205170896"/>
+                    </a:ext>
+                  </a:extLst>
+                </a:gridCol>
+                <a:gridCol w="605203">
+                  <a:extLst>
+                    <a:ext uri="{9D8B030D-6E8A-4147-A177-3AD203B41FA5}">
+                      <a16:colId xmlns:a16="http://schemas.microsoft.com/office/drawing/2014/main" val="3679797539"/>
+                    </a:ext>
+                  </a:extLst>
+                </a:gridCol>
+                <a:gridCol w="971202">
+                  <a:extLst>
+                    <a:ext uri="{9D8B030D-6E8A-4147-A177-3AD203B41FA5}">
+                      <a16:colId xmlns:a16="http://schemas.microsoft.com/office/drawing/2014/main" val="2142246052"/>
+                    </a:ext>
+                  </a:extLst>
+                </a:gridCol>
+                <a:gridCol w="971202">
+                  <a:extLst>
+                    <a:ext uri="{9D8B030D-6E8A-4147-A177-3AD203B41FA5}">
+                      <a16:colId xmlns:a16="http://schemas.microsoft.com/office/drawing/2014/main" val="1926319217"/>
+                    </a:ext>
+                  </a:extLst>
+                </a:gridCol>
+                <a:gridCol w="1220700">
+                  <a:extLst>
+                    <a:ext uri="{9D8B030D-6E8A-4147-A177-3AD203B41FA5}">
+                      <a16:colId xmlns:a16="http://schemas.microsoft.com/office/drawing/2014/main" val="4188008786"/>
+                    </a:ext>
+                  </a:extLst>
+                </a:gridCol>
+                <a:gridCol w="1465150">
+                  <a:extLst>
+                    <a:ext uri="{9D8B030D-6E8A-4147-A177-3AD203B41FA5}">
+                      <a16:colId xmlns:a16="http://schemas.microsoft.com/office/drawing/2014/main" val="3214238948"/>
+                    </a:ext>
+                  </a:extLst>
+                </a:gridCol>
+                <a:gridCol w="1189664">
+                  <a:extLst>
+                    <a:ext uri="{9D8B030D-6E8A-4147-A177-3AD203B41FA5}">
+                      <a16:colId xmlns:a16="http://schemas.microsoft.com/office/drawing/2014/main" val="4284112643"/>
+                    </a:ext>
+                  </a:extLst>
+                </a:gridCol>
+                <a:gridCol w="475281">
+                  <a:extLst>
+                    <a:ext uri="{9D8B030D-6E8A-4147-A177-3AD203B41FA5}">
+                      <a16:colId xmlns:a16="http://schemas.microsoft.com/office/drawing/2014/main" val="4177220187"/>
+                    </a:ext>
+                  </a:extLst>
+                </a:gridCol>
+              </a:tblGrid>
+              <a:tr h="222717">
+                <a:tc>
+                  <a:txBody>
+                    <a:bodyPr/>
+                    <a:lstStyle/>
+                    <a:p>
+                      <a:pPr algn="ctr"/>
+                      <a:r>
+                        <a:rPr lang="en-US" sz="1200" dirty="0" err="1"/>
+                        <a:t>Tên</a:t>
+                      </a:r>
+                      <a:r>
+                        <a:rPr lang="en-US" sz="1200" dirty="0"/>
+                        <a:t> </a:t>
+                      </a:r>
+                      <a:r>
+                        <a:rPr lang="en-US" sz="1200" dirty="0" err="1"/>
+                        <a:t>thuốc</a:t>
+                      </a:r>
+                      <a:endParaRPr lang="en-US" sz="1200" dirty="0"/>
+                    </a:p>
+                  </a:txBody>
+                  <a:tcPr anchor="ctr">
+                    <a:solidFill>
+                      <a:schemeClr val="bg1">
+                        <a:lumMod val="50000"/>
+                      </a:schemeClr>
+                    </a:solidFill>
+                  </a:tcPr>
+                </a:tc>
+                <a:tc>
+                  <a:txBody>
+                    <a:bodyPr/>
+                    <a:lstStyle/>
+                    <a:p>
+                      <a:pPr algn="ctr"/>
+                      <a:r>
+                        <a:rPr lang="en-US" sz="1200" dirty="0"/>
+                        <a:t>ĐVT</a:t>
+                      </a:r>
+                    </a:p>
+                  </a:txBody>
+                  <a:tcPr anchor="ctr">
+                    <a:solidFill>
+                      <a:schemeClr val="bg1">
+                        <a:lumMod val="50000"/>
+                      </a:schemeClr>
+                    </a:solidFill>
+                  </a:tcPr>
+                </a:tc>
+                <a:tc>
+                  <a:txBody>
+                    <a:bodyPr/>
+                    <a:lstStyle/>
+                    <a:p>
+                      <a:pPr algn="ctr"/>
+                      <a:r>
+                        <a:rPr lang="en-US" sz="1200" dirty="0" err="1"/>
+                        <a:t>Số</a:t>
+                      </a:r>
+                      <a:r>
+                        <a:rPr lang="en-US" sz="1200" dirty="0"/>
+                        <a:t> </a:t>
+                      </a:r>
+                      <a:r>
+                        <a:rPr lang="en-US" sz="1200" dirty="0" err="1"/>
+                        <a:t>lượng</a:t>
+                      </a:r>
+                      <a:endParaRPr lang="en-US" sz="1200" dirty="0"/>
+                    </a:p>
+                  </a:txBody>
+                  <a:tcPr anchor="ctr">
+                    <a:solidFill>
+                      <a:schemeClr val="bg1">
+                        <a:lumMod val="50000"/>
+                      </a:schemeClr>
+                    </a:solidFill>
+                  </a:tcPr>
+                </a:tc>
+                <a:tc>
+                  <a:txBody>
+                    <a:bodyPr/>
+                    <a:lstStyle/>
+                    <a:p>
+                      <a:pPr algn="ctr"/>
+                      <a:r>
+                        <a:rPr lang="en-US" sz="1200" dirty="0"/>
+                        <a:t>HSD</a:t>
+                      </a:r>
+                    </a:p>
+                  </a:txBody>
+                  <a:tcPr anchor="ctr">
+                    <a:solidFill>
+                      <a:schemeClr val="bg1">
+                        <a:lumMod val="50000"/>
+                      </a:schemeClr>
+                    </a:solidFill>
+                  </a:tcPr>
+                </a:tc>
+                <a:tc>
+                  <a:txBody>
+                    <a:bodyPr/>
+                    <a:lstStyle/>
+                    <a:p>
+                      <a:pPr algn="ctr"/>
+                      <a:r>
+                        <a:rPr lang="en-US" sz="1200" dirty="0" err="1"/>
+                        <a:t>Đơn</a:t>
+                      </a:r>
+                      <a:r>
+                        <a:rPr lang="en-US" sz="1200" dirty="0"/>
+                        <a:t> </a:t>
+                      </a:r>
+                      <a:r>
+                        <a:rPr lang="en-US" sz="1200" dirty="0" err="1"/>
+                        <a:t>giá</a:t>
+                      </a:r>
+                      <a:endParaRPr lang="en-US" sz="1200" dirty="0"/>
+                    </a:p>
+                  </a:txBody>
+                  <a:tcPr anchor="ctr">
+                    <a:solidFill>
+                      <a:schemeClr val="bg1">
+                        <a:lumMod val="50000"/>
+                      </a:schemeClr>
+                    </a:solidFill>
+                  </a:tcPr>
+                </a:tc>
+                <a:tc>
+                  <a:txBody>
+                    <a:bodyPr/>
+                    <a:lstStyle/>
+                    <a:p>
+                      <a:pPr algn="ctr"/>
+                      <a:r>
+                        <a:rPr lang="en-US" sz="1200" dirty="0" err="1"/>
+                        <a:t>Chiết</a:t>
+                      </a:r>
+                      <a:r>
+                        <a:rPr lang="en-US" sz="1200" dirty="0"/>
+                        <a:t> </a:t>
+                      </a:r>
+                      <a:r>
+                        <a:rPr lang="en-US" sz="1200" dirty="0" err="1"/>
+                        <a:t>khấu</a:t>
+                      </a:r>
+                      <a:r>
+                        <a:rPr lang="en-US" sz="1200" dirty="0"/>
+                        <a:t> %</a:t>
+                      </a:r>
+                    </a:p>
+                  </a:txBody>
+                  <a:tcPr anchor="ctr">
+                    <a:solidFill>
+                      <a:schemeClr val="bg1">
+                        <a:lumMod val="50000"/>
+                      </a:schemeClr>
+                    </a:solidFill>
+                  </a:tcPr>
+                </a:tc>
+                <a:tc>
+                  <a:txBody>
+                    <a:bodyPr/>
+                    <a:lstStyle/>
+                    <a:p>
+                      <a:pPr algn="ctr"/>
+                      <a:r>
+                        <a:rPr lang="en-US" sz="1200" dirty="0" err="1"/>
+                        <a:t>Thành</a:t>
+                      </a:r>
+                      <a:r>
+                        <a:rPr lang="en-US" sz="1200" dirty="0"/>
+                        <a:t> </a:t>
+                      </a:r>
+                      <a:r>
+                        <a:rPr lang="en-US" sz="1200" dirty="0" err="1"/>
+                        <a:t>tiền</a:t>
+                      </a:r>
+                      <a:endParaRPr lang="en-US" sz="1200" dirty="0"/>
+                    </a:p>
+                  </a:txBody>
+                  <a:tcPr anchor="ctr">
+                    <a:solidFill>
+                      <a:schemeClr val="bg1">
+                        <a:lumMod val="50000"/>
+                      </a:schemeClr>
+                    </a:solidFill>
+                  </a:tcPr>
+                </a:tc>
+                <a:tc>
+                  <a:txBody>
+                    <a:bodyPr/>
+                    <a:lstStyle/>
+                    <a:p>
+                      <a:pPr algn="ctr"/>
+                      <a:endParaRPr lang="en-US" sz="1200" dirty="0"/>
+                    </a:p>
+                  </a:txBody>
+                  <a:tcPr anchor="ctr">
+                    <a:solidFill>
+                      <a:schemeClr val="bg1">
+                        <a:lumMod val="50000"/>
+                      </a:schemeClr>
+                    </a:solidFill>
+                  </a:tcPr>
+                </a:tc>
+                <a:extLst>
+                  <a:ext uri="{0D108BD9-81ED-4DB2-BD59-A6C34878D82A}">
+                    <a16:rowId xmlns:a16="http://schemas.microsoft.com/office/drawing/2014/main" val="652390980"/>
+                  </a:ext>
+                </a:extLst>
+              </a:tr>
+              <a:tr h="431916">
+                <a:tc>
+                  <a:txBody>
+                    <a:bodyPr/>
+                    <a:lstStyle/>
+                    <a:p>
+                      <a:pPr algn="ctr"/>
+                      <a:r>
+                        <a:rPr lang="en-US" sz="1200" dirty="0" err="1"/>
+                        <a:t>Thuốc</a:t>
+                      </a:r>
+                      <a:r>
+                        <a:rPr lang="en-US" sz="1200" dirty="0"/>
+                        <a:t> 1</a:t>
+                      </a:r>
+                    </a:p>
+                  </a:txBody>
+                  <a:tcPr anchor="ctr">
+                    <a:solidFill>
+                      <a:schemeClr val="bg1">
+                        <a:lumMod val="95000"/>
+                      </a:schemeClr>
+                    </a:solidFill>
+                  </a:tcPr>
+                </a:tc>
+                <a:tc>
+                  <a:txBody>
+                    <a:bodyPr/>
+                    <a:lstStyle/>
+                    <a:p>
+                      <a:pPr algn="ctr"/>
+                      <a:r>
+                        <a:rPr lang="en-US" sz="1200" kern="1200" dirty="0" err="1">
+                          <a:solidFill>
+                            <a:schemeClr val="dk1"/>
+                          </a:solidFill>
+                          <a:latin typeface="+mn-lt"/>
+                          <a:ea typeface="+mn-ea"/>
+                          <a:cs typeface="+mn-cs"/>
+                        </a:rPr>
+                        <a:t>Viên</a:t>
+                      </a:r>
+                      <a:endParaRPr lang="en-US" sz="1200" dirty="0"/>
+                    </a:p>
+                  </a:txBody>
+                  <a:tcPr anchor="ctr">
+                    <a:solidFill>
+                      <a:schemeClr val="bg1">
+                        <a:lumMod val="95000"/>
+                      </a:schemeClr>
+                    </a:solidFill>
+                  </a:tcPr>
+                </a:tc>
+                <a:tc>
+                  <a:txBody>
+                    <a:bodyPr/>
+                    <a:lstStyle/>
+                    <a:p>
+                      <a:pPr algn="ctr"/>
+                      <a:r>
+                        <a:rPr lang="en-US" sz="1200" dirty="0"/>
+                        <a:t>2</a:t>
+                      </a:r>
+                    </a:p>
+                  </a:txBody>
+                  <a:tcPr anchor="ctr">
+                    <a:solidFill>
+                      <a:schemeClr val="bg1">
+                        <a:lumMod val="95000"/>
+                      </a:schemeClr>
+                    </a:solidFill>
+                  </a:tcPr>
+                </a:tc>
+                <a:tc>
+                  <a:txBody>
+                    <a:bodyPr/>
+                    <a:lstStyle/>
+                    <a:p>
+                      <a:pPr algn="ctr"/>
+                      <a:r>
+                        <a:rPr lang="en-US" sz="1200" dirty="0"/>
+                        <a:t>12/12/2023</a:t>
+                      </a:r>
+                    </a:p>
+                  </a:txBody>
+                  <a:tcPr anchor="ctr">
+                    <a:solidFill>
+                      <a:schemeClr val="bg1">
+                        <a:lumMod val="95000"/>
+                      </a:schemeClr>
+                    </a:solidFill>
+                  </a:tcPr>
+                </a:tc>
+                <a:tc>
+                  <a:txBody>
+                    <a:bodyPr/>
+                    <a:lstStyle/>
+                    <a:p>
+                      <a:pPr algn="ctr"/>
+                      <a:r>
+                        <a:rPr lang="en-US" sz="1200" dirty="0"/>
+                        <a:t>1,000</a:t>
+                      </a:r>
+                    </a:p>
+                  </a:txBody>
+                  <a:tcPr anchor="ctr">
+                    <a:solidFill>
+                      <a:schemeClr val="bg1">
+                        <a:lumMod val="95000"/>
+                      </a:schemeClr>
+                    </a:solidFill>
+                  </a:tcPr>
+                </a:tc>
+                <a:tc>
+                  <a:txBody>
+                    <a:bodyPr/>
+                    <a:lstStyle/>
+                    <a:p>
+                      <a:pPr algn="ctr"/>
+                      <a:r>
+                        <a:rPr lang="en-US" sz="1200" dirty="0"/>
+                        <a:t>10</a:t>
+                      </a:r>
+                    </a:p>
+                  </a:txBody>
+                  <a:tcPr anchor="ctr">
+                    <a:solidFill>
+                      <a:schemeClr val="bg1">
+                        <a:lumMod val="95000"/>
+                      </a:schemeClr>
+                    </a:solidFill>
+                  </a:tcPr>
+                </a:tc>
+                <a:tc>
+                  <a:txBody>
+                    <a:bodyPr/>
+                    <a:lstStyle/>
+                    <a:p>
+                      <a:pPr algn="ctr"/>
+                      <a:r>
+                        <a:rPr lang="en-US" sz="1200" dirty="0"/>
+                        <a:t>1,800</a:t>
+                      </a:r>
+                    </a:p>
+                  </a:txBody>
+                  <a:tcPr anchor="ctr">
+                    <a:solidFill>
+                      <a:schemeClr val="bg1">
+                        <a:lumMod val="95000"/>
+                      </a:schemeClr>
+                    </a:solidFill>
+                  </a:tcPr>
+                </a:tc>
+                <a:tc>
+                  <a:txBody>
+                    <a:bodyPr/>
+                    <a:lstStyle/>
+                    <a:p>
+                      <a:pPr algn="ctr"/>
+                      <a:endParaRPr lang="en-US" sz="1200" dirty="0"/>
+                    </a:p>
+                  </a:txBody>
+                  <a:tcPr anchor="ctr">
+                    <a:solidFill>
+                      <a:schemeClr val="bg1">
+                        <a:lumMod val="95000"/>
+                      </a:schemeClr>
+                    </a:solidFill>
+                  </a:tcPr>
+                </a:tc>
+                <a:extLst>
+                  <a:ext uri="{0D108BD9-81ED-4DB2-BD59-A6C34878D82A}">
+                    <a16:rowId xmlns:a16="http://schemas.microsoft.com/office/drawing/2014/main" val="730336656"/>
+                  </a:ext>
+                </a:extLst>
+              </a:tr>
+              <a:tr h="466838">
+                <a:tc>
+                  <a:txBody>
+                    <a:bodyPr/>
+                    <a:lstStyle/>
+                    <a:p>
+                      <a:pPr algn="ctr"/>
+                      <a:r>
+                        <a:rPr lang="en-US" sz="1200" dirty="0" err="1"/>
+                        <a:t>Thuốc</a:t>
+                      </a:r>
+                      <a:r>
+                        <a:rPr lang="en-US" sz="1200" dirty="0"/>
+                        <a:t> 2</a:t>
+                      </a:r>
+                    </a:p>
+                  </a:txBody>
+                  <a:tcPr anchor="ctr">
+                    <a:solidFill>
+                      <a:schemeClr val="bg1">
+                        <a:lumMod val="95000"/>
+                      </a:schemeClr>
+                    </a:solidFill>
+                  </a:tcPr>
+                </a:tc>
+                <a:tc>
+                  <a:txBody>
+                    <a:bodyPr/>
+                    <a:lstStyle/>
+                    <a:p>
+                      <a:pPr algn="ctr"/>
+                      <a:r>
+                        <a:rPr lang="en-US" sz="1200" kern="1200" dirty="0" err="1">
+                          <a:solidFill>
+                            <a:schemeClr val="dk1"/>
+                          </a:solidFill>
+                          <a:latin typeface="+mn-lt"/>
+                          <a:ea typeface="+mn-ea"/>
+                          <a:cs typeface="+mn-cs"/>
+                        </a:rPr>
+                        <a:t>Hộp</a:t>
+                      </a:r>
+                      <a:endParaRPr lang="en-US" sz="1200" dirty="0"/>
+                    </a:p>
+                  </a:txBody>
+                  <a:tcPr anchor="ctr">
+                    <a:solidFill>
+                      <a:schemeClr val="bg1">
+                        <a:lumMod val="95000"/>
+                      </a:schemeClr>
+                    </a:solidFill>
+                  </a:tcPr>
+                </a:tc>
+                <a:tc>
+                  <a:txBody>
+                    <a:bodyPr/>
+                    <a:lstStyle/>
+                    <a:p>
+                      <a:pPr algn="ctr"/>
+                      <a:r>
+                        <a:rPr lang="en-US" sz="1200" dirty="0"/>
+                        <a:t>2</a:t>
+                      </a:r>
+                    </a:p>
+                  </a:txBody>
+                  <a:tcPr anchor="ctr">
+                    <a:solidFill>
+                      <a:schemeClr val="bg1">
+                        <a:lumMod val="95000"/>
+                      </a:schemeClr>
+                    </a:solidFill>
+                  </a:tcPr>
+                </a:tc>
+                <a:tc>
+                  <a:txBody>
+                    <a:bodyPr/>
+                    <a:lstStyle/>
+                    <a:p>
+                      <a:pPr algn="ctr"/>
+                      <a:r>
+                        <a:rPr lang="en-US" sz="1200" dirty="0"/>
+                        <a:t>25/12/2024</a:t>
+                      </a:r>
+                    </a:p>
+                  </a:txBody>
+                  <a:tcPr anchor="ctr">
+                    <a:solidFill>
+                      <a:schemeClr val="bg1">
+                        <a:lumMod val="95000"/>
+                      </a:schemeClr>
+                    </a:solidFill>
+                  </a:tcPr>
+                </a:tc>
+                <a:tc>
+                  <a:txBody>
+                    <a:bodyPr/>
+                    <a:lstStyle/>
+                    <a:p>
+                      <a:pPr algn="ctr"/>
+                      <a:r>
+                        <a:rPr lang="en-US" sz="1200" dirty="0"/>
+                        <a:t>11,000</a:t>
+                      </a:r>
+                    </a:p>
+                  </a:txBody>
+                  <a:tcPr anchor="ctr">
+                    <a:solidFill>
+                      <a:schemeClr val="bg1">
+                        <a:lumMod val="95000"/>
+                      </a:schemeClr>
+                    </a:solidFill>
+                  </a:tcPr>
+                </a:tc>
+                <a:tc>
+                  <a:txBody>
+                    <a:bodyPr/>
+                    <a:lstStyle/>
+                    <a:p>
+                      <a:pPr algn="ctr"/>
+                      <a:r>
+                        <a:rPr lang="en-US" sz="1200" dirty="0"/>
+                        <a:t>0</a:t>
+                      </a:r>
+                    </a:p>
+                  </a:txBody>
+                  <a:tcPr anchor="ctr">
+                    <a:solidFill>
+                      <a:schemeClr val="bg1">
+                        <a:lumMod val="95000"/>
+                      </a:schemeClr>
+                    </a:solidFill>
+                  </a:tcPr>
+                </a:tc>
+                <a:tc>
+                  <a:txBody>
+                    <a:bodyPr/>
+                    <a:lstStyle/>
+                    <a:p>
+                      <a:pPr algn="ctr"/>
+                      <a:r>
+                        <a:rPr lang="en-US" sz="1200" dirty="0"/>
+                        <a:t>22,000</a:t>
+                      </a:r>
+                    </a:p>
+                  </a:txBody>
+                  <a:tcPr anchor="ctr">
+                    <a:solidFill>
+                      <a:schemeClr val="bg1">
+                        <a:lumMod val="95000"/>
+                      </a:schemeClr>
+                    </a:solidFill>
+                  </a:tcPr>
+                </a:tc>
+                <a:tc>
+                  <a:txBody>
+                    <a:bodyPr/>
+                    <a:lstStyle/>
+                    <a:p>
+                      <a:pPr algn="ctr"/>
+                      <a:endParaRPr lang="en-US" sz="1200" dirty="0"/>
+                    </a:p>
+                  </a:txBody>
+                  <a:tcPr anchor="ctr">
+                    <a:solidFill>
+                      <a:schemeClr val="bg1">
+                        <a:lumMod val="95000"/>
+                      </a:schemeClr>
+                    </a:solidFill>
+                  </a:tcPr>
+                </a:tc>
+                <a:extLst>
+                  <a:ext uri="{0D108BD9-81ED-4DB2-BD59-A6C34878D82A}">
+                    <a16:rowId xmlns:a16="http://schemas.microsoft.com/office/drawing/2014/main" val="2897143220"/>
+                  </a:ext>
+                </a:extLst>
+              </a:tr>
+              <a:tr h="466838">
+                <a:tc>
+                  <a:txBody>
+                    <a:bodyPr/>
+                    <a:lstStyle/>
+                    <a:p>
+                      <a:pPr algn="ctr"/>
+                      <a:endParaRPr lang="en-US" sz="1200" dirty="0"/>
+                    </a:p>
+                  </a:txBody>
+                  <a:tcPr anchor="ctr">
+                    <a:solidFill>
+                      <a:schemeClr val="bg1">
+                        <a:lumMod val="95000"/>
+                      </a:schemeClr>
+                    </a:solidFill>
+                  </a:tcPr>
+                </a:tc>
+                <a:tc>
+                  <a:txBody>
+                    <a:bodyPr/>
+                    <a:lstStyle/>
+                    <a:p>
+                      <a:pPr algn="ctr"/>
+                      <a:endParaRPr lang="en-US" sz="1200" dirty="0"/>
+                    </a:p>
+                  </a:txBody>
+                  <a:tcPr anchor="ctr">
+                    <a:solidFill>
+                      <a:schemeClr val="bg1">
+                        <a:lumMod val="95000"/>
+                      </a:schemeClr>
+                    </a:solidFill>
+                  </a:tcPr>
+                </a:tc>
+                <a:tc>
+                  <a:txBody>
+                    <a:bodyPr/>
+                    <a:lstStyle/>
+                    <a:p>
+                      <a:pPr algn="ctr"/>
+                      <a:endParaRPr lang="en-US" sz="1200" dirty="0"/>
+                    </a:p>
+                  </a:txBody>
+                  <a:tcPr anchor="ctr">
+                    <a:solidFill>
+                      <a:schemeClr val="bg1">
+                        <a:lumMod val="95000"/>
+                      </a:schemeClr>
+                    </a:solidFill>
+                  </a:tcPr>
+                </a:tc>
+                <a:tc>
+                  <a:txBody>
+                    <a:bodyPr/>
+                    <a:lstStyle/>
+                    <a:p>
+                      <a:pPr algn="ctr"/>
+                      <a:endParaRPr lang="en-US" sz="1200" dirty="0"/>
+                    </a:p>
+                  </a:txBody>
+                  <a:tcPr anchor="ctr">
+                    <a:solidFill>
+                      <a:schemeClr val="bg1">
+                        <a:lumMod val="95000"/>
+                      </a:schemeClr>
+                    </a:solidFill>
+                  </a:tcPr>
+                </a:tc>
+                <a:tc>
+                  <a:txBody>
+                    <a:bodyPr/>
+                    <a:lstStyle/>
+                    <a:p>
+                      <a:pPr algn="ctr"/>
+                      <a:endParaRPr lang="en-US" sz="1200" dirty="0"/>
+                    </a:p>
+                  </a:txBody>
+                  <a:tcPr anchor="ctr">
+                    <a:solidFill>
+                      <a:schemeClr val="bg1">
+                        <a:lumMod val="95000"/>
+                      </a:schemeClr>
+                    </a:solidFill>
+                  </a:tcPr>
+                </a:tc>
+                <a:tc>
+                  <a:txBody>
+                    <a:bodyPr/>
+                    <a:lstStyle/>
+                    <a:p>
+                      <a:pPr algn="ctr"/>
+                      <a:endParaRPr lang="en-US" sz="1200" dirty="0"/>
+                    </a:p>
+                  </a:txBody>
+                  <a:tcPr anchor="ctr">
+                    <a:solidFill>
+                      <a:schemeClr val="bg1">
+                        <a:lumMod val="95000"/>
+                      </a:schemeClr>
+                    </a:solidFill>
+                  </a:tcPr>
+                </a:tc>
+                <a:tc>
+                  <a:txBody>
+                    <a:bodyPr/>
+                    <a:lstStyle/>
+                    <a:p>
+                      <a:pPr algn="ctr"/>
+                      <a:endParaRPr lang="en-US" sz="1200" dirty="0"/>
+                    </a:p>
+                  </a:txBody>
+                  <a:tcPr anchor="ctr">
+                    <a:solidFill>
+                      <a:schemeClr val="bg1">
+                        <a:lumMod val="95000"/>
+                      </a:schemeClr>
+                    </a:solidFill>
+                  </a:tcPr>
+                </a:tc>
+                <a:tc>
+                  <a:txBody>
+                    <a:bodyPr/>
+                    <a:lstStyle/>
+                    <a:p>
+                      <a:pPr algn="ctr"/>
+                      <a:endParaRPr lang="en-US" sz="1200" dirty="0"/>
+                    </a:p>
+                  </a:txBody>
+                  <a:tcPr anchor="ctr">
+                    <a:solidFill>
+                      <a:schemeClr val="bg1">
+                        <a:lumMod val="95000"/>
+                      </a:schemeClr>
+                    </a:solidFill>
+                  </a:tcPr>
+                </a:tc>
+                <a:extLst>
+                  <a:ext uri="{0D108BD9-81ED-4DB2-BD59-A6C34878D82A}">
+                    <a16:rowId xmlns:a16="http://schemas.microsoft.com/office/drawing/2014/main" val="378457201"/>
+                  </a:ext>
+                </a:extLst>
+              </a:tr>
+            </a:tbl>
+          </a:graphicData>
+        </a:graphic>
+      </p:graphicFrame>
+      <p:sp>
+        <p:nvSpPr>
+          <p:cNvPr id="68" name="TextBox 67">
+            <a:extLst>
+              <a:ext uri="{FF2B5EF4-FFF2-40B4-BE49-F238E27FC236}">
+                <a16:creationId xmlns:a16="http://schemas.microsoft.com/office/drawing/2014/main" id="{0B2B71CE-B153-4DDE-BDEB-059BA3F60FA5}"/>
+              </a:ext>
+            </a:extLst>
+          </p:cNvPr>
+          <p:cNvSpPr txBox="1"/>
+          <p:nvPr/>
+        </p:nvSpPr>
+        <p:spPr>
+          <a:xfrm>
+            <a:off x="5362944" y="5707785"/>
+            <a:ext cx="1295400" cy="276999"/>
+          </a:xfrm>
+          <a:prstGeom prst="rect">
+            <a:avLst/>
+          </a:prstGeom>
+          <a:noFill/>
+        </p:spPr>
+        <p:txBody>
+          <a:bodyPr wrap="square" rtlCol="0">
+            <a:spAutoFit/>
+          </a:bodyPr>
+          <a:lstStyle/>
+          <a:p>
+            <a:r>
+              <a:rPr lang="en-US" sz="1200" dirty="0" err="1">
+                <a:latin typeface="+mj-lt"/>
+              </a:rPr>
+              <a:t>Thành</a:t>
+            </a:r>
+            <a:r>
+              <a:rPr lang="en-US" sz="1200" dirty="0">
+                <a:latin typeface="+mj-lt"/>
+              </a:rPr>
+              <a:t> </a:t>
+            </a:r>
+            <a:r>
+              <a:rPr lang="en-US" sz="1200" dirty="0" err="1">
+                <a:latin typeface="+mj-lt"/>
+              </a:rPr>
+              <a:t>tiền</a:t>
+            </a:r>
+            <a:r>
+              <a:rPr lang="en-US" sz="1200" dirty="0">
+                <a:latin typeface="+mj-lt"/>
+              </a:rPr>
+              <a:t>:</a:t>
+            </a:r>
+          </a:p>
+        </p:txBody>
+      </p:sp>
+      <p:sp>
+        <p:nvSpPr>
+          <p:cNvPr id="69" name="TextBox 68">
+            <a:extLst>
+              <a:ext uri="{FF2B5EF4-FFF2-40B4-BE49-F238E27FC236}">
+                <a16:creationId xmlns:a16="http://schemas.microsoft.com/office/drawing/2014/main" id="{5C4004F3-E3E3-4D56-AA4C-4F76DCDFB78D}"/>
+              </a:ext>
+            </a:extLst>
+          </p:cNvPr>
+          <p:cNvSpPr txBox="1"/>
+          <p:nvPr/>
+        </p:nvSpPr>
+        <p:spPr>
+          <a:xfrm>
+            <a:off x="5362944" y="5970671"/>
+            <a:ext cx="1295400" cy="276999"/>
+          </a:xfrm>
+          <a:prstGeom prst="rect">
+            <a:avLst/>
+          </a:prstGeom>
+          <a:noFill/>
+        </p:spPr>
+        <p:txBody>
+          <a:bodyPr wrap="square" rtlCol="0">
+            <a:spAutoFit/>
+          </a:bodyPr>
+          <a:lstStyle/>
+          <a:p>
+            <a:r>
+              <a:rPr lang="en-US" sz="1200" dirty="0" err="1">
+                <a:latin typeface="+mj-lt"/>
+              </a:rPr>
+              <a:t>Công</a:t>
+            </a:r>
+            <a:r>
+              <a:rPr lang="en-US" sz="1200" dirty="0">
+                <a:latin typeface="+mj-lt"/>
+              </a:rPr>
+              <a:t> </a:t>
+            </a:r>
+            <a:r>
+              <a:rPr lang="en-US" sz="1200" dirty="0" err="1">
+                <a:latin typeface="+mj-lt"/>
+              </a:rPr>
+              <a:t>nợ</a:t>
+            </a:r>
+            <a:r>
+              <a:rPr lang="en-US" sz="1200" dirty="0">
+                <a:latin typeface="+mj-lt"/>
+              </a:rPr>
+              <a:t>:</a:t>
+            </a:r>
+          </a:p>
+        </p:txBody>
+      </p:sp>
+      <p:sp>
+        <p:nvSpPr>
+          <p:cNvPr id="70" name="TextBox 69">
+            <a:extLst>
+              <a:ext uri="{FF2B5EF4-FFF2-40B4-BE49-F238E27FC236}">
+                <a16:creationId xmlns:a16="http://schemas.microsoft.com/office/drawing/2014/main" id="{9B2A568A-4D50-413D-AF62-A94B81B555B9}"/>
+              </a:ext>
+            </a:extLst>
+          </p:cNvPr>
+          <p:cNvSpPr txBox="1"/>
+          <p:nvPr/>
+        </p:nvSpPr>
+        <p:spPr>
+          <a:xfrm>
+            <a:off x="5362944" y="6233282"/>
+            <a:ext cx="1295400" cy="276999"/>
+          </a:xfrm>
+          <a:prstGeom prst="rect">
+            <a:avLst/>
+          </a:prstGeom>
+          <a:noFill/>
+        </p:spPr>
+        <p:txBody>
+          <a:bodyPr wrap="square" rtlCol="0">
+            <a:spAutoFit/>
+          </a:bodyPr>
+          <a:lstStyle/>
+          <a:p>
+            <a:r>
+              <a:rPr lang="en-US" sz="1200" dirty="0" err="1">
+                <a:latin typeface="+mj-lt"/>
+              </a:rPr>
+              <a:t>Tổng</a:t>
+            </a:r>
+            <a:r>
+              <a:rPr lang="en-US" sz="1200" dirty="0">
+                <a:latin typeface="+mj-lt"/>
+              </a:rPr>
+              <a:t> </a:t>
+            </a:r>
+            <a:r>
+              <a:rPr lang="en-US" sz="1200" dirty="0" err="1">
+                <a:latin typeface="+mj-lt"/>
+              </a:rPr>
+              <a:t>cộng</a:t>
+            </a:r>
+            <a:r>
+              <a:rPr lang="en-US" sz="1200" dirty="0">
+                <a:latin typeface="+mj-lt"/>
+              </a:rPr>
+              <a:t>:</a:t>
+            </a:r>
+          </a:p>
+        </p:txBody>
+      </p:sp>
+      <p:sp>
+        <p:nvSpPr>
+          <p:cNvPr id="71" name="TextBox 70">
+            <a:extLst>
+              <a:ext uri="{FF2B5EF4-FFF2-40B4-BE49-F238E27FC236}">
+                <a16:creationId xmlns:a16="http://schemas.microsoft.com/office/drawing/2014/main" id="{9D45D638-9E35-4EA0-A683-E7ECFB3B4120}"/>
+              </a:ext>
+            </a:extLst>
+          </p:cNvPr>
+          <p:cNvSpPr txBox="1"/>
+          <p:nvPr/>
+        </p:nvSpPr>
+        <p:spPr>
+          <a:xfrm>
+            <a:off x="6277344" y="5707785"/>
+            <a:ext cx="1295400" cy="276999"/>
+          </a:xfrm>
+          <a:prstGeom prst="rect">
+            <a:avLst/>
+          </a:prstGeom>
+          <a:noFill/>
+        </p:spPr>
+        <p:txBody>
+          <a:bodyPr wrap="square" rtlCol="0">
+            <a:spAutoFit/>
+          </a:bodyPr>
+          <a:lstStyle/>
+          <a:p>
+            <a:r>
+              <a:rPr lang="en-US" sz="1200" dirty="0">
+                <a:latin typeface="+mj-lt"/>
+              </a:rPr>
+              <a:t>23,800</a:t>
+            </a:r>
+          </a:p>
+        </p:txBody>
+      </p:sp>
+      <p:sp>
+        <p:nvSpPr>
+          <p:cNvPr id="85" name="TextBox 84">
+            <a:extLst>
+              <a:ext uri="{FF2B5EF4-FFF2-40B4-BE49-F238E27FC236}">
+                <a16:creationId xmlns:a16="http://schemas.microsoft.com/office/drawing/2014/main" id="{C79C853B-4759-4CEE-9434-A19EDD37C882}"/>
+              </a:ext>
+            </a:extLst>
+          </p:cNvPr>
+          <p:cNvSpPr txBox="1"/>
+          <p:nvPr/>
+        </p:nvSpPr>
+        <p:spPr>
+          <a:xfrm>
+            <a:off x="6277344" y="5970671"/>
+            <a:ext cx="1295400" cy="276999"/>
+          </a:xfrm>
+          <a:prstGeom prst="rect">
+            <a:avLst/>
+          </a:prstGeom>
+          <a:noFill/>
+        </p:spPr>
+        <p:txBody>
+          <a:bodyPr wrap="square" rtlCol="0">
+            <a:spAutoFit/>
+          </a:bodyPr>
+          <a:lstStyle/>
+          <a:p>
+            <a:r>
+              <a:rPr lang="en-US" sz="1200" dirty="0">
+                <a:latin typeface="+mj-lt"/>
+              </a:rPr>
+              <a:t>250,000</a:t>
+            </a:r>
+          </a:p>
+        </p:txBody>
+      </p:sp>
+      <p:sp>
+        <p:nvSpPr>
+          <p:cNvPr id="86" name="TextBox 85">
+            <a:extLst>
+              <a:ext uri="{FF2B5EF4-FFF2-40B4-BE49-F238E27FC236}">
+                <a16:creationId xmlns:a16="http://schemas.microsoft.com/office/drawing/2014/main" id="{5E1A0F4D-8C51-42D1-9D4B-52008CC1DE7F}"/>
+              </a:ext>
+            </a:extLst>
+          </p:cNvPr>
+          <p:cNvSpPr txBox="1"/>
+          <p:nvPr/>
+        </p:nvSpPr>
+        <p:spPr>
+          <a:xfrm>
+            <a:off x="6277344" y="6237638"/>
+            <a:ext cx="1295400" cy="338554"/>
+          </a:xfrm>
+          <a:prstGeom prst="rect">
+            <a:avLst/>
+          </a:prstGeom>
+          <a:noFill/>
+        </p:spPr>
+        <p:txBody>
+          <a:bodyPr wrap="square" rtlCol="0">
+            <a:spAutoFit/>
+          </a:bodyPr>
+          <a:lstStyle/>
+          <a:p>
+            <a:r>
+              <a:rPr lang="en-US" sz="1600" b="1" dirty="0">
+                <a:solidFill>
+                  <a:srgbClr val="FF0000"/>
+                </a:solidFill>
+                <a:latin typeface="+mj-lt"/>
+              </a:rPr>
+              <a:t>273,800</a:t>
+            </a:r>
+          </a:p>
+        </p:txBody>
+      </p:sp>
+      <p:sp>
+        <p:nvSpPr>
+          <p:cNvPr id="87" name="TextBox 86">
+            <a:extLst>
+              <a:ext uri="{FF2B5EF4-FFF2-40B4-BE49-F238E27FC236}">
+                <a16:creationId xmlns:a16="http://schemas.microsoft.com/office/drawing/2014/main" id="{0E5990FC-D4A0-40E5-8CD4-AF5EAA32DD04}"/>
+              </a:ext>
+            </a:extLst>
+          </p:cNvPr>
+          <p:cNvSpPr txBox="1"/>
+          <p:nvPr/>
+        </p:nvSpPr>
+        <p:spPr>
+          <a:xfrm>
+            <a:off x="598836" y="3168847"/>
+            <a:ext cx="2676962" cy="246221"/>
+          </a:xfrm>
+          <a:prstGeom prst="rect">
+            <a:avLst/>
+          </a:prstGeom>
+          <a:noFill/>
+        </p:spPr>
+        <p:txBody>
+          <a:bodyPr wrap="square" rtlCol="0">
+            <a:spAutoFit/>
+          </a:bodyPr>
+          <a:lstStyle/>
+          <a:p>
+            <a:r>
+              <a:rPr lang="en-US" sz="1000" dirty="0" err="1">
+                <a:sym typeface="Wingdings" panose="05000000000000000000" pitchFamily="2" charset="2"/>
+              </a:rPr>
+              <a:t>Tên</a:t>
+            </a:r>
+            <a:r>
+              <a:rPr lang="en-US" sz="1000" dirty="0">
+                <a:sym typeface="Wingdings" panose="05000000000000000000" pitchFamily="2" charset="2"/>
+              </a:rPr>
+              <a:t> </a:t>
+            </a:r>
+            <a:r>
+              <a:rPr lang="en-US" sz="1000" dirty="0" err="1">
+                <a:sym typeface="Wingdings" panose="05000000000000000000" pitchFamily="2" charset="2"/>
+              </a:rPr>
+              <a:t>thuốc</a:t>
+            </a:r>
+            <a:r>
+              <a:rPr lang="en-US" sz="1000" dirty="0">
+                <a:sym typeface="Wingdings" panose="05000000000000000000" pitchFamily="2" charset="2"/>
+              </a:rPr>
+              <a:t>:</a:t>
+            </a:r>
+            <a:endParaRPr lang="en-US" sz="1000" dirty="0"/>
+          </a:p>
+        </p:txBody>
+      </p:sp>
+      <p:sp>
+        <p:nvSpPr>
+          <p:cNvPr id="88" name="Rectangle 87">
+            <a:extLst>
+              <a:ext uri="{FF2B5EF4-FFF2-40B4-BE49-F238E27FC236}">
+                <a16:creationId xmlns:a16="http://schemas.microsoft.com/office/drawing/2014/main" id="{DEC79840-E798-44DF-A691-9031BF595401}"/>
+              </a:ext>
+            </a:extLst>
+          </p:cNvPr>
+          <p:cNvSpPr/>
+          <p:nvPr/>
+        </p:nvSpPr>
+        <p:spPr>
+          <a:xfrm>
+            <a:off x="1372757" y="3158540"/>
+            <a:ext cx="2350571" cy="261554"/>
+          </a:xfrm>
+          <a:prstGeom prst="rect">
+            <a:avLst/>
+          </a:prstGeom>
+        </p:spPr>
+        <p:style>
+          <a:lnRef idx="2">
+            <a:schemeClr val="dk1"/>
+          </a:lnRef>
+          <a:fillRef idx="1">
+            <a:schemeClr val="lt1"/>
+          </a:fillRef>
+          <a:effectRef idx="0">
+            <a:schemeClr val="dk1"/>
+          </a:effectRef>
+          <a:fontRef idx="minor">
+            <a:schemeClr val="dk1"/>
+          </a:fontRef>
+        </p:style>
+        <p:txBody>
+          <a:bodyPr rtlCol="0" anchor="ctr"/>
+          <a:lstStyle/>
+          <a:p>
+            <a:pPr algn="ctr"/>
+            <a:endParaRPr lang="en-US" sz="1200">
+              <a:latin typeface="+mj-lt"/>
+            </a:endParaRPr>
+          </a:p>
+        </p:txBody>
+      </p:sp>
+      <p:sp>
+        <p:nvSpPr>
+          <p:cNvPr id="89" name="TextBox 88">
+            <a:extLst>
+              <a:ext uri="{FF2B5EF4-FFF2-40B4-BE49-F238E27FC236}">
+                <a16:creationId xmlns:a16="http://schemas.microsoft.com/office/drawing/2014/main" id="{9949D540-A2D0-41BE-BB28-64FE02033B63}"/>
+              </a:ext>
+            </a:extLst>
+          </p:cNvPr>
+          <p:cNvSpPr txBox="1"/>
+          <p:nvPr/>
+        </p:nvSpPr>
+        <p:spPr>
+          <a:xfrm>
+            <a:off x="3728530" y="3160678"/>
+            <a:ext cx="1295400" cy="246221"/>
+          </a:xfrm>
+          <a:prstGeom prst="rect">
+            <a:avLst/>
+          </a:prstGeom>
+          <a:noFill/>
+        </p:spPr>
+        <p:txBody>
+          <a:bodyPr wrap="square" rtlCol="0">
+            <a:spAutoFit/>
+          </a:bodyPr>
+          <a:lstStyle/>
+          <a:p>
+            <a:r>
+              <a:rPr lang="en-US" sz="1000" dirty="0" err="1">
+                <a:latin typeface="+mj-lt"/>
+              </a:rPr>
+              <a:t>Số</a:t>
+            </a:r>
+            <a:r>
+              <a:rPr lang="en-US" sz="1000" dirty="0">
+                <a:latin typeface="+mj-lt"/>
+              </a:rPr>
+              <a:t> </a:t>
+            </a:r>
+            <a:r>
+              <a:rPr lang="en-US" sz="1000" dirty="0" err="1">
+                <a:latin typeface="+mj-lt"/>
+              </a:rPr>
+              <a:t>lượng</a:t>
+            </a:r>
+            <a:r>
+              <a:rPr lang="en-US" sz="1000" dirty="0">
+                <a:latin typeface="+mj-lt"/>
+              </a:rPr>
+              <a:t>:</a:t>
+            </a:r>
+          </a:p>
+        </p:txBody>
+      </p:sp>
+      <p:sp>
+        <p:nvSpPr>
+          <p:cNvPr id="90" name="Rectangle 89">
+            <a:extLst>
+              <a:ext uri="{FF2B5EF4-FFF2-40B4-BE49-F238E27FC236}">
+                <a16:creationId xmlns:a16="http://schemas.microsoft.com/office/drawing/2014/main" id="{DF9CC562-55BC-46C2-B5EA-90A713C4E010}"/>
+              </a:ext>
+            </a:extLst>
+          </p:cNvPr>
+          <p:cNvSpPr/>
+          <p:nvPr/>
+        </p:nvSpPr>
+        <p:spPr>
+          <a:xfrm>
+            <a:off x="8066573" y="5727443"/>
+            <a:ext cx="830510" cy="261554"/>
+          </a:xfrm>
+          <a:prstGeom prst="rect">
+            <a:avLst/>
+          </a:prstGeom>
+        </p:spPr>
+        <p:style>
+          <a:lnRef idx="2">
+            <a:schemeClr val="dk1"/>
+          </a:lnRef>
+          <a:fillRef idx="1">
+            <a:schemeClr val="lt1"/>
+          </a:fillRef>
+          <a:effectRef idx="0">
+            <a:schemeClr val="dk1"/>
+          </a:effectRef>
+          <a:fontRef idx="minor">
+            <a:schemeClr val="dk1"/>
+          </a:fontRef>
+        </p:style>
+        <p:txBody>
+          <a:bodyPr rtlCol="0" anchor="ctr"/>
+          <a:lstStyle/>
+          <a:p>
+            <a:pPr algn="ctr"/>
+            <a:endParaRPr lang="en-US" sz="1200">
+              <a:latin typeface="+mj-lt"/>
+            </a:endParaRPr>
+          </a:p>
+        </p:txBody>
+      </p:sp>
+      <p:sp>
+        <p:nvSpPr>
+          <p:cNvPr id="91" name="Rectangle: Rounded Corners 90">
+            <a:extLst>
+              <a:ext uri="{FF2B5EF4-FFF2-40B4-BE49-F238E27FC236}">
+                <a16:creationId xmlns:a16="http://schemas.microsoft.com/office/drawing/2014/main" id="{2D067F56-298B-4030-A0A7-FCDF6507855D}"/>
+              </a:ext>
+            </a:extLst>
+          </p:cNvPr>
+          <p:cNvSpPr/>
+          <p:nvPr/>
+        </p:nvSpPr>
+        <p:spPr>
+          <a:xfrm>
+            <a:off x="5346170" y="3163631"/>
+            <a:ext cx="325460" cy="256652"/>
+          </a:xfrm>
+          <a:prstGeom prst="roundRect">
+            <a:avLst/>
+          </a:prstGeom>
+        </p:spPr>
+        <p:style>
+          <a:lnRef idx="1">
+            <a:schemeClr val="dk1"/>
+          </a:lnRef>
+          <a:fillRef idx="2">
+            <a:schemeClr val="dk1"/>
+          </a:fillRef>
+          <a:effectRef idx="1">
+            <a:schemeClr val="dk1"/>
+          </a:effectRef>
+          <a:fontRef idx="minor">
+            <a:schemeClr val="dk1"/>
+          </a:fontRef>
+        </p:style>
+        <p:txBody>
+          <a:bodyPr rtlCol="0" anchor="ctr"/>
+          <a:lstStyle/>
+          <a:p>
+            <a:pPr algn="ctr"/>
+            <a:r>
+              <a:rPr lang="en-US" dirty="0"/>
+              <a:t>+</a:t>
+            </a:r>
+          </a:p>
+        </p:txBody>
+      </p:sp>
+      <p:sp>
+        <p:nvSpPr>
+          <p:cNvPr id="92" name="TextBox 91">
+            <a:extLst>
+              <a:ext uri="{FF2B5EF4-FFF2-40B4-BE49-F238E27FC236}">
+                <a16:creationId xmlns:a16="http://schemas.microsoft.com/office/drawing/2014/main" id="{EB085821-27F6-4E21-A264-4CAE94E017FC}"/>
+              </a:ext>
+            </a:extLst>
+          </p:cNvPr>
+          <p:cNvSpPr txBox="1"/>
+          <p:nvPr/>
+        </p:nvSpPr>
+        <p:spPr>
+          <a:xfrm>
+            <a:off x="585952" y="2818120"/>
+            <a:ext cx="2243178" cy="276999"/>
+          </a:xfrm>
+          <a:prstGeom prst="rect">
+            <a:avLst/>
+          </a:prstGeom>
+          <a:noFill/>
+        </p:spPr>
+        <p:txBody>
+          <a:bodyPr wrap="square" rtlCol="0">
+            <a:spAutoFit/>
+          </a:bodyPr>
+          <a:lstStyle/>
+          <a:p>
+            <a:r>
+              <a:rPr lang="en-US" sz="1200" b="1" dirty="0" err="1">
+                <a:latin typeface="+mj-lt"/>
+              </a:rPr>
+              <a:t>Nhập</a:t>
+            </a:r>
+            <a:r>
+              <a:rPr lang="en-US" sz="1200" b="1" dirty="0">
+                <a:latin typeface="+mj-lt"/>
+              </a:rPr>
+              <a:t> </a:t>
+            </a:r>
+            <a:r>
+              <a:rPr lang="en-US" sz="1200" b="1" dirty="0" err="1">
+                <a:latin typeface="+mj-lt"/>
+              </a:rPr>
+              <a:t>thuốc</a:t>
+            </a:r>
+            <a:r>
+              <a:rPr lang="en-US" sz="1200" b="1" dirty="0">
+                <a:latin typeface="+mj-lt"/>
+              </a:rPr>
+              <a:t> </a:t>
+            </a:r>
+            <a:r>
+              <a:rPr lang="en-US" sz="1200" b="1" dirty="0" err="1">
+                <a:latin typeface="+mj-lt"/>
+              </a:rPr>
+              <a:t>vào</a:t>
+            </a:r>
+            <a:r>
+              <a:rPr lang="en-US" sz="1200" b="1" dirty="0">
+                <a:latin typeface="+mj-lt"/>
+              </a:rPr>
+              <a:t> </a:t>
+            </a:r>
+            <a:r>
+              <a:rPr lang="en-US" sz="1200" b="1" dirty="0" err="1">
+                <a:latin typeface="+mj-lt"/>
+              </a:rPr>
+              <a:t>hóa</a:t>
+            </a:r>
+            <a:r>
+              <a:rPr lang="en-US" sz="1200" b="1" dirty="0">
+                <a:latin typeface="+mj-lt"/>
+              </a:rPr>
+              <a:t> </a:t>
+            </a:r>
+            <a:r>
+              <a:rPr lang="en-US" sz="1200" b="1" dirty="0" err="1">
+                <a:latin typeface="+mj-lt"/>
+              </a:rPr>
+              <a:t>đơn</a:t>
+            </a:r>
+            <a:r>
+              <a:rPr lang="en-US" sz="1200" b="1" dirty="0">
+                <a:latin typeface="+mj-lt"/>
+              </a:rPr>
+              <a:t>:</a:t>
+            </a:r>
+          </a:p>
+        </p:txBody>
+      </p:sp>
+      <p:pic>
+        <p:nvPicPr>
+          <p:cNvPr id="93" name="Picture 92">
+            <a:extLst>
+              <a:ext uri="{FF2B5EF4-FFF2-40B4-BE49-F238E27FC236}">
+                <a16:creationId xmlns:a16="http://schemas.microsoft.com/office/drawing/2014/main" id="{B234899E-DE34-4D4E-AC04-445980B7F1A1}"/>
+              </a:ext>
+            </a:extLst>
+          </p:cNvPr>
+          <p:cNvPicPr>
+            <a:picLocks noChangeAspect="1"/>
+          </p:cNvPicPr>
+          <p:nvPr/>
+        </p:nvPicPr>
+        <p:blipFill>
+          <a:blip r:embed="rId5" cstate="print">
+            <a:extLst>
+              <a:ext uri="{28A0092B-C50C-407E-A947-70E740481C1C}">
+                <a14:useLocalDpi xmlns:a14="http://schemas.microsoft.com/office/drawing/2010/main" val="0"/>
+              </a:ext>
+            </a:extLst>
+          </a:blip>
+          <a:stretch>
+            <a:fillRect/>
+          </a:stretch>
+        </p:blipFill>
+        <p:spPr>
+          <a:xfrm>
+            <a:off x="8545027" y="4074331"/>
+            <a:ext cx="143150" cy="143150"/>
+          </a:xfrm>
+          <a:prstGeom prst="rect">
+            <a:avLst/>
+          </a:prstGeom>
+        </p:spPr>
+      </p:pic>
+      <p:pic>
+        <p:nvPicPr>
+          <p:cNvPr id="94" name="Picture 93">
+            <a:extLst>
+              <a:ext uri="{FF2B5EF4-FFF2-40B4-BE49-F238E27FC236}">
+                <a16:creationId xmlns:a16="http://schemas.microsoft.com/office/drawing/2014/main" id="{79A0504D-ECA1-46B2-B54A-B45CC0148EA7}"/>
+              </a:ext>
+            </a:extLst>
+          </p:cNvPr>
+          <p:cNvPicPr>
+            <a:picLocks noChangeAspect="1"/>
+          </p:cNvPicPr>
+          <p:nvPr/>
+        </p:nvPicPr>
+        <p:blipFill>
+          <a:blip r:embed="rId5" cstate="print">
+            <a:extLst>
+              <a:ext uri="{28A0092B-C50C-407E-A947-70E740481C1C}">
+                <a14:useLocalDpi xmlns:a14="http://schemas.microsoft.com/office/drawing/2010/main" val="0"/>
+              </a:ext>
+            </a:extLst>
+          </a:blip>
+          <a:stretch>
+            <a:fillRect/>
+          </a:stretch>
+        </p:blipFill>
+        <p:spPr>
+          <a:xfrm>
+            <a:off x="8545027" y="4552369"/>
+            <a:ext cx="143150" cy="143150"/>
+          </a:xfrm>
+          <a:prstGeom prst="rect">
+            <a:avLst/>
+          </a:prstGeom>
+        </p:spPr>
+      </p:pic>
+      <p:sp>
+        <p:nvSpPr>
+          <p:cNvPr id="95" name="TextBox 94">
+            <a:extLst>
+              <a:ext uri="{FF2B5EF4-FFF2-40B4-BE49-F238E27FC236}">
+                <a16:creationId xmlns:a16="http://schemas.microsoft.com/office/drawing/2014/main" id="{E4386678-8A11-4DAC-ACB0-DE702CFD639F}"/>
+              </a:ext>
+            </a:extLst>
+          </p:cNvPr>
+          <p:cNvSpPr txBox="1"/>
+          <p:nvPr/>
+        </p:nvSpPr>
+        <p:spPr>
+          <a:xfrm>
+            <a:off x="7086600" y="5696825"/>
+            <a:ext cx="1295400" cy="276999"/>
+          </a:xfrm>
+          <a:prstGeom prst="rect">
+            <a:avLst/>
+          </a:prstGeom>
+          <a:noFill/>
+        </p:spPr>
+        <p:txBody>
+          <a:bodyPr wrap="square" rtlCol="0">
+            <a:spAutoFit/>
+          </a:bodyPr>
+          <a:lstStyle/>
+          <a:p>
+            <a:r>
+              <a:rPr lang="en-US" sz="1200" dirty="0" err="1">
+                <a:latin typeface="+mj-lt"/>
+              </a:rPr>
+              <a:t>Đã</a:t>
+            </a:r>
+            <a:r>
+              <a:rPr lang="en-US" sz="1200" dirty="0">
+                <a:latin typeface="+mj-lt"/>
+              </a:rPr>
+              <a:t> </a:t>
+            </a:r>
+            <a:r>
+              <a:rPr lang="en-US" sz="1200" dirty="0" err="1">
+                <a:latin typeface="+mj-lt"/>
+              </a:rPr>
+              <a:t>trả</a:t>
+            </a:r>
+            <a:r>
+              <a:rPr lang="en-US" sz="1200" dirty="0">
+                <a:latin typeface="+mj-lt"/>
+              </a:rPr>
+              <a:t>:*</a:t>
+            </a:r>
+          </a:p>
+        </p:txBody>
+      </p:sp>
+      <p:sp>
+        <p:nvSpPr>
+          <p:cNvPr id="96" name="TextBox 95">
+            <a:extLst>
+              <a:ext uri="{FF2B5EF4-FFF2-40B4-BE49-F238E27FC236}">
+                <a16:creationId xmlns:a16="http://schemas.microsoft.com/office/drawing/2014/main" id="{42EE9AC5-7D07-4FD7-9ABB-512939DF8D1A}"/>
+              </a:ext>
+            </a:extLst>
+          </p:cNvPr>
+          <p:cNvSpPr txBox="1"/>
+          <p:nvPr/>
+        </p:nvSpPr>
+        <p:spPr>
+          <a:xfrm>
+            <a:off x="7086600" y="6018413"/>
+            <a:ext cx="1295400" cy="276999"/>
+          </a:xfrm>
+          <a:prstGeom prst="rect">
+            <a:avLst/>
+          </a:prstGeom>
+          <a:noFill/>
+        </p:spPr>
+        <p:txBody>
+          <a:bodyPr wrap="square" rtlCol="0">
+            <a:spAutoFit/>
+          </a:bodyPr>
+          <a:lstStyle/>
+          <a:p>
+            <a:r>
+              <a:rPr lang="en-US" sz="1200" dirty="0" err="1">
+                <a:latin typeface="+mj-lt"/>
+              </a:rPr>
+              <a:t>Còn</a:t>
+            </a:r>
+            <a:r>
+              <a:rPr lang="en-US" sz="1200" dirty="0">
+                <a:latin typeface="+mj-lt"/>
+              </a:rPr>
+              <a:t> </a:t>
+            </a:r>
+            <a:r>
+              <a:rPr lang="en-US" sz="1200" dirty="0" err="1">
+                <a:latin typeface="+mj-lt"/>
+              </a:rPr>
+              <a:t>lại</a:t>
+            </a:r>
+            <a:r>
+              <a:rPr lang="en-US" sz="1200" dirty="0">
+                <a:latin typeface="+mj-lt"/>
+              </a:rPr>
+              <a:t>:</a:t>
+            </a:r>
+          </a:p>
+        </p:txBody>
+      </p:sp>
+      <p:sp>
+        <p:nvSpPr>
+          <p:cNvPr id="97" name="TextBox 96">
+            <a:extLst>
+              <a:ext uri="{FF2B5EF4-FFF2-40B4-BE49-F238E27FC236}">
+                <a16:creationId xmlns:a16="http://schemas.microsoft.com/office/drawing/2014/main" id="{1F61D072-ED2F-4A0A-8A63-B215A10C2F9C}"/>
+              </a:ext>
+            </a:extLst>
+          </p:cNvPr>
+          <p:cNvSpPr txBox="1"/>
+          <p:nvPr/>
+        </p:nvSpPr>
+        <p:spPr>
+          <a:xfrm>
+            <a:off x="8001000" y="5696825"/>
+            <a:ext cx="1295400" cy="276999"/>
+          </a:xfrm>
+          <a:prstGeom prst="rect">
+            <a:avLst/>
+          </a:prstGeom>
+          <a:noFill/>
+        </p:spPr>
+        <p:txBody>
+          <a:bodyPr wrap="square" rtlCol="0">
+            <a:spAutoFit/>
+          </a:bodyPr>
+          <a:lstStyle/>
+          <a:p>
+            <a:r>
+              <a:rPr lang="en-US" sz="1200" dirty="0">
+                <a:latin typeface="+mj-lt"/>
+              </a:rPr>
+              <a:t>23,800</a:t>
+            </a:r>
+          </a:p>
+        </p:txBody>
+      </p:sp>
+      <p:sp>
+        <p:nvSpPr>
+          <p:cNvPr id="98" name="TextBox 97">
+            <a:extLst>
+              <a:ext uri="{FF2B5EF4-FFF2-40B4-BE49-F238E27FC236}">
+                <a16:creationId xmlns:a16="http://schemas.microsoft.com/office/drawing/2014/main" id="{7BBBE65D-5D20-4002-98AC-E28A47F0D1F9}"/>
+              </a:ext>
+            </a:extLst>
+          </p:cNvPr>
+          <p:cNvSpPr txBox="1"/>
+          <p:nvPr/>
+        </p:nvSpPr>
+        <p:spPr>
+          <a:xfrm>
+            <a:off x="8001000" y="6018413"/>
+            <a:ext cx="1295400" cy="338554"/>
+          </a:xfrm>
+          <a:prstGeom prst="rect">
+            <a:avLst/>
+          </a:prstGeom>
+          <a:noFill/>
+        </p:spPr>
+        <p:txBody>
+          <a:bodyPr wrap="square" rtlCol="0">
+            <a:spAutoFit/>
+          </a:bodyPr>
+          <a:lstStyle/>
+          <a:p>
+            <a:r>
+              <a:rPr lang="en-US" sz="1600" b="1" dirty="0">
+                <a:latin typeface="+mj-lt"/>
+              </a:rPr>
+              <a:t>250,000</a:t>
+            </a:r>
+          </a:p>
+        </p:txBody>
+      </p:sp>
+      <p:sp>
+        <p:nvSpPr>
+          <p:cNvPr id="99" name="Rectangle 98">
+            <a:extLst>
+              <a:ext uri="{FF2B5EF4-FFF2-40B4-BE49-F238E27FC236}">
+                <a16:creationId xmlns:a16="http://schemas.microsoft.com/office/drawing/2014/main" id="{C53AB7F5-1DB3-4033-978D-1DA979A04ED3}"/>
+              </a:ext>
+            </a:extLst>
+          </p:cNvPr>
+          <p:cNvSpPr/>
+          <p:nvPr/>
+        </p:nvSpPr>
+        <p:spPr>
+          <a:xfrm>
+            <a:off x="4376230" y="3152782"/>
+            <a:ext cx="830510" cy="261554"/>
+          </a:xfrm>
+          <a:prstGeom prst="rect">
+            <a:avLst/>
+          </a:prstGeom>
+        </p:spPr>
+        <p:style>
+          <a:lnRef idx="2">
+            <a:schemeClr val="dk1"/>
+          </a:lnRef>
+          <a:fillRef idx="1">
+            <a:schemeClr val="lt1"/>
+          </a:fillRef>
+          <a:effectRef idx="0">
+            <a:schemeClr val="dk1"/>
+          </a:effectRef>
+          <a:fontRef idx="minor">
+            <a:schemeClr val="dk1"/>
+          </a:fontRef>
+        </p:style>
+        <p:txBody>
+          <a:bodyPr rtlCol="0" anchor="ctr"/>
+          <a:lstStyle/>
+          <a:p>
+            <a:pPr algn="ctr"/>
+            <a:endParaRPr lang="en-US" sz="1200">
+              <a:latin typeface="+mj-lt"/>
+            </a:endParaRPr>
+          </a:p>
+        </p:txBody>
+      </p:sp>
+      <p:sp>
+        <p:nvSpPr>
+          <p:cNvPr id="100" name="Rectangle 99">
+            <a:extLst>
+              <a:ext uri="{FF2B5EF4-FFF2-40B4-BE49-F238E27FC236}">
+                <a16:creationId xmlns:a16="http://schemas.microsoft.com/office/drawing/2014/main" id="{6C99F4D9-2F99-4D13-A4BC-1B44B8BB272E}"/>
+              </a:ext>
+            </a:extLst>
+          </p:cNvPr>
+          <p:cNvSpPr/>
+          <p:nvPr/>
+        </p:nvSpPr>
+        <p:spPr>
+          <a:xfrm>
+            <a:off x="617287" y="2740866"/>
+            <a:ext cx="8372991" cy="3835325"/>
+          </a:xfrm>
+          <a:prstGeom prst="rect">
+            <a:avLst/>
+          </a:prstGeom>
+          <a:noFill/>
+          <a:ln>
+            <a:solidFill>
+              <a:schemeClr val="tx1"/>
+            </a:solidFill>
+          </a:ln>
+        </p:spPr>
+        <p:style>
+          <a:lnRef idx="2">
+            <a:schemeClr val="accent1">
+              <a:shade val="50000"/>
+            </a:schemeClr>
+          </a:lnRef>
+          <a:fillRef idx="1">
+            <a:schemeClr val="accent1"/>
+          </a:fillRef>
+          <a:effectRef idx="0">
+            <a:schemeClr val="accent1"/>
+          </a:effectRef>
+          <a:fontRef idx="minor">
+            <a:schemeClr val="lt1"/>
+          </a:fontRef>
+        </p:style>
+        <p:txBody>
+          <a:bodyPr rtlCol="0" anchor="ctr"/>
+          <a:lstStyle/>
+          <a:p>
+            <a:pPr algn="ctr"/>
+            <a:endParaRPr lang="en-US"/>
+          </a:p>
+        </p:txBody>
+      </p:sp>
+      <p:sp>
+        <p:nvSpPr>
+          <p:cNvPr id="101" name="TextBox 100">
+            <a:extLst>
+              <a:ext uri="{FF2B5EF4-FFF2-40B4-BE49-F238E27FC236}">
+                <a16:creationId xmlns:a16="http://schemas.microsoft.com/office/drawing/2014/main" id="{80267CA5-02CA-4472-A78D-7F06DB6FB1A6}"/>
+              </a:ext>
+            </a:extLst>
+          </p:cNvPr>
+          <p:cNvSpPr txBox="1"/>
+          <p:nvPr/>
+        </p:nvSpPr>
+        <p:spPr>
+          <a:xfrm>
+            <a:off x="634402" y="2590800"/>
+            <a:ext cx="949675" cy="276999"/>
+          </a:xfrm>
+          <a:prstGeom prst="rect">
+            <a:avLst/>
+          </a:prstGeom>
+          <a:solidFill>
+            <a:schemeClr val="bg1"/>
+          </a:solidFill>
+        </p:spPr>
+        <p:txBody>
+          <a:bodyPr wrap="square" rtlCol="0">
+            <a:spAutoFit/>
+          </a:bodyPr>
+          <a:lstStyle/>
+          <a:p>
+            <a:r>
+              <a:rPr lang="en-US" sz="1200" dirty="0" err="1">
+                <a:latin typeface="+mj-lt"/>
+              </a:rPr>
+              <a:t>Hóa</a:t>
+            </a:r>
+            <a:r>
+              <a:rPr lang="en-US" sz="1200" dirty="0">
+                <a:latin typeface="+mj-lt"/>
+              </a:rPr>
+              <a:t> </a:t>
+            </a:r>
+            <a:r>
+              <a:rPr lang="en-US" sz="1200" dirty="0" err="1">
+                <a:latin typeface="+mj-lt"/>
+              </a:rPr>
+              <a:t>đơn</a:t>
+            </a:r>
+            <a:r>
+              <a:rPr lang="en-US" sz="1200" dirty="0">
+                <a:latin typeface="+mj-lt"/>
+              </a:rPr>
+              <a:t>:</a:t>
+            </a:r>
+          </a:p>
+        </p:txBody>
+      </p:sp>
+      <p:sp>
+        <p:nvSpPr>
+          <p:cNvPr id="102" name="TextBox 101">
+            <a:extLst>
+              <a:ext uri="{FF2B5EF4-FFF2-40B4-BE49-F238E27FC236}">
+                <a16:creationId xmlns:a16="http://schemas.microsoft.com/office/drawing/2014/main" id="{DF0DDDB7-4087-48B3-B4A9-81494AA6C8F5}"/>
+              </a:ext>
+            </a:extLst>
+          </p:cNvPr>
+          <p:cNvSpPr txBox="1"/>
+          <p:nvPr/>
+        </p:nvSpPr>
+        <p:spPr>
+          <a:xfrm>
+            <a:off x="598836" y="5429973"/>
+            <a:ext cx="2676962" cy="246221"/>
+          </a:xfrm>
+          <a:prstGeom prst="rect">
+            <a:avLst/>
+          </a:prstGeom>
+          <a:noFill/>
+        </p:spPr>
+        <p:txBody>
+          <a:bodyPr wrap="square" rtlCol="0">
+            <a:spAutoFit/>
+          </a:bodyPr>
+          <a:lstStyle/>
+          <a:p>
+            <a:r>
+              <a:rPr lang="en-US" sz="1000" dirty="0" err="1">
+                <a:sym typeface="Wingdings" panose="05000000000000000000" pitchFamily="2" charset="2"/>
+              </a:rPr>
+              <a:t>Ghi</a:t>
+            </a:r>
+            <a:r>
+              <a:rPr lang="en-US" sz="1000" dirty="0">
+                <a:sym typeface="Wingdings" panose="05000000000000000000" pitchFamily="2" charset="2"/>
+              </a:rPr>
+              <a:t> </a:t>
+            </a:r>
+            <a:r>
+              <a:rPr lang="en-US" sz="1000" dirty="0" err="1">
+                <a:sym typeface="Wingdings" panose="05000000000000000000" pitchFamily="2" charset="2"/>
+              </a:rPr>
+              <a:t>chú</a:t>
+            </a:r>
+            <a:r>
+              <a:rPr lang="en-US" sz="1000" dirty="0">
+                <a:sym typeface="Wingdings" panose="05000000000000000000" pitchFamily="2" charset="2"/>
+              </a:rPr>
+              <a:t>:</a:t>
+            </a:r>
+            <a:endParaRPr lang="en-US" sz="1000" dirty="0"/>
+          </a:p>
+        </p:txBody>
+      </p:sp>
+      <p:sp>
+        <p:nvSpPr>
+          <p:cNvPr id="103" name="Rectangle 102">
+            <a:extLst>
+              <a:ext uri="{FF2B5EF4-FFF2-40B4-BE49-F238E27FC236}">
+                <a16:creationId xmlns:a16="http://schemas.microsoft.com/office/drawing/2014/main" id="{E6D7C114-4DEC-48D7-B1FC-A5A327E36F7F}"/>
+              </a:ext>
+            </a:extLst>
+          </p:cNvPr>
+          <p:cNvSpPr/>
+          <p:nvPr/>
+        </p:nvSpPr>
+        <p:spPr>
+          <a:xfrm>
+            <a:off x="1372757" y="5419666"/>
+            <a:ext cx="2350571" cy="970372"/>
+          </a:xfrm>
+          <a:prstGeom prst="rect">
+            <a:avLst/>
+          </a:prstGeom>
+        </p:spPr>
+        <p:style>
+          <a:lnRef idx="2">
+            <a:schemeClr val="dk1"/>
+          </a:lnRef>
+          <a:fillRef idx="1">
+            <a:schemeClr val="lt1"/>
+          </a:fillRef>
+          <a:effectRef idx="0">
+            <a:schemeClr val="dk1"/>
+          </a:effectRef>
+          <a:fontRef idx="minor">
+            <a:schemeClr val="dk1"/>
+          </a:fontRef>
+        </p:style>
+        <p:txBody>
+          <a:bodyPr rtlCol="0" anchor="ctr"/>
+          <a:lstStyle/>
+          <a:p>
+            <a:pPr algn="ctr"/>
+            <a:endParaRPr lang="en-US" sz="1200">
+              <a:latin typeface="+mj-lt"/>
+            </a:endParaRPr>
+          </a:p>
+        </p:txBody>
+      </p:sp>
+    </p:spTree>
+    <p:extLst>
+      <p:ext uri="{BB962C8B-B14F-4D97-AF65-F5344CB8AC3E}">
+        <p14:creationId xmlns:p14="http://schemas.microsoft.com/office/powerpoint/2010/main" val="2896225341"/>
+      </p:ext>
+    </p:extLst>
+  </p:cSld>
+  <p:clrMapOvr>
+    <a:masterClrMapping/>
+  </p:clrMapOvr>
+</p:sld>
+</file>
+
+<file path=ppt/slides/slide25.xml><?xml version="1.0" encoding="utf-8"?>
+<p:sld xmlns:a="http://schemas.openxmlformats.org/drawingml/2006/main" xmlns:r="http://schemas.openxmlformats.org/officeDocument/2006/relationships" xmlns:p="http://schemas.openxmlformats.org/presentationml/2006/main">
+  <p:cSld>
+    <p:spTree>
+      <p:nvGrpSpPr>
+        <p:cNvPr id="1" name=""/>
+        <p:cNvGrpSpPr/>
+        <p:nvPr/>
+      </p:nvGrpSpPr>
+      <p:grpSpPr>
+        <a:xfrm>
+          <a:off x="0" y="0"/>
+          <a:ext cx="0" cy="0"/>
+          <a:chOff x="0" y="0"/>
+          <a:chExt cx="0" cy="0"/>
+        </a:xfrm>
+      </p:grpSpPr>
+      <p:sp>
+        <p:nvSpPr>
+          <p:cNvPr id="6" name="TextBox 5">
+            <a:extLst>
+              <a:ext uri="{FF2B5EF4-FFF2-40B4-BE49-F238E27FC236}">
+                <a16:creationId xmlns:a16="http://schemas.microsoft.com/office/drawing/2014/main" id="{CD2A8DE0-B0E7-40FB-9538-60D54401A4F8}"/>
+              </a:ext>
+            </a:extLst>
+          </p:cNvPr>
+          <p:cNvSpPr txBox="1"/>
+          <p:nvPr/>
+        </p:nvSpPr>
+        <p:spPr>
+          <a:xfrm>
+            <a:off x="228600" y="76200"/>
+            <a:ext cx="4572000" cy="646331"/>
+          </a:xfrm>
+          <a:prstGeom prst="rect">
+            <a:avLst/>
+          </a:prstGeom>
+          <a:noFill/>
+        </p:spPr>
+        <p:txBody>
+          <a:bodyPr wrap="square" rtlCol="0">
+            <a:spAutoFit/>
+          </a:bodyPr>
+          <a:lstStyle/>
+          <a:p>
+            <a:r>
+              <a:rPr lang="en-US" dirty="0" err="1">
+                <a:latin typeface="+mj-lt"/>
+              </a:rPr>
+              <a:t>Màn</a:t>
+            </a:r>
+            <a:r>
+              <a:rPr lang="en-US" dirty="0">
+                <a:latin typeface="+mj-lt"/>
+              </a:rPr>
+              <a:t> </a:t>
+            </a:r>
+            <a:r>
+              <a:rPr lang="en-US" dirty="0" err="1">
+                <a:latin typeface="+mj-lt"/>
+              </a:rPr>
+              <a:t>hình</a:t>
+            </a:r>
+            <a:r>
+              <a:rPr lang="en-US" dirty="0">
+                <a:latin typeface="+mj-lt"/>
+              </a:rPr>
               <a:t> Thanh </a:t>
             </a:r>
             <a:r>
@@ -27511,9 +31780,8 @@
               </a:ext>
             </a:extLst>
           </a:blip>
-          <a:stretch>
-            <a:fillRect/>
-          </a:stretch>
+          <a:srcRect/>
+          <a:stretch/>
         </p:blipFill>
         <p:spPr>
           <a:xfrm>
@@ -27583,9 +31851,8 @@
               </a:ext>
             </a:extLst>
           </a:blip>
-          <a:stretch>
-            <a:fillRect/>
-          </a:stretch>
+          <a:srcRect/>
+          <a:stretch/>
         </p:blipFill>
         <p:spPr>
           <a:xfrm>
@@ -28197,7 +32464,7 @@
 </p:sld>
 </file>
 
-<file path=ppt/slides/slide24.xml><?xml version="1.0" encoding="utf-8"?>
+<file path=ppt/slides/slide26.xml><?xml version="1.0" encoding="utf-8"?>
 <p:sld xmlns:a="http://schemas.openxmlformats.org/drawingml/2006/main" xmlns:r="http://schemas.openxmlformats.org/officeDocument/2006/relationships" xmlns:p="http://schemas.openxmlformats.org/presentationml/2006/main">
   <p:cSld>
     <p:spTree>
@@ -29324,7 +33591,7 @@
 </p:sld>
 </file>
 
-<file path=ppt/slides/slide25.xml><?xml version="1.0" encoding="utf-8"?>
+<file path=ppt/slides/slide27.xml><?xml version="1.0" encoding="utf-8"?>
 <p:sld xmlns:a="http://schemas.openxmlformats.org/drawingml/2006/main" xmlns:r="http://schemas.openxmlformats.org/officeDocument/2006/relationships" xmlns:p="http://schemas.openxmlformats.org/presentationml/2006/main" show="0">
   <p:cSld>
     <p:spTree>
@@ -35255,9 +39522,8 @@
               </a:ext>
             </a:extLst>
           </a:blip>
-          <a:stretch>
-            <a:fillRect/>
-          </a:stretch>
+          <a:srcRect/>
+          <a:stretch/>
         </p:blipFill>
         <p:spPr>
           <a:xfrm>
@@ -35327,9 +39593,8 @@
               </a:ext>
             </a:extLst>
           </a:blip>
-          <a:stretch>
-            <a:fillRect/>
-          </a:stretch>
+          <a:srcRect/>
+          <a:stretch/>
         </p:blipFill>
         <p:spPr>
           <a:xfrm>
@@ -39883,9 +44148,8 @@
               </a:ext>
             </a:extLst>
           </a:blip>
-          <a:stretch>
-            <a:fillRect/>
-          </a:stretch>
+          <a:srcRect/>
+          <a:stretch/>
         </p:blipFill>
         <p:spPr>
           <a:xfrm>
@@ -39931,53 +44195,6 @@
           <a:prstGeom prst="rect">
             <a:avLst/>
           </a:prstGeom>
-        </p:spPr>
-      </p:pic>
-      <p:pic>
-        <p:nvPicPr>
-          <p:cNvPr id="14" name="Picture 9" descr="C:\Users\HuyTran\Desktop\WPF project\Pharmacy\Pharmacy_R1\Pharmacy\Pharmacy\Resource\Icons\app icon.png">
-            <a:extLst>
-              <a:ext uri="{FF2B5EF4-FFF2-40B4-BE49-F238E27FC236}">
-                <a16:creationId xmlns:a16="http://schemas.microsoft.com/office/drawing/2014/main" id="{CACD43A6-57CE-47C9-8F09-7F7EC425A549}"/>
-              </a:ext>
-            </a:extLst>
-          </p:cNvPr>
-          <p:cNvPicPr>
-            <a:picLocks noChangeAspect="1" noChangeArrowheads="1"/>
-          </p:cNvPicPr>
-          <p:nvPr/>
-        </p:nvPicPr>
-        <p:blipFill>
-          <a:blip r:embed="rId6" cstate="print">
-            <a:extLst>
-              <a:ext uri="{28A0092B-C50C-407E-A947-70E740481C1C}">
-                <a14:useLocalDpi xmlns:a14="http://schemas.microsoft.com/office/drawing/2010/main" val="0"/>
-              </a:ext>
-            </a:extLst>
-          </a:blip>
-          <a:srcRect/>
-          <a:stretch>
-            <a:fillRect/>
-          </a:stretch>
-        </p:blipFill>
-        <p:spPr bwMode="auto">
-          <a:xfrm>
-            <a:off x="509752" y="904203"/>
-            <a:ext cx="404648" cy="409856"/>
-          </a:xfrm>
-          <a:prstGeom prst="rect">
-            <a:avLst/>
-          </a:prstGeom>
-          <a:noFill/>
-          <a:extLst>
-            <a:ext uri="{909E8E84-426E-40DD-AFC4-6F175D3DCCD1}">
-              <a14:hiddenFill xmlns:a14="http://schemas.microsoft.com/office/drawing/2010/main">
-                <a:solidFill>
-                  <a:srgbClr val="FFFFFF"/>
-                </a:solidFill>
-              </a14:hiddenFill>
-            </a:ext>
-          </a:extLst>
         </p:spPr>
       </p:pic>
       <p:sp>
@@ -40165,11 +44382,11 @@
           <p:nvPr/>
         </p:nvPicPr>
         <p:blipFill>
-          <a:blip r:embed="rId7" cstate="print">
+          <a:blip r:embed="rId6" cstate="print">
             <a:extLst>
               <a:ext uri="{BEBA8EAE-BF5A-486C-A8C5-ECC9F3942E4B}">
                 <a14:imgProps xmlns:a14="http://schemas.microsoft.com/office/drawing/2010/main">
-                  <a14:imgLayer r:embed="rId8">
+                  <a14:imgLayer r:embed="rId7">
                     <a14:imgEffect>
                       <a14:backgroundRemoval t="3118" b="96403" l="2344" r="99805"/>
                     </a14:imgEffect>
@@ -40221,11 +44438,11 @@
           <p:nvPr/>
         </p:nvPicPr>
         <p:blipFill>
-          <a:blip r:embed="rId9" cstate="print">
+          <a:blip r:embed="rId8" cstate="print">
             <a:extLst>
               <a:ext uri="{BEBA8EAE-BF5A-486C-A8C5-ECC9F3942E4B}">
                 <a14:imgProps xmlns:a14="http://schemas.microsoft.com/office/drawing/2010/main">
-                  <a14:imgLayer r:embed="rId10">
+                  <a14:imgLayer r:embed="rId9">
                     <a14:imgEffect>
                       <a14:backgroundRemoval t="11349" b="96574" l="1857" r="97000">
                         <a14:foregroundMark x1="21571" y1="31049" x2="21571" y2="31049"/>
@@ -40331,7 +44548,77 @@
           <p:nvPr/>
         </p:nvPicPr>
         <p:blipFill>
-          <a:blip r:embed="rId11" cstate="print">
+          <a:blip r:embed="rId10" cstate="print">
+            <a:extLst>
+              <a:ext uri="{28A0092B-C50C-407E-A947-70E740481C1C}">
+                <a14:useLocalDpi xmlns:a14="http://schemas.microsoft.com/office/drawing/2010/main" val="0"/>
+              </a:ext>
+            </a:extLst>
+          </a:blip>
+          <a:srcRect/>
+          <a:stretch/>
+        </p:blipFill>
+        <p:spPr>
+          <a:xfrm>
+            <a:off x="8509543" y="3082232"/>
+            <a:ext cx="384956" cy="384956"/>
+          </a:xfrm>
+          <a:prstGeom prst="rect">
+            <a:avLst/>
+          </a:prstGeom>
+        </p:spPr>
+      </p:pic>
+      <p:pic>
+        <p:nvPicPr>
+          <p:cNvPr id="29" name="Picture 28">
+            <a:extLst>
+              <a:ext uri="{FF2B5EF4-FFF2-40B4-BE49-F238E27FC236}">
+                <a16:creationId xmlns:a16="http://schemas.microsoft.com/office/drawing/2014/main" id="{2BC60C21-8910-44A3-B261-05905A0D88F5}"/>
+              </a:ext>
+            </a:extLst>
+          </p:cNvPr>
+          <p:cNvPicPr>
+            <a:picLocks noChangeAspect="1"/>
+          </p:cNvPicPr>
+          <p:nvPr/>
+        </p:nvPicPr>
+        <p:blipFill>
+          <a:blip r:embed="rId4" cstate="print">
+            <a:extLst>
+              <a:ext uri="{28A0092B-C50C-407E-A947-70E740481C1C}">
+                <a14:useLocalDpi xmlns:a14="http://schemas.microsoft.com/office/drawing/2010/main" val="0"/>
+              </a:ext>
+            </a:extLst>
+          </a:blip>
+          <a:srcRect/>
+          <a:stretch/>
+        </p:blipFill>
+        <p:spPr>
+          <a:xfrm>
+            <a:off x="7710173" y="4419600"/>
+            <a:ext cx="304800" cy="304800"/>
+          </a:xfrm>
+          <a:prstGeom prst="rect">
+            <a:avLst/>
+          </a:prstGeom>
+        </p:spPr>
+      </p:pic>
+      <p:pic>
+        <p:nvPicPr>
+          <p:cNvPr id="30" name="Picture 29">
+            <a:extLst>
+              <a:ext uri="{FF2B5EF4-FFF2-40B4-BE49-F238E27FC236}">
+                <a16:creationId xmlns:a16="http://schemas.microsoft.com/office/drawing/2014/main" id="{BDC1081C-99D0-458D-8456-D8E354B8D26E}"/>
+              </a:ext>
+            </a:extLst>
+          </p:cNvPr>
+          <p:cNvPicPr>
+            <a:picLocks noChangeAspect="1"/>
+          </p:cNvPicPr>
+          <p:nvPr/>
+        </p:nvPicPr>
+        <p:blipFill>
+          <a:blip r:embed="rId5" cstate="print">
             <a:extLst>
               <a:ext uri="{28A0092B-C50C-407E-A947-70E740481C1C}">
                 <a14:useLocalDpi xmlns:a14="http://schemas.microsoft.com/office/drawing/2010/main" val="0"/>
@@ -40344,78 +44631,6 @@
         </p:blipFill>
         <p:spPr>
           <a:xfrm>
-            <a:off x="8509543" y="3082232"/>
-            <a:ext cx="384956" cy="384956"/>
-          </a:xfrm>
-          <a:prstGeom prst="rect">
-            <a:avLst/>
-          </a:prstGeom>
-        </p:spPr>
-      </p:pic>
-      <p:pic>
-        <p:nvPicPr>
-          <p:cNvPr id="29" name="Picture 28">
-            <a:extLst>
-              <a:ext uri="{FF2B5EF4-FFF2-40B4-BE49-F238E27FC236}">
-                <a16:creationId xmlns:a16="http://schemas.microsoft.com/office/drawing/2014/main" id="{2BC60C21-8910-44A3-B261-05905A0D88F5}"/>
-              </a:ext>
-            </a:extLst>
-          </p:cNvPr>
-          <p:cNvPicPr>
-            <a:picLocks noChangeAspect="1"/>
-          </p:cNvPicPr>
-          <p:nvPr/>
-        </p:nvPicPr>
-        <p:blipFill>
-          <a:blip r:embed="rId4" cstate="print">
-            <a:extLst>
-              <a:ext uri="{28A0092B-C50C-407E-A947-70E740481C1C}">
-                <a14:useLocalDpi xmlns:a14="http://schemas.microsoft.com/office/drawing/2010/main" val="0"/>
-              </a:ext>
-            </a:extLst>
-          </a:blip>
-          <a:stretch>
-            <a:fillRect/>
-          </a:stretch>
-        </p:blipFill>
-        <p:spPr>
-          <a:xfrm>
-            <a:off x="7710173" y="4419600"/>
-            <a:ext cx="304800" cy="304800"/>
-          </a:xfrm>
-          <a:prstGeom prst="rect">
-            <a:avLst/>
-          </a:prstGeom>
-        </p:spPr>
-      </p:pic>
-      <p:pic>
-        <p:nvPicPr>
-          <p:cNvPr id="30" name="Picture 29">
-            <a:extLst>
-              <a:ext uri="{FF2B5EF4-FFF2-40B4-BE49-F238E27FC236}">
-                <a16:creationId xmlns:a16="http://schemas.microsoft.com/office/drawing/2014/main" id="{BDC1081C-99D0-458D-8456-D8E354B8D26E}"/>
-              </a:ext>
-            </a:extLst>
-          </p:cNvPr>
-          <p:cNvPicPr>
-            <a:picLocks noChangeAspect="1"/>
-          </p:cNvPicPr>
-          <p:nvPr/>
-        </p:nvPicPr>
-        <p:blipFill>
-          <a:blip r:embed="rId5" cstate="print">
-            <a:extLst>
-              <a:ext uri="{28A0092B-C50C-407E-A947-70E740481C1C}">
-                <a14:useLocalDpi xmlns:a14="http://schemas.microsoft.com/office/drawing/2010/main" val="0"/>
-              </a:ext>
-            </a:extLst>
-          </a:blip>
-          <a:stretch>
-            <a:fillRect/>
-          </a:stretch>
-        </p:blipFill>
-        <p:spPr>
-          <a:xfrm>
             <a:off x="8102601" y="4419600"/>
             <a:ext cx="304800" cy="304800"/>
           </a:xfrm>
@@ -40439,16 +44654,15 @@
           <p:nvPr/>
         </p:nvPicPr>
         <p:blipFill>
-          <a:blip r:embed="rId11" cstate="print">
+          <a:blip r:embed="rId10" cstate="print">
             <a:extLst>
               <a:ext uri="{28A0092B-C50C-407E-A947-70E740481C1C}">
                 <a14:useLocalDpi xmlns:a14="http://schemas.microsoft.com/office/drawing/2010/main" val="0"/>
               </a:ext>
             </a:extLst>
           </a:blip>
-          <a:stretch>
-            <a:fillRect/>
-          </a:stretch>
+          <a:srcRect/>
+          <a:stretch/>
         </p:blipFill>
         <p:spPr>
           <a:xfrm>
@@ -40585,7 +44799,7 @@
             <p:nvPr/>
           </p:nvPicPr>
           <p:blipFill>
-            <a:blip r:embed="rId12" cstate="print">
+            <a:blip r:embed="rId11" cstate="print">
               <a:extLst>
                 <a:ext uri="{28A0092B-C50C-407E-A947-70E740481C1C}">
                   <a14:useLocalDpi xmlns:a14="http://schemas.microsoft.com/office/drawing/2010/main" val="0"/>
@@ -40719,7 +44933,7 @@
             <p:nvPr/>
           </p:nvPicPr>
           <p:blipFill>
-            <a:blip r:embed="rId13" cstate="print">
+            <a:blip r:embed="rId12" cstate="print">
               <a:extLst>
                 <a:ext uri="{28A0092B-C50C-407E-A947-70E740481C1C}">
                   <a14:useLocalDpi xmlns:a14="http://schemas.microsoft.com/office/drawing/2010/main" val="0"/>
@@ -40741,6 +44955,42 @@
           </p:spPr>
         </p:pic>
       </p:grpSp>
+      <p:pic>
+        <p:nvPicPr>
+          <p:cNvPr id="5" name="Picture 4">
+            <a:extLst>
+              <a:ext uri="{FF2B5EF4-FFF2-40B4-BE49-F238E27FC236}">
+                <a16:creationId xmlns:a16="http://schemas.microsoft.com/office/drawing/2014/main" id="{E9F84932-5E2B-4789-A36E-41ABBCCB30F2}"/>
+              </a:ext>
+            </a:extLst>
+          </p:cNvPr>
+          <p:cNvPicPr>
+            <a:picLocks noChangeAspect="1"/>
+          </p:cNvPicPr>
+          <p:nvPr/>
+        </p:nvPicPr>
+        <p:blipFill>
+          <a:blip r:embed="rId13" cstate="print">
+            <a:extLst>
+              <a:ext uri="{28A0092B-C50C-407E-A947-70E740481C1C}">
+                <a14:useLocalDpi xmlns:a14="http://schemas.microsoft.com/office/drawing/2010/main" val="0"/>
+              </a:ext>
+            </a:extLst>
+          </a:blip>
+          <a:stretch>
+            <a:fillRect/>
+          </a:stretch>
+        </p:blipFill>
+        <p:spPr>
+          <a:xfrm>
+            <a:off x="533400" y="914400"/>
+            <a:ext cx="349430" cy="349430"/>
+          </a:xfrm>
+          <a:prstGeom prst="rect">
+            <a:avLst/>
+          </a:prstGeom>
+        </p:spPr>
+      </p:pic>
     </p:spTree>
     <p:extLst>
       <p:ext uri="{BB962C8B-B14F-4D97-AF65-F5344CB8AC3E}">
@@ -42453,53 +46703,6 @@
           </a:p>
         </p:txBody>
       </p:sp>
-      <p:pic>
-        <p:nvPicPr>
-          <p:cNvPr id="32" name="Picture 9" descr="C:\Users\HuyTran\Desktop\WPF project\Pharmacy\Pharmacy_R1\Pharmacy\Pharmacy\Resource\Icons\app icon.png">
-            <a:extLst>
-              <a:ext uri="{FF2B5EF4-FFF2-40B4-BE49-F238E27FC236}">
-                <a16:creationId xmlns:a16="http://schemas.microsoft.com/office/drawing/2014/main" id="{179575E9-41FF-4593-96FC-A5A1FB036755}"/>
-              </a:ext>
-            </a:extLst>
-          </p:cNvPr>
-          <p:cNvPicPr>
-            <a:picLocks noChangeAspect="1" noChangeArrowheads="1"/>
-          </p:cNvPicPr>
-          <p:nvPr/>
-        </p:nvPicPr>
-        <p:blipFill>
-          <a:blip r:embed="rId7" cstate="print">
-            <a:extLst>
-              <a:ext uri="{28A0092B-C50C-407E-A947-70E740481C1C}">
-                <a14:useLocalDpi xmlns:a14="http://schemas.microsoft.com/office/drawing/2010/main" val="0"/>
-              </a:ext>
-            </a:extLst>
-          </a:blip>
-          <a:srcRect/>
-          <a:stretch>
-            <a:fillRect/>
-          </a:stretch>
-        </p:blipFill>
-        <p:spPr bwMode="auto">
-          <a:xfrm>
-            <a:off x="509752" y="904203"/>
-            <a:ext cx="404648" cy="409856"/>
-          </a:xfrm>
-          <a:prstGeom prst="rect">
-            <a:avLst/>
-          </a:prstGeom>
-          <a:noFill/>
-          <a:extLst>
-            <a:ext uri="{909E8E84-426E-40DD-AFC4-6F175D3DCCD1}">
-              <a14:hiddenFill xmlns:a14="http://schemas.microsoft.com/office/drawing/2010/main">
-                <a:solidFill>
-                  <a:srgbClr val="FFFFFF"/>
-                </a:solidFill>
-              </a14:hiddenFill>
-            </a:ext>
-          </a:extLst>
-        </p:spPr>
-      </p:pic>
       <p:sp>
         <p:nvSpPr>
           <p:cNvPr id="33" name="TextBox 32">
@@ -42601,6 +46804,42 @@
           </a:p>
         </p:txBody>
       </p:sp>
+      <p:pic>
+        <p:nvPicPr>
+          <p:cNvPr id="39" name="Picture 38">
+            <a:extLst>
+              <a:ext uri="{FF2B5EF4-FFF2-40B4-BE49-F238E27FC236}">
+                <a16:creationId xmlns:a16="http://schemas.microsoft.com/office/drawing/2014/main" id="{A7436721-6E2B-4770-9A40-643D265D3460}"/>
+              </a:ext>
+            </a:extLst>
+          </p:cNvPr>
+          <p:cNvPicPr>
+            <a:picLocks noChangeAspect="1"/>
+          </p:cNvPicPr>
+          <p:nvPr/>
+        </p:nvPicPr>
+        <p:blipFill>
+          <a:blip r:embed="rId7" cstate="print">
+            <a:extLst>
+              <a:ext uri="{28A0092B-C50C-407E-A947-70E740481C1C}">
+                <a14:useLocalDpi xmlns:a14="http://schemas.microsoft.com/office/drawing/2010/main" val="0"/>
+              </a:ext>
+            </a:extLst>
+          </a:blip>
+          <a:stretch>
+            <a:fillRect/>
+          </a:stretch>
+        </p:blipFill>
+        <p:spPr>
+          <a:xfrm>
+            <a:off x="533400" y="914400"/>
+            <a:ext cx="349430" cy="349430"/>
+          </a:xfrm>
+          <a:prstGeom prst="rect">
+            <a:avLst/>
+          </a:prstGeom>
+        </p:spPr>
+      </p:pic>
     </p:spTree>
     <p:extLst>
       <p:ext uri="{BB962C8B-B14F-4D97-AF65-F5344CB8AC3E}">
@@ -43738,53 +47977,6 @@
           <a:xfrm>
             <a:off x="1547103" y="1750230"/>
             <a:ext cx="914400" cy="744736"/>
-          </a:xfrm>
-          <a:prstGeom prst="rect">
-            <a:avLst/>
-          </a:prstGeom>
-          <a:noFill/>
-          <a:extLst>
-            <a:ext uri="{909E8E84-426E-40DD-AFC4-6F175D3DCCD1}">
-              <a14:hiddenFill xmlns:a14="http://schemas.microsoft.com/office/drawing/2010/main">
-                <a:solidFill>
-                  <a:srgbClr val="FFFFFF"/>
-                </a:solidFill>
-              </a14:hiddenFill>
-            </a:ext>
-          </a:extLst>
-        </p:spPr>
-      </p:pic>
-      <p:pic>
-        <p:nvPicPr>
-          <p:cNvPr id="32" name="Picture 9" descr="C:\Users\HuyTran\Desktop\WPF project\Pharmacy\Pharmacy_R1\Pharmacy\Pharmacy\Resource\Icons\app icon.png">
-            <a:extLst>
-              <a:ext uri="{FF2B5EF4-FFF2-40B4-BE49-F238E27FC236}">
-                <a16:creationId xmlns:a16="http://schemas.microsoft.com/office/drawing/2014/main" id="{0895ED1A-BEEE-4F68-A6F5-DDC2D0424BBE}"/>
-              </a:ext>
-            </a:extLst>
-          </p:cNvPr>
-          <p:cNvPicPr>
-            <a:picLocks noChangeAspect="1" noChangeArrowheads="1"/>
-          </p:cNvPicPr>
-          <p:nvPr/>
-        </p:nvPicPr>
-        <p:blipFill>
-          <a:blip r:embed="rId7" cstate="print">
-            <a:extLst>
-              <a:ext uri="{28A0092B-C50C-407E-A947-70E740481C1C}">
-                <a14:useLocalDpi xmlns:a14="http://schemas.microsoft.com/office/drawing/2010/main" val="0"/>
-              </a:ext>
-            </a:extLst>
-          </a:blip>
-          <a:srcRect/>
-          <a:stretch>
-            <a:fillRect/>
-          </a:stretch>
-        </p:blipFill>
-        <p:spPr bwMode="auto">
-          <a:xfrm>
-            <a:off x="509752" y="904203"/>
-            <a:ext cx="404648" cy="409856"/>
           </a:xfrm>
           <a:prstGeom prst="rect">
             <a:avLst/>
@@ -44909,6 +49101,42 @@
           </a:p>
         </p:txBody>
       </p:sp>
+      <p:pic>
+        <p:nvPicPr>
+          <p:cNvPr id="37" name="Picture 36">
+            <a:extLst>
+              <a:ext uri="{FF2B5EF4-FFF2-40B4-BE49-F238E27FC236}">
+                <a16:creationId xmlns:a16="http://schemas.microsoft.com/office/drawing/2014/main" id="{2FFF2B0C-7C44-4132-9C8B-1BBB8CA4820B}"/>
+              </a:ext>
+            </a:extLst>
+          </p:cNvPr>
+          <p:cNvPicPr>
+            <a:picLocks noChangeAspect="1"/>
+          </p:cNvPicPr>
+          <p:nvPr/>
+        </p:nvPicPr>
+        <p:blipFill>
+          <a:blip r:embed="rId7" cstate="print">
+            <a:extLst>
+              <a:ext uri="{28A0092B-C50C-407E-A947-70E740481C1C}">
+                <a14:useLocalDpi xmlns:a14="http://schemas.microsoft.com/office/drawing/2010/main" val="0"/>
+              </a:ext>
+            </a:extLst>
+          </a:blip>
+          <a:stretch>
+            <a:fillRect/>
+          </a:stretch>
+        </p:blipFill>
+        <p:spPr>
+          <a:xfrm>
+            <a:off x="533400" y="914400"/>
+            <a:ext cx="349430" cy="349430"/>
+          </a:xfrm>
+          <a:prstGeom prst="rect">
+            <a:avLst/>
+          </a:prstGeom>
+        </p:spPr>
+      </p:pic>
     </p:spTree>
     <p:extLst>
       <p:ext uri="{BB962C8B-B14F-4D97-AF65-F5344CB8AC3E}">

--- a/Pharmacy/UXUI/PagesUI.pptx
+++ b/Pharmacy/UXUI/PagesUI.pptx
@@ -234,7 +234,7 @@
           <a:p>
             <a:fld id="{E193EC3E-9EBC-4FB4-91A0-D81688C87301}" type="datetimeFigureOut">
               <a:rPr lang="en-US" smtClean="0"/>
-              <a:t>12/13/2020</a:t>
+              <a:t>1/7/2021</a:t>
             </a:fld>
             <a:endParaRPr lang="en-US"/>
           </a:p>
@@ -1436,7 +1436,7 @@
           <a:p>
             <a:fld id="{EA91886C-002B-40DC-BBAF-4CA608631BA0}" type="datetimeFigureOut">
               <a:rPr lang="en-US" smtClean="0"/>
-              <a:t>12/13/2020</a:t>
+              <a:t>1/7/2021</a:t>
             </a:fld>
             <a:endParaRPr lang="en-US"/>
           </a:p>
@@ -1604,7 +1604,7 @@
           <a:p>
             <a:fld id="{EA91886C-002B-40DC-BBAF-4CA608631BA0}" type="datetimeFigureOut">
               <a:rPr lang="en-US" smtClean="0"/>
-              <a:t>12/13/2020</a:t>
+              <a:t>1/7/2021</a:t>
             </a:fld>
             <a:endParaRPr lang="en-US"/>
           </a:p>
@@ -1782,7 +1782,7 @@
           <a:p>
             <a:fld id="{EA91886C-002B-40DC-BBAF-4CA608631BA0}" type="datetimeFigureOut">
               <a:rPr lang="en-US" smtClean="0"/>
-              <a:t>12/13/2020</a:t>
+              <a:t>1/7/2021</a:t>
             </a:fld>
             <a:endParaRPr lang="en-US"/>
           </a:p>
@@ -1950,7 +1950,7 @@
           <a:p>
             <a:fld id="{EA91886C-002B-40DC-BBAF-4CA608631BA0}" type="datetimeFigureOut">
               <a:rPr lang="en-US" smtClean="0"/>
-              <a:t>12/13/2020</a:t>
+              <a:t>1/7/2021</a:t>
             </a:fld>
             <a:endParaRPr lang="en-US"/>
           </a:p>
@@ -2195,7 +2195,7 @@
           <a:p>
             <a:fld id="{EA91886C-002B-40DC-BBAF-4CA608631BA0}" type="datetimeFigureOut">
               <a:rPr lang="en-US" smtClean="0"/>
-              <a:t>12/13/2020</a:t>
+              <a:t>1/7/2021</a:t>
             </a:fld>
             <a:endParaRPr lang="en-US"/>
           </a:p>
@@ -2480,7 +2480,7 @@
           <a:p>
             <a:fld id="{EA91886C-002B-40DC-BBAF-4CA608631BA0}" type="datetimeFigureOut">
               <a:rPr lang="en-US" smtClean="0"/>
-              <a:t>12/13/2020</a:t>
+              <a:t>1/7/2021</a:t>
             </a:fld>
             <a:endParaRPr lang="en-US"/>
           </a:p>
@@ -2899,7 +2899,7 @@
           <a:p>
             <a:fld id="{EA91886C-002B-40DC-BBAF-4CA608631BA0}" type="datetimeFigureOut">
               <a:rPr lang="en-US" smtClean="0"/>
-              <a:t>12/13/2020</a:t>
+              <a:t>1/7/2021</a:t>
             </a:fld>
             <a:endParaRPr lang="en-US"/>
           </a:p>
@@ -3016,7 +3016,7 @@
           <a:p>
             <a:fld id="{EA91886C-002B-40DC-BBAF-4CA608631BA0}" type="datetimeFigureOut">
               <a:rPr lang="en-US" smtClean="0"/>
-              <a:t>12/13/2020</a:t>
+              <a:t>1/7/2021</a:t>
             </a:fld>
             <a:endParaRPr lang="en-US"/>
           </a:p>
@@ -3111,7 +3111,7 @@
           <a:p>
             <a:fld id="{EA91886C-002B-40DC-BBAF-4CA608631BA0}" type="datetimeFigureOut">
               <a:rPr lang="en-US" smtClean="0"/>
-              <a:t>12/13/2020</a:t>
+              <a:t>1/7/2021</a:t>
             </a:fld>
             <a:endParaRPr lang="en-US"/>
           </a:p>
@@ -3386,7 +3386,7 @@
           <a:p>
             <a:fld id="{EA91886C-002B-40DC-BBAF-4CA608631BA0}" type="datetimeFigureOut">
               <a:rPr lang="en-US" smtClean="0"/>
-              <a:t>12/13/2020</a:t>
+              <a:t>1/7/2021</a:t>
             </a:fld>
             <a:endParaRPr lang="en-US"/>
           </a:p>
@@ -3638,7 +3638,7 @@
           <a:p>
             <a:fld id="{EA91886C-002B-40DC-BBAF-4CA608631BA0}" type="datetimeFigureOut">
               <a:rPr lang="en-US" smtClean="0"/>
-              <a:t>12/13/2020</a:t>
+              <a:t>1/7/2021</a:t>
             </a:fld>
             <a:endParaRPr lang="en-US"/>
           </a:p>
@@ -3849,7 +3849,7 @@
           <a:p>
             <a:fld id="{EA91886C-002B-40DC-BBAF-4CA608631BA0}" type="datetimeFigureOut">
               <a:rPr lang="en-US" smtClean="0"/>
-              <a:t>12/13/2020</a:t>
+              <a:t>1/7/2021</a:t>
             </a:fld>
             <a:endParaRPr lang="en-US"/>
           </a:p>
@@ -43599,14 +43599,14 @@
           <p:nvPr>
             <p:extLst>
               <p:ext uri="{D42A27DB-BD31-4B8C-83A1-F6EECF244321}">
-                <p14:modId xmlns:p14="http://schemas.microsoft.com/office/powerpoint/2010/main" val="2543291872"/>
+                <p14:modId xmlns:p14="http://schemas.microsoft.com/office/powerpoint/2010/main" val="815096880"/>
               </p:ext>
             </p:extLst>
           </p:nvPr>
         </p:nvGraphicFramePr>
         <p:xfrm>
           <a:off x="532704" y="1905000"/>
-          <a:ext cx="8458896" cy="3339590"/>
+          <a:ext cx="8458898" cy="3339590"/>
         </p:xfrm>
         <a:graphic>
           <a:graphicData uri="http://schemas.openxmlformats.org/drawingml/2006/table">
@@ -43615,42 +43615,49 @@
                 <a:tableStyleId>{5C22544A-7EE6-4342-B048-85BDC9FD1C3A}</a:tableStyleId>
               </a:tblPr>
               <a:tblGrid>
-                <a:gridCol w="1409816">
+                <a:gridCol w="1208414">
                   <a:extLst>
                     <a:ext uri="{9D8B030D-6E8A-4147-A177-3AD203B41FA5}">
                       <a16:colId xmlns:a16="http://schemas.microsoft.com/office/drawing/2014/main" val="3679797539"/>
                     </a:ext>
                   </a:extLst>
                 </a:gridCol>
-                <a:gridCol w="1409816">
+                <a:gridCol w="1208414">
                   <a:extLst>
                     <a:ext uri="{9D8B030D-6E8A-4147-A177-3AD203B41FA5}">
                       <a16:colId xmlns:a16="http://schemas.microsoft.com/office/drawing/2014/main" val="4188008786"/>
                     </a:ext>
                   </a:extLst>
                 </a:gridCol>
-                <a:gridCol w="1409816">
+                <a:gridCol w="1208414">
                   <a:extLst>
                     <a:ext uri="{9D8B030D-6E8A-4147-A177-3AD203B41FA5}">
                       <a16:colId xmlns:a16="http://schemas.microsoft.com/office/drawing/2014/main" val="240713644"/>
                     </a:ext>
                   </a:extLst>
                 </a:gridCol>
-                <a:gridCol w="1409816">
+                <a:gridCol w="1208414">
+                  <a:extLst>
+                    <a:ext uri="{9D8B030D-6E8A-4147-A177-3AD203B41FA5}">
+                      <a16:colId xmlns:a16="http://schemas.microsoft.com/office/drawing/2014/main" val="2702378126"/>
+                    </a:ext>
+                  </a:extLst>
+                </a:gridCol>
+                <a:gridCol w="1208414">
                   <a:extLst>
                     <a:ext uri="{9D8B030D-6E8A-4147-A177-3AD203B41FA5}">
                       <a16:colId xmlns:a16="http://schemas.microsoft.com/office/drawing/2014/main" val="3214238948"/>
                     </a:ext>
                   </a:extLst>
                 </a:gridCol>
-                <a:gridCol w="1409816">
+                <a:gridCol w="1208414">
                   <a:extLst>
                     <a:ext uri="{9D8B030D-6E8A-4147-A177-3AD203B41FA5}">
                       <a16:colId xmlns:a16="http://schemas.microsoft.com/office/drawing/2014/main" val="1291486487"/>
                     </a:ext>
                   </a:extLst>
                 </a:gridCol>
-                <a:gridCol w="1409816">
+                <a:gridCol w="1208414">
                   <a:extLst>
                     <a:ext uri="{9D8B030D-6E8A-4147-A177-3AD203B41FA5}">
                       <a16:colId xmlns:a16="http://schemas.microsoft.com/office/drawing/2014/main" val="3117914522"/>
@@ -43722,6 +43729,43 @@
                       <a:r>
                         <a:rPr lang="en-US" sz="1200" dirty="0" err="1"/>
                         <a:t>thuốc</a:t>
+                      </a:r>
+                      <a:endParaRPr lang="en-US" sz="1200" dirty="0"/>
+                    </a:p>
+                  </a:txBody>
+                  <a:tcPr anchor="ctr">
+                    <a:solidFill>
+                      <a:schemeClr val="bg1">
+                        <a:lumMod val="50000"/>
+                      </a:schemeClr>
+                    </a:solidFill>
+                  </a:tcPr>
+                </a:tc>
+                <a:tc>
+                  <a:txBody>
+                    <a:bodyPr/>
+                    <a:lstStyle/>
+                    <a:p>
+                      <a:pPr algn="ctr"/>
+                      <a:r>
+                        <a:rPr lang="en-US" sz="1200" dirty="0" err="1"/>
+                        <a:t>Nhà</a:t>
+                      </a:r>
+                      <a:r>
+                        <a:rPr lang="en-US" sz="1200" dirty="0"/>
+                        <a:t> </a:t>
+                      </a:r>
+                      <a:r>
+                        <a:rPr lang="en-US" sz="1200" dirty="0" err="1"/>
+                        <a:t>cung</a:t>
+                      </a:r>
+                      <a:r>
+                        <a:rPr lang="en-US" sz="1200" dirty="0"/>
+                        <a:t> </a:t>
+                      </a:r>
+                      <a:r>
+                        <a:rPr lang="en-US" sz="1200" dirty="0" err="1"/>
+                        <a:t>cấp</a:t>
                       </a:r>
                       <a:endParaRPr lang="en-US" sz="1200" dirty="0"/>
                     </a:p>
@@ -43904,6 +43948,46 @@
                     <a:p>
                       <a:pPr algn="ctr"/>
                       <a:r>
+                        <a:rPr lang="en-US" sz="1200" dirty="0" err="1"/>
+                        <a:t>Nhà</a:t>
+                      </a:r>
+                      <a:r>
+                        <a:rPr lang="en-US" sz="1200" dirty="0"/>
+                        <a:t> </a:t>
+                      </a:r>
+                      <a:r>
+                        <a:rPr lang="en-US" sz="1200" dirty="0" err="1"/>
+                        <a:t>cung</a:t>
+                      </a:r>
+                      <a:r>
+                        <a:rPr lang="en-US" sz="1200" dirty="0"/>
+                        <a:t> </a:t>
+                      </a:r>
+                      <a:r>
+                        <a:rPr lang="en-US" sz="1200" dirty="0" err="1"/>
+                        <a:t>cấp</a:t>
+                      </a:r>
+                      <a:r>
+                        <a:rPr lang="en-US" sz="1200" dirty="0"/>
+                        <a:t> 1</a:t>
+                      </a:r>
+                    </a:p>
+                  </a:txBody>
+                  <a:tcPr anchor="ctr">
+                    <a:solidFill>
+                      <a:schemeClr val="bg1">
+                        <a:lumMod val="95000"/>
+                      </a:schemeClr>
+                    </a:solidFill>
+                  </a:tcPr>
+                </a:tc>
+                <a:tc>
+                  <a:txBody>
+                    <a:bodyPr/>
+                    <a:lstStyle/>
+                    <a:p>
+                      <a:pPr algn="ctr"/>
+                      <a:r>
                         <a:rPr lang="en-US" sz="1200" dirty="0"/>
                         <a:t>10,000</a:t>
                       </a:r>
@@ -44066,6 +44150,62 @@
                         <a:defRPr/>
                       </a:pPr>
                       <a:r>
+                        <a:rPr lang="en-US" sz="1200" dirty="0" err="1"/>
+                        <a:t>Nhà</a:t>
+                      </a:r>
+                      <a:r>
+                        <a:rPr lang="en-US" sz="1200" dirty="0"/>
+                        <a:t> </a:t>
+                      </a:r>
+                      <a:r>
+                        <a:rPr lang="en-US" sz="1200" dirty="0" err="1"/>
+                        <a:t>cung</a:t>
+                      </a:r>
+                      <a:r>
+                        <a:rPr lang="en-US" sz="1200" dirty="0"/>
+                        <a:t> </a:t>
+                      </a:r>
+                      <a:r>
+                        <a:rPr lang="en-US" sz="1200" dirty="0" err="1"/>
+                        <a:t>cấp</a:t>
+                      </a:r>
+                      <a:r>
+                        <a:rPr lang="en-US" sz="1200" dirty="0"/>
+                        <a:t> 2</a:t>
+                      </a:r>
+                    </a:p>
+                  </a:txBody>
+                  <a:tcPr anchor="ctr">
+                    <a:solidFill>
+                      <a:schemeClr val="bg1">
+                        <a:lumMod val="95000"/>
+                      </a:schemeClr>
+                    </a:solidFill>
+                  </a:tcPr>
+                </a:tc>
+                <a:tc>
+                  <a:txBody>
+                    <a:bodyPr/>
+                    <a:lstStyle/>
+                    <a:p>
+                      <a:pPr marL="0" marR="0" lvl="0" indent="0" algn="ctr" defTabSz="914400" rtl="0" eaLnBrk="1" fontAlgn="auto" latinLnBrk="0" hangingPunct="1">
+                        <a:lnSpc>
+                          <a:spcPct val="100000"/>
+                        </a:lnSpc>
+                        <a:spcBef>
+                          <a:spcPts val="0"/>
+                        </a:spcBef>
+                        <a:spcAft>
+                          <a:spcPts val="0"/>
+                        </a:spcAft>
+                        <a:buClrTx/>
+                        <a:buSzTx/>
+                        <a:buFontTx/>
+                        <a:buNone/>
+                        <a:tabLst/>
+                        <a:defRPr/>
+                      </a:pPr>
+                      <a:r>
                         <a:rPr lang="en-US" sz="1200" dirty="0"/>
                         <a:t>3,000</a:t>
                       </a:r>
@@ -44153,7 +44293,7 @@
         </p:blipFill>
         <p:spPr>
           <a:xfrm>
-            <a:off x="7713801" y="3122310"/>
+            <a:off x="7848600" y="3122310"/>
             <a:ext cx="304800" cy="304800"/>
           </a:xfrm>
           <a:prstGeom prst="rect">
@@ -44189,7 +44329,7 @@
         </p:blipFill>
         <p:spPr>
           <a:xfrm>
-            <a:off x="8106229" y="3122310"/>
+            <a:off x="8241028" y="3122310"/>
             <a:ext cx="304800" cy="304800"/>
           </a:xfrm>
           <a:prstGeom prst="rect">
@@ -44560,7 +44700,7 @@
         </p:blipFill>
         <p:spPr>
           <a:xfrm>
-            <a:off x="8509543" y="3082232"/>
+            <a:off x="8644342" y="3082232"/>
             <a:ext cx="384956" cy="384956"/>
           </a:xfrm>
           <a:prstGeom prst="rect">
@@ -44595,7 +44735,7 @@
         </p:blipFill>
         <p:spPr>
           <a:xfrm>
-            <a:off x="7710173" y="4419600"/>
+            <a:off x="7848600" y="4419600"/>
             <a:ext cx="304800" cy="304800"/>
           </a:xfrm>
           <a:prstGeom prst="rect">
@@ -44631,7 +44771,7 @@
         </p:blipFill>
         <p:spPr>
           <a:xfrm>
-            <a:off x="8102601" y="4419600"/>
+            <a:off x="8241028" y="4419600"/>
             <a:ext cx="304800" cy="304800"/>
           </a:xfrm>
           <a:prstGeom prst="rect">
@@ -44666,7 +44806,7 @@
         </p:blipFill>
         <p:spPr>
           <a:xfrm>
-            <a:off x="8505915" y="4379522"/>
+            <a:off x="8644342" y="4379522"/>
             <a:ext cx="384956" cy="384956"/>
           </a:xfrm>
           <a:prstGeom prst="rect">

--- a/Pharmacy/UXUI/PagesUI.pptx
+++ b/Pharmacy/UXUI/PagesUI.pptx
@@ -234,7 +234,7 @@
           <a:p>
             <a:fld id="{E193EC3E-9EBC-4FB4-91A0-D81688C87301}" type="datetimeFigureOut">
               <a:rPr lang="en-US" smtClean="0"/>
-              <a:t>1/7/2021</a:t>
+              <a:t>1/8/2021</a:t>
             </a:fld>
             <a:endParaRPr lang="en-US"/>
           </a:p>
@@ -1436,7 +1436,7 @@
           <a:p>
             <a:fld id="{EA91886C-002B-40DC-BBAF-4CA608631BA0}" type="datetimeFigureOut">
               <a:rPr lang="en-US" smtClean="0"/>
-              <a:t>1/7/2021</a:t>
+              <a:t>1/8/2021</a:t>
             </a:fld>
             <a:endParaRPr lang="en-US"/>
           </a:p>
@@ -1604,7 +1604,7 @@
           <a:p>
             <a:fld id="{EA91886C-002B-40DC-BBAF-4CA608631BA0}" type="datetimeFigureOut">
               <a:rPr lang="en-US" smtClean="0"/>
-              <a:t>1/7/2021</a:t>
+              <a:t>1/8/2021</a:t>
             </a:fld>
             <a:endParaRPr lang="en-US"/>
           </a:p>
@@ -1782,7 +1782,7 @@
           <a:p>
             <a:fld id="{EA91886C-002B-40DC-BBAF-4CA608631BA0}" type="datetimeFigureOut">
               <a:rPr lang="en-US" smtClean="0"/>
-              <a:t>1/7/2021</a:t>
+              <a:t>1/8/2021</a:t>
             </a:fld>
             <a:endParaRPr lang="en-US"/>
           </a:p>
@@ -1950,7 +1950,7 @@
           <a:p>
             <a:fld id="{EA91886C-002B-40DC-BBAF-4CA608631BA0}" type="datetimeFigureOut">
               <a:rPr lang="en-US" smtClean="0"/>
-              <a:t>1/7/2021</a:t>
+              <a:t>1/8/2021</a:t>
             </a:fld>
             <a:endParaRPr lang="en-US"/>
           </a:p>
@@ -2195,7 +2195,7 @@
           <a:p>
             <a:fld id="{EA91886C-002B-40DC-BBAF-4CA608631BA0}" type="datetimeFigureOut">
               <a:rPr lang="en-US" smtClean="0"/>
-              <a:t>1/7/2021</a:t>
+              <a:t>1/8/2021</a:t>
             </a:fld>
             <a:endParaRPr lang="en-US"/>
           </a:p>
@@ -2480,7 +2480,7 @@
           <a:p>
             <a:fld id="{EA91886C-002B-40DC-BBAF-4CA608631BA0}" type="datetimeFigureOut">
               <a:rPr lang="en-US" smtClean="0"/>
-              <a:t>1/7/2021</a:t>
+              <a:t>1/8/2021</a:t>
             </a:fld>
             <a:endParaRPr lang="en-US"/>
           </a:p>
@@ -2899,7 +2899,7 @@
           <a:p>
             <a:fld id="{EA91886C-002B-40DC-BBAF-4CA608631BA0}" type="datetimeFigureOut">
               <a:rPr lang="en-US" smtClean="0"/>
-              <a:t>1/7/2021</a:t>
+              <a:t>1/8/2021</a:t>
             </a:fld>
             <a:endParaRPr lang="en-US"/>
           </a:p>
@@ -3016,7 +3016,7 @@
           <a:p>
             <a:fld id="{EA91886C-002B-40DC-BBAF-4CA608631BA0}" type="datetimeFigureOut">
               <a:rPr lang="en-US" smtClean="0"/>
-              <a:t>1/7/2021</a:t>
+              <a:t>1/8/2021</a:t>
             </a:fld>
             <a:endParaRPr lang="en-US"/>
           </a:p>
@@ -3111,7 +3111,7 @@
           <a:p>
             <a:fld id="{EA91886C-002B-40DC-BBAF-4CA608631BA0}" type="datetimeFigureOut">
               <a:rPr lang="en-US" smtClean="0"/>
-              <a:t>1/7/2021</a:t>
+              <a:t>1/8/2021</a:t>
             </a:fld>
             <a:endParaRPr lang="en-US"/>
           </a:p>
@@ -3386,7 +3386,7 @@
           <a:p>
             <a:fld id="{EA91886C-002B-40DC-BBAF-4CA608631BA0}" type="datetimeFigureOut">
               <a:rPr lang="en-US" smtClean="0"/>
-              <a:t>1/7/2021</a:t>
+              <a:t>1/8/2021</a:t>
             </a:fld>
             <a:endParaRPr lang="en-US"/>
           </a:p>
@@ -3638,7 +3638,7 @@
           <a:p>
             <a:fld id="{EA91886C-002B-40DC-BBAF-4CA608631BA0}" type="datetimeFigureOut">
               <a:rPr lang="en-US" smtClean="0"/>
-              <a:t>1/7/2021</a:t>
+              <a:t>1/8/2021</a:t>
             </a:fld>
             <a:endParaRPr lang="en-US"/>
           </a:p>
@@ -3849,7 +3849,7 @@
           <a:p>
             <a:fld id="{EA91886C-002B-40DC-BBAF-4CA608631BA0}" type="datetimeFigureOut">
               <a:rPr lang="en-US" smtClean="0"/>
-              <a:t>1/7/2021</a:t>
+              <a:t>1/8/2021</a:t>
             </a:fld>
             <a:endParaRPr lang="en-US"/>
           </a:p>
@@ -14483,14 +14483,14 @@
           <p:nvPr>
             <p:extLst>
               <p:ext uri="{D42A27DB-BD31-4B8C-83A1-F6EECF244321}">
-                <p14:modId xmlns:p14="http://schemas.microsoft.com/office/powerpoint/2010/main" val="2617225367"/>
+                <p14:modId xmlns:p14="http://schemas.microsoft.com/office/powerpoint/2010/main" val="4061540469"/>
               </p:ext>
             </p:extLst>
           </p:nvPr>
         </p:nvGraphicFramePr>
         <p:xfrm>
-          <a:off x="544188" y="4513088"/>
-          <a:ext cx="8473843" cy="1021810"/>
+          <a:off x="544188" y="4144136"/>
+          <a:ext cx="8447412" cy="1390762"/>
         </p:xfrm>
         <a:graphic>
           <a:graphicData uri="http://schemas.openxmlformats.org/drawingml/2006/table">
@@ -14499,49 +14499,42 @@
                 <a:tableStyleId>{5C22544A-7EE6-4342-B048-85BDC9FD1C3A}</a:tableStyleId>
               </a:tblPr>
               <a:tblGrid>
-                <a:gridCol w="1210549">
+                <a:gridCol w="1407902">
                   <a:extLst>
                     <a:ext uri="{9D8B030D-6E8A-4147-A177-3AD203B41FA5}">
                       <a16:colId xmlns:a16="http://schemas.microsoft.com/office/drawing/2014/main" val="2205170896"/>
                     </a:ext>
                   </a:extLst>
                 </a:gridCol>
-                <a:gridCol w="1210549">
+                <a:gridCol w="1407902">
                   <a:extLst>
                     <a:ext uri="{9D8B030D-6E8A-4147-A177-3AD203B41FA5}">
                       <a16:colId xmlns:a16="http://schemas.microsoft.com/office/drawing/2014/main" val="3679797539"/>
                     </a:ext>
                   </a:extLst>
                 </a:gridCol>
-                <a:gridCol w="1210549">
+                <a:gridCol w="1407902">
                   <a:extLst>
                     <a:ext uri="{9D8B030D-6E8A-4147-A177-3AD203B41FA5}">
                       <a16:colId xmlns:a16="http://schemas.microsoft.com/office/drawing/2014/main" val="742831095"/>
                     </a:ext>
                   </a:extLst>
                 </a:gridCol>
-                <a:gridCol w="1210549">
+                <a:gridCol w="1407902">
                   <a:extLst>
                     <a:ext uri="{9D8B030D-6E8A-4147-A177-3AD203B41FA5}">
                       <a16:colId xmlns:a16="http://schemas.microsoft.com/office/drawing/2014/main" val="4188008786"/>
                     </a:ext>
                   </a:extLst>
                 </a:gridCol>
-                <a:gridCol w="1210549">
+                <a:gridCol w="2282404">
                   <a:extLst>
                     <a:ext uri="{9D8B030D-6E8A-4147-A177-3AD203B41FA5}">
                       <a16:colId xmlns:a16="http://schemas.microsoft.com/office/drawing/2014/main" val="3214238948"/>
                     </a:ext>
                   </a:extLst>
                 </a:gridCol>
-                <a:gridCol w="1210549">
-                  <a:extLst>
-                    <a:ext uri="{9D8B030D-6E8A-4147-A177-3AD203B41FA5}">
-                      <a16:colId xmlns:a16="http://schemas.microsoft.com/office/drawing/2014/main" val="1429314134"/>
-                    </a:ext>
-                  </a:extLst>
-                </a:gridCol>
-                <a:gridCol w="1210549">
+                <a:gridCol w="533400">
                   <a:extLst>
                     <a:ext uri="{9D8B030D-6E8A-4147-A177-3AD203B41FA5}">
                       <a16:colId xmlns:a16="http://schemas.microsoft.com/office/drawing/2014/main" val="4284112643"/>
@@ -14549,7 +14542,7 @@
                   </a:extLst>
                 </a:gridCol>
               </a:tblGrid>
-              <a:tr h="228151">
+              <a:tr h="373371">
                 <a:tc>
                   <a:txBody>
                     <a:bodyPr/>
@@ -14709,26 +14702,6 @@
                     <a:lstStyle/>
                     <a:p>
                       <a:pPr algn="ctr"/>
-                      <a:r>
-                        <a:rPr lang="en-US" sz="1200" dirty="0"/>
-                        <a:t>HSD</a:t>
-                      </a:r>
-                    </a:p>
-                  </a:txBody>
-                  <a:tcPr anchor="ctr">
-                    <a:solidFill>
-                      <a:schemeClr val="bg1">
-                        <a:lumMod val="50000"/>
-                      </a:schemeClr>
-                    </a:solidFill>
-                  </a:tcPr>
-                </a:tc>
-                <a:tc>
-                  <a:txBody>
-                    <a:bodyPr/>
-                    <a:lstStyle/>
-                    <a:p>
-                      <a:pPr algn="ctr"/>
                       <a:endParaRPr lang="en-US" sz="1200" dirty="0"/>
                     </a:p>
                   </a:txBody>
@@ -14746,7 +14719,7 @@
                   </a:ext>
                 </a:extLst>
               </a:tr>
-              <a:tr h="359223">
+              <a:tr h="488930">
                 <a:tc>
                   <a:txBody>
                     <a:bodyPr/>
@@ -14865,26 +14838,6 @@
                     <a:lstStyle/>
                     <a:p>
                       <a:pPr algn="ctr"/>
-                      <a:r>
-                        <a:rPr lang="en-US" sz="1200" dirty="0"/>
-                        <a:t>30/09/2022</a:t>
-                      </a:r>
-                    </a:p>
-                  </a:txBody>
-                  <a:tcPr anchor="ctr">
-                    <a:solidFill>
-                      <a:schemeClr val="bg1">
-                        <a:lumMod val="95000"/>
-                      </a:schemeClr>
-                    </a:solidFill>
-                  </a:tcPr>
-                </a:tc>
-                <a:tc>
-                  <a:txBody>
-                    <a:bodyPr/>
-                    <a:lstStyle/>
-                    <a:p>
-                      <a:pPr algn="ctr"/>
                       <a:endParaRPr lang="en-US" sz="1200" dirty="0"/>
                     </a:p>
                   </a:txBody>
@@ -14902,7 +14855,7 @@
                   </a:ext>
                 </a:extLst>
               </a:tr>
-              <a:tr h="388267">
+              <a:tr h="528461">
                 <a:tc>
                   <a:txBody>
                     <a:bodyPr/>
@@ -15021,26 +14974,6 @@
                     <a:lstStyle/>
                     <a:p>
                       <a:pPr algn="ctr"/>
-                      <a:r>
-                        <a:rPr lang="en-US" sz="1200" dirty="0"/>
-                        <a:t>24/10/2023</a:t>
-                      </a:r>
-                    </a:p>
-                  </a:txBody>
-                  <a:tcPr anchor="ctr">
-                    <a:solidFill>
-                      <a:schemeClr val="bg1">
-                        <a:lumMod val="95000"/>
-                      </a:schemeClr>
-                    </a:solidFill>
-                  </a:tcPr>
-                </a:tc>
-                <a:tc>
-                  <a:txBody>
-                    <a:bodyPr/>
-                    <a:lstStyle/>
-                    <a:p>
-                      <a:pPr algn="ctr"/>
                       <a:endParaRPr lang="en-US" sz="1200" dirty="0"/>
                     </a:p>
                   </a:txBody>
@@ -15090,7 +15023,7 @@
         </p:blipFill>
         <p:spPr>
           <a:xfrm flipV="1">
-            <a:off x="8019191" y="4844091"/>
+            <a:off x="8649810" y="4701021"/>
             <a:ext cx="152400" cy="152400"/>
           </a:xfrm>
           <a:prstGeom prst="rect">
@@ -15126,7 +15059,7 @@
         </p:blipFill>
         <p:spPr>
           <a:xfrm flipV="1">
-            <a:off x="8019191" y="5313863"/>
+            <a:off x="8649810" y="5170793"/>
             <a:ext cx="152400" cy="152400"/>
           </a:xfrm>
           <a:prstGeom prst="rect">
@@ -15345,7 +15278,7 @@
         </p:nvSpPr>
         <p:spPr>
           <a:xfrm>
-            <a:off x="1766845" y="4090247"/>
+            <a:off x="4913267" y="3768759"/>
             <a:ext cx="1295400" cy="246221"/>
           </a:xfrm>
           <a:prstGeom prst="rect">
@@ -15400,7 +15333,7 @@
         </p:nvSpPr>
         <p:spPr>
           <a:xfrm>
-            <a:off x="2535564" y="4113831"/>
+            <a:off x="5681986" y="3783441"/>
             <a:ext cx="830510" cy="261554"/>
           </a:xfrm>
           <a:prstGeom prst="rect">
@@ -15446,7 +15379,7 @@
         </p:nvSpPr>
         <p:spPr>
           <a:xfrm>
-            <a:off x="3411709" y="4116730"/>
+            <a:off x="6558131" y="3786340"/>
             <a:ext cx="1295400" cy="246221"/>
           </a:xfrm>
           <a:prstGeom prst="rect">
@@ -15501,7 +15434,7 @@
         </p:nvSpPr>
         <p:spPr>
           <a:xfrm>
-            <a:off x="4065002" y="4118733"/>
+            <a:off x="7211424" y="3788343"/>
             <a:ext cx="830510" cy="261554"/>
           </a:xfrm>
           <a:prstGeom prst="rect">
@@ -15547,7 +15480,7 @@
         </p:nvSpPr>
         <p:spPr>
           <a:xfrm>
-            <a:off x="7639455" y="3765652"/>
+            <a:off x="8181364" y="3775909"/>
             <a:ext cx="325460" cy="256652"/>
           </a:xfrm>
           <a:prstGeom prst="roundRect">
@@ -15785,90 +15718,6 @@
               </a:rPr>
               <a:t>152,000</a:t>
             </a:r>
-          </a:p>
-        </p:txBody>
-      </p:sp>
-      <p:sp>
-        <p:nvSpPr>
-          <p:cNvPr id="36" name="TextBox 35">
-            <a:extLst>
-              <a:ext uri="{FF2B5EF4-FFF2-40B4-BE49-F238E27FC236}">
-                <a16:creationId xmlns:a16="http://schemas.microsoft.com/office/drawing/2014/main" id="{3E344CDA-106C-4A55-A864-946A3AF5C40C}"/>
-              </a:ext>
-            </a:extLst>
-          </p:cNvPr>
-          <p:cNvSpPr txBox="1"/>
-          <p:nvPr/>
-        </p:nvSpPr>
-        <p:spPr>
-          <a:xfrm>
-            <a:off x="4962493" y="3785387"/>
-            <a:ext cx="2676962" cy="246221"/>
-          </a:xfrm>
-          <a:prstGeom prst="rect">
-            <a:avLst/>
-          </a:prstGeom>
-          <a:noFill/>
-        </p:spPr>
-        <p:txBody>
-          <a:bodyPr wrap="square" rtlCol="0">
-            <a:spAutoFit/>
-          </a:bodyPr>
-          <a:lstStyle/>
-          <a:p>
-            <a:r>
-              <a:rPr lang="en-US" sz="1000" dirty="0">
-                <a:sym typeface="Wingdings" panose="05000000000000000000" pitchFamily="2" charset="2"/>
-              </a:rPr>
-              <a:t>HSD:</a:t>
-            </a:r>
-            <a:endParaRPr lang="en-US" sz="1000" dirty="0"/>
-          </a:p>
-        </p:txBody>
-      </p:sp>
-      <p:sp>
-        <p:nvSpPr>
-          <p:cNvPr id="37" name="Rectangle 36">
-            <a:extLst>
-              <a:ext uri="{FF2B5EF4-FFF2-40B4-BE49-F238E27FC236}">
-                <a16:creationId xmlns:a16="http://schemas.microsoft.com/office/drawing/2014/main" id="{91B436E0-29B7-4858-BD69-6D498D98FC02}"/>
-              </a:ext>
-            </a:extLst>
-          </p:cNvPr>
-          <p:cNvSpPr/>
-          <p:nvPr/>
-        </p:nvSpPr>
-        <p:spPr>
-          <a:xfrm>
-            <a:off x="5354339" y="3770054"/>
-            <a:ext cx="2113262" cy="261554"/>
-          </a:xfrm>
-          <a:prstGeom prst="rect">
-            <a:avLst/>
-          </a:prstGeom>
-        </p:spPr>
-        <p:style>
-          <a:lnRef idx="2">
-            <a:schemeClr val="dk1"/>
-          </a:lnRef>
-          <a:fillRef idx="1">
-            <a:schemeClr val="lt1"/>
-          </a:fillRef>
-          <a:effectRef idx="0">
-            <a:schemeClr val="dk1"/>
-          </a:effectRef>
-          <a:fontRef idx="minor">
-            <a:schemeClr val="dk1"/>
-          </a:fontRef>
-        </p:style>
-        <p:txBody>
-          <a:bodyPr rtlCol="0" anchor="ctr"/>
-          <a:lstStyle/>
-          <a:p>
-            <a:pPr algn="ctr"/>
-            <a:endParaRPr lang="en-US" sz="1200">
-              <a:latin typeface="+mj-lt"/>
-            </a:endParaRPr>
           </a:p>
         </p:txBody>
       </p:sp>
@@ -17204,10 +17053,10 @@
       </p:sp>
       <p:sp>
         <p:nvSpPr>
-          <p:cNvPr id="72" name="TextBox 71">
-            <a:extLst>
-              <a:ext uri="{FF2B5EF4-FFF2-40B4-BE49-F238E27FC236}">
-                <a16:creationId xmlns:a16="http://schemas.microsoft.com/office/drawing/2014/main" id="{F843BFAF-1BDA-4B4F-A7EF-9C04F474B4E6}"/>
+          <p:cNvPr id="39" name="TextBox 38">
+            <a:extLst>
+              <a:ext uri="{FF2B5EF4-FFF2-40B4-BE49-F238E27FC236}">
+                <a16:creationId xmlns:a16="http://schemas.microsoft.com/office/drawing/2014/main" id="{4C71F624-40A6-41EE-BDCD-7D44E117F542}"/>
               </a:ext>
             </a:extLst>
           </p:cNvPr>
@@ -17271,10 +17120,10 @@
       </p:sp>
       <p:graphicFrame>
         <p:nvGraphicFramePr>
-          <p:cNvPr id="73" name="Table 3">
-            <a:extLst>
-              <a:ext uri="{FF2B5EF4-FFF2-40B4-BE49-F238E27FC236}">
-                <a16:creationId xmlns:a16="http://schemas.microsoft.com/office/drawing/2014/main" id="{2FA00453-A7CF-43BA-8FCF-9188CFC2B8D3}"/>
+          <p:cNvPr id="41" name="Table 3">
+            <a:extLst>
+              <a:ext uri="{FF2B5EF4-FFF2-40B4-BE49-F238E27FC236}">
+                <a16:creationId xmlns:a16="http://schemas.microsoft.com/office/drawing/2014/main" id="{623E82C4-7A03-43F7-BE80-5D37858F3225}"/>
               </a:ext>
             </a:extLst>
           </p:cNvPr>
@@ -17284,14 +17133,14 @@
           <p:nvPr>
             <p:extLst>
               <p:ext uri="{D42A27DB-BD31-4B8C-83A1-F6EECF244321}">
-                <p14:modId xmlns:p14="http://schemas.microsoft.com/office/powerpoint/2010/main" val="2970023854"/>
+                <p14:modId xmlns:p14="http://schemas.microsoft.com/office/powerpoint/2010/main" val="925843536"/>
               </p:ext>
             </p:extLst>
           </p:nvPr>
         </p:nvGraphicFramePr>
         <p:xfrm>
-          <a:off x="544188" y="4513088"/>
-          <a:ext cx="8473843" cy="1021810"/>
+          <a:off x="544188" y="4144136"/>
+          <a:ext cx="8447412" cy="1390762"/>
         </p:xfrm>
         <a:graphic>
           <a:graphicData uri="http://schemas.openxmlformats.org/drawingml/2006/table">
@@ -17300,49 +17149,42 @@
                 <a:tableStyleId>{5C22544A-7EE6-4342-B048-85BDC9FD1C3A}</a:tableStyleId>
               </a:tblPr>
               <a:tblGrid>
-                <a:gridCol w="1210549">
+                <a:gridCol w="1407902">
                   <a:extLst>
                     <a:ext uri="{9D8B030D-6E8A-4147-A177-3AD203B41FA5}">
                       <a16:colId xmlns:a16="http://schemas.microsoft.com/office/drawing/2014/main" val="2205170896"/>
                     </a:ext>
                   </a:extLst>
                 </a:gridCol>
-                <a:gridCol w="1210549">
+                <a:gridCol w="1407902">
                   <a:extLst>
                     <a:ext uri="{9D8B030D-6E8A-4147-A177-3AD203B41FA5}">
                       <a16:colId xmlns:a16="http://schemas.microsoft.com/office/drawing/2014/main" val="3679797539"/>
                     </a:ext>
                   </a:extLst>
                 </a:gridCol>
-                <a:gridCol w="1210549">
+                <a:gridCol w="1407902">
                   <a:extLst>
                     <a:ext uri="{9D8B030D-6E8A-4147-A177-3AD203B41FA5}">
                       <a16:colId xmlns:a16="http://schemas.microsoft.com/office/drawing/2014/main" val="742831095"/>
                     </a:ext>
                   </a:extLst>
                 </a:gridCol>
-                <a:gridCol w="1210549">
+                <a:gridCol w="1407902">
                   <a:extLst>
                     <a:ext uri="{9D8B030D-6E8A-4147-A177-3AD203B41FA5}">
                       <a16:colId xmlns:a16="http://schemas.microsoft.com/office/drawing/2014/main" val="4188008786"/>
                     </a:ext>
                   </a:extLst>
                 </a:gridCol>
-                <a:gridCol w="1210549">
+                <a:gridCol w="2282404">
                   <a:extLst>
                     <a:ext uri="{9D8B030D-6E8A-4147-A177-3AD203B41FA5}">
                       <a16:colId xmlns:a16="http://schemas.microsoft.com/office/drawing/2014/main" val="3214238948"/>
                     </a:ext>
                   </a:extLst>
                 </a:gridCol>
-                <a:gridCol w="1210549">
-                  <a:extLst>
-                    <a:ext uri="{9D8B030D-6E8A-4147-A177-3AD203B41FA5}">
-                      <a16:colId xmlns:a16="http://schemas.microsoft.com/office/drawing/2014/main" val="1429314134"/>
-                    </a:ext>
-                  </a:extLst>
-                </a:gridCol>
-                <a:gridCol w="1210549">
+                <a:gridCol w="533400">
                   <a:extLst>
                     <a:ext uri="{9D8B030D-6E8A-4147-A177-3AD203B41FA5}">
                       <a16:colId xmlns:a16="http://schemas.microsoft.com/office/drawing/2014/main" val="4284112643"/>
@@ -17350,7 +17192,7 @@
                   </a:extLst>
                 </a:gridCol>
               </a:tblGrid>
-              <a:tr h="228151">
+              <a:tr h="373371">
                 <a:tc>
                   <a:txBody>
                     <a:bodyPr/>
@@ -17510,26 +17352,6 @@
                     <a:lstStyle/>
                     <a:p>
                       <a:pPr algn="ctr"/>
-                      <a:r>
-                        <a:rPr lang="en-US" sz="1200" dirty="0"/>
-                        <a:t>HSD</a:t>
-                      </a:r>
-                    </a:p>
-                  </a:txBody>
-                  <a:tcPr anchor="ctr">
-                    <a:solidFill>
-                      <a:schemeClr val="bg1">
-                        <a:lumMod val="50000"/>
-                      </a:schemeClr>
-                    </a:solidFill>
-                  </a:tcPr>
-                </a:tc>
-                <a:tc>
-                  <a:txBody>
-                    <a:bodyPr/>
-                    <a:lstStyle/>
-                    <a:p>
-                      <a:pPr algn="ctr"/>
                       <a:endParaRPr lang="en-US" sz="1200" dirty="0"/>
                     </a:p>
                   </a:txBody>
@@ -17547,7 +17369,7 @@
                   </a:ext>
                 </a:extLst>
               </a:tr>
-              <a:tr h="359223">
+              <a:tr h="488930">
                 <a:tc>
                   <a:txBody>
                     <a:bodyPr/>
@@ -17666,26 +17488,6 @@
                     <a:lstStyle/>
                     <a:p>
                       <a:pPr algn="ctr"/>
-                      <a:r>
-                        <a:rPr lang="en-US" sz="1200" dirty="0"/>
-                        <a:t>30/09/2022</a:t>
-                      </a:r>
-                    </a:p>
-                  </a:txBody>
-                  <a:tcPr anchor="ctr">
-                    <a:solidFill>
-                      <a:schemeClr val="bg1">
-                        <a:lumMod val="95000"/>
-                      </a:schemeClr>
-                    </a:solidFill>
-                  </a:tcPr>
-                </a:tc>
-                <a:tc>
-                  <a:txBody>
-                    <a:bodyPr/>
-                    <a:lstStyle/>
-                    <a:p>
-                      <a:pPr algn="ctr"/>
                       <a:endParaRPr lang="en-US" sz="1200" dirty="0"/>
                     </a:p>
                   </a:txBody>
@@ -17703,7 +17505,7 @@
                   </a:ext>
                 </a:extLst>
               </a:tr>
-              <a:tr h="388267">
+              <a:tr h="528461">
                 <a:tc>
                   <a:txBody>
                     <a:bodyPr/>
@@ -17822,26 +17624,6 @@
                     <a:lstStyle/>
                     <a:p>
                       <a:pPr algn="ctr"/>
-                      <a:r>
-                        <a:rPr lang="en-US" sz="1200" dirty="0"/>
-                        <a:t>24/10/2023</a:t>
-                      </a:r>
-                    </a:p>
-                  </a:txBody>
-                  <a:tcPr anchor="ctr">
-                    <a:solidFill>
-                      <a:schemeClr val="bg1">
-                        <a:lumMod val="95000"/>
-                      </a:schemeClr>
-                    </a:solidFill>
-                  </a:tcPr>
-                </a:tc>
-                <a:tc>
-                  <a:txBody>
-                    <a:bodyPr/>
-                    <a:lstStyle/>
-                    <a:p>
-                      <a:pPr algn="ctr"/>
                       <a:endParaRPr lang="en-US" sz="1200" dirty="0"/>
                     </a:p>
                   </a:txBody>
@@ -17865,10 +17647,10 @@
       </p:graphicFrame>
       <p:pic>
         <p:nvPicPr>
-          <p:cNvPr id="74" name="Picture 73">
-            <a:extLst>
-              <a:ext uri="{FF2B5EF4-FFF2-40B4-BE49-F238E27FC236}">
-                <a16:creationId xmlns:a16="http://schemas.microsoft.com/office/drawing/2014/main" id="{FA774F3B-AB68-44C1-9EC0-5A6B34AB7453}"/>
+          <p:cNvPr id="42" name="Picture 41">
+            <a:extLst>
+              <a:ext uri="{FF2B5EF4-FFF2-40B4-BE49-F238E27FC236}">
+                <a16:creationId xmlns:a16="http://schemas.microsoft.com/office/drawing/2014/main" id="{4567B398-2131-46D9-B112-83C5F1C09B28}"/>
               </a:ext>
             </a:extLst>
           </p:cNvPr>
@@ -17891,7 +17673,7 @@
         </p:blipFill>
         <p:spPr>
           <a:xfrm flipV="1">
-            <a:off x="8019191" y="4844091"/>
+            <a:off x="8649810" y="4701021"/>
             <a:ext cx="152400" cy="152400"/>
           </a:xfrm>
           <a:prstGeom prst="rect">
@@ -17901,10 +17683,10 @@
       </p:pic>
       <p:pic>
         <p:nvPicPr>
-          <p:cNvPr id="75" name="Picture 74">
-            <a:extLst>
-              <a:ext uri="{FF2B5EF4-FFF2-40B4-BE49-F238E27FC236}">
-                <a16:creationId xmlns:a16="http://schemas.microsoft.com/office/drawing/2014/main" id="{3DF94D99-3353-4EBD-A0B6-A8925179BE32}"/>
+          <p:cNvPr id="43" name="Picture 42">
+            <a:extLst>
+              <a:ext uri="{FF2B5EF4-FFF2-40B4-BE49-F238E27FC236}">
+                <a16:creationId xmlns:a16="http://schemas.microsoft.com/office/drawing/2014/main" id="{9683BAC7-01CC-4E36-BE64-BC92448C1B97}"/>
               </a:ext>
             </a:extLst>
           </p:cNvPr>
@@ -17927,7 +17709,7 @@
         </p:blipFill>
         <p:spPr>
           <a:xfrm flipV="1">
-            <a:off x="8019191" y="5313863"/>
+            <a:off x="8649810" y="5170793"/>
             <a:ext cx="152400" cy="152400"/>
           </a:xfrm>
           <a:prstGeom prst="rect">
@@ -17937,10 +17719,10 @@
       </p:pic>
       <p:sp>
         <p:nvSpPr>
-          <p:cNvPr id="76" name="TextBox 75">
-            <a:extLst>
-              <a:ext uri="{FF2B5EF4-FFF2-40B4-BE49-F238E27FC236}">
-                <a16:creationId xmlns:a16="http://schemas.microsoft.com/office/drawing/2014/main" id="{98998D69-3157-4007-9AFB-AABA1332941A}"/>
+          <p:cNvPr id="44" name="TextBox 43">
+            <a:extLst>
+              <a:ext uri="{FF2B5EF4-FFF2-40B4-BE49-F238E27FC236}">
+                <a16:creationId xmlns:a16="http://schemas.microsoft.com/office/drawing/2014/main" id="{159C924A-BAB9-4F70-98EE-2C236BD81870}"/>
               </a:ext>
             </a:extLst>
           </p:cNvPr>
@@ -17993,10 +17775,10 @@
       </p:sp>
       <p:sp>
         <p:nvSpPr>
-          <p:cNvPr id="77" name="Rectangle 76">
-            <a:extLst>
-              <a:ext uri="{FF2B5EF4-FFF2-40B4-BE49-F238E27FC236}">
-                <a16:creationId xmlns:a16="http://schemas.microsoft.com/office/drawing/2014/main" id="{3936ED12-431B-437F-8285-AF64B826F5F6}"/>
+          <p:cNvPr id="45" name="Rectangle 44">
+            <a:extLst>
+              <a:ext uri="{FF2B5EF4-FFF2-40B4-BE49-F238E27FC236}">
+                <a16:creationId xmlns:a16="http://schemas.microsoft.com/office/drawing/2014/main" id="{733821FB-A144-450F-A525-F435896F24F5}"/>
               </a:ext>
             </a:extLst>
           </p:cNvPr>
@@ -18039,10 +17821,10 @@
       </p:sp>
       <p:sp>
         <p:nvSpPr>
-          <p:cNvPr id="78" name="TextBox 77">
-            <a:extLst>
-              <a:ext uri="{FF2B5EF4-FFF2-40B4-BE49-F238E27FC236}">
-                <a16:creationId xmlns:a16="http://schemas.microsoft.com/office/drawing/2014/main" id="{784766D1-9181-4B31-82B2-B5032E7F5040}"/>
+          <p:cNvPr id="46" name="TextBox 45">
+            <a:extLst>
+              <a:ext uri="{FF2B5EF4-FFF2-40B4-BE49-F238E27FC236}">
+                <a16:creationId xmlns:a16="http://schemas.microsoft.com/office/drawing/2014/main" id="{B2BCB21D-ADDC-4636-A63A-769412B9DF89}"/>
               </a:ext>
             </a:extLst>
           </p:cNvPr>
@@ -18051,7 +17833,7 @@
         </p:nvSpPr>
         <p:spPr>
           <a:xfrm>
-            <a:off x="1766845" y="4090247"/>
+            <a:off x="4913267" y="3768759"/>
             <a:ext cx="1295400" cy="246221"/>
           </a:xfrm>
           <a:prstGeom prst="rect">
@@ -18094,10 +17876,10 @@
       </p:sp>
       <p:sp>
         <p:nvSpPr>
-          <p:cNvPr id="79" name="Rectangle 78">
-            <a:extLst>
-              <a:ext uri="{FF2B5EF4-FFF2-40B4-BE49-F238E27FC236}">
-                <a16:creationId xmlns:a16="http://schemas.microsoft.com/office/drawing/2014/main" id="{AC0412B7-7AF2-4D15-967D-0E5DB3B912D7}"/>
+          <p:cNvPr id="50" name="Rectangle 49">
+            <a:extLst>
+              <a:ext uri="{FF2B5EF4-FFF2-40B4-BE49-F238E27FC236}">
+                <a16:creationId xmlns:a16="http://schemas.microsoft.com/office/drawing/2014/main" id="{AD827624-0269-4002-9DF4-6D1732A7D877}"/>
               </a:ext>
             </a:extLst>
           </p:cNvPr>
@@ -18106,7 +17888,7 @@
         </p:nvSpPr>
         <p:spPr>
           <a:xfrm>
-            <a:off x="2535564" y="4113831"/>
+            <a:off x="5681986" y="3783441"/>
             <a:ext cx="830510" cy="261554"/>
           </a:xfrm>
           <a:prstGeom prst="rect">
@@ -18140,10 +17922,10 @@
       </p:sp>
       <p:sp>
         <p:nvSpPr>
-          <p:cNvPr id="80" name="TextBox 79">
-            <a:extLst>
-              <a:ext uri="{FF2B5EF4-FFF2-40B4-BE49-F238E27FC236}">
-                <a16:creationId xmlns:a16="http://schemas.microsoft.com/office/drawing/2014/main" id="{92056D70-CBCD-4518-B18E-85A4AE008AAE}"/>
+          <p:cNvPr id="51" name="TextBox 50">
+            <a:extLst>
+              <a:ext uri="{FF2B5EF4-FFF2-40B4-BE49-F238E27FC236}">
+                <a16:creationId xmlns:a16="http://schemas.microsoft.com/office/drawing/2014/main" id="{0CD6DDA8-2E4B-465E-97E0-E664BFE291ED}"/>
               </a:ext>
             </a:extLst>
           </p:cNvPr>
@@ -18152,7 +17934,7 @@
         </p:nvSpPr>
         <p:spPr>
           <a:xfrm>
-            <a:off x="3411709" y="4116730"/>
+            <a:off x="6558131" y="3786340"/>
             <a:ext cx="1295400" cy="246221"/>
           </a:xfrm>
           <a:prstGeom prst="rect">
@@ -18195,10 +17977,10 @@
       </p:sp>
       <p:sp>
         <p:nvSpPr>
-          <p:cNvPr id="81" name="Rectangle 80">
-            <a:extLst>
-              <a:ext uri="{FF2B5EF4-FFF2-40B4-BE49-F238E27FC236}">
-                <a16:creationId xmlns:a16="http://schemas.microsoft.com/office/drawing/2014/main" id="{1C363F42-0417-4DA3-A511-A46278C237E8}"/>
+          <p:cNvPr id="52" name="Rectangle 51">
+            <a:extLst>
+              <a:ext uri="{FF2B5EF4-FFF2-40B4-BE49-F238E27FC236}">
+                <a16:creationId xmlns:a16="http://schemas.microsoft.com/office/drawing/2014/main" id="{4244D757-F192-430C-B9BA-2790D21B73D1}"/>
               </a:ext>
             </a:extLst>
           </p:cNvPr>
@@ -18207,7 +17989,7 @@
         </p:nvSpPr>
         <p:spPr>
           <a:xfrm>
-            <a:off x="4065002" y="4118733"/>
+            <a:off x="7211424" y="3788343"/>
             <a:ext cx="830510" cy="261554"/>
           </a:xfrm>
           <a:prstGeom prst="rect">
@@ -18241,10 +18023,10 @@
       </p:sp>
       <p:sp>
         <p:nvSpPr>
-          <p:cNvPr id="82" name="Rectangle: Rounded Corners 81">
-            <a:extLst>
-              <a:ext uri="{FF2B5EF4-FFF2-40B4-BE49-F238E27FC236}">
-                <a16:creationId xmlns:a16="http://schemas.microsoft.com/office/drawing/2014/main" id="{094694ED-9263-4895-8969-D13D416F8F78}"/>
+          <p:cNvPr id="53" name="Rectangle: Rounded Corners 52">
+            <a:extLst>
+              <a:ext uri="{FF2B5EF4-FFF2-40B4-BE49-F238E27FC236}">
+                <a16:creationId xmlns:a16="http://schemas.microsoft.com/office/drawing/2014/main" id="{3A0DE2D4-5BEB-44EC-A843-406A1D1D4B49}"/>
               </a:ext>
             </a:extLst>
           </p:cNvPr>
@@ -18253,7 +18035,7 @@
         </p:nvSpPr>
         <p:spPr>
           <a:xfrm>
-            <a:off x="7639455" y="3765652"/>
+            <a:off x="8181364" y="3775909"/>
             <a:ext cx="325460" cy="256652"/>
           </a:xfrm>
           <a:prstGeom prst="roundRect">
@@ -18283,90 +18065,6 @@
               <a:rPr lang="en-US" dirty="0"/>
               <a:t>+</a:t>
             </a:r>
-          </a:p>
-        </p:txBody>
-      </p:sp>
-      <p:sp>
-        <p:nvSpPr>
-          <p:cNvPr id="83" name="TextBox 82">
-            <a:extLst>
-              <a:ext uri="{FF2B5EF4-FFF2-40B4-BE49-F238E27FC236}">
-                <a16:creationId xmlns:a16="http://schemas.microsoft.com/office/drawing/2014/main" id="{237E1FA5-92F4-4F15-B662-B12AB9A2C084}"/>
-              </a:ext>
-            </a:extLst>
-          </p:cNvPr>
-          <p:cNvSpPr txBox="1"/>
-          <p:nvPr/>
-        </p:nvSpPr>
-        <p:spPr>
-          <a:xfrm>
-            <a:off x="4962493" y="3785387"/>
-            <a:ext cx="2676962" cy="246221"/>
-          </a:xfrm>
-          <a:prstGeom prst="rect">
-            <a:avLst/>
-          </a:prstGeom>
-          <a:noFill/>
-        </p:spPr>
-        <p:txBody>
-          <a:bodyPr wrap="square" rtlCol="0">
-            <a:spAutoFit/>
-          </a:bodyPr>
-          <a:lstStyle/>
-          <a:p>
-            <a:r>
-              <a:rPr lang="en-US" sz="1000" dirty="0">
-                <a:sym typeface="Wingdings" panose="05000000000000000000" pitchFamily="2" charset="2"/>
-              </a:rPr>
-              <a:t>HSD:</a:t>
-            </a:r>
-            <a:endParaRPr lang="en-US" sz="1000" dirty="0"/>
-          </a:p>
-        </p:txBody>
-      </p:sp>
-      <p:sp>
-        <p:nvSpPr>
-          <p:cNvPr id="84" name="Rectangle 83">
-            <a:extLst>
-              <a:ext uri="{FF2B5EF4-FFF2-40B4-BE49-F238E27FC236}">
-                <a16:creationId xmlns:a16="http://schemas.microsoft.com/office/drawing/2014/main" id="{917A8F65-513C-4C38-B269-E317B7715201}"/>
-              </a:ext>
-            </a:extLst>
-          </p:cNvPr>
-          <p:cNvSpPr/>
-          <p:nvPr/>
-        </p:nvSpPr>
-        <p:spPr>
-          <a:xfrm>
-            <a:off x="5354339" y="3770054"/>
-            <a:ext cx="2113262" cy="261554"/>
-          </a:xfrm>
-          <a:prstGeom prst="rect">
-            <a:avLst/>
-          </a:prstGeom>
-        </p:spPr>
-        <p:style>
-          <a:lnRef idx="2">
-            <a:schemeClr val="dk1"/>
-          </a:lnRef>
-          <a:fillRef idx="1">
-            <a:schemeClr val="lt1"/>
-          </a:fillRef>
-          <a:effectRef idx="0">
-            <a:schemeClr val="dk1"/>
-          </a:effectRef>
-          <a:fontRef idx="minor">
-            <a:schemeClr val="dk1"/>
-          </a:fontRef>
-        </p:style>
-        <p:txBody>
-          <a:bodyPr rtlCol="0" anchor="ctr"/>
-          <a:lstStyle/>
-          <a:p>
-            <a:pPr algn="ctr"/>
-            <a:endParaRPr lang="en-US" sz="1200">
-              <a:latin typeface="+mj-lt"/>
-            </a:endParaRPr>
           </a:p>
         </p:txBody>
       </p:sp>
@@ -48856,14 +48554,14 @@
           <p:nvPr>
             <p:extLst>
               <p:ext uri="{D42A27DB-BD31-4B8C-83A1-F6EECF244321}">
-                <p14:modId xmlns:p14="http://schemas.microsoft.com/office/powerpoint/2010/main" val="2562357705"/>
+                <p14:modId xmlns:p14="http://schemas.microsoft.com/office/powerpoint/2010/main" val="2341438139"/>
               </p:ext>
             </p:extLst>
           </p:nvPr>
         </p:nvGraphicFramePr>
         <p:xfrm>
           <a:off x="609600" y="5439314"/>
-          <a:ext cx="8382000" cy="822960"/>
+          <a:ext cx="8458200" cy="822960"/>
         </p:xfrm>
         <a:graphic>
           <a:graphicData uri="http://schemas.openxmlformats.org/drawingml/2006/table">
@@ -48872,31 +48570,24 @@
                 <a:tableStyleId>{5C22544A-7EE6-4342-B048-85BDC9FD1C3A}</a:tableStyleId>
               </a:tblPr>
               <a:tblGrid>
-                <a:gridCol w="2095500">
+                <a:gridCol w="2819400">
                   <a:extLst>
                     <a:ext uri="{9D8B030D-6E8A-4147-A177-3AD203B41FA5}">
                       <a16:colId xmlns:a16="http://schemas.microsoft.com/office/drawing/2014/main" val="3679797539"/>
                     </a:ext>
                   </a:extLst>
                 </a:gridCol>
-                <a:gridCol w="2095500">
+                <a:gridCol w="2819400">
                   <a:extLst>
                     <a:ext uri="{9D8B030D-6E8A-4147-A177-3AD203B41FA5}">
                       <a16:colId xmlns:a16="http://schemas.microsoft.com/office/drawing/2014/main" val="4188008786"/>
                     </a:ext>
                   </a:extLst>
                 </a:gridCol>
-                <a:gridCol w="2095500">
+                <a:gridCol w="2819400">
                   <a:extLst>
                     <a:ext uri="{9D8B030D-6E8A-4147-A177-3AD203B41FA5}">
                       <a16:colId xmlns:a16="http://schemas.microsoft.com/office/drawing/2014/main" val="3214238948"/>
-                    </a:ext>
-                  </a:extLst>
-                </a:gridCol>
-                <a:gridCol w="2095500">
-                  <a:extLst>
-                    <a:ext uri="{9D8B030D-6E8A-4147-A177-3AD203B41FA5}">
-                      <a16:colId xmlns:a16="http://schemas.microsoft.com/office/drawing/2014/main" val="1291486487"/>
                     </a:ext>
                   </a:extLst>
                 </a:gridCol>
@@ -48989,43 +48680,6 @@
                     </a:solidFill>
                   </a:tcPr>
                 </a:tc>
-                <a:tc>
-                  <a:txBody>
-                    <a:bodyPr/>
-                    <a:lstStyle/>
-                    <a:p>
-                      <a:pPr algn="ctr"/>
-                      <a:r>
-                        <a:rPr lang="en-US" sz="1200" dirty="0" err="1"/>
-                        <a:t>Hạn</a:t>
-                      </a:r>
-                      <a:r>
-                        <a:rPr lang="en-US" sz="1200" dirty="0"/>
-                        <a:t> </a:t>
-                      </a:r>
-                      <a:r>
-                        <a:rPr lang="en-US" sz="1200" dirty="0" err="1"/>
-                        <a:t>sử</a:t>
-                      </a:r>
-                      <a:r>
-                        <a:rPr lang="en-US" sz="1200" dirty="0"/>
-                        <a:t> </a:t>
-                      </a:r>
-                      <a:r>
-                        <a:rPr lang="en-US" sz="1200" dirty="0" err="1"/>
-                        <a:t>dụng</a:t>
-                      </a:r>
-                      <a:endParaRPr lang="en-US" sz="1200" dirty="0"/>
-                    </a:p>
-                  </a:txBody>
-                  <a:tcPr anchor="ctr">
-                    <a:solidFill>
-                      <a:schemeClr val="bg1">
-                        <a:lumMod val="50000"/>
-                      </a:schemeClr>
-                    </a:solidFill>
-                  </a:tcPr>
-                </a:tc>
                 <a:extLst>
                   <a:ext uri="{0D108BD9-81ED-4DB2-BD59-A6C34878D82A}">
                     <a16:rowId xmlns:a16="http://schemas.microsoft.com/office/drawing/2014/main" val="652390980"/>
@@ -49084,23 +48738,6 @@
                     </a:solidFill>
                   </a:tcPr>
                 </a:tc>
-                <a:tc>
-                  <a:txBody>
-                    <a:bodyPr/>
-                    <a:lstStyle/>
-                    <a:p>
-                      <a:pPr algn="ctr"/>
-                      <a:endParaRPr lang="en-US" sz="1200" dirty="0"/>
-                    </a:p>
-                  </a:txBody>
-                  <a:tcPr anchor="ctr">
-                    <a:solidFill>
-                      <a:schemeClr val="bg1">
-                        <a:lumMod val="95000"/>
-                      </a:schemeClr>
-                    </a:solidFill>
-                  </a:tcPr>
-                </a:tc>
                 <a:extLst>
                   <a:ext uri="{0D108BD9-81ED-4DB2-BD59-A6C34878D82A}">
                     <a16:rowId xmlns:a16="http://schemas.microsoft.com/office/drawing/2014/main" val="730336656"/>
@@ -49108,23 +48745,6 @@
                 </a:extLst>
               </a:tr>
               <a:tr h="201311">
-                <a:tc>
-                  <a:txBody>
-                    <a:bodyPr/>
-                    <a:lstStyle/>
-                    <a:p>
-                      <a:pPr algn="ctr"/>
-                      <a:endParaRPr lang="en-US" sz="1200" dirty="0"/>
-                    </a:p>
-                  </a:txBody>
-                  <a:tcPr anchor="ctr">
-                    <a:solidFill>
-                      <a:schemeClr val="bg1">
-                        <a:lumMod val="95000"/>
-                      </a:schemeClr>
-                    </a:solidFill>
-                  </a:tcPr>
-                </a:tc>
                 <a:tc>
                   <a:txBody>
                     <a:bodyPr/>

--- a/Pharmacy/UXUI/PagesUI.pptx
+++ b/Pharmacy/UXUI/PagesUI.pptx
@@ -234,7 +234,7 @@
           <a:p>
             <a:fld id="{E193EC3E-9EBC-4FB4-91A0-D81688C87301}" type="datetimeFigureOut">
               <a:rPr lang="en-US" smtClean="0"/>
-              <a:t>1/8/2021</a:t>
+              <a:t>1/11/2021</a:t>
             </a:fld>
             <a:endParaRPr lang="en-US"/>
           </a:p>
@@ -1436,7 +1436,7 @@
           <a:p>
             <a:fld id="{EA91886C-002B-40DC-BBAF-4CA608631BA0}" type="datetimeFigureOut">
               <a:rPr lang="en-US" smtClean="0"/>
-              <a:t>1/8/2021</a:t>
+              <a:t>1/11/2021</a:t>
             </a:fld>
             <a:endParaRPr lang="en-US"/>
           </a:p>
@@ -1604,7 +1604,7 @@
           <a:p>
             <a:fld id="{EA91886C-002B-40DC-BBAF-4CA608631BA0}" type="datetimeFigureOut">
               <a:rPr lang="en-US" smtClean="0"/>
-              <a:t>1/8/2021</a:t>
+              <a:t>1/11/2021</a:t>
             </a:fld>
             <a:endParaRPr lang="en-US"/>
           </a:p>
@@ -1782,7 +1782,7 @@
           <a:p>
             <a:fld id="{EA91886C-002B-40DC-BBAF-4CA608631BA0}" type="datetimeFigureOut">
               <a:rPr lang="en-US" smtClean="0"/>
-              <a:t>1/8/2021</a:t>
+              <a:t>1/11/2021</a:t>
             </a:fld>
             <a:endParaRPr lang="en-US"/>
           </a:p>
@@ -1950,7 +1950,7 @@
           <a:p>
             <a:fld id="{EA91886C-002B-40DC-BBAF-4CA608631BA0}" type="datetimeFigureOut">
               <a:rPr lang="en-US" smtClean="0"/>
-              <a:t>1/8/2021</a:t>
+              <a:t>1/11/2021</a:t>
             </a:fld>
             <a:endParaRPr lang="en-US"/>
           </a:p>
@@ -2195,7 +2195,7 @@
           <a:p>
             <a:fld id="{EA91886C-002B-40DC-BBAF-4CA608631BA0}" type="datetimeFigureOut">
               <a:rPr lang="en-US" smtClean="0"/>
-              <a:t>1/8/2021</a:t>
+              <a:t>1/11/2021</a:t>
             </a:fld>
             <a:endParaRPr lang="en-US"/>
           </a:p>
@@ -2480,7 +2480,7 @@
           <a:p>
             <a:fld id="{EA91886C-002B-40DC-BBAF-4CA608631BA0}" type="datetimeFigureOut">
               <a:rPr lang="en-US" smtClean="0"/>
-              <a:t>1/8/2021</a:t>
+              <a:t>1/11/2021</a:t>
             </a:fld>
             <a:endParaRPr lang="en-US"/>
           </a:p>
@@ -2899,7 +2899,7 @@
           <a:p>
             <a:fld id="{EA91886C-002B-40DC-BBAF-4CA608631BA0}" type="datetimeFigureOut">
               <a:rPr lang="en-US" smtClean="0"/>
-              <a:t>1/8/2021</a:t>
+              <a:t>1/11/2021</a:t>
             </a:fld>
             <a:endParaRPr lang="en-US"/>
           </a:p>
@@ -3016,7 +3016,7 @@
           <a:p>
             <a:fld id="{EA91886C-002B-40DC-BBAF-4CA608631BA0}" type="datetimeFigureOut">
               <a:rPr lang="en-US" smtClean="0"/>
-              <a:t>1/8/2021</a:t>
+              <a:t>1/11/2021</a:t>
             </a:fld>
             <a:endParaRPr lang="en-US"/>
           </a:p>
@@ -3111,7 +3111,7 @@
           <a:p>
             <a:fld id="{EA91886C-002B-40DC-BBAF-4CA608631BA0}" type="datetimeFigureOut">
               <a:rPr lang="en-US" smtClean="0"/>
-              <a:t>1/8/2021</a:t>
+              <a:t>1/11/2021</a:t>
             </a:fld>
             <a:endParaRPr lang="en-US"/>
           </a:p>
@@ -3386,7 +3386,7 @@
           <a:p>
             <a:fld id="{EA91886C-002B-40DC-BBAF-4CA608631BA0}" type="datetimeFigureOut">
               <a:rPr lang="en-US" smtClean="0"/>
-              <a:t>1/8/2021</a:t>
+              <a:t>1/11/2021</a:t>
             </a:fld>
             <a:endParaRPr lang="en-US"/>
           </a:p>
@@ -3638,7 +3638,7 @@
           <a:p>
             <a:fld id="{EA91886C-002B-40DC-BBAF-4CA608631BA0}" type="datetimeFigureOut">
               <a:rPr lang="en-US" smtClean="0"/>
-              <a:t>1/8/2021</a:t>
+              <a:t>1/11/2021</a:t>
             </a:fld>
             <a:endParaRPr lang="en-US"/>
           </a:p>
@@ -3849,7 +3849,7 @@
           <a:p>
             <a:fld id="{EA91886C-002B-40DC-BBAF-4CA608631BA0}" type="datetimeFigureOut">
               <a:rPr lang="en-US" smtClean="0"/>
-              <a:t>1/8/2021</a:t>
+              <a:t>1/11/2021</a:t>
             </a:fld>
             <a:endParaRPr lang="en-US"/>
           </a:p>
@@ -4208,7 +4208,7 @@
 </file>
 
 <file path=ppt/slides/slide1.xml><?xml version="1.0" encoding="utf-8"?>
-<p:sld xmlns:a="http://schemas.openxmlformats.org/drawingml/2006/main" xmlns:r="http://schemas.openxmlformats.org/officeDocument/2006/relationships" xmlns:p="http://schemas.openxmlformats.org/presentationml/2006/main">
+<p:sld xmlns:a="http://schemas.openxmlformats.org/drawingml/2006/main" xmlns:r="http://schemas.openxmlformats.org/officeDocument/2006/relationships" xmlns:p="http://schemas.openxmlformats.org/presentationml/2006/main" show="0">
   <p:cSld>
     <p:spTree>
       <p:nvGrpSpPr>
@@ -4911,7 +4911,7 @@
         </p:nvSpPr>
         <p:spPr>
           <a:xfrm>
-            <a:off x="4648201" y="3097762"/>
+            <a:off x="4648201" y="2904268"/>
             <a:ext cx="1295400" cy="276999"/>
           </a:xfrm>
           <a:prstGeom prst="rect">
@@ -4966,7 +4966,7 @@
         </p:nvSpPr>
         <p:spPr>
           <a:xfrm>
-            <a:off x="4648200" y="3516024"/>
+            <a:off x="4648200" y="3322530"/>
             <a:ext cx="1496577" cy="276999"/>
           </a:xfrm>
           <a:prstGeom prst="rect">
@@ -5021,7 +5021,7 @@
         </p:nvSpPr>
         <p:spPr>
           <a:xfrm>
-            <a:off x="6096000" y="3089185"/>
+            <a:off x="6096000" y="2895691"/>
             <a:ext cx="2971800" cy="261554"/>
           </a:xfrm>
           <a:prstGeom prst="rect">
@@ -5067,7 +5067,7 @@
         </p:nvSpPr>
         <p:spPr>
           <a:xfrm>
-            <a:off x="6096000" y="3498869"/>
+            <a:off x="6096000" y="3305375"/>
             <a:ext cx="2971800" cy="598893"/>
           </a:xfrm>
           <a:prstGeom prst="rect">
@@ -5113,7 +5113,7 @@
         </p:nvSpPr>
         <p:spPr>
           <a:xfrm>
-            <a:off x="7714343" y="4245892"/>
+            <a:off x="7714343" y="4052398"/>
             <a:ext cx="1371600" cy="358165"/>
           </a:xfrm>
           <a:prstGeom prst="rect">
@@ -5173,7 +5173,7 @@
         </p:nvSpPr>
         <p:spPr>
           <a:xfrm>
-            <a:off x="6228443" y="4244590"/>
+            <a:off x="6228443" y="4051096"/>
             <a:ext cx="1371600" cy="358165"/>
           </a:xfrm>
           <a:prstGeom prst="rect">
@@ -5247,7 +5247,7 @@
         </p:nvSpPr>
         <p:spPr>
           <a:xfrm>
-            <a:off x="487531" y="3089094"/>
+            <a:off x="487531" y="2895600"/>
             <a:ext cx="1295400" cy="276999"/>
           </a:xfrm>
           <a:prstGeom prst="rect">
@@ -5302,7 +5302,7 @@
         </p:nvSpPr>
         <p:spPr>
           <a:xfrm>
-            <a:off x="1663537" y="3089094"/>
+            <a:off x="1663537" y="2895600"/>
             <a:ext cx="2780820" cy="261554"/>
           </a:xfrm>
           <a:prstGeom prst="rect">
@@ -5459,13 +5459,13 @@
           <p:nvPr>
             <p:extLst>
               <p:ext uri="{D42A27DB-BD31-4B8C-83A1-F6EECF244321}">
-                <p14:modId xmlns:p14="http://schemas.microsoft.com/office/powerpoint/2010/main" val="1704801808"/>
+                <p14:modId xmlns:p14="http://schemas.microsoft.com/office/powerpoint/2010/main" val="2713293810"/>
               </p:ext>
             </p:extLst>
           </p:nvPr>
         </p:nvGraphicFramePr>
         <p:xfrm>
-          <a:off x="637310" y="5035948"/>
+          <a:off x="637310" y="4643594"/>
           <a:ext cx="8324820" cy="1639912"/>
         </p:xfrm>
         <a:graphic>
@@ -6085,7 +6085,7 @@
         </p:blipFill>
         <p:spPr bwMode="auto">
           <a:xfrm>
-            <a:off x="1143000" y="5334720"/>
+            <a:off x="1143000" y="4942366"/>
             <a:ext cx="386946" cy="387334"/>
           </a:xfrm>
           <a:prstGeom prst="rect">
@@ -6131,7 +6131,7 @@
         </p:blipFill>
         <p:spPr>
           <a:xfrm>
-            <a:off x="8142073" y="5373115"/>
+            <a:off x="8142073" y="4980761"/>
             <a:ext cx="304800" cy="304800"/>
           </a:xfrm>
           <a:prstGeom prst="rect">
@@ -6167,7 +6167,7 @@
         </p:blipFill>
         <p:spPr>
           <a:xfrm>
-            <a:off x="8142073" y="5848362"/>
+            <a:off x="8142073" y="5456008"/>
             <a:ext cx="304800" cy="304800"/>
           </a:xfrm>
           <a:prstGeom prst="rect">
@@ -6204,7 +6204,7 @@
         </p:blipFill>
         <p:spPr bwMode="auto">
           <a:xfrm>
-            <a:off x="1143000" y="5786318"/>
+            <a:off x="1143000" y="5393964"/>
             <a:ext cx="386946" cy="387334"/>
           </a:xfrm>
           <a:prstGeom prst="rect">
@@ -6236,7 +6236,7 @@
         </p:nvSpPr>
         <p:spPr>
           <a:xfrm>
-            <a:off x="637310" y="4688670"/>
+            <a:off x="637310" y="4296316"/>
             <a:ext cx="2383918" cy="323165"/>
           </a:xfrm>
           <a:prstGeom prst="rect">
@@ -6337,6 +6337,80 @@
           </a:prstGeom>
         </p:spPr>
       </p:pic>
+      <p:sp>
+        <p:nvSpPr>
+          <p:cNvPr id="29" name="Rectangle 28">
+            <a:extLst>
+              <a:ext uri="{FF2B5EF4-FFF2-40B4-BE49-F238E27FC236}">
+                <a16:creationId xmlns:a16="http://schemas.microsoft.com/office/drawing/2014/main" id="{B016A826-C07C-4935-8309-3A8C25F43B25}"/>
+              </a:ext>
+            </a:extLst>
+          </p:cNvPr>
+          <p:cNvSpPr/>
+          <p:nvPr/>
+        </p:nvSpPr>
+        <p:spPr>
+          <a:xfrm>
+            <a:off x="7608673" y="6390186"/>
+            <a:ext cx="1371600" cy="358165"/>
+          </a:xfrm>
+          <a:prstGeom prst="rect">
+            <a:avLst/>
+          </a:prstGeom>
+          <a:solidFill>
+            <a:schemeClr val="bg1">
+              <a:lumMod val="65000"/>
+            </a:schemeClr>
+          </a:solidFill>
+          <a:ln>
+            <a:noFill/>
+          </a:ln>
+        </p:spPr>
+        <p:style>
+          <a:lnRef idx="2">
+            <a:schemeClr val="accent1">
+              <a:shade val="50000"/>
+            </a:schemeClr>
+          </a:lnRef>
+          <a:fillRef idx="1">
+            <a:schemeClr val="accent1"/>
+          </a:fillRef>
+          <a:effectRef idx="0">
+            <a:schemeClr val="accent1"/>
+          </a:effectRef>
+          <a:fontRef idx="minor">
+            <a:schemeClr val="lt1"/>
+          </a:fontRef>
+        </p:style>
+        <p:txBody>
+          <a:bodyPr rtlCol="0" anchor="ctr"/>
+          <a:lstStyle/>
+          <a:p>
+            <a:pPr algn="ctr"/>
+            <a:r>
+              <a:rPr lang="en-US" dirty="0" err="1">
+                <a:latin typeface="+mj-lt"/>
+              </a:rPr>
+              <a:t>Trở</a:t>
+            </a:r>
+            <a:r>
+              <a:rPr lang="en-US" dirty="0">
+                <a:latin typeface="+mj-lt"/>
+              </a:rPr>
+              <a:t> </a:t>
+            </a:r>
+            <a:r>
+              <a:rPr lang="en-US" dirty="0" err="1">
+                <a:latin typeface="+mj-lt"/>
+              </a:rPr>
+              <a:t>lại</a:t>
+            </a:r>
+            <a:endParaRPr lang="en-US" dirty="0">
+              <a:latin typeface="+mj-lt"/>
+            </a:endParaRPr>
+          </a:p>
+        </p:txBody>
+      </p:sp>
     </p:spTree>
     <p:extLst>
       <p:ext uri="{BB962C8B-B14F-4D97-AF65-F5344CB8AC3E}">
@@ -6351,7 +6425,7 @@
 </file>
 
 <file path=ppt/slides/slide11.xml><?xml version="1.0" encoding="utf-8"?>
-<p:sld xmlns:a="http://schemas.openxmlformats.org/drawingml/2006/main" xmlns:r="http://schemas.openxmlformats.org/officeDocument/2006/relationships" xmlns:p="http://schemas.openxmlformats.org/presentationml/2006/main">
+<p:sld xmlns:a="http://schemas.openxmlformats.org/drawingml/2006/main" xmlns:r="http://schemas.openxmlformats.org/officeDocument/2006/relationships" xmlns:p="http://schemas.openxmlformats.org/presentationml/2006/main" show="0">
   <p:cSld>
     <p:spTree>
       <p:nvGrpSpPr>
@@ -7635,7 +7709,7 @@
 </file>
 
 <file path=ppt/slides/slide12.xml><?xml version="1.0" encoding="utf-8"?>
-<p:sld xmlns:a="http://schemas.openxmlformats.org/drawingml/2006/main" xmlns:r="http://schemas.openxmlformats.org/officeDocument/2006/relationships" xmlns:p="http://schemas.openxmlformats.org/presentationml/2006/main">
+<p:sld xmlns:a="http://schemas.openxmlformats.org/drawingml/2006/main" xmlns:r="http://schemas.openxmlformats.org/officeDocument/2006/relationships" xmlns:p="http://schemas.openxmlformats.org/presentationml/2006/main" show="0">
   <p:cSld>
     <p:spTree>
       <p:nvGrpSpPr>
@@ -20466,7 +20540,7 @@
 </file>
 
 <file path=ppt/slides/slide2.xml><?xml version="1.0" encoding="utf-8"?>
-<p:sld xmlns:a="http://schemas.openxmlformats.org/drawingml/2006/main" xmlns:r="http://schemas.openxmlformats.org/officeDocument/2006/relationships" xmlns:p="http://schemas.openxmlformats.org/presentationml/2006/main">
+<p:sld xmlns:a="http://schemas.openxmlformats.org/drawingml/2006/main" xmlns:r="http://schemas.openxmlformats.org/officeDocument/2006/relationships" xmlns:p="http://schemas.openxmlformats.org/presentationml/2006/main" show="0">
   <p:cSld>
     <p:spTree>
       <p:nvGrpSpPr>
@@ -24000,14 +24074,14 @@
           <p:nvPr>
             <p:extLst>
               <p:ext uri="{D42A27DB-BD31-4B8C-83A1-F6EECF244321}">
-                <p14:modId xmlns:p14="http://schemas.microsoft.com/office/powerpoint/2010/main" val="109696124"/>
+                <p14:modId xmlns:p14="http://schemas.microsoft.com/office/powerpoint/2010/main" val="3420546601"/>
               </p:ext>
             </p:extLst>
           </p:nvPr>
         </p:nvGraphicFramePr>
         <p:xfrm>
           <a:off x="603599" y="3389288"/>
-          <a:ext cx="8235601" cy="1639912"/>
+          <a:ext cx="8217285" cy="1639912"/>
         </p:xfrm>
         <a:graphic>
           <a:graphicData uri="http://schemas.openxmlformats.org/drawingml/2006/table">
@@ -24016,56 +24090,49 @@
                 <a:tableStyleId>{5C22544A-7EE6-4342-B048-85BDC9FD1C3A}</a:tableStyleId>
               </a:tblPr>
               <a:tblGrid>
-                <a:gridCol w="1337199">
+                <a:gridCol w="1512602">
                   <a:extLst>
                     <a:ext uri="{9D8B030D-6E8A-4147-A177-3AD203B41FA5}">
                       <a16:colId xmlns:a16="http://schemas.microsoft.com/office/drawing/2014/main" val="2205170896"/>
                     </a:ext>
                   </a:extLst>
                 </a:gridCol>
-                <a:gridCol w="605203">
+                <a:gridCol w="684589">
                   <a:extLst>
                     <a:ext uri="{9D8B030D-6E8A-4147-A177-3AD203B41FA5}">
                       <a16:colId xmlns:a16="http://schemas.microsoft.com/office/drawing/2014/main" val="3679797539"/>
                     </a:ext>
                   </a:extLst>
                 </a:gridCol>
-                <a:gridCol w="971202">
+                <a:gridCol w="1098596">
                   <a:extLst>
                     <a:ext uri="{9D8B030D-6E8A-4147-A177-3AD203B41FA5}">
                       <a16:colId xmlns:a16="http://schemas.microsoft.com/office/drawing/2014/main" val="2142246052"/>
                     </a:ext>
                   </a:extLst>
                 </a:gridCol>
-                <a:gridCol w="971202">
-                  <a:extLst>
-                    <a:ext uri="{9D8B030D-6E8A-4147-A177-3AD203B41FA5}">
-                      <a16:colId xmlns:a16="http://schemas.microsoft.com/office/drawing/2014/main" val="1926319217"/>
-                    </a:ext>
-                  </a:extLst>
-                </a:gridCol>
-                <a:gridCol w="1220700">
+                <a:gridCol w="1380822">
                   <a:extLst>
                     <a:ext uri="{9D8B030D-6E8A-4147-A177-3AD203B41FA5}">
                       <a16:colId xmlns:a16="http://schemas.microsoft.com/office/drawing/2014/main" val="4188008786"/>
                     </a:ext>
                   </a:extLst>
                 </a:gridCol>
-                <a:gridCol w="1465150">
+                <a:gridCol w="1657337">
                   <a:extLst>
                     <a:ext uri="{9D8B030D-6E8A-4147-A177-3AD203B41FA5}">
                       <a16:colId xmlns:a16="http://schemas.microsoft.com/office/drawing/2014/main" val="3214238948"/>
                     </a:ext>
                   </a:extLst>
                 </a:gridCol>
-                <a:gridCol w="1189664">
+                <a:gridCol w="1345714">
                   <a:extLst>
                     <a:ext uri="{9D8B030D-6E8A-4147-A177-3AD203B41FA5}">
                       <a16:colId xmlns:a16="http://schemas.microsoft.com/office/drawing/2014/main" val="4284112643"/>
                     </a:ext>
                   </a:extLst>
                 </a:gridCol>
-                <a:gridCol w="475281">
+                <a:gridCol w="537625">
                   <a:extLst>
                     <a:ext uri="{9D8B030D-6E8A-4147-A177-3AD203B41FA5}">
                       <a16:colId xmlns:a16="http://schemas.microsoft.com/office/drawing/2014/main" val="4177220187"/>
@@ -24142,26 +24209,6 @@
                         <a:t>lượng</a:t>
                       </a:r>
                       <a:endParaRPr lang="en-US" sz="1200" dirty="0"/>
-                    </a:p>
-                  </a:txBody>
-                  <a:tcPr anchor="ctr">
-                    <a:solidFill>
-                      <a:schemeClr val="bg1">
-                        <a:lumMod val="50000"/>
-                      </a:schemeClr>
-                    </a:solidFill>
-                  </a:tcPr>
-                </a:tc>
-                <a:tc>
-                  <a:txBody>
-                    <a:bodyPr/>
-                    <a:lstStyle/>
-                    <a:p>
-                      <a:pPr algn="ctr"/>
-                      <a:r>
-                        <a:rPr lang="en-US" sz="1200" dirty="0"/>
-                        <a:t>HSD</a:t>
-                      </a:r>
                     </a:p>
                   </a:txBody>
                   <a:tcPr anchor="ctr">
@@ -24366,26 +24413,6 @@
                       <a:pPr algn="ctr"/>
                       <a:r>
                         <a:rPr lang="en-US" sz="1200" dirty="0"/>
-                        <a:t>12/12/2023</a:t>
-                      </a:r>
-                    </a:p>
-                  </a:txBody>
-                  <a:tcPr anchor="ctr">
-                    <a:solidFill>
-                      <a:schemeClr val="bg1">
-                        <a:lumMod val="95000"/>
-                      </a:schemeClr>
-                    </a:solidFill>
-                  </a:tcPr>
-                </a:tc>
-                <a:tc>
-                  <a:txBody>
-                    <a:bodyPr/>
-                    <a:lstStyle/>
-                    <a:p>
-                      <a:pPr algn="ctr"/>
-                      <a:r>
-                        <a:rPr lang="en-US" sz="1200" dirty="0"/>
                         <a:t>1,000</a:t>
                       </a:r>
                     </a:p>
@@ -24542,26 +24569,6 @@
                       <a:pPr algn="ctr"/>
                       <a:r>
                         <a:rPr lang="en-US" sz="1200" dirty="0"/>
-                        <a:t>25/12/2024</a:t>
-                      </a:r>
-                    </a:p>
-                  </a:txBody>
-                  <a:tcPr anchor="ctr">
-                    <a:solidFill>
-                      <a:schemeClr val="bg1">
-                        <a:lumMod val="95000"/>
-                      </a:schemeClr>
-                    </a:solidFill>
-                  </a:tcPr>
-                </a:tc>
-                <a:tc>
-                  <a:txBody>
-                    <a:bodyPr/>
-                    <a:lstStyle/>
-                    <a:p>
-                      <a:pPr algn="ctr"/>
-                      <a:r>
-                        <a:rPr lang="en-US" sz="1200" dirty="0"/>
                         <a:t>11,000</a:t>
                       </a:r>
                     </a:p>
@@ -24638,23 +24645,6 @@
                 </a:extLst>
               </a:tr>
               <a:tr h="466838">
-                <a:tc>
-                  <a:txBody>
-                    <a:bodyPr/>
-                    <a:lstStyle/>
-                    <a:p>
-                      <a:pPr algn="ctr"/>
-                      <a:endParaRPr lang="en-US" sz="1200" dirty="0"/>
-                    </a:p>
-                  </a:txBody>
-                  <a:tcPr anchor="ctr">
-                    <a:solidFill>
-                      <a:schemeClr val="bg1">
-                        <a:lumMod val="95000"/>
-                      </a:schemeClr>
-                    </a:solidFill>
-                  </a:tcPr>
-                </a:tc>
                 <a:tc>
                   <a:txBody>
                     <a:bodyPr/>
@@ -28747,14 +28737,14 @@
           <p:nvPr>
             <p:extLst>
               <p:ext uri="{D42A27DB-BD31-4B8C-83A1-F6EECF244321}">
-                <p14:modId xmlns:p14="http://schemas.microsoft.com/office/powerpoint/2010/main" val="1948894493"/>
+                <p14:modId xmlns:p14="http://schemas.microsoft.com/office/powerpoint/2010/main" val="2852358257"/>
               </p:ext>
             </p:extLst>
           </p:nvPr>
         </p:nvGraphicFramePr>
         <p:xfrm>
           <a:off x="679799" y="3683326"/>
-          <a:ext cx="8235601" cy="1639912"/>
+          <a:ext cx="8217284" cy="1639912"/>
         </p:xfrm>
         <a:graphic>
           <a:graphicData uri="http://schemas.openxmlformats.org/drawingml/2006/table">
@@ -28763,56 +28753,49 @@
                 <a:tableStyleId>{5C22544A-7EE6-4342-B048-85BDC9FD1C3A}</a:tableStyleId>
               </a:tblPr>
               <a:tblGrid>
-                <a:gridCol w="1337199">
+                <a:gridCol w="1512601">
                   <a:extLst>
                     <a:ext uri="{9D8B030D-6E8A-4147-A177-3AD203B41FA5}">
                       <a16:colId xmlns:a16="http://schemas.microsoft.com/office/drawing/2014/main" val="2205170896"/>
                     </a:ext>
                   </a:extLst>
                 </a:gridCol>
-                <a:gridCol w="605203">
+                <a:gridCol w="684589">
                   <a:extLst>
                     <a:ext uri="{9D8B030D-6E8A-4147-A177-3AD203B41FA5}">
                       <a16:colId xmlns:a16="http://schemas.microsoft.com/office/drawing/2014/main" val="3679797539"/>
                     </a:ext>
                   </a:extLst>
                 </a:gridCol>
-                <a:gridCol w="971202">
+                <a:gridCol w="1098597">
                   <a:extLst>
                     <a:ext uri="{9D8B030D-6E8A-4147-A177-3AD203B41FA5}">
                       <a16:colId xmlns:a16="http://schemas.microsoft.com/office/drawing/2014/main" val="2142246052"/>
                     </a:ext>
                   </a:extLst>
                 </a:gridCol>
-                <a:gridCol w="971202">
-                  <a:extLst>
-                    <a:ext uri="{9D8B030D-6E8A-4147-A177-3AD203B41FA5}">
-                      <a16:colId xmlns:a16="http://schemas.microsoft.com/office/drawing/2014/main" val="1926319217"/>
-                    </a:ext>
-                  </a:extLst>
-                </a:gridCol>
-                <a:gridCol w="1220700">
+                <a:gridCol w="1380822">
                   <a:extLst>
                     <a:ext uri="{9D8B030D-6E8A-4147-A177-3AD203B41FA5}">
                       <a16:colId xmlns:a16="http://schemas.microsoft.com/office/drawing/2014/main" val="4188008786"/>
                     </a:ext>
                   </a:extLst>
                 </a:gridCol>
-                <a:gridCol w="1465150">
+                <a:gridCol w="1657336">
                   <a:extLst>
                     <a:ext uri="{9D8B030D-6E8A-4147-A177-3AD203B41FA5}">
                       <a16:colId xmlns:a16="http://schemas.microsoft.com/office/drawing/2014/main" val="3214238948"/>
                     </a:ext>
                   </a:extLst>
                 </a:gridCol>
-                <a:gridCol w="1189664">
+                <a:gridCol w="1345714">
                   <a:extLst>
                     <a:ext uri="{9D8B030D-6E8A-4147-A177-3AD203B41FA5}">
                       <a16:colId xmlns:a16="http://schemas.microsoft.com/office/drawing/2014/main" val="4284112643"/>
                     </a:ext>
                   </a:extLst>
                 </a:gridCol>
-                <a:gridCol w="475281">
+                <a:gridCol w="537625">
                   <a:extLst>
                     <a:ext uri="{9D8B030D-6E8A-4147-A177-3AD203B41FA5}">
                       <a16:colId xmlns:a16="http://schemas.microsoft.com/office/drawing/2014/main" val="4177220187"/>
@@ -28889,26 +28872,6 @@
                         <a:t>lượng</a:t>
                       </a:r>
                       <a:endParaRPr lang="en-US" sz="1200" dirty="0"/>
-                    </a:p>
-                  </a:txBody>
-                  <a:tcPr anchor="ctr">
-                    <a:solidFill>
-                      <a:schemeClr val="bg1">
-                        <a:lumMod val="50000"/>
-                      </a:schemeClr>
-                    </a:solidFill>
-                  </a:tcPr>
-                </a:tc>
-                <a:tc>
-                  <a:txBody>
-                    <a:bodyPr/>
-                    <a:lstStyle/>
-                    <a:p>
-                      <a:pPr algn="ctr"/>
-                      <a:r>
-                        <a:rPr lang="en-US" sz="1200" dirty="0"/>
-                        <a:t>HSD</a:t>
-                      </a:r>
                     </a:p>
                   </a:txBody>
                   <a:tcPr anchor="ctr">
@@ -29113,26 +29076,6 @@
                       <a:pPr algn="ctr"/>
                       <a:r>
                         <a:rPr lang="en-US" sz="1200" dirty="0"/>
-                        <a:t>12/12/2023</a:t>
-                      </a:r>
-                    </a:p>
-                  </a:txBody>
-                  <a:tcPr anchor="ctr">
-                    <a:solidFill>
-                      <a:schemeClr val="bg1">
-                        <a:lumMod val="95000"/>
-                      </a:schemeClr>
-                    </a:solidFill>
-                  </a:tcPr>
-                </a:tc>
-                <a:tc>
-                  <a:txBody>
-                    <a:bodyPr/>
-                    <a:lstStyle/>
-                    <a:p>
-                      <a:pPr algn="ctr"/>
-                      <a:r>
-                        <a:rPr lang="en-US" sz="1200" dirty="0"/>
                         <a:t>1,000</a:t>
                       </a:r>
                     </a:p>
@@ -29289,26 +29232,6 @@
                       <a:pPr algn="ctr"/>
                       <a:r>
                         <a:rPr lang="en-US" sz="1200" dirty="0"/>
-                        <a:t>25/12/2024</a:t>
-                      </a:r>
-                    </a:p>
-                  </a:txBody>
-                  <a:tcPr anchor="ctr">
-                    <a:solidFill>
-                      <a:schemeClr val="bg1">
-                        <a:lumMod val="95000"/>
-                      </a:schemeClr>
-                    </a:solidFill>
-                  </a:tcPr>
-                </a:tc>
-                <a:tc>
-                  <a:txBody>
-                    <a:bodyPr/>
-                    <a:lstStyle/>
-                    <a:p>
-                      <a:pPr algn="ctr"/>
-                      <a:r>
-                        <a:rPr lang="en-US" sz="1200" dirty="0"/>
                         <a:t>11,000</a:t>
                       </a:r>
                     </a:p>
@@ -29385,23 +29308,6 @@
                 </a:extLst>
               </a:tr>
               <a:tr h="466838">
-                <a:tc>
-                  <a:txBody>
-                    <a:bodyPr/>
-                    <a:lstStyle/>
-                    <a:p>
-                      <a:pPr algn="ctr"/>
-                      <a:endParaRPr lang="en-US" sz="1200" dirty="0"/>
-                    </a:p>
-                  </a:txBody>
-                  <a:tcPr anchor="ctr">
-                    <a:solidFill>
-                      <a:schemeClr val="bg1">
-                        <a:lumMod val="95000"/>
-                      </a:schemeClr>
-                    </a:solidFill>
-                  </a:tcPr>
-                </a:tc>
                 <a:tc>
                   <a:txBody>
                     <a:bodyPr/>
@@ -36563,7 +36469,7 @@
 </file>
 
 <file path=ppt/slides/slide3.xml><?xml version="1.0" encoding="utf-8"?>
-<p:sld xmlns:a="http://schemas.openxmlformats.org/drawingml/2006/main" xmlns:r="http://schemas.openxmlformats.org/officeDocument/2006/relationships" xmlns:p="http://schemas.openxmlformats.org/presentationml/2006/main">
+<p:sld xmlns:a="http://schemas.openxmlformats.org/drawingml/2006/main" xmlns:r="http://schemas.openxmlformats.org/officeDocument/2006/relationships" xmlns:p="http://schemas.openxmlformats.org/presentationml/2006/main" show="0">
   <p:cSld>
     <p:spTree>
       <p:nvGrpSpPr>
@@ -38073,7 +37979,7 @@
 </file>
 
 <file path=ppt/slides/slide4.xml><?xml version="1.0" encoding="utf-8"?>
-<p:sld xmlns:a="http://schemas.openxmlformats.org/drawingml/2006/main" xmlns:r="http://schemas.openxmlformats.org/officeDocument/2006/relationships" xmlns:p="http://schemas.openxmlformats.org/presentationml/2006/main">
+<p:sld xmlns:a="http://schemas.openxmlformats.org/drawingml/2006/main" xmlns:r="http://schemas.openxmlformats.org/officeDocument/2006/relationships" xmlns:p="http://schemas.openxmlformats.org/presentationml/2006/main" show="0">
   <p:cSld>
     <p:spTree>
       <p:nvGrpSpPr>
@@ -39354,7 +39260,7 @@
 </file>
 
 <file path=ppt/slides/slide5.xml><?xml version="1.0" encoding="utf-8"?>
-<p:sld xmlns:a="http://schemas.openxmlformats.org/drawingml/2006/main" xmlns:r="http://schemas.openxmlformats.org/officeDocument/2006/relationships" xmlns:p="http://schemas.openxmlformats.org/presentationml/2006/main">
+<p:sld xmlns:a="http://schemas.openxmlformats.org/drawingml/2006/main" xmlns:r="http://schemas.openxmlformats.org/officeDocument/2006/relationships" xmlns:p="http://schemas.openxmlformats.org/presentationml/2006/main" show="0">
   <p:cSld>
     <p:spTree>
       <p:nvGrpSpPr>
@@ -41044,7 +40950,7 @@
 </file>
 
 <file path=ppt/slides/slide6.xml><?xml version="1.0" encoding="utf-8"?>
-<p:sld xmlns:a="http://schemas.openxmlformats.org/drawingml/2006/main" xmlns:r="http://schemas.openxmlformats.org/officeDocument/2006/relationships" xmlns:p="http://schemas.openxmlformats.org/presentationml/2006/main">
+<p:sld xmlns:a="http://schemas.openxmlformats.org/drawingml/2006/main" xmlns:r="http://schemas.openxmlformats.org/officeDocument/2006/relationships" xmlns:p="http://schemas.openxmlformats.org/presentationml/2006/main" show="0">
   <p:cSld>
     <p:spTree>
       <p:nvGrpSpPr>
@@ -42931,7 +42837,7 @@
 </file>
 
 <file path=ppt/slides/slide7.xml><?xml version="1.0" encoding="utf-8"?>
-<p:sld xmlns:a="http://schemas.openxmlformats.org/drawingml/2006/main" xmlns:r="http://schemas.openxmlformats.org/officeDocument/2006/relationships" xmlns:p="http://schemas.openxmlformats.org/presentationml/2006/main">
+<p:sld xmlns:a="http://schemas.openxmlformats.org/drawingml/2006/main" xmlns:r="http://schemas.openxmlformats.org/officeDocument/2006/relationships" xmlns:p="http://schemas.openxmlformats.org/presentationml/2006/main" show="0">
   <p:cSld>
     <p:spTree>
       <p:nvGrpSpPr>
@@ -44843,7 +44749,7 @@
 </file>
 
 <file path=ppt/slides/slide8.xml><?xml version="1.0" encoding="utf-8"?>
-<p:sld xmlns:a="http://schemas.openxmlformats.org/drawingml/2006/main" xmlns:r="http://schemas.openxmlformats.org/officeDocument/2006/relationships" xmlns:p="http://schemas.openxmlformats.org/presentationml/2006/main">
+<p:sld xmlns:a="http://schemas.openxmlformats.org/drawingml/2006/main" xmlns:r="http://schemas.openxmlformats.org/officeDocument/2006/relationships" xmlns:p="http://schemas.openxmlformats.org/presentationml/2006/main" show="0">
   <p:cSld>
     <p:spTree>
       <p:nvGrpSpPr>
@@ -46692,7 +46598,7 @@
 </file>
 
 <file path=ppt/slides/slide9.xml><?xml version="1.0" encoding="utf-8"?>
-<p:sld xmlns:a="http://schemas.openxmlformats.org/drawingml/2006/main" xmlns:r="http://schemas.openxmlformats.org/officeDocument/2006/relationships" xmlns:p="http://schemas.openxmlformats.org/presentationml/2006/main">
+<p:sld xmlns:a="http://schemas.openxmlformats.org/drawingml/2006/main" xmlns:r="http://schemas.openxmlformats.org/officeDocument/2006/relationships" xmlns:p="http://schemas.openxmlformats.org/presentationml/2006/main" show="0">
   <p:cSld>
     <p:spTree>
       <p:nvGrpSpPr>

--- a/Pharmacy/UXUI/PagesUI.pptx
+++ b/Pharmacy/UXUI/PagesUI.pptx
@@ -234,7 +234,7 @@
           <a:p>
             <a:fld id="{E193EC3E-9EBC-4FB4-91A0-D81688C87301}" type="datetimeFigureOut">
               <a:rPr lang="en-US" smtClean="0"/>
-              <a:t>1/11/2021</a:t>
+              <a:t>1/17/2021</a:t>
             </a:fld>
             <a:endParaRPr lang="en-US"/>
           </a:p>
@@ -1436,7 +1436,7 @@
           <a:p>
             <a:fld id="{EA91886C-002B-40DC-BBAF-4CA608631BA0}" type="datetimeFigureOut">
               <a:rPr lang="en-US" smtClean="0"/>
-              <a:t>1/11/2021</a:t>
+              <a:t>1/17/2021</a:t>
             </a:fld>
             <a:endParaRPr lang="en-US"/>
           </a:p>
@@ -1604,7 +1604,7 @@
           <a:p>
             <a:fld id="{EA91886C-002B-40DC-BBAF-4CA608631BA0}" type="datetimeFigureOut">
               <a:rPr lang="en-US" smtClean="0"/>
-              <a:t>1/11/2021</a:t>
+              <a:t>1/17/2021</a:t>
             </a:fld>
             <a:endParaRPr lang="en-US"/>
           </a:p>
@@ -1782,7 +1782,7 @@
           <a:p>
             <a:fld id="{EA91886C-002B-40DC-BBAF-4CA608631BA0}" type="datetimeFigureOut">
               <a:rPr lang="en-US" smtClean="0"/>
-              <a:t>1/11/2021</a:t>
+              <a:t>1/17/2021</a:t>
             </a:fld>
             <a:endParaRPr lang="en-US"/>
           </a:p>
@@ -1950,7 +1950,7 @@
           <a:p>
             <a:fld id="{EA91886C-002B-40DC-BBAF-4CA608631BA0}" type="datetimeFigureOut">
               <a:rPr lang="en-US" smtClean="0"/>
-              <a:t>1/11/2021</a:t>
+              <a:t>1/17/2021</a:t>
             </a:fld>
             <a:endParaRPr lang="en-US"/>
           </a:p>
@@ -2195,7 +2195,7 @@
           <a:p>
             <a:fld id="{EA91886C-002B-40DC-BBAF-4CA608631BA0}" type="datetimeFigureOut">
               <a:rPr lang="en-US" smtClean="0"/>
-              <a:t>1/11/2021</a:t>
+              <a:t>1/17/2021</a:t>
             </a:fld>
             <a:endParaRPr lang="en-US"/>
           </a:p>
@@ -2480,7 +2480,7 @@
           <a:p>
             <a:fld id="{EA91886C-002B-40DC-BBAF-4CA608631BA0}" type="datetimeFigureOut">
               <a:rPr lang="en-US" smtClean="0"/>
-              <a:t>1/11/2021</a:t>
+              <a:t>1/17/2021</a:t>
             </a:fld>
             <a:endParaRPr lang="en-US"/>
           </a:p>
@@ -2899,7 +2899,7 @@
           <a:p>
             <a:fld id="{EA91886C-002B-40DC-BBAF-4CA608631BA0}" type="datetimeFigureOut">
               <a:rPr lang="en-US" smtClean="0"/>
-              <a:t>1/11/2021</a:t>
+              <a:t>1/17/2021</a:t>
             </a:fld>
             <a:endParaRPr lang="en-US"/>
           </a:p>
@@ -3016,7 +3016,7 @@
           <a:p>
             <a:fld id="{EA91886C-002B-40DC-BBAF-4CA608631BA0}" type="datetimeFigureOut">
               <a:rPr lang="en-US" smtClean="0"/>
-              <a:t>1/11/2021</a:t>
+              <a:t>1/17/2021</a:t>
             </a:fld>
             <a:endParaRPr lang="en-US"/>
           </a:p>
@@ -3111,7 +3111,7 @@
           <a:p>
             <a:fld id="{EA91886C-002B-40DC-BBAF-4CA608631BA0}" type="datetimeFigureOut">
               <a:rPr lang="en-US" smtClean="0"/>
-              <a:t>1/11/2021</a:t>
+              <a:t>1/17/2021</a:t>
             </a:fld>
             <a:endParaRPr lang="en-US"/>
           </a:p>
@@ -3386,7 +3386,7 @@
           <a:p>
             <a:fld id="{EA91886C-002B-40DC-BBAF-4CA608631BA0}" type="datetimeFigureOut">
               <a:rPr lang="en-US" smtClean="0"/>
-              <a:t>1/11/2021</a:t>
+              <a:t>1/17/2021</a:t>
             </a:fld>
             <a:endParaRPr lang="en-US"/>
           </a:p>
@@ -3638,7 +3638,7 @@
           <a:p>
             <a:fld id="{EA91886C-002B-40DC-BBAF-4CA608631BA0}" type="datetimeFigureOut">
               <a:rPr lang="en-US" smtClean="0"/>
-              <a:t>1/11/2021</a:t>
+              <a:t>1/17/2021</a:t>
             </a:fld>
             <a:endParaRPr lang="en-US"/>
           </a:p>
@@ -3849,7 +3849,7 @@
           <a:p>
             <a:fld id="{EA91886C-002B-40DC-BBAF-4CA608631BA0}" type="datetimeFigureOut">
               <a:rPr lang="en-US" smtClean="0"/>
-              <a:t>1/11/2021</a:t>
+              <a:t>1/17/2021</a:t>
             </a:fld>
             <a:endParaRPr lang="en-US"/>
           </a:p>
@@ -4328,7 +4328,7 @@
 </file>
 
 <file path=ppt/slides/slide10.xml><?xml version="1.0" encoding="utf-8"?>
-<p:sld xmlns:a="http://schemas.openxmlformats.org/drawingml/2006/main" xmlns:r="http://schemas.openxmlformats.org/officeDocument/2006/relationships" xmlns:p="http://schemas.openxmlformats.org/presentationml/2006/main">
+<p:sld xmlns:a="http://schemas.openxmlformats.org/drawingml/2006/main" xmlns:r="http://schemas.openxmlformats.org/officeDocument/2006/relationships" xmlns:p="http://schemas.openxmlformats.org/presentationml/2006/main" show="0">
   <p:cSld>
     <p:spTree>
       <p:nvGrpSpPr>

--- a/Pharmacy/UXUI/PagesUI.pptx
+++ b/Pharmacy/UXUI/PagesUI.pptx
@@ -5,7 +5,7 @@
     <p:sldMasterId id="2147483648" r:id="rId1"/>
   </p:sldMasterIdLst>
   <p:notesMasterIdLst>
-    <p:notesMasterId r:id="rId29"/>
+    <p:notesMasterId r:id="rId30"/>
   </p:notesMasterIdLst>
   <p:sldIdLst>
     <p:sldId id="261" r:id="rId2"/>
@@ -25,16 +25,17 @@
     <p:sldId id="275" r:id="rId16"/>
     <p:sldId id="276" r:id="rId17"/>
     <p:sldId id="277" r:id="rId18"/>
-    <p:sldId id="278" r:id="rId19"/>
-    <p:sldId id="279" r:id="rId20"/>
-    <p:sldId id="280" r:id="rId21"/>
-    <p:sldId id="281" r:id="rId22"/>
-    <p:sldId id="282" r:id="rId23"/>
-    <p:sldId id="285" r:id="rId24"/>
-    <p:sldId id="286" r:id="rId25"/>
-    <p:sldId id="284" r:id="rId26"/>
-    <p:sldId id="283" r:id="rId27"/>
-    <p:sldId id="256" r:id="rId28"/>
+    <p:sldId id="287" r:id="rId19"/>
+    <p:sldId id="278" r:id="rId20"/>
+    <p:sldId id="279" r:id="rId21"/>
+    <p:sldId id="280" r:id="rId22"/>
+    <p:sldId id="281" r:id="rId23"/>
+    <p:sldId id="282" r:id="rId24"/>
+    <p:sldId id="285" r:id="rId25"/>
+    <p:sldId id="286" r:id="rId26"/>
+    <p:sldId id="284" r:id="rId27"/>
+    <p:sldId id="283" r:id="rId28"/>
+    <p:sldId id="256" r:id="rId29"/>
   </p:sldIdLst>
   <p:sldSz cx="9144000" cy="6858000" type="screen4x3"/>
   <p:notesSz cx="6858000" cy="9144000"/>
@@ -585,6 +586,90 @@
 </p:notes>
 </file>
 
+<file path=ppt/notesSlides/notesSlide10.xml><?xml version="1.0" encoding="utf-8"?>
+<p:notes xmlns:a="http://schemas.openxmlformats.org/drawingml/2006/main" xmlns:r="http://schemas.openxmlformats.org/officeDocument/2006/relationships" xmlns:p="http://schemas.openxmlformats.org/presentationml/2006/main">
+  <p:cSld>
+    <p:spTree>
+      <p:nvGrpSpPr>
+        <p:cNvPr id="1" name=""/>
+        <p:cNvGrpSpPr/>
+        <p:nvPr/>
+      </p:nvGrpSpPr>
+      <p:grpSpPr>
+        <a:xfrm>
+          <a:off x="0" y="0"/>
+          <a:ext cx="0" cy="0"/>
+          <a:chOff x="0" y="0"/>
+          <a:chExt cx="0" cy="0"/>
+        </a:xfrm>
+      </p:grpSpPr>
+      <p:sp>
+        <p:nvSpPr>
+          <p:cNvPr id="2" name="Slide Image Placeholder 1"/>
+          <p:cNvSpPr>
+            <a:spLocks noGrp="1" noRot="1" noChangeAspect="1"/>
+          </p:cNvSpPr>
+          <p:nvPr>
+            <p:ph type="sldImg"/>
+          </p:nvPr>
+        </p:nvSpPr>
+        <p:spPr/>
+      </p:sp>
+      <p:sp>
+        <p:nvSpPr>
+          <p:cNvPr id="3" name="Notes Placeholder 2"/>
+          <p:cNvSpPr>
+            <a:spLocks noGrp="1"/>
+          </p:cNvSpPr>
+          <p:nvPr>
+            <p:ph type="body" idx="1"/>
+          </p:nvPr>
+        </p:nvSpPr>
+        <p:spPr/>
+        <p:txBody>
+          <a:bodyPr/>
+          <a:lstStyle/>
+          <a:p>
+            <a:endParaRPr lang="en-US" dirty="0"/>
+          </a:p>
+        </p:txBody>
+      </p:sp>
+      <p:sp>
+        <p:nvSpPr>
+          <p:cNvPr id="4" name="Slide Number Placeholder 3"/>
+          <p:cNvSpPr>
+            <a:spLocks noGrp="1"/>
+          </p:cNvSpPr>
+          <p:nvPr>
+            <p:ph type="sldNum" sz="quarter" idx="5"/>
+          </p:nvPr>
+        </p:nvSpPr>
+        <p:spPr/>
+        <p:txBody>
+          <a:bodyPr/>
+          <a:lstStyle/>
+          <a:p>
+            <a:fld id="{A6F3B38A-DAB2-4820-BD2E-7A10EE47D0F8}" type="slidenum">
+              <a:rPr lang="en-US" smtClean="0"/>
+              <a:t>25</a:t>
+            </a:fld>
+            <a:endParaRPr lang="en-US"/>
+          </a:p>
+        </p:txBody>
+      </p:sp>
+    </p:spTree>
+    <p:extLst>
+      <p:ext uri="{BB962C8B-B14F-4D97-AF65-F5344CB8AC3E}">
+        <p14:creationId xmlns:p14="http://schemas.microsoft.com/office/powerpoint/2010/main" val="2837512306"/>
+      </p:ext>
+    </p:extLst>
+  </p:cSld>
+  <p:clrMapOvr>
+    <a:masterClrMapping/>
+  </p:clrMapOvr>
+</p:notes>
+</file>
+
 <file path=ppt/notesSlides/notesSlide2.xml><?xml version="1.0" encoding="utf-8"?>
 <p:notes xmlns:a="http://schemas.openxmlformats.org/drawingml/2006/main" xmlns:r="http://schemas.openxmlformats.org/officeDocument/2006/relationships" xmlns:p="http://schemas.openxmlformats.org/presentationml/2006/main">
   <p:cSld>
@@ -1238,7 +1323,7 @@
           <a:p>
             <a:fld id="{A6F3B38A-DAB2-4820-BD2E-7A10EE47D0F8}" type="slidenum">
               <a:rPr lang="en-US" smtClean="0"/>
-              <a:t>24</a:t>
+              <a:t>18</a:t>
             </a:fld>
             <a:endParaRPr lang="en-US"/>
           </a:p>
@@ -1247,7 +1332,7 @@
     </p:spTree>
     <p:extLst>
       <p:ext uri="{BB962C8B-B14F-4D97-AF65-F5344CB8AC3E}">
-        <p14:creationId xmlns:p14="http://schemas.microsoft.com/office/powerpoint/2010/main" val="2837512306"/>
+        <p14:creationId xmlns:p14="http://schemas.microsoft.com/office/powerpoint/2010/main" val="1994639215"/>
       </p:ext>
     </p:extLst>
   </p:cSld>
@@ -12023,7 +12108,7 @@
 </file>
 
 <file path=ppt/slides/slide15.xml><?xml version="1.0" encoding="utf-8"?>
-<p:sld xmlns:a="http://schemas.openxmlformats.org/drawingml/2006/main" xmlns:r="http://schemas.openxmlformats.org/officeDocument/2006/relationships" xmlns:p="http://schemas.openxmlformats.org/presentationml/2006/main">
+<p:sld xmlns:a="http://schemas.openxmlformats.org/drawingml/2006/main" xmlns:r="http://schemas.openxmlformats.org/officeDocument/2006/relationships" xmlns:p="http://schemas.openxmlformats.org/presentationml/2006/main" show="0">
   <p:cSld>
     <p:spTree>
       <p:nvGrpSpPr>
@@ -13827,7 +13912,7 @@
         <p:spPr>
           <a:xfrm>
             <a:off x="424194" y="3805752"/>
-            <a:ext cx="1486380" cy="276999"/>
+            <a:ext cx="1792914" cy="276999"/>
           </a:xfrm>
           <a:prstGeom prst="rect">
             <a:avLst/>
@@ -13841,37 +13926,49 @@
           <a:lstStyle/>
           <a:p>
             <a:r>
-              <a:rPr lang="en-US" sz="1200" dirty="0" err="1">
+              <a:rPr lang="en-US" sz="1200" b="1" dirty="0" err="1">
                 <a:latin typeface="+mj-lt"/>
               </a:rPr>
               <a:t>Danh</a:t>
             </a:r>
             <a:r>
-              <a:rPr lang="en-US" sz="1200" dirty="0">
+              <a:rPr lang="en-US" sz="1200" b="1" dirty="0">
                 <a:latin typeface="+mj-lt"/>
               </a:rPr>
               <a:t> </a:t>
             </a:r>
             <a:r>
-              <a:rPr lang="en-US" sz="1200" dirty="0" err="1">
+              <a:rPr lang="en-US" sz="1200" b="1" dirty="0" err="1">
                 <a:latin typeface="+mj-lt"/>
               </a:rPr>
               <a:t>sách</a:t>
             </a:r>
             <a:r>
-              <a:rPr lang="en-US" sz="1200" dirty="0">
+              <a:rPr lang="en-US" sz="1200" b="1" dirty="0">
                 <a:latin typeface="+mj-lt"/>
               </a:rPr>
               <a:t> </a:t>
             </a:r>
             <a:r>
-              <a:rPr lang="en-US" sz="1200" dirty="0" err="1">
+              <a:rPr lang="en-US" sz="1200" b="1" dirty="0" err="1">
                 <a:latin typeface="+mj-lt"/>
               </a:rPr>
               <a:t>thuốc</a:t>
             </a:r>
             <a:r>
-              <a:rPr lang="en-US" sz="1200" dirty="0">
+              <a:rPr lang="en-US" sz="1200" b="1" dirty="0">
+                <a:latin typeface="+mj-lt"/>
+              </a:rPr>
+              <a:t> </a:t>
+            </a:r>
+            <a:r>
+              <a:rPr lang="en-US" sz="1200" b="1" dirty="0" err="1">
+                <a:latin typeface="+mj-lt"/>
+              </a:rPr>
+              <a:t>nhập</a:t>
+            </a:r>
+            <a:r>
+              <a:rPr lang="en-US" sz="1200" b="1" dirty="0">
                 <a:latin typeface="+mj-lt"/>
               </a:rPr>
               <a:t>:*</a:t>
@@ -14230,7 +14327,7 @@
         </p:nvSpPr>
         <p:spPr>
           <a:xfrm>
-            <a:off x="4572000" y="2359684"/>
+            <a:off x="422940" y="2359684"/>
             <a:ext cx="1496577" cy="276999"/>
           </a:xfrm>
           <a:prstGeom prst="rect">
@@ -14285,8 +14382,8 @@
         </p:nvSpPr>
         <p:spPr>
           <a:xfrm>
-            <a:off x="6019800" y="2342529"/>
-            <a:ext cx="2971800" cy="1100793"/>
+            <a:off x="1600200" y="2342529"/>
+            <a:ext cx="2780820" cy="1100793"/>
           </a:xfrm>
           <a:prstGeom prst="rect">
             <a:avLst/>
@@ -15211,7 +15308,7 @@
         <p:spPr>
           <a:xfrm>
             <a:off x="1449879" y="5634850"/>
-            <a:ext cx="1295400" cy="400110"/>
+            <a:ext cx="1295400" cy="338554"/>
           </a:xfrm>
           <a:prstGeom prst="rect">
             <a:avLst/>
@@ -15225,10 +15322,7 @@
           <a:lstStyle/>
           <a:p>
             <a:r>
-              <a:rPr lang="en-US" sz="2000" b="1" dirty="0">
-                <a:solidFill>
-                  <a:srgbClr val="FF0000"/>
-                </a:solidFill>
+              <a:rPr lang="en-US" sz="1600" b="1" dirty="0">
                 <a:latin typeface="+mj-lt"/>
               </a:rPr>
               <a:t>152,000</a:t>
@@ -15250,7 +15344,7 @@
         </p:nvSpPr>
         <p:spPr>
           <a:xfrm>
-            <a:off x="1771020" y="3790307"/>
+            <a:off x="2179596" y="3825852"/>
             <a:ext cx="2676962" cy="246221"/>
           </a:xfrm>
           <a:prstGeom prst="rect">
@@ -15306,7 +15400,7 @@
         </p:nvSpPr>
         <p:spPr>
           <a:xfrm>
-            <a:off x="2544941" y="3780000"/>
+            <a:off x="2953517" y="3815545"/>
             <a:ext cx="2350571" cy="261554"/>
           </a:xfrm>
           <a:prstGeom prst="rect">
@@ -15352,7 +15446,7 @@
         </p:nvSpPr>
         <p:spPr>
           <a:xfrm>
-            <a:off x="4913267" y="3768759"/>
+            <a:off x="5321843" y="3804304"/>
             <a:ext cx="1295400" cy="246221"/>
           </a:xfrm>
           <a:prstGeom prst="rect">
@@ -15407,7 +15501,7 @@
         </p:nvSpPr>
         <p:spPr>
           <a:xfrm>
-            <a:off x="5681986" y="3783441"/>
+            <a:off x="6090562" y="3818986"/>
             <a:ext cx="830510" cy="261554"/>
           </a:xfrm>
           <a:prstGeom prst="rect">
@@ -15453,7 +15547,7 @@
         </p:nvSpPr>
         <p:spPr>
           <a:xfrm>
-            <a:off x="6558131" y="3786340"/>
+            <a:off x="6966707" y="3821885"/>
             <a:ext cx="1295400" cy="246221"/>
           </a:xfrm>
           <a:prstGeom prst="rect">
@@ -15508,7 +15602,7 @@
         </p:nvSpPr>
         <p:spPr>
           <a:xfrm>
-            <a:off x="7211424" y="3788343"/>
+            <a:off x="7620000" y="3823888"/>
             <a:ext cx="830510" cy="261554"/>
           </a:xfrm>
           <a:prstGeom prst="rect">
@@ -15554,7 +15648,7 @@
         </p:nvSpPr>
         <p:spPr>
           <a:xfrm>
-            <a:off x="8181364" y="3775909"/>
+            <a:off x="8589940" y="3811454"/>
             <a:ext cx="325460" cy="256652"/>
           </a:xfrm>
           <a:prstGeom prst="roundRect">
@@ -15760,10 +15854,10 @@
       </p:sp>
       <p:sp>
         <p:nvSpPr>
-          <p:cNvPr id="68" name="TextBox 67">
-            <a:extLst>
-              <a:ext uri="{FF2B5EF4-FFF2-40B4-BE49-F238E27FC236}">
-                <a16:creationId xmlns:a16="http://schemas.microsoft.com/office/drawing/2014/main" id="{0BDFCA46-CCB5-44AC-BFB3-C575A3B9E361}"/>
+          <p:cNvPr id="36" name="TextBox 35">
+            <a:extLst>
+              <a:ext uri="{FF2B5EF4-FFF2-40B4-BE49-F238E27FC236}">
+                <a16:creationId xmlns:a16="http://schemas.microsoft.com/office/drawing/2014/main" id="{80626531-6842-43BF-A345-F1B8B4296706}"/>
               </a:ext>
             </a:extLst>
           </p:cNvPr>
@@ -15772,8 +15866,8 @@
         </p:nvSpPr>
         <p:spPr>
           <a:xfrm>
-            <a:off x="1449879" y="6404114"/>
-            <a:ext cx="1295400" cy="338554"/>
+            <a:off x="1460901" y="6411836"/>
+            <a:ext cx="1295400" cy="400110"/>
           </a:xfrm>
           <a:prstGeom prst="rect">
             <a:avLst/>
@@ -15787,7 +15881,10 @@
           <a:lstStyle/>
           <a:p>
             <a:r>
-              <a:rPr lang="en-US" sz="1600" dirty="0">
+              <a:rPr lang="en-US" sz="2000" b="1" dirty="0">
+                <a:solidFill>
+                  <a:srgbClr val="FF0000"/>
+                </a:solidFill>
                 <a:latin typeface="+mj-lt"/>
               </a:rPr>
               <a:t>152,000</a:t>
@@ -16818,376 +16915,6 @@
                 <a:latin typeface="+mj-lt"/>
               </a:rPr>
               <a:t>20/10/2020 19:30</a:t>
-            </a:r>
-          </a:p>
-        </p:txBody>
-      </p:sp>
-      <p:sp>
-        <p:nvSpPr>
-          <p:cNvPr id="35" name="TextBox 34">
-            <a:extLst>
-              <a:ext uri="{FF2B5EF4-FFF2-40B4-BE49-F238E27FC236}">
-                <a16:creationId xmlns:a16="http://schemas.microsoft.com/office/drawing/2014/main" id="{9B52F031-675C-4D31-A559-4D28AD9DC0D0}"/>
-              </a:ext>
-            </a:extLst>
-          </p:cNvPr>
-          <p:cNvSpPr txBox="1"/>
-          <p:nvPr/>
-        </p:nvSpPr>
-        <p:spPr>
-          <a:xfrm>
-            <a:off x="535479" y="5715000"/>
-            <a:ext cx="1295400" cy="276999"/>
-          </a:xfrm>
-          <a:prstGeom prst="rect">
-            <a:avLst/>
-          </a:prstGeom>
-          <a:noFill/>
-        </p:spPr>
-        <p:txBody>
-          <a:bodyPr wrap="square" rtlCol="0">
-            <a:spAutoFit/>
-          </a:bodyPr>
-          <a:lstStyle/>
-          <a:p>
-            <a:r>
-              <a:rPr lang="en-US" sz="1200" dirty="0" err="1">
-                <a:latin typeface="+mj-lt"/>
-              </a:rPr>
-              <a:t>Tổng</a:t>
-            </a:r>
-            <a:r>
-              <a:rPr lang="en-US" sz="1200" dirty="0">
-                <a:latin typeface="+mj-lt"/>
-              </a:rPr>
-              <a:t> </a:t>
-            </a:r>
-            <a:r>
-              <a:rPr lang="en-US" sz="1200" dirty="0" err="1">
-                <a:latin typeface="+mj-lt"/>
-              </a:rPr>
-              <a:t>cộng</a:t>
-            </a:r>
-            <a:r>
-              <a:rPr lang="en-US" sz="1200" dirty="0">
-                <a:latin typeface="+mj-lt"/>
-              </a:rPr>
-              <a:t>:</a:t>
-            </a:r>
-          </a:p>
-        </p:txBody>
-      </p:sp>
-      <p:sp>
-        <p:nvSpPr>
-          <p:cNvPr id="36" name="TextBox 35">
-            <a:extLst>
-              <a:ext uri="{FF2B5EF4-FFF2-40B4-BE49-F238E27FC236}">
-                <a16:creationId xmlns:a16="http://schemas.microsoft.com/office/drawing/2014/main" id="{9E8DF133-A558-4349-B807-8C9B346EA51D}"/>
-              </a:ext>
-            </a:extLst>
-          </p:cNvPr>
-          <p:cNvSpPr txBox="1"/>
-          <p:nvPr/>
-        </p:nvSpPr>
-        <p:spPr>
-          <a:xfrm>
-            <a:off x="1449879" y="5634850"/>
-            <a:ext cx="1295400" cy="400110"/>
-          </a:xfrm>
-          <a:prstGeom prst="rect">
-            <a:avLst/>
-          </a:prstGeom>
-          <a:noFill/>
-        </p:spPr>
-        <p:txBody>
-          <a:bodyPr wrap="square" rtlCol="0">
-            <a:spAutoFit/>
-          </a:bodyPr>
-          <a:lstStyle/>
-          <a:p>
-            <a:r>
-              <a:rPr lang="en-US" sz="2000" b="1" dirty="0">
-                <a:solidFill>
-                  <a:srgbClr val="FF0000"/>
-                </a:solidFill>
-                <a:latin typeface="+mj-lt"/>
-              </a:rPr>
-              <a:t>152,000</a:t>
-            </a:r>
-          </a:p>
-        </p:txBody>
-      </p:sp>
-      <p:sp>
-        <p:nvSpPr>
-          <p:cNvPr id="37" name="TextBox 36">
-            <a:extLst>
-              <a:ext uri="{FF2B5EF4-FFF2-40B4-BE49-F238E27FC236}">
-                <a16:creationId xmlns:a16="http://schemas.microsoft.com/office/drawing/2014/main" id="{4D86476F-DB56-4F39-BFDD-326428CD24E4}"/>
-              </a:ext>
-            </a:extLst>
-          </p:cNvPr>
-          <p:cNvSpPr txBox="1"/>
-          <p:nvPr/>
-        </p:nvSpPr>
-        <p:spPr>
-          <a:xfrm>
-            <a:off x="500345" y="6088785"/>
-            <a:ext cx="2676962" cy="276999"/>
-          </a:xfrm>
-          <a:prstGeom prst="rect">
-            <a:avLst/>
-          </a:prstGeom>
-          <a:noFill/>
-        </p:spPr>
-        <p:txBody>
-          <a:bodyPr wrap="square" rtlCol="0">
-            <a:spAutoFit/>
-          </a:bodyPr>
-          <a:lstStyle/>
-          <a:p>
-            <a:r>
-              <a:rPr lang="en-US" sz="1200" dirty="0" err="1">
-                <a:sym typeface="Wingdings" panose="05000000000000000000" pitchFamily="2" charset="2"/>
-              </a:rPr>
-              <a:t>Đã</a:t>
-            </a:r>
-            <a:r>
-              <a:rPr lang="en-US" sz="1200" dirty="0">
-                <a:sym typeface="Wingdings" panose="05000000000000000000" pitchFamily="2" charset="2"/>
-              </a:rPr>
-              <a:t> </a:t>
-            </a:r>
-            <a:r>
-              <a:rPr lang="en-US" sz="1200" dirty="0" err="1">
-                <a:sym typeface="Wingdings" panose="05000000000000000000" pitchFamily="2" charset="2"/>
-              </a:rPr>
-              <a:t>thanh</a:t>
-            </a:r>
-            <a:r>
-              <a:rPr lang="en-US" sz="1200" dirty="0">
-                <a:sym typeface="Wingdings" panose="05000000000000000000" pitchFamily="2" charset="2"/>
-              </a:rPr>
-              <a:t> </a:t>
-            </a:r>
-            <a:r>
-              <a:rPr lang="en-US" sz="1200" dirty="0" err="1">
-                <a:sym typeface="Wingdings" panose="05000000000000000000" pitchFamily="2" charset="2"/>
-              </a:rPr>
-              <a:t>toán</a:t>
-            </a:r>
-            <a:r>
-              <a:rPr lang="en-US" sz="1200" dirty="0">
-                <a:sym typeface="Wingdings" panose="05000000000000000000" pitchFamily="2" charset="2"/>
-              </a:rPr>
-              <a:t>:*</a:t>
-            </a:r>
-            <a:endParaRPr lang="en-US" sz="1200" dirty="0"/>
-          </a:p>
-        </p:txBody>
-      </p:sp>
-      <p:sp>
-        <p:nvSpPr>
-          <p:cNvPr id="40" name="Rectangle 39">
-            <a:extLst>
-              <a:ext uri="{FF2B5EF4-FFF2-40B4-BE49-F238E27FC236}">
-                <a16:creationId xmlns:a16="http://schemas.microsoft.com/office/drawing/2014/main" id="{1D20A5E2-1D1B-488A-8530-3077797C4D1D}"/>
-              </a:ext>
-            </a:extLst>
-          </p:cNvPr>
-          <p:cNvSpPr/>
-          <p:nvPr/>
-        </p:nvSpPr>
-        <p:spPr>
-          <a:xfrm>
-            <a:off x="1704055" y="6088785"/>
-            <a:ext cx="2179459" cy="261554"/>
-          </a:xfrm>
-          <a:prstGeom prst="rect">
-            <a:avLst/>
-          </a:prstGeom>
-        </p:spPr>
-        <p:style>
-          <a:lnRef idx="2">
-            <a:schemeClr val="dk1"/>
-          </a:lnRef>
-          <a:fillRef idx="1">
-            <a:schemeClr val="lt1"/>
-          </a:fillRef>
-          <a:effectRef idx="0">
-            <a:schemeClr val="dk1"/>
-          </a:effectRef>
-          <a:fontRef idx="minor">
-            <a:schemeClr val="dk1"/>
-          </a:fontRef>
-        </p:style>
-        <p:txBody>
-          <a:bodyPr rtlCol="0" anchor="ctr"/>
-          <a:lstStyle/>
-          <a:p>
-            <a:r>
-              <a:rPr lang="en-US" sz="1200" dirty="0">
-                <a:latin typeface="+mj-lt"/>
-              </a:rPr>
-              <a:t>0</a:t>
-            </a:r>
-          </a:p>
-        </p:txBody>
-      </p:sp>
-      <p:sp>
-        <p:nvSpPr>
-          <p:cNvPr id="48" name="TextBox 47">
-            <a:extLst>
-              <a:ext uri="{FF2B5EF4-FFF2-40B4-BE49-F238E27FC236}">
-                <a16:creationId xmlns:a16="http://schemas.microsoft.com/office/drawing/2014/main" id="{2B4DC447-5BCA-474B-AADF-D4C4C0A2C8CD}"/>
-              </a:ext>
-            </a:extLst>
-          </p:cNvPr>
-          <p:cNvSpPr txBox="1"/>
-          <p:nvPr/>
-        </p:nvSpPr>
-        <p:spPr>
-          <a:xfrm>
-            <a:off x="509353" y="6473392"/>
-            <a:ext cx="1295400" cy="276999"/>
-          </a:xfrm>
-          <a:prstGeom prst="rect">
-            <a:avLst/>
-          </a:prstGeom>
-          <a:noFill/>
-        </p:spPr>
-        <p:txBody>
-          <a:bodyPr wrap="square" rtlCol="0">
-            <a:spAutoFit/>
-          </a:bodyPr>
-          <a:lstStyle/>
-          <a:p>
-            <a:r>
-              <a:rPr lang="en-US" sz="1200" dirty="0" err="1">
-                <a:latin typeface="+mj-lt"/>
-              </a:rPr>
-              <a:t>Còn</a:t>
-            </a:r>
-            <a:r>
-              <a:rPr lang="en-US" sz="1200" dirty="0">
-                <a:latin typeface="+mj-lt"/>
-              </a:rPr>
-              <a:t> </a:t>
-            </a:r>
-            <a:r>
-              <a:rPr lang="en-US" sz="1200" dirty="0" err="1">
-                <a:latin typeface="+mj-lt"/>
-              </a:rPr>
-              <a:t>lại</a:t>
-            </a:r>
-            <a:r>
-              <a:rPr lang="en-US" sz="1200" dirty="0">
-                <a:latin typeface="+mj-lt"/>
-              </a:rPr>
-              <a:t>:</a:t>
-            </a:r>
-          </a:p>
-        </p:txBody>
-      </p:sp>
-      <p:sp>
-        <p:nvSpPr>
-          <p:cNvPr id="49" name="TextBox 48">
-            <a:extLst>
-              <a:ext uri="{FF2B5EF4-FFF2-40B4-BE49-F238E27FC236}">
-                <a16:creationId xmlns:a16="http://schemas.microsoft.com/office/drawing/2014/main" id="{A3F02186-B2F0-420B-8289-FD1D72EE3FFC}"/>
-              </a:ext>
-            </a:extLst>
-          </p:cNvPr>
-          <p:cNvSpPr txBox="1"/>
-          <p:nvPr/>
-        </p:nvSpPr>
-        <p:spPr>
-          <a:xfrm>
-            <a:off x="1449879" y="6404114"/>
-            <a:ext cx="1295400" cy="338554"/>
-          </a:xfrm>
-          <a:prstGeom prst="rect">
-            <a:avLst/>
-          </a:prstGeom>
-          <a:noFill/>
-        </p:spPr>
-        <p:txBody>
-          <a:bodyPr wrap="square" rtlCol="0">
-            <a:spAutoFit/>
-          </a:bodyPr>
-          <a:lstStyle/>
-          <a:p>
-            <a:r>
-              <a:rPr lang="en-US" sz="1600" dirty="0">
-                <a:latin typeface="+mj-lt"/>
-              </a:rPr>
-              <a:t>152,000</a:t>
-            </a:r>
-          </a:p>
-        </p:txBody>
-      </p:sp>
-      <p:sp>
-        <p:nvSpPr>
-          <p:cNvPr id="39" name="TextBox 38">
-            <a:extLst>
-              <a:ext uri="{FF2B5EF4-FFF2-40B4-BE49-F238E27FC236}">
-                <a16:creationId xmlns:a16="http://schemas.microsoft.com/office/drawing/2014/main" id="{4C71F624-40A6-41EE-BDCD-7D44E117F542}"/>
-              </a:ext>
-            </a:extLst>
-          </p:cNvPr>
-          <p:cNvSpPr txBox="1"/>
-          <p:nvPr/>
-        </p:nvSpPr>
-        <p:spPr>
-          <a:xfrm>
-            <a:off x="424194" y="3805752"/>
-            <a:ext cx="1486380" cy="276999"/>
-          </a:xfrm>
-          <a:prstGeom prst="rect">
-            <a:avLst/>
-          </a:prstGeom>
-          <a:noFill/>
-        </p:spPr>
-        <p:txBody>
-          <a:bodyPr wrap="square" rtlCol="0">
-            <a:spAutoFit/>
-          </a:bodyPr>
-          <a:lstStyle/>
-          <a:p>
-            <a:r>
-              <a:rPr lang="en-US" sz="1200" dirty="0" err="1">
-                <a:latin typeface="+mj-lt"/>
-              </a:rPr>
-              <a:t>Danh</a:t>
-            </a:r>
-            <a:r>
-              <a:rPr lang="en-US" sz="1200" dirty="0">
-                <a:latin typeface="+mj-lt"/>
-              </a:rPr>
-              <a:t> </a:t>
-            </a:r>
-            <a:r>
-              <a:rPr lang="en-US" sz="1200" dirty="0" err="1">
-                <a:latin typeface="+mj-lt"/>
-              </a:rPr>
-              <a:t>sách</a:t>
-            </a:r>
-            <a:r>
-              <a:rPr lang="en-US" sz="1200" dirty="0">
-                <a:latin typeface="+mj-lt"/>
-              </a:rPr>
-              <a:t> </a:t>
-            </a:r>
-            <a:r>
-              <a:rPr lang="en-US" sz="1200" dirty="0" err="1">
-                <a:latin typeface="+mj-lt"/>
-              </a:rPr>
-              <a:t>thuốc</a:t>
-            </a:r>
-            <a:r>
-              <a:rPr lang="en-US" sz="1200" dirty="0">
-                <a:latin typeface="+mj-lt"/>
-              </a:rPr>
-              <a:t>:*</a:t>
             </a:r>
           </a:p>
         </p:txBody>
@@ -17793,10 +17520,10 @@
       </p:pic>
       <p:sp>
         <p:nvSpPr>
-          <p:cNvPr id="44" name="TextBox 43">
-            <a:extLst>
-              <a:ext uri="{FF2B5EF4-FFF2-40B4-BE49-F238E27FC236}">
-                <a16:creationId xmlns:a16="http://schemas.microsoft.com/office/drawing/2014/main" id="{159C924A-BAB9-4F70-98EE-2C236BD81870}"/>
+          <p:cNvPr id="65" name="TextBox 64">
+            <a:extLst>
+              <a:ext uri="{FF2B5EF4-FFF2-40B4-BE49-F238E27FC236}">
+                <a16:creationId xmlns:a16="http://schemas.microsoft.com/office/drawing/2014/main" id="{611DF8EE-0FF6-446B-A5A5-5F97BF1EE171}"/>
               </a:ext>
             </a:extLst>
           </p:cNvPr>
@@ -17805,8 +17532,8 @@
         </p:nvSpPr>
         <p:spPr>
           <a:xfrm>
-            <a:off x="1771020" y="3790307"/>
-            <a:ext cx="2676962" cy="246221"/>
+            <a:off x="535479" y="5715000"/>
+            <a:ext cx="1295400" cy="276999"/>
           </a:xfrm>
           <a:prstGeom prst="rect">
             <a:avLst/>
@@ -17820,39 +17547,143 @@
           <a:lstStyle/>
           <a:p>
             <a:r>
-              <a:rPr lang="en-US" sz="1000" dirty="0" err="1">
+              <a:rPr lang="en-US" sz="1200" dirty="0" err="1">
+                <a:latin typeface="+mj-lt"/>
+              </a:rPr>
+              <a:t>Tổng</a:t>
+            </a:r>
+            <a:r>
+              <a:rPr lang="en-US" sz="1200" dirty="0">
+                <a:latin typeface="+mj-lt"/>
+              </a:rPr>
+              <a:t> </a:t>
+            </a:r>
+            <a:r>
+              <a:rPr lang="en-US" sz="1200" dirty="0" err="1">
+                <a:latin typeface="+mj-lt"/>
+              </a:rPr>
+              <a:t>cộng</a:t>
+            </a:r>
+            <a:r>
+              <a:rPr lang="en-US" sz="1200" dirty="0">
+                <a:latin typeface="+mj-lt"/>
+              </a:rPr>
+              <a:t>:</a:t>
+            </a:r>
+          </a:p>
+        </p:txBody>
+      </p:sp>
+      <p:sp>
+        <p:nvSpPr>
+          <p:cNvPr id="66" name="TextBox 65">
+            <a:extLst>
+              <a:ext uri="{FF2B5EF4-FFF2-40B4-BE49-F238E27FC236}">
+                <a16:creationId xmlns:a16="http://schemas.microsoft.com/office/drawing/2014/main" id="{F6E7464D-71F5-44F6-99CD-0CF7156AE6DF}"/>
+              </a:ext>
+            </a:extLst>
+          </p:cNvPr>
+          <p:cNvSpPr txBox="1"/>
+          <p:nvPr/>
+        </p:nvSpPr>
+        <p:spPr>
+          <a:xfrm>
+            <a:off x="1449879" y="5634850"/>
+            <a:ext cx="1295400" cy="338554"/>
+          </a:xfrm>
+          <a:prstGeom prst="rect">
+            <a:avLst/>
+          </a:prstGeom>
+          <a:noFill/>
+        </p:spPr>
+        <p:txBody>
+          <a:bodyPr wrap="square" rtlCol="0">
+            <a:spAutoFit/>
+          </a:bodyPr>
+          <a:lstStyle/>
+          <a:p>
+            <a:r>
+              <a:rPr lang="en-US" sz="1600" b="1" dirty="0">
+                <a:latin typeface="+mj-lt"/>
+              </a:rPr>
+              <a:t>152,000</a:t>
+            </a:r>
+          </a:p>
+        </p:txBody>
+      </p:sp>
+      <p:sp>
+        <p:nvSpPr>
+          <p:cNvPr id="67" name="TextBox 66">
+            <a:extLst>
+              <a:ext uri="{FF2B5EF4-FFF2-40B4-BE49-F238E27FC236}">
+                <a16:creationId xmlns:a16="http://schemas.microsoft.com/office/drawing/2014/main" id="{FEA23420-2DDE-419D-BAA0-5D4C76EC1B72}"/>
+              </a:ext>
+            </a:extLst>
+          </p:cNvPr>
+          <p:cNvSpPr txBox="1"/>
+          <p:nvPr/>
+        </p:nvSpPr>
+        <p:spPr>
+          <a:xfrm>
+            <a:off x="500345" y="6088785"/>
+            <a:ext cx="2676962" cy="276999"/>
+          </a:xfrm>
+          <a:prstGeom prst="rect">
+            <a:avLst/>
+          </a:prstGeom>
+          <a:noFill/>
+        </p:spPr>
+        <p:txBody>
+          <a:bodyPr wrap="square" rtlCol="0">
+            <a:spAutoFit/>
+          </a:bodyPr>
+          <a:lstStyle/>
+          <a:p>
+            <a:r>
+              <a:rPr lang="en-US" sz="1200" dirty="0" err="1">
                 <a:sym typeface="Wingdings" panose="05000000000000000000" pitchFamily="2" charset="2"/>
               </a:rPr>
-              <a:t>Tìm</a:t>
-            </a:r>
-            <a:r>
-              <a:rPr lang="en-US" sz="1000" dirty="0">
+              <a:t>Đã</a:t>
+            </a:r>
+            <a:r>
+              <a:rPr lang="en-US" sz="1200" dirty="0">
                 <a:sym typeface="Wingdings" panose="05000000000000000000" pitchFamily="2" charset="2"/>
               </a:rPr>
               <a:t> </a:t>
             </a:r>
             <a:r>
-              <a:rPr lang="en-US" sz="1000" dirty="0" err="1">
+              <a:rPr lang="en-US" sz="1200" dirty="0" err="1">
                 <a:sym typeface="Wingdings" panose="05000000000000000000" pitchFamily="2" charset="2"/>
               </a:rPr>
-              <a:t>kiếm</a:t>
-            </a:r>
-            <a:r>
-              <a:rPr lang="en-US" sz="1000" dirty="0">
+              <a:t>thanh</a:t>
+            </a:r>
+            <a:r>
+              <a:rPr lang="en-US" sz="1200" dirty="0">
                 <a:sym typeface="Wingdings" panose="05000000000000000000" pitchFamily="2" charset="2"/>
               </a:rPr>
-              <a:t>:</a:t>
-            </a:r>
-            <a:endParaRPr lang="en-US" sz="1000" dirty="0"/>
-          </a:p>
-        </p:txBody>
-      </p:sp>
-      <p:sp>
-        <p:nvSpPr>
-          <p:cNvPr id="45" name="Rectangle 44">
-            <a:extLst>
-              <a:ext uri="{FF2B5EF4-FFF2-40B4-BE49-F238E27FC236}">
-                <a16:creationId xmlns:a16="http://schemas.microsoft.com/office/drawing/2014/main" id="{733821FB-A144-450F-A525-F435896F24F5}"/>
+              <a:t> </a:t>
+            </a:r>
+            <a:r>
+              <a:rPr lang="en-US" sz="1200" dirty="0" err="1">
+                <a:sym typeface="Wingdings" panose="05000000000000000000" pitchFamily="2" charset="2"/>
+              </a:rPr>
+              <a:t>toán</a:t>
+            </a:r>
+            <a:r>
+              <a:rPr lang="en-US" sz="1200" dirty="0">
+                <a:sym typeface="Wingdings" panose="05000000000000000000" pitchFamily="2" charset="2"/>
+              </a:rPr>
+              <a:t>:*</a:t>
+            </a:r>
+            <a:endParaRPr lang="en-US" sz="1200" dirty="0"/>
+          </a:p>
+        </p:txBody>
+      </p:sp>
+      <p:sp>
+        <p:nvSpPr>
+          <p:cNvPr id="68" name="Rectangle 67">
+            <a:extLst>
+              <a:ext uri="{FF2B5EF4-FFF2-40B4-BE49-F238E27FC236}">
+                <a16:creationId xmlns:a16="http://schemas.microsoft.com/office/drawing/2014/main" id="{F0E5F963-CEEF-4589-9275-C7AC03734243}"/>
               </a:ext>
             </a:extLst>
           </p:cNvPr>
@@ -17861,8 +17692,8 @@
         </p:nvSpPr>
         <p:spPr>
           <a:xfrm>
-            <a:off x="2544941" y="3780000"/>
-            <a:ext cx="2350571" cy="261554"/>
+            <a:off x="1704055" y="6088785"/>
+            <a:ext cx="2179459" cy="261554"/>
           </a:xfrm>
           <a:prstGeom prst="rect">
             <a:avLst/>
@@ -17886,19 +17717,21 @@
           <a:bodyPr rtlCol="0" anchor="ctr"/>
           <a:lstStyle/>
           <a:p>
-            <a:pPr algn="ctr"/>
-            <a:endParaRPr lang="en-US" sz="1200">
-              <a:latin typeface="+mj-lt"/>
-            </a:endParaRPr>
-          </a:p>
-        </p:txBody>
-      </p:sp>
-      <p:sp>
-        <p:nvSpPr>
-          <p:cNvPr id="46" name="TextBox 45">
-            <a:extLst>
-              <a:ext uri="{FF2B5EF4-FFF2-40B4-BE49-F238E27FC236}">
-                <a16:creationId xmlns:a16="http://schemas.microsoft.com/office/drawing/2014/main" id="{B2BCB21D-ADDC-4636-A63A-769412B9DF89}"/>
+            <a:r>
+              <a:rPr lang="en-US" sz="1200" dirty="0">
+                <a:latin typeface="+mj-lt"/>
+              </a:rPr>
+              <a:t>0</a:t>
+            </a:r>
+          </a:p>
+        </p:txBody>
+      </p:sp>
+      <p:sp>
+        <p:nvSpPr>
+          <p:cNvPr id="69" name="TextBox 68">
+            <a:extLst>
+              <a:ext uri="{FF2B5EF4-FFF2-40B4-BE49-F238E27FC236}">
+                <a16:creationId xmlns:a16="http://schemas.microsoft.com/office/drawing/2014/main" id="{1B7138D9-E098-43EC-9792-4B21C058EB93}"/>
               </a:ext>
             </a:extLst>
           </p:cNvPr>
@@ -17907,8 +17740,8 @@
         </p:nvSpPr>
         <p:spPr>
           <a:xfrm>
-            <a:off x="4913267" y="3768759"/>
-            <a:ext cx="1295400" cy="246221"/>
+            <a:off x="509353" y="6473392"/>
+            <a:ext cx="1295400" cy="276999"/>
           </a:xfrm>
           <a:prstGeom prst="rect">
             <a:avLst/>
@@ -17922,38 +17755,213 @@
           <a:lstStyle/>
           <a:p>
             <a:r>
+              <a:rPr lang="en-US" sz="1200" dirty="0" err="1">
+                <a:latin typeface="+mj-lt"/>
+              </a:rPr>
+              <a:t>Còn</a:t>
+            </a:r>
+            <a:r>
+              <a:rPr lang="en-US" sz="1200" dirty="0">
+                <a:latin typeface="+mj-lt"/>
+              </a:rPr>
+              <a:t> </a:t>
+            </a:r>
+            <a:r>
+              <a:rPr lang="en-US" sz="1200" dirty="0" err="1">
+                <a:latin typeface="+mj-lt"/>
+              </a:rPr>
+              <a:t>lại</a:t>
+            </a:r>
+            <a:r>
+              <a:rPr lang="en-US" sz="1200" dirty="0">
+                <a:latin typeface="+mj-lt"/>
+              </a:rPr>
+              <a:t>:</a:t>
+            </a:r>
+          </a:p>
+        </p:txBody>
+      </p:sp>
+      <p:sp>
+        <p:nvSpPr>
+          <p:cNvPr id="70" name="TextBox 69">
+            <a:extLst>
+              <a:ext uri="{FF2B5EF4-FFF2-40B4-BE49-F238E27FC236}">
+                <a16:creationId xmlns:a16="http://schemas.microsoft.com/office/drawing/2014/main" id="{B4462DC0-3876-4701-BC38-5B30062A2AFB}"/>
+              </a:ext>
+            </a:extLst>
+          </p:cNvPr>
+          <p:cNvSpPr txBox="1"/>
+          <p:nvPr/>
+        </p:nvSpPr>
+        <p:spPr>
+          <a:xfrm>
+            <a:off x="1460901" y="6411836"/>
+            <a:ext cx="1295400" cy="400110"/>
+          </a:xfrm>
+          <a:prstGeom prst="rect">
+            <a:avLst/>
+          </a:prstGeom>
+          <a:noFill/>
+        </p:spPr>
+        <p:txBody>
+          <a:bodyPr wrap="square" rtlCol="0">
+            <a:spAutoFit/>
+          </a:bodyPr>
+          <a:lstStyle/>
+          <a:p>
+            <a:r>
+              <a:rPr lang="en-US" sz="2000" b="1" dirty="0">
+                <a:solidFill>
+                  <a:srgbClr val="FF0000"/>
+                </a:solidFill>
+                <a:latin typeface="+mj-lt"/>
+              </a:rPr>
+              <a:t>152,000</a:t>
+            </a:r>
+          </a:p>
+        </p:txBody>
+      </p:sp>
+      <p:sp>
+        <p:nvSpPr>
+          <p:cNvPr id="71" name="TextBox 70">
+            <a:extLst>
+              <a:ext uri="{FF2B5EF4-FFF2-40B4-BE49-F238E27FC236}">
+                <a16:creationId xmlns:a16="http://schemas.microsoft.com/office/drawing/2014/main" id="{422EA802-DE61-43CB-B2C2-BD4E306CFC31}"/>
+              </a:ext>
+            </a:extLst>
+          </p:cNvPr>
+          <p:cNvSpPr txBox="1"/>
+          <p:nvPr/>
+        </p:nvSpPr>
+        <p:spPr>
+          <a:xfrm>
+            <a:off x="424194" y="3805752"/>
+            <a:ext cx="1792914" cy="276999"/>
+          </a:xfrm>
+          <a:prstGeom prst="rect">
+            <a:avLst/>
+          </a:prstGeom>
+          <a:noFill/>
+        </p:spPr>
+        <p:txBody>
+          <a:bodyPr wrap="square" rtlCol="0">
+            <a:spAutoFit/>
+          </a:bodyPr>
+          <a:lstStyle/>
+          <a:p>
+            <a:r>
+              <a:rPr lang="en-US" sz="1200" b="1" dirty="0" err="1">
+                <a:latin typeface="+mj-lt"/>
+              </a:rPr>
+              <a:t>Danh</a:t>
+            </a:r>
+            <a:r>
+              <a:rPr lang="en-US" sz="1200" b="1" dirty="0">
+                <a:latin typeface="+mj-lt"/>
+              </a:rPr>
+              <a:t> </a:t>
+            </a:r>
+            <a:r>
+              <a:rPr lang="en-US" sz="1200" b="1" dirty="0" err="1">
+                <a:latin typeface="+mj-lt"/>
+              </a:rPr>
+              <a:t>sách</a:t>
+            </a:r>
+            <a:r>
+              <a:rPr lang="en-US" sz="1200" b="1" dirty="0">
+                <a:latin typeface="+mj-lt"/>
+              </a:rPr>
+              <a:t> </a:t>
+            </a:r>
+            <a:r>
+              <a:rPr lang="en-US" sz="1200" b="1" dirty="0" err="1">
+                <a:latin typeface="+mj-lt"/>
+              </a:rPr>
+              <a:t>thuốc</a:t>
+            </a:r>
+            <a:r>
+              <a:rPr lang="en-US" sz="1200" b="1" dirty="0">
+                <a:latin typeface="+mj-lt"/>
+              </a:rPr>
+              <a:t> </a:t>
+            </a:r>
+            <a:r>
+              <a:rPr lang="en-US" sz="1200" b="1" dirty="0" err="1">
+                <a:latin typeface="+mj-lt"/>
+              </a:rPr>
+              <a:t>nhập</a:t>
+            </a:r>
+            <a:r>
+              <a:rPr lang="en-US" sz="1200" b="1" dirty="0">
+                <a:latin typeface="+mj-lt"/>
+              </a:rPr>
+              <a:t>:*</a:t>
+            </a:r>
+          </a:p>
+        </p:txBody>
+      </p:sp>
+      <p:sp>
+        <p:nvSpPr>
+          <p:cNvPr id="72" name="TextBox 71">
+            <a:extLst>
+              <a:ext uri="{FF2B5EF4-FFF2-40B4-BE49-F238E27FC236}">
+                <a16:creationId xmlns:a16="http://schemas.microsoft.com/office/drawing/2014/main" id="{04887649-12D0-4605-ABB9-2C89BE9B86C3}"/>
+              </a:ext>
+            </a:extLst>
+          </p:cNvPr>
+          <p:cNvSpPr txBox="1"/>
+          <p:nvPr/>
+        </p:nvSpPr>
+        <p:spPr>
+          <a:xfrm>
+            <a:off x="2179596" y="3825852"/>
+            <a:ext cx="2676962" cy="246221"/>
+          </a:xfrm>
+          <a:prstGeom prst="rect">
+            <a:avLst/>
+          </a:prstGeom>
+          <a:noFill/>
+        </p:spPr>
+        <p:txBody>
+          <a:bodyPr wrap="square" rtlCol="0">
+            <a:spAutoFit/>
+          </a:bodyPr>
+          <a:lstStyle/>
+          <a:p>
+            <a:r>
               <a:rPr lang="en-US" sz="1000" dirty="0" err="1">
-                <a:latin typeface="+mj-lt"/>
-              </a:rPr>
-              <a:t>Số</a:t>
+                <a:sym typeface="Wingdings" panose="05000000000000000000" pitchFamily="2" charset="2"/>
+              </a:rPr>
+              <a:t>Tìm</a:t>
             </a:r>
             <a:r>
               <a:rPr lang="en-US" sz="1000" dirty="0">
-                <a:latin typeface="+mj-lt"/>
+                <a:sym typeface="Wingdings" panose="05000000000000000000" pitchFamily="2" charset="2"/>
               </a:rPr>
               <a:t> </a:t>
             </a:r>
             <a:r>
               <a:rPr lang="en-US" sz="1000" dirty="0" err="1">
-                <a:latin typeface="+mj-lt"/>
-              </a:rPr>
-              <a:t>lượng</a:t>
+                <a:sym typeface="Wingdings" panose="05000000000000000000" pitchFamily="2" charset="2"/>
+              </a:rPr>
+              <a:t>kiếm</a:t>
             </a:r>
             <a:r>
               <a:rPr lang="en-US" sz="1000" dirty="0">
-                <a:latin typeface="+mj-lt"/>
+                <a:sym typeface="Wingdings" panose="05000000000000000000" pitchFamily="2" charset="2"/>
               </a:rPr>
               <a:t>:</a:t>
             </a:r>
-          </a:p>
-        </p:txBody>
-      </p:sp>
-      <p:sp>
-        <p:nvSpPr>
-          <p:cNvPr id="50" name="Rectangle 49">
-            <a:extLst>
-              <a:ext uri="{FF2B5EF4-FFF2-40B4-BE49-F238E27FC236}">
-                <a16:creationId xmlns:a16="http://schemas.microsoft.com/office/drawing/2014/main" id="{AD827624-0269-4002-9DF4-6D1732A7D877}"/>
+            <a:endParaRPr lang="en-US" sz="1000" dirty="0"/>
+          </a:p>
+        </p:txBody>
+      </p:sp>
+      <p:sp>
+        <p:nvSpPr>
+          <p:cNvPr id="73" name="Rectangle 72">
+            <a:extLst>
+              <a:ext uri="{FF2B5EF4-FFF2-40B4-BE49-F238E27FC236}">
+                <a16:creationId xmlns:a16="http://schemas.microsoft.com/office/drawing/2014/main" id="{F720F3AA-E34E-4FD7-B375-B850AB0E7D56}"/>
               </a:ext>
             </a:extLst>
           </p:cNvPr>
@@ -17962,8 +17970,8 @@
         </p:nvSpPr>
         <p:spPr>
           <a:xfrm>
-            <a:off x="5681986" y="3783441"/>
-            <a:ext cx="830510" cy="261554"/>
+            <a:off x="2953517" y="3815545"/>
+            <a:ext cx="2350571" cy="261554"/>
           </a:xfrm>
           <a:prstGeom prst="rect">
             <a:avLst/>
@@ -17996,10 +18004,10 @@
       </p:sp>
       <p:sp>
         <p:nvSpPr>
-          <p:cNvPr id="51" name="TextBox 50">
-            <a:extLst>
-              <a:ext uri="{FF2B5EF4-FFF2-40B4-BE49-F238E27FC236}">
-                <a16:creationId xmlns:a16="http://schemas.microsoft.com/office/drawing/2014/main" id="{0CD6DDA8-2E4B-465E-97E0-E664BFE291ED}"/>
+          <p:cNvPr id="74" name="TextBox 73">
+            <a:extLst>
+              <a:ext uri="{FF2B5EF4-FFF2-40B4-BE49-F238E27FC236}">
+                <a16:creationId xmlns:a16="http://schemas.microsoft.com/office/drawing/2014/main" id="{21ABF510-B58B-4BC3-90F9-D1980EDCFF5F}"/>
               </a:ext>
             </a:extLst>
           </p:cNvPr>
@@ -18008,7 +18016,7 @@
         </p:nvSpPr>
         <p:spPr>
           <a:xfrm>
-            <a:off x="6558131" y="3786340"/>
+            <a:off x="5321843" y="3804304"/>
             <a:ext cx="1295400" cy="246221"/>
           </a:xfrm>
           <a:prstGeom prst="rect">
@@ -18026,7 +18034,7 @@
               <a:rPr lang="en-US" sz="1000" dirty="0" err="1">
                 <a:latin typeface="+mj-lt"/>
               </a:rPr>
-              <a:t>Đơn</a:t>
+              <a:t>Số</a:t>
             </a:r>
             <a:r>
               <a:rPr lang="en-US" sz="1000" dirty="0">
@@ -18038,7 +18046,7 @@
               <a:rPr lang="en-US" sz="1000" dirty="0" err="1">
                 <a:latin typeface="+mj-lt"/>
               </a:rPr>
-              <a:t>giá</a:t>
+              <a:t>lượng</a:t>
             </a:r>
             <a:r>
               <a:rPr lang="en-US" sz="1000" dirty="0">
@@ -18051,10 +18059,10 @@
       </p:sp>
       <p:sp>
         <p:nvSpPr>
-          <p:cNvPr id="52" name="Rectangle 51">
-            <a:extLst>
-              <a:ext uri="{FF2B5EF4-FFF2-40B4-BE49-F238E27FC236}">
-                <a16:creationId xmlns:a16="http://schemas.microsoft.com/office/drawing/2014/main" id="{4244D757-F192-430C-B9BA-2790D21B73D1}"/>
+          <p:cNvPr id="75" name="Rectangle 74">
+            <a:extLst>
+              <a:ext uri="{FF2B5EF4-FFF2-40B4-BE49-F238E27FC236}">
+                <a16:creationId xmlns:a16="http://schemas.microsoft.com/office/drawing/2014/main" id="{AB38BA3A-720A-41DF-B309-25CE3F910D12}"/>
               </a:ext>
             </a:extLst>
           </p:cNvPr>
@@ -18063,7 +18071,7 @@
         </p:nvSpPr>
         <p:spPr>
           <a:xfrm>
-            <a:off x="7211424" y="3788343"/>
+            <a:off x="6090562" y="3818986"/>
             <a:ext cx="830510" cy="261554"/>
           </a:xfrm>
           <a:prstGeom prst="rect">
@@ -18097,10 +18105,65 @@
       </p:sp>
       <p:sp>
         <p:nvSpPr>
-          <p:cNvPr id="53" name="Rectangle: Rounded Corners 52">
-            <a:extLst>
-              <a:ext uri="{FF2B5EF4-FFF2-40B4-BE49-F238E27FC236}">
-                <a16:creationId xmlns:a16="http://schemas.microsoft.com/office/drawing/2014/main" id="{3A0DE2D4-5BEB-44EC-A843-406A1D1D4B49}"/>
+          <p:cNvPr id="76" name="TextBox 75">
+            <a:extLst>
+              <a:ext uri="{FF2B5EF4-FFF2-40B4-BE49-F238E27FC236}">
+                <a16:creationId xmlns:a16="http://schemas.microsoft.com/office/drawing/2014/main" id="{4683F27E-953D-4ECF-A8D1-1F95E7D9A922}"/>
+              </a:ext>
+            </a:extLst>
+          </p:cNvPr>
+          <p:cNvSpPr txBox="1"/>
+          <p:nvPr/>
+        </p:nvSpPr>
+        <p:spPr>
+          <a:xfrm>
+            <a:off x="6966707" y="3821885"/>
+            <a:ext cx="1295400" cy="246221"/>
+          </a:xfrm>
+          <a:prstGeom prst="rect">
+            <a:avLst/>
+          </a:prstGeom>
+          <a:noFill/>
+        </p:spPr>
+        <p:txBody>
+          <a:bodyPr wrap="square" rtlCol="0">
+            <a:spAutoFit/>
+          </a:bodyPr>
+          <a:lstStyle/>
+          <a:p>
+            <a:r>
+              <a:rPr lang="en-US" sz="1000" dirty="0" err="1">
+                <a:latin typeface="+mj-lt"/>
+              </a:rPr>
+              <a:t>Đơn</a:t>
+            </a:r>
+            <a:r>
+              <a:rPr lang="en-US" sz="1000" dirty="0">
+                <a:latin typeface="+mj-lt"/>
+              </a:rPr>
+              <a:t> </a:t>
+            </a:r>
+            <a:r>
+              <a:rPr lang="en-US" sz="1000" dirty="0" err="1">
+                <a:latin typeface="+mj-lt"/>
+              </a:rPr>
+              <a:t>giá</a:t>
+            </a:r>
+            <a:r>
+              <a:rPr lang="en-US" sz="1000" dirty="0">
+                <a:latin typeface="+mj-lt"/>
+              </a:rPr>
+              <a:t>:</a:t>
+            </a:r>
+          </a:p>
+        </p:txBody>
+      </p:sp>
+      <p:sp>
+        <p:nvSpPr>
+          <p:cNvPr id="77" name="Rectangle 76">
+            <a:extLst>
+              <a:ext uri="{FF2B5EF4-FFF2-40B4-BE49-F238E27FC236}">
+                <a16:creationId xmlns:a16="http://schemas.microsoft.com/office/drawing/2014/main" id="{7E496E63-9ED4-45FB-807A-7F4AC0DE2700}"/>
               </a:ext>
             </a:extLst>
           </p:cNvPr>
@@ -18109,7 +18172,53 @@
         </p:nvSpPr>
         <p:spPr>
           <a:xfrm>
-            <a:off x="8181364" y="3775909"/>
+            <a:off x="7620000" y="3823888"/>
+            <a:ext cx="830510" cy="261554"/>
+          </a:xfrm>
+          <a:prstGeom prst="rect">
+            <a:avLst/>
+          </a:prstGeom>
+        </p:spPr>
+        <p:style>
+          <a:lnRef idx="2">
+            <a:schemeClr val="dk1"/>
+          </a:lnRef>
+          <a:fillRef idx="1">
+            <a:schemeClr val="lt1"/>
+          </a:fillRef>
+          <a:effectRef idx="0">
+            <a:schemeClr val="dk1"/>
+          </a:effectRef>
+          <a:fontRef idx="minor">
+            <a:schemeClr val="dk1"/>
+          </a:fontRef>
+        </p:style>
+        <p:txBody>
+          <a:bodyPr rtlCol="0" anchor="ctr"/>
+          <a:lstStyle/>
+          <a:p>
+            <a:pPr algn="ctr"/>
+            <a:endParaRPr lang="en-US" sz="1200">
+              <a:latin typeface="+mj-lt"/>
+            </a:endParaRPr>
+          </a:p>
+        </p:txBody>
+      </p:sp>
+      <p:sp>
+        <p:nvSpPr>
+          <p:cNvPr id="78" name="Rectangle: Rounded Corners 77">
+            <a:extLst>
+              <a:ext uri="{FF2B5EF4-FFF2-40B4-BE49-F238E27FC236}">
+                <a16:creationId xmlns:a16="http://schemas.microsoft.com/office/drawing/2014/main" id="{55199E54-3D9C-4154-9A94-CDE31EE12D0D}"/>
+              </a:ext>
+            </a:extLst>
+          </p:cNvPr>
+          <p:cNvSpPr/>
+          <p:nvPr/>
+        </p:nvSpPr>
+        <p:spPr>
+          <a:xfrm>
+            <a:off x="8589940" y="3811454"/>
             <a:ext cx="325460" cy="256652"/>
           </a:xfrm>
           <a:prstGeom prst="roundRect">
@@ -18156,6 +18265,1739 @@
 </file>
 
 <file path=ppt/slides/slide18.xml><?xml version="1.0" encoding="utf-8"?>
+<p:sld xmlns:a="http://schemas.openxmlformats.org/drawingml/2006/main" xmlns:r="http://schemas.openxmlformats.org/officeDocument/2006/relationships" xmlns:p="http://schemas.openxmlformats.org/presentationml/2006/main">
+  <p:cSld>
+    <p:spTree>
+      <p:nvGrpSpPr>
+        <p:cNvPr id="1" name=""/>
+        <p:cNvGrpSpPr/>
+        <p:nvPr/>
+      </p:nvGrpSpPr>
+      <p:grpSpPr>
+        <a:xfrm>
+          <a:off x="0" y="0"/>
+          <a:ext cx="0" cy="0"/>
+          <a:chOff x="0" y="0"/>
+          <a:chExt cx="0" cy="0"/>
+        </a:xfrm>
+      </p:grpSpPr>
+      <p:sp>
+        <p:nvSpPr>
+          <p:cNvPr id="6" name="TextBox 5">
+            <a:extLst>
+              <a:ext uri="{FF2B5EF4-FFF2-40B4-BE49-F238E27FC236}">
+                <a16:creationId xmlns:a16="http://schemas.microsoft.com/office/drawing/2014/main" id="{CD2A8DE0-B0E7-40FB-9538-60D54401A4F8}"/>
+              </a:ext>
+            </a:extLst>
+          </p:cNvPr>
+          <p:cNvSpPr txBox="1"/>
+          <p:nvPr/>
+        </p:nvSpPr>
+        <p:spPr>
+          <a:xfrm>
+            <a:off x="228600" y="76200"/>
+            <a:ext cx="7162800" cy="369332"/>
+          </a:xfrm>
+          <a:prstGeom prst="rect">
+            <a:avLst/>
+          </a:prstGeom>
+          <a:noFill/>
+        </p:spPr>
+        <p:txBody>
+          <a:bodyPr wrap="square" rtlCol="0">
+            <a:spAutoFit/>
+          </a:bodyPr>
+          <a:lstStyle/>
+          <a:p>
+            <a:r>
+              <a:rPr lang="en-US" dirty="0" err="1">
+                <a:latin typeface="+mj-lt"/>
+              </a:rPr>
+              <a:t>Màn</a:t>
+            </a:r>
+            <a:r>
+              <a:rPr lang="en-US" dirty="0">
+                <a:latin typeface="+mj-lt"/>
+              </a:rPr>
+              <a:t> </a:t>
+            </a:r>
+            <a:r>
+              <a:rPr lang="en-US" dirty="0" err="1">
+                <a:latin typeface="+mj-lt"/>
+              </a:rPr>
+              <a:t>hình</a:t>
+            </a:r>
+            <a:r>
+              <a:rPr lang="en-US" dirty="0">
+                <a:latin typeface="+mj-lt"/>
+              </a:rPr>
+              <a:t> </a:t>
+            </a:r>
+            <a:r>
+              <a:rPr lang="en-US">
+                <a:latin typeface="+mj-lt"/>
+              </a:rPr>
+              <a:t>Thông tin </a:t>
+            </a:r>
+            <a:r>
+              <a:rPr lang="en-US" dirty="0" err="1">
+                <a:latin typeface="+mj-lt"/>
+              </a:rPr>
+              <a:t>nhập</a:t>
+            </a:r>
+            <a:r>
+              <a:rPr lang="en-US" dirty="0">
+                <a:latin typeface="+mj-lt"/>
+              </a:rPr>
+              <a:t> </a:t>
+            </a:r>
+            <a:r>
+              <a:rPr lang="en-US" dirty="0" err="1">
+                <a:latin typeface="+mj-lt"/>
+              </a:rPr>
+              <a:t>kho</a:t>
+            </a:r>
+            <a:endParaRPr lang="en-US" dirty="0">
+              <a:latin typeface="+mj-lt"/>
+            </a:endParaRPr>
+          </a:p>
+        </p:txBody>
+      </p:sp>
+      <p:pic>
+        <p:nvPicPr>
+          <p:cNvPr id="11" name="Picture 10">
+            <a:extLst>
+              <a:ext uri="{FF2B5EF4-FFF2-40B4-BE49-F238E27FC236}">
+                <a16:creationId xmlns:a16="http://schemas.microsoft.com/office/drawing/2014/main" id="{F6164AE6-B86F-4668-B82E-2CCF243694C5}"/>
+              </a:ext>
+            </a:extLst>
+          </p:cNvPr>
+          <p:cNvPicPr>
+            <a:picLocks noChangeAspect="1"/>
+          </p:cNvPicPr>
+          <p:nvPr/>
+        </p:nvPicPr>
+        <p:blipFill>
+          <a:blip r:embed="rId3"/>
+          <a:stretch>
+            <a:fillRect/>
+          </a:stretch>
+        </p:blipFill>
+        <p:spPr>
+          <a:xfrm>
+            <a:off x="0" y="673095"/>
+            <a:ext cx="9144000" cy="6184905"/>
+          </a:xfrm>
+          <a:prstGeom prst="rect">
+            <a:avLst/>
+          </a:prstGeom>
+        </p:spPr>
+      </p:pic>
+      <p:sp>
+        <p:nvSpPr>
+          <p:cNvPr id="31" name="TextBox 30">
+            <a:extLst>
+              <a:ext uri="{FF2B5EF4-FFF2-40B4-BE49-F238E27FC236}">
+                <a16:creationId xmlns:a16="http://schemas.microsoft.com/office/drawing/2014/main" id="{5966DF16-C2DB-4C52-B444-530F784F1688}"/>
+              </a:ext>
+            </a:extLst>
+          </p:cNvPr>
+          <p:cNvSpPr txBox="1"/>
+          <p:nvPr/>
+        </p:nvSpPr>
+        <p:spPr>
+          <a:xfrm>
+            <a:off x="424194" y="2362200"/>
+            <a:ext cx="1295400" cy="276999"/>
+          </a:xfrm>
+          <a:prstGeom prst="rect">
+            <a:avLst/>
+          </a:prstGeom>
+          <a:noFill/>
+        </p:spPr>
+        <p:txBody>
+          <a:bodyPr wrap="square" rtlCol="0">
+            <a:spAutoFit/>
+          </a:bodyPr>
+          <a:lstStyle/>
+          <a:p>
+            <a:r>
+              <a:rPr lang="en-US" sz="1200" dirty="0" err="1">
+                <a:latin typeface="+mj-lt"/>
+              </a:rPr>
+              <a:t>Nhà</a:t>
+            </a:r>
+            <a:r>
+              <a:rPr lang="en-US" sz="1200" dirty="0">
+                <a:latin typeface="+mj-lt"/>
+              </a:rPr>
+              <a:t> </a:t>
+            </a:r>
+            <a:r>
+              <a:rPr lang="en-US" sz="1200" dirty="0" err="1">
+                <a:latin typeface="+mj-lt"/>
+              </a:rPr>
+              <a:t>cung</a:t>
+            </a:r>
+            <a:r>
+              <a:rPr lang="en-US" sz="1200" dirty="0">
+                <a:latin typeface="+mj-lt"/>
+              </a:rPr>
+              <a:t> </a:t>
+            </a:r>
+            <a:r>
+              <a:rPr lang="en-US" sz="1200" dirty="0" err="1">
+                <a:latin typeface="+mj-lt"/>
+              </a:rPr>
+              <a:t>cấp</a:t>
+            </a:r>
+            <a:r>
+              <a:rPr lang="en-US" sz="1200" dirty="0">
+                <a:latin typeface="+mj-lt"/>
+              </a:rPr>
+              <a:t>:</a:t>
+            </a:r>
+          </a:p>
+        </p:txBody>
+      </p:sp>
+      <p:sp>
+        <p:nvSpPr>
+          <p:cNvPr id="47" name="Rectangle 46">
+            <a:extLst>
+              <a:ext uri="{FF2B5EF4-FFF2-40B4-BE49-F238E27FC236}">
+                <a16:creationId xmlns:a16="http://schemas.microsoft.com/office/drawing/2014/main" id="{3996E642-D4A2-4D79-A742-5550448C1FDF}"/>
+              </a:ext>
+            </a:extLst>
+          </p:cNvPr>
+          <p:cNvSpPr/>
+          <p:nvPr/>
+        </p:nvSpPr>
+        <p:spPr>
+          <a:xfrm>
+            <a:off x="1600200" y="2362200"/>
+            <a:ext cx="2780820" cy="261554"/>
+          </a:xfrm>
+          <a:prstGeom prst="rect">
+            <a:avLst/>
+          </a:prstGeom>
+          <a:ln>
+            <a:noFill/>
+          </a:ln>
+        </p:spPr>
+        <p:style>
+          <a:lnRef idx="2">
+            <a:schemeClr val="dk1"/>
+          </a:lnRef>
+          <a:fillRef idx="1">
+            <a:schemeClr val="lt1"/>
+          </a:fillRef>
+          <a:effectRef idx="0">
+            <a:schemeClr val="dk1"/>
+          </a:effectRef>
+          <a:fontRef idx="minor">
+            <a:schemeClr val="dk1"/>
+          </a:fontRef>
+        </p:style>
+        <p:txBody>
+          <a:bodyPr rtlCol="0" anchor="ctr"/>
+          <a:lstStyle/>
+          <a:p>
+            <a:r>
+              <a:rPr lang="en-US" sz="1400" dirty="0" err="1">
+                <a:latin typeface="+mj-lt"/>
+              </a:rPr>
+              <a:t>Nhà</a:t>
+            </a:r>
+            <a:r>
+              <a:rPr lang="en-US" sz="1400" dirty="0">
+                <a:latin typeface="+mj-lt"/>
+              </a:rPr>
+              <a:t> </a:t>
+            </a:r>
+            <a:r>
+              <a:rPr lang="en-US" sz="1400" dirty="0" err="1">
+                <a:latin typeface="+mj-lt"/>
+              </a:rPr>
+              <a:t>cung</a:t>
+            </a:r>
+            <a:r>
+              <a:rPr lang="en-US" sz="1400" dirty="0">
+                <a:latin typeface="+mj-lt"/>
+              </a:rPr>
+              <a:t> </a:t>
+            </a:r>
+            <a:r>
+              <a:rPr lang="en-US" sz="1400" dirty="0" err="1">
+                <a:latin typeface="+mj-lt"/>
+              </a:rPr>
+              <a:t>cấp</a:t>
+            </a:r>
+            <a:r>
+              <a:rPr lang="en-US" sz="1400" dirty="0">
+                <a:latin typeface="+mj-lt"/>
+              </a:rPr>
+              <a:t> 1</a:t>
+            </a:r>
+          </a:p>
+        </p:txBody>
+      </p:sp>
+      <p:sp>
+        <p:nvSpPr>
+          <p:cNvPr id="54" name="TextBox 53">
+            <a:extLst>
+              <a:ext uri="{FF2B5EF4-FFF2-40B4-BE49-F238E27FC236}">
+                <a16:creationId xmlns:a16="http://schemas.microsoft.com/office/drawing/2014/main" id="{E05C8096-46D4-4A7C-A2B8-9D79A1BCDC32}"/>
+              </a:ext>
+            </a:extLst>
+          </p:cNvPr>
+          <p:cNvSpPr txBox="1"/>
+          <p:nvPr/>
+        </p:nvSpPr>
+        <p:spPr>
+          <a:xfrm>
+            <a:off x="4572000" y="1919709"/>
+            <a:ext cx="1496577" cy="276999"/>
+          </a:xfrm>
+          <a:prstGeom prst="rect">
+            <a:avLst/>
+          </a:prstGeom>
+          <a:noFill/>
+        </p:spPr>
+        <p:txBody>
+          <a:bodyPr wrap="square" rtlCol="0">
+            <a:spAutoFit/>
+          </a:bodyPr>
+          <a:lstStyle/>
+          <a:p>
+            <a:r>
+              <a:rPr lang="en-US" sz="1200" dirty="0" err="1">
+                <a:latin typeface="+mj-lt"/>
+              </a:rPr>
+              <a:t>Hình</a:t>
+            </a:r>
+            <a:r>
+              <a:rPr lang="en-US" sz="1200" dirty="0">
+                <a:latin typeface="+mj-lt"/>
+              </a:rPr>
+              <a:t> </a:t>
+            </a:r>
+            <a:r>
+              <a:rPr lang="en-US" sz="1200" dirty="0" err="1">
+                <a:latin typeface="+mj-lt"/>
+              </a:rPr>
+              <a:t>ảnh</a:t>
+            </a:r>
+            <a:r>
+              <a:rPr lang="en-US" sz="1200" dirty="0">
+                <a:latin typeface="+mj-lt"/>
+              </a:rPr>
+              <a:t> </a:t>
+            </a:r>
+            <a:r>
+              <a:rPr lang="en-US" sz="1200" dirty="0" err="1">
+                <a:latin typeface="+mj-lt"/>
+              </a:rPr>
+              <a:t>hóa</a:t>
+            </a:r>
+            <a:r>
+              <a:rPr lang="en-US" sz="1200" dirty="0">
+                <a:latin typeface="+mj-lt"/>
+              </a:rPr>
+              <a:t> </a:t>
+            </a:r>
+            <a:r>
+              <a:rPr lang="en-US" sz="1200" dirty="0" err="1">
+                <a:latin typeface="+mj-lt"/>
+              </a:rPr>
+              <a:t>đơn</a:t>
+            </a:r>
+            <a:r>
+              <a:rPr lang="en-US" sz="1200" dirty="0">
+                <a:latin typeface="+mj-lt"/>
+              </a:rPr>
+              <a:t>:</a:t>
+            </a:r>
+          </a:p>
+        </p:txBody>
+      </p:sp>
+      <p:sp>
+        <p:nvSpPr>
+          <p:cNvPr id="58" name="Rectangle 57">
+            <a:extLst>
+              <a:ext uri="{FF2B5EF4-FFF2-40B4-BE49-F238E27FC236}">
+                <a16:creationId xmlns:a16="http://schemas.microsoft.com/office/drawing/2014/main" id="{C313D5D0-14D9-4013-A702-8F05786AB4A7}"/>
+              </a:ext>
+            </a:extLst>
+          </p:cNvPr>
+          <p:cNvSpPr/>
+          <p:nvPr/>
+        </p:nvSpPr>
+        <p:spPr>
+          <a:xfrm>
+            <a:off x="7620000" y="6343808"/>
+            <a:ext cx="1371600" cy="358165"/>
+          </a:xfrm>
+          <a:prstGeom prst="rect">
+            <a:avLst/>
+          </a:prstGeom>
+          <a:solidFill>
+            <a:schemeClr val="bg1">
+              <a:lumMod val="65000"/>
+            </a:schemeClr>
+          </a:solidFill>
+          <a:ln>
+            <a:noFill/>
+          </a:ln>
+        </p:spPr>
+        <p:style>
+          <a:lnRef idx="2">
+            <a:schemeClr val="accent1">
+              <a:shade val="50000"/>
+            </a:schemeClr>
+          </a:lnRef>
+          <a:fillRef idx="1">
+            <a:schemeClr val="accent1"/>
+          </a:fillRef>
+          <a:effectRef idx="0">
+            <a:schemeClr val="accent1"/>
+          </a:effectRef>
+          <a:fontRef idx="minor">
+            <a:schemeClr val="lt1"/>
+          </a:fontRef>
+        </p:style>
+        <p:txBody>
+          <a:bodyPr rtlCol="0" anchor="ctr"/>
+          <a:lstStyle/>
+          <a:p>
+            <a:pPr algn="ctr"/>
+            <a:r>
+              <a:rPr lang="en-US" dirty="0" err="1">
+                <a:latin typeface="+mj-lt"/>
+              </a:rPr>
+              <a:t>Trở</a:t>
+            </a:r>
+            <a:r>
+              <a:rPr lang="en-US" dirty="0">
+                <a:latin typeface="+mj-lt"/>
+              </a:rPr>
+              <a:t> </a:t>
+            </a:r>
+            <a:r>
+              <a:rPr lang="en-US" dirty="0" err="1">
+                <a:latin typeface="+mj-lt"/>
+              </a:rPr>
+              <a:t>lại</a:t>
+            </a:r>
+            <a:endParaRPr lang="en-US" dirty="0">
+              <a:latin typeface="+mj-lt"/>
+            </a:endParaRPr>
+          </a:p>
+        </p:txBody>
+      </p:sp>
+      <p:sp>
+        <p:nvSpPr>
+          <p:cNvPr id="63" name="TextBox 62">
+            <a:extLst>
+              <a:ext uri="{FF2B5EF4-FFF2-40B4-BE49-F238E27FC236}">
+                <a16:creationId xmlns:a16="http://schemas.microsoft.com/office/drawing/2014/main" id="{5C4E79A3-8CAA-468B-A296-FDF5DF35DB8E}"/>
+              </a:ext>
+            </a:extLst>
+          </p:cNvPr>
+          <p:cNvSpPr txBox="1"/>
+          <p:nvPr/>
+        </p:nvSpPr>
+        <p:spPr>
+          <a:xfrm>
+            <a:off x="4572000" y="2359684"/>
+            <a:ext cx="1496577" cy="276999"/>
+          </a:xfrm>
+          <a:prstGeom prst="rect">
+            <a:avLst/>
+          </a:prstGeom>
+          <a:noFill/>
+        </p:spPr>
+        <p:txBody>
+          <a:bodyPr wrap="square" rtlCol="0">
+            <a:spAutoFit/>
+          </a:bodyPr>
+          <a:lstStyle/>
+          <a:p>
+            <a:r>
+              <a:rPr lang="en-US" sz="1200" dirty="0" err="1">
+                <a:latin typeface="+mj-lt"/>
+              </a:rPr>
+              <a:t>Ghi</a:t>
+            </a:r>
+            <a:r>
+              <a:rPr lang="en-US" sz="1200" dirty="0">
+                <a:latin typeface="+mj-lt"/>
+              </a:rPr>
+              <a:t> </a:t>
+            </a:r>
+            <a:r>
+              <a:rPr lang="en-US" sz="1200" dirty="0" err="1">
+                <a:latin typeface="+mj-lt"/>
+              </a:rPr>
+              <a:t>chú</a:t>
+            </a:r>
+            <a:r>
+              <a:rPr lang="en-US" sz="1200" dirty="0">
+                <a:latin typeface="+mj-lt"/>
+              </a:rPr>
+              <a:t>:</a:t>
+            </a:r>
+          </a:p>
+        </p:txBody>
+      </p:sp>
+      <p:sp>
+        <p:nvSpPr>
+          <p:cNvPr id="64" name="Rectangle 63">
+            <a:extLst>
+              <a:ext uri="{FF2B5EF4-FFF2-40B4-BE49-F238E27FC236}">
+                <a16:creationId xmlns:a16="http://schemas.microsoft.com/office/drawing/2014/main" id="{0829BC16-F805-4F38-821A-1F207D5BC17B}"/>
+              </a:ext>
+            </a:extLst>
+          </p:cNvPr>
+          <p:cNvSpPr/>
+          <p:nvPr/>
+        </p:nvSpPr>
+        <p:spPr>
+          <a:xfrm>
+            <a:off x="6019800" y="2342529"/>
+            <a:ext cx="2971800" cy="1318955"/>
+          </a:xfrm>
+          <a:prstGeom prst="rect">
+            <a:avLst/>
+          </a:prstGeom>
+        </p:spPr>
+        <p:style>
+          <a:lnRef idx="2">
+            <a:schemeClr val="dk1"/>
+          </a:lnRef>
+          <a:fillRef idx="1">
+            <a:schemeClr val="lt1"/>
+          </a:fillRef>
+          <a:effectRef idx="0">
+            <a:schemeClr val="dk1"/>
+          </a:effectRef>
+          <a:fontRef idx="minor">
+            <a:schemeClr val="dk1"/>
+          </a:fontRef>
+        </p:style>
+        <p:txBody>
+          <a:bodyPr rtlCol="0" anchor="ctr"/>
+          <a:lstStyle/>
+          <a:p>
+            <a:endParaRPr lang="en-US" dirty="0">
+              <a:latin typeface="+mj-lt"/>
+            </a:endParaRPr>
+          </a:p>
+        </p:txBody>
+      </p:sp>
+      <p:sp>
+        <p:nvSpPr>
+          <p:cNvPr id="33" name="TextBox 32">
+            <a:extLst>
+              <a:ext uri="{FF2B5EF4-FFF2-40B4-BE49-F238E27FC236}">
+                <a16:creationId xmlns:a16="http://schemas.microsoft.com/office/drawing/2014/main" id="{714AA337-E53A-4C36-B973-9951830BBDDF}"/>
+              </a:ext>
+            </a:extLst>
+          </p:cNvPr>
+          <p:cNvSpPr txBox="1"/>
+          <p:nvPr/>
+        </p:nvSpPr>
+        <p:spPr>
+          <a:xfrm>
+            <a:off x="896660" y="945229"/>
+            <a:ext cx="4300206" cy="369490"/>
+          </a:xfrm>
+          <a:prstGeom prst="rect">
+            <a:avLst/>
+          </a:prstGeom>
+          <a:noFill/>
+        </p:spPr>
+        <p:txBody>
+          <a:bodyPr wrap="square" rtlCol="0">
+            <a:spAutoFit/>
+          </a:bodyPr>
+          <a:lstStyle/>
+          <a:p>
+            <a:r>
+              <a:rPr lang="en-US" b="1" dirty="0" err="1">
+                <a:solidFill>
+                  <a:schemeClr val="tx1">
+                    <a:lumMod val="85000"/>
+                    <a:lumOff val="15000"/>
+                  </a:schemeClr>
+                </a:solidFill>
+                <a:latin typeface="+mj-lt"/>
+              </a:rPr>
+              <a:t>Thông</a:t>
+            </a:r>
+            <a:r>
+              <a:rPr lang="en-US" b="1" dirty="0">
+                <a:solidFill>
+                  <a:schemeClr val="tx1">
+                    <a:lumMod val="85000"/>
+                    <a:lumOff val="15000"/>
+                  </a:schemeClr>
+                </a:solidFill>
+                <a:latin typeface="+mj-lt"/>
+              </a:rPr>
+              <a:t> tin </a:t>
+            </a:r>
+            <a:r>
+              <a:rPr lang="en-US" b="1" dirty="0" err="1">
+                <a:solidFill>
+                  <a:schemeClr val="tx1">
+                    <a:lumMod val="85000"/>
+                    <a:lumOff val="15000"/>
+                  </a:schemeClr>
+                </a:solidFill>
+                <a:latin typeface="+mj-lt"/>
+              </a:rPr>
+              <a:t>nhập</a:t>
+            </a:r>
+            <a:r>
+              <a:rPr lang="en-US" b="1" dirty="0">
+                <a:solidFill>
+                  <a:schemeClr val="tx1">
+                    <a:lumMod val="85000"/>
+                    <a:lumOff val="15000"/>
+                  </a:schemeClr>
+                </a:solidFill>
+                <a:latin typeface="+mj-lt"/>
+              </a:rPr>
+              <a:t> </a:t>
+            </a:r>
+            <a:r>
+              <a:rPr lang="en-US" b="1" dirty="0" err="1">
+                <a:solidFill>
+                  <a:schemeClr val="tx1">
+                    <a:lumMod val="85000"/>
+                    <a:lumOff val="15000"/>
+                  </a:schemeClr>
+                </a:solidFill>
+                <a:latin typeface="+mj-lt"/>
+              </a:rPr>
+              <a:t>kho</a:t>
+            </a:r>
+            <a:endParaRPr lang="en-US" b="1" dirty="0">
+              <a:solidFill>
+                <a:schemeClr val="tx1">
+                  <a:lumMod val="85000"/>
+                  <a:lumOff val="15000"/>
+                </a:schemeClr>
+              </a:solidFill>
+              <a:latin typeface="+mj-lt"/>
+            </a:endParaRPr>
+          </a:p>
+        </p:txBody>
+      </p:sp>
+      <p:pic>
+        <p:nvPicPr>
+          <p:cNvPr id="38" name="Picture 15" descr="C:\Users\HuyTran\Desktop\WPF project\vendor.png">
+            <a:extLst>
+              <a:ext uri="{FF2B5EF4-FFF2-40B4-BE49-F238E27FC236}">
+                <a16:creationId xmlns:a16="http://schemas.microsoft.com/office/drawing/2014/main" id="{EE57F203-51CC-4E2B-B8DB-B71C73703F4E}"/>
+              </a:ext>
+            </a:extLst>
+          </p:cNvPr>
+          <p:cNvPicPr>
+            <a:picLocks noChangeAspect="1" noChangeArrowheads="1"/>
+          </p:cNvPicPr>
+          <p:nvPr/>
+        </p:nvPicPr>
+        <p:blipFill>
+          <a:blip r:embed="rId4" cstate="print">
+            <a:extLst>
+              <a:ext uri="{28A0092B-C50C-407E-A947-70E740481C1C}">
+                <a14:useLocalDpi xmlns:a14="http://schemas.microsoft.com/office/drawing/2010/main" val="0"/>
+              </a:ext>
+            </a:extLst>
+          </a:blip>
+          <a:srcRect/>
+          <a:stretch>
+            <a:fillRect/>
+          </a:stretch>
+        </p:blipFill>
+        <p:spPr bwMode="auto">
+          <a:xfrm>
+            <a:off x="509353" y="913320"/>
+            <a:ext cx="382676" cy="387600"/>
+          </a:xfrm>
+          <a:prstGeom prst="rect">
+            <a:avLst/>
+          </a:prstGeom>
+          <a:noFill/>
+          <a:extLst>
+            <a:ext uri="{909E8E84-426E-40DD-AFC4-6F175D3DCCD1}">
+              <a14:hiddenFill xmlns:a14="http://schemas.microsoft.com/office/drawing/2010/main">
+                <a:solidFill>
+                  <a:srgbClr val="FFFFFF"/>
+                </a:solidFill>
+              </a14:hiddenFill>
+            </a:ext>
+          </a:extLst>
+        </p:spPr>
+      </p:pic>
+      <p:sp>
+        <p:nvSpPr>
+          <p:cNvPr id="29" name="TextBox 28">
+            <a:extLst>
+              <a:ext uri="{FF2B5EF4-FFF2-40B4-BE49-F238E27FC236}">
+                <a16:creationId xmlns:a16="http://schemas.microsoft.com/office/drawing/2014/main" id="{BFF6D494-CE07-489A-B995-2086F94ABE83}"/>
+              </a:ext>
+            </a:extLst>
+          </p:cNvPr>
+          <p:cNvSpPr txBox="1"/>
+          <p:nvPr/>
+        </p:nvSpPr>
+        <p:spPr>
+          <a:xfrm>
+            <a:off x="424194" y="1919709"/>
+            <a:ext cx="1295400" cy="276999"/>
+          </a:xfrm>
+          <a:prstGeom prst="rect">
+            <a:avLst/>
+          </a:prstGeom>
+          <a:noFill/>
+        </p:spPr>
+        <p:txBody>
+          <a:bodyPr wrap="square" rtlCol="0">
+            <a:spAutoFit/>
+          </a:bodyPr>
+          <a:lstStyle/>
+          <a:p>
+            <a:r>
+              <a:rPr lang="en-US" sz="1200" dirty="0" err="1">
+                <a:latin typeface="+mj-lt"/>
+              </a:rPr>
+              <a:t>Thời</a:t>
+            </a:r>
+            <a:r>
+              <a:rPr lang="en-US" sz="1200" dirty="0">
+                <a:latin typeface="+mj-lt"/>
+              </a:rPr>
+              <a:t> </a:t>
+            </a:r>
+            <a:r>
+              <a:rPr lang="en-US" sz="1200" dirty="0" err="1">
+                <a:latin typeface="+mj-lt"/>
+              </a:rPr>
+              <a:t>gian</a:t>
+            </a:r>
+            <a:r>
+              <a:rPr lang="en-US" sz="1200" dirty="0">
+                <a:latin typeface="+mj-lt"/>
+              </a:rPr>
+              <a:t>:</a:t>
+            </a:r>
+          </a:p>
+        </p:txBody>
+      </p:sp>
+      <p:sp>
+        <p:nvSpPr>
+          <p:cNvPr id="30" name="Rectangle 29">
+            <a:extLst>
+              <a:ext uri="{FF2B5EF4-FFF2-40B4-BE49-F238E27FC236}">
+                <a16:creationId xmlns:a16="http://schemas.microsoft.com/office/drawing/2014/main" id="{06527183-5952-4171-B7FC-1BEB45DFB228}"/>
+              </a:ext>
+            </a:extLst>
+          </p:cNvPr>
+          <p:cNvSpPr/>
+          <p:nvPr/>
+        </p:nvSpPr>
+        <p:spPr>
+          <a:xfrm>
+            <a:off x="1600200" y="1919709"/>
+            <a:ext cx="2780820" cy="261554"/>
+          </a:xfrm>
+          <a:prstGeom prst="rect">
+            <a:avLst/>
+          </a:prstGeom>
+          <a:ln>
+            <a:noFill/>
+          </a:ln>
+        </p:spPr>
+        <p:style>
+          <a:lnRef idx="2">
+            <a:schemeClr val="dk1"/>
+          </a:lnRef>
+          <a:fillRef idx="1">
+            <a:schemeClr val="lt1"/>
+          </a:fillRef>
+          <a:effectRef idx="0">
+            <a:schemeClr val="dk1"/>
+          </a:effectRef>
+          <a:fontRef idx="minor">
+            <a:schemeClr val="dk1"/>
+          </a:fontRef>
+        </p:style>
+        <p:txBody>
+          <a:bodyPr rtlCol="0" anchor="ctr"/>
+          <a:lstStyle/>
+          <a:p>
+            <a:r>
+              <a:rPr lang="en-US" sz="1400" dirty="0">
+                <a:latin typeface="+mj-lt"/>
+              </a:rPr>
+              <a:t>20/10/2020 19:30</a:t>
+            </a:r>
+          </a:p>
+        </p:txBody>
+      </p:sp>
+      <p:graphicFrame>
+        <p:nvGraphicFramePr>
+          <p:cNvPr id="41" name="Table 3">
+            <a:extLst>
+              <a:ext uri="{FF2B5EF4-FFF2-40B4-BE49-F238E27FC236}">
+                <a16:creationId xmlns:a16="http://schemas.microsoft.com/office/drawing/2014/main" id="{623E82C4-7A03-43F7-BE80-5D37858F3225}"/>
+              </a:ext>
+            </a:extLst>
+          </p:cNvPr>
+          <p:cNvGraphicFramePr>
+            <a:graphicFrameLocks noGrp="1"/>
+          </p:cNvGraphicFramePr>
+          <p:nvPr>
+            <p:extLst>
+              <p:ext uri="{D42A27DB-BD31-4B8C-83A1-F6EECF244321}">
+                <p14:modId xmlns:p14="http://schemas.microsoft.com/office/powerpoint/2010/main" val="1774417382"/>
+              </p:ext>
+            </p:extLst>
+          </p:nvPr>
+        </p:nvGraphicFramePr>
+        <p:xfrm>
+          <a:off x="544188" y="4144136"/>
+          <a:ext cx="8447413" cy="1390762"/>
+        </p:xfrm>
+        <a:graphic>
+          <a:graphicData uri="http://schemas.openxmlformats.org/drawingml/2006/table">
+            <a:tbl>
+              <a:tblPr firstRow="1" bandRow="1">
+                <a:tableStyleId>{5C22544A-7EE6-4342-B048-85BDC9FD1C3A}</a:tableStyleId>
+              </a:tblPr>
+              <a:tblGrid>
+                <a:gridCol w="1502794">
+                  <a:extLst>
+                    <a:ext uri="{9D8B030D-6E8A-4147-A177-3AD203B41FA5}">
+                      <a16:colId xmlns:a16="http://schemas.microsoft.com/office/drawing/2014/main" val="2205170896"/>
+                    </a:ext>
+                  </a:extLst>
+                </a:gridCol>
+                <a:gridCol w="1502794">
+                  <a:extLst>
+                    <a:ext uri="{9D8B030D-6E8A-4147-A177-3AD203B41FA5}">
+                      <a16:colId xmlns:a16="http://schemas.microsoft.com/office/drawing/2014/main" val="3679797539"/>
+                    </a:ext>
+                  </a:extLst>
+                </a:gridCol>
+                <a:gridCol w="1502794">
+                  <a:extLst>
+                    <a:ext uri="{9D8B030D-6E8A-4147-A177-3AD203B41FA5}">
+                      <a16:colId xmlns:a16="http://schemas.microsoft.com/office/drawing/2014/main" val="742831095"/>
+                    </a:ext>
+                  </a:extLst>
+                </a:gridCol>
+                <a:gridCol w="1502794">
+                  <a:extLst>
+                    <a:ext uri="{9D8B030D-6E8A-4147-A177-3AD203B41FA5}">
+                      <a16:colId xmlns:a16="http://schemas.microsoft.com/office/drawing/2014/main" val="4188008786"/>
+                    </a:ext>
+                  </a:extLst>
+                </a:gridCol>
+                <a:gridCol w="2436237">
+                  <a:extLst>
+                    <a:ext uri="{9D8B030D-6E8A-4147-A177-3AD203B41FA5}">
+                      <a16:colId xmlns:a16="http://schemas.microsoft.com/office/drawing/2014/main" val="3214238948"/>
+                    </a:ext>
+                  </a:extLst>
+                </a:gridCol>
+              </a:tblGrid>
+              <a:tr h="373371">
+                <a:tc>
+                  <a:txBody>
+                    <a:bodyPr/>
+                    <a:lstStyle/>
+                    <a:p>
+                      <a:pPr algn="ctr"/>
+                      <a:r>
+                        <a:rPr lang="en-US" sz="1200" dirty="0" err="1"/>
+                        <a:t>Tên</a:t>
+                      </a:r>
+                      <a:r>
+                        <a:rPr lang="en-US" sz="1200" dirty="0"/>
+                        <a:t> </a:t>
+                      </a:r>
+                      <a:r>
+                        <a:rPr lang="en-US" sz="1200" dirty="0" err="1"/>
+                        <a:t>thuốc</a:t>
+                      </a:r>
+                      <a:endParaRPr lang="en-US" sz="1200" dirty="0"/>
+                    </a:p>
+                  </a:txBody>
+                  <a:tcPr anchor="ctr">
+                    <a:solidFill>
+                      <a:schemeClr val="bg1">
+                        <a:lumMod val="50000"/>
+                      </a:schemeClr>
+                    </a:solidFill>
+                  </a:tcPr>
+                </a:tc>
+                <a:tc>
+                  <a:txBody>
+                    <a:bodyPr/>
+                    <a:lstStyle/>
+                    <a:p>
+                      <a:pPr algn="ctr"/>
+                      <a:r>
+                        <a:rPr lang="en-US" sz="1200" dirty="0" err="1"/>
+                        <a:t>Đơn</a:t>
+                      </a:r>
+                      <a:r>
+                        <a:rPr lang="en-US" sz="1200" dirty="0"/>
+                        <a:t> </a:t>
+                      </a:r>
+                      <a:r>
+                        <a:rPr lang="en-US" sz="1200" dirty="0" err="1"/>
+                        <a:t>vị</a:t>
+                      </a:r>
+                      <a:r>
+                        <a:rPr lang="en-US" sz="1200" dirty="0"/>
+                        <a:t> </a:t>
+                      </a:r>
+                      <a:r>
+                        <a:rPr lang="en-US" sz="1200" dirty="0" err="1"/>
+                        <a:t>tính</a:t>
+                      </a:r>
+                      <a:endParaRPr lang="en-US" sz="1200" dirty="0"/>
+                    </a:p>
+                  </a:txBody>
+                  <a:tcPr anchor="ctr">
+                    <a:solidFill>
+                      <a:schemeClr val="bg1">
+                        <a:lumMod val="50000"/>
+                      </a:schemeClr>
+                    </a:solidFill>
+                  </a:tcPr>
+                </a:tc>
+                <a:tc>
+                  <a:txBody>
+                    <a:bodyPr/>
+                    <a:lstStyle/>
+                    <a:p>
+                      <a:pPr algn="ctr"/>
+                      <a:r>
+                        <a:rPr lang="en-US" sz="1200" dirty="0" err="1"/>
+                        <a:t>Số</a:t>
+                      </a:r>
+                      <a:r>
+                        <a:rPr lang="en-US" sz="1200" dirty="0"/>
+                        <a:t> </a:t>
+                      </a:r>
+                      <a:r>
+                        <a:rPr lang="en-US" sz="1200" dirty="0" err="1"/>
+                        <a:t>lượng</a:t>
+                      </a:r>
+                      <a:endParaRPr lang="en-US" sz="1200" dirty="0"/>
+                    </a:p>
+                  </a:txBody>
+                  <a:tcPr anchor="ctr">
+                    <a:solidFill>
+                      <a:schemeClr val="bg1">
+                        <a:lumMod val="50000"/>
+                      </a:schemeClr>
+                    </a:solidFill>
+                  </a:tcPr>
+                </a:tc>
+                <a:tc>
+                  <a:txBody>
+                    <a:bodyPr/>
+                    <a:lstStyle/>
+                    <a:p>
+                      <a:pPr algn="ctr"/>
+                      <a:r>
+                        <a:rPr lang="en-US" sz="1200" dirty="0" err="1"/>
+                        <a:t>Đơn</a:t>
+                      </a:r>
+                      <a:r>
+                        <a:rPr lang="en-US" sz="1200" dirty="0"/>
+                        <a:t> </a:t>
+                      </a:r>
+                      <a:r>
+                        <a:rPr lang="en-US" sz="1200" dirty="0" err="1"/>
+                        <a:t>giá</a:t>
+                      </a:r>
+                      <a:endParaRPr lang="en-US" sz="1200" dirty="0"/>
+                    </a:p>
+                  </a:txBody>
+                  <a:tcPr anchor="ctr">
+                    <a:solidFill>
+                      <a:schemeClr val="bg1">
+                        <a:lumMod val="50000"/>
+                      </a:schemeClr>
+                    </a:solidFill>
+                  </a:tcPr>
+                </a:tc>
+                <a:tc>
+                  <a:txBody>
+                    <a:bodyPr/>
+                    <a:lstStyle/>
+                    <a:p>
+                      <a:pPr algn="ctr"/>
+                      <a:r>
+                        <a:rPr lang="en-US" sz="1200" dirty="0" err="1"/>
+                        <a:t>Thành</a:t>
+                      </a:r>
+                      <a:r>
+                        <a:rPr lang="en-US" sz="1200" dirty="0"/>
+                        <a:t> </a:t>
+                      </a:r>
+                      <a:r>
+                        <a:rPr lang="en-US" sz="1200" dirty="0" err="1"/>
+                        <a:t>tiền</a:t>
+                      </a:r>
+                      <a:endParaRPr lang="en-US" sz="1200" dirty="0"/>
+                    </a:p>
+                  </a:txBody>
+                  <a:tcPr anchor="ctr">
+                    <a:solidFill>
+                      <a:schemeClr val="bg1">
+                        <a:lumMod val="50000"/>
+                      </a:schemeClr>
+                    </a:solidFill>
+                  </a:tcPr>
+                </a:tc>
+                <a:extLst>
+                  <a:ext uri="{0D108BD9-81ED-4DB2-BD59-A6C34878D82A}">
+                    <a16:rowId xmlns:a16="http://schemas.microsoft.com/office/drawing/2014/main" val="652390980"/>
+                  </a:ext>
+                </a:extLst>
+              </a:tr>
+              <a:tr h="488930">
+                <a:tc>
+                  <a:txBody>
+                    <a:bodyPr/>
+                    <a:lstStyle/>
+                    <a:p>
+                      <a:pPr algn="ctr"/>
+                      <a:r>
+                        <a:rPr lang="en-US" sz="1200" dirty="0" err="1"/>
+                        <a:t>Thuốc</a:t>
+                      </a:r>
+                      <a:r>
+                        <a:rPr lang="en-US" sz="1200" dirty="0"/>
+                        <a:t> 1</a:t>
+                      </a:r>
+                    </a:p>
+                  </a:txBody>
+                  <a:tcPr anchor="ctr">
+                    <a:solidFill>
+                      <a:schemeClr val="bg1">
+                        <a:lumMod val="95000"/>
+                      </a:schemeClr>
+                    </a:solidFill>
+                  </a:tcPr>
+                </a:tc>
+                <a:tc>
+                  <a:txBody>
+                    <a:bodyPr/>
+                    <a:lstStyle/>
+                    <a:p>
+                      <a:pPr algn="ctr"/>
+                      <a:r>
+                        <a:rPr lang="en-US" sz="1200" kern="1200" dirty="0" err="1">
+                          <a:solidFill>
+                            <a:schemeClr val="dk1"/>
+                          </a:solidFill>
+                          <a:latin typeface="+mn-lt"/>
+                          <a:ea typeface="+mn-ea"/>
+                          <a:cs typeface="+mn-cs"/>
+                        </a:rPr>
+                        <a:t>Viên</a:t>
+                      </a:r>
+                      <a:endParaRPr lang="en-US" sz="1200" dirty="0"/>
+                    </a:p>
+                  </a:txBody>
+                  <a:tcPr anchor="ctr">
+                    <a:solidFill>
+                      <a:schemeClr val="bg1">
+                        <a:lumMod val="95000"/>
+                      </a:schemeClr>
+                    </a:solidFill>
+                  </a:tcPr>
+                </a:tc>
+                <a:tc>
+                  <a:txBody>
+                    <a:bodyPr/>
+                    <a:lstStyle/>
+                    <a:p>
+                      <a:pPr algn="ctr"/>
+                      <a:r>
+                        <a:rPr lang="en-US" sz="1200" dirty="0"/>
+                        <a:t>2</a:t>
+                      </a:r>
+                    </a:p>
+                  </a:txBody>
+                  <a:tcPr anchor="ctr">
+                    <a:solidFill>
+                      <a:schemeClr val="bg1">
+                        <a:lumMod val="95000"/>
+                      </a:schemeClr>
+                    </a:solidFill>
+                  </a:tcPr>
+                </a:tc>
+                <a:tc>
+                  <a:txBody>
+                    <a:bodyPr/>
+                    <a:lstStyle/>
+                    <a:p>
+                      <a:pPr algn="ctr"/>
+                      <a:r>
+                        <a:rPr lang="en-US" sz="1200" dirty="0"/>
+                        <a:t>1,000</a:t>
+                      </a:r>
+                    </a:p>
+                  </a:txBody>
+                  <a:tcPr anchor="ctr">
+                    <a:solidFill>
+                      <a:schemeClr val="bg1">
+                        <a:lumMod val="95000"/>
+                      </a:schemeClr>
+                    </a:solidFill>
+                  </a:tcPr>
+                </a:tc>
+                <a:tc>
+                  <a:txBody>
+                    <a:bodyPr/>
+                    <a:lstStyle/>
+                    <a:p>
+                      <a:pPr algn="ctr"/>
+                      <a:r>
+                        <a:rPr lang="en-US" sz="1200" dirty="0"/>
+                        <a:t>2,000</a:t>
+                      </a:r>
+                    </a:p>
+                  </a:txBody>
+                  <a:tcPr anchor="ctr">
+                    <a:solidFill>
+                      <a:schemeClr val="bg1">
+                        <a:lumMod val="95000"/>
+                      </a:schemeClr>
+                    </a:solidFill>
+                  </a:tcPr>
+                </a:tc>
+                <a:extLst>
+                  <a:ext uri="{0D108BD9-81ED-4DB2-BD59-A6C34878D82A}">
+                    <a16:rowId xmlns:a16="http://schemas.microsoft.com/office/drawing/2014/main" val="730336656"/>
+                  </a:ext>
+                </a:extLst>
+              </a:tr>
+              <a:tr h="528461">
+                <a:tc>
+                  <a:txBody>
+                    <a:bodyPr/>
+                    <a:lstStyle/>
+                    <a:p>
+                      <a:pPr algn="ctr"/>
+                      <a:r>
+                        <a:rPr lang="en-US" sz="1200" dirty="0" err="1"/>
+                        <a:t>Thuốc</a:t>
+                      </a:r>
+                      <a:r>
+                        <a:rPr lang="en-US" sz="1200" dirty="0"/>
+                        <a:t> 2</a:t>
+                      </a:r>
+                    </a:p>
+                  </a:txBody>
+                  <a:tcPr anchor="ctr">
+                    <a:solidFill>
+                      <a:schemeClr val="bg1">
+                        <a:lumMod val="95000"/>
+                      </a:schemeClr>
+                    </a:solidFill>
+                  </a:tcPr>
+                </a:tc>
+                <a:tc>
+                  <a:txBody>
+                    <a:bodyPr/>
+                    <a:lstStyle/>
+                    <a:p>
+                      <a:pPr algn="ctr"/>
+                      <a:r>
+                        <a:rPr lang="en-US" sz="1200" kern="1200" dirty="0" err="1">
+                          <a:solidFill>
+                            <a:schemeClr val="dk1"/>
+                          </a:solidFill>
+                          <a:latin typeface="+mn-lt"/>
+                          <a:ea typeface="+mn-ea"/>
+                          <a:cs typeface="+mn-cs"/>
+                        </a:rPr>
+                        <a:t>Hộp</a:t>
+                      </a:r>
+                      <a:endParaRPr lang="en-US" sz="1200" dirty="0"/>
+                    </a:p>
+                  </a:txBody>
+                  <a:tcPr anchor="ctr">
+                    <a:solidFill>
+                      <a:schemeClr val="bg1">
+                        <a:lumMod val="95000"/>
+                      </a:schemeClr>
+                    </a:solidFill>
+                  </a:tcPr>
+                </a:tc>
+                <a:tc>
+                  <a:txBody>
+                    <a:bodyPr/>
+                    <a:lstStyle/>
+                    <a:p>
+                      <a:pPr algn="ctr"/>
+                      <a:r>
+                        <a:rPr lang="en-US" sz="1200" dirty="0"/>
+                        <a:t>10</a:t>
+                      </a:r>
+                    </a:p>
+                  </a:txBody>
+                  <a:tcPr anchor="ctr">
+                    <a:solidFill>
+                      <a:schemeClr val="bg1">
+                        <a:lumMod val="95000"/>
+                      </a:schemeClr>
+                    </a:solidFill>
+                  </a:tcPr>
+                </a:tc>
+                <a:tc>
+                  <a:txBody>
+                    <a:bodyPr/>
+                    <a:lstStyle/>
+                    <a:p>
+                      <a:pPr algn="ctr"/>
+                      <a:r>
+                        <a:rPr lang="en-US" sz="1200" dirty="0"/>
+                        <a:t>15,000</a:t>
+                      </a:r>
+                    </a:p>
+                  </a:txBody>
+                  <a:tcPr anchor="ctr">
+                    <a:solidFill>
+                      <a:schemeClr val="bg1">
+                        <a:lumMod val="95000"/>
+                      </a:schemeClr>
+                    </a:solidFill>
+                  </a:tcPr>
+                </a:tc>
+                <a:tc>
+                  <a:txBody>
+                    <a:bodyPr/>
+                    <a:lstStyle/>
+                    <a:p>
+                      <a:pPr algn="ctr"/>
+                      <a:r>
+                        <a:rPr lang="en-US" sz="1200" dirty="0"/>
+                        <a:t>150,000</a:t>
+                      </a:r>
+                    </a:p>
+                  </a:txBody>
+                  <a:tcPr anchor="ctr">
+                    <a:solidFill>
+                      <a:schemeClr val="bg1">
+                        <a:lumMod val="95000"/>
+                      </a:schemeClr>
+                    </a:solidFill>
+                  </a:tcPr>
+                </a:tc>
+                <a:extLst>
+                  <a:ext uri="{0D108BD9-81ED-4DB2-BD59-A6C34878D82A}">
+                    <a16:rowId xmlns:a16="http://schemas.microsoft.com/office/drawing/2014/main" val="2897143220"/>
+                  </a:ext>
+                </a:extLst>
+              </a:tr>
+            </a:tbl>
+          </a:graphicData>
+        </a:graphic>
+      </p:graphicFrame>
+      <p:sp>
+        <p:nvSpPr>
+          <p:cNvPr id="65" name="TextBox 64">
+            <a:extLst>
+              <a:ext uri="{FF2B5EF4-FFF2-40B4-BE49-F238E27FC236}">
+                <a16:creationId xmlns:a16="http://schemas.microsoft.com/office/drawing/2014/main" id="{611DF8EE-0FF6-446B-A5A5-5F97BF1EE171}"/>
+              </a:ext>
+            </a:extLst>
+          </p:cNvPr>
+          <p:cNvSpPr txBox="1"/>
+          <p:nvPr/>
+        </p:nvSpPr>
+        <p:spPr>
+          <a:xfrm>
+            <a:off x="535479" y="5715000"/>
+            <a:ext cx="1295400" cy="276999"/>
+          </a:xfrm>
+          <a:prstGeom prst="rect">
+            <a:avLst/>
+          </a:prstGeom>
+          <a:noFill/>
+        </p:spPr>
+        <p:txBody>
+          <a:bodyPr wrap="square" rtlCol="0">
+            <a:spAutoFit/>
+          </a:bodyPr>
+          <a:lstStyle/>
+          <a:p>
+            <a:r>
+              <a:rPr lang="en-US" sz="1200" dirty="0" err="1">
+                <a:latin typeface="+mj-lt"/>
+              </a:rPr>
+              <a:t>Tổng</a:t>
+            </a:r>
+            <a:r>
+              <a:rPr lang="en-US" sz="1200" dirty="0">
+                <a:latin typeface="+mj-lt"/>
+              </a:rPr>
+              <a:t> </a:t>
+            </a:r>
+            <a:r>
+              <a:rPr lang="en-US" sz="1200" dirty="0" err="1">
+                <a:latin typeface="+mj-lt"/>
+              </a:rPr>
+              <a:t>cộng</a:t>
+            </a:r>
+            <a:r>
+              <a:rPr lang="en-US" sz="1200" dirty="0">
+                <a:latin typeface="+mj-lt"/>
+              </a:rPr>
+              <a:t>:</a:t>
+            </a:r>
+          </a:p>
+        </p:txBody>
+      </p:sp>
+      <p:sp>
+        <p:nvSpPr>
+          <p:cNvPr id="66" name="TextBox 65">
+            <a:extLst>
+              <a:ext uri="{FF2B5EF4-FFF2-40B4-BE49-F238E27FC236}">
+                <a16:creationId xmlns:a16="http://schemas.microsoft.com/office/drawing/2014/main" id="{F6E7464D-71F5-44F6-99CD-0CF7156AE6DF}"/>
+              </a:ext>
+            </a:extLst>
+          </p:cNvPr>
+          <p:cNvSpPr txBox="1"/>
+          <p:nvPr/>
+        </p:nvSpPr>
+        <p:spPr>
+          <a:xfrm>
+            <a:off x="1524000" y="5634850"/>
+            <a:ext cx="1295400" cy="338554"/>
+          </a:xfrm>
+          <a:prstGeom prst="rect">
+            <a:avLst/>
+          </a:prstGeom>
+          <a:noFill/>
+        </p:spPr>
+        <p:txBody>
+          <a:bodyPr wrap="square" rtlCol="0">
+            <a:spAutoFit/>
+          </a:bodyPr>
+          <a:lstStyle/>
+          <a:p>
+            <a:r>
+              <a:rPr lang="en-US" sz="1600" b="1" dirty="0">
+                <a:latin typeface="+mj-lt"/>
+              </a:rPr>
+              <a:t>152,000</a:t>
+            </a:r>
+          </a:p>
+        </p:txBody>
+      </p:sp>
+      <p:sp>
+        <p:nvSpPr>
+          <p:cNvPr id="67" name="TextBox 66">
+            <a:extLst>
+              <a:ext uri="{FF2B5EF4-FFF2-40B4-BE49-F238E27FC236}">
+                <a16:creationId xmlns:a16="http://schemas.microsoft.com/office/drawing/2014/main" id="{FEA23420-2DDE-419D-BAA0-5D4C76EC1B72}"/>
+              </a:ext>
+            </a:extLst>
+          </p:cNvPr>
+          <p:cNvSpPr txBox="1"/>
+          <p:nvPr/>
+        </p:nvSpPr>
+        <p:spPr>
+          <a:xfrm>
+            <a:off x="500345" y="6088785"/>
+            <a:ext cx="2676962" cy="276999"/>
+          </a:xfrm>
+          <a:prstGeom prst="rect">
+            <a:avLst/>
+          </a:prstGeom>
+          <a:noFill/>
+        </p:spPr>
+        <p:txBody>
+          <a:bodyPr wrap="square" rtlCol="0">
+            <a:spAutoFit/>
+          </a:bodyPr>
+          <a:lstStyle/>
+          <a:p>
+            <a:r>
+              <a:rPr lang="en-US" sz="1200" dirty="0" err="1">
+                <a:sym typeface="Wingdings" panose="05000000000000000000" pitchFamily="2" charset="2"/>
+              </a:rPr>
+              <a:t>Đã</a:t>
+            </a:r>
+            <a:r>
+              <a:rPr lang="en-US" sz="1200" dirty="0">
+                <a:sym typeface="Wingdings" panose="05000000000000000000" pitchFamily="2" charset="2"/>
+              </a:rPr>
+              <a:t> </a:t>
+            </a:r>
+            <a:r>
+              <a:rPr lang="en-US" sz="1200" dirty="0" err="1">
+                <a:sym typeface="Wingdings" panose="05000000000000000000" pitchFamily="2" charset="2"/>
+              </a:rPr>
+              <a:t>thanh</a:t>
+            </a:r>
+            <a:r>
+              <a:rPr lang="en-US" sz="1200" dirty="0">
+                <a:sym typeface="Wingdings" panose="05000000000000000000" pitchFamily="2" charset="2"/>
+              </a:rPr>
+              <a:t> </a:t>
+            </a:r>
+            <a:r>
+              <a:rPr lang="en-US" sz="1200" dirty="0" err="1">
+                <a:sym typeface="Wingdings" panose="05000000000000000000" pitchFamily="2" charset="2"/>
+              </a:rPr>
+              <a:t>toán</a:t>
+            </a:r>
+            <a:r>
+              <a:rPr lang="en-US" sz="1200" dirty="0">
+                <a:sym typeface="Wingdings" panose="05000000000000000000" pitchFamily="2" charset="2"/>
+              </a:rPr>
+              <a:t>:*</a:t>
+            </a:r>
+            <a:endParaRPr lang="en-US" sz="1200" dirty="0"/>
+          </a:p>
+        </p:txBody>
+      </p:sp>
+      <p:sp>
+        <p:nvSpPr>
+          <p:cNvPr id="68" name="Rectangle 67">
+            <a:extLst>
+              <a:ext uri="{FF2B5EF4-FFF2-40B4-BE49-F238E27FC236}">
+                <a16:creationId xmlns:a16="http://schemas.microsoft.com/office/drawing/2014/main" id="{F0E5F963-CEEF-4589-9275-C7AC03734243}"/>
+              </a:ext>
+            </a:extLst>
+          </p:cNvPr>
+          <p:cNvSpPr/>
+          <p:nvPr/>
+        </p:nvSpPr>
+        <p:spPr>
+          <a:xfrm>
+            <a:off x="1554341" y="6088785"/>
+            <a:ext cx="2179459" cy="261554"/>
+          </a:xfrm>
+          <a:prstGeom prst="rect">
+            <a:avLst/>
+          </a:prstGeom>
+          <a:ln>
+            <a:noFill/>
+          </a:ln>
+        </p:spPr>
+        <p:style>
+          <a:lnRef idx="2">
+            <a:schemeClr val="dk1"/>
+          </a:lnRef>
+          <a:fillRef idx="1">
+            <a:schemeClr val="lt1"/>
+          </a:fillRef>
+          <a:effectRef idx="0">
+            <a:schemeClr val="dk1"/>
+          </a:effectRef>
+          <a:fontRef idx="minor">
+            <a:schemeClr val="dk1"/>
+          </a:fontRef>
+        </p:style>
+        <p:txBody>
+          <a:bodyPr rtlCol="0" anchor="ctr"/>
+          <a:lstStyle/>
+          <a:p>
+            <a:r>
+              <a:rPr lang="en-US" sz="1200" dirty="0">
+                <a:latin typeface="+mj-lt"/>
+              </a:rPr>
+              <a:t>0</a:t>
+            </a:r>
+          </a:p>
+        </p:txBody>
+      </p:sp>
+      <p:sp>
+        <p:nvSpPr>
+          <p:cNvPr id="69" name="TextBox 68">
+            <a:extLst>
+              <a:ext uri="{FF2B5EF4-FFF2-40B4-BE49-F238E27FC236}">
+                <a16:creationId xmlns:a16="http://schemas.microsoft.com/office/drawing/2014/main" id="{1B7138D9-E098-43EC-9792-4B21C058EB93}"/>
+              </a:ext>
+            </a:extLst>
+          </p:cNvPr>
+          <p:cNvSpPr txBox="1"/>
+          <p:nvPr/>
+        </p:nvSpPr>
+        <p:spPr>
+          <a:xfrm>
+            <a:off x="509353" y="6473392"/>
+            <a:ext cx="1295400" cy="276999"/>
+          </a:xfrm>
+          <a:prstGeom prst="rect">
+            <a:avLst/>
+          </a:prstGeom>
+          <a:noFill/>
+        </p:spPr>
+        <p:txBody>
+          <a:bodyPr wrap="square" rtlCol="0">
+            <a:spAutoFit/>
+          </a:bodyPr>
+          <a:lstStyle/>
+          <a:p>
+            <a:r>
+              <a:rPr lang="en-US" sz="1200" dirty="0" err="1">
+                <a:latin typeface="+mj-lt"/>
+              </a:rPr>
+              <a:t>Còn</a:t>
+            </a:r>
+            <a:r>
+              <a:rPr lang="en-US" sz="1200" dirty="0">
+                <a:latin typeface="+mj-lt"/>
+              </a:rPr>
+              <a:t> </a:t>
+            </a:r>
+            <a:r>
+              <a:rPr lang="en-US" sz="1200" dirty="0" err="1">
+                <a:latin typeface="+mj-lt"/>
+              </a:rPr>
+              <a:t>lại</a:t>
+            </a:r>
+            <a:r>
+              <a:rPr lang="en-US" sz="1200" dirty="0">
+                <a:latin typeface="+mj-lt"/>
+              </a:rPr>
+              <a:t>:</a:t>
+            </a:r>
+          </a:p>
+        </p:txBody>
+      </p:sp>
+      <p:sp>
+        <p:nvSpPr>
+          <p:cNvPr id="70" name="TextBox 69">
+            <a:extLst>
+              <a:ext uri="{FF2B5EF4-FFF2-40B4-BE49-F238E27FC236}">
+                <a16:creationId xmlns:a16="http://schemas.microsoft.com/office/drawing/2014/main" id="{B4462DC0-3876-4701-BC38-5B30062A2AFB}"/>
+              </a:ext>
+            </a:extLst>
+          </p:cNvPr>
+          <p:cNvSpPr txBox="1"/>
+          <p:nvPr/>
+        </p:nvSpPr>
+        <p:spPr>
+          <a:xfrm>
+            <a:off x="1524000" y="6411836"/>
+            <a:ext cx="1295400" cy="400110"/>
+          </a:xfrm>
+          <a:prstGeom prst="rect">
+            <a:avLst/>
+          </a:prstGeom>
+          <a:noFill/>
+        </p:spPr>
+        <p:txBody>
+          <a:bodyPr wrap="square" rtlCol="0">
+            <a:spAutoFit/>
+          </a:bodyPr>
+          <a:lstStyle/>
+          <a:p>
+            <a:r>
+              <a:rPr lang="en-US" sz="2000" b="1" dirty="0">
+                <a:solidFill>
+                  <a:srgbClr val="FF0000"/>
+                </a:solidFill>
+                <a:latin typeface="+mj-lt"/>
+              </a:rPr>
+              <a:t>152,000</a:t>
+            </a:r>
+          </a:p>
+        </p:txBody>
+      </p:sp>
+      <p:sp>
+        <p:nvSpPr>
+          <p:cNvPr id="71" name="TextBox 70">
+            <a:extLst>
+              <a:ext uri="{FF2B5EF4-FFF2-40B4-BE49-F238E27FC236}">
+                <a16:creationId xmlns:a16="http://schemas.microsoft.com/office/drawing/2014/main" id="{422EA802-DE61-43CB-B2C2-BD4E306CFC31}"/>
+              </a:ext>
+            </a:extLst>
+          </p:cNvPr>
+          <p:cNvSpPr txBox="1"/>
+          <p:nvPr/>
+        </p:nvSpPr>
+        <p:spPr>
+          <a:xfrm>
+            <a:off x="424194" y="3805752"/>
+            <a:ext cx="1792914" cy="276999"/>
+          </a:xfrm>
+          <a:prstGeom prst="rect">
+            <a:avLst/>
+          </a:prstGeom>
+          <a:noFill/>
+        </p:spPr>
+        <p:txBody>
+          <a:bodyPr wrap="square" rtlCol="0">
+            <a:spAutoFit/>
+          </a:bodyPr>
+          <a:lstStyle/>
+          <a:p>
+            <a:r>
+              <a:rPr lang="en-US" sz="1200" b="1" dirty="0" err="1">
+                <a:latin typeface="+mj-lt"/>
+              </a:rPr>
+              <a:t>Danh</a:t>
+            </a:r>
+            <a:r>
+              <a:rPr lang="en-US" sz="1200" b="1" dirty="0">
+                <a:latin typeface="+mj-lt"/>
+              </a:rPr>
+              <a:t> </a:t>
+            </a:r>
+            <a:r>
+              <a:rPr lang="en-US" sz="1200" b="1" dirty="0" err="1">
+                <a:latin typeface="+mj-lt"/>
+              </a:rPr>
+              <a:t>sách</a:t>
+            </a:r>
+            <a:r>
+              <a:rPr lang="en-US" sz="1200" b="1" dirty="0">
+                <a:latin typeface="+mj-lt"/>
+              </a:rPr>
+              <a:t> </a:t>
+            </a:r>
+            <a:r>
+              <a:rPr lang="en-US" sz="1200" b="1" dirty="0" err="1">
+                <a:latin typeface="+mj-lt"/>
+              </a:rPr>
+              <a:t>thuốc</a:t>
+            </a:r>
+            <a:r>
+              <a:rPr lang="en-US" sz="1200" b="1" dirty="0">
+                <a:latin typeface="+mj-lt"/>
+              </a:rPr>
+              <a:t> </a:t>
+            </a:r>
+            <a:r>
+              <a:rPr lang="en-US" sz="1200" b="1" dirty="0" err="1">
+                <a:latin typeface="+mj-lt"/>
+              </a:rPr>
+              <a:t>nhập</a:t>
+            </a:r>
+            <a:r>
+              <a:rPr lang="en-US" sz="1200" b="1" dirty="0">
+                <a:latin typeface="+mj-lt"/>
+              </a:rPr>
+              <a:t>:</a:t>
+            </a:r>
+          </a:p>
+        </p:txBody>
+      </p:sp>
+      <p:sp>
+        <p:nvSpPr>
+          <p:cNvPr id="34" name="TextBox 33">
+            <a:extLst>
+              <a:ext uri="{FF2B5EF4-FFF2-40B4-BE49-F238E27FC236}">
+                <a16:creationId xmlns:a16="http://schemas.microsoft.com/office/drawing/2014/main" id="{3EAD5C47-1D0F-4800-8304-C2BFF406E601}"/>
+              </a:ext>
+            </a:extLst>
+          </p:cNvPr>
+          <p:cNvSpPr txBox="1"/>
+          <p:nvPr/>
+        </p:nvSpPr>
+        <p:spPr>
+          <a:xfrm>
+            <a:off x="5571309" y="1909503"/>
+            <a:ext cx="1295400" cy="276999"/>
+          </a:xfrm>
+          <a:prstGeom prst="rect">
+            <a:avLst/>
+          </a:prstGeom>
+          <a:noFill/>
+        </p:spPr>
+        <p:txBody>
+          <a:bodyPr wrap="square" rtlCol="0">
+            <a:spAutoFit/>
+          </a:bodyPr>
+          <a:lstStyle/>
+          <a:p>
+            <a:pPr algn="r"/>
+            <a:r>
+              <a:rPr lang="en-US" sz="1200" i="1" u="sng" dirty="0" err="1">
+                <a:solidFill>
+                  <a:srgbClr val="0070C0"/>
+                </a:solidFill>
+                <a:latin typeface="+mj-lt"/>
+              </a:rPr>
+              <a:t>Xem</a:t>
+            </a:r>
+            <a:r>
+              <a:rPr lang="en-US" sz="1200" i="1" u="sng" dirty="0">
+                <a:solidFill>
+                  <a:srgbClr val="0070C0"/>
+                </a:solidFill>
+                <a:latin typeface="+mj-lt"/>
+              </a:rPr>
+              <a:t> </a:t>
+            </a:r>
+            <a:r>
+              <a:rPr lang="en-US" sz="1200" i="1" u="sng" dirty="0" err="1">
+                <a:solidFill>
+                  <a:srgbClr val="0070C0"/>
+                </a:solidFill>
+                <a:latin typeface="+mj-lt"/>
+              </a:rPr>
+              <a:t>hóa</a:t>
+            </a:r>
+            <a:r>
+              <a:rPr lang="en-US" sz="1200" i="1" u="sng" dirty="0">
+                <a:solidFill>
+                  <a:srgbClr val="0070C0"/>
+                </a:solidFill>
+                <a:latin typeface="+mj-lt"/>
+              </a:rPr>
+              <a:t> </a:t>
+            </a:r>
+            <a:r>
+              <a:rPr lang="en-US" sz="1200" i="1" u="sng" dirty="0" err="1">
+                <a:solidFill>
+                  <a:srgbClr val="0070C0"/>
+                </a:solidFill>
+                <a:latin typeface="+mj-lt"/>
+              </a:rPr>
+              <a:t>đơn</a:t>
+            </a:r>
+            <a:endParaRPr lang="en-US" sz="1200" i="1" u="sng" dirty="0">
+              <a:solidFill>
+                <a:srgbClr val="0070C0"/>
+              </a:solidFill>
+              <a:latin typeface="+mj-lt"/>
+            </a:endParaRPr>
+          </a:p>
+        </p:txBody>
+      </p:sp>
+    </p:spTree>
+    <p:extLst>
+      <p:ext uri="{BB962C8B-B14F-4D97-AF65-F5344CB8AC3E}">
+        <p14:creationId xmlns:p14="http://schemas.microsoft.com/office/powerpoint/2010/main" val="3595847346"/>
+      </p:ext>
+    </p:extLst>
+  </p:cSld>
+  <p:clrMapOvr>
+    <a:masterClrMapping/>
+  </p:clrMapOvr>
+</p:sld>
+</file>
+
+<file path=ppt/slides/slide19.xml><?xml version="1.0" encoding="utf-8"?>
 <p:sld xmlns:a="http://schemas.openxmlformats.org/drawingml/2006/main" xmlns:r="http://schemas.openxmlformats.org/officeDocument/2006/relationships" xmlns:p="http://schemas.openxmlformats.org/presentationml/2006/main">
   <p:cSld>
     <p:spTree>
@@ -19434,1111 +21276,6 @@
 </p:sld>
 </file>
 
-<file path=ppt/slides/slide19.xml><?xml version="1.0" encoding="utf-8"?>
-<p:sld xmlns:a="http://schemas.openxmlformats.org/drawingml/2006/main" xmlns:r="http://schemas.openxmlformats.org/officeDocument/2006/relationships" xmlns:p="http://schemas.openxmlformats.org/presentationml/2006/main">
-  <p:cSld>
-    <p:spTree>
-      <p:nvGrpSpPr>
-        <p:cNvPr id="1" name=""/>
-        <p:cNvGrpSpPr/>
-        <p:nvPr/>
-      </p:nvGrpSpPr>
-      <p:grpSpPr>
-        <a:xfrm>
-          <a:off x="0" y="0"/>
-          <a:ext cx="0" cy="0"/>
-          <a:chOff x="0" y="0"/>
-          <a:chExt cx="0" cy="0"/>
-        </a:xfrm>
-      </p:grpSpPr>
-      <p:sp>
-        <p:nvSpPr>
-          <p:cNvPr id="6" name="TextBox 5">
-            <a:extLst>
-              <a:ext uri="{FF2B5EF4-FFF2-40B4-BE49-F238E27FC236}">
-                <a16:creationId xmlns:a16="http://schemas.microsoft.com/office/drawing/2014/main" id="{CD2A8DE0-B0E7-40FB-9538-60D54401A4F8}"/>
-              </a:ext>
-            </a:extLst>
-          </p:cNvPr>
-          <p:cNvSpPr txBox="1"/>
-          <p:nvPr/>
-        </p:nvSpPr>
-        <p:spPr>
-          <a:xfrm>
-            <a:off x="228600" y="76200"/>
-            <a:ext cx="4572000" cy="369332"/>
-          </a:xfrm>
-          <a:prstGeom prst="rect">
-            <a:avLst/>
-          </a:prstGeom>
-          <a:noFill/>
-        </p:spPr>
-        <p:txBody>
-          <a:bodyPr wrap="square" rtlCol="0">
-            <a:spAutoFit/>
-          </a:bodyPr>
-          <a:lstStyle/>
-          <a:p>
-            <a:r>
-              <a:rPr lang="en-US" dirty="0" err="1">
-                <a:latin typeface="+mj-lt"/>
-              </a:rPr>
-              <a:t>Màn</a:t>
-            </a:r>
-            <a:r>
-              <a:rPr lang="en-US" dirty="0">
-                <a:latin typeface="+mj-lt"/>
-              </a:rPr>
-              <a:t> </a:t>
-            </a:r>
-            <a:r>
-              <a:rPr lang="en-US" dirty="0" err="1">
-                <a:latin typeface="+mj-lt"/>
-              </a:rPr>
-              <a:t>hình</a:t>
-            </a:r>
-            <a:r>
-              <a:rPr lang="en-US" dirty="0">
-                <a:latin typeface="+mj-lt"/>
-              </a:rPr>
-              <a:t> </a:t>
-            </a:r>
-            <a:r>
-              <a:rPr lang="en-US" dirty="0" err="1">
-                <a:latin typeface="+mj-lt"/>
-              </a:rPr>
-              <a:t>Thông</a:t>
-            </a:r>
-            <a:r>
-              <a:rPr lang="en-US" dirty="0">
-                <a:latin typeface="+mj-lt"/>
-              </a:rPr>
-              <a:t> tin </a:t>
-            </a:r>
-            <a:r>
-              <a:rPr lang="en-US" dirty="0" err="1">
-                <a:latin typeface="+mj-lt"/>
-              </a:rPr>
-              <a:t>nhà</a:t>
-            </a:r>
-            <a:r>
-              <a:rPr lang="en-US" dirty="0">
-                <a:latin typeface="+mj-lt"/>
-              </a:rPr>
-              <a:t> </a:t>
-            </a:r>
-            <a:r>
-              <a:rPr lang="en-US" dirty="0" err="1">
-                <a:latin typeface="+mj-lt"/>
-              </a:rPr>
-              <a:t>cung</a:t>
-            </a:r>
-            <a:r>
-              <a:rPr lang="en-US" dirty="0">
-                <a:latin typeface="+mj-lt"/>
-              </a:rPr>
-              <a:t> </a:t>
-            </a:r>
-            <a:r>
-              <a:rPr lang="en-US" dirty="0" err="1">
-                <a:latin typeface="+mj-lt"/>
-              </a:rPr>
-              <a:t>cấp</a:t>
-            </a:r>
-            <a:endParaRPr lang="en-US" dirty="0">
-              <a:latin typeface="+mj-lt"/>
-            </a:endParaRPr>
-          </a:p>
-        </p:txBody>
-      </p:sp>
-      <p:pic>
-        <p:nvPicPr>
-          <p:cNvPr id="11" name="Picture 10">
-            <a:extLst>
-              <a:ext uri="{FF2B5EF4-FFF2-40B4-BE49-F238E27FC236}">
-                <a16:creationId xmlns:a16="http://schemas.microsoft.com/office/drawing/2014/main" id="{F6164AE6-B86F-4668-B82E-2CCF243694C5}"/>
-              </a:ext>
-            </a:extLst>
-          </p:cNvPr>
-          <p:cNvPicPr>
-            <a:picLocks noChangeAspect="1"/>
-          </p:cNvPicPr>
-          <p:nvPr/>
-        </p:nvPicPr>
-        <p:blipFill>
-          <a:blip r:embed="rId2"/>
-          <a:stretch>
-            <a:fillRect/>
-          </a:stretch>
-        </p:blipFill>
-        <p:spPr>
-          <a:xfrm>
-            <a:off x="0" y="673095"/>
-            <a:ext cx="9144000" cy="6184905"/>
-          </a:xfrm>
-          <a:prstGeom prst="rect">
-            <a:avLst/>
-          </a:prstGeom>
-        </p:spPr>
-      </p:pic>
-      <p:sp>
-        <p:nvSpPr>
-          <p:cNvPr id="18" name="TextBox 17">
-            <a:extLst>
-              <a:ext uri="{FF2B5EF4-FFF2-40B4-BE49-F238E27FC236}">
-                <a16:creationId xmlns:a16="http://schemas.microsoft.com/office/drawing/2014/main" id="{DDEA07C1-E0BC-44D5-97BC-55487ACFA934}"/>
-              </a:ext>
-            </a:extLst>
-          </p:cNvPr>
-          <p:cNvSpPr txBox="1"/>
-          <p:nvPr/>
-        </p:nvSpPr>
-        <p:spPr>
-          <a:xfrm>
-            <a:off x="473366" y="2975799"/>
-            <a:ext cx="1295400" cy="276999"/>
-          </a:xfrm>
-          <a:prstGeom prst="rect">
-            <a:avLst/>
-          </a:prstGeom>
-          <a:noFill/>
-        </p:spPr>
-        <p:txBody>
-          <a:bodyPr wrap="square" rtlCol="0">
-            <a:spAutoFit/>
-          </a:bodyPr>
-          <a:lstStyle/>
-          <a:p>
-            <a:r>
-              <a:rPr lang="en-US" sz="1200" dirty="0" err="1">
-                <a:latin typeface="+mj-lt"/>
-              </a:rPr>
-              <a:t>Tên</a:t>
-            </a:r>
-            <a:r>
-              <a:rPr lang="en-US" sz="1200" dirty="0">
-                <a:latin typeface="+mj-lt"/>
-              </a:rPr>
-              <a:t> NCC:*</a:t>
-            </a:r>
-          </a:p>
-        </p:txBody>
-      </p:sp>
-      <p:sp>
-        <p:nvSpPr>
-          <p:cNvPr id="19" name="TextBox 18">
-            <a:extLst>
-              <a:ext uri="{FF2B5EF4-FFF2-40B4-BE49-F238E27FC236}">
-                <a16:creationId xmlns:a16="http://schemas.microsoft.com/office/drawing/2014/main" id="{DE082C68-9641-440A-83B8-07164C781333}"/>
-              </a:ext>
-            </a:extLst>
-          </p:cNvPr>
-          <p:cNvSpPr txBox="1"/>
-          <p:nvPr/>
-        </p:nvSpPr>
-        <p:spPr>
-          <a:xfrm>
-            <a:off x="473366" y="3394061"/>
-            <a:ext cx="1295400" cy="276999"/>
-          </a:xfrm>
-          <a:prstGeom prst="rect">
-            <a:avLst/>
-          </a:prstGeom>
-          <a:noFill/>
-        </p:spPr>
-        <p:txBody>
-          <a:bodyPr wrap="square" rtlCol="0">
-            <a:spAutoFit/>
-          </a:bodyPr>
-          <a:lstStyle/>
-          <a:p>
-            <a:r>
-              <a:rPr lang="en-US" sz="1200" dirty="0" err="1">
-                <a:latin typeface="+mj-lt"/>
-              </a:rPr>
-              <a:t>Điện</a:t>
-            </a:r>
-            <a:r>
-              <a:rPr lang="en-US" sz="1200" dirty="0">
-                <a:latin typeface="+mj-lt"/>
-              </a:rPr>
-              <a:t> </a:t>
-            </a:r>
-            <a:r>
-              <a:rPr lang="en-US" sz="1200" dirty="0" err="1">
-                <a:latin typeface="+mj-lt"/>
-              </a:rPr>
-              <a:t>thoại</a:t>
-            </a:r>
-            <a:r>
-              <a:rPr lang="en-US" sz="1200" dirty="0">
-                <a:latin typeface="+mj-lt"/>
-              </a:rPr>
-              <a:t>:*</a:t>
-            </a:r>
-          </a:p>
-        </p:txBody>
-      </p:sp>
-      <p:sp>
-        <p:nvSpPr>
-          <p:cNvPr id="20" name="TextBox 19">
-            <a:extLst>
-              <a:ext uri="{FF2B5EF4-FFF2-40B4-BE49-F238E27FC236}">
-                <a16:creationId xmlns:a16="http://schemas.microsoft.com/office/drawing/2014/main" id="{6DD24C2E-7386-42E5-86E8-6DEC9280B005}"/>
-              </a:ext>
-            </a:extLst>
-          </p:cNvPr>
-          <p:cNvSpPr txBox="1"/>
-          <p:nvPr/>
-        </p:nvSpPr>
-        <p:spPr>
-          <a:xfrm>
-            <a:off x="4786086" y="2985965"/>
-            <a:ext cx="1295400" cy="276999"/>
-          </a:xfrm>
-          <a:prstGeom prst="rect">
-            <a:avLst/>
-          </a:prstGeom>
-          <a:noFill/>
-        </p:spPr>
-        <p:txBody>
-          <a:bodyPr wrap="square" rtlCol="0">
-            <a:spAutoFit/>
-          </a:bodyPr>
-          <a:lstStyle/>
-          <a:p>
-            <a:r>
-              <a:rPr lang="en-US" sz="1200" dirty="0" err="1">
-                <a:latin typeface="+mj-lt"/>
-              </a:rPr>
-              <a:t>Địa</a:t>
-            </a:r>
-            <a:r>
-              <a:rPr lang="en-US" sz="1200" dirty="0">
-                <a:latin typeface="+mj-lt"/>
-              </a:rPr>
-              <a:t> </a:t>
-            </a:r>
-            <a:r>
-              <a:rPr lang="en-US" sz="1200" dirty="0" err="1">
-                <a:latin typeface="+mj-lt"/>
-              </a:rPr>
-              <a:t>chỉ</a:t>
-            </a:r>
-            <a:r>
-              <a:rPr lang="en-US" sz="1200" dirty="0">
-                <a:latin typeface="+mj-lt"/>
-              </a:rPr>
-              <a:t>:</a:t>
-            </a:r>
-          </a:p>
-        </p:txBody>
-      </p:sp>
-      <p:sp>
-        <p:nvSpPr>
-          <p:cNvPr id="23" name="Rectangle 22">
-            <a:extLst>
-              <a:ext uri="{FF2B5EF4-FFF2-40B4-BE49-F238E27FC236}">
-                <a16:creationId xmlns:a16="http://schemas.microsoft.com/office/drawing/2014/main" id="{7E948C6D-3FFA-44C6-BD28-5EB2DEC69A26}"/>
-              </a:ext>
-            </a:extLst>
-          </p:cNvPr>
-          <p:cNvSpPr/>
-          <p:nvPr/>
-        </p:nvSpPr>
-        <p:spPr>
-          <a:xfrm>
-            <a:off x="1476829" y="2975799"/>
-            <a:ext cx="3124200" cy="261554"/>
-          </a:xfrm>
-          <a:prstGeom prst="rect">
-            <a:avLst/>
-          </a:prstGeom>
-        </p:spPr>
-        <p:style>
-          <a:lnRef idx="2">
-            <a:schemeClr val="dk1"/>
-          </a:lnRef>
-          <a:fillRef idx="1">
-            <a:schemeClr val="lt1"/>
-          </a:fillRef>
-          <a:effectRef idx="0">
-            <a:schemeClr val="dk1"/>
-          </a:effectRef>
-          <a:fontRef idx="minor">
-            <a:schemeClr val="dk1"/>
-          </a:fontRef>
-        </p:style>
-        <p:txBody>
-          <a:bodyPr rtlCol="0" anchor="ctr"/>
-          <a:lstStyle/>
-          <a:p>
-            <a:pPr algn="ctr"/>
-            <a:endParaRPr lang="en-US">
-              <a:latin typeface="+mj-lt"/>
-            </a:endParaRPr>
-          </a:p>
-        </p:txBody>
-      </p:sp>
-      <p:sp>
-        <p:nvSpPr>
-          <p:cNvPr id="26" name="Rectangle 25">
-            <a:extLst>
-              <a:ext uri="{FF2B5EF4-FFF2-40B4-BE49-F238E27FC236}">
-                <a16:creationId xmlns:a16="http://schemas.microsoft.com/office/drawing/2014/main" id="{39CF1CDE-A93F-4AB1-968F-94B2D4449D82}"/>
-              </a:ext>
-            </a:extLst>
-          </p:cNvPr>
-          <p:cNvSpPr/>
-          <p:nvPr/>
-        </p:nvSpPr>
-        <p:spPr>
-          <a:xfrm>
-            <a:off x="1476829" y="3385484"/>
-            <a:ext cx="3124200" cy="261554"/>
-          </a:xfrm>
-          <a:prstGeom prst="rect">
-            <a:avLst/>
-          </a:prstGeom>
-        </p:spPr>
-        <p:style>
-          <a:lnRef idx="2">
-            <a:schemeClr val="dk1"/>
-          </a:lnRef>
-          <a:fillRef idx="1">
-            <a:schemeClr val="lt1"/>
-          </a:fillRef>
-          <a:effectRef idx="0">
-            <a:schemeClr val="dk1"/>
-          </a:effectRef>
-          <a:fontRef idx="minor">
-            <a:schemeClr val="dk1"/>
-          </a:fontRef>
-        </p:style>
-        <p:txBody>
-          <a:bodyPr rtlCol="0" anchor="ctr"/>
-          <a:lstStyle/>
-          <a:p>
-            <a:pPr algn="ctr"/>
-            <a:endParaRPr lang="en-US">
-              <a:latin typeface="+mj-lt"/>
-            </a:endParaRPr>
-          </a:p>
-        </p:txBody>
-      </p:sp>
-      <p:sp>
-        <p:nvSpPr>
-          <p:cNvPr id="29" name="Rectangle 28">
-            <a:extLst>
-              <a:ext uri="{FF2B5EF4-FFF2-40B4-BE49-F238E27FC236}">
-                <a16:creationId xmlns:a16="http://schemas.microsoft.com/office/drawing/2014/main" id="{14852D35-E350-44FF-922A-B2A645A7B618}"/>
-              </a:ext>
-            </a:extLst>
-          </p:cNvPr>
-          <p:cNvSpPr/>
-          <p:nvPr/>
-        </p:nvSpPr>
-        <p:spPr>
-          <a:xfrm>
-            <a:off x="5789549" y="2968811"/>
-            <a:ext cx="3124200" cy="261554"/>
-          </a:xfrm>
-          <a:prstGeom prst="rect">
-            <a:avLst/>
-          </a:prstGeom>
-        </p:spPr>
-        <p:style>
-          <a:lnRef idx="2">
-            <a:schemeClr val="dk1"/>
-          </a:lnRef>
-          <a:fillRef idx="1">
-            <a:schemeClr val="lt1"/>
-          </a:fillRef>
-          <a:effectRef idx="0">
-            <a:schemeClr val="dk1"/>
-          </a:effectRef>
-          <a:fontRef idx="minor">
-            <a:schemeClr val="dk1"/>
-          </a:fontRef>
-        </p:style>
-        <p:txBody>
-          <a:bodyPr rtlCol="0" anchor="ctr"/>
-          <a:lstStyle/>
-          <a:p>
-            <a:pPr algn="ctr"/>
-            <a:endParaRPr lang="en-US">
-              <a:latin typeface="+mj-lt"/>
-            </a:endParaRPr>
-          </a:p>
-        </p:txBody>
-      </p:sp>
-      <p:sp>
-        <p:nvSpPr>
-          <p:cNvPr id="41" name="Rectangle 40">
-            <a:extLst>
-              <a:ext uri="{FF2B5EF4-FFF2-40B4-BE49-F238E27FC236}">
-                <a16:creationId xmlns:a16="http://schemas.microsoft.com/office/drawing/2014/main" id="{E81BDFDF-A2C2-47AD-8D90-A0FE79376AA6}"/>
-              </a:ext>
-            </a:extLst>
-          </p:cNvPr>
-          <p:cNvSpPr/>
-          <p:nvPr/>
-        </p:nvSpPr>
-        <p:spPr>
-          <a:xfrm>
-            <a:off x="7658100" y="6374360"/>
-            <a:ext cx="1371600" cy="358165"/>
-          </a:xfrm>
-          <a:prstGeom prst="rect">
-            <a:avLst/>
-          </a:prstGeom>
-          <a:solidFill>
-            <a:srgbClr val="4BBF60"/>
-          </a:solidFill>
-          <a:ln>
-            <a:noFill/>
-          </a:ln>
-        </p:spPr>
-        <p:style>
-          <a:lnRef idx="2">
-            <a:schemeClr val="accent1">
-              <a:shade val="50000"/>
-            </a:schemeClr>
-          </a:lnRef>
-          <a:fillRef idx="1">
-            <a:schemeClr val="accent1"/>
-          </a:fillRef>
-          <a:effectRef idx="0">
-            <a:schemeClr val="accent1"/>
-          </a:effectRef>
-          <a:fontRef idx="minor">
-            <a:schemeClr val="lt1"/>
-          </a:fontRef>
-        </p:style>
-        <p:txBody>
-          <a:bodyPr rtlCol="0" anchor="ctr"/>
-          <a:lstStyle/>
-          <a:p>
-            <a:pPr algn="ctr"/>
-            <a:r>
-              <a:rPr lang="en-US" dirty="0" err="1">
-                <a:latin typeface="+mj-lt"/>
-              </a:rPr>
-              <a:t>Lưu</a:t>
-            </a:r>
-            <a:endParaRPr lang="en-US" dirty="0">
-              <a:latin typeface="+mj-lt"/>
-            </a:endParaRPr>
-          </a:p>
-        </p:txBody>
-      </p:sp>
-      <p:sp>
-        <p:nvSpPr>
-          <p:cNvPr id="42" name="Rectangle 41">
-            <a:extLst>
-              <a:ext uri="{FF2B5EF4-FFF2-40B4-BE49-F238E27FC236}">
-                <a16:creationId xmlns:a16="http://schemas.microsoft.com/office/drawing/2014/main" id="{353BFA1C-32B8-4D02-82DD-D04AE5441E95}"/>
-              </a:ext>
-            </a:extLst>
-          </p:cNvPr>
-          <p:cNvSpPr/>
-          <p:nvPr/>
-        </p:nvSpPr>
-        <p:spPr>
-          <a:xfrm>
-            <a:off x="6172200" y="6373058"/>
-            <a:ext cx="1371600" cy="358165"/>
-          </a:xfrm>
-          <a:prstGeom prst="rect">
-            <a:avLst/>
-          </a:prstGeom>
-          <a:solidFill>
-            <a:schemeClr val="bg1">
-              <a:lumMod val="65000"/>
-            </a:schemeClr>
-          </a:solidFill>
-          <a:ln>
-            <a:noFill/>
-          </a:ln>
-        </p:spPr>
-        <p:style>
-          <a:lnRef idx="2">
-            <a:schemeClr val="accent1">
-              <a:shade val="50000"/>
-            </a:schemeClr>
-          </a:lnRef>
-          <a:fillRef idx="1">
-            <a:schemeClr val="accent1"/>
-          </a:fillRef>
-          <a:effectRef idx="0">
-            <a:schemeClr val="accent1"/>
-          </a:effectRef>
-          <a:fontRef idx="minor">
-            <a:schemeClr val="lt1"/>
-          </a:fontRef>
-        </p:style>
-        <p:txBody>
-          <a:bodyPr rtlCol="0" anchor="ctr"/>
-          <a:lstStyle/>
-          <a:p>
-            <a:pPr algn="ctr"/>
-            <a:r>
-              <a:rPr lang="en-US" dirty="0" err="1">
-                <a:latin typeface="+mj-lt"/>
-              </a:rPr>
-              <a:t>Trở</a:t>
-            </a:r>
-            <a:r>
-              <a:rPr lang="en-US" dirty="0">
-                <a:latin typeface="+mj-lt"/>
-              </a:rPr>
-              <a:t> </a:t>
-            </a:r>
-            <a:r>
-              <a:rPr lang="en-US" dirty="0" err="1">
-                <a:latin typeface="+mj-lt"/>
-              </a:rPr>
-              <a:t>lại</a:t>
-            </a:r>
-            <a:endParaRPr lang="en-US" dirty="0">
-              <a:latin typeface="+mj-lt"/>
-            </a:endParaRPr>
-          </a:p>
-        </p:txBody>
-      </p:sp>
-      <p:sp>
-        <p:nvSpPr>
-          <p:cNvPr id="48" name="TextBox 47">
-            <a:extLst>
-              <a:ext uri="{FF2B5EF4-FFF2-40B4-BE49-F238E27FC236}">
-                <a16:creationId xmlns:a16="http://schemas.microsoft.com/office/drawing/2014/main" id="{F645AFEA-5815-4FE2-9618-7C86B01C2515}"/>
-              </a:ext>
-            </a:extLst>
-          </p:cNvPr>
-          <p:cNvSpPr txBox="1"/>
-          <p:nvPr/>
-        </p:nvSpPr>
-        <p:spPr>
-          <a:xfrm>
-            <a:off x="4786086" y="3419791"/>
-            <a:ext cx="1295400" cy="276999"/>
-          </a:xfrm>
-          <a:prstGeom prst="rect">
-            <a:avLst/>
-          </a:prstGeom>
-          <a:noFill/>
-        </p:spPr>
-        <p:txBody>
-          <a:bodyPr wrap="square" rtlCol="0">
-            <a:spAutoFit/>
-          </a:bodyPr>
-          <a:lstStyle/>
-          <a:p>
-            <a:r>
-              <a:rPr lang="en-US" sz="1200" dirty="0" err="1">
-                <a:latin typeface="+mj-lt"/>
-              </a:rPr>
-              <a:t>Ghi</a:t>
-            </a:r>
-            <a:r>
-              <a:rPr lang="en-US" sz="1200" dirty="0">
-                <a:latin typeface="+mj-lt"/>
-              </a:rPr>
-              <a:t> </a:t>
-            </a:r>
-            <a:r>
-              <a:rPr lang="en-US" sz="1200" dirty="0" err="1">
-                <a:latin typeface="+mj-lt"/>
-              </a:rPr>
-              <a:t>chú</a:t>
-            </a:r>
-            <a:r>
-              <a:rPr lang="en-US" sz="1200" dirty="0">
-                <a:latin typeface="+mj-lt"/>
-              </a:rPr>
-              <a:t>:</a:t>
-            </a:r>
-          </a:p>
-        </p:txBody>
-      </p:sp>
-      <p:sp>
-        <p:nvSpPr>
-          <p:cNvPr id="49" name="Rectangle 48">
-            <a:extLst>
-              <a:ext uri="{FF2B5EF4-FFF2-40B4-BE49-F238E27FC236}">
-                <a16:creationId xmlns:a16="http://schemas.microsoft.com/office/drawing/2014/main" id="{6BB4A87D-F73C-4006-BF33-C237ABCF2E42}"/>
-              </a:ext>
-            </a:extLst>
-          </p:cNvPr>
-          <p:cNvSpPr/>
-          <p:nvPr/>
-        </p:nvSpPr>
-        <p:spPr>
-          <a:xfrm>
-            <a:off x="5789549" y="3385484"/>
-            <a:ext cx="3124200" cy="1110316"/>
-          </a:xfrm>
-          <a:prstGeom prst="rect">
-            <a:avLst/>
-          </a:prstGeom>
-        </p:spPr>
-        <p:style>
-          <a:lnRef idx="2">
-            <a:schemeClr val="dk1"/>
-          </a:lnRef>
-          <a:fillRef idx="1">
-            <a:schemeClr val="lt1"/>
-          </a:fillRef>
-          <a:effectRef idx="0">
-            <a:schemeClr val="dk1"/>
-          </a:effectRef>
-          <a:fontRef idx="minor">
-            <a:schemeClr val="dk1"/>
-          </a:fontRef>
-        </p:style>
-        <p:txBody>
-          <a:bodyPr rtlCol="0" anchor="ctr"/>
-          <a:lstStyle/>
-          <a:p>
-            <a:pPr algn="ctr"/>
-            <a:endParaRPr lang="en-US">
-              <a:latin typeface="+mj-lt"/>
-            </a:endParaRPr>
-          </a:p>
-        </p:txBody>
-      </p:sp>
-      <p:sp>
-        <p:nvSpPr>
-          <p:cNvPr id="22" name="TextBox 21">
-            <a:extLst>
-              <a:ext uri="{FF2B5EF4-FFF2-40B4-BE49-F238E27FC236}">
-                <a16:creationId xmlns:a16="http://schemas.microsoft.com/office/drawing/2014/main" id="{2458615F-EDD4-4CB1-8636-7046012BCFC7}"/>
-              </a:ext>
-            </a:extLst>
-          </p:cNvPr>
-          <p:cNvSpPr txBox="1"/>
-          <p:nvPr/>
-        </p:nvSpPr>
-        <p:spPr>
-          <a:xfrm>
-            <a:off x="896660" y="945229"/>
-            <a:ext cx="4300206" cy="369490"/>
-          </a:xfrm>
-          <a:prstGeom prst="rect">
-            <a:avLst/>
-          </a:prstGeom>
-          <a:noFill/>
-        </p:spPr>
-        <p:txBody>
-          <a:bodyPr wrap="square" rtlCol="0">
-            <a:spAutoFit/>
-          </a:bodyPr>
-          <a:lstStyle/>
-          <a:p>
-            <a:r>
-              <a:rPr lang="en-US" b="1" dirty="0" err="1">
-                <a:solidFill>
-                  <a:schemeClr val="tx1">
-                    <a:lumMod val="85000"/>
-                    <a:lumOff val="15000"/>
-                  </a:schemeClr>
-                </a:solidFill>
-                <a:latin typeface="+mj-lt"/>
-              </a:rPr>
-              <a:t>Thông</a:t>
-            </a:r>
-            <a:r>
-              <a:rPr lang="en-US" b="1" dirty="0">
-                <a:solidFill>
-                  <a:schemeClr val="tx1">
-                    <a:lumMod val="85000"/>
-                    <a:lumOff val="15000"/>
-                  </a:schemeClr>
-                </a:solidFill>
-                <a:latin typeface="+mj-lt"/>
-              </a:rPr>
-              <a:t> tin </a:t>
-            </a:r>
-            <a:r>
-              <a:rPr lang="en-US" b="1" dirty="0" err="1">
-                <a:solidFill>
-                  <a:schemeClr val="tx1">
-                    <a:lumMod val="85000"/>
-                    <a:lumOff val="15000"/>
-                  </a:schemeClr>
-                </a:solidFill>
-                <a:latin typeface="+mj-lt"/>
-              </a:rPr>
-              <a:t>nhà</a:t>
-            </a:r>
-            <a:r>
-              <a:rPr lang="en-US" b="1" dirty="0">
-                <a:solidFill>
-                  <a:schemeClr val="tx1">
-                    <a:lumMod val="85000"/>
-                    <a:lumOff val="15000"/>
-                  </a:schemeClr>
-                </a:solidFill>
-                <a:latin typeface="+mj-lt"/>
-              </a:rPr>
-              <a:t> </a:t>
-            </a:r>
-            <a:r>
-              <a:rPr lang="en-US" b="1" dirty="0" err="1">
-                <a:solidFill>
-                  <a:schemeClr val="tx1">
-                    <a:lumMod val="85000"/>
-                    <a:lumOff val="15000"/>
-                  </a:schemeClr>
-                </a:solidFill>
-                <a:latin typeface="+mj-lt"/>
-              </a:rPr>
-              <a:t>cung</a:t>
-            </a:r>
-            <a:r>
-              <a:rPr lang="en-US" b="1" dirty="0">
-                <a:solidFill>
-                  <a:schemeClr val="tx1">
-                    <a:lumMod val="85000"/>
-                    <a:lumOff val="15000"/>
-                  </a:schemeClr>
-                </a:solidFill>
-                <a:latin typeface="+mj-lt"/>
-              </a:rPr>
-              <a:t> </a:t>
-            </a:r>
-            <a:r>
-              <a:rPr lang="en-US" b="1" dirty="0" err="1">
-                <a:solidFill>
-                  <a:schemeClr val="tx1">
-                    <a:lumMod val="85000"/>
-                    <a:lumOff val="15000"/>
-                  </a:schemeClr>
-                </a:solidFill>
-                <a:latin typeface="+mj-lt"/>
-              </a:rPr>
-              <a:t>cấp</a:t>
-            </a:r>
-            <a:endParaRPr lang="en-US" b="1" dirty="0">
-              <a:solidFill>
-                <a:schemeClr val="tx1">
-                  <a:lumMod val="85000"/>
-                  <a:lumOff val="15000"/>
-                </a:schemeClr>
-              </a:solidFill>
-              <a:latin typeface="+mj-lt"/>
-            </a:endParaRPr>
-          </a:p>
-        </p:txBody>
-      </p:sp>
-      <p:sp>
-        <p:nvSpPr>
-          <p:cNvPr id="25" name="TextBox 24">
-            <a:extLst>
-              <a:ext uri="{FF2B5EF4-FFF2-40B4-BE49-F238E27FC236}">
-                <a16:creationId xmlns:a16="http://schemas.microsoft.com/office/drawing/2014/main" id="{D2AE1B74-BAF0-44E9-A1E2-8323FB69F8D2}"/>
-              </a:ext>
-            </a:extLst>
-          </p:cNvPr>
-          <p:cNvSpPr txBox="1"/>
-          <p:nvPr/>
-        </p:nvSpPr>
-        <p:spPr>
-          <a:xfrm>
-            <a:off x="473366" y="3811198"/>
-            <a:ext cx="1295400" cy="276999"/>
-          </a:xfrm>
-          <a:prstGeom prst="rect">
-            <a:avLst/>
-          </a:prstGeom>
-          <a:noFill/>
-        </p:spPr>
-        <p:txBody>
-          <a:bodyPr wrap="square" rtlCol="0">
-            <a:spAutoFit/>
-          </a:bodyPr>
-          <a:lstStyle/>
-          <a:p>
-            <a:r>
-              <a:rPr lang="en-US" sz="1200" dirty="0">
-                <a:latin typeface="+mj-lt"/>
-              </a:rPr>
-              <a:t>Email:</a:t>
-            </a:r>
-          </a:p>
-        </p:txBody>
-      </p:sp>
-      <p:sp>
-        <p:nvSpPr>
-          <p:cNvPr id="27" name="Rectangle 26">
-            <a:extLst>
-              <a:ext uri="{FF2B5EF4-FFF2-40B4-BE49-F238E27FC236}">
-                <a16:creationId xmlns:a16="http://schemas.microsoft.com/office/drawing/2014/main" id="{37977B50-6556-4B94-B1F8-5F92215A0B0C}"/>
-              </a:ext>
-            </a:extLst>
-          </p:cNvPr>
-          <p:cNvSpPr/>
-          <p:nvPr/>
-        </p:nvSpPr>
-        <p:spPr>
-          <a:xfrm>
-            <a:off x="1476829" y="3794044"/>
-            <a:ext cx="3124200" cy="261554"/>
-          </a:xfrm>
-          <a:prstGeom prst="rect">
-            <a:avLst/>
-          </a:prstGeom>
-        </p:spPr>
-        <p:style>
-          <a:lnRef idx="2">
-            <a:schemeClr val="dk1"/>
-          </a:lnRef>
-          <a:fillRef idx="1">
-            <a:schemeClr val="lt1"/>
-          </a:fillRef>
-          <a:effectRef idx="0">
-            <a:schemeClr val="dk1"/>
-          </a:effectRef>
-          <a:fontRef idx="minor">
-            <a:schemeClr val="dk1"/>
-          </a:fontRef>
-        </p:style>
-        <p:txBody>
-          <a:bodyPr rtlCol="0" anchor="ctr"/>
-          <a:lstStyle/>
-          <a:p>
-            <a:pPr algn="ctr"/>
-            <a:endParaRPr lang="en-US">
-              <a:latin typeface="+mj-lt"/>
-            </a:endParaRPr>
-          </a:p>
-        </p:txBody>
-      </p:sp>
-      <p:sp>
-        <p:nvSpPr>
-          <p:cNvPr id="28" name="Rectangle 27">
-            <a:extLst>
-              <a:ext uri="{FF2B5EF4-FFF2-40B4-BE49-F238E27FC236}">
-                <a16:creationId xmlns:a16="http://schemas.microsoft.com/office/drawing/2014/main" id="{26182A3A-E93D-4E7E-9086-70BE570A4FCB}"/>
-              </a:ext>
-            </a:extLst>
-          </p:cNvPr>
-          <p:cNvSpPr/>
-          <p:nvPr/>
-        </p:nvSpPr>
-        <p:spPr>
-          <a:xfrm>
-            <a:off x="440550" y="1652016"/>
-            <a:ext cx="1665340" cy="923499"/>
-          </a:xfrm>
-          <a:prstGeom prst="rect">
-            <a:avLst/>
-          </a:prstGeom>
-          <a:solidFill>
-            <a:srgbClr val="4BBF60"/>
-          </a:solidFill>
-          <a:ln>
-            <a:noFill/>
-          </a:ln>
-        </p:spPr>
-        <p:style>
-          <a:lnRef idx="2">
-            <a:schemeClr val="accent1">
-              <a:shade val="50000"/>
-            </a:schemeClr>
-          </a:lnRef>
-          <a:fillRef idx="1">
-            <a:schemeClr val="accent1"/>
-          </a:fillRef>
-          <a:effectRef idx="0">
-            <a:schemeClr val="accent1"/>
-          </a:effectRef>
-          <a:fontRef idx="minor">
-            <a:schemeClr val="lt1"/>
-          </a:fontRef>
-        </p:style>
-        <p:txBody>
-          <a:bodyPr rtlCol="0" anchor="ctr"/>
-          <a:lstStyle/>
-          <a:p>
-            <a:pPr algn="ctr"/>
-            <a:endParaRPr lang="en-US">
-              <a:latin typeface="+mj-lt"/>
-            </a:endParaRPr>
-          </a:p>
-        </p:txBody>
-      </p:sp>
-      <p:sp>
-        <p:nvSpPr>
-          <p:cNvPr id="30" name="TextBox 29">
-            <a:extLst>
-              <a:ext uri="{FF2B5EF4-FFF2-40B4-BE49-F238E27FC236}">
-                <a16:creationId xmlns:a16="http://schemas.microsoft.com/office/drawing/2014/main" id="{05601848-AFEC-4027-874E-FE90D21DA0AE}"/>
-              </a:ext>
-            </a:extLst>
-          </p:cNvPr>
-          <p:cNvSpPr txBox="1"/>
-          <p:nvPr/>
-        </p:nvSpPr>
-        <p:spPr>
-          <a:xfrm>
-            <a:off x="503513" y="1994059"/>
-            <a:ext cx="1600200" cy="276999"/>
-          </a:xfrm>
-          <a:prstGeom prst="rect">
-            <a:avLst/>
-          </a:prstGeom>
-          <a:noFill/>
-        </p:spPr>
-        <p:txBody>
-          <a:bodyPr wrap="square" rtlCol="0">
-            <a:spAutoFit/>
-          </a:bodyPr>
-          <a:lstStyle/>
-          <a:p>
-            <a:r>
-              <a:rPr lang="en-US" sz="1200" dirty="0" err="1">
-                <a:latin typeface="+mj-lt"/>
-              </a:rPr>
-              <a:t>Ghi</a:t>
-            </a:r>
-            <a:r>
-              <a:rPr lang="en-US" sz="1200" dirty="0">
-                <a:latin typeface="+mj-lt"/>
-              </a:rPr>
-              <a:t> </a:t>
-            </a:r>
-            <a:r>
-              <a:rPr lang="en-US" sz="1200" dirty="0" err="1">
-                <a:latin typeface="+mj-lt"/>
-              </a:rPr>
-              <a:t>chú</a:t>
-            </a:r>
-            <a:r>
-              <a:rPr lang="en-US" sz="1200" dirty="0">
-                <a:latin typeface="+mj-lt"/>
-              </a:rPr>
-              <a:t>…</a:t>
-            </a:r>
-          </a:p>
-        </p:txBody>
-      </p:sp>
-      <p:sp>
-        <p:nvSpPr>
-          <p:cNvPr id="31" name="TextBox 30">
-            <a:extLst>
-              <a:ext uri="{FF2B5EF4-FFF2-40B4-BE49-F238E27FC236}">
-                <a16:creationId xmlns:a16="http://schemas.microsoft.com/office/drawing/2014/main" id="{10A0C468-71CF-47C9-A47C-BFCA2C6B0AF1}"/>
-              </a:ext>
-            </a:extLst>
-          </p:cNvPr>
-          <p:cNvSpPr txBox="1"/>
-          <p:nvPr/>
-        </p:nvSpPr>
-        <p:spPr>
-          <a:xfrm>
-            <a:off x="511644" y="1702115"/>
-            <a:ext cx="3545429" cy="323165"/>
-          </a:xfrm>
-          <a:prstGeom prst="rect">
-            <a:avLst/>
-          </a:prstGeom>
-          <a:noFill/>
-        </p:spPr>
-        <p:txBody>
-          <a:bodyPr wrap="square" rtlCol="0">
-            <a:spAutoFit/>
-          </a:bodyPr>
-          <a:lstStyle/>
-          <a:p>
-            <a:r>
-              <a:rPr lang="en-US" sz="1500" b="1" dirty="0" err="1">
-                <a:latin typeface="+mj-lt"/>
-              </a:rPr>
-              <a:t>Nhà</a:t>
-            </a:r>
-            <a:r>
-              <a:rPr lang="en-US" sz="1500" b="1" dirty="0">
-                <a:latin typeface="+mj-lt"/>
-              </a:rPr>
-              <a:t> </a:t>
-            </a:r>
-            <a:r>
-              <a:rPr lang="en-US" sz="1500" b="1" dirty="0" err="1">
-                <a:latin typeface="+mj-lt"/>
-              </a:rPr>
-              <a:t>cung</a:t>
-            </a:r>
-            <a:r>
-              <a:rPr lang="en-US" sz="1500" b="1" dirty="0">
-                <a:latin typeface="+mj-lt"/>
-              </a:rPr>
-              <a:t> </a:t>
-            </a:r>
-            <a:r>
-              <a:rPr lang="en-US" sz="1500" b="1" dirty="0" err="1">
-                <a:latin typeface="+mj-lt"/>
-              </a:rPr>
-              <a:t>cấp</a:t>
-            </a:r>
-            <a:r>
-              <a:rPr lang="en-US" sz="1500" b="1" dirty="0">
-                <a:latin typeface="+mj-lt"/>
-              </a:rPr>
-              <a:t> 1</a:t>
-            </a:r>
-          </a:p>
-        </p:txBody>
-      </p:sp>
-      <p:pic>
-        <p:nvPicPr>
-          <p:cNvPr id="21" name="Picture 20">
-            <a:extLst>
-              <a:ext uri="{FF2B5EF4-FFF2-40B4-BE49-F238E27FC236}">
-                <a16:creationId xmlns:a16="http://schemas.microsoft.com/office/drawing/2014/main" id="{AFEE3E03-059F-4485-BB9B-E7F9A7381F0D}"/>
-              </a:ext>
-            </a:extLst>
-          </p:cNvPr>
-          <p:cNvPicPr>
-            <a:picLocks noChangeAspect="1"/>
-          </p:cNvPicPr>
-          <p:nvPr/>
-        </p:nvPicPr>
-        <p:blipFill>
-          <a:blip r:embed="rId3" cstate="print">
-            <a:extLst>
-              <a:ext uri="{28A0092B-C50C-407E-A947-70E740481C1C}">
-                <a14:useLocalDpi xmlns:a14="http://schemas.microsoft.com/office/drawing/2010/main" val="0"/>
-              </a:ext>
-            </a:extLst>
-          </a:blip>
-          <a:stretch>
-            <a:fillRect/>
-          </a:stretch>
-        </p:blipFill>
-        <p:spPr>
-          <a:xfrm>
-            <a:off x="506654" y="931247"/>
-            <a:ext cx="407746" cy="407746"/>
-          </a:xfrm>
-          <a:prstGeom prst="rect">
-            <a:avLst/>
-          </a:prstGeom>
-        </p:spPr>
-      </p:pic>
-    </p:spTree>
-    <p:extLst>
-      <p:ext uri="{BB962C8B-B14F-4D97-AF65-F5344CB8AC3E}">
-        <p14:creationId xmlns:p14="http://schemas.microsoft.com/office/powerpoint/2010/main" val="1662457863"/>
-      </p:ext>
-    </p:extLst>
-  </p:cSld>
-  <p:clrMapOvr>
-    <a:masterClrMapping/>
-  </p:clrMapOvr>
-</p:sld>
-</file>
-
 <file path=ppt/slides/slide2.xml><?xml version="1.0" encoding="utf-8"?>
 <p:sld xmlns:a="http://schemas.openxmlformats.org/drawingml/2006/main" xmlns:r="http://schemas.openxmlformats.org/officeDocument/2006/relationships" xmlns:p="http://schemas.openxmlformats.org/presentationml/2006/main" show="0">
   <p:cSld>
@@ -20724,19 +21461,31 @@
               <a:rPr lang="en-US" dirty="0" err="1">
                 <a:latin typeface="+mj-lt"/>
               </a:rPr>
-              <a:t>Lịch</a:t>
+              <a:t>Thông</a:t>
             </a:r>
             <a:r>
               <a:rPr lang="en-US" dirty="0">
                 <a:latin typeface="+mj-lt"/>
               </a:rPr>
+              <a:t> tin </a:t>
+            </a:r>
+            <a:r>
+              <a:rPr lang="en-US" dirty="0" err="1">
+                <a:latin typeface="+mj-lt"/>
+              </a:rPr>
+              <a:t>nhà</a:t>
+            </a:r>
+            <a:r>
+              <a:rPr lang="en-US" dirty="0">
+                <a:latin typeface="+mj-lt"/>
+              </a:rPr>
               <a:t> </a:t>
             </a:r>
             <a:r>
               <a:rPr lang="en-US" dirty="0" err="1">
                 <a:latin typeface="+mj-lt"/>
               </a:rPr>
-              <a:t>sử</a:t>
+              <a:t>cung</a:t>
             </a:r>
             <a:r>
               <a:rPr lang="en-US" dirty="0">
@@ -20748,19 +21497,7 @@
               <a:rPr lang="en-US" dirty="0" err="1">
                 <a:latin typeface="+mj-lt"/>
               </a:rPr>
-              <a:t>mua</a:t>
-            </a:r>
-            <a:r>
-              <a:rPr lang="en-US" dirty="0">
-                <a:latin typeface="+mj-lt"/>
-              </a:rPr>
-              <a:t> </a:t>
-            </a:r>
-            <a:r>
-              <a:rPr lang="en-US" dirty="0" err="1">
-                <a:latin typeface="+mj-lt"/>
-              </a:rPr>
-              <a:t>hàng</a:t>
+              <a:t>cấp</a:t>
             </a:r>
             <a:endParaRPr lang="en-US" dirty="0">
               <a:latin typeface="+mj-lt"/>
@@ -20790,7 +21527,7 @@
         </p:blipFill>
         <p:spPr>
           <a:xfrm>
-            <a:off x="-1398" y="673095"/>
+            <a:off x="0" y="673095"/>
             <a:ext cx="9144000" cy="6184905"/>
           </a:xfrm>
           <a:prstGeom prst="rect">
@@ -20812,8 +21549,8 @@
         </p:nvSpPr>
         <p:spPr>
           <a:xfrm>
-            <a:off x="500394" y="2821293"/>
-            <a:ext cx="2242806" cy="276999"/>
+            <a:off x="473366" y="2975799"/>
+            <a:ext cx="1295400" cy="276999"/>
           </a:xfrm>
           <a:prstGeom prst="rect">
             <a:avLst/>
@@ -20827,49 +21564,123 @@
           <a:lstStyle/>
           <a:p>
             <a:r>
-              <a:rPr lang="en-US" sz="1200" b="1" dirty="0" err="1">
-                <a:latin typeface="+mj-lt"/>
-              </a:rPr>
-              <a:t>Lịch</a:t>
-            </a:r>
-            <a:r>
-              <a:rPr lang="en-US" sz="1200" b="1" dirty="0">
+              <a:rPr lang="en-US" sz="1200" dirty="0" err="1">
+                <a:latin typeface="+mj-lt"/>
+              </a:rPr>
+              <a:t>Tên</a:t>
+            </a:r>
+            <a:r>
+              <a:rPr lang="en-US" sz="1200" dirty="0">
+                <a:latin typeface="+mj-lt"/>
+              </a:rPr>
+              <a:t> NCC:*</a:t>
+            </a:r>
+          </a:p>
+        </p:txBody>
+      </p:sp>
+      <p:sp>
+        <p:nvSpPr>
+          <p:cNvPr id="19" name="TextBox 18">
+            <a:extLst>
+              <a:ext uri="{FF2B5EF4-FFF2-40B4-BE49-F238E27FC236}">
+                <a16:creationId xmlns:a16="http://schemas.microsoft.com/office/drawing/2014/main" id="{DE082C68-9641-440A-83B8-07164C781333}"/>
+              </a:ext>
+            </a:extLst>
+          </p:cNvPr>
+          <p:cNvSpPr txBox="1"/>
+          <p:nvPr/>
+        </p:nvSpPr>
+        <p:spPr>
+          <a:xfrm>
+            <a:off x="473366" y="3394061"/>
+            <a:ext cx="1295400" cy="276999"/>
+          </a:xfrm>
+          <a:prstGeom prst="rect">
+            <a:avLst/>
+          </a:prstGeom>
+          <a:noFill/>
+        </p:spPr>
+        <p:txBody>
+          <a:bodyPr wrap="square" rtlCol="0">
+            <a:spAutoFit/>
+          </a:bodyPr>
+          <a:lstStyle/>
+          <a:p>
+            <a:r>
+              <a:rPr lang="en-US" sz="1200" dirty="0" err="1">
+                <a:latin typeface="+mj-lt"/>
+              </a:rPr>
+              <a:t>Điện</a:t>
+            </a:r>
+            <a:r>
+              <a:rPr lang="en-US" sz="1200" dirty="0">
                 <a:latin typeface="+mj-lt"/>
               </a:rPr>
               <a:t> </a:t>
             </a:r>
             <a:r>
-              <a:rPr lang="en-US" sz="1200" b="1" dirty="0" err="1">
-                <a:latin typeface="+mj-lt"/>
-              </a:rPr>
-              <a:t>sử</a:t>
-            </a:r>
-            <a:r>
-              <a:rPr lang="en-US" sz="1200" b="1" dirty="0">
+              <a:rPr lang="en-US" sz="1200" dirty="0" err="1">
+                <a:latin typeface="+mj-lt"/>
+              </a:rPr>
+              <a:t>thoại</a:t>
+            </a:r>
+            <a:r>
+              <a:rPr lang="en-US" sz="1200" dirty="0">
+                <a:latin typeface="+mj-lt"/>
+              </a:rPr>
+              <a:t>:*</a:t>
+            </a:r>
+          </a:p>
+        </p:txBody>
+      </p:sp>
+      <p:sp>
+        <p:nvSpPr>
+          <p:cNvPr id="20" name="TextBox 19">
+            <a:extLst>
+              <a:ext uri="{FF2B5EF4-FFF2-40B4-BE49-F238E27FC236}">
+                <a16:creationId xmlns:a16="http://schemas.microsoft.com/office/drawing/2014/main" id="{6DD24C2E-7386-42E5-86E8-6DEC9280B005}"/>
+              </a:ext>
+            </a:extLst>
+          </p:cNvPr>
+          <p:cNvSpPr txBox="1"/>
+          <p:nvPr/>
+        </p:nvSpPr>
+        <p:spPr>
+          <a:xfrm>
+            <a:off x="4786086" y="2985965"/>
+            <a:ext cx="1295400" cy="276999"/>
+          </a:xfrm>
+          <a:prstGeom prst="rect">
+            <a:avLst/>
+          </a:prstGeom>
+          <a:noFill/>
+        </p:spPr>
+        <p:txBody>
+          <a:bodyPr wrap="square" rtlCol="0">
+            <a:spAutoFit/>
+          </a:bodyPr>
+          <a:lstStyle/>
+          <a:p>
+            <a:r>
+              <a:rPr lang="en-US" sz="1200" dirty="0" err="1">
+                <a:latin typeface="+mj-lt"/>
+              </a:rPr>
+              <a:t>Địa</a:t>
+            </a:r>
+            <a:r>
+              <a:rPr lang="en-US" sz="1200" dirty="0">
                 <a:latin typeface="+mj-lt"/>
               </a:rPr>
               <a:t> </a:t>
             </a:r>
             <a:r>
-              <a:rPr lang="en-US" sz="1200" b="1" dirty="0" err="1">
-                <a:latin typeface="+mj-lt"/>
-              </a:rPr>
-              <a:t>nhập</a:t>
-            </a:r>
-            <a:r>
-              <a:rPr lang="en-US" sz="1200" b="1" dirty="0">
-                <a:latin typeface="+mj-lt"/>
-              </a:rPr>
-              <a:t> </a:t>
-            </a:r>
-            <a:r>
-              <a:rPr lang="en-US" sz="1200" b="1" dirty="0" err="1">
-                <a:latin typeface="+mj-lt"/>
-              </a:rPr>
-              <a:t>kho</a:t>
-            </a:r>
-            <a:r>
-              <a:rPr lang="en-US" sz="1200" b="1" dirty="0">
+              <a:rPr lang="en-US" sz="1200" dirty="0" err="1">
+                <a:latin typeface="+mj-lt"/>
+              </a:rPr>
+              <a:t>chỉ</a:t>
+            </a:r>
+            <a:r>
+              <a:rPr lang="en-US" sz="1200" dirty="0">
                 <a:latin typeface="+mj-lt"/>
               </a:rPr>
               <a:t>:</a:t>
@@ -20879,10 +21690,10 @@
       </p:sp>
       <p:sp>
         <p:nvSpPr>
-          <p:cNvPr id="42" name="Rectangle 41">
-            <a:extLst>
-              <a:ext uri="{FF2B5EF4-FFF2-40B4-BE49-F238E27FC236}">
-                <a16:creationId xmlns:a16="http://schemas.microsoft.com/office/drawing/2014/main" id="{353BFA1C-32B8-4D02-82DD-D04AE5441E95}"/>
+          <p:cNvPr id="23" name="Rectangle 22">
+            <a:extLst>
+              <a:ext uri="{FF2B5EF4-FFF2-40B4-BE49-F238E27FC236}">
+                <a16:creationId xmlns:a16="http://schemas.microsoft.com/office/drawing/2014/main" id="{7E948C6D-3FFA-44C6-BD28-5EB2DEC69A26}"/>
               </a:ext>
             </a:extLst>
           </p:cNvPr>
@@ -20891,16 +21702,152 @@
         </p:nvSpPr>
         <p:spPr>
           <a:xfrm>
-            <a:off x="7620000" y="6373058"/>
+            <a:off x="1476829" y="2975799"/>
+            <a:ext cx="3124200" cy="261554"/>
+          </a:xfrm>
+          <a:prstGeom prst="rect">
+            <a:avLst/>
+          </a:prstGeom>
+        </p:spPr>
+        <p:style>
+          <a:lnRef idx="2">
+            <a:schemeClr val="dk1"/>
+          </a:lnRef>
+          <a:fillRef idx="1">
+            <a:schemeClr val="lt1"/>
+          </a:fillRef>
+          <a:effectRef idx="0">
+            <a:schemeClr val="dk1"/>
+          </a:effectRef>
+          <a:fontRef idx="minor">
+            <a:schemeClr val="dk1"/>
+          </a:fontRef>
+        </p:style>
+        <p:txBody>
+          <a:bodyPr rtlCol="0" anchor="ctr"/>
+          <a:lstStyle/>
+          <a:p>
+            <a:pPr algn="ctr"/>
+            <a:endParaRPr lang="en-US">
+              <a:latin typeface="+mj-lt"/>
+            </a:endParaRPr>
+          </a:p>
+        </p:txBody>
+      </p:sp>
+      <p:sp>
+        <p:nvSpPr>
+          <p:cNvPr id="26" name="Rectangle 25">
+            <a:extLst>
+              <a:ext uri="{FF2B5EF4-FFF2-40B4-BE49-F238E27FC236}">
+                <a16:creationId xmlns:a16="http://schemas.microsoft.com/office/drawing/2014/main" id="{39CF1CDE-A93F-4AB1-968F-94B2D4449D82}"/>
+              </a:ext>
+            </a:extLst>
+          </p:cNvPr>
+          <p:cNvSpPr/>
+          <p:nvPr/>
+        </p:nvSpPr>
+        <p:spPr>
+          <a:xfrm>
+            <a:off x="1476829" y="3385484"/>
+            <a:ext cx="3124200" cy="261554"/>
+          </a:xfrm>
+          <a:prstGeom prst="rect">
+            <a:avLst/>
+          </a:prstGeom>
+        </p:spPr>
+        <p:style>
+          <a:lnRef idx="2">
+            <a:schemeClr val="dk1"/>
+          </a:lnRef>
+          <a:fillRef idx="1">
+            <a:schemeClr val="lt1"/>
+          </a:fillRef>
+          <a:effectRef idx="0">
+            <a:schemeClr val="dk1"/>
+          </a:effectRef>
+          <a:fontRef idx="minor">
+            <a:schemeClr val="dk1"/>
+          </a:fontRef>
+        </p:style>
+        <p:txBody>
+          <a:bodyPr rtlCol="0" anchor="ctr"/>
+          <a:lstStyle/>
+          <a:p>
+            <a:pPr algn="ctr"/>
+            <a:endParaRPr lang="en-US">
+              <a:latin typeface="+mj-lt"/>
+            </a:endParaRPr>
+          </a:p>
+        </p:txBody>
+      </p:sp>
+      <p:sp>
+        <p:nvSpPr>
+          <p:cNvPr id="29" name="Rectangle 28">
+            <a:extLst>
+              <a:ext uri="{FF2B5EF4-FFF2-40B4-BE49-F238E27FC236}">
+                <a16:creationId xmlns:a16="http://schemas.microsoft.com/office/drawing/2014/main" id="{14852D35-E350-44FF-922A-B2A645A7B618}"/>
+              </a:ext>
+            </a:extLst>
+          </p:cNvPr>
+          <p:cNvSpPr/>
+          <p:nvPr/>
+        </p:nvSpPr>
+        <p:spPr>
+          <a:xfrm>
+            <a:off x="5789549" y="2968811"/>
+            <a:ext cx="3124200" cy="261554"/>
+          </a:xfrm>
+          <a:prstGeom prst="rect">
+            <a:avLst/>
+          </a:prstGeom>
+        </p:spPr>
+        <p:style>
+          <a:lnRef idx="2">
+            <a:schemeClr val="dk1"/>
+          </a:lnRef>
+          <a:fillRef idx="1">
+            <a:schemeClr val="lt1"/>
+          </a:fillRef>
+          <a:effectRef idx="0">
+            <a:schemeClr val="dk1"/>
+          </a:effectRef>
+          <a:fontRef idx="minor">
+            <a:schemeClr val="dk1"/>
+          </a:fontRef>
+        </p:style>
+        <p:txBody>
+          <a:bodyPr rtlCol="0" anchor="ctr"/>
+          <a:lstStyle/>
+          <a:p>
+            <a:pPr algn="ctr"/>
+            <a:endParaRPr lang="en-US">
+              <a:latin typeface="+mj-lt"/>
+            </a:endParaRPr>
+          </a:p>
+        </p:txBody>
+      </p:sp>
+      <p:sp>
+        <p:nvSpPr>
+          <p:cNvPr id="41" name="Rectangle 40">
+            <a:extLst>
+              <a:ext uri="{FF2B5EF4-FFF2-40B4-BE49-F238E27FC236}">
+                <a16:creationId xmlns:a16="http://schemas.microsoft.com/office/drawing/2014/main" id="{E81BDFDF-A2C2-47AD-8D90-A0FE79376AA6}"/>
+              </a:ext>
+            </a:extLst>
+          </p:cNvPr>
+          <p:cNvSpPr/>
+          <p:nvPr/>
+        </p:nvSpPr>
+        <p:spPr>
+          <a:xfrm>
+            <a:off x="7658100" y="6374360"/>
             <a:ext cx="1371600" cy="358165"/>
           </a:xfrm>
           <a:prstGeom prst="rect">
             <a:avLst/>
           </a:prstGeom>
           <a:solidFill>
-            <a:schemeClr val="bg1">
-              <a:lumMod val="65000"/>
-            </a:schemeClr>
+            <a:srgbClr val="4BBF60"/>
           </a:solidFill>
           <a:ln>
             <a:noFill/>
@@ -20931,19 +21878,7 @@
               <a:rPr lang="en-US" dirty="0" err="1">
                 <a:latin typeface="+mj-lt"/>
               </a:rPr>
-              <a:t>Trở</a:t>
-            </a:r>
-            <a:r>
-              <a:rPr lang="en-US" dirty="0">
-                <a:latin typeface="+mj-lt"/>
-              </a:rPr>
-              <a:t> </a:t>
-            </a:r>
-            <a:r>
-              <a:rPr lang="en-US" dirty="0" err="1">
-                <a:latin typeface="+mj-lt"/>
-              </a:rPr>
-              <a:t>lại</a:t>
+              <a:t>Lưu</a:t>
             </a:r>
             <a:endParaRPr lang="en-US" dirty="0">
               <a:latin typeface="+mj-lt"/>
@@ -20953,10 +21888,10 @@
       </p:sp>
       <p:sp>
         <p:nvSpPr>
-          <p:cNvPr id="49" name="Rectangle 48">
-            <a:extLst>
-              <a:ext uri="{FF2B5EF4-FFF2-40B4-BE49-F238E27FC236}">
-                <a16:creationId xmlns:a16="http://schemas.microsoft.com/office/drawing/2014/main" id="{6BB4A87D-F73C-4006-BF33-C237ABCF2E42}"/>
+          <p:cNvPr id="42" name="Rectangle 41">
+            <a:extLst>
+              <a:ext uri="{FF2B5EF4-FFF2-40B4-BE49-F238E27FC236}">
+                <a16:creationId xmlns:a16="http://schemas.microsoft.com/office/drawing/2014/main" id="{353BFA1C-32B8-4D02-82DD-D04AE5441E95}"/>
               </a:ext>
             </a:extLst>
           </p:cNvPr>
@@ -20965,354 +21900,16 @@
         </p:nvSpPr>
         <p:spPr>
           <a:xfrm>
-            <a:off x="609600" y="3157253"/>
-            <a:ext cx="3505200" cy="3573970"/>
-          </a:xfrm>
-          <a:prstGeom prst="rect">
-            <a:avLst/>
-          </a:prstGeom>
-        </p:spPr>
-        <p:style>
-          <a:lnRef idx="2">
-            <a:schemeClr val="dk1"/>
-          </a:lnRef>
-          <a:fillRef idx="1">
-            <a:schemeClr val="lt1"/>
-          </a:fillRef>
-          <a:effectRef idx="0">
-            <a:schemeClr val="dk1"/>
-          </a:effectRef>
-          <a:fontRef idx="minor">
-            <a:schemeClr val="dk1"/>
-          </a:fontRef>
-        </p:style>
-        <p:txBody>
-          <a:bodyPr rtlCol="0" anchor="ctr"/>
-          <a:lstStyle/>
-          <a:p>
-            <a:pPr algn="ctr"/>
-            <a:endParaRPr lang="en-US">
-              <a:latin typeface="+mj-lt"/>
-            </a:endParaRPr>
-          </a:p>
-        </p:txBody>
-      </p:sp>
-      <p:sp>
-        <p:nvSpPr>
-          <p:cNvPr id="21" name="TextBox 20">
-            <a:extLst>
-              <a:ext uri="{FF2B5EF4-FFF2-40B4-BE49-F238E27FC236}">
-                <a16:creationId xmlns:a16="http://schemas.microsoft.com/office/drawing/2014/main" id="{4BDFFEA8-D337-4BC0-8DCA-D76392741E23}"/>
-              </a:ext>
-            </a:extLst>
-          </p:cNvPr>
-          <p:cNvSpPr txBox="1"/>
-          <p:nvPr/>
-        </p:nvSpPr>
-        <p:spPr>
-          <a:xfrm>
-            <a:off x="638959" y="3181502"/>
-            <a:ext cx="3429000" cy="276999"/>
+            <a:off x="6172200" y="6373058"/>
+            <a:ext cx="1371600" cy="358165"/>
           </a:xfrm>
           <a:prstGeom prst="rect">
             <a:avLst/>
           </a:prstGeom>
           <a:solidFill>
             <a:schemeClr val="bg1">
-              <a:lumMod val="85000"/>
+              <a:lumMod val="65000"/>
             </a:schemeClr>
-          </a:solidFill>
-        </p:spPr>
-        <p:txBody>
-          <a:bodyPr wrap="square" rtlCol="0">
-            <a:spAutoFit/>
-          </a:bodyPr>
-          <a:lstStyle/>
-          <a:p>
-            <a:r>
-              <a:rPr lang="en-US" sz="1200" dirty="0">
-                <a:latin typeface="+mj-lt"/>
-              </a:rPr>
-              <a:t>20/10/2020 19:30 </a:t>
-            </a:r>
-            <a:r>
-              <a:rPr lang="en-US" sz="1200" dirty="0" err="1">
-                <a:latin typeface="+mj-lt"/>
-              </a:rPr>
-              <a:t>Thành</a:t>
-            </a:r>
-            <a:r>
-              <a:rPr lang="en-US" sz="1200" dirty="0">
-                <a:latin typeface="+mj-lt"/>
-              </a:rPr>
-              <a:t> </a:t>
-            </a:r>
-            <a:r>
-              <a:rPr lang="en-US" sz="1200" dirty="0" err="1">
-                <a:latin typeface="+mj-lt"/>
-              </a:rPr>
-              <a:t>tiền</a:t>
-            </a:r>
-            <a:r>
-              <a:rPr lang="en-US" sz="1200" dirty="0">
-                <a:latin typeface="+mj-lt"/>
-              </a:rPr>
-              <a:t>: 300,000đ</a:t>
-            </a:r>
-          </a:p>
-        </p:txBody>
-      </p:sp>
-      <p:sp>
-        <p:nvSpPr>
-          <p:cNvPr id="22" name="TextBox 21">
-            <a:extLst>
-              <a:ext uri="{FF2B5EF4-FFF2-40B4-BE49-F238E27FC236}">
-                <a16:creationId xmlns:a16="http://schemas.microsoft.com/office/drawing/2014/main" id="{3F6E2C2B-281C-49B5-89F1-ED3726EAF780}"/>
-              </a:ext>
-            </a:extLst>
-          </p:cNvPr>
-          <p:cNvSpPr txBox="1"/>
-          <p:nvPr/>
-        </p:nvSpPr>
-        <p:spPr>
-          <a:xfrm>
-            <a:off x="613794" y="3439536"/>
-            <a:ext cx="3496811" cy="276999"/>
-          </a:xfrm>
-          <a:prstGeom prst="rect">
-            <a:avLst/>
-          </a:prstGeom>
-          <a:noFill/>
-        </p:spPr>
-        <p:txBody>
-          <a:bodyPr wrap="square" rtlCol="0">
-            <a:spAutoFit/>
-          </a:bodyPr>
-          <a:lstStyle/>
-          <a:p>
-            <a:r>
-              <a:rPr lang="en-US" sz="1200" dirty="0">
-                <a:latin typeface="+mj-lt"/>
-              </a:rPr>
-              <a:t>10/10/2020 08:20 </a:t>
-            </a:r>
-            <a:r>
-              <a:rPr lang="en-US" sz="1200" dirty="0" err="1">
-                <a:latin typeface="+mj-lt"/>
-              </a:rPr>
-              <a:t>Thành</a:t>
-            </a:r>
-            <a:r>
-              <a:rPr lang="en-US" sz="1200" dirty="0">
-                <a:latin typeface="+mj-lt"/>
-              </a:rPr>
-              <a:t> </a:t>
-            </a:r>
-            <a:r>
-              <a:rPr lang="en-US" sz="1200" dirty="0" err="1">
-                <a:latin typeface="+mj-lt"/>
-              </a:rPr>
-              <a:t>tiền</a:t>
-            </a:r>
-            <a:r>
-              <a:rPr lang="en-US" sz="1200" dirty="0">
-                <a:latin typeface="+mj-lt"/>
-              </a:rPr>
-              <a:t>: 200,000đ</a:t>
-            </a:r>
-          </a:p>
-        </p:txBody>
-      </p:sp>
-      <p:sp>
-        <p:nvSpPr>
-          <p:cNvPr id="34" name="TextBox 33">
-            <a:extLst>
-              <a:ext uri="{FF2B5EF4-FFF2-40B4-BE49-F238E27FC236}">
-                <a16:creationId xmlns:a16="http://schemas.microsoft.com/office/drawing/2014/main" id="{FCB6013B-D2D1-4736-9A0F-C6999AEC0807}"/>
-              </a:ext>
-            </a:extLst>
-          </p:cNvPr>
-          <p:cNvSpPr txBox="1"/>
-          <p:nvPr/>
-        </p:nvSpPr>
-        <p:spPr>
-          <a:xfrm>
-            <a:off x="4444357" y="4502525"/>
-            <a:ext cx="1295400" cy="276999"/>
-          </a:xfrm>
-          <a:prstGeom prst="rect">
-            <a:avLst/>
-          </a:prstGeom>
-          <a:noFill/>
-        </p:spPr>
-        <p:txBody>
-          <a:bodyPr wrap="square" rtlCol="0">
-            <a:spAutoFit/>
-          </a:bodyPr>
-          <a:lstStyle/>
-          <a:p>
-            <a:r>
-              <a:rPr lang="en-US" sz="1200" dirty="0" err="1">
-                <a:latin typeface="+mj-lt"/>
-              </a:rPr>
-              <a:t>Nội</a:t>
-            </a:r>
-            <a:r>
-              <a:rPr lang="en-US" sz="1200" dirty="0">
-                <a:latin typeface="+mj-lt"/>
-              </a:rPr>
-              <a:t> dung:</a:t>
-            </a:r>
-          </a:p>
-        </p:txBody>
-      </p:sp>
-      <p:sp>
-        <p:nvSpPr>
-          <p:cNvPr id="35" name="Rectangle 34">
-            <a:extLst>
-              <a:ext uri="{FF2B5EF4-FFF2-40B4-BE49-F238E27FC236}">
-                <a16:creationId xmlns:a16="http://schemas.microsoft.com/office/drawing/2014/main" id="{641B9C04-FC45-42E0-8BEC-A540512108B4}"/>
-              </a:ext>
-            </a:extLst>
-          </p:cNvPr>
-          <p:cNvSpPr/>
-          <p:nvPr/>
-        </p:nvSpPr>
-        <p:spPr>
-          <a:xfrm>
-            <a:off x="5427678" y="4582538"/>
-            <a:ext cx="3124200" cy="1437262"/>
-          </a:xfrm>
-          <a:prstGeom prst="rect">
-            <a:avLst/>
-          </a:prstGeom>
-        </p:spPr>
-        <p:style>
-          <a:lnRef idx="2">
-            <a:schemeClr val="dk1"/>
-          </a:lnRef>
-          <a:fillRef idx="1">
-            <a:schemeClr val="lt1"/>
-          </a:fillRef>
-          <a:effectRef idx="0">
-            <a:schemeClr val="dk1"/>
-          </a:effectRef>
-          <a:fontRef idx="minor">
-            <a:schemeClr val="dk1"/>
-          </a:fontRef>
-        </p:style>
-        <p:txBody>
-          <a:bodyPr rtlCol="0" anchor="ctr"/>
-          <a:lstStyle/>
-          <a:p>
-            <a:pPr algn="ctr"/>
-            <a:endParaRPr lang="en-US">
-              <a:latin typeface="+mj-lt"/>
-            </a:endParaRPr>
-          </a:p>
-        </p:txBody>
-      </p:sp>
-      <p:sp>
-        <p:nvSpPr>
-          <p:cNvPr id="36" name="TextBox 35">
-            <a:extLst>
-              <a:ext uri="{FF2B5EF4-FFF2-40B4-BE49-F238E27FC236}">
-                <a16:creationId xmlns:a16="http://schemas.microsoft.com/office/drawing/2014/main" id="{46AAFE98-E7BB-4ADB-897F-0B40DB41A22D}"/>
-              </a:ext>
-            </a:extLst>
-          </p:cNvPr>
-          <p:cNvSpPr txBox="1"/>
-          <p:nvPr/>
-        </p:nvSpPr>
-        <p:spPr>
-          <a:xfrm>
-            <a:off x="5426773" y="4622382"/>
-            <a:ext cx="3107627" cy="261610"/>
-          </a:xfrm>
-          <a:prstGeom prst="rect">
-            <a:avLst/>
-          </a:prstGeom>
-          <a:noFill/>
-        </p:spPr>
-        <p:txBody>
-          <a:bodyPr wrap="square" rtlCol="0">
-            <a:spAutoFit/>
-          </a:bodyPr>
-          <a:lstStyle/>
-          <a:p>
-            <a:r>
-              <a:rPr lang="en-US" sz="1100" dirty="0" err="1">
-                <a:latin typeface="+mj-lt"/>
-              </a:rPr>
-              <a:t>Thuốc</a:t>
-            </a:r>
-            <a:r>
-              <a:rPr lang="en-US" sz="1100" dirty="0">
-                <a:latin typeface="+mj-lt"/>
-              </a:rPr>
-              <a:t> A - ĐVT: </a:t>
-            </a:r>
-            <a:r>
-              <a:rPr lang="en-US" sz="1100" dirty="0" err="1">
-                <a:latin typeface="+mj-lt"/>
-              </a:rPr>
-              <a:t>viên</a:t>
-            </a:r>
-            <a:r>
-              <a:rPr lang="en-US" sz="1100" dirty="0">
-                <a:latin typeface="+mj-lt"/>
-              </a:rPr>
-              <a:t> - SL: 2 - </a:t>
-            </a:r>
-            <a:r>
-              <a:rPr lang="en-US" sz="1100" dirty="0" err="1">
-                <a:latin typeface="+mj-lt"/>
-              </a:rPr>
-              <a:t>Thành</a:t>
-            </a:r>
-            <a:r>
-              <a:rPr lang="en-US" sz="1100" dirty="0">
-                <a:latin typeface="+mj-lt"/>
-              </a:rPr>
-              <a:t> </a:t>
-            </a:r>
-            <a:r>
-              <a:rPr lang="en-US" sz="1100" dirty="0" err="1">
-                <a:latin typeface="+mj-lt"/>
-              </a:rPr>
-              <a:t>tiền</a:t>
-            </a:r>
-            <a:r>
-              <a:rPr lang="en-US" sz="1100" dirty="0">
-                <a:latin typeface="+mj-lt"/>
-              </a:rPr>
-              <a:t>: 250,000đ</a:t>
-            </a:r>
-          </a:p>
-        </p:txBody>
-      </p:sp>
-      <p:sp>
-        <p:nvSpPr>
-          <p:cNvPr id="37" name="Rectangle 36">
-            <a:extLst>
-              <a:ext uri="{FF2B5EF4-FFF2-40B4-BE49-F238E27FC236}">
-                <a16:creationId xmlns:a16="http://schemas.microsoft.com/office/drawing/2014/main" id="{35AEE3D0-05A6-41C1-A246-E626445A01A9}"/>
-              </a:ext>
-            </a:extLst>
-          </p:cNvPr>
-          <p:cNvSpPr/>
-          <p:nvPr/>
-        </p:nvSpPr>
-        <p:spPr>
-          <a:xfrm>
-            <a:off x="5562600" y="6372987"/>
-            <a:ext cx="1905000" cy="358165"/>
-          </a:xfrm>
-          <a:prstGeom prst="rect">
-            <a:avLst/>
-          </a:prstGeom>
-          <a:solidFill>
-            <a:srgbClr val="C00000"/>
           </a:solidFill>
           <a:ln>
             <a:noFill/>
@@ -21343,7 +21940,7 @@
               <a:rPr lang="en-US" dirty="0" err="1">
                 <a:latin typeface="+mj-lt"/>
               </a:rPr>
-              <a:t>Xem</a:t>
+              <a:t>Trở</a:t>
             </a:r>
             <a:r>
               <a:rPr lang="en-US" dirty="0">
@@ -21355,19 +21952,7 @@
               <a:rPr lang="en-US" dirty="0" err="1">
                 <a:latin typeface="+mj-lt"/>
               </a:rPr>
-              <a:t>công</a:t>
-            </a:r>
-            <a:r>
-              <a:rPr lang="en-US" dirty="0">
-                <a:latin typeface="+mj-lt"/>
-              </a:rPr>
-              <a:t> </a:t>
-            </a:r>
-            <a:r>
-              <a:rPr lang="en-US" dirty="0" err="1">
-                <a:latin typeface="+mj-lt"/>
-              </a:rPr>
-              <a:t>nợ</a:t>
+              <a:t>lại</a:t>
             </a:r>
             <a:endParaRPr lang="en-US" dirty="0">
               <a:latin typeface="+mj-lt"/>
@@ -21377,10 +21962,10 @@
       </p:sp>
       <p:sp>
         <p:nvSpPr>
-          <p:cNvPr id="38" name="TextBox 37">
-            <a:extLst>
-              <a:ext uri="{FF2B5EF4-FFF2-40B4-BE49-F238E27FC236}">
-                <a16:creationId xmlns:a16="http://schemas.microsoft.com/office/drawing/2014/main" id="{F1E935BC-342E-4DED-B95A-AF834CCE5868}"/>
+          <p:cNvPr id="48" name="TextBox 47">
+            <a:extLst>
+              <a:ext uri="{FF2B5EF4-FFF2-40B4-BE49-F238E27FC236}">
+                <a16:creationId xmlns:a16="http://schemas.microsoft.com/office/drawing/2014/main" id="{F645AFEA-5815-4FE2-9618-7C86B01C2515}"/>
               </a:ext>
             </a:extLst>
           </p:cNvPr>
@@ -21389,7 +21974,7 @@
         </p:nvSpPr>
         <p:spPr>
           <a:xfrm>
-            <a:off x="7256478" y="6057859"/>
+            <a:off x="4786086" y="3419791"/>
             <a:ext cx="1295400" cy="276999"/>
           </a:xfrm>
           <a:prstGeom prst="rect">
@@ -21403,111 +21988,28 @@
           </a:bodyPr>
           <a:lstStyle/>
           <a:p>
-            <a:pPr algn="r"/>
-            <a:r>
-              <a:rPr lang="en-US" sz="1200" i="1" u="sng" dirty="0" err="1">
-                <a:solidFill>
-                  <a:srgbClr val="0070C0"/>
-                </a:solidFill>
-                <a:latin typeface="+mj-lt"/>
-              </a:rPr>
-              <a:t>Xem</a:t>
-            </a:r>
-            <a:r>
-              <a:rPr lang="en-US" sz="1200" i="1" u="sng" dirty="0">
-                <a:solidFill>
-                  <a:srgbClr val="0070C0"/>
-                </a:solidFill>
+            <a:r>
+              <a:rPr lang="en-US" sz="1200" dirty="0" err="1">
+                <a:latin typeface="+mj-lt"/>
+              </a:rPr>
+              <a:t>Ghi</a:t>
+            </a:r>
+            <a:r>
+              <a:rPr lang="en-US" sz="1200" dirty="0">
                 <a:latin typeface="+mj-lt"/>
               </a:rPr>
               <a:t> </a:t>
             </a:r>
             <a:r>
-              <a:rPr lang="en-US" sz="1200" i="1" u="sng" dirty="0" err="1">
-                <a:solidFill>
-                  <a:srgbClr val="0070C0"/>
-                </a:solidFill>
-                <a:latin typeface="+mj-lt"/>
-              </a:rPr>
-              <a:t>hóa</a:t>
-            </a:r>
-            <a:r>
-              <a:rPr lang="en-US" sz="1200" i="1" u="sng" dirty="0">
-                <a:solidFill>
-                  <a:srgbClr val="0070C0"/>
-                </a:solidFill>
-                <a:latin typeface="+mj-lt"/>
-              </a:rPr>
-              <a:t> </a:t>
-            </a:r>
-            <a:r>
-              <a:rPr lang="en-US" sz="1200" i="1" u="sng" dirty="0" err="1">
-                <a:solidFill>
-                  <a:srgbClr val="0070C0"/>
-                </a:solidFill>
-                <a:latin typeface="+mj-lt"/>
-              </a:rPr>
-              <a:t>đơn</a:t>
-            </a:r>
-            <a:endParaRPr lang="en-US" sz="1200" i="1" u="sng" dirty="0">
-              <a:solidFill>
-                <a:srgbClr val="0070C0"/>
-              </a:solidFill>
-              <a:latin typeface="+mj-lt"/>
-            </a:endParaRPr>
-          </a:p>
-        </p:txBody>
-      </p:sp>
-      <p:sp>
-        <p:nvSpPr>
-          <p:cNvPr id="40" name="TextBox 39">
-            <a:extLst>
-              <a:ext uri="{FF2B5EF4-FFF2-40B4-BE49-F238E27FC236}">
-                <a16:creationId xmlns:a16="http://schemas.microsoft.com/office/drawing/2014/main" id="{362DFC4C-7B64-4E45-BAB6-0D6AE704BF4A}"/>
-              </a:ext>
-            </a:extLst>
-          </p:cNvPr>
-          <p:cNvSpPr txBox="1"/>
-          <p:nvPr/>
-        </p:nvSpPr>
-        <p:spPr>
-          <a:xfrm>
-            <a:off x="4424215" y="2590800"/>
-            <a:ext cx="1295400" cy="276999"/>
-          </a:xfrm>
-          <a:prstGeom prst="rect">
-            <a:avLst/>
-          </a:prstGeom>
-          <a:noFill/>
-        </p:spPr>
-        <p:txBody>
-          <a:bodyPr wrap="square" rtlCol="0">
-            <a:spAutoFit/>
-          </a:bodyPr>
-          <a:lstStyle/>
-          <a:p>
-            <a:r>
               <a:rPr lang="en-US" sz="1200" dirty="0" err="1">
                 <a:latin typeface="+mj-lt"/>
               </a:rPr>
-              <a:t>Thời</a:t>
+              <a:t>chú</a:t>
             </a:r>
             <a:r>
               <a:rPr lang="en-US" sz="1200" dirty="0">
                 <a:latin typeface="+mj-lt"/>
               </a:rPr>
-              <a:t> </a:t>
-            </a:r>
-            <a:r>
-              <a:rPr lang="en-US" sz="1200" dirty="0" err="1">
-                <a:latin typeface="+mj-lt"/>
-              </a:rPr>
-              <a:t>gian</a:t>
-            </a:r>
-            <a:r>
-              <a:rPr lang="en-US" sz="1200" dirty="0">
-                <a:latin typeface="+mj-lt"/>
-              </a:rPr>
               <a:t>:</a:t>
             </a:r>
           </a:p>
@@ -21515,59 +22017,10 @@
       </p:sp>
       <p:sp>
         <p:nvSpPr>
-          <p:cNvPr id="45" name="TextBox 44">
-            <a:extLst>
-              <a:ext uri="{FF2B5EF4-FFF2-40B4-BE49-F238E27FC236}">
-                <a16:creationId xmlns:a16="http://schemas.microsoft.com/office/drawing/2014/main" id="{BEB9BFB6-92D3-4FE6-B447-090767996ED7}"/>
-              </a:ext>
-            </a:extLst>
-          </p:cNvPr>
-          <p:cNvSpPr txBox="1"/>
-          <p:nvPr/>
-        </p:nvSpPr>
-        <p:spPr>
-          <a:xfrm>
-            <a:off x="4424215" y="3373219"/>
-            <a:ext cx="1295400" cy="276999"/>
-          </a:xfrm>
-          <a:prstGeom prst="rect">
-            <a:avLst/>
-          </a:prstGeom>
-          <a:noFill/>
-        </p:spPr>
-        <p:txBody>
-          <a:bodyPr wrap="square" rtlCol="0">
-            <a:spAutoFit/>
-          </a:bodyPr>
-          <a:lstStyle/>
-          <a:p>
-            <a:r>
-              <a:rPr lang="en-US" sz="1200" dirty="0">
-                <a:latin typeface="+mj-lt"/>
-              </a:rPr>
-              <a:t>Thanh </a:t>
-            </a:r>
-            <a:r>
-              <a:rPr lang="en-US" sz="1200" dirty="0" err="1">
-                <a:latin typeface="+mj-lt"/>
-              </a:rPr>
-              <a:t>toán</a:t>
-            </a:r>
-            <a:r>
-              <a:rPr lang="en-US" sz="1200" dirty="0">
-                <a:latin typeface="+mj-lt"/>
-              </a:rPr>
-              <a:t>:</a:t>
-            </a:r>
-          </a:p>
-        </p:txBody>
-      </p:sp>
-      <p:sp>
-        <p:nvSpPr>
-          <p:cNvPr id="46" name="Rectangle 45">
-            <a:extLst>
-              <a:ext uri="{FF2B5EF4-FFF2-40B4-BE49-F238E27FC236}">
-                <a16:creationId xmlns:a16="http://schemas.microsoft.com/office/drawing/2014/main" id="{829A6FC0-BAD4-4FF2-89EE-DAEE1E9CEBF6}"/>
+          <p:cNvPr id="49" name="Rectangle 48">
+            <a:extLst>
+              <a:ext uri="{FF2B5EF4-FFF2-40B4-BE49-F238E27FC236}">
+                <a16:creationId xmlns:a16="http://schemas.microsoft.com/office/drawing/2014/main" id="{6BB4A87D-F73C-4006-BF33-C237ABCF2E42}"/>
               </a:ext>
             </a:extLst>
           </p:cNvPr>
@@ -21576,8 +22029,8 @@
         </p:nvSpPr>
         <p:spPr>
           <a:xfrm>
-            <a:off x="5427678" y="2590800"/>
-            <a:ext cx="3124200" cy="261554"/>
+            <a:off x="5789549" y="3385484"/>
+            <a:ext cx="3124200" cy="1110316"/>
           </a:xfrm>
           <a:prstGeom prst="rect">
             <a:avLst/>
@@ -21610,10 +22063,171 @@
       </p:sp>
       <p:sp>
         <p:nvSpPr>
-          <p:cNvPr id="47" name="Rectangle 46">
-            <a:extLst>
-              <a:ext uri="{FF2B5EF4-FFF2-40B4-BE49-F238E27FC236}">
-                <a16:creationId xmlns:a16="http://schemas.microsoft.com/office/drawing/2014/main" id="{8159DB57-E520-4FB7-8FC5-35129A01AB2C}"/>
+          <p:cNvPr id="22" name="TextBox 21">
+            <a:extLst>
+              <a:ext uri="{FF2B5EF4-FFF2-40B4-BE49-F238E27FC236}">
+                <a16:creationId xmlns:a16="http://schemas.microsoft.com/office/drawing/2014/main" id="{2458615F-EDD4-4CB1-8636-7046012BCFC7}"/>
+              </a:ext>
+            </a:extLst>
+          </p:cNvPr>
+          <p:cNvSpPr txBox="1"/>
+          <p:nvPr/>
+        </p:nvSpPr>
+        <p:spPr>
+          <a:xfrm>
+            <a:off x="896660" y="945229"/>
+            <a:ext cx="4300206" cy="369490"/>
+          </a:xfrm>
+          <a:prstGeom prst="rect">
+            <a:avLst/>
+          </a:prstGeom>
+          <a:noFill/>
+        </p:spPr>
+        <p:txBody>
+          <a:bodyPr wrap="square" rtlCol="0">
+            <a:spAutoFit/>
+          </a:bodyPr>
+          <a:lstStyle/>
+          <a:p>
+            <a:r>
+              <a:rPr lang="en-US" b="1" dirty="0" err="1">
+                <a:solidFill>
+                  <a:schemeClr val="tx1">
+                    <a:lumMod val="85000"/>
+                    <a:lumOff val="15000"/>
+                  </a:schemeClr>
+                </a:solidFill>
+                <a:latin typeface="+mj-lt"/>
+              </a:rPr>
+              <a:t>Thông</a:t>
+            </a:r>
+            <a:r>
+              <a:rPr lang="en-US" b="1" dirty="0">
+                <a:solidFill>
+                  <a:schemeClr val="tx1">
+                    <a:lumMod val="85000"/>
+                    <a:lumOff val="15000"/>
+                  </a:schemeClr>
+                </a:solidFill>
+                <a:latin typeface="+mj-lt"/>
+              </a:rPr>
+              <a:t> tin </a:t>
+            </a:r>
+            <a:r>
+              <a:rPr lang="en-US" b="1" dirty="0" err="1">
+                <a:solidFill>
+                  <a:schemeClr val="tx1">
+                    <a:lumMod val="85000"/>
+                    <a:lumOff val="15000"/>
+                  </a:schemeClr>
+                </a:solidFill>
+                <a:latin typeface="+mj-lt"/>
+              </a:rPr>
+              <a:t>nhà</a:t>
+            </a:r>
+            <a:r>
+              <a:rPr lang="en-US" b="1" dirty="0">
+                <a:solidFill>
+                  <a:schemeClr val="tx1">
+                    <a:lumMod val="85000"/>
+                    <a:lumOff val="15000"/>
+                  </a:schemeClr>
+                </a:solidFill>
+                <a:latin typeface="+mj-lt"/>
+              </a:rPr>
+              <a:t> </a:t>
+            </a:r>
+            <a:r>
+              <a:rPr lang="en-US" b="1" dirty="0" err="1">
+                <a:solidFill>
+                  <a:schemeClr val="tx1">
+                    <a:lumMod val="85000"/>
+                    <a:lumOff val="15000"/>
+                  </a:schemeClr>
+                </a:solidFill>
+                <a:latin typeface="+mj-lt"/>
+              </a:rPr>
+              <a:t>cung</a:t>
+            </a:r>
+            <a:r>
+              <a:rPr lang="en-US" b="1" dirty="0">
+                <a:solidFill>
+                  <a:schemeClr val="tx1">
+                    <a:lumMod val="85000"/>
+                    <a:lumOff val="15000"/>
+                  </a:schemeClr>
+                </a:solidFill>
+                <a:latin typeface="+mj-lt"/>
+              </a:rPr>
+              <a:t> </a:t>
+            </a:r>
+            <a:r>
+              <a:rPr lang="en-US" b="1" dirty="0" err="1">
+                <a:solidFill>
+                  <a:schemeClr val="tx1">
+                    <a:lumMod val="85000"/>
+                    <a:lumOff val="15000"/>
+                  </a:schemeClr>
+                </a:solidFill>
+                <a:latin typeface="+mj-lt"/>
+              </a:rPr>
+              <a:t>cấp</a:t>
+            </a:r>
+            <a:endParaRPr lang="en-US" b="1" dirty="0">
+              <a:solidFill>
+                <a:schemeClr val="tx1">
+                  <a:lumMod val="85000"/>
+                  <a:lumOff val="15000"/>
+                </a:schemeClr>
+              </a:solidFill>
+              <a:latin typeface="+mj-lt"/>
+            </a:endParaRPr>
+          </a:p>
+        </p:txBody>
+      </p:sp>
+      <p:sp>
+        <p:nvSpPr>
+          <p:cNvPr id="25" name="TextBox 24">
+            <a:extLst>
+              <a:ext uri="{FF2B5EF4-FFF2-40B4-BE49-F238E27FC236}">
+                <a16:creationId xmlns:a16="http://schemas.microsoft.com/office/drawing/2014/main" id="{D2AE1B74-BAF0-44E9-A1E2-8323FB69F8D2}"/>
+              </a:ext>
+            </a:extLst>
+          </p:cNvPr>
+          <p:cNvSpPr txBox="1"/>
+          <p:nvPr/>
+        </p:nvSpPr>
+        <p:spPr>
+          <a:xfrm>
+            <a:off x="473366" y="3811198"/>
+            <a:ext cx="1295400" cy="276999"/>
+          </a:xfrm>
+          <a:prstGeom prst="rect">
+            <a:avLst/>
+          </a:prstGeom>
+          <a:noFill/>
+        </p:spPr>
+        <p:txBody>
+          <a:bodyPr wrap="square" rtlCol="0">
+            <a:spAutoFit/>
+          </a:bodyPr>
+          <a:lstStyle/>
+          <a:p>
+            <a:r>
+              <a:rPr lang="en-US" sz="1200" dirty="0">
+                <a:latin typeface="+mj-lt"/>
+              </a:rPr>
+              <a:t>Email:</a:t>
+            </a:r>
+          </a:p>
+        </p:txBody>
+      </p:sp>
+      <p:sp>
+        <p:nvSpPr>
+          <p:cNvPr id="27" name="Rectangle 26">
+            <a:extLst>
+              <a:ext uri="{FF2B5EF4-FFF2-40B4-BE49-F238E27FC236}">
+                <a16:creationId xmlns:a16="http://schemas.microsoft.com/office/drawing/2014/main" id="{37977B50-6556-4B94-B1F8-5F92215A0B0C}"/>
               </a:ext>
             </a:extLst>
           </p:cNvPr>
@@ -21622,7 +22236,7 @@
         </p:nvSpPr>
         <p:spPr>
           <a:xfrm>
-            <a:off x="5427678" y="3364642"/>
+            <a:off x="1476829" y="3794044"/>
             <a:ext cx="3124200" cy="261554"/>
           </a:xfrm>
           <a:prstGeom prst="rect">
@@ -21656,336 +22270,10 @@
       </p:sp>
       <p:sp>
         <p:nvSpPr>
-          <p:cNvPr id="50" name="TextBox 49">
-            <a:extLst>
-              <a:ext uri="{FF2B5EF4-FFF2-40B4-BE49-F238E27FC236}">
-                <a16:creationId xmlns:a16="http://schemas.microsoft.com/office/drawing/2014/main" id="{DBF1EB73-7CC8-4B17-A129-7E44D1479735}"/>
-              </a:ext>
-            </a:extLst>
-          </p:cNvPr>
-          <p:cNvSpPr txBox="1"/>
-          <p:nvPr/>
-        </p:nvSpPr>
-        <p:spPr>
-          <a:xfrm>
-            <a:off x="4424215" y="3844307"/>
-            <a:ext cx="1295400" cy="276999"/>
-          </a:xfrm>
-          <a:prstGeom prst="rect">
-            <a:avLst/>
-          </a:prstGeom>
-          <a:noFill/>
-        </p:spPr>
-        <p:txBody>
-          <a:bodyPr wrap="square" rtlCol="0">
-            <a:spAutoFit/>
-          </a:bodyPr>
-          <a:lstStyle/>
-          <a:p>
-            <a:r>
-              <a:rPr lang="en-US" sz="1200" dirty="0" err="1">
-                <a:latin typeface="+mj-lt"/>
-              </a:rPr>
-              <a:t>Ghi</a:t>
-            </a:r>
-            <a:r>
-              <a:rPr lang="en-US" sz="1200" dirty="0">
-                <a:latin typeface="+mj-lt"/>
-              </a:rPr>
-              <a:t> </a:t>
-            </a:r>
-            <a:r>
-              <a:rPr lang="en-US" sz="1200" dirty="0" err="1">
-                <a:latin typeface="+mj-lt"/>
-              </a:rPr>
-              <a:t>chú</a:t>
-            </a:r>
-            <a:r>
-              <a:rPr lang="en-US" sz="1200" dirty="0">
-                <a:latin typeface="+mj-lt"/>
-              </a:rPr>
-              <a:t>:</a:t>
-            </a:r>
-          </a:p>
-        </p:txBody>
-      </p:sp>
-      <p:sp>
-        <p:nvSpPr>
-          <p:cNvPr id="51" name="Rectangle 50">
-            <a:extLst>
-              <a:ext uri="{FF2B5EF4-FFF2-40B4-BE49-F238E27FC236}">
-                <a16:creationId xmlns:a16="http://schemas.microsoft.com/office/drawing/2014/main" id="{8AF4A862-5198-45B4-9562-839926384826}"/>
-              </a:ext>
-            </a:extLst>
-          </p:cNvPr>
-          <p:cNvSpPr/>
-          <p:nvPr/>
-        </p:nvSpPr>
-        <p:spPr>
-          <a:xfrm>
-            <a:off x="5427678" y="3810000"/>
-            <a:ext cx="3124200" cy="533400"/>
-          </a:xfrm>
-          <a:prstGeom prst="rect">
-            <a:avLst/>
-          </a:prstGeom>
-        </p:spPr>
-        <p:style>
-          <a:lnRef idx="2">
-            <a:schemeClr val="dk1"/>
-          </a:lnRef>
-          <a:fillRef idx="1">
-            <a:schemeClr val="lt1"/>
-          </a:fillRef>
-          <a:effectRef idx="0">
-            <a:schemeClr val="dk1"/>
-          </a:effectRef>
-          <a:fontRef idx="minor">
-            <a:schemeClr val="dk1"/>
-          </a:fontRef>
-        </p:style>
-        <p:txBody>
-          <a:bodyPr rtlCol="0" anchor="ctr"/>
-          <a:lstStyle/>
-          <a:p>
-            <a:pPr algn="ctr"/>
-            <a:endParaRPr lang="en-US">
-              <a:latin typeface="+mj-lt"/>
-            </a:endParaRPr>
-          </a:p>
-        </p:txBody>
-      </p:sp>
-      <p:sp>
-        <p:nvSpPr>
-          <p:cNvPr id="52" name="TextBox 51">
-            <a:extLst>
-              <a:ext uri="{FF2B5EF4-FFF2-40B4-BE49-F238E27FC236}">
-                <a16:creationId xmlns:a16="http://schemas.microsoft.com/office/drawing/2014/main" id="{D0690CA8-A5D4-4189-BFC1-F726D6EFC49C}"/>
-              </a:ext>
-            </a:extLst>
-          </p:cNvPr>
-          <p:cNvSpPr txBox="1"/>
-          <p:nvPr/>
-        </p:nvSpPr>
-        <p:spPr>
-          <a:xfrm>
-            <a:off x="4424215" y="2983333"/>
-            <a:ext cx="1295400" cy="276999"/>
-          </a:xfrm>
-          <a:prstGeom prst="rect">
-            <a:avLst/>
-          </a:prstGeom>
-          <a:noFill/>
-        </p:spPr>
-        <p:txBody>
-          <a:bodyPr wrap="square" rtlCol="0">
-            <a:spAutoFit/>
-          </a:bodyPr>
-          <a:lstStyle/>
-          <a:p>
-            <a:r>
-              <a:rPr lang="en-US" sz="1200" dirty="0" err="1">
-                <a:latin typeface="+mj-lt"/>
-              </a:rPr>
-              <a:t>Tổng</a:t>
-            </a:r>
-            <a:r>
-              <a:rPr lang="en-US" sz="1200" dirty="0">
-                <a:latin typeface="+mj-lt"/>
-              </a:rPr>
-              <a:t> </a:t>
-            </a:r>
-            <a:r>
-              <a:rPr lang="en-US" sz="1200" dirty="0" err="1">
-                <a:latin typeface="+mj-lt"/>
-              </a:rPr>
-              <a:t>cộng</a:t>
-            </a:r>
-            <a:r>
-              <a:rPr lang="en-US" sz="1200" dirty="0">
-                <a:latin typeface="+mj-lt"/>
-              </a:rPr>
-              <a:t>:</a:t>
-            </a:r>
-          </a:p>
-        </p:txBody>
-      </p:sp>
-      <p:sp>
-        <p:nvSpPr>
-          <p:cNvPr id="53" name="Rectangle 52">
-            <a:extLst>
-              <a:ext uri="{FF2B5EF4-FFF2-40B4-BE49-F238E27FC236}">
-                <a16:creationId xmlns:a16="http://schemas.microsoft.com/office/drawing/2014/main" id="{204F543E-2462-4DF1-B28D-57639D2BEE07}"/>
-              </a:ext>
-            </a:extLst>
-          </p:cNvPr>
-          <p:cNvSpPr/>
-          <p:nvPr/>
-        </p:nvSpPr>
-        <p:spPr>
-          <a:xfrm>
-            <a:off x="5427678" y="2974756"/>
-            <a:ext cx="3124200" cy="261554"/>
-          </a:xfrm>
-          <a:prstGeom prst="rect">
-            <a:avLst/>
-          </a:prstGeom>
-        </p:spPr>
-        <p:style>
-          <a:lnRef idx="2">
-            <a:schemeClr val="dk1"/>
-          </a:lnRef>
-          <a:fillRef idx="1">
-            <a:schemeClr val="lt1"/>
-          </a:fillRef>
-          <a:effectRef idx="0">
-            <a:schemeClr val="dk1"/>
-          </a:effectRef>
-          <a:fontRef idx="minor">
-            <a:schemeClr val="dk1"/>
-          </a:fontRef>
-        </p:style>
-        <p:txBody>
-          <a:bodyPr rtlCol="0" anchor="ctr"/>
-          <a:lstStyle/>
-          <a:p>
-            <a:pPr algn="ctr"/>
-            <a:endParaRPr lang="en-US">
-              <a:latin typeface="+mj-lt"/>
-            </a:endParaRPr>
-          </a:p>
-        </p:txBody>
-      </p:sp>
-      <p:sp>
-        <p:nvSpPr>
-          <p:cNvPr id="30" name="TextBox 29">
-            <a:extLst>
-              <a:ext uri="{FF2B5EF4-FFF2-40B4-BE49-F238E27FC236}">
-                <a16:creationId xmlns:a16="http://schemas.microsoft.com/office/drawing/2014/main" id="{7BC17DE0-2ECC-45C7-AF4E-4EFD61D76F61}"/>
-              </a:ext>
-            </a:extLst>
-          </p:cNvPr>
-          <p:cNvSpPr txBox="1"/>
-          <p:nvPr/>
-        </p:nvSpPr>
-        <p:spPr>
-          <a:xfrm>
-            <a:off x="896660" y="945229"/>
-            <a:ext cx="4300206" cy="369490"/>
-          </a:xfrm>
-          <a:prstGeom prst="rect">
-            <a:avLst/>
-          </a:prstGeom>
-          <a:noFill/>
-        </p:spPr>
-        <p:txBody>
-          <a:bodyPr wrap="square" rtlCol="0">
-            <a:spAutoFit/>
-          </a:bodyPr>
-          <a:lstStyle/>
-          <a:p>
-            <a:r>
-              <a:rPr lang="en-US" b="1" dirty="0" err="1">
-                <a:solidFill>
-                  <a:schemeClr val="tx1">
-                    <a:lumMod val="85000"/>
-                    <a:lumOff val="15000"/>
-                  </a:schemeClr>
-                </a:solidFill>
-                <a:latin typeface="+mj-lt"/>
-              </a:rPr>
-              <a:t>Lịch</a:t>
-            </a:r>
-            <a:r>
-              <a:rPr lang="en-US" b="1" dirty="0">
-                <a:solidFill>
-                  <a:schemeClr val="tx1">
-                    <a:lumMod val="85000"/>
-                    <a:lumOff val="15000"/>
-                  </a:schemeClr>
-                </a:solidFill>
-                <a:latin typeface="+mj-lt"/>
-              </a:rPr>
-              <a:t> </a:t>
-            </a:r>
-            <a:r>
-              <a:rPr lang="en-US" b="1" dirty="0" err="1">
-                <a:solidFill>
-                  <a:schemeClr val="tx1">
-                    <a:lumMod val="85000"/>
-                    <a:lumOff val="15000"/>
-                  </a:schemeClr>
-                </a:solidFill>
-                <a:latin typeface="+mj-lt"/>
-              </a:rPr>
-              <a:t>sử</a:t>
-            </a:r>
-            <a:r>
-              <a:rPr lang="en-US" b="1" dirty="0">
-                <a:solidFill>
-                  <a:schemeClr val="tx1">
-                    <a:lumMod val="85000"/>
-                    <a:lumOff val="15000"/>
-                  </a:schemeClr>
-                </a:solidFill>
-                <a:latin typeface="+mj-lt"/>
-              </a:rPr>
-              <a:t> </a:t>
-            </a:r>
-            <a:r>
-              <a:rPr lang="en-US" b="1" dirty="0" err="1">
-                <a:solidFill>
-                  <a:schemeClr val="tx1">
-                    <a:lumMod val="85000"/>
-                    <a:lumOff val="15000"/>
-                  </a:schemeClr>
-                </a:solidFill>
-                <a:latin typeface="+mj-lt"/>
-              </a:rPr>
-              <a:t>nhập</a:t>
-            </a:r>
-            <a:r>
-              <a:rPr lang="en-US" b="1" dirty="0">
-                <a:solidFill>
-                  <a:schemeClr val="tx1">
-                    <a:lumMod val="85000"/>
-                    <a:lumOff val="15000"/>
-                  </a:schemeClr>
-                </a:solidFill>
-                <a:latin typeface="+mj-lt"/>
-              </a:rPr>
-              <a:t> </a:t>
-            </a:r>
-            <a:r>
-              <a:rPr lang="en-US" b="1" dirty="0" err="1">
-                <a:solidFill>
-                  <a:schemeClr val="tx1">
-                    <a:lumMod val="85000"/>
-                    <a:lumOff val="15000"/>
-                  </a:schemeClr>
-                </a:solidFill>
-                <a:latin typeface="+mj-lt"/>
-              </a:rPr>
-              <a:t>kho</a:t>
-            </a:r>
-            <a:endParaRPr lang="en-US" b="1" dirty="0">
-              <a:solidFill>
-                <a:schemeClr val="tx1">
-                  <a:lumMod val="85000"/>
-                  <a:lumOff val="15000"/>
-                </a:schemeClr>
-              </a:solidFill>
-              <a:latin typeface="+mj-lt"/>
-            </a:endParaRPr>
-          </a:p>
-        </p:txBody>
-      </p:sp>
-      <p:sp>
-        <p:nvSpPr>
-          <p:cNvPr id="32" name="Rectangle 31">
-            <a:extLst>
-              <a:ext uri="{FF2B5EF4-FFF2-40B4-BE49-F238E27FC236}">
-                <a16:creationId xmlns:a16="http://schemas.microsoft.com/office/drawing/2014/main" id="{972F606E-97EA-4C73-B693-17053CCA1B1A}"/>
+          <p:cNvPr id="28" name="Rectangle 27">
+            <a:extLst>
+              <a:ext uri="{FF2B5EF4-FFF2-40B4-BE49-F238E27FC236}">
+                <a16:creationId xmlns:a16="http://schemas.microsoft.com/office/drawing/2014/main" id="{26182A3A-E93D-4E7E-9086-70BE570A4FCB}"/>
               </a:ext>
             </a:extLst>
           </p:cNvPr>
@@ -22036,6 +22324,1560 @@
       </p:sp>
       <p:sp>
         <p:nvSpPr>
+          <p:cNvPr id="30" name="TextBox 29">
+            <a:extLst>
+              <a:ext uri="{FF2B5EF4-FFF2-40B4-BE49-F238E27FC236}">
+                <a16:creationId xmlns:a16="http://schemas.microsoft.com/office/drawing/2014/main" id="{05601848-AFEC-4027-874E-FE90D21DA0AE}"/>
+              </a:ext>
+            </a:extLst>
+          </p:cNvPr>
+          <p:cNvSpPr txBox="1"/>
+          <p:nvPr/>
+        </p:nvSpPr>
+        <p:spPr>
+          <a:xfrm>
+            <a:off x="503513" y="1994059"/>
+            <a:ext cx="1600200" cy="276999"/>
+          </a:xfrm>
+          <a:prstGeom prst="rect">
+            <a:avLst/>
+          </a:prstGeom>
+          <a:noFill/>
+        </p:spPr>
+        <p:txBody>
+          <a:bodyPr wrap="square" rtlCol="0">
+            <a:spAutoFit/>
+          </a:bodyPr>
+          <a:lstStyle/>
+          <a:p>
+            <a:r>
+              <a:rPr lang="en-US" sz="1200" dirty="0" err="1">
+                <a:latin typeface="+mj-lt"/>
+              </a:rPr>
+              <a:t>Ghi</a:t>
+            </a:r>
+            <a:r>
+              <a:rPr lang="en-US" sz="1200" dirty="0">
+                <a:latin typeface="+mj-lt"/>
+              </a:rPr>
+              <a:t> </a:t>
+            </a:r>
+            <a:r>
+              <a:rPr lang="en-US" sz="1200" dirty="0" err="1">
+                <a:latin typeface="+mj-lt"/>
+              </a:rPr>
+              <a:t>chú</a:t>
+            </a:r>
+            <a:r>
+              <a:rPr lang="en-US" sz="1200" dirty="0">
+                <a:latin typeface="+mj-lt"/>
+              </a:rPr>
+              <a:t>…</a:t>
+            </a:r>
+          </a:p>
+        </p:txBody>
+      </p:sp>
+      <p:sp>
+        <p:nvSpPr>
+          <p:cNvPr id="31" name="TextBox 30">
+            <a:extLst>
+              <a:ext uri="{FF2B5EF4-FFF2-40B4-BE49-F238E27FC236}">
+                <a16:creationId xmlns:a16="http://schemas.microsoft.com/office/drawing/2014/main" id="{10A0C468-71CF-47C9-A47C-BFCA2C6B0AF1}"/>
+              </a:ext>
+            </a:extLst>
+          </p:cNvPr>
+          <p:cNvSpPr txBox="1"/>
+          <p:nvPr/>
+        </p:nvSpPr>
+        <p:spPr>
+          <a:xfrm>
+            <a:off x="511644" y="1702115"/>
+            <a:ext cx="3545429" cy="323165"/>
+          </a:xfrm>
+          <a:prstGeom prst="rect">
+            <a:avLst/>
+          </a:prstGeom>
+          <a:noFill/>
+        </p:spPr>
+        <p:txBody>
+          <a:bodyPr wrap="square" rtlCol="0">
+            <a:spAutoFit/>
+          </a:bodyPr>
+          <a:lstStyle/>
+          <a:p>
+            <a:r>
+              <a:rPr lang="en-US" sz="1500" b="1" dirty="0" err="1">
+                <a:latin typeface="+mj-lt"/>
+              </a:rPr>
+              <a:t>Nhà</a:t>
+            </a:r>
+            <a:r>
+              <a:rPr lang="en-US" sz="1500" b="1" dirty="0">
+                <a:latin typeface="+mj-lt"/>
+              </a:rPr>
+              <a:t> </a:t>
+            </a:r>
+            <a:r>
+              <a:rPr lang="en-US" sz="1500" b="1" dirty="0" err="1">
+                <a:latin typeface="+mj-lt"/>
+              </a:rPr>
+              <a:t>cung</a:t>
+            </a:r>
+            <a:r>
+              <a:rPr lang="en-US" sz="1500" b="1" dirty="0">
+                <a:latin typeface="+mj-lt"/>
+              </a:rPr>
+              <a:t> </a:t>
+            </a:r>
+            <a:r>
+              <a:rPr lang="en-US" sz="1500" b="1" dirty="0" err="1">
+                <a:latin typeface="+mj-lt"/>
+              </a:rPr>
+              <a:t>cấp</a:t>
+            </a:r>
+            <a:r>
+              <a:rPr lang="en-US" sz="1500" b="1" dirty="0">
+                <a:latin typeface="+mj-lt"/>
+              </a:rPr>
+              <a:t> 1</a:t>
+            </a:r>
+          </a:p>
+        </p:txBody>
+      </p:sp>
+      <p:pic>
+        <p:nvPicPr>
+          <p:cNvPr id="21" name="Picture 20">
+            <a:extLst>
+              <a:ext uri="{FF2B5EF4-FFF2-40B4-BE49-F238E27FC236}">
+                <a16:creationId xmlns:a16="http://schemas.microsoft.com/office/drawing/2014/main" id="{AFEE3E03-059F-4485-BB9B-E7F9A7381F0D}"/>
+              </a:ext>
+            </a:extLst>
+          </p:cNvPr>
+          <p:cNvPicPr>
+            <a:picLocks noChangeAspect="1"/>
+          </p:cNvPicPr>
+          <p:nvPr/>
+        </p:nvPicPr>
+        <p:blipFill>
+          <a:blip r:embed="rId3" cstate="print">
+            <a:extLst>
+              <a:ext uri="{28A0092B-C50C-407E-A947-70E740481C1C}">
+                <a14:useLocalDpi xmlns:a14="http://schemas.microsoft.com/office/drawing/2010/main" val="0"/>
+              </a:ext>
+            </a:extLst>
+          </a:blip>
+          <a:stretch>
+            <a:fillRect/>
+          </a:stretch>
+        </p:blipFill>
+        <p:spPr>
+          <a:xfrm>
+            <a:off x="506654" y="931247"/>
+            <a:ext cx="407746" cy="407746"/>
+          </a:xfrm>
+          <a:prstGeom prst="rect">
+            <a:avLst/>
+          </a:prstGeom>
+        </p:spPr>
+      </p:pic>
+    </p:spTree>
+    <p:extLst>
+      <p:ext uri="{BB962C8B-B14F-4D97-AF65-F5344CB8AC3E}">
+        <p14:creationId xmlns:p14="http://schemas.microsoft.com/office/powerpoint/2010/main" val="1662457863"/>
+      </p:ext>
+    </p:extLst>
+  </p:cSld>
+  <p:clrMapOvr>
+    <a:masterClrMapping/>
+  </p:clrMapOvr>
+</p:sld>
+</file>
+
+<file path=ppt/slides/slide21.xml><?xml version="1.0" encoding="utf-8"?>
+<p:sld xmlns:a="http://schemas.openxmlformats.org/drawingml/2006/main" xmlns:r="http://schemas.openxmlformats.org/officeDocument/2006/relationships" xmlns:p="http://schemas.openxmlformats.org/presentationml/2006/main">
+  <p:cSld>
+    <p:spTree>
+      <p:nvGrpSpPr>
+        <p:cNvPr id="1" name=""/>
+        <p:cNvGrpSpPr/>
+        <p:nvPr/>
+      </p:nvGrpSpPr>
+      <p:grpSpPr>
+        <a:xfrm>
+          <a:off x="0" y="0"/>
+          <a:ext cx="0" cy="0"/>
+          <a:chOff x="0" y="0"/>
+          <a:chExt cx="0" cy="0"/>
+        </a:xfrm>
+      </p:grpSpPr>
+      <p:sp>
+        <p:nvSpPr>
+          <p:cNvPr id="6" name="TextBox 5">
+            <a:extLst>
+              <a:ext uri="{FF2B5EF4-FFF2-40B4-BE49-F238E27FC236}">
+                <a16:creationId xmlns:a16="http://schemas.microsoft.com/office/drawing/2014/main" id="{CD2A8DE0-B0E7-40FB-9538-60D54401A4F8}"/>
+              </a:ext>
+            </a:extLst>
+          </p:cNvPr>
+          <p:cNvSpPr txBox="1"/>
+          <p:nvPr/>
+        </p:nvSpPr>
+        <p:spPr>
+          <a:xfrm>
+            <a:off x="228600" y="76200"/>
+            <a:ext cx="4572000" cy="369332"/>
+          </a:xfrm>
+          <a:prstGeom prst="rect">
+            <a:avLst/>
+          </a:prstGeom>
+          <a:noFill/>
+        </p:spPr>
+        <p:txBody>
+          <a:bodyPr wrap="square" rtlCol="0">
+            <a:spAutoFit/>
+          </a:bodyPr>
+          <a:lstStyle/>
+          <a:p>
+            <a:r>
+              <a:rPr lang="en-US" dirty="0" err="1">
+                <a:latin typeface="+mj-lt"/>
+              </a:rPr>
+              <a:t>Màn</a:t>
+            </a:r>
+            <a:r>
+              <a:rPr lang="en-US" dirty="0">
+                <a:latin typeface="+mj-lt"/>
+              </a:rPr>
+              <a:t> </a:t>
+            </a:r>
+            <a:r>
+              <a:rPr lang="en-US" dirty="0" err="1">
+                <a:latin typeface="+mj-lt"/>
+              </a:rPr>
+              <a:t>hình</a:t>
+            </a:r>
+            <a:r>
+              <a:rPr lang="en-US" dirty="0">
+                <a:latin typeface="+mj-lt"/>
+              </a:rPr>
+              <a:t> </a:t>
+            </a:r>
+            <a:r>
+              <a:rPr lang="en-US" dirty="0" err="1">
+                <a:latin typeface="+mj-lt"/>
+              </a:rPr>
+              <a:t>Lịch</a:t>
+            </a:r>
+            <a:r>
+              <a:rPr lang="en-US" dirty="0">
+                <a:latin typeface="+mj-lt"/>
+              </a:rPr>
+              <a:t> </a:t>
+            </a:r>
+            <a:r>
+              <a:rPr lang="en-US" dirty="0" err="1">
+                <a:latin typeface="+mj-lt"/>
+              </a:rPr>
+              <a:t>sử</a:t>
+            </a:r>
+            <a:r>
+              <a:rPr lang="en-US" dirty="0">
+                <a:latin typeface="+mj-lt"/>
+              </a:rPr>
+              <a:t> </a:t>
+            </a:r>
+            <a:r>
+              <a:rPr lang="en-US" dirty="0" err="1">
+                <a:latin typeface="+mj-lt"/>
+              </a:rPr>
+              <a:t>mua</a:t>
+            </a:r>
+            <a:r>
+              <a:rPr lang="en-US" dirty="0">
+                <a:latin typeface="+mj-lt"/>
+              </a:rPr>
+              <a:t> </a:t>
+            </a:r>
+            <a:r>
+              <a:rPr lang="en-US" dirty="0" err="1">
+                <a:latin typeface="+mj-lt"/>
+              </a:rPr>
+              <a:t>hàng</a:t>
+            </a:r>
+            <a:endParaRPr lang="en-US" dirty="0">
+              <a:latin typeface="+mj-lt"/>
+            </a:endParaRPr>
+          </a:p>
+        </p:txBody>
+      </p:sp>
+      <p:pic>
+        <p:nvPicPr>
+          <p:cNvPr id="11" name="Picture 10">
+            <a:extLst>
+              <a:ext uri="{FF2B5EF4-FFF2-40B4-BE49-F238E27FC236}">
+                <a16:creationId xmlns:a16="http://schemas.microsoft.com/office/drawing/2014/main" id="{F6164AE6-B86F-4668-B82E-2CCF243694C5}"/>
+              </a:ext>
+            </a:extLst>
+          </p:cNvPr>
+          <p:cNvPicPr>
+            <a:picLocks noChangeAspect="1"/>
+          </p:cNvPicPr>
+          <p:nvPr/>
+        </p:nvPicPr>
+        <p:blipFill>
+          <a:blip r:embed="rId2"/>
+          <a:stretch>
+            <a:fillRect/>
+          </a:stretch>
+        </p:blipFill>
+        <p:spPr>
+          <a:xfrm>
+            <a:off x="-1398" y="673095"/>
+            <a:ext cx="9144000" cy="6184905"/>
+          </a:xfrm>
+          <a:prstGeom prst="rect">
+            <a:avLst/>
+          </a:prstGeom>
+        </p:spPr>
+      </p:pic>
+      <p:sp>
+        <p:nvSpPr>
+          <p:cNvPr id="18" name="TextBox 17">
+            <a:extLst>
+              <a:ext uri="{FF2B5EF4-FFF2-40B4-BE49-F238E27FC236}">
+                <a16:creationId xmlns:a16="http://schemas.microsoft.com/office/drawing/2014/main" id="{DDEA07C1-E0BC-44D5-97BC-55487ACFA934}"/>
+              </a:ext>
+            </a:extLst>
+          </p:cNvPr>
+          <p:cNvSpPr txBox="1"/>
+          <p:nvPr/>
+        </p:nvSpPr>
+        <p:spPr>
+          <a:xfrm>
+            <a:off x="500394" y="2821293"/>
+            <a:ext cx="2242806" cy="276999"/>
+          </a:xfrm>
+          <a:prstGeom prst="rect">
+            <a:avLst/>
+          </a:prstGeom>
+          <a:noFill/>
+        </p:spPr>
+        <p:txBody>
+          <a:bodyPr wrap="square" rtlCol="0">
+            <a:spAutoFit/>
+          </a:bodyPr>
+          <a:lstStyle/>
+          <a:p>
+            <a:r>
+              <a:rPr lang="en-US" sz="1200" b="1" dirty="0" err="1">
+                <a:latin typeface="+mj-lt"/>
+              </a:rPr>
+              <a:t>Lịch</a:t>
+            </a:r>
+            <a:r>
+              <a:rPr lang="en-US" sz="1200" b="1" dirty="0">
+                <a:latin typeface="+mj-lt"/>
+              </a:rPr>
+              <a:t> </a:t>
+            </a:r>
+            <a:r>
+              <a:rPr lang="en-US" sz="1200" b="1" dirty="0" err="1">
+                <a:latin typeface="+mj-lt"/>
+              </a:rPr>
+              <a:t>sử</a:t>
+            </a:r>
+            <a:r>
+              <a:rPr lang="en-US" sz="1200" b="1" dirty="0">
+                <a:latin typeface="+mj-lt"/>
+              </a:rPr>
+              <a:t> </a:t>
+            </a:r>
+            <a:r>
+              <a:rPr lang="en-US" sz="1200" b="1" dirty="0" err="1">
+                <a:latin typeface="+mj-lt"/>
+              </a:rPr>
+              <a:t>nhập</a:t>
+            </a:r>
+            <a:r>
+              <a:rPr lang="en-US" sz="1200" b="1" dirty="0">
+                <a:latin typeface="+mj-lt"/>
+              </a:rPr>
+              <a:t> </a:t>
+            </a:r>
+            <a:r>
+              <a:rPr lang="en-US" sz="1200" b="1" dirty="0" err="1">
+                <a:latin typeface="+mj-lt"/>
+              </a:rPr>
+              <a:t>kho</a:t>
+            </a:r>
+            <a:r>
+              <a:rPr lang="en-US" sz="1200" b="1" dirty="0">
+                <a:latin typeface="+mj-lt"/>
+              </a:rPr>
+              <a:t>:</a:t>
+            </a:r>
+          </a:p>
+        </p:txBody>
+      </p:sp>
+      <p:sp>
+        <p:nvSpPr>
+          <p:cNvPr id="42" name="Rectangle 41">
+            <a:extLst>
+              <a:ext uri="{FF2B5EF4-FFF2-40B4-BE49-F238E27FC236}">
+                <a16:creationId xmlns:a16="http://schemas.microsoft.com/office/drawing/2014/main" id="{353BFA1C-32B8-4D02-82DD-D04AE5441E95}"/>
+              </a:ext>
+            </a:extLst>
+          </p:cNvPr>
+          <p:cNvSpPr/>
+          <p:nvPr/>
+        </p:nvSpPr>
+        <p:spPr>
+          <a:xfrm>
+            <a:off x="7620000" y="6373058"/>
+            <a:ext cx="1371600" cy="358165"/>
+          </a:xfrm>
+          <a:prstGeom prst="rect">
+            <a:avLst/>
+          </a:prstGeom>
+          <a:solidFill>
+            <a:schemeClr val="bg1">
+              <a:lumMod val="65000"/>
+            </a:schemeClr>
+          </a:solidFill>
+          <a:ln>
+            <a:noFill/>
+          </a:ln>
+        </p:spPr>
+        <p:style>
+          <a:lnRef idx="2">
+            <a:schemeClr val="accent1">
+              <a:shade val="50000"/>
+            </a:schemeClr>
+          </a:lnRef>
+          <a:fillRef idx="1">
+            <a:schemeClr val="accent1"/>
+          </a:fillRef>
+          <a:effectRef idx="0">
+            <a:schemeClr val="accent1"/>
+          </a:effectRef>
+          <a:fontRef idx="minor">
+            <a:schemeClr val="lt1"/>
+          </a:fontRef>
+        </p:style>
+        <p:txBody>
+          <a:bodyPr rtlCol="0" anchor="ctr"/>
+          <a:lstStyle/>
+          <a:p>
+            <a:pPr algn="ctr"/>
+            <a:r>
+              <a:rPr lang="en-US" dirty="0" err="1">
+                <a:latin typeface="+mj-lt"/>
+              </a:rPr>
+              <a:t>Trở</a:t>
+            </a:r>
+            <a:r>
+              <a:rPr lang="en-US" dirty="0">
+                <a:latin typeface="+mj-lt"/>
+              </a:rPr>
+              <a:t> </a:t>
+            </a:r>
+            <a:r>
+              <a:rPr lang="en-US" dirty="0" err="1">
+                <a:latin typeface="+mj-lt"/>
+              </a:rPr>
+              <a:t>lại</a:t>
+            </a:r>
+            <a:endParaRPr lang="en-US" dirty="0">
+              <a:latin typeface="+mj-lt"/>
+            </a:endParaRPr>
+          </a:p>
+        </p:txBody>
+      </p:sp>
+      <p:sp>
+        <p:nvSpPr>
+          <p:cNvPr id="49" name="Rectangle 48">
+            <a:extLst>
+              <a:ext uri="{FF2B5EF4-FFF2-40B4-BE49-F238E27FC236}">
+                <a16:creationId xmlns:a16="http://schemas.microsoft.com/office/drawing/2014/main" id="{6BB4A87D-F73C-4006-BF33-C237ABCF2E42}"/>
+              </a:ext>
+            </a:extLst>
+          </p:cNvPr>
+          <p:cNvSpPr/>
+          <p:nvPr/>
+        </p:nvSpPr>
+        <p:spPr>
+          <a:xfrm>
+            <a:off x="609600" y="3157253"/>
+            <a:ext cx="3505200" cy="3573970"/>
+          </a:xfrm>
+          <a:prstGeom prst="rect">
+            <a:avLst/>
+          </a:prstGeom>
+        </p:spPr>
+        <p:style>
+          <a:lnRef idx="2">
+            <a:schemeClr val="dk1"/>
+          </a:lnRef>
+          <a:fillRef idx="1">
+            <a:schemeClr val="lt1"/>
+          </a:fillRef>
+          <a:effectRef idx="0">
+            <a:schemeClr val="dk1"/>
+          </a:effectRef>
+          <a:fontRef idx="minor">
+            <a:schemeClr val="dk1"/>
+          </a:fontRef>
+        </p:style>
+        <p:txBody>
+          <a:bodyPr rtlCol="0" anchor="ctr"/>
+          <a:lstStyle/>
+          <a:p>
+            <a:pPr algn="ctr"/>
+            <a:endParaRPr lang="en-US">
+              <a:latin typeface="+mj-lt"/>
+            </a:endParaRPr>
+          </a:p>
+        </p:txBody>
+      </p:sp>
+      <p:sp>
+        <p:nvSpPr>
+          <p:cNvPr id="21" name="TextBox 20">
+            <a:extLst>
+              <a:ext uri="{FF2B5EF4-FFF2-40B4-BE49-F238E27FC236}">
+                <a16:creationId xmlns:a16="http://schemas.microsoft.com/office/drawing/2014/main" id="{4BDFFEA8-D337-4BC0-8DCA-D76392741E23}"/>
+              </a:ext>
+            </a:extLst>
+          </p:cNvPr>
+          <p:cNvSpPr txBox="1"/>
+          <p:nvPr/>
+        </p:nvSpPr>
+        <p:spPr>
+          <a:xfrm>
+            <a:off x="638959" y="3181502"/>
+            <a:ext cx="3429000" cy="276999"/>
+          </a:xfrm>
+          <a:prstGeom prst="rect">
+            <a:avLst/>
+          </a:prstGeom>
+          <a:solidFill>
+            <a:schemeClr val="bg1">
+              <a:lumMod val="85000"/>
+            </a:schemeClr>
+          </a:solidFill>
+        </p:spPr>
+        <p:txBody>
+          <a:bodyPr wrap="square" rtlCol="0">
+            <a:spAutoFit/>
+          </a:bodyPr>
+          <a:lstStyle/>
+          <a:p>
+            <a:r>
+              <a:rPr lang="en-US" sz="1200" dirty="0">
+                <a:latin typeface="+mj-lt"/>
+              </a:rPr>
+              <a:t>20/10/2020 19:30 </a:t>
+            </a:r>
+            <a:r>
+              <a:rPr lang="en-US" sz="1200" dirty="0" err="1">
+                <a:latin typeface="+mj-lt"/>
+              </a:rPr>
+              <a:t>Thành</a:t>
+            </a:r>
+            <a:r>
+              <a:rPr lang="en-US" sz="1200" dirty="0">
+                <a:latin typeface="+mj-lt"/>
+              </a:rPr>
+              <a:t> </a:t>
+            </a:r>
+            <a:r>
+              <a:rPr lang="en-US" sz="1200" dirty="0" err="1">
+                <a:latin typeface="+mj-lt"/>
+              </a:rPr>
+              <a:t>tiền</a:t>
+            </a:r>
+            <a:r>
+              <a:rPr lang="en-US" sz="1200" dirty="0">
+                <a:latin typeface="+mj-lt"/>
+              </a:rPr>
+              <a:t>: 300,000đ</a:t>
+            </a:r>
+          </a:p>
+        </p:txBody>
+      </p:sp>
+      <p:sp>
+        <p:nvSpPr>
+          <p:cNvPr id="22" name="TextBox 21">
+            <a:extLst>
+              <a:ext uri="{FF2B5EF4-FFF2-40B4-BE49-F238E27FC236}">
+                <a16:creationId xmlns:a16="http://schemas.microsoft.com/office/drawing/2014/main" id="{3F6E2C2B-281C-49B5-89F1-ED3726EAF780}"/>
+              </a:ext>
+            </a:extLst>
+          </p:cNvPr>
+          <p:cNvSpPr txBox="1"/>
+          <p:nvPr/>
+        </p:nvSpPr>
+        <p:spPr>
+          <a:xfrm>
+            <a:off x="613794" y="3439536"/>
+            <a:ext cx="3496811" cy="276999"/>
+          </a:xfrm>
+          <a:prstGeom prst="rect">
+            <a:avLst/>
+          </a:prstGeom>
+          <a:noFill/>
+        </p:spPr>
+        <p:txBody>
+          <a:bodyPr wrap="square" rtlCol="0">
+            <a:spAutoFit/>
+          </a:bodyPr>
+          <a:lstStyle/>
+          <a:p>
+            <a:r>
+              <a:rPr lang="en-US" sz="1200" dirty="0">
+                <a:latin typeface="+mj-lt"/>
+              </a:rPr>
+              <a:t>10/10/2020 08:20 </a:t>
+            </a:r>
+            <a:r>
+              <a:rPr lang="en-US" sz="1200" dirty="0" err="1">
+                <a:latin typeface="+mj-lt"/>
+              </a:rPr>
+              <a:t>Thành</a:t>
+            </a:r>
+            <a:r>
+              <a:rPr lang="en-US" sz="1200" dirty="0">
+                <a:latin typeface="+mj-lt"/>
+              </a:rPr>
+              <a:t> </a:t>
+            </a:r>
+            <a:r>
+              <a:rPr lang="en-US" sz="1200" dirty="0" err="1">
+                <a:latin typeface="+mj-lt"/>
+              </a:rPr>
+              <a:t>tiền</a:t>
+            </a:r>
+            <a:r>
+              <a:rPr lang="en-US" sz="1200" dirty="0">
+                <a:latin typeface="+mj-lt"/>
+              </a:rPr>
+              <a:t>: 200,000đ</a:t>
+            </a:r>
+          </a:p>
+        </p:txBody>
+      </p:sp>
+      <p:sp>
+        <p:nvSpPr>
+          <p:cNvPr id="34" name="TextBox 33">
+            <a:extLst>
+              <a:ext uri="{FF2B5EF4-FFF2-40B4-BE49-F238E27FC236}">
+                <a16:creationId xmlns:a16="http://schemas.microsoft.com/office/drawing/2014/main" id="{FCB6013B-D2D1-4736-9A0F-C6999AEC0807}"/>
+              </a:ext>
+            </a:extLst>
+          </p:cNvPr>
+          <p:cNvSpPr txBox="1"/>
+          <p:nvPr/>
+        </p:nvSpPr>
+        <p:spPr>
+          <a:xfrm>
+            <a:off x="4444357" y="4502525"/>
+            <a:ext cx="1295400" cy="276999"/>
+          </a:xfrm>
+          <a:prstGeom prst="rect">
+            <a:avLst/>
+          </a:prstGeom>
+          <a:noFill/>
+        </p:spPr>
+        <p:txBody>
+          <a:bodyPr wrap="square" rtlCol="0">
+            <a:spAutoFit/>
+          </a:bodyPr>
+          <a:lstStyle/>
+          <a:p>
+            <a:r>
+              <a:rPr lang="en-US" sz="1200" dirty="0" err="1">
+                <a:latin typeface="+mj-lt"/>
+              </a:rPr>
+              <a:t>Nội</a:t>
+            </a:r>
+            <a:r>
+              <a:rPr lang="en-US" sz="1200" dirty="0">
+                <a:latin typeface="+mj-lt"/>
+              </a:rPr>
+              <a:t> dung:</a:t>
+            </a:r>
+          </a:p>
+        </p:txBody>
+      </p:sp>
+      <p:sp>
+        <p:nvSpPr>
+          <p:cNvPr id="35" name="Rectangle 34">
+            <a:extLst>
+              <a:ext uri="{FF2B5EF4-FFF2-40B4-BE49-F238E27FC236}">
+                <a16:creationId xmlns:a16="http://schemas.microsoft.com/office/drawing/2014/main" id="{641B9C04-FC45-42E0-8BEC-A540512108B4}"/>
+              </a:ext>
+            </a:extLst>
+          </p:cNvPr>
+          <p:cNvSpPr/>
+          <p:nvPr/>
+        </p:nvSpPr>
+        <p:spPr>
+          <a:xfrm>
+            <a:off x="5427678" y="4582538"/>
+            <a:ext cx="3124200" cy="1437262"/>
+          </a:xfrm>
+          <a:prstGeom prst="rect">
+            <a:avLst/>
+          </a:prstGeom>
+        </p:spPr>
+        <p:style>
+          <a:lnRef idx="2">
+            <a:schemeClr val="dk1"/>
+          </a:lnRef>
+          <a:fillRef idx="1">
+            <a:schemeClr val="lt1"/>
+          </a:fillRef>
+          <a:effectRef idx="0">
+            <a:schemeClr val="dk1"/>
+          </a:effectRef>
+          <a:fontRef idx="minor">
+            <a:schemeClr val="dk1"/>
+          </a:fontRef>
+        </p:style>
+        <p:txBody>
+          <a:bodyPr rtlCol="0" anchor="ctr"/>
+          <a:lstStyle/>
+          <a:p>
+            <a:pPr algn="ctr"/>
+            <a:endParaRPr lang="en-US">
+              <a:latin typeface="+mj-lt"/>
+            </a:endParaRPr>
+          </a:p>
+        </p:txBody>
+      </p:sp>
+      <p:sp>
+        <p:nvSpPr>
+          <p:cNvPr id="36" name="TextBox 35">
+            <a:extLst>
+              <a:ext uri="{FF2B5EF4-FFF2-40B4-BE49-F238E27FC236}">
+                <a16:creationId xmlns:a16="http://schemas.microsoft.com/office/drawing/2014/main" id="{46AAFE98-E7BB-4ADB-897F-0B40DB41A22D}"/>
+              </a:ext>
+            </a:extLst>
+          </p:cNvPr>
+          <p:cNvSpPr txBox="1"/>
+          <p:nvPr/>
+        </p:nvSpPr>
+        <p:spPr>
+          <a:xfrm>
+            <a:off x="5426773" y="4622382"/>
+            <a:ext cx="3107627" cy="261610"/>
+          </a:xfrm>
+          <a:prstGeom prst="rect">
+            <a:avLst/>
+          </a:prstGeom>
+          <a:noFill/>
+        </p:spPr>
+        <p:txBody>
+          <a:bodyPr wrap="square" rtlCol="0">
+            <a:spAutoFit/>
+          </a:bodyPr>
+          <a:lstStyle/>
+          <a:p>
+            <a:r>
+              <a:rPr lang="en-US" sz="1100" dirty="0" err="1">
+                <a:latin typeface="+mj-lt"/>
+              </a:rPr>
+              <a:t>Thuốc</a:t>
+            </a:r>
+            <a:r>
+              <a:rPr lang="en-US" sz="1100" dirty="0">
+                <a:latin typeface="+mj-lt"/>
+              </a:rPr>
+              <a:t> A - ĐVT: </a:t>
+            </a:r>
+            <a:r>
+              <a:rPr lang="en-US" sz="1100" dirty="0" err="1">
+                <a:latin typeface="+mj-lt"/>
+              </a:rPr>
+              <a:t>viên</a:t>
+            </a:r>
+            <a:r>
+              <a:rPr lang="en-US" sz="1100" dirty="0">
+                <a:latin typeface="+mj-lt"/>
+              </a:rPr>
+              <a:t> - SL: 2 - </a:t>
+            </a:r>
+            <a:r>
+              <a:rPr lang="en-US" sz="1100" dirty="0" err="1">
+                <a:latin typeface="+mj-lt"/>
+              </a:rPr>
+              <a:t>Thành</a:t>
+            </a:r>
+            <a:r>
+              <a:rPr lang="en-US" sz="1100" dirty="0">
+                <a:latin typeface="+mj-lt"/>
+              </a:rPr>
+              <a:t> </a:t>
+            </a:r>
+            <a:r>
+              <a:rPr lang="en-US" sz="1100" dirty="0" err="1">
+                <a:latin typeface="+mj-lt"/>
+              </a:rPr>
+              <a:t>tiền</a:t>
+            </a:r>
+            <a:r>
+              <a:rPr lang="en-US" sz="1100" dirty="0">
+                <a:latin typeface="+mj-lt"/>
+              </a:rPr>
+              <a:t>: 250,000đ</a:t>
+            </a:r>
+          </a:p>
+        </p:txBody>
+      </p:sp>
+      <p:sp>
+        <p:nvSpPr>
+          <p:cNvPr id="37" name="Rectangle 36">
+            <a:extLst>
+              <a:ext uri="{FF2B5EF4-FFF2-40B4-BE49-F238E27FC236}">
+                <a16:creationId xmlns:a16="http://schemas.microsoft.com/office/drawing/2014/main" id="{35AEE3D0-05A6-41C1-A246-E626445A01A9}"/>
+              </a:ext>
+            </a:extLst>
+          </p:cNvPr>
+          <p:cNvSpPr/>
+          <p:nvPr/>
+        </p:nvSpPr>
+        <p:spPr>
+          <a:xfrm>
+            <a:off x="5562600" y="6372987"/>
+            <a:ext cx="1905000" cy="358165"/>
+          </a:xfrm>
+          <a:prstGeom prst="rect">
+            <a:avLst/>
+          </a:prstGeom>
+          <a:solidFill>
+            <a:srgbClr val="C00000"/>
+          </a:solidFill>
+          <a:ln>
+            <a:noFill/>
+          </a:ln>
+        </p:spPr>
+        <p:style>
+          <a:lnRef idx="2">
+            <a:schemeClr val="accent1">
+              <a:shade val="50000"/>
+            </a:schemeClr>
+          </a:lnRef>
+          <a:fillRef idx="1">
+            <a:schemeClr val="accent1"/>
+          </a:fillRef>
+          <a:effectRef idx="0">
+            <a:schemeClr val="accent1"/>
+          </a:effectRef>
+          <a:fontRef idx="minor">
+            <a:schemeClr val="lt1"/>
+          </a:fontRef>
+        </p:style>
+        <p:txBody>
+          <a:bodyPr rtlCol="0" anchor="ctr"/>
+          <a:lstStyle/>
+          <a:p>
+            <a:pPr algn="ctr"/>
+            <a:r>
+              <a:rPr lang="en-US" dirty="0" err="1">
+                <a:latin typeface="+mj-lt"/>
+              </a:rPr>
+              <a:t>Xem</a:t>
+            </a:r>
+            <a:r>
+              <a:rPr lang="en-US" dirty="0">
+                <a:latin typeface="+mj-lt"/>
+              </a:rPr>
+              <a:t> </a:t>
+            </a:r>
+            <a:r>
+              <a:rPr lang="en-US" dirty="0" err="1">
+                <a:latin typeface="+mj-lt"/>
+              </a:rPr>
+              <a:t>công</a:t>
+            </a:r>
+            <a:r>
+              <a:rPr lang="en-US" dirty="0">
+                <a:latin typeface="+mj-lt"/>
+              </a:rPr>
+              <a:t> </a:t>
+            </a:r>
+            <a:r>
+              <a:rPr lang="en-US" dirty="0" err="1">
+                <a:latin typeface="+mj-lt"/>
+              </a:rPr>
+              <a:t>nợ</a:t>
+            </a:r>
+            <a:endParaRPr lang="en-US" dirty="0">
+              <a:latin typeface="+mj-lt"/>
+            </a:endParaRPr>
+          </a:p>
+        </p:txBody>
+      </p:sp>
+      <p:sp>
+        <p:nvSpPr>
+          <p:cNvPr id="38" name="TextBox 37">
+            <a:extLst>
+              <a:ext uri="{FF2B5EF4-FFF2-40B4-BE49-F238E27FC236}">
+                <a16:creationId xmlns:a16="http://schemas.microsoft.com/office/drawing/2014/main" id="{F1E935BC-342E-4DED-B95A-AF834CCE5868}"/>
+              </a:ext>
+            </a:extLst>
+          </p:cNvPr>
+          <p:cNvSpPr txBox="1"/>
+          <p:nvPr/>
+        </p:nvSpPr>
+        <p:spPr>
+          <a:xfrm>
+            <a:off x="7256478" y="6057859"/>
+            <a:ext cx="1295400" cy="276999"/>
+          </a:xfrm>
+          <a:prstGeom prst="rect">
+            <a:avLst/>
+          </a:prstGeom>
+          <a:noFill/>
+        </p:spPr>
+        <p:txBody>
+          <a:bodyPr wrap="square" rtlCol="0">
+            <a:spAutoFit/>
+          </a:bodyPr>
+          <a:lstStyle/>
+          <a:p>
+            <a:pPr algn="r"/>
+            <a:r>
+              <a:rPr lang="en-US" sz="1200" i="1" u="sng" dirty="0" err="1">
+                <a:solidFill>
+                  <a:srgbClr val="0070C0"/>
+                </a:solidFill>
+                <a:latin typeface="+mj-lt"/>
+              </a:rPr>
+              <a:t>Xem</a:t>
+            </a:r>
+            <a:r>
+              <a:rPr lang="en-US" sz="1200" i="1" u="sng" dirty="0">
+                <a:solidFill>
+                  <a:srgbClr val="0070C0"/>
+                </a:solidFill>
+                <a:latin typeface="+mj-lt"/>
+              </a:rPr>
+              <a:t> </a:t>
+            </a:r>
+            <a:r>
+              <a:rPr lang="en-US" sz="1200" i="1" u="sng" dirty="0" err="1">
+                <a:solidFill>
+                  <a:srgbClr val="0070C0"/>
+                </a:solidFill>
+                <a:latin typeface="+mj-lt"/>
+              </a:rPr>
+              <a:t>hóa</a:t>
+            </a:r>
+            <a:r>
+              <a:rPr lang="en-US" sz="1200" i="1" u="sng" dirty="0">
+                <a:solidFill>
+                  <a:srgbClr val="0070C0"/>
+                </a:solidFill>
+                <a:latin typeface="+mj-lt"/>
+              </a:rPr>
+              <a:t> </a:t>
+            </a:r>
+            <a:r>
+              <a:rPr lang="en-US" sz="1200" i="1" u="sng" dirty="0" err="1">
+                <a:solidFill>
+                  <a:srgbClr val="0070C0"/>
+                </a:solidFill>
+                <a:latin typeface="+mj-lt"/>
+              </a:rPr>
+              <a:t>đơn</a:t>
+            </a:r>
+            <a:endParaRPr lang="en-US" sz="1200" i="1" u="sng" dirty="0">
+              <a:solidFill>
+                <a:srgbClr val="0070C0"/>
+              </a:solidFill>
+              <a:latin typeface="+mj-lt"/>
+            </a:endParaRPr>
+          </a:p>
+        </p:txBody>
+      </p:sp>
+      <p:sp>
+        <p:nvSpPr>
+          <p:cNvPr id="40" name="TextBox 39">
+            <a:extLst>
+              <a:ext uri="{FF2B5EF4-FFF2-40B4-BE49-F238E27FC236}">
+                <a16:creationId xmlns:a16="http://schemas.microsoft.com/office/drawing/2014/main" id="{362DFC4C-7B64-4E45-BAB6-0D6AE704BF4A}"/>
+              </a:ext>
+            </a:extLst>
+          </p:cNvPr>
+          <p:cNvSpPr txBox="1"/>
+          <p:nvPr/>
+        </p:nvSpPr>
+        <p:spPr>
+          <a:xfrm>
+            <a:off x="4424215" y="2590800"/>
+            <a:ext cx="1295400" cy="276999"/>
+          </a:xfrm>
+          <a:prstGeom prst="rect">
+            <a:avLst/>
+          </a:prstGeom>
+          <a:noFill/>
+        </p:spPr>
+        <p:txBody>
+          <a:bodyPr wrap="square" rtlCol="0">
+            <a:spAutoFit/>
+          </a:bodyPr>
+          <a:lstStyle/>
+          <a:p>
+            <a:r>
+              <a:rPr lang="en-US" sz="1200" dirty="0" err="1">
+                <a:latin typeface="+mj-lt"/>
+              </a:rPr>
+              <a:t>Thời</a:t>
+            </a:r>
+            <a:r>
+              <a:rPr lang="en-US" sz="1200" dirty="0">
+                <a:latin typeface="+mj-lt"/>
+              </a:rPr>
+              <a:t> </a:t>
+            </a:r>
+            <a:r>
+              <a:rPr lang="en-US" sz="1200" dirty="0" err="1">
+                <a:latin typeface="+mj-lt"/>
+              </a:rPr>
+              <a:t>gian</a:t>
+            </a:r>
+            <a:r>
+              <a:rPr lang="en-US" sz="1200" dirty="0">
+                <a:latin typeface="+mj-lt"/>
+              </a:rPr>
+              <a:t>:</a:t>
+            </a:r>
+          </a:p>
+        </p:txBody>
+      </p:sp>
+      <p:sp>
+        <p:nvSpPr>
+          <p:cNvPr id="45" name="TextBox 44">
+            <a:extLst>
+              <a:ext uri="{FF2B5EF4-FFF2-40B4-BE49-F238E27FC236}">
+                <a16:creationId xmlns:a16="http://schemas.microsoft.com/office/drawing/2014/main" id="{BEB9BFB6-92D3-4FE6-B447-090767996ED7}"/>
+              </a:ext>
+            </a:extLst>
+          </p:cNvPr>
+          <p:cNvSpPr txBox="1"/>
+          <p:nvPr/>
+        </p:nvSpPr>
+        <p:spPr>
+          <a:xfrm>
+            <a:off x="4424215" y="3373219"/>
+            <a:ext cx="1295400" cy="276999"/>
+          </a:xfrm>
+          <a:prstGeom prst="rect">
+            <a:avLst/>
+          </a:prstGeom>
+          <a:noFill/>
+        </p:spPr>
+        <p:txBody>
+          <a:bodyPr wrap="square" rtlCol="0">
+            <a:spAutoFit/>
+          </a:bodyPr>
+          <a:lstStyle/>
+          <a:p>
+            <a:r>
+              <a:rPr lang="en-US" sz="1200" dirty="0">
+                <a:latin typeface="+mj-lt"/>
+              </a:rPr>
+              <a:t>Thanh </a:t>
+            </a:r>
+            <a:r>
+              <a:rPr lang="en-US" sz="1200" dirty="0" err="1">
+                <a:latin typeface="+mj-lt"/>
+              </a:rPr>
+              <a:t>toán</a:t>
+            </a:r>
+            <a:r>
+              <a:rPr lang="en-US" sz="1200" dirty="0">
+                <a:latin typeface="+mj-lt"/>
+              </a:rPr>
+              <a:t>:</a:t>
+            </a:r>
+          </a:p>
+        </p:txBody>
+      </p:sp>
+      <p:sp>
+        <p:nvSpPr>
+          <p:cNvPr id="46" name="Rectangle 45">
+            <a:extLst>
+              <a:ext uri="{FF2B5EF4-FFF2-40B4-BE49-F238E27FC236}">
+                <a16:creationId xmlns:a16="http://schemas.microsoft.com/office/drawing/2014/main" id="{829A6FC0-BAD4-4FF2-89EE-DAEE1E9CEBF6}"/>
+              </a:ext>
+            </a:extLst>
+          </p:cNvPr>
+          <p:cNvSpPr/>
+          <p:nvPr/>
+        </p:nvSpPr>
+        <p:spPr>
+          <a:xfrm>
+            <a:off x="5427678" y="2590800"/>
+            <a:ext cx="3124200" cy="261554"/>
+          </a:xfrm>
+          <a:prstGeom prst="rect">
+            <a:avLst/>
+          </a:prstGeom>
+        </p:spPr>
+        <p:style>
+          <a:lnRef idx="2">
+            <a:schemeClr val="dk1"/>
+          </a:lnRef>
+          <a:fillRef idx="1">
+            <a:schemeClr val="lt1"/>
+          </a:fillRef>
+          <a:effectRef idx="0">
+            <a:schemeClr val="dk1"/>
+          </a:effectRef>
+          <a:fontRef idx="minor">
+            <a:schemeClr val="dk1"/>
+          </a:fontRef>
+        </p:style>
+        <p:txBody>
+          <a:bodyPr rtlCol="0" anchor="ctr"/>
+          <a:lstStyle/>
+          <a:p>
+            <a:pPr algn="ctr"/>
+            <a:endParaRPr lang="en-US">
+              <a:latin typeface="+mj-lt"/>
+            </a:endParaRPr>
+          </a:p>
+        </p:txBody>
+      </p:sp>
+      <p:sp>
+        <p:nvSpPr>
+          <p:cNvPr id="47" name="Rectangle 46">
+            <a:extLst>
+              <a:ext uri="{FF2B5EF4-FFF2-40B4-BE49-F238E27FC236}">
+                <a16:creationId xmlns:a16="http://schemas.microsoft.com/office/drawing/2014/main" id="{8159DB57-E520-4FB7-8FC5-35129A01AB2C}"/>
+              </a:ext>
+            </a:extLst>
+          </p:cNvPr>
+          <p:cNvSpPr/>
+          <p:nvPr/>
+        </p:nvSpPr>
+        <p:spPr>
+          <a:xfrm>
+            <a:off x="5427678" y="3364642"/>
+            <a:ext cx="3124200" cy="261554"/>
+          </a:xfrm>
+          <a:prstGeom prst="rect">
+            <a:avLst/>
+          </a:prstGeom>
+        </p:spPr>
+        <p:style>
+          <a:lnRef idx="2">
+            <a:schemeClr val="dk1"/>
+          </a:lnRef>
+          <a:fillRef idx="1">
+            <a:schemeClr val="lt1"/>
+          </a:fillRef>
+          <a:effectRef idx="0">
+            <a:schemeClr val="dk1"/>
+          </a:effectRef>
+          <a:fontRef idx="minor">
+            <a:schemeClr val="dk1"/>
+          </a:fontRef>
+        </p:style>
+        <p:txBody>
+          <a:bodyPr rtlCol="0" anchor="ctr"/>
+          <a:lstStyle/>
+          <a:p>
+            <a:pPr algn="ctr"/>
+            <a:endParaRPr lang="en-US">
+              <a:latin typeface="+mj-lt"/>
+            </a:endParaRPr>
+          </a:p>
+        </p:txBody>
+      </p:sp>
+      <p:sp>
+        <p:nvSpPr>
+          <p:cNvPr id="50" name="TextBox 49">
+            <a:extLst>
+              <a:ext uri="{FF2B5EF4-FFF2-40B4-BE49-F238E27FC236}">
+                <a16:creationId xmlns:a16="http://schemas.microsoft.com/office/drawing/2014/main" id="{DBF1EB73-7CC8-4B17-A129-7E44D1479735}"/>
+              </a:ext>
+            </a:extLst>
+          </p:cNvPr>
+          <p:cNvSpPr txBox="1"/>
+          <p:nvPr/>
+        </p:nvSpPr>
+        <p:spPr>
+          <a:xfrm>
+            <a:off x="4424215" y="3844307"/>
+            <a:ext cx="1295400" cy="276999"/>
+          </a:xfrm>
+          <a:prstGeom prst="rect">
+            <a:avLst/>
+          </a:prstGeom>
+          <a:noFill/>
+        </p:spPr>
+        <p:txBody>
+          <a:bodyPr wrap="square" rtlCol="0">
+            <a:spAutoFit/>
+          </a:bodyPr>
+          <a:lstStyle/>
+          <a:p>
+            <a:r>
+              <a:rPr lang="en-US" sz="1200" dirty="0" err="1">
+                <a:latin typeface="+mj-lt"/>
+              </a:rPr>
+              <a:t>Ghi</a:t>
+            </a:r>
+            <a:r>
+              <a:rPr lang="en-US" sz="1200" dirty="0">
+                <a:latin typeface="+mj-lt"/>
+              </a:rPr>
+              <a:t> </a:t>
+            </a:r>
+            <a:r>
+              <a:rPr lang="en-US" sz="1200" dirty="0" err="1">
+                <a:latin typeface="+mj-lt"/>
+              </a:rPr>
+              <a:t>chú</a:t>
+            </a:r>
+            <a:r>
+              <a:rPr lang="en-US" sz="1200" dirty="0">
+                <a:latin typeface="+mj-lt"/>
+              </a:rPr>
+              <a:t>:</a:t>
+            </a:r>
+          </a:p>
+        </p:txBody>
+      </p:sp>
+      <p:sp>
+        <p:nvSpPr>
+          <p:cNvPr id="51" name="Rectangle 50">
+            <a:extLst>
+              <a:ext uri="{FF2B5EF4-FFF2-40B4-BE49-F238E27FC236}">
+                <a16:creationId xmlns:a16="http://schemas.microsoft.com/office/drawing/2014/main" id="{8AF4A862-5198-45B4-9562-839926384826}"/>
+              </a:ext>
+            </a:extLst>
+          </p:cNvPr>
+          <p:cNvSpPr/>
+          <p:nvPr/>
+        </p:nvSpPr>
+        <p:spPr>
+          <a:xfrm>
+            <a:off x="5427678" y="3810000"/>
+            <a:ext cx="3124200" cy="533400"/>
+          </a:xfrm>
+          <a:prstGeom prst="rect">
+            <a:avLst/>
+          </a:prstGeom>
+        </p:spPr>
+        <p:style>
+          <a:lnRef idx="2">
+            <a:schemeClr val="dk1"/>
+          </a:lnRef>
+          <a:fillRef idx="1">
+            <a:schemeClr val="lt1"/>
+          </a:fillRef>
+          <a:effectRef idx="0">
+            <a:schemeClr val="dk1"/>
+          </a:effectRef>
+          <a:fontRef idx="minor">
+            <a:schemeClr val="dk1"/>
+          </a:fontRef>
+        </p:style>
+        <p:txBody>
+          <a:bodyPr rtlCol="0" anchor="ctr"/>
+          <a:lstStyle/>
+          <a:p>
+            <a:pPr algn="ctr"/>
+            <a:endParaRPr lang="en-US">
+              <a:latin typeface="+mj-lt"/>
+            </a:endParaRPr>
+          </a:p>
+        </p:txBody>
+      </p:sp>
+      <p:sp>
+        <p:nvSpPr>
+          <p:cNvPr id="52" name="TextBox 51">
+            <a:extLst>
+              <a:ext uri="{FF2B5EF4-FFF2-40B4-BE49-F238E27FC236}">
+                <a16:creationId xmlns:a16="http://schemas.microsoft.com/office/drawing/2014/main" id="{D0690CA8-A5D4-4189-BFC1-F726D6EFC49C}"/>
+              </a:ext>
+            </a:extLst>
+          </p:cNvPr>
+          <p:cNvSpPr txBox="1"/>
+          <p:nvPr/>
+        </p:nvSpPr>
+        <p:spPr>
+          <a:xfrm>
+            <a:off x="4424215" y="2983333"/>
+            <a:ext cx="1295400" cy="276999"/>
+          </a:xfrm>
+          <a:prstGeom prst="rect">
+            <a:avLst/>
+          </a:prstGeom>
+          <a:noFill/>
+        </p:spPr>
+        <p:txBody>
+          <a:bodyPr wrap="square" rtlCol="0">
+            <a:spAutoFit/>
+          </a:bodyPr>
+          <a:lstStyle/>
+          <a:p>
+            <a:r>
+              <a:rPr lang="en-US" sz="1200" dirty="0" err="1">
+                <a:latin typeface="+mj-lt"/>
+              </a:rPr>
+              <a:t>Tổng</a:t>
+            </a:r>
+            <a:r>
+              <a:rPr lang="en-US" sz="1200" dirty="0">
+                <a:latin typeface="+mj-lt"/>
+              </a:rPr>
+              <a:t> </a:t>
+            </a:r>
+            <a:r>
+              <a:rPr lang="en-US" sz="1200" dirty="0" err="1">
+                <a:latin typeface="+mj-lt"/>
+              </a:rPr>
+              <a:t>cộng</a:t>
+            </a:r>
+            <a:r>
+              <a:rPr lang="en-US" sz="1200" dirty="0">
+                <a:latin typeface="+mj-lt"/>
+              </a:rPr>
+              <a:t>:</a:t>
+            </a:r>
+          </a:p>
+        </p:txBody>
+      </p:sp>
+      <p:sp>
+        <p:nvSpPr>
+          <p:cNvPr id="53" name="Rectangle 52">
+            <a:extLst>
+              <a:ext uri="{FF2B5EF4-FFF2-40B4-BE49-F238E27FC236}">
+                <a16:creationId xmlns:a16="http://schemas.microsoft.com/office/drawing/2014/main" id="{204F543E-2462-4DF1-B28D-57639D2BEE07}"/>
+              </a:ext>
+            </a:extLst>
+          </p:cNvPr>
+          <p:cNvSpPr/>
+          <p:nvPr/>
+        </p:nvSpPr>
+        <p:spPr>
+          <a:xfrm>
+            <a:off x="5427678" y="2974756"/>
+            <a:ext cx="3124200" cy="261554"/>
+          </a:xfrm>
+          <a:prstGeom prst="rect">
+            <a:avLst/>
+          </a:prstGeom>
+        </p:spPr>
+        <p:style>
+          <a:lnRef idx="2">
+            <a:schemeClr val="dk1"/>
+          </a:lnRef>
+          <a:fillRef idx="1">
+            <a:schemeClr val="lt1"/>
+          </a:fillRef>
+          <a:effectRef idx="0">
+            <a:schemeClr val="dk1"/>
+          </a:effectRef>
+          <a:fontRef idx="minor">
+            <a:schemeClr val="dk1"/>
+          </a:fontRef>
+        </p:style>
+        <p:txBody>
+          <a:bodyPr rtlCol="0" anchor="ctr"/>
+          <a:lstStyle/>
+          <a:p>
+            <a:pPr algn="ctr"/>
+            <a:endParaRPr lang="en-US">
+              <a:latin typeface="+mj-lt"/>
+            </a:endParaRPr>
+          </a:p>
+        </p:txBody>
+      </p:sp>
+      <p:sp>
+        <p:nvSpPr>
+          <p:cNvPr id="30" name="TextBox 29">
+            <a:extLst>
+              <a:ext uri="{FF2B5EF4-FFF2-40B4-BE49-F238E27FC236}">
+                <a16:creationId xmlns:a16="http://schemas.microsoft.com/office/drawing/2014/main" id="{7BC17DE0-2ECC-45C7-AF4E-4EFD61D76F61}"/>
+              </a:ext>
+            </a:extLst>
+          </p:cNvPr>
+          <p:cNvSpPr txBox="1"/>
+          <p:nvPr/>
+        </p:nvSpPr>
+        <p:spPr>
+          <a:xfrm>
+            <a:off x="896660" y="945229"/>
+            <a:ext cx="4300206" cy="369490"/>
+          </a:xfrm>
+          <a:prstGeom prst="rect">
+            <a:avLst/>
+          </a:prstGeom>
+          <a:noFill/>
+        </p:spPr>
+        <p:txBody>
+          <a:bodyPr wrap="square" rtlCol="0">
+            <a:spAutoFit/>
+          </a:bodyPr>
+          <a:lstStyle/>
+          <a:p>
+            <a:r>
+              <a:rPr lang="en-US" b="1" dirty="0" err="1">
+                <a:solidFill>
+                  <a:schemeClr val="tx1">
+                    <a:lumMod val="85000"/>
+                    <a:lumOff val="15000"/>
+                  </a:schemeClr>
+                </a:solidFill>
+                <a:latin typeface="+mj-lt"/>
+              </a:rPr>
+              <a:t>Lịch</a:t>
+            </a:r>
+            <a:r>
+              <a:rPr lang="en-US" b="1" dirty="0">
+                <a:solidFill>
+                  <a:schemeClr val="tx1">
+                    <a:lumMod val="85000"/>
+                    <a:lumOff val="15000"/>
+                  </a:schemeClr>
+                </a:solidFill>
+                <a:latin typeface="+mj-lt"/>
+              </a:rPr>
+              <a:t> </a:t>
+            </a:r>
+            <a:r>
+              <a:rPr lang="en-US" b="1" dirty="0" err="1">
+                <a:solidFill>
+                  <a:schemeClr val="tx1">
+                    <a:lumMod val="85000"/>
+                    <a:lumOff val="15000"/>
+                  </a:schemeClr>
+                </a:solidFill>
+                <a:latin typeface="+mj-lt"/>
+              </a:rPr>
+              <a:t>sử</a:t>
+            </a:r>
+            <a:r>
+              <a:rPr lang="en-US" b="1" dirty="0">
+                <a:solidFill>
+                  <a:schemeClr val="tx1">
+                    <a:lumMod val="85000"/>
+                    <a:lumOff val="15000"/>
+                  </a:schemeClr>
+                </a:solidFill>
+                <a:latin typeface="+mj-lt"/>
+              </a:rPr>
+              <a:t> </a:t>
+            </a:r>
+            <a:r>
+              <a:rPr lang="en-US" b="1" dirty="0" err="1">
+                <a:solidFill>
+                  <a:schemeClr val="tx1">
+                    <a:lumMod val="85000"/>
+                    <a:lumOff val="15000"/>
+                  </a:schemeClr>
+                </a:solidFill>
+                <a:latin typeface="+mj-lt"/>
+              </a:rPr>
+              <a:t>nhập</a:t>
+            </a:r>
+            <a:r>
+              <a:rPr lang="en-US" b="1" dirty="0">
+                <a:solidFill>
+                  <a:schemeClr val="tx1">
+                    <a:lumMod val="85000"/>
+                    <a:lumOff val="15000"/>
+                  </a:schemeClr>
+                </a:solidFill>
+                <a:latin typeface="+mj-lt"/>
+              </a:rPr>
+              <a:t> </a:t>
+            </a:r>
+            <a:r>
+              <a:rPr lang="en-US" b="1" dirty="0" err="1">
+                <a:solidFill>
+                  <a:schemeClr val="tx1">
+                    <a:lumMod val="85000"/>
+                    <a:lumOff val="15000"/>
+                  </a:schemeClr>
+                </a:solidFill>
+                <a:latin typeface="+mj-lt"/>
+              </a:rPr>
+              <a:t>kho</a:t>
+            </a:r>
+            <a:endParaRPr lang="en-US" b="1" dirty="0">
+              <a:solidFill>
+                <a:schemeClr val="tx1">
+                  <a:lumMod val="85000"/>
+                  <a:lumOff val="15000"/>
+                </a:schemeClr>
+              </a:solidFill>
+              <a:latin typeface="+mj-lt"/>
+            </a:endParaRPr>
+          </a:p>
+        </p:txBody>
+      </p:sp>
+      <p:sp>
+        <p:nvSpPr>
+          <p:cNvPr id="32" name="Rectangle 31">
+            <a:extLst>
+              <a:ext uri="{FF2B5EF4-FFF2-40B4-BE49-F238E27FC236}">
+                <a16:creationId xmlns:a16="http://schemas.microsoft.com/office/drawing/2014/main" id="{972F606E-97EA-4C73-B693-17053CCA1B1A}"/>
+              </a:ext>
+            </a:extLst>
+          </p:cNvPr>
+          <p:cNvSpPr/>
+          <p:nvPr/>
+        </p:nvSpPr>
+        <p:spPr>
+          <a:xfrm>
+            <a:off x="440550" y="1652016"/>
+            <a:ext cx="1665340" cy="923499"/>
+          </a:xfrm>
+          <a:prstGeom prst="rect">
+            <a:avLst/>
+          </a:prstGeom>
+          <a:solidFill>
+            <a:srgbClr val="4BBF60"/>
+          </a:solidFill>
+          <a:ln>
+            <a:noFill/>
+          </a:ln>
+        </p:spPr>
+        <p:style>
+          <a:lnRef idx="2">
+            <a:schemeClr val="accent1">
+              <a:shade val="50000"/>
+            </a:schemeClr>
+          </a:lnRef>
+          <a:fillRef idx="1">
+            <a:schemeClr val="accent1"/>
+          </a:fillRef>
+          <a:effectRef idx="0">
+            <a:schemeClr val="accent1"/>
+          </a:effectRef>
+          <a:fontRef idx="minor">
+            <a:schemeClr val="lt1"/>
+          </a:fontRef>
+        </p:style>
+        <p:txBody>
+          <a:bodyPr rtlCol="0" anchor="ctr"/>
+          <a:lstStyle/>
+          <a:p>
+            <a:pPr algn="ctr"/>
+            <a:endParaRPr lang="en-US">
+              <a:latin typeface="+mj-lt"/>
+            </a:endParaRPr>
+          </a:p>
+        </p:txBody>
+      </p:sp>
+      <p:sp>
+        <p:nvSpPr>
           <p:cNvPr id="17" name="TextBox 16">
             <a:extLst>
               <a:ext uri="{FF2B5EF4-FFF2-40B4-BE49-F238E27FC236}">
@@ -22205,7 +24047,7 @@
 </p:sld>
 </file>
 
-<file path=ppt/slides/slide21.xml><?xml version="1.0" encoding="utf-8"?>
+<file path=ppt/slides/slide22.xml><?xml version="1.0" encoding="utf-8"?>
 <p:sld xmlns:a="http://schemas.openxmlformats.org/drawingml/2006/main" xmlns:r="http://schemas.openxmlformats.org/officeDocument/2006/relationships" xmlns:p="http://schemas.openxmlformats.org/presentationml/2006/main">
   <p:cSld>
     <p:spTree>
@@ -23769,7 +25611,7 @@
 </p:sld>
 </file>
 
-<file path=ppt/slides/slide22.xml><?xml version="1.0" encoding="utf-8"?>
+<file path=ppt/slides/slide23.xml><?xml version="1.0" encoding="utf-8"?>
 <p:sld xmlns:a="http://schemas.openxmlformats.org/drawingml/2006/main" xmlns:r="http://schemas.openxmlformats.org/officeDocument/2006/relationships" xmlns:p="http://schemas.openxmlformats.org/presentationml/2006/main">
   <p:cSld>
     <p:spTree>
@@ -26463,7 +28305,7 @@
 </p:sld>
 </file>
 
-<file path=ppt/slides/slide23.xml><?xml version="1.0" encoding="utf-8"?>
+<file path=ppt/slides/slide24.xml><?xml version="1.0" encoding="utf-8"?>
 <p:sld xmlns:a="http://schemas.openxmlformats.org/drawingml/2006/main" xmlns:r="http://schemas.openxmlformats.org/officeDocument/2006/relationships" xmlns:p="http://schemas.openxmlformats.org/presentationml/2006/main">
   <p:cSld>
     <p:spTree>
@@ -27909,7 +29751,7 @@
 </p:sld>
 </file>
 
-<file path=ppt/slides/slide24.xml><?xml version="1.0" encoding="utf-8"?>
+<file path=ppt/slides/slide25.xml><?xml version="1.0" encoding="utf-8"?>
 <p:sld xmlns:a="http://schemas.openxmlformats.org/drawingml/2006/main" xmlns:r="http://schemas.openxmlformats.org/officeDocument/2006/relationships" xmlns:p="http://schemas.openxmlformats.org/presentationml/2006/main">
   <p:cSld>
     <p:spTree>
@@ -30583,7 +32425,7 @@
 </p:sld>
 </file>
 
-<file path=ppt/slides/slide25.xml><?xml version="1.0" encoding="utf-8"?>
+<file path=ppt/slides/slide26.xml><?xml version="1.0" encoding="utf-8"?>
 <p:sld xmlns:a="http://schemas.openxmlformats.org/drawingml/2006/main" xmlns:r="http://schemas.openxmlformats.org/officeDocument/2006/relationships" xmlns:p="http://schemas.openxmlformats.org/presentationml/2006/main">
   <p:cSld>
     <p:spTree>
@@ -32068,7 +33910,7 @@
 </p:sld>
 </file>
 
-<file path=ppt/slides/slide26.xml><?xml version="1.0" encoding="utf-8"?>
+<file path=ppt/slides/slide27.xml><?xml version="1.0" encoding="utf-8"?>
 <p:sld xmlns:a="http://schemas.openxmlformats.org/drawingml/2006/main" xmlns:r="http://schemas.openxmlformats.org/officeDocument/2006/relationships" xmlns:p="http://schemas.openxmlformats.org/presentationml/2006/main">
   <p:cSld>
     <p:spTree>
@@ -33195,7 +35037,7 @@
 </p:sld>
 </file>
 
-<file path=ppt/slides/slide27.xml><?xml version="1.0" encoding="utf-8"?>
+<file path=ppt/slides/slide28.xml><?xml version="1.0" encoding="utf-8"?>
 <p:sld xmlns:a="http://schemas.openxmlformats.org/drawingml/2006/main" xmlns:r="http://schemas.openxmlformats.org/officeDocument/2006/relationships" xmlns:p="http://schemas.openxmlformats.org/presentationml/2006/main" show="0">
   <p:cSld>
     <p:spTree>

--- a/Pharmacy/UXUI/PagesUI.pptx
+++ b/Pharmacy/UXUI/PagesUI.pptx
@@ -235,7 +235,7 @@
           <a:p>
             <a:fld id="{E193EC3E-9EBC-4FB4-91A0-D81688C87301}" type="datetimeFigureOut">
               <a:rPr lang="en-US" smtClean="0"/>
-              <a:t>1/17/2021</a:t>
+              <a:t>1/28/2021</a:t>
             </a:fld>
             <a:endParaRPr lang="en-US"/>
           </a:p>
@@ -1521,7 +1521,7 @@
           <a:p>
             <a:fld id="{EA91886C-002B-40DC-BBAF-4CA608631BA0}" type="datetimeFigureOut">
               <a:rPr lang="en-US" smtClean="0"/>
-              <a:t>1/17/2021</a:t>
+              <a:t>1/28/2021</a:t>
             </a:fld>
             <a:endParaRPr lang="en-US"/>
           </a:p>
@@ -1689,7 +1689,7 @@
           <a:p>
             <a:fld id="{EA91886C-002B-40DC-BBAF-4CA608631BA0}" type="datetimeFigureOut">
               <a:rPr lang="en-US" smtClean="0"/>
-              <a:t>1/17/2021</a:t>
+              <a:t>1/28/2021</a:t>
             </a:fld>
             <a:endParaRPr lang="en-US"/>
           </a:p>
@@ -1867,7 +1867,7 @@
           <a:p>
             <a:fld id="{EA91886C-002B-40DC-BBAF-4CA608631BA0}" type="datetimeFigureOut">
               <a:rPr lang="en-US" smtClean="0"/>
-              <a:t>1/17/2021</a:t>
+              <a:t>1/28/2021</a:t>
             </a:fld>
             <a:endParaRPr lang="en-US"/>
           </a:p>
@@ -2035,7 +2035,7 @@
           <a:p>
             <a:fld id="{EA91886C-002B-40DC-BBAF-4CA608631BA0}" type="datetimeFigureOut">
               <a:rPr lang="en-US" smtClean="0"/>
-              <a:t>1/17/2021</a:t>
+              <a:t>1/28/2021</a:t>
             </a:fld>
             <a:endParaRPr lang="en-US"/>
           </a:p>
@@ -2280,7 +2280,7 @@
           <a:p>
             <a:fld id="{EA91886C-002B-40DC-BBAF-4CA608631BA0}" type="datetimeFigureOut">
               <a:rPr lang="en-US" smtClean="0"/>
-              <a:t>1/17/2021</a:t>
+              <a:t>1/28/2021</a:t>
             </a:fld>
             <a:endParaRPr lang="en-US"/>
           </a:p>
@@ -2565,7 +2565,7 @@
           <a:p>
             <a:fld id="{EA91886C-002B-40DC-BBAF-4CA608631BA0}" type="datetimeFigureOut">
               <a:rPr lang="en-US" smtClean="0"/>
-              <a:t>1/17/2021</a:t>
+              <a:t>1/28/2021</a:t>
             </a:fld>
             <a:endParaRPr lang="en-US"/>
           </a:p>
@@ -2984,7 +2984,7 @@
           <a:p>
             <a:fld id="{EA91886C-002B-40DC-BBAF-4CA608631BA0}" type="datetimeFigureOut">
               <a:rPr lang="en-US" smtClean="0"/>
-              <a:t>1/17/2021</a:t>
+              <a:t>1/28/2021</a:t>
             </a:fld>
             <a:endParaRPr lang="en-US"/>
           </a:p>
@@ -3101,7 +3101,7 @@
           <a:p>
             <a:fld id="{EA91886C-002B-40DC-BBAF-4CA608631BA0}" type="datetimeFigureOut">
               <a:rPr lang="en-US" smtClean="0"/>
-              <a:t>1/17/2021</a:t>
+              <a:t>1/28/2021</a:t>
             </a:fld>
             <a:endParaRPr lang="en-US"/>
           </a:p>
@@ -3196,7 +3196,7 @@
           <a:p>
             <a:fld id="{EA91886C-002B-40DC-BBAF-4CA608631BA0}" type="datetimeFigureOut">
               <a:rPr lang="en-US" smtClean="0"/>
-              <a:t>1/17/2021</a:t>
+              <a:t>1/28/2021</a:t>
             </a:fld>
             <a:endParaRPr lang="en-US"/>
           </a:p>
@@ -3471,7 +3471,7 @@
           <a:p>
             <a:fld id="{EA91886C-002B-40DC-BBAF-4CA608631BA0}" type="datetimeFigureOut">
               <a:rPr lang="en-US" smtClean="0"/>
-              <a:t>1/17/2021</a:t>
+              <a:t>1/28/2021</a:t>
             </a:fld>
             <a:endParaRPr lang="en-US"/>
           </a:p>
@@ -3723,7 +3723,7 @@
           <a:p>
             <a:fld id="{EA91886C-002B-40DC-BBAF-4CA608631BA0}" type="datetimeFigureOut">
               <a:rPr lang="en-US" smtClean="0"/>
-              <a:t>1/17/2021</a:t>
+              <a:t>1/28/2021</a:t>
             </a:fld>
             <a:endParaRPr lang="en-US"/>
           </a:p>
@@ -3934,7 +3934,7 @@
           <a:p>
             <a:fld id="{EA91886C-002B-40DC-BBAF-4CA608631BA0}" type="datetimeFigureOut">
               <a:rPr lang="en-US" smtClean="0"/>
-              <a:t>1/17/2021</a:t>
+              <a:t>1/28/2021</a:t>
             </a:fld>
             <a:endParaRPr lang="en-US"/>
           </a:p>
@@ -13708,7 +13708,7 @@
 </file>
 
 <file path=ppt/slides/slide16.xml><?xml version="1.0" encoding="utf-8"?>
-<p:sld xmlns:a="http://schemas.openxmlformats.org/drawingml/2006/main" xmlns:r="http://schemas.openxmlformats.org/officeDocument/2006/relationships" xmlns:p="http://schemas.openxmlformats.org/presentationml/2006/main">
+<p:sld xmlns:a="http://schemas.openxmlformats.org/drawingml/2006/main" xmlns:r="http://schemas.openxmlformats.org/officeDocument/2006/relationships" xmlns:p="http://schemas.openxmlformats.org/presentationml/2006/main" show="0">
   <p:cSld>
     <p:spTree>
       <p:nvGrpSpPr>
@@ -15906,7 +15906,7 @@
 </file>
 
 <file path=ppt/slides/slide17.xml><?xml version="1.0" encoding="utf-8"?>
-<p:sld xmlns:a="http://schemas.openxmlformats.org/drawingml/2006/main" xmlns:r="http://schemas.openxmlformats.org/officeDocument/2006/relationships" xmlns:p="http://schemas.openxmlformats.org/presentationml/2006/main">
+<p:sld xmlns:a="http://schemas.openxmlformats.org/drawingml/2006/main" xmlns:r="http://schemas.openxmlformats.org/officeDocument/2006/relationships" xmlns:p="http://schemas.openxmlformats.org/presentationml/2006/main" show="0">
   <p:cSld>
     <p:spTree>
       <p:nvGrpSpPr>
@@ -18265,7 +18265,7 @@
 </file>
 
 <file path=ppt/slides/slide18.xml><?xml version="1.0" encoding="utf-8"?>
-<p:sld xmlns:a="http://schemas.openxmlformats.org/drawingml/2006/main" xmlns:r="http://schemas.openxmlformats.org/officeDocument/2006/relationships" xmlns:p="http://schemas.openxmlformats.org/presentationml/2006/main">
+<p:sld xmlns:a="http://schemas.openxmlformats.org/drawingml/2006/main" xmlns:r="http://schemas.openxmlformats.org/officeDocument/2006/relationships" xmlns:p="http://schemas.openxmlformats.org/presentationml/2006/main" show="0">
   <p:cSld>
     <p:spTree>
       <p:nvGrpSpPr>
@@ -25612,7 +25612,7 @@
 </file>
 
 <file path=ppt/slides/slide23.xml><?xml version="1.0" encoding="utf-8"?>
-<p:sld xmlns:a="http://schemas.openxmlformats.org/drawingml/2006/main" xmlns:r="http://schemas.openxmlformats.org/officeDocument/2006/relationships" xmlns:p="http://schemas.openxmlformats.org/presentationml/2006/main">
+<p:sld xmlns:a="http://schemas.openxmlformats.org/drawingml/2006/main" xmlns:r="http://schemas.openxmlformats.org/officeDocument/2006/relationships" xmlns:p="http://schemas.openxmlformats.org/presentationml/2006/main" show="0">
   <p:cSld>
     <p:spTree>
       <p:nvGrpSpPr>

--- a/Pharmacy/UXUI/PagesUI.pptx
+++ b/Pharmacy/UXUI/PagesUI.pptx
@@ -235,7 +235,7 @@
           <a:p>
             <a:fld id="{E193EC3E-9EBC-4FB4-91A0-D81688C87301}" type="datetimeFigureOut">
               <a:rPr lang="en-US" smtClean="0"/>
-              <a:t>1/28/2021</a:t>
+              <a:t>2/1/2021</a:t>
             </a:fld>
             <a:endParaRPr lang="en-US"/>
           </a:p>
@@ -1521,7 +1521,7 @@
           <a:p>
             <a:fld id="{EA91886C-002B-40DC-BBAF-4CA608631BA0}" type="datetimeFigureOut">
               <a:rPr lang="en-US" smtClean="0"/>
-              <a:t>1/28/2021</a:t>
+              <a:t>2/1/2021</a:t>
             </a:fld>
             <a:endParaRPr lang="en-US"/>
           </a:p>
@@ -1689,7 +1689,7 @@
           <a:p>
             <a:fld id="{EA91886C-002B-40DC-BBAF-4CA608631BA0}" type="datetimeFigureOut">
               <a:rPr lang="en-US" smtClean="0"/>
-              <a:t>1/28/2021</a:t>
+              <a:t>2/1/2021</a:t>
             </a:fld>
             <a:endParaRPr lang="en-US"/>
           </a:p>
@@ -1867,7 +1867,7 @@
           <a:p>
             <a:fld id="{EA91886C-002B-40DC-BBAF-4CA608631BA0}" type="datetimeFigureOut">
               <a:rPr lang="en-US" smtClean="0"/>
-              <a:t>1/28/2021</a:t>
+              <a:t>2/1/2021</a:t>
             </a:fld>
             <a:endParaRPr lang="en-US"/>
           </a:p>
@@ -2035,7 +2035,7 @@
           <a:p>
             <a:fld id="{EA91886C-002B-40DC-BBAF-4CA608631BA0}" type="datetimeFigureOut">
               <a:rPr lang="en-US" smtClean="0"/>
-              <a:t>1/28/2021</a:t>
+              <a:t>2/1/2021</a:t>
             </a:fld>
             <a:endParaRPr lang="en-US"/>
           </a:p>
@@ -2280,7 +2280,7 @@
           <a:p>
             <a:fld id="{EA91886C-002B-40DC-BBAF-4CA608631BA0}" type="datetimeFigureOut">
               <a:rPr lang="en-US" smtClean="0"/>
-              <a:t>1/28/2021</a:t>
+              <a:t>2/1/2021</a:t>
             </a:fld>
             <a:endParaRPr lang="en-US"/>
           </a:p>
@@ -2565,7 +2565,7 @@
           <a:p>
             <a:fld id="{EA91886C-002B-40DC-BBAF-4CA608631BA0}" type="datetimeFigureOut">
               <a:rPr lang="en-US" smtClean="0"/>
-              <a:t>1/28/2021</a:t>
+              <a:t>2/1/2021</a:t>
             </a:fld>
             <a:endParaRPr lang="en-US"/>
           </a:p>
@@ -2984,7 +2984,7 @@
           <a:p>
             <a:fld id="{EA91886C-002B-40DC-BBAF-4CA608631BA0}" type="datetimeFigureOut">
               <a:rPr lang="en-US" smtClean="0"/>
-              <a:t>1/28/2021</a:t>
+              <a:t>2/1/2021</a:t>
             </a:fld>
             <a:endParaRPr lang="en-US"/>
           </a:p>
@@ -3101,7 +3101,7 @@
           <a:p>
             <a:fld id="{EA91886C-002B-40DC-BBAF-4CA608631BA0}" type="datetimeFigureOut">
               <a:rPr lang="en-US" smtClean="0"/>
-              <a:t>1/28/2021</a:t>
+              <a:t>2/1/2021</a:t>
             </a:fld>
             <a:endParaRPr lang="en-US"/>
           </a:p>
@@ -3196,7 +3196,7 @@
           <a:p>
             <a:fld id="{EA91886C-002B-40DC-BBAF-4CA608631BA0}" type="datetimeFigureOut">
               <a:rPr lang="en-US" smtClean="0"/>
-              <a:t>1/28/2021</a:t>
+              <a:t>2/1/2021</a:t>
             </a:fld>
             <a:endParaRPr lang="en-US"/>
           </a:p>
@@ -3471,7 +3471,7 @@
           <a:p>
             <a:fld id="{EA91886C-002B-40DC-BBAF-4CA608631BA0}" type="datetimeFigureOut">
               <a:rPr lang="en-US" smtClean="0"/>
-              <a:t>1/28/2021</a:t>
+              <a:t>2/1/2021</a:t>
             </a:fld>
             <a:endParaRPr lang="en-US"/>
           </a:p>
@@ -3723,7 +3723,7 @@
           <a:p>
             <a:fld id="{EA91886C-002B-40DC-BBAF-4CA608631BA0}" type="datetimeFigureOut">
               <a:rPr lang="en-US" smtClean="0"/>
-              <a:t>1/28/2021</a:t>
+              <a:t>2/1/2021</a:t>
             </a:fld>
             <a:endParaRPr lang="en-US"/>
           </a:p>
@@ -3934,7 +3934,7 @@
           <a:p>
             <a:fld id="{EA91886C-002B-40DC-BBAF-4CA608631BA0}" type="datetimeFigureOut">
               <a:rPr lang="en-US" smtClean="0"/>
-              <a:t>1/28/2021</a:t>
+              <a:t>2/1/2021</a:t>
             </a:fld>
             <a:endParaRPr lang="en-US"/>
           </a:p>
@@ -19998,7 +19998,7 @@
 </file>
 
 <file path=ppt/slides/slide19.xml><?xml version="1.0" encoding="utf-8"?>
-<p:sld xmlns:a="http://schemas.openxmlformats.org/drawingml/2006/main" xmlns:r="http://schemas.openxmlformats.org/officeDocument/2006/relationships" xmlns:p="http://schemas.openxmlformats.org/presentationml/2006/main">
+<p:sld xmlns:a="http://schemas.openxmlformats.org/drawingml/2006/main" xmlns:r="http://schemas.openxmlformats.org/officeDocument/2006/relationships" xmlns:p="http://schemas.openxmlformats.org/presentationml/2006/main" show="0">
   <p:cSld>
     <p:spTree>
       <p:nvGrpSpPr>
@@ -21564,17 +21564,14 @@
           <a:lstStyle/>
           <a:p>
             <a:r>
-              <a:rPr lang="en-US" sz="1200" dirty="0" err="1">
-                <a:latin typeface="+mj-lt"/>
-              </a:rPr>
-              <a:t>Tên</a:t>
-            </a:r>
-            <a:r>
-              <a:rPr lang="en-US" sz="1200" dirty="0">
-                <a:latin typeface="+mj-lt"/>
-              </a:rPr>
-              <a:t> NCC:*</a:t>
-            </a:r>
+              <a:rPr lang="en-US" sz="1200">
+                <a:latin typeface="+mj-lt"/>
+              </a:rPr>
+              <a:t>Tên:*</a:t>
+            </a:r>
+            <a:endParaRPr lang="en-US" sz="1200" dirty="0">
+              <a:latin typeface="+mj-lt"/>
+            </a:endParaRPr>
           </a:p>
         </p:txBody>
       </p:sp>

--- a/Pharmacy/UXUI/PagesUI.pptx
+++ b/Pharmacy/UXUI/PagesUI.pptx
@@ -21389,7 +21389,7 @@
 </file>
 
 <file path=ppt/slides/slide20.xml><?xml version="1.0" encoding="utf-8"?>
-<p:sld xmlns:a="http://schemas.openxmlformats.org/drawingml/2006/main" xmlns:r="http://schemas.openxmlformats.org/officeDocument/2006/relationships" xmlns:p="http://schemas.openxmlformats.org/presentationml/2006/main">
+<p:sld xmlns:a="http://schemas.openxmlformats.org/drawingml/2006/main" xmlns:r="http://schemas.openxmlformats.org/officeDocument/2006/relationships" xmlns:p="http://schemas.openxmlformats.org/presentationml/2006/main" show="0">
   <p:cSld>
     <p:spTree>
       <p:nvGrpSpPr>

--- a/Pharmacy/UXUI/PagesUI.pptx
+++ b/Pharmacy/UXUI/PagesUI.pptx
@@ -9514,132 +9514,6 @@
       </p:sp>
       <p:sp>
         <p:nvSpPr>
-          <p:cNvPr id="21" name="TextBox 20">
-            <a:extLst>
-              <a:ext uri="{FF2B5EF4-FFF2-40B4-BE49-F238E27FC236}">
-                <a16:creationId xmlns:a16="http://schemas.microsoft.com/office/drawing/2014/main" id="{4BDFFEA8-D337-4BC0-8DCA-D76392741E23}"/>
-              </a:ext>
-            </a:extLst>
-          </p:cNvPr>
-          <p:cNvSpPr txBox="1"/>
-          <p:nvPr/>
-        </p:nvSpPr>
-        <p:spPr>
-          <a:xfrm>
-            <a:off x="638959" y="3181502"/>
-            <a:ext cx="3429000" cy="276999"/>
-          </a:xfrm>
-          <a:prstGeom prst="rect">
-            <a:avLst/>
-          </a:prstGeom>
-          <a:solidFill>
-            <a:schemeClr val="bg1">
-              <a:lumMod val="85000"/>
-            </a:schemeClr>
-          </a:solidFill>
-        </p:spPr>
-        <p:txBody>
-          <a:bodyPr wrap="square" rtlCol="0">
-            <a:spAutoFit/>
-          </a:bodyPr>
-          <a:lstStyle/>
-          <a:p>
-            <a:r>
-              <a:rPr lang="en-US" sz="1200" dirty="0">
-                <a:latin typeface="+mj-lt"/>
-              </a:rPr>
-              <a:t>20/10/2020 19:30 </a:t>
-            </a:r>
-            <a:r>
-              <a:rPr lang="en-US" sz="1200" dirty="0" err="1">
-                <a:latin typeface="+mj-lt"/>
-              </a:rPr>
-              <a:t>Thành</a:t>
-            </a:r>
-            <a:r>
-              <a:rPr lang="en-US" sz="1200" dirty="0">
-                <a:latin typeface="+mj-lt"/>
-              </a:rPr>
-              <a:t> </a:t>
-            </a:r>
-            <a:r>
-              <a:rPr lang="en-US" sz="1200" dirty="0" err="1">
-                <a:latin typeface="+mj-lt"/>
-              </a:rPr>
-              <a:t>tiền</a:t>
-            </a:r>
-            <a:r>
-              <a:rPr lang="en-US" sz="1200" dirty="0">
-                <a:latin typeface="+mj-lt"/>
-              </a:rPr>
-              <a:t>: 300,000đ</a:t>
-            </a:r>
-          </a:p>
-        </p:txBody>
-      </p:sp>
-      <p:sp>
-        <p:nvSpPr>
-          <p:cNvPr id="22" name="TextBox 21">
-            <a:extLst>
-              <a:ext uri="{FF2B5EF4-FFF2-40B4-BE49-F238E27FC236}">
-                <a16:creationId xmlns:a16="http://schemas.microsoft.com/office/drawing/2014/main" id="{3F6E2C2B-281C-49B5-89F1-ED3726EAF780}"/>
-              </a:ext>
-            </a:extLst>
-          </p:cNvPr>
-          <p:cNvSpPr txBox="1"/>
-          <p:nvPr/>
-        </p:nvSpPr>
-        <p:spPr>
-          <a:xfrm>
-            <a:off x="613794" y="3439536"/>
-            <a:ext cx="3496811" cy="276999"/>
-          </a:xfrm>
-          <a:prstGeom prst="rect">
-            <a:avLst/>
-          </a:prstGeom>
-          <a:noFill/>
-        </p:spPr>
-        <p:txBody>
-          <a:bodyPr wrap="square" rtlCol="0">
-            <a:spAutoFit/>
-          </a:bodyPr>
-          <a:lstStyle/>
-          <a:p>
-            <a:r>
-              <a:rPr lang="en-US" sz="1200" dirty="0">
-                <a:latin typeface="+mj-lt"/>
-              </a:rPr>
-              <a:t>10/10/2020 08:20 </a:t>
-            </a:r>
-            <a:r>
-              <a:rPr lang="en-US" sz="1200" dirty="0" err="1">
-                <a:latin typeface="+mj-lt"/>
-              </a:rPr>
-              <a:t>Thành</a:t>
-            </a:r>
-            <a:r>
-              <a:rPr lang="en-US" sz="1200" dirty="0">
-                <a:latin typeface="+mj-lt"/>
-              </a:rPr>
-              <a:t> </a:t>
-            </a:r>
-            <a:r>
-              <a:rPr lang="en-US" sz="1200" dirty="0" err="1">
-                <a:latin typeface="+mj-lt"/>
-              </a:rPr>
-              <a:t>tiền</a:t>
-            </a:r>
-            <a:r>
-              <a:rPr lang="en-US" sz="1200" dirty="0">
-                <a:latin typeface="+mj-lt"/>
-              </a:rPr>
-              <a:t>: 200,000đ</a:t>
-            </a:r>
-          </a:p>
-        </p:txBody>
-      </p:sp>
-      <p:sp>
-        <p:nvSpPr>
           <p:cNvPr id="34" name="TextBox 33">
             <a:extLst>
               <a:ext uri="{FF2B5EF4-FFF2-40B4-BE49-F238E27FC236}">
@@ -9724,85 +9598,6 @@
             <a:endParaRPr lang="en-US">
               <a:latin typeface="+mj-lt"/>
             </a:endParaRPr>
-          </a:p>
-        </p:txBody>
-      </p:sp>
-      <p:sp>
-        <p:nvSpPr>
-          <p:cNvPr id="36" name="TextBox 35">
-            <a:extLst>
-              <a:ext uri="{FF2B5EF4-FFF2-40B4-BE49-F238E27FC236}">
-                <a16:creationId xmlns:a16="http://schemas.microsoft.com/office/drawing/2014/main" id="{46AAFE98-E7BB-4ADB-897F-0B40DB41A22D}"/>
-              </a:ext>
-            </a:extLst>
-          </p:cNvPr>
-          <p:cNvSpPr txBox="1"/>
-          <p:nvPr/>
-        </p:nvSpPr>
-        <p:spPr>
-          <a:xfrm>
-            <a:off x="5426773" y="4622382"/>
-            <a:ext cx="3107627" cy="261610"/>
-          </a:xfrm>
-          <a:prstGeom prst="rect">
-            <a:avLst/>
-          </a:prstGeom>
-          <a:noFill/>
-        </p:spPr>
-        <p:txBody>
-          <a:bodyPr wrap="square" rtlCol="0">
-            <a:spAutoFit/>
-          </a:bodyPr>
-          <a:lstStyle/>
-          <a:p>
-            <a:r>
-              <a:rPr lang="en-US" sz="1100" dirty="0" err="1">
-                <a:latin typeface="+mj-lt"/>
-              </a:rPr>
-              <a:t>Thuốc</a:t>
-            </a:r>
-            <a:r>
-              <a:rPr lang="en-US" sz="1100" dirty="0">
-                <a:latin typeface="+mj-lt"/>
-              </a:rPr>
-              <a:t> A - ĐVT: </a:t>
-            </a:r>
-            <a:r>
-              <a:rPr lang="en-US" sz="1100" dirty="0" err="1">
-                <a:latin typeface="+mj-lt"/>
-              </a:rPr>
-              <a:t>viên</a:t>
-            </a:r>
-            <a:r>
-              <a:rPr lang="en-US" sz="1100" dirty="0">
-                <a:latin typeface="+mj-lt"/>
-              </a:rPr>
-              <a:t> - SL: 2 - </a:t>
-            </a:r>
-            <a:r>
-              <a:rPr lang="en-US" sz="1100" dirty="0" err="1">
-                <a:latin typeface="+mj-lt"/>
-              </a:rPr>
-              <a:t>Thành</a:t>
-            </a:r>
-            <a:r>
-              <a:rPr lang="en-US" sz="1100" dirty="0">
-                <a:latin typeface="+mj-lt"/>
-              </a:rPr>
-              <a:t> </a:t>
-            </a:r>
-            <a:r>
-              <a:rPr lang="en-US" sz="1100" dirty="0" err="1">
-                <a:latin typeface="+mj-lt"/>
-              </a:rPr>
-              <a:t>tiền</a:t>
-            </a:r>
-            <a:r>
-              <a:rPr lang="en-US" sz="1100" dirty="0">
-                <a:latin typeface="+mj-lt"/>
-              </a:rPr>
-              <a:t>: 250,000đ</a:t>
-            </a:r>
           </a:p>
         </p:txBody>
       </p:sp>
@@ -10077,55 +9872,6 @@
       </p:sp>
       <p:sp>
         <p:nvSpPr>
-          <p:cNvPr id="45" name="TextBox 44">
-            <a:extLst>
-              <a:ext uri="{FF2B5EF4-FFF2-40B4-BE49-F238E27FC236}">
-                <a16:creationId xmlns:a16="http://schemas.microsoft.com/office/drawing/2014/main" id="{BEB9BFB6-92D3-4FE6-B447-090767996ED7}"/>
-              </a:ext>
-            </a:extLst>
-          </p:cNvPr>
-          <p:cNvSpPr txBox="1"/>
-          <p:nvPr/>
-        </p:nvSpPr>
-        <p:spPr>
-          <a:xfrm>
-            <a:off x="4424215" y="3373219"/>
-            <a:ext cx="1295400" cy="276999"/>
-          </a:xfrm>
-          <a:prstGeom prst="rect">
-            <a:avLst/>
-          </a:prstGeom>
-          <a:noFill/>
-        </p:spPr>
-        <p:txBody>
-          <a:bodyPr wrap="square" rtlCol="0">
-            <a:spAutoFit/>
-          </a:bodyPr>
-          <a:lstStyle/>
-          <a:p>
-            <a:r>
-              <a:rPr lang="en-US" sz="1200" dirty="0">
-                <a:latin typeface="+mj-lt"/>
-              </a:rPr>
-              <a:t>Thanh </a:t>
-            </a:r>
-            <a:r>
-              <a:rPr lang="en-US" sz="1200" dirty="0" err="1">
-                <a:latin typeface="+mj-lt"/>
-              </a:rPr>
-              <a:t>toán</a:t>
-            </a:r>
-            <a:r>
-              <a:rPr lang="en-US" sz="1200" dirty="0">
-                <a:latin typeface="+mj-lt"/>
-              </a:rPr>
-              <a:t>:</a:t>
-            </a:r>
-          </a:p>
-        </p:txBody>
-      </p:sp>
-      <p:sp>
-        <p:nvSpPr>
           <p:cNvPr id="46" name="Rectangle 45">
             <a:extLst>
               <a:ext uri="{FF2B5EF4-FFF2-40B4-BE49-F238E27FC236}">
@@ -10172,10 +9918,65 @@
       </p:sp>
       <p:sp>
         <p:nvSpPr>
-          <p:cNvPr id="47" name="Rectangle 46">
-            <a:extLst>
-              <a:ext uri="{FF2B5EF4-FFF2-40B4-BE49-F238E27FC236}">
-                <a16:creationId xmlns:a16="http://schemas.microsoft.com/office/drawing/2014/main" id="{8159DB57-E520-4FB7-8FC5-35129A01AB2C}"/>
+          <p:cNvPr id="52" name="TextBox 51">
+            <a:extLst>
+              <a:ext uri="{FF2B5EF4-FFF2-40B4-BE49-F238E27FC236}">
+                <a16:creationId xmlns:a16="http://schemas.microsoft.com/office/drawing/2014/main" id="{D0690CA8-A5D4-4189-BFC1-F726D6EFC49C}"/>
+              </a:ext>
+            </a:extLst>
+          </p:cNvPr>
+          <p:cNvSpPr txBox="1"/>
+          <p:nvPr/>
+        </p:nvSpPr>
+        <p:spPr>
+          <a:xfrm>
+            <a:off x="4424215" y="2983333"/>
+            <a:ext cx="1295400" cy="276999"/>
+          </a:xfrm>
+          <a:prstGeom prst="rect">
+            <a:avLst/>
+          </a:prstGeom>
+          <a:noFill/>
+        </p:spPr>
+        <p:txBody>
+          <a:bodyPr wrap="square" rtlCol="0">
+            <a:spAutoFit/>
+          </a:bodyPr>
+          <a:lstStyle/>
+          <a:p>
+            <a:r>
+              <a:rPr lang="en-US" sz="1200" dirty="0" err="1">
+                <a:latin typeface="+mj-lt"/>
+              </a:rPr>
+              <a:t>Tổng</a:t>
+            </a:r>
+            <a:r>
+              <a:rPr lang="en-US" sz="1200" dirty="0">
+                <a:latin typeface="+mj-lt"/>
+              </a:rPr>
+              <a:t> </a:t>
+            </a:r>
+            <a:r>
+              <a:rPr lang="en-US" sz="1200" dirty="0" err="1">
+                <a:latin typeface="+mj-lt"/>
+              </a:rPr>
+              <a:t>cộng</a:t>
+            </a:r>
+            <a:r>
+              <a:rPr lang="en-US" sz="1200" dirty="0">
+                <a:latin typeface="+mj-lt"/>
+              </a:rPr>
+              <a:t>:</a:t>
+            </a:r>
+          </a:p>
+        </p:txBody>
+      </p:sp>
+      <p:sp>
+        <p:nvSpPr>
+          <p:cNvPr id="53" name="Rectangle 52">
+            <a:extLst>
+              <a:ext uri="{FF2B5EF4-FFF2-40B4-BE49-F238E27FC236}">
+                <a16:creationId xmlns:a16="http://schemas.microsoft.com/office/drawing/2014/main" id="{204F543E-2462-4DF1-B28D-57639D2BEE07}"/>
               </a:ext>
             </a:extLst>
           </p:cNvPr>
@@ -10184,7 +9985,7 @@
         </p:nvSpPr>
         <p:spPr>
           <a:xfrm>
-            <a:off x="5427678" y="3364642"/>
+            <a:off x="5427678" y="2974756"/>
             <a:ext cx="3124200" cy="261554"/>
           </a:xfrm>
           <a:prstGeom prst="rect">
@@ -10218,10 +10019,10 @@
       </p:sp>
       <p:sp>
         <p:nvSpPr>
-          <p:cNvPr id="50" name="TextBox 49">
-            <a:extLst>
-              <a:ext uri="{FF2B5EF4-FFF2-40B4-BE49-F238E27FC236}">
-                <a16:creationId xmlns:a16="http://schemas.microsoft.com/office/drawing/2014/main" id="{DBF1EB73-7CC8-4B17-A129-7E44D1479735}"/>
+          <p:cNvPr id="48" name="TextBox 47">
+            <a:extLst>
+              <a:ext uri="{FF2B5EF4-FFF2-40B4-BE49-F238E27FC236}">
+                <a16:creationId xmlns:a16="http://schemas.microsoft.com/office/drawing/2014/main" id="{4C8C3C9E-F5E0-44F3-86D1-CAA65DCCF7F9}"/>
               </a:ext>
             </a:extLst>
           </p:cNvPr>
@@ -10230,13 +10031,17 @@
         </p:nvSpPr>
         <p:spPr>
           <a:xfrm>
-            <a:off x="4424215" y="3844307"/>
-            <a:ext cx="1295400" cy="276999"/>
-          </a:xfrm>
-          <a:prstGeom prst="rect">
-            <a:avLst/>
-          </a:prstGeom>
-          <a:noFill/>
+            <a:off x="638959" y="3181502"/>
+            <a:ext cx="3429000" cy="276999"/>
+          </a:xfrm>
+          <a:prstGeom prst="rect">
+            <a:avLst/>
+          </a:prstGeom>
+          <a:solidFill>
+            <a:schemeClr val="bg1">
+              <a:lumMod val="85000"/>
+            </a:schemeClr>
+          </a:solidFill>
         </p:spPr>
         <p:txBody>
           <a:bodyPr wrap="square" rtlCol="0">
@@ -10245,10 +10050,16 @@
           <a:lstStyle/>
           <a:p>
             <a:r>
+              <a:rPr lang="en-US" sz="1200" dirty="0">
+                <a:latin typeface="+mj-lt"/>
+              </a:rPr>
+              <a:t>20/10/2020 19:30 </a:t>
+            </a:r>
+            <a:r>
               <a:rPr lang="en-US" sz="1200" dirty="0" err="1">
                 <a:latin typeface="+mj-lt"/>
               </a:rPr>
-              <a:t>Ghi</a:t>
+              <a:t>Thành</a:t>
             </a:r>
             <a:r>
               <a:rPr lang="en-US" sz="1200" dirty="0">
@@ -10260,12 +10071,220 @@
               <a:rPr lang="en-US" sz="1200" dirty="0" err="1">
                 <a:latin typeface="+mj-lt"/>
               </a:rPr>
-              <a:t>chú</a:t>
+              <a:t>tiền</a:t>
             </a:r>
             <a:r>
               <a:rPr lang="en-US" sz="1200" dirty="0">
                 <a:latin typeface="+mj-lt"/>
               </a:rPr>
+              <a:t>: 300,000VND</a:t>
+            </a:r>
+          </a:p>
+        </p:txBody>
+      </p:sp>
+      <p:sp>
+        <p:nvSpPr>
+          <p:cNvPr id="54" name="TextBox 53">
+            <a:extLst>
+              <a:ext uri="{FF2B5EF4-FFF2-40B4-BE49-F238E27FC236}">
+                <a16:creationId xmlns:a16="http://schemas.microsoft.com/office/drawing/2014/main" id="{849762B1-E659-4E62-B0B4-DD4E483263D7}"/>
+              </a:ext>
+            </a:extLst>
+          </p:cNvPr>
+          <p:cNvSpPr txBox="1"/>
+          <p:nvPr/>
+        </p:nvSpPr>
+        <p:spPr>
+          <a:xfrm>
+            <a:off x="613794" y="3439536"/>
+            <a:ext cx="3496811" cy="276999"/>
+          </a:xfrm>
+          <a:prstGeom prst="rect">
+            <a:avLst/>
+          </a:prstGeom>
+          <a:noFill/>
+        </p:spPr>
+        <p:txBody>
+          <a:bodyPr wrap="square" rtlCol="0">
+            <a:spAutoFit/>
+          </a:bodyPr>
+          <a:lstStyle/>
+          <a:p>
+            <a:r>
+              <a:rPr lang="en-US" sz="1200" dirty="0">
+                <a:latin typeface="+mj-lt"/>
+              </a:rPr>
+              <a:t>10/10/2020 08:20 </a:t>
+            </a:r>
+            <a:r>
+              <a:rPr lang="en-US" sz="1200" dirty="0" err="1">
+                <a:latin typeface="+mj-lt"/>
+              </a:rPr>
+              <a:t>Thành</a:t>
+            </a:r>
+            <a:r>
+              <a:rPr lang="en-US" sz="1200" dirty="0">
+                <a:latin typeface="+mj-lt"/>
+              </a:rPr>
+              <a:t> </a:t>
+            </a:r>
+            <a:r>
+              <a:rPr lang="en-US" sz="1200" dirty="0" err="1">
+                <a:latin typeface="+mj-lt"/>
+              </a:rPr>
+              <a:t>tiền</a:t>
+            </a:r>
+            <a:r>
+              <a:rPr lang="en-US" sz="1200" dirty="0">
+                <a:latin typeface="+mj-lt"/>
+              </a:rPr>
+              <a:t>: 200,000VND</a:t>
+            </a:r>
+          </a:p>
+        </p:txBody>
+      </p:sp>
+      <p:sp>
+        <p:nvSpPr>
+          <p:cNvPr id="55" name="TextBox 54">
+            <a:extLst>
+              <a:ext uri="{FF2B5EF4-FFF2-40B4-BE49-F238E27FC236}">
+                <a16:creationId xmlns:a16="http://schemas.microsoft.com/office/drawing/2014/main" id="{74AA062A-FBC2-4F86-943D-D61FDEE1F488}"/>
+              </a:ext>
+            </a:extLst>
+          </p:cNvPr>
+          <p:cNvSpPr txBox="1"/>
+          <p:nvPr/>
+        </p:nvSpPr>
+        <p:spPr>
+          <a:xfrm>
+            <a:off x="4444357" y="4502525"/>
+            <a:ext cx="1295400" cy="276999"/>
+          </a:xfrm>
+          <a:prstGeom prst="rect">
+            <a:avLst/>
+          </a:prstGeom>
+          <a:noFill/>
+        </p:spPr>
+        <p:txBody>
+          <a:bodyPr wrap="square" rtlCol="0">
+            <a:spAutoFit/>
+          </a:bodyPr>
+          <a:lstStyle/>
+          <a:p>
+            <a:r>
+              <a:rPr lang="en-US" sz="1200" dirty="0" err="1">
+                <a:latin typeface="+mj-lt"/>
+              </a:rPr>
+              <a:t>Nội</a:t>
+            </a:r>
+            <a:r>
+              <a:rPr lang="en-US" sz="1200" dirty="0">
+                <a:latin typeface="+mj-lt"/>
+              </a:rPr>
+              <a:t> dung:</a:t>
+            </a:r>
+          </a:p>
+        </p:txBody>
+      </p:sp>
+      <p:sp>
+        <p:nvSpPr>
+          <p:cNvPr id="56" name="TextBox 55">
+            <a:extLst>
+              <a:ext uri="{FF2B5EF4-FFF2-40B4-BE49-F238E27FC236}">
+                <a16:creationId xmlns:a16="http://schemas.microsoft.com/office/drawing/2014/main" id="{05337194-B16B-4C72-9C86-364E6C2685D3}"/>
+              </a:ext>
+            </a:extLst>
+          </p:cNvPr>
+          <p:cNvSpPr txBox="1"/>
+          <p:nvPr/>
+        </p:nvSpPr>
+        <p:spPr>
+          <a:xfrm>
+            <a:off x="5426773" y="4622382"/>
+            <a:ext cx="3107627" cy="261610"/>
+          </a:xfrm>
+          <a:prstGeom prst="rect">
+            <a:avLst/>
+          </a:prstGeom>
+          <a:noFill/>
+        </p:spPr>
+        <p:txBody>
+          <a:bodyPr wrap="square" rtlCol="0">
+            <a:spAutoFit/>
+          </a:bodyPr>
+          <a:lstStyle/>
+          <a:p>
+            <a:r>
+              <a:rPr lang="en-US" sz="1100" dirty="0" err="1">
+                <a:latin typeface="+mj-lt"/>
+              </a:rPr>
+              <a:t>Thuốc</a:t>
+            </a:r>
+            <a:r>
+              <a:rPr lang="en-US" sz="1100" dirty="0">
+                <a:latin typeface="+mj-lt"/>
+              </a:rPr>
+              <a:t> A – 2 </a:t>
+            </a:r>
+            <a:r>
+              <a:rPr lang="en-US" sz="1100" dirty="0" err="1">
+                <a:latin typeface="+mj-lt"/>
+              </a:rPr>
+              <a:t>Hộp</a:t>
+            </a:r>
+            <a:r>
+              <a:rPr lang="en-US" sz="1100" dirty="0">
+                <a:latin typeface="+mj-lt"/>
+              </a:rPr>
+              <a:t>: 250,000VND</a:t>
+            </a:r>
+          </a:p>
+        </p:txBody>
+      </p:sp>
+      <p:sp>
+        <p:nvSpPr>
+          <p:cNvPr id="57" name="TextBox 56">
+            <a:extLst>
+              <a:ext uri="{FF2B5EF4-FFF2-40B4-BE49-F238E27FC236}">
+                <a16:creationId xmlns:a16="http://schemas.microsoft.com/office/drawing/2014/main" id="{90D547BF-0762-41F5-84B4-303584072F7A}"/>
+              </a:ext>
+            </a:extLst>
+          </p:cNvPr>
+          <p:cNvSpPr txBox="1"/>
+          <p:nvPr/>
+        </p:nvSpPr>
+        <p:spPr>
+          <a:xfrm>
+            <a:off x="4424215" y="3373219"/>
+            <a:ext cx="1295400" cy="276999"/>
+          </a:xfrm>
+          <a:prstGeom prst="rect">
+            <a:avLst/>
+          </a:prstGeom>
+          <a:noFill/>
+        </p:spPr>
+        <p:txBody>
+          <a:bodyPr wrap="square" rtlCol="0">
+            <a:spAutoFit/>
+          </a:bodyPr>
+          <a:lstStyle/>
+          <a:p>
+            <a:r>
+              <a:rPr lang="en-US" sz="1200" dirty="0">
+                <a:latin typeface="+mj-lt"/>
+              </a:rPr>
+              <a:t>Thanh </a:t>
+            </a:r>
+            <a:r>
+              <a:rPr lang="en-US" sz="1200" dirty="0" err="1">
+                <a:latin typeface="+mj-lt"/>
+              </a:rPr>
+              <a:t>toán</a:t>
+            </a:r>
+            <a:r>
+              <a:rPr lang="en-US" sz="1200" dirty="0">
+                <a:latin typeface="+mj-lt"/>
+              </a:rPr>
               <a:t>:</a:t>
             </a:r>
           </a:p>
@@ -10273,10 +10292,10 @@
       </p:sp>
       <p:sp>
         <p:nvSpPr>
-          <p:cNvPr id="51" name="Rectangle 50">
-            <a:extLst>
-              <a:ext uri="{FF2B5EF4-FFF2-40B4-BE49-F238E27FC236}">
-                <a16:creationId xmlns:a16="http://schemas.microsoft.com/office/drawing/2014/main" id="{8AF4A862-5198-45B4-9562-839926384826}"/>
+          <p:cNvPr id="58" name="Rectangle 57">
+            <a:extLst>
+              <a:ext uri="{FF2B5EF4-FFF2-40B4-BE49-F238E27FC236}">
+                <a16:creationId xmlns:a16="http://schemas.microsoft.com/office/drawing/2014/main" id="{82554FE1-CC09-4756-8850-A0A61052E47C}"/>
               </a:ext>
             </a:extLst>
           </p:cNvPr>
@@ -10285,8 +10304,8 @@
         </p:nvSpPr>
         <p:spPr>
           <a:xfrm>
-            <a:off x="5427678" y="3810000"/>
-            <a:ext cx="3124200" cy="533400"/>
+            <a:off x="5427678" y="3364642"/>
+            <a:ext cx="3124200" cy="261554"/>
           </a:xfrm>
           <a:prstGeom prst="rect">
             <a:avLst/>
@@ -10319,10 +10338,10 @@
       </p:sp>
       <p:sp>
         <p:nvSpPr>
-          <p:cNvPr id="52" name="TextBox 51">
-            <a:extLst>
-              <a:ext uri="{FF2B5EF4-FFF2-40B4-BE49-F238E27FC236}">
-                <a16:creationId xmlns:a16="http://schemas.microsoft.com/office/drawing/2014/main" id="{D0690CA8-A5D4-4189-BFC1-F726D6EFC49C}"/>
+          <p:cNvPr id="59" name="TextBox 58">
+            <a:extLst>
+              <a:ext uri="{FF2B5EF4-FFF2-40B4-BE49-F238E27FC236}">
+                <a16:creationId xmlns:a16="http://schemas.microsoft.com/office/drawing/2014/main" id="{D0B60453-84DF-48C8-AB34-9C904AAB7B32}"/>
               </a:ext>
             </a:extLst>
           </p:cNvPr>
@@ -10331,7 +10350,7 @@
         </p:nvSpPr>
         <p:spPr>
           <a:xfrm>
-            <a:off x="4424215" y="2983333"/>
+            <a:off x="4424215" y="3844307"/>
             <a:ext cx="1295400" cy="276999"/>
           </a:xfrm>
           <a:prstGeom prst="rect">
@@ -10349,7 +10368,7 @@
               <a:rPr lang="en-US" sz="1200" dirty="0" err="1">
                 <a:latin typeface="+mj-lt"/>
               </a:rPr>
-              <a:t>Tổng</a:t>
+              <a:t>Ghi</a:t>
             </a:r>
             <a:r>
               <a:rPr lang="en-US" sz="1200" dirty="0">
@@ -10361,7 +10380,7 @@
               <a:rPr lang="en-US" sz="1200" dirty="0" err="1">
                 <a:latin typeface="+mj-lt"/>
               </a:rPr>
-              <a:t>cộng</a:t>
+              <a:t>chú</a:t>
             </a:r>
             <a:r>
               <a:rPr lang="en-US" sz="1200" dirty="0">
@@ -10374,10 +10393,10 @@
       </p:sp>
       <p:sp>
         <p:nvSpPr>
-          <p:cNvPr id="53" name="Rectangle 52">
-            <a:extLst>
-              <a:ext uri="{FF2B5EF4-FFF2-40B4-BE49-F238E27FC236}">
-                <a16:creationId xmlns:a16="http://schemas.microsoft.com/office/drawing/2014/main" id="{204F543E-2462-4DF1-B28D-57639D2BEE07}"/>
+          <p:cNvPr id="60" name="Rectangle 59">
+            <a:extLst>
+              <a:ext uri="{FF2B5EF4-FFF2-40B4-BE49-F238E27FC236}">
+                <a16:creationId xmlns:a16="http://schemas.microsoft.com/office/drawing/2014/main" id="{2AFB514D-A02F-4B5E-B2FD-5130CF4F3006}"/>
               </a:ext>
             </a:extLst>
           </p:cNvPr>
@@ -10386,8 +10405,8 @@
         </p:nvSpPr>
         <p:spPr>
           <a:xfrm>
-            <a:off x="5427678" y="2974756"/>
-            <a:ext cx="3124200" cy="261554"/>
+            <a:off x="5427678" y="3810000"/>
+            <a:ext cx="3124200" cy="533400"/>
           </a:xfrm>
           <a:prstGeom prst="rect">
             <a:avLst/>
@@ -22896,7 +22915,7 @@
               <a:rPr lang="en-US" sz="1200" dirty="0">
                 <a:latin typeface="+mj-lt"/>
               </a:rPr>
-              <a:t>: 300,000đ</a:t>
+              <a:t>: 300,000VND</a:t>
             </a:r>
           </a:p>
         </p:txBody>
@@ -22957,7 +22976,7 @@
               <a:rPr lang="en-US" sz="1200" dirty="0">
                 <a:latin typeface="+mj-lt"/>
               </a:rPr>
-              <a:t>: 200,000đ</a:t>
+              <a:t>: 200,000VND</a:t>
             </a:r>
           </a:p>
         </p:txBody>
@@ -23089,43 +23108,19 @@
               <a:rPr lang="en-US" sz="1100" dirty="0">
                 <a:latin typeface="+mj-lt"/>
               </a:rPr>
-              <a:t> A - ĐVT: </a:t>
+              <a:t> A – 2 </a:t>
             </a:r>
             <a:r>
               <a:rPr lang="en-US" sz="1100" dirty="0" err="1">
                 <a:latin typeface="+mj-lt"/>
               </a:rPr>
-              <a:t>viên</a:t>
+              <a:t>Hộp</a:t>
             </a:r>
             <a:r>
               <a:rPr lang="en-US" sz="1100" dirty="0">
                 <a:latin typeface="+mj-lt"/>
               </a:rPr>
-              <a:t> - SL: 2 - </a:t>
-            </a:r>
-            <a:r>
-              <a:rPr lang="en-US" sz="1100" dirty="0" err="1">
-                <a:latin typeface="+mj-lt"/>
-              </a:rPr>
-              <a:t>Thành</a:t>
-            </a:r>
-            <a:r>
-              <a:rPr lang="en-US" sz="1100" dirty="0">
-                <a:latin typeface="+mj-lt"/>
-              </a:rPr>
-              <a:t> </a:t>
-            </a:r>
-            <a:r>
-              <a:rPr lang="en-US" sz="1100" dirty="0" err="1">
-                <a:latin typeface="+mj-lt"/>
-              </a:rPr>
-              <a:t>tiền</a:t>
-            </a:r>
-            <a:r>
-              <a:rPr lang="en-US" sz="1100" dirty="0">
-                <a:latin typeface="+mj-lt"/>
-              </a:rPr>
-              <a:t>: 250,000đ</a:t>
+              <a:t>: 250,000VND</a:t>
             </a:r>
           </a:p>
         </p:txBody>

--- a/Pharmacy/UXUI/PagesUI.pptx
+++ b/Pharmacy/UXUI/PagesUI.pptx
@@ -235,7 +235,7 @@
           <a:p>
             <a:fld id="{E193EC3E-9EBC-4FB4-91A0-D81688C87301}" type="datetimeFigureOut">
               <a:rPr lang="en-US" smtClean="0"/>
-              <a:t>2/1/2021</a:t>
+              <a:t>2/3/2021</a:t>
             </a:fld>
             <a:endParaRPr lang="en-US"/>
           </a:p>
@@ -651,6 +651,90 @@
           <a:p>
             <a:fld id="{A6F3B38A-DAB2-4820-BD2E-7A10EE47D0F8}" type="slidenum">
               <a:rPr lang="en-US" smtClean="0"/>
+              <a:t>22</a:t>
+            </a:fld>
+            <a:endParaRPr lang="en-US"/>
+          </a:p>
+        </p:txBody>
+      </p:sp>
+    </p:spTree>
+    <p:extLst>
+      <p:ext uri="{BB962C8B-B14F-4D97-AF65-F5344CB8AC3E}">
+        <p14:creationId xmlns:p14="http://schemas.microsoft.com/office/powerpoint/2010/main" val="73648494"/>
+      </p:ext>
+    </p:extLst>
+  </p:cSld>
+  <p:clrMapOvr>
+    <a:masterClrMapping/>
+  </p:clrMapOvr>
+</p:notes>
+</file>
+
+<file path=ppt/notesSlides/notesSlide11.xml><?xml version="1.0" encoding="utf-8"?>
+<p:notes xmlns:a="http://schemas.openxmlformats.org/drawingml/2006/main" xmlns:r="http://schemas.openxmlformats.org/officeDocument/2006/relationships" xmlns:p="http://schemas.openxmlformats.org/presentationml/2006/main">
+  <p:cSld>
+    <p:spTree>
+      <p:nvGrpSpPr>
+        <p:cNvPr id="1" name=""/>
+        <p:cNvGrpSpPr/>
+        <p:nvPr/>
+      </p:nvGrpSpPr>
+      <p:grpSpPr>
+        <a:xfrm>
+          <a:off x="0" y="0"/>
+          <a:ext cx="0" cy="0"/>
+          <a:chOff x="0" y="0"/>
+          <a:chExt cx="0" cy="0"/>
+        </a:xfrm>
+      </p:grpSpPr>
+      <p:sp>
+        <p:nvSpPr>
+          <p:cNvPr id="2" name="Slide Image Placeholder 1"/>
+          <p:cNvSpPr>
+            <a:spLocks noGrp="1" noRot="1" noChangeAspect="1"/>
+          </p:cNvSpPr>
+          <p:nvPr>
+            <p:ph type="sldImg"/>
+          </p:nvPr>
+        </p:nvSpPr>
+        <p:spPr/>
+      </p:sp>
+      <p:sp>
+        <p:nvSpPr>
+          <p:cNvPr id="3" name="Notes Placeholder 2"/>
+          <p:cNvSpPr>
+            <a:spLocks noGrp="1"/>
+          </p:cNvSpPr>
+          <p:nvPr>
+            <p:ph type="body" idx="1"/>
+          </p:nvPr>
+        </p:nvSpPr>
+        <p:spPr/>
+        <p:txBody>
+          <a:bodyPr/>
+          <a:lstStyle/>
+          <a:p>
+            <a:endParaRPr lang="en-US" dirty="0"/>
+          </a:p>
+        </p:txBody>
+      </p:sp>
+      <p:sp>
+        <p:nvSpPr>
+          <p:cNvPr id="4" name="Slide Number Placeholder 3"/>
+          <p:cNvSpPr>
+            <a:spLocks noGrp="1"/>
+          </p:cNvSpPr>
+          <p:nvPr>
+            <p:ph type="sldNum" sz="quarter" idx="5"/>
+          </p:nvPr>
+        </p:nvSpPr>
+        <p:spPr/>
+        <p:txBody>
+          <a:bodyPr/>
+          <a:lstStyle/>
+          <a:p>
+            <a:fld id="{A6F3B38A-DAB2-4820-BD2E-7A10EE47D0F8}" type="slidenum">
+              <a:rPr lang="en-US" smtClean="0"/>
               <a:t>25</a:t>
             </a:fld>
             <a:endParaRPr lang="en-US"/>
@@ -1521,7 +1605,7 @@
           <a:p>
             <a:fld id="{EA91886C-002B-40DC-BBAF-4CA608631BA0}" type="datetimeFigureOut">
               <a:rPr lang="en-US" smtClean="0"/>
-              <a:t>2/1/2021</a:t>
+              <a:t>2/3/2021</a:t>
             </a:fld>
             <a:endParaRPr lang="en-US"/>
           </a:p>
@@ -1689,7 +1773,7 @@
           <a:p>
             <a:fld id="{EA91886C-002B-40DC-BBAF-4CA608631BA0}" type="datetimeFigureOut">
               <a:rPr lang="en-US" smtClean="0"/>
-              <a:t>2/1/2021</a:t>
+              <a:t>2/3/2021</a:t>
             </a:fld>
             <a:endParaRPr lang="en-US"/>
           </a:p>
@@ -1867,7 +1951,7 @@
           <a:p>
             <a:fld id="{EA91886C-002B-40DC-BBAF-4CA608631BA0}" type="datetimeFigureOut">
               <a:rPr lang="en-US" smtClean="0"/>
-              <a:t>2/1/2021</a:t>
+              <a:t>2/3/2021</a:t>
             </a:fld>
             <a:endParaRPr lang="en-US"/>
           </a:p>
@@ -2035,7 +2119,7 @@
           <a:p>
             <a:fld id="{EA91886C-002B-40DC-BBAF-4CA608631BA0}" type="datetimeFigureOut">
               <a:rPr lang="en-US" smtClean="0"/>
-              <a:t>2/1/2021</a:t>
+              <a:t>2/3/2021</a:t>
             </a:fld>
             <a:endParaRPr lang="en-US"/>
           </a:p>
@@ -2280,7 +2364,7 @@
           <a:p>
             <a:fld id="{EA91886C-002B-40DC-BBAF-4CA608631BA0}" type="datetimeFigureOut">
               <a:rPr lang="en-US" smtClean="0"/>
-              <a:t>2/1/2021</a:t>
+              <a:t>2/3/2021</a:t>
             </a:fld>
             <a:endParaRPr lang="en-US"/>
           </a:p>
@@ -2565,7 +2649,7 @@
           <a:p>
             <a:fld id="{EA91886C-002B-40DC-BBAF-4CA608631BA0}" type="datetimeFigureOut">
               <a:rPr lang="en-US" smtClean="0"/>
-              <a:t>2/1/2021</a:t>
+              <a:t>2/3/2021</a:t>
             </a:fld>
             <a:endParaRPr lang="en-US"/>
           </a:p>
@@ -2984,7 +3068,7 @@
           <a:p>
             <a:fld id="{EA91886C-002B-40DC-BBAF-4CA608631BA0}" type="datetimeFigureOut">
               <a:rPr lang="en-US" smtClean="0"/>
-              <a:t>2/1/2021</a:t>
+              <a:t>2/3/2021</a:t>
             </a:fld>
             <a:endParaRPr lang="en-US"/>
           </a:p>
@@ -3101,7 +3185,7 @@
           <a:p>
             <a:fld id="{EA91886C-002B-40DC-BBAF-4CA608631BA0}" type="datetimeFigureOut">
               <a:rPr lang="en-US" smtClean="0"/>
-              <a:t>2/1/2021</a:t>
+              <a:t>2/3/2021</a:t>
             </a:fld>
             <a:endParaRPr lang="en-US"/>
           </a:p>
@@ -3196,7 +3280,7 @@
           <a:p>
             <a:fld id="{EA91886C-002B-40DC-BBAF-4CA608631BA0}" type="datetimeFigureOut">
               <a:rPr lang="en-US" smtClean="0"/>
-              <a:t>2/1/2021</a:t>
+              <a:t>2/3/2021</a:t>
             </a:fld>
             <a:endParaRPr lang="en-US"/>
           </a:p>
@@ -3471,7 +3555,7 @@
           <a:p>
             <a:fld id="{EA91886C-002B-40DC-BBAF-4CA608631BA0}" type="datetimeFigureOut">
               <a:rPr lang="en-US" smtClean="0"/>
-              <a:t>2/1/2021</a:t>
+              <a:t>2/3/2021</a:t>
             </a:fld>
             <a:endParaRPr lang="en-US"/>
           </a:p>
@@ -3723,7 +3807,7 @@
           <a:p>
             <a:fld id="{EA91886C-002B-40DC-BBAF-4CA608631BA0}" type="datetimeFigureOut">
               <a:rPr lang="en-US" smtClean="0"/>
-              <a:t>2/1/2021</a:t>
+              <a:t>2/3/2021</a:t>
             </a:fld>
             <a:endParaRPr lang="en-US"/>
           </a:p>
@@ -3934,7 +4018,7 @@
           <a:p>
             <a:fld id="{EA91886C-002B-40DC-BBAF-4CA608631BA0}" type="datetimeFigureOut">
               <a:rPr lang="en-US" smtClean="0"/>
-              <a:t>2/1/2021</a:t>
+              <a:t>2/3/2021</a:t>
             </a:fld>
             <a:endParaRPr lang="en-US"/>
           </a:p>
@@ -11535,285 +11619,6 @@
       </p:graphicFrame>
       <p:sp>
         <p:nvSpPr>
-          <p:cNvPr id="53" name="TextBox 52">
-            <a:extLst>
-              <a:ext uri="{FF2B5EF4-FFF2-40B4-BE49-F238E27FC236}">
-                <a16:creationId xmlns:a16="http://schemas.microsoft.com/office/drawing/2014/main" id="{0A81DF9D-3B66-4EB3-B913-764CB1451577}"/>
-              </a:ext>
-            </a:extLst>
-          </p:cNvPr>
-          <p:cNvSpPr txBox="1"/>
-          <p:nvPr/>
-        </p:nvSpPr>
-        <p:spPr>
-          <a:xfrm>
-            <a:off x="6248400" y="4763637"/>
-            <a:ext cx="1295400" cy="276999"/>
-          </a:xfrm>
-          <a:prstGeom prst="rect">
-            <a:avLst/>
-          </a:prstGeom>
-          <a:noFill/>
-        </p:spPr>
-        <p:txBody>
-          <a:bodyPr wrap="square" rtlCol="0">
-            <a:spAutoFit/>
-          </a:bodyPr>
-          <a:lstStyle/>
-          <a:p>
-            <a:r>
-              <a:rPr lang="en-US" sz="1200" dirty="0" err="1">
-                <a:latin typeface="+mj-lt"/>
-              </a:rPr>
-              <a:t>Tổng</a:t>
-            </a:r>
-            <a:r>
-              <a:rPr lang="en-US" sz="1200" dirty="0">
-                <a:latin typeface="+mj-lt"/>
-              </a:rPr>
-              <a:t> </a:t>
-            </a:r>
-            <a:r>
-              <a:rPr lang="en-US" sz="1200" dirty="0" err="1">
-                <a:latin typeface="+mj-lt"/>
-              </a:rPr>
-              <a:t>nợ</a:t>
-            </a:r>
-            <a:r>
-              <a:rPr lang="en-US" sz="1200" dirty="0">
-                <a:latin typeface="+mj-lt"/>
-              </a:rPr>
-              <a:t>:</a:t>
-            </a:r>
-          </a:p>
-        </p:txBody>
-      </p:sp>
-      <p:sp>
-        <p:nvSpPr>
-          <p:cNvPr id="54" name="TextBox 53">
-            <a:extLst>
-              <a:ext uri="{FF2B5EF4-FFF2-40B4-BE49-F238E27FC236}">
-                <a16:creationId xmlns:a16="http://schemas.microsoft.com/office/drawing/2014/main" id="{285ED952-B657-4DD6-BD3D-89C78E728766}"/>
-              </a:ext>
-            </a:extLst>
-          </p:cNvPr>
-          <p:cNvSpPr txBox="1"/>
-          <p:nvPr/>
-        </p:nvSpPr>
-        <p:spPr>
-          <a:xfrm>
-            <a:off x="6248400" y="5181899"/>
-            <a:ext cx="1295400" cy="276999"/>
-          </a:xfrm>
-          <a:prstGeom prst="rect">
-            <a:avLst/>
-          </a:prstGeom>
-          <a:noFill/>
-        </p:spPr>
-        <p:txBody>
-          <a:bodyPr wrap="square" rtlCol="0">
-            <a:spAutoFit/>
-          </a:bodyPr>
-          <a:lstStyle/>
-          <a:p>
-            <a:r>
-              <a:rPr lang="en-US" sz="1200" dirty="0" err="1">
-                <a:latin typeface="+mj-lt"/>
-              </a:rPr>
-              <a:t>Đã</a:t>
-            </a:r>
-            <a:r>
-              <a:rPr lang="en-US" sz="1200" dirty="0">
-                <a:latin typeface="+mj-lt"/>
-              </a:rPr>
-              <a:t> </a:t>
-            </a:r>
-            <a:r>
-              <a:rPr lang="en-US" sz="1200" dirty="0" err="1">
-                <a:latin typeface="+mj-lt"/>
-              </a:rPr>
-              <a:t>trả</a:t>
-            </a:r>
-            <a:r>
-              <a:rPr lang="en-US" sz="1200" dirty="0">
-                <a:latin typeface="+mj-lt"/>
-              </a:rPr>
-              <a:t>:</a:t>
-            </a:r>
-          </a:p>
-        </p:txBody>
-      </p:sp>
-      <p:sp>
-        <p:nvSpPr>
-          <p:cNvPr id="55" name="TextBox 54">
-            <a:extLst>
-              <a:ext uri="{FF2B5EF4-FFF2-40B4-BE49-F238E27FC236}">
-                <a16:creationId xmlns:a16="http://schemas.microsoft.com/office/drawing/2014/main" id="{0363DA7F-8F5F-4BF3-9734-5D5EF3109253}"/>
-              </a:ext>
-            </a:extLst>
-          </p:cNvPr>
-          <p:cNvSpPr txBox="1"/>
-          <p:nvPr/>
-        </p:nvSpPr>
-        <p:spPr>
-          <a:xfrm>
-            <a:off x="6248400" y="5600161"/>
-            <a:ext cx="1295400" cy="276999"/>
-          </a:xfrm>
-          <a:prstGeom prst="rect">
-            <a:avLst/>
-          </a:prstGeom>
-          <a:noFill/>
-        </p:spPr>
-        <p:txBody>
-          <a:bodyPr wrap="square" rtlCol="0">
-            <a:spAutoFit/>
-          </a:bodyPr>
-          <a:lstStyle/>
-          <a:p>
-            <a:r>
-              <a:rPr lang="en-US" sz="1200" dirty="0" err="1">
-                <a:latin typeface="+mj-lt"/>
-              </a:rPr>
-              <a:t>Còn</a:t>
-            </a:r>
-            <a:r>
-              <a:rPr lang="en-US" sz="1200" dirty="0">
-                <a:latin typeface="+mj-lt"/>
-              </a:rPr>
-              <a:t> </a:t>
-            </a:r>
-            <a:r>
-              <a:rPr lang="en-US" sz="1200" dirty="0" err="1">
-                <a:latin typeface="+mj-lt"/>
-              </a:rPr>
-              <a:t>lại</a:t>
-            </a:r>
-            <a:r>
-              <a:rPr lang="en-US" sz="1200" dirty="0">
-                <a:latin typeface="+mj-lt"/>
-              </a:rPr>
-              <a:t>:</a:t>
-            </a:r>
-          </a:p>
-        </p:txBody>
-      </p:sp>
-      <p:sp>
-        <p:nvSpPr>
-          <p:cNvPr id="56" name="TextBox 55">
-            <a:extLst>
-              <a:ext uri="{FF2B5EF4-FFF2-40B4-BE49-F238E27FC236}">
-                <a16:creationId xmlns:a16="http://schemas.microsoft.com/office/drawing/2014/main" id="{F00E7184-C9B4-4353-86E8-BF6E98915666}"/>
-              </a:ext>
-            </a:extLst>
-          </p:cNvPr>
-          <p:cNvSpPr txBox="1"/>
-          <p:nvPr/>
-        </p:nvSpPr>
-        <p:spPr>
-          <a:xfrm>
-            <a:off x="7162800" y="4763637"/>
-            <a:ext cx="1295400" cy="276999"/>
-          </a:xfrm>
-          <a:prstGeom prst="rect">
-            <a:avLst/>
-          </a:prstGeom>
-          <a:noFill/>
-        </p:spPr>
-        <p:txBody>
-          <a:bodyPr wrap="square" rtlCol="0">
-            <a:spAutoFit/>
-          </a:bodyPr>
-          <a:lstStyle/>
-          <a:p>
-            <a:r>
-              <a:rPr lang="en-US" sz="1200" dirty="0">
-                <a:latin typeface="+mj-lt"/>
-              </a:rPr>
-              <a:t>500,000</a:t>
-            </a:r>
-          </a:p>
-        </p:txBody>
-      </p:sp>
-      <p:sp>
-        <p:nvSpPr>
-          <p:cNvPr id="57" name="TextBox 56">
-            <a:extLst>
-              <a:ext uri="{FF2B5EF4-FFF2-40B4-BE49-F238E27FC236}">
-                <a16:creationId xmlns:a16="http://schemas.microsoft.com/office/drawing/2014/main" id="{B09DCD21-9F4F-426E-B731-3FBDA87B9E35}"/>
-              </a:ext>
-            </a:extLst>
-          </p:cNvPr>
-          <p:cNvSpPr txBox="1"/>
-          <p:nvPr/>
-        </p:nvSpPr>
-        <p:spPr>
-          <a:xfrm>
-            <a:off x="7162800" y="5181899"/>
-            <a:ext cx="1295400" cy="276999"/>
-          </a:xfrm>
-          <a:prstGeom prst="rect">
-            <a:avLst/>
-          </a:prstGeom>
-          <a:noFill/>
-        </p:spPr>
-        <p:txBody>
-          <a:bodyPr wrap="square" rtlCol="0">
-            <a:spAutoFit/>
-          </a:bodyPr>
-          <a:lstStyle/>
-          <a:p>
-            <a:r>
-              <a:rPr lang="en-US" sz="1200" dirty="0">
-                <a:latin typeface="+mj-lt"/>
-              </a:rPr>
-              <a:t>250,000</a:t>
-            </a:r>
-          </a:p>
-        </p:txBody>
-      </p:sp>
-      <p:sp>
-        <p:nvSpPr>
-          <p:cNvPr id="58" name="TextBox 57">
-            <a:extLst>
-              <a:ext uri="{FF2B5EF4-FFF2-40B4-BE49-F238E27FC236}">
-                <a16:creationId xmlns:a16="http://schemas.microsoft.com/office/drawing/2014/main" id="{CB8F6CBC-464E-4B8C-BD38-219F6D6BAE63}"/>
-              </a:ext>
-            </a:extLst>
-          </p:cNvPr>
-          <p:cNvSpPr txBox="1"/>
-          <p:nvPr/>
-        </p:nvSpPr>
-        <p:spPr>
-          <a:xfrm>
-            <a:off x="7162800" y="5600161"/>
-            <a:ext cx="1295400" cy="400110"/>
-          </a:xfrm>
-          <a:prstGeom prst="rect">
-            <a:avLst/>
-          </a:prstGeom>
-          <a:noFill/>
-        </p:spPr>
-        <p:txBody>
-          <a:bodyPr wrap="square" rtlCol="0">
-            <a:spAutoFit/>
-          </a:bodyPr>
-          <a:lstStyle/>
-          <a:p>
-            <a:r>
-              <a:rPr lang="en-US" sz="2000" b="1" dirty="0">
-                <a:solidFill>
-                  <a:srgbClr val="FF0000"/>
-                </a:solidFill>
-                <a:latin typeface="+mj-lt"/>
-              </a:rPr>
-              <a:t>250,000</a:t>
-            </a:r>
-          </a:p>
-        </p:txBody>
-      </p:sp>
-      <p:sp>
-        <p:nvSpPr>
           <p:cNvPr id="20" name="TextBox 19">
             <a:extLst>
               <a:ext uri="{FF2B5EF4-FFF2-40B4-BE49-F238E27FC236}">
@@ -12113,6 +11918,297 @@
           </p:spPr>
         </p:pic>
       </p:grpSp>
+      <p:sp>
+        <p:nvSpPr>
+          <p:cNvPr id="32" name="TextBox 31">
+            <a:extLst>
+              <a:ext uri="{FF2B5EF4-FFF2-40B4-BE49-F238E27FC236}">
+                <a16:creationId xmlns:a16="http://schemas.microsoft.com/office/drawing/2014/main" id="{23B352A9-D2E5-4E42-8F86-090C1E93CE40}"/>
+              </a:ext>
+            </a:extLst>
+          </p:cNvPr>
+          <p:cNvSpPr txBox="1"/>
+          <p:nvPr/>
+        </p:nvSpPr>
+        <p:spPr>
+          <a:xfrm>
+            <a:off x="535413" y="5569634"/>
+            <a:ext cx="1295400" cy="276999"/>
+          </a:xfrm>
+          <a:prstGeom prst="rect">
+            <a:avLst/>
+          </a:prstGeom>
+          <a:noFill/>
+        </p:spPr>
+        <p:txBody>
+          <a:bodyPr wrap="square" rtlCol="0">
+            <a:spAutoFit/>
+          </a:bodyPr>
+          <a:lstStyle/>
+          <a:p>
+            <a:r>
+              <a:rPr lang="en-US" sz="1200" dirty="0" err="1">
+                <a:latin typeface="+mj-lt"/>
+              </a:rPr>
+              <a:t>Tổng</a:t>
+            </a:r>
+            <a:r>
+              <a:rPr lang="en-US" sz="1200" dirty="0">
+                <a:latin typeface="+mj-lt"/>
+              </a:rPr>
+              <a:t> </a:t>
+            </a:r>
+            <a:r>
+              <a:rPr lang="en-US" sz="1200" dirty="0" err="1">
+                <a:latin typeface="+mj-lt"/>
+              </a:rPr>
+              <a:t>nợ</a:t>
+            </a:r>
+            <a:r>
+              <a:rPr lang="en-US" sz="1200" dirty="0">
+                <a:latin typeface="+mj-lt"/>
+              </a:rPr>
+              <a:t>:</a:t>
+            </a:r>
+          </a:p>
+        </p:txBody>
+      </p:sp>
+      <p:sp>
+        <p:nvSpPr>
+          <p:cNvPr id="33" name="TextBox 32">
+            <a:extLst>
+              <a:ext uri="{FF2B5EF4-FFF2-40B4-BE49-F238E27FC236}">
+                <a16:creationId xmlns:a16="http://schemas.microsoft.com/office/drawing/2014/main" id="{7D4D2B2E-1B88-4B74-94AD-CD5FAC516325}"/>
+              </a:ext>
+            </a:extLst>
+          </p:cNvPr>
+          <p:cNvSpPr txBox="1"/>
+          <p:nvPr/>
+        </p:nvSpPr>
+        <p:spPr>
+          <a:xfrm>
+            <a:off x="535413" y="5987896"/>
+            <a:ext cx="1295400" cy="276999"/>
+          </a:xfrm>
+          <a:prstGeom prst="rect">
+            <a:avLst/>
+          </a:prstGeom>
+          <a:noFill/>
+        </p:spPr>
+        <p:txBody>
+          <a:bodyPr wrap="square" rtlCol="0">
+            <a:spAutoFit/>
+          </a:bodyPr>
+          <a:lstStyle/>
+          <a:p>
+            <a:r>
+              <a:rPr lang="en-US" sz="1200" dirty="0" err="1">
+                <a:latin typeface="+mj-lt"/>
+              </a:rPr>
+              <a:t>Đã</a:t>
+            </a:r>
+            <a:r>
+              <a:rPr lang="en-US" sz="1200" dirty="0">
+                <a:latin typeface="+mj-lt"/>
+              </a:rPr>
+              <a:t> </a:t>
+            </a:r>
+            <a:r>
+              <a:rPr lang="en-US" sz="1200" dirty="0" err="1">
+                <a:latin typeface="+mj-lt"/>
+              </a:rPr>
+              <a:t>thanh</a:t>
+            </a:r>
+            <a:r>
+              <a:rPr lang="en-US" sz="1200" dirty="0">
+                <a:latin typeface="+mj-lt"/>
+              </a:rPr>
+              <a:t> </a:t>
+            </a:r>
+            <a:r>
+              <a:rPr lang="en-US" sz="1200" dirty="0" err="1">
+                <a:latin typeface="+mj-lt"/>
+              </a:rPr>
+              <a:t>toán</a:t>
+            </a:r>
+            <a:r>
+              <a:rPr lang="en-US" sz="1200" dirty="0">
+                <a:latin typeface="+mj-lt"/>
+              </a:rPr>
+              <a:t>:</a:t>
+            </a:r>
+          </a:p>
+        </p:txBody>
+      </p:sp>
+      <p:sp>
+        <p:nvSpPr>
+          <p:cNvPr id="34" name="TextBox 33">
+            <a:extLst>
+              <a:ext uri="{FF2B5EF4-FFF2-40B4-BE49-F238E27FC236}">
+                <a16:creationId xmlns:a16="http://schemas.microsoft.com/office/drawing/2014/main" id="{880CC98C-5F2F-4808-85CC-5513F0BBED06}"/>
+              </a:ext>
+            </a:extLst>
+          </p:cNvPr>
+          <p:cNvSpPr txBox="1"/>
+          <p:nvPr/>
+        </p:nvSpPr>
+        <p:spPr>
+          <a:xfrm>
+            <a:off x="535413" y="6406158"/>
+            <a:ext cx="1295400" cy="276999"/>
+          </a:xfrm>
+          <a:prstGeom prst="rect">
+            <a:avLst/>
+          </a:prstGeom>
+          <a:noFill/>
+        </p:spPr>
+        <p:txBody>
+          <a:bodyPr wrap="square" rtlCol="0">
+            <a:spAutoFit/>
+          </a:bodyPr>
+          <a:lstStyle/>
+          <a:p>
+            <a:r>
+              <a:rPr lang="en-US" sz="1200" dirty="0" err="1">
+                <a:latin typeface="+mj-lt"/>
+              </a:rPr>
+              <a:t>Còn</a:t>
+            </a:r>
+            <a:r>
+              <a:rPr lang="en-US" sz="1200" dirty="0">
+                <a:latin typeface="+mj-lt"/>
+              </a:rPr>
+              <a:t> </a:t>
+            </a:r>
+            <a:r>
+              <a:rPr lang="en-US" sz="1200" dirty="0" err="1">
+                <a:latin typeface="+mj-lt"/>
+              </a:rPr>
+              <a:t>lại</a:t>
+            </a:r>
+            <a:r>
+              <a:rPr lang="en-US" sz="1200" dirty="0">
+                <a:latin typeface="+mj-lt"/>
+              </a:rPr>
+              <a:t>:</a:t>
+            </a:r>
+          </a:p>
+        </p:txBody>
+      </p:sp>
+      <p:sp>
+        <p:nvSpPr>
+          <p:cNvPr id="35" name="TextBox 34">
+            <a:extLst>
+              <a:ext uri="{FF2B5EF4-FFF2-40B4-BE49-F238E27FC236}">
+                <a16:creationId xmlns:a16="http://schemas.microsoft.com/office/drawing/2014/main" id="{72644866-79CA-4747-80B5-367DBBC423E8}"/>
+              </a:ext>
+            </a:extLst>
+          </p:cNvPr>
+          <p:cNvSpPr txBox="1"/>
+          <p:nvPr/>
+        </p:nvSpPr>
+        <p:spPr>
+          <a:xfrm>
+            <a:off x="1676400" y="5569634"/>
+            <a:ext cx="1295400" cy="307777"/>
+          </a:xfrm>
+          <a:prstGeom prst="rect">
+            <a:avLst/>
+          </a:prstGeom>
+          <a:noFill/>
+        </p:spPr>
+        <p:txBody>
+          <a:bodyPr wrap="square" rtlCol="0">
+            <a:spAutoFit/>
+          </a:bodyPr>
+          <a:lstStyle/>
+          <a:p>
+            <a:r>
+              <a:rPr lang="en-US" sz="1400" b="1" dirty="0">
+                <a:latin typeface="+mj-lt"/>
+              </a:rPr>
+              <a:t>500,000</a:t>
+            </a:r>
+          </a:p>
+        </p:txBody>
+      </p:sp>
+      <p:sp>
+        <p:nvSpPr>
+          <p:cNvPr id="36" name="TextBox 35">
+            <a:extLst>
+              <a:ext uri="{FF2B5EF4-FFF2-40B4-BE49-F238E27FC236}">
+                <a16:creationId xmlns:a16="http://schemas.microsoft.com/office/drawing/2014/main" id="{6044C464-4557-4545-AE3E-834D38DAD8F6}"/>
+              </a:ext>
+            </a:extLst>
+          </p:cNvPr>
+          <p:cNvSpPr txBox="1"/>
+          <p:nvPr/>
+        </p:nvSpPr>
+        <p:spPr>
+          <a:xfrm>
+            <a:off x="1676400" y="5987896"/>
+            <a:ext cx="1295400" cy="276999"/>
+          </a:xfrm>
+          <a:prstGeom prst="rect">
+            <a:avLst/>
+          </a:prstGeom>
+          <a:noFill/>
+        </p:spPr>
+        <p:txBody>
+          <a:bodyPr wrap="square" rtlCol="0">
+            <a:spAutoFit/>
+          </a:bodyPr>
+          <a:lstStyle/>
+          <a:p>
+            <a:r>
+              <a:rPr lang="en-US" sz="1200" dirty="0">
+                <a:latin typeface="+mj-lt"/>
+              </a:rPr>
+              <a:t>250,000</a:t>
+            </a:r>
+          </a:p>
+        </p:txBody>
+      </p:sp>
+      <p:sp>
+        <p:nvSpPr>
+          <p:cNvPr id="37" name="TextBox 36">
+            <a:extLst>
+              <a:ext uri="{FF2B5EF4-FFF2-40B4-BE49-F238E27FC236}">
+                <a16:creationId xmlns:a16="http://schemas.microsoft.com/office/drawing/2014/main" id="{12A74E4C-1180-45CF-82D0-F78FC2C95AA5}"/>
+              </a:ext>
+            </a:extLst>
+          </p:cNvPr>
+          <p:cNvSpPr txBox="1"/>
+          <p:nvPr/>
+        </p:nvSpPr>
+        <p:spPr>
+          <a:xfrm>
+            <a:off x="1676400" y="6406158"/>
+            <a:ext cx="1295400" cy="400110"/>
+          </a:xfrm>
+          <a:prstGeom prst="rect">
+            <a:avLst/>
+          </a:prstGeom>
+          <a:noFill/>
+        </p:spPr>
+        <p:txBody>
+          <a:bodyPr wrap="square" rtlCol="0">
+            <a:spAutoFit/>
+          </a:bodyPr>
+          <a:lstStyle/>
+          <a:p>
+            <a:r>
+              <a:rPr lang="en-US" sz="2000" b="1" dirty="0">
+                <a:solidFill>
+                  <a:srgbClr val="FF0000"/>
+                </a:solidFill>
+                <a:latin typeface="+mj-lt"/>
+              </a:rPr>
+              <a:t>250,000</a:t>
+            </a:r>
+          </a:p>
+        </p:txBody>
+      </p:sp>
     </p:spTree>
     <p:extLst>
       <p:ext uri="{BB962C8B-B14F-4D97-AF65-F5344CB8AC3E}">
@@ -22510,7 +22606,7 @@
 </file>
 
 <file path=ppt/slides/slide21.xml><?xml version="1.0" encoding="utf-8"?>
-<p:sld xmlns:a="http://schemas.openxmlformats.org/drawingml/2006/main" xmlns:r="http://schemas.openxmlformats.org/officeDocument/2006/relationships" xmlns:p="http://schemas.openxmlformats.org/presentationml/2006/main">
+<p:sld xmlns:a="http://schemas.openxmlformats.org/drawingml/2006/main" xmlns:r="http://schemas.openxmlformats.org/officeDocument/2006/relationships" xmlns:p="http://schemas.openxmlformats.org/presentationml/2006/main" show="0">
   <p:cSld>
     <p:spTree>
       <p:nvGrpSpPr>
@@ -24159,7 +24255,7 @@
           <p:nvPr/>
         </p:nvPicPr>
         <p:blipFill>
-          <a:blip r:embed="rId2"/>
+          <a:blip r:embed="rId3"/>
           <a:stretch>
             <a:fillRect/>
           </a:stretch>
@@ -24174,80 +24270,6 @@
           </a:prstGeom>
         </p:spPr>
       </p:pic>
-      <p:sp>
-        <p:nvSpPr>
-          <p:cNvPr id="42" name="Rectangle 41">
-            <a:extLst>
-              <a:ext uri="{FF2B5EF4-FFF2-40B4-BE49-F238E27FC236}">
-                <a16:creationId xmlns:a16="http://schemas.microsoft.com/office/drawing/2014/main" id="{353BFA1C-32B8-4D02-82DD-D04AE5441E95}"/>
-              </a:ext>
-            </a:extLst>
-          </p:cNvPr>
-          <p:cNvSpPr/>
-          <p:nvPr/>
-        </p:nvSpPr>
-        <p:spPr>
-          <a:xfrm>
-            <a:off x="5943600" y="6364868"/>
-            <a:ext cx="1371600" cy="358165"/>
-          </a:xfrm>
-          <a:prstGeom prst="rect">
-            <a:avLst/>
-          </a:prstGeom>
-          <a:solidFill>
-            <a:schemeClr val="bg1">
-              <a:lumMod val="65000"/>
-            </a:schemeClr>
-          </a:solidFill>
-          <a:ln>
-            <a:noFill/>
-          </a:ln>
-        </p:spPr>
-        <p:style>
-          <a:lnRef idx="2">
-            <a:schemeClr val="accent1">
-              <a:shade val="50000"/>
-            </a:schemeClr>
-          </a:lnRef>
-          <a:fillRef idx="1">
-            <a:schemeClr val="accent1"/>
-          </a:fillRef>
-          <a:effectRef idx="0">
-            <a:schemeClr val="accent1"/>
-          </a:effectRef>
-          <a:fontRef idx="minor">
-            <a:schemeClr val="lt1"/>
-          </a:fontRef>
-        </p:style>
-        <p:txBody>
-          <a:bodyPr rtlCol="0" anchor="ctr"/>
-          <a:lstStyle/>
-          <a:p>
-            <a:pPr algn="ctr"/>
-            <a:r>
-              <a:rPr lang="en-US" dirty="0" err="1">
-                <a:latin typeface="+mj-lt"/>
-              </a:rPr>
-              <a:t>Trở</a:t>
-            </a:r>
-            <a:r>
-              <a:rPr lang="en-US" dirty="0">
-                <a:latin typeface="+mj-lt"/>
-              </a:rPr>
-              <a:t> </a:t>
-            </a:r>
-            <a:r>
-              <a:rPr lang="en-US" dirty="0" err="1">
-                <a:latin typeface="+mj-lt"/>
-              </a:rPr>
-              <a:t>lại</a:t>
-            </a:r>
-            <a:endParaRPr lang="en-US" dirty="0">
-              <a:latin typeface="+mj-lt"/>
-            </a:endParaRPr>
-          </a:p>
-        </p:txBody>
-      </p:sp>
       <p:sp>
         <p:nvSpPr>
           <p:cNvPr id="43" name="TextBox 42">
@@ -24881,7 +24903,7 @@
         </p:nvSpPr>
         <p:spPr>
           <a:xfrm>
-            <a:off x="6248400" y="4763637"/>
+            <a:off x="535413" y="5569634"/>
             <a:ext cx="1295400" cy="276999"/>
           </a:xfrm>
           <a:prstGeom prst="rect">
@@ -24936,7 +24958,7 @@
         </p:nvSpPr>
         <p:spPr>
           <a:xfrm>
-            <a:off x="6248400" y="5181899"/>
+            <a:off x="535413" y="5987896"/>
             <a:ext cx="1295400" cy="276999"/>
           </a:xfrm>
           <a:prstGeom prst="rect">
@@ -24966,12 +24988,24 @@
               <a:rPr lang="en-US" sz="1200" dirty="0" err="1">
                 <a:latin typeface="+mj-lt"/>
               </a:rPr>
-              <a:t>trả</a:t>
+              <a:t>thanh</a:t>
             </a:r>
             <a:r>
               <a:rPr lang="en-US" sz="1200" dirty="0">
                 <a:latin typeface="+mj-lt"/>
               </a:rPr>
+              <a:t> </a:t>
+            </a:r>
+            <a:r>
+              <a:rPr lang="en-US" sz="1200" dirty="0" err="1">
+                <a:latin typeface="+mj-lt"/>
+              </a:rPr>
+              <a:t>toán</a:t>
+            </a:r>
+            <a:r>
+              <a:rPr lang="en-US" sz="1200" dirty="0">
+                <a:latin typeface="+mj-lt"/>
+              </a:rPr>
               <a:t>:</a:t>
             </a:r>
           </a:p>
@@ -24991,7 +25025,7 @@
         </p:nvSpPr>
         <p:spPr>
           <a:xfrm>
-            <a:off x="6248400" y="5600161"/>
+            <a:off x="535413" y="6406158"/>
             <a:ext cx="1295400" cy="276999"/>
           </a:xfrm>
           <a:prstGeom prst="rect">
@@ -25046,8 +25080,8 @@
         </p:nvSpPr>
         <p:spPr>
           <a:xfrm>
-            <a:off x="7162800" y="4763637"/>
-            <a:ext cx="1295400" cy="276999"/>
+            <a:off x="1676400" y="5569634"/>
+            <a:ext cx="1295400" cy="307777"/>
           </a:xfrm>
           <a:prstGeom prst="rect">
             <a:avLst/>
@@ -25061,7 +25095,7 @@
           <a:lstStyle/>
           <a:p>
             <a:r>
-              <a:rPr lang="en-US" sz="1200" dirty="0">
+              <a:rPr lang="en-US" sz="1400" b="1" dirty="0">
                 <a:latin typeface="+mj-lt"/>
               </a:rPr>
               <a:t>500,000</a:t>
@@ -25083,7 +25117,7 @@
         </p:nvSpPr>
         <p:spPr>
           <a:xfrm>
-            <a:off x="7162800" y="5181899"/>
+            <a:off x="1676400" y="5987896"/>
             <a:ext cx="1295400" cy="276999"/>
           </a:xfrm>
           <a:prstGeom prst="rect">
@@ -25120,7 +25154,7 @@
         </p:nvSpPr>
         <p:spPr>
           <a:xfrm>
-            <a:off x="7162800" y="5600161"/>
+            <a:off x="1676400" y="6406158"/>
             <a:ext cx="1295400" cy="400110"/>
           </a:xfrm>
           <a:prstGeom prst="rect">
@@ -25324,10 +25358,212 @@
       </p:sp>
       <p:sp>
         <p:nvSpPr>
-          <p:cNvPr id="17" name="Rectangle 16">
-            <a:extLst>
-              <a:ext uri="{FF2B5EF4-FFF2-40B4-BE49-F238E27FC236}">
-                <a16:creationId xmlns:a16="http://schemas.microsoft.com/office/drawing/2014/main" id="{9BEF0E3C-8449-4AF0-A164-41E667D1DD98}"/>
+          <p:cNvPr id="18" name="TextBox 17">
+            <a:extLst>
+              <a:ext uri="{FF2B5EF4-FFF2-40B4-BE49-F238E27FC236}">
+                <a16:creationId xmlns:a16="http://schemas.microsoft.com/office/drawing/2014/main" id="{4AA1BF53-BC7B-40F6-92D8-40F53E3B5C1F}"/>
+              </a:ext>
+            </a:extLst>
+          </p:cNvPr>
+          <p:cNvSpPr txBox="1"/>
+          <p:nvPr/>
+        </p:nvSpPr>
+        <p:spPr>
+          <a:xfrm>
+            <a:off x="7315200" y="3429000"/>
+            <a:ext cx="1295400" cy="276999"/>
+          </a:xfrm>
+          <a:prstGeom prst="rect">
+            <a:avLst/>
+          </a:prstGeom>
+          <a:noFill/>
+        </p:spPr>
+        <p:txBody>
+          <a:bodyPr wrap="square" rtlCol="0">
+            <a:spAutoFit/>
+          </a:bodyPr>
+          <a:lstStyle/>
+          <a:p>
+            <a:pPr algn="r"/>
+            <a:r>
+              <a:rPr lang="en-US" sz="1200" i="1" u="sng" dirty="0" err="1">
+                <a:solidFill>
+                  <a:srgbClr val="0070C0"/>
+                </a:solidFill>
+                <a:latin typeface="+mj-lt"/>
+              </a:rPr>
+              <a:t>Xem</a:t>
+            </a:r>
+            <a:r>
+              <a:rPr lang="en-US" sz="1200" i="1" u="sng" dirty="0">
+                <a:solidFill>
+                  <a:srgbClr val="0070C0"/>
+                </a:solidFill>
+                <a:latin typeface="+mj-lt"/>
+              </a:rPr>
+              <a:t> </a:t>
+            </a:r>
+            <a:r>
+              <a:rPr lang="en-US" sz="1200" i="1" u="sng" dirty="0" err="1">
+                <a:solidFill>
+                  <a:srgbClr val="0070C0"/>
+                </a:solidFill>
+                <a:latin typeface="+mj-lt"/>
+              </a:rPr>
+              <a:t>hóa</a:t>
+            </a:r>
+            <a:r>
+              <a:rPr lang="en-US" sz="1200" i="1" u="sng" dirty="0">
+                <a:solidFill>
+                  <a:srgbClr val="0070C0"/>
+                </a:solidFill>
+                <a:latin typeface="+mj-lt"/>
+              </a:rPr>
+              <a:t> </a:t>
+            </a:r>
+            <a:r>
+              <a:rPr lang="en-US" sz="1200" i="1" u="sng" dirty="0" err="1">
+                <a:solidFill>
+                  <a:srgbClr val="0070C0"/>
+                </a:solidFill>
+                <a:latin typeface="+mj-lt"/>
+              </a:rPr>
+              <a:t>đơn</a:t>
+            </a:r>
+            <a:endParaRPr lang="en-US" sz="1200" i="1" u="sng" dirty="0">
+              <a:solidFill>
+                <a:srgbClr val="0070C0"/>
+              </a:solidFill>
+              <a:latin typeface="+mj-lt"/>
+            </a:endParaRPr>
+          </a:p>
+        </p:txBody>
+      </p:sp>
+      <p:sp>
+        <p:nvSpPr>
+          <p:cNvPr id="22" name="TextBox 21">
+            <a:extLst>
+              <a:ext uri="{FF2B5EF4-FFF2-40B4-BE49-F238E27FC236}">
+                <a16:creationId xmlns:a16="http://schemas.microsoft.com/office/drawing/2014/main" id="{6D247830-2565-4644-BF16-8F85EF250857}"/>
+              </a:ext>
+            </a:extLst>
+          </p:cNvPr>
+          <p:cNvSpPr txBox="1"/>
+          <p:nvPr/>
+        </p:nvSpPr>
+        <p:spPr>
+          <a:xfrm>
+            <a:off x="7315200" y="3857864"/>
+            <a:ext cx="1295400" cy="276999"/>
+          </a:xfrm>
+          <a:prstGeom prst="rect">
+            <a:avLst/>
+          </a:prstGeom>
+          <a:noFill/>
+        </p:spPr>
+        <p:txBody>
+          <a:bodyPr wrap="square" rtlCol="0">
+            <a:spAutoFit/>
+          </a:bodyPr>
+          <a:lstStyle/>
+          <a:p>
+            <a:pPr algn="r"/>
+            <a:r>
+              <a:rPr lang="en-US" sz="1200" i="1" u="sng" dirty="0" err="1">
+                <a:solidFill>
+                  <a:srgbClr val="0070C0"/>
+                </a:solidFill>
+                <a:latin typeface="+mj-lt"/>
+              </a:rPr>
+              <a:t>Xem</a:t>
+            </a:r>
+            <a:r>
+              <a:rPr lang="en-US" sz="1200" i="1" u="sng" dirty="0">
+                <a:solidFill>
+                  <a:srgbClr val="0070C0"/>
+                </a:solidFill>
+                <a:latin typeface="+mj-lt"/>
+              </a:rPr>
+              <a:t> </a:t>
+            </a:r>
+            <a:r>
+              <a:rPr lang="en-US" sz="1200" i="1" u="sng" dirty="0" err="1">
+                <a:solidFill>
+                  <a:srgbClr val="0070C0"/>
+                </a:solidFill>
+                <a:latin typeface="+mj-lt"/>
+              </a:rPr>
+              <a:t>hóa</a:t>
+            </a:r>
+            <a:r>
+              <a:rPr lang="en-US" sz="1200" i="1" u="sng" dirty="0">
+                <a:solidFill>
+                  <a:srgbClr val="0070C0"/>
+                </a:solidFill>
+                <a:latin typeface="+mj-lt"/>
+              </a:rPr>
+              <a:t> </a:t>
+            </a:r>
+            <a:r>
+              <a:rPr lang="en-US" sz="1200" i="1" u="sng" dirty="0" err="1">
+                <a:solidFill>
+                  <a:srgbClr val="0070C0"/>
+                </a:solidFill>
+                <a:latin typeface="+mj-lt"/>
+              </a:rPr>
+              <a:t>đơn</a:t>
+            </a:r>
+            <a:endParaRPr lang="en-US" sz="1200" i="1" u="sng" dirty="0">
+              <a:solidFill>
+                <a:srgbClr val="0070C0"/>
+              </a:solidFill>
+              <a:latin typeface="+mj-lt"/>
+            </a:endParaRPr>
+          </a:p>
+        </p:txBody>
+      </p:sp>
+      <p:pic>
+        <p:nvPicPr>
+          <p:cNvPr id="23" name="Picture 22">
+            <a:extLst>
+              <a:ext uri="{FF2B5EF4-FFF2-40B4-BE49-F238E27FC236}">
+                <a16:creationId xmlns:a16="http://schemas.microsoft.com/office/drawing/2014/main" id="{C646A48A-F738-43B4-9B1D-67FC4EF2DF4B}"/>
+              </a:ext>
+            </a:extLst>
+          </p:cNvPr>
+          <p:cNvPicPr>
+            <a:picLocks noChangeAspect="1"/>
+          </p:cNvPicPr>
+          <p:nvPr/>
+        </p:nvPicPr>
+        <p:blipFill>
+          <a:blip r:embed="rId4" cstate="print">
+            <a:extLst>
+              <a:ext uri="{28A0092B-C50C-407E-A947-70E740481C1C}">
+                <a14:useLocalDpi xmlns:a14="http://schemas.microsoft.com/office/drawing/2010/main" val="0"/>
+              </a:ext>
+            </a:extLst>
+          </a:blip>
+          <a:stretch>
+            <a:fillRect/>
+          </a:stretch>
+        </p:blipFill>
+        <p:spPr>
+          <a:xfrm>
+            <a:off x="506654" y="931247"/>
+            <a:ext cx="407746" cy="407746"/>
+          </a:xfrm>
+          <a:prstGeom prst="rect">
+            <a:avLst/>
+          </a:prstGeom>
+        </p:spPr>
+      </p:pic>
+      <p:sp>
+        <p:nvSpPr>
+          <p:cNvPr id="25" name="Rectangle 24">
+            <a:extLst>
+              <a:ext uri="{FF2B5EF4-FFF2-40B4-BE49-F238E27FC236}">
+                <a16:creationId xmlns:a16="http://schemas.microsoft.com/office/drawing/2014/main" id="{EC213373-7A4E-40B0-8875-BBFE323A15D8}"/>
               </a:ext>
             </a:extLst>
           </p:cNvPr>
@@ -25336,14 +25572,16 @@
         </p:nvSpPr>
         <p:spPr>
           <a:xfrm>
-            <a:off x="7467598" y="6361155"/>
+            <a:off x="7620000" y="6373058"/>
             <a:ext cx="1371600" cy="358165"/>
           </a:xfrm>
           <a:prstGeom prst="rect">
             <a:avLst/>
           </a:prstGeom>
           <a:solidFill>
-            <a:srgbClr val="4BBF60"/>
+            <a:schemeClr val="bg1">
+              <a:lumMod val="65000"/>
+            </a:schemeClr>
           </a:solidFill>
           <a:ln>
             <a:noFill/>
@@ -25371,16 +25609,22 @@
           <a:p>
             <a:pPr algn="ctr"/>
             <a:r>
+              <a:rPr lang="en-US" dirty="0" err="1">
+                <a:latin typeface="+mj-lt"/>
+              </a:rPr>
+              <a:t>Trở</a:t>
+            </a:r>
+            <a:r>
               <a:rPr lang="en-US" dirty="0">
                 <a:latin typeface="+mj-lt"/>
               </a:rPr>
-              <a:t>Thanh </a:t>
+              <a:t> </a:t>
             </a:r>
             <a:r>
               <a:rPr lang="en-US" dirty="0" err="1">
                 <a:latin typeface="+mj-lt"/>
               </a:rPr>
-              <a:t>toán</a:t>
+              <a:t>lại</a:t>
             </a:r>
             <a:endParaRPr lang="en-US" dirty="0">
               <a:latin typeface="+mj-lt"/>
@@ -25388,208 +25632,141 @@
           </a:p>
         </p:txBody>
       </p:sp>
-      <p:sp>
-        <p:nvSpPr>
-          <p:cNvPr id="18" name="TextBox 17">
-            <a:extLst>
-              <a:ext uri="{FF2B5EF4-FFF2-40B4-BE49-F238E27FC236}">
-                <a16:creationId xmlns:a16="http://schemas.microsoft.com/office/drawing/2014/main" id="{4AA1BF53-BC7B-40F6-92D8-40F53E3B5C1F}"/>
-              </a:ext>
-            </a:extLst>
-          </p:cNvPr>
-          <p:cNvSpPr txBox="1"/>
-          <p:nvPr/>
-        </p:nvSpPr>
-        <p:spPr>
-          <a:xfrm>
-            <a:off x="7315200" y="3429000"/>
-            <a:ext cx="1295400" cy="276999"/>
-          </a:xfrm>
-          <a:prstGeom prst="rect">
-            <a:avLst/>
-          </a:prstGeom>
-          <a:noFill/>
-        </p:spPr>
-        <p:txBody>
-          <a:bodyPr wrap="square" rtlCol="0">
-            <a:spAutoFit/>
-          </a:bodyPr>
-          <a:lstStyle/>
-          <a:p>
-            <a:pPr algn="r"/>
-            <a:r>
-              <a:rPr lang="en-US" sz="1200" i="1" u="sng" dirty="0" err="1">
-                <a:solidFill>
-                  <a:srgbClr val="0070C0"/>
-                </a:solidFill>
-                <a:latin typeface="+mj-lt"/>
-              </a:rPr>
-              <a:t>Xem</a:t>
-            </a:r>
-            <a:r>
-              <a:rPr lang="en-US" sz="1200" i="1" u="sng" dirty="0">
-                <a:solidFill>
-                  <a:srgbClr val="0070C0"/>
-                </a:solidFill>
-                <a:latin typeface="+mj-lt"/>
-              </a:rPr>
-              <a:t> </a:t>
-            </a:r>
-            <a:r>
-              <a:rPr lang="en-US" sz="1200" i="1" u="sng" dirty="0" err="1">
-                <a:solidFill>
-                  <a:srgbClr val="0070C0"/>
-                </a:solidFill>
-                <a:latin typeface="+mj-lt"/>
-              </a:rPr>
-              <a:t>hóa</a:t>
-            </a:r>
-            <a:r>
-              <a:rPr lang="en-US" sz="1200" i="1" u="sng" dirty="0">
-                <a:solidFill>
-                  <a:srgbClr val="0070C0"/>
-                </a:solidFill>
-                <a:latin typeface="+mj-lt"/>
-              </a:rPr>
-              <a:t> </a:t>
-            </a:r>
-            <a:r>
-              <a:rPr lang="en-US" sz="1200" i="1" u="sng" dirty="0" err="1">
-                <a:solidFill>
-                  <a:srgbClr val="0070C0"/>
-                </a:solidFill>
-                <a:latin typeface="+mj-lt"/>
-              </a:rPr>
-              <a:t>đơn</a:t>
-            </a:r>
-            <a:endParaRPr lang="en-US" sz="1200" i="1" u="sng" dirty="0">
-              <a:solidFill>
-                <a:srgbClr val="0070C0"/>
-              </a:solidFill>
-              <a:latin typeface="+mj-lt"/>
-            </a:endParaRPr>
-          </a:p>
-        </p:txBody>
-      </p:sp>
-      <p:sp>
-        <p:nvSpPr>
-          <p:cNvPr id="22" name="TextBox 21">
-            <a:extLst>
-              <a:ext uri="{FF2B5EF4-FFF2-40B4-BE49-F238E27FC236}">
-                <a16:creationId xmlns:a16="http://schemas.microsoft.com/office/drawing/2014/main" id="{6D247830-2565-4644-BF16-8F85EF250857}"/>
-              </a:ext>
-            </a:extLst>
-          </p:cNvPr>
-          <p:cNvSpPr txBox="1"/>
-          <p:nvPr/>
-        </p:nvSpPr>
-        <p:spPr>
-          <a:xfrm>
-            <a:off x="7315200" y="3857864"/>
-            <a:ext cx="1295400" cy="276999"/>
-          </a:xfrm>
-          <a:prstGeom prst="rect">
-            <a:avLst/>
-          </a:prstGeom>
-          <a:noFill/>
-        </p:spPr>
-        <p:txBody>
-          <a:bodyPr wrap="square" rtlCol="0">
-            <a:spAutoFit/>
-          </a:bodyPr>
-          <a:lstStyle/>
-          <a:p>
-            <a:pPr algn="r"/>
-            <a:r>
-              <a:rPr lang="en-US" sz="1200" i="1" u="sng" dirty="0" err="1">
-                <a:solidFill>
-                  <a:srgbClr val="0070C0"/>
-                </a:solidFill>
-                <a:latin typeface="+mj-lt"/>
-              </a:rPr>
-              <a:t>Xem</a:t>
-            </a:r>
-            <a:r>
-              <a:rPr lang="en-US" sz="1200" i="1" u="sng" dirty="0">
-                <a:solidFill>
-                  <a:srgbClr val="0070C0"/>
-                </a:solidFill>
-                <a:latin typeface="+mj-lt"/>
-              </a:rPr>
-              <a:t> </a:t>
-            </a:r>
-            <a:r>
-              <a:rPr lang="en-US" sz="1200" i="1" u="sng" dirty="0" err="1">
-                <a:solidFill>
-                  <a:srgbClr val="0070C0"/>
-                </a:solidFill>
-                <a:latin typeface="+mj-lt"/>
-              </a:rPr>
-              <a:t>hóa</a:t>
-            </a:r>
-            <a:r>
-              <a:rPr lang="en-US" sz="1200" i="1" u="sng" dirty="0">
-                <a:solidFill>
-                  <a:srgbClr val="0070C0"/>
-                </a:solidFill>
-                <a:latin typeface="+mj-lt"/>
-              </a:rPr>
-              <a:t> </a:t>
-            </a:r>
-            <a:r>
-              <a:rPr lang="en-US" sz="1200" i="1" u="sng" dirty="0" err="1">
-                <a:solidFill>
-                  <a:srgbClr val="0070C0"/>
-                </a:solidFill>
-                <a:latin typeface="+mj-lt"/>
-              </a:rPr>
-              <a:t>đơn</a:t>
-            </a:r>
-            <a:endParaRPr lang="en-US" sz="1200" i="1" u="sng" dirty="0">
-              <a:solidFill>
-                <a:srgbClr val="0070C0"/>
-              </a:solidFill>
-              <a:latin typeface="+mj-lt"/>
-            </a:endParaRPr>
-          </a:p>
-        </p:txBody>
-      </p:sp>
-      <p:pic>
-        <p:nvPicPr>
-          <p:cNvPr id="23" name="Picture 22">
-            <a:extLst>
-              <a:ext uri="{FF2B5EF4-FFF2-40B4-BE49-F238E27FC236}">
-                <a16:creationId xmlns:a16="http://schemas.microsoft.com/office/drawing/2014/main" id="{C646A48A-F738-43B4-9B1D-67FC4EF2DF4B}"/>
-              </a:ext>
-            </a:extLst>
-          </p:cNvPr>
-          <p:cNvPicPr>
-            <a:picLocks noChangeAspect="1"/>
-          </p:cNvPicPr>
-          <p:nvPr/>
-        </p:nvPicPr>
-        <p:blipFill>
-          <a:blip r:embed="rId3" cstate="print">
-            <a:extLst>
-              <a:ext uri="{28A0092B-C50C-407E-A947-70E740481C1C}">
-                <a14:useLocalDpi xmlns:a14="http://schemas.microsoft.com/office/drawing/2010/main" val="0"/>
-              </a:ext>
-            </a:extLst>
-          </a:blip>
-          <a:stretch>
-            <a:fillRect/>
-          </a:stretch>
-        </p:blipFill>
-        <p:spPr>
-          <a:xfrm>
-            <a:off x="506654" y="931247"/>
-            <a:ext cx="407746" cy="407746"/>
-          </a:xfrm>
-          <a:prstGeom prst="rect">
-            <a:avLst/>
-          </a:prstGeom>
-        </p:spPr>
-      </p:pic>
+      <p:grpSp>
+        <p:nvGrpSpPr>
+          <p:cNvPr id="26" name="Group 25">
+            <a:extLst>
+              <a:ext uri="{FF2B5EF4-FFF2-40B4-BE49-F238E27FC236}">
+                <a16:creationId xmlns:a16="http://schemas.microsoft.com/office/drawing/2014/main" id="{C7B0FA4C-875E-4B2B-AA0C-41566882B7E2}"/>
+              </a:ext>
+            </a:extLst>
+          </p:cNvPr>
+          <p:cNvGrpSpPr/>
+          <p:nvPr/>
+        </p:nvGrpSpPr>
+        <p:grpSpPr>
+          <a:xfrm>
+            <a:off x="5867400" y="6380528"/>
+            <a:ext cx="1524000" cy="358165"/>
+            <a:chOff x="4648200" y="6324600"/>
+            <a:chExt cx="1524000" cy="358165"/>
+          </a:xfrm>
+        </p:grpSpPr>
+        <p:sp>
+          <p:nvSpPr>
+            <p:cNvPr id="27" name="Rectangle 26">
+              <a:extLst>
+                <a:ext uri="{FF2B5EF4-FFF2-40B4-BE49-F238E27FC236}">
+                  <a16:creationId xmlns:a16="http://schemas.microsoft.com/office/drawing/2014/main" id="{9969480F-3B74-4CC4-8434-19572E987218}"/>
+                </a:ext>
+              </a:extLst>
+            </p:cNvPr>
+            <p:cNvSpPr/>
+            <p:nvPr/>
+          </p:nvSpPr>
+          <p:spPr>
+            <a:xfrm>
+              <a:off x="4648200" y="6324600"/>
+              <a:ext cx="1524000" cy="358165"/>
+            </a:xfrm>
+            <a:prstGeom prst="rect">
+              <a:avLst/>
+            </a:prstGeom>
+            <a:solidFill>
+              <a:srgbClr val="0070C0"/>
+            </a:solidFill>
+            <a:ln>
+              <a:noFill/>
+            </a:ln>
+          </p:spPr>
+          <p:style>
+            <a:lnRef idx="2">
+              <a:schemeClr val="accent1">
+                <a:shade val="50000"/>
+              </a:schemeClr>
+            </a:lnRef>
+            <a:fillRef idx="1">
+              <a:schemeClr val="accent1"/>
+            </a:fillRef>
+            <a:effectRef idx="0">
+              <a:schemeClr val="accent1"/>
+            </a:effectRef>
+            <a:fontRef idx="minor">
+              <a:schemeClr val="lt1"/>
+            </a:fontRef>
+          </p:style>
+          <p:txBody>
+            <a:bodyPr rtlCol="0" anchor="ctr"/>
+            <a:lstStyle/>
+            <a:p>
+              <a:pPr algn="r"/>
+              <a:r>
+                <a:rPr lang="en-US" dirty="0">
+                  <a:latin typeface="+mj-lt"/>
+                </a:rPr>
+                <a:t>In </a:t>
+              </a:r>
+              <a:r>
+                <a:rPr lang="en-US" dirty="0" err="1">
+                  <a:latin typeface="+mj-lt"/>
+                </a:rPr>
+                <a:t>công</a:t>
+              </a:r>
+              <a:r>
+                <a:rPr lang="en-US" dirty="0">
+                  <a:latin typeface="+mj-lt"/>
+                </a:rPr>
+                <a:t> </a:t>
+              </a:r>
+              <a:r>
+                <a:rPr lang="en-US" dirty="0" err="1">
+                  <a:latin typeface="+mj-lt"/>
+                </a:rPr>
+                <a:t>nợ</a:t>
+              </a:r>
+              <a:endParaRPr lang="en-US" dirty="0">
+                <a:latin typeface="+mj-lt"/>
+              </a:endParaRPr>
+            </a:p>
+          </p:txBody>
+        </p:sp>
+        <p:pic>
+          <p:nvPicPr>
+            <p:cNvPr id="28" name="Picture 27">
+              <a:extLst>
+                <a:ext uri="{FF2B5EF4-FFF2-40B4-BE49-F238E27FC236}">
+                  <a16:creationId xmlns:a16="http://schemas.microsoft.com/office/drawing/2014/main" id="{203CB132-6C52-4CF5-8E55-A5968F1397A1}"/>
+                </a:ext>
+              </a:extLst>
+            </p:cNvPr>
+            <p:cNvPicPr>
+              <a:picLocks noChangeAspect="1"/>
+            </p:cNvPicPr>
+            <p:nvPr/>
+          </p:nvPicPr>
+          <p:blipFill>
+            <a:blip r:embed="rId5" cstate="print">
+              <a:extLst>
+                <a:ext uri="{28A0092B-C50C-407E-A947-70E740481C1C}">
+                  <a14:useLocalDpi xmlns:a14="http://schemas.microsoft.com/office/drawing/2010/main" val="0"/>
+                </a:ext>
+              </a:extLst>
+            </a:blip>
+            <a:stretch>
+              <a:fillRect/>
+            </a:stretch>
+          </p:blipFill>
+          <p:spPr>
+            <a:xfrm>
+              <a:off x="4786086" y="6374785"/>
+              <a:ext cx="263732" cy="263732"/>
+            </a:xfrm>
+            <a:prstGeom prst="rect">
+              <a:avLst/>
+            </a:prstGeom>
+          </p:spPr>
+        </p:pic>
+      </p:grpSp>
     </p:spTree>
     <p:extLst>
       <p:ext uri="{BB962C8B-B14F-4D97-AF65-F5344CB8AC3E}">

--- a/Pharmacy/UXUI/PagesUI.pptx
+++ b/Pharmacy/UXUI/PagesUI.pptx
@@ -235,7 +235,7 @@
           <a:p>
             <a:fld id="{E193EC3E-9EBC-4FB4-91A0-D81688C87301}" type="datetimeFigureOut">
               <a:rPr lang="en-US" smtClean="0"/>
-              <a:t>2/3/2021</a:t>
+              <a:t>2/8/2021</a:t>
             </a:fld>
             <a:endParaRPr lang="en-US"/>
           </a:p>
@@ -1605,7 +1605,7 @@
           <a:p>
             <a:fld id="{EA91886C-002B-40DC-BBAF-4CA608631BA0}" type="datetimeFigureOut">
               <a:rPr lang="en-US" smtClean="0"/>
-              <a:t>2/3/2021</a:t>
+              <a:t>2/8/2021</a:t>
             </a:fld>
             <a:endParaRPr lang="en-US"/>
           </a:p>
@@ -1773,7 +1773,7 @@
           <a:p>
             <a:fld id="{EA91886C-002B-40DC-BBAF-4CA608631BA0}" type="datetimeFigureOut">
               <a:rPr lang="en-US" smtClean="0"/>
-              <a:t>2/3/2021</a:t>
+              <a:t>2/8/2021</a:t>
             </a:fld>
             <a:endParaRPr lang="en-US"/>
           </a:p>
@@ -1951,7 +1951,7 @@
           <a:p>
             <a:fld id="{EA91886C-002B-40DC-BBAF-4CA608631BA0}" type="datetimeFigureOut">
               <a:rPr lang="en-US" smtClean="0"/>
-              <a:t>2/3/2021</a:t>
+              <a:t>2/8/2021</a:t>
             </a:fld>
             <a:endParaRPr lang="en-US"/>
           </a:p>
@@ -2119,7 +2119,7 @@
           <a:p>
             <a:fld id="{EA91886C-002B-40DC-BBAF-4CA608631BA0}" type="datetimeFigureOut">
               <a:rPr lang="en-US" smtClean="0"/>
-              <a:t>2/3/2021</a:t>
+              <a:t>2/8/2021</a:t>
             </a:fld>
             <a:endParaRPr lang="en-US"/>
           </a:p>
@@ -2364,7 +2364,7 @@
           <a:p>
             <a:fld id="{EA91886C-002B-40DC-BBAF-4CA608631BA0}" type="datetimeFigureOut">
               <a:rPr lang="en-US" smtClean="0"/>
-              <a:t>2/3/2021</a:t>
+              <a:t>2/8/2021</a:t>
             </a:fld>
             <a:endParaRPr lang="en-US"/>
           </a:p>
@@ -2649,7 +2649,7 @@
           <a:p>
             <a:fld id="{EA91886C-002B-40DC-BBAF-4CA608631BA0}" type="datetimeFigureOut">
               <a:rPr lang="en-US" smtClean="0"/>
-              <a:t>2/3/2021</a:t>
+              <a:t>2/8/2021</a:t>
             </a:fld>
             <a:endParaRPr lang="en-US"/>
           </a:p>
@@ -3068,7 +3068,7 @@
           <a:p>
             <a:fld id="{EA91886C-002B-40DC-BBAF-4CA608631BA0}" type="datetimeFigureOut">
               <a:rPr lang="en-US" smtClean="0"/>
-              <a:t>2/3/2021</a:t>
+              <a:t>2/8/2021</a:t>
             </a:fld>
             <a:endParaRPr lang="en-US"/>
           </a:p>
@@ -3185,7 +3185,7 @@
           <a:p>
             <a:fld id="{EA91886C-002B-40DC-BBAF-4CA608631BA0}" type="datetimeFigureOut">
               <a:rPr lang="en-US" smtClean="0"/>
-              <a:t>2/3/2021</a:t>
+              <a:t>2/8/2021</a:t>
             </a:fld>
             <a:endParaRPr lang="en-US"/>
           </a:p>
@@ -3280,7 +3280,7 @@
           <a:p>
             <a:fld id="{EA91886C-002B-40DC-BBAF-4CA608631BA0}" type="datetimeFigureOut">
               <a:rPr lang="en-US" smtClean="0"/>
-              <a:t>2/3/2021</a:t>
+              <a:t>2/8/2021</a:t>
             </a:fld>
             <a:endParaRPr lang="en-US"/>
           </a:p>
@@ -3555,7 +3555,7 @@
           <a:p>
             <a:fld id="{EA91886C-002B-40DC-BBAF-4CA608631BA0}" type="datetimeFigureOut">
               <a:rPr lang="en-US" smtClean="0"/>
-              <a:t>2/3/2021</a:t>
+              <a:t>2/8/2021</a:t>
             </a:fld>
             <a:endParaRPr lang="en-US"/>
           </a:p>
@@ -3807,7 +3807,7 @@
           <a:p>
             <a:fld id="{EA91886C-002B-40DC-BBAF-4CA608631BA0}" type="datetimeFigureOut">
               <a:rPr lang="en-US" smtClean="0"/>
-              <a:t>2/3/2021</a:t>
+              <a:t>2/8/2021</a:t>
             </a:fld>
             <a:endParaRPr lang="en-US"/>
           </a:p>
@@ -4018,7 +4018,7 @@
           <a:p>
             <a:fld id="{EA91886C-002B-40DC-BBAF-4CA608631BA0}" type="datetimeFigureOut">
               <a:rPr lang="en-US" smtClean="0"/>
-              <a:t>2/3/2021</a:t>
+              <a:t>2/8/2021</a:t>
             </a:fld>
             <a:endParaRPr lang="en-US"/>
           </a:p>
@@ -24136,7 +24136,7 @@
 </file>
 
 <file path=ppt/slides/slide22.xml><?xml version="1.0" encoding="utf-8"?>
-<p:sld xmlns:a="http://schemas.openxmlformats.org/drawingml/2006/main" xmlns:r="http://schemas.openxmlformats.org/officeDocument/2006/relationships" xmlns:p="http://schemas.openxmlformats.org/presentationml/2006/main">
+<p:sld xmlns:a="http://schemas.openxmlformats.org/drawingml/2006/main" xmlns:r="http://schemas.openxmlformats.org/officeDocument/2006/relationships" xmlns:p="http://schemas.openxmlformats.org/presentationml/2006/main" show="0">
   <p:cSld>
     <p:spTree>
       <p:nvGrpSpPr>
@@ -33565,7 +33565,7 @@
         </p:nvSpPr>
         <p:spPr>
           <a:xfrm>
-            <a:off x="457200" y="1562100"/>
+            <a:off x="4784110" y="1514164"/>
             <a:ext cx="1295400" cy="276999"/>
           </a:xfrm>
           <a:prstGeom prst="rect">
@@ -33608,7 +33608,7 @@
         </p:nvSpPr>
         <p:spPr>
           <a:xfrm>
-            <a:off x="843373" y="1555873"/>
+            <a:off x="5170283" y="1507937"/>
             <a:ext cx="830510" cy="261554"/>
           </a:xfrm>
           <a:prstGeom prst="rect">
@@ -33654,7 +33654,7 @@
         </p:nvSpPr>
         <p:spPr>
           <a:xfrm>
-            <a:off x="1774263" y="1548817"/>
+            <a:off x="6101173" y="1500881"/>
             <a:ext cx="1295400" cy="276999"/>
           </a:xfrm>
           <a:prstGeom prst="rect">
@@ -33697,7 +33697,7 @@
         </p:nvSpPr>
         <p:spPr>
           <a:xfrm>
-            <a:off x="2233980" y="1551091"/>
+            <a:off x="6560890" y="1503155"/>
             <a:ext cx="830510" cy="261554"/>
           </a:xfrm>
           <a:prstGeom prst="rect">
@@ -33909,7 +33909,7 @@
         </p:nvSpPr>
         <p:spPr>
           <a:xfrm>
-            <a:off x="3100414" y="1529942"/>
+            <a:off x="444337" y="1518472"/>
             <a:ext cx="1295400" cy="276999"/>
           </a:xfrm>
           <a:prstGeom prst="rect">
@@ -33957,7 +33957,7 @@
               <a:rPr lang="en-US" sz="1200" dirty="0">
                 <a:latin typeface="+mj-lt"/>
               </a:rPr>
-              <a:t>:*</a:t>
+              <a:t>:</a:t>
             </a:r>
           </a:p>
         </p:txBody>
@@ -33976,7 +33976,7 @@
         </p:nvSpPr>
         <p:spPr>
           <a:xfrm>
-            <a:off x="4463005" y="1529942"/>
+            <a:off x="1806928" y="1518472"/>
             <a:ext cx="2765072" cy="261554"/>
           </a:xfrm>
           <a:prstGeom prst="rect">
@@ -34024,7 +34024,7 @@
         </p:nvSpPr>
         <p:spPr>
           <a:xfrm rot="10800000">
-            <a:off x="6961249" y="1593285"/>
+            <a:off x="4305172" y="1581815"/>
             <a:ext cx="167358" cy="149624"/>
           </a:xfrm>
           <a:prstGeom prst="triangle">

--- a/Pharmacy/UXUI/PagesUI.pptx
+++ b/Pharmacy/UXUI/PagesUI.pptx
@@ -235,7 +235,7 @@
           <a:p>
             <a:fld id="{E193EC3E-9EBC-4FB4-91A0-D81688C87301}" type="datetimeFigureOut">
               <a:rPr lang="en-US" smtClean="0"/>
-              <a:t>2/8/2021</a:t>
+              <a:t>2/21/2021</a:t>
             </a:fld>
             <a:endParaRPr lang="en-US"/>
           </a:p>
@@ -1605,7 +1605,7 @@
           <a:p>
             <a:fld id="{EA91886C-002B-40DC-BBAF-4CA608631BA0}" type="datetimeFigureOut">
               <a:rPr lang="en-US" smtClean="0"/>
-              <a:t>2/8/2021</a:t>
+              <a:t>2/21/2021</a:t>
             </a:fld>
             <a:endParaRPr lang="en-US"/>
           </a:p>
@@ -1773,7 +1773,7 @@
           <a:p>
             <a:fld id="{EA91886C-002B-40DC-BBAF-4CA608631BA0}" type="datetimeFigureOut">
               <a:rPr lang="en-US" smtClean="0"/>
-              <a:t>2/8/2021</a:t>
+              <a:t>2/21/2021</a:t>
             </a:fld>
             <a:endParaRPr lang="en-US"/>
           </a:p>
@@ -1951,7 +1951,7 @@
           <a:p>
             <a:fld id="{EA91886C-002B-40DC-BBAF-4CA608631BA0}" type="datetimeFigureOut">
               <a:rPr lang="en-US" smtClean="0"/>
-              <a:t>2/8/2021</a:t>
+              <a:t>2/21/2021</a:t>
             </a:fld>
             <a:endParaRPr lang="en-US"/>
           </a:p>
@@ -2119,7 +2119,7 @@
           <a:p>
             <a:fld id="{EA91886C-002B-40DC-BBAF-4CA608631BA0}" type="datetimeFigureOut">
               <a:rPr lang="en-US" smtClean="0"/>
-              <a:t>2/8/2021</a:t>
+              <a:t>2/21/2021</a:t>
             </a:fld>
             <a:endParaRPr lang="en-US"/>
           </a:p>
@@ -2364,7 +2364,7 @@
           <a:p>
             <a:fld id="{EA91886C-002B-40DC-BBAF-4CA608631BA0}" type="datetimeFigureOut">
               <a:rPr lang="en-US" smtClean="0"/>
-              <a:t>2/8/2021</a:t>
+              <a:t>2/21/2021</a:t>
             </a:fld>
             <a:endParaRPr lang="en-US"/>
           </a:p>
@@ -2649,7 +2649,7 @@
           <a:p>
             <a:fld id="{EA91886C-002B-40DC-BBAF-4CA608631BA0}" type="datetimeFigureOut">
               <a:rPr lang="en-US" smtClean="0"/>
-              <a:t>2/8/2021</a:t>
+              <a:t>2/21/2021</a:t>
             </a:fld>
             <a:endParaRPr lang="en-US"/>
           </a:p>
@@ -3068,7 +3068,7 @@
           <a:p>
             <a:fld id="{EA91886C-002B-40DC-BBAF-4CA608631BA0}" type="datetimeFigureOut">
               <a:rPr lang="en-US" smtClean="0"/>
-              <a:t>2/8/2021</a:t>
+              <a:t>2/21/2021</a:t>
             </a:fld>
             <a:endParaRPr lang="en-US"/>
           </a:p>
@@ -3185,7 +3185,7 @@
           <a:p>
             <a:fld id="{EA91886C-002B-40DC-BBAF-4CA608631BA0}" type="datetimeFigureOut">
               <a:rPr lang="en-US" smtClean="0"/>
-              <a:t>2/8/2021</a:t>
+              <a:t>2/21/2021</a:t>
             </a:fld>
             <a:endParaRPr lang="en-US"/>
           </a:p>
@@ -3280,7 +3280,7 @@
           <a:p>
             <a:fld id="{EA91886C-002B-40DC-BBAF-4CA608631BA0}" type="datetimeFigureOut">
               <a:rPr lang="en-US" smtClean="0"/>
-              <a:t>2/8/2021</a:t>
+              <a:t>2/21/2021</a:t>
             </a:fld>
             <a:endParaRPr lang="en-US"/>
           </a:p>
@@ -3555,7 +3555,7 @@
           <a:p>
             <a:fld id="{EA91886C-002B-40DC-BBAF-4CA608631BA0}" type="datetimeFigureOut">
               <a:rPr lang="en-US" smtClean="0"/>
-              <a:t>2/8/2021</a:t>
+              <a:t>2/21/2021</a:t>
             </a:fld>
             <a:endParaRPr lang="en-US"/>
           </a:p>
@@ -3807,7 +3807,7 @@
           <a:p>
             <a:fld id="{EA91886C-002B-40DC-BBAF-4CA608631BA0}" type="datetimeFigureOut">
               <a:rPr lang="en-US" smtClean="0"/>
-              <a:t>2/8/2021</a:t>
+              <a:t>2/21/2021</a:t>
             </a:fld>
             <a:endParaRPr lang="en-US"/>
           </a:p>
@@ -4018,7 +4018,7 @@
           <a:p>
             <a:fld id="{EA91886C-002B-40DC-BBAF-4CA608631BA0}" type="datetimeFigureOut">
               <a:rPr lang="en-US" smtClean="0"/>
-              <a:t>2/8/2021</a:t>
+              <a:t>2/21/2021</a:t>
             </a:fld>
             <a:endParaRPr lang="en-US"/>
           </a:p>
@@ -34264,22 +34264,16 @@
           <a:p>
             <a:pPr algn="ctr"/>
             <a:r>
+              <a:rPr lang="en-US" dirty="0">
+                <a:latin typeface="+mj-lt"/>
+              </a:rPr>
+              <a:t>Quay </a:t>
+            </a:r>
+            <a:r>
               <a:rPr lang="en-US" dirty="0" err="1">
                 <a:latin typeface="+mj-lt"/>
               </a:rPr>
-              <a:t>Tạo</a:t>
-            </a:r>
-            <a:r>
-              <a:rPr lang="en-US" dirty="0">
-                <a:latin typeface="+mj-lt"/>
-              </a:rPr>
-              <a:t> </a:t>
-            </a:r>
-            <a:r>
-              <a:rPr lang="en-US" dirty="0" err="1">
-                <a:latin typeface="+mj-lt"/>
-              </a:rPr>
-              <a:t>mới</a:t>
+              <a:t>lại</a:t>
             </a:r>
             <a:endParaRPr lang="en-US" dirty="0">
               <a:latin typeface="+mj-lt"/>
@@ -34315,6 +34309,18 @@
           </a:bodyPr>
           <a:lstStyle/>
           <a:p>
+            <a:r>
+              <a:rPr lang="en-US" b="1" dirty="0" err="1">
+                <a:solidFill>
+                  <a:schemeClr val="tx1">
+                    <a:lumMod val="85000"/>
+                    <a:lumOff val="15000"/>
+                  </a:schemeClr>
+                </a:solidFill>
+                <a:latin typeface="+mj-lt"/>
+              </a:rPr>
+              <a:t>Thông</a:t>
+            </a:r>
             <a:r>
               <a:rPr lang="en-US" b="1" dirty="0">
                 <a:solidFill>
@@ -34325,7 +34331,7 @@
                 </a:solidFill>
                 <a:latin typeface="+mj-lt"/>
               </a:rPr>
-              <a:t>Thanh </a:t>
+              <a:t> tin </a:t>
             </a:r>
             <a:r>
               <a:rPr lang="en-US" b="1" dirty="0" err="1">
@@ -34337,7 +34343,7 @@
                 </a:solidFill>
                 <a:latin typeface="+mj-lt"/>
               </a:rPr>
-              <a:t>toán</a:t>
+              <a:t>thanh</a:t>
             </a:r>
             <a:r>
               <a:rPr lang="en-US" b="1" dirty="0">
@@ -34361,7 +34367,7 @@
                 </a:solidFill>
                 <a:latin typeface="+mj-lt"/>
               </a:rPr>
-              <a:t>khác</a:t>
+              <a:t>toán</a:t>
             </a:r>
             <a:endParaRPr lang="en-US" b="1" dirty="0">
               <a:solidFill>
@@ -34407,7 +34413,19 @@
               <a:rPr lang="en-US" sz="1200" dirty="0" err="1">
                 <a:latin typeface="+mj-lt"/>
               </a:rPr>
-              <a:t>Ngày</a:t>
+              <a:t>Thời</a:t>
+            </a:r>
+            <a:r>
+              <a:rPr lang="en-US" sz="1200" dirty="0">
+                <a:latin typeface="+mj-lt"/>
+              </a:rPr>
+              <a:t> </a:t>
+            </a:r>
+            <a:r>
+              <a:rPr lang="en-US" sz="1200" dirty="0" err="1">
+                <a:latin typeface="+mj-lt"/>
+              </a:rPr>
+              <a:t>gian</a:t>
             </a:r>
             <a:r>
               <a:rPr lang="en-US" sz="1200" dirty="0">
@@ -34519,95 +34537,6 @@
               <a:t>Lưu</a:t>
             </a:r>
             <a:endParaRPr lang="en-US" dirty="0">
-              <a:latin typeface="+mj-lt"/>
-            </a:endParaRPr>
-          </a:p>
-        </p:txBody>
-      </p:sp>
-      <p:sp>
-        <p:nvSpPr>
-          <p:cNvPr id="61" name="TextBox 60">
-            <a:extLst>
-              <a:ext uri="{FF2B5EF4-FFF2-40B4-BE49-F238E27FC236}">
-                <a16:creationId xmlns:a16="http://schemas.microsoft.com/office/drawing/2014/main" id="{AB7A2275-3A78-4F02-BC15-060236729553}"/>
-              </a:ext>
-            </a:extLst>
-          </p:cNvPr>
-          <p:cNvSpPr txBox="1"/>
-          <p:nvPr/>
-        </p:nvSpPr>
-        <p:spPr>
-          <a:xfrm>
-            <a:off x="5257800" y="1446614"/>
-            <a:ext cx="990600" cy="276999"/>
-          </a:xfrm>
-          <a:prstGeom prst="rect">
-            <a:avLst/>
-          </a:prstGeom>
-          <a:noFill/>
-        </p:spPr>
-        <p:txBody>
-          <a:bodyPr wrap="square" rtlCol="0">
-            <a:spAutoFit/>
-          </a:bodyPr>
-          <a:lstStyle/>
-          <a:p>
-            <a:r>
-              <a:rPr lang="en-US" sz="1200" dirty="0" err="1">
-                <a:latin typeface="+mj-lt"/>
-              </a:rPr>
-              <a:t>Giờ</a:t>
-            </a:r>
-            <a:r>
-              <a:rPr lang="en-US" sz="1200" dirty="0">
-                <a:latin typeface="+mj-lt"/>
-              </a:rPr>
-              <a:t>:*</a:t>
-            </a:r>
-          </a:p>
-        </p:txBody>
-      </p:sp>
-      <p:sp>
-        <p:nvSpPr>
-          <p:cNvPr id="62" name="Rectangle 61">
-            <a:extLst>
-              <a:ext uri="{FF2B5EF4-FFF2-40B4-BE49-F238E27FC236}">
-                <a16:creationId xmlns:a16="http://schemas.microsoft.com/office/drawing/2014/main" id="{2975F9AD-5639-41AB-98F4-000F7727A8E2}"/>
-              </a:ext>
-            </a:extLst>
-          </p:cNvPr>
-          <p:cNvSpPr/>
-          <p:nvPr/>
-        </p:nvSpPr>
-        <p:spPr>
-          <a:xfrm>
-            <a:off x="5775896" y="1446614"/>
-            <a:ext cx="2987104" cy="261554"/>
-          </a:xfrm>
-          <a:prstGeom prst="rect">
-            <a:avLst/>
-          </a:prstGeom>
-        </p:spPr>
-        <p:style>
-          <a:lnRef idx="2">
-            <a:schemeClr val="dk1"/>
-          </a:lnRef>
-          <a:fillRef idx="1">
-            <a:schemeClr val="lt1"/>
-          </a:fillRef>
-          <a:effectRef idx="0">
-            <a:schemeClr val="dk1"/>
-          </a:effectRef>
-          <a:fontRef idx="minor">
-            <a:schemeClr val="dk1"/>
-          </a:fontRef>
-        </p:style>
-        <p:txBody>
-          <a:bodyPr rtlCol="0" anchor="ctr"/>
-          <a:lstStyle/>
-          <a:p>
-            <a:pPr algn="ctr"/>
-            <a:endParaRPr lang="en-US">
               <a:latin typeface="+mj-lt"/>
             </a:endParaRPr>
           </a:p>

--- a/Pharmacy/UXUI/PagesUI.pptx
+++ b/Pharmacy/UXUI/PagesUI.pptx
@@ -138,7 +138,7 @@
   </p:defaultTextStyle>
   <p:extLst>
     <p:ext uri="{EFAFB233-063F-42B5-8137-9DF3F51BA10A}">
-      <p15:sldGuideLst xmlns:p15="http://schemas.microsoft.com/office/powerpoint/2012/main" xmlns="">
+      <p15:sldGuideLst xmlns="" xmlns:p15="http://schemas.microsoft.com/office/powerpoint/2012/main">
         <p15:guide id="1" orient="horz" pos="2160">
           <p15:clr>
             <a:srgbClr val="A4A3A4"/>
@@ -153,6 +153,269 @@
     </p:ext>
   </p:extLst>
 </p:presentation>
+</file>
+
+<file path=ppt/charts/chart1.xml><?xml version="1.0" encoding="utf-8"?>
+<c:chartSpace xmlns:c="http://schemas.openxmlformats.org/drawingml/2006/chart" xmlns:a="http://schemas.openxmlformats.org/drawingml/2006/main" xmlns:r="http://schemas.openxmlformats.org/officeDocument/2006/relationships">
+  <c:date1904 val="0"/>
+  <c:lang val="en-US"/>
+  <c:roundedCorners val="0"/>
+  <mc:AlternateContent xmlns:mc="http://schemas.openxmlformats.org/markup-compatibility/2006">
+    <mc:Choice xmlns:c14="http://schemas.microsoft.com/office/drawing/2007/8/2/chart" Requires="c14">
+      <c14:style val="102"/>
+    </mc:Choice>
+    <mc:Fallback>
+      <c:style val="2"/>
+    </mc:Fallback>
+  </mc:AlternateContent>
+  <c:chart>
+    <c:autoTitleDeleted val="0"/>
+    <c:plotArea>
+      <c:layout/>
+      <c:barChart>
+        <c:barDir val="col"/>
+        <c:grouping val="clustered"/>
+        <c:varyColors val="0"/>
+        <c:ser>
+          <c:idx val="0"/>
+          <c:order val="0"/>
+          <c:tx>
+            <c:strRef>
+              <c:f>Sheet1!$B$1</c:f>
+              <c:strCache>
+                <c:ptCount val="1"/>
+                <c:pt idx="0">
+                  <c:v>Series 1</c:v>
+                </c:pt>
+              </c:strCache>
+            </c:strRef>
+          </c:tx>
+          <c:invertIfNegative val="0"/>
+          <c:cat>
+            <c:strRef>
+              <c:f>Sheet1!$A$2:$A$5</c:f>
+              <c:strCache>
+                <c:ptCount val="4"/>
+                <c:pt idx="0">
+                  <c:v>Category 1</c:v>
+                </c:pt>
+                <c:pt idx="1">
+                  <c:v>Category 2</c:v>
+                </c:pt>
+                <c:pt idx="2">
+                  <c:v>Category 3</c:v>
+                </c:pt>
+                <c:pt idx="3">
+                  <c:v>Category 4</c:v>
+                </c:pt>
+              </c:strCache>
+            </c:strRef>
+          </c:cat>
+          <c:val>
+            <c:numRef>
+              <c:f>Sheet1!$B$2:$B$5</c:f>
+              <c:numCache>
+                <c:formatCode>General</c:formatCode>
+                <c:ptCount val="4"/>
+                <c:pt idx="0">
+                  <c:v>4.3</c:v>
+                </c:pt>
+                <c:pt idx="1">
+                  <c:v>2.5</c:v>
+                </c:pt>
+                <c:pt idx="2">
+                  <c:v>3.5</c:v>
+                </c:pt>
+                <c:pt idx="3">
+                  <c:v>4.5</c:v>
+                </c:pt>
+              </c:numCache>
+            </c:numRef>
+          </c:val>
+        </c:ser>
+        <c:ser>
+          <c:idx val="1"/>
+          <c:order val="1"/>
+          <c:tx>
+            <c:strRef>
+              <c:f>Sheet1!$C$1</c:f>
+              <c:strCache>
+                <c:ptCount val="1"/>
+                <c:pt idx="0">
+                  <c:v>Series 2</c:v>
+                </c:pt>
+              </c:strCache>
+            </c:strRef>
+          </c:tx>
+          <c:invertIfNegative val="0"/>
+          <c:cat>
+            <c:strRef>
+              <c:f>Sheet1!$A$2:$A$5</c:f>
+              <c:strCache>
+                <c:ptCount val="4"/>
+                <c:pt idx="0">
+                  <c:v>Category 1</c:v>
+                </c:pt>
+                <c:pt idx="1">
+                  <c:v>Category 2</c:v>
+                </c:pt>
+                <c:pt idx="2">
+                  <c:v>Category 3</c:v>
+                </c:pt>
+                <c:pt idx="3">
+                  <c:v>Category 4</c:v>
+                </c:pt>
+              </c:strCache>
+            </c:strRef>
+          </c:cat>
+          <c:val>
+            <c:numRef>
+              <c:f>Sheet1!$C$2:$C$5</c:f>
+              <c:numCache>
+                <c:formatCode>General</c:formatCode>
+                <c:ptCount val="4"/>
+                <c:pt idx="0">
+                  <c:v>2.4</c:v>
+                </c:pt>
+                <c:pt idx="1">
+                  <c:v>4.4000000000000004</c:v>
+                </c:pt>
+                <c:pt idx="2">
+                  <c:v>1.8</c:v>
+                </c:pt>
+                <c:pt idx="3">
+                  <c:v>2.8</c:v>
+                </c:pt>
+              </c:numCache>
+            </c:numRef>
+          </c:val>
+        </c:ser>
+        <c:ser>
+          <c:idx val="2"/>
+          <c:order val="2"/>
+          <c:tx>
+            <c:strRef>
+              <c:f>Sheet1!$D$1</c:f>
+              <c:strCache>
+                <c:ptCount val="1"/>
+                <c:pt idx="0">
+                  <c:v>Series 3</c:v>
+                </c:pt>
+              </c:strCache>
+            </c:strRef>
+          </c:tx>
+          <c:invertIfNegative val="0"/>
+          <c:cat>
+            <c:strRef>
+              <c:f>Sheet1!$A$2:$A$5</c:f>
+              <c:strCache>
+                <c:ptCount val="4"/>
+                <c:pt idx="0">
+                  <c:v>Category 1</c:v>
+                </c:pt>
+                <c:pt idx="1">
+                  <c:v>Category 2</c:v>
+                </c:pt>
+                <c:pt idx="2">
+                  <c:v>Category 3</c:v>
+                </c:pt>
+                <c:pt idx="3">
+                  <c:v>Category 4</c:v>
+                </c:pt>
+              </c:strCache>
+            </c:strRef>
+          </c:cat>
+          <c:val>
+            <c:numRef>
+              <c:f>Sheet1!$D$2:$D$5</c:f>
+              <c:numCache>
+                <c:formatCode>General</c:formatCode>
+                <c:ptCount val="4"/>
+                <c:pt idx="0">
+                  <c:v>2</c:v>
+                </c:pt>
+                <c:pt idx="1">
+                  <c:v>2</c:v>
+                </c:pt>
+                <c:pt idx="2">
+                  <c:v>3</c:v>
+                </c:pt>
+                <c:pt idx="3">
+                  <c:v>5</c:v>
+                </c:pt>
+              </c:numCache>
+            </c:numRef>
+          </c:val>
+        </c:ser>
+        <c:dLbls>
+          <c:showLegendKey val="0"/>
+          <c:showVal val="0"/>
+          <c:showCatName val="0"/>
+          <c:showSerName val="0"/>
+          <c:showPercent val="0"/>
+          <c:showBubbleSize val="0"/>
+        </c:dLbls>
+        <c:gapWidth val="150"/>
+        <c:axId val="248919168"/>
+        <c:axId val="248921088"/>
+      </c:barChart>
+      <c:catAx>
+        <c:axId val="248919168"/>
+        <c:scaling>
+          <c:orientation val="minMax"/>
+        </c:scaling>
+        <c:delete val="0"/>
+        <c:axPos val="b"/>
+        <c:majorTickMark val="out"/>
+        <c:minorTickMark val="none"/>
+        <c:tickLblPos val="nextTo"/>
+        <c:crossAx val="248921088"/>
+        <c:crosses val="autoZero"/>
+        <c:auto val="1"/>
+        <c:lblAlgn val="ctr"/>
+        <c:lblOffset val="100"/>
+        <c:noMultiLvlLbl val="0"/>
+      </c:catAx>
+      <c:valAx>
+        <c:axId val="248921088"/>
+        <c:scaling>
+          <c:orientation val="minMax"/>
+        </c:scaling>
+        <c:delete val="0"/>
+        <c:axPos val="l"/>
+        <c:majorGridlines/>
+        <c:numFmt formatCode="General" sourceLinked="1"/>
+        <c:majorTickMark val="out"/>
+        <c:minorTickMark val="none"/>
+        <c:tickLblPos val="nextTo"/>
+        <c:crossAx val="248919168"/>
+        <c:crosses val="autoZero"/>
+        <c:crossBetween val="between"/>
+      </c:valAx>
+    </c:plotArea>
+    <c:legend>
+      <c:legendPos val="r"/>
+      <c:layout/>
+      <c:overlay val="0"/>
+    </c:legend>
+    <c:plotVisOnly val="1"/>
+    <c:dispBlanksAs val="gap"/>
+    <c:showDLblsOverMax val="0"/>
+  </c:chart>
+  <c:txPr>
+    <a:bodyPr/>
+    <a:lstStyle/>
+    <a:p>
+      <a:pPr>
+        <a:defRPr sz="1800"/>
+      </a:pPr>
+      <a:endParaRPr lang="en-US"/>
+    </a:p>
+  </c:txPr>
+  <c:externalData r:id="rId1">
+    <c:autoUpdate val="0"/>
+  </c:externalData>
+</c:chartSpace>
 </file>
 
 <file path=ppt/notesMasters/notesMaster1.xml><?xml version="1.0" encoding="utf-8"?>
@@ -237,7 +500,7 @@
           <a:p>
             <a:fld id="{E193EC3E-9EBC-4FB4-91A0-D81688C87301}" type="datetimeFigureOut">
               <a:rPr lang="en-US" smtClean="0"/>
-              <a:t>2/26/2021</a:t>
+              <a:t>3/1/2021</a:t>
             </a:fld>
             <a:endParaRPr lang="en-US"/>
           </a:p>
@@ -1607,7 +1870,7 @@
           <a:p>
             <a:fld id="{EA91886C-002B-40DC-BBAF-4CA608631BA0}" type="datetimeFigureOut">
               <a:rPr lang="en-US" smtClean="0"/>
-              <a:t>2/26/2021</a:t>
+              <a:t>3/1/2021</a:t>
             </a:fld>
             <a:endParaRPr lang="en-US"/>
           </a:p>
@@ -1775,7 +2038,7 @@
           <a:p>
             <a:fld id="{EA91886C-002B-40DC-BBAF-4CA608631BA0}" type="datetimeFigureOut">
               <a:rPr lang="en-US" smtClean="0"/>
-              <a:t>2/26/2021</a:t>
+              <a:t>3/1/2021</a:t>
             </a:fld>
             <a:endParaRPr lang="en-US"/>
           </a:p>
@@ -1953,7 +2216,7 @@
           <a:p>
             <a:fld id="{EA91886C-002B-40DC-BBAF-4CA608631BA0}" type="datetimeFigureOut">
               <a:rPr lang="en-US" smtClean="0"/>
-              <a:t>2/26/2021</a:t>
+              <a:t>3/1/2021</a:t>
             </a:fld>
             <a:endParaRPr lang="en-US"/>
           </a:p>
@@ -2121,7 +2384,7 @@
           <a:p>
             <a:fld id="{EA91886C-002B-40DC-BBAF-4CA608631BA0}" type="datetimeFigureOut">
               <a:rPr lang="en-US" smtClean="0"/>
-              <a:t>2/26/2021</a:t>
+              <a:t>3/1/2021</a:t>
             </a:fld>
             <a:endParaRPr lang="en-US"/>
           </a:p>
@@ -2366,7 +2629,7 @@
           <a:p>
             <a:fld id="{EA91886C-002B-40DC-BBAF-4CA608631BA0}" type="datetimeFigureOut">
               <a:rPr lang="en-US" smtClean="0"/>
-              <a:t>2/26/2021</a:t>
+              <a:t>3/1/2021</a:t>
             </a:fld>
             <a:endParaRPr lang="en-US"/>
           </a:p>
@@ -2651,7 +2914,7 @@
           <a:p>
             <a:fld id="{EA91886C-002B-40DC-BBAF-4CA608631BA0}" type="datetimeFigureOut">
               <a:rPr lang="en-US" smtClean="0"/>
-              <a:t>2/26/2021</a:t>
+              <a:t>3/1/2021</a:t>
             </a:fld>
             <a:endParaRPr lang="en-US"/>
           </a:p>
@@ -3070,7 +3333,7 @@
           <a:p>
             <a:fld id="{EA91886C-002B-40DC-BBAF-4CA608631BA0}" type="datetimeFigureOut">
               <a:rPr lang="en-US" smtClean="0"/>
-              <a:t>2/26/2021</a:t>
+              <a:t>3/1/2021</a:t>
             </a:fld>
             <a:endParaRPr lang="en-US"/>
           </a:p>
@@ -3187,7 +3450,7 @@
           <a:p>
             <a:fld id="{EA91886C-002B-40DC-BBAF-4CA608631BA0}" type="datetimeFigureOut">
               <a:rPr lang="en-US" smtClean="0"/>
-              <a:t>2/26/2021</a:t>
+              <a:t>3/1/2021</a:t>
             </a:fld>
             <a:endParaRPr lang="en-US"/>
           </a:p>
@@ -3282,7 +3545,7 @@
           <a:p>
             <a:fld id="{EA91886C-002B-40DC-BBAF-4CA608631BA0}" type="datetimeFigureOut">
               <a:rPr lang="en-US" smtClean="0"/>
-              <a:t>2/26/2021</a:t>
+              <a:t>3/1/2021</a:t>
             </a:fld>
             <a:endParaRPr lang="en-US"/>
           </a:p>
@@ -3557,7 +3820,7 @@
           <a:p>
             <a:fld id="{EA91886C-002B-40DC-BBAF-4CA608631BA0}" type="datetimeFigureOut">
               <a:rPr lang="en-US" smtClean="0"/>
-              <a:t>2/26/2021</a:t>
+              <a:t>3/1/2021</a:t>
             </a:fld>
             <a:endParaRPr lang="en-US"/>
           </a:p>
@@ -3809,7 +4072,7 @@
           <a:p>
             <a:fld id="{EA91886C-002B-40DC-BBAF-4CA608631BA0}" type="datetimeFigureOut">
               <a:rPr lang="en-US" smtClean="0"/>
-              <a:t>2/26/2021</a:t>
+              <a:t>3/1/2021</a:t>
             </a:fld>
             <a:endParaRPr lang="en-US"/>
           </a:p>
@@ -4020,7 +4283,7 @@
           <a:p>
             <a:fld id="{EA91886C-002B-40DC-BBAF-4CA608631BA0}" type="datetimeFigureOut">
               <a:rPr lang="en-US" smtClean="0"/>
-              <a:t>2/26/2021</a:t>
+              <a:t>3/1/2021</a:t>
             </a:fld>
             <a:endParaRPr lang="en-US"/>
           </a:p>
@@ -4400,7 +4663,7 @@
           <p:cNvPr id="5" name="Picture 4">
             <a:extLst>
               <a:ext uri="{FF2B5EF4-FFF2-40B4-BE49-F238E27FC236}">
-                <a16:creationId xmlns:a16="http://schemas.microsoft.com/office/drawing/2014/main" xmlns="" id="{44BCC0B1-48EA-49D9-A91C-6152C71B8DF5}"/>
+                <a16:creationId xmlns="" xmlns:a16="http://schemas.microsoft.com/office/drawing/2014/main" id="{44BCC0B1-48EA-49D9-A91C-6152C71B8DF5}"/>
               </a:ext>
             </a:extLst>
           </p:cNvPr>
@@ -4430,7 +4693,7 @@
           <p:cNvPr id="6" name="TextBox 5">
             <a:extLst>
               <a:ext uri="{FF2B5EF4-FFF2-40B4-BE49-F238E27FC236}">
-                <a16:creationId xmlns:a16="http://schemas.microsoft.com/office/drawing/2014/main" xmlns="" id="{CD2A8DE0-B0E7-40FB-9538-60D54401A4F8}"/>
+                <a16:creationId xmlns="" xmlns:a16="http://schemas.microsoft.com/office/drawing/2014/main" id="{CD2A8DE0-B0E7-40FB-9538-60D54401A4F8}"/>
               </a:ext>
             </a:extLst>
           </p:cNvPr>
@@ -4495,11 +4758,11 @@
   <p:clrMapOvr>
     <a:masterClrMapping/>
   </p:clrMapOvr>
-  <mc:AlternateContent xmlns:mc="http://schemas.openxmlformats.org/markup-compatibility/2006">
-    <mc:Choice xmlns:p14="http://schemas.microsoft.com/office/powerpoint/2010/main" Requires="p14">
+  <mc:AlternateContent xmlns:mc="http://schemas.openxmlformats.org/markup-compatibility/2006" xmlns:p14="http://schemas.microsoft.com/office/powerpoint/2010/main">
+    <mc:Choice Requires="p14">
       <p:transition spd="slow" p14:dur="2000"/>
     </mc:Choice>
-    <mc:Fallback>
+    <mc:Fallback xmlns="">
       <p:transition spd="slow"/>
     </mc:Fallback>
   </mc:AlternateContent>
@@ -4528,7 +4791,7 @@
           <p:cNvPr id="6" name="TextBox 5">
             <a:extLst>
               <a:ext uri="{FF2B5EF4-FFF2-40B4-BE49-F238E27FC236}">
-                <a16:creationId xmlns:a16="http://schemas.microsoft.com/office/drawing/2014/main" xmlns="" id="{CD2A8DE0-B0E7-40FB-9538-60D54401A4F8}"/>
+                <a16:creationId xmlns="" xmlns:a16="http://schemas.microsoft.com/office/drawing/2014/main" id="{CD2A8DE0-B0E7-40FB-9538-60D54401A4F8}"/>
               </a:ext>
             </a:extLst>
           </p:cNvPr>
@@ -4667,7 +4930,7 @@
           <p:cNvPr id="11" name="Picture 10">
             <a:extLst>
               <a:ext uri="{FF2B5EF4-FFF2-40B4-BE49-F238E27FC236}">
-                <a16:creationId xmlns:a16="http://schemas.microsoft.com/office/drawing/2014/main" xmlns="" id="{F6164AE6-B86F-4668-B82E-2CCF243694C5}"/>
+                <a16:creationId xmlns="" xmlns:a16="http://schemas.microsoft.com/office/drawing/2014/main" id="{F6164AE6-B86F-4668-B82E-2CCF243694C5}"/>
               </a:ext>
             </a:extLst>
           </p:cNvPr>
@@ -4697,7 +4960,7 @@
           <p:cNvPr id="12" name="Rectangle 11">
             <a:extLst>
               <a:ext uri="{FF2B5EF4-FFF2-40B4-BE49-F238E27FC236}">
-                <a16:creationId xmlns:a16="http://schemas.microsoft.com/office/drawing/2014/main" xmlns="" id="{9DC85E5D-8339-4A90-8911-6572A28FAB1B}"/>
+                <a16:creationId xmlns="" xmlns:a16="http://schemas.microsoft.com/office/drawing/2014/main" id="{9DC85E5D-8339-4A90-8911-6572A28FAB1B}"/>
               </a:ext>
             </a:extLst>
           </p:cNvPr>
@@ -4751,7 +5014,7 @@
           <p:cNvPr id="13" name="Picture 8" descr="C:\Users\HuyTran\Desktop\WPF project\Paul_Circle.png">
             <a:extLst>
               <a:ext uri="{FF2B5EF4-FFF2-40B4-BE49-F238E27FC236}">
-                <a16:creationId xmlns:a16="http://schemas.microsoft.com/office/drawing/2014/main" xmlns="" id="{7709B346-3CF0-4506-B6E0-39CD18074E81}"/>
+                <a16:creationId xmlns="" xmlns:a16="http://schemas.microsoft.com/office/drawing/2014/main" id="{7709B346-3CF0-4506-B6E0-39CD18074E81}"/>
               </a:ext>
             </a:extLst>
           </p:cNvPr>
@@ -4798,7 +5061,7 @@
           <p:cNvPr id="14" name="TextBox 13">
             <a:extLst>
               <a:ext uri="{FF2B5EF4-FFF2-40B4-BE49-F238E27FC236}">
-                <a16:creationId xmlns:a16="http://schemas.microsoft.com/office/drawing/2014/main" xmlns="" id="{88CA780A-86AF-4CC5-93C8-9AA542968897}"/>
+                <a16:creationId xmlns="" xmlns:a16="http://schemas.microsoft.com/office/drawing/2014/main" id="{88CA780A-86AF-4CC5-93C8-9AA542968897}"/>
               </a:ext>
             </a:extLst>
           </p:cNvPr>
@@ -4850,7 +5113,7 @@
           <p:cNvPr id="16" name="TextBox 15">
             <a:extLst>
               <a:ext uri="{FF2B5EF4-FFF2-40B4-BE49-F238E27FC236}">
-                <a16:creationId xmlns:a16="http://schemas.microsoft.com/office/drawing/2014/main" xmlns="" id="{5AD7D250-00C2-41C7-AF99-CE4054EFC6EB}"/>
+                <a16:creationId xmlns="" xmlns:a16="http://schemas.microsoft.com/office/drawing/2014/main" id="{5AD7D250-00C2-41C7-AF99-CE4054EFC6EB}"/>
               </a:ext>
             </a:extLst>
           </p:cNvPr>
@@ -4902,7 +5165,7 @@
           <p:cNvPr id="17" name="TextBox 16">
             <a:extLst>
               <a:ext uri="{FF2B5EF4-FFF2-40B4-BE49-F238E27FC236}">
-                <a16:creationId xmlns:a16="http://schemas.microsoft.com/office/drawing/2014/main" xmlns="" id="{E74F7379-B503-4B35-946D-61820AE3A953}"/>
+                <a16:creationId xmlns="" xmlns:a16="http://schemas.microsoft.com/office/drawing/2014/main" id="{E74F7379-B503-4B35-946D-61820AE3A953}"/>
               </a:ext>
             </a:extLst>
           </p:cNvPr>
@@ -4957,7 +5220,7 @@
           <p:cNvPr id="28" name="TextBox 27">
             <a:extLst>
               <a:ext uri="{FF2B5EF4-FFF2-40B4-BE49-F238E27FC236}">
-                <a16:creationId xmlns:a16="http://schemas.microsoft.com/office/drawing/2014/main" xmlns="" id="{8F345D2C-1E4C-4A1A-8D6E-410B30EE87E6}"/>
+                <a16:creationId xmlns="" xmlns:a16="http://schemas.microsoft.com/office/drawing/2014/main" id="{8F345D2C-1E4C-4A1A-8D6E-410B30EE87E6}"/>
               </a:ext>
             </a:extLst>
           </p:cNvPr>
@@ -5081,7 +5344,7 @@
           <p:cNvPr id="53" name="TextBox 52">
             <a:extLst>
               <a:ext uri="{FF2B5EF4-FFF2-40B4-BE49-F238E27FC236}">
-                <a16:creationId xmlns:a16="http://schemas.microsoft.com/office/drawing/2014/main" xmlns="" id="{FE0AE89D-4FA9-4115-8B78-5EC058441CB9}"/>
+                <a16:creationId xmlns="" xmlns:a16="http://schemas.microsoft.com/office/drawing/2014/main" id="{FE0AE89D-4FA9-4115-8B78-5EC058441CB9}"/>
               </a:ext>
             </a:extLst>
           </p:cNvPr>
@@ -5136,7 +5399,7 @@
           <p:cNvPr id="54" name="TextBox 53">
             <a:extLst>
               <a:ext uri="{FF2B5EF4-FFF2-40B4-BE49-F238E27FC236}">
-                <a16:creationId xmlns:a16="http://schemas.microsoft.com/office/drawing/2014/main" xmlns="" id="{E05C8096-46D4-4A7C-A2B8-9D79A1BCDC32}"/>
+                <a16:creationId xmlns="" xmlns:a16="http://schemas.microsoft.com/office/drawing/2014/main" id="{E05C8096-46D4-4A7C-A2B8-9D79A1BCDC32}"/>
               </a:ext>
             </a:extLst>
           </p:cNvPr>
@@ -5191,7 +5454,7 @@
           <p:cNvPr id="55" name="Rectangle 54">
             <a:extLst>
               <a:ext uri="{FF2B5EF4-FFF2-40B4-BE49-F238E27FC236}">
-                <a16:creationId xmlns:a16="http://schemas.microsoft.com/office/drawing/2014/main" xmlns="" id="{F69AF0D9-0AAE-4E50-8597-FDBE5BA3762C}"/>
+                <a16:creationId xmlns="" xmlns:a16="http://schemas.microsoft.com/office/drawing/2014/main" id="{F69AF0D9-0AAE-4E50-8597-FDBE5BA3762C}"/>
               </a:ext>
             </a:extLst>
           </p:cNvPr>
@@ -5237,7 +5500,7 @@
           <p:cNvPr id="56" name="Rectangle 55">
             <a:extLst>
               <a:ext uri="{FF2B5EF4-FFF2-40B4-BE49-F238E27FC236}">
-                <a16:creationId xmlns:a16="http://schemas.microsoft.com/office/drawing/2014/main" xmlns="" id="{D1AFC196-8286-44EA-B141-AB550462EA4C}"/>
+                <a16:creationId xmlns="" xmlns:a16="http://schemas.microsoft.com/office/drawing/2014/main" id="{D1AFC196-8286-44EA-B141-AB550462EA4C}"/>
               </a:ext>
             </a:extLst>
           </p:cNvPr>
@@ -5283,7 +5546,7 @@
           <p:cNvPr id="57" name="Rectangle 56">
             <a:extLst>
               <a:ext uri="{FF2B5EF4-FFF2-40B4-BE49-F238E27FC236}">
-                <a16:creationId xmlns:a16="http://schemas.microsoft.com/office/drawing/2014/main" xmlns="" id="{93F1A291-15A0-4EEE-A517-C4C056E66505}"/>
+                <a16:creationId xmlns="" xmlns:a16="http://schemas.microsoft.com/office/drawing/2014/main" id="{93F1A291-15A0-4EEE-A517-C4C056E66505}"/>
               </a:ext>
             </a:extLst>
           </p:cNvPr>
@@ -5343,7 +5606,7 @@
           <p:cNvPr id="58" name="Rectangle 57">
             <a:extLst>
               <a:ext uri="{FF2B5EF4-FFF2-40B4-BE49-F238E27FC236}">
-                <a16:creationId xmlns:a16="http://schemas.microsoft.com/office/drawing/2014/main" xmlns="" id="{C313D5D0-14D9-4013-A702-8F05786AB4A7}"/>
+                <a16:creationId xmlns="" xmlns:a16="http://schemas.microsoft.com/office/drawing/2014/main" id="{C313D5D0-14D9-4013-A702-8F05786AB4A7}"/>
               </a:ext>
             </a:extLst>
           </p:cNvPr>
@@ -5417,7 +5680,7 @@
           <p:cNvPr id="61" name="TextBox 60">
             <a:extLst>
               <a:ext uri="{FF2B5EF4-FFF2-40B4-BE49-F238E27FC236}">
-                <a16:creationId xmlns:a16="http://schemas.microsoft.com/office/drawing/2014/main" xmlns="" id="{BE490A08-29E0-4571-9E90-06F47C84DC9B}"/>
+                <a16:creationId xmlns="" xmlns:a16="http://schemas.microsoft.com/office/drawing/2014/main" id="{BE490A08-29E0-4571-9E90-06F47C84DC9B}"/>
               </a:ext>
             </a:extLst>
           </p:cNvPr>
@@ -5472,7 +5735,7 @@
           <p:cNvPr id="62" name="Rectangle 61">
             <a:extLst>
               <a:ext uri="{FF2B5EF4-FFF2-40B4-BE49-F238E27FC236}">
-                <a16:creationId xmlns:a16="http://schemas.microsoft.com/office/drawing/2014/main" xmlns="" id="{6E234CCF-F0D4-4828-A7E0-AD8DBE9D5157}"/>
+                <a16:creationId xmlns="" xmlns:a16="http://schemas.microsoft.com/office/drawing/2014/main" id="{6E234CCF-F0D4-4828-A7E0-AD8DBE9D5157}"/>
               </a:ext>
             </a:extLst>
           </p:cNvPr>
@@ -5518,7 +5781,7 @@
           <p:cNvPr id="3" name="Oval 2">
             <a:extLst>
               <a:ext uri="{FF2B5EF4-FFF2-40B4-BE49-F238E27FC236}">
-                <a16:creationId xmlns:a16="http://schemas.microsoft.com/office/drawing/2014/main" xmlns="" id="{9C9318B9-81FA-44F8-BD03-3CBF4DC51669}"/>
+                <a16:creationId xmlns="" xmlns:a16="http://schemas.microsoft.com/office/drawing/2014/main" id="{9C9318B9-81FA-44F8-BD03-3CBF4DC51669}"/>
               </a:ext>
             </a:extLst>
           </p:cNvPr>
@@ -5572,7 +5835,7 @@
           <p:cNvPr id="35" name="Picture 2" descr="IRSATIM 150">
             <a:extLst>
               <a:ext uri="{FF2B5EF4-FFF2-40B4-BE49-F238E27FC236}">
-                <a16:creationId xmlns:a16="http://schemas.microsoft.com/office/drawing/2014/main" xmlns="" id="{45CC87D4-4A93-4FC5-8D67-29873A5D5646}"/>
+                <a16:creationId xmlns="" xmlns:a16="http://schemas.microsoft.com/office/drawing/2014/main" id="{45CC87D4-4A93-4FC5-8D67-29873A5D5646}"/>
               </a:ext>
             </a:extLst>
           </p:cNvPr>
@@ -5628,7 +5891,7 @@
           <p:cNvPr id="32" name="Table 3">
             <a:extLst>
               <a:ext uri="{FF2B5EF4-FFF2-40B4-BE49-F238E27FC236}">
-                <a16:creationId xmlns:a16="http://schemas.microsoft.com/office/drawing/2014/main" xmlns="" id="{E2B93BB1-F878-4887-AFF7-810053AD9779}"/>
+                <a16:creationId xmlns="" xmlns:a16="http://schemas.microsoft.com/office/drawing/2014/main" id="{E2B93BB1-F878-4887-AFF7-810053AD9779}"/>
               </a:ext>
             </a:extLst>
           </p:cNvPr>
@@ -5657,42 +5920,42 @@
                 <a:gridCol w="1387470">
                   <a:extLst>
                     <a:ext uri="{9D8B030D-6E8A-4147-A177-3AD203B41FA5}">
-                      <a16:colId xmlns:a16="http://schemas.microsoft.com/office/drawing/2014/main" xmlns="" val="3679797539"/>
+                      <a16:colId xmlns="" xmlns:a16="http://schemas.microsoft.com/office/drawing/2014/main" val="3679797539"/>
                     </a:ext>
                   </a:extLst>
                 </a:gridCol>
                 <a:gridCol w="1387470">
                   <a:extLst>
                     <a:ext uri="{9D8B030D-6E8A-4147-A177-3AD203B41FA5}">
-                      <a16:colId xmlns:a16="http://schemas.microsoft.com/office/drawing/2014/main" xmlns="" val="4188008786"/>
+                      <a16:colId xmlns="" xmlns:a16="http://schemas.microsoft.com/office/drawing/2014/main" val="4188008786"/>
                     </a:ext>
                   </a:extLst>
                 </a:gridCol>
                 <a:gridCol w="1387470">
                   <a:extLst>
                     <a:ext uri="{9D8B030D-6E8A-4147-A177-3AD203B41FA5}">
-                      <a16:colId xmlns:a16="http://schemas.microsoft.com/office/drawing/2014/main" xmlns="" val="3214238948"/>
+                      <a16:colId xmlns="" xmlns:a16="http://schemas.microsoft.com/office/drawing/2014/main" val="3214238948"/>
                     </a:ext>
                   </a:extLst>
                 </a:gridCol>
                 <a:gridCol w="1387470">
                   <a:extLst>
                     <a:ext uri="{9D8B030D-6E8A-4147-A177-3AD203B41FA5}">
-                      <a16:colId xmlns:a16="http://schemas.microsoft.com/office/drawing/2014/main" xmlns="" val="1291486487"/>
+                      <a16:colId xmlns="" xmlns:a16="http://schemas.microsoft.com/office/drawing/2014/main" val="1291486487"/>
                     </a:ext>
                   </a:extLst>
                 </a:gridCol>
                 <a:gridCol w="1387470">
                   <a:extLst>
                     <a:ext uri="{9D8B030D-6E8A-4147-A177-3AD203B41FA5}">
-                      <a16:colId xmlns:a16="http://schemas.microsoft.com/office/drawing/2014/main" xmlns="" val="4284112643"/>
+                      <a16:colId xmlns="" xmlns:a16="http://schemas.microsoft.com/office/drawing/2014/main" val="4284112643"/>
                     </a:ext>
                   </a:extLst>
                 </a:gridCol>
                 <a:gridCol w="1387470">
                   <a:extLst>
                     <a:ext uri="{9D8B030D-6E8A-4147-A177-3AD203B41FA5}">
-                      <a16:colId xmlns:a16="http://schemas.microsoft.com/office/drawing/2014/main" xmlns="" val="3117914522"/>
+                      <a16:colId xmlns="" xmlns:a16="http://schemas.microsoft.com/office/drawing/2014/main" val="3117914522"/>
                     </a:ext>
                   </a:extLst>
                 </a:gridCol>
@@ -5861,7 +6124,7 @@
                 </a:tc>
                 <a:extLst>
                   <a:ext uri="{0D108BD9-81ED-4DB2-BD59-A6C34878D82A}">
-                    <a16:rowId xmlns:a16="http://schemas.microsoft.com/office/drawing/2014/main" xmlns="" val="652390980"/>
+                    <a16:rowId xmlns="" xmlns:a16="http://schemas.microsoft.com/office/drawing/2014/main" val="652390980"/>
                   </a:ext>
                 </a:extLst>
               </a:tr>
@@ -5988,7 +6251,7 @@
                 </a:tc>
                 <a:extLst>
                   <a:ext uri="{0D108BD9-81ED-4DB2-BD59-A6C34878D82A}">
-                    <a16:rowId xmlns:a16="http://schemas.microsoft.com/office/drawing/2014/main" xmlns="" val="730336656"/>
+                    <a16:rowId xmlns="" xmlns:a16="http://schemas.microsoft.com/office/drawing/2014/main" val="730336656"/>
                   </a:ext>
                 </a:extLst>
               </a:tr>
@@ -6118,7 +6381,7 @@
                 </a:tc>
                 <a:extLst>
                   <a:ext uri="{0D108BD9-81ED-4DB2-BD59-A6C34878D82A}">
-                    <a16:rowId xmlns:a16="http://schemas.microsoft.com/office/drawing/2014/main" xmlns="" val="2897143220"/>
+                    <a16:rowId xmlns="" xmlns:a16="http://schemas.microsoft.com/office/drawing/2014/main" val="2897143220"/>
                   </a:ext>
                 </a:extLst>
               </a:tr>
@@ -6227,7 +6490,7 @@
                 </a:tc>
                 <a:extLst>
                   <a:ext uri="{0D108BD9-81ED-4DB2-BD59-A6C34878D82A}">
-                    <a16:rowId xmlns:a16="http://schemas.microsoft.com/office/drawing/2014/main" xmlns="" val="378457201"/>
+                    <a16:rowId xmlns="" xmlns:a16="http://schemas.microsoft.com/office/drawing/2014/main" val="378457201"/>
                   </a:ext>
                 </a:extLst>
               </a:tr>
@@ -6240,7 +6503,7 @@
           <p:cNvPr id="33" name="Picture 8" descr="C:\Users\HuyTran\Desktop\WPF project\Paul_Circle.png">
             <a:extLst>
               <a:ext uri="{FF2B5EF4-FFF2-40B4-BE49-F238E27FC236}">
-                <a16:creationId xmlns:a16="http://schemas.microsoft.com/office/drawing/2014/main" xmlns="" id="{32195FC0-28CD-4790-A24C-49F04CE18E57}"/>
+                <a16:creationId xmlns="" xmlns:a16="http://schemas.microsoft.com/office/drawing/2014/main" id="{32195FC0-28CD-4790-A24C-49F04CE18E57}"/>
               </a:ext>
             </a:extLst>
           </p:cNvPr>
@@ -6287,7 +6550,7 @@
           <p:cNvPr id="41" name="Picture 40">
             <a:extLst>
               <a:ext uri="{FF2B5EF4-FFF2-40B4-BE49-F238E27FC236}">
-                <a16:creationId xmlns:a16="http://schemas.microsoft.com/office/drawing/2014/main" xmlns="" id="{8046200F-BFB6-44F6-9BA4-2962423B01FB}"/>
+                <a16:creationId xmlns="" xmlns:a16="http://schemas.microsoft.com/office/drawing/2014/main" id="{8046200F-BFB6-44F6-9BA4-2962423B01FB}"/>
               </a:ext>
             </a:extLst>
           </p:cNvPr>
@@ -6323,7 +6586,7 @@
           <p:cNvPr id="43" name="Picture 42">
             <a:extLst>
               <a:ext uri="{FF2B5EF4-FFF2-40B4-BE49-F238E27FC236}">
-                <a16:creationId xmlns:a16="http://schemas.microsoft.com/office/drawing/2014/main" xmlns="" id="{D16D08E2-E856-4E0C-9AF4-2A5EADD25C26}"/>
+                <a16:creationId xmlns="" xmlns:a16="http://schemas.microsoft.com/office/drawing/2014/main" id="{D16D08E2-E856-4E0C-9AF4-2A5EADD25C26}"/>
               </a:ext>
             </a:extLst>
           </p:cNvPr>
@@ -6359,7 +6622,7 @@
           <p:cNvPr id="44" name="Picture 8" descr="C:\Users\HuyTran\Desktop\WPF project\Paul_Circle.png">
             <a:extLst>
               <a:ext uri="{FF2B5EF4-FFF2-40B4-BE49-F238E27FC236}">
-                <a16:creationId xmlns:a16="http://schemas.microsoft.com/office/drawing/2014/main" xmlns="" id="{6C5005F2-AD03-4FBF-A55A-F95E95E16E0F}"/>
+                <a16:creationId xmlns="" xmlns:a16="http://schemas.microsoft.com/office/drawing/2014/main" id="{6C5005F2-AD03-4FBF-A55A-F95E95E16E0F}"/>
               </a:ext>
             </a:extLst>
           </p:cNvPr>
@@ -6406,7 +6669,7 @@
           <p:cNvPr id="45" name="TextBox 44">
             <a:extLst>
               <a:ext uri="{FF2B5EF4-FFF2-40B4-BE49-F238E27FC236}">
-                <a16:creationId xmlns:a16="http://schemas.microsoft.com/office/drawing/2014/main" xmlns="" id="{CB50F9E7-6FDA-46FA-BDB9-58270F195A10}"/>
+                <a16:creationId xmlns="" xmlns:a16="http://schemas.microsoft.com/office/drawing/2014/main" id="{CB50F9E7-6FDA-46FA-BDB9-58270F195A10}"/>
               </a:ext>
             </a:extLst>
           </p:cNvPr>
@@ -6485,7 +6748,7 @@
           <p:cNvPr id="27" name="Picture 26">
             <a:extLst>
               <a:ext uri="{FF2B5EF4-FFF2-40B4-BE49-F238E27FC236}">
-                <a16:creationId xmlns:a16="http://schemas.microsoft.com/office/drawing/2014/main" xmlns="" id="{F8233DEE-CB43-4357-9797-CF14F6FA1001}"/>
+                <a16:creationId xmlns="" xmlns:a16="http://schemas.microsoft.com/office/drawing/2014/main" id="{F8233DEE-CB43-4357-9797-CF14F6FA1001}"/>
               </a:ext>
             </a:extLst>
           </p:cNvPr>
@@ -6521,7 +6784,7 @@
           <p:cNvPr id="29" name="Rectangle 28">
             <a:extLst>
               <a:ext uri="{FF2B5EF4-FFF2-40B4-BE49-F238E27FC236}">
-                <a16:creationId xmlns:a16="http://schemas.microsoft.com/office/drawing/2014/main" xmlns="" id="{B016A826-C07C-4935-8309-3A8C25F43B25}"/>
+                <a16:creationId xmlns="" xmlns:a16="http://schemas.microsoft.com/office/drawing/2014/main" id="{B016A826-C07C-4935-8309-3A8C25F43B25}"/>
               </a:ext>
             </a:extLst>
           </p:cNvPr>
@@ -6600,11 +6863,11 @@
   <p:clrMapOvr>
     <a:masterClrMapping/>
   </p:clrMapOvr>
-  <mc:AlternateContent xmlns:mc="http://schemas.openxmlformats.org/markup-compatibility/2006">
-    <mc:Choice xmlns:p14="http://schemas.microsoft.com/office/powerpoint/2010/main" Requires="p14">
+  <mc:AlternateContent xmlns:mc="http://schemas.openxmlformats.org/markup-compatibility/2006" xmlns:p14="http://schemas.microsoft.com/office/powerpoint/2010/main">
+    <mc:Choice Requires="p14">
       <p:transition spd="slow" p14:dur="2000"/>
     </mc:Choice>
-    <mc:Fallback>
+    <mc:Fallback xmlns="">
       <p:transition spd="slow"/>
     </mc:Fallback>
   </mc:AlternateContent>
@@ -6633,7 +6896,7 @@
           <p:cNvPr id="6" name="TextBox 5">
             <a:extLst>
               <a:ext uri="{FF2B5EF4-FFF2-40B4-BE49-F238E27FC236}">
-                <a16:creationId xmlns:a16="http://schemas.microsoft.com/office/drawing/2014/main" xmlns="" id="{CD2A8DE0-B0E7-40FB-9538-60D54401A4F8}"/>
+                <a16:creationId xmlns="" xmlns:a16="http://schemas.microsoft.com/office/drawing/2014/main" id="{CD2A8DE0-B0E7-40FB-9538-60D54401A4F8}"/>
               </a:ext>
             </a:extLst>
           </p:cNvPr>
@@ -6760,7 +7023,7 @@
           <p:cNvPr id="11" name="Picture 10">
             <a:extLst>
               <a:ext uri="{FF2B5EF4-FFF2-40B4-BE49-F238E27FC236}">
-                <a16:creationId xmlns:a16="http://schemas.microsoft.com/office/drawing/2014/main" xmlns="" id="{F6164AE6-B86F-4668-B82E-2CCF243694C5}"/>
+                <a16:creationId xmlns="" xmlns:a16="http://schemas.microsoft.com/office/drawing/2014/main" id="{F6164AE6-B86F-4668-B82E-2CCF243694C5}"/>
               </a:ext>
             </a:extLst>
           </p:cNvPr>
@@ -6790,7 +7053,7 @@
           <p:cNvPr id="41" name="Rectangle 40">
             <a:extLst>
               <a:ext uri="{FF2B5EF4-FFF2-40B4-BE49-F238E27FC236}">
-                <a16:creationId xmlns:a16="http://schemas.microsoft.com/office/drawing/2014/main" xmlns="" id="{E81BDFDF-A2C2-47AD-8D90-A0FE79376AA6}"/>
+                <a16:creationId xmlns="" xmlns:a16="http://schemas.microsoft.com/office/drawing/2014/main" id="{E81BDFDF-A2C2-47AD-8D90-A0FE79376AA6}"/>
               </a:ext>
             </a:extLst>
           </p:cNvPr>
@@ -6868,7 +7131,7 @@
           <p:cNvPr id="43" name="TextBox 42">
             <a:extLst>
               <a:ext uri="{FF2B5EF4-FFF2-40B4-BE49-F238E27FC236}">
-                <a16:creationId xmlns:a16="http://schemas.microsoft.com/office/drawing/2014/main" xmlns="" id="{F43B97D8-23B6-4B2F-AE82-8C0B2E7C3495}"/>
+                <a16:creationId xmlns="" xmlns:a16="http://schemas.microsoft.com/office/drawing/2014/main" id="{F43B97D8-23B6-4B2F-AE82-8C0B2E7C3495}"/>
               </a:ext>
             </a:extLst>
           </p:cNvPr>
@@ -6992,7 +7255,7 @@
           <p:cNvPr id="3" name="Table 3">
             <a:extLst>
               <a:ext uri="{FF2B5EF4-FFF2-40B4-BE49-F238E27FC236}">
-                <a16:creationId xmlns:a16="http://schemas.microsoft.com/office/drawing/2014/main" xmlns="" id="{9B423CCB-E8FB-4CDB-A31C-9E89725D6698}"/>
+                <a16:creationId xmlns="" xmlns:a16="http://schemas.microsoft.com/office/drawing/2014/main" id="{9B423CCB-E8FB-4CDB-A31C-9E89725D6698}"/>
               </a:ext>
             </a:extLst>
           </p:cNvPr>
@@ -7021,35 +7284,35 @@
                 <a:gridCol w="1409816">
                   <a:extLst>
                     <a:ext uri="{9D8B030D-6E8A-4147-A177-3AD203B41FA5}">
-                      <a16:colId xmlns:a16="http://schemas.microsoft.com/office/drawing/2014/main" xmlns="" val="3679797539"/>
+                      <a16:colId xmlns="" xmlns:a16="http://schemas.microsoft.com/office/drawing/2014/main" val="3679797539"/>
                     </a:ext>
                   </a:extLst>
                 </a:gridCol>
                 <a:gridCol w="1409816">
                   <a:extLst>
                     <a:ext uri="{9D8B030D-6E8A-4147-A177-3AD203B41FA5}">
-                      <a16:colId xmlns:a16="http://schemas.microsoft.com/office/drawing/2014/main" xmlns="" val="4188008786"/>
+                      <a16:colId xmlns="" xmlns:a16="http://schemas.microsoft.com/office/drawing/2014/main" val="4188008786"/>
                     </a:ext>
                   </a:extLst>
                 </a:gridCol>
                 <a:gridCol w="1409816">
                   <a:extLst>
                     <a:ext uri="{9D8B030D-6E8A-4147-A177-3AD203B41FA5}">
-                      <a16:colId xmlns:a16="http://schemas.microsoft.com/office/drawing/2014/main" xmlns="" val="3214238948"/>
+                      <a16:colId xmlns="" xmlns:a16="http://schemas.microsoft.com/office/drawing/2014/main" val="3214238948"/>
                     </a:ext>
                   </a:extLst>
                 </a:gridCol>
                 <a:gridCol w="2819632">
                   <a:extLst>
                     <a:ext uri="{9D8B030D-6E8A-4147-A177-3AD203B41FA5}">
-                      <a16:colId xmlns:a16="http://schemas.microsoft.com/office/drawing/2014/main" xmlns="" val="1291486487"/>
+                      <a16:colId xmlns="" xmlns:a16="http://schemas.microsoft.com/office/drawing/2014/main" val="1291486487"/>
                     </a:ext>
                   </a:extLst>
                 </a:gridCol>
                 <a:gridCol w="1409816">
                   <a:extLst>
                     <a:ext uri="{9D8B030D-6E8A-4147-A177-3AD203B41FA5}">
-                      <a16:colId xmlns:a16="http://schemas.microsoft.com/office/drawing/2014/main" xmlns="" val="3117914522"/>
+                      <a16:colId xmlns="" xmlns:a16="http://schemas.microsoft.com/office/drawing/2014/main" val="3117914522"/>
                     </a:ext>
                   </a:extLst>
                 </a:gridCol>
@@ -7186,7 +7449,7 @@
                 </a:tc>
                 <a:extLst>
                   <a:ext uri="{0D108BD9-81ED-4DB2-BD59-A6C34878D82A}">
-                    <a16:rowId xmlns:a16="http://schemas.microsoft.com/office/drawing/2014/main" xmlns="" val="652390980"/>
+                    <a16:rowId xmlns="" xmlns:a16="http://schemas.microsoft.com/office/drawing/2014/main" val="652390980"/>
                   </a:ext>
                 </a:extLst>
               </a:tr>
@@ -7293,7 +7556,7 @@
                 </a:tc>
                 <a:extLst>
                   <a:ext uri="{0D108BD9-81ED-4DB2-BD59-A6C34878D82A}">
-                    <a16:rowId xmlns:a16="http://schemas.microsoft.com/office/drawing/2014/main" xmlns="" val="730336656"/>
+                    <a16:rowId xmlns="" xmlns:a16="http://schemas.microsoft.com/office/drawing/2014/main" val="730336656"/>
                   </a:ext>
                 </a:extLst>
               </a:tr>
@@ -7419,7 +7682,7 @@
                 </a:tc>
                 <a:extLst>
                   <a:ext uri="{0D108BD9-81ED-4DB2-BD59-A6C34878D82A}">
-                    <a16:rowId xmlns:a16="http://schemas.microsoft.com/office/drawing/2014/main" xmlns="" val="2897143220"/>
+                    <a16:rowId xmlns="" xmlns:a16="http://schemas.microsoft.com/office/drawing/2014/main" val="2897143220"/>
                   </a:ext>
                 </a:extLst>
               </a:tr>
@@ -7432,7 +7695,7 @@
           <p:cNvPr id="13" name="Picture 8" descr="C:\Users\HuyTran\Desktop\WPF project\Paul_Circle.png">
             <a:extLst>
               <a:ext uri="{FF2B5EF4-FFF2-40B4-BE49-F238E27FC236}">
-                <a16:creationId xmlns:a16="http://schemas.microsoft.com/office/drawing/2014/main" xmlns="" id="{7709B346-3CF0-4506-B6E0-39CD18074E81}"/>
+                <a16:creationId xmlns="" xmlns:a16="http://schemas.microsoft.com/office/drawing/2014/main" id="{7709B346-3CF0-4506-B6E0-39CD18074E81}"/>
               </a:ext>
             </a:extLst>
           </p:cNvPr>
@@ -7479,7 +7742,7 @@
           <p:cNvPr id="31" name="Picture 8" descr="C:\Users\HuyTran\Desktop\WPF project\Paul_Circle.png">
             <a:extLst>
               <a:ext uri="{FF2B5EF4-FFF2-40B4-BE49-F238E27FC236}">
-                <a16:creationId xmlns:a16="http://schemas.microsoft.com/office/drawing/2014/main" xmlns="" id="{9D463E07-0A4D-4B8D-850A-7D52CDDFB46C}"/>
+                <a16:creationId xmlns="" xmlns:a16="http://schemas.microsoft.com/office/drawing/2014/main" id="{9D463E07-0A4D-4B8D-850A-7D52CDDFB46C}"/>
               </a:ext>
             </a:extLst>
           </p:cNvPr>
@@ -7526,7 +7789,7 @@
           <p:cNvPr id="7" name="Picture 6">
             <a:extLst>
               <a:ext uri="{FF2B5EF4-FFF2-40B4-BE49-F238E27FC236}">
-                <a16:creationId xmlns:a16="http://schemas.microsoft.com/office/drawing/2014/main" xmlns="" id="{798CD5D1-9D70-45D6-834A-50850E654654}"/>
+                <a16:creationId xmlns="" xmlns:a16="http://schemas.microsoft.com/office/drawing/2014/main" id="{798CD5D1-9D70-45D6-834A-50850E654654}"/>
               </a:ext>
             </a:extLst>
           </p:cNvPr>
@@ -7561,7 +7824,7 @@
           <p:cNvPr id="9" name="Picture 8">
             <a:extLst>
               <a:ext uri="{FF2B5EF4-FFF2-40B4-BE49-F238E27FC236}">
-                <a16:creationId xmlns:a16="http://schemas.microsoft.com/office/drawing/2014/main" xmlns="" id="{EBB267E1-41AD-45A6-B6C2-FAA07AAB8FB6}"/>
+                <a16:creationId xmlns="" xmlns:a16="http://schemas.microsoft.com/office/drawing/2014/main" id="{EBB267E1-41AD-45A6-B6C2-FAA07AAB8FB6}"/>
               </a:ext>
             </a:extLst>
           </p:cNvPr>
@@ -7597,7 +7860,7 @@
           <p:cNvPr id="14" name="Picture 14" descr="C:\Users\HuyTran\Desktop\WPF project\customerManager.png">
             <a:extLst>
               <a:ext uri="{FF2B5EF4-FFF2-40B4-BE49-F238E27FC236}">
-                <a16:creationId xmlns:a16="http://schemas.microsoft.com/office/drawing/2014/main" xmlns="" id="{41B28C13-A5DB-4748-85A8-315AD602B8E1}"/>
+                <a16:creationId xmlns="" xmlns:a16="http://schemas.microsoft.com/office/drawing/2014/main" id="{41B28C13-A5DB-4748-85A8-315AD602B8E1}"/>
               </a:ext>
             </a:extLst>
           </p:cNvPr>
@@ -7644,7 +7907,7 @@
           <p:cNvPr id="15" name="TextBox 14">
             <a:extLst>
               <a:ext uri="{FF2B5EF4-FFF2-40B4-BE49-F238E27FC236}">
-                <a16:creationId xmlns:a16="http://schemas.microsoft.com/office/drawing/2014/main" xmlns="" id="{DFF33260-D293-48CF-9E85-A78DF93A80C5}"/>
+                <a16:creationId xmlns="" xmlns:a16="http://schemas.microsoft.com/office/drawing/2014/main" id="{DFF33260-D293-48CF-9E85-A78DF93A80C5}"/>
               </a:ext>
             </a:extLst>
           </p:cNvPr>
@@ -7700,7 +7963,7 @@
           <p:cNvPr id="16" name="Rectangle 15">
             <a:extLst>
               <a:ext uri="{FF2B5EF4-FFF2-40B4-BE49-F238E27FC236}">
-                <a16:creationId xmlns:a16="http://schemas.microsoft.com/office/drawing/2014/main" xmlns="" id="{26A7CF91-3D87-4389-9922-B6915A57A790}"/>
+                <a16:creationId xmlns="" xmlns:a16="http://schemas.microsoft.com/office/drawing/2014/main" id="{26A7CF91-3D87-4389-9922-B6915A57A790}"/>
               </a:ext>
             </a:extLst>
           </p:cNvPr>
@@ -7746,7 +8009,7 @@
           <p:cNvPr id="4" name="Picture 3">
             <a:extLst>
               <a:ext uri="{FF2B5EF4-FFF2-40B4-BE49-F238E27FC236}">
-                <a16:creationId xmlns:a16="http://schemas.microsoft.com/office/drawing/2014/main" xmlns="" id="{003F4C48-9750-4D9A-A4E6-B98DEE8A85F1}"/>
+                <a16:creationId xmlns="" xmlns:a16="http://schemas.microsoft.com/office/drawing/2014/main" id="{003F4C48-9750-4D9A-A4E6-B98DEE8A85F1}"/>
               </a:ext>
             </a:extLst>
           </p:cNvPr>
@@ -7781,7 +8044,7 @@
           <p:cNvPr id="19" name="Picture 18">
             <a:extLst>
               <a:ext uri="{FF2B5EF4-FFF2-40B4-BE49-F238E27FC236}">
-                <a16:creationId xmlns:a16="http://schemas.microsoft.com/office/drawing/2014/main" xmlns="" id="{C1C11DF2-AD5A-40D1-A80B-AF0CC98DE87A}"/>
+                <a16:creationId xmlns="" xmlns:a16="http://schemas.microsoft.com/office/drawing/2014/main" id="{C1C11DF2-AD5A-40D1-A80B-AF0CC98DE87A}"/>
               </a:ext>
             </a:extLst>
           </p:cNvPr>
@@ -7816,7 +8079,7 @@
           <p:cNvPr id="20" name="Picture 19">
             <a:extLst>
               <a:ext uri="{FF2B5EF4-FFF2-40B4-BE49-F238E27FC236}">
-                <a16:creationId xmlns:a16="http://schemas.microsoft.com/office/drawing/2014/main" xmlns="" id="{A1E27E13-D052-4757-96D9-B148BE0701D0}"/>
+                <a16:creationId xmlns="" xmlns:a16="http://schemas.microsoft.com/office/drawing/2014/main" id="{A1E27E13-D052-4757-96D9-B148BE0701D0}"/>
               </a:ext>
             </a:extLst>
           </p:cNvPr>
@@ -7852,7 +8115,7 @@
           <p:cNvPr id="21" name="Picture 20">
             <a:extLst>
               <a:ext uri="{FF2B5EF4-FFF2-40B4-BE49-F238E27FC236}">
-                <a16:creationId xmlns:a16="http://schemas.microsoft.com/office/drawing/2014/main" xmlns="" id="{32A8615D-F6AB-4A25-8E87-66207969E1E3}"/>
+                <a16:creationId xmlns="" xmlns:a16="http://schemas.microsoft.com/office/drawing/2014/main" id="{32A8615D-F6AB-4A25-8E87-66207969E1E3}"/>
               </a:ext>
             </a:extLst>
           </p:cNvPr>
@@ -7892,11 +8155,11 @@
   <p:clrMapOvr>
     <a:masterClrMapping/>
   </p:clrMapOvr>
-  <mc:AlternateContent xmlns:mc="http://schemas.openxmlformats.org/markup-compatibility/2006">
-    <mc:Choice xmlns:p14="http://schemas.microsoft.com/office/powerpoint/2010/main" Requires="p14">
+  <mc:AlternateContent xmlns:mc="http://schemas.openxmlformats.org/markup-compatibility/2006" xmlns:p14="http://schemas.microsoft.com/office/powerpoint/2010/main">
+    <mc:Choice Requires="p14">
       <p:transition spd="slow" p14:dur="2000"/>
     </mc:Choice>
-    <mc:Fallback>
+    <mc:Fallback xmlns="">
       <p:transition spd="slow"/>
     </mc:Fallback>
   </mc:AlternateContent>
@@ -7925,7 +8188,7 @@
           <p:cNvPr id="6" name="TextBox 5">
             <a:extLst>
               <a:ext uri="{FF2B5EF4-FFF2-40B4-BE49-F238E27FC236}">
-                <a16:creationId xmlns:a16="http://schemas.microsoft.com/office/drawing/2014/main" xmlns="" id="{CD2A8DE0-B0E7-40FB-9538-60D54401A4F8}"/>
+                <a16:creationId xmlns="" xmlns:a16="http://schemas.microsoft.com/office/drawing/2014/main" id="{CD2A8DE0-B0E7-40FB-9538-60D54401A4F8}"/>
               </a:ext>
             </a:extLst>
           </p:cNvPr>
@@ -8013,7 +8276,7 @@
           <p:cNvPr id="11" name="Picture 10">
             <a:extLst>
               <a:ext uri="{FF2B5EF4-FFF2-40B4-BE49-F238E27FC236}">
-                <a16:creationId xmlns:a16="http://schemas.microsoft.com/office/drawing/2014/main" xmlns="" id="{F6164AE6-B86F-4668-B82E-2CCF243694C5}"/>
+                <a16:creationId xmlns="" xmlns:a16="http://schemas.microsoft.com/office/drawing/2014/main" id="{F6164AE6-B86F-4668-B82E-2CCF243694C5}"/>
               </a:ext>
             </a:extLst>
           </p:cNvPr>
@@ -8043,7 +8306,7 @@
           <p:cNvPr id="12" name="Rectangle 11">
             <a:extLst>
               <a:ext uri="{FF2B5EF4-FFF2-40B4-BE49-F238E27FC236}">
-                <a16:creationId xmlns:a16="http://schemas.microsoft.com/office/drawing/2014/main" xmlns="" id="{9DC85E5D-8339-4A90-8911-6572A28FAB1B}"/>
+                <a16:creationId xmlns="" xmlns:a16="http://schemas.microsoft.com/office/drawing/2014/main" id="{9DC85E5D-8339-4A90-8911-6572A28FAB1B}"/>
               </a:ext>
             </a:extLst>
           </p:cNvPr>
@@ -8097,7 +8360,7 @@
           <p:cNvPr id="13" name="Picture 8" descr="C:\Users\HuyTran\Desktop\WPF project\Paul_Circle.png">
             <a:extLst>
               <a:ext uri="{FF2B5EF4-FFF2-40B4-BE49-F238E27FC236}">
-                <a16:creationId xmlns:a16="http://schemas.microsoft.com/office/drawing/2014/main" xmlns="" id="{7709B346-3CF0-4506-B6E0-39CD18074E81}"/>
+                <a16:creationId xmlns="" xmlns:a16="http://schemas.microsoft.com/office/drawing/2014/main" id="{7709B346-3CF0-4506-B6E0-39CD18074E81}"/>
               </a:ext>
             </a:extLst>
           </p:cNvPr>
@@ -8144,7 +8407,7 @@
           <p:cNvPr id="14" name="TextBox 13">
             <a:extLst>
               <a:ext uri="{FF2B5EF4-FFF2-40B4-BE49-F238E27FC236}">
-                <a16:creationId xmlns:a16="http://schemas.microsoft.com/office/drawing/2014/main" xmlns="" id="{88CA780A-86AF-4CC5-93C8-9AA542968897}"/>
+                <a16:creationId xmlns="" xmlns:a16="http://schemas.microsoft.com/office/drawing/2014/main" id="{88CA780A-86AF-4CC5-93C8-9AA542968897}"/>
               </a:ext>
             </a:extLst>
           </p:cNvPr>
@@ -8196,7 +8459,7 @@
           <p:cNvPr id="17" name="TextBox 16">
             <a:extLst>
               <a:ext uri="{FF2B5EF4-FFF2-40B4-BE49-F238E27FC236}">
-                <a16:creationId xmlns:a16="http://schemas.microsoft.com/office/drawing/2014/main" xmlns="" id="{E74F7379-B503-4B35-946D-61820AE3A953}"/>
+                <a16:creationId xmlns="" xmlns:a16="http://schemas.microsoft.com/office/drawing/2014/main" id="{E74F7379-B503-4B35-946D-61820AE3A953}"/>
               </a:ext>
             </a:extLst>
           </p:cNvPr>
@@ -8251,7 +8514,7 @@
           <p:cNvPr id="18" name="TextBox 17">
             <a:extLst>
               <a:ext uri="{FF2B5EF4-FFF2-40B4-BE49-F238E27FC236}">
-                <a16:creationId xmlns:a16="http://schemas.microsoft.com/office/drawing/2014/main" xmlns="" id="{DDEA07C1-E0BC-44D5-97BC-55487ACFA934}"/>
+                <a16:creationId xmlns="" xmlns:a16="http://schemas.microsoft.com/office/drawing/2014/main" id="{DDEA07C1-E0BC-44D5-97BC-55487ACFA934}"/>
               </a:ext>
             </a:extLst>
           </p:cNvPr>
@@ -8306,7 +8569,7 @@
           <p:cNvPr id="19" name="TextBox 18">
             <a:extLst>
               <a:ext uri="{FF2B5EF4-FFF2-40B4-BE49-F238E27FC236}">
-                <a16:creationId xmlns:a16="http://schemas.microsoft.com/office/drawing/2014/main" xmlns="" id="{DE082C68-9641-440A-83B8-07164C781333}"/>
+                <a16:creationId xmlns="" xmlns:a16="http://schemas.microsoft.com/office/drawing/2014/main" id="{DE082C68-9641-440A-83B8-07164C781333}"/>
               </a:ext>
             </a:extLst>
           </p:cNvPr>
@@ -8361,7 +8624,7 @@
           <p:cNvPr id="20" name="TextBox 19">
             <a:extLst>
               <a:ext uri="{FF2B5EF4-FFF2-40B4-BE49-F238E27FC236}">
-                <a16:creationId xmlns:a16="http://schemas.microsoft.com/office/drawing/2014/main" xmlns="" id="{6DD24C2E-7386-42E5-86E8-6DEC9280B005}"/>
+                <a16:creationId xmlns="" xmlns:a16="http://schemas.microsoft.com/office/drawing/2014/main" id="{6DD24C2E-7386-42E5-86E8-6DEC9280B005}"/>
               </a:ext>
             </a:extLst>
           </p:cNvPr>
@@ -8416,7 +8679,7 @@
           <p:cNvPr id="23" name="Rectangle 22">
             <a:extLst>
               <a:ext uri="{FF2B5EF4-FFF2-40B4-BE49-F238E27FC236}">
-                <a16:creationId xmlns:a16="http://schemas.microsoft.com/office/drawing/2014/main" xmlns="" id="{7E948C6D-3FFA-44C6-BD28-5EB2DEC69A26}"/>
+                <a16:creationId xmlns="" xmlns:a16="http://schemas.microsoft.com/office/drawing/2014/main" id="{7E948C6D-3FFA-44C6-BD28-5EB2DEC69A26}"/>
               </a:ext>
             </a:extLst>
           </p:cNvPr>
@@ -8462,7 +8725,7 @@
           <p:cNvPr id="26" name="Rectangle 25">
             <a:extLst>
               <a:ext uri="{FF2B5EF4-FFF2-40B4-BE49-F238E27FC236}">
-                <a16:creationId xmlns:a16="http://schemas.microsoft.com/office/drawing/2014/main" xmlns="" id="{39CF1CDE-A93F-4AB1-968F-94B2D4449D82}"/>
+                <a16:creationId xmlns="" xmlns:a16="http://schemas.microsoft.com/office/drawing/2014/main" id="{39CF1CDE-A93F-4AB1-968F-94B2D4449D82}"/>
               </a:ext>
             </a:extLst>
           </p:cNvPr>
@@ -8508,7 +8771,7 @@
           <p:cNvPr id="29" name="Rectangle 28">
             <a:extLst>
               <a:ext uri="{FF2B5EF4-FFF2-40B4-BE49-F238E27FC236}">
-                <a16:creationId xmlns:a16="http://schemas.microsoft.com/office/drawing/2014/main" xmlns="" id="{14852D35-E350-44FF-922A-B2A645A7B618}"/>
+                <a16:creationId xmlns="" xmlns:a16="http://schemas.microsoft.com/office/drawing/2014/main" id="{14852D35-E350-44FF-922A-B2A645A7B618}"/>
               </a:ext>
             </a:extLst>
           </p:cNvPr>
@@ -8554,7 +8817,7 @@
           <p:cNvPr id="41" name="Rectangle 40">
             <a:extLst>
               <a:ext uri="{FF2B5EF4-FFF2-40B4-BE49-F238E27FC236}">
-                <a16:creationId xmlns:a16="http://schemas.microsoft.com/office/drawing/2014/main" xmlns="" id="{E81BDFDF-A2C2-47AD-8D90-A0FE79376AA6}"/>
+                <a16:creationId xmlns="" xmlns:a16="http://schemas.microsoft.com/office/drawing/2014/main" id="{E81BDFDF-A2C2-47AD-8D90-A0FE79376AA6}"/>
               </a:ext>
             </a:extLst>
           </p:cNvPr>
@@ -8614,7 +8877,7 @@
           <p:cNvPr id="42" name="Rectangle 41">
             <a:extLst>
               <a:ext uri="{FF2B5EF4-FFF2-40B4-BE49-F238E27FC236}">
-                <a16:creationId xmlns:a16="http://schemas.microsoft.com/office/drawing/2014/main" xmlns="" id="{353BFA1C-32B8-4D02-82DD-D04AE5441E95}"/>
+                <a16:creationId xmlns="" xmlns:a16="http://schemas.microsoft.com/office/drawing/2014/main" id="{353BFA1C-32B8-4D02-82DD-D04AE5441E95}"/>
               </a:ext>
             </a:extLst>
           </p:cNvPr>
@@ -8688,7 +8951,7 @@
           <p:cNvPr id="43" name="TextBox 42">
             <a:extLst>
               <a:ext uri="{FF2B5EF4-FFF2-40B4-BE49-F238E27FC236}">
-                <a16:creationId xmlns:a16="http://schemas.microsoft.com/office/drawing/2014/main" xmlns="" id="{F43B97D8-23B6-4B2F-AE82-8C0B2E7C3495}"/>
+                <a16:creationId xmlns="" xmlns:a16="http://schemas.microsoft.com/office/drawing/2014/main" id="{F43B97D8-23B6-4B2F-AE82-8C0B2E7C3495}"/>
               </a:ext>
             </a:extLst>
           </p:cNvPr>
@@ -8788,7 +9051,7 @@
           <p:cNvPr id="48" name="TextBox 47">
             <a:extLst>
               <a:ext uri="{FF2B5EF4-FFF2-40B4-BE49-F238E27FC236}">
-                <a16:creationId xmlns:a16="http://schemas.microsoft.com/office/drawing/2014/main" xmlns="" id="{F645AFEA-5815-4FE2-9618-7C86B01C2515}"/>
+                <a16:creationId xmlns="" xmlns:a16="http://schemas.microsoft.com/office/drawing/2014/main" id="{F645AFEA-5815-4FE2-9618-7C86B01C2515}"/>
               </a:ext>
             </a:extLst>
           </p:cNvPr>
@@ -8843,7 +9106,7 @@
           <p:cNvPr id="49" name="Rectangle 48">
             <a:extLst>
               <a:ext uri="{FF2B5EF4-FFF2-40B4-BE49-F238E27FC236}">
-                <a16:creationId xmlns:a16="http://schemas.microsoft.com/office/drawing/2014/main" xmlns="" id="{6BB4A87D-F73C-4006-BF33-C237ABCF2E42}"/>
+                <a16:creationId xmlns="" xmlns:a16="http://schemas.microsoft.com/office/drawing/2014/main" id="{6BB4A87D-F73C-4006-BF33-C237ABCF2E42}"/>
               </a:ext>
             </a:extLst>
           </p:cNvPr>
@@ -8889,7 +9152,7 @@
           <p:cNvPr id="21" name="Picture 14" descr="C:\Users\HuyTran\Desktop\WPF project\customerManager.png">
             <a:extLst>
               <a:ext uri="{FF2B5EF4-FFF2-40B4-BE49-F238E27FC236}">
-                <a16:creationId xmlns:a16="http://schemas.microsoft.com/office/drawing/2014/main" xmlns="" id="{DFE9520C-9B4D-47F4-B26D-724D36068689}"/>
+                <a16:creationId xmlns="" xmlns:a16="http://schemas.microsoft.com/office/drawing/2014/main" id="{DFE9520C-9B4D-47F4-B26D-724D36068689}"/>
               </a:ext>
             </a:extLst>
           </p:cNvPr>
@@ -8941,11 +9204,11 @@
   <p:clrMapOvr>
     <a:masterClrMapping/>
   </p:clrMapOvr>
-  <mc:AlternateContent xmlns:mc="http://schemas.openxmlformats.org/markup-compatibility/2006">
-    <mc:Choice xmlns:p14="http://schemas.microsoft.com/office/powerpoint/2010/main" Requires="p14">
+  <mc:AlternateContent xmlns:mc="http://schemas.openxmlformats.org/markup-compatibility/2006" xmlns:p14="http://schemas.microsoft.com/office/powerpoint/2010/main">
+    <mc:Choice Requires="p14">
       <p:transition spd="slow" p14:dur="2000"/>
     </mc:Choice>
-    <mc:Fallback>
+    <mc:Fallback xmlns="">
       <p:transition spd="slow"/>
     </mc:Fallback>
   </mc:AlternateContent>
@@ -8974,7 +9237,7 @@
           <p:cNvPr id="6" name="TextBox 5">
             <a:extLst>
               <a:ext uri="{FF2B5EF4-FFF2-40B4-BE49-F238E27FC236}">
-                <a16:creationId xmlns:a16="http://schemas.microsoft.com/office/drawing/2014/main" xmlns="" id="{CD2A8DE0-B0E7-40FB-9538-60D54401A4F8}"/>
+                <a16:creationId xmlns="" xmlns:a16="http://schemas.microsoft.com/office/drawing/2014/main" id="{CD2A8DE0-B0E7-40FB-9538-60D54401A4F8}"/>
               </a:ext>
             </a:extLst>
           </p:cNvPr>
@@ -9074,7 +9337,7 @@
           <p:cNvPr id="11" name="Picture 10">
             <a:extLst>
               <a:ext uri="{FF2B5EF4-FFF2-40B4-BE49-F238E27FC236}">
-                <a16:creationId xmlns:a16="http://schemas.microsoft.com/office/drawing/2014/main" xmlns="" id="{F6164AE6-B86F-4668-B82E-2CCF243694C5}"/>
+                <a16:creationId xmlns="" xmlns:a16="http://schemas.microsoft.com/office/drawing/2014/main" id="{F6164AE6-B86F-4668-B82E-2CCF243694C5}"/>
               </a:ext>
             </a:extLst>
           </p:cNvPr>
@@ -9104,7 +9367,7 @@
           <p:cNvPr id="12" name="Rectangle 11">
             <a:extLst>
               <a:ext uri="{FF2B5EF4-FFF2-40B4-BE49-F238E27FC236}">
-                <a16:creationId xmlns:a16="http://schemas.microsoft.com/office/drawing/2014/main" xmlns="" id="{9DC85E5D-8339-4A90-8911-6572A28FAB1B}"/>
+                <a16:creationId xmlns="" xmlns:a16="http://schemas.microsoft.com/office/drawing/2014/main" id="{9DC85E5D-8339-4A90-8911-6572A28FAB1B}"/>
               </a:ext>
             </a:extLst>
           </p:cNvPr>
@@ -9158,7 +9421,7 @@
           <p:cNvPr id="13" name="Picture 8" descr="C:\Users\HuyTran\Desktop\WPF project\Paul_Circle.png">
             <a:extLst>
               <a:ext uri="{FF2B5EF4-FFF2-40B4-BE49-F238E27FC236}">
-                <a16:creationId xmlns:a16="http://schemas.microsoft.com/office/drawing/2014/main" xmlns="" id="{7709B346-3CF0-4506-B6E0-39CD18074E81}"/>
+                <a16:creationId xmlns="" xmlns:a16="http://schemas.microsoft.com/office/drawing/2014/main" id="{7709B346-3CF0-4506-B6E0-39CD18074E81}"/>
               </a:ext>
             </a:extLst>
           </p:cNvPr>
@@ -9205,7 +9468,7 @@
           <p:cNvPr id="14" name="TextBox 13">
             <a:extLst>
               <a:ext uri="{FF2B5EF4-FFF2-40B4-BE49-F238E27FC236}">
-                <a16:creationId xmlns:a16="http://schemas.microsoft.com/office/drawing/2014/main" xmlns="" id="{88CA780A-86AF-4CC5-93C8-9AA542968897}"/>
+                <a16:creationId xmlns="" xmlns:a16="http://schemas.microsoft.com/office/drawing/2014/main" id="{88CA780A-86AF-4CC5-93C8-9AA542968897}"/>
               </a:ext>
             </a:extLst>
           </p:cNvPr>
@@ -9257,7 +9520,7 @@
           <p:cNvPr id="17" name="TextBox 16">
             <a:extLst>
               <a:ext uri="{FF2B5EF4-FFF2-40B4-BE49-F238E27FC236}">
-                <a16:creationId xmlns:a16="http://schemas.microsoft.com/office/drawing/2014/main" xmlns="" id="{E74F7379-B503-4B35-946D-61820AE3A953}"/>
+                <a16:creationId xmlns="" xmlns:a16="http://schemas.microsoft.com/office/drawing/2014/main" id="{E74F7379-B503-4B35-946D-61820AE3A953}"/>
               </a:ext>
             </a:extLst>
           </p:cNvPr>
@@ -9312,7 +9575,7 @@
           <p:cNvPr id="18" name="TextBox 17">
             <a:extLst>
               <a:ext uri="{FF2B5EF4-FFF2-40B4-BE49-F238E27FC236}">
-                <a16:creationId xmlns:a16="http://schemas.microsoft.com/office/drawing/2014/main" xmlns="" id="{DDEA07C1-E0BC-44D5-97BC-55487ACFA934}"/>
+                <a16:creationId xmlns="" xmlns:a16="http://schemas.microsoft.com/office/drawing/2014/main" id="{DDEA07C1-E0BC-44D5-97BC-55487ACFA934}"/>
               </a:ext>
             </a:extLst>
           </p:cNvPr>
@@ -9391,7 +9654,7 @@
           <p:cNvPr id="42" name="Rectangle 41">
             <a:extLst>
               <a:ext uri="{FF2B5EF4-FFF2-40B4-BE49-F238E27FC236}">
-                <a16:creationId xmlns:a16="http://schemas.microsoft.com/office/drawing/2014/main" xmlns="" id="{353BFA1C-32B8-4D02-82DD-D04AE5441E95}"/>
+                <a16:creationId xmlns="" xmlns:a16="http://schemas.microsoft.com/office/drawing/2014/main" id="{353BFA1C-32B8-4D02-82DD-D04AE5441E95}"/>
               </a:ext>
             </a:extLst>
           </p:cNvPr>
@@ -9465,7 +9728,7 @@
           <p:cNvPr id="43" name="TextBox 42">
             <a:extLst>
               <a:ext uri="{FF2B5EF4-FFF2-40B4-BE49-F238E27FC236}">
-                <a16:creationId xmlns:a16="http://schemas.microsoft.com/office/drawing/2014/main" xmlns="" id="{F43B97D8-23B6-4B2F-AE82-8C0B2E7C3495}"/>
+                <a16:creationId xmlns="" xmlns:a16="http://schemas.microsoft.com/office/drawing/2014/main" id="{F43B97D8-23B6-4B2F-AE82-8C0B2E7C3495}"/>
               </a:ext>
             </a:extLst>
           </p:cNvPr>
@@ -9589,7 +9852,7 @@
           <p:cNvPr id="49" name="Rectangle 48">
             <a:extLst>
               <a:ext uri="{FF2B5EF4-FFF2-40B4-BE49-F238E27FC236}">
-                <a16:creationId xmlns:a16="http://schemas.microsoft.com/office/drawing/2014/main" xmlns="" id="{6BB4A87D-F73C-4006-BF33-C237ABCF2E42}"/>
+                <a16:creationId xmlns="" xmlns:a16="http://schemas.microsoft.com/office/drawing/2014/main" id="{6BB4A87D-F73C-4006-BF33-C237ABCF2E42}"/>
               </a:ext>
             </a:extLst>
           </p:cNvPr>
@@ -9635,7 +9898,7 @@
           <p:cNvPr id="34" name="TextBox 33">
             <a:extLst>
               <a:ext uri="{FF2B5EF4-FFF2-40B4-BE49-F238E27FC236}">
-                <a16:creationId xmlns:a16="http://schemas.microsoft.com/office/drawing/2014/main" xmlns="" id="{FCB6013B-D2D1-4736-9A0F-C6999AEC0807}"/>
+                <a16:creationId xmlns="" xmlns:a16="http://schemas.microsoft.com/office/drawing/2014/main" id="{FCB6013B-D2D1-4736-9A0F-C6999AEC0807}"/>
               </a:ext>
             </a:extLst>
           </p:cNvPr>
@@ -9678,7 +9941,7 @@
           <p:cNvPr id="35" name="Rectangle 34">
             <a:extLst>
               <a:ext uri="{FF2B5EF4-FFF2-40B4-BE49-F238E27FC236}">
-                <a16:creationId xmlns:a16="http://schemas.microsoft.com/office/drawing/2014/main" xmlns="" id="{641B9C04-FC45-42E0-8BEC-A540512108B4}"/>
+                <a16:creationId xmlns="" xmlns:a16="http://schemas.microsoft.com/office/drawing/2014/main" id="{641B9C04-FC45-42E0-8BEC-A540512108B4}"/>
               </a:ext>
             </a:extLst>
           </p:cNvPr>
@@ -9724,7 +9987,7 @@
           <p:cNvPr id="37" name="Rectangle 36">
             <a:extLst>
               <a:ext uri="{FF2B5EF4-FFF2-40B4-BE49-F238E27FC236}">
-                <a16:creationId xmlns:a16="http://schemas.microsoft.com/office/drawing/2014/main" xmlns="" id="{35AEE3D0-05A6-41C1-A246-E626445A01A9}"/>
+                <a16:creationId xmlns="" xmlns:a16="http://schemas.microsoft.com/office/drawing/2014/main" id="{35AEE3D0-05A6-41C1-A246-E626445A01A9}"/>
               </a:ext>
             </a:extLst>
           </p:cNvPr>
@@ -9808,7 +10071,7 @@
           <p:cNvPr id="38" name="TextBox 37">
             <a:extLst>
               <a:ext uri="{FF2B5EF4-FFF2-40B4-BE49-F238E27FC236}">
-                <a16:creationId xmlns:a16="http://schemas.microsoft.com/office/drawing/2014/main" xmlns="" id="{F1E935BC-342E-4DED-B95A-AF834CCE5868}"/>
+                <a16:creationId xmlns="" xmlns:a16="http://schemas.microsoft.com/office/drawing/2014/main" id="{F1E935BC-342E-4DED-B95A-AF834CCE5868}"/>
               </a:ext>
             </a:extLst>
           </p:cNvPr>
@@ -9891,7 +10154,7 @@
           <p:cNvPr id="39" name="Picture 14" descr="C:\Users\HuyTran\Desktop\WPF project\customerManager.png">
             <a:extLst>
               <a:ext uri="{FF2B5EF4-FFF2-40B4-BE49-F238E27FC236}">
-                <a16:creationId xmlns:a16="http://schemas.microsoft.com/office/drawing/2014/main" xmlns="" id="{2821CB2B-7CC2-4C1C-A627-D768E5897716}"/>
+                <a16:creationId xmlns="" xmlns:a16="http://schemas.microsoft.com/office/drawing/2014/main" id="{2821CB2B-7CC2-4C1C-A627-D768E5897716}"/>
               </a:ext>
             </a:extLst>
           </p:cNvPr>
@@ -9938,7 +10201,7 @@
           <p:cNvPr id="40" name="TextBox 39">
             <a:extLst>
               <a:ext uri="{FF2B5EF4-FFF2-40B4-BE49-F238E27FC236}">
-                <a16:creationId xmlns:a16="http://schemas.microsoft.com/office/drawing/2014/main" xmlns="" id="{362DFC4C-7B64-4E45-BAB6-0D6AE704BF4A}"/>
+                <a16:creationId xmlns="" xmlns:a16="http://schemas.microsoft.com/office/drawing/2014/main" id="{362DFC4C-7B64-4E45-BAB6-0D6AE704BF4A}"/>
               </a:ext>
             </a:extLst>
           </p:cNvPr>
@@ -9993,7 +10256,7 @@
           <p:cNvPr id="46" name="Rectangle 45">
             <a:extLst>
               <a:ext uri="{FF2B5EF4-FFF2-40B4-BE49-F238E27FC236}">
-                <a16:creationId xmlns:a16="http://schemas.microsoft.com/office/drawing/2014/main" xmlns="" id="{829A6FC0-BAD4-4FF2-89EE-DAEE1E9CEBF6}"/>
+                <a16:creationId xmlns="" xmlns:a16="http://schemas.microsoft.com/office/drawing/2014/main" id="{829A6FC0-BAD4-4FF2-89EE-DAEE1E9CEBF6}"/>
               </a:ext>
             </a:extLst>
           </p:cNvPr>
@@ -10039,7 +10302,7 @@
           <p:cNvPr id="52" name="TextBox 51">
             <a:extLst>
               <a:ext uri="{FF2B5EF4-FFF2-40B4-BE49-F238E27FC236}">
-                <a16:creationId xmlns:a16="http://schemas.microsoft.com/office/drawing/2014/main" xmlns="" id="{D0690CA8-A5D4-4189-BFC1-F726D6EFC49C}"/>
+                <a16:creationId xmlns="" xmlns:a16="http://schemas.microsoft.com/office/drawing/2014/main" id="{D0690CA8-A5D4-4189-BFC1-F726D6EFC49C}"/>
               </a:ext>
             </a:extLst>
           </p:cNvPr>
@@ -10094,7 +10357,7 @@
           <p:cNvPr id="53" name="Rectangle 52">
             <a:extLst>
               <a:ext uri="{FF2B5EF4-FFF2-40B4-BE49-F238E27FC236}">
-                <a16:creationId xmlns:a16="http://schemas.microsoft.com/office/drawing/2014/main" xmlns="" id="{204F543E-2462-4DF1-B28D-57639D2BEE07}"/>
+                <a16:creationId xmlns="" xmlns:a16="http://schemas.microsoft.com/office/drawing/2014/main" id="{204F543E-2462-4DF1-B28D-57639D2BEE07}"/>
               </a:ext>
             </a:extLst>
           </p:cNvPr>
@@ -10140,7 +10403,7 @@
           <p:cNvPr id="48" name="TextBox 47">
             <a:extLst>
               <a:ext uri="{FF2B5EF4-FFF2-40B4-BE49-F238E27FC236}">
-                <a16:creationId xmlns:a16="http://schemas.microsoft.com/office/drawing/2014/main" xmlns="" id="{4C8C3C9E-F5E0-44F3-86D1-CAA65DCCF7F9}"/>
+                <a16:creationId xmlns="" xmlns:a16="http://schemas.microsoft.com/office/drawing/2014/main" id="{4C8C3C9E-F5E0-44F3-86D1-CAA65DCCF7F9}"/>
               </a:ext>
             </a:extLst>
           </p:cNvPr>
@@ -10205,7 +10468,7 @@
           <p:cNvPr id="54" name="TextBox 53">
             <a:extLst>
               <a:ext uri="{FF2B5EF4-FFF2-40B4-BE49-F238E27FC236}">
-                <a16:creationId xmlns:a16="http://schemas.microsoft.com/office/drawing/2014/main" xmlns="" id="{849762B1-E659-4E62-B0B4-DD4E483263D7}"/>
+                <a16:creationId xmlns="" xmlns:a16="http://schemas.microsoft.com/office/drawing/2014/main" id="{849762B1-E659-4E62-B0B4-DD4E483263D7}"/>
               </a:ext>
             </a:extLst>
           </p:cNvPr>
@@ -10266,7 +10529,7 @@
           <p:cNvPr id="55" name="TextBox 54">
             <a:extLst>
               <a:ext uri="{FF2B5EF4-FFF2-40B4-BE49-F238E27FC236}">
-                <a16:creationId xmlns:a16="http://schemas.microsoft.com/office/drawing/2014/main" xmlns="" id="{74AA062A-FBC2-4F86-943D-D61FDEE1F488}"/>
+                <a16:creationId xmlns="" xmlns:a16="http://schemas.microsoft.com/office/drawing/2014/main" id="{74AA062A-FBC2-4F86-943D-D61FDEE1F488}"/>
               </a:ext>
             </a:extLst>
           </p:cNvPr>
@@ -10309,7 +10572,7 @@
           <p:cNvPr id="56" name="TextBox 55">
             <a:extLst>
               <a:ext uri="{FF2B5EF4-FFF2-40B4-BE49-F238E27FC236}">
-                <a16:creationId xmlns:a16="http://schemas.microsoft.com/office/drawing/2014/main" xmlns="" id="{05337194-B16B-4C72-9C86-364E6C2685D3}"/>
+                <a16:creationId xmlns="" xmlns:a16="http://schemas.microsoft.com/office/drawing/2014/main" id="{05337194-B16B-4C72-9C86-364E6C2685D3}"/>
               </a:ext>
             </a:extLst>
           </p:cNvPr>
@@ -10364,7 +10627,7 @@
           <p:cNvPr id="57" name="TextBox 56">
             <a:extLst>
               <a:ext uri="{FF2B5EF4-FFF2-40B4-BE49-F238E27FC236}">
-                <a16:creationId xmlns:a16="http://schemas.microsoft.com/office/drawing/2014/main" xmlns="" id="{90D547BF-0762-41F5-84B4-303584072F7A}"/>
+                <a16:creationId xmlns="" xmlns:a16="http://schemas.microsoft.com/office/drawing/2014/main" id="{90D547BF-0762-41F5-84B4-303584072F7A}"/>
               </a:ext>
             </a:extLst>
           </p:cNvPr>
@@ -10413,7 +10676,7 @@
           <p:cNvPr id="58" name="Rectangle 57">
             <a:extLst>
               <a:ext uri="{FF2B5EF4-FFF2-40B4-BE49-F238E27FC236}">
-                <a16:creationId xmlns:a16="http://schemas.microsoft.com/office/drawing/2014/main" xmlns="" id="{82554FE1-CC09-4756-8850-A0A61052E47C}"/>
+                <a16:creationId xmlns="" xmlns:a16="http://schemas.microsoft.com/office/drawing/2014/main" id="{82554FE1-CC09-4756-8850-A0A61052E47C}"/>
               </a:ext>
             </a:extLst>
           </p:cNvPr>
@@ -10459,7 +10722,7 @@
           <p:cNvPr id="59" name="TextBox 58">
             <a:extLst>
               <a:ext uri="{FF2B5EF4-FFF2-40B4-BE49-F238E27FC236}">
-                <a16:creationId xmlns:a16="http://schemas.microsoft.com/office/drawing/2014/main" xmlns="" id="{D0B60453-84DF-48C8-AB34-9C904AAB7B32}"/>
+                <a16:creationId xmlns="" xmlns:a16="http://schemas.microsoft.com/office/drawing/2014/main" id="{D0B60453-84DF-48C8-AB34-9C904AAB7B32}"/>
               </a:ext>
             </a:extLst>
           </p:cNvPr>
@@ -10514,7 +10777,7 @@
           <p:cNvPr id="60" name="Rectangle 59">
             <a:extLst>
               <a:ext uri="{FF2B5EF4-FFF2-40B4-BE49-F238E27FC236}">
-                <a16:creationId xmlns:a16="http://schemas.microsoft.com/office/drawing/2014/main" xmlns="" id="{2AFB514D-A02F-4B5E-B2FD-5130CF4F3006}"/>
+                <a16:creationId xmlns="" xmlns:a16="http://schemas.microsoft.com/office/drawing/2014/main" id="{2AFB514D-A02F-4B5E-B2FD-5130CF4F3006}"/>
               </a:ext>
             </a:extLst>
           </p:cNvPr>
@@ -10590,7 +10853,7 @@
           <p:cNvPr id="6" name="TextBox 5">
             <a:extLst>
               <a:ext uri="{FF2B5EF4-FFF2-40B4-BE49-F238E27FC236}">
-                <a16:creationId xmlns:a16="http://schemas.microsoft.com/office/drawing/2014/main" xmlns="" id="{CD2A8DE0-B0E7-40FB-9538-60D54401A4F8}"/>
+                <a16:creationId xmlns="" xmlns:a16="http://schemas.microsoft.com/office/drawing/2014/main" id="{CD2A8DE0-B0E7-40FB-9538-60D54401A4F8}"/>
               </a:ext>
             </a:extLst>
           </p:cNvPr>
@@ -10678,7 +10941,7 @@
           <p:cNvPr id="11" name="Picture 10">
             <a:extLst>
               <a:ext uri="{FF2B5EF4-FFF2-40B4-BE49-F238E27FC236}">
-                <a16:creationId xmlns:a16="http://schemas.microsoft.com/office/drawing/2014/main" xmlns="" id="{F6164AE6-B86F-4668-B82E-2CCF243694C5}"/>
+                <a16:creationId xmlns="" xmlns:a16="http://schemas.microsoft.com/office/drawing/2014/main" id="{F6164AE6-B86F-4668-B82E-2CCF243694C5}"/>
               </a:ext>
             </a:extLst>
           </p:cNvPr>
@@ -10708,7 +10971,7 @@
           <p:cNvPr id="12" name="Rectangle 11">
             <a:extLst>
               <a:ext uri="{FF2B5EF4-FFF2-40B4-BE49-F238E27FC236}">
-                <a16:creationId xmlns:a16="http://schemas.microsoft.com/office/drawing/2014/main" xmlns="" id="{9DC85E5D-8339-4A90-8911-6572A28FAB1B}"/>
+                <a16:creationId xmlns="" xmlns:a16="http://schemas.microsoft.com/office/drawing/2014/main" id="{9DC85E5D-8339-4A90-8911-6572A28FAB1B}"/>
               </a:ext>
             </a:extLst>
           </p:cNvPr>
@@ -10762,7 +11025,7 @@
           <p:cNvPr id="13" name="Picture 8" descr="C:\Users\HuyTran\Desktop\WPF project\Paul_Circle.png">
             <a:extLst>
               <a:ext uri="{FF2B5EF4-FFF2-40B4-BE49-F238E27FC236}">
-                <a16:creationId xmlns:a16="http://schemas.microsoft.com/office/drawing/2014/main" xmlns="" id="{7709B346-3CF0-4506-B6E0-39CD18074E81}"/>
+                <a16:creationId xmlns="" xmlns:a16="http://schemas.microsoft.com/office/drawing/2014/main" id="{7709B346-3CF0-4506-B6E0-39CD18074E81}"/>
               </a:ext>
             </a:extLst>
           </p:cNvPr>
@@ -10809,7 +11072,7 @@
           <p:cNvPr id="14" name="TextBox 13">
             <a:extLst>
               <a:ext uri="{FF2B5EF4-FFF2-40B4-BE49-F238E27FC236}">
-                <a16:creationId xmlns:a16="http://schemas.microsoft.com/office/drawing/2014/main" xmlns="" id="{88CA780A-86AF-4CC5-93C8-9AA542968897}"/>
+                <a16:creationId xmlns="" xmlns:a16="http://schemas.microsoft.com/office/drawing/2014/main" id="{88CA780A-86AF-4CC5-93C8-9AA542968897}"/>
               </a:ext>
             </a:extLst>
           </p:cNvPr>
@@ -10861,7 +11124,7 @@
           <p:cNvPr id="17" name="TextBox 16">
             <a:extLst>
               <a:ext uri="{FF2B5EF4-FFF2-40B4-BE49-F238E27FC236}">
-                <a16:creationId xmlns:a16="http://schemas.microsoft.com/office/drawing/2014/main" xmlns="" id="{E74F7379-B503-4B35-946D-61820AE3A953}"/>
+                <a16:creationId xmlns="" xmlns:a16="http://schemas.microsoft.com/office/drawing/2014/main" id="{E74F7379-B503-4B35-946D-61820AE3A953}"/>
               </a:ext>
             </a:extLst>
           </p:cNvPr>
@@ -10916,7 +11179,7 @@
           <p:cNvPr id="42" name="Rectangle 41">
             <a:extLst>
               <a:ext uri="{FF2B5EF4-FFF2-40B4-BE49-F238E27FC236}">
-                <a16:creationId xmlns:a16="http://schemas.microsoft.com/office/drawing/2014/main" xmlns="" id="{353BFA1C-32B8-4D02-82DD-D04AE5441E95}"/>
+                <a16:creationId xmlns="" xmlns:a16="http://schemas.microsoft.com/office/drawing/2014/main" id="{353BFA1C-32B8-4D02-82DD-D04AE5441E95}"/>
               </a:ext>
             </a:extLst>
           </p:cNvPr>
@@ -10990,7 +11253,7 @@
           <p:cNvPr id="43" name="TextBox 42">
             <a:extLst>
               <a:ext uri="{FF2B5EF4-FFF2-40B4-BE49-F238E27FC236}">
-                <a16:creationId xmlns:a16="http://schemas.microsoft.com/office/drawing/2014/main" xmlns="" id="{F43B97D8-23B6-4B2F-AE82-8C0B2E7C3495}"/>
+                <a16:creationId xmlns="" xmlns:a16="http://schemas.microsoft.com/office/drawing/2014/main" id="{F43B97D8-23B6-4B2F-AE82-8C0B2E7C3495}"/>
               </a:ext>
             </a:extLst>
           </p:cNvPr>
@@ -11090,7 +11353,7 @@
           <p:cNvPr id="26" name="Picture 14" descr="C:\Users\HuyTran\Desktop\WPF project\customerManager.png">
             <a:extLst>
               <a:ext uri="{FF2B5EF4-FFF2-40B4-BE49-F238E27FC236}">
-                <a16:creationId xmlns:a16="http://schemas.microsoft.com/office/drawing/2014/main" xmlns="" id="{184AC657-28DB-40B0-81E2-084A43776422}"/>
+                <a16:creationId xmlns="" xmlns:a16="http://schemas.microsoft.com/office/drawing/2014/main" id="{184AC657-28DB-40B0-81E2-084A43776422}"/>
               </a:ext>
             </a:extLst>
           </p:cNvPr>
@@ -11137,7 +11400,7 @@
           <p:cNvPr id="48" name="Table 3">
             <a:extLst>
               <a:ext uri="{FF2B5EF4-FFF2-40B4-BE49-F238E27FC236}">
-                <a16:creationId xmlns:a16="http://schemas.microsoft.com/office/drawing/2014/main" xmlns="" id="{B059A884-E061-41C0-9D05-E953D19D803E}"/>
+                <a16:creationId xmlns="" xmlns:a16="http://schemas.microsoft.com/office/drawing/2014/main" id="{B059A884-E061-41C0-9D05-E953D19D803E}"/>
               </a:ext>
             </a:extLst>
           </p:cNvPr>
@@ -11166,35 +11429,35 @@
                 <a:gridCol w="1647120">
                   <a:extLst>
                     <a:ext uri="{9D8B030D-6E8A-4147-A177-3AD203B41FA5}">
-                      <a16:colId xmlns:a16="http://schemas.microsoft.com/office/drawing/2014/main" xmlns="" val="3679797539"/>
+                      <a16:colId xmlns="" xmlns:a16="http://schemas.microsoft.com/office/drawing/2014/main" val="3679797539"/>
                     </a:ext>
                   </a:extLst>
                 </a:gridCol>
                 <a:gridCol w="1647120">
                   <a:extLst>
                     <a:ext uri="{9D8B030D-6E8A-4147-A177-3AD203B41FA5}">
-                      <a16:colId xmlns:a16="http://schemas.microsoft.com/office/drawing/2014/main" xmlns="" val="4188008786"/>
+                      <a16:colId xmlns="" xmlns:a16="http://schemas.microsoft.com/office/drawing/2014/main" val="4188008786"/>
                     </a:ext>
                   </a:extLst>
                 </a:gridCol>
                 <a:gridCol w="1647120">
                   <a:extLst>
                     <a:ext uri="{9D8B030D-6E8A-4147-A177-3AD203B41FA5}">
-                      <a16:colId xmlns:a16="http://schemas.microsoft.com/office/drawing/2014/main" xmlns="" val="3214238948"/>
+                      <a16:colId xmlns="" xmlns:a16="http://schemas.microsoft.com/office/drawing/2014/main" val="3214238948"/>
                     </a:ext>
                   </a:extLst>
                 </a:gridCol>
                 <a:gridCol w="1647120">
                   <a:extLst>
                     <a:ext uri="{9D8B030D-6E8A-4147-A177-3AD203B41FA5}">
-                      <a16:colId xmlns:a16="http://schemas.microsoft.com/office/drawing/2014/main" xmlns="" val="4284112643"/>
+                      <a16:colId xmlns="" xmlns:a16="http://schemas.microsoft.com/office/drawing/2014/main" val="4284112643"/>
                     </a:ext>
                   </a:extLst>
                 </a:gridCol>
                 <a:gridCol w="1647120">
                   <a:extLst>
                     <a:ext uri="{9D8B030D-6E8A-4147-A177-3AD203B41FA5}">
-                      <a16:colId xmlns:a16="http://schemas.microsoft.com/office/drawing/2014/main" xmlns="" val="1637866270"/>
+                      <a16:colId xmlns="" xmlns:a16="http://schemas.microsoft.com/office/drawing/2014/main" val="1637866270"/>
                     </a:ext>
                   </a:extLst>
                 </a:gridCol>
@@ -11331,7 +11594,7 @@
                 </a:tc>
                 <a:extLst>
                   <a:ext uri="{0D108BD9-81ED-4DB2-BD59-A6C34878D82A}">
-                    <a16:rowId xmlns:a16="http://schemas.microsoft.com/office/drawing/2014/main" xmlns="" val="652390980"/>
+                    <a16:rowId xmlns="" xmlns:a16="http://schemas.microsoft.com/office/drawing/2014/main" val="652390980"/>
                   </a:ext>
                 </a:extLst>
               </a:tr>
@@ -11441,7 +11704,7 @@
                 </a:tc>
                 <a:extLst>
                   <a:ext uri="{0D108BD9-81ED-4DB2-BD59-A6C34878D82A}">
-                    <a16:rowId xmlns:a16="http://schemas.microsoft.com/office/drawing/2014/main" xmlns="" val="730336656"/>
+                    <a16:rowId xmlns="" xmlns:a16="http://schemas.microsoft.com/office/drawing/2014/main" val="730336656"/>
                   </a:ext>
                 </a:extLst>
               </a:tr>
@@ -11551,7 +11814,7 @@
                 </a:tc>
                 <a:extLst>
                   <a:ext uri="{0D108BD9-81ED-4DB2-BD59-A6C34878D82A}">
-                    <a16:rowId xmlns:a16="http://schemas.microsoft.com/office/drawing/2014/main" xmlns="" val="2897143220"/>
+                    <a16:rowId xmlns="" xmlns:a16="http://schemas.microsoft.com/office/drawing/2014/main" val="2897143220"/>
                   </a:ext>
                 </a:extLst>
               </a:tr>
@@ -11643,7 +11906,7 @@
                 </a:tc>
                 <a:extLst>
                   <a:ext uri="{0D108BD9-81ED-4DB2-BD59-A6C34878D82A}">
-                    <a16:rowId xmlns:a16="http://schemas.microsoft.com/office/drawing/2014/main" xmlns="" val="378457201"/>
+                    <a16:rowId xmlns="" xmlns:a16="http://schemas.microsoft.com/office/drawing/2014/main" val="378457201"/>
                   </a:ext>
                 </a:extLst>
               </a:tr>
@@ -11656,7 +11919,7 @@
           <p:cNvPr id="20" name="TextBox 19">
             <a:extLst>
               <a:ext uri="{FF2B5EF4-FFF2-40B4-BE49-F238E27FC236}">
-                <a16:creationId xmlns:a16="http://schemas.microsoft.com/office/drawing/2014/main" xmlns="" id="{F2D3941E-5A82-4C71-803B-6A06F7402E50}"/>
+                <a16:creationId xmlns="" xmlns:a16="http://schemas.microsoft.com/office/drawing/2014/main" id="{F2D3941E-5A82-4C71-803B-6A06F7402E50}"/>
               </a:ext>
             </a:extLst>
           </p:cNvPr>
@@ -11739,7 +12002,7 @@
           <p:cNvPr id="21" name="TextBox 20">
             <a:extLst>
               <a:ext uri="{FF2B5EF4-FFF2-40B4-BE49-F238E27FC236}">
-                <a16:creationId xmlns:a16="http://schemas.microsoft.com/office/drawing/2014/main" xmlns="" id="{E1DFE7D2-E553-469D-AC31-98D42A59362F}"/>
+                <a16:creationId xmlns="" xmlns:a16="http://schemas.microsoft.com/office/drawing/2014/main" id="{E1DFE7D2-E553-469D-AC31-98D42A59362F}"/>
               </a:ext>
             </a:extLst>
           </p:cNvPr>
@@ -11822,7 +12085,7 @@
           <p:cNvPr id="22" name="Group 21">
             <a:extLst>
               <a:ext uri="{FF2B5EF4-FFF2-40B4-BE49-F238E27FC236}">
-                <a16:creationId xmlns:a16="http://schemas.microsoft.com/office/drawing/2014/main" xmlns="" id="{F0192CF1-97B5-40E1-8DAA-3EDFC431C0D5}"/>
+                <a16:creationId xmlns="" xmlns:a16="http://schemas.microsoft.com/office/drawing/2014/main" id="{F0192CF1-97B5-40E1-8DAA-3EDFC431C0D5}"/>
               </a:ext>
             </a:extLst>
           </p:cNvPr>
@@ -11842,7 +12105,7 @@
             <p:cNvPr id="23" name="Rectangle 22">
               <a:extLst>
                 <a:ext uri="{FF2B5EF4-FFF2-40B4-BE49-F238E27FC236}">
-                  <a16:creationId xmlns:a16="http://schemas.microsoft.com/office/drawing/2014/main" xmlns="" id="{BDBF5120-749E-4129-B948-C87BB2A1AD98}"/>
+                  <a16:creationId xmlns="" xmlns:a16="http://schemas.microsoft.com/office/drawing/2014/main" id="{BDBF5120-749E-4129-B948-C87BB2A1AD98}"/>
                 </a:ext>
               </a:extLst>
             </p:cNvPr>
@@ -11920,7 +12183,7 @@
             <p:cNvPr id="24" name="Picture 23">
               <a:extLst>
                 <a:ext uri="{FF2B5EF4-FFF2-40B4-BE49-F238E27FC236}">
-                  <a16:creationId xmlns:a16="http://schemas.microsoft.com/office/drawing/2014/main" xmlns="" id="{3BD539B6-E0DC-4B91-B8F5-0F8408730673}"/>
+                  <a16:creationId xmlns="" xmlns:a16="http://schemas.microsoft.com/office/drawing/2014/main" id="{3BD539B6-E0DC-4B91-B8F5-0F8408730673}"/>
                 </a:ext>
               </a:extLst>
             </p:cNvPr>
@@ -11957,7 +12220,7 @@
           <p:cNvPr id="32" name="TextBox 31">
             <a:extLst>
               <a:ext uri="{FF2B5EF4-FFF2-40B4-BE49-F238E27FC236}">
-                <a16:creationId xmlns:a16="http://schemas.microsoft.com/office/drawing/2014/main" xmlns="" id="{23B352A9-D2E5-4E42-8F86-090C1E93CE40}"/>
+                <a16:creationId xmlns="" xmlns:a16="http://schemas.microsoft.com/office/drawing/2014/main" id="{23B352A9-D2E5-4E42-8F86-090C1E93CE40}"/>
               </a:ext>
             </a:extLst>
           </p:cNvPr>
@@ -12012,7 +12275,7 @@
           <p:cNvPr id="33" name="TextBox 32">
             <a:extLst>
               <a:ext uri="{FF2B5EF4-FFF2-40B4-BE49-F238E27FC236}">
-                <a16:creationId xmlns:a16="http://schemas.microsoft.com/office/drawing/2014/main" xmlns="" id="{7D4D2B2E-1B88-4B74-94AD-CD5FAC516325}"/>
+                <a16:creationId xmlns="" xmlns:a16="http://schemas.microsoft.com/office/drawing/2014/main" id="{7D4D2B2E-1B88-4B74-94AD-CD5FAC516325}"/>
               </a:ext>
             </a:extLst>
           </p:cNvPr>
@@ -12079,7 +12342,7 @@
           <p:cNvPr id="34" name="TextBox 33">
             <a:extLst>
               <a:ext uri="{FF2B5EF4-FFF2-40B4-BE49-F238E27FC236}">
-                <a16:creationId xmlns:a16="http://schemas.microsoft.com/office/drawing/2014/main" xmlns="" id="{880CC98C-5F2F-4808-85CC-5513F0BBED06}"/>
+                <a16:creationId xmlns="" xmlns:a16="http://schemas.microsoft.com/office/drawing/2014/main" id="{880CC98C-5F2F-4808-85CC-5513F0BBED06}"/>
               </a:ext>
             </a:extLst>
           </p:cNvPr>
@@ -12134,7 +12397,7 @@
           <p:cNvPr id="35" name="TextBox 34">
             <a:extLst>
               <a:ext uri="{FF2B5EF4-FFF2-40B4-BE49-F238E27FC236}">
-                <a16:creationId xmlns:a16="http://schemas.microsoft.com/office/drawing/2014/main" xmlns="" id="{72644866-79CA-4747-80B5-367DBBC423E8}"/>
+                <a16:creationId xmlns="" xmlns:a16="http://schemas.microsoft.com/office/drawing/2014/main" id="{72644866-79CA-4747-80B5-367DBBC423E8}"/>
               </a:ext>
             </a:extLst>
           </p:cNvPr>
@@ -12171,7 +12434,7 @@
           <p:cNvPr id="36" name="TextBox 35">
             <a:extLst>
               <a:ext uri="{FF2B5EF4-FFF2-40B4-BE49-F238E27FC236}">
-                <a16:creationId xmlns:a16="http://schemas.microsoft.com/office/drawing/2014/main" xmlns="" id="{6044C464-4557-4545-AE3E-834D38DAD8F6}"/>
+                <a16:creationId xmlns="" xmlns:a16="http://schemas.microsoft.com/office/drawing/2014/main" id="{6044C464-4557-4545-AE3E-834D38DAD8F6}"/>
               </a:ext>
             </a:extLst>
           </p:cNvPr>
@@ -12208,7 +12471,7 @@
           <p:cNvPr id="37" name="TextBox 36">
             <a:extLst>
               <a:ext uri="{FF2B5EF4-FFF2-40B4-BE49-F238E27FC236}">
-                <a16:creationId xmlns:a16="http://schemas.microsoft.com/office/drawing/2014/main" xmlns="" id="{12A74E4C-1180-45CF-82D0-F78FC2C95AA5}"/>
+                <a16:creationId xmlns="" xmlns:a16="http://schemas.microsoft.com/office/drawing/2014/main" id="{12A74E4C-1180-45CF-82D0-F78FC2C95AA5}"/>
               </a:ext>
             </a:extLst>
           </p:cNvPr>
@@ -12278,7 +12541,7 @@
           <p:cNvPr id="6" name="TextBox 5">
             <a:extLst>
               <a:ext uri="{FF2B5EF4-FFF2-40B4-BE49-F238E27FC236}">
-                <a16:creationId xmlns:a16="http://schemas.microsoft.com/office/drawing/2014/main" xmlns="" id="{CD2A8DE0-B0E7-40FB-9538-60D54401A4F8}"/>
+                <a16:creationId xmlns="" xmlns:a16="http://schemas.microsoft.com/office/drawing/2014/main" id="{CD2A8DE0-B0E7-40FB-9538-60D54401A4F8}"/>
               </a:ext>
             </a:extLst>
           </p:cNvPr>
@@ -12378,7 +12641,7 @@
           <p:cNvPr id="11" name="Picture 10">
             <a:extLst>
               <a:ext uri="{FF2B5EF4-FFF2-40B4-BE49-F238E27FC236}">
-                <a16:creationId xmlns:a16="http://schemas.microsoft.com/office/drawing/2014/main" xmlns="" id="{F6164AE6-B86F-4668-B82E-2CCF243694C5}"/>
+                <a16:creationId xmlns="" xmlns:a16="http://schemas.microsoft.com/office/drawing/2014/main" id="{F6164AE6-B86F-4668-B82E-2CCF243694C5}"/>
               </a:ext>
             </a:extLst>
           </p:cNvPr>
@@ -12408,7 +12671,7 @@
           <p:cNvPr id="41" name="Rectangle 40">
             <a:extLst>
               <a:ext uri="{FF2B5EF4-FFF2-40B4-BE49-F238E27FC236}">
-                <a16:creationId xmlns:a16="http://schemas.microsoft.com/office/drawing/2014/main" xmlns="" id="{E81BDFDF-A2C2-47AD-8D90-A0FE79376AA6}"/>
+                <a16:creationId xmlns="" xmlns:a16="http://schemas.microsoft.com/office/drawing/2014/main" id="{E81BDFDF-A2C2-47AD-8D90-A0FE79376AA6}"/>
               </a:ext>
             </a:extLst>
           </p:cNvPr>
@@ -12486,7 +12749,7 @@
           <p:cNvPr id="43" name="TextBox 42">
             <a:extLst>
               <a:ext uri="{FF2B5EF4-FFF2-40B4-BE49-F238E27FC236}">
-                <a16:creationId xmlns:a16="http://schemas.microsoft.com/office/drawing/2014/main" xmlns="" id="{F43B97D8-23B6-4B2F-AE82-8C0B2E7C3495}"/>
+                <a16:creationId xmlns="" xmlns:a16="http://schemas.microsoft.com/office/drawing/2014/main" id="{F43B97D8-23B6-4B2F-AE82-8C0B2E7C3495}"/>
               </a:ext>
             </a:extLst>
           </p:cNvPr>
@@ -12610,7 +12873,7 @@
           <p:cNvPr id="3" name="Table 3">
             <a:extLst>
               <a:ext uri="{FF2B5EF4-FFF2-40B4-BE49-F238E27FC236}">
-                <a16:creationId xmlns:a16="http://schemas.microsoft.com/office/drawing/2014/main" xmlns="" id="{9B423CCB-E8FB-4CDB-A31C-9E89725D6698}"/>
+                <a16:creationId xmlns="" xmlns:a16="http://schemas.microsoft.com/office/drawing/2014/main" id="{9B423CCB-E8FB-4CDB-A31C-9E89725D6698}"/>
               </a:ext>
             </a:extLst>
           </p:cNvPr>
@@ -12639,35 +12902,35 @@
                 <a:gridCol w="1397116">
                   <a:extLst>
                     <a:ext uri="{9D8B030D-6E8A-4147-A177-3AD203B41FA5}">
-                      <a16:colId xmlns:a16="http://schemas.microsoft.com/office/drawing/2014/main" xmlns="" val="3679797539"/>
+                      <a16:colId xmlns="" xmlns:a16="http://schemas.microsoft.com/office/drawing/2014/main" val="3679797539"/>
                     </a:ext>
                   </a:extLst>
                 </a:gridCol>
                 <a:gridCol w="1397116">
                   <a:extLst>
                     <a:ext uri="{9D8B030D-6E8A-4147-A177-3AD203B41FA5}">
-                      <a16:colId xmlns:a16="http://schemas.microsoft.com/office/drawing/2014/main" xmlns="" val="4188008786"/>
+                      <a16:colId xmlns="" xmlns:a16="http://schemas.microsoft.com/office/drawing/2014/main" val="4188008786"/>
                     </a:ext>
                   </a:extLst>
                 </a:gridCol>
                 <a:gridCol w="2643435">
                   <a:extLst>
                     <a:ext uri="{9D8B030D-6E8A-4147-A177-3AD203B41FA5}">
-                      <a16:colId xmlns:a16="http://schemas.microsoft.com/office/drawing/2014/main" xmlns="" val="240713644"/>
+                      <a16:colId xmlns="" xmlns:a16="http://schemas.microsoft.com/office/drawing/2014/main" val="240713644"/>
                     </a:ext>
                   </a:extLst>
                 </a:gridCol>
                 <a:gridCol w="1283731">
                   <a:extLst>
                     <a:ext uri="{9D8B030D-6E8A-4147-A177-3AD203B41FA5}">
-                      <a16:colId xmlns:a16="http://schemas.microsoft.com/office/drawing/2014/main" xmlns="" val="3214238948"/>
+                      <a16:colId xmlns="" xmlns:a16="http://schemas.microsoft.com/office/drawing/2014/main" val="3214238948"/>
                     </a:ext>
                   </a:extLst>
                 </a:gridCol>
                 <a:gridCol w="1661298">
                   <a:extLst>
                     <a:ext uri="{9D8B030D-6E8A-4147-A177-3AD203B41FA5}">
-                      <a16:colId xmlns:a16="http://schemas.microsoft.com/office/drawing/2014/main" xmlns="" val="1291486487"/>
+                      <a16:colId xmlns="" xmlns:a16="http://schemas.microsoft.com/office/drawing/2014/main" val="1291486487"/>
                     </a:ext>
                   </a:extLst>
                 </a:gridCol>
@@ -12824,7 +13087,7 @@
                 </a:tc>
                 <a:extLst>
                   <a:ext uri="{0D108BD9-81ED-4DB2-BD59-A6C34878D82A}">
-                    <a16:rowId xmlns:a16="http://schemas.microsoft.com/office/drawing/2014/main" xmlns="" val="652390980"/>
+                    <a16:rowId xmlns="" xmlns:a16="http://schemas.microsoft.com/office/drawing/2014/main" val="652390980"/>
                   </a:ext>
                 </a:extLst>
               </a:tr>
@@ -12970,7 +13233,7 @@
                 </a:tc>
                 <a:extLst>
                   <a:ext uri="{0D108BD9-81ED-4DB2-BD59-A6C34878D82A}">
-                    <a16:rowId xmlns:a16="http://schemas.microsoft.com/office/drawing/2014/main" xmlns="" val="730336656"/>
+                    <a16:rowId xmlns="" xmlns:a16="http://schemas.microsoft.com/office/drawing/2014/main" val="730336656"/>
                   </a:ext>
                 </a:extLst>
               </a:tr>
@@ -13164,7 +13427,7 @@
                 </a:tc>
                 <a:extLst>
                   <a:ext uri="{0D108BD9-81ED-4DB2-BD59-A6C34878D82A}">
-                    <a16:rowId xmlns:a16="http://schemas.microsoft.com/office/drawing/2014/main" xmlns="" val="2897143220"/>
+                    <a16:rowId xmlns="" xmlns:a16="http://schemas.microsoft.com/office/drawing/2014/main" val="2897143220"/>
                   </a:ext>
                 </a:extLst>
               </a:tr>
@@ -13177,7 +13440,7 @@
           <p:cNvPr id="7" name="Picture 6">
             <a:extLst>
               <a:ext uri="{FF2B5EF4-FFF2-40B4-BE49-F238E27FC236}">
-                <a16:creationId xmlns:a16="http://schemas.microsoft.com/office/drawing/2014/main" xmlns="" id="{798CD5D1-9D70-45D6-834A-50850E654654}"/>
+                <a16:creationId xmlns="" xmlns:a16="http://schemas.microsoft.com/office/drawing/2014/main" id="{798CD5D1-9D70-45D6-834A-50850E654654}"/>
               </a:ext>
             </a:extLst>
           </p:cNvPr>
@@ -13212,7 +13475,7 @@
           <p:cNvPr id="9" name="Picture 8">
             <a:extLst>
               <a:ext uri="{FF2B5EF4-FFF2-40B4-BE49-F238E27FC236}">
-                <a16:creationId xmlns:a16="http://schemas.microsoft.com/office/drawing/2014/main" xmlns="" id="{EBB267E1-41AD-45A6-B6C2-FAA07AAB8FB6}"/>
+                <a16:creationId xmlns="" xmlns:a16="http://schemas.microsoft.com/office/drawing/2014/main" id="{EBB267E1-41AD-45A6-B6C2-FAA07AAB8FB6}"/>
               </a:ext>
             </a:extLst>
           </p:cNvPr>
@@ -13248,7 +13511,7 @@
           <p:cNvPr id="17" name="TextBox 16">
             <a:extLst>
               <a:ext uri="{FF2B5EF4-FFF2-40B4-BE49-F238E27FC236}">
-                <a16:creationId xmlns:a16="http://schemas.microsoft.com/office/drawing/2014/main" xmlns="" id="{D8855AE3-3414-440E-8C9F-70903C6BA91F}"/>
+                <a16:creationId xmlns="" xmlns:a16="http://schemas.microsoft.com/office/drawing/2014/main" id="{D8855AE3-3414-440E-8C9F-70903C6BA91F}"/>
               </a:ext>
             </a:extLst>
           </p:cNvPr>
@@ -13304,7 +13567,7 @@
           <p:cNvPr id="18" name="Rectangle 17">
             <a:extLst>
               <a:ext uri="{FF2B5EF4-FFF2-40B4-BE49-F238E27FC236}">
-                <a16:creationId xmlns:a16="http://schemas.microsoft.com/office/drawing/2014/main" xmlns="" id="{49DC6DD1-7A8F-4D6E-BCFF-6C9A2C086C04}"/>
+                <a16:creationId xmlns="" xmlns:a16="http://schemas.microsoft.com/office/drawing/2014/main" id="{49DC6DD1-7A8F-4D6E-BCFF-6C9A2C086C04}"/>
               </a:ext>
             </a:extLst>
           </p:cNvPr>
@@ -13350,7 +13613,7 @@
           <p:cNvPr id="29" name="Picture 28">
             <a:extLst>
               <a:ext uri="{FF2B5EF4-FFF2-40B4-BE49-F238E27FC236}">
-                <a16:creationId xmlns:a16="http://schemas.microsoft.com/office/drawing/2014/main" xmlns="" id="{2BC60C21-8910-44A3-B261-05905A0D88F5}"/>
+                <a16:creationId xmlns="" xmlns:a16="http://schemas.microsoft.com/office/drawing/2014/main" id="{2BC60C21-8910-44A3-B261-05905A0D88F5}"/>
               </a:ext>
             </a:extLst>
           </p:cNvPr>
@@ -13385,7 +13648,7 @@
           <p:cNvPr id="30" name="Picture 29">
             <a:extLst>
               <a:ext uri="{FF2B5EF4-FFF2-40B4-BE49-F238E27FC236}">
-                <a16:creationId xmlns:a16="http://schemas.microsoft.com/office/drawing/2014/main" xmlns="" id="{BDC1081C-99D0-458D-8456-D8E354B8D26E}"/>
+                <a16:creationId xmlns="" xmlns:a16="http://schemas.microsoft.com/office/drawing/2014/main" id="{BDC1081C-99D0-458D-8456-D8E354B8D26E}"/>
               </a:ext>
             </a:extLst>
           </p:cNvPr>
@@ -13421,7 +13684,7 @@
           <p:cNvPr id="25" name="Picture 24">
             <a:extLst>
               <a:ext uri="{FF2B5EF4-FFF2-40B4-BE49-F238E27FC236}">
-                <a16:creationId xmlns:a16="http://schemas.microsoft.com/office/drawing/2014/main" xmlns="" id="{6DFBF82F-6D9F-4652-B29D-D8A47C76365C}"/>
+                <a16:creationId xmlns="" xmlns:a16="http://schemas.microsoft.com/office/drawing/2014/main" id="{6DFBF82F-6D9F-4652-B29D-D8A47C76365C}"/>
               </a:ext>
             </a:extLst>
           </p:cNvPr>
@@ -13457,7 +13720,7 @@
           <p:cNvPr id="26" name="Picture 15" descr="C:\Users\HuyTran\Desktop\WPF project\vendor.png">
             <a:extLst>
               <a:ext uri="{FF2B5EF4-FFF2-40B4-BE49-F238E27FC236}">
-                <a16:creationId xmlns:a16="http://schemas.microsoft.com/office/drawing/2014/main" xmlns="" id="{5C34EC34-7E69-4C48-AEC1-7D5783C00694}"/>
+                <a16:creationId xmlns="" xmlns:a16="http://schemas.microsoft.com/office/drawing/2014/main" id="{5C34EC34-7E69-4C48-AEC1-7D5783C00694}"/>
               </a:ext>
             </a:extLst>
           </p:cNvPr>
@@ -13504,7 +13767,7 @@
           <p:cNvPr id="27" name="TextBox 26">
             <a:extLst>
               <a:ext uri="{FF2B5EF4-FFF2-40B4-BE49-F238E27FC236}">
-                <a16:creationId xmlns:a16="http://schemas.microsoft.com/office/drawing/2014/main" xmlns="" id="{63137638-498A-47AC-B83C-BEFF6208AB14}"/>
+                <a16:creationId xmlns="" xmlns:a16="http://schemas.microsoft.com/office/drawing/2014/main" id="{63137638-498A-47AC-B83C-BEFF6208AB14}"/>
               </a:ext>
             </a:extLst>
           </p:cNvPr>
@@ -13547,7 +13810,7 @@
           <p:cNvPr id="28" name="Rectangle 27">
             <a:extLst>
               <a:ext uri="{FF2B5EF4-FFF2-40B4-BE49-F238E27FC236}">
-                <a16:creationId xmlns:a16="http://schemas.microsoft.com/office/drawing/2014/main" xmlns="" id="{0B057384-08ED-4852-B500-A731E8853351}"/>
+                <a16:creationId xmlns="" xmlns:a16="http://schemas.microsoft.com/office/drawing/2014/main" id="{0B057384-08ED-4852-B500-A731E8853351}"/>
               </a:ext>
             </a:extLst>
           </p:cNvPr>
@@ -13593,7 +13856,7 @@
           <p:cNvPr id="31" name="TextBox 30">
             <a:extLst>
               <a:ext uri="{FF2B5EF4-FFF2-40B4-BE49-F238E27FC236}">
-                <a16:creationId xmlns:a16="http://schemas.microsoft.com/office/drawing/2014/main" xmlns="" id="{B05534EA-BA99-4206-BA4C-D4935B9AE8CD}"/>
+                <a16:creationId xmlns="" xmlns:a16="http://schemas.microsoft.com/office/drawing/2014/main" id="{B05534EA-BA99-4206-BA4C-D4935B9AE8CD}"/>
               </a:ext>
             </a:extLst>
           </p:cNvPr>
@@ -13636,7 +13899,7 @@
           <p:cNvPr id="35" name="Rectangle 34">
             <a:extLst>
               <a:ext uri="{FF2B5EF4-FFF2-40B4-BE49-F238E27FC236}">
-                <a16:creationId xmlns:a16="http://schemas.microsoft.com/office/drawing/2014/main" xmlns="" id="{06E56464-0307-4F45-BFCD-957347011BF6}"/>
+                <a16:creationId xmlns="" xmlns:a16="http://schemas.microsoft.com/office/drawing/2014/main" id="{06E56464-0307-4F45-BFCD-957347011BF6}"/>
               </a:ext>
             </a:extLst>
           </p:cNvPr>
@@ -13682,7 +13945,7 @@
           <p:cNvPr id="19" name="TextBox 18">
             <a:extLst>
               <a:ext uri="{FF2B5EF4-FFF2-40B4-BE49-F238E27FC236}">
-                <a16:creationId xmlns:a16="http://schemas.microsoft.com/office/drawing/2014/main" xmlns="" id="{2DE7C752-9266-403A-9A14-34F604EB1A41}"/>
+                <a16:creationId xmlns="" xmlns:a16="http://schemas.microsoft.com/office/drawing/2014/main" id="{2DE7C752-9266-403A-9A14-34F604EB1A41}"/>
               </a:ext>
             </a:extLst>
           </p:cNvPr>
@@ -13765,7 +14028,7 @@
           <p:cNvPr id="20" name="TextBox 19">
             <a:extLst>
               <a:ext uri="{FF2B5EF4-FFF2-40B4-BE49-F238E27FC236}">
-                <a16:creationId xmlns:a16="http://schemas.microsoft.com/office/drawing/2014/main" xmlns="" id="{D30FBF0B-C980-4639-98C2-349AAC661AA5}"/>
+                <a16:creationId xmlns="" xmlns:a16="http://schemas.microsoft.com/office/drawing/2014/main" id="{D30FBF0B-C980-4639-98C2-349AAC661AA5}"/>
               </a:ext>
             </a:extLst>
           </p:cNvPr>
@@ -13853,11 +14116,11 @@
   <p:clrMapOvr>
     <a:masterClrMapping/>
   </p:clrMapOvr>
-  <mc:AlternateContent xmlns:mc="http://schemas.openxmlformats.org/markup-compatibility/2006">
-    <mc:Choice xmlns:p14="http://schemas.microsoft.com/office/powerpoint/2010/main" Requires="p14">
+  <mc:AlternateContent xmlns:mc="http://schemas.openxmlformats.org/markup-compatibility/2006" xmlns:p14="http://schemas.microsoft.com/office/powerpoint/2010/main">
+    <mc:Choice Requires="p14">
       <p:transition spd="slow" p14:dur="2000"/>
     </mc:Choice>
-    <mc:Fallback>
+    <mc:Fallback xmlns="">
       <p:transition spd="slow"/>
     </mc:Fallback>
   </mc:AlternateContent>
@@ -13886,7 +14149,7 @@
           <p:cNvPr id="6" name="TextBox 5">
             <a:extLst>
               <a:ext uri="{FF2B5EF4-FFF2-40B4-BE49-F238E27FC236}">
-                <a16:creationId xmlns:a16="http://schemas.microsoft.com/office/drawing/2014/main" xmlns="" id="{CD2A8DE0-B0E7-40FB-9538-60D54401A4F8}"/>
+                <a16:creationId xmlns="" xmlns:a16="http://schemas.microsoft.com/office/drawing/2014/main" id="{CD2A8DE0-B0E7-40FB-9538-60D54401A4F8}"/>
               </a:ext>
             </a:extLst>
           </p:cNvPr>
@@ -13962,7 +14225,7 @@
           <p:cNvPr id="11" name="Picture 10">
             <a:extLst>
               <a:ext uri="{FF2B5EF4-FFF2-40B4-BE49-F238E27FC236}">
-                <a16:creationId xmlns:a16="http://schemas.microsoft.com/office/drawing/2014/main" xmlns="" id="{F6164AE6-B86F-4668-B82E-2CCF243694C5}"/>
+                <a16:creationId xmlns="" xmlns:a16="http://schemas.microsoft.com/office/drawing/2014/main" id="{F6164AE6-B86F-4668-B82E-2CCF243694C5}"/>
               </a:ext>
             </a:extLst>
           </p:cNvPr>
@@ -13992,7 +14255,7 @@
           <p:cNvPr id="31" name="TextBox 30">
             <a:extLst>
               <a:ext uri="{FF2B5EF4-FFF2-40B4-BE49-F238E27FC236}">
-                <a16:creationId xmlns:a16="http://schemas.microsoft.com/office/drawing/2014/main" xmlns="" id="{5966DF16-C2DB-4C52-B444-530F784F1688}"/>
+                <a16:creationId xmlns="" xmlns:a16="http://schemas.microsoft.com/office/drawing/2014/main" id="{5966DF16-C2DB-4C52-B444-530F784F1688}"/>
               </a:ext>
             </a:extLst>
           </p:cNvPr>
@@ -14059,7 +14322,7 @@
           <p:cNvPr id="34" name="TextBox 33">
             <a:extLst>
               <a:ext uri="{FF2B5EF4-FFF2-40B4-BE49-F238E27FC236}">
-                <a16:creationId xmlns:a16="http://schemas.microsoft.com/office/drawing/2014/main" xmlns="" id="{D1EA9BE8-A44E-409B-80DF-D0657D91E1A5}"/>
+                <a16:creationId xmlns="" xmlns:a16="http://schemas.microsoft.com/office/drawing/2014/main" id="{D1EA9BE8-A44E-409B-80DF-D0657D91E1A5}"/>
               </a:ext>
             </a:extLst>
           </p:cNvPr>
@@ -14138,7 +14401,7 @@
           <p:cNvPr id="47" name="Rectangle 46">
             <a:extLst>
               <a:ext uri="{FF2B5EF4-FFF2-40B4-BE49-F238E27FC236}">
-                <a16:creationId xmlns:a16="http://schemas.microsoft.com/office/drawing/2014/main" xmlns="" id="{3996E642-D4A2-4D79-A742-5550448C1FDF}"/>
+                <a16:creationId xmlns="" xmlns:a16="http://schemas.microsoft.com/office/drawing/2014/main" id="{3996E642-D4A2-4D79-A742-5550448C1FDF}"/>
               </a:ext>
             </a:extLst>
           </p:cNvPr>
@@ -14216,7 +14479,7 @@
           <p:cNvPr id="54" name="TextBox 53">
             <a:extLst>
               <a:ext uri="{FF2B5EF4-FFF2-40B4-BE49-F238E27FC236}">
-                <a16:creationId xmlns:a16="http://schemas.microsoft.com/office/drawing/2014/main" xmlns="" id="{E05C8096-46D4-4A7C-A2B8-9D79A1BCDC32}"/>
+                <a16:creationId xmlns="" xmlns:a16="http://schemas.microsoft.com/office/drawing/2014/main" id="{E05C8096-46D4-4A7C-A2B8-9D79A1BCDC32}"/>
               </a:ext>
             </a:extLst>
           </p:cNvPr>
@@ -14295,7 +14558,7 @@
           <p:cNvPr id="56" name="Rectangle 55">
             <a:extLst>
               <a:ext uri="{FF2B5EF4-FFF2-40B4-BE49-F238E27FC236}">
-                <a16:creationId xmlns:a16="http://schemas.microsoft.com/office/drawing/2014/main" xmlns="" id="{D1AFC196-8286-44EA-B141-AB550462EA4C}"/>
+                <a16:creationId xmlns="" xmlns:a16="http://schemas.microsoft.com/office/drawing/2014/main" id="{D1AFC196-8286-44EA-B141-AB550462EA4C}"/>
               </a:ext>
             </a:extLst>
           </p:cNvPr>
@@ -14341,7 +14604,7 @@
           <p:cNvPr id="57" name="Rectangle 56">
             <a:extLst>
               <a:ext uri="{FF2B5EF4-FFF2-40B4-BE49-F238E27FC236}">
-                <a16:creationId xmlns:a16="http://schemas.microsoft.com/office/drawing/2014/main" xmlns="" id="{93F1A291-15A0-4EEE-A517-C4C056E66505}"/>
+                <a16:creationId xmlns="" xmlns:a16="http://schemas.microsoft.com/office/drawing/2014/main" id="{93F1A291-15A0-4EEE-A517-C4C056E66505}"/>
               </a:ext>
             </a:extLst>
           </p:cNvPr>
@@ -14401,7 +14664,7 @@
           <p:cNvPr id="58" name="Rectangle 57">
             <a:extLst>
               <a:ext uri="{FF2B5EF4-FFF2-40B4-BE49-F238E27FC236}">
-                <a16:creationId xmlns:a16="http://schemas.microsoft.com/office/drawing/2014/main" xmlns="" id="{C313D5D0-14D9-4013-A702-8F05786AB4A7}"/>
+                <a16:creationId xmlns="" xmlns:a16="http://schemas.microsoft.com/office/drawing/2014/main" id="{C313D5D0-14D9-4013-A702-8F05786AB4A7}"/>
               </a:ext>
             </a:extLst>
           </p:cNvPr>
@@ -14475,7 +14738,7 @@
           <p:cNvPr id="63" name="TextBox 62">
             <a:extLst>
               <a:ext uri="{FF2B5EF4-FFF2-40B4-BE49-F238E27FC236}">
-                <a16:creationId xmlns:a16="http://schemas.microsoft.com/office/drawing/2014/main" xmlns="" id="{5C4E79A3-8CAA-468B-A296-FDF5DF35DB8E}"/>
+                <a16:creationId xmlns="" xmlns:a16="http://schemas.microsoft.com/office/drawing/2014/main" id="{5C4E79A3-8CAA-468B-A296-FDF5DF35DB8E}"/>
               </a:ext>
             </a:extLst>
           </p:cNvPr>
@@ -14530,7 +14793,7 @@
           <p:cNvPr id="64" name="Rectangle 63">
             <a:extLst>
               <a:ext uri="{FF2B5EF4-FFF2-40B4-BE49-F238E27FC236}">
-                <a16:creationId xmlns:a16="http://schemas.microsoft.com/office/drawing/2014/main" xmlns="" id="{0829BC16-F805-4F38-821A-1F207D5BC17B}"/>
+                <a16:creationId xmlns="" xmlns:a16="http://schemas.microsoft.com/office/drawing/2014/main" id="{0829BC16-F805-4F38-821A-1F207D5BC17B}"/>
               </a:ext>
             </a:extLst>
           </p:cNvPr>
@@ -14575,7 +14838,7 @@
           <p:cNvPr id="2" name="Isosceles Triangle 1">
             <a:extLst>
               <a:ext uri="{FF2B5EF4-FFF2-40B4-BE49-F238E27FC236}">
-                <a16:creationId xmlns:a16="http://schemas.microsoft.com/office/drawing/2014/main" xmlns="" id="{A803AD18-415E-4067-8241-BA7F4157E4B7}"/>
+                <a16:creationId xmlns="" xmlns:a16="http://schemas.microsoft.com/office/drawing/2014/main" id="{A803AD18-415E-4067-8241-BA7F4157E4B7}"/>
               </a:ext>
             </a:extLst>
           </p:cNvPr>
@@ -14631,7 +14894,7 @@
           <p:cNvPr id="33" name="TextBox 32">
             <a:extLst>
               <a:ext uri="{FF2B5EF4-FFF2-40B4-BE49-F238E27FC236}">
-                <a16:creationId xmlns:a16="http://schemas.microsoft.com/office/drawing/2014/main" xmlns="" id="{714AA337-E53A-4C36-B973-9951830BBDDF}"/>
+                <a16:creationId xmlns="" xmlns:a16="http://schemas.microsoft.com/office/drawing/2014/main" id="{714AA337-E53A-4C36-B973-9951830BBDDF}"/>
               </a:ext>
             </a:extLst>
           </p:cNvPr>
@@ -14707,7 +14970,7 @@
           <p:cNvPr id="38" name="Picture 15" descr="C:\Users\HuyTran\Desktop\WPF project\vendor.png">
             <a:extLst>
               <a:ext uri="{FF2B5EF4-FFF2-40B4-BE49-F238E27FC236}">
-                <a16:creationId xmlns:a16="http://schemas.microsoft.com/office/drawing/2014/main" xmlns="" id="{EE57F203-51CC-4E2B-B8DB-B71C73703F4E}"/>
+                <a16:creationId xmlns="" xmlns:a16="http://schemas.microsoft.com/office/drawing/2014/main" id="{EE57F203-51CC-4E2B-B8DB-B71C73703F4E}"/>
               </a:ext>
             </a:extLst>
           </p:cNvPr>
@@ -14754,7 +15017,7 @@
           <p:cNvPr id="4" name="Rectangle: Rounded Corners 3">
             <a:extLst>
               <a:ext uri="{FF2B5EF4-FFF2-40B4-BE49-F238E27FC236}">
-                <a16:creationId xmlns:a16="http://schemas.microsoft.com/office/drawing/2014/main" xmlns="" id="{ABC18C6D-7921-4575-A12F-F9110BFF0971}"/>
+                <a16:creationId xmlns="" xmlns:a16="http://schemas.microsoft.com/office/drawing/2014/main" id="{ABC18C6D-7921-4575-A12F-F9110BFF0971}"/>
               </a:ext>
             </a:extLst>
           </p:cNvPr>
@@ -14801,7 +15064,7 @@
           <p:cNvPr id="39" name="Table 3">
             <a:extLst>
               <a:ext uri="{FF2B5EF4-FFF2-40B4-BE49-F238E27FC236}">
-                <a16:creationId xmlns:a16="http://schemas.microsoft.com/office/drawing/2014/main" xmlns="" id="{D81FBA65-B9F1-4504-B0F9-1953EDEA2F90}"/>
+                <a16:creationId xmlns="" xmlns:a16="http://schemas.microsoft.com/office/drawing/2014/main" id="{D81FBA65-B9F1-4504-B0F9-1953EDEA2F90}"/>
               </a:ext>
             </a:extLst>
           </p:cNvPr>
@@ -14830,42 +15093,42 @@
                 <a:gridCol w="1407902">
                   <a:extLst>
                     <a:ext uri="{9D8B030D-6E8A-4147-A177-3AD203B41FA5}">
-                      <a16:colId xmlns:a16="http://schemas.microsoft.com/office/drawing/2014/main" xmlns="" val="2205170896"/>
+                      <a16:colId xmlns="" xmlns:a16="http://schemas.microsoft.com/office/drawing/2014/main" val="2205170896"/>
                     </a:ext>
                   </a:extLst>
                 </a:gridCol>
                 <a:gridCol w="1407902">
                   <a:extLst>
                     <a:ext uri="{9D8B030D-6E8A-4147-A177-3AD203B41FA5}">
-                      <a16:colId xmlns:a16="http://schemas.microsoft.com/office/drawing/2014/main" xmlns="" val="3679797539"/>
+                      <a16:colId xmlns="" xmlns:a16="http://schemas.microsoft.com/office/drawing/2014/main" val="3679797539"/>
                     </a:ext>
                   </a:extLst>
                 </a:gridCol>
                 <a:gridCol w="1407902">
                   <a:extLst>
                     <a:ext uri="{9D8B030D-6E8A-4147-A177-3AD203B41FA5}">
-                      <a16:colId xmlns:a16="http://schemas.microsoft.com/office/drawing/2014/main" xmlns="" val="742831095"/>
+                      <a16:colId xmlns="" xmlns:a16="http://schemas.microsoft.com/office/drawing/2014/main" val="742831095"/>
                     </a:ext>
                   </a:extLst>
                 </a:gridCol>
                 <a:gridCol w="1407902">
                   <a:extLst>
                     <a:ext uri="{9D8B030D-6E8A-4147-A177-3AD203B41FA5}">
-                      <a16:colId xmlns:a16="http://schemas.microsoft.com/office/drawing/2014/main" xmlns="" val="4188008786"/>
+                      <a16:colId xmlns="" xmlns:a16="http://schemas.microsoft.com/office/drawing/2014/main" val="4188008786"/>
                     </a:ext>
                   </a:extLst>
                 </a:gridCol>
                 <a:gridCol w="2282404">
                   <a:extLst>
                     <a:ext uri="{9D8B030D-6E8A-4147-A177-3AD203B41FA5}">
-                      <a16:colId xmlns:a16="http://schemas.microsoft.com/office/drawing/2014/main" xmlns="" val="3214238948"/>
+                      <a16:colId xmlns="" xmlns:a16="http://schemas.microsoft.com/office/drawing/2014/main" val="3214238948"/>
                     </a:ext>
                   </a:extLst>
                 </a:gridCol>
                 <a:gridCol w="533400">
                   <a:extLst>
                     <a:ext uri="{9D8B030D-6E8A-4147-A177-3AD203B41FA5}">
-                      <a16:colId xmlns:a16="http://schemas.microsoft.com/office/drawing/2014/main" xmlns="" val="4284112643"/>
+                      <a16:colId xmlns="" xmlns:a16="http://schemas.microsoft.com/office/drawing/2014/main" val="4284112643"/>
                     </a:ext>
                   </a:extLst>
                 </a:gridCol>
@@ -15043,7 +15306,7 @@
                 </a:tc>
                 <a:extLst>
                   <a:ext uri="{0D108BD9-81ED-4DB2-BD59-A6C34878D82A}">
-                    <a16:rowId xmlns:a16="http://schemas.microsoft.com/office/drawing/2014/main" xmlns="" val="652390980"/>
+                    <a16:rowId xmlns="" xmlns:a16="http://schemas.microsoft.com/office/drawing/2014/main" val="652390980"/>
                   </a:ext>
                 </a:extLst>
               </a:tr>
@@ -15179,7 +15442,7 @@
                 </a:tc>
                 <a:extLst>
                   <a:ext uri="{0D108BD9-81ED-4DB2-BD59-A6C34878D82A}">
-                    <a16:rowId xmlns:a16="http://schemas.microsoft.com/office/drawing/2014/main" xmlns="" val="730336656"/>
+                    <a16:rowId xmlns="" xmlns:a16="http://schemas.microsoft.com/office/drawing/2014/main" val="730336656"/>
                   </a:ext>
                 </a:extLst>
               </a:tr>
@@ -15315,7 +15578,7 @@
                 </a:tc>
                 <a:extLst>
                   <a:ext uri="{0D108BD9-81ED-4DB2-BD59-A6C34878D82A}">
-                    <a16:rowId xmlns:a16="http://schemas.microsoft.com/office/drawing/2014/main" xmlns="" val="2897143220"/>
+                    <a16:rowId xmlns="" xmlns:a16="http://schemas.microsoft.com/office/drawing/2014/main" val="2897143220"/>
                   </a:ext>
                 </a:extLst>
               </a:tr>
@@ -15328,7 +15591,7 @@
           <p:cNvPr id="41" name="Picture 40">
             <a:extLst>
               <a:ext uri="{FF2B5EF4-FFF2-40B4-BE49-F238E27FC236}">
-                <a16:creationId xmlns:a16="http://schemas.microsoft.com/office/drawing/2014/main" xmlns="" id="{B087BF17-3420-4BAA-B027-A271E65F16C7}"/>
+                <a16:creationId xmlns="" xmlns:a16="http://schemas.microsoft.com/office/drawing/2014/main" id="{B087BF17-3420-4BAA-B027-A271E65F16C7}"/>
               </a:ext>
             </a:extLst>
           </p:cNvPr>
@@ -15364,7 +15627,7 @@
           <p:cNvPr id="42" name="Picture 41">
             <a:extLst>
               <a:ext uri="{FF2B5EF4-FFF2-40B4-BE49-F238E27FC236}">
-                <a16:creationId xmlns:a16="http://schemas.microsoft.com/office/drawing/2014/main" xmlns="" id="{996136BD-5978-496E-9680-3E5C65A5A765}"/>
+                <a16:creationId xmlns="" xmlns:a16="http://schemas.microsoft.com/office/drawing/2014/main" id="{996136BD-5978-496E-9680-3E5C65A5A765}"/>
               </a:ext>
             </a:extLst>
           </p:cNvPr>
@@ -15400,7 +15663,7 @@
           <p:cNvPr id="43" name="TextBox 42">
             <a:extLst>
               <a:ext uri="{FF2B5EF4-FFF2-40B4-BE49-F238E27FC236}">
-                <a16:creationId xmlns:a16="http://schemas.microsoft.com/office/drawing/2014/main" xmlns="" id="{B2D7C725-066E-488A-B762-81226FC59499}"/>
+                <a16:creationId xmlns="" xmlns:a16="http://schemas.microsoft.com/office/drawing/2014/main" id="{B2D7C725-066E-488A-B762-81226FC59499}"/>
               </a:ext>
             </a:extLst>
           </p:cNvPr>
@@ -15455,7 +15718,7 @@
           <p:cNvPr id="44" name="TextBox 43">
             <a:extLst>
               <a:ext uri="{FF2B5EF4-FFF2-40B4-BE49-F238E27FC236}">
-                <a16:creationId xmlns:a16="http://schemas.microsoft.com/office/drawing/2014/main" xmlns="" id="{F498808D-A113-4D36-991E-354312065658}"/>
+                <a16:creationId xmlns="" xmlns:a16="http://schemas.microsoft.com/office/drawing/2014/main" id="{F498808D-A113-4D36-991E-354312065658}"/>
               </a:ext>
             </a:extLst>
           </p:cNvPr>
@@ -15492,7 +15755,7 @@
           <p:cNvPr id="45" name="TextBox 44">
             <a:extLst>
               <a:ext uri="{FF2B5EF4-FFF2-40B4-BE49-F238E27FC236}">
-                <a16:creationId xmlns:a16="http://schemas.microsoft.com/office/drawing/2014/main" xmlns="" id="{A1FDA721-3EDE-4D14-899F-A164F4000F30}"/>
+                <a16:creationId xmlns="" xmlns:a16="http://schemas.microsoft.com/office/drawing/2014/main" id="{A1FDA721-3EDE-4D14-899F-A164F4000F30}"/>
               </a:ext>
             </a:extLst>
           </p:cNvPr>
@@ -15548,7 +15811,7 @@
           <p:cNvPr id="46" name="Rectangle 45">
             <a:extLst>
               <a:ext uri="{FF2B5EF4-FFF2-40B4-BE49-F238E27FC236}">
-                <a16:creationId xmlns:a16="http://schemas.microsoft.com/office/drawing/2014/main" xmlns="" id="{B8A0A57E-4A4B-4365-8269-EAC1FEFB6F3E}"/>
+                <a16:creationId xmlns="" xmlns:a16="http://schemas.microsoft.com/office/drawing/2014/main" id="{B8A0A57E-4A4B-4365-8269-EAC1FEFB6F3E}"/>
               </a:ext>
             </a:extLst>
           </p:cNvPr>
@@ -15594,7 +15857,7 @@
           <p:cNvPr id="50" name="TextBox 49">
             <a:extLst>
               <a:ext uri="{FF2B5EF4-FFF2-40B4-BE49-F238E27FC236}">
-                <a16:creationId xmlns:a16="http://schemas.microsoft.com/office/drawing/2014/main" xmlns="" id="{42F4B878-A027-4843-B5F4-1E5FD57DE689}"/>
+                <a16:creationId xmlns="" xmlns:a16="http://schemas.microsoft.com/office/drawing/2014/main" id="{42F4B878-A027-4843-B5F4-1E5FD57DE689}"/>
               </a:ext>
             </a:extLst>
           </p:cNvPr>
@@ -15649,7 +15912,7 @@
           <p:cNvPr id="51" name="Rectangle 50">
             <a:extLst>
               <a:ext uri="{FF2B5EF4-FFF2-40B4-BE49-F238E27FC236}">
-                <a16:creationId xmlns:a16="http://schemas.microsoft.com/office/drawing/2014/main" xmlns="" id="{EAAEBF77-B728-4D57-8E85-2A4F299A8A76}"/>
+                <a16:creationId xmlns="" xmlns:a16="http://schemas.microsoft.com/office/drawing/2014/main" id="{EAAEBF77-B728-4D57-8E85-2A4F299A8A76}"/>
               </a:ext>
             </a:extLst>
           </p:cNvPr>
@@ -15695,7 +15958,7 @@
           <p:cNvPr id="52" name="TextBox 51">
             <a:extLst>
               <a:ext uri="{FF2B5EF4-FFF2-40B4-BE49-F238E27FC236}">
-                <a16:creationId xmlns:a16="http://schemas.microsoft.com/office/drawing/2014/main" xmlns="" id="{FAC9516D-B61B-4835-91FB-34C9D25A8EC6}"/>
+                <a16:creationId xmlns="" xmlns:a16="http://schemas.microsoft.com/office/drawing/2014/main" id="{FAC9516D-B61B-4835-91FB-34C9D25A8EC6}"/>
               </a:ext>
             </a:extLst>
           </p:cNvPr>
@@ -15750,7 +16013,7 @@
           <p:cNvPr id="59" name="Rectangle 58">
             <a:extLst>
               <a:ext uri="{FF2B5EF4-FFF2-40B4-BE49-F238E27FC236}">
-                <a16:creationId xmlns:a16="http://schemas.microsoft.com/office/drawing/2014/main" xmlns="" id="{E6D6D1D3-FC22-4773-9A16-7C93EF827A83}"/>
+                <a16:creationId xmlns="" xmlns:a16="http://schemas.microsoft.com/office/drawing/2014/main" id="{E6D6D1D3-FC22-4773-9A16-7C93EF827A83}"/>
               </a:ext>
             </a:extLst>
           </p:cNvPr>
@@ -15796,7 +16059,7 @@
           <p:cNvPr id="60" name="Rectangle: Rounded Corners 59">
             <a:extLst>
               <a:ext uri="{FF2B5EF4-FFF2-40B4-BE49-F238E27FC236}">
-                <a16:creationId xmlns:a16="http://schemas.microsoft.com/office/drawing/2014/main" xmlns="" id="{1183DE86-55E0-4912-A784-AD7F56C03513}"/>
+                <a16:creationId xmlns="" xmlns:a16="http://schemas.microsoft.com/office/drawing/2014/main" id="{1183DE86-55E0-4912-A784-AD7F56C03513}"/>
               </a:ext>
             </a:extLst>
           </p:cNvPr>
@@ -15843,7 +16106,7 @@
           <p:cNvPr id="65" name="TextBox 64">
             <a:extLst>
               <a:ext uri="{FF2B5EF4-FFF2-40B4-BE49-F238E27FC236}">
-                <a16:creationId xmlns:a16="http://schemas.microsoft.com/office/drawing/2014/main" xmlns="" id="{6D68C27C-45F8-44C5-8B78-67642F566E94}"/>
+                <a16:creationId xmlns="" xmlns:a16="http://schemas.microsoft.com/office/drawing/2014/main" id="{6D68C27C-45F8-44C5-8B78-67642F566E94}"/>
               </a:ext>
             </a:extLst>
           </p:cNvPr>
@@ -15911,7 +16174,7 @@
           <p:cNvPr id="66" name="Rectangle 65">
             <a:extLst>
               <a:ext uri="{FF2B5EF4-FFF2-40B4-BE49-F238E27FC236}">
-                <a16:creationId xmlns:a16="http://schemas.microsoft.com/office/drawing/2014/main" xmlns="" id="{34540B77-C3AF-4D85-9B43-17EA48B8FFF1}"/>
+                <a16:creationId xmlns="" xmlns:a16="http://schemas.microsoft.com/office/drawing/2014/main" id="{34540B77-C3AF-4D85-9B43-17EA48B8FFF1}"/>
               </a:ext>
             </a:extLst>
           </p:cNvPr>
@@ -15959,7 +16222,7 @@
           <p:cNvPr id="67" name="TextBox 66">
             <a:extLst>
               <a:ext uri="{FF2B5EF4-FFF2-40B4-BE49-F238E27FC236}">
-                <a16:creationId xmlns:a16="http://schemas.microsoft.com/office/drawing/2014/main" xmlns="" id="{F41370ED-4A86-4B0A-9F52-7BFE55371334}"/>
+                <a16:creationId xmlns="" xmlns:a16="http://schemas.microsoft.com/office/drawing/2014/main" id="{F41370ED-4A86-4B0A-9F52-7BFE55371334}"/>
               </a:ext>
             </a:extLst>
           </p:cNvPr>
@@ -16014,7 +16277,7 @@
           <p:cNvPr id="36" name="TextBox 35">
             <a:extLst>
               <a:ext uri="{FF2B5EF4-FFF2-40B4-BE49-F238E27FC236}">
-                <a16:creationId xmlns:a16="http://schemas.microsoft.com/office/drawing/2014/main" xmlns="" id="{80626531-6842-43BF-A345-F1B8B4296706}"/>
+                <a16:creationId xmlns="" xmlns:a16="http://schemas.microsoft.com/office/drawing/2014/main" id="{80626531-6842-43BF-A345-F1B8B4296706}"/>
               </a:ext>
             </a:extLst>
           </p:cNvPr>
@@ -16059,11 +16322,11 @@
   <p:clrMapOvr>
     <a:masterClrMapping/>
   </p:clrMapOvr>
-  <mc:AlternateContent xmlns:mc="http://schemas.openxmlformats.org/markup-compatibility/2006">
-    <mc:Choice xmlns:p14="http://schemas.microsoft.com/office/powerpoint/2010/main" Requires="p14">
+  <mc:AlternateContent xmlns:mc="http://schemas.openxmlformats.org/markup-compatibility/2006" xmlns:p14="http://schemas.microsoft.com/office/powerpoint/2010/main">
+    <mc:Choice Requires="p14">
       <p:transition spd="slow" p14:dur="2000"/>
     </mc:Choice>
-    <mc:Fallback>
+    <mc:Fallback xmlns="">
       <p:transition spd="slow"/>
     </mc:Fallback>
   </mc:AlternateContent>
@@ -16092,7 +16355,7 @@
           <p:cNvPr id="6" name="TextBox 5">
             <a:extLst>
               <a:ext uri="{FF2B5EF4-FFF2-40B4-BE49-F238E27FC236}">
-                <a16:creationId xmlns:a16="http://schemas.microsoft.com/office/drawing/2014/main" xmlns="" id="{CD2A8DE0-B0E7-40FB-9538-60D54401A4F8}"/>
+                <a16:creationId xmlns="" xmlns:a16="http://schemas.microsoft.com/office/drawing/2014/main" id="{CD2A8DE0-B0E7-40FB-9538-60D54401A4F8}"/>
               </a:ext>
             </a:extLst>
           </p:cNvPr>
@@ -16204,7 +16467,7 @@
           <p:cNvPr id="11" name="Picture 10">
             <a:extLst>
               <a:ext uri="{FF2B5EF4-FFF2-40B4-BE49-F238E27FC236}">
-                <a16:creationId xmlns:a16="http://schemas.microsoft.com/office/drawing/2014/main" xmlns="" id="{F6164AE6-B86F-4668-B82E-2CCF243694C5}"/>
+                <a16:creationId xmlns="" xmlns:a16="http://schemas.microsoft.com/office/drawing/2014/main" id="{F6164AE6-B86F-4668-B82E-2CCF243694C5}"/>
               </a:ext>
             </a:extLst>
           </p:cNvPr>
@@ -16234,7 +16497,7 @@
           <p:cNvPr id="31" name="TextBox 30">
             <a:extLst>
               <a:ext uri="{FF2B5EF4-FFF2-40B4-BE49-F238E27FC236}">
-                <a16:creationId xmlns:a16="http://schemas.microsoft.com/office/drawing/2014/main" xmlns="" id="{5966DF16-C2DB-4C52-B444-530F784F1688}"/>
+                <a16:creationId xmlns="" xmlns:a16="http://schemas.microsoft.com/office/drawing/2014/main" id="{5966DF16-C2DB-4C52-B444-530F784F1688}"/>
               </a:ext>
             </a:extLst>
           </p:cNvPr>
@@ -16301,7 +16564,7 @@
           <p:cNvPr id="47" name="Rectangle 46">
             <a:extLst>
               <a:ext uri="{FF2B5EF4-FFF2-40B4-BE49-F238E27FC236}">
-                <a16:creationId xmlns:a16="http://schemas.microsoft.com/office/drawing/2014/main" xmlns="" id="{3996E642-D4A2-4D79-A742-5550448C1FDF}"/>
+                <a16:creationId xmlns="" xmlns:a16="http://schemas.microsoft.com/office/drawing/2014/main" id="{3996E642-D4A2-4D79-A742-5550448C1FDF}"/>
               </a:ext>
             </a:extLst>
           </p:cNvPr>
@@ -16382,7 +16645,7 @@
           <p:cNvPr id="54" name="TextBox 53">
             <a:extLst>
               <a:ext uri="{FF2B5EF4-FFF2-40B4-BE49-F238E27FC236}">
-                <a16:creationId xmlns:a16="http://schemas.microsoft.com/office/drawing/2014/main" xmlns="" id="{E05C8096-46D4-4A7C-A2B8-9D79A1BCDC32}"/>
+                <a16:creationId xmlns="" xmlns:a16="http://schemas.microsoft.com/office/drawing/2014/main" id="{E05C8096-46D4-4A7C-A2B8-9D79A1BCDC32}"/>
               </a:ext>
             </a:extLst>
           </p:cNvPr>
@@ -16461,7 +16724,7 @@
           <p:cNvPr id="56" name="Rectangle 55">
             <a:extLst>
               <a:ext uri="{FF2B5EF4-FFF2-40B4-BE49-F238E27FC236}">
-                <a16:creationId xmlns:a16="http://schemas.microsoft.com/office/drawing/2014/main" xmlns="" id="{D1AFC196-8286-44EA-B141-AB550462EA4C}"/>
+                <a16:creationId xmlns="" xmlns:a16="http://schemas.microsoft.com/office/drawing/2014/main" id="{D1AFC196-8286-44EA-B141-AB550462EA4C}"/>
               </a:ext>
             </a:extLst>
           </p:cNvPr>
@@ -16507,7 +16770,7 @@
           <p:cNvPr id="57" name="Rectangle 56">
             <a:extLst>
               <a:ext uri="{FF2B5EF4-FFF2-40B4-BE49-F238E27FC236}">
-                <a16:creationId xmlns:a16="http://schemas.microsoft.com/office/drawing/2014/main" xmlns="" id="{93F1A291-15A0-4EEE-A517-C4C056E66505}"/>
+                <a16:creationId xmlns="" xmlns:a16="http://schemas.microsoft.com/office/drawing/2014/main" id="{93F1A291-15A0-4EEE-A517-C4C056E66505}"/>
               </a:ext>
             </a:extLst>
           </p:cNvPr>
@@ -16567,7 +16830,7 @@
           <p:cNvPr id="58" name="Rectangle 57">
             <a:extLst>
               <a:ext uri="{FF2B5EF4-FFF2-40B4-BE49-F238E27FC236}">
-                <a16:creationId xmlns:a16="http://schemas.microsoft.com/office/drawing/2014/main" xmlns="" id="{C313D5D0-14D9-4013-A702-8F05786AB4A7}"/>
+                <a16:creationId xmlns="" xmlns:a16="http://schemas.microsoft.com/office/drawing/2014/main" id="{C313D5D0-14D9-4013-A702-8F05786AB4A7}"/>
               </a:ext>
             </a:extLst>
           </p:cNvPr>
@@ -16641,7 +16904,7 @@
           <p:cNvPr id="63" name="TextBox 62">
             <a:extLst>
               <a:ext uri="{FF2B5EF4-FFF2-40B4-BE49-F238E27FC236}">
-                <a16:creationId xmlns:a16="http://schemas.microsoft.com/office/drawing/2014/main" xmlns="" id="{5C4E79A3-8CAA-468B-A296-FDF5DF35DB8E}"/>
+                <a16:creationId xmlns="" xmlns:a16="http://schemas.microsoft.com/office/drawing/2014/main" id="{5C4E79A3-8CAA-468B-A296-FDF5DF35DB8E}"/>
               </a:ext>
             </a:extLst>
           </p:cNvPr>
@@ -16696,7 +16959,7 @@
           <p:cNvPr id="64" name="Rectangle 63">
             <a:extLst>
               <a:ext uri="{FF2B5EF4-FFF2-40B4-BE49-F238E27FC236}">
-                <a16:creationId xmlns:a16="http://schemas.microsoft.com/office/drawing/2014/main" xmlns="" id="{0829BC16-F805-4F38-821A-1F207D5BC17B}"/>
+                <a16:creationId xmlns="" xmlns:a16="http://schemas.microsoft.com/office/drawing/2014/main" id="{0829BC16-F805-4F38-821A-1F207D5BC17B}"/>
               </a:ext>
             </a:extLst>
           </p:cNvPr>
@@ -16741,7 +17004,7 @@
           <p:cNvPr id="33" name="TextBox 32">
             <a:extLst>
               <a:ext uri="{FF2B5EF4-FFF2-40B4-BE49-F238E27FC236}">
-                <a16:creationId xmlns:a16="http://schemas.microsoft.com/office/drawing/2014/main" xmlns="" id="{714AA337-E53A-4C36-B973-9951830BBDDF}"/>
+                <a16:creationId xmlns="" xmlns:a16="http://schemas.microsoft.com/office/drawing/2014/main" id="{714AA337-E53A-4C36-B973-9951830BBDDF}"/>
               </a:ext>
             </a:extLst>
           </p:cNvPr>
@@ -16889,7 +17152,7 @@
           <p:cNvPr id="38" name="Picture 15" descr="C:\Users\HuyTran\Desktop\WPF project\vendor.png">
             <a:extLst>
               <a:ext uri="{FF2B5EF4-FFF2-40B4-BE49-F238E27FC236}">
-                <a16:creationId xmlns:a16="http://schemas.microsoft.com/office/drawing/2014/main" xmlns="" id="{EE57F203-51CC-4E2B-B8DB-B71C73703F4E}"/>
+                <a16:creationId xmlns="" xmlns:a16="http://schemas.microsoft.com/office/drawing/2014/main" id="{EE57F203-51CC-4E2B-B8DB-B71C73703F4E}"/>
               </a:ext>
             </a:extLst>
           </p:cNvPr>
@@ -16936,7 +17199,7 @@
           <p:cNvPr id="4" name="Rectangle: Rounded Corners 3">
             <a:extLst>
               <a:ext uri="{FF2B5EF4-FFF2-40B4-BE49-F238E27FC236}">
-                <a16:creationId xmlns:a16="http://schemas.microsoft.com/office/drawing/2014/main" xmlns="" id="{ABC18C6D-7921-4575-A12F-F9110BFF0971}"/>
+                <a16:creationId xmlns="" xmlns:a16="http://schemas.microsoft.com/office/drawing/2014/main" id="{ABC18C6D-7921-4575-A12F-F9110BFF0971}"/>
               </a:ext>
             </a:extLst>
           </p:cNvPr>
@@ -16983,7 +17246,7 @@
           <p:cNvPr id="29" name="TextBox 28">
             <a:extLst>
               <a:ext uri="{FF2B5EF4-FFF2-40B4-BE49-F238E27FC236}">
-                <a16:creationId xmlns:a16="http://schemas.microsoft.com/office/drawing/2014/main" xmlns="" id="{BFF6D494-CE07-489A-B995-2086F94ABE83}"/>
+                <a16:creationId xmlns="" xmlns:a16="http://schemas.microsoft.com/office/drawing/2014/main" id="{BFF6D494-CE07-489A-B995-2086F94ABE83}"/>
               </a:ext>
             </a:extLst>
           </p:cNvPr>
@@ -17038,7 +17301,7 @@
           <p:cNvPr id="30" name="Rectangle 29">
             <a:extLst>
               <a:ext uri="{FF2B5EF4-FFF2-40B4-BE49-F238E27FC236}">
-                <a16:creationId xmlns:a16="http://schemas.microsoft.com/office/drawing/2014/main" xmlns="" id="{06527183-5952-4171-B7FC-1BEB45DFB228}"/>
+                <a16:creationId xmlns="" xmlns:a16="http://schemas.microsoft.com/office/drawing/2014/main" id="{06527183-5952-4171-B7FC-1BEB45DFB228}"/>
               </a:ext>
             </a:extLst>
           </p:cNvPr>
@@ -17089,7 +17352,7 @@
           <p:cNvPr id="41" name="Table 3">
             <a:extLst>
               <a:ext uri="{FF2B5EF4-FFF2-40B4-BE49-F238E27FC236}">
-                <a16:creationId xmlns:a16="http://schemas.microsoft.com/office/drawing/2014/main" xmlns="" id="{623E82C4-7A03-43F7-BE80-5D37858F3225}"/>
+                <a16:creationId xmlns="" xmlns:a16="http://schemas.microsoft.com/office/drawing/2014/main" id="{623E82C4-7A03-43F7-BE80-5D37858F3225}"/>
               </a:ext>
             </a:extLst>
           </p:cNvPr>
@@ -17118,42 +17381,42 @@
                 <a:gridCol w="1407902">
                   <a:extLst>
                     <a:ext uri="{9D8B030D-6E8A-4147-A177-3AD203B41FA5}">
-                      <a16:colId xmlns:a16="http://schemas.microsoft.com/office/drawing/2014/main" xmlns="" val="2205170896"/>
+                      <a16:colId xmlns="" xmlns:a16="http://schemas.microsoft.com/office/drawing/2014/main" val="2205170896"/>
                     </a:ext>
                   </a:extLst>
                 </a:gridCol>
                 <a:gridCol w="1407902">
                   <a:extLst>
                     <a:ext uri="{9D8B030D-6E8A-4147-A177-3AD203B41FA5}">
-                      <a16:colId xmlns:a16="http://schemas.microsoft.com/office/drawing/2014/main" xmlns="" val="3679797539"/>
+                      <a16:colId xmlns="" xmlns:a16="http://schemas.microsoft.com/office/drawing/2014/main" val="3679797539"/>
                     </a:ext>
                   </a:extLst>
                 </a:gridCol>
                 <a:gridCol w="1407902">
                   <a:extLst>
                     <a:ext uri="{9D8B030D-6E8A-4147-A177-3AD203B41FA5}">
-                      <a16:colId xmlns:a16="http://schemas.microsoft.com/office/drawing/2014/main" xmlns="" val="742831095"/>
+                      <a16:colId xmlns="" xmlns:a16="http://schemas.microsoft.com/office/drawing/2014/main" val="742831095"/>
                     </a:ext>
                   </a:extLst>
                 </a:gridCol>
                 <a:gridCol w="1407902">
                   <a:extLst>
                     <a:ext uri="{9D8B030D-6E8A-4147-A177-3AD203B41FA5}">
-                      <a16:colId xmlns:a16="http://schemas.microsoft.com/office/drawing/2014/main" xmlns="" val="4188008786"/>
+                      <a16:colId xmlns="" xmlns:a16="http://schemas.microsoft.com/office/drawing/2014/main" val="4188008786"/>
                     </a:ext>
                   </a:extLst>
                 </a:gridCol>
                 <a:gridCol w="2282404">
                   <a:extLst>
                     <a:ext uri="{9D8B030D-6E8A-4147-A177-3AD203B41FA5}">
-                      <a16:colId xmlns:a16="http://schemas.microsoft.com/office/drawing/2014/main" xmlns="" val="3214238948"/>
+                      <a16:colId xmlns="" xmlns:a16="http://schemas.microsoft.com/office/drawing/2014/main" val="3214238948"/>
                     </a:ext>
                   </a:extLst>
                 </a:gridCol>
                 <a:gridCol w="533400">
                   <a:extLst>
                     <a:ext uri="{9D8B030D-6E8A-4147-A177-3AD203B41FA5}">
-                      <a16:colId xmlns:a16="http://schemas.microsoft.com/office/drawing/2014/main" xmlns="" val="4284112643"/>
+                      <a16:colId xmlns="" xmlns:a16="http://schemas.microsoft.com/office/drawing/2014/main" val="4284112643"/>
                     </a:ext>
                   </a:extLst>
                 </a:gridCol>
@@ -17331,7 +17594,7 @@
                 </a:tc>
                 <a:extLst>
                   <a:ext uri="{0D108BD9-81ED-4DB2-BD59-A6C34878D82A}">
-                    <a16:rowId xmlns:a16="http://schemas.microsoft.com/office/drawing/2014/main" xmlns="" val="652390980"/>
+                    <a16:rowId xmlns="" xmlns:a16="http://schemas.microsoft.com/office/drawing/2014/main" val="652390980"/>
                   </a:ext>
                 </a:extLst>
               </a:tr>
@@ -17467,7 +17730,7 @@
                 </a:tc>
                 <a:extLst>
                   <a:ext uri="{0D108BD9-81ED-4DB2-BD59-A6C34878D82A}">
-                    <a16:rowId xmlns:a16="http://schemas.microsoft.com/office/drawing/2014/main" xmlns="" val="730336656"/>
+                    <a16:rowId xmlns="" xmlns:a16="http://schemas.microsoft.com/office/drawing/2014/main" val="730336656"/>
                   </a:ext>
                 </a:extLst>
               </a:tr>
@@ -17603,7 +17866,7 @@
                 </a:tc>
                 <a:extLst>
                   <a:ext uri="{0D108BD9-81ED-4DB2-BD59-A6C34878D82A}">
-                    <a16:rowId xmlns:a16="http://schemas.microsoft.com/office/drawing/2014/main" xmlns="" val="2897143220"/>
+                    <a16:rowId xmlns="" xmlns:a16="http://schemas.microsoft.com/office/drawing/2014/main" val="2897143220"/>
                   </a:ext>
                 </a:extLst>
               </a:tr>
@@ -17616,7 +17879,7 @@
           <p:cNvPr id="42" name="Picture 41">
             <a:extLst>
               <a:ext uri="{FF2B5EF4-FFF2-40B4-BE49-F238E27FC236}">
-                <a16:creationId xmlns:a16="http://schemas.microsoft.com/office/drawing/2014/main" xmlns="" id="{4567B398-2131-46D9-B112-83C5F1C09B28}"/>
+                <a16:creationId xmlns="" xmlns:a16="http://schemas.microsoft.com/office/drawing/2014/main" id="{4567B398-2131-46D9-B112-83C5F1C09B28}"/>
               </a:ext>
             </a:extLst>
           </p:cNvPr>
@@ -17652,7 +17915,7 @@
           <p:cNvPr id="43" name="Picture 42">
             <a:extLst>
               <a:ext uri="{FF2B5EF4-FFF2-40B4-BE49-F238E27FC236}">
-                <a16:creationId xmlns:a16="http://schemas.microsoft.com/office/drawing/2014/main" xmlns="" id="{9683BAC7-01CC-4E36-BE64-BC92448C1B97}"/>
+                <a16:creationId xmlns="" xmlns:a16="http://schemas.microsoft.com/office/drawing/2014/main" id="{9683BAC7-01CC-4E36-BE64-BC92448C1B97}"/>
               </a:ext>
             </a:extLst>
           </p:cNvPr>
@@ -17688,7 +17951,7 @@
           <p:cNvPr id="65" name="TextBox 64">
             <a:extLst>
               <a:ext uri="{FF2B5EF4-FFF2-40B4-BE49-F238E27FC236}">
-                <a16:creationId xmlns:a16="http://schemas.microsoft.com/office/drawing/2014/main" xmlns="" id="{611DF8EE-0FF6-446B-A5A5-5F97BF1EE171}"/>
+                <a16:creationId xmlns="" xmlns:a16="http://schemas.microsoft.com/office/drawing/2014/main" id="{611DF8EE-0FF6-446B-A5A5-5F97BF1EE171}"/>
               </a:ext>
             </a:extLst>
           </p:cNvPr>
@@ -17743,7 +18006,7 @@
           <p:cNvPr id="66" name="TextBox 65">
             <a:extLst>
               <a:ext uri="{FF2B5EF4-FFF2-40B4-BE49-F238E27FC236}">
-                <a16:creationId xmlns:a16="http://schemas.microsoft.com/office/drawing/2014/main" xmlns="" id="{F6E7464D-71F5-44F6-99CD-0CF7156AE6DF}"/>
+                <a16:creationId xmlns="" xmlns:a16="http://schemas.microsoft.com/office/drawing/2014/main" id="{F6E7464D-71F5-44F6-99CD-0CF7156AE6DF}"/>
               </a:ext>
             </a:extLst>
           </p:cNvPr>
@@ -17780,7 +18043,7 @@
           <p:cNvPr id="67" name="TextBox 66">
             <a:extLst>
               <a:ext uri="{FF2B5EF4-FFF2-40B4-BE49-F238E27FC236}">
-                <a16:creationId xmlns:a16="http://schemas.microsoft.com/office/drawing/2014/main" xmlns="" id="{FEA23420-2DDE-419D-BAA0-5D4C76EC1B72}"/>
+                <a16:creationId xmlns="" xmlns:a16="http://schemas.microsoft.com/office/drawing/2014/main" id="{FEA23420-2DDE-419D-BAA0-5D4C76EC1B72}"/>
               </a:ext>
             </a:extLst>
           </p:cNvPr>
@@ -17848,7 +18111,7 @@
           <p:cNvPr id="68" name="Rectangle 67">
             <a:extLst>
               <a:ext uri="{FF2B5EF4-FFF2-40B4-BE49-F238E27FC236}">
-                <a16:creationId xmlns:a16="http://schemas.microsoft.com/office/drawing/2014/main" xmlns="" id="{F0E5F963-CEEF-4589-9275-C7AC03734243}"/>
+                <a16:creationId xmlns="" xmlns:a16="http://schemas.microsoft.com/office/drawing/2014/main" id="{F0E5F963-CEEF-4589-9275-C7AC03734243}"/>
               </a:ext>
             </a:extLst>
           </p:cNvPr>
@@ -17896,7 +18159,7 @@
           <p:cNvPr id="69" name="TextBox 68">
             <a:extLst>
               <a:ext uri="{FF2B5EF4-FFF2-40B4-BE49-F238E27FC236}">
-                <a16:creationId xmlns:a16="http://schemas.microsoft.com/office/drawing/2014/main" xmlns="" id="{1B7138D9-E098-43EC-9792-4B21C058EB93}"/>
+                <a16:creationId xmlns="" xmlns:a16="http://schemas.microsoft.com/office/drawing/2014/main" id="{1B7138D9-E098-43EC-9792-4B21C058EB93}"/>
               </a:ext>
             </a:extLst>
           </p:cNvPr>
@@ -17951,7 +18214,7 @@
           <p:cNvPr id="70" name="TextBox 69">
             <a:extLst>
               <a:ext uri="{FF2B5EF4-FFF2-40B4-BE49-F238E27FC236}">
-                <a16:creationId xmlns:a16="http://schemas.microsoft.com/office/drawing/2014/main" xmlns="" id="{B4462DC0-3876-4701-BC38-5B30062A2AFB}"/>
+                <a16:creationId xmlns="" xmlns:a16="http://schemas.microsoft.com/office/drawing/2014/main" id="{B4462DC0-3876-4701-BC38-5B30062A2AFB}"/>
               </a:ext>
             </a:extLst>
           </p:cNvPr>
@@ -17991,7 +18254,7 @@
           <p:cNvPr id="71" name="TextBox 70">
             <a:extLst>
               <a:ext uri="{FF2B5EF4-FFF2-40B4-BE49-F238E27FC236}">
-                <a16:creationId xmlns:a16="http://schemas.microsoft.com/office/drawing/2014/main" xmlns="" id="{422EA802-DE61-43CB-B2C2-BD4E306CFC31}"/>
+                <a16:creationId xmlns="" xmlns:a16="http://schemas.microsoft.com/office/drawing/2014/main" id="{422EA802-DE61-43CB-B2C2-BD4E306CFC31}"/>
               </a:ext>
             </a:extLst>
           </p:cNvPr>
@@ -18070,7 +18333,7 @@
           <p:cNvPr id="72" name="TextBox 71">
             <a:extLst>
               <a:ext uri="{FF2B5EF4-FFF2-40B4-BE49-F238E27FC236}">
-                <a16:creationId xmlns:a16="http://schemas.microsoft.com/office/drawing/2014/main" xmlns="" id="{04887649-12D0-4605-ABB9-2C89BE9B86C3}"/>
+                <a16:creationId xmlns="" xmlns:a16="http://schemas.microsoft.com/office/drawing/2014/main" id="{04887649-12D0-4605-ABB9-2C89BE9B86C3}"/>
               </a:ext>
             </a:extLst>
           </p:cNvPr>
@@ -18126,7 +18389,7 @@
           <p:cNvPr id="73" name="Rectangle 72">
             <a:extLst>
               <a:ext uri="{FF2B5EF4-FFF2-40B4-BE49-F238E27FC236}">
-                <a16:creationId xmlns:a16="http://schemas.microsoft.com/office/drawing/2014/main" xmlns="" id="{F720F3AA-E34E-4FD7-B375-B850AB0E7D56}"/>
+                <a16:creationId xmlns="" xmlns:a16="http://schemas.microsoft.com/office/drawing/2014/main" id="{F720F3AA-E34E-4FD7-B375-B850AB0E7D56}"/>
               </a:ext>
             </a:extLst>
           </p:cNvPr>
@@ -18172,7 +18435,7 @@
           <p:cNvPr id="74" name="TextBox 73">
             <a:extLst>
               <a:ext uri="{FF2B5EF4-FFF2-40B4-BE49-F238E27FC236}">
-                <a16:creationId xmlns:a16="http://schemas.microsoft.com/office/drawing/2014/main" xmlns="" id="{21ABF510-B58B-4BC3-90F9-D1980EDCFF5F}"/>
+                <a16:creationId xmlns="" xmlns:a16="http://schemas.microsoft.com/office/drawing/2014/main" id="{21ABF510-B58B-4BC3-90F9-D1980EDCFF5F}"/>
               </a:ext>
             </a:extLst>
           </p:cNvPr>
@@ -18227,7 +18490,7 @@
           <p:cNvPr id="75" name="Rectangle 74">
             <a:extLst>
               <a:ext uri="{FF2B5EF4-FFF2-40B4-BE49-F238E27FC236}">
-                <a16:creationId xmlns:a16="http://schemas.microsoft.com/office/drawing/2014/main" xmlns="" id="{AB38BA3A-720A-41DF-B309-25CE3F910D12}"/>
+                <a16:creationId xmlns="" xmlns:a16="http://schemas.microsoft.com/office/drawing/2014/main" id="{AB38BA3A-720A-41DF-B309-25CE3F910D12}"/>
               </a:ext>
             </a:extLst>
           </p:cNvPr>
@@ -18273,7 +18536,7 @@
           <p:cNvPr id="76" name="TextBox 75">
             <a:extLst>
               <a:ext uri="{FF2B5EF4-FFF2-40B4-BE49-F238E27FC236}">
-                <a16:creationId xmlns:a16="http://schemas.microsoft.com/office/drawing/2014/main" xmlns="" id="{4683F27E-953D-4ECF-A8D1-1F95E7D9A922}"/>
+                <a16:creationId xmlns="" xmlns:a16="http://schemas.microsoft.com/office/drawing/2014/main" id="{4683F27E-953D-4ECF-A8D1-1F95E7D9A922}"/>
               </a:ext>
             </a:extLst>
           </p:cNvPr>
@@ -18328,7 +18591,7 @@
           <p:cNvPr id="77" name="Rectangle 76">
             <a:extLst>
               <a:ext uri="{FF2B5EF4-FFF2-40B4-BE49-F238E27FC236}">
-                <a16:creationId xmlns:a16="http://schemas.microsoft.com/office/drawing/2014/main" xmlns="" id="{7E496E63-9ED4-45FB-807A-7F4AC0DE2700}"/>
+                <a16:creationId xmlns="" xmlns:a16="http://schemas.microsoft.com/office/drawing/2014/main" id="{7E496E63-9ED4-45FB-807A-7F4AC0DE2700}"/>
               </a:ext>
             </a:extLst>
           </p:cNvPr>
@@ -18374,7 +18637,7 @@
           <p:cNvPr id="78" name="Rectangle: Rounded Corners 77">
             <a:extLst>
               <a:ext uri="{FF2B5EF4-FFF2-40B4-BE49-F238E27FC236}">
-                <a16:creationId xmlns:a16="http://schemas.microsoft.com/office/drawing/2014/main" xmlns="" id="{55199E54-3D9C-4154-9A94-CDE31EE12D0D}"/>
+                <a16:creationId xmlns="" xmlns:a16="http://schemas.microsoft.com/office/drawing/2014/main" id="{55199E54-3D9C-4154-9A94-CDE31EE12D0D}"/>
               </a:ext>
             </a:extLst>
           </p:cNvPr>
@@ -18426,11 +18689,11 @@
   <p:clrMapOvr>
     <a:masterClrMapping/>
   </p:clrMapOvr>
-  <mc:AlternateContent xmlns:mc="http://schemas.openxmlformats.org/markup-compatibility/2006">
-    <mc:Choice xmlns:p14="http://schemas.microsoft.com/office/powerpoint/2010/main" Requires="p14">
+  <mc:AlternateContent xmlns:mc="http://schemas.openxmlformats.org/markup-compatibility/2006" xmlns:p14="http://schemas.microsoft.com/office/powerpoint/2010/main">
+    <mc:Choice Requires="p14">
       <p:transition spd="slow" p14:dur="2000"/>
     </mc:Choice>
-    <mc:Fallback>
+    <mc:Fallback xmlns="">
       <p:transition spd="slow"/>
     </mc:Fallback>
   </mc:AlternateContent>
@@ -18459,7 +18722,7 @@
           <p:cNvPr id="6" name="TextBox 5">
             <a:extLst>
               <a:ext uri="{FF2B5EF4-FFF2-40B4-BE49-F238E27FC236}">
-                <a16:creationId xmlns:a16="http://schemas.microsoft.com/office/drawing/2014/main" xmlns="" id="{CD2A8DE0-B0E7-40FB-9538-60D54401A4F8}"/>
+                <a16:creationId xmlns="" xmlns:a16="http://schemas.microsoft.com/office/drawing/2014/main" id="{CD2A8DE0-B0E7-40FB-9538-60D54401A4F8}"/>
               </a:ext>
             </a:extLst>
           </p:cNvPr>
@@ -18541,7 +18804,7 @@
           <p:cNvPr id="11" name="Picture 10">
             <a:extLst>
               <a:ext uri="{FF2B5EF4-FFF2-40B4-BE49-F238E27FC236}">
-                <a16:creationId xmlns:a16="http://schemas.microsoft.com/office/drawing/2014/main" xmlns="" id="{F6164AE6-B86F-4668-B82E-2CCF243694C5}"/>
+                <a16:creationId xmlns="" xmlns:a16="http://schemas.microsoft.com/office/drawing/2014/main" id="{F6164AE6-B86F-4668-B82E-2CCF243694C5}"/>
               </a:ext>
             </a:extLst>
           </p:cNvPr>
@@ -18571,7 +18834,7 @@
           <p:cNvPr id="31" name="TextBox 30">
             <a:extLst>
               <a:ext uri="{FF2B5EF4-FFF2-40B4-BE49-F238E27FC236}">
-                <a16:creationId xmlns:a16="http://schemas.microsoft.com/office/drawing/2014/main" xmlns="" id="{5966DF16-C2DB-4C52-B444-530F784F1688}"/>
+                <a16:creationId xmlns="" xmlns:a16="http://schemas.microsoft.com/office/drawing/2014/main" id="{5966DF16-C2DB-4C52-B444-530F784F1688}"/>
               </a:ext>
             </a:extLst>
           </p:cNvPr>
@@ -18638,7 +18901,7 @@
           <p:cNvPr id="47" name="Rectangle 46">
             <a:extLst>
               <a:ext uri="{FF2B5EF4-FFF2-40B4-BE49-F238E27FC236}">
-                <a16:creationId xmlns:a16="http://schemas.microsoft.com/office/drawing/2014/main" xmlns="" id="{3996E642-D4A2-4D79-A742-5550448C1FDF}"/>
+                <a16:creationId xmlns="" xmlns:a16="http://schemas.microsoft.com/office/drawing/2014/main" id="{3996E642-D4A2-4D79-A742-5550448C1FDF}"/>
               </a:ext>
             </a:extLst>
           </p:cNvPr>
@@ -18719,7 +18982,7 @@
           <p:cNvPr id="54" name="TextBox 53">
             <a:extLst>
               <a:ext uri="{FF2B5EF4-FFF2-40B4-BE49-F238E27FC236}">
-                <a16:creationId xmlns:a16="http://schemas.microsoft.com/office/drawing/2014/main" xmlns="" id="{E05C8096-46D4-4A7C-A2B8-9D79A1BCDC32}"/>
+                <a16:creationId xmlns="" xmlns:a16="http://schemas.microsoft.com/office/drawing/2014/main" id="{E05C8096-46D4-4A7C-A2B8-9D79A1BCDC32}"/>
               </a:ext>
             </a:extLst>
           </p:cNvPr>
@@ -18798,7 +19061,7 @@
           <p:cNvPr id="58" name="Rectangle 57">
             <a:extLst>
               <a:ext uri="{FF2B5EF4-FFF2-40B4-BE49-F238E27FC236}">
-                <a16:creationId xmlns:a16="http://schemas.microsoft.com/office/drawing/2014/main" xmlns="" id="{C313D5D0-14D9-4013-A702-8F05786AB4A7}"/>
+                <a16:creationId xmlns="" xmlns:a16="http://schemas.microsoft.com/office/drawing/2014/main" id="{C313D5D0-14D9-4013-A702-8F05786AB4A7}"/>
               </a:ext>
             </a:extLst>
           </p:cNvPr>
@@ -18872,7 +19135,7 @@
           <p:cNvPr id="63" name="TextBox 62">
             <a:extLst>
               <a:ext uri="{FF2B5EF4-FFF2-40B4-BE49-F238E27FC236}">
-                <a16:creationId xmlns:a16="http://schemas.microsoft.com/office/drawing/2014/main" xmlns="" id="{5C4E79A3-8CAA-468B-A296-FDF5DF35DB8E}"/>
+                <a16:creationId xmlns="" xmlns:a16="http://schemas.microsoft.com/office/drawing/2014/main" id="{5C4E79A3-8CAA-468B-A296-FDF5DF35DB8E}"/>
               </a:ext>
             </a:extLst>
           </p:cNvPr>
@@ -18927,7 +19190,7 @@
           <p:cNvPr id="64" name="Rectangle 63">
             <a:extLst>
               <a:ext uri="{FF2B5EF4-FFF2-40B4-BE49-F238E27FC236}">
-                <a16:creationId xmlns:a16="http://schemas.microsoft.com/office/drawing/2014/main" xmlns="" id="{0829BC16-F805-4F38-821A-1F207D5BC17B}"/>
+                <a16:creationId xmlns="" xmlns:a16="http://schemas.microsoft.com/office/drawing/2014/main" id="{0829BC16-F805-4F38-821A-1F207D5BC17B}"/>
               </a:ext>
             </a:extLst>
           </p:cNvPr>
@@ -18972,7 +19235,7 @@
           <p:cNvPr id="33" name="TextBox 32">
             <a:extLst>
               <a:ext uri="{FF2B5EF4-FFF2-40B4-BE49-F238E27FC236}">
-                <a16:creationId xmlns:a16="http://schemas.microsoft.com/office/drawing/2014/main" xmlns="" id="{714AA337-E53A-4C36-B973-9951830BBDDF}"/>
+                <a16:creationId xmlns="" xmlns:a16="http://schemas.microsoft.com/office/drawing/2014/main" id="{714AA337-E53A-4C36-B973-9951830BBDDF}"/>
               </a:ext>
             </a:extLst>
           </p:cNvPr>
@@ -19072,7 +19335,7 @@
           <p:cNvPr id="38" name="Picture 15" descr="C:\Users\HuyTran\Desktop\WPF project\vendor.png">
             <a:extLst>
               <a:ext uri="{FF2B5EF4-FFF2-40B4-BE49-F238E27FC236}">
-                <a16:creationId xmlns:a16="http://schemas.microsoft.com/office/drawing/2014/main" xmlns="" id="{EE57F203-51CC-4E2B-B8DB-B71C73703F4E}"/>
+                <a16:creationId xmlns="" xmlns:a16="http://schemas.microsoft.com/office/drawing/2014/main" id="{EE57F203-51CC-4E2B-B8DB-B71C73703F4E}"/>
               </a:ext>
             </a:extLst>
           </p:cNvPr>
@@ -19119,7 +19382,7 @@
           <p:cNvPr id="29" name="TextBox 28">
             <a:extLst>
               <a:ext uri="{FF2B5EF4-FFF2-40B4-BE49-F238E27FC236}">
-                <a16:creationId xmlns:a16="http://schemas.microsoft.com/office/drawing/2014/main" xmlns="" id="{BFF6D494-CE07-489A-B995-2086F94ABE83}"/>
+                <a16:creationId xmlns="" xmlns:a16="http://schemas.microsoft.com/office/drawing/2014/main" id="{BFF6D494-CE07-489A-B995-2086F94ABE83}"/>
               </a:ext>
             </a:extLst>
           </p:cNvPr>
@@ -19174,7 +19437,7 @@
           <p:cNvPr id="30" name="Rectangle 29">
             <a:extLst>
               <a:ext uri="{FF2B5EF4-FFF2-40B4-BE49-F238E27FC236}">
-                <a16:creationId xmlns:a16="http://schemas.microsoft.com/office/drawing/2014/main" xmlns="" id="{06527183-5952-4171-B7FC-1BEB45DFB228}"/>
+                <a16:creationId xmlns="" xmlns:a16="http://schemas.microsoft.com/office/drawing/2014/main" id="{06527183-5952-4171-B7FC-1BEB45DFB228}"/>
               </a:ext>
             </a:extLst>
           </p:cNvPr>
@@ -19225,7 +19488,7 @@
           <p:cNvPr id="41" name="Table 3">
             <a:extLst>
               <a:ext uri="{FF2B5EF4-FFF2-40B4-BE49-F238E27FC236}">
-                <a16:creationId xmlns:a16="http://schemas.microsoft.com/office/drawing/2014/main" xmlns="" id="{623E82C4-7A03-43F7-BE80-5D37858F3225}"/>
+                <a16:creationId xmlns="" xmlns:a16="http://schemas.microsoft.com/office/drawing/2014/main" id="{623E82C4-7A03-43F7-BE80-5D37858F3225}"/>
               </a:ext>
             </a:extLst>
           </p:cNvPr>
@@ -19254,35 +19517,35 @@
                 <a:gridCol w="1502794">
                   <a:extLst>
                     <a:ext uri="{9D8B030D-6E8A-4147-A177-3AD203B41FA5}">
-                      <a16:colId xmlns:a16="http://schemas.microsoft.com/office/drawing/2014/main" xmlns="" val="2205170896"/>
+                      <a16:colId xmlns="" xmlns:a16="http://schemas.microsoft.com/office/drawing/2014/main" val="2205170896"/>
                     </a:ext>
                   </a:extLst>
                 </a:gridCol>
                 <a:gridCol w="1502794">
                   <a:extLst>
                     <a:ext uri="{9D8B030D-6E8A-4147-A177-3AD203B41FA5}">
-                      <a16:colId xmlns:a16="http://schemas.microsoft.com/office/drawing/2014/main" xmlns="" val="3679797539"/>
+                      <a16:colId xmlns="" xmlns:a16="http://schemas.microsoft.com/office/drawing/2014/main" val="3679797539"/>
                     </a:ext>
                   </a:extLst>
                 </a:gridCol>
                 <a:gridCol w="1502794">
                   <a:extLst>
                     <a:ext uri="{9D8B030D-6E8A-4147-A177-3AD203B41FA5}">
-                      <a16:colId xmlns:a16="http://schemas.microsoft.com/office/drawing/2014/main" xmlns="" val="742831095"/>
+                      <a16:colId xmlns="" xmlns:a16="http://schemas.microsoft.com/office/drawing/2014/main" val="742831095"/>
                     </a:ext>
                   </a:extLst>
                 </a:gridCol>
                 <a:gridCol w="1502794">
                   <a:extLst>
                     <a:ext uri="{9D8B030D-6E8A-4147-A177-3AD203B41FA5}">
-                      <a16:colId xmlns:a16="http://schemas.microsoft.com/office/drawing/2014/main" xmlns="" val="4188008786"/>
+                      <a16:colId xmlns="" xmlns:a16="http://schemas.microsoft.com/office/drawing/2014/main" val="4188008786"/>
                     </a:ext>
                   </a:extLst>
                 </a:gridCol>
                 <a:gridCol w="2436237">
                   <a:extLst>
                     <a:ext uri="{9D8B030D-6E8A-4147-A177-3AD203B41FA5}">
-                      <a16:colId xmlns:a16="http://schemas.microsoft.com/office/drawing/2014/main" xmlns="" val="3214238948"/>
+                      <a16:colId xmlns="" xmlns:a16="http://schemas.microsoft.com/office/drawing/2014/main" val="3214238948"/>
                     </a:ext>
                   </a:extLst>
                 </a:gridCol>
@@ -19443,7 +19706,7 @@
                 </a:tc>
                 <a:extLst>
                   <a:ext uri="{0D108BD9-81ED-4DB2-BD59-A6C34878D82A}">
-                    <a16:rowId xmlns:a16="http://schemas.microsoft.com/office/drawing/2014/main" xmlns="" val="652390980"/>
+                    <a16:rowId xmlns="" xmlns:a16="http://schemas.microsoft.com/office/drawing/2014/main" val="652390980"/>
                   </a:ext>
                 </a:extLst>
               </a:tr>
@@ -19562,7 +19825,7 @@
                 </a:tc>
                 <a:extLst>
                   <a:ext uri="{0D108BD9-81ED-4DB2-BD59-A6C34878D82A}">
-                    <a16:rowId xmlns:a16="http://schemas.microsoft.com/office/drawing/2014/main" xmlns="" val="730336656"/>
+                    <a16:rowId xmlns="" xmlns:a16="http://schemas.microsoft.com/office/drawing/2014/main" val="730336656"/>
                   </a:ext>
                 </a:extLst>
               </a:tr>
@@ -19681,7 +19944,7 @@
                 </a:tc>
                 <a:extLst>
                   <a:ext uri="{0D108BD9-81ED-4DB2-BD59-A6C34878D82A}">
-                    <a16:rowId xmlns:a16="http://schemas.microsoft.com/office/drawing/2014/main" xmlns="" val="2897143220"/>
+                    <a16:rowId xmlns="" xmlns:a16="http://schemas.microsoft.com/office/drawing/2014/main" val="2897143220"/>
                   </a:ext>
                 </a:extLst>
               </a:tr>
@@ -19694,7 +19957,7 @@
           <p:cNvPr id="65" name="TextBox 64">
             <a:extLst>
               <a:ext uri="{FF2B5EF4-FFF2-40B4-BE49-F238E27FC236}">
-                <a16:creationId xmlns:a16="http://schemas.microsoft.com/office/drawing/2014/main" xmlns="" id="{611DF8EE-0FF6-446B-A5A5-5F97BF1EE171}"/>
+                <a16:creationId xmlns="" xmlns:a16="http://schemas.microsoft.com/office/drawing/2014/main" id="{611DF8EE-0FF6-446B-A5A5-5F97BF1EE171}"/>
               </a:ext>
             </a:extLst>
           </p:cNvPr>
@@ -19749,7 +20012,7 @@
           <p:cNvPr id="66" name="TextBox 65">
             <a:extLst>
               <a:ext uri="{FF2B5EF4-FFF2-40B4-BE49-F238E27FC236}">
-                <a16:creationId xmlns:a16="http://schemas.microsoft.com/office/drawing/2014/main" xmlns="" id="{F6E7464D-71F5-44F6-99CD-0CF7156AE6DF}"/>
+                <a16:creationId xmlns="" xmlns:a16="http://schemas.microsoft.com/office/drawing/2014/main" id="{F6E7464D-71F5-44F6-99CD-0CF7156AE6DF}"/>
               </a:ext>
             </a:extLst>
           </p:cNvPr>
@@ -19786,7 +20049,7 @@
           <p:cNvPr id="67" name="TextBox 66">
             <a:extLst>
               <a:ext uri="{FF2B5EF4-FFF2-40B4-BE49-F238E27FC236}">
-                <a16:creationId xmlns:a16="http://schemas.microsoft.com/office/drawing/2014/main" xmlns="" id="{FEA23420-2DDE-419D-BAA0-5D4C76EC1B72}"/>
+                <a16:creationId xmlns="" xmlns:a16="http://schemas.microsoft.com/office/drawing/2014/main" id="{FEA23420-2DDE-419D-BAA0-5D4C76EC1B72}"/>
               </a:ext>
             </a:extLst>
           </p:cNvPr>
@@ -19854,7 +20117,7 @@
           <p:cNvPr id="68" name="Rectangle 67">
             <a:extLst>
               <a:ext uri="{FF2B5EF4-FFF2-40B4-BE49-F238E27FC236}">
-                <a16:creationId xmlns:a16="http://schemas.microsoft.com/office/drawing/2014/main" xmlns="" id="{F0E5F963-CEEF-4589-9275-C7AC03734243}"/>
+                <a16:creationId xmlns="" xmlns:a16="http://schemas.microsoft.com/office/drawing/2014/main" id="{F0E5F963-CEEF-4589-9275-C7AC03734243}"/>
               </a:ext>
             </a:extLst>
           </p:cNvPr>
@@ -19905,7 +20168,7 @@
           <p:cNvPr id="69" name="TextBox 68">
             <a:extLst>
               <a:ext uri="{FF2B5EF4-FFF2-40B4-BE49-F238E27FC236}">
-                <a16:creationId xmlns:a16="http://schemas.microsoft.com/office/drawing/2014/main" xmlns="" id="{1B7138D9-E098-43EC-9792-4B21C058EB93}"/>
+                <a16:creationId xmlns="" xmlns:a16="http://schemas.microsoft.com/office/drawing/2014/main" id="{1B7138D9-E098-43EC-9792-4B21C058EB93}"/>
               </a:ext>
             </a:extLst>
           </p:cNvPr>
@@ -19960,7 +20223,7 @@
           <p:cNvPr id="70" name="TextBox 69">
             <a:extLst>
               <a:ext uri="{FF2B5EF4-FFF2-40B4-BE49-F238E27FC236}">
-                <a16:creationId xmlns:a16="http://schemas.microsoft.com/office/drawing/2014/main" xmlns="" id="{B4462DC0-3876-4701-BC38-5B30062A2AFB}"/>
+                <a16:creationId xmlns="" xmlns:a16="http://schemas.microsoft.com/office/drawing/2014/main" id="{B4462DC0-3876-4701-BC38-5B30062A2AFB}"/>
               </a:ext>
             </a:extLst>
           </p:cNvPr>
@@ -20000,7 +20263,7 @@
           <p:cNvPr id="71" name="TextBox 70">
             <a:extLst>
               <a:ext uri="{FF2B5EF4-FFF2-40B4-BE49-F238E27FC236}">
-                <a16:creationId xmlns:a16="http://schemas.microsoft.com/office/drawing/2014/main" xmlns="" id="{422EA802-DE61-43CB-B2C2-BD4E306CFC31}"/>
+                <a16:creationId xmlns="" xmlns:a16="http://schemas.microsoft.com/office/drawing/2014/main" id="{422EA802-DE61-43CB-B2C2-BD4E306CFC31}"/>
               </a:ext>
             </a:extLst>
           </p:cNvPr>
@@ -20079,7 +20342,7 @@
           <p:cNvPr id="34" name="TextBox 33">
             <a:extLst>
               <a:ext uri="{FF2B5EF4-FFF2-40B4-BE49-F238E27FC236}">
-                <a16:creationId xmlns:a16="http://schemas.microsoft.com/office/drawing/2014/main" xmlns="" id="{3EAD5C47-1D0F-4800-8304-C2BFF406E601}"/>
+                <a16:creationId xmlns="" xmlns:a16="http://schemas.microsoft.com/office/drawing/2014/main" id="{3EAD5C47-1D0F-4800-8304-C2BFF406E601}"/>
               </a:ext>
             </a:extLst>
           </p:cNvPr>
@@ -20167,11 +20430,11 @@
   <p:clrMapOvr>
     <a:masterClrMapping/>
   </p:clrMapOvr>
-  <mc:AlternateContent xmlns:mc="http://schemas.openxmlformats.org/markup-compatibility/2006">
-    <mc:Choice xmlns:p14="http://schemas.microsoft.com/office/powerpoint/2010/main" Requires="p14">
+  <mc:AlternateContent xmlns:mc="http://schemas.openxmlformats.org/markup-compatibility/2006" xmlns:p14="http://schemas.microsoft.com/office/powerpoint/2010/main">
+    <mc:Choice Requires="p14">
       <p:transition spd="slow" p14:dur="2000"/>
     </mc:Choice>
-    <mc:Fallback>
+    <mc:Fallback xmlns="">
       <p:transition spd="slow"/>
     </mc:Fallback>
   </mc:AlternateContent>
@@ -20200,7 +20463,7 @@
           <p:cNvPr id="6" name="TextBox 5">
             <a:extLst>
               <a:ext uri="{FF2B5EF4-FFF2-40B4-BE49-F238E27FC236}">
-                <a16:creationId xmlns:a16="http://schemas.microsoft.com/office/drawing/2014/main" xmlns="" id="{CD2A8DE0-B0E7-40FB-9538-60D54401A4F8}"/>
+                <a16:creationId xmlns="" xmlns:a16="http://schemas.microsoft.com/office/drawing/2014/main" id="{CD2A8DE0-B0E7-40FB-9538-60D54401A4F8}"/>
               </a:ext>
             </a:extLst>
           </p:cNvPr>
@@ -20312,7 +20575,7 @@
           <p:cNvPr id="11" name="Picture 10">
             <a:extLst>
               <a:ext uri="{FF2B5EF4-FFF2-40B4-BE49-F238E27FC236}">
-                <a16:creationId xmlns:a16="http://schemas.microsoft.com/office/drawing/2014/main" xmlns="" id="{F6164AE6-B86F-4668-B82E-2CCF243694C5}"/>
+                <a16:creationId xmlns="" xmlns:a16="http://schemas.microsoft.com/office/drawing/2014/main" id="{F6164AE6-B86F-4668-B82E-2CCF243694C5}"/>
               </a:ext>
             </a:extLst>
           </p:cNvPr>
@@ -20342,7 +20605,7 @@
           <p:cNvPr id="41" name="Rectangle 40">
             <a:extLst>
               <a:ext uri="{FF2B5EF4-FFF2-40B4-BE49-F238E27FC236}">
-                <a16:creationId xmlns:a16="http://schemas.microsoft.com/office/drawing/2014/main" xmlns="" id="{E81BDFDF-A2C2-47AD-8D90-A0FE79376AA6}"/>
+                <a16:creationId xmlns="" xmlns:a16="http://schemas.microsoft.com/office/drawing/2014/main" id="{E81BDFDF-A2C2-47AD-8D90-A0FE79376AA6}"/>
               </a:ext>
             </a:extLst>
           </p:cNvPr>
@@ -20420,7 +20683,7 @@
           <p:cNvPr id="43" name="TextBox 42">
             <a:extLst>
               <a:ext uri="{FF2B5EF4-FFF2-40B4-BE49-F238E27FC236}">
-                <a16:creationId xmlns:a16="http://schemas.microsoft.com/office/drawing/2014/main" xmlns="" id="{F43B97D8-23B6-4B2F-AE82-8C0B2E7C3495}"/>
+                <a16:creationId xmlns="" xmlns:a16="http://schemas.microsoft.com/office/drawing/2014/main" id="{F43B97D8-23B6-4B2F-AE82-8C0B2E7C3495}"/>
               </a:ext>
             </a:extLst>
           </p:cNvPr>
@@ -20568,7 +20831,7 @@
           <p:cNvPr id="3" name="Table 3">
             <a:extLst>
               <a:ext uri="{FF2B5EF4-FFF2-40B4-BE49-F238E27FC236}">
-                <a16:creationId xmlns:a16="http://schemas.microsoft.com/office/drawing/2014/main" xmlns="" id="{9B423CCB-E8FB-4CDB-A31C-9E89725D6698}"/>
+                <a16:creationId xmlns="" xmlns:a16="http://schemas.microsoft.com/office/drawing/2014/main" id="{9B423CCB-E8FB-4CDB-A31C-9E89725D6698}"/>
               </a:ext>
             </a:extLst>
           </p:cNvPr>
@@ -20597,35 +20860,35 @@
                 <a:gridCol w="1409816">
                   <a:extLst>
                     <a:ext uri="{9D8B030D-6E8A-4147-A177-3AD203B41FA5}">
-                      <a16:colId xmlns:a16="http://schemas.microsoft.com/office/drawing/2014/main" xmlns="" val="3679797539"/>
+                      <a16:colId xmlns="" xmlns:a16="http://schemas.microsoft.com/office/drawing/2014/main" val="3679797539"/>
                     </a:ext>
                   </a:extLst>
                 </a:gridCol>
                 <a:gridCol w="1409816">
                   <a:extLst>
                     <a:ext uri="{9D8B030D-6E8A-4147-A177-3AD203B41FA5}">
-                      <a16:colId xmlns:a16="http://schemas.microsoft.com/office/drawing/2014/main" xmlns="" val="4188008786"/>
+                      <a16:colId xmlns="" xmlns:a16="http://schemas.microsoft.com/office/drawing/2014/main" val="4188008786"/>
                     </a:ext>
                   </a:extLst>
                 </a:gridCol>
                 <a:gridCol w="1448264">
                   <a:extLst>
                     <a:ext uri="{9D8B030D-6E8A-4147-A177-3AD203B41FA5}">
-                      <a16:colId xmlns:a16="http://schemas.microsoft.com/office/drawing/2014/main" xmlns="" val="240713644"/>
+                      <a16:colId xmlns="" xmlns:a16="http://schemas.microsoft.com/office/drawing/2014/main" val="240713644"/>
                     </a:ext>
                   </a:extLst>
                 </a:gridCol>
                 <a:gridCol w="2514600">
                   <a:extLst>
                     <a:ext uri="{9D8B030D-6E8A-4147-A177-3AD203B41FA5}">
-                      <a16:colId xmlns:a16="http://schemas.microsoft.com/office/drawing/2014/main" xmlns="" val="3214238948"/>
+                      <a16:colId xmlns="" xmlns:a16="http://schemas.microsoft.com/office/drawing/2014/main" val="3214238948"/>
                     </a:ext>
                   </a:extLst>
                 </a:gridCol>
                 <a:gridCol w="1676400">
                   <a:extLst>
                     <a:ext uri="{9D8B030D-6E8A-4147-A177-3AD203B41FA5}">
-                      <a16:colId xmlns:a16="http://schemas.microsoft.com/office/drawing/2014/main" xmlns="" val="1291486487"/>
+                      <a16:colId xmlns="" xmlns:a16="http://schemas.microsoft.com/office/drawing/2014/main" val="1291486487"/>
                     </a:ext>
                   </a:extLst>
                 </a:gridCol>
@@ -20760,7 +21023,7 @@
                 </a:tc>
                 <a:extLst>
                   <a:ext uri="{0D108BD9-81ED-4DB2-BD59-A6C34878D82A}">
-                    <a16:rowId xmlns:a16="http://schemas.microsoft.com/office/drawing/2014/main" xmlns="" val="652390980"/>
+                    <a16:rowId xmlns="" xmlns:a16="http://schemas.microsoft.com/office/drawing/2014/main" val="652390980"/>
                   </a:ext>
                 </a:extLst>
               </a:tr>
@@ -20889,7 +21152,7 @@
                 </a:tc>
                 <a:extLst>
                   <a:ext uri="{0D108BD9-81ED-4DB2-BD59-A6C34878D82A}">
-                    <a16:rowId xmlns:a16="http://schemas.microsoft.com/office/drawing/2014/main" xmlns="" val="730336656"/>
+                    <a16:rowId xmlns="" xmlns:a16="http://schemas.microsoft.com/office/drawing/2014/main" val="730336656"/>
                   </a:ext>
                 </a:extLst>
               </a:tr>
@@ -21050,7 +21313,7 @@
                 </a:tc>
                 <a:extLst>
                   <a:ext uri="{0D108BD9-81ED-4DB2-BD59-A6C34878D82A}">
-                    <a16:rowId xmlns:a16="http://schemas.microsoft.com/office/drawing/2014/main" xmlns="" val="2897143220"/>
+                    <a16:rowId xmlns="" xmlns:a16="http://schemas.microsoft.com/office/drawing/2014/main" val="2897143220"/>
                   </a:ext>
                 </a:extLst>
               </a:tr>
@@ -21063,7 +21326,7 @@
           <p:cNvPr id="17" name="TextBox 16">
             <a:extLst>
               <a:ext uri="{FF2B5EF4-FFF2-40B4-BE49-F238E27FC236}">
-                <a16:creationId xmlns:a16="http://schemas.microsoft.com/office/drawing/2014/main" xmlns="" id="{D8855AE3-3414-440E-8C9F-70903C6BA91F}"/>
+                <a16:creationId xmlns="" xmlns:a16="http://schemas.microsoft.com/office/drawing/2014/main" id="{D8855AE3-3414-440E-8C9F-70903C6BA91F}"/>
               </a:ext>
             </a:extLst>
           </p:cNvPr>
@@ -21119,7 +21382,7 @@
           <p:cNvPr id="18" name="Rectangle 17">
             <a:extLst>
               <a:ext uri="{FF2B5EF4-FFF2-40B4-BE49-F238E27FC236}">
-                <a16:creationId xmlns:a16="http://schemas.microsoft.com/office/drawing/2014/main" xmlns="" id="{49DC6DD1-7A8F-4D6E-BCFF-6C9A2C086C04}"/>
+                <a16:creationId xmlns="" xmlns:a16="http://schemas.microsoft.com/office/drawing/2014/main" id="{49DC6DD1-7A8F-4D6E-BCFF-6C9A2C086C04}"/>
               </a:ext>
             </a:extLst>
           </p:cNvPr>
@@ -21165,7 +21428,7 @@
           <p:cNvPr id="25" name="Picture 24">
             <a:extLst>
               <a:ext uri="{FF2B5EF4-FFF2-40B4-BE49-F238E27FC236}">
-                <a16:creationId xmlns:a16="http://schemas.microsoft.com/office/drawing/2014/main" xmlns="" id="{6DFBF82F-6D9F-4652-B29D-D8A47C76365C}"/>
+                <a16:creationId xmlns="" xmlns:a16="http://schemas.microsoft.com/office/drawing/2014/main" id="{6DFBF82F-6D9F-4652-B29D-D8A47C76365C}"/>
               </a:ext>
             </a:extLst>
           </p:cNvPr>
@@ -21201,7 +21464,7 @@
           <p:cNvPr id="22" name="Picture 21">
             <a:extLst>
               <a:ext uri="{FF2B5EF4-FFF2-40B4-BE49-F238E27FC236}">
-                <a16:creationId xmlns:a16="http://schemas.microsoft.com/office/drawing/2014/main" xmlns="" id="{152C4223-FE44-492A-94DA-D432CDA97147}"/>
+                <a16:creationId xmlns="" xmlns:a16="http://schemas.microsoft.com/office/drawing/2014/main" id="{152C4223-FE44-492A-94DA-D432CDA97147}"/>
               </a:ext>
             </a:extLst>
           </p:cNvPr>
@@ -21236,7 +21499,7 @@
           <p:cNvPr id="23" name="Picture 22">
             <a:extLst>
               <a:ext uri="{FF2B5EF4-FFF2-40B4-BE49-F238E27FC236}">
-                <a16:creationId xmlns:a16="http://schemas.microsoft.com/office/drawing/2014/main" xmlns="" id="{28EBE4F5-C6EB-4CF6-8188-71ACA64C1695}"/>
+                <a16:creationId xmlns="" xmlns:a16="http://schemas.microsoft.com/office/drawing/2014/main" id="{28EBE4F5-C6EB-4CF6-8188-71ACA64C1695}"/>
               </a:ext>
             </a:extLst>
           </p:cNvPr>
@@ -21272,7 +21535,7 @@
           <p:cNvPr id="24" name="Picture 23">
             <a:extLst>
               <a:ext uri="{FF2B5EF4-FFF2-40B4-BE49-F238E27FC236}">
-                <a16:creationId xmlns:a16="http://schemas.microsoft.com/office/drawing/2014/main" xmlns="" id="{52EB17A2-1213-425A-87D0-9E086069B2A1}"/>
+                <a16:creationId xmlns="" xmlns:a16="http://schemas.microsoft.com/office/drawing/2014/main" id="{52EB17A2-1213-425A-87D0-9E086069B2A1}"/>
               </a:ext>
             </a:extLst>
           </p:cNvPr>
@@ -21307,7 +21570,7 @@
           <p:cNvPr id="32" name="Picture 31">
             <a:extLst>
               <a:ext uri="{FF2B5EF4-FFF2-40B4-BE49-F238E27FC236}">
-                <a16:creationId xmlns:a16="http://schemas.microsoft.com/office/drawing/2014/main" xmlns="" id="{9E933CBA-513F-4CCA-860A-2490166915F8}"/>
+                <a16:creationId xmlns="" xmlns:a16="http://schemas.microsoft.com/office/drawing/2014/main" id="{9E933CBA-513F-4CCA-860A-2490166915F8}"/>
               </a:ext>
             </a:extLst>
           </p:cNvPr>
@@ -21342,7 +21605,7 @@
           <p:cNvPr id="33" name="Picture 32">
             <a:extLst>
               <a:ext uri="{FF2B5EF4-FFF2-40B4-BE49-F238E27FC236}">
-                <a16:creationId xmlns:a16="http://schemas.microsoft.com/office/drawing/2014/main" xmlns="" id="{2BC9312B-3AF4-440F-B845-F4A0B58E6C78}"/>
+                <a16:creationId xmlns="" xmlns:a16="http://schemas.microsoft.com/office/drawing/2014/main" id="{2BC9312B-3AF4-440F-B845-F4A0B58E6C78}"/>
               </a:ext>
             </a:extLst>
           </p:cNvPr>
@@ -21378,7 +21641,7 @@
           <p:cNvPr id="34" name="Picture 33">
             <a:extLst>
               <a:ext uri="{FF2B5EF4-FFF2-40B4-BE49-F238E27FC236}">
-                <a16:creationId xmlns:a16="http://schemas.microsoft.com/office/drawing/2014/main" xmlns="" id="{E087B8C1-BC3D-4931-BC92-8B4F12F136DF}"/>
+                <a16:creationId xmlns="" xmlns:a16="http://schemas.microsoft.com/office/drawing/2014/main" id="{E087B8C1-BC3D-4931-BC92-8B4F12F136DF}"/>
               </a:ext>
             </a:extLst>
           </p:cNvPr>
@@ -21413,7 +21676,7 @@
           <p:cNvPr id="5" name="Picture 4">
             <a:extLst>
               <a:ext uri="{FF2B5EF4-FFF2-40B4-BE49-F238E27FC236}">
-                <a16:creationId xmlns:a16="http://schemas.microsoft.com/office/drawing/2014/main" xmlns="" id="{4EB02010-3707-4ED9-9532-806BF43A1420}"/>
+                <a16:creationId xmlns="" xmlns:a16="http://schemas.microsoft.com/office/drawing/2014/main" id="{4EB02010-3707-4ED9-9532-806BF43A1420}"/>
               </a:ext>
             </a:extLst>
           </p:cNvPr>
@@ -21454,11 +21717,11 @@
   <p:clrMapOvr>
     <a:masterClrMapping/>
   </p:clrMapOvr>
-  <mc:AlternateContent xmlns:mc="http://schemas.openxmlformats.org/markup-compatibility/2006">
-    <mc:Choice xmlns:p14="http://schemas.microsoft.com/office/powerpoint/2010/main" Requires="p14">
+  <mc:AlternateContent xmlns:mc="http://schemas.openxmlformats.org/markup-compatibility/2006" xmlns:p14="http://schemas.microsoft.com/office/powerpoint/2010/main">
+    <mc:Choice Requires="p14">
       <p:transition spd="slow" p14:dur="2000"/>
     </mc:Choice>
-    <mc:Fallback>
+    <mc:Fallback xmlns="">
       <p:transition spd="slow"/>
     </mc:Fallback>
   </mc:AlternateContent>
@@ -21487,7 +21750,7 @@
           <p:cNvPr id="6" name="TextBox 5">
             <a:extLst>
               <a:ext uri="{FF2B5EF4-FFF2-40B4-BE49-F238E27FC236}">
-                <a16:creationId xmlns:a16="http://schemas.microsoft.com/office/drawing/2014/main" xmlns="" id="{CD2A8DE0-B0E7-40FB-9538-60D54401A4F8}"/>
+                <a16:creationId xmlns="" xmlns:a16="http://schemas.microsoft.com/office/drawing/2014/main" id="{CD2A8DE0-B0E7-40FB-9538-60D54401A4F8}"/>
               </a:ext>
             </a:extLst>
           </p:cNvPr>
@@ -21539,7 +21802,7 @@
           <p:cNvPr id="3" name="Picture 2">
             <a:extLst>
               <a:ext uri="{FF2B5EF4-FFF2-40B4-BE49-F238E27FC236}">
-                <a16:creationId xmlns:a16="http://schemas.microsoft.com/office/drawing/2014/main" xmlns="" id="{5C292BA5-A729-4FFF-85B0-3702B3A4EC3D}"/>
+                <a16:creationId xmlns="" xmlns:a16="http://schemas.microsoft.com/office/drawing/2014/main" id="{5C292BA5-A729-4FFF-85B0-3702B3A4EC3D}"/>
               </a:ext>
             </a:extLst>
           </p:cNvPr>
@@ -21574,11 +21837,11 @@
   <p:clrMapOvr>
     <a:masterClrMapping/>
   </p:clrMapOvr>
-  <mc:AlternateContent xmlns:mc="http://schemas.openxmlformats.org/markup-compatibility/2006">
-    <mc:Choice xmlns:p14="http://schemas.microsoft.com/office/powerpoint/2010/main" Requires="p14">
+  <mc:AlternateContent xmlns:mc="http://schemas.openxmlformats.org/markup-compatibility/2006" xmlns:p14="http://schemas.microsoft.com/office/powerpoint/2010/main">
+    <mc:Choice Requires="p14">
       <p:transition spd="slow" p14:dur="2000"/>
     </mc:Choice>
-    <mc:Fallback>
+    <mc:Fallback xmlns="">
       <p:transition spd="slow"/>
     </mc:Fallback>
   </mc:AlternateContent>
@@ -21614,7 +21877,7 @@
           <p:cNvPr id="6" name="TextBox 5">
             <a:extLst>
               <a:ext uri="{FF2B5EF4-FFF2-40B4-BE49-F238E27FC236}">
-                <a16:creationId xmlns:a16="http://schemas.microsoft.com/office/drawing/2014/main" xmlns="" id="{CD2A8DE0-B0E7-40FB-9538-60D54401A4F8}"/>
+                <a16:creationId xmlns="" xmlns:a16="http://schemas.microsoft.com/office/drawing/2014/main" id="{CD2A8DE0-B0E7-40FB-9538-60D54401A4F8}"/>
               </a:ext>
             </a:extLst>
           </p:cNvPr>
@@ -21714,7 +21977,7 @@
           <p:cNvPr id="11" name="Picture 10">
             <a:extLst>
               <a:ext uri="{FF2B5EF4-FFF2-40B4-BE49-F238E27FC236}">
-                <a16:creationId xmlns:a16="http://schemas.microsoft.com/office/drawing/2014/main" xmlns="" id="{F6164AE6-B86F-4668-B82E-2CCF243694C5}"/>
+                <a16:creationId xmlns="" xmlns:a16="http://schemas.microsoft.com/office/drawing/2014/main" id="{F6164AE6-B86F-4668-B82E-2CCF243694C5}"/>
               </a:ext>
             </a:extLst>
           </p:cNvPr>
@@ -21744,7 +22007,7 @@
           <p:cNvPr id="18" name="TextBox 17">
             <a:extLst>
               <a:ext uri="{FF2B5EF4-FFF2-40B4-BE49-F238E27FC236}">
-                <a16:creationId xmlns:a16="http://schemas.microsoft.com/office/drawing/2014/main" xmlns="" id="{DDEA07C1-E0BC-44D5-97BC-55487ACFA934}"/>
+                <a16:creationId xmlns="" xmlns:a16="http://schemas.microsoft.com/office/drawing/2014/main" id="{DDEA07C1-E0BC-44D5-97BC-55487ACFA934}"/>
               </a:ext>
             </a:extLst>
           </p:cNvPr>
@@ -21784,7 +22047,7 @@
           <p:cNvPr id="19" name="TextBox 18">
             <a:extLst>
               <a:ext uri="{FF2B5EF4-FFF2-40B4-BE49-F238E27FC236}">
-                <a16:creationId xmlns:a16="http://schemas.microsoft.com/office/drawing/2014/main" xmlns="" id="{DE082C68-9641-440A-83B8-07164C781333}"/>
+                <a16:creationId xmlns="" xmlns:a16="http://schemas.microsoft.com/office/drawing/2014/main" id="{DE082C68-9641-440A-83B8-07164C781333}"/>
               </a:ext>
             </a:extLst>
           </p:cNvPr>
@@ -21839,7 +22102,7 @@
           <p:cNvPr id="20" name="TextBox 19">
             <a:extLst>
               <a:ext uri="{FF2B5EF4-FFF2-40B4-BE49-F238E27FC236}">
-                <a16:creationId xmlns:a16="http://schemas.microsoft.com/office/drawing/2014/main" xmlns="" id="{6DD24C2E-7386-42E5-86E8-6DEC9280B005}"/>
+                <a16:creationId xmlns="" xmlns:a16="http://schemas.microsoft.com/office/drawing/2014/main" id="{6DD24C2E-7386-42E5-86E8-6DEC9280B005}"/>
               </a:ext>
             </a:extLst>
           </p:cNvPr>
@@ -21894,7 +22157,7 @@
           <p:cNvPr id="23" name="Rectangle 22">
             <a:extLst>
               <a:ext uri="{FF2B5EF4-FFF2-40B4-BE49-F238E27FC236}">
-                <a16:creationId xmlns:a16="http://schemas.microsoft.com/office/drawing/2014/main" xmlns="" id="{7E948C6D-3FFA-44C6-BD28-5EB2DEC69A26}"/>
+                <a16:creationId xmlns="" xmlns:a16="http://schemas.microsoft.com/office/drawing/2014/main" id="{7E948C6D-3FFA-44C6-BD28-5EB2DEC69A26}"/>
               </a:ext>
             </a:extLst>
           </p:cNvPr>
@@ -21940,7 +22203,7 @@
           <p:cNvPr id="26" name="Rectangle 25">
             <a:extLst>
               <a:ext uri="{FF2B5EF4-FFF2-40B4-BE49-F238E27FC236}">
-                <a16:creationId xmlns:a16="http://schemas.microsoft.com/office/drawing/2014/main" xmlns="" id="{39CF1CDE-A93F-4AB1-968F-94B2D4449D82}"/>
+                <a16:creationId xmlns="" xmlns:a16="http://schemas.microsoft.com/office/drawing/2014/main" id="{39CF1CDE-A93F-4AB1-968F-94B2D4449D82}"/>
               </a:ext>
             </a:extLst>
           </p:cNvPr>
@@ -21986,7 +22249,7 @@
           <p:cNvPr id="29" name="Rectangle 28">
             <a:extLst>
               <a:ext uri="{FF2B5EF4-FFF2-40B4-BE49-F238E27FC236}">
-                <a16:creationId xmlns:a16="http://schemas.microsoft.com/office/drawing/2014/main" xmlns="" id="{14852D35-E350-44FF-922A-B2A645A7B618}"/>
+                <a16:creationId xmlns="" xmlns:a16="http://schemas.microsoft.com/office/drawing/2014/main" id="{14852D35-E350-44FF-922A-B2A645A7B618}"/>
               </a:ext>
             </a:extLst>
           </p:cNvPr>
@@ -22032,7 +22295,7 @@
           <p:cNvPr id="41" name="Rectangle 40">
             <a:extLst>
               <a:ext uri="{FF2B5EF4-FFF2-40B4-BE49-F238E27FC236}">
-                <a16:creationId xmlns:a16="http://schemas.microsoft.com/office/drawing/2014/main" xmlns="" id="{E81BDFDF-A2C2-47AD-8D90-A0FE79376AA6}"/>
+                <a16:creationId xmlns="" xmlns:a16="http://schemas.microsoft.com/office/drawing/2014/main" id="{E81BDFDF-A2C2-47AD-8D90-A0FE79376AA6}"/>
               </a:ext>
             </a:extLst>
           </p:cNvPr>
@@ -22092,7 +22355,7 @@
           <p:cNvPr id="42" name="Rectangle 41">
             <a:extLst>
               <a:ext uri="{FF2B5EF4-FFF2-40B4-BE49-F238E27FC236}">
-                <a16:creationId xmlns:a16="http://schemas.microsoft.com/office/drawing/2014/main" xmlns="" id="{353BFA1C-32B8-4D02-82DD-D04AE5441E95}"/>
+                <a16:creationId xmlns="" xmlns:a16="http://schemas.microsoft.com/office/drawing/2014/main" id="{353BFA1C-32B8-4D02-82DD-D04AE5441E95}"/>
               </a:ext>
             </a:extLst>
           </p:cNvPr>
@@ -22166,7 +22429,7 @@
           <p:cNvPr id="48" name="TextBox 47">
             <a:extLst>
               <a:ext uri="{FF2B5EF4-FFF2-40B4-BE49-F238E27FC236}">
-                <a16:creationId xmlns:a16="http://schemas.microsoft.com/office/drawing/2014/main" xmlns="" id="{F645AFEA-5815-4FE2-9618-7C86B01C2515}"/>
+                <a16:creationId xmlns="" xmlns:a16="http://schemas.microsoft.com/office/drawing/2014/main" id="{F645AFEA-5815-4FE2-9618-7C86B01C2515}"/>
               </a:ext>
             </a:extLst>
           </p:cNvPr>
@@ -22221,7 +22484,7 @@
           <p:cNvPr id="49" name="Rectangle 48">
             <a:extLst>
               <a:ext uri="{FF2B5EF4-FFF2-40B4-BE49-F238E27FC236}">
-                <a16:creationId xmlns:a16="http://schemas.microsoft.com/office/drawing/2014/main" xmlns="" id="{6BB4A87D-F73C-4006-BF33-C237ABCF2E42}"/>
+                <a16:creationId xmlns="" xmlns:a16="http://schemas.microsoft.com/office/drawing/2014/main" id="{6BB4A87D-F73C-4006-BF33-C237ABCF2E42}"/>
               </a:ext>
             </a:extLst>
           </p:cNvPr>
@@ -22267,7 +22530,7 @@
           <p:cNvPr id="22" name="TextBox 21">
             <a:extLst>
               <a:ext uri="{FF2B5EF4-FFF2-40B4-BE49-F238E27FC236}">
-                <a16:creationId xmlns:a16="http://schemas.microsoft.com/office/drawing/2014/main" xmlns="" id="{2458615F-EDD4-4CB1-8636-7046012BCFC7}"/>
+                <a16:creationId xmlns="" xmlns:a16="http://schemas.microsoft.com/office/drawing/2014/main" id="{2458615F-EDD4-4CB1-8636-7046012BCFC7}"/>
               </a:ext>
             </a:extLst>
           </p:cNvPr>
@@ -22391,7 +22654,7 @@
           <p:cNvPr id="25" name="TextBox 24">
             <a:extLst>
               <a:ext uri="{FF2B5EF4-FFF2-40B4-BE49-F238E27FC236}">
-                <a16:creationId xmlns:a16="http://schemas.microsoft.com/office/drawing/2014/main" xmlns="" id="{D2AE1B74-BAF0-44E9-A1E2-8323FB69F8D2}"/>
+                <a16:creationId xmlns="" xmlns:a16="http://schemas.microsoft.com/office/drawing/2014/main" id="{D2AE1B74-BAF0-44E9-A1E2-8323FB69F8D2}"/>
               </a:ext>
             </a:extLst>
           </p:cNvPr>
@@ -22428,7 +22691,7 @@
           <p:cNvPr id="27" name="Rectangle 26">
             <a:extLst>
               <a:ext uri="{FF2B5EF4-FFF2-40B4-BE49-F238E27FC236}">
-                <a16:creationId xmlns:a16="http://schemas.microsoft.com/office/drawing/2014/main" xmlns="" id="{37977B50-6556-4B94-B1F8-5F92215A0B0C}"/>
+                <a16:creationId xmlns="" xmlns:a16="http://schemas.microsoft.com/office/drawing/2014/main" id="{37977B50-6556-4B94-B1F8-5F92215A0B0C}"/>
               </a:ext>
             </a:extLst>
           </p:cNvPr>
@@ -22474,7 +22737,7 @@
           <p:cNvPr id="28" name="Rectangle 27">
             <a:extLst>
               <a:ext uri="{FF2B5EF4-FFF2-40B4-BE49-F238E27FC236}">
-                <a16:creationId xmlns:a16="http://schemas.microsoft.com/office/drawing/2014/main" xmlns="" id="{26182A3A-E93D-4E7E-9086-70BE570A4FCB}"/>
+                <a16:creationId xmlns="" xmlns:a16="http://schemas.microsoft.com/office/drawing/2014/main" id="{26182A3A-E93D-4E7E-9086-70BE570A4FCB}"/>
               </a:ext>
             </a:extLst>
           </p:cNvPr>
@@ -22528,7 +22791,7 @@
           <p:cNvPr id="30" name="TextBox 29">
             <a:extLst>
               <a:ext uri="{FF2B5EF4-FFF2-40B4-BE49-F238E27FC236}">
-                <a16:creationId xmlns:a16="http://schemas.microsoft.com/office/drawing/2014/main" xmlns="" id="{05601848-AFEC-4027-874E-FE90D21DA0AE}"/>
+                <a16:creationId xmlns="" xmlns:a16="http://schemas.microsoft.com/office/drawing/2014/main" id="{05601848-AFEC-4027-874E-FE90D21DA0AE}"/>
               </a:ext>
             </a:extLst>
           </p:cNvPr>
@@ -22583,7 +22846,7 @@
           <p:cNvPr id="31" name="TextBox 30">
             <a:extLst>
               <a:ext uri="{FF2B5EF4-FFF2-40B4-BE49-F238E27FC236}">
-                <a16:creationId xmlns:a16="http://schemas.microsoft.com/office/drawing/2014/main" xmlns="" id="{10A0C468-71CF-47C9-A47C-BFCA2C6B0AF1}"/>
+                <a16:creationId xmlns="" xmlns:a16="http://schemas.microsoft.com/office/drawing/2014/main" id="{10A0C468-71CF-47C9-A47C-BFCA2C6B0AF1}"/>
               </a:ext>
             </a:extLst>
           </p:cNvPr>
@@ -22650,7 +22913,7 @@
           <p:cNvPr id="21" name="Picture 20">
             <a:extLst>
               <a:ext uri="{FF2B5EF4-FFF2-40B4-BE49-F238E27FC236}">
-                <a16:creationId xmlns:a16="http://schemas.microsoft.com/office/drawing/2014/main" xmlns="" id="{AFEE3E03-059F-4485-BB9B-E7F9A7381F0D}"/>
+                <a16:creationId xmlns="" xmlns:a16="http://schemas.microsoft.com/office/drawing/2014/main" id="{AFEE3E03-059F-4485-BB9B-E7F9A7381F0D}"/>
               </a:ext>
             </a:extLst>
           </p:cNvPr>
@@ -22691,11 +22954,11 @@
   <p:clrMapOvr>
     <a:masterClrMapping/>
   </p:clrMapOvr>
-  <mc:AlternateContent xmlns:mc="http://schemas.openxmlformats.org/markup-compatibility/2006">
-    <mc:Choice xmlns:p14="http://schemas.microsoft.com/office/powerpoint/2010/main" Requires="p14">
+  <mc:AlternateContent xmlns:mc="http://schemas.openxmlformats.org/markup-compatibility/2006" xmlns:p14="http://schemas.microsoft.com/office/powerpoint/2010/main">
+    <mc:Choice Requires="p14">
       <p:transition spd="slow" p14:dur="2000"/>
     </mc:Choice>
-    <mc:Fallback>
+    <mc:Fallback xmlns="">
       <p:transition spd="slow"/>
     </mc:Fallback>
   </mc:AlternateContent>
@@ -22724,7 +22987,7 @@
           <p:cNvPr id="6" name="TextBox 5">
             <a:extLst>
               <a:ext uri="{FF2B5EF4-FFF2-40B4-BE49-F238E27FC236}">
-                <a16:creationId xmlns:a16="http://schemas.microsoft.com/office/drawing/2014/main" xmlns="" id="{CD2A8DE0-B0E7-40FB-9538-60D54401A4F8}"/>
+                <a16:creationId xmlns="" xmlns:a16="http://schemas.microsoft.com/office/drawing/2014/main" id="{CD2A8DE0-B0E7-40FB-9538-60D54401A4F8}"/>
               </a:ext>
             </a:extLst>
           </p:cNvPr>
@@ -22824,7 +23087,7 @@
           <p:cNvPr id="11" name="Picture 10">
             <a:extLst>
               <a:ext uri="{FF2B5EF4-FFF2-40B4-BE49-F238E27FC236}">
-                <a16:creationId xmlns:a16="http://schemas.microsoft.com/office/drawing/2014/main" xmlns="" id="{F6164AE6-B86F-4668-B82E-2CCF243694C5}"/>
+                <a16:creationId xmlns="" xmlns:a16="http://schemas.microsoft.com/office/drawing/2014/main" id="{F6164AE6-B86F-4668-B82E-2CCF243694C5}"/>
               </a:ext>
             </a:extLst>
           </p:cNvPr>
@@ -22854,7 +23117,7 @@
           <p:cNvPr id="18" name="TextBox 17">
             <a:extLst>
               <a:ext uri="{FF2B5EF4-FFF2-40B4-BE49-F238E27FC236}">
-                <a16:creationId xmlns:a16="http://schemas.microsoft.com/office/drawing/2014/main" xmlns="" id="{DDEA07C1-E0BC-44D5-97BC-55487ACFA934}"/>
+                <a16:creationId xmlns="" xmlns:a16="http://schemas.microsoft.com/office/drawing/2014/main" id="{DDEA07C1-E0BC-44D5-97BC-55487ACFA934}"/>
               </a:ext>
             </a:extLst>
           </p:cNvPr>
@@ -22933,7 +23196,7 @@
           <p:cNvPr id="42" name="Rectangle 41">
             <a:extLst>
               <a:ext uri="{FF2B5EF4-FFF2-40B4-BE49-F238E27FC236}">
-                <a16:creationId xmlns:a16="http://schemas.microsoft.com/office/drawing/2014/main" xmlns="" id="{353BFA1C-32B8-4D02-82DD-D04AE5441E95}"/>
+                <a16:creationId xmlns="" xmlns:a16="http://schemas.microsoft.com/office/drawing/2014/main" id="{353BFA1C-32B8-4D02-82DD-D04AE5441E95}"/>
               </a:ext>
             </a:extLst>
           </p:cNvPr>
@@ -23007,7 +23270,7 @@
           <p:cNvPr id="49" name="Rectangle 48">
             <a:extLst>
               <a:ext uri="{FF2B5EF4-FFF2-40B4-BE49-F238E27FC236}">
-                <a16:creationId xmlns:a16="http://schemas.microsoft.com/office/drawing/2014/main" xmlns="" id="{6BB4A87D-F73C-4006-BF33-C237ABCF2E42}"/>
+                <a16:creationId xmlns="" xmlns:a16="http://schemas.microsoft.com/office/drawing/2014/main" id="{6BB4A87D-F73C-4006-BF33-C237ABCF2E42}"/>
               </a:ext>
             </a:extLst>
           </p:cNvPr>
@@ -23053,7 +23316,7 @@
           <p:cNvPr id="21" name="TextBox 20">
             <a:extLst>
               <a:ext uri="{FF2B5EF4-FFF2-40B4-BE49-F238E27FC236}">
-                <a16:creationId xmlns:a16="http://schemas.microsoft.com/office/drawing/2014/main" xmlns="" id="{4BDFFEA8-D337-4BC0-8DCA-D76392741E23}"/>
+                <a16:creationId xmlns="" xmlns:a16="http://schemas.microsoft.com/office/drawing/2014/main" id="{4BDFFEA8-D337-4BC0-8DCA-D76392741E23}"/>
               </a:ext>
             </a:extLst>
           </p:cNvPr>
@@ -23118,7 +23381,7 @@
           <p:cNvPr id="22" name="TextBox 21">
             <a:extLst>
               <a:ext uri="{FF2B5EF4-FFF2-40B4-BE49-F238E27FC236}">
-                <a16:creationId xmlns:a16="http://schemas.microsoft.com/office/drawing/2014/main" xmlns="" id="{3F6E2C2B-281C-49B5-89F1-ED3726EAF780}"/>
+                <a16:creationId xmlns="" xmlns:a16="http://schemas.microsoft.com/office/drawing/2014/main" id="{3F6E2C2B-281C-49B5-89F1-ED3726EAF780}"/>
               </a:ext>
             </a:extLst>
           </p:cNvPr>
@@ -23179,7 +23442,7 @@
           <p:cNvPr id="34" name="TextBox 33">
             <a:extLst>
               <a:ext uri="{FF2B5EF4-FFF2-40B4-BE49-F238E27FC236}">
-                <a16:creationId xmlns:a16="http://schemas.microsoft.com/office/drawing/2014/main" xmlns="" id="{FCB6013B-D2D1-4736-9A0F-C6999AEC0807}"/>
+                <a16:creationId xmlns="" xmlns:a16="http://schemas.microsoft.com/office/drawing/2014/main" id="{FCB6013B-D2D1-4736-9A0F-C6999AEC0807}"/>
               </a:ext>
             </a:extLst>
           </p:cNvPr>
@@ -23222,7 +23485,7 @@
           <p:cNvPr id="35" name="Rectangle 34">
             <a:extLst>
               <a:ext uri="{FF2B5EF4-FFF2-40B4-BE49-F238E27FC236}">
-                <a16:creationId xmlns:a16="http://schemas.microsoft.com/office/drawing/2014/main" xmlns="" id="{641B9C04-FC45-42E0-8BEC-A540512108B4}"/>
+                <a16:creationId xmlns="" xmlns:a16="http://schemas.microsoft.com/office/drawing/2014/main" id="{641B9C04-FC45-42E0-8BEC-A540512108B4}"/>
               </a:ext>
             </a:extLst>
           </p:cNvPr>
@@ -23268,7 +23531,7 @@
           <p:cNvPr id="36" name="TextBox 35">
             <a:extLst>
               <a:ext uri="{FF2B5EF4-FFF2-40B4-BE49-F238E27FC236}">
-                <a16:creationId xmlns:a16="http://schemas.microsoft.com/office/drawing/2014/main" xmlns="" id="{46AAFE98-E7BB-4ADB-897F-0B40DB41A22D}"/>
+                <a16:creationId xmlns="" xmlns:a16="http://schemas.microsoft.com/office/drawing/2014/main" id="{46AAFE98-E7BB-4ADB-897F-0B40DB41A22D}"/>
               </a:ext>
             </a:extLst>
           </p:cNvPr>
@@ -23323,7 +23586,7 @@
           <p:cNvPr id="37" name="Rectangle 36">
             <a:extLst>
               <a:ext uri="{FF2B5EF4-FFF2-40B4-BE49-F238E27FC236}">
-                <a16:creationId xmlns:a16="http://schemas.microsoft.com/office/drawing/2014/main" xmlns="" id="{35AEE3D0-05A6-41C1-A246-E626445A01A9}"/>
+                <a16:creationId xmlns="" xmlns:a16="http://schemas.microsoft.com/office/drawing/2014/main" id="{35AEE3D0-05A6-41C1-A246-E626445A01A9}"/>
               </a:ext>
             </a:extLst>
           </p:cNvPr>
@@ -23407,7 +23670,7 @@
           <p:cNvPr id="38" name="TextBox 37">
             <a:extLst>
               <a:ext uri="{FF2B5EF4-FFF2-40B4-BE49-F238E27FC236}">
-                <a16:creationId xmlns:a16="http://schemas.microsoft.com/office/drawing/2014/main" xmlns="" id="{F1E935BC-342E-4DED-B95A-AF834CCE5868}"/>
+                <a16:creationId xmlns="" xmlns:a16="http://schemas.microsoft.com/office/drawing/2014/main" id="{F1E935BC-342E-4DED-B95A-AF834CCE5868}"/>
               </a:ext>
             </a:extLst>
           </p:cNvPr>
@@ -23490,7 +23753,7 @@
           <p:cNvPr id="40" name="TextBox 39">
             <a:extLst>
               <a:ext uri="{FF2B5EF4-FFF2-40B4-BE49-F238E27FC236}">
-                <a16:creationId xmlns:a16="http://schemas.microsoft.com/office/drawing/2014/main" xmlns="" id="{362DFC4C-7B64-4E45-BAB6-0D6AE704BF4A}"/>
+                <a16:creationId xmlns="" xmlns:a16="http://schemas.microsoft.com/office/drawing/2014/main" id="{362DFC4C-7B64-4E45-BAB6-0D6AE704BF4A}"/>
               </a:ext>
             </a:extLst>
           </p:cNvPr>
@@ -23545,7 +23808,7 @@
           <p:cNvPr id="45" name="TextBox 44">
             <a:extLst>
               <a:ext uri="{FF2B5EF4-FFF2-40B4-BE49-F238E27FC236}">
-                <a16:creationId xmlns:a16="http://schemas.microsoft.com/office/drawing/2014/main" xmlns="" id="{BEB9BFB6-92D3-4FE6-B447-090767996ED7}"/>
+                <a16:creationId xmlns="" xmlns:a16="http://schemas.microsoft.com/office/drawing/2014/main" id="{BEB9BFB6-92D3-4FE6-B447-090767996ED7}"/>
               </a:ext>
             </a:extLst>
           </p:cNvPr>
@@ -23594,7 +23857,7 @@
           <p:cNvPr id="46" name="Rectangle 45">
             <a:extLst>
               <a:ext uri="{FF2B5EF4-FFF2-40B4-BE49-F238E27FC236}">
-                <a16:creationId xmlns:a16="http://schemas.microsoft.com/office/drawing/2014/main" xmlns="" id="{829A6FC0-BAD4-4FF2-89EE-DAEE1E9CEBF6}"/>
+                <a16:creationId xmlns="" xmlns:a16="http://schemas.microsoft.com/office/drawing/2014/main" id="{829A6FC0-BAD4-4FF2-89EE-DAEE1E9CEBF6}"/>
               </a:ext>
             </a:extLst>
           </p:cNvPr>
@@ -23640,7 +23903,7 @@
           <p:cNvPr id="47" name="Rectangle 46">
             <a:extLst>
               <a:ext uri="{FF2B5EF4-FFF2-40B4-BE49-F238E27FC236}">
-                <a16:creationId xmlns:a16="http://schemas.microsoft.com/office/drawing/2014/main" xmlns="" id="{8159DB57-E520-4FB7-8FC5-35129A01AB2C}"/>
+                <a16:creationId xmlns="" xmlns:a16="http://schemas.microsoft.com/office/drawing/2014/main" id="{8159DB57-E520-4FB7-8FC5-35129A01AB2C}"/>
               </a:ext>
             </a:extLst>
           </p:cNvPr>
@@ -23686,7 +23949,7 @@
           <p:cNvPr id="50" name="TextBox 49">
             <a:extLst>
               <a:ext uri="{FF2B5EF4-FFF2-40B4-BE49-F238E27FC236}">
-                <a16:creationId xmlns:a16="http://schemas.microsoft.com/office/drawing/2014/main" xmlns="" id="{DBF1EB73-7CC8-4B17-A129-7E44D1479735}"/>
+                <a16:creationId xmlns="" xmlns:a16="http://schemas.microsoft.com/office/drawing/2014/main" id="{DBF1EB73-7CC8-4B17-A129-7E44D1479735}"/>
               </a:ext>
             </a:extLst>
           </p:cNvPr>
@@ -23741,7 +24004,7 @@
           <p:cNvPr id="51" name="Rectangle 50">
             <a:extLst>
               <a:ext uri="{FF2B5EF4-FFF2-40B4-BE49-F238E27FC236}">
-                <a16:creationId xmlns:a16="http://schemas.microsoft.com/office/drawing/2014/main" xmlns="" id="{8AF4A862-5198-45B4-9562-839926384826}"/>
+                <a16:creationId xmlns="" xmlns:a16="http://schemas.microsoft.com/office/drawing/2014/main" id="{8AF4A862-5198-45B4-9562-839926384826}"/>
               </a:ext>
             </a:extLst>
           </p:cNvPr>
@@ -23787,7 +24050,7 @@
           <p:cNvPr id="52" name="TextBox 51">
             <a:extLst>
               <a:ext uri="{FF2B5EF4-FFF2-40B4-BE49-F238E27FC236}">
-                <a16:creationId xmlns:a16="http://schemas.microsoft.com/office/drawing/2014/main" xmlns="" id="{D0690CA8-A5D4-4189-BFC1-F726D6EFC49C}"/>
+                <a16:creationId xmlns="" xmlns:a16="http://schemas.microsoft.com/office/drawing/2014/main" id="{D0690CA8-A5D4-4189-BFC1-F726D6EFC49C}"/>
               </a:ext>
             </a:extLst>
           </p:cNvPr>
@@ -23842,7 +24105,7 @@
           <p:cNvPr id="53" name="Rectangle 52">
             <a:extLst>
               <a:ext uri="{FF2B5EF4-FFF2-40B4-BE49-F238E27FC236}">
-                <a16:creationId xmlns:a16="http://schemas.microsoft.com/office/drawing/2014/main" xmlns="" id="{204F543E-2462-4DF1-B28D-57639D2BEE07}"/>
+                <a16:creationId xmlns="" xmlns:a16="http://schemas.microsoft.com/office/drawing/2014/main" id="{204F543E-2462-4DF1-B28D-57639D2BEE07}"/>
               </a:ext>
             </a:extLst>
           </p:cNvPr>
@@ -23888,7 +24151,7 @@
           <p:cNvPr id="30" name="TextBox 29">
             <a:extLst>
               <a:ext uri="{FF2B5EF4-FFF2-40B4-BE49-F238E27FC236}">
-                <a16:creationId xmlns:a16="http://schemas.microsoft.com/office/drawing/2014/main" xmlns="" id="{7BC17DE0-2ECC-45C7-AF4E-4EFD61D76F61}"/>
+                <a16:creationId xmlns="" xmlns:a16="http://schemas.microsoft.com/office/drawing/2014/main" id="{7BC17DE0-2ECC-45C7-AF4E-4EFD61D76F61}"/>
               </a:ext>
             </a:extLst>
           </p:cNvPr>
@@ -24012,7 +24275,7 @@
           <p:cNvPr id="32" name="Rectangle 31">
             <a:extLst>
               <a:ext uri="{FF2B5EF4-FFF2-40B4-BE49-F238E27FC236}">
-                <a16:creationId xmlns:a16="http://schemas.microsoft.com/office/drawing/2014/main" xmlns="" id="{972F606E-97EA-4C73-B693-17053CCA1B1A}"/>
+                <a16:creationId xmlns="" xmlns:a16="http://schemas.microsoft.com/office/drawing/2014/main" id="{972F606E-97EA-4C73-B693-17053CCA1B1A}"/>
               </a:ext>
             </a:extLst>
           </p:cNvPr>
@@ -24066,7 +24329,7 @@
           <p:cNvPr id="17" name="TextBox 16">
             <a:extLst>
               <a:ext uri="{FF2B5EF4-FFF2-40B4-BE49-F238E27FC236}">
-                <a16:creationId xmlns:a16="http://schemas.microsoft.com/office/drawing/2014/main" xmlns="" id="{E74F7379-B503-4B35-946D-61820AE3A953}"/>
+                <a16:creationId xmlns="" xmlns:a16="http://schemas.microsoft.com/office/drawing/2014/main" id="{E74F7379-B503-4B35-946D-61820AE3A953}"/>
               </a:ext>
             </a:extLst>
           </p:cNvPr>
@@ -24121,7 +24384,7 @@
           <p:cNvPr id="14" name="TextBox 13">
             <a:extLst>
               <a:ext uri="{FF2B5EF4-FFF2-40B4-BE49-F238E27FC236}">
-                <a16:creationId xmlns:a16="http://schemas.microsoft.com/office/drawing/2014/main" xmlns="" id="{88CA780A-86AF-4CC5-93C8-9AA542968897}"/>
+                <a16:creationId xmlns="" xmlns:a16="http://schemas.microsoft.com/office/drawing/2014/main" id="{88CA780A-86AF-4CC5-93C8-9AA542968897}"/>
               </a:ext>
             </a:extLst>
           </p:cNvPr>
@@ -24188,7 +24451,7 @@
           <p:cNvPr id="27" name="Picture 26">
             <a:extLst>
               <a:ext uri="{FF2B5EF4-FFF2-40B4-BE49-F238E27FC236}">
-                <a16:creationId xmlns:a16="http://schemas.microsoft.com/office/drawing/2014/main" xmlns="" id="{D6E0915E-A0EB-4F33-BBC4-EC1A86439242}"/>
+                <a16:creationId xmlns="" xmlns:a16="http://schemas.microsoft.com/office/drawing/2014/main" id="{D6E0915E-A0EB-4F33-BBC4-EC1A86439242}"/>
               </a:ext>
             </a:extLst>
           </p:cNvPr>
@@ -24229,11 +24492,11 @@
   <p:clrMapOvr>
     <a:masterClrMapping/>
   </p:clrMapOvr>
-  <mc:AlternateContent xmlns:mc="http://schemas.openxmlformats.org/markup-compatibility/2006">
-    <mc:Choice xmlns:p14="http://schemas.microsoft.com/office/powerpoint/2010/main" Requires="p14">
+  <mc:AlternateContent xmlns:mc="http://schemas.openxmlformats.org/markup-compatibility/2006" xmlns:p14="http://schemas.microsoft.com/office/powerpoint/2010/main">
+    <mc:Choice Requires="p14">
       <p:transition spd="slow" p14:dur="2000"/>
     </mc:Choice>
-    <mc:Fallback>
+    <mc:Fallback xmlns="">
       <p:transition spd="slow"/>
     </mc:Fallback>
   </mc:AlternateContent>
@@ -24262,7 +24525,7 @@
           <p:cNvPr id="6" name="TextBox 5">
             <a:extLst>
               <a:ext uri="{FF2B5EF4-FFF2-40B4-BE49-F238E27FC236}">
-                <a16:creationId xmlns:a16="http://schemas.microsoft.com/office/drawing/2014/main" xmlns="" id="{CD2A8DE0-B0E7-40FB-9538-60D54401A4F8}"/>
+                <a16:creationId xmlns="" xmlns:a16="http://schemas.microsoft.com/office/drawing/2014/main" id="{CD2A8DE0-B0E7-40FB-9538-60D54401A4F8}"/>
               </a:ext>
             </a:extLst>
           </p:cNvPr>
@@ -24350,7 +24613,7 @@
           <p:cNvPr id="11" name="Picture 10">
             <a:extLst>
               <a:ext uri="{FF2B5EF4-FFF2-40B4-BE49-F238E27FC236}">
-                <a16:creationId xmlns:a16="http://schemas.microsoft.com/office/drawing/2014/main" xmlns="" id="{F6164AE6-B86F-4668-B82E-2CCF243694C5}"/>
+                <a16:creationId xmlns="" xmlns:a16="http://schemas.microsoft.com/office/drawing/2014/main" id="{F6164AE6-B86F-4668-B82E-2CCF243694C5}"/>
               </a:ext>
             </a:extLst>
           </p:cNvPr>
@@ -24380,7 +24643,7 @@
           <p:cNvPr id="43" name="TextBox 42">
             <a:extLst>
               <a:ext uri="{FF2B5EF4-FFF2-40B4-BE49-F238E27FC236}">
-                <a16:creationId xmlns:a16="http://schemas.microsoft.com/office/drawing/2014/main" xmlns="" id="{F43B97D8-23B6-4B2F-AE82-8C0B2E7C3495}"/>
+                <a16:creationId xmlns="" xmlns:a16="http://schemas.microsoft.com/office/drawing/2014/main" id="{F43B97D8-23B6-4B2F-AE82-8C0B2E7C3495}"/>
               </a:ext>
             </a:extLst>
           </p:cNvPr>
@@ -24480,7 +24743,7 @@
           <p:cNvPr id="48" name="Table 3">
             <a:extLst>
               <a:ext uri="{FF2B5EF4-FFF2-40B4-BE49-F238E27FC236}">
-                <a16:creationId xmlns:a16="http://schemas.microsoft.com/office/drawing/2014/main" xmlns="" id="{B059A884-E061-41C0-9D05-E953D19D803E}"/>
+                <a16:creationId xmlns="" xmlns:a16="http://schemas.microsoft.com/office/drawing/2014/main" id="{B059A884-E061-41C0-9D05-E953D19D803E}"/>
               </a:ext>
             </a:extLst>
           </p:cNvPr>
@@ -24509,35 +24772,35 @@
                 <a:gridCol w="1662360">
                   <a:extLst>
                     <a:ext uri="{9D8B030D-6E8A-4147-A177-3AD203B41FA5}">
-                      <a16:colId xmlns:a16="http://schemas.microsoft.com/office/drawing/2014/main" xmlns="" val="3679797539"/>
+                      <a16:colId xmlns="" xmlns:a16="http://schemas.microsoft.com/office/drawing/2014/main" val="3679797539"/>
                     </a:ext>
                   </a:extLst>
                 </a:gridCol>
                 <a:gridCol w="1662360">
                   <a:extLst>
                     <a:ext uri="{9D8B030D-6E8A-4147-A177-3AD203B41FA5}">
-                      <a16:colId xmlns:a16="http://schemas.microsoft.com/office/drawing/2014/main" xmlns="" val="4188008786"/>
+                      <a16:colId xmlns="" xmlns:a16="http://schemas.microsoft.com/office/drawing/2014/main" val="4188008786"/>
                     </a:ext>
                   </a:extLst>
                 </a:gridCol>
                 <a:gridCol w="1662360">
                   <a:extLst>
                     <a:ext uri="{9D8B030D-6E8A-4147-A177-3AD203B41FA5}">
-                      <a16:colId xmlns:a16="http://schemas.microsoft.com/office/drawing/2014/main" xmlns="" val="3214238948"/>
+                      <a16:colId xmlns="" xmlns:a16="http://schemas.microsoft.com/office/drawing/2014/main" val="3214238948"/>
                     </a:ext>
                   </a:extLst>
                 </a:gridCol>
                 <a:gridCol w="1662360">
                   <a:extLst>
                     <a:ext uri="{9D8B030D-6E8A-4147-A177-3AD203B41FA5}">
-                      <a16:colId xmlns:a16="http://schemas.microsoft.com/office/drawing/2014/main" xmlns="" val="4284112643"/>
+                      <a16:colId xmlns="" xmlns:a16="http://schemas.microsoft.com/office/drawing/2014/main" val="4284112643"/>
                     </a:ext>
                   </a:extLst>
                 </a:gridCol>
                 <a:gridCol w="1662360">
                   <a:extLst>
                     <a:ext uri="{9D8B030D-6E8A-4147-A177-3AD203B41FA5}">
-                      <a16:colId xmlns:a16="http://schemas.microsoft.com/office/drawing/2014/main" xmlns="" val="2550577522"/>
+                      <a16:colId xmlns="" xmlns:a16="http://schemas.microsoft.com/office/drawing/2014/main" val="2550577522"/>
                     </a:ext>
                   </a:extLst>
                 </a:gridCol>
@@ -24674,7 +24937,7 @@
                 </a:tc>
                 <a:extLst>
                   <a:ext uri="{0D108BD9-81ED-4DB2-BD59-A6C34878D82A}">
-                    <a16:rowId xmlns:a16="http://schemas.microsoft.com/office/drawing/2014/main" xmlns="" val="652390980"/>
+                    <a16:rowId xmlns="" xmlns:a16="http://schemas.microsoft.com/office/drawing/2014/main" val="652390980"/>
                   </a:ext>
                 </a:extLst>
               </a:tr>
@@ -24784,7 +25047,7 @@
                 </a:tc>
                 <a:extLst>
                   <a:ext uri="{0D108BD9-81ED-4DB2-BD59-A6C34878D82A}">
-                    <a16:rowId xmlns:a16="http://schemas.microsoft.com/office/drawing/2014/main" xmlns="" val="730336656"/>
+                    <a16:rowId xmlns="" xmlns:a16="http://schemas.microsoft.com/office/drawing/2014/main" val="730336656"/>
                   </a:ext>
                 </a:extLst>
               </a:tr>
@@ -24894,7 +25157,7 @@
                 </a:tc>
                 <a:extLst>
                   <a:ext uri="{0D108BD9-81ED-4DB2-BD59-A6C34878D82A}">
-                    <a16:rowId xmlns:a16="http://schemas.microsoft.com/office/drawing/2014/main" xmlns="" val="2897143220"/>
+                    <a16:rowId xmlns="" xmlns:a16="http://schemas.microsoft.com/office/drawing/2014/main" val="2897143220"/>
                   </a:ext>
                 </a:extLst>
               </a:tr>
@@ -24986,7 +25249,7 @@
                 </a:tc>
                 <a:extLst>
                   <a:ext uri="{0D108BD9-81ED-4DB2-BD59-A6C34878D82A}">
-                    <a16:rowId xmlns:a16="http://schemas.microsoft.com/office/drawing/2014/main" xmlns="" val="378457201"/>
+                    <a16:rowId xmlns="" xmlns:a16="http://schemas.microsoft.com/office/drawing/2014/main" val="378457201"/>
                   </a:ext>
                 </a:extLst>
               </a:tr>
@@ -24999,7 +25262,7 @@
           <p:cNvPr id="53" name="TextBox 52">
             <a:extLst>
               <a:ext uri="{FF2B5EF4-FFF2-40B4-BE49-F238E27FC236}">
-                <a16:creationId xmlns:a16="http://schemas.microsoft.com/office/drawing/2014/main" xmlns="" id="{0A81DF9D-3B66-4EB3-B913-764CB1451577}"/>
+                <a16:creationId xmlns="" xmlns:a16="http://schemas.microsoft.com/office/drawing/2014/main" id="{0A81DF9D-3B66-4EB3-B913-764CB1451577}"/>
               </a:ext>
             </a:extLst>
           </p:cNvPr>
@@ -25054,7 +25317,7 @@
           <p:cNvPr id="54" name="TextBox 53">
             <a:extLst>
               <a:ext uri="{FF2B5EF4-FFF2-40B4-BE49-F238E27FC236}">
-                <a16:creationId xmlns:a16="http://schemas.microsoft.com/office/drawing/2014/main" xmlns="" id="{285ED952-B657-4DD6-BD3D-89C78E728766}"/>
+                <a16:creationId xmlns="" xmlns:a16="http://schemas.microsoft.com/office/drawing/2014/main" id="{285ED952-B657-4DD6-BD3D-89C78E728766}"/>
               </a:ext>
             </a:extLst>
           </p:cNvPr>
@@ -25121,7 +25384,7 @@
           <p:cNvPr id="55" name="TextBox 54">
             <a:extLst>
               <a:ext uri="{FF2B5EF4-FFF2-40B4-BE49-F238E27FC236}">
-                <a16:creationId xmlns:a16="http://schemas.microsoft.com/office/drawing/2014/main" xmlns="" id="{0363DA7F-8F5F-4BF3-9734-5D5EF3109253}"/>
+                <a16:creationId xmlns="" xmlns:a16="http://schemas.microsoft.com/office/drawing/2014/main" id="{0363DA7F-8F5F-4BF3-9734-5D5EF3109253}"/>
               </a:ext>
             </a:extLst>
           </p:cNvPr>
@@ -25176,7 +25439,7 @@
           <p:cNvPr id="56" name="TextBox 55">
             <a:extLst>
               <a:ext uri="{FF2B5EF4-FFF2-40B4-BE49-F238E27FC236}">
-                <a16:creationId xmlns:a16="http://schemas.microsoft.com/office/drawing/2014/main" xmlns="" id="{F00E7184-C9B4-4353-86E8-BF6E98915666}"/>
+                <a16:creationId xmlns="" xmlns:a16="http://schemas.microsoft.com/office/drawing/2014/main" id="{F00E7184-C9B4-4353-86E8-BF6E98915666}"/>
               </a:ext>
             </a:extLst>
           </p:cNvPr>
@@ -25213,7 +25476,7 @@
           <p:cNvPr id="57" name="TextBox 56">
             <a:extLst>
               <a:ext uri="{FF2B5EF4-FFF2-40B4-BE49-F238E27FC236}">
-                <a16:creationId xmlns:a16="http://schemas.microsoft.com/office/drawing/2014/main" xmlns="" id="{B09DCD21-9F4F-426E-B731-3FBDA87B9E35}"/>
+                <a16:creationId xmlns="" xmlns:a16="http://schemas.microsoft.com/office/drawing/2014/main" id="{B09DCD21-9F4F-426E-B731-3FBDA87B9E35}"/>
               </a:ext>
             </a:extLst>
           </p:cNvPr>
@@ -25250,7 +25513,7 @@
           <p:cNvPr id="58" name="TextBox 57">
             <a:extLst>
               <a:ext uri="{FF2B5EF4-FFF2-40B4-BE49-F238E27FC236}">
-                <a16:creationId xmlns:a16="http://schemas.microsoft.com/office/drawing/2014/main" xmlns="" id="{CB8F6CBC-464E-4B8C-BD38-219F6D6BAE63}"/>
+                <a16:creationId xmlns="" xmlns:a16="http://schemas.microsoft.com/office/drawing/2014/main" id="{CB8F6CBC-464E-4B8C-BD38-219F6D6BAE63}"/>
               </a:ext>
             </a:extLst>
           </p:cNvPr>
@@ -25290,7 +25553,7 @@
           <p:cNvPr id="20" name="Rectangle 19">
             <a:extLst>
               <a:ext uri="{FF2B5EF4-FFF2-40B4-BE49-F238E27FC236}">
-                <a16:creationId xmlns:a16="http://schemas.microsoft.com/office/drawing/2014/main" xmlns="" id="{B5243046-0B08-483F-B693-57760479CE70}"/>
+                <a16:creationId xmlns="" xmlns:a16="http://schemas.microsoft.com/office/drawing/2014/main" id="{B5243046-0B08-483F-B693-57760479CE70}"/>
               </a:ext>
             </a:extLst>
           </p:cNvPr>
@@ -25344,7 +25607,7 @@
           <p:cNvPr id="21" name="TextBox 20">
             <a:extLst>
               <a:ext uri="{FF2B5EF4-FFF2-40B4-BE49-F238E27FC236}">
-                <a16:creationId xmlns:a16="http://schemas.microsoft.com/office/drawing/2014/main" xmlns="" id="{48ABFA86-7AB5-4D39-956B-991F60D517C2}"/>
+                <a16:creationId xmlns="" xmlns:a16="http://schemas.microsoft.com/office/drawing/2014/main" id="{48ABFA86-7AB5-4D39-956B-991F60D517C2}"/>
               </a:ext>
             </a:extLst>
           </p:cNvPr>
@@ -25399,7 +25662,7 @@
           <p:cNvPr id="24" name="TextBox 23">
             <a:extLst>
               <a:ext uri="{FF2B5EF4-FFF2-40B4-BE49-F238E27FC236}">
-                <a16:creationId xmlns:a16="http://schemas.microsoft.com/office/drawing/2014/main" xmlns="" id="{8EC91563-0742-4234-B324-D1AC181F511C}"/>
+                <a16:creationId xmlns="" xmlns:a16="http://schemas.microsoft.com/office/drawing/2014/main" id="{8EC91563-0742-4234-B324-D1AC181F511C}"/>
               </a:ext>
             </a:extLst>
           </p:cNvPr>
@@ -25466,7 +25729,7 @@
           <p:cNvPr id="18" name="TextBox 17">
             <a:extLst>
               <a:ext uri="{FF2B5EF4-FFF2-40B4-BE49-F238E27FC236}">
-                <a16:creationId xmlns:a16="http://schemas.microsoft.com/office/drawing/2014/main" xmlns="" id="{4AA1BF53-BC7B-40F6-92D8-40F53E3B5C1F}"/>
+                <a16:creationId xmlns="" xmlns:a16="http://schemas.microsoft.com/office/drawing/2014/main" id="{4AA1BF53-BC7B-40F6-92D8-40F53E3B5C1F}"/>
               </a:ext>
             </a:extLst>
           </p:cNvPr>
@@ -25549,7 +25812,7 @@
           <p:cNvPr id="22" name="TextBox 21">
             <a:extLst>
               <a:ext uri="{FF2B5EF4-FFF2-40B4-BE49-F238E27FC236}">
-                <a16:creationId xmlns:a16="http://schemas.microsoft.com/office/drawing/2014/main" xmlns="" id="{6D247830-2565-4644-BF16-8F85EF250857}"/>
+                <a16:creationId xmlns="" xmlns:a16="http://schemas.microsoft.com/office/drawing/2014/main" id="{6D247830-2565-4644-BF16-8F85EF250857}"/>
               </a:ext>
             </a:extLst>
           </p:cNvPr>
@@ -25632,7 +25895,7 @@
           <p:cNvPr id="23" name="Picture 22">
             <a:extLst>
               <a:ext uri="{FF2B5EF4-FFF2-40B4-BE49-F238E27FC236}">
-                <a16:creationId xmlns:a16="http://schemas.microsoft.com/office/drawing/2014/main" xmlns="" id="{C646A48A-F738-43B4-9B1D-67FC4EF2DF4B}"/>
+                <a16:creationId xmlns="" xmlns:a16="http://schemas.microsoft.com/office/drawing/2014/main" id="{C646A48A-F738-43B4-9B1D-67FC4EF2DF4B}"/>
               </a:ext>
             </a:extLst>
           </p:cNvPr>
@@ -25668,7 +25931,7 @@
           <p:cNvPr id="25" name="Rectangle 24">
             <a:extLst>
               <a:ext uri="{FF2B5EF4-FFF2-40B4-BE49-F238E27FC236}">
-                <a16:creationId xmlns:a16="http://schemas.microsoft.com/office/drawing/2014/main" xmlns="" id="{EC213373-7A4E-40B0-8875-BBFE323A15D8}"/>
+                <a16:creationId xmlns="" xmlns:a16="http://schemas.microsoft.com/office/drawing/2014/main" id="{EC213373-7A4E-40B0-8875-BBFE323A15D8}"/>
               </a:ext>
             </a:extLst>
           </p:cNvPr>
@@ -25742,7 +26005,7 @@
           <p:cNvPr id="26" name="Group 25">
             <a:extLst>
               <a:ext uri="{FF2B5EF4-FFF2-40B4-BE49-F238E27FC236}">
-                <a16:creationId xmlns:a16="http://schemas.microsoft.com/office/drawing/2014/main" xmlns="" id="{C7B0FA4C-875E-4B2B-AA0C-41566882B7E2}"/>
+                <a16:creationId xmlns="" xmlns:a16="http://schemas.microsoft.com/office/drawing/2014/main" id="{C7B0FA4C-875E-4B2B-AA0C-41566882B7E2}"/>
               </a:ext>
             </a:extLst>
           </p:cNvPr>
@@ -25762,7 +26025,7 @@
             <p:cNvPr id="27" name="Rectangle 26">
               <a:extLst>
                 <a:ext uri="{FF2B5EF4-FFF2-40B4-BE49-F238E27FC236}">
-                  <a16:creationId xmlns:a16="http://schemas.microsoft.com/office/drawing/2014/main" xmlns="" id="{9969480F-3B74-4CC4-8434-19572E987218}"/>
+                  <a16:creationId xmlns="" xmlns:a16="http://schemas.microsoft.com/office/drawing/2014/main" id="{9969480F-3B74-4CC4-8434-19572E987218}"/>
                 </a:ext>
               </a:extLst>
             </p:cNvPr>
@@ -25840,7 +26103,7 @@
             <p:cNvPr id="28" name="Picture 27">
               <a:extLst>
                 <a:ext uri="{FF2B5EF4-FFF2-40B4-BE49-F238E27FC236}">
-                  <a16:creationId xmlns:a16="http://schemas.microsoft.com/office/drawing/2014/main" xmlns="" id="{203CB132-6C52-4CF5-8E55-A5968F1397A1}"/>
+                  <a16:creationId xmlns="" xmlns:a16="http://schemas.microsoft.com/office/drawing/2014/main" id="{203CB132-6C52-4CF5-8E55-A5968F1397A1}"/>
                 </a:ext>
               </a:extLst>
             </p:cNvPr>
@@ -25882,11 +26145,11 @@
   <p:clrMapOvr>
     <a:masterClrMapping/>
   </p:clrMapOvr>
-  <mc:AlternateContent xmlns:mc="http://schemas.openxmlformats.org/markup-compatibility/2006">
-    <mc:Choice xmlns:p14="http://schemas.microsoft.com/office/powerpoint/2010/main" Requires="p14">
+  <mc:AlternateContent xmlns:mc="http://schemas.openxmlformats.org/markup-compatibility/2006" xmlns:p14="http://schemas.microsoft.com/office/powerpoint/2010/main">
+    <mc:Choice Requires="p14">
       <p:transition spd="slow" p14:dur="2000"/>
     </mc:Choice>
-    <mc:Fallback>
+    <mc:Fallback xmlns="">
       <p:transition spd="slow"/>
     </mc:Fallback>
   </mc:AlternateContent>
@@ -25915,7 +26178,7 @@
           <p:cNvPr id="6" name="TextBox 5">
             <a:extLst>
               <a:ext uri="{FF2B5EF4-FFF2-40B4-BE49-F238E27FC236}">
-                <a16:creationId xmlns:a16="http://schemas.microsoft.com/office/drawing/2014/main" xmlns="" id="{CD2A8DE0-B0E7-40FB-9538-60D54401A4F8}"/>
+                <a16:creationId xmlns="" xmlns:a16="http://schemas.microsoft.com/office/drawing/2014/main" id="{CD2A8DE0-B0E7-40FB-9538-60D54401A4F8}"/>
               </a:ext>
             </a:extLst>
           </p:cNvPr>
@@ -26008,7 +26271,7 @@
           <p:cNvPr id="11" name="Picture 10">
             <a:extLst>
               <a:ext uri="{FF2B5EF4-FFF2-40B4-BE49-F238E27FC236}">
-                <a16:creationId xmlns:a16="http://schemas.microsoft.com/office/drawing/2014/main" xmlns="" id="{F6164AE6-B86F-4668-B82E-2CCF243694C5}"/>
+                <a16:creationId xmlns="" xmlns:a16="http://schemas.microsoft.com/office/drawing/2014/main" id="{F6164AE6-B86F-4668-B82E-2CCF243694C5}"/>
               </a:ext>
             </a:extLst>
           </p:cNvPr>
@@ -26038,7 +26301,7 @@
           <p:cNvPr id="42" name="Rectangle 41">
             <a:extLst>
               <a:ext uri="{FF2B5EF4-FFF2-40B4-BE49-F238E27FC236}">
-                <a16:creationId xmlns:a16="http://schemas.microsoft.com/office/drawing/2014/main" xmlns="" id="{353BFA1C-32B8-4D02-82DD-D04AE5441E95}"/>
+                <a16:creationId xmlns="" xmlns:a16="http://schemas.microsoft.com/office/drawing/2014/main" id="{353BFA1C-32B8-4D02-82DD-D04AE5441E95}"/>
               </a:ext>
             </a:extLst>
           </p:cNvPr>
@@ -26112,7 +26375,7 @@
           <p:cNvPr id="43" name="TextBox 42">
             <a:extLst>
               <a:ext uri="{FF2B5EF4-FFF2-40B4-BE49-F238E27FC236}">
-                <a16:creationId xmlns:a16="http://schemas.microsoft.com/office/drawing/2014/main" xmlns="" id="{F43B97D8-23B6-4B2F-AE82-8C0B2E7C3495}"/>
+                <a16:creationId xmlns="" xmlns:a16="http://schemas.microsoft.com/office/drawing/2014/main" id="{F43B97D8-23B6-4B2F-AE82-8C0B2E7C3495}"/>
               </a:ext>
             </a:extLst>
           </p:cNvPr>
@@ -26188,7 +26451,7 @@
           <p:cNvPr id="48" name="Table 3">
             <a:extLst>
               <a:ext uri="{FF2B5EF4-FFF2-40B4-BE49-F238E27FC236}">
-                <a16:creationId xmlns:a16="http://schemas.microsoft.com/office/drawing/2014/main" xmlns="" id="{B059A884-E061-41C0-9D05-E953D19D803E}"/>
+                <a16:creationId xmlns="" xmlns:a16="http://schemas.microsoft.com/office/drawing/2014/main" id="{B059A884-E061-41C0-9D05-E953D19D803E}"/>
               </a:ext>
             </a:extLst>
           </p:cNvPr>
@@ -26217,49 +26480,49 @@
                 <a:gridCol w="1512602">
                   <a:extLst>
                     <a:ext uri="{9D8B030D-6E8A-4147-A177-3AD203B41FA5}">
-                      <a16:colId xmlns:a16="http://schemas.microsoft.com/office/drawing/2014/main" xmlns="" val="2205170896"/>
+                      <a16:colId xmlns="" xmlns:a16="http://schemas.microsoft.com/office/drawing/2014/main" val="2205170896"/>
                     </a:ext>
                   </a:extLst>
                 </a:gridCol>
                 <a:gridCol w="684589">
                   <a:extLst>
                     <a:ext uri="{9D8B030D-6E8A-4147-A177-3AD203B41FA5}">
-                      <a16:colId xmlns:a16="http://schemas.microsoft.com/office/drawing/2014/main" xmlns="" val="3679797539"/>
+                      <a16:colId xmlns="" xmlns:a16="http://schemas.microsoft.com/office/drawing/2014/main" val="3679797539"/>
                     </a:ext>
                   </a:extLst>
                 </a:gridCol>
                 <a:gridCol w="1098596">
                   <a:extLst>
                     <a:ext uri="{9D8B030D-6E8A-4147-A177-3AD203B41FA5}">
-                      <a16:colId xmlns:a16="http://schemas.microsoft.com/office/drawing/2014/main" xmlns="" val="2142246052"/>
+                      <a16:colId xmlns="" xmlns:a16="http://schemas.microsoft.com/office/drawing/2014/main" val="2142246052"/>
                     </a:ext>
                   </a:extLst>
                 </a:gridCol>
                 <a:gridCol w="1380822">
                   <a:extLst>
                     <a:ext uri="{9D8B030D-6E8A-4147-A177-3AD203B41FA5}">
-                      <a16:colId xmlns:a16="http://schemas.microsoft.com/office/drawing/2014/main" xmlns="" val="4188008786"/>
+                      <a16:colId xmlns="" xmlns:a16="http://schemas.microsoft.com/office/drawing/2014/main" val="4188008786"/>
                     </a:ext>
                   </a:extLst>
                 </a:gridCol>
                 <a:gridCol w="1657337">
                   <a:extLst>
                     <a:ext uri="{9D8B030D-6E8A-4147-A177-3AD203B41FA5}">
-                      <a16:colId xmlns:a16="http://schemas.microsoft.com/office/drawing/2014/main" xmlns="" val="3214238948"/>
+                      <a16:colId xmlns="" xmlns:a16="http://schemas.microsoft.com/office/drawing/2014/main" val="3214238948"/>
                     </a:ext>
                   </a:extLst>
                 </a:gridCol>
                 <a:gridCol w="1345714">
                   <a:extLst>
                     <a:ext uri="{9D8B030D-6E8A-4147-A177-3AD203B41FA5}">
-                      <a16:colId xmlns:a16="http://schemas.microsoft.com/office/drawing/2014/main" xmlns="" val="4284112643"/>
+                      <a16:colId xmlns="" xmlns:a16="http://schemas.microsoft.com/office/drawing/2014/main" val="4284112643"/>
                     </a:ext>
                   </a:extLst>
                 </a:gridCol>
                 <a:gridCol w="537625">
                   <a:extLst>
                     <a:ext uri="{9D8B030D-6E8A-4147-A177-3AD203B41FA5}">
-                      <a16:colId xmlns:a16="http://schemas.microsoft.com/office/drawing/2014/main" xmlns="" val="4177220187"/>
+                      <a16:colId xmlns="" xmlns:a16="http://schemas.microsoft.com/office/drawing/2014/main" val="4177220187"/>
                     </a:ext>
                   </a:extLst>
                 </a:gridCol>
@@ -26452,7 +26715,7 @@
                 </a:tc>
                 <a:extLst>
                   <a:ext uri="{0D108BD9-81ED-4DB2-BD59-A6C34878D82A}">
-                    <a16:rowId xmlns:a16="http://schemas.microsoft.com/office/drawing/2014/main" xmlns="" val="652390980"/>
+                    <a16:rowId xmlns="" xmlns:a16="http://schemas.microsoft.com/office/drawing/2014/main" val="652390980"/>
                   </a:ext>
                 </a:extLst>
               </a:tr>
@@ -26608,7 +26871,7 @@
                 </a:tc>
                 <a:extLst>
                   <a:ext uri="{0D108BD9-81ED-4DB2-BD59-A6C34878D82A}">
-                    <a16:rowId xmlns:a16="http://schemas.microsoft.com/office/drawing/2014/main" xmlns="" val="730336656"/>
+                    <a16:rowId xmlns="" xmlns:a16="http://schemas.microsoft.com/office/drawing/2014/main" val="730336656"/>
                   </a:ext>
                 </a:extLst>
               </a:tr>
@@ -26764,7 +27027,7 @@
                 </a:tc>
                 <a:extLst>
                   <a:ext uri="{0D108BD9-81ED-4DB2-BD59-A6C34878D82A}">
-                    <a16:rowId xmlns:a16="http://schemas.microsoft.com/office/drawing/2014/main" xmlns="" val="2897143220"/>
+                    <a16:rowId xmlns="" xmlns:a16="http://schemas.microsoft.com/office/drawing/2014/main" val="2897143220"/>
                   </a:ext>
                 </a:extLst>
               </a:tr>
@@ -26890,7 +27153,7 @@
                 </a:tc>
                 <a:extLst>
                   <a:ext uri="{0D108BD9-81ED-4DB2-BD59-A6C34878D82A}">
-                    <a16:rowId xmlns:a16="http://schemas.microsoft.com/office/drawing/2014/main" xmlns="" val="378457201"/>
+                    <a16:rowId xmlns="" xmlns:a16="http://schemas.microsoft.com/office/drawing/2014/main" val="378457201"/>
                   </a:ext>
                 </a:extLst>
               </a:tr>
@@ -26903,7 +27166,7 @@
           <p:cNvPr id="53" name="TextBox 52">
             <a:extLst>
               <a:ext uri="{FF2B5EF4-FFF2-40B4-BE49-F238E27FC236}">
-                <a16:creationId xmlns:a16="http://schemas.microsoft.com/office/drawing/2014/main" xmlns="" id="{0A81DF9D-3B66-4EB3-B913-764CB1451577}"/>
+                <a16:creationId xmlns="" xmlns:a16="http://schemas.microsoft.com/office/drawing/2014/main" id="{0A81DF9D-3B66-4EB3-B913-764CB1451577}"/>
               </a:ext>
             </a:extLst>
           </p:cNvPr>
@@ -26958,7 +27221,7 @@
           <p:cNvPr id="54" name="TextBox 53">
             <a:extLst>
               <a:ext uri="{FF2B5EF4-FFF2-40B4-BE49-F238E27FC236}">
-                <a16:creationId xmlns:a16="http://schemas.microsoft.com/office/drawing/2014/main" xmlns="" id="{285ED952-B657-4DD6-BD3D-89C78E728766}"/>
+                <a16:creationId xmlns="" xmlns:a16="http://schemas.microsoft.com/office/drawing/2014/main" id="{285ED952-B657-4DD6-BD3D-89C78E728766}"/>
               </a:ext>
             </a:extLst>
           </p:cNvPr>
@@ -27013,7 +27276,7 @@
           <p:cNvPr id="55" name="TextBox 54">
             <a:extLst>
               <a:ext uri="{FF2B5EF4-FFF2-40B4-BE49-F238E27FC236}">
-                <a16:creationId xmlns:a16="http://schemas.microsoft.com/office/drawing/2014/main" xmlns="" id="{0363DA7F-8F5F-4BF3-9734-5D5EF3109253}"/>
+                <a16:creationId xmlns="" xmlns:a16="http://schemas.microsoft.com/office/drawing/2014/main" id="{0363DA7F-8F5F-4BF3-9734-5D5EF3109253}"/>
               </a:ext>
             </a:extLst>
           </p:cNvPr>
@@ -27068,7 +27331,7 @@
           <p:cNvPr id="56" name="TextBox 55">
             <a:extLst>
               <a:ext uri="{FF2B5EF4-FFF2-40B4-BE49-F238E27FC236}">
-                <a16:creationId xmlns:a16="http://schemas.microsoft.com/office/drawing/2014/main" xmlns="" id="{F00E7184-C9B4-4353-86E8-BF6E98915666}"/>
+                <a16:creationId xmlns="" xmlns:a16="http://schemas.microsoft.com/office/drawing/2014/main" id="{F00E7184-C9B4-4353-86E8-BF6E98915666}"/>
               </a:ext>
             </a:extLst>
           </p:cNvPr>
@@ -27105,7 +27368,7 @@
           <p:cNvPr id="57" name="TextBox 56">
             <a:extLst>
               <a:ext uri="{FF2B5EF4-FFF2-40B4-BE49-F238E27FC236}">
-                <a16:creationId xmlns:a16="http://schemas.microsoft.com/office/drawing/2014/main" xmlns="" id="{B09DCD21-9F4F-426E-B731-3FBDA87B9E35}"/>
+                <a16:creationId xmlns="" xmlns:a16="http://schemas.microsoft.com/office/drawing/2014/main" id="{B09DCD21-9F4F-426E-B731-3FBDA87B9E35}"/>
               </a:ext>
             </a:extLst>
           </p:cNvPr>
@@ -27142,7 +27405,7 @@
           <p:cNvPr id="18" name="Picture 9" descr="C:\Users\HuyTran\Desktop\WPF project\Pharmacy\Pharmacy_R1\Pharmacy\Pharmacy\Resource\Icons\app icon.png">
             <a:extLst>
               <a:ext uri="{FF2B5EF4-FFF2-40B4-BE49-F238E27FC236}">
-                <a16:creationId xmlns:a16="http://schemas.microsoft.com/office/drawing/2014/main" xmlns="" id="{73E06A25-59E2-44AE-ACF4-CC0E4BBD9F2F}"/>
+                <a16:creationId xmlns="" xmlns:a16="http://schemas.microsoft.com/office/drawing/2014/main" id="{73E06A25-59E2-44AE-ACF4-CC0E4BBD9F2F}"/>
               </a:ext>
             </a:extLst>
           </p:cNvPr>
@@ -27189,7 +27452,7 @@
           <p:cNvPr id="22" name="TextBox 21">
             <a:extLst>
               <a:ext uri="{FF2B5EF4-FFF2-40B4-BE49-F238E27FC236}">
-                <a16:creationId xmlns:a16="http://schemas.microsoft.com/office/drawing/2014/main" xmlns="" id="{DEE513CE-29AD-4183-ADB3-3E880FCC7B04}"/>
+                <a16:creationId xmlns="" xmlns:a16="http://schemas.microsoft.com/office/drawing/2014/main" id="{DEE513CE-29AD-4183-ADB3-3E880FCC7B04}"/>
               </a:ext>
             </a:extLst>
           </p:cNvPr>
@@ -27232,7 +27495,7 @@
           <p:cNvPr id="25" name="Rectangle 24">
             <a:extLst>
               <a:ext uri="{FF2B5EF4-FFF2-40B4-BE49-F238E27FC236}">
-                <a16:creationId xmlns:a16="http://schemas.microsoft.com/office/drawing/2014/main" xmlns="" id="{B32E5649-6D3F-4A89-9541-FC848823689D}"/>
+                <a16:creationId xmlns="" xmlns:a16="http://schemas.microsoft.com/office/drawing/2014/main" id="{B32E5649-6D3F-4A89-9541-FC848823689D}"/>
               </a:ext>
             </a:extLst>
           </p:cNvPr>
@@ -27278,7 +27541,7 @@
           <p:cNvPr id="27" name="Rectangle 26">
             <a:extLst>
               <a:ext uri="{FF2B5EF4-FFF2-40B4-BE49-F238E27FC236}">
-                <a16:creationId xmlns:a16="http://schemas.microsoft.com/office/drawing/2014/main" xmlns="" id="{144145E3-8466-4612-8478-3C34ED5354C8}"/>
+                <a16:creationId xmlns="" xmlns:a16="http://schemas.microsoft.com/office/drawing/2014/main" id="{144145E3-8466-4612-8478-3C34ED5354C8}"/>
               </a:ext>
             </a:extLst>
           </p:cNvPr>
@@ -27374,7 +27637,7 @@
           <p:cNvPr id="28" name="TextBox 27">
             <a:extLst>
               <a:ext uri="{FF2B5EF4-FFF2-40B4-BE49-F238E27FC236}">
-                <a16:creationId xmlns:a16="http://schemas.microsoft.com/office/drawing/2014/main" xmlns="" id="{FA4E3A6A-0686-4E38-92E9-4B1F61014D92}"/>
+                <a16:creationId xmlns="" xmlns:a16="http://schemas.microsoft.com/office/drawing/2014/main" id="{FA4E3A6A-0686-4E38-92E9-4B1F61014D92}"/>
               </a:ext>
             </a:extLst>
           </p:cNvPr>
@@ -27414,7 +27677,7 @@
           <p:cNvPr id="31" name="TextBox 30">
             <a:extLst>
               <a:ext uri="{FF2B5EF4-FFF2-40B4-BE49-F238E27FC236}">
-                <a16:creationId xmlns:a16="http://schemas.microsoft.com/office/drawing/2014/main" xmlns="" id="{76C2072E-784E-4345-9C4B-8EC3B9D3772E}"/>
+                <a16:creationId xmlns="" xmlns:a16="http://schemas.microsoft.com/office/drawing/2014/main" id="{76C2072E-784E-4345-9C4B-8EC3B9D3772E}"/>
               </a:ext>
             </a:extLst>
           </p:cNvPr>
@@ -27470,7 +27733,7 @@
           <p:cNvPr id="32" name="Rectangle 31">
             <a:extLst>
               <a:ext uri="{FF2B5EF4-FFF2-40B4-BE49-F238E27FC236}">
-                <a16:creationId xmlns:a16="http://schemas.microsoft.com/office/drawing/2014/main" xmlns="" id="{13FE3164-72A7-41C4-A2A0-749029D47117}"/>
+                <a16:creationId xmlns="" xmlns:a16="http://schemas.microsoft.com/office/drawing/2014/main" id="{13FE3164-72A7-41C4-A2A0-749029D47117}"/>
               </a:ext>
             </a:extLst>
           </p:cNvPr>
@@ -27516,7 +27779,7 @@
           <p:cNvPr id="33" name="TextBox 32">
             <a:extLst>
               <a:ext uri="{FF2B5EF4-FFF2-40B4-BE49-F238E27FC236}">
-                <a16:creationId xmlns:a16="http://schemas.microsoft.com/office/drawing/2014/main" xmlns="" id="{BE12D3AC-4EBB-40A4-9080-A584002F695D}"/>
+                <a16:creationId xmlns="" xmlns:a16="http://schemas.microsoft.com/office/drawing/2014/main" id="{BE12D3AC-4EBB-40A4-9080-A584002F695D}"/>
               </a:ext>
             </a:extLst>
           </p:cNvPr>
@@ -27571,7 +27834,7 @@
           <p:cNvPr id="34" name="Rectangle 33">
             <a:extLst>
               <a:ext uri="{FF2B5EF4-FFF2-40B4-BE49-F238E27FC236}">
-                <a16:creationId xmlns:a16="http://schemas.microsoft.com/office/drawing/2014/main" xmlns="" id="{C99A3D83-EC2F-4FA2-94E1-43A7EB4F5D13}"/>
+                <a16:creationId xmlns="" xmlns:a16="http://schemas.microsoft.com/office/drawing/2014/main" id="{C99A3D83-EC2F-4FA2-94E1-43A7EB4F5D13}"/>
               </a:ext>
             </a:extLst>
           </p:cNvPr>
@@ -27617,7 +27880,7 @@
           <p:cNvPr id="37" name="Rectangle: Rounded Corners 36">
             <a:extLst>
               <a:ext uri="{FF2B5EF4-FFF2-40B4-BE49-F238E27FC236}">
-                <a16:creationId xmlns:a16="http://schemas.microsoft.com/office/drawing/2014/main" xmlns="" id="{6B2FAAB8-50B8-4C46-A0DD-C3E697AA15A6}"/>
+                <a16:creationId xmlns="" xmlns:a16="http://schemas.microsoft.com/office/drawing/2014/main" id="{6B2FAAB8-50B8-4C46-A0DD-C3E697AA15A6}"/>
               </a:ext>
             </a:extLst>
           </p:cNvPr>
@@ -27664,7 +27927,7 @@
           <p:cNvPr id="40" name="TextBox 39">
             <a:extLst>
               <a:ext uri="{FF2B5EF4-FFF2-40B4-BE49-F238E27FC236}">
-                <a16:creationId xmlns:a16="http://schemas.microsoft.com/office/drawing/2014/main" xmlns="" id="{463395D7-BD58-445A-949D-EE60B595666A}"/>
+                <a16:creationId xmlns="" xmlns:a16="http://schemas.microsoft.com/office/drawing/2014/main" id="{463395D7-BD58-445A-949D-EE60B595666A}"/>
               </a:ext>
             </a:extLst>
           </p:cNvPr>
@@ -27755,7 +28018,7 @@
           <p:cNvPr id="45" name="Picture 44">
             <a:extLst>
               <a:ext uri="{FF2B5EF4-FFF2-40B4-BE49-F238E27FC236}">
-                <a16:creationId xmlns:a16="http://schemas.microsoft.com/office/drawing/2014/main" xmlns="" id="{F743E24F-D57F-40F0-BDC3-0E55A4D4E3F8}"/>
+                <a16:creationId xmlns="" xmlns:a16="http://schemas.microsoft.com/office/drawing/2014/main" id="{F743E24F-D57F-40F0-BDC3-0E55A4D4E3F8}"/>
               </a:ext>
             </a:extLst>
           </p:cNvPr>
@@ -27791,7 +28054,7 @@
           <p:cNvPr id="46" name="Picture 45">
             <a:extLst>
               <a:ext uri="{FF2B5EF4-FFF2-40B4-BE49-F238E27FC236}">
-                <a16:creationId xmlns:a16="http://schemas.microsoft.com/office/drawing/2014/main" xmlns="" id="{F34AFE7F-723E-4AC7-8215-5053D4C5418C}"/>
+                <a16:creationId xmlns="" xmlns:a16="http://schemas.microsoft.com/office/drawing/2014/main" id="{F34AFE7F-723E-4AC7-8215-5053D4C5418C}"/>
               </a:ext>
             </a:extLst>
           </p:cNvPr>
@@ -27827,7 +28090,7 @@
           <p:cNvPr id="49" name="TextBox 48">
             <a:extLst>
               <a:ext uri="{FF2B5EF4-FFF2-40B4-BE49-F238E27FC236}">
-                <a16:creationId xmlns:a16="http://schemas.microsoft.com/office/drawing/2014/main" xmlns="" id="{C2F4089A-58B5-4764-9670-B99EABB02D07}"/>
+                <a16:creationId xmlns="" xmlns:a16="http://schemas.microsoft.com/office/drawing/2014/main" id="{C2F4089A-58B5-4764-9670-B99EABB02D07}"/>
               </a:ext>
             </a:extLst>
           </p:cNvPr>
@@ -27882,7 +28145,7 @@
           <p:cNvPr id="50" name="TextBox 49">
             <a:extLst>
               <a:ext uri="{FF2B5EF4-FFF2-40B4-BE49-F238E27FC236}">
-                <a16:creationId xmlns:a16="http://schemas.microsoft.com/office/drawing/2014/main" xmlns="" id="{D0F4F5EA-5E5C-416F-986A-40FF06772027}"/>
+                <a16:creationId xmlns="" xmlns:a16="http://schemas.microsoft.com/office/drawing/2014/main" id="{D0F4F5EA-5E5C-416F-986A-40FF06772027}"/>
               </a:ext>
             </a:extLst>
           </p:cNvPr>
@@ -27937,7 +28200,7 @@
           <p:cNvPr id="51" name="TextBox 50">
             <a:extLst>
               <a:ext uri="{FF2B5EF4-FFF2-40B4-BE49-F238E27FC236}">
-                <a16:creationId xmlns:a16="http://schemas.microsoft.com/office/drawing/2014/main" xmlns="" id="{87645D2B-C1C4-4E84-885C-2AB6F05FF04A}"/>
+                <a16:creationId xmlns="" xmlns:a16="http://schemas.microsoft.com/office/drawing/2014/main" id="{87645D2B-C1C4-4E84-885C-2AB6F05FF04A}"/>
               </a:ext>
             </a:extLst>
           </p:cNvPr>
@@ -27974,7 +28237,7 @@
           <p:cNvPr id="52" name="TextBox 51">
             <a:extLst>
               <a:ext uri="{FF2B5EF4-FFF2-40B4-BE49-F238E27FC236}">
-                <a16:creationId xmlns:a16="http://schemas.microsoft.com/office/drawing/2014/main" xmlns="" id="{3D8F60B0-6609-461F-8DB7-DC664D4EAE89}"/>
+                <a16:creationId xmlns="" xmlns:a16="http://schemas.microsoft.com/office/drawing/2014/main" id="{3D8F60B0-6609-461F-8DB7-DC664D4EAE89}"/>
               </a:ext>
             </a:extLst>
           </p:cNvPr>
@@ -28011,7 +28274,7 @@
           <p:cNvPr id="60" name="Rectangle 59">
             <a:extLst>
               <a:ext uri="{FF2B5EF4-FFF2-40B4-BE49-F238E27FC236}">
-                <a16:creationId xmlns:a16="http://schemas.microsoft.com/office/drawing/2014/main" xmlns="" id="{5873DF57-4E7A-4756-9C46-507DB6BE5F79}"/>
+                <a16:creationId xmlns="" xmlns:a16="http://schemas.microsoft.com/office/drawing/2014/main" id="{5873DF57-4E7A-4756-9C46-507DB6BE5F79}"/>
               </a:ext>
             </a:extLst>
           </p:cNvPr>
@@ -28057,7 +28320,7 @@
           <p:cNvPr id="61" name="TextBox 60">
             <a:extLst>
               <a:ext uri="{FF2B5EF4-FFF2-40B4-BE49-F238E27FC236}">
-                <a16:creationId xmlns:a16="http://schemas.microsoft.com/office/drawing/2014/main" xmlns="" id="{AB7A2275-3A78-4F02-BC15-060236729553}"/>
+                <a16:creationId xmlns="" xmlns:a16="http://schemas.microsoft.com/office/drawing/2014/main" id="{AB7A2275-3A78-4F02-BC15-060236729553}"/>
               </a:ext>
             </a:extLst>
           </p:cNvPr>
@@ -28112,7 +28375,7 @@
           <p:cNvPr id="62" name="Rectangle 61">
             <a:extLst>
               <a:ext uri="{FF2B5EF4-FFF2-40B4-BE49-F238E27FC236}">
-                <a16:creationId xmlns:a16="http://schemas.microsoft.com/office/drawing/2014/main" xmlns="" id="{2975F9AD-5639-41AB-98F4-000F7727A8E2}"/>
+                <a16:creationId xmlns="" xmlns:a16="http://schemas.microsoft.com/office/drawing/2014/main" id="{2975F9AD-5639-41AB-98F4-000F7727A8E2}"/>
               </a:ext>
             </a:extLst>
           </p:cNvPr>
@@ -28158,7 +28421,7 @@
           <p:cNvPr id="63" name="TextBox 62">
             <a:extLst>
               <a:ext uri="{FF2B5EF4-FFF2-40B4-BE49-F238E27FC236}">
-                <a16:creationId xmlns:a16="http://schemas.microsoft.com/office/drawing/2014/main" xmlns="" id="{B582E5B7-E87C-48C5-AC0E-102B92901134}"/>
+                <a16:creationId xmlns="" xmlns:a16="http://schemas.microsoft.com/office/drawing/2014/main" id="{B582E5B7-E87C-48C5-AC0E-102B92901134}"/>
               </a:ext>
             </a:extLst>
           </p:cNvPr>
@@ -28213,7 +28476,7 @@
           <p:cNvPr id="64" name="Rectangle 63">
             <a:extLst>
               <a:ext uri="{FF2B5EF4-FFF2-40B4-BE49-F238E27FC236}">
-                <a16:creationId xmlns:a16="http://schemas.microsoft.com/office/drawing/2014/main" xmlns="" id="{9432B22F-F23E-4634-8D68-13C303BAA278}"/>
+                <a16:creationId xmlns="" xmlns:a16="http://schemas.microsoft.com/office/drawing/2014/main" id="{9432B22F-F23E-4634-8D68-13C303BAA278}"/>
               </a:ext>
             </a:extLst>
           </p:cNvPr>
@@ -28259,7 +28522,7 @@
           <p:cNvPr id="2" name="Rectangle 1">
             <a:extLst>
               <a:ext uri="{FF2B5EF4-FFF2-40B4-BE49-F238E27FC236}">
-                <a16:creationId xmlns:a16="http://schemas.microsoft.com/office/drawing/2014/main" xmlns="" id="{90496632-D7E2-414C-BB42-E62FF6828367}"/>
+                <a16:creationId xmlns="" xmlns:a16="http://schemas.microsoft.com/office/drawing/2014/main" id="{90496632-D7E2-414C-BB42-E62FF6828367}"/>
               </a:ext>
             </a:extLst>
           </p:cNvPr>
@@ -28311,7 +28574,7 @@
           <p:cNvPr id="65" name="TextBox 64">
             <a:extLst>
               <a:ext uri="{FF2B5EF4-FFF2-40B4-BE49-F238E27FC236}">
-                <a16:creationId xmlns:a16="http://schemas.microsoft.com/office/drawing/2014/main" xmlns="" id="{E020F078-6363-4168-BDF0-C6BC9924A81B}"/>
+                <a16:creationId xmlns="" xmlns:a16="http://schemas.microsoft.com/office/drawing/2014/main" id="{E020F078-6363-4168-BDF0-C6BC9924A81B}"/>
               </a:ext>
             </a:extLst>
           </p:cNvPr>
@@ -28368,7 +28631,7 @@
           <p:cNvPr id="66" name="Rectangle 65">
             <a:extLst>
               <a:ext uri="{FF2B5EF4-FFF2-40B4-BE49-F238E27FC236}">
-                <a16:creationId xmlns:a16="http://schemas.microsoft.com/office/drawing/2014/main" xmlns="" id="{0A5A2BC3-56F9-4839-BA83-BC03A40A9FB1}"/>
+                <a16:creationId xmlns="" xmlns:a16="http://schemas.microsoft.com/office/drawing/2014/main" id="{0A5A2BC3-56F9-4839-BA83-BC03A40A9FB1}"/>
               </a:ext>
             </a:extLst>
           </p:cNvPr>
@@ -28420,7 +28683,7 @@
           <p:cNvPr id="67" name="TextBox 66">
             <a:extLst>
               <a:ext uri="{FF2B5EF4-FFF2-40B4-BE49-F238E27FC236}">
-                <a16:creationId xmlns:a16="http://schemas.microsoft.com/office/drawing/2014/main" xmlns="" id="{D0CB97D5-2234-4E2B-B16E-4BBD3437F38A}"/>
+                <a16:creationId xmlns="" xmlns:a16="http://schemas.microsoft.com/office/drawing/2014/main" id="{D0CB97D5-2234-4E2B-B16E-4BBD3437F38A}"/>
               </a:ext>
             </a:extLst>
           </p:cNvPr>
@@ -28477,7 +28740,7 @@
           <p:cNvPr id="38" name="TextBox 37">
             <a:extLst>
               <a:ext uri="{FF2B5EF4-FFF2-40B4-BE49-F238E27FC236}">
-                <a16:creationId xmlns:a16="http://schemas.microsoft.com/office/drawing/2014/main" xmlns="" id="{EE2A1E57-244A-4822-9A8D-AFCD97CEB42B}"/>
+                <a16:creationId xmlns="" xmlns:a16="http://schemas.microsoft.com/office/drawing/2014/main" id="{EE2A1E57-244A-4822-9A8D-AFCD97CEB42B}"/>
               </a:ext>
             </a:extLst>
           </p:cNvPr>
@@ -28533,7 +28796,7 @@
           <p:cNvPr id="39" name="Rectangle 38">
             <a:extLst>
               <a:ext uri="{FF2B5EF4-FFF2-40B4-BE49-F238E27FC236}">
-                <a16:creationId xmlns:a16="http://schemas.microsoft.com/office/drawing/2014/main" xmlns="" id="{7AF9FC0F-1532-4C9F-85BE-382BBEB8A2DB}"/>
+                <a16:creationId xmlns="" xmlns:a16="http://schemas.microsoft.com/office/drawing/2014/main" id="{7AF9FC0F-1532-4C9F-85BE-382BBEB8A2DB}"/>
               </a:ext>
             </a:extLst>
           </p:cNvPr>
@@ -28584,11 +28847,11 @@
   <p:clrMapOvr>
     <a:masterClrMapping/>
   </p:clrMapOvr>
-  <mc:AlternateContent xmlns:mc="http://schemas.openxmlformats.org/markup-compatibility/2006">
-    <mc:Choice xmlns:p14="http://schemas.microsoft.com/office/powerpoint/2010/main" Requires="p14">
+  <mc:AlternateContent xmlns:mc="http://schemas.openxmlformats.org/markup-compatibility/2006" xmlns:p14="http://schemas.microsoft.com/office/powerpoint/2010/main">
+    <mc:Choice Requires="p14">
       <p:transition spd="slow" p14:dur="2000"/>
     </mc:Choice>
-    <mc:Fallback>
+    <mc:Fallback xmlns="">
       <p:transition spd="slow"/>
     </mc:Fallback>
   </mc:AlternateContent>
@@ -28617,7 +28880,7 @@
           <p:cNvPr id="6" name="TextBox 5">
             <a:extLst>
               <a:ext uri="{FF2B5EF4-FFF2-40B4-BE49-F238E27FC236}">
-                <a16:creationId xmlns:a16="http://schemas.microsoft.com/office/drawing/2014/main" xmlns="" id="{CD2A8DE0-B0E7-40FB-9538-60D54401A4F8}"/>
+                <a16:creationId xmlns="" xmlns:a16="http://schemas.microsoft.com/office/drawing/2014/main" id="{CD2A8DE0-B0E7-40FB-9538-60D54401A4F8}"/>
               </a:ext>
             </a:extLst>
           </p:cNvPr>
@@ -28728,7 +28991,7 @@
           <p:cNvPr id="11" name="Picture 10">
             <a:extLst>
               <a:ext uri="{FF2B5EF4-FFF2-40B4-BE49-F238E27FC236}">
-                <a16:creationId xmlns:a16="http://schemas.microsoft.com/office/drawing/2014/main" xmlns="" id="{F6164AE6-B86F-4668-B82E-2CCF243694C5}"/>
+                <a16:creationId xmlns="" xmlns:a16="http://schemas.microsoft.com/office/drawing/2014/main" id="{F6164AE6-B86F-4668-B82E-2CCF243694C5}"/>
               </a:ext>
             </a:extLst>
           </p:cNvPr>
@@ -28758,7 +29021,7 @@
           <p:cNvPr id="43" name="TextBox 42">
             <a:extLst>
               <a:ext uri="{FF2B5EF4-FFF2-40B4-BE49-F238E27FC236}">
-                <a16:creationId xmlns:a16="http://schemas.microsoft.com/office/drawing/2014/main" xmlns="" id="{F43B97D8-23B6-4B2F-AE82-8C0B2E7C3495}"/>
+                <a16:creationId xmlns="" xmlns:a16="http://schemas.microsoft.com/office/drawing/2014/main" id="{F43B97D8-23B6-4B2F-AE82-8C0B2E7C3495}"/>
               </a:ext>
             </a:extLst>
           </p:cNvPr>
@@ -28882,7 +29145,7 @@
           <p:cNvPr id="41" name="Table 3">
             <a:extLst>
               <a:ext uri="{FF2B5EF4-FFF2-40B4-BE49-F238E27FC236}">
-                <a16:creationId xmlns:a16="http://schemas.microsoft.com/office/drawing/2014/main" xmlns="" id="{995E6F81-12C9-4445-97C2-C8DA4F46028F}"/>
+                <a16:creationId xmlns="" xmlns:a16="http://schemas.microsoft.com/office/drawing/2014/main" id="{995E6F81-12C9-4445-97C2-C8DA4F46028F}"/>
               </a:ext>
             </a:extLst>
           </p:cNvPr>
@@ -28911,35 +29174,35 @@
                 <a:gridCol w="1397116">
                   <a:extLst>
                     <a:ext uri="{9D8B030D-6E8A-4147-A177-3AD203B41FA5}">
-                      <a16:colId xmlns:a16="http://schemas.microsoft.com/office/drawing/2014/main" xmlns="" val="3679797539"/>
+                      <a16:colId xmlns="" xmlns:a16="http://schemas.microsoft.com/office/drawing/2014/main" val="3679797539"/>
                     </a:ext>
                   </a:extLst>
                 </a:gridCol>
                 <a:gridCol w="1397116">
                   <a:extLst>
                     <a:ext uri="{9D8B030D-6E8A-4147-A177-3AD203B41FA5}">
-                      <a16:colId xmlns:a16="http://schemas.microsoft.com/office/drawing/2014/main" xmlns="" val="4188008786"/>
+                      <a16:colId xmlns="" xmlns:a16="http://schemas.microsoft.com/office/drawing/2014/main" val="4188008786"/>
                     </a:ext>
                   </a:extLst>
                 </a:gridCol>
                 <a:gridCol w="2643435">
                   <a:extLst>
                     <a:ext uri="{9D8B030D-6E8A-4147-A177-3AD203B41FA5}">
-                      <a16:colId xmlns:a16="http://schemas.microsoft.com/office/drawing/2014/main" xmlns="" val="240713644"/>
+                      <a16:colId xmlns="" xmlns:a16="http://schemas.microsoft.com/office/drawing/2014/main" val="240713644"/>
                     </a:ext>
                   </a:extLst>
                 </a:gridCol>
                 <a:gridCol w="1283731">
                   <a:extLst>
                     <a:ext uri="{9D8B030D-6E8A-4147-A177-3AD203B41FA5}">
-                      <a16:colId xmlns:a16="http://schemas.microsoft.com/office/drawing/2014/main" xmlns="" val="3214238948"/>
+                      <a16:colId xmlns="" xmlns:a16="http://schemas.microsoft.com/office/drawing/2014/main" val="3214238948"/>
                     </a:ext>
                   </a:extLst>
                 </a:gridCol>
                 <a:gridCol w="1661298">
                   <a:extLst>
                     <a:ext uri="{9D8B030D-6E8A-4147-A177-3AD203B41FA5}">
-                      <a16:colId xmlns:a16="http://schemas.microsoft.com/office/drawing/2014/main" xmlns="" val="1291486487"/>
+                      <a16:colId xmlns="" xmlns:a16="http://schemas.microsoft.com/office/drawing/2014/main" val="1291486487"/>
                     </a:ext>
                   </a:extLst>
                 </a:gridCol>
@@ -29088,7 +29351,7 @@
                 </a:tc>
                 <a:extLst>
                   <a:ext uri="{0D108BD9-81ED-4DB2-BD59-A6C34878D82A}">
-                    <a16:rowId xmlns:a16="http://schemas.microsoft.com/office/drawing/2014/main" xmlns="" val="652390980"/>
+                    <a16:rowId xmlns="" xmlns:a16="http://schemas.microsoft.com/office/drawing/2014/main" val="652390980"/>
                   </a:ext>
                 </a:extLst>
               </a:tr>
@@ -29218,7 +29481,7 @@
                 </a:tc>
                 <a:extLst>
                   <a:ext uri="{0D108BD9-81ED-4DB2-BD59-A6C34878D82A}">
-                    <a16:rowId xmlns:a16="http://schemas.microsoft.com/office/drawing/2014/main" xmlns="" val="730336656"/>
+                    <a16:rowId xmlns="" xmlns:a16="http://schemas.microsoft.com/office/drawing/2014/main" val="730336656"/>
                   </a:ext>
                 </a:extLst>
               </a:tr>
@@ -29396,7 +29659,7 @@
                 </a:tc>
                 <a:extLst>
                   <a:ext uri="{0D108BD9-81ED-4DB2-BD59-A6C34878D82A}">
-                    <a16:rowId xmlns:a16="http://schemas.microsoft.com/office/drawing/2014/main" xmlns="" val="2897143220"/>
+                    <a16:rowId xmlns="" xmlns:a16="http://schemas.microsoft.com/office/drawing/2014/main" val="2897143220"/>
                   </a:ext>
                 </a:extLst>
               </a:tr>
@@ -29409,7 +29672,7 @@
           <p:cNvPr id="44" name="Picture 43">
             <a:extLst>
               <a:ext uri="{FF2B5EF4-FFF2-40B4-BE49-F238E27FC236}">
-                <a16:creationId xmlns:a16="http://schemas.microsoft.com/office/drawing/2014/main" xmlns="" id="{E8F2500A-7FEF-4C34-9318-5BBA44B9C7EE}"/>
+                <a16:creationId xmlns="" xmlns:a16="http://schemas.microsoft.com/office/drawing/2014/main" id="{E8F2500A-7FEF-4C34-9318-5BBA44B9C7EE}"/>
               </a:ext>
             </a:extLst>
           </p:cNvPr>
@@ -29444,7 +29707,7 @@
           <p:cNvPr id="47" name="Picture 46">
             <a:extLst>
               <a:ext uri="{FF2B5EF4-FFF2-40B4-BE49-F238E27FC236}">
-                <a16:creationId xmlns:a16="http://schemas.microsoft.com/office/drawing/2014/main" xmlns="" id="{6A95477A-CFEF-4433-9481-BDB8CE7372F9}"/>
+                <a16:creationId xmlns="" xmlns:a16="http://schemas.microsoft.com/office/drawing/2014/main" id="{6A95477A-CFEF-4433-9481-BDB8CE7372F9}"/>
               </a:ext>
             </a:extLst>
           </p:cNvPr>
@@ -29480,7 +29743,7 @@
           <p:cNvPr id="58" name="TextBox 57">
             <a:extLst>
               <a:ext uri="{FF2B5EF4-FFF2-40B4-BE49-F238E27FC236}">
-                <a16:creationId xmlns:a16="http://schemas.microsoft.com/office/drawing/2014/main" xmlns="" id="{21306075-217C-4E77-89ED-9D0503261CA8}"/>
+                <a16:creationId xmlns="" xmlns:a16="http://schemas.microsoft.com/office/drawing/2014/main" id="{21306075-217C-4E77-89ED-9D0503261CA8}"/>
               </a:ext>
             </a:extLst>
           </p:cNvPr>
@@ -29536,7 +29799,7 @@
           <p:cNvPr id="59" name="Rectangle 58">
             <a:extLst>
               <a:ext uri="{FF2B5EF4-FFF2-40B4-BE49-F238E27FC236}">
-                <a16:creationId xmlns:a16="http://schemas.microsoft.com/office/drawing/2014/main" xmlns="" id="{8D045116-D39B-4FEF-AD2E-F95906BA7D63}"/>
+                <a16:creationId xmlns="" xmlns:a16="http://schemas.microsoft.com/office/drawing/2014/main" id="{8D045116-D39B-4FEF-AD2E-F95906BA7D63}"/>
               </a:ext>
             </a:extLst>
           </p:cNvPr>
@@ -29582,7 +29845,7 @@
           <p:cNvPr id="68" name="Picture 67">
             <a:extLst>
               <a:ext uri="{FF2B5EF4-FFF2-40B4-BE49-F238E27FC236}">
-                <a16:creationId xmlns:a16="http://schemas.microsoft.com/office/drawing/2014/main" xmlns="" id="{5A832714-A0D7-42F8-B326-727D02E5920A}"/>
+                <a16:creationId xmlns="" xmlns:a16="http://schemas.microsoft.com/office/drawing/2014/main" id="{5A832714-A0D7-42F8-B326-727D02E5920A}"/>
               </a:ext>
             </a:extLst>
           </p:cNvPr>
@@ -29617,7 +29880,7 @@
           <p:cNvPr id="69" name="Picture 68">
             <a:extLst>
               <a:ext uri="{FF2B5EF4-FFF2-40B4-BE49-F238E27FC236}">
-                <a16:creationId xmlns:a16="http://schemas.microsoft.com/office/drawing/2014/main" xmlns="" id="{215FECDF-36BB-4530-9C84-D563FBCA6F25}"/>
+                <a16:creationId xmlns="" xmlns:a16="http://schemas.microsoft.com/office/drawing/2014/main" id="{215FECDF-36BB-4530-9C84-D563FBCA6F25}"/>
               </a:ext>
             </a:extLst>
           </p:cNvPr>
@@ -29653,7 +29916,7 @@
           <p:cNvPr id="70" name="TextBox 69">
             <a:extLst>
               <a:ext uri="{FF2B5EF4-FFF2-40B4-BE49-F238E27FC236}">
-                <a16:creationId xmlns:a16="http://schemas.microsoft.com/office/drawing/2014/main" xmlns="" id="{8634B90D-5054-47D1-83A7-B25F102206CE}"/>
+                <a16:creationId xmlns="" xmlns:a16="http://schemas.microsoft.com/office/drawing/2014/main" id="{8634B90D-5054-47D1-83A7-B25F102206CE}"/>
               </a:ext>
             </a:extLst>
           </p:cNvPr>
@@ -29696,7 +29959,7 @@
           <p:cNvPr id="71" name="Rectangle 70">
             <a:extLst>
               <a:ext uri="{FF2B5EF4-FFF2-40B4-BE49-F238E27FC236}">
-                <a16:creationId xmlns:a16="http://schemas.microsoft.com/office/drawing/2014/main" xmlns="" id="{FDD46318-8266-4C48-B803-2AAFC5D44477}"/>
+                <a16:creationId xmlns="" xmlns:a16="http://schemas.microsoft.com/office/drawing/2014/main" id="{FDD46318-8266-4C48-B803-2AAFC5D44477}"/>
               </a:ext>
             </a:extLst>
           </p:cNvPr>
@@ -29742,7 +30005,7 @@
           <p:cNvPr id="72" name="TextBox 71">
             <a:extLst>
               <a:ext uri="{FF2B5EF4-FFF2-40B4-BE49-F238E27FC236}">
-                <a16:creationId xmlns:a16="http://schemas.microsoft.com/office/drawing/2014/main" xmlns="" id="{D328C833-50D6-47C1-822E-9675B0F83551}"/>
+                <a16:creationId xmlns="" xmlns:a16="http://schemas.microsoft.com/office/drawing/2014/main" id="{D328C833-50D6-47C1-822E-9675B0F83551}"/>
               </a:ext>
             </a:extLst>
           </p:cNvPr>
@@ -29785,7 +30048,7 @@
           <p:cNvPr id="73" name="Rectangle 72">
             <a:extLst>
               <a:ext uri="{FF2B5EF4-FFF2-40B4-BE49-F238E27FC236}">
-                <a16:creationId xmlns:a16="http://schemas.microsoft.com/office/drawing/2014/main" xmlns="" id="{23ECA885-2810-420C-8B87-E288FF3E7138}"/>
+                <a16:creationId xmlns="" xmlns:a16="http://schemas.microsoft.com/office/drawing/2014/main" id="{23ECA885-2810-420C-8B87-E288FF3E7138}"/>
               </a:ext>
             </a:extLst>
           </p:cNvPr>
@@ -29831,7 +30094,7 @@
           <p:cNvPr id="74" name="TextBox 73">
             <a:extLst>
               <a:ext uri="{FF2B5EF4-FFF2-40B4-BE49-F238E27FC236}">
-                <a16:creationId xmlns:a16="http://schemas.microsoft.com/office/drawing/2014/main" xmlns="" id="{246592B6-F2E6-47EC-9E7D-B2E65A78625E}"/>
+                <a16:creationId xmlns="" xmlns:a16="http://schemas.microsoft.com/office/drawing/2014/main" id="{246592B6-F2E6-47EC-9E7D-B2E65A78625E}"/>
               </a:ext>
             </a:extLst>
           </p:cNvPr>
@@ -29914,7 +30177,7 @@
           <p:cNvPr id="75" name="TextBox 74">
             <a:extLst>
               <a:ext uri="{FF2B5EF4-FFF2-40B4-BE49-F238E27FC236}">
-                <a16:creationId xmlns:a16="http://schemas.microsoft.com/office/drawing/2014/main" xmlns="" id="{7CA3F01E-33F0-42DF-A357-F5A6805C7D7A}"/>
+                <a16:creationId xmlns="" xmlns:a16="http://schemas.microsoft.com/office/drawing/2014/main" id="{7CA3F01E-33F0-42DF-A357-F5A6805C7D7A}"/>
               </a:ext>
             </a:extLst>
           </p:cNvPr>
@@ -29997,7 +30260,7 @@
           <p:cNvPr id="4" name="Picture 3">
             <a:extLst>
               <a:ext uri="{FF2B5EF4-FFF2-40B4-BE49-F238E27FC236}">
-                <a16:creationId xmlns:a16="http://schemas.microsoft.com/office/drawing/2014/main" xmlns="" id="{BD2E99BE-00C8-42EC-82D6-902C26EC2318}"/>
+                <a16:creationId xmlns="" xmlns:a16="http://schemas.microsoft.com/office/drawing/2014/main" id="{BD2E99BE-00C8-42EC-82D6-902C26EC2318}"/>
               </a:ext>
             </a:extLst>
           </p:cNvPr>
@@ -30063,7 +30326,7 @@
           <p:cNvPr id="6" name="TextBox 5">
             <a:extLst>
               <a:ext uri="{FF2B5EF4-FFF2-40B4-BE49-F238E27FC236}">
-                <a16:creationId xmlns:a16="http://schemas.microsoft.com/office/drawing/2014/main" xmlns="" id="{CD2A8DE0-B0E7-40FB-9538-60D54401A4F8}"/>
+                <a16:creationId xmlns="" xmlns:a16="http://schemas.microsoft.com/office/drawing/2014/main" id="{CD2A8DE0-B0E7-40FB-9538-60D54401A4F8}"/>
               </a:ext>
             </a:extLst>
           </p:cNvPr>
@@ -30163,7 +30426,7 @@
           <p:cNvPr id="11" name="Picture 10">
             <a:extLst>
               <a:ext uri="{FF2B5EF4-FFF2-40B4-BE49-F238E27FC236}">
-                <a16:creationId xmlns:a16="http://schemas.microsoft.com/office/drawing/2014/main" xmlns="" id="{F6164AE6-B86F-4668-B82E-2CCF243694C5}"/>
+                <a16:creationId xmlns="" xmlns:a16="http://schemas.microsoft.com/office/drawing/2014/main" id="{F6164AE6-B86F-4668-B82E-2CCF243694C5}"/>
               </a:ext>
             </a:extLst>
           </p:cNvPr>
@@ -30193,7 +30456,7 @@
           <p:cNvPr id="29" name="TextBox 28">
             <a:extLst>
               <a:ext uri="{FF2B5EF4-FFF2-40B4-BE49-F238E27FC236}">
-                <a16:creationId xmlns:a16="http://schemas.microsoft.com/office/drawing/2014/main" xmlns="" id="{BFF6D494-CE07-489A-B995-2086F94ABE83}"/>
+                <a16:creationId xmlns="" xmlns:a16="http://schemas.microsoft.com/office/drawing/2014/main" id="{BFF6D494-CE07-489A-B995-2086F94ABE83}"/>
               </a:ext>
             </a:extLst>
           </p:cNvPr>
@@ -30248,7 +30511,7 @@
           <p:cNvPr id="30" name="Rectangle 29">
             <a:extLst>
               <a:ext uri="{FF2B5EF4-FFF2-40B4-BE49-F238E27FC236}">
-                <a16:creationId xmlns:a16="http://schemas.microsoft.com/office/drawing/2014/main" xmlns="" id="{06527183-5952-4171-B7FC-1BEB45DFB228}"/>
+                <a16:creationId xmlns="" xmlns:a16="http://schemas.microsoft.com/office/drawing/2014/main" id="{06527183-5952-4171-B7FC-1BEB45DFB228}"/>
               </a:ext>
             </a:extLst>
           </p:cNvPr>
@@ -30299,7 +30562,7 @@
           <p:cNvPr id="39" name="TextBox 38">
             <a:extLst>
               <a:ext uri="{FF2B5EF4-FFF2-40B4-BE49-F238E27FC236}">
-                <a16:creationId xmlns:a16="http://schemas.microsoft.com/office/drawing/2014/main" xmlns="" id="{B521D3FC-1412-41B5-A658-C724DABB10C9}"/>
+                <a16:creationId xmlns="" xmlns:a16="http://schemas.microsoft.com/office/drawing/2014/main" id="{B521D3FC-1412-41B5-A658-C724DABB10C9}"/>
               </a:ext>
             </a:extLst>
           </p:cNvPr>
@@ -30423,7 +30686,7 @@
           <p:cNvPr id="41" name="Picture 40">
             <a:extLst>
               <a:ext uri="{FF2B5EF4-FFF2-40B4-BE49-F238E27FC236}">
-                <a16:creationId xmlns:a16="http://schemas.microsoft.com/office/drawing/2014/main" xmlns="" id="{A4495172-8BD4-4978-8E1A-C1B6AC078595}"/>
+                <a16:creationId xmlns="" xmlns:a16="http://schemas.microsoft.com/office/drawing/2014/main" id="{A4495172-8BD4-4978-8E1A-C1B6AC078595}"/>
               </a:ext>
             </a:extLst>
           </p:cNvPr>
@@ -30459,7 +30722,7 @@
           <p:cNvPr id="53" name="TextBox 52">
             <a:extLst>
               <a:ext uri="{FF2B5EF4-FFF2-40B4-BE49-F238E27FC236}">
-                <a16:creationId xmlns:a16="http://schemas.microsoft.com/office/drawing/2014/main" xmlns="" id="{CE832020-9CDE-4658-8DA3-E6824D6E34D4}"/>
+                <a16:creationId xmlns="" xmlns:a16="http://schemas.microsoft.com/office/drawing/2014/main" id="{CE832020-9CDE-4658-8DA3-E6824D6E34D4}"/>
               </a:ext>
             </a:extLst>
           </p:cNvPr>
@@ -30502,7 +30765,7 @@
           <p:cNvPr id="55" name="Rectangle 54">
             <a:extLst>
               <a:ext uri="{FF2B5EF4-FFF2-40B4-BE49-F238E27FC236}">
-                <a16:creationId xmlns:a16="http://schemas.microsoft.com/office/drawing/2014/main" xmlns="" id="{07E4F0A4-E860-455D-97E8-3F196C5AFA92}"/>
+                <a16:creationId xmlns="" xmlns:a16="http://schemas.microsoft.com/office/drawing/2014/main" id="{07E4F0A4-E860-455D-97E8-3F196C5AFA92}"/>
               </a:ext>
             </a:extLst>
           </p:cNvPr>
@@ -30548,7 +30811,7 @@
           <p:cNvPr id="59" name="TextBox 58">
             <a:extLst>
               <a:ext uri="{FF2B5EF4-FFF2-40B4-BE49-F238E27FC236}">
-                <a16:creationId xmlns:a16="http://schemas.microsoft.com/office/drawing/2014/main" xmlns="" id="{CEFD4588-7544-4B5F-9CED-2AB585FCC9C8}"/>
+                <a16:creationId xmlns="" xmlns:a16="http://schemas.microsoft.com/office/drawing/2014/main" id="{CEFD4588-7544-4B5F-9CED-2AB585FCC9C8}"/>
               </a:ext>
             </a:extLst>
           </p:cNvPr>
@@ -30603,7 +30866,7 @@
           <p:cNvPr id="60" name="Rectangle 59">
             <a:extLst>
               <a:ext uri="{FF2B5EF4-FFF2-40B4-BE49-F238E27FC236}">
-                <a16:creationId xmlns:a16="http://schemas.microsoft.com/office/drawing/2014/main" xmlns="" id="{71FDB9AA-7266-4298-81AE-502F709C045A}"/>
+                <a16:creationId xmlns="" xmlns:a16="http://schemas.microsoft.com/office/drawing/2014/main" id="{71FDB9AA-7266-4298-81AE-502F709C045A}"/>
               </a:ext>
             </a:extLst>
           </p:cNvPr>
@@ -30649,7 +30912,7 @@
           <p:cNvPr id="61" name="TextBox 60">
             <a:extLst>
               <a:ext uri="{FF2B5EF4-FFF2-40B4-BE49-F238E27FC236}">
-                <a16:creationId xmlns:a16="http://schemas.microsoft.com/office/drawing/2014/main" xmlns="" id="{B9FB6F64-C32D-426B-850F-510D0B59D5E4}"/>
+                <a16:creationId xmlns="" xmlns:a16="http://schemas.microsoft.com/office/drawing/2014/main" id="{B9FB6F64-C32D-426B-850F-510D0B59D5E4}"/>
               </a:ext>
             </a:extLst>
           </p:cNvPr>
@@ -30704,7 +30967,7 @@
           <p:cNvPr id="62" name="Rectangle 61">
             <a:extLst>
               <a:ext uri="{FF2B5EF4-FFF2-40B4-BE49-F238E27FC236}">
-                <a16:creationId xmlns:a16="http://schemas.microsoft.com/office/drawing/2014/main" xmlns="" id="{58018F04-E9E6-415C-AE2F-9ED7CC78D729}"/>
+                <a16:creationId xmlns="" xmlns:a16="http://schemas.microsoft.com/office/drawing/2014/main" id="{58018F04-E9E6-415C-AE2F-9ED7CC78D729}"/>
               </a:ext>
             </a:extLst>
           </p:cNvPr>
@@ -30750,7 +31013,7 @@
           <p:cNvPr id="65" name="Rectangle 64">
             <a:extLst>
               <a:ext uri="{FF2B5EF4-FFF2-40B4-BE49-F238E27FC236}">
-                <a16:creationId xmlns:a16="http://schemas.microsoft.com/office/drawing/2014/main" xmlns="" id="{2D208BF8-B8FD-4515-9472-6F0489D28156}"/>
+                <a16:creationId xmlns="" xmlns:a16="http://schemas.microsoft.com/office/drawing/2014/main" id="{2D208BF8-B8FD-4515-9472-6F0489D28156}"/>
               </a:ext>
             </a:extLst>
           </p:cNvPr>
@@ -30802,7 +31065,7 @@
           <p:cNvPr id="66" name="TextBox 65">
             <a:extLst>
               <a:ext uri="{FF2B5EF4-FFF2-40B4-BE49-F238E27FC236}">
-                <a16:creationId xmlns:a16="http://schemas.microsoft.com/office/drawing/2014/main" xmlns="" id="{B0AB6BC6-C475-4800-995C-6DE26CBC6053}"/>
+                <a16:creationId xmlns="" xmlns:a16="http://schemas.microsoft.com/office/drawing/2014/main" id="{B0AB6BC6-C475-4800-995C-6DE26CBC6053}"/>
               </a:ext>
             </a:extLst>
           </p:cNvPr>
@@ -30859,7 +31122,7 @@
           <p:cNvPr id="67" name="Table 3">
             <a:extLst>
               <a:ext uri="{FF2B5EF4-FFF2-40B4-BE49-F238E27FC236}">
-                <a16:creationId xmlns:a16="http://schemas.microsoft.com/office/drawing/2014/main" xmlns="" id="{48744A14-B164-40D8-9551-D0E2F7F9396F}"/>
+                <a16:creationId xmlns="" xmlns:a16="http://schemas.microsoft.com/office/drawing/2014/main" id="{48744A14-B164-40D8-9551-D0E2F7F9396F}"/>
               </a:ext>
             </a:extLst>
           </p:cNvPr>
@@ -30888,49 +31151,49 @@
                 <a:gridCol w="1512601">
                   <a:extLst>
                     <a:ext uri="{9D8B030D-6E8A-4147-A177-3AD203B41FA5}">
-                      <a16:colId xmlns:a16="http://schemas.microsoft.com/office/drawing/2014/main" xmlns="" val="2205170896"/>
+                      <a16:colId xmlns="" xmlns:a16="http://schemas.microsoft.com/office/drawing/2014/main" val="2205170896"/>
                     </a:ext>
                   </a:extLst>
                 </a:gridCol>
                 <a:gridCol w="684589">
                   <a:extLst>
                     <a:ext uri="{9D8B030D-6E8A-4147-A177-3AD203B41FA5}">
-                      <a16:colId xmlns:a16="http://schemas.microsoft.com/office/drawing/2014/main" xmlns="" val="3679797539"/>
+                      <a16:colId xmlns="" xmlns:a16="http://schemas.microsoft.com/office/drawing/2014/main" val="3679797539"/>
                     </a:ext>
                   </a:extLst>
                 </a:gridCol>
                 <a:gridCol w="1098597">
                   <a:extLst>
                     <a:ext uri="{9D8B030D-6E8A-4147-A177-3AD203B41FA5}">
-                      <a16:colId xmlns:a16="http://schemas.microsoft.com/office/drawing/2014/main" xmlns="" val="2142246052"/>
+                      <a16:colId xmlns="" xmlns:a16="http://schemas.microsoft.com/office/drawing/2014/main" val="2142246052"/>
                     </a:ext>
                   </a:extLst>
                 </a:gridCol>
                 <a:gridCol w="1380822">
                   <a:extLst>
                     <a:ext uri="{9D8B030D-6E8A-4147-A177-3AD203B41FA5}">
-                      <a16:colId xmlns:a16="http://schemas.microsoft.com/office/drawing/2014/main" xmlns="" val="4188008786"/>
+                      <a16:colId xmlns="" xmlns:a16="http://schemas.microsoft.com/office/drawing/2014/main" val="4188008786"/>
                     </a:ext>
                   </a:extLst>
                 </a:gridCol>
                 <a:gridCol w="1657336">
                   <a:extLst>
                     <a:ext uri="{9D8B030D-6E8A-4147-A177-3AD203B41FA5}">
-                      <a16:colId xmlns:a16="http://schemas.microsoft.com/office/drawing/2014/main" xmlns="" val="3214238948"/>
+                      <a16:colId xmlns="" xmlns:a16="http://schemas.microsoft.com/office/drawing/2014/main" val="3214238948"/>
                     </a:ext>
                   </a:extLst>
                 </a:gridCol>
                 <a:gridCol w="1345714">
                   <a:extLst>
                     <a:ext uri="{9D8B030D-6E8A-4147-A177-3AD203B41FA5}">
-                      <a16:colId xmlns:a16="http://schemas.microsoft.com/office/drawing/2014/main" xmlns="" val="4284112643"/>
+                      <a16:colId xmlns="" xmlns:a16="http://schemas.microsoft.com/office/drawing/2014/main" val="4284112643"/>
                     </a:ext>
                   </a:extLst>
                 </a:gridCol>
                 <a:gridCol w="537625">
                   <a:extLst>
                     <a:ext uri="{9D8B030D-6E8A-4147-A177-3AD203B41FA5}">
-                      <a16:colId xmlns:a16="http://schemas.microsoft.com/office/drawing/2014/main" xmlns="" val="4177220187"/>
+                      <a16:colId xmlns="" xmlns:a16="http://schemas.microsoft.com/office/drawing/2014/main" val="4177220187"/>
                     </a:ext>
                   </a:extLst>
                 </a:gridCol>
@@ -31123,7 +31386,7 @@
                 </a:tc>
                 <a:extLst>
                   <a:ext uri="{0D108BD9-81ED-4DB2-BD59-A6C34878D82A}">
-                    <a16:rowId xmlns:a16="http://schemas.microsoft.com/office/drawing/2014/main" xmlns="" val="652390980"/>
+                    <a16:rowId xmlns="" xmlns:a16="http://schemas.microsoft.com/office/drawing/2014/main" val="652390980"/>
                   </a:ext>
                 </a:extLst>
               </a:tr>
@@ -31279,7 +31542,7 @@
                 </a:tc>
                 <a:extLst>
                   <a:ext uri="{0D108BD9-81ED-4DB2-BD59-A6C34878D82A}">
-                    <a16:rowId xmlns:a16="http://schemas.microsoft.com/office/drawing/2014/main" xmlns="" val="730336656"/>
+                    <a16:rowId xmlns="" xmlns:a16="http://schemas.microsoft.com/office/drawing/2014/main" val="730336656"/>
                   </a:ext>
                 </a:extLst>
               </a:tr>
@@ -31435,7 +31698,7 @@
                 </a:tc>
                 <a:extLst>
                   <a:ext uri="{0D108BD9-81ED-4DB2-BD59-A6C34878D82A}">
-                    <a16:rowId xmlns:a16="http://schemas.microsoft.com/office/drawing/2014/main" xmlns="" val="2897143220"/>
+                    <a16:rowId xmlns="" xmlns:a16="http://schemas.microsoft.com/office/drawing/2014/main" val="2897143220"/>
                   </a:ext>
                 </a:extLst>
               </a:tr>
@@ -31561,7 +31824,7 @@
                 </a:tc>
                 <a:extLst>
                   <a:ext uri="{0D108BD9-81ED-4DB2-BD59-A6C34878D82A}">
-                    <a16:rowId xmlns:a16="http://schemas.microsoft.com/office/drawing/2014/main" xmlns="" val="378457201"/>
+                    <a16:rowId xmlns="" xmlns:a16="http://schemas.microsoft.com/office/drawing/2014/main" val="378457201"/>
                   </a:ext>
                 </a:extLst>
               </a:tr>
@@ -31574,7 +31837,7 @@
           <p:cNvPr id="68" name="TextBox 67">
             <a:extLst>
               <a:ext uri="{FF2B5EF4-FFF2-40B4-BE49-F238E27FC236}">
-                <a16:creationId xmlns:a16="http://schemas.microsoft.com/office/drawing/2014/main" xmlns="" id="{0B2B71CE-B153-4DDE-BDEB-059BA3F60FA5}"/>
+                <a16:creationId xmlns="" xmlns:a16="http://schemas.microsoft.com/office/drawing/2014/main" id="{0B2B71CE-B153-4DDE-BDEB-059BA3F60FA5}"/>
               </a:ext>
             </a:extLst>
           </p:cNvPr>
@@ -31629,7 +31892,7 @@
           <p:cNvPr id="69" name="TextBox 68">
             <a:extLst>
               <a:ext uri="{FF2B5EF4-FFF2-40B4-BE49-F238E27FC236}">
-                <a16:creationId xmlns:a16="http://schemas.microsoft.com/office/drawing/2014/main" xmlns="" id="{5C4004F3-E3E3-4D56-AA4C-4F76DCDFB78D}"/>
+                <a16:creationId xmlns="" xmlns:a16="http://schemas.microsoft.com/office/drawing/2014/main" id="{5C4004F3-E3E3-4D56-AA4C-4F76DCDFB78D}"/>
               </a:ext>
             </a:extLst>
           </p:cNvPr>
@@ -31684,7 +31947,7 @@
           <p:cNvPr id="70" name="TextBox 69">
             <a:extLst>
               <a:ext uri="{FF2B5EF4-FFF2-40B4-BE49-F238E27FC236}">
-                <a16:creationId xmlns:a16="http://schemas.microsoft.com/office/drawing/2014/main" xmlns="" id="{9B2A568A-4D50-413D-AF62-A94B81B555B9}"/>
+                <a16:creationId xmlns="" xmlns:a16="http://schemas.microsoft.com/office/drawing/2014/main" id="{9B2A568A-4D50-413D-AF62-A94B81B555B9}"/>
               </a:ext>
             </a:extLst>
           </p:cNvPr>
@@ -31739,7 +32002,7 @@
           <p:cNvPr id="71" name="TextBox 70">
             <a:extLst>
               <a:ext uri="{FF2B5EF4-FFF2-40B4-BE49-F238E27FC236}">
-                <a16:creationId xmlns:a16="http://schemas.microsoft.com/office/drawing/2014/main" xmlns="" id="{9D45D638-9E35-4EA0-A683-E7ECFB3B4120}"/>
+                <a16:creationId xmlns="" xmlns:a16="http://schemas.microsoft.com/office/drawing/2014/main" id="{9D45D638-9E35-4EA0-A683-E7ECFB3B4120}"/>
               </a:ext>
             </a:extLst>
           </p:cNvPr>
@@ -31776,7 +32039,7 @@
           <p:cNvPr id="85" name="TextBox 84">
             <a:extLst>
               <a:ext uri="{FF2B5EF4-FFF2-40B4-BE49-F238E27FC236}">
-                <a16:creationId xmlns:a16="http://schemas.microsoft.com/office/drawing/2014/main" xmlns="" id="{C79C853B-4759-4CEE-9434-A19EDD37C882}"/>
+                <a16:creationId xmlns="" xmlns:a16="http://schemas.microsoft.com/office/drawing/2014/main" id="{C79C853B-4759-4CEE-9434-A19EDD37C882}"/>
               </a:ext>
             </a:extLst>
           </p:cNvPr>
@@ -31813,7 +32076,7 @@
           <p:cNvPr id="86" name="TextBox 85">
             <a:extLst>
               <a:ext uri="{FF2B5EF4-FFF2-40B4-BE49-F238E27FC236}">
-                <a16:creationId xmlns:a16="http://schemas.microsoft.com/office/drawing/2014/main" xmlns="" id="{5E1A0F4D-8C51-42D1-9D4B-52008CC1DE7F}"/>
+                <a16:creationId xmlns="" xmlns:a16="http://schemas.microsoft.com/office/drawing/2014/main" id="{5E1A0F4D-8C51-42D1-9D4B-52008CC1DE7F}"/>
               </a:ext>
             </a:extLst>
           </p:cNvPr>
@@ -31853,7 +32116,7 @@
           <p:cNvPr id="87" name="TextBox 86">
             <a:extLst>
               <a:ext uri="{FF2B5EF4-FFF2-40B4-BE49-F238E27FC236}">
-                <a16:creationId xmlns:a16="http://schemas.microsoft.com/office/drawing/2014/main" xmlns="" id="{0E5990FC-D4A0-40E5-8CD4-AF5EAA32DD04}"/>
+                <a16:creationId xmlns="" xmlns:a16="http://schemas.microsoft.com/office/drawing/2014/main" id="{0E5990FC-D4A0-40E5-8CD4-AF5EAA32DD04}"/>
               </a:ext>
             </a:extLst>
           </p:cNvPr>
@@ -31909,7 +32172,7 @@
           <p:cNvPr id="88" name="Rectangle 87">
             <a:extLst>
               <a:ext uri="{FF2B5EF4-FFF2-40B4-BE49-F238E27FC236}">
-                <a16:creationId xmlns:a16="http://schemas.microsoft.com/office/drawing/2014/main" xmlns="" id="{DEC79840-E798-44DF-A691-9031BF595401}"/>
+                <a16:creationId xmlns="" xmlns:a16="http://schemas.microsoft.com/office/drawing/2014/main" id="{DEC79840-E798-44DF-A691-9031BF595401}"/>
               </a:ext>
             </a:extLst>
           </p:cNvPr>
@@ -31955,7 +32218,7 @@
           <p:cNvPr id="89" name="TextBox 88">
             <a:extLst>
               <a:ext uri="{FF2B5EF4-FFF2-40B4-BE49-F238E27FC236}">
-                <a16:creationId xmlns:a16="http://schemas.microsoft.com/office/drawing/2014/main" xmlns="" id="{9949D540-A2D0-41BE-BB28-64FE02033B63}"/>
+                <a16:creationId xmlns="" xmlns:a16="http://schemas.microsoft.com/office/drawing/2014/main" id="{9949D540-A2D0-41BE-BB28-64FE02033B63}"/>
               </a:ext>
             </a:extLst>
           </p:cNvPr>
@@ -32010,7 +32273,7 @@
           <p:cNvPr id="90" name="Rectangle 89">
             <a:extLst>
               <a:ext uri="{FF2B5EF4-FFF2-40B4-BE49-F238E27FC236}">
-                <a16:creationId xmlns:a16="http://schemas.microsoft.com/office/drawing/2014/main" xmlns="" id="{DF9CC562-55BC-46C2-B5EA-90A713C4E010}"/>
+                <a16:creationId xmlns="" xmlns:a16="http://schemas.microsoft.com/office/drawing/2014/main" id="{DF9CC562-55BC-46C2-B5EA-90A713C4E010}"/>
               </a:ext>
             </a:extLst>
           </p:cNvPr>
@@ -32056,7 +32319,7 @@
           <p:cNvPr id="91" name="Rectangle: Rounded Corners 90">
             <a:extLst>
               <a:ext uri="{FF2B5EF4-FFF2-40B4-BE49-F238E27FC236}">
-                <a16:creationId xmlns:a16="http://schemas.microsoft.com/office/drawing/2014/main" xmlns="" id="{2D067F56-298B-4030-A0A7-FCDF6507855D}"/>
+                <a16:creationId xmlns="" xmlns:a16="http://schemas.microsoft.com/office/drawing/2014/main" id="{2D067F56-298B-4030-A0A7-FCDF6507855D}"/>
               </a:ext>
             </a:extLst>
           </p:cNvPr>
@@ -32103,7 +32366,7 @@
           <p:cNvPr id="92" name="TextBox 91">
             <a:extLst>
               <a:ext uri="{FF2B5EF4-FFF2-40B4-BE49-F238E27FC236}">
-                <a16:creationId xmlns:a16="http://schemas.microsoft.com/office/drawing/2014/main" xmlns="" id="{EB085821-27F6-4E21-A264-4CAE94E017FC}"/>
+                <a16:creationId xmlns="" xmlns:a16="http://schemas.microsoft.com/office/drawing/2014/main" id="{EB085821-27F6-4E21-A264-4CAE94E017FC}"/>
               </a:ext>
             </a:extLst>
           </p:cNvPr>
@@ -32194,7 +32457,7 @@
           <p:cNvPr id="93" name="Picture 92">
             <a:extLst>
               <a:ext uri="{FF2B5EF4-FFF2-40B4-BE49-F238E27FC236}">
-                <a16:creationId xmlns:a16="http://schemas.microsoft.com/office/drawing/2014/main" xmlns="" id="{B234899E-DE34-4D4E-AC04-445980B7F1A1}"/>
+                <a16:creationId xmlns="" xmlns:a16="http://schemas.microsoft.com/office/drawing/2014/main" id="{B234899E-DE34-4D4E-AC04-445980B7F1A1}"/>
               </a:ext>
             </a:extLst>
           </p:cNvPr>
@@ -32230,7 +32493,7 @@
           <p:cNvPr id="94" name="Picture 93">
             <a:extLst>
               <a:ext uri="{FF2B5EF4-FFF2-40B4-BE49-F238E27FC236}">
-                <a16:creationId xmlns:a16="http://schemas.microsoft.com/office/drawing/2014/main" xmlns="" id="{79A0504D-ECA1-46B2-B54A-B45CC0148EA7}"/>
+                <a16:creationId xmlns="" xmlns:a16="http://schemas.microsoft.com/office/drawing/2014/main" id="{79A0504D-ECA1-46B2-B54A-B45CC0148EA7}"/>
               </a:ext>
             </a:extLst>
           </p:cNvPr>
@@ -32266,7 +32529,7 @@
           <p:cNvPr id="95" name="TextBox 94">
             <a:extLst>
               <a:ext uri="{FF2B5EF4-FFF2-40B4-BE49-F238E27FC236}">
-                <a16:creationId xmlns:a16="http://schemas.microsoft.com/office/drawing/2014/main" xmlns="" id="{E4386678-8A11-4DAC-ACB0-DE702CFD639F}"/>
+                <a16:creationId xmlns="" xmlns:a16="http://schemas.microsoft.com/office/drawing/2014/main" id="{E4386678-8A11-4DAC-ACB0-DE702CFD639F}"/>
               </a:ext>
             </a:extLst>
           </p:cNvPr>
@@ -32321,7 +32584,7 @@
           <p:cNvPr id="96" name="TextBox 95">
             <a:extLst>
               <a:ext uri="{FF2B5EF4-FFF2-40B4-BE49-F238E27FC236}">
-                <a16:creationId xmlns:a16="http://schemas.microsoft.com/office/drawing/2014/main" xmlns="" id="{42EE9AC5-7D07-4FD7-9ABB-512939DF8D1A}"/>
+                <a16:creationId xmlns="" xmlns:a16="http://schemas.microsoft.com/office/drawing/2014/main" id="{42EE9AC5-7D07-4FD7-9ABB-512939DF8D1A}"/>
               </a:ext>
             </a:extLst>
           </p:cNvPr>
@@ -32376,7 +32639,7 @@
           <p:cNvPr id="97" name="TextBox 96">
             <a:extLst>
               <a:ext uri="{FF2B5EF4-FFF2-40B4-BE49-F238E27FC236}">
-                <a16:creationId xmlns:a16="http://schemas.microsoft.com/office/drawing/2014/main" xmlns="" id="{1F61D072-ED2F-4A0A-8A63-B215A10C2F9C}"/>
+                <a16:creationId xmlns="" xmlns:a16="http://schemas.microsoft.com/office/drawing/2014/main" id="{1F61D072-ED2F-4A0A-8A63-B215A10C2F9C}"/>
               </a:ext>
             </a:extLst>
           </p:cNvPr>
@@ -32413,7 +32676,7 @@
           <p:cNvPr id="98" name="TextBox 97">
             <a:extLst>
               <a:ext uri="{FF2B5EF4-FFF2-40B4-BE49-F238E27FC236}">
-                <a16:creationId xmlns:a16="http://schemas.microsoft.com/office/drawing/2014/main" xmlns="" id="{7BBBE65D-5D20-4002-98AC-E28A47F0D1F9}"/>
+                <a16:creationId xmlns="" xmlns:a16="http://schemas.microsoft.com/office/drawing/2014/main" id="{7BBBE65D-5D20-4002-98AC-E28A47F0D1F9}"/>
               </a:ext>
             </a:extLst>
           </p:cNvPr>
@@ -32450,7 +32713,7 @@
           <p:cNvPr id="99" name="Rectangle 98">
             <a:extLst>
               <a:ext uri="{FF2B5EF4-FFF2-40B4-BE49-F238E27FC236}">
-                <a16:creationId xmlns:a16="http://schemas.microsoft.com/office/drawing/2014/main" xmlns="" id="{C53AB7F5-1DB3-4033-978D-1DA979A04ED3}"/>
+                <a16:creationId xmlns="" xmlns:a16="http://schemas.microsoft.com/office/drawing/2014/main" id="{C53AB7F5-1DB3-4033-978D-1DA979A04ED3}"/>
               </a:ext>
             </a:extLst>
           </p:cNvPr>
@@ -32496,7 +32759,7 @@
           <p:cNvPr id="100" name="Rectangle 99">
             <a:extLst>
               <a:ext uri="{FF2B5EF4-FFF2-40B4-BE49-F238E27FC236}">
-                <a16:creationId xmlns:a16="http://schemas.microsoft.com/office/drawing/2014/main" xmlns="" id="{6C99F4D9-2F99-4D13-A4BC-1B44B8BB272E}"/>
+                <a16:creationId xmlns="" xmlns:a16="http://schemas.microsoft.com/office/drawing/2014/main" id="{6C99F4D9-2F99-4D13-A4BC-1B44B8BB272E}"/>
               </a:ext>
             </a:extLst>
           </p:cNvPr>
@@ -32548,7 +32811,7 @@
           <p:cNvPr id="101" name="TextBox 100">
             <a:extLst>
               <a:ext uri="{FF2B5EF4-FFF2-40B4-BE49-F238E27FC236}">
-                <a16:creationId xmlns:a16="http://schemas.microsoft.com/office/drawing/2014/main" xmlns="" id="{80267CA5-02CA-4472-A78D-7F06DB6FB1A6}"/>
+                <a16:creationId xmlns="" xmlns:a16="http://schemas.microsoft.com/office/drawing/2014/main" id="{80267CA5-02CA-4472-A78D-7F06DB6FB1A6}"/>
               </a:ext>
             </a:extLst>
           </p:cNvPr>
@@ -32605,7 +32868,7 @@
           <p:cNvPr id="102" name="TextBox 101">
             <a:extLst>
               <a:ext uri="{FF2B5EF4-FFF2-40B4-BE49-F238E27FC236}">
-                <a16:creationId xmlns:a16="http://schemas.microsoft.com/office/drawing/2014/main" xmlns="" id="{DF0DDDB7-4087-48B3-B4A9-81494AA6C8F5}"/>
+                <a16:creationId xmlns="" xmlns:a16="http://schemas.microsoft.com/office/drawing/2014/main" id="{DF0DDDB7-4087-48B3-B4A9-81494AA6C8F5}"/>
               </a:ext>
             </a:extLst>
           </p:cNvPr>
@@ -32661,7 +32924,7 @@
           <p:cNvPr id="103" name="Rectangle 102">
             <a:extLst>
               <a:ext uri="{FF2B5EF4-FFF2-40B4-BE49-F238E27FC236}">
-                <a16:creationId xmlns:a16="http://schemas.microsoft.com/office/drawing/2014/main" xmlns="" id="{E6D7C114-4DEC-48D7-B1FC-A5A327E36F7F}"/>
+                <a16:creationId xmlns="" xmlns:a16="http://schemas.microsoft.com/office/drawing/2014/main" id="{E6D7C114-4DEC-48D7-B1FC-A5A327E36F7F}"/>
               </a:ext>
             </a:extLst>
           </p:cNvPr>
@@ -32737,7 +33000,7 @@
           <p:cNvPr id="6" name="TextBox 5">
             <a:extLst>
               <a:ext uri="{FF2B5EF4-FFF2-40B4-BE49-F238E27FC236}">
-                <a16:creationId xmlns:a16="http://schemas.microsoft.com/office/drawing/2014/main" xmlns="" id="{CD2A8DE0-B0E7-40FB-9538-60D54401A4F8}"/>
+                <a16:creationId xmlns="" xmlns:a16="http://schemas.microsoft.com/office/drawing/2014/main" id="{CD2A8DE0-B0E7-40FB-9538-60D54401A4F8}"/>
               </a:ext>
             </a:extLst>
           </p:cNvPr>
@@ -32824,7 +33087,7 @@
           <p:cNvPr id="11" name="Picture 10">
             <a:extLst>
               <a:ext uri="{FF2B5EF4-FFF2-40B4-BE49-F238E27FC236}">
-                <a16:creationId xmlns:a16="http://schemas.microsoft.com/office/drawing/2014/main" xmlns="" id="{F6164AE6-B86F-4668-B82E-2CCF243694C5}"/>
+                <a16:creationId xmlns="" xmlns:a16="http://schemas.microsoft.com/office/drawing/2014/main" id="{F6164AE6-B86F-4668-B82E-2CCF243694C5}"/>
               </a:ext>
             </a:extLst>
           </p:cNvPr>
@@ -32854,7 +33117,7 @@
           <p:cNvPr id="43" name="TextBox 42">
             <a:extLst>
               <a:ext uri="{FF2B5EF4-FFF2-40B4-BE49-F238E27FC236}">
-                <a16:creationId xmlns:a16="http://schemas.microsoft.com/office/drawing/2014/main" xmlns="" id="{F43B97D8-23B6-4B2F-AE82-8C0B2E7C3495}"/>
+                <a16:creationId xmlns="" xmlns:a16="http://schemas.microsoft.com/office/drawing/2014/main" id="{F43B97D8-23B6-4B2F-AE82-8C0B2E7C3495}"/>
               </a:ext>
             </a:extLst>
           </p:cNvPr>
@@ -32942,7 +33205,7 @@
           <p:cNvPr id="38" name="Picture 16" descr="C:\Users\HuyTran\Desktop\WPF project\sale_manager.png">
             <a:extLst>
               <a:ext uri="{FF2B5EF4-FFF2-40B4-BE49-F238E27FC236}">
-                <a16:creationId xmlns:a16="http://schemas.microsoft.com/office/drawing/2014/main" xmlns="" id="{4478BCFA-C856-40D5-8492-F2A458A331F5}"/>
+                <a16:creationId xmlns="" xmlns:a16="http://schemas.microsoft.com/office/drawing/2014/main" id="{4478BCFA-C856-40D5-8492-F2A458A331F5}"/>
               </a:ext>
             </a:extLst>
           </p:cNvPr>
@@ -32989,7 +33252,7 @@
           <p:cNvPr id="19" name="Rectangle 18">
             <a:extLst>
               <a:ext uri="{FF2B5EF4-FFF2-40B4-BE49-F238E27FC236}">
-                <a16:creationId xmlns:a16="http://schemas.microsoft.com/office/drawing/2014/main" xmlns="" id="{A27F8DB5-D067-4B05-A42F-00B3387B43E0}"/>
+                <a16:creationId xmlns="" xmlns:a16="http://schemas.microsoft.com/office/drawing/2014/main" id="{A27F8DB5-D067-4B05-A42F-00B3387B43E0}"/>
               </a:ext>
             </a:extLst>
           </p:cNvPr>
@@ -33067,7 +33330,7 @@
           <p:cNvPr id="20" name="Table 3">
             <a:extLst>
               <a:ext uri="{FF2B5EF4-FFF2-40B4-BE49-F238E27FC236}">
-                <a16:creationId xmlns:a16="http://schemas.microsoft.com/office/drawing/2014/main" xmlns="" id="{C0DEBE7D-158A-43A4-BA05-61739E03A881}"/>
+                <a16:creationId xmlns="" xmlns:a16="http://schemas.microsoft.com/office/drawing/2014/main" id="{C0DEBE7D-158A-43A4-BA05-61739E03A881}"/>
               </a:ext>
             </a:extLst>
           </p:cNvPr>
@@ -33096,35 +33359,35 @@
                 <a:gridCol w="1397116">
                   <a:extLst>
                     <a:ext uri="{9D8B030D-6E8A-4147-A177-3AD203B41FA5}">
-                      <a16:colId xmlns:a16="http://schemas.microsoft.com/office/drawing/2014/main" xmlns="" val="3679797539"/>
+                      <a16:colId xmlns="" xmlns:a16="http://schemas.microsoft.com/office/drawing/2014/main" val="3679797539"/>
                     </a:ext>
                   </a:extLst>
                 </a:gridCol>
                 <a:gridCol w="1397116">
                   <a:extLst>
                     <a:ext uri="{9D8B030D-6E8A-4147-A177-3AD203B41FA5}">
-                      <a16:colId xmlns:a16="http://schemas.microsoft.com/office/drawing/2014/main" xmlns="" val="4188008786"/>
+                      <a16:colId xmlns="" xmlns:a16="http://schemas.microsoft.com/office/drawing/2014/main" val="4188008786"/>
                     </a:ext>
                   </a:extLst>
                 </a:gridCol>
                 <a:gridCol w="2643435">
                   <a:extLst>
                     <a:ext uri="{9D8B030D-6E8A-4147-A177-3AD203B41FA5}">
-                      <a16:colId xmlns:a16="http://schemas.microsoft.com/office/drawing/2014/main" xmlns="" val="240713644"/>
+                      <a16:colId xmlns="" xmlns:a16="http://schemas.microsoft.com/office/drawing/2014/main" val="240713644"/>
                     </a:ext>
                   </a:extLst>
                 </a:gridCol>
                 <a:gridCol w="1283731">
                   <a:extLst>
                     <a:ext uri="{9D8B030D-6E8A-4147-A177-3AD203B41FA5}">
-                      <a16:colId xmlns:a16="http://schemas.microsoft.com/office/drawing/2014/main" xmlns="" val="3214238948"/>
+                      <a16:colId xmlns="" xmlns:a16="http://schemas.microsoft.com/office/drawing/2014/main" val="3214238948"/>
                     </a:ext>
                   </a:extLst>
                 </a:gridCol>
                 <a:gridCol w="1661298">
                   <a:extLst>
                     <a:ext uri="{9D8B030D-6E8A-4147-A177-3AD203B41FA5}">
-                      <a16:colId xmlns:a16="http://schemas.microsoft.com/office/drawing/2014/main" xmlns="" val="1291486487"/>
+                      <a16:colId xmlns="" xmlns:a16="http://schemas.microsoft.com/office/drawing/2014/main" val="1291486487"/>
                     </a:ext>
                   </a:extLst>
                 </a:gridCol>
@@ -33252,7 +33515,7 @@
                 </a:tc>
                 <a:extLst>
                   <a:ext uri="{0D108BD9-81ED-4DB2-BD59-A6C34878D82A}">
-                    <a16:rowId xmlns:a16="http://schemas.microsoft.com/office/drawing/2014/main" xmlns="" val="652390980"/>
+                    <a16:rowId xmlns="" xmlns:a16="http://schemas.microsoft.com/office/drawing/2014/main" val="652390980"/>
                   </a:ext>
                 </a:extLst>
               </a:tr>
@@ -33353,7 +33616,7 @@
                 </a:tc>
                 <a:extLst>
                   <a:ext uri="{0D108BD9-81ED-4DB2-BD59-A6C34878D82A}">
-                    <a16:rowId xmlns:a16="http://schemas.microsoft.com/office/drawing/2014/main" xmlns="" val="730336656"/>
+                    <a16:rowId xmlns="" xmlns:a16="http://schemas.microsoft.com/office/drawing/2014/main" val="730336656"/>
                   </a:ext>
                 </a:extLst>
               </a:tr>
@@ -33486,7 +33749,7 @@
                 </a:tc>
                 <a:extLst>
                   <a:ext uri="{0D108BD9-81ED-4DB2-BD59-A6C34878D82A}">
-                    <a16:rowId xmlns:a16="http://schemas.microsoft.com/office/drawing/2014/main" xmlns="" val="2897143220"/>
+                    <a16:rowId xmlns="" xmlns:a16="http://schemas.microsoft.com/office/drawing/2014/main" val="2897143220"/>
                   </a:ext>
                 </a:extLst>
               </a:tr>
@@ -33499,7 +33762,7 @@
           <p:cNvPr id="21" name="Picture 20">
             <a:extLst>
               <a:ext uri="{FF2B5EF4-FFF2-40B4-BE49-F238E27FC236}">
-                <a16:creationId xmlns:a16="http://schemas.microsoft.com/office/drawing/2014/main" xmlns="" id="{C8EB9F5B-D398-4378-B14E-C617E8C344D4}"/>
+                <a16:creationId xmlns="" xmlns:a16="http://schemas.microsoft.com/office/drawing/2014/main" id="{C8EB9F5B-D398-4378-B14E-C617E8C344D4}"/>
               </a:ext>
             </a:extLst>
           </p:cNvPr>
@@ -33534,7 +33797,7 @@
           <p:cNvPr id="23" name="Picture 22">
             <a:extLst>
               <a:ext uri="{FF2B5EF4-FFF2-40B4-BE49-F238E27FC236}">
-                <a16:creationId xmlns:a16="http://schemas.microsoft.com/office/drawing/2014/main" xmlns="" id="{004175EF-B749-4406-A760-921733086A82}"/>
+                <a16:creationId xmlns="" xmlns:a16="http://schemas.microsoft.com/office/drawing/2014/main" id="{004175EF-B749-4406-A760-921733086A82}"/>
               </a:ext>
             </a:extLst>
           </p:cNvPr>
@@ -33570,7 +33833,7 @@
           <p:cNvPr id="28" name="Picture 27">
             <a:extLst>
               <a:ext uri="{FF2B5EF4-FFF2-40B4-BE49-F238E27FC236}">
-                <a16:creationId xmlns:a16="http://schemas.microsoft.com/office/drawing/2014/main" xmlns="" id="{D03FF920-181F-4C1A-BB0F-CF6B53EE6A3E}"/>
+                <a16:creationId xmlns="" xmlns:a16="http://schemas.microsoft.com/office/drawing/2014/main" id="{D03FF920-181F-4C1A-BB0F-CF6B53EE6A3E}"/>
               </a:ext>
             </a:extLst>
           </p:cNvPr>
@@ -33605,7 +33868,7 @@
           <p:cNvPr id="29" name="Picture 28">
             <a:extLst>
               <a:ext uri="{FF2B5EF4-FFF2-40B4-BE49-F238E27FC236}">
-                <a16:creationId xmlns:a16="http://schemas.microsoft.com/office/drawing/2014/main" xmlns="" id="{2F019121-6958-4C7B-BF4A-C4A6CD289FF3}"/>
+                <a16:creationId xmlns="" xmlns:a16="http://schemas.microsoft.com/office/drawing/2014/main" id="{2F019121-6958-4C7B-BF4A-C4A6CD289FF3}"/>
               </a:ext>
             </a:extLst>
           </p:cNvPr>
@@ -33641,7 +33904,7 @@
           <p:cNvPr id="30" name="Picture 29">
             <a:extLst>
               <a:ext uri="{FF2B5EF4-FFF2-40B4-BE49-F238E27FC236}">
-                <a16:creationId xmlns:a16="http://schemas.microsoft.com/office/drawing/2014/main" xmlns="" id="{B6AE83A2-C7C4-4C82-94D4-FD3CB38FC2BA}"/>
+                <a16:creationId xmlns="" xmlns:a16="http://schemas.microsoft.com/office/drawing/2014/main" id="{B6AE83A2-C7C4-4C82-94D4-FD3CB38FC2BA}"/>
               </a:ext>
             </a:extLst>
           </p:cNvPr>
@@ -33677,7 +33940,7 @@
           <p:cNvPr id="31" name="TextBox 30">
             <a:extLst>
               <a:ext uri="{FF2B5EF4-FFF2-40B4-BE49-F238E27FC236}">
-                <a16:creationId xmlns:a16="http://schemas.microsoft.com/office/drawing/2014/main" xmlns="" id="{35027200-2475-4C98-B638-984C0BD7645B}"/>
+                <a16:creationId xmlns="" xmlns:a16="http://schemas.microsoft.com/office/drawing/2014/main" id="{35027200-2475-4C98-B638-984C0BD7645B}"/>
               </a:ext>
             </a:extLst>
           </p:cNvPr>
@@ -33720,7 +33983,7 @@
           <p:cNvPr id="32" name="Rectangle 31">
             <a:extLst>
               <a:ext uri="{FF2B5EF4-FFF2-40B4-BE49-F238E27FC236}">
-                <a16:creationId xmlns:a16="http://schemas.microsoft.com/office/drawing/2014/main" xmlns="" id="{C358816E-54E5-45F0-8D61-868350D0A38A}"/>
+                <a16:creationId xmlns="" xmlns:a16="http://schemas.microsoft.com/office/drawing/2014/main" id="{C358816E-54E5-45F0-8D61-868350D0A38A}"/>
               </a:ext>
             </a:extLst>
           </p:cNvPr>
@@ -33766,7 +34029,7 @@
           <p:cNvPr id="33" name="TextBox 32">
             <a:extLst>
               <a:ext uri="{FF2B5EF4-FFF2-40B4-BE49-F238E27FC236}">
-                <a16:creationId xmlns:a16="http://schemas.microsoft.com/office/drawing/2014/main" xmlns="" id="{AD4DF309-D482-4184-9C2A-7174361E5311}"/>
+                <a16:creationId xmlns="" xmlns:a16="http://schemas.microsoft.com/office/drawing/2014/main" id="{AD4DF309-D482-4184-9C2A-7174361E5311}"/>
               </a:ext>
             </a:extLst>
           </p:cNvPr>
@@ -33809,7 +34072,7 @@
           <p:cNvPr id="34" name="Rectangle 33">
             <a:extLst>
               <a:ext uri="{FF2B5EF4-FFF2-40B4-BE49-F238E27FC236}">
-                <a16:creationId xmlns:a16="http://schemas.microsoft.com/office/drawing/2014/main" xmlns="" id="{36C8DF58-7B1A-4F51-8B8A-5F50C203472F}"/>
+                <a16:creationId xmlns="" xmlns:a16="http://schemas.microsoft.com/office/drawing/2014/main" id="{36C8DF58-7B1A-4F51-8B8A-5F50C203472F}"/>
               </a:ext>
             </a:extLst>
           </p:cNvPr>
@@ -33855,7 +34118,7 @@
           <p:cNvPr id="35" name="TextBox 34">
             <a:extLst>
               <a:ext uri="{FF2B5EF4-FFF2-40B4-BE49-F238E27FC236}">
-                <a16:creationId xmlns:a16="http://schemas.microsoft.com/office/drawing/2014/main" xmlns="" id="{E55A6D9F-6CF6-4BA9-AC80-84F9BA974904}"/>
+                <a16:creationId xmlns="" xmlns:a16="http://schemas.microsoft.com/office/drawing/2014/main" id="{E55A6D9F-6CF6-4BA9-AC80-84F9BA974904}"/>
               </a:ext>
             </a:extLst>
           </p:cNvPr>
@@ -33938,7 +34201,7 @@
           <p:cNvPr id="36" name="TextBox 35">
             <a:extLst>
               <a:ext uri="{FF2B5EF4-FFF2-40B4-BE49-F238E27FC236}">
-                <a16:creationId xmlns:a16="http://schemas.microsoft.com/office/drawing/2014/main" xmlns="" id="{B935F52B-D327-4903-A95A-0D769D3CD3FC}"/>
+                <a16:creationId xmlns="" xmlns:a16="http://schemas.microsoft.com/office/drawing/2014/main" id="{B935F52B-D327-4903-A95A-0D769D3CD3FC}"/>
               </a:ext>
             </a:extLst>
           </p:cNvPr>
@@ -34021,7 +34284,7 @@
           <p:cNvPr id="37" name="TextBox 36">
             <a:extLst>
               <a:ext uri="{FF2B5EF4-FFF2-40B4-BE49-F238E27FC236}">
-                <a16:creationId xmlns:a16="http://schemas.microsoft.com/office/drawing/2014/main" xmlns="" id="{3AE6391C-ABD7-4218-B604-0CB7B2F52F45}"/>
+                <a16:creationId xmlns="" xmlns:a16="http://schemas.microsoft.com/office/drawing/2014/main" id="{3AE6391C-ABD7-4218-B604-0CB7B2F52F45}"/>
               </a:ext>
             </a:extLst>
           </p:cNvPr>
@@ -34088,7 +34351,7 @@
           <p:cNvPr id="40" name="Rectangle 39">
             <a:extLst>
               <a:ext uri="{FF2B5EF4-FFF2-40B4-BE49-F238E27FC236}">
-                <a16:creationId xmlns:a16="http://schemas.microsoft.com/office/drawing/2014/main" xmlns="" id="{F2CB0BEF-FBC2-4C2A-A01D-11110C0F11A0}"/>
+                <a16:creationId xmlns="" xmlns:a16="http://schemas.microsoft.com/office/drawing/2014/main" id="{F2CB0BEF-FBC2-4C2A-A01D-11110C0F11A0}"/>
               </a:ext>
             </a:extLst>
           </p:cNvPr>
@@ -34136,7 +34399,7 @@
           <p:cNvPr id="45" name="Isosceles Triangle 44">
             <a:extLst>
               <a:ext uri="{FF2B5EF4-FFF2-40B4-BE49-F238E27FC236}">
-                <a16:creationId xmlns:a16="http://schemas.microsoft.com/office/drawing/2014/main" xmlns="" id="{EAC040A5-A876-458E-A723-A903B2166B1F}"/>
+                <a16:creationId xmlns="" xmlns:a16="http://schemas.microsoft.com/office/drawing/2014/main" id="{EAC040A5-A876-458E-A723-A903B2166B1F}"/>
               </a:ext>
             </a:extLst>
           </p:cNvPr>
@@ -34229,7 +34492,7 @@
           <p:cNvPr id="6" name="TextBox 5">
             <a:extLst>
               <a:ext uri="{FF2B5EF4-FFF2-40B4-BE49-F238E27FC236}">
-                <a16:creationId xmlns:a16="http://schemas.microsoft.com/office/drawing/2014/main" xmlns="" id="{CD2A8DE0-B0E7-40FB-9538-60D54401A4F8}"/>
+                <a16:creationId xmlns="" xmlns:a16="http://schemas.microsoft.com/office/drawing/2014/main" id="{CD2A8DE0-B0E7-40FB-9538-60D54401A4F8}"/>
               </a:ext>
             </a:extLst>
           </p:cNvPr>
@@ -34316,7 +34579,7 @@
           <p:cNvPr id="11" name="Picture 10">
             <a:extLst>
               <a:ext uri="{FF2B5EF4-FFF2-40B4-BE49-F238E27FC236}">
-                <a16:creationId xmlns:a16="http://schemas.microsoft.com/office/drawing/2014/main" xmlns="" id="{F6164AE6-B86F-4668-B82E-2CCF243694C5}"/>
+                <a16:creationId xmlns="" xmlns:a16="http://schemas.microsoft.com/office/drawing/2014/main" id="{F6164AE6-B86F-4668-B82E-2CCF243694C5}"/>
               </a:ext>
             </a:extLst>
           </p:cNvPr>
@@ -34346,7 +34609,7 @@
           <p:cNvPr id="42" name="Rectangle 41">
             <a:extLst>
               <a:ext uri="{FF2B5EF4-FFF2-40B4-BE49-F238E27FC236}">
-                <a16:creationId xmlns:a16="http://schemas.microsoft.com/office/drawing/2014/main" xmlns="" id="{353BFA1C-32B8-4D02-82DD-D04AE5441E95}"/>
+                <a16:creationId xmlns="" xmlns:a16="http://schemas.microsoft.com/office/drawing/2014/main" id="{353BFA1C-32B8-4D02-82DD-D04AE5441E95}"/>
               </a:ext>
             </a:extLst>
           </p:cNvPr>
@@ -34414,7 +34677,7 @@
           <p:cNvPr id="43" name="TextBox 42">
             <a:extLst>
               <a:ext uri="{FF2B5EF4-FFF2-40B4-BE49-F238E27FC236}">
-                <a16:creationId xmlns:a16="http://schemas.microsoft.com/office/drawing/2014/main" xmlns="" id="{F43B97D8-23B6-4B2F-AE82-8C0B2E7C3495}"/>
+                <a16:creationId xmlns="" xmlns:a16="http://schemas.microsoft.com/office/drawing/2014/main" id="{F43B97D8-23B6-4B2F-AE82-8C0B2E7C3495}"/>
               </a:ext>
             </a:extLst>
           </p:cNvPr>
@@ -34514,7 +34777,7 @@
           <p:cNvPr id="22" name="TextBox 21">
             <a:extLst>
               <a:ext uri="{FF2B5EF4-FFF2-40B4-BE49-F238E27FC236}">
-                <a16:creationId xmlns:a16="http://schemas.microsoft.com/office/drawing/2014/main" xmlns="" id="{DEE513CE-29AD-4183-ADB3-3E880FCC7B04}"/>
+                <a16:creationId xmlns="" xmlns:a16="http://schemas.microsoft.com/office/drawing/2014/main" id="{DEE513CE-29AD-4183-ADB3-3E880FCC7B04}"/>
               </a:ext>
             </a:extLst>
           </p:cNvPr>
@@ -34569,7 +34832,7 @@
           <p:cNvPr id="25" name="Rectangle 24">
             <a:extLst>
               <a:ext uri="{FF2B5EF4-FFF2-40B4-BE49-F238E27FC236}">
-                <a16:creationId xmlns:a16="http://schemas.microsoft.com/office/drawing/2014/main" xmlns="" id="{B32E5649-6D3F-4A89-9541-FC848823689D}"/>
+                <a16:creationId xmlns="" xmlns:a16="http://schemas.microsoft.com/office/drawing/2014/main" id="{B32E5649-6D3F-4A89-9541-FC848823689D}"/>
               </a:ext>
             </a:extLst>
           </p:cNvPr>
@@ -34615,7 +34878,7 @@
           <p:cNvPr id="27" name="Rectangle 26">
             <a:extLst>
               <a:ext uri="{FF2B5EF4-FFF2-40B4-BE49-F238E27FC236}">
-                <a16:creationId xmlns:a16="http://schemas.microsoft.com/office/drawing/2014/main" xmlns="" id="{144145E3-8466-4612-8478-3C34ED5354C8}"/>
+                <a16:creationId xmlns="" xmlns:a16="http://schemas.microsoft.com/office/drawing/2014/main" id="{144145E3-8466-4612-8478-3C34ED5354C8}"/>
               </a:ext>
             </a:extLst>
           </p:cNvPr>
@@ -34675,7 +34938,7 @@
           <p:cNvPr id="63" name="TextBox 62">
             <a:extLst>
               <a:ext uri="{FF2B5EF4-FFF2-40B4-BE49-F238E27FC236}">
-                <a16:creationId xmlns:a16="http://schemas.microsoft.com/office/drawing/2014/main" xmlns="" id="{B582E5B7-E87C-48C5-AC0E-102B92901134}"/>
+                <a16:creationId xmlns="" xmlns:a16="http://schemas.microsoft.com/office/drawing/2014/main" id="{B582E5B7-E87C-48C5-AC0E-102B92901134}"/>
               </a:ext>
             </a:extLst>
           </p:cNvPr>
@@ -34742,7 +35005,7 @@
           <p:cNvPr id="64" name="Rectangle 63">
             <a:extLst>
               <a:ext uri="{FF2B5EF4-FFF2-40B4-BE49-F238E27FC236}">
-                <a16:creationId xmlns:a16="http://schemas.microsoft.com/office/drawing/2014/main" xmlns="" id="{9432B22F-F23E-4634-8D68-13C303BAA278}"/>
+                <a16:creationId xmlns="" xmlns:a16="http://schemas.microsoft.com/office/drawing/2014/main" id="{9432B22F-F23E-4634-8D68-13C303BAA278}"/>
               </a:ext>
             </a:extLst>
           </p:cNvPr>
@@ -34790,7 +35053,7 @@
           <p:cNvPr id="38" name="Picture 16" descr="C:\Users\HuyTran\Desktop\WPF project\sale_manager.png">
             <a:extLst>
               <a:ext uri="{FF2B5EF4-FFF2-40B4-BE49-F238E27FC236}">
-                <a16:creationId xmlns:a16="http://schemas.microsoft.com/office/drawing/2014/main" xmlns="" id="{4478BCFA-C856-40D5-8492-F2A458A331F5}"/>
+                <a16:creationId xmlns="" xmlns:a16="http://schemas.microsoft.com/office/drawing/2014/main" id="{4478BCFA-C856-40D5-8492-F2A458A331F5}"/>
               </a:ext>
             </a:extLst>
           </p:cNvPr>
@@ -34837,7 +35100,7 @@
           <p:cNvPr id="39" name="Isosceles Triangle 38">
             <a:extLst>
               <a:ext uri="{FF2B5EF4-FFF2-40B4-BE49-F238E27FC236}">
-                <a16:creationId xmlns:a16="http://schemas.microsoft.com/office/drawing/2014/main" xmlns="" id="{CE40D531-971C-4B87-AE2C-A23E1594FB15}"/>
+                <a16:creationId xmlns="" xmlns:a16="http://schemas.microsoft.com/office/drawing/2014/main" id="{CE40D531-971C-4B87-AE2C-A23E1594FB15}"/>
               </a:ext>
             </a:extLst>
           </p:cNvPr>
@@ -34893,7 +35156,7 @@
           <p:cNvPr id="41" name="TextBox 40">
             <a:extLst>
               <a:ext uri="{FF2B5EF4-FFF2-40B4-BE49-F238E27FC236}">
-                <a16:creationId xmlns:a16="http://schemas.microsoft.com/office/drawing/2014/main" xmlns="" id="{5A677C6D-8488-4BE5-AA19-7A7963472BFC}"/>
+                <a16:creationId xmlns="" xmlns:a16="http://schemas.microsoft.com/office/drawing/2014/main" id="{5A677C6D-8488-4BE5-AA19-7A7963472BFC}"/>
               </a:ext>
             </a:extLst>
           </p:cNvPr>
@@ -34936,7 +35199,7 @@
           <p:cNvPr id="44" name="Rectangle 43">
             <a:extLst>
               <a:ext uri="{FF2B5EF4-FFF2-40B4-BE49-F238E27FC236}">
-                <a16:creationId xmlns:a16="http://schemas.microsoft.com/office/drawing/2014/main" xmlns="" id="{F68F26D9-57CB-43BE-9CD6-1A549AC359F7}"/>
+                <a16:creationId xmlns="" xmlns:a16="http://schemas.microsoft.com/office/drawing/2014/main" id="{F68F26D9-57CB-43BE-9CD6-1A549AC359F7}"/>
               </a:ext>
             </a:extLst>
           </p:cNvPr>
@@ -34982,7 +35245,7 @@
           <p:cNvPr id="58" name="TextBox 57">
             <a:extLst>
               <a:ext uri="{FF2B5EF4-FFF2-40B4-BE49-F238E27FC236}">
-                <a16:creationId xmlns:a16="http://schemas.microsoft.com/office/drawing/2014/main" xmlns="" id="{A79E1008-5EE8-43CF-828F-5713E9565E61}"/>
+                <a16:creationId xmlns="" xmlns:a16="http://schemas.microsoft.com/office/drawing/2014/main" id="{A79E1008-5EE8-43CF-828F-5713E9565E61}"/>
               </a:ext>
             </a:extLst>
           </p:cNvPr>
@@ -35037,7 +35300,7 @@
           <p:cNvPr id="59" name="Rectangle 58">
             <a:extLst>
               <a:ext uri="{FF2B5EF4-FFF2-40B4-BE49-F238E27FC236}">
-                <a16:creationId xmlns:a16="http://schemas.microsoft.com/office/drawing/2014/main" xmlns="" id="{EFEF2FA2-6192-42C3-A33A-38457F0B7678}"/>
+                <a16:creationId xmlns="" xmlns:a16="http://schemas.microsoft.com/office/drawing/2014/main" id="{EFEF2FA2-6192-42C3-A33A-38457F0B7678}"/>
               </a:ext>
             </a:extLst>
           </p:cNvPr>
@@ -35083,7 +35346,7 @@
           <p:cNvPr id="68" name="TextBox 67">
             <a:extLst>
               <a:ext uri="{FF2B5EF4-FFF2-40B4-BE49-F238E27FC236}">
-                <a16:creationId xmlns:a16="http://schemas.microsoft.com/office/drawing/2014/main" xmlns="" id="{A67DAA64-F730-4410-A239-969946757E44}"/>
+                <a16:creationId xmlns="" xmlns:a16="http://schemas.microsoft.com/office/drawing/2014/main" id="{A67DAA64-F730-4410-A239-969946757E44}"/>
               </a:ext>
             </a:extLst>
           </p:cNvPr>
@@ -35162,7 +35425,7 @@
           <p:cNvPr id="69" name="Rectangle 68">
             <a:extLst>
               <a:ext uri="{FF2B5EF4-FFF2-40B4-BE49-F238E27FC236}">
-                <a16:creationId xmlns:a16="http://schemas.microsoft.com/office/drawing/2014/main" xmlns="" id="{C7BF5F9F-8645-4C59-9C82-7A31F98DBA63}"/>
+                <a16:creationId xmlns="" xmlns:a16="http://schemas.microsoft.com/office/drawing/2014/main" id="{C7BF5F9F-8645-4C59-9C82-7A31F98DBA63}"/>
               </a:ext>
             </a:extLst>
           </p:cNvPr>
@@ -35208,7 +35471,7 @@
           <p:cNvPr id="70" name="Rectangle: Rounded Corners 69">
             <a:extLst>
               <a:ext uri="{FF2B5EF4-FFF2-40B4-BE49-F238E27FC236}">
-                <a16:creationId xmlns:a16="http://schemas.microsoft.com/office/drawing/2014/main" xmlns="" id="{065E8468-3CD7-46AB-9AE3-BC0AA3EDE4A2}"/>
+                <a16:creationId xmlns="" xmlns:a16="http://schemas.microsoft.com/office/drawing/2014/main" id="{065E8468-3CD7-46AB-9AE3-BC0AA3EDE4A2}"/>
               </a:ext>
             </a:extLst>
           </p:cNvPr>
@@ -35292,7 +35555,7 @@
           <p:cNvPr id="6" name="Picture 5">
             <a:extLst>
               <a:ext uri="{FF2B5EF4-FFF2-40B4-BE49-F238E27FC236}">
-                <a16:creationId xmlns:a16="http://schemas.microsoft.com/office/drawing/2014/main" xmlns="" id="{F6164AE6-B86F-4668-B82E-2CCF243694C5}"/>
+                <a16:creationId xmlns="" xmlns:a16="http://schemas.microsoft.com/office/drawing/2014/main" id="{F6164AE6-B86F-4668-B82E-2CCF243694C5}"/>
               </a:ext>
             </a:extLst>
           </p:cNvPr>
@@ -35322,7 +35585,7 @@
           <p:cNvPr id="7" name="TextBox 6">
             <a:extLst>
               <a:ext uri="{FF2B5EF4-FFF2-40B4-BE49-F238E27FC236}">
-                <a16:creationId xmlns:a16="http://schemas.microsoft.com/office/drawing/2014/main" xmlns="" id="{F43B97D8-23B6-4B2F-AE82-8C0B2E7C3495}"/>
+                <a16:creationId xmlns="" xmlns:a16="http://schemas.microsoft.com/office/drawing/2014/main" id="{F43B97D8-23B6-4B2F-AE82-8C0B2E7C3495}"/>
               </a:ext>
             </a:extLst>
           </p:cNvPr>
@@ -35398,7 +35661,7 @@
           <p:cNvPr id="9" name="TextBox 8">
             <a:extLst>
               <a:ext uri="{FF2B5EF4-FFF2-40B4-BE49-F238E27FC236}">
-                <a16:creationId xmlns:a16="http://schemas.microsoft.com/office/drawing/2014/main" xmlns="" id="{F43B97D8-23B6-4B2F-AE82-8C0B2E7C3495}"/>
+                <a16:creationId xmlns="" xmlns:a16="http://schemas.microsoft.com/office/drawing/2014/main" id="{F43B97D8-23B6-4B2F-AE82-8C0B2E7C3495}"/>
               </a:ext>
             </a:extLst>
           </p:cNvPr>
@@ -35427,9 +35690,6 @@
               </a:rPr>
               <a:t></a:t>
             </a:r>
-            <a:endParaRPr lang="en-US" sz="2400" dirty="0">
-              <a:latin typeface="FontAwesome" pitchFamily="2" charset="0"/>
-            </a:endParaRPr>
           </a:p>
         </p:txBody>
       </p:sp>
@@ -35438,7 +35698,7 @@
           <p:cNvPr id="50" name="Rectangle 49">
             <a:extLst>
               <a:ext uri="{FF2B5EF4-FFF2-40B4-BE49-F238E27FC236}">
-                <a16:creationId xmlns:a16="http://schemas.microsoft.com/office/drawing/2014/main" xmlns="" id="{F68F26D9-57CB-43BE-9CD6-1A549AC359F7}"/>
+                <a16:creationId xmlns="" xmlns:a16="http://schemas.microsoft.com/office/drawing/2014/main" id="{F68F26D9-57CB-43BE-9CD6-1A549AC359F7}"/>
               </a:ext>
             </a:extLst>
           </p:cNvPr>
@@ -35485,7 +35745,7 @@
           <p:cNvPr id="11" name="TextBox 10">
             <a:extLst>
               <a:ext uri="{FF2B5EF4-FFF2-40B4-BE49-F238E27FC236}">
-                <a16:creationId xmlns:a16="http://schemas.microsoft.com/office/drawing/2014/main" xmlns="" id="{B582E5B7-E87C-48C5-AC0E-102B92901134}"/>
+                <a16:creationId xmlns="" xmlns:a16="http://schemas.microsoft.com/office/drawing/2014/main" id="{B582E5B7-E87C-48C5-AC0E-102B92901134}"/>
               </a:ext>
             </a:extLst>
           </p:cNvPr>
@@ -35702,7 +35962,7 @@
           <p:cNvPr id="15" name="TextBox 14">
             <a:extLst>
               <a:ext uri="{FF2B5EF4-FFF2-40B4-BE49-F238E27FC236}">
-                <a16:creationId xmlns:a16="http://schemas.microsoft.com/office/drawing/2014/main" xmlns="" id="{B582E5B7-E87C-48C5-AC0E-102B92901134}"/>
+                <a16:creationId xmlns="" xmlns:a16="http://schemas.microsoft.com/office/drawing/2014/main" id="{B582E5B7-E87C-48C5-AC0E-102B92901134}"/>
               </a:ext>
             </a:extLst>
           </p:cNvPr>
@@ -35749,9 +36009,6 @@
               </a:rPr>
               <a:t>:</a:t>
             </a:r>
-            <a:endParaRPr lang="en-US" sz="1200" dirty="0">
-              <a:latin typeface="+mj-lt"/>
-            </a:endParaRPr>
           </a:p>
         </p:txBody>
       </p:sp>
@@ -35774,7 +36031,7 @@
             <p:cNvPr id="16" name="TextBox 15">
               <a:extLst>
                 <a:ext uri="{FF2B5EF4-FFF2-40B4-BE49-F238E27FC236}">
-                  <a16:creationId xmlns:a16="http://schemas.microsoft.com/office/drawing/2014/main" xmlns="" id="{B582E5B7-E87C-48C5-AC0E-102B92901134}"/>
+                  <a16:creationId xmlns="" xmlns:a16="http://schemas.microsoft.com/office/drawing/2014/main" id="{B582E5B7-E87C-48C5-AC0E-102B92901134}"/>
                 </a:ext>
               </a:extLst>
             </p:cNvPr>
@@ -35894,7 +36151,7 @@
             <p:cNvPr id="18" name="TextBox 17">
               <a:extLst>
                 <a:ext uri="{FF2B5EF4-FFF2-40B4-BE49-F238E27FC236}">
-                  <a16:creationId xmlns:a16="http://schemas.microsoft.com/office/drawing/2014/main" xmlns="" id="{B582E5B7-E87C-48C5-AC0E-102B92901134}"/>
+                  <a16:creationId xmlns="" xmlns:a16="http://schemas.microsoft.com/office/drawing/2014/main" id="{B582E5B7-E87C-48C5-AC0E-102B92901134}"/>
                 </a:ext>
               </a:extLst>
             </p:cNvPr>
@@ -35966,7 +36223,7 @@
               <p:cNvPr id="19" name="TextBox 18">
                 <a:extLst>
                   <a:ext uri="{FF2B5EF4-FFF2-40B4-BE49-F238E27FC236}">
-                    <a16:creationId xmlns:a16="http://schemas.microsoft.com/office/drawing/2014/main" xmlns="" id="{B582E5B7-E87C-48C5-AC0E-102B92901134}"/>
+                    <a16:creationId xmlns="" xmlns:a16="http://schemas.microsoft.com/office/drawing/2014/main" id="{B582E5B7-E87C-48C5-AC0E-102B92901134}"/>
                   </a:ext>
                 </a:extLst>
               </p:cNvPr>
@@ -37074,7 +37331,7 @@
             <p:cNvPr id="58" name="TextBox 57">
               <a:extLst>
                 <a:ext uri="{FF2B5EF4-FFF2-40B4-BE49-F238E27FC236}">
-                  <a16:creationId xmlns:a16="http://schemas.microsoft.com/office/drawing/2014/main" xmlns="" id="{B582E5B7-E87C-48C5-AC0E-102B92901134}"/>
+                  <a16:creationId xmlns="" xmlns:a16="http://schemas.microsoft.com/office/drawing/2014/main" id="{B582E5B7-E87C-48C5-AC0E-102B92901134}"/>
                 </a:ext>
               </a:extLst>
             </p:cNvPr>
@@ -37146,7 +37403,7 @@
               <p:cNvPr id="60" name="TextBox 59">
                 <a:extLst>
                   <a:ext uri="{FF2B5EF4-FFF2-40B4-BE49-F238E27FC236}">
-                    <a16:creationId xmlns:a16="http://schemas.microsoft.com/office/drawing/2014/main" xmlns="" id="{B582E5B7-E87C-48C5-AC0E-102B92901134}"/>
+                    <a16:creationId xmlns="" xmlns:a16="http://schemas.microsoft.com/office/drawing/2014/main" id="{B582E5B7-E87C-48C5-AC0E-102B92901134}"/>
                   </a:ext>
                 </a:extLst>
               </p:cNvPr>
@@ -37253,7 +37510,7 @@
           <p:cNvPr id="62" name="Rectangle 61">
             <a:extLst>
               <a:ext uri="{FF2B5EF4-FFF2-40B4-BE49-F238E27FC236}">
-                <a16:creationId xmlns:a16="http://schemas.microsoft.com/office/drawing/2014/main" xmlns="" id="{353BFA1C-32B8-4D02-82DD-D04AE5441E95}"/>
+                <a16:creationId xmlns="" xmlns:a16="http://schemas.microsoft.com/office/drawing/2014/main" id="{353BFA1C-32B8-4D02-82DD-D04AE5441E95}"/>
               </a:ext>
             </a:extLst>
           </p:cNvPr>
@@ -37321,7 +37578,7 @@
           <p:cNvPr id="63" name="Rectangle 62">
             <a:extLst>
               <a:ext uri="{FF2B5EF4-FFF2-40B4-BE49-F238E27FC236}">
-                <a16:creationId xmlns:a16="http://schemas.microsoft.com/office/drawing/2014/main" xmlns="" id="{144145E3-8466-4612-8478-3C34ED5354C8}"/>
+                <a16:creationId xmlns="" xmlns:a16="http://schemas.microsoft.com/office/drawing/2014/main" id="{144145E3-8466-4612-8478-3C34ED5354C8}"/>
               </a:ext>
             </a:extLst>
           </p:cNvPr>
@@ -37369,6 +37626,82 @@
                 <a:latin typeface="+mj-lt"/>
               </a:rPr>
               <a:t>Lưu</a:t>
+            </a:r>
+            <a:endParaRPr lang="en-US" dirty="0">
+              <a:latin typeface="+mj-lt"/>
+            </a:endParaRPr>
+          </a:p>
+        </p:txBody>
+      </p:sp>
+      <p:sp>
+        <p:nvSpPr>
+          <p:cNvPr id="49" name="TextBox 48">
+            <a:extLst>
+              <a:ext uri="{FF2B5EF4-FFF2-40B4-BE49-F238E27FC236}">
+                <a16:creationId xmlns="" xmlns:a16="http://schemas.microsoft.com/office/drawing/2014/main" id="{CD2A8DE0-B0E7-40FB-9538-60D54401A4F8}"/>
+              </a:ext>
+            </a:extLst>
+          </p:cNvPr>
+          <p:cNvSpPr txBox="1"/>
+          <p:nvPr/>
+        </p:nvSpPr>
+        <p:spPr>
+          <a:xfrm>
+            <a:off x="228600" y="76200"/>
+            <a:ext cx="4572000" cy="369332"/>
+          </a:xfrm>
+          <a:prstGeom prst="rect">
+            <a:avLst/>
+          </a:prstGeom>
+          <a:noFill/>
+        </p:spPr>
+        <p:txBody>
+          <a:bodyPr wrap="square" rtlCol="0">
+            <a:spAutoFit/>
+          </a:bodyPr>
+          <a:lstStyle/>
+          <a:p>
+            <a:r>
+              <a:rPr lang="en-US" dirty="0" err="1">
+                <a:latin typeface="+mj-lt"/>
+              </a:rPr>
+              <a:t>Màn</a:t>
+            </a:r>
+            <a:r>
+              <a:rPr lang="en-US" dirty="0">
+                <a:latin typeface="+mj-lt"/>
+              </a:rPr>
+              <a:t> </a:t>
+            </a:r>
+            <a:r>
+              <a:rPr lang="en-US" dirty="0" err="1">
+                <a:latin typeface="+mj-lt"/>
+              </a:rPr>
+              <a:t>hình</a:t>
+            </a:r>
+            <a:r>
+              <a:rPr lang="en-US" dirty="0">
+                <a:latin typeface="+mj-lt"/>
+              </a:rPr>
+              <a:t> </a:t>
+            </a:r>
+            <a:r>
+              <a:rPr lang="en-US" dirty="0" err="1" smtClean="0">
+                <a:latin typeface="+mj-lt"/>
+              </a:rPr>
+              <a:t>cài</a:t>
+            </a:r>
+            <a:r>
+              <a:rPr lang="en-US" dirty="0" smtClean="0">
+                <a:latin typeface="+mj-lt"/>
+              </a:rPr>
+              <a:t> </a:t>
+            </a:r>
+            <a:r>
+              <a:rPr lang="en-US" dirty="0" err="1" smtClean="0">
+                <a:latin typeface="+mj-lt"/>
+              </a:rPr>
+              <a:t>đặt</a:t>
             </a:r>
             <a:endParaRPr lang="en-US" dirty="0">
               <a:latin typeface="+mj-lt"/>
@@ -37413,12 +37746,42 @@
           <a:chExt cx="0" cy="0"/>
         </a:xfrm>
       </p:grpSpPr>
-      <p:sp>
-        <p:nvSpPr>
-          <p:cNvPr id="4" name="TextBox 3">
-            <a:extLst>
-              <a:ext uri="{FF2B5EF4-FFF2-40B4-BE49-F238E27FC236}">
-                <a16:creationId xmlns:a16="http://schemas.microsoft.com/office/drawing/2014/main" xmlns="" id="{F43B97D8-23B6-4B2F-AE82-8C0B2E7C3495}"/>
+      <p:pic>
+        <p:nvPicPr>
+          <p:cNvPr id="6" name="Picture 5">
+            <a:extLst>
+              <a:ext uri="{FF2B5EF4-FFF2-40B4-BE49-F238E27FC236}">
+                <a16:creationId xmlns="" xmlns:a16="http://schemas.microsoft.com/office/drawing/2014/main" id="{F6164AE6-B86F-4668-B82E-2CCF243694C5}"/>
+              </a:ext>
+            </a:extLst>
+          </p:cNvPr>
+          <p:cNvPicPr>
+            <a:picLocks noChangeAspect="1"/>
+          </p:cNvPicPr>
+          <p:nvPr/>
+        </p:nvPicPr>
+        <p:blipFill>
+          <a:blip r:embed="rId2"/>
+          <a:stretch>
+            <a:fillRect/>
+          </a:stretch>
+        </p:blipFill>
+        <p:spPr>
+          <a:xfrm>
+            <a:off x="0" y="762000"/>
+            <a:ext cx="9144000" cy="6184905"/>
+          </a:xfrm>
+          <a:prstGeom prst="rect">
+            <a:avLst/>
+          </a:prstGeom>
+        </p:spPr>
+      </p:pic>
+      <p:sp>
+        <p:nvSpPr>
+          <p:cNvPr id="7" name="TextBox 6">
+            <a:extLst>
+              <a:ext uri="{FF2B5EF4-FFF2-40B4-BE49-F238E27FC236}">
+                <a16:creationId xmlns="" xmlns:a16="http://schemas.microsoft.com/office/drawing/2014/main" id="{F43B97D8-23B6-4B2F-AE82-8C0B2E7C3495}"/>
               </a:ext>
             </a:extLst>
           </p:cNvPr>
@@ -37427,8 +37790,8 @@
         </p:nvSpPr>
         <p:spPr>
           <a:xfrm>
-            <a:off x="1600200" y="228600"/>
-            <a:ext cx="5943600" cy="6247864"/>
+            <a:off x="829172" y="949454"/>
+            <a:ext cx="4300206" cy="369490"/>
           </a:xfrm>
           <a:prstGeom prst="rect">
             <a:avLst/>
@@ -37442,13 +37805,1532 @@
           <a:lstStyle/>
           <a:p>
             <a:r>
-              <a:rPr lang="en-US" sz="40000" dirty="0">
+              <a:rPr lang="en-US" b="1" dirty="0" err="1" smtClean="0">
+                <a:solidFill>
+                  <a:schemeClr val="tx1">
+                    <a:lumMod val="85000"/>
+                    <a:lumOff val="15000"/>
+                  </a:schemeClr>
+                </a:solidFill>
+                <a:latin typeface="+mj-lt"/>
+              </a:rPr>
+              <a:t>Báo</a:t>
+            </a:r>
+            <a:r>
+              <a:rPr lang="en-US" b="1" dirty="0" smtClean="0">
+                <a:solidFill>
+                  <a:schemeClr val="tx1">
+                    <a:lumMod val="85000"/>
+                    <a:lumOff val="15000"/>
+                  </a:schemeClr>
+                </a:solidFill>
+                <a:latin typeface="+mj-lt"/>
+              </a:rPr>
+              <a:t> </a:t>
+            </a:r>
+            <a:r>
+              <a:rPr lang="en-US" b="1" dirty="0" err="1" smtClean="0">
+                <a:solidFill>
+                  <a:schemeClr val="tx1">
+                    <a:lumMod val="85000"/>
+                    <a:lumOff val="15000"/>
+                  </a:schemeClr>
+                </a:solidFill>
+                <a:latin typeface="+mj-lt"/>
+              </a:rPr>
+              <a:t>cáo</a:t>
+            </a:r>
+            <a:endParaRPr lang="en-US" b="1" dirty="0">
+              <a:solidFill>
+                <a:schemeClr val="tx1">
+                  <a:lumMod val="85000"/>
+                  <a:lumOff val="15000"/>
+                </a:schemeClr>
+              </a:solidFill>
+              <a:latin typeface="+mj-lt"/>
+            </a:endParaRPr>
+          </a:p>
+        </p:txBody>
+      </p:sp>
+      <p:sp>
+        <p:nvSpPr>
+          <p:cNvPr id="9" name="TextBox 8">
+            <a:extLst>
+              <a:ext uri="{FF2B5EF4-FFF2-40B4-BE49-F238E27FC236}">
+                <a16:creationId xmlns="" xmlns:a16="http://schemas.microsoft.com/office/drawing/2014/main" id="{F43B97D8-23B6-4B2F-AE82-8C0B2E7C3495}"/>
+              </a:ext>
+            </a:extLst>
+          </p:cNvPr>
+          <p:cNvSpPr txBox="1"/>
+          <p:nvPr/>
+        </p:nvSpPr>
+        <p:spPr>
+          <a:xfrm>
+            <a:off x="457200" y="882010"/>
+            <a:ext cx="467965" cy="461665"/>
+          </a:xfrm>
+          <a:prstGeom prst="rect">
+            <a:avLst/>
+          </a:prstGeom>
+          <a:noFill/>
+        </p:spPr>
+        <p:txBody>
+          <a:bodyPr wrap="square" rtlCol="0">
+            <a:spAutoFit/>
+          </a:bodyPr>
+          <a:lstStyle/>
+          <a:p>
+            <a:endParaRPr lang="en-US" sz="2400" dirty="0">
+              <a:latin typeface="FontAwesome" pitchFamily="2" charset="0"/>
+            </a:endParaRPr>
+          </a:p>
+        </p:txBody>
+      </p:sp>
+      <p:sp>
+        <p:nvSpPr>
+          <p:cNvPr id="50" name="Rectangle 49">
+            <a:extLst>
+              <a:ext uri="{FF2B5EF4-FFF2-40B4-BE49-F238E27FC236}">
+                <a16:creationId xmlns="" xmlns:a16="http://schemas.microsoft.com/office/drawing/2014/main" id="{F68F26D9-57CB-43BE-9CD6-1A549AC359F7}"/>
+              </a:ext>
+            </a:extLst>
+          </p:cNvPr>
+          <p:cNvSpPr/>
+          <p:nvPr/>
+        </p:nvSpPr>
+        <p:spPr>
+          <a:xfrm>
+            <a:off x="549025" y="1600200"/>
+            <a:ext cx="8511518" cy="4800600"/>
+          </a:xfrm>
+          <a:prstGeom prst="rect">
+            <a:avLst/>
+          </a:prstGeom>
+          <a:ln w="19050">
+            <a:noFill/>
+          </a:ln>
+        </p:spPr>
+        <p:style>
+          <a:lnRef idx="2">
+            <a:schemeClr val="dk1"/>
+          </a:lnRef>
+          <a:fillRef idx="1">
+            <a:schemeClr val="lt1"/>
+          </a:fillRef>
+          <a:effectRef idx="0">
+            <a:schemeClr val="dk1"/>
+          </a:effectRef>
+          <a:fontRef idx="minor">
+            <a:schemeClr val="dk1"/>
+          </a:fontRef>
+        </p:style>
+        <p:txBody>
+          <a:bodyPr rtlCol="0" anchor="ctr"/>
+          <a:lstStyle/>
+          <a:p>
+            <a:pPr algn="ctr"/>
+            <a:endParaRPr lang="en-US">
+              <a:latin typeface="+mj-lt"/>
+            </a:endParaRPr>
+          </a:p>
+        </p:txBody>
+      </p:sp>
+      <p:sp>
+        <p:nvSpPr>
+          <p:cNvPr id="15" name="TextBox 14">
+            <a:extLst>
+              <a:ext uri="{FF2B5EF4-FFF2-40B4-BE49-F238E27FC236}">
+                <a16:creationId xmlns="" xmlns:a16="http://schemas.microsoft.com/office/drawing/2014/main" id="{B582E5B7-E87C-48C5-AC0E-102B92901134}"/>
+              </a:ext>
+            </a:extLst>
+          </p:cNvPr>
+          <p:cNvSpPr txBox="1"/>
+          <p:nvPr/>
+        </p:nvSpPr>
+        <p:spPr>
+          <a:xfrm>
+            <a:off x="845484" y="1752600"/>
+            <a:ext cx="1296467" cy="276999"/>
+          </a:xfrm>
+          <a:prstGeom prst="rect">
+            <a:avLst/>
+          </a:prstGeom>
+          <a:noFill/>
+        </p:spPr>
+        <p:txBody>
+          <a:bodyPr wrap="square" rtlCol="0">
+            <a:spAutoFit/>
+          </a:bodyPr>
+          <a:lstStyle/>
+          <a:p>
+            <a:r>
+              <a:rPr lang="en-US" sz="1200" dirty="0" err="1" smtClean="0">
+                <a:latin typeface="+mj-lt"/>
+              </a:rPr>
+              <a:t>Dữ</a:t>
+            </a:r>
+            <a:r>
+              <a:rPr lang="en-US" sz="1200" dirty="0" smtClean="0">
+                <a:latin typeface="+mj-lt"/>
+              </a:rPr>
+              <a:t> </a:t>
+            </a:r>
+            <a:r>
+              <a:rPr lang="en-US" sz="1200" dirty="0" err="1" smtClean="0">
+                <a:latin typeface="+mj-lt"/>
+              </a:rPr>
+              <a:t>liệu</a:t>
+            </a:r>
+            <a:r>
+              <a:rPr lang="en-US" sz="1200" dirty="0" smtClean="0">
+                <a:latin typeface="+mj-lt"/>
+              </a:rPr>
+              <a:t> </a:t>
+            </a:r>
+            <a:r>
+              <a:rPr lang="en-US" sz="1200" dirty="0" err="1" smtClean="0">
+                <a:latin typeface="+mj-lt"/>
+              </a:rPr>
+              <a:t>thống</a:t>
+            </a:r>
+            <a:r>
+              <a:rPr lang="en-US" sz="1200" dirty="0" smtClean="0">
+                <a:latin typeface="+mj-lt"/>
+              </a:rPr>
+              <a:t> </a:t>
+            </a:r>
+            <a:r>
+              <a:rPr lang="en-US" sz="1200" dirty="0" err="1" smtClean="0">
+                <a:latin typeface="+mj-lt"/>
+              </a:rPr>
+              <a:t>kê</a:t>
+            </a:r>
+            <a:r>
+              <a:rPr lang="en-US" sz="1200" dirty="0" smtClean="0">
+                <a:latin typeface="+mj-lt"/>
+              </a:rPr>
+              <a:t>:</a:t>
+            </a:r>
+            <a:endParaRPr lang="en-US" sz="1200" dirty="0">
+              <a:latin typeface="+mj-lt"/>
+            </a:endParaRPr>
+          </a:p>
+        </p:txBody>
+      </p:sp>
+      <p:grpSp>
+        <p:nvGrpSpPr>
+          <p:cNvPr id="44" name="Group 43"/>
+          <p:cNvGrpSpPr/>
+          <p:nvPr/>
+        </p:nvGrpSpPr>
+        <p:grpSpPr>
+          <a:xfrm>
+            <a:off x="2141951" y="1748672"/>
+            <a:ext cx="2592597" cy="276999"/>
+            <a:chOff x="1429838" y="2009948"/>
+            <a:chExt cx="2592597" cy="276999"/>
+          </a:xfrm>
+        </p:grpSpPr>
+        <p:sp>
+          <p:nvSpPr>
+            <p:cNvPr id="16" name="TextBox 15">
+              <a:extLst>
+                <a:ext uri="{FF2B5EF4-FFF2-40B4-BE49-F238E27FC236}">
+                  <a16:creationId xmlns="" xmlns:a16="http://schemas.microsoft.com/office/drawing/2014/main" id="{B582E5B7-E87C-48C5-AC0E-102B92901134}"/>
+                </a:ext>
+              </a:extLst>
+            </p:cNvPr>
+            <p:cNvSpPr txBox="1"/>
+            <p:nvPr/>
+          </p:nvSpPr>
+          <p:spPr>
+            <a:xfrm>
+              <a:off x="1429838" y="2009948"/>
+              <a:ext cx="2592597" cy="276999"/>
+            </a:xfrm>
+            <a:prstGeom prst="rect">
+              <a:avLst/>
+            </a:prstGeom>
+            <a:noFill/>
+            <a:ln>
+              <a:solidFill>
+                <a:schemeClr val="tx1"/>
+              </a:solidFill>
+            </a:ln>
+          </p:spPr>
+          <p:txBody>
+            <a:bodyPr wrap="square" rtlCol="0">
+              <a:spAutoFit/>
+            </a:bodyPr>
+            <a:lstStyle/>
+            <a:p>
+              <a:r>
+                <a:rPr lang="en-US" sz="1200" dirty="0" err="1" smtClean="0">
+                  <a:latin typeface="+mj-lt"/>
+                </a:rPr>
+                <a:t>Doanh</a:t>
+              </a:r>
+              <a:r>
+                <a:rPr lang="en-US" sz="1200" dirty="0" smtClean="0">
+                  <a:latin typeface="+mj-lt"/>
+                </a:rPr>
+                <a:t> </a:t>
+              </a:r>
+              <a:r>
+                <a:rPr lang="en-US" sz="1200" dirty="0" err="1" smtClean="0">
+                  <a:latin typeface="+mj-lt"/>
+                </a:rPr>
+                <a:t>số</a:t>
+              </a:r>
+              <a:endParaRPr lang="en-US" sz="1200" dirty="0">
+                <a:latin typeface="+mj-lt"/>
+              </a:endParaRPr>
+            </a:p>
+          </p:txBody>
+        </p:sp>
+        <p:sp>
+          <p:nvSpPr>
+            <p:cNvPr id="17" name="Isosceles Triangle 16"/>
+            <p:cNvSpPr/>
+            <p:nvPr/>
+          </p:nvSpPr>
+          <p:spPr>
+            <a:xfrm rot="3600000">
+              <a:off x="3844049" y="2079996"/>
+              <a:ext cx="158807" cy="136903"/>
+            </a:xfrm>
+            <a:prstGeom prst="triangle">
+              <a:avLst/>
+            </a:prstGeom>
+            <a:solidFill>
+              <a:schemeClr val="bg1"/>
+            </a:solidFill>
+            <a:ln w="3175">
+              <a:solidFill>
+                <a:schemeClr val="tx1"/>
+              </a:solidFill>
+            </a:ln>
+          </p:spPr>
+          <p:style>
+            <a:lnRef idx="2">
+              <a:schemeClr val="accent1">
+                <a:shade val="50000"/>
+              </a:schemeClr>
+            </a:lnRef>
+            <a:fillRef idx="1">
+              <a:schemeClr val="accent1"/>
+            </a:fillRef>
+            <a:effectRef idx="0">
+              <a:schemeClr val="accent1"/>
+            </a:effectRef>
+            <a:fontRef idx="minor">
+              <a:schemeClr val="lt1"/>
+            </a:fontRef>
+          </p:style>
+          <p:txBody>
+            <a:bodyPr rtlCol="0" anchor="ctr"/>
+            <a:lstStyle/>
+            <a:p>
+              <a:pPr algn="ctr"/>
+              <a:endParaRPr lang="en-US"/>
+            </a:p>
+          </p:txBody>
+        </p:sp>
+      </p:grpSp>
+      <p:pic>
+        <p:nvPicPr>
+          <p:cNvPr id="49" name="Picture 17" descr="C:\Users\HuyTran\Desktop\WPF project\report.png"/>
+          <p:cNvPicPr>
+            <a:picLocks noChangeAspect="1" noChangeArrowheads="1"/>
+          </p:cNvPicPr>
+          <p:nvPr/>
+        </p:nvPicPr>
+        <p:blipFill>
+          <a:blip r:embed="rId3" cstate="print">
+            <a:extLst>
+              <a:ext uri="{28A0092B-C50C-407E-A947-70E740481C1C}">
+                <a14:useLocalDpi xmlns:a14="http://schemas.microsoft.com/office/drawing/2010/main" val="0"/>
+              </a:ext>
+            </a:extLst>
+          </a:blip>
+          <a:srcRect/>
+          <a:stretch>
+            <a:fillRect/>
+          </a:stretch>
+        </p:blipFill>
+        <p:spPr bwMode="auto">
+          <a:xfrm>
+            <a:off x="536879" y="956554"/>
+            <a:ext cx="308605" cy="312577"/>
+          </a:xfrm>
+          <a:prstGeom prst="rect">
+            <a:avLst/>
+          </a:prstGeom>
+          <a:noFill/>
+          <a:extLst>
+            <a:ext uri="{909E8E84-426E-40DD-AFC4-6F175D3DCCD1}">
+              <a14:hiddenFill xmlns:a14="http://schemas.microsoft.com/office/drawing/2010/main">
+                <a:solidFill>
+                  <a:srgbClr val="FFFFFF"/>
+                </a:solidFill>
+              </a14:hiddenFill>
+            </a:ext>
+          </a:extLst>
+        </p:spPr>
+      </p:pic>
+      <p:grpSp>
+        <p:nvGrpSpPr>
+          <p:cNvPr id="4" name="Group 3"/>
+          <p:cNvGrpSpPr/>
+          <p:nvPr/>
+        </p:nvGrpSpPr>
+        <p:grpSpPr>
+          <a:xfrm>
+            <a:off x="838200" y="2667000"/>
+            <a:ext cx="2612463" cy="290282"/>
+            <a:chOff x="5128393" y="1753266"/>
+            <a:chExt cx="2612463" cy="290282"/>
+          </a:xfrm>
+        </p:grpSpPr>
+        <p:grpSp>
+          <p:nvGrpSpPr>
+            <p:cNvPr id="2" name="Group 1"/>
+            <p:cNvGrpSpPr/>
+            <p:nvPr/>
+          </p:nvGrpSpPr>
+          <p:grpSpPr>
+            <a:xfrm>
+              <a:off x="5128393" y="1760322"/>
+              <a:ext cx="1295400" cy="283226"/>
+              <a:chOff x="5128393" y="1760322"/>
+              <a:chExt cx="1295400" cy="283226"/>
+            </a:xfrm>
+          </p:grpSpPr>
+          <p:sp>
+            <p:nvSpPr>
+              <p:cNvPr id="51" name="TextBox 50">
+                <a:extLst>
+                  <a:ext uri="{FF2B5EF4-FFF2-40B4-BE49-F238E27FC236}">
+                    <a16:creationId xmlns="" xmlns:a16="http://schemas.microsoft.com/office/drawing/2014/main" id="{35027200-2475-4C98-B638-984C0BD7645B}"/>
+                  </a:ext>
+                </a:extLst>
+              </p:cNvPr>
+              <p:cNvSpPr txBox="1"/>
+              <p:nvPr/>
+            </p:nvSpPr>
+            <p:spPr>
+              <a:xfrm>
+                <a:off x="5128393" y="1766549"/>
+                <a:ext cx="1295400" cy="276999"/>
+              </a:xfrm>
+              <a:prstGeom prst="rect">
+                <a:avLst/>
+              </a:prstGeom>
+              <a:noFill/>
+            </p:spPr>
+            <p:txBody>
+              <a:bodyPr wrap="square" rtlCol="0">
+                <a:spAutoFit/>
+              </a:bodyPr>
+              <a:lstStyle/>
+              <a:p>
+                <a:r>
+                  <a:rPr lang="en-US" sz="1200" dirty="0" err="1">
+                    <a:latin typeface="+mj-lt"/>
+                  </a:rPr>
+                  <a:t>Từ</a:t>
+                </a:r>
+                <a:r>
+                  <a:rPr lang="en-US" sz="1200" dirty="0">
+                    <a:latin typeface="+mj-lt"/>
+                  </a:rPr>
+                  <a:t>:</a:t>
+                </a:r>
+              </a:p>
+            </p:txBody>
+          </p:sp>
+          <p:sp>
+            <p:nvSpPr>
+              <p:cNvPr id="52" name="Rectangle 51">
+                <a:extLst>
+                  <a:ext uri="{FF2B5EF4-FFF2-40B4-BE49-F238E27FC236}">
+                    <a16:creationId xmlns="" xmlns:a16="http://schemas.microsoft.com/office/drawing/2014/main" id="{C358816E-54E5-45F0-8D61-868350D0A38A}"/>
+                  </a:ext>
+                </a:extLst>
+              </p:cNvPr>
+              <p:cNvSpPr/>
+              <p:nvPr/>
+            </p:nvSpPr>
+            <p:spPr>
+              <a:xfrm>
+                <a:off x="5514566" y="1760322"/>
+                <a:ext cx="830510" cy="261554"/>
+              </a:xfrm>
+              <a:prstGeom prst="rect">
+                <a:avLst/>
+              </a:prstGeom>
+              <a:ln w="12700"/>
+            </p:spPr>
+            <p:style>
+              <a:lnRef idx="2">
+                <a:schemeClr val="dk1"/>
+              </a:lnRef>
+              <a:fillRef idx="1">
+                <a:schemeClr val="lt1"/>
+              </a:fillRef>
+              <a:effectRef idx="0">
+                <a:schemeClr val="dk1"/>
+              </a:effectRef>
+              <a:fontRef idx="minor">
+                <a:schemeClr val="dk1"/>
+              </a:fontRef>
+            </p:style>
+            <p:txBody>
+              <a:bodyPr rtlCol="0" anchor="ctr"/>
+              <a:lstStyle/>
+              <a:p>
+                <a:pPr algn="ctr"/>
+                <a:endParaRPr lang="en-US">
+                  <a:latin typeface="+mj-lt"/>
+                </a:endParaRPr>
+              </a:p>
+            </p:txBody>
+          </p:sp>
+        </p:grpSp>
+        <p:grpSp>
+          <p:nvGrpSpPr>
+            <p:cNvPr id="3" name="Group 2"/>
+            <p:cNvGrpSpPr/>
+            <p:nvPr/>
+          </p:nvGrpSpPr>
+          <p:grpSpPr>
+            <a:xfrm>
+              <a:off x="6445456" y="1753266"/>
+              <a:ext cx="1295400" cy="276999"/>
+              <a:chOff x="6445456" y="1753266"/>
+              <a:chExt cx="1295400" cy="276999"/>
+            </a:xfrm>
+          </p:grpSpPr>
+          <p:sp>
+            <p:nvSpPr>
+              <p:cNvPr id="53" name="TextBox 52">
+                <a:extLst>
+                  <a:ext uri="{FF2B5EF4-FFF2-40B4-BE49-F238E27FC236}">
+                    <a16:creationId xmlns="" xmlns:a16="http://schemas.microsoft.com/office/drawing/2014/main" id="{AD4DF309-D482-4184-9C2A-7174361E5311}"/>
+                  </a:ext>
+                </a:extLst>
+              </p:cNvPr>
+              <p:cNvSpPr txBox="1"/>
+              <p:nvPr/>
+            </p:nvSpPr>
+            <p:spPr>
+              <a:xfrm>
+                <a:off x="6445456" y="1753266"/>
+                <a:ext cx="1295400" cy="276999"/>
+              </a:xfrm>
+              <a:prstGeom prst="rect">
+                <a:avLst/>
+              </a:prstGeom>
+              <a:noFill/>
+            </p:spPr>
+            <p:txBody>
+              <a:bodyPr wrap="square" rtlCol="0">
+                <a:spAutoFit/>
+              </a:bodyPr>
+              <a:lstStyle/>
+              <a:p>
+                <a:r>
+                  <a:rPr lang="en-US" sz="1200" dirty="0" err="1">
+                    <a:latin typeface="+mj-lt"/>
+                  </a:rPr>
+                  <a:t>Đến</a:t>
+                </a:r>
+                <a:r>
+                  <a:rPr lang="en-US" sz="1200" dirty="0">
+                    <a:latin typeface="+mj-lt"/>
+                  </a:rPr>
+                  <a:t>:</a:t>
+                </a:r>
+              </a:p>
+            </p:txBody>
+          </p:sp>
+          <p:sp>
+            <p:nvSpPr>
+              <p:cNvPr id="54" name="Rectangle 53">
+                <a:extLst>
+                  <a:ext uri="{FF2B5EF4-FFF2-40B4-BE49-F238E27FC236}">
+                    <a16:creationId xmlns="" xmlns:a16="http://schemas.microsoft.com/office/drawing/2014/main" id="{36C8DF58-7B1A-4F51-8B8A-5F50C203472F}"/>
+                  </a:ext>
+                </a:extLst>
+              </p:cNvPr>
+              <p:cNvSpPr/>
+              <p:nvPr/>
+            </p:nvSpPr>
+            <p:spPr>
+              <a:xfrm>
+                <a:off x="6905173" y="1755540"/>
+                <a:ext cx="830510" cy="261554"/>
+              </a:xfrm>
+              <a:prstGeom prst="rect">
+                <a:avLst/>
+              </a:prstGeom>
+              <a:ln w="12700"/>
+            </p:spPr>
+            <p:style>
+              <a:lnRef idx="2">
+                <a:schemeClr val="dk1"/>
+              </a:lnRef>
+              <a:fillRef idx="1">
+                <a:schemeClr val="lt1"/>
+              </a:fillRef>
+              <a:effectRef idx="0">
+                <a:schemeClr val="dk1"/>
+              </a:effectRef>
+              <a:fontRef idx="minor">
+                <a:schemeClr val="dk1"/>
+              </a:fontRef>
+            </p:style>
+            <p:txBody>
+              <a:bodyPr rtlCol="0" anchor="ctr"/>
+              <a:lstStyle/>
+              <a:p>
+                <a:pPr algn="ctr"/>
+                <a:endParaRPr lang="en-US">
+                  <a:latin typeface="+mj-lt"/>
+                </a:endParaRPr>
+              </a:p>
+            </p:txBody>
+          </p:sp>
+        </p:grpSp>
+      </p:grpSp>
+      <p:sp>
+        <p:nvSpPr>
+          <p:cNvPr id="55" name="TextBox 54">
+            <a:extLst>
+              <a:ext uri="{FF2B5EF4-FFF2-40B4-BE49-F238E27FC236}">
+                <a16:creationId xmlns="" xmlns:a16="http://schemas.microsoft.com/office/drawing/2014/main" id="{B582E5B7-E87C-48C5-AC0E-102B92901134}"/>
+              </a:ext>
+            </a:extLst>
+          </p:cNvPr>
+          <p:cNvSpPr txBox="1"/>
+          <p:nvPr/>
+        </p:nvSpPr>
+        <p:spPr>
+          <a:xfrm>
+            <a:off x="829171" y="2186701"/>
+            <a:ext cx="1296467" cy="276999"/>
+          </a:xfrm>
+          <a:prstGeom prst="rect">
+            <a:avLst/>
+          </a:prstGeom>
+          <a:noFill/>
+        </p:spPr>
+        <p:txBody>
+          <a:bodyPr wrap="square" rtlCol="0">
+            <a:spAutoFit/>
+          </a:bodyPr>
+          <a:lstStyle/>
+          <a:p>
+            <a:r>
+              <a:rPr lang="en-US" sz="1200" dirty="0" err="1" smtClean="0">
+                <a:latin typeface="+mj-lt"/>
+              </a:rPr>
+              <a:t>Thống</a:t>
+            </a:r>
+            <a:r>
+              <a:rPr lang="en-US" sz="1200" dirty="0" smtClean="0">
+                <a:latin typeface="+mj-lt"/>
+              </a:rPr>
+              <a:t> </a:t>
+            </a:r>
+            <a:r>
+              <a:rPr lang="en-US" sz="1200" dirty="0" err="1" smtClean="0">
+                <a:latin typeface="+mj-lt"/>
+              </a:rPr>
+              <a:t>kê</a:t>
+            </a:r>
+            <a:r>
+              <a:rPr lang="en-US" sz="1200" dirty="0" smtClean="0">
+                <a:latin typeface="+mj-lt"/>
+              </a:rPr>
+              <a:t> </a:t>
+            </a:r>
+            <a:r>
+              <a:rPr lang="en-US" sz="1200" dirty="0" err="1" smtClean="0">
+                <a:latin typeface="+mj-lt"/>
+              </a:rPr>
+              <a:t>theo</a:t>
+            </a:r>
+            <a:r>
+              <a:rPr lang="en-US" sz="1200" dirty="0" smtClean="0">
+                <a:latin typeface="+mj-lt"/>
+              </a:rPr>
+              <a:t>:</a:t>
+            </a:r>
+            <a:endParaRPr lang="en-US" sz="1200" dirty="0">
+              <a:latin typeface="+mj-lt"/>
+            </a:endParaRPr>
+          </a:p>
+        </p:txBody>
+      </p:sp>
+      <p:grpSp>
+        <p:nvGrpSpPr>
+          <p:cNvPr id="56" name="Group 55"/>
+          <p:cNvGrpSpPr/>
+          <p:nvPr/>
+        </p:nvGrpSpPr>
+        <p:grpSpPr>
+          <a:xfrm>
+            <a:off x="2151472" y="2182773"/>
+            <a:ext cx="2592597" cy="276999"/>
+            <a:chOff x="1429838" y="2009948"/>
+            <a:chExt cx="2592597" cy="276999"/>
+          </a:xfrm>
+        </p:grpSpPr>
+        <p:sp>
+          <p:nvSpPr>
+            <p:cNvPr id="64" name="TextBox 63">
+              <a:extLst>
+                <a:ext uri="{FF2B5EF4-FFF2-40B4-BE49-F238E27FC236}">
+                  <a16:creationId xmlns="" xmlns:a16="http://schemas.microsoft.com/office/drawing/2014/main" id="{B582E5B7-E87C-48C5-AC0E-102B92901134}"/>
+                </a:ext>
+              </a:extLst>
+            </p:cNvPr>
+            <p:cNvSpPr txBox="1"/>
+            <p:nvPr/>
+          </p:nvSpPr>
+          <p:spPr>
+            <a:xfrm>
+              <a:off x="1429838" y="2009948"/>
+              <a:ext cx="2592597" cy="276999"/>
+            </a:xfrm>
+            <a:prstGeom prst="rect">
+              <a:avLst/>
+            </a:prstGeom>
+            <a:noFill/>
+            <a:ln>
+              <a:solidFill>
+                <a:schemeClr val="tx1"/>
+              </a:solidFill>
+            </a:ln>
+          </p:spPr>
+          <p:txBody>
+            <a:bodyPr wrap="square" rtlCol="0">
+              <a:spAutoFit/>
+            </a:bodyPr>
+            <a:lstStyle/>
+            <a:p>
+              <a:r>
+                <a:rPr lang="en-US" sz="1200" dirty="0" err="1" smtClean="0">
+                  <a:latin typeface="+mj-lt"/>
+                </a:rPr>
+                <a:t>Tháng</a:t>
+              </a:r>
+              <a:endParaRPr lang="en-US" sz="1200" dirty="0">
+                <a:latin typeface="+mj-lt"/>
+              </a:endParaRPr>
+            </a:p>
+          </p:txBody>
+        </p:sp>
+        <p:sp>
+          <p:nvSpPr>
+            <p:cNvPr id="65" name="Isosceles Triangle 64"/>
+            <p:cNvSpPr/>
+            <p:nvPr/>
+          </p:nvSpPr>
+          <p:spPr>
+            <a:xfrm rot="3600000">
+              <a:off x="3844049" y="2079996"/>
+              <a:ext cx="158807" cy="136903"/>
+            </a:xfrm>
+            <a:prstGeom prst="triangle">
+              <a:avLst/>
+            </a:prstGeom>
+            <a:solidFill>
+              <a:schemeClr val="bg1"/>
+            </a:solidFill>
+            <a:ln w="3175">
+              <a:solidFill>
+                <a:schemeClr val="tx1"/>
+              </a:solidFill>
+            </a:ln>
+          </p:spPr>
+          <p:style>
+            <a:lnRef idx="2">
+              <a:schemeClr val="accent1">
+                <a:shade val="50000"/>
+              </a:schemeClr>
+            </a:lnRef>
+            <a:fillRef idx="1">
+              <a:schemeClr val="accent1"/>
+            </a:fillRef>
+            <a:effectRef idx="0">
+              <a:schemeClr val="accent1"/>
+            </a:effectRef>
+            <a:fontRef idx="minor">
+              <a:schemeClr val="lt1"/>
+            </a:fontRef>
+          </p:style>
+          <p:txBody>
+            <a:bodyPr rtlCol="0" anchor="ctr"/>
+            <a:lstStyle/>
+            <a:p>
+              <a:pPr algn="ctr"/>
+              <a:endParaRPr lang="en-US"/>
+            </a:p>
+          </p:txBody>
+        </p:sp>
+      </p:grpSp>
+      <p:grpSp>
+        <p:nvGrpSpPr>
+          <p:cNvPr id="10" name="Group 9"/>
+          <p:cNvGrpSpPr/>
+          <p:nvPr/>
+        </p:nvGrpSpPr>
+        <p:grpSpPr>
+          <a:xfrm>
+            <a:off x="5326528" y="1867999"/>
+            <a:ext cx="914400" cy="914400"/>
+            <a:chOff x="5715000" y="1765883"/>
+            <a:chExt cx="914400" cy="914400"/>
+          </a:xfrm>
+        </p:grpSpPr>
+        <p:sp>
+          <p:nvSpPr>
+            <p:cNvPr id="5" name="Oval 4"/>
+            <p:cNvSpPr/>
+            <p:nvPr/>
+          </p:nvSpPr>
+          <p:spPr>
+            <a:xfrm>
+              <a:off x="5715000" y="1765883"/>
+              <a:ext cx="914400" cy="914400"/>
+            </a:xfrm>
+            <a:prstGeom prst="ellipse">
+              <a:avLst/>
+            </a:prstGeom>
+            <a:solidFill>
+              <a:srgbClr val="4BBF60"/>
+            </a:solidFill>
+            <a:ln>
+              <a:solidFill>
+                <a:srgbClr val="36D68A"/>
+              </a:solidFill>
+            </a:ln>
+          </p:spPr>
+          <p:style>
+            <a:lnRef idx="2">
+              <a:schemeClr val="accent1">
+                <a:shade val="50000"/>
+              </a:schemeClr>
+            </a:lnRef>
+            <a:fillRef idx="1">
+              <a:schemeClr val="accent1"/>
+            </a:fillRef>
+            <a:effectRef idx="0">
+              <a:schemeClr val="accent1"/>
+            </a:effectRef>
+            <a:fontRef idx="minor">
+              <a:schemeClr val="lt1"/>
+            </a:fontRef>
+          </p:style>
+          <p:txBody>
+            <a:bodyPr rtlCol="0" anchor="ctr"/>
+            <a:lstStyle/>
+            <a:p>
+              <a:pPr algn="ctr"/>
+              <a:endParaRPr lang="en-US" dirty="0"/>
+            </a:p>
+          </p:txBody>
+        </p:sp>
+        <p:sp>
+          <p:nvSpPr>
+            <p:cNvPr id="66" name="Rectangle 65">
+              <a:extLst>
+                <a:ext uri="{FF2B5EF4-FFF2-40B4-BE49-F238E27FC236}">
+                  <a16:creationId xmlns="" xmlns:a16="http://schemas.microsoft.com/office/drawing/2014/main" id="{36C8DF58-7B1A-4F51-8B8A-5F50C203472F}"/>
+                </a:ext>
+              </a:extLst>
+            </p:cNvPr>
+            <p:cNvSpPr/>
+            <p:nvPr/>
+          </p:nvSpPr>
+          <p:spPr>
+            <a:xfrm>
+              <a:off x="5770176" y="2100152"/>
+              <a:ext cx="804047" cy="450095"/>
+            </a:xfrm>
+            <a:prstGeom prst="rect">
+              <a:avLst/>
+            </a:prstGeom>
+            <a:noFill/>
+            <a:ln w="12700">
+              <a:noFill/>
+            </a:ln>
+          </p:spPr>
+          <p:style>
+            <a:lnRef idx="2">
+              <a:schemeClr val="dk1"/>
+            </a:lnRef>
+            <a:fillRef idx="1">
+              <a:schemeClr val="lt1"/>
+            </a:fillRef>
+            <a:effectRef idx="0">
+              <a:schemeClr val="dk1"/>
+            </a:effectRef>
+            <a:fontRef idx="minor">
+              <a:schemeClr val="dk1"/>
+            </a:fontRef>
+          </p:style>
+          <p:txBody>
+            <a:bodyPr rtlCol="0" anchor="ctr"/>
+            <a:lstStyle/>
+            <a:p>
+              <a:pPr algn="ctr"/>
+              <a:r>
+                <a:rPr lang="en-US" sz="1000" dirty="0" err="1" smtClean="0">
+                  <a:latin typeface="+mj-lt"/>
+                </a:rPr>
+                <a:t>Thống</a:t>
+              </a:r>
+              <a:r>
+                <a:rPr lang="en-US" sz="1000" dirty="0" smtClean="0">
+                  <a:latin typeface="+mj-lt"/>
+                </a:rPr>
+                <a:t> </a:t>
+              </a:r>
+              <a:r>
+                <a:rPr lang="en-US" sz="1000" dirty="0" err="1" smtClean="0">
+                  <a:latin typeface="+mj-lt"/>
+                </a:rPr>
+                <a:t>kê</a:t>
+              </a:r>
+              <a:endParaRPr lang="en-US" sz="1000" dirty="0">
+                <a:latin typeface="+mj-lt"/>
+              </a:endParaRPr>
+            </a:p>
+          </p:txBody>
+        </p:sp>
+        <p:pic>
+          <p:nvPicPr>
+            <p:cNvPr id="67" name="Picture 17" descr="C:\Users\HuyTran\Desktop\WPF project\report.png"/>
+            <p:cNvPicPr>
+              <a:picLocks noChangeAspect="1" noChangeArrowheads="1"/>
+            </p:cNvPicPr>
+            <p:nvPr/>
+          </p:nvPicPr>
+          <p:blipFill>
+            <a:blip r:embed="rId4" cstate="print">
+              <a:extLst>
+                <a:ext uri="{28A0092B-C50C-407E-A947-70E740481C1C}">
+                  <a14:useLocalDpi xmlns:a14="http://schemas.microsoft.com/office/drawing/2010/main" val="0"/>
+                </a:ext>
+              </a:extLst>
+            </a:blip>
+            <a:srcRect/>
+            <a:stretch>
+              <a:fillRect/>
+            </a:stretch>
+          </p:blipFill>
+          <p:spPr bwMode="auto">
+            <a:xfrm>
+              <a:off x="6027271" y="1878877"/>
+              <a:ext cx="289857" cy="293587"/>
+            </a:xfrm>
+            <a:prstGeom prst="rect">
+              <a:avLst/>
+            </a:prstGeom>
+            <a:noFill/>
+            <a:extLst>
+              <a:ext uri="{909E8E84-426E-40DD-AFC4-6F175D3DCCD1}">
+                <a14:hiddenFill xmlns:a14="http://schemas.microsoft.com/office/drawing/2010/main">
+                  <a:solidFill>
+                    <a:srgbClr val="FFFFFF"/>
+                  </a:solidFill>
+                </a14:hiddenFill>
+              </a:ext>
+            </a:extLst>
+          </p:spPr>
+        </p:pic>
+      </p:grpSp>
+      <p:sp>
+        <p:nvSpPr>
+          <p:cNvPr id="73" name="Rectangle 72">
+            <a:extLst>
+              <a:ext uri="{FF2B5EF4-FFF2-40B4-BE49-F238E27FC236}">
+                <a16:creationId xmlns="" xmlns:a16="http://schemas.microsoft.com/office/drawing/2014/main" id="{9969480F-3B74-4CC4-8434-19572E987218}"/>
+              </a:ext>
+            </a:extLst>
+          </p:cNvPr>
+          <p:cNvSpPr/>
+          <p:nvPr/>
+        </p:nvSpPr>
+        <p:spPr>
+          <a:xfrm>
+            <a:off x="6400800" y="1927835"/>
+            <a:ext cx="1136921" cy="358165"/>
+          </a:xfrm>
+          <a:prstGeom prst="rect">
+            <a:avLst/>
+          </a:prstGeom>
+          <a:solidFill>
+            <a:srgbClr val="0070C0"/>
+          </a:solidFill>
+          <a:ln>
+            <a:solidFill>
+              <a:schemeClr val="tx2">
+                <a:lumMod val="60000"/>
+                <a:lumOff val="40000"/>
+              </a:schemeClr>
+            </a:solidFill>
+          </a:ln>
+        </p:spPr>
+        <p:style>
+          <a:lnRef idx="2">
+            <a:schemeClr val="accent1">
+              <a:shade val="50000"/>
+            </a:schemeClr>
+          </a:lnRef>
+          <a:fillRef idx="1">
+            <a:schemeClr val="accent1"/>
+          </a:fillRef>
+          <a:effectRef idx="0">
+            <a:schemeClr val="accent1"/>
+          </a:effectRef>
+          <a:fontRef idx="minor">
+            <a:schemeClr val="lt1"/>
+          </a:fontRef>
+        </p:style>
+        <p:txBody>
+          <a:bodyPr rtlCol="0" anchor="ctr"/>
+          <a:lstStyle/>
+          <a:p>
+            <a:pPr algn="ctr"/>
+            <a:r>
+              <a:rPr lang="en-US" sz="1200" b="1" dirty="0" smtClean="0">
+                <a:latin typeface="+mj-lt"/>
+              </a:rPr>
+              <a:t>           </a:t>
+            </a:r>
+            <a:r>
+              <a:rPr lang="en-US" sz="1200" b="1" dirty="0" err="1" smtClean="0">
+                <a:latin typeface="+mj-lt"/>
+              </a:rPr>
+              <a:t>Lưu</a:t>
+            </a:r>
+            <a:endParaRPr lang="en-US" sz="1200" b="1" dirty="0">
+              <a:latin typeface="+mj-lt"/>
+            </a:endParaRPr>
+          </a:p>
+        </p:txBody>
+      </p:sp>
+      <p:sp>
+        <p:nvSpPr>
+          <p:cNvPr id="75" name="Rectangle 74">
+            <a:extLst>
+              <a:ext uri="{FF2B5EF4-FFF2-40B4-BE49-F238E27FC236}">
+                <a16:creationId xmlns="" xmlns:a16="http://schemas.microsoft.com/office/drawing/2014/main" id="{9969480F-3B74-4CC4-8434-19572E987218}"/>
+              </a:ext>
+            </a:extLst>
+          </p:cNvPr>
+          <p:cNvSpPr/>
+          <p:nvPr/>
+        </p:nvSpPr>
+        <p:spPr>
+          <a:xfrm>
+            <a:off x="6410325" y="2385035"/>
+            <a:ext cx="1136921" cy="358165"/>
+          </a:xfrm>
+          <a:prstGeom prst="rect">
+            <a:avLst/>
+          </a:prstGeom>
+          <a:solidFill>
+            <a:srgbClr val="0070C0"/>
+          </a:solidFill>
+          <a:ln>
+            <a:solidFill>
+              <a:schemeClr val="tx2">
+                <a:lumMod val="60000"/>
+                <a:lumOff val="40000"/>
+              </a:schemeClr>
+            </a:solidFill>
+          </a:ln>
+        </p:spPr>
+        <p:style>
+          <a:lnRef idx="2">
+            <a:schemeClr val="accent1">
+              <a:shade val="50000"/>
+            </a:schemeClr>
+          </a:lnRef>
+          <a:fillRef idx="1">
+            <a:schemeClr val="accent1"/>
+          </a:fillRef>
+          <a:effectRef idx="0">
+            <a:schemeClr val="accent1"/>
+          </a:effectRef>
+          <a:fontRef idx="minor">
+            <a:schemeClr val="lt1"/>
+          </a:fontRef>
+        </p:style>
+        <p:txBody>
+          <a:bodyPr rtlCol="0" anchor="ctr"/>
+          <a:lstStyle/>
+          <a:p>
+            <a:pPr algn="ctr"/>
+            <a:r>
+              <a:rPr lang="en-US" sz="1200" b="1" dirty="0" smtClean="0">
+                <a:latin typeface="+mj-lt"/>
+              </a:rPr>
+              <a:t>        In</a:t>
+            </a:r>
+            <a:endParaRPr lang="en-US" sz="1200" b="1" dirty="0">
+              <a:latin typeface="+mj-lt"/>
+            </a:endParaRPr>
+          </a:p>
+        </p:txBody>
+      </p:sp>
+      <p:sp>
+        <p:nvSpPr>
+          <p:cNvPr id="76" name="Rectangle 75">
+            <a:extLst>
+              <a:ext uri="{FF2B5EF4-FFF2-40B4-BE49-F238E27FC236}">
+                <a16:creationId xmlns="" xmlns:a16="http://schemas.microsoft.com/office/drawing/2014/main" id="{9969480F-3B74-4CC4-8434-19572E987218}"/>
+              </a:ext>
+            </a:extLst>
+          </p:cNvPr>
+          <p:cNvSpPr/>
+          <p:nvPr/>
+        </p:nvSpPr>
+        <p:spPr>
+          <a:xfrm>
+            <a:off x="6477000" y="1990163"/>
+            <a:ext cx="304800" cy="244965"/>
+          </a:xfrm>
+          <a:prstGeom prst="rect">
+            <a:avLst/>
+          </a:prstGeom>
+          <a:noFill/>
+          <a:ln>
+            <a:noFill/>
+          </a:ln>
+        </p:spPr>
+        <p:style>
+          <a:lnRef idx="2">
+            <a:schemeClr val="accent1">
+              <a:shade val="50000"/>
+            </a:schemeClr>
+          </a:lnRef>
+          <a:fillRef idx="1">
+            <a:schemeClr val="accent1"/>
+          </a:fillRef>
+          <a:effectRef idx="0">
+            <a:schemeClr val="accent1"/>
+          </a:effectRef>
+          <a:fontRef idx="minor">
+            <a:schemeClr val="lt1"/>
+          </a:fontRef>
+        </p:style>
+        <p:txBody>
+          <a:bodyPr rtlCol="0" anchor="ctr"/>
+          <a:lstStyle/>
+          <a:p>
+            <a:pPr algn="ctr"/>
+            <a:r>
+              <a:rPr lang="en-US" sz="2000" dirty="0" smtClean="0">
                 <a:latin typeface="FontAwesome" pitchFamily="2" charset="0"/>
               </a:rPr>
-              <a:t></a:t>
-            </a:r>
-            <a:endParaRPr lang="en-US" sz="40000" dirty="0">
+              <a:t></a:t>
+            </a:r>
+            <a:endParaRPr lang="en-US" sz="1200" b="1" dirty="0">
+              <a:latin typeface="+mj-lt"/>
+            </a:endParaRPr>
+          </a:p>
+        </p:txBody>
+      </p:sp>
+      <p:sp>
+        <p:nvSpPr>
+          <p:cNvPr id="77" name="Rectangle 76">
+            <a:extLst>
+              <a:ext uri="{FF2B5EF4-FFF2-40B4-BE49-F238E27FC236}">
+                <a16:creationId xmlns="" xmlns:a16="http://schemas.microsoft.com/office/drawing/2014/main" id="{9969480F-3B74-4CC4-8434-19572E987218}"/>
+              </a:ext>
+            </a:extLst>
+          </p:cNvPr>
+          <p:cNvSpPr/>
+          <p:nvPr/>
+        </p:nvSpPr>
+        <p:spPr>
+          <a:xfrm>
+            <a:off x="6477000" y="2441634"/>
+            <a:ext cx="304800" cy="244965"/>
+          </a:xfrm>
+          <a:prstGeom prst="rect">
+            <a:avLst/>
+          </a:prstGeom>
+          <a:noFill/>
+          <a:ln>
+            <a:noFill/>
+          </a:ln>
+        </p:spPr>
+        <p:style>
+          <a:lnRef idx="2">
+            <a:schemeClr val="accent1">
+              <a:shade val="50000"/>
+            </a:schemeClr>
+          </a:lnRef>
+          <a:fillRef idx="1">
+            <a:schemeClr val="accent1"/>
+          </a:fillRef>
+          <a:effectRef idx="0">
+            <a:schemeClr val="accent1"/>
+          </a:effectRef>
+          <a:fontRef idx="minor">
+            <a:schemeClr val="lt1"/>
+          </a:fontRef>
+        </p:style>
+        <p:txBody>
+          <a:bodyPr rtlCol="0" anchor="ctr"/>
+          <a:lstStyle/>
+          <a:p>
+            <a:pPr algn="ctr"/>
+            <a:r>
+              <a:rPr lang="en-US" sz="2000" dirty="0">
+                <a:latin typeface="FontAwesome" pitchFamily="2" charset="0"/>
+              </a:rPr>
+              <a:t></a:t>
+            </a:r>
+            <a:endParaRPr lang="en-US" sz="1200" b="1" dirty="0">
+              <a:latin typeface="+mj-lt"/>
+            </a:endParaRPr>
+          </a:p>
+        </p:txBody>
+      </p:sp>
+      <p:sp>
+        <p:nvSpPr>
+          <p:cNvPr id="79" name="Oval 78"/>
+          <p:cNvSpPr/>
+          <p:nvPr/>
+        </p:nvSpPr>
+        <p:spPr>
+          <a:xfrm>
+            <a:off x="7772400" y="1911613"/>
+            <a:ext cx="390607" cy="390607"/>
+          </a:xfrm>
+          <a:prstGeom prst="ellipse">
+            <a:avLst/>
+          </a:prstGeom>
+          <a:solidFill>
+            <a:schemeClr val="bg1">
+              <a:lumMod val="65000"/>
+            </a:schemeClr>
+          </a:solidFill>
+          <a:ln>
+            <a:solidFill>
+              <a:schemeClr val="bg1">
+                <a:lumMod val="85000"/>
+              </a:schemeClr>
+            </a:solidFill>
+          </a:ln>
+        </p:spPr>
+        <p:style>
+          <a:lnRef idx="2">
+            <a:schemeClr val="accent1">
+              <a:shade val="50000"/>
+            </a:schemeClr>
+          </a:lnRef>
+          <a:fillRef idx="1">
+            <a:schemeClr val="accent1"/>
+          </a:fillRef>
+          <a:effectRef idx="0">
+            <a:schemeClr val="accent1"/>
+          </a:effectRef>
+          <a:fontRef idx="minor">
+            <a:schemeClr val="lt1"/>
+          </a:fontRef>
+        </p:style>
+        <p:txBody>
+          <a:bodyPr rtlCol="0" anchor="ctr"/>
+          <a:lstStyle/>
+          <a:p>
+            <a:pPr algn="ctr"/>
+            <a:endParaRPr lang="en-US" dirty="0"/>
+          </a:p>
+        </p:txBody>
+      </p:sp>
+      <p:sp>
+        <p:nvSpPr>
+          <p:cNvPr id="82" name="Rectangle 81">
+            <a:extLst>
+              <a:ext uri="{FF2B5EF4-FFF2-40B4-BE49-F238E27FC236}">
+                <a16:creationId xmlns="" xmlns:a16="http://schemas.microsoft.com/office/drawing/2014/main" id="{9969480F-3B74-4CC4-8434-19572E987218}"/>
+              </a:ext>
+            </a:extLst>
+          </p:cNvPr>
+          <p:cNvSpPr/>
+          <p:nvPr/>
+        </p:nvSpPr>
+        <p:spPr>
+          <a:xfrm>
+            <a:off x="7842169" y="2000488"/>
+            <a:ext cx="251067" cy="201780"/>
+          </a:xfrm>
+          <a:prstGeom prst="rect">
+            <a:avLst/>
+          </a:prstGeom>
+          <a:noFill/>
+          <a:ln>
+            <a:noFill/>
+          </a:ln>
+        </p:spPr>
+        <p:style>
+          <a:lnRef idx="2">
+            <a:schemeClr val="accent1">
+              <a:shade val="50000"/>
+            </a:schemeClr>
+          </a:lnRef>
+          <a:fillRef idx="1">
+            <a:schemeClr val="accent1"/>
+          </a:fillRef>
+          <a:effectRef idx="0">
+            <a:schemeClr val="accent1"/>
+          </a:effectRef>
+          <a:fontRef idx="minor">
+            <a:schemeClr val="lt1"/>
+          </a:fontRef>
+        </p:style>
+        <p:txBody>
+          <a:bodyPr rtlCol="0" anchor="ctr"/>
+          <a:lstStyle/>
+          <a:p>
+            <a:pPr algn="ctr"/>
+            <a:r>
+              <a:rPr lang="en-US" sz="1500" dirty="0">
+                <a:solidFill>
+                  <a:schemeClr val="tx1"/>
+                </a:solidFill>
+                <a:latin typeface="FontAwesome" pitchFamily="2" charset="0"/>
+              </a:rPr>
+              <a:t></a:t>
+            </a:r>
+            <a:endParaRPr lang="en-US" sz="1500" b="1" dirty="0">
+              <a:solidFill>
+                <a:schemeClr val="tx1"/>
+              </a:solidFill>
               <a:latin typeface="FontAwesome" pitchFamily="2" charset="0"/>
+            </a:endParaRPr>
+          </a:p>
+        </p:txBody>
+      </p:sp>
+      <p:sp>
+        <p:nvSpPr>
+          <p:cNvPr id="83" name="Oval 82"/>
+          <p:cNvSpPr/>
+          <p:nvPr/>
+        </p:nvSpPr>
+        <p:spPr>
+          <a:xfrm>
+            <a:off x="7772400" y="2356990"/>
+            <a:ext cx="390607" cy="390607"/>
+          </a:xfrm>
+          <a:prstGeom prst="ellipse">
+            <a:avLst/>
+          </a:prstGeom>
+          <a:solidFill>
+            <a:schemeClr val="bg1">
+              <a:lumMod val="65000"/>
+            </a:schemeClr>
+          </a:solidFill>
+          <a:ln>
+            <a:solidFill>
+              <a:schemeClr val="bg1">
+                <a:lumMod val="85000"/>
+              </a:schemeClr>
+            </a:solidFill>
+          </a:ln>
+        </p:spPr>
+        <p:style>
+          <a:lnRef idx="2">
+            <a:schemeClr val="accent1">
+              <a:shade val="50000"/>
+            </a:schemeClr>
+          </a:lnRef>
+          <a:fillRef idx="1">
+            <a:schemeClr val="accent1"/>
+          </a:fillRef>
+          <a:effectRef idx="0">
+            <a:schemeClr val="accent1"/>
+          </a:effectRef>
+          <a:fontRef idx="minor">
+            <a:schemeClr val="lt1"/>
+          </a:fontRef>
+        </p:style>
+        <p:txBody>
+          <a:bodyPr rtlCol="0" anchor="ctr"/>
+          <a:lstStyle/>
+          <a:p>
+            <a:pPr algn="ctr"/>
+            <a:endParaRPr lang="en-US" dirty="0"/>
+          </a:p>
+        </p:txBody>
+      </p:sp>
+      <p:sp>
+        <p:nvSpPr>
+          <p:cNvPr id="84" name="Rectangle 83">
+            <a:extLst>
+              <a:ext uri="{FF2B5EF4-FFF2-40B4-BE49-F238E27FC236}">
+                <a16:creationId xmlns="" xmlns:a16="http://schemas.microsoft.com/office/drawing/2014/main" id="{9969480F-3B74-4CC4-8434-19572E987218}"/>
+              </a:ext>
+            </a:extLst>
+          </p:cNvPr>
+          <p:cNvSpPr/>
+          <p:nvPr/>
+        </p:nvSpPr>
+        <p:spPr>
+          <a:xfrm>
+            <a:off x="7879818" y="2445865"/>
+            <a:ext cx="188631" cy="201780"/>
+          </a:xfrm>
+          <a:prstGeom prst="rect">
+            <a:avLst/>
+          </a:prstGeom>
+          <a:noFill/>
+          <a:ln>
+            <a:noFill/>
+          </a:ln>
+        </p:spPr>
+        <p:style>
+          <a:lnRef idx="2">
+            <a:schemeClr val="accent1">
+              <a:shade val="50000"/>
+            </a:schemeClr>
+          </a:lnRef>
+          <a:fillRef idx="1">
+            <a:schemeClr val="accent1"/>
+          </a:fillRef>
+          <a:effectRef idx="0">
+            <a:schemeClr val="accent1"/>
+          </a:effectRef>
+          <a:fontRef idx="minor">
+            <a:schemeClr val="lt1"/>
+          </a:fontRef>
+        </p:style>
+        <p:txBody>
+          <a:bodyPr rtlCol="0" anchor="ctr"/>
+          <a:lstStyle/>
+          <a:p>
+            <a:pPr algn="ctr"/>
+            <a:r>
+              <a:rPr lang="en-US" sz="1600" dirty="0">
+                <a:solidFill>
+                  <a:schemeClr val="tx1"/>
+                </a:solidFill>
+                <a:latin typeface="FontAwesome" pitchFamily="2" charset="0"/>
+              </a:rPr>
+              <a:t></a:t>
+            </a:r>
+            <a:endParaRPr lang="en-US" sz="1500" b="1" dirty="0">
+              <a:solidFill>
+                <a:schemeClr val="tx1"/>
+              </a:solidFill>
+              <a:latin typeface="FontAwesome" pitchFamily="2" charset="0"/>
+            </a:endParaRPr>
+          </a:p>
+        </p:txBody>
+      </p:sp>
+      <p:graphicFrame>
+        <p:nvGraphicFramePr>
+          <p:cNvPr id="22" name="Chart 21"/>
+          <p:cNvGraphicFramePr/>
+          <p:nvPr>
+            <p:extLst>
+              <p:ext uri="{D42A27DB-BD31-4B8C-83A1-F6EECF244321}">
+                <p14:modId xmlns:p14="http://schemas.microsoft.com/office/powerpoint/2010/main" val="3382963606"/>
+              </p:ext>
+            </p:extLst>
+          </p:nvPr>
+        </p:nvGraphicFramePr>
+        <p:xfrm>
+          <a:off x="845484" y="3505200"/>
+          <a:ext cx="8012629" cy="3174900"/>
+        </p:xfrm>
+        <a:graphic>
+          <a:graphicData uri="http://schemas.openxmlformats.org/drawingml/2006/chart">
+            <c:chart xmlns:c="http://schemas.openxmlformats.org/drawingml/2006/chart" xmlns:r="http://schemas.openxmlformats.org/officeDocument/2006/relationships" r:id="rId5"/>
+          </a:graphicData>
+        </a:graphic>
+      </p:graphicFrame>
+      <p:sp>
+        <p:nvSpPr>
+          <p:cNvPr id="85" name="TextBox 84">
+            <a:extLst>
+              <a:ext uri="{FF2B5EF4-FFF2-40B4-BE49-F238E27FC236}">
+                <a16:creationId xmlns="" xmlns:a16="http://schemas.microsoft.com/office/drawing/2014/main" id="{CD2A8DE0-B0E7-40FB-9538-60D54401A4F8}"/>
+              </a:ext>
+            </a:extLst>
+          </p:cNvPr>
+          <p:cNvSpPr txBox="1"/>
+          <p:nvPr/>
+        </p:nvSpPr>
+        <p:spPr>
+          <a:xfrm>
+            <a:off x="228600" y="76200"/>
+            <a:ext cx="4572000" cy="369332"/>
+          </a:xfrm>
+          <a:prstGeom prst="rect">
+            <a:avLst/>
+          </a:prstGeom>
+          <a:noFill/>
+        </p:spPr>
+        <p:txBody>
+          <a:bodyPr wrap="square" rtlCol="0">
+            <a:spAutoFit/>
+          </a:bodyPr>
+          <a:lstStyle/>
+          <a:p>
+            <a:r>
+              <a:rPr lang="en-US" dirty="0" err="1">
+                <a:latin typeface="+mj-lt"/>
+              </a:rPr>
+              <a:t>Màn</a:t>
+            </a:r>
+            <a:r>
+              <a:rPr lang="en-US" dirty="0">
+                <a:latin typeface="+mj-lt"/>
+              </a:rPr>
+              <a:t> </a:t>
+            </a:r>
+            <a:r>
+              <a:rPr lang="en-US" dirty="0" err="1" smtClean="0">
+                <a:latin typeface="+mj-lt"/>
+              </a:rPr>
+              <a:t>hình</a:t>
+            </a:r>
+            <a:r>
+              <a:rPr lang="en-US" dirty="0" smtClean="0">
+                <a:latin typeface="+mj-lt"/>
+              </a:rPr>
+              <a:t> </a:t>
+            </a:r>
+            <a:r>
+              <a:rPr lang="en-US" dirty="0" err="1" smtClean="0">
+                <a:latin typeface="+mj-lt"/>
+              </a:rPr>
+              <a:t>báo</a:t>
+            </a:r>
+            <a:r>
+              <a:rPr lang="en-US" dirty="0" smtClean="0">
+                <a:latin typeface="+mj-lt"/>
+              </a:rPr>
+              <a:t> </a:t>
+            </a:r>
+            <a:r>
+              <a:rPr lang="en-US" dirty="0" err="1" smtClean="0">
+                <a:latin typeface="+mj-lt"/>
+              </a:rPr>
+              <a:t>cáo</a:t>
+            </a:r>
+            <a:endParaRPr lang="en-US" dirty="0">
+              <a:latin typeface="+mj-lt"/>
             </a:endParaRPr>
           </a:p>
         </p:txBody>
@@ -37456,7 +39338,7 @@
     </p:spTree>
     <p:extLst>
       <p:ext uri="{BB962C8B-B14F-4D97-AF65-F5344CB8AC3E}">
-        <p14:creationId xmlns:p14="http://schemas.microsoft.com/office/powerpoint/2010/main" val="3499388560"/>
+        <p14:creationId xmlns:p14="http://schemas.microsoft.com/office/powerpoint/2010/main" val="1287722744"/>
       </p:ext>
     </p:extLst>
   </p:cSld>
@@ -37495,7 +39377,7 @@
           <p:cNvPr id="6" name="TextBox 5">
             <a:extLst>
               <a:ext uri="{FF2B5EF4-FFF2-40B4-BE49-F238E27FC236}">
-                <a16:creationId xmlns:a16="http://schemas.microsoft.com/office/drawing/2014/main" xmlns="" id="{CD2A8DE0-B0E7-40FB-9538-60D54401A4F8}"/>
+                <a16:creationId xmlns="" xmlns:a16="http://schemas.microsoft.com/office/drawing/2014/main" id="{CD2A8DE0-B0E7-40FB-9538-60D54401A4F8}"/>
               </a:ext>
             </a:extLst>
           </p:cNvPr>
@@ -37607,7 +39489,7 @@
           <p:cNvPr id="11" name="Picture 10">
             <a:extLst>
               <a:ext uri="{FF2B5EF4-FFF2-40B4-BE49-F238E27FC236}">
-                <a16:creationId xmlns:a16="http://schemas.microsoft.com/office/drawing/2014/main" xmlns="" id="{F6164AE6-B86F-4668-B82E-2CCF243694C5}"/>
+                <a16:creationId xmlns="" xmlns:a16="http://schemas.microsoft.com/office/drawing/2014/main" id="{F6164AE6-B86F-4668-B82E-2CCF243694C5}"/>
               </a:ext>
             </a:extLst>
           </p:cNvPr>
@@ -37637,7 +39519,7 @@
           <p:cNvPr id="12" name="Rectangle 11">
             <a:extLst>
               <a:ext uri="{FF2B5EF4-FFF2-40B4-BE49-F238E27FC236}">
-                <a16:creationId xmlns:a16="http://schemas.microsoft.com/office/drawing/2014/main" xmlns="" id="{9DC85E5D-8339-4A90-8911-6572A28FAB1B}"/>
+                <a16:creationId xmlns="" xmlns:a16="http://schemas.microsoft.com/office/drawing/2014/main" id="{9DC85E5D-8339-4A90-8911-6572A28FAB1B}"/>
               </a:ext>
             </a:extLst>
           </p:cNvPr>
@@ -37691,7 +39573,7 @@
           <p:cNvPr id="13" name="Picture 8" descr="C:\Users\HuyTran\Desktop\WPF project\Paul_Circle.png">
             <a:extLst>
               <a:ext uri="{FF2B5EF4-FFF2-40B4-BE49-F238E27FC236}">
-                <a16:creationId xmlns:a16="http://schemas.microsoft.com/office/drawing/2014/main" xmlns="" id="{7709B346-3CF0-4506-B6E0-39CD18074E81}"/>
+                <a16:creationId xmlns="" xmlns:a16="http://schemas.microsoft.com/office/drawing/2014/main" id="{7709B346-3CF0-4506-B6E0-39CD18074E81}"/>
               </a:ext>
             </a:extLst>
           </p:cNvPr>
@@ -37738,7 +39620,7 @@
           <p:cNvPr id="14" name="TextBox 13">
             <a:extLst>
               <a:ext uri="{FF2B5EF4-FFF2-40B4-BE49-F238E27FC236}">
-                <a16:creationId xmlns:a16="http://schemas.microsoft.com/office/drawing/2014/main" xmlns="" id="{88CA780A-86AF-4CC5-93C8-9AA542968897}"/>
+                <a16:creationId xmlns="" xmlns:a16="http://schemas.microsoft.com/office/drawing/2014/main" id="{88CA780A-86AF-4CC5-93C8-9AA542968897}"/>
               </a:ext>
             </a:extLst>
           </p:cNvPr>
@@ -37790,7 +39672,7 @@
           <p:cNvPr id="16" name="TextBox 15">
             <a:extLst>
               <a:ext uri="{FF2B5EF4-FFF2-40B4-BE49-F238E27FC236}">
-                <a16:creationId xmlns:a16="http://schemas.microsoft.com/office/drawing/2014/main" xmlns="" id="{5AD7D250-00C2-41C7-AF99-CE4054EFC6EB}"/>
+                <a16:creationId xmlns="" xmlns:a16="http://schemas.microsoft.com/office/drawing/2014/main" id="{5AD7D250-00C2-41C7-AF99-CE4054EFC6EB}"/>
               </a:ext>
             </a:extLst>
           </p:cNvPr>
@@ -37857,7 +39739,7 @@
           <p:cNvPr id="17" name="TextBox 16">
             <a:extLst>
               <a:ext uri="{FF2B5EF4-FFF2-40B4-BE49-F238E27FC236}">
-                <a16:creationId xmlns:a16="http://schemas.microsoft.com/office/drawing/2014/main" xmlns="" id="{E74F7379-B503-4B35-946D-61820AE3A953}"/>
+                <a16:creationId xmlns="" xmlns:a16="http://schemas.microsoft.com/office/drawing/2014/main" id="{E74F7379-B503-4B35-946D-61820AE3A953}"/>
               </a:ext>
             </a:extLst>
           </p:cNvPr>
@@ -37912,7 +39794,7 @@
           <p:cNvPr id="18" name="TextBox 17">
             <a:extLst>
               <a:ext uri="{FF2B5EF4-FFF2-40B4-BE49-F238E27FC236}">
-                <a16:creationId xmlns:a16="http://schemas.microsoft.com/office/drawing/2014/main" xmlns="" id="{DDEA07C1-E0BC-44D5-97BC-55487ACFA934}"/>
+                <a16:creationId xmlns="" xmlns:a16="http://schemas.microsoft.com/office/drawing/2014/main" id="{DDEA07C1-E0BC-44D5-97BC-55487ACFA934}"/>
               </a:ext>
             </a:extLst>
           </p:cNvPr>
@@ -37967,7 +39849,7 @@
           <p:cNvPr id="20" name="TextBox 19">
             <a:extLst>
               <a:ext uri="{FF2B5EF4-FFF2-40B4-BE49-F238E27FC236}">
-                <a16:creationId xmlns:a16="http://schemas.microsoft.com/office/drawing/2014/main" xmlns="" id="{6DD24C2E-7386-42E5-86E8-6DEC9280B005}"/>
+                <a16:creationId xmlns="" xmlns:a16="http://schemas.microsoft.com/office/drawing/2014/main" id="{6DD24C2E-7386-42E5-86E8-6DEC9280B005}"/>
               </a:ext>
             </a:extLst>
           </p:cNvPr>
@@ -38022,7 +39904,7 @@
           <p:cNvPr id="21" name="TextBox 20">
             <a:extLst>
               <a:ext uri="{FF2B5EF4-FFF2-40B4-BE49-F238E27FC236}">
-                <a16:creationId xmlns:a16="http://schemas.microsoft.com/office/drawing/2014/main" xmlns="" id="{81BFF984-C029-41E6-8538-470254464A09}"/>
+                <a16:creationId xmlns="" xmlns:a16="http://schemas.microsoft.com/office/drawing/2014/main" id="{81BFF984-C029-41E6-8538-470254464A09}"/>
               </a:ext>
             </a:extLst>
           </p:cNvPr>
@@ -38077,7 +39959,7 @@
           <p:cNvPr id="22" name="TextBox 21">
             <a:extLst>
               <a:ext uri="{FF2B5EF4-FFF2-40B4-BE49-F238E27FC236}">
-                <a16:creationId xmlns:a16="http://schemas.microsoft.com/office/drawing/2014/main" xmlns="" id="{E4BC4C1D-D2B2-4E6E-ACC9-7BAA02083053}"/>
+                <a16:creationId xmlns="" xmlns:a16="http://schemas.microsoft.com/office/drawing/2014/main" id="{E4BC4C1D-D2B2-4E6E-ACC9-7BAA02083053}"/>
               </a:ext>
             </a:extLst>
           </p:cNvPr>
@@ -38114,7 +39996,7 @@
           <p:cNvPr id="23" name="Rectangle 22">
             <a:extLst>
               <a:ext uri="{FF2B5EF4-FFF2-40B4-BE49-F238E27FC236}">
-                <a16:creationId xmlns:a16="http://schemas.microsoft.com/office/drawing/2014/main" xmlns="" id="{7E948C6D-3FFA-44C6-BD28-5EB2DEC69A26}"/>
+                <a16:creationId xmlns="" xmlns:a16="http://schemas.microsoft.com/office/drawing/2014/main" id="{7E948C6D-3FFA-44C6-BD28-5EB2DEC69A26}"/>
               </a:ext>
             </a:extLst>
           </p:cNvPr>
@@ -38160,7 +40042,7 @@
           <p:cNvPr id="29" name="Rectangle 28">
             <a:extLst>
               <a:ext uri="{FF2B5EF4-FFF2-40B4-BE49-F238E27FC236}">
-                <a16:creationId xmlns:a16="http://schemas.microsoft.com/office/drawing/2014/main" xmlns="" id="{14852D35-E350-44FF-922A-B2A645A7B618}"/>
+                <a16:creationId xmlns="" xmlns:a16="http://schemas.microsoft.com/office/drawing/2014/main" id="{14852D35-E350-44FF-922A-B2A645A7B618}"/>
               </a:ext>
             </a:extLst>
           </p:cNvPr>
@@ -38206,7 +40088,7 @@
           <p:cNvPr id="32" name="Rectangle 31">
             <a:extLst>
               <a:ext uri="{FF2B5EF4-FFF2-40B4-BE49-F238E27FC236}">
-                <a16:creationId xmlns:a16="http://schemas.microsoft.com/office/drawing/2014/main" xmlns="" id="{E0599030-51CE-4BBD-A746-8BAC4D3A4E33}"/>
+                <a16:creationId xmlns="" xmlns:a16="http://schemas.microsoft.com/office/drawing/2014/main" id="{E0599030-51CE-4BBD-A746-8BAC4D3A4E33}"/>
               </a:ext>
             </a:extLst>
           </p:cNvPr>
@@ -38252,7 +40134,7 @@
           <p:cNvPr id="33" name="Rectangle 32">
             <a:extLst>
               <a:ext uri="{FF2B5EF4-FFF2-40B4-BE49-F238E27FC236}">
-                <a16:creationId xmlns:a16="http://schemas.microsoft.com/office/drawing/2014/main" xmlns="" id="{5781F7A4-1267-400B-9E6F-A534D33BCF42}"/>
+                <a16:creationId xmlns="" xmlns:a16="http://schemas.microsoft.com/office/drawing/2014/main" id="{5781F7A4-1267-400B-9E6F-A534D33BCF42}"/>
               </a:ext>
             </a:extLst>
           </p:cNvPr>
@@ -38298,7 +40180,7 @@
           <p:cNvPr id="35" name="TextBox 34">
             <a:extLst>
               <a:ext uri="{FF2B5EF4-FFF2-40B4-BE49-F238E27FC236}">
-                <a16:creationId xmlns:a16="http://schemas.microsoft.com/office/drawing/2014/main" xmlns="" id="{01F2CDC5-6D31-4B0F-894C-782A34F2BAC9}"/>
+                <a16:creationId xmlns="" xmlns:a16="http://schemas.microsoft.com/office/drawing/2014/main" id="{01F2CDC5-6D31-4B0F-894C-782A34F2BAC9}"/>
               </a:ext>
             </a:extLst>
           </p:cNvPr>
@@ -38456,7 +40338,7 @@
           <p:cNvPr id="36" name="TextBox 35">
             <a:extLst>
               <a:ext uri="{FF2B5EF4-FFF2-40B4-BE49-F238E27FC236}">
-                <a16:creationId xmlns:a16="http://schemas.microsoft.com/office/drawing/2014/main" xmlns="" id="{6A974F09-0E60-4E8E-ACFA-E52D217F0771}"/>
+                <a16:creationId xmlns="" xmlns:a16="http://schemas.microsoft.com/office/drawing/2014/main" id="{6A974F09-0E60-4E8E-ACFA-E52D217F0771}"/>
               </a:ext>
             </a:extLst>
           </p:cNvPr>
@@ -38523,7 +40405,7 @@
           <p:cNvPr id="37" name="TextBox 36">
             <a:extLst>
               <a:ext uri="{FF2B5EF4-FFF2-40B4-BE49-F238E27FC236}">
-                <a16:creationId xmlns:a16="http://schemas.microsoft.com/office/drawing/2014/main" xmlns="" id="{A881AD65-3987-4583-8508-74D37D6CED05}"/>
+                <a16:creationId xmlns="" xmlns:a16="http://schemas.microsoft.com/office/drawing/2014/main" id="{A881AD65-3987-4583-8508-74D37D6CED05}"/>
               </a:ext>
             </a:extLst>
           </p:cNvPr>
@@ -38602,7 +40484,7 @@
           <p:cNvPr id="38" name="Rectangle 37">
             <a:extLst>
               <a:ext uri="{FF2B5EF4-FFF2-40B4-BE49-F238E27FC236}">
-                <a16:creationId xmlns:a16="http://schemas.microsoft.com/office/drawing/2014/main" xmlns="" id="{5846A0D7-9A53-434E-B1CC-6C1383C33E2F}"/>
+                <a16:creationId xmlns="" xmlns:a16="http://schemas.microsoft.com/office/drawing/2014/main" id="{5846A0D7-9A53-434E-B1CC-6C1383C33E2F}"/>
               </a:ext>
             </a:extLst>
           </p:cNvPr>
@@ -38648,7 +40530,7 @@
           <p:cNvPr id="39" name="Rectangle 38">
             <a:extLst>
               <a:ext uri="{FF2B5EF4-FFF2-40B4-BE49-F238E27FC236}">
-                <a16:creationId xmlns:a16="http://schemas.microsoft.com/office/drawing/2014/main" xmlns="" id="{CCECDDF0-BF0A-47B0-81E6-96F334E7E193}"/>
+                <a16:creationId xmlns="" xmlns:a16="http://schemas.microsoft.com/office/drawing/2014/main" id="{CCECDDF0-BF0A-47B0-81E6-96F334E7E193}"/>
               </a:ext>
             </a:extLst>
           </p:cNvPr>
@@ -38694,7 +40576,7 @@
           <p:cNvPr id="41" name="Rectangle 40">
             <a:extLst>
               <a:ext uri="{FF2B5EF4-FFF2-40B4-BE49-F238E27FC236}">
-                <a16:creationId xmlns:a16="http://schemas.microsoft.com/office/drawing/2014/main" xmlns="" id="{E81BDFDF-A2C2-47AD-8D90-A0FE79376AA6}"/>
+                <a16:creationId xmlns="" xmlns:a16="http://schemas.microsoft.com/office/drawing/2014/main" id="{E81BDFDF-A2C2-47AD-8D90-A0FE79376AA6}"/>
               </a:ext>
             </a:extLst>
           </p:cNvPr>
@@ -38754,7 +40636,7 @@
           <p:cNvPr id="42" name="Rectangle 41">
             <a:extLst>
               <a:ext uri="{FF2B5EF4-FFF2-40B4-BE49-F238E27FC236}">
-                <a16:creationId xmlns:a16="http://schemas.microsoft.com/office/drawing/2014/main" xmlns="" id="{353BFA1C-32B8-4D02-82DD-D04AE5441E95}"/>
+                <a16:creationId xmlns="" xmlns:a16="http://schemas.microsoft.com/office/drawing/2014/main" id="{353BFA1C-32B8-4D02-82DD-D04AE5441E95}"/>
               </a:ext>
             </a:extLst>
           </p:cNvPr>
@@ -38828,7 +40710,7 @@
           <p:cNvPr id="43" name="TextBox 42">
             <a:extLst>
               <a:ext uri="{FF2B5EF4-FFF2-40B4-BE49-F238E27FC236}">
-                <a16:creationId xmlns:a16="http://schemas.microsoft.com/office/drawing/2014/main" xmlns="" id="{F43B97D8-23B6-4B2F-AE82-8C0B2E7C3495}"/>
+                <a16:creationId xmlns="" xmlns:a16="http://schemas.microsoft.com/office/drawing/2014/main" id="{F43B97D8-23B6-4B2F-AE82-8C0B2E7C3495}"/>
               </a:ext>
             </a:extLst>
           </p:cNvPr>
@@ -38928,7 +40810,7 @@
           <p:cNvPr id="44" name="Picture 11" descr="C:\Users\HuyTran\Desktop\WPF project\personal_info.png">
             <a:extLst>
               <a:ext uri="{FF2B5EF4-FFF2-40B4-BE49-F238E27FC236}">
-                <a16:creationId xmlns:a16="http://schemas.microsoft.com/office/drawing/2014/main" xmlns="" id="{EECA5767-0FD1-45DB-9D6E-56D6067F6EB1}"/>
+                <a16:creationId xmlns="" xmlns:a16="http://schemas.microsoft.com/office/drawing/2014/main" id="{EECA5767-0FD1-45DB-9D6E-56D6067F6EB1}"/>
               </a:ext>
             </a:extLst>
           </p:cNvPr>
@@ -38980,11 +40862,11 @@
   <p:clrMapOvr>
     <a:masterClrMapping/>
   </p:clrMapOvr>
-  <mc:AlternateContent xmlns:mc="http://schemas.openxmlformats.org/markup-compatibility/2006">
-    <mc:Choice xmlns:p14="http://schemas.microsoft.com/office/powerpoint/2010/main" Requires="p14">
+  <mc:AlternateContent xmlns:mc="http://schemas.openxmlformats.org/markup-compatibility/2006" xmlns:p14="http://schemas.microsoft.com/office/powerpoint/2010/main">
+    <mc:Choice Requires="p14">
       <p:transition spd="slow" p14:dur="2000"/>
     </mc:Choice>
-    <mc:Fallback>
+    <mc:Fallback xmlns="">
       <p:transition spd="slow"/>
     </mc:Fallback>
   </mc:AlternateContent>
@@ -42268,11 +44150,11 @@
   <p:clrMapOvr>
     <a:masterClrMapping/>
   </p:clrMapOvr>
-  <mc:AlternateContent xmlns:mc="http://schemas.openxmlformats.org/markup-compatibility/2006">
-    <mc:Choice xmlns:p14="http://schemas.microsoft.com/office/powerpoint/2010/main" Requires="p14">
+  <mc:AlternateContent xmlns:mc="http://schemas.openxmlformats.org/markup-compatibility/2006" xmlns:p14="http://schemas.microsoft.com/office/powerpoint/2010/main">
+    <mc:Choice Requires="p14">
       <p:transition spd="slow" p14:dur="2000"/>
     </mc:Choice>
-    <mc:Fallback>
+    <mc:Fallback xmlns="">
       <p:transition spd="slow"/>
     </mc:Fallback>
   </mc:AlternateContent>
@@ -42308,7 +44190,7 @@
           <p:cNvPr id="6" name="TextBox 5">
             <a:extLst>
               <a:ext uri="{FF2B5EF4-FFF2-40B4-BE49-F238E27FC236}">
-                <a16:creationId xmlns:a16="http://schemas.microsoft.com/office/drawing/2014/main" xmlns="" id="{CD2A8DE0-B0E7-40FB-9538-60D54401A4F8}"/>
+                <a16:creationId xmlns="" xmlns:a16="http://schemas.microsoft.com/office/drawing/2014/main" id="{CD2A8DE0-B0E7-40FB-9538-60D54401A4F8}"/>
               </a:ext>
             </a:extLst>
           </p:cNvPr>
@@ -42459,7 +44341,7 @@
           <p:cNvPr id="11" name="Picture 10">
             <a:extLst>
               <a:ext uri="{FF2B5EF4-FFF2-40B4-BE49-F238E27FC236}">
-                <a16:creationId xmlns:a16="http://schemas.microsoft.com/office/drawing/2014/main" xmlns="" id="{F6164AE6-B86F-4668-B82E-2CCF243694C5}"/>
+                <a16:creationId xmlns="" xmlns:a16="http://schemas.microsoft.com/office/drawing/2014/main" id="{F6164AE6-B86F-4668-B82E-2CCF243694C5}"/>
               </a:ext>
             </a:extLst>
           </p:cNvPr>
@@ -42489,7 +44371,7 @@
           <p:cNvPr id="41" name="Rectangle 40">
             <a:extLst>
               <a:ext uri="{FF2B5EF4-FFF2-40B4-BE49-F238E27FC236}">
-                <a16:creationId xmlns:a16="http://schemas.microsoft.com/office/drawing/2014/main" xmlns="" id="{E81BDFDF-A2C2-47AD-8D90-A0FE79376AA6}"/>
+                <a16:creationId xmlns="" xmlns:a16="http://schemas.microsoft.com/office/drawing/2014/main" id="{E81BDFDF-A2C2-47AD-8D90-A0FE79376AA6}"/>
               </a:ext>
             </a:extLst>
           </p:cNvPr>
@@ -42567,7 +44449,7 @@
           <p:cNvPr id="43" name="TextBox 42">
             <a:extLst>
               <a:ext uri="{FF2B5EF4-FFF2-40B4-BE49-F238E27FC236}">
-                <a16:creationId xmlns:a16="http://schemas.microsoft.com/office/drawing/2014/main" xmlns="" id="{F43B97D8-23B6-4B2F-AE82-8C0B2E7C3495}"/>
+                <a16:creationId xmlns="" xmlns:a16="http://schemas.microsoft.com/office/drawing/2014/main" id="{F43B97D8-23B6-4B2F-AE82-8C0B2E7C3495}"/>
               </a:ext>
             </a:extLst>
           </p:cNvPr>
@@ -42691,7 +44573,7 @@
           <p:cNvPr id="28" name="Picture 12" descr="C:\Users\HuyTran\Desktop\WPF project\emplyee.png">
             <a:extLst>
               <a:ext uri="{FF2B5EF4-FFF2-40B4-BE49-F238E27FC236}">
-                <a16:creationId xmlns:a16="http://schemas.microsoft.com/office/drawing/2014/main" xmlns="" id="{E32E6BA6-2B0A-46A0-B770-0E9B9AB540EE}"/>
+                <a16:creationId xmlns="" xmlns:a16="http://schemas.microsoft.com/office/drawing/2014/main" id="{E32E6BA6-2B0A-46A0-B770-0E9B9AB540EE}"/>
               </a:ext>
             </a:extLst>
           </p:cNvPr>
@@ -42738,7 +44620,7 @@
           <p:cNvPr id="3" name="Table 3">
             <a:extLst>
               <a:ext uri="{FF2B5EF4-FFF2-40B4-BE49-F238E27FC236}">
-                <a16:creationId xmlns:a16="http://schemas.microsoft.com/office/drawing/2014/main" xmlns="" id="{9B423CCB-E8FB-4CDB-A31C-9E89725D6698}"/>
+                <a16:creationId xmlns="" xmlns:a16="http://schemas.microsoft.com/office/drawing/2014/main" id="{9B423CCB-E8FB-4CDB-A31C-9E89725D6698}"/>
               </a:ext>
             </a:extLst>
           </p:cNvPr>
@@ -42767,42 +44649,42 @@
                 <a:gridCol w="1409816">
                   <a:extLst>
                     <a:ext uri="{9D8B030D-6E8A-4147-A177-3AD203B41FA5}">
-                      <a16:colId xmlns:a16="http://schemas.microsoft.com/office/drawing/2014/main" xmlns="" val="3679797539"/>
+                      <a16:colId xmlns="" xmlns:a16="http://schemas.microsoft.com/office/drawing/2014/main" val="3679797539"/>
                     </a:ext>
                   </a:extLst>
                 </a:gridCol>
                 <a:gridCol w="1409816">
                   <a:extLst>
                     <a:ext uri="{9D8B030D-6E8A-4147-A177-3AD203B41FA5}">
-                      <a16:colId xmlns:a16="http://schemas.microsoft.com/office/drawing/2014/main" xmlns="" val="4188008786"/>
+                      <a16:colId xmlns="" xmlns:a16="http://schemas.microsoft.com/office/drawing/2014/main" val="4188008786"/>
                     </a:ext>
                   </a:extLst>
                 </a:gridCol>
                 <a:gridCol w="1409816">
                   <a:extLst>
                     <a:ext uri="{9D8B030D-6E8A-4147-A177-3AD203B41FA5}">
-                      <a16:colId xmlns:a16="http://schemas.microsoft.com/office/drawing/2014/main" xmlns="" val="3214238948"/>
+                      <a16:colId xmlns="" xmlns:a16="http://schemas.microsoft.com/office/drawing/2014/main" val="3214238948"/>
                     </a:ext>
                   </a:extLst>
                 </a:gridCol>
                 <a:gridCol w="1409816">
                   <a:extLst>
                     <a:ext uri="{9D8B030D-6E8A-4147-A177-3AD203B41FA5}">
-                      <a16:colId xmlns:a16="http://schemas.microsoft.com/office/drawing/2014/main" xmlns="" val="1291486487"/>
+                      <a16:colId xmlns="" xmlns:a16="http://schemas.microsoft.com/office/drawing/2014/main" val="1291486487"/>
                     </a:ext>
                   </a:extLst>
                 </a:gridCol>
                 <a:gridCol w="1409816">
                   <a:extLst>
                     <a:ext uri="{9D8B030D-6E8A-4147-A177-3AD203B41FA5}">
-                      <a16:colId xmlns:a16="http://schemas.microsoft.com/office/drawing/2014/main" xmlns="" val="4284112643"/>
+                      <a16:colId xmlns="" xmlns:a16="http://schemas.microsoft.com/office/drawing/2014/main" val="4284112643"/>
                     </a:ext>
                   </a:extLst>
                 </a:gridCol>
                 <a:gridCol w="1409816">
                   <a:extLst>
                     <a:ext uri="{9D8B030D-6E8A-4147-A177-3AD203B41FA5}">
-                      <a16:colId xmlns:a16="http://schemas.microsoft.com/office/drawing/2014/main" xmlns="" val="3117914522"/>
+                      <a16:colId xmlns="" xmlns:a16="http://schemas.microsoft.com/office/drawing/2014/main" val="3117914522"/>
                     </a:ext>
                   </a:extLst>
                 </a:gridCol>
@@ -42976,7 +44858,7 @@
                 </a:tc>
                 <a:extLst>
                   <a:ext uri="{0D108BD9-81ED-4DB2-BD59-A6C34878D82A}">
-                    <a16:rowId xmlns:a16="http://schemas.microsoft.com/office/drawing/2014/main" xmlns="" val="652390980"/>
+                    <a16:rowId xmlns="" xmlns:a16="http://schemas.microsoft.com/office/drawing/2014/main" val="652390980"/>
                   </a:ext>
                 </a:extLst>
               </a:tr>
@@ -43132,7 +45014,7 @@
                 </a:tc>
                 <a:extLst>
                   <a:ext uri="{0D108BD9-81ED-4DB2-BD59-A6C34878D82A}">
-                    <a16:rowId xmlns:a16="http://schemas.microsoft.com/office/drawing/2014/main" xmlns="" val="730336656"/>
+                    <a16:rowId xmlns="" xmlns:a16="http://schemas.microsoft.com/office/drawing/2014/main" val="730336656"/>
                   </a:ext>
                 </a:extLst>
               </a:tr>
@@ -43310,7 +45192,7 @@
                 </a:tc>
                 <a:extLst>
                   <a:ext uri="{0D108BD9-81ED-4DB2-BD59-A6C34878D82A}">
-                    <a16:rowId xmlns:a16="http://schemas.microsoft.com/office/drawing/2014/main" xmlns="" val="2897143220"/>
+                    <a16:rowId xmlns="" xmlns:a16="http://schemas.microsoft.com/office/drawing/2014/main" val="2897143220"/>
                   </a:ext>
                 </a:extLst>
               </a:tr>
@@ -43323,7 +45205,7 @@
           <p:cNvPr id="13" name="Picture 8" descr="C:\Users\HuyTran\Desktop\WPF project\Paul_Circle.png">
             <a:extLst>
               <a:ext uri="{FF2B5EF4-FFF2-40B4-BE49-F238E27FC236}">
-                <a16:creationId xmlns:a16="http://schemas.microsoft.com/office/drawing/2014/main" xmlns="" id="{7709B346-3CF0-4506-B6E0-39CD18074E81}"/>
+                <a16:creationId xmlns="" xmlns:a16="http://schemas.microsoft.com/office/drawing/2014/main" id="{7709B346-3CF0-4506-B6E0-39CD18074E81}"/>
               </a:ext>
             </a:extLst>
           </p:cNvPr>
@@ -43370,7 +45252,7 @@
           <p:cNvPr id="31" name="Picture 8" descr="C:\Users\HuyTran\Desktop\WPF project\Paul_Circle.png">
             <a:extLst>
               <a:ext uri="{FF2B5EF4-FFF2-40B4-BE49-F238E27FC236}">
-                <a16:creationId xmlns:a16="http://schemas.microsoft.com/office/drawing/2014/main" xmlns="" id="{9D463E07-0A4D-4B8D-850A-7D52CDDFB46C}"/>
+                <a16:creationId xmlns="" xmlns:a16="http://schemas.microsoft.com/office/drawing/2014/main" id="{9D463E07-0A4D-4B8D-850A-7D52CDDFB46C}"/>
               </a:ext>
             </a:extLst>
           </p:cNvPr>
@@ -43417,7 +45299,7 @@
           <p:cNvPr id="7" name="Picture 6">
             <a:extLst>
               <a:ext uri="{FF2B5EF4-FFF2-40B4-BE49-F238E27FC236}">
-                <a16:creationId xmlns:a16="http://schemas.microsoft.com/office/drawing/2014/main" xmlns="" id="{798CD5D1-9D70-45D6-834A-50850E654654}"/>
+                <a16:creationId xmlns="" xmlns:a16="http://schemas.microsoft.com/office/drawing/2014/main" id="{798CD5D1-9D70-45D6-834A-50850E654654}"/>
               </a:ext>
             </a:extLst>
           </p:cNvPr>
@@ -43452,7 +45334,7 @@
           <p:cNvPr id="9" name="Picture 8">
             <a:extLst>
               <a:ext uri="{FF2B5EF4-FFF2-40B4-BE49-F238E27FC236}">
-                <a16:creationId xmlns:a16="http://schemas.microsoft.com/office/drawing/2014/main" xmlns="" id="{EBB267E1-41AD-45A6-B6C2-FAA07AAB8FB6}"/>
+                <a16:creationId xmlns="" xmlns:a16="http://schemas.microsoft.com/office/drawing/2014/main" id="{EBB267E1-41AD-45A6-B6C2-FAA07AAB8FB6}"/>
               </a:ext>
             </a:extLst>
           </p:cNvPr>
@@ -43488,7 +45370,7 @@
           <p:cNvPr id="40" name="Picture 39">
             <a:extLst>
               <a:ext uri="{FF2B5EF4-FFF2-40B4-BE49-F238E27FC236}">
-                <a16:creationId xmlns:a16="http://schemas.microsoft.com/office/drawing/2014/main" xmlns="" id="{6B449C4B-3DC7-4901-B916-CCCF6A1D782C}"/>
+                <a16:creationId xmlns="" xmlns:a16="http://schemas.microsoft.com/office/drawing/2014/main" id="{6B449C4B-3DC7-4901-B916-CCCF6A1D782C}"/>
               </a:ext>
             </a:extLst>
           </p:cNvPr>
@@ -43523,7 +45405,7 @@
           <p:cNvPr id="45" name="Picture 44">
             <a:extLst>
               <a:ext uri="{FF2B5EF4-FFF2-40B4-BE49-F238E27FC236}">
-                <a16:creationId xmlns:a16="http://schemas.microsoft.com/office/drawing/2014/main" xmlns="" id="{570DBA95-004C-4BF8-B2E3-D3C29FBF55C4}"/>
+                <a16:creationId xmlns="" xmlns:a16="http://schemas.microsoft.com/office/drawing/2014/main" id="{570DBA95-004C-4BF8-B2E3-D3C29FBF55C4}"/>
               </a:ext>
             </a:extLst>
           </p:cNvPr>
@@ -43564,11 +45446,11 @@
   <p:clrMapOvr>
     <a:masterClrMapping/>
   </p:clrMapOvr>
-  <mc:AlternateContent xmlns:mc="http://schemas.openxmlformats.org/markup-compatibility/2006">
-    <mc:Choice xmlns:p14="http://schemas.microsoft.com/office/powerpoint/2010/main" Requires="p14">
+  <mc:AlternateContent xmlns:mc="http://schemas.openxmlformats.org/markup-compatibility/2006" xmlns:p14="http://schemas.microsoft.com/office/powerpoint/2010/main">
+    <mc:Choice Requires="p14">
       <p:transition spd="slow" p14:dur="2000"/>
     </mc:Choice>
-    <mc:Fallback>
+    <mc:Fallback xmlns="">
       <p:transition spd="slow"/>
     </mc:Fallback>
   </mc:AlternateContent>
@@ -43597,7 +45479,7 @@
           <p:cNvPr id="6" name="TextBox 5">
             <a:extLst>
               <a:ext uri="{FF2B5EF4-FFF2-40B4-BE49-F238E27FC236}">
-                <a16:creationId xmlns:a16="http://schemas.microsoft.com/office/drawing/2014/main" xmlns="" id="{CD2A8DE0-B0E7-40FB-9538-60D54401A4F8}"/>
+                <a16:creationId xmlns="" xmlns:a16="http://schemas.microsoft.com/office/drawing/2014/main" id="{CD2A8DE0-B0E7-40FB-9538-60D54401A4F8}"/>
               </a:ext>
             </a:extLst>
           </p:cNvPr>
@@ -43748,7 +45630,7 @@
           <p:cNvPr id="11" name="Picture 10">
             <a:extLst>
               <a:ext uri="{FF2B5EF4-FFF2-40B4-BE49-F238E27FC236}">
-                <a16:creationId xmlns:a16="http://schemas.microsoft.com/office/drawing/2014/main" xmlns="" id="{F6164AE6-B86F-4668-B82E-2CCF243694C5}"/>
+                <a16:creationId xmlns="" xmlns:a16="http://schemas.microsoft.com/office/drawing/2014/main" id="{F6164AE6-B86F-4668-B82E-2CCF243694C5}"/>
               </a:ext>
             </a:extLst>
           </p:cNvPr>
@@ -43778,7 +45660,7 @@
           <p:cNvPr id="12" name="Rectangle 11">
             <a:extLst>
               <a:ext uri="{FF2B5EF4-FFF2-40B4-BE49-F238E27FC236}">
-                <a16:creationId xmlns:a16="http://schemas.microsoft.com/office/drawing/2014/main" xmlns="" id="{9DC85E5D-8339-4A90-8911-6572A28FAB1B}"/>
+                <a16:creationId xmlns="" xmlns:a16="http://schemas.microsoft.com/office/drawing/2014/main" id="{9DC85E5D-8339-4A90-8911-6572A28FAB1B}"/>
               </a:ext>
             </a:extLst>
           </p:cNvPr>
@@ -43832,7 +45714,7 @@
           <p:cNvPr id="13" name="Picture 8" descr="C:\Users\HuyTran\Desktop\WPF project\Paul_Circle.png">
             <a:extLst>
               <a:ext uri="{FF2B5EF4-FFF2-40B4-BE49-F238E27FC236}">
-                <a16:creationId xmlns:a16="http://schemas.microsoft.com/office/drawing/2014/main" xmlns="" id="{7709B346-3CF0-4506-B6E0-39CD18074E81}"/>
+                <a16:creationId xmlns="" xmlns:a16="http://schemas.microsoft.com/office/drawing/2014/main" id="{7709B346-3CF0-4506-B6E0-39CD18074E81}"/>
               </a:ext>
             </a:extLst>
           </p:cNvPr>
@@ -43879,7 +45761,7 @@
           <p:cNvPr id="14" name="TextBox 13">
             <a:extLst>
               <a:ext uri="{FF2B5EF4-FFF2-40B4-BE49-F238E27FC236}">
-                <a16:creationId xmlns:a16="http://schemas.microsoft.com/office/drawing/2014/main" xmlns="" id="{88CA780A-86AF-4CC5-93C8-9AA542968897}"/>
+                <a16:creationId xmlns="" xmlns:a16="http://schemas.microsoft.com/office/drawing/2014/main" id="{88CA780A-86AF-4CC5-93C8-9AA542968897}"/>
               </a:ext>
             </a:extLst>
           </p:cNvPr>
@@ -43931,7 +45813,7 @@
           <p:cNvPr id="16" name="TextBox 15">
             <a:extLst>
               <a:ext uri="{FF2B5EF4-FFF2-40B4-BE49-F238E27FC236}">
-                <a16:creationId xmlns:a16="http://schemas.microsoft.com/office/drawing/2014/main" xmlns="" id="{5AD7D250-00C2-41C7-AF99-CE4054EFC6EB}"/>
+                <a16:creationId xmlns="" xmlns:a16="http://schemas.microsoft.com/office/drawing/2014/main" id="{5AD7D250-00C2-41C7-AF99-CE4054EFC6EB}"/>
               </a:ext>
             </a:extLst>
           </p:cNvPr>
@@ -43998,7 +45880,7 @@
           <p:cNvPr id="17" name="TextBox 16">
             <a:extLst>
               <a:ext uri="{FF2B5EF4-FFF2-40B4-BE49-F238E27FC236}">
-                <a16:creationId xmlns:a16="http://schemas.microsoft.com/office/drawing/2014/main" xmlns="" id="{E74F7379-B503-4B35-946D-61820AE3A953}"/>
+                <a16:creationId xmlns="" xmlns:a16="http://schemas.microsoft.com/office/drawing/2014/main" id="{E74F7379-B503-4B35-946D-61820AE3A953}"/>
               </a:ext>
             </a:extLst>
           </p:cNvPr>
@@ -44053,7 +45935,7 @@
           <p:cNvPr id="28" name="TextBox 27">
             <a:extLst>
               <a:ext uri="{FF2B5EF4-FFF2-40B4-BE49-F238E27FC236}">
-                <a16:creationId xmlns:a16="http://schemas.microsoft.com/office/drawing/2014/main" xmlns="" id="{8F345D2C-1E4C-4A1A-8D6E-410B30EE87E6}"/>
+                <a16:creationId xmlns="" xmlns:a16="http://schemas.microsoft.com/office/drawing/2014/main" id="{8F345D2C-1E4C-4A1A-8D6E-410B30EE87E6}"/>
               </a:ext>
             </a:extLst>
           </p:cNvPr>
@@ -44177,7 +46059,7 @@
           <p:cNvPr id="30" name="Picture 12" descr="C:\Users\HuyTran\Desktop\WPF project\emplyee.png">
             <a:extLst>
               <a:ext uri="{FF2B5EF4-FFF2-40B4-BE49-F238E27FC236}">
-                <a16:creationId xmlns:a16="http://schemas.microsoft.com/office/drawing/2014/main" xmlns="" id="{3CC5700F-22E8-4347-B889-B0C8F022B27B}"/>
+                <a16:creationId xmlns="" xmlns:a16="http://schemas.microsoft.com/office/drawing/2014/main" id="{3CC5700F-22E8-4347-B889-B0C8F022B27B}"/>
               </a:ext>
             </a:extLst>
           </p:cNvPr>
@@ -44224,7 +46106,7 @@
           <p:cNvPr id="31" name="TextBox 30">
             <a:extLst>
               <a:ext uri="{FF2B5EF4-FFF2-40B4-BE49-F238E27FC236}">
-                <a16:creationId xmlns:a16="http://schemas.microsoft.com/office/drawing/2014/main" xmlns="" id="{5966DF16-C2DB-4C52-B444-530F784F1688}"/>
+                <a16:creationId xmlns="" xmlns:a16="http://schemas.microsoft.com/office/drawing/2014/main" id="{5966DF16-C2DB-4C52-B444-530F784F1688}"/>
               </a:ext>
             </a:extLst>
           </p:cNvPr>
@@ -44279,7 +46161,7 @@
           <p:cNvPr id="40" name="TextBox 39">
             <a:extLst>
               <a:ext uri="{FF2B5EF4-FFF2-40B4-BE49-F238E27FC236}">
-                <a16:creationId xmlns:a16="http://schemas.microsoft.com/office/drawing/2014/main" xmlns="" id="{BDEA9192-45FB-471A-8F44-C1E1216F91C9}"/>
+                <a16:creationId xmlns="" xmlns:a16="http://schemas.microsoft.com/office/drawing/2014/main" id="{BDEA9192-45FB-471A-8F44-C1E1216F91C9}"/>
               </a:ext>
             </a:extLst>
           </p:cNvPr>
@@ -44334,7 +46216,7 @@
           <p:cNvPr id="45" name="TextBox 44">
             <a:extLst>
               <a:ext uri="{FF2B5EF4-FFF2-40B4-BE49-F238E27FC236}">
-                <a16:creationId xmlns:a16="http://schemas.microsoft.com/office/drawing/2014/main" xmlns="" id="{8BFFB88C-E681-4ACD-BFA4-056A082BD285}"/>
+                <a16:creationId xmlns="" xmlns:a16="http://schemas.microsoft.com/office/drawing/2014/main" id="{8BFFB88C-E681-4ACD-BFA4-056A082BD285}"/>
               </a:ext>
             </a:extLst>
           </p:cNvPr>
@@ -44389,7 +46271,7 @@
           <p:cNvPr id="46" name="TextBox 45">
             <a:extLst>
               <a:ext uri="{FF2B5EF4-FFF2-40B4-BE49-F238E27FC236}">
-                <a16:creationId xmlns:a16="http://schemas.microsoft.com/office/drawing/2014/main" xmlns="" id="{E812D2A8-F0C3-43C6-9E94-27A5CC75E4F6}"/>
+                <a16:creationId xmlns="" xmlns:a16="http://schemas.microsoft.com/office/drawing/2014/main" id="{E812D2A8-F0C3-43C6-9E94-27A5CC75E4F6}"/>
               </a:ext>
             </a:extLst>
           </p:cNvPr>
@@ -44426,7 +46308,7 @@
           <p:cNvPr id="47" name="Rectangle 46">
             <a:extLst>
               <a:ext uri="{FF2B5EF4-FFF2-40B4-BE49-F238E27FC236}">
-                <a16:creationId xmlns:a16="http://schemas.microsoft.com/office/drawing/2014/main" xmlns="" id="{3996E642-D4A2-4D79-A742-5550448C1FDF}"/>
+                <a16:creationId xmlns="" xmlns:a16="http://schemas.microsoft.com/office/drawing/2014/main" id="{3996E642-D4A2-4D79-A742-5550448C1FDF}"/>
               </a:ext>
             </a:extLst>
           </p:cNvPr>
@@ -44472,7 +46354,7 @@
           <p:cNvPr id="49" name="Rectangle 48">
             <a:extLst>
               <a:ext uri="{FF2B5EF4-FFF2-40B4-BE49-F238E27FC236}">
-                <a16:creationId xmlns:a16="http://schemas.microsoft.com/office/drawing/2014/main" xmlns="" id="{392D3F3E-82EC-46EE-B892-F49588178DD3}"/>
+                <a16:creationId xmlns="" xmlns:a16="http://schemas.microsoft.com/office/drawing/2014/main" id="{392D3F3E-82EC-46EE-B892-F49588178DD3}"/>
               </a:ext>
             </a:extLst>
           </p:cNvPr>
@@ -44518,7 +46400,7 @@
           <p:cNvPr id="50" name="Rectangle 49">
             <a:extLst>
               <a:ext uri="{FF2B5EF4-FFF2-40B4-BE49-F238E27FC236}">
-                <a16:creationId xmlns:a16="http://schemas.microsoft.com/office/drawing/2014/main" xmlns="" id="{B42D5ACD-C5C6-48D1-BF6C-B2C1BCD7410F}"/>
+                <a16:creationId xmlns="" xmlns:a16="http://schemas.microsoft.com/office/drawing/2014/main" id="{B42D5ACD-C5C6-48D1-BF6C-B2C1BCD7410F}"/>
               </a:ext>
             </a:extLst>
           </p:cNvPr>
@@ -44564,7 +46446,7 @@
           <p:cNvPr id="51" name="Rectangle 50">
             <a:extLst>
               <a:ext uri="{FF2B5EF4-FFF2-40B4-BE49-F238E27FC236}">
-                <a16:creationId xmlns:a16="http://schemas.microsoft.com/office/drawing/2014/main" xmlns="" id="{E1405096-503D-49E1-9204-0034C948B4D5}"/>
+                <a16:creationId xmlns="" xmlns:a16="http://schemas.microsoft.com/office/drawing/2014/main" id="{E1405096-503D-49E1-9204-0034C948B4D5}"/>
               </a:ext>
             </a:extLst>
           </p:cNvPr>
@@ -44610,7 +46492,7 @@
           <p:cNvPr id="53" name="TextBox 52">
             <a:extLst>
               <a:ext uri="{FF2B5EF4-FFF2-40B4-BE49-F238E27FC236}">
-                <a16:creationId xmlns:a16="http://schemas.microsoft.com/office/drawing/2014/main" xmlns="" id="{FE0AE89D-4FA9-4115-8B78-5EC058441CB9}"/>
+                <a16:creationId xmlns="" xmlns:a16="http://schemas.microsoft.com/office/drawing/2014/main" id="{FE0AE89D-4FA9-4115-8B78-5EC058441CB9}"/>
               </a:ext>
             </a:extLst>
           </p:cNvPr>
@@ -44665,7 +46547,7 @@
           <p:cNvPr id="54" name="TextBox 53">
             <a:extLst>
               <a:ext uri="{FF2B5EF4-FFF2-40B4-BE49-F238E27FC236}">
-                <a16:creationId xmlns:a16="http://schemas.microsoft.com/office/drawing/2014/main" xmlns="" id="{E05C8096-46D4-4A7C-A2B8-9D79A1BCDC32}"/>
+                <a16:creationId xmlns="" xmlns:a16="http://schemas.microsoft.com/office/drawing/2014/main" id="{E05C8096-46D4-4A7C-A2B8-9D79A1BCDC32}"/>
               </a:ext>
             </a:extLst>
           </p:cNvPr>
@@ -44744,7 +46626,7 @@
           <p:cNvPr id="55" name="Rectangle 54">
             <a:extLst>
               <a:ext uri="{FF2B5EF4-FFF2-40B4-BE49-F238E27FC236}">
-                <a16:creationId xmlns:a16="http://schemas.microsoft.com/office/drawing/2014/main" xmlns="" id="{F69AF0D9-0AAE-4E50-8597-FDBE5BA3762C}"/>
+                <a16:creationId xmlns="" xmlns:a16="http://schemas.microsoft.com/office/drawing/2014/main" id="{F69AF0D9-0AAE-4E50-8597-FDBE5BA3762C}"/>
               </a:ext>
             </a:extLst>
           </p:cNvPr>
@@ -44790,7 +46672,7 @@
           <p:cNvPr id="56" name="Rectangle 55">
             <a:extLst>
               <a:ext uri="{FF2B5EF4-FFF2-40B4-BE49-F238E27FC236}">
-                <a16:creationId xmlns:a16="http://schemas.microsoft.com/office/drawing/2014/main" xmlns="" id="{D1AFC196-8286-44EA-B141-AB550462EA4C}"/>
+                <a16:creationId xmlns="" xmlns:a16="http://schemas.microsoft.com/office/drawing/2014/main" id="{D1AFC196-8286-44EA-B141-AB550462EA4C}"/>
               </a:ext>
             </a:extLst>
           </p:cNvPr>
@@ -44836,7 +46718,7 @@
           <p:cNvPr id="57" name="Rectangle 56">
             <a:extLst>
               <a:ext uri="{FF2B5EF4-FFF2-40B4-BE49-F238E27FC236}">
-                <a16:creationId xmlns:a16="http://schemas.microsoft.com/office/drawing/2014/main" xmlns="" id="{93F1A291-15A0-4EEE-A517-C4C056E66505}"/>
+                <a16:creationId xmlns="" xmlns:a16="http://schemas.microsoft.com/office/drawing/2014/main" id="{93F1A291-15A0-4EEE-A517-C4C056E66505}"/>
               </a:ext>
             </a:extLst>
           </p:cNvPr>
@@ -44896,7 +46778,7 @@
           <p:cNvPr id="58" name="Rectangle 57">
             <a:extLst>
               <a:ext uri="{FF2B5EF4-FFF2-40B4-BE49-F238E27FC236}">
-                <a16:creationId xmlns:a16="http://schemas.microsoft.com/office/drawing/2014/main" xmlns="" id="{C313D5D0-14D9-4013-A702-8F05786AB4A7}"/>
+                <a16:creationId xmlns="" xmlns:a16="http://schemas.microsoft.com/office/drawing/2014/main" id="{C313D5D0-14D9-4013-A702-8F05786AB4A7}"/>
               </a:ext>
             </a:extLst>
           </p:cNvPr>
@@ -44970,7 +46852,7 @@
           <p:cNvPr id="61" name="TextBox 60">
             <a:extLst>
               <a:ext uri="{FF2B5EF4-FFF2-40B4-BE49-F238E27FC236}">
-                <a16:creationId xmlns:a16="http://schemas.microsoft.com/office/drawing/2014/main" xmlns="" id="{BE490A08-29E0-4571-9E90-06F47C84DC9B}"/>
+                <a16:creationId xmlns="" xmlns:a16="http://schemas.microsoft.com/office/drawing/2014/main" id="{BE490A08-29E0-4571-9E90-06F47C84DC9B}"/>
               </a:ext>
             </a:extLst>
           </p:cNvPr>
@@ -45037,7 +46919,7 @@
           <p:cNvPr id="62" name="Rectangle 61">
             <a:extLst>
               <a:ext uri="{FF2B5EF4-FFF2-40B4-BE49-F238E27FC236}">
-                <a16:creationId xmlns:a16="http://schemas.microsoft.com/office/drawing/2014/main" xmlns="" id="{6E234CCF-F0D4-4828-A7E0-AD8DBE9D5157}"/>
+                <a16:creationId xmlns="" xmlns:a16="http://schemas.microsoft.com/office/drawing/2014/main" id="{6E234CCF-F0D4-4828-A7E0-AD8DBE9D5157}"/>
               </a:ext>
             </a:extLst>
           </p:cNvPr>
@@ -45083,7 +46965,7 @@
           <p:cNvPr id="63" name="TextBox 62">
             <a:extLst>
               <a:ext uri="{FF2B5EF4-FFF2-40B4-BE49-F238E27FC236}">
-                <a16:creationId xmlns:a16="http://schemas.microsoft.com/office/drawing/2014/main" xmlns="" id="{5C4E79A3-8CAA-468B-A296-FDF5DF35DB8E}"/>
+                <a16:creationId xmlns="" xmlns:a16="http://schemas.microsoft.com/office/drawing/2014/main" id="{5C4E79A3-8CAA-468B-A296-FDF5DF35DB8E}"/>
               </a:ext>
             </a:extLst>
           </p:cNvPr>
@@ -45138,7 +47020,7 @@
           <p:cNvPr id="64" name="Rectangle 63">
             <a:extLst>
               <a:ext uri="{FF2B5EF4-FFF2-40B4-BE49-F238E27FC236}">
-                <a16:creationId xmlns:a16="http://schemas.microsoft.com/office/drawing/2014/main" xmlns="" id="{0829BC16-F805-4F38-821A-1F207D5BC17B}"/>
+                <a16:creationId xmlns="" xmlns:a16="http://schemas.microsoft.com/office/drawing/2014/main" id="{0829BC16-F805-4F38-821A-1F207D5BC17B}"/>
               </a:ext>
             </a:extLst>
           </p:cNvPr>
@@ -45201,7 +47083,7 @@
           <p:cNvPr id="2" name="Isosceles Triangle 1">
             <a:extLst>
               <a:ext uri="{FF2B5EF4-FFF2-40B4-BE49-F238E27FC236}">
-                <a16:creationId xmlns:a16="http://schemas.microsoft.com/office/drawing/2014/main" xmlns="" id="{A803AD18-415E-4067-8241-BA7F4157E4B7}"/>
+                <a16:creationId xmlns="" xmlns:a16="http://schemas.microsoft.com/office/drawing/2014/main" id="{A803AD18-415E-4067-8241-BA7F4157E4B7}"/>
               </a:ext>
             </a:extLst>
           </p:cNvPr>
@@ -45262,11 +47144,11 @@
   <p:clrMapOvr>
     <a:masterClrMapping/>
   </p:clrMapOvr>
-  <mc:AlternateContent xmlns:mc="http://schemas.openxmlformats.org/markup-compatibility/2006">
-    <mc:Choice xmlns:p14="http://schemas.microsoft.com/office/powerpoint/2010/main" Requires="p14">
+  <mc:AlternateContent xmlns:mc="http://schemas.openxmlformats.org/markup-compatibility/2006" xmlns:p14="http://schemas.microsoft.com/office/powerpoint/2010/main">
+    <mc:Choice Requires="p14">
       <p:transition spd="slow" p14:dur="2000"/>
     </mc:Choice>
-    <mc:Fallback>
+    <mc:Fallback xmlns="">
       <p:transition spd="slow"/>
     </mc:Fallback>
   </mc:AlternateContent>
@@ -45295,7 +47177,7 @@
           <p:cNvPr id="6" name="TextBox 5">
             <a:extLst>
               <a:ext uri="{FF2B5EF4-FFF2-40B4-BE49-F238E27FC236}">
-                <a16:creationId xmlns:a16="http://schemas.microsoft.com/office/drawing/2014/main" xmlns="" id="{CD2A8DE0-B0E7-40FB-9538-60D54401A4F8}"/>
+                <a16:creationId xmlns="" xmlns:a16="http://schemas.microsoft.com/office/drawing/2014/main" id="{CD2A8DE0-B0E7-40FB-9538-60D54401A4F8}"/>
               </a:ext>
             </a:extLst>
           </p:cNvPr>
@@ -45458,7 +47340,7 @@
           <p:cNvPr id="11" name="Picture 10">
             <a:extLst>
               <a:ext uri="{FF2B5EF4-FFF2-40B4-BE49-F238E27FC236}">
-                <a16:creationId xmlns:a16="http://schemas.microsoft.com/office/drawing/2014/main" xmlns="" id="{F6164AE6-B86F-4668-B82E-2CCF243694C5}"/>
+                <a16:creationId xmlns="" xmlns:a16="http://schemas.microsoft.com/office/drawing/2014/main" id="{F6164AE6-B86F-4668-B82E-2CCF243694C5}"/>
               </a:ext>
             </a:extLst>
           </p:cNvPr>
@@ -45488,7 +47370,7 @@
           <p:cNvPr id="12" name="Rectangle 11">
             <a:extLst>
               <a:ext uri="{FF2B5EF4-FFF2-40B4-BE49-F238E27FC236}">
-                <a16:creationId xmlns:a16="http://schemas.microsoft.com/office/drawing/2014/main" xmlns="" id="{9DC85E5D-8339-4A90-8911-6572A28FAB1B}"/>
+                <a16:creationId xmlns="" xmlns:a16="http://schemas.microsoft.com/office/drawing/2014/main" id="{9DC85E5D-8339-4A90-8911-6572A28FAB1B}"/>
               </a:ext>
             </a:extLst>
           </p:cNvPr>
@@ -45542,7 +47424,7 @@
           <p:cNvPr id="13" name="Picture 8" descr="C:\Users\HuyTran\Desktop\WPF project\Paul_Circle.png">
             <a:extLst>
               <a:ext uri="{FF2B5EF4-FFF2-40B4-BE49-F238E27FC236}">
-                <a16:creationId xmlns:a16="http://schemas.microsoft.com/office/drawing/2014/main" xmlns="" id="{7709B346-3CF0-4506-B6E0-39CD18074E81}"/>
+                <a16:creationId xmlns="" xmlns:a16="http://schemas.microsoft.com/office/drawing/2014/main" id="{7709B346-3CF0-4506-B6E0-39CD18074E81}"/>
               </a:ext>
             </a:extLst>
           </p:cNvPr>
@@ -45589,7 +47471,7 @@
           <p:cNvPr id="14" name="TextBox 13">
             <a:extLst>
               <a:ext uri="{FF2B5EF4-FFF2-40B4-BE49-F238E27FC236}">
-                <a16:creationId xmlns:a16="http://schemas.microsoft.com/office/drawing/2014/main" xmlns="" id="{88CA780A-86AF-4CC5-93C8-9AA542968897}"/>
+                <a16:creationId xmlns="" xmlns:a16="http://schemas.microsoft.com/office/drawing/2014/main" id="{88CA780A-86AF-4CC5-93C8-9AA542968897}"/>
               </a:ext>
             </a:extLst>
           </p:cNvPr>
@@ -45641,7 +47523,7 @@
           <p:cNvPr id="16" name="TextBox 15">
             <a:extLst>
               <a:ext uri="{FF2B5EF4-FFF2-40B4-BE49-F238E27FC236}">
-                <a16:creationId xmlns:a16="http://schemas.microsoft.com/office/drawing/2014/main" xmlns="" id="{5AD7D250-00C2-41C7-AF99-CE4054EFC6EB}"/>
+                <a16:creationId xmlns="" xmlns:a16="http://schemas.microsoft.com/office/drawing/2014/main" id="{5AD7D250-00C2-41C7-AF99-CE4054EFC6EB}"/>
               </a:ext>
             </a:extLst>
           </p:cNvPr>
@@ -45708,7 +47590,7 @@
           <p:cNvPr id="17" name="TextBox 16">
             <a:extLst>
               <a:ext uri="{FF2B5EF4-FFF2-40B4-BE49-F238E27FC236}">
-                <a16:creationId xmlns:a16="http://schemas.microsoft.com/office/drawing/2014/main" xmlns="" id="{E74F7379-B503-4B35-946D-61820AE3A953}"/>
+                <a16:creationId xmlns="" xmlns:a16="http://schemas.microsoft.com/office/drawing/2014/main" id="{E74F7379-B503-4B35-946D-61820AE3A953}"/>
               </a:ext>
             </a:extLst>
           </p:cNvPr>
@@ -45763,7 +47645,7 @@
           <p:cNvPr id="28" name="TextBox 27">
             <a:extLst>
               <a:ext uri="{FF2B5EF4-FFF2-40B4-BE49-F238E27FC236}">
-                <a16:creationId xmlns:a16="http://schemas.microsoft.com/office/drawing/2014/main" xmlns="" id="{8F345D2C-1E4C-4A1A-8D6E-410B30EE87E6}"/>
+                <a16:creationId xmlns="" xmlns:a16="http://schemas.microsoft.com/office/drawing/2014/main" id="{8F345D2C-1E4C-4A1A-8D6E-410B30EE87E6}"/>
               </a:ext>
             </a:extLst>
           </p:cNvPr>
@@ -45911,7 +47793,7 @@
           <p:cNvPr id="30" name="Picture 12" descr="C:\Users\HuyTran\Desktop\WPF project\emplyee.png">
             <a:extLst>
               <a:ext uri="{FF2B5EF4-FFF2-40B4-BE49-F238E27FC236}">
-                <a16:creationId xmlns:a16="http://schemas.microsoft.com/office/drawing/2014/main" xmlns="" id="{3CC5700F-22E8-4347-B889-B0C8F022B27B}"/>
+                <a16:creationId xmlns="" xmlns:a16="http://schemas.microsoft.com/office/drawing/2014/main" id="{3CC5700F-22E8-4347-B889-B0C8F022B27B}"/>
               </a:ext>
             </a:extLst>
           </p:cNvPr>
@@ -45958,7 +47840,7 @@
           <p:cNvPr id="32" name="TextBox 31">
             <a:extLst>
               <a:ext uri="{FF2B5EF4-FFF2-40B4-BE49-F238E27FC236}">
-                <a16:creationId xmlns:a16="http://schemas.microsoft.com/office/drawing/2014/main" xmlns="" id="{9D964AA7-CD87-4C30-A4ED-2BC00993283D}"/>
+                <a16:creationId xmlns="" xmlns:a16="http://schemas.microsoft.com/office/drawing/2014/main" id="{9D964AA7-CD87-4C30-A4ED-2BC00993283D}"/>
               </a:ext>
             </a:extLst>
           </p:cNvPr>
@@ -46013,7 +47895,7 @@
           <p:cNvPr id="35" name="TextBox 34">
             <a:extLst>
               <a:ext uri="{FF2B5EF4-FFF2-40B4-BE49-F238E27FC236}">
-                <a16:creationId xmlns:a16="http://schemas.microsoft.com/office/drawing/2014/main" xmlns="" id="{BC692BE7-D83C-4B93-96A4-9FA89652ECCB}"/>
+                <a16:creationId xmlns="" xmlns:a16="http://schemas.microsoft.com/office/drawing/2014/main" id="{BC692BE7-D83C-4B93-96A4-9FA89652ECCB}"/>
               </a:ext>
             </a:extLst>
           </p:cNvPr>
@@ -46068,7 +47950,7 @@
           <p:cNvPr id="36" name="TextBox 35">
             <a:extLst>
               <a:ext uri="{FF2B5EF4-FFF2-40B4-BE49-F238E27FC236}">
-                <a16:creationId xmlns:a16="http://schemas.microsoft.com/office/drawing/2014/main" xmlns="" id="{42E5C02B-398B-4055-9ED4-CEF690C185A1}"/>
+                <a16:creationId xmlns="" xmlns:a16="http://schemas.microsoft.com/office/drawing/2014/main" id="{42E5C02B-398B-4055-9ED4-CEF690C185A1}"/>
               </a:ext>
             </a:extLst>
           </p:cNvPr>
@@ -46123,7 +48005,7 @@
           <p:cNvPr id="37" name="TextBox 36">
             <a:extLst>
               <a:ext uri="{FF2B5EF4-FFF2-40B4-BE49-F238E27FC236}">
-                <a16:creationId xmlns:a16="http://schemas.microsoft.com/office/drawing/2014/main" xmlns="" id="{22161E90-1933-42AF-8106-FC23F6868519}"/>
+                <a16:creationId xmlns="" xmlns:a16="http://schemas.microsoft.com/office/drawing/2014/main" id="{22161E90-1933-42AF-8106-FC23F6868519}"/>
               </a:ext>
             </a:extLst>
           </p:cNvPr>
@@ -46160,7 +48042,7 @@
           <p:cNvPr id="38" name="Rectangle 37">
             <a:extLst>
               <a:ext uri="{FF2B5EF4-FFF2-40B4-BE49-F238E27FC236}">
-                <a16:creationId xmlns:a16="http://schemas.microsoft.com/office/drawing/2014/main" xmlns="" id="{A6863D23-4FFC-40D8-B6E9-AF12F6EDB3F3}"/>
+                <a16:creationId xmlns="" xmlns:a16="http://schemas.microsoft.com/office/drawing/2014/main" id="{A6863D23-4FFC-40D8-B6E9-AF12F6EDB3F3}"/>
               </a:ext>
             </a:extLst>
           </p:cNvPr>
@@ -46206,7 +48088,7 @@
           <p:cNvPr id="41" name="Rectangle 40">
             <a:extLst>
               <a:ext uri="{FF2B5EF4-FFF2-40B4-BE49-F238E27FC236}">
-                <a16:creationId xmlns:a16="http://schemas.microsoft.com/office/drawing/2014/main" xmlns="" id="{E30EA41F-1CC2-448B-A66A-AD22E59B54FE}"/>
+                <a16:creationId xmlns="" xmlns:a16="http://schemas.microsoft.com/office/drawing/2014/main" id="{E30EA41F-1CC2-448B-A66A-AD22E59B54FE}"/>
               </a:ext>
             </a:extLst>
           </p:cNvPr>
@@ -46252,7 +48134,7 @@
           <p:cNvPr id="42" name="Rectangle 41">
             <a:extLst>
               <a:ext uri="{FF2B5EF4-FFF2-40B4-BE49-F238E27FC236}">
-                <a16:creationId xmlns:a16="http://schemas.microsoft.com/office/drawing/2014/main" xmlns="" id="{336085CB-FC1D-422C-9828-EB9F9BCE9C83}"/>
+                <a16:creationId xmlns="" xmlns:a16="http://schemas.microsoft.com/office/drawing/2014/main" id="{336085CB-FC1D-422C-9828-EB9F9BCE9C83}"/>
               </a:ext>
             </a:extLst>
           </p:cNvPr>
@@ -46298,7 +48180,7 @@
           <p:cNvPr id="43" name="Rectangle 42">
             <a:extLst>
               <a:ext uri="{FF2B5EF4-FFF2-40B4-BE49-F238E27FC236}">
-                <a16:creationId xmlns:a16="http://schemas.microsoft.com/office/drawing/2014/main" xmlns="" id="{3497FB9B-5D1B-4A6C-B735-13DB9072AE41}"/>
+                <a16:creationId xmlns="" xmlns:a16="http://schemas.microsoft.com/office/drawing/2014/main" id="{3497FB9B-5D1B-4A6C-B735-13DB9072AE41}"/>
               </a:ext>
             </a:extLst>
           </p:cNvPr>
@@ -46344,7 +48226,7 @@
           <p:cNvPr id="44" name="TextBox 43">
             <a:extLst>
               <a:ext uri="{FF2B5EF4-FFF2-40B4-BE49-F238E27FC236}">
-                <a16:creationId xmlns:a16="http://schemas.microsoft.com/office/drawing/2014/main" xmlns="" id="{3E4E32E2-8FA3-40F3-B044-2465D64AEEAE}"/>
+                <a16:creationId xmlns="" xmlns:a16="http://schemas.microsoft.com/office/drawing/2014/main" id="{3E4E32E2-8FA3-40F3-B044-2465D64AEEAE}"/>
               </a:ext>
             </a:extLst>
           </p:cNvPr>
@@ -46399,7 +48281,7 @@
           <p:cNvPr id="52" name="TextBox 51">
             <a:extLst>
               <a:ext uri="{FF2B5EF4-FFF2-40B4-BE49-F238E27FC236}">
-                <a16:creationId xmlns:a16="http://schemas.microsoft.com/office/drawing/2014/main" xmlns="" id="{3BACEE0E-1EED-4664-8C74-A01883731E3A}"/>
+                <a16:creationId xmlns="" xmlns:a16="http://schemas.microsoft.com/office/drawing/2014/main" id="{3BACEE0E-1EED-4664-8C74-A01883731E3A}"/>
               </a:ext>
             </a:extLst>
           </p:cNvPr>
@@ -46478,7 +48360,7 @@
           <p:cNvPr id="63" name="Rectangle 62">
             <a:extLst>
               <a:ext uri="{FF2B5EF4-FFF2-40B4-BE49-F238E27FC236}">
-                <a16:creationId xmlns:a16="http://schemas.microsoft.com/office/drawing/2014/main" xmlns="" id="{31CDD4BD-BE8A-4397-9195-C689D2E3B8E4}"/>
+                <a16:creationId xmlns="" xmlns:a16="http://schemas.microsoft.com/office/drawing/2014/main" id="{31CDD4BD-BE8A-4397-9195-C689D2E3B8E4}"/>
               </a:ext>
             </a:extLst>
           </p:cNvPr>
@@ -46524,7 +48406,7 @@
           <p:cNvPr id="64" name="Rectangle 63">
             <a:extLst>
               <a:ext uri="{FF2B5EF4-FFF2-40B4-BE49-F238E27FC236}">
-                <a16:creationId xmlns:a16="http://schemas.microsoft.com/office/drawing/2014/main" xmlns="" id="{93821D52-F263-4CDF-A590-27650ED3F722}"/>
+                <a16:creationId xmlns="" xmlns:a16="http://schemas.microsoft.com/office/drawing/2014/main" id="{93821D52-F263-4CDF-A590-27650ED3F722}"/>
               </a:ext>
             </a:extLst>
           </p:cNvPr>
@@ -46570,7 +48452,7 @@
           <p:cNvPr id="65" name="Rectangle 64">
             <a:extLst>
               <a:ext uri="{FF2B5EF4-FFF2-40B4-BE49-F238E27FC236}">
-                <a16:creationId xmlns:a16="http://schemas.microsoft.com/office/drawing/2014/main" xmlns="" id="{D431FB73-103A-4074-BF97-C645133A57A3}"/>
+                <a16:creationId xmlns="" xmlns:a16="http://schemas.microsoft.com/office/drawing/2014/main" id="{D431FB73-103A-4074-BF97-C645133A57A3}"/>
               </a:ext>
             </a:extLst>
           </p:cNvPr>
@@ -46630,7 +48512,7 @@
           <p:cNvPr id="66" name="Rectangle 65">
             <a:extLst>
               <a:ext uri="{FF2B5EF4-FFF2-40B4-BE49-F238E27FC236}">
-                <a16:creationId xmlns:a16="http://schemas.microsoft.com/office/drawing/2014/main" xmlns="" id="{7398C209-16AC-4BF1-9602-F03C420337F6}"/>
+                <a16:creationId xmlns="" xmlns:a16="http://schemas.microsoft.com/office/drawing/2014/main" id="{7398C209-16AC-4BF1-9602-F03C420337F6}"/>
               </a:ext>
             </a:extLst>
           </p:cNvPr>
@@ -46704,7 +48586,7 @@
           <p:cNvPr id="69" name="TextBox 68">
             <a:extLst>
               <a:ext uri="{FF2B5EF4-FFF2-40B4-BE49-F238E27FC236}">
-                <a16:creationId xmlns:a16="http://schemas.microsoft.com/office/drawing/2014/main" xmlns="" id="{5C57A79A-682E-43DD-96D0-4135E5E5C3E8}"/>
+                <a16:creationId xmlns="" xmlns:a16="http://schemas.microsoft.com/office/drawing/2014/main" id="{5C57A79A-682E-43DD-96D0-4135E5E5C3E8}"/>
               </a:ext>
             </a:extLst>
           </p:cNvPr>
@@ -46771,7 +48653,7 @@
           <p:cNvPr id="70" name="Rectangle 69">
             <a:extLst>
               <a:ext uri="{FF2B5EF4-FFF2-40B4-BE49-F238E27FC236}">
-                <a16:creationId xmlns:a16="http://schemas.microsoft.com/office/drawing/2014/main" xmlns="" id="{F0767A87-C8BA-4E57-B6D8-3924C9E7C35D}"/>
+                <a16:creationId xmlns="" xmlns:a16="http://schemas.microsoft.com/office/drawing/2014/main" id="{F0767A87-C8BA-4E57-B6D8-3924C9E7C35D}"/>
               </a:ext>
             </a:extLst>
           </p:cNvPr>
@@ -46820,7 +48702,7 @@
           <p:cNvPr id="71" name="TextBox 70">
             <a:extLst>
               <a:ext uri="{FF2B5EF4-FFF2-40B4-BE49-F238E27FC236}">
-                <a16:creationId xmlns:a16="http://schemas.microsoft.com/office/drawing/2014/main" xmlns="" id="{50901380-5073-48D7-8286-7A24B8B07C62}"/>
+                <a16:creationId xmlns="" xmlns:a16="http://schemas.microsoft.com/office/drawing/2014/main" id="{50901380-5073-48D7-8286-7A24B8B07C62}"/>
               </a:ext>
             </a:extLst>
           </p:cNvPr>
@@ -46875,7 +48757,7 @@
           <p:cNvPr id="72" name="Rectangle 71">
             <a:extLst>
               <a:ext uri="{FF2B5EF4-FFF2-40B4-BE49-F238E27FC236}">
-                <a16:creationId xmlns:a16="http://schemas.microsoft.com/office/drawing/2014/main" xmlns="" id="{34A59E57-2973-41BD-A52B-F762C78C2DE7}"/>
+                <a16:creationId xmlns="" xmlns:a16="http://schemas.microsoft.com/office/drawing/2014/main" id="{34A59E57-2973-41BD-A52B-F762C78C2DE7}"/>
               </a:ext>
             </a:extLst>
           </p:cNvPr>
@@ -46938,7 +48820,7 @@
           <p:cNvPr id="73" name="Isosceles Triangle 72">
             <a:extLst>
               <a:ext uri="{FF2B5EF4-FFF2-40B4-BE49-F238E27FC236}">
-                <a16:creationId xmlns:a16="http://schemas.microsoft.com/office/drawing/2014/main" xmlns="" id="{93E1B32A-AC57-4830-9B8F-22515F6148D6}"/>
+                <a16:creationId xmlns="" xmlns:a16="http://schemas.microsoft.com/office/drawing/2014/main" id="{93E1B32A-AC57-4830-9B8F-22515F6148D6}"/>
               </a:ext>
             </a:extLst>
           </p:cNvPr>
@@ -46994,7 +48876,7 @@
           <p:cNvPr id="74" name="TextBox 73">
             <a:extLst>
               <a:ext uri="{FF2B5EF4-FFF2-40B4-BE49-F238E27FC236}">
-                <a16:creationId xmlns:a16="http://schemas.microsoft.com/office/drawing/2014/main" xmlns="" id="{21EA6452-F2A8-452F-8743-05E670A28A95}"/>
+                <a16:creationId xmlns="" xmlns:a16="http://schemas.microsoft.com/office/drawing/2014/main" id="{21EA6452-F2A8-452F-8743-05E670A28A95}"/>
               </a:ext>
             </a:extLst>
           </p:cNvPr>
@@ -47157,11 +49039,11 @@
   <p:clrMapOvr>
     <a:masterClrMapping/>
   </p:clrMapOvr>
-  <mc:AlternateContent xmlns:mc="http://schemas.openxmlformats.org/markup-compatibility/2006">
-    <mc:Choice xmlns:p14="http://schemas.microsoft.com/office/powerpoint/2010/main" Requires="p14">
+  <mc:AlternateContent xmlns:mc="http://schemas.openxmlformats.org/markup-compatibility/2006" xmlns:p14="http://schemas.microsoft.com/office/powerpoint/2010/main">
+    <mc:Choice Requires="p14">
       <p:transition spd="slow" p14:dur="2000"/>
     </mc:Choice>
-    <mc:Fallback>
+    <mc:Fallback xmlns="">
       <p:transition spd="slow"/>
     </mc:Fallback>
   </mc:AlternateContent>
@@ -47190,7 +49072,7 @@
           <p:cNvPr id="6" name="TextBox 5">
             <a:extLst>
               <a:ext uri="{FF2B5EF4-FFF2-40B4-BE49-F238E27FC236}">
-                <a16:creationId xmlns:a16="http://schemas.microsoft.com/office/drawing/2014/main" xmlns="" id="{CD2A8DE0-B0E7-40FB-9538-60D54401A4F8}"/>
+                <a16:creationId xmlns="" xmlns:a16="http://schemas.microsoft.com/office/drawing/2014/main" id="{CD2A8DE0-B0E7-40FB-9538-60D54401A4F8}"/>
               </a:ext>
             </a:extLst>
           </p:cNvPr>
@@ -47317,7 +49199,7 @@
           <p:cNvPr id="11" name="Picture 10">
             <a:extLst>
               <a:ext uri="{FF2B5EF4-FFF2-40B4-BE49-F238E27FC236}">
-                <a16:creationId xmlns:a16="http://schemas.microsoft.com/office/drawing/2014/main" xmlns="" id="{F6164AE6-B86F-4668-B82E-2CCF243694C5}"/>
+                <a16:creationId xmlns="" xmlns:a16="http://schemas.microsoft.com/office/drawing/2014/main" id="{F6164AE6-B86F-4668-B82E-2CCF243694C5}"/>
               </a:ext>
             </a:extLst>
           </p:cNvPr>
@@ -47347,7 +49229,7 @@
           <p:cNvPr id="41" name="Rectangle 40">
             <a:extLst>
               <a:ext uri="{FF2B5EF4-FFF2-40B4-BE49-F238E27FC236}">
-                <a16:creationId xmlns:a16="http://schemas.microsoft.com/office/drawing/2014/main" xmlns="" id="{E81BDFDF-A2C2-47AD-8D90-A0FE79376AA6}"/>
+                <a16:creationId xmlns="" xmlns:a16="http://schemas.microsoft.com/office/drawing/2014/main" id="{E81BDFDF-A2C2-47AD-8D90-A0FE79376AA6}"/>
               </a:ext>
             </a:extLst>
           </p:cNvPr>
@@ -47425,7 +49307,7 @@
           <p:cNvPr id="43" name="TextBox 42">
             <a:extLst>
               <a:ext uri="{FF2B5EF4-FFF2-40B4-BE49-F238E27FC236}">
-                <a16:creationId xmlns:a16="http://schemas.microsoft.com/office/drawing/2014/main" xmlns="" id="{F43B97D8-23B6-4B2F-AE82-8C0B2E7C3495}"/>
+                <a16:creationId xmlns="" xmlns:a16="http://schemas.microsoft.com/office/drawing/2014/main" id="{F43B97D8-23B6-4B2F-AE82-8C0B2E7C3495}"/>
               </a:ext>
             </a:extLst>
           </p:cNvPr>
@@ -47525,7 +49407,7 @@
           <p:cNvPr id="3" name="Table 3">
             <a:extLst>
               <a:ext uri="{FF2B5EF4-FFF2-40B4-BE49-F238E27FC236}">
-                <a16:creationId xmlns:a16="http://schemas.microsoft.com/office/drawing/2014/main" xmlns="" id="{9B423CCB-E8FB-4CDB-A31C-9E89725D6698}"/>
+                <a16:creationId xmlns="" xmlns:a16="http://schemas.microsoft.com/office/drawing/2014/main" id="{9B423CCB-E8FB-4CDB-A31C-9E89725D6698}"/>
               </a:ext>
             </a:extLst>
           </p:cNvPr>
@@ -47554,49 +49436,49 @@
                 <a:gridCol w="1208414">
                   <a:extLst>
                     <a:ext uri="{9D8B030D-6E8A-4147-A177-3AD203B41FA5}">
-                      <a16:colId xmlns:a16="http://schemas.microsoft.com/office/drawing/2014/main" xmlns="" val="3679797539"/>
+                      <a16:colId xmlns="" xmlns:a16="http://schemas.microsoft.com/office/drawing/2014/main" val="3679797539"/>
                     </a:ext>
                   </a:extLst>
                 </a:gridCol>
                 <a:gridCol w="1208414">
                   <a:extLst>
                     <a:ext uri="{9D8B030D-6E8A-4147-A177-3AD203B41FA5}">
-                      <a16:colId xmlns:a16="http://schemas.microsoft.com/office/drawing/2014/main" xmlns="" val="4188008786"/>
+                      <a16:colId xmlns="" xmlns:a16="http://schemas.microsoft.com/office/drawing/2014/main" val="4188008786"/>
                     </a:ext>
                   </a:extLst>
                 </a:gridCol>
                 <a:gridCol w="1208414">
                   <a:extLst>
                     <a:ext uri="{9D8B030D-6E8A-4147-A177-3AD203B41FA5}">
-                      <a16:colId xmlns:a16="http://schemas.microsoft.com/office/drawing/2014/main" xmlns="" val="240713644"/>
+                      <a16:colId xmlns="" xmlns:a16="http://schemas.microsoft.com/office/drawing/2014/main" val="240713644"/>
                     </a:ext>
                   </a:extLst>
                 </a:gridCol>
                 <a:gridCol w="1208414">
                   <a:extLst>
                     <a:ext uri="{9D8B030D-6E8A-4147-A177-3AD203B41FA5}">
-                      <a16:colId xmlns:a16="http://schemas.microsoft.com/office/drawing/2014/main" xmlns="" val="2702378126"/>
+                      <a16:colId xmlns="" xmlns:a16="http://schemas.microsoft.com/office/drawing/2014/main" val="2702378126"/>
                     </a:ext>
                   </a:extLst>
                 </a:gridCol>
                 <a:gridCol w="1208414">
                   <a:extLst>
                     <a:ext uri="{9D8B030D-6E8A-4147-A177-3AD203B41FA5}">
-                      <a16:colId xmlns:a16="http://schemas.microsoft.com/office/drawing/2014/main" xmlns="" val="3214238948"/>
+                      <a16:colId xmlns="" xmlns:a16="http://schemas.microsoft.com/office/drawing/2014/main" val="3214238948"/>
                     </a:ext>
                   </a:extLst>
                 </a:gridCol>
                 <a:gridCol w="1208414">
                   <a:extLst>
                     <a:ext uri="{9D8B030D-6E8A-4147-A177-3AD203B41FA5}">
-                      <a16:colId xmlns:a16="http://schemas.microsoft.com/office/drawing/2014/main" xmlns="" val="1291486487"/>
+                      <a16:colId xmlns="" xmlns:a16="http://schemas.microsoft.com/office/drawing/2014/main" val="1291486487"/>
                     </a:ext>
                   </a:extLst>
                 </a:gridCol>
                 <a:gridCol w="1208414">
                   <a:extLst>
                     <a:ext uri="{9D8B030D-6E8A-4147-A177-3AD203B41FA5}">
-                      <a16:colId xmlns:a16="http://schemas.microsoft.com/office/drawing/2014/main" xmlns="" val="3117914522"/>
+                      <a16:colId xmlns="" xmlns:a16="http://schemas.microsoft.com/office/drawing/2014/main" val="3117914522"/>
                     </a:ext>
                   </a:extLst>
                 </a:gridCol>
@@ -47802,7 +49684,7 @@
                 </a:tc>
                 <a:extLst>
                   <a:ext uri="{0D108BD9-81ED-4DB2-BD59-A6C34878D82A}">
-                    <a16:rowId xmlns:a16="http://schemas.microsoft.com/office/drawing/2014/main" xmlns="" val="652390980"/>
+                    <a16:rowId xmlns="" xmlns:a16="http://schemas.microsoft.com/office/drawing/2014/main" val="652390980"/>
                   </a:ext>
                 </a:extLst>
               </a:tr>
@@ -47976,7 +49858,7 @@
                 </a:tc>
                 <a:extLst>
                   <a:ext uri="{0D108BD9-81ED-4DB2-BD59-A6C34878D82A}">
-                    <a16:rowId xmlns:a16="http://schemas.microsoft.com/office/drawing/2014/main" xmlns="" val="730336656"/>
+                    <a16:rowId xmlns="" xmlns:a16="http://schemas.microsoft.com/office/drawing/2014/main" val="730336656"/>
                   </a:ext>
                 </a:extLst>
               </a:tr>
@@ -48194,7 +50076,7 @@
                 </a:tc>
                 <a:extLst>
                   <a:ext uri="{0D108BD9-81ED-4DB2-BD59-A6C34878D82A}">
-                    <a16:rowId xmlns:a16="http://schemas.microsoft.com/office/drawing/2014/main" xmlns="" val="2897143220"/>
+                    <a16:rowId xmlns="" xmlns:a16="http://schemas.microsoft.com/office/drawing/2014/main" val="2897143220"/>
                   </a:ext>
                 </a:extLst>
               </a:tr>
@@ -48207,7 +50089,7 @@
           <p:cNvPr id="7" name="Picture 6">
             <a:extLst>
               <a:ext uri="{FF2B5EF4-FFF2-40B4-BE49-F238E27FC236}">
-                <a16:creationId xmlns:a16="http://schemas.microsoft.com/office/drawing/2014/main" xmlns="" id="{798CD5D1-9D70-45D6-834A-50850E654654}"/>
+                <a16:creationId xmlns="" xmlns:a16="http://schemas.microsoft.com/office/drawing/2014/main" id="{798CD5D1-9D70-45D6-834A-50850E654654}"/>
               </a:ext>
             </a:extLst>
           </p:cNvPr>
@@ -48242,7 +50124,7 @@
           <p:cNvPr id="9" name="Picture 8">
             <a:extLst>
               <a:ext uri="{FF2B5EF4-FFF2-40B4-BE49-F238E27FC236}">
-                <a16:creationId xmlns:a16="http://schemas.microsoft.com/office/drawing/2014/main" xmlns="" id="{EBB267E1-41AD-45A6-B6C2-FAA07AAB8FB6}"/>
+                <a16:creationId xmlns="" xmlns:a16="http://schemas.microsoft.com/office/drawing/2014/main" id="{EBB267E1-41AD-45A6-B6C2-FAA07AAB8FB6}"/>
               </a:ext>
             </a:extLst>
           </p:cNvPr>
@@ -48278,7 +50160,7 @@
           <p:cNvPr id="4" name="TextBox 3">
             <a:extLst>
               <a:ext uri="{FF2B5EF4-FFF2-40B4-BE49-F238E27FC236}">
-                <a16:creationId xmlns:a16="http://schemas.microsoft.com/office/drawing/2014/main" xmlns="" id="{C3527A43-286D-4434-8089-15E488E7825B}"/>
+                <a16:creationId xmlns="" xmlns:a16="http://schemas.microsoft.com/office/drawing/2014/main" id="{C3527A43-286D-4434-8089-15E488E7825B}"/>
               </a:ext>
             </a:extLst>
           </p:cNvPr>
@@ -48346,7 +50228,7 @@
           <p:cNvPr id="17" name="TextBox 16">
             <a:extLst>
               <a:ext uri="{FF2B5EF4-FFF2-40B4-BE49-F238E27FC236}">
-                <a16:creationId xmlns:a16="http://schemas.microsoft.com/office/drawing/2014/main" xmlns="" id="{D8855AE3-3414-440E-8C9F-70903C6BA91F}"/>
+                <a16:creationId xmlns="" xmlns:a16="http://schemas.microsoft.com/office/drawing/2014/main" id="{D8855AE3-3414-440E-8C9F-70903C6BA91F}"/>
               </a:ext>
             </a:extLst>
           </p:cNvPr>
@@ -48402,7 +50284,7 @@
           <p:cNvPr id="18" name="Rectangle 17">
             <a:extLst>
               <a:ext uri="{FF2B5EF4-FFF2-40B4-BE49-F238E27FC236}">
-                <a16:creationId xmlns:a16="http://schemas.microsoft.com/office/drawing/2014/main" xmlns="" id="{49DC6DD1-7A8F-4D6E-BCFF-6C9A2C086C04}"/>
+                <a16:creationId xmlns="" xmlns:a16="http://schemas.microsoft.com/office/drawing/2014/main" id="{49DC6DD1-7A8F-4D6E-BCFF-6C9A2C086C04}"/>
               </a:ext>
             </a:extLst>
           </p:cNvPr>
@@ -48448,7 +50330,7 @@
           <p:cNvPr id="2050" name="Picture 2" descr="IRSATIM 150">
             <a:extLst>
               <a:ext uri="{FF2B5EF4-FFF2-40B4-BE49-F238E27FC236}">
-                <a16:creationId xmlns:a16="http://schemas.microsoft.com/office/drawing/2014/main" xmlns="" id="{0B22A803-B8F8-409E-B9C0-2A6C12374B70}"/>
+                <a16:creationId xmlns="" xmlns:a16="http://schemas.microsoft.com/office/drawing/2014/main" id="{0B22A803-B8F8-409E-B9C0-2A6C12374B70}"/>
               </a:ext>
             </a:extLst>
           </p:cNvPr>
@@ -48504,7 +50386,7 @@
           <p:cNvPr id="2052" name="Picture 4" descr="Thuốc Agimstan 40mg hộp 28 viên-Nhà thuốc An Khang">
             <a:extLst>
               <a:ext uri="{FF2B5EF4-FFF2-40B4-BE49-F238E27FC236}">
-                <a16:creationId xmlns:a16="http://schemas.microsoft.com/office/drawing/2014/main" xmlns="" id="{8CC3E845-808D-43A8-8218-72D143CF113C}"/>
+                <a16:creationId xmlns="" xmlns:a16="http://schemas.microsoft.com/office/drawing/2014/main" id="{8CC3E845-808D-43A8-8218-72D143CF113C}"/>
               </a:ext>
             </a:extLst>
           </p:cNvPr>
@@ -48614,7 +50496,7 @@
           <p:cNvPr id="16" name="Picture 15">
             <a:extLst>
               <a:ext uri="{FF2B5EF4-FFF2-40B4-BE49-F238E27FC236}">
-                <a16:creationId xmlns:a16="http://schemas.microsoft.com/office/drawing/2014/main" xmlns="" id="{60534341-FDAB-4EA1-B766-C4F78F46443B}"/>
+                <a16:creationId xmlns="" xmlns:a16="http://schemas.microsoft.com/office/drawing/2014/main" id="{60534341-FDAB-4EA1-B766-C4F78F46443B}"/>
               </a:ext>
             </a:extLst>
           </p:cNvPr>
@@ -48649,7 +50531,7 @@
           <p:cNvPr id="29" name="Picture 28">
             <a:extLst>
               <a:ext uri="{FF2B5EF4-FFF2-40B4-BE49-F238E27FC236}">
-                <a16:creationId xmlns:a16="http://schemas.microsoft.com/office/drawing/2014/main" xmlns="" id="{2BC60C21-8910-44A3-B261-05905A0D88F5}"/>
+                <a16:creationId xmlns="" xmlns:a16="http://schemas.microsoft.com/office/drawing/2014/main" id="{2BC60C21-8910-44A3-B261-05905A0D88F5}"/>
               </a:ext>
             </a:extLst>
           </p:cNvPr>
@@ -48684,7 +50566,7 @@
           <p:cNvPr id="30" name="Picture 29">
             <a:extLst>
               <a:ext uri="{FF2B5EF4-FFF2-40B4-BE49-F238E27FC236}">
-                <a16:creationId xmlns:a16="http://schemas.microsoft.com/office/drawing/2014/main" xmlns="" id="{BDC1081C-99D0-458D-8456-D8E354B8D26E}"/>
+                <a16:creationId xmlns="" xmlns:a16="http://schemas.microsoft.com/office/drawing/2014/main" id="{BDC1081C-99D0-458D-8456-D8E354B8D26E}"/>
               </a:ext>
             </a:extLst>
           </p:cNvPr>
@@ -48720,7 +50602,7 @@
           <p:cNvPr id="32" name="Picture 31">
             <a:extLst>
               <a:ext uri="{FF2B5EF4-FFF2-40B4-BE49-F238E27FC236}">
-                <a16:creationId xmlns:a16="http://schemas.microsoft.com/office/drawing/2014/main" xmlns="" id="{828B8773-6599-40B2-A948-FB508819A2D8}"/>
+                <a16:creationId xmlns="" xmlns:a16="http://schemas.microsoft.com/office/drawing/2014/main" id="{828B8773-6599-40B2-A948-FB508819A2D8}"/>
               </a:ext>
             </a:extLst>
           </p:cNvPr>
@@ -48755,7 +50637,7 @@
           <p:cNvPr id="23" name="Group 22">
             <a:extLst>
               <a:ext uri="{FF2B5EF4-FFF2-40B4-BE49-F238E27FC236}">
-                <a16:creationId xmlns:a16="http://schemas.microsoft.com/office/drawing/2014/main" xmlns="" id="{84C571D8-0DDB-4F4B-BBA7-A0D299C6EF88}"/>
+                <a16:creationId xmlns="" xmlns:a16="http://schemas.microsoft.com/office/drawing/2014/main" id="{84C571D8-0DDB-4F4B-BBA7-A0D299C6EF88}"/>
               </a:ext>
             </a:extLst>
           </p:cNvPr>
@@ -48775,7 +50657,7 @@
             <p:cNvPr id="33" name="Rectangle 32">
               <a:extLst>
                 <a:ext uri="{FF2B5EF4-FFF2-40B4-BE49-F238E27FC236}">
-                  <a16:creationId xmlns:a16="http://schemas.microsoft.com/office/drawing/2014/main" xmlns="" id="{D810A6DA-7C4B-4959-8B3E-0CB0AE15AD7D}"/>
+                  <a16:creationId xmlns="" xmlns:a16="http://schemas.microsoft.com/office/drawing/2014/main" id="{D810A6DA-7C4B-4959-8B3E-0CB0AE15AD7D}"/>
                 </a:ext>
               </a:extLst>
             </p:cNvPr>
@@ -48865,7 +50747,7 @@
             <p:cNvPr id="20" name="Picture 19">
               <a:extLst>
                 <a:ext uri="{FF2B5EF4-FFF2-40B4-BE49-F238E27FC236}">
-                  <a16:creationId xmlns:a16="http://schemas.microsoft.com/office/drawing/2014/main" xmlns="" id="{F9E3ED2E-3D65-4507-8FEA-641F025498F9}"/>
+                  <a16:creationId xmlns="" xmlns:a16="http://schemas.microsoft.com/office/drawing/2014/main" id="{F9E3ED2E-3D65-4507-8FEA-641F025498F9}"/>
                 </a:ext>
               </a:extLst>
             </p:cNvPr>
@@ -48902,7 +50784,7 @@
           <p:cNvPr id="34" name="Group 33">
             <a:extLst>
               <a:ext uri="{FF2B5EF4-FFF2-40B4-BE49-F238E27FC236}">
-                <a16:creationId xmlns:a16="http://schemas.microsoft.com/office/drawing/2014/main" xmlns="" id="{577519E5-1850-44A0-895E-518F426F29A6}"/>
+                <a16:creationId xmlns="" xmlns:a16="http://schemas.microsoft.com/office/drawing/2014/main" id="{577519E5-1850-44A0-895E-518F426F29A6}"/>
               </a:ext>
             </a:extLst>
           </p:cNvPr>
@@ -48922,7 +50804,7 @@
             <p:cNvPr id="22" name="Rectangle 21">
               <a:extLst>
                 <a:ext uri="{FF2B5EF4-FFF2-40B4-BE49-F238E27FC236}">
-                  <a16:creationId xmlns:a16="http://schemas.microsoft.com/office/drawing/2014/main" xmlns="" id="{3298A6E1-59A0-477C-8D1D-C2C4E2AF6905}"/>
+                  <a16:creationId xmlns="" xmlns:a16="http://schemas.microsoft.com/office/drawing/2014/main" id="{3298A6E1-59A0-477C-8D1D-C2C4E2AF6905}"/>
                 </a:ext>
               </a:extLst>
             </p:cNvPr>
@@ -48999,7 +50881,7 @@
             <p:cNvPr id="25" name="Picture 24">
               <a:extLst>
                 <a:ext uri="{FF2B5EF4-FFF2-40B4-BE49-F238E27FC236}">
-                  <a16:creationId xmlns:a16="http://schemas.microsoft.com/office/drawing/2014/main" xmlns="" id="{6DFBF82F-6D9F-4652-B29D-D8A47C76365C}"/>
+                  <a16:creationId xmlns="" xmlns:a16="http://schemas.microsoft.com/office/drawing/2014/main" id="{6DFBF82F-6D9F-4652-B29D-D8A47C76365C}"/>
                 </a:ext>
               </a:extLst>
             </p:cNvPr>
@@ -49036,7 +50918,7 @@
           <p:cNvPr id="5" name="Picture 4">
             <a:extLst>
               <a:ext uri="{FF2B5EF4-FFF2-40B4-BE49-F238E27FC236}">
-                <a16:creationId xmlns:a16="http://schemas.microsoft.com/office/drawing/2014/main" xmlns="" id="{E9F84932-5E2B-4789-A36E-41ABBCCB30F2}"/>
+                <a16:creationId xmlns="" xmlns:a16="http://schemas.microsoft.com/office/drawing/2014/main" id="{E9F84932-5E2B-4789-A36E-41ABBCCB30F2}"/>
               </a:ext>
             </a:extLst>
           </p:cNvPr>
@@ -49077,11 +50959,11 @@
   <p:clrMapOvr>
     <a:masterClrMapping/>
   </p:clrMapOvr>
-  <mc:AlternateContent xmlns:mc="http://schemas.openxmlformats.org/markup-compatibility/2006">
-    <mc:Choice xmlns:p14="http://schemas.microsoft.com/office/powerpoint/2010/main" Requires="p14">
+  <mc:AlternateContent xmlns:mc="http://schemas.openxmlformats.org/markup-compatibility/2006" xmlns:p14="http://schemas.microsoft.com/office/powerpoint/2010/main">
+    <mc:Choice Requires="p14">
       <p:transition spd="slow" p14:dur="2000"/>
     </mc:Choice>
-    <mc:Fallback>
+    <mc:Fallback xmlns="">
       <p:transition spd="slow"/>
     </mc:Fallback>
   </mc:AlternateContent>
@@ -49110,7 +50992,7 @@
           <p:cNvPr id="6" name="TextBox 5">
             <a:extLst>
               <a:ext uri="{FF2B5EF4-FFF2-40B4-BE49-F238E27FC236}">
-                <a16:creationId xmlns:a16="http://schemas.microsoft.com/office/drawing/2014/main" xmlns="" id="{CD2A8DE0-B0E7-40FB-9538-60D54401A4F8}"/>
+                <a16:creationId xmlns="" xmlns:a16="http://schemas.microsoft.com/office/drawing/2014/main" id="{CD2A8DE0-B0E7-40FB-9538-60D54401A4F8}"/>
               </a:ext>
             </a:extLst>
           </p:cNvPr>
@@ -49237,7 +51119,7 @@
           <p:cNvPr id="11" name="Picture 10">
             <a:extLst>
               <a:ext uri="{FF2B5EF4-FFF2-40B4-BE49-F238E27FC236}">
-                <a16:creationId xmlns:a16="http://schemas.microsoft.com/office/drawing/2014/main" xmlns="" id="{F6164AE6-B86F-4668-B82E-2CCF243694C5}"/>
+                <a16:creationId xmlns="" xmlns:a16="http://schemas.microsoft.com/office/drawing/2014/main" id="{F6164AE6-B86F-4668-B82E-2CCF243694C5}"/>
               </a:ext>
             </a:extLst>
           </p:cNvPr>
@@ -49267,7 +51149,7 @@
           <p:cNvPr id="12" name="Rectangle 11">
             <a:extLst>
               <a:ext uri="{FF2B5EF4-FFF2-40B4-BE49-F238E27FC236}">
-                <a16:creationId xmlns:a16="http://schemas.microsoft.com/office/drawing/2014/main" xmlns="" id="{9DC85E5D-8339-4A90-8911-6572A28FAB1B}"/>
+                <a16:creationId xmlns="" xmlns:a16="http://schemas.microsoft.com/office/drawing/2014/main" id="{9DC85E5D-8339-4A90-8911-6572A28FAB1B}"/>
               </a:ext>
             </a:extLst>
           </p:cNvPr>
@@ -49321,7 +51203,7 @@
           <p:cNvPr id="13" name="Picture 8" descr="C:\Users\HuyTran\Desktop\WPF project\Paul_Circle.png">
             <a:extLst>
               <a:ext uri="{FF2B5EF4-FFF2-40B4-BE49-F238E27FC236}">
-                <a16:creationId xmlns:a16="http://schemas.microsoft.com/office/drawing/2014/main" xmlns="" id="{7709B346-3CF0-4506-B6E0-39CD18074E81}"/>
+                <a16:creationId xmlns="" xmlns:a16="http://schemas.microsoft.com/office/drawing/2014/main" id="{7709B346-3CF0-4506-B6E0-39CD18074E81}"/>
               </a:ext>
             </a:extLst>
           </p:cNvPr>
@@ -49368,7 +51250,7 @@
           <p:cNvPr id="14" name="TextBox 13">
             <a:extLst>
               <a:ext uri="{FF2B5EF4-FFF2-40B4-BE49-F238E27FC236}">
-                <a16:creationId xmlns:a16="http://schemas.microsoft.com/office/drawing/2014/main" xmlns="" id="{88CA780A-86AF-4CC5-93C8-9AA542968897}"/>
+                <a16:creationId xmlns="" xmlns:a16="http://schemas.microsoft.com/office/drawing/2014/main" id="{88CA780A-86AF-4CC5-93C8-9AA542968897}"/>
               </a:ext>
             </a:extLst>
           </p:cNvPr>
@@ -49420,7 +51302,7 @@
           <p:cNvPr id="16" name="TextBox 15">
             <a:extLst>
               <a:ext uri="{FF2B5EF4-FFF2-40B4-BE49-F238E27FC236}">
-                <a16:creationId xmlns:a16="http://schemas.microsoft.com/office/drawing/2014/main" xmlns="" id="{5AD7D250-00C2-41C7-AF99-CE4054EFC6EB}"/>
+                <a16:creationId xmlns="" xmlns:a16="http://schemas.microsoft.com/office/drawing/2014/main" id="{5AD7D250-00C2-41C7-AF99-CE4054EFC6EB}"/>
               </a:ext>
             </a:extLst>
           </p:cNvPr>
@@ -49472,7 +51354,7 @@
           <p:cNvPr id="17" name="TextBox 16">
             <a:extLst>
               <a:ext uri="{FF2B5EF4-FFF2-40B4-BE49-F238E27FC236}">
-                <a16:creationId xmlns:a16="http://schemas.microsoft.com/office/drawing/2014/main" xmlns="" id="{E74F7379-B503-4B35-946D-61820AE3A953}"/>
+                <a16:creationId xmlns="" xmlns:a16="http://schemas.microsoft.com/office/drawing/2014/main" id="{E74F7379-B503-4B35-946D-61820AE3A953}"/>
               </a:ext>
             </a:extLst>
           </p:cNvPr>
@@ -49527,7 +51409,7 @@
           <p:cNvPr id="28" name="TextBox 27">
             <a:extLst>
               <a:ext uri="{FF2B5EF4-FFF2-40B4-BE49-F238E27FC236}">
-                <a16:creationId xmlns:a16="http://schemas.microsoft.com/office/drawing/2014/main" xmlns="" id="{8F345D2C-1E4C-4A1A-8D6E-410B30EE87E6}"/>
+                <a16:creationId xmlns="" xmlns:a16="http://schemas.microsoft.com/office/drawing/2014/main" id="{8F345D2C-1E4C-4A1A-8D6E-410B30EE87E6}"/>
               </a:ext>
             </a:extLst>
           </p:cNvPr>
@@ -49627,7 +51509,7 @@
           <p:cNvPr id="31" name="TextBox 30">
             <a:extLst>
               <a:ext uri="{FF2B5EF4-FFF2-40B4-BE49-F238E27FC236}">
-                <a16:creationId xmlns:a16="http://schemas.microsoft.com/office/drawing/2014/main" xmlns="" id="{5966DF16-C2DB-4C52-B444-530F784F1688}"/>
+                <a16:creationId xmlns="" xmlns:a16="http://schemas.microsoft.com/office/drawing/2014/main" id="{5966DF16-C2DB-4C52-B444-530F784F1688}"/>
               </a:ext>
             </a:extLst>
           </p:cNvPr>
@@ -49682,7 +51564,7 @@
           <p:cNvPr id="34" name="TextBox 33">
             <a:extLst>
               <a:ext uri="{FF2B5EF4-FFF2-40B4-BE49-F238E27FC236}">
-                <a16:creationId xmlns:a16="http://schemas.microsoft.com/office/drawing/2014/main" xmlns="" id="{D1EA9BE8-A44E-409B-80DF-D0657D91E1A5}"/>
+                <a16:creationId xmlns="" xmlns:a16="http://schemas.microsoft.com/office/drawing/2014/main" id="{D1EA9BE8-A44E-409B-80DF-D0657D91E1A5}"/>
               </a:ext>
             </a:extLst>
           </p:cNvPr>
@@ -49749,7 +51631,7 @@
           <p:cNvPr id="40" name="TextBox 39">
             <a:extLst>
               <a:ext uri="{FF2B5EF4-FFF2-40B4-BE49-F238E27FC236}">
-                <a16:creationId xmlns:a16="http://schemas.microsoft.com/office/drawing/2014/main" xmlns="" id="{BDEA9192-45FB-471A-8F44-C1E1216F91C9}"/>
+                <a16:creationId xmlns="" xmlns:a16="http://schemas.microsoft.com/office/drawing/2014/main" id="{BDEA9192-45FB-471A-8F44-C1E1216F91C9}"/>
               </a:ext>
             </a:extLst>
           </p:cNvPr>
@@ -49816,7 +51698,7 @@
           <p:cNvPr id="47" name="Rectangle 46">
             <a:extLst>
               <a:ext uri="{FF2B5EF4-FFF2-40B4-BE49-F238E27FC236}">
-                <a16:creationId xmlns:a16="http://schemas.microsoft.com/office/drawing/2014/main" xmlns="" id="{3996E642-D4A2-4D79-A742-5550448C1FDF}"/>
+                <a16:creationId xmlns="" xmlns:a16="http://schemas.microsoft.com/office/drawing/2014/main" id="{3996E642-D4A2-4D79-A742-5550448C1FDF}"/>
               </a:ext>
             </a:extLst>
           </p:cNvPr>
@@ -49873,7 +51755,7 @@
           <p:cNvPr id="48" name="Rectangle 47">
             <a:extLst>
               <a:ext uri="{FF2B5EF4-FFF2-40B4-BE49-F238E27FC236}">
-                <a16:creationId xmlns:a16="http://schemas.microsoft.com/office/drawing/2014/main" xmlns="" id="{3774104E-E37A-4AB6-A124-5F75D98C5FCA}"/>
+                <a16:creationId xmlns="" xmlns:a16="http://schemas.microsoft.com/office/drawing/2014/main" id="{3774104E-E37A-4AB6-A124-5F75D98C5FCA}"/>
               </a:ext>
             </a:extLst>
           </p:cNvPr>
@@ -49919,7 +51801,7 @@
           <p:cNvPr id="49" name="Rectangle 48">
             <a:extLst>
               <a:ext uri="{FF2B5EF4-FFF2-40B4-BE49-F238E27FC236}">
-                <a16:creationId xmlns:a16="http://schemas.microsoft.com/office/drawing/2014/main" xmlns="" id="{392D3F3E-82EC-46EE-B892-F49588178DD3}"/>
+                <a16:creationId xmlns="" xmlns:a16="http://schemas.microsoft.com/office/drawing/2014/main" id="{392D3F3E-82EC-46EE-B892-F49588178DD3}"/>
               </a:ext>
             </a:extLst>
           </p:cNvPr>
@@ -49965,7 +51847,7 @@
           <p:cNvPr id="53" name="TextBox 52">
             <a:extLst>
               <a:ext uri="{FF2B5EF4-FFF2-40B4-BE49-F238E27FC236}">
-                <a16:creationId xmlns:a16="http://schemas.microsoft.com/office/drawing/2014/main" xmlns="" id="{FE0AE89D-4FA9-4115-8B78-5EC058441CB9}"/>
+                <a16:creationId xmlns="" xmlns:a16="http://schemas.microsoft.com/office/drawing/2014/main" id="{FE0AE89D-4FA9-4115-8B78-5EC058441CB9}"/>
               </a:ext>
             </a:extLst>
           </p:cNvPr>
@@ -50032,7 +51914,7 @@
           <p:cNvPr id="54" name="TextBox 53">
             <a:extLst>
               <a:ext uri="{FF2B5EF4-FFF2-40B4-BE49-F238E27FC236}">
-                <a16:creationId xmlns:a16="http://schemas.microsoft.com/office/drawing/2014/main" xmlns="" id="{E05C8096-46D4-4A7C-A2B8-9D79A1BCDC32}"/>
+                <a16:creationId xmlns="" xmlns:a16="http://schemas.microsoft.com/office/drawing/2014/main" id="{E05C8096-46D4-4A7C-A2B8-9D79A1BCDC32}"/>
               </a:ext>
             </a:extLst>
           </p:cNvPr>
@@ -50087,7 +51969,7 @@
           <p:cNvPr id="55" name="Rectangle 54">
             <a:extLst>
               <a:ext uri="{FF2B5EF4-FFF2-40B4-BE49-F238E27FC236}">
-                <a16:creationId xmlns:a16="http://schemas.microsoft.com/office/drawing/2014/main" xmlns="" id="{F69AF0D9-0AAE-4E50-8597-FDBE5BA3762C}"/>
+                <a16:creationId xmlns="" xmlns:a16="http://schemas.microsoft.com/office/drawing/2014/main" id="{F69AF0D9-0AAE-4E50-8597-FDBE5BA3762C}"/>
               </a:ext>
             </a:extLst>
           </p:cNvPr>
@@ -50133,7 +52015,7 @@
           <p:cNvPr id="56" name="Rectangle 55">
             <a:extLst>
               <a:ext uri="{FF2B5EF4-FFF2-40B4-BE49-F238E27FC236}">
-                <a16:creationId xmlns:a16="http://schemas.microsoft.com/office/drawing/2014/main" xmlns="" id="{D1AFC196-8286-44EA-B141-AB550462EA4C}"/>
+                <a16:creationId xmlns="" xmlns:a16="http://schemas.microsoft.com/office/drawing/2014/main" id="{D1AFC196-8286-44EA-B141-AB550462EA4C}"/>
               </a:ext>
             </a:extLst>
           </p:cNvPr>
@@ -50179,7 +52061,7 @@
           <p:cNvPr id="57" name="Rectangle 56">
             <a:extLst>
               <a:ext uri="{FF2B5EF4-FFF2-40B4-BE49-F238E27FC236}">
-                <a16:creationId xmlns:a16="http://schemas.microsoft.com/office/drawing/2014/main" xmlns="" id="{93F1A291-15A0-4EEE-A517-C4C056E66505}"/>
+                <a16:creationId xmlns="" xmlns:a16="http://schemas.microsoft.com/office/drawing/2014/main" id="{93F1A291-15A0-4EEE-A517-C4C056E66505}"/>
               </a:ext>
             </a:extLst>
           </p:cNvPr>
@@ -50239,7 +52121,7 @@
           <p:cNvPr id="58" name="Rectangle 57">
             <a:extLst>
               <a:ext uri="{FF2B5EF4-FFF2-40B4-BE49-F238E27FC236}">
-                <a16:creationId xmlns:a16="http://schemas.microsoft.com/office/drawing/2014/main" xmlns="" id="{C313D5D0-14D9-4013-A702-8F05786AB4A7}"/>
+                <a16:creationId xmlns="" xmlns:a16="http://schemas.microsoft.com/office/drawing/2014/main" id="{C313D5D0-14D9-4013-A702-8F05786AB4A7}"/>
               </a:ext>
             </a:extLst>
           </p:cNvPr>
@@ -50313,7 +52195,7 @@
           <p:cNvPr id="61" name="TextBox 60">
             <a:extLst>
               <a:ext uri="{FF2B5EF4-FFF2-40B4-BE49-F238E27FC236}">
-                <a16:creationId xmlns:a16="http://schemas.microsoft.com/office/drawing/2014/main" xmlns="" id="{BE490A08-29E0-4571-9E90-06F47C84DC9B}"/>
+                <a16:creationId xmlns="" xmlns:a16="http://schemas.microsoft.com/office/drawing/2014/main" id="{BE490A08-29E0-4571-9E90-06F47C84DC9B}"/>
               </a:ext>
             </a:extLst>
           </p:cNvPr>
@@ -50368,7 +52250,7 @@
           <p:cNvPr id="62" name="Rectangle 61">
             <a:extLst>
               <a:ext uri="{FF2B5EF4-FFF2-40B4-BE49-F238E27FC236}">
-                <a16:creationId xmlns:a16="http://schemas.microsoft.com/office/drawing/2014/main" xmlns="" id="{6E234CCF-F0D4-4828-A7E0-AD8DBE9D5157}"/>
+                <a16:creationId xmlns="" xmlns:a16="http://schemas.microsoft.com/office/drawing/2014/main" id="{6E234CCF-F0D4-4828-A7E0-AD8DBE9D5157}"/>
               </a:ext>
             </a:extLst>
           </p:cNvPr>
@@ -50414,7 +52296,7 @@
           <p:cNvPr id="63" name="TextBox 62">
             <a:extLst>
               <a:ext uri="{FF2B5EF4-FFF2-40B4-BE49-F238E27FC236}">
-                <a16:creationId xmlns:a16="http://schemas.microsoft.com/office/drawing/2014/main" xmlns="" id="{5C4E79A3-8CAA-468B-A296-FDF5DF35DB8E}"/>
+                <a16:creationId xmlns="" xmlns:a16="http://schemas.microsoft.com/office/drawing/2014/main" id="{5C4E79A3-8CAA-468B-A296-FDF5DF35DB8E}"/>
               </a:ext>
             </a:extLst>
           </p:cNvPr>
@@ -50469,7 +52351,7 @@
           <p:cNvPr id="64" name="Rectangle 63">
             <a:extLst>
               <a:ext uri="{FF2B5EF4-FFF2-40B4-BE49-F238E27FC236}">
-                <a16:creationId xmlns:a16="http://schemas.microsoft.com/office/drawing/2014/main" xmlns="" id="{0829BC16-F805-4F38-821A-1F207D5BC17B}"/>
+                <a16:creationId xmlns="" xmlns:a16="http://schemas.microsoft.com/office/drawing/2014/main" id="{0829BC16-F805-4F38-821A-1F207D5BC17B}"/>
               </a:ext>
             </a:extLst>
           </p:cNvPr>
@@ -50514,7 +52396,7 @@
           <p:cNvPr id="2" name="Isosceles Triangle 1">
             <a:extLst>
               <a:ext uri="{FF2B5EF4-FFF2-40B4-BE49-F238E27FC236}">
-                <a16:creationId xmlns:a16="http://schemas.microsoft.com/office/drawing/2014/main" xmlns="" id="{A803AD18-415E-4067-8241-BA7F4157E4B7}"/>
+                <a16:creationId xmlns="" xmlns:a16="http://schemas.microsoft.com/office/drawing/2014/main" id="{A803AD18-415E-4067-8241-BA7F4157E4B7}"/>
               </a:ext>
             </a:extLst>
           </p:cNvPr>
@@ -50570,7 +52452,7 @@
           <p:cNvPr id="3" name="Oval 2">
             <a:extLst>
               <a:ext uri="{FF2B5EF4-FFF2-40B4-BE49-F238E27FC236}">
-                <a16:creationId xmlns:a16="http://schemas.microsoft.com/office/drawing/2014/main" xmlns="" id="{9C9318B9-81FA-44F8-BD03-3CBF4DC51669}"/>
+                <a16:creationId xmlns="" xmlns:a16="http://schemas.microsoft.com/office/drawing/2014/main" id="{9C9318B9-81FA-44F8-BD03-3CBF4DC51669}"/>
               </a:ext>
             </a:extLst>
           </p:cNvPr>
@@ -50624,7 +52506,7 @@
           <p:cNvPr id="35" name="Picture 2" descr="IRSATIM 150">
             <a:extLst>
               <a:ext uri="{FF2B5EF4-FFF2-40B4-BE49-F238E27FC236}">
-                <a16:creationId xmlns:a16="http://schemas.microsoft.com/office/drawing/2014/main" xmlns="" id="{45CC87D4-4A93-4FC5-8D67-29873A5D5646}"/>
+                <a16:creationId xmlns="" xmlns:a16="http://schemas.microsoft.com/office/drawing/2014/main" id="{45CC87D4-4A93-4FC5-8D67-29873A5D5646}"/>
               </a:ext>
             </a:extLst>
           </p:cNvPr>
@@ -50680,7 +52562,7 @@
           <p:cNvPr id="36" name="Isosceles Triangle 35">
             <a:extLst>
               <a:ext uri="{FF2B5EF4-FFF2-40B4-BE49-F238E27FC236}">
-                <a16:creationId xmlns:a16="http://schemas.microsoft.com/office/drawing/2014/main" xmlns="" id="{A17C4DDD-5D38-458A-9FE1-F65258238692}"/>
+                <a16:creationId xmlns="" xmlns:a16="http://schemas.microsoft.com/office/drawing/2014/main" id="{A17C4DDD-5D38-458A-9FE1-F65258238692}"/>
               </a:ext>
             </a:extLst>
           </p:cNvPr>
@@ -50736,7 +52618,7 @@
           <p:cNvPr id="37" name="Isosceles Triangle 36">
             <a:extLst>
               <a:ext uri="{FF2B5EF4-FFF2-40B4-BE49-F238E27FC236}">
-                <a16:creationId xmlns:a16="http://schemas.microsoft.com/office/drawing/2014/main" xmlns="" id="{1A556C7D-71AD-4CAC-BB13-403C446E0B68}"/>
+                <a16:creationId xmlns="" xmlns:a16="http://schemas.microsoft.com/office/drawing/2014/main" id="{1A556C7D-71AD-4CAC-BB13-403C446E0B68}"/>
               </a:ext>
             </a:extLst>
           </p:cNvPr>
@@ -50792,7 +52674,7 @@
           <p:cNvPr id="33" name="TextBox 32">
             <a:extLst>
               <a:ext uri="{FF2B5EF4-FFF2-40B4-BE49-F238E27FC236}">
-                <a16:creationId xmlns:a16="http://schemas.microsoft.com/office/drawing/2014/main" xmlns="" id="{BA832293-C24C-4491-B0AD-5CEC4FE04AF0}"/>
+                <a16:creationId xmlns="" xmlns:a16="http://schemas.microsoft.com/office/drawing/2014/main" id="{BA832293-C24C-4491-B0AD-5CEC4FE04AF0}"/>
               </a:ext>
             </a:extLst>
           </p:cNvPr>
@@ -50847,7 +52729,7 @@
           <p:cNvPr id="38" name="Rectangle 37">
             <a:extLst>
               <a:ext uri="{FF2B5EF4-FFF2-40B4-BE49-F238E27FC236}">
-                <a16:creationId xmlns:a16="http://schemas.microsoft.com/office/drawing/2014/main" xmlns="" id="{713ABEAB-3294-49C2-A3C6-83F58CE9BABD}"/>
+                <a16:creationId xmlns="" xmlns:a16="http://schemas.microsoft.com/office/drawing/2014/main" id="{713ABEAB-3294-49C2-A3C6-83F58CE9BABD}"/>
               </a:ext>
             </a:extLst>
           </p:cNvPr>
@@ -50893,7 +52775,7 @@
           <p:cNvPr id="39" name="Picture 38">
             <a:extLst>
               <a:ext uri="{FF2B5EF4-FFF2-40B4-BE49-F238E27FC236}">
-                <a16:creationId xmlns:a16="http://schemas.microsoft.com/office/drawing/2014/main" xmlns="" id="{A7436721-6E2B-4770-9A40-643D265D3460}"/>
+                <a16:creationId xmlns="" xmlns:a16="http://schemas.microsoft.com/office/drawing/2014/main" id="{A7436721-6E2B-4770-9A40-643D265D3460}"/>
               </a:ext>
             </a:extLst>
           </p:cNvPr>
@@ -50934,11 +52816,11 @@
   <p:clrMapOvr>
     <a:masterClrMapping/>
   </p:clrMapOvr>
-  <mc:AlternateContent xmlns:mc="http://schemas.openxmlformats.org/markup-compatibility/2006">
-    <mc:Choice xmlns:p14="http://schemas.microsoft.com/office/powerpoint/2010/main" Requires="p14">
+  <mc:AlternateContent xmlns:mc="http://schemas.openxmlformats.org/markup-compatibility/2006" xmlns:p14="http://schemas.microsoft.com/office/powerpoint/2010/main">
+    <mc:Choice Requires="p14">
       <p:transition spd="slow" p14:dur="2000"/>
     </mc:Choice>
-    <mc:Fallback>
+    <mc:Fallback xmlns="">
       <p:transition spd="slow"/>
     </mc:Fallback>
   </mc:AlternateContent>
@@ -50967,7 +52849,7 @@
           <p:cNvPr id="6" name="TextBox 5">
             <a:extLst>
               <a:ext uri="{FF2B5EF4-FFF2-40B4-BE49-F238E27FC236}">
-                <a16:creationId xmlns:a16="http://schemas.microsoft.com/office/drawing/2014/main" xmlns="" id="{CD2A8DE0-B0E7-40FB-9538-60D54401A4F8}"/>
+                <a16:creationId xmlns="" xmlns:a16="http://schemas.microsoft.com/office/drawing/2014/main" id="{CD2A8DE0-B0E7-40FB-9538-60D54401A4F8}"/>
               </a:ext>
             </a:extLst>
           </p:cNvPr>
@@ -51094,7 +52976,7 @@
           <p:cNvPr id="11" name="Picture 10">
             <a:extLst>
               <a:ext uri="{FF2B5EF4-FFF2-40B4-BE49-F238E27FC236}">
-                <a16:creationId xmlns:a16="http://schemas.microsoft.com/office/drawing/2014/main" xmlns="" id="{F6164AE6-B86F-4668-B82E-2CCF243694C5}"/>
+                <a16:creationId xmlns="" xmlns:a16="http://schemas.microsoft.com/office/drawing/2014/main" id="{F6164AE6-B86F-4668-B82E-2CCF243694C5}"/>
               </a:ext>
             </a:extLst>
           </p:cNvPr>
@@ -51124,7 +53006,7 @@
           <p:cNvPr id="12" name="Rectangle 11">
             <a:extLst>
               <a:ext uri="{FF2B5EF4-FFF2-40B4-BE49-F238E27FC236}">
-                <a16:creationId xmlns:a16="http://schemas.microsoft.com/office/drawing/2014/main" xmlns="" id="{9DC85E5D-8339-4A90-8911-6572A28FAB1B}"/>
+                <a16:creationId xmlns="" xmlns:a16="http://schemas.microsoft.com/office/drawing/2014/main" id="{9DC85E5D-8339-4A90-8911-6572A28FAB1B}"/>
               </a:ext>
             </a:extLst>
           </p:cNvPr>
@@ -51178,7 +53060,7 @@
           <p:cNvPr id="13" name="Picture 8" descr="C:\Users\HuyTran\Desktop\WPF project\Paul_Circle.png">
             <a:extLst>
               <a:ext uri="{FF2B5EF4-FFF2-40B4-BE49-F238E27FC236}">
-                <a16:creationId xmlns:a16="http://schemas.microsoft.com/office/drawing/2014/main" xmlns="" id="{7709B346-3CF0-4506-B6E0-39CD18074E81}"/>
+                <a16:creationId xmlns="" xmlns:a16="http://schemas.microsoft.com/office/drawing/2014/main" id="{7709B346-3CF0-4506-B6E0-39CD18074E81}"/>
               </a:ext>
             </a:extLst>
           </p:cNvPr>
@@ -51225,7 +53107,7 @@
           <p:cNvPr id="14" name="TextBox 13">
             <a:extLst>
               <a:ext uri="{FF2B5EF4-FFF2-40B4-BE49-F238E27FC236}">
-                <a16:creationId xmlns:a16="http://schemas.microsoft.com/office/drawing/2014/main" xmlns="" id="{88CA780A-86AF-4CC5-93C8-9AA542968897}"/>
+                <a16:creationId xmlns="" xmlns:a16="http://schemas.microsoft.com/office/drawing/2014/main" id="{88CA780A-86AF-4CC5-93C8-9AA542968897}"/>
               </a:ext>
             </a:extLst>
           </p:cNvPr>
@@ -51277,7 +53159,7 @@
           <p:cNvPr id="16" name="TextBox 15">
             <a:extLst>
               <a:ext uri="{FF2B5EF4-FFF2-40B4-BE49-F238E27FC236}">
-                <a16:creationId xmlns:a16="http://schemas.microsoft.com/office/drawing/2014/main" xmlns="" id="{5AD7D250-00C2-41C7-AF99-CE4054EFC6EB}"/>
+                <a16:creationId xmlns="" xmlns:a16="http://schemas.microsoft.com/office/drawing/2014/main" id="{5AD7D250-00C2-41C7-AF99-CE4054EFC6EB}"/>
               </a:ext>
             </a:extLst>
           </p:cNvPr>
@@ -51329,7 +53211,7 @@
           <p:cNvPr id="17" name="TextBox 16">
             <a:extLst>
               <a:ext uri="{FF2B5EF4-FFF2-40B4-BE49-F238E27FC236}">
-                <a16:creationId xmlns:a16="http://schemas.microsoft.com/office/drawing/2014/main" xmlns="" id="{E74F7379-B503-4B35-946D-61820AE3A953}"/>
+                <a16:creationId xmlns="" xmlns:a16="http://schemas.microsoft.com/office/drawing/2014/main" id="{E74F7379-B503-4B35-946D-61820AE3A953}"/>
               </a:ext>
             </a:extLst>
           </p:cNvPr>
@@ -51384,7 +53266,7 @@
           <p:cNvPr id="28" name="TextBox 27">
             <a:extLst>
               <a:ext uri="{FF2B5EF4-FFF2-40B4-BE49-F238E27FC236}">
-                <a16:creationId xmlns:a16="http://schemas.microsoft.com/office/drawing/2014/main" xmlns="" id="{8F345D2C-1E4C-4A1A-8D6E-410B30EE87E6}"/>
+                <a16:creationId xmlns="" xmlns:a16="http://schemas.microsoft.com/office/drawing/2014/main" id="{8F345D2C-1E4C-4A1A-8D6E-410B30EE87E6}"/>
               </a:ext>
             </a:extLst>
           </p:cNvPr>
@@ -51532,7 +53414,7 @@
           <p:cNvPr id="53" name="TextBox 52">
             <a:extLst>
               <a:ext uri="{FF2B5EF4-FFF2-40B4-BE49-F238E27FC236}">
-                <a16:creationId xmlns:a16="http://schemas.microsoft.com/office/drawing/2014/main" xmlns="" id="{FE0AE89D-4FA9-4115-8B78-5EC058441CB9}"/>
+                <a16:creationId xmlns="" xmlns:a16="http://schemas.microsoft.com/office/drawing/2014/main" id="{FE0AE89D-4FA9-4115-8B78-5EC058441CB9}"/>
               </a:ext>
             </a:extLst>
           </p:cNvPr>
@@ -51599,7 +53481,7 @@
           <p:cNvPr id="54" name="TextBox 53">
             <a:extLst>
               <a:ext uri="{FF2B5EF4-FFF2-40B4-BE49-F238E27FC236}">
-                <a16:creationId xmlns:a16="http://schemas.microsoft.com/office/drawing/2014/main" xmlns="" id="{E05C8096-46D4-4A7C-A2B8-9D79A1BCDC32}"/>
+                <a16:creationId xmlns="" xmlns:a16="http://schemas.microsoft.com/office/drawing/2014/main" id="{E05C8096-46D4-4A7C-A2B8-9D79A1BCDC32}"/>
               </a:ext>
             </a:extLst>
           </p:cNvPr>
@@ -51654,7 +53536,7 @@
           <p:cNvPr id="55" name="Rectangle 54">
             <a:extLst>
               <a:ext uri="{FF2B5EF4-FFF2-40B4-BE49-F238E27FC236}">
-                <a16:creationId xmlns:a16="http://schemas.microsoft.com/office/drawing/2014/main" xmlns="" id="{F69AF0D9-0AAE-4E50-8597-FDBE5BA3762C}"/>
+                <a16:creationId xmlns="" xmlns:a16="http://schemas.microsoft.com/office/drawing/2014/main" id="{F69AF0D9-0AAE-4E50-8597-FDBE5BA3762C}"/>
               </a:ext>
             </a:extLst>
           </p:cNvPr>
@@ -51700,7 +53582,7 @@
           <p:cNvPr id="56" name="Rectangle 55">
             <a:extLst>
               <a:ext uri="{FF2B5EF4-FFF2-40B4-BE49-F238E27FC236}">
-                <a16:creationId xmlns:a16="http://schemas.microsoft.com/office/drawing/2014/main" xmlns="" id="{D1AFC196-8286-44EA-B141-AB550462EA4C}"/>
+                <a16:creationId xmlns="" xmlns:a16="http://schemas.microsoft.com/office/drawing/2014/main" id="{D1AFC196-8286-44EA-B141-AB550462EA4C}"/>
               </a:ext>
             </a:extLst>
           </p:cNvPr>
@@ -51746,7 +53628,7 @@
           <p:cNvPr id="57" name="Rectangle 56">
             <a:extLst>
               <a:ext uri="{FF2B5EF4-FFF2-40B4-BE49-F238E27FC236}">
-                <a16:creationId xmlns:a16="http://schemas.microsoft.com/office/drawing/2014/main" xmlns="" id="{93F1A291-15A0-4EEE-A517-C4C056E66505}"/>
+                <a16:creationId xmlns="" xmlns:a16="http://schemas.microsoft.com/office/drawing/2014/main" id="{93F1A291-15A0-4EEE-A517-C4C056E66505}"/>
               </a:ext>
             </a:extLst>
           </p:cNvPr>
@@ -51806,7 +53688,7 @@
           <p:cNvPr id="58" name="Rectangle 57">
             <a:extLst>
               <a:ext uri="{FF2B5EF4-FFF2-40B4-BE49-F238E27FC236}">
-                <a16:creationId xmlns:a16="http://schemas.microsoft.com/office/drawing/2014/main" xmlns="" id="{C313D5D0-14D9-4013-A702-8F05786AB4A7}"/>
+                <a16:creationId xmlns="" xmlns:a16="http://schemas.microsoft.com/office/drawing/2014/main" id="{C313D5D0-14D9-4013-A702-8F05786AB4A7}"/>
               </a:ext>
             </a:extLst>
           </p:cNvPr>
@@ -51880,7 +53762,7 @@
           <p:cNvPr id="63" name="TextBox 62">
             <a:extLst>
               <a:ext uri="{FF2B5EF4-FFF2-40B4-BE49-F238E27FC236}">
-                <a16:creationId xmlns:a16="http://schemas.microsoft.com/office/drawing/2014/main" xmlns="" id="{5C4E79A3-8CAA-468B-A296-FDF5DF35DB8E}"/>
+                <a16:creationId xmlns="" xmlns:a16="http://schemas.microsoft.com/office/drawing/2014/main" id="{5C4E79A3-8CAA-468B-A296-FDF5DF35DB8E}"/>
               </a:ext>
             </a:extLst>
           </p:cNvPr>
@@ -51935,7 +53817,7 @@
           <p:cNvPr id="64" name="Rectangle 63">
             <a:extLst>
               <a:ext uri="{FF2B5EF4-FFF2-40B4-BE49-F238E27FC236}">
-                <a16:creationId xmlns:a16="http://schemas.microsoft.com/office/drawing/2014/main" xmlns="" id="{0829BC16-F805-4F38-821A-1F207D5BC17B}"/>
+                <a16:creationId xmlns="" xmlns:a16="http://schemas.microsoft.com/office/drawing/2014/main" id="{0829BC16-F805-4F38-821A-1F207D5BC17B}"/>
               </a:ext>
             </a:extLst>
           </p:cNvPr>
@@ -51980,7 +53862,7 @@
           <p:cNvPr id="3" name="Oval 2">
             <a:extLst>
               <a:ext uri="{FF2B5EF4-FFF2-40B4-BE49-F238E27FC236}">
-                <a16:creationId xmlns:a16="http://schemas.microsoft.com/office/drawing/2014/main" xmlns="" id="{9C9318B9-81FA-44F8-BD03-3CBF4DC51669}"/>
+                <a16:creationId xmlns="" xmlns:a16="http://schemas.microsoft.com/office/drawing/2014/main" id="{9C9318B9-81FA-44F8-BD03-3CBF4DC51669}"/>
               </a:ext>
             </a:extLst>
           </p:cNvPr>
@@ -52034,7 +53916,7 @@
           <p:cNvPr id="35" name="Picture 2" descr="IRSATIM 150">
             <a:extLst>
               <a:ext uri="{FF2B5EF4-FFF2-40B4-BE49-F238E27FC236}">
-                <a16:creationId xmlns:a16="http://schemas.microsoft.com/office/drawing/2014/main" xmlns="" id="{45CC87D4-4A93-4FC5-8D67-29873A5D5646}"/>
+                <a16:creationId xmlns="" xmlns:a16="http://schemas.microsoft.com/office/drawing/2014/main" id="{45CC87D4-4A93-4FC5-8D67-29873A5D5646}"/>
               </a:ext>
             </a:extLst>
           </p:cNvPr>
@@ -52090,7 +53972,7 @@
           <p:cNvPr id="39" name="TextBox 38">
             <a:extLst>
               <a:ext uri="{FF2B5EF4-FFF2-40B4-BE49-F238E27FC236}">
-                <a16:creationId xmlns:a16="http://schemas.microsoft.com/office/drawing/2014/main" xmlns="" id="{73273492-29A5-4F53-AF89-8C22E6508DF3}"/>
+                <a16:creationId xmlns="" xmlns:a16="http://schemas.microsoft.com/office/drawing/2014/main" id="{73273492-29A5-4F53-AF89-8C22E6508DF3}"/>
               </a:ext>
             </a:extLst>
           </p:cNvPr>
@@ -52145,7 +54027,7 @@
           <p:cNvPr id="41" name="TextBox 40">
             <a:extLst>
               <a:ext uri="{FF2B5EF4-FFF2-40B4-BE49-F238E27FC236}">
-                <a16:creationId xmlns:a16="http://schemas.microsoft.com/office/drawing/2014/main" xmlns="" id="{E67AEADD-660D-4717-BED0-43ACC7DD3ECA}"/>
+                <a16:creationId xmlns="" xmlns:a16="http://schemas.microsoft.com/office/drawing/2014/main" id="{E67AEADD-660D-4717-BED0-43ACC7DD3ECA}"/>
               </a:ext>
             </a:extLst>
           </p:cNvPr>
@@ -52212,7 +54094,7 @@
           <p:cNvPr id="42" name="TextBox 41">
             <a:extLst>
               <a:ext uri="{FF2B5EF4-FFF2-40B4-BE49-F238E27FC236}">
-                <a16:creationId xmlns:a16="http://schemas.microsoft.com/office/drawing/2014/main" xmlns="" id="{BA2FA212-3A2F-4976-9D7A-B6AC7D04F42E}"/>
+                <a16:creationId xmlns="" xmlns:a16="http://schemas.microsoft.com/office/drawing/2014/main" id="{BA2FA212-3A2F-4976-9D7A-B6AC7D04F42E}"/>
               </a:ext>
             </a:extLst>
           </p:cNvPr>
@@ -52279,7 +54161,7 @@
           <p:cNvPr id="43" name="Rectangle 42">
             <a:extLst>
               <a:ext uri="{FF2B5EF4-FFF2-40B4-BE49-F238E27FC236}">
-                <a16:creationId xmlns:a16="http://schemas.microsoft.com/office/drawing/2014/main" xmlns="" id="{58FA033B-894B-4801-B9D5-801552CDFA84}"/>
+                <a16:creationId xmlns="" xmlns:a16="http://schemas.microsoft.com/office/drawing/2014/main" id="{58FA033B-894B-4801-B9D5-801552CDFA84}"/>
               </a:ext>
             </a:extLst>
           </p:cNvPr>
@@ -52336,7 +54218,7 @@
           <p:cNvPr id="44" name="Rectangle 43">
             <a:extLst>
               <a:ext uri="{FF2B5EF4-FFF2-40B4-BE49-F238E27FC236}">
-                <a16:creationId xmlns:a16="http://schemas.microsoft.com/office/drawing/2014/main" xmlns="" id="{D7B5DF37-D162-478C-956B-ED34F0B6D920}"/>
+                <a16:creationId xmlns="" xmlns:a16="http://schemas.microsoft.com/office/drawing/2014/main" id="{D7B5DF37-D162-478C-956B-ED34F0B6D920}"/>
               </a:ext>
             </a:extLst>
           </p:cNvPr>
@@ -52382,7 +54264,7 @@
           <p:cNvPr id="45" name="Rectangle 44">
             <a:extLst>
               <a:ext uri="{FF2B5EF4-FFF2-40B4-BE49-F238E27FC236}">
-                <a16:creationId xmlns:a16="http://schemas.microsoft.com/office/drawing/2014/main" xmlns="" id="{044E8DF8-4829-48F2-A0E9-44485C9A2113}"/>
+                <a16:creationId xmlns="" xmlns:a16="http://schemas.microsoft.com/office/drawing/2014/main" id="{044E8DF8-4829-48F2-A0E9-44485C9A2113}"/>
               </a:ext>
             </a:extLst>
           </p:cNvPr>
@@ -52428,7 +54310,7 @@
           <p:cNvPr id="46" name="TextBox 45">
             <a:extLst>
               <a:ext uri="{FF2B5EF4-FFF2-40B4-BE49-F238E27FC236}">
-                <a16:creationId xmlns:a16="http://schemas.microsoft.com/office/drawing/2014/main" xmlns="" id="{878687E5-4CCB-4D7D-9D08-36226DD1A8F7}"/>
+                <a16:creationId xmlns="" xmlns:a16="http://schemas.microsoft.com/office/drawing/2014/main" id="{878687E5-4CCB-4D7D-9D08-36226DD1A8F7}"/>
               </a:ext>
             </a:extLst>
           </p:cNvPr>
@@ -52483,7 +54365,7 @@
           <p:cNvPr id="50" name="Rectangle 49">
             <a:extLst>
               <a:ext uri="{FF2B5EF4-FFF2-40B4-BE49-F238E27FC236}">
-                <a16:creationId xmlns:a16="http://schemas.microsoft.com/office/drawing/2014/main" xmlns="" id="{4E7C3C02-1A44-485D-902E-170431AB88B9}"/>
+                <a16:creationId xmlns="" xmlns:a16="http://schemas.microsoft.com/office/drawing/2014/main" id="{4E7C3C02-1A44-485D-902E-170431AB88B9}"/>
               </a:ext>
             </a:extLst>
           </p:cNvPr>
@@ -52529,7 +54411,7 @@
           <p:cNvPr id="51" name="Isosceles Triangle 50">
             <a:extLst>
               <a:ext uri="{FF2B5EF4-FFF2-40B4-BE49-F238E27FC236}">
-                <a16:creationId xmlns:a16="http://schemas.microsoft.com/office/drawing/2014/main" xmlns="" id="{4E65350F-8A8E-4637-83DE-8DDE738A5518}"/>
+                <a16:creationId xmlns="" xmlns:a16="http://schemas.microsoft.com/office/drawing/2014/main" id="{4E65350F-8A8E-4637-83DE-8DDE738A5518}"/>
               </a:ext>
             </a:extLst>
           </p:cNvPr>
@@ -52585,7 +54467,7 @@
           <p:cNvPr id="52" name="Isosceles Triangle 51">
             <a:extLst>
               <a:ext uri="{FF2B5EF4-FFF2-40B4-BE49-F238E27FC236}">
-                <a16:creationId xmlns:a16="http://schemas.microsoft.com/office/drawing/2014/main" xmlns="" id="{24EA7224-A6D5-4D23-9653-B772ADE6266D}"/>
+                <a16:creationId xmlns="" xmlns:a16="http://schemas.microsoft.com/office/drawing/2014/main" id="{24EA7224-A6D5-4D23-9653-B772ADE6266D}"/>
               </a:ext>
             </a:extLst>
           </p:cNvPr>
@@ -52641,7 +54523,7 @@
           <p:cNvPr id="59" name="Isosceles Triangle 58">
             <a:extLst>
               <a:ext uri="{FF2B5EF4-FFF2-40B4-BE49-F238E27FC236}">
-                <a16:creationId xmlns:a16="http://schemas.microsoft.com/office/drawing/2014/main" xmlns="" id="{BF5508BF-D8E1-46AE-92B0-7ACEE67E1ED6}"/>
+                <a16:creationId xmlns="" xmlns:a16="http://schemas.microsoft.com/office/drawing/2014/main" id="{BF5508BF-D8E1-46AE-92B0-7ACEE67E1ED6}"/>
               </a:ext>
             </a:extLst>
           </p:cNvPr>
@@ -52697,7 +54579,7 @@
           <p:cNvPr id="60" name="TextBox 59">
             <a:extLst>
               <a:ext uri="{FF2B5EF4-FFF2-40B4-BE49-F238E27FC236}">
-                <a16:creationId xmlns:a16="http://schemas.microsoft.com/office/drawing/2014/main" xmlns="" id="{568C4ECB-2FDE-48A7-8E03-65E381A9A1CA}"/>
+                <a16:creationId xmlns="" xmlns:a16="http://schemas.microsoft.com/office/drawing/2014/main" id="{568C4ECB-2FDE-48A7-8E03-65E381A9A1CA}"/>
               </a:ext>
             </a:extLst>
           </p:cNvPr>
@@ -52752,7 +54634,7 @@
           <p:cNvPr id="65" name="Rectangle 64">
             <a:extLst>
               <a:ext uri="{FF2B5EF4-FFF2-40B4-BE49-F238E27FC236}">
-                <a16:creationId xmlns:a16="http://schemas.microsoft.com/office/drawing/2014/main" xmlns="" id="{A85FB4A0-DEDD-4BCA-8D5A-45B2F19BE95B}"/>
+                <a16:creationId xmlns="" xmlns:a16="http://schemas.microsoft.com/office/drawing/2014/main" id="{A85FB4A0-DEDD-4BCA-8D5A-45B2F19BE95B}"/>
               </a:ext>
             </a:extLst>
           </p:cNvPr>
@@ -52798,7 +54680,7 @@
           <p:cNvPr id="34" name="Table 3">
             <a:extLst>
               <a:ext uri="{FF2B5EF4-FFF2-40B4-BE49-F238E27FC236}">
-                <a16:creationId xmlns:a16="http://schemas.microsoft.com/office/drawing/2014/main" xmlns="" id="{2BBD02BB-053D-450E-BC1A-531530C977C2}"/>
+                <a16:creationId xmlns="" xmlns:a16="http://schemas.microsoft.com/office/drawing/2014/main" id="{2BBD02BB-053D-450E-BC1A-531530C977C2}"/>
               </a:ext>
             </a:extLst>
           </p:cNvPr>
@@ -52827,21 +54709,21 @@
                 <a:gridCol w="2819400">
                   <a:extLst>
                     <a:ext uri="{9D8B030D-6E8A-4147-A177-3AD203B41FA5}">
-                      <a16:colId xmlns:a16="http://schemas.microsoft.com/office/drawing/2014/main" xmlns="" val="3679797539"/>
+                      <a16:colId xmlns="" xmlns:a16="http://schemas.microsoft.com/office/drawing/2014/main" val="3679797539"/>
                     </a:ext>
                   </a:extLst>
                 </a:gridCol>
                 <a:gridCol w="2819400">
                   <a:extLst>
                     <a:ext uri="{9D8B030D-6E8A-4147-A177-3AD203B41FA5}">
-                      <a16:colId xmlns:a16="http://schemas.microsoft.com/office/drawing/2014/main" xmlns="" val="4188008786"/>
+                      <a16:colId xmlns="" xmlns:a16="http://schemas.microsoft.com/office/drawing/2014/main" val="4188008786"/>
                     </a:ext>
                   </a:extLst>
                 </a:gridCol>
                 <a:gridCol w="2819400">
                   <a:extLst>
                     <a:ext uri="{9D8B030D-6E8A-4147-A177-3AD203B41FA5}">
-                      <a16:colId xmlns:a16="http://schemas.microsoft.com/office/drawing/2014/main" xmlns="" val="3214238948"/>
+                      <a16:colId xmlns="" xmlns:a16="http://schemas.microsoft.com/office/drawing/2014/main" val="3214238948"/>
                     </a:ext>
                   </a:extLst>
                 </a:gridCol>
@@ -52936,7 +54818,7 @@
                 </a:tc>
                 <a:extLst>
                   <a:ext uri="{0D108BD9-81ED-4DB2-BD59-A6C34878D82A}">
-                    <a16:rowId xmlns:a16="http://schemas.microsoft.com/office/drawing/2014/main" xmlns="" val="652390980"/>
+                    <a16:rowId xmlns="" xmlns:a16="http://schemas.microsoft.com/office/drawing/2014/main" val="652390980"/>
                   </a:ext>
                 </a:extLst>
               </a:tr>
@@ -52994,7 +54876,7 @@
                 </a:tc>
                 <a:extLst>
                   <a:ext uri="{0D108BD9-81ED-4DB2-BD59-A6C34878D82A}">
-                    <a16:rowId xmlns:a16="http://schemas.microsoft.com/office/drawing/2014/main" xmlns="" val="730336656"/>
+                    <a16:rowId xmlns="" xmlns:a16="http://schemas.microsoft.com/office/drawing/2014/main" val="730336656"/>
                   </a:ext>
                 </a:extLst>
               </a:tr>
@@ -53052,7 +54934,7 @@
                 </a:tc>
                 <a:extLst>
                   <a:ext uri="{0D108BD9-81ED-4DB2-BD59-A6C34878D82A}">
-                    <a16:rowId xmlns:a16="http://schemas.microsoft.com/office/drawing/2014/main" xmlns="" val="2897143220"/>
+                    <a16:rowId xmlns="" xmlns:a16="http://schemas.microsoft.com/office/drawing/2014/main" val="2897143220"/>
                   </a:ext>
                 </a:extLst>
               </a:tr>
@@ -53065,7 +54947,7 @@
           <p:cNvPr id="36" name="TextBox 35">
             <a:extLst>
               <a:ext uri="{FF2B5EF4-FFF2-40B4-BE49-F238E27FC236}">
-                <a16:creationId xmlns:a16="http://schemas.microsoft.com/office/drawing/2014/main" xmlns="" id="{6E5C6BD5-A2A3-45E6-B1BA-86A0FC1C32E9}"/>
+                <a16:creationId xmlns="" xmlns:a16="http://schemas.microsoft.com/office/drawing/2014/main" id="{6E5C6BD5-A2A3-45E6-B1BA-86A0FC1C32E9}"/>
               </a:ext>
             </a:extLst>
           </p:cNvPr>
@@ -53120,7 +55002,7 @@
           <p:cNvPr id="37" name="Picture 36">
             <a:extLst>
               <a:ext uri="{FF2B5EF4-FFF2-40B4-BE49-F238E27FC236}">
-                <a16:creationId xmlns:a16="http://schemas.microsoft.com/office/drawing/2014/main" xmlns="" id="{2FFF2B0C-7C44-4132-9C8B-1BBB8CA4820B}"/>
+                <a16:creationId xmlns="" xmlns:a16="http://schemas.microsoft.com/office/drawing/2014/main" id="{2FFF2B0C-7C44-4132-9C8B-1BBB8CA4820B}"/>
               </a:ext>
             </a:extLst>
           </p:cNvPr>
@@ -53161,11 +55043,11 @@
   <p:clrMapOvr>
     <a:masterClrMapping/>
   </p:clrMapOvr>
-  <mc:AlternateContent xmlns:mc="http://schemas.openxmlformats.org/markup-compatibility/2006">
-    <mc:Choice xmlns:p14="http://schemas.microsoft.com/office/powerpoint/2010/main" Requires="p14">
+  <mc:AlternateContent xmlns:mc="http://schemas.openxmlformats.org/markup-compatibility/2006" xmlns:p14="http://schemas.microsoft.com/office/powerpoint/2010/main">
+    <mc:Choice Requires="p14">
       <p:transition spd="slow" p14:dur="2000"/>
     </mc:Choice>
-    <mc:Fallback>
+    <mc:Fallback xmlns="">
       <p:transition spd="slow"/>
     </mc:Fallback>
   </mc:AlternateContent>
@@ -53746,7 +55628,7 @@
   <a:extraClrSchemeLst/>
   <a:extLst>
     <a:ext uri="{05A4C25C-085E-4340-85A3-A5531E510DB2}">
-      <thm15:themeFamily xmlns:thm15="http://schemas.microsoft.com/office/thememl/2012/main" xmlns="" name="Office Theme" id="{62F939B6-93AF-4DB8-9C6B-D6C7DFDC589F}" vid="{4A3C46E8-61CC-4603-A589-7422A47A8E4A}"/>
+      <thm15:themeFamily xmlns="" xmlns:thm15="http://schemas.microsoft.com/office/thememl/2012/main" name="Office Theme" id="{62F939B6-93AF-4DB8-9C6B-D6C7DFDC589F}" vid="{4A3C46E8-61CC-4603-A589-7422A47A8E4A}"/>
     </a:ext>
   </a:extLst>
 </a:theme>

--- a/Pharmacy/UXUI/PagesUI.pptx
+++ b/Pharmacy/UXUI/PagesUI.pptx
@@ -138,7 +138,7 @@
   </p:defaultTextStyle>
   <p:extLst>
     <p:ext uri="{EFAFB233-063F-42B5-8137-9DF3F51BA10A}">
-      <p15:sldGuideLst xmlns="" xmlns:p15="http://schemas.microsoft.com/office/powerpoint/2012/main">
+      <p15:sldGuideLst xmlns:p15="http://schemas.microsoft.com/office/powerpoint/2012/main" xmlns="">
         <p15:guide id="1" orient="horz" pos="2160">
           <p15:clr>
             <a:srgbClr val="A4A3A4"/>
@@ -185,31 +185,32 @@
               <c:strCache>
                 <c:ptCount val="1"/>
                 <c:pt idx="0">
-                  <c:v>Series 1</c:v>
+                  <c:v>Thu</c:v>
                 </c:pt>
               </c:strCache>
             </c:strRef>
           </c:tx>
           <c:invertIfNegative val="0"/>
           <c:cat>
-            <c:strRef>
+            <c:numRef>
               <c:f>Sheet1!$A$2:$A$5</c:f>
-              <c:strCache>
+              <c:numCache>
+                <c:formatCode>d\-mmm</c:formatCode>
                 <c:ptCount val="4"/>
                 <c:pt idx="0">
-                  <c:v>Category 1</c:v>
+                  <c:v>44199</c:v>
                 </c:pt>
                 <c:pt idx="1">
-                  <c:v>Category 2</c:v>
+                  <c:v>44230</c:v>
                 </c:pt>
                 <c:pt idx="2">
-                  <c:v>Category 3</c:v>
+                  <c:v>44258</c:v>
                 </c:pt>
                 <c:pt idx="3">
-                  <c:v>Category 4</c:v>
+                  <c:v>44289</c:v>
                 </c:pt>
-              </c:strCache>
-            </c:strRef>
+              </c:numCache>
+            </c:numRef>
           </c:cat>
           <c:val>
             <c:numRef>
@@ -242,31 +243,32 @@
               <c:strCache>
                 <c:ptCount val="1"/>
                 <c:pt idx="0">
-                  <c:v>Series 2</c:v>
+                  <c:v>Chi</c:v>
                 </c:pt>
               </c:strCache>
             </c:strRef>
           </c:tx>
           <c:invertIfNegative val="0"/>
           <c:cat>
-            <c:strRef>
+            <c:numRef>
               <c:f>Sheet1!$A$2:$A$5</c:f>
-              <c:strCache>
+              <c:numCache>
+                <c:formatCode>d\-mmm</c:formatCode>
                 <c:ptCount val="4"/>
                 <c:pt idx="0">
-                  <c:v>Category 1</c:v>
+                  <c:v>44199</c:v>
                 </c:pt>
                 <c:pt idx="1">
-                  <c:v>Category 2</c:v>
+                  <c:v>44230</c:v>
                 </c:pt>
                 <c:pt idx="2">
-                  <c:v>Category 3</c:v>
+                  <c:v>44258</c:v>
                 </c:pt>
                 <c:pt idx="3">
-                  <c:v>Category 4</c:v>
+                  <c:v>44289</c:v>
                 </c:pt>
-              </c:strCache>
-            </c:strRef>
+              </c:numCache>
+            </c:numRef>
           </c:cat>
           <c:val>
             <c:numRef>
@@ -299,31 +301,32 @@
               <c:strCache>
                 <c:ptCount val="1"/>
                 <c:pt idx="0">
-                  <c:v>Series 3</c:v>
+                  <c:v>Lợi nhuận</c:v>
                 </c:pt>
               </c:strCache>
             </c:strRef>
           </c:tx>
           <c:invertIfNegative val="0"/>
           <c:cat>
-            <c:strRef>
+            <c:numRef>
               <c:f>Sheet1!$A$2:$A$5</c:f>
-              <c:strCache>
+              <c:numCache>
+                <c:formatCode>d\-mmm</c:formatCode>
                 <c:ptCount val="4"/>
                 <c:pt idx="0">
-                  <c:v>Category 1</c:v>
+                  <c:v>44199</c:v>
                 </c:pt>
                 <c:pt idx="1">
-                  <c:v>Category 2</c:v>
+                  <c:v>44230</c:v>
                 </c:pt>
                 <c:pt idx="2">
-                  <c:v>Category 3</c:v>
+                  <c:v>44258</c:v>
                 </c:pt>
                 <c:pt idx="3">
-                  <c:v>Category 4</c:v>
+                  <c:v>44289</c:v>
                 </c:pt>
-              </c:strCache>
-            </c:strRef>
+              </c:numCache>
+            </c:numRef>
           </c:cat>
           <c:val>
             <c:numRef>
@@ -332,16 +335,16 @@
                 <c:formatCode>General</c:formatCode>
                 <c:ptCount val="4"/>
                 <c:pt idx="0">
-                  <c:v>2</c:v>
+                  <c:v>1.9</c:v>
                 </c:pt>
                 <c:pt idx="1">
-                  <c:v>2</c:v>
+                  <c:v>-1.9000000000000004</c:v>
                 </c:pt>
                 <c:pt idx="2">
-                  <c:v>3</c:v>
+                  <c:v>1.7</c:v>
                 </c:pt>
                 <c:pt idx="3">
-                  <c:v>5</c:v>
+                  <c:v>1.7000000000000002</c:v>
                 </c:pt>
               </c:numCache>
             </c:numRef>
@@ -356,28 +359,28 @@
           <c:showBubbleSize val="0"/>
         </c:dLbls>
         <c:gapWidth val="150"/>
-        <c:axId val="248919168"/>
-        <c:axId val="248921088"/>
+        <c:axId val="238946944"/>
+        <c:axId val="238952832"/>
       </c:barChart>
-      <c:catAx>
-        <c:axId val="248919168"/>
+      <c:dateAx>
+        <c:axId val="238946944"/>
         <c:scaling>
           <c:orientation val="minMax"/>
         </c:scaling>
         <c:delete val="0"/>
         <c:axPos val="b"/>
+        <c:numFmt formatCode="d\-mmm" sourceLinked="1"/>
         <c:majorTickMark val="out"/>
         <c:minorTickMark val="none"/>
         <c:tickLblPos val="nextTo"/>
-        <c:crossAx val="248921088"/>
+        <c:crossAx val="238952832"/>
         <c:crosses val="autoZero"/>
         <c:auto val="1"/>
-        <c:lblAlgn val="ctr"/>
         <c:lblOffset val="100"/>
-        <c:noMultiLvlLbl val="0"/>
-      </c:catAx>
+        <c:baseTimeUnit val="months"/>
+      </c:dateAx>
       <c:valAx>
-        <c:axId val="248921088"/>
+        <c:axId val="238952832"/>
         <c:scaling>
           <c:orientation val="minMax"/>
         </c:scaling>
@@ -388,7 +391,7 @@
         <c:majorTickMark val="out"/>
         <c:minorTickMark val="none"/>
         <c:tickLblPos val="nextTo"/>
-        <c:crossAx val="248919168"/>
+        <c:crossAx val="238946944"/>
         <c:crosses val="autoZero"/>
         <c:crossBetween val="between"/>
       </c:valAx>
@@ -500,7 +503,7 @@
           <a:p>
             <a:fld id="{E193EC3E-9EBC-4FB4-91A0-D81688C87301}" type="datetimeFigureOut">
               <a:rPr lang="en-US" smtClean="0"/>
-              <a:t>3/1/2021</a:t>
+              <a:t>3/4/2021</a:t>
             </a:fld>
             <a:endParaRPr lang="en-US"/>
           </a:p>
@@ -1870,7 +1873,7 @@
           <a:p>
             <a:fld id="{EA91886C-002B-40DC-BBAF-4CA608631BA0}" type="datetimeFigureOut">
               <a:rPr lang="en-US" smtClean="0"/>
-              <a:t>3/1/2021</a:t>
+              <a:t>3/4/2021</a:t>
             </a:fld>
             <a:endParaRPr lang="en-US"/>
           </a:p>
@@ -2038,7 +2041,7 @@
           <a:p>
             <a:fld id="{EA91886C-002B-40DC-BBAF-4CA608631BA0}" type="datetimeFigureOut">
               <a:rPr lang="en-US" smtClean="0"/>
-              <a:t>3/1/2021</a:t>
+              <a:t>3/4/2021</a:t>
             </a:fld>
             <a:endParaRPr lang="en-US"/>
           </a:p>
@@ -2216,7 +2219,7 @@
           <a:p>
             <a:fld id="{EA91886C-002B-40DC-BBAF-4CA608631BA0}" type="datetimeFigureOut">
               <a:rPr lang="en-US" smtClean="0"/>
-              <a:t>3/1/2021</a:t>
+              <a:t>3/4/2021</a:t>
             </a:fld>
             <a:endParaRPr lang="en-US"/>
           </a:p>
@@ -2384,7 +2387,7 @@
           <a:p>
             <a:fld id="{EA91886C-002B-40DC-BBAF-4CA608631BA0}" type="datetimeFigureOut">
               <a:rPr lang="en-US" smtClean="0"/>
-              <a:t>3/1/2021</a:t>
+              <a:t>3/4/2021</a:t>
             </a:fld>
             <a:endParaRPr lang="en-US"/>
           </a:p>
@@ -2629,7 +2632,7 @@
           <a:p>
             <a:fld id="{EA91886C-002B-40DC-BBAF-4CA608631BA0}" type="datetimeFigureOut">
               <a:rPr lang="en-US" smtClean="0"/>
-              <a:t>3/1/2021</a:t>
+              <a:t>3/4/2021</a:t>
             </a:fld>
             <a:endParaRPr lang="en-US"/>
           </a:p>
@@ -2914,7 +2917,7 @@
           <a:p>
             <a:fld id="{EA91886C-002B-40DC-BBAF-4CA608631BA0}" type="datetimeFigureOut">
               <a:rPr lang="en-US" smtClean="0"/>
-              <a:t>3/1/2021</a:t>
+              <a:t>3/4/2021</a:t>
             </a:fld>
             <a:endParaRPr lang="en-US"/>
           </a:p>
@@ -3333,7 +3336,7 @@
           <a:p>
             <a:fld id="{EA91886C-002B-40DC-BBAF-4CA608631BA0}" type="datetimeFigureOut">
               <a:rPr lang="en-US" smtClean="0"/>
-              <a:t>3/1/2021</a:t>
+              <a:t>3/4/2021</a:t>
             </a:fld>
             <a:endParaRPr lang="en-US"/>
           </a:p>
@@ -3450,7 +3453,7 @@
           <a:p>
             <a:fld id="{EA91886C-002B-40DC-BBAF-4CA608631BA0}" type="datetimeFigureOut">
               <a:rPr lang="en-US" smtClean="0"/>
-              <a:t>3/1/2021</a:t>
+              <a:t>3/4/2021</a:t>
             </a:fld>
             <a:endParaRPr lang="en-US"/>
           </a:p>
@@ -3545,7 +3548,7 @@
           <a:p>
             <a:fld id="{EA91886C-002B-40DC-BBAF-4CA608631BA0}" type="datetimeFigureOut">
               <a:rPr lang="en-US" smtClean="0"/>
-              <a:t>3/1/2021</a:t>
+              <a:t>3/4/2021</a:t>
             </a:fld>
             <a:endParaRPr lang="en-US"/>
           </a:p>
@@ -3820,7 +3823,7 @@
           <a:p>
             <a:fld id="{EA91886C-002B-40DC-BBAF-4CA608631BA0}" type="datetimeFigureOut">
               <a:rPr lang="en-US" smtClean="0"/>
-              <a:t>3/1/2021</a:t>
+              <a:t>3/4/2021</a:t>
             </a:fld>
             <a:endParaRPr lang="en-US"/>
           </a:p>
@@ -4072,7 +4075,7 @@
           <a:p>
             <a:fld id="{EA91886C-002B-40DC-BBAF-4CA608631BA0}" type="datetimeFigureOut">
               <a:rPr lang="en-US" smtClean="0"/>
-              <a:t>3/1/2021</a:t>
+              <a:t>3/4/2021</a:t>
             </a:fld>
             <a:endParaRPr lang="en-US"/>
           </a:p>
@@ -4283,7 +4286,7 @@
           <a:p>
             <a:fld id="{EA91886C-002B-40DC-BBAF-4CA608631BA0}" type="datetimeFigureOut">
               <a:rPr lang="en-US" smtClean="0"/>
-              <a:t>3/1/2021</a:t>
+              <a:t>3/4/2021</a:t>
             </a:fld>
             <a:endParaRPr lang="en-US"/>
           </a:p>
@@ -4663,7 +4666,7 @@
           <p:cNvPr id="5" name="Picture 4">
             <a:extLst>
               <a:ext uri="{FF2B5EF4-FFF2-40B4-BE49-F238E27FC236}">
-                <a16:creationId xmlns="" xmlns:a16="http://schemas.microsoft.com/office/drawing/2014/main" id="{44BCC0B1-48EA-49D9-A91C-6152C71B8DF5}"/>
+                <a16:creationId xmlns:a16="http://schemas.microsoft.com/office/drawing/2014/main" xmlns="" id="{44BCC0B1-48EA-49D9-A91C-6152C71B8DF5}"/>
               </a:ext>
             </a:extLst>
           </p:cNvPr>
@@ -4693,7 +4696,7 @@
           <p:cNvPr id="6" name="TextBox 5">
             <a:extLst>
               <a:ext uri="{FF2B5EF4-FFF2-40B4-BE49-F238E27FC236}">
-                <a16:creationId xmlns="" xmlns:a16="http://schemas.microsoft.com/office/drawing/2014/main" id="{CD2A8DE0-B0E7-40FB-9538-60D54401A4F8}"/>
+                <a16:creationId xmlns:a16="http://schemas.microsoft.com/office/drawing/2014/main" xmlns="" id="{CD2A8DE0-B0E7-40FB-9538-60D54401A4F8}"/>
               </a:ext>
             </a:extLst>
           </p:cNvPr>
@@ -4791,7 +4794,7 @@
           <p:cNvPr id="6" name="TextBox 5">
             <a:extLst>
               <a:ext uri="{FF2B5EF4-FFF2-40B4-BE49-F238E27FC236}">
-                <a16:creationId xmlns="" xmlns:a16="http://schemas.microsoft.com/office/drawing/2014/main" id="{CD2A8DE0-B0E7-40FB-9538-60D54401A4F8}"/>
+                <a16:creationId xmlns:a16="http://schemas.microsoft.com/office/drawing/2014/main" xmlns="" id="{CD2A8DE0-B0E7-40FB-9538-60D54401A4F8}"/>
               </a:ext>
             </a:extLst>
           </p:cNvPr>
@@ -4930,7 +4933,7 @@
           <p:cNvPr id="11" name="Picture 10">
             <a:extLst>
               <a:ext uri="{FF2B5EF4-FFF2-40B4-BE49-F238E27FC236}">
-                <a16:creationId xmlns="" xmlns:a16="http://schemas.microsoft.com/office/drawing/2014/main" id="{F6164AE6-B86F-4668-B82E-2CCF243694C5}"/>
+                <a16:creationId xmlns:a16="http://schemas.microsoft.com/office/drawing/2014/main" xmlns="" id="{F6164AE6-B86F-4668-B82E-2CCF243694C5}"/>
               </a:ext>
             </a:extLst>
           </p:cNvPr>
@@ -4960,7 +4963,7 @@
           <p:cNvPr id="12" name="Rectangle 11">
             <a:extLst>
               <a:ext uri="{FF2B5EF4-FFF2-40B4-BE49-F238E27FC236}">
-                <a16:creationId xmlns="" xmlns:a16="http://schemas.microsoft.com/office/drawing/2014/main" id="{9DC85E5D-8339-4A90-8911-6572A28FAB1B}"/>
+                <a16:creationId xmlns:a16="http://schemas.microsoft.com/office/drawing/2014/main" xmlns="" id="{9DC85E5D-8339-4A90-8911-6572A28FAB1B}"/>
               </a:ext>
             </a:extLst>
           </p:cNvPr>
@@ -5014,7 +5017,7 @@
           <p:cNvPr id="13" name="Picture 8" descr="C:\Users\HuyTran\Desktop\WPF project\Paul_Circle.png">
             <a:extLst>
               <a:ext uri="{FF2B5EF4-FFF2-40B4-BE49-F238E27FC236}">
-                <a16:creationId xmlns="" xmlns:a16="http://schemas.microsoft.com/office/drawing/2014/main" id="{7709B346-3CF0-4506-B6E0-39CD18074E81}"/>
+                <a16:creationId xmlns:a16="http://schemas.microsoft.com/office/drawing/2014/main" xmlns="" id="{7709B346-3CF0-4506-B6E0-39CD18074E81}"/>
               </a:ext>
             </a:extLst>
           </p:cNvPr>
@@ -5061,7 +5064,7 @@
           <p:cNvPr id="14" name="TextBox 13">
             <a:extLst>
               <a:ext uri="{FF2B5EF4-FFF2-40B4-BE49-F238E27FC236}">
-                <a16:creationId xmlns="" xmlns:a16="http://schemas.microsoft.com/office/drawing/2014/main" id="{88CA780A-86AF-4CC5-93C8-9AA542968897}"/>
+                <a16:creationId xmlns:a16="http://schemas.microsoft.com/office/drawing/2014/main" xmlns="" id="{88CA780A-86AF-4CC5-93C8-9AA542968897}"/>
               </a:ext>
             </a:extLst>
           </p:cNvPr>
@@ -5113,7 +5116,7 @@
           <p:cNvPr id="16" name="TextBox 15">
             <a:extLst>
               <a:ext uri="{FF2B5EF4-FFF2-40B4-BE49-F238E27FC236}">
-                <a16:creationId xmlns="" xmlns:a16="http://schemas.microsoft.com/office/drawing/2014/main" id="{5AD7D250-00C2-41C7-AF99-CE4054EFC6EB}"/>
+                <a16:creationId xmlns:a16="http://schemas.microsoft.com/office/drawing/2014/main" xmlns="" id="{5AD7D250-00C2-41C7-AF99-CE4054EFC6EB}"/>
               </a:ext>
             </a:extLst>
           </p:cNvPr>
@@ -5165,7 +5168,7 @@
           <p:cNvPr id="17" name="TextBox 16">
             <a:extLst>
               <a:ext uri="{FF2B5EF4-FFF2-40B4-BE49-F238E27FC236}">
-                <a16:creationId xmlns="" xmlns:a16="http://schemas.microsoft.com/office/drawing/2014/main" id="{E74F7379-B503-4B35-946D-61820AE3A953}"/>
+                <a16:creationId xmlns:a16="http://schemas.microsoft.com/office/drawing/2014/main" xmlns="" id="{E74F7379-B503-4B35-946D-61820AE3A953}"/>
               </a:ext>
             </a:extLst>
           </p:cNvPr>
@@ -5220,7 +5223,7 @@
           <p:cNvPr id="28" name="TextBox 27">
             <a:extLst>
               <a:ext uri="{FF2B5EF4-FFF2-40B4-BE49-F238E27FC236}">
-                <a16:creationId xmlns="" xmlns:a16="http://schemas.microsoft.com/office/drawing/2014/main" id="{8F345D2C-1E4C-4A1A-8D6E-410B30EE87E6}"/>
+                <a16:creationId xmlns:a16="http://schemas.microsoft.com/office/drawing/2014/main" xmlns="" id="{8F345D2C-1E4C-4A1A-8D6E-410B30EE87E6}"/>
               </a:ext>
             </a:extLst>
           </p:cNvPr>
@@ -5344,7 +5347,7 @@
           <p:cNvPr id="53" name="TextBox 52">
             <a:extLst>
               <a:ext uri="{FF2B5EF4-FFF2-40B4-BE49-F238E27FC236}">
-                <a16:creationId xmlns="" xmlns:a16="http://schemas.microsoft.com/office/drawing/2014/main" id="{FE0AE89D-4FA9-4115-8B78-5EC058441CB9}"/>
+                <a16:creationId xmlns:a16="http://schemas.microsoft.com/office/drawing/2014/main" xmlns="" id="{FE0AE89D-4FA9-4115-8B78-5EC058441CB9}"/>
               </a:ext>
             </a:extLst>
           </p:cNvPr>
@@ -5399,7 +5402,7 @@
           <p:cNvPr id="54" name="TextBox 53">
             <a:extLst>
               <a:ext uri="{FF2B5EF4-FFF2-40B4-BE49-F238E27FC236}">
-                <a16:creationId xmlns="" xmlns:a16="http://schemas.microsoft.com/office/drawing/2014/main" id="{E05C8096-46D4-4A7C-A2B8-9D79A1BCDC32}"/>
+                <a16:creationId xmlns:a16="http://schemas.microsoft.com/office/drawing/2014/main" xmlns="" id="{E05C8096-46D4-4A7C-A2B8-9D79A1BCDC32}"/>
               </a:ext>
             </a:extLst>
           </p:cNvPr>
@@ -5454,7 +5457,7 @@
           <p:cNvPr id="55" name="Rectangle 54">
             <a:extLst>
               <a:ext uri="{FF2B5EF4-FFF2-40B4-BE49-F238E27FC236}">
-                <a16:creationId xmlns="" xmlns:a16="http://schemas.microsoft.com/office/drawing/2014/main" id="{F69AF0D9-0AAE-4E50-8597-FDBE5BA3762C}"/>
+                <a16:creationId xmlns:a16="http://schemas.microsoft.com/office/drawing/2014/main" xmlns="" id="{F69AF0D9-0AAE-4E50-8597-FDBE5BA3762C}"/>
               </a:ext>
             </a:extLst>
           </p:cNvPr>
@@ -5500,7 +5503,7 @@
           <p:cNvPr id="56" name="Rectangle 55">
             <a:extLst>
               <a:ext uri="{FF2B5EF4-FFF2-40B4-BE49-F238E27FC236}">
-                <a16:creationId xmlns="" xmlns:a16="http://schemas.microsoft.com/office/drawing/2014/main" id="{D1AFC196-8286-44EA-B141-AB550462EA4C}"/>
+                <a16:creationId xmlns:a16="http://schemas.microsoft.com/office/drawing/2014/main" xmlns="" id="{D1AFC196-8286-44EA-B141-AB550462EA4C}"/>
               </a:ext>
             </a:extLst>
           </p:cNvPr>
@@ -5546,7 +5549,7 @@
           <p:cNvPr id="57" name="Rectangle 56">
             <a:extLst>
               <a:ext uri="{FF2B5EF4-FFF2-40B4-BE49-F238E27FC236}">
-                <a16:creationId xmlns="" xmlns:a16="http://schemas.microsoft.com/office/drawing/2014/main" id="{93F1A291-15A0-4EEE-A517-C4C056E66505}"/>
+                <a16:creationId xmlns:a16="http://schemas.microsoft.com/office/drawing/2014/main" xmlns="" id="{93F1A291-15A0-4EEE-A517-C4C056E66505}"/>
               </a:ext>
             </a:extLst>
           </p:cNvPr>
@@ -5606,7 +5609,7 @@
           <p:cNvPr id="58" name="Rectangle 57">
             <a:extLst>
               <a:ext uri="{FF2B5EF4-FFF2-40B4-BE49-F238E27FC236}">
-                <a16:creationId xmlns="" xmlns:a16="http://schemas.microsoft.com/office/drawing/2014/main" id="{C313D5D0-14D9-4013-A702-8F05786AB4A7}"/>
+                <a16:creationId xmlns:a16="http://schemas.microsoft.com/office/drawing/2014/main" xmlns="" id="{C313D5D0-14D9-4013-A702-8F05786AB4A7}"/>
               </a:ext>
             </a:extLst>
           </p:cNvPr>
@@ -5680,7 +5683,7 @@
           <p:cNvPr id="61" name="TextBox 60">
             <a:extLst>
               <a:ext uri="{FF2B5EF4-FFF2-40B4-BE49-F238E27FC236}">
-                <a16:creationId xmlns="" xmlns:a16="http://schemas.microsoft.com/office/drawing/2014/main" id="{BE490A08-29E0-4571-9E90-06F47C84DC9B}"/>
+                <a16:creationId xmlns:a16="http://schemas.microsoft.com/office/drawing/2014/main" xmlns="" id="{BE490A08-29E0-4571-9E90-06F47C84DC9B}"/>
               </a:ext>
             </a:extLst>
           </p:cNvPr>
@@ -5735,7 +5738,7 @@
           <p:cNvPr id="62" name="Rectangle 61">
             <a:extLst>
               <a:ext uri="{FF2B5EF4-FFF2-40B4-BE49-F238E27FC236}">
-                <a16:creationId xmlns="" xmlns:a16="http://schemas.microsoft.com/office/drawing/2014/main" id="{6E234CCF-F0D4-4828-A7E0-AD8DBE9D5157}"/>
+                <a16:creationId xmlns:a16="http://schemas.microsoft.com/office/drawing/2014/main" xmlns="" id="{6E234CCF-F0D4-4828-A7E0-AD8DBE9D5157}"/>
               </a:ext>
             </a:extLst>
           </p:cNvPr>
@@ -5781,7 +5784,7 @@
           <p:cNvPr id="3" name="Oval 2">
             <a:extLst>
               <a:ext uri="{FF2B5EF4-FFF2-40B4-BE49-F238E27FC236}">
-                <a16:creationId xmlns="" xmlns:a16="http://schemas.microsoft.com/office/drawing/2014/main" id="{9C9318B9-81FA-44F8-BD03-3CBF4DC51669}"/>
+                <a16:creationId xmlns:a16="http://schemas.microsoft.com/office/drawing/2014/main" xmlns="" id="{9C9318B9-81FA-44F8-BD03-3CBF4DC51669}"/>
               </a:ext>
             </a:extLst>
           </p:cNvPr>
@@ -5835,7 +5838,7 @@
           <p:cNvPr id="35" name="Picture 2" descr="IRSATIM 150">
             <a:extLst>
               <a:ext uri="{FF2B5EF4-FFF2-40B4-BE49-F238E27FC236}">
-                <a16:creationId xmlns="" xmlns:a16="http://schemas.microsoft.com/office/drawing/2014/main" id="{45CC87D4-4A93-4FC5-8D67-29873A5D5646}"/>
+                <a16:creationId xmlns:a16="http://schemas.microsoft.com/office/drawing/2014/main" xmlns="" id="{45CC87D4-4A93-4FC5-8D67-29873A5D5646}"/>
               </a:ext>
             </a:extLst>
           </p:cNvPr>
@@ -5891,7 +5894,7 @@
           <p:cNvPr id="32" name="Table 3">
             <a:extLst>
               <a:ext uri="{FF2B5EF4-FFF2-40B4-BE49-F238E27FC236}">
-                <a16:creationId xmlns="" xmlns:a16="http://schemas.microsoft.com/office/drawing/2014/main" id="{E2B93BB1-F878-4887-AFF7-810053AD9779}"/>
+                <a16:creationId xmlns:a16="http://schemas.microsoft.com/office/drawing/2014/main" xmlns="" id="{E2B93BB1-F878-4887-AFF7-810053AD9779}"/>
               </a:ext>
             </a:extLst>
           </p:cNvPr>
@@ -5920,42 +5923,42 @@
                 <a:gridCol w="1387470">
                   <a:extLst>
                     <a:ext uri="{9D8B030D-6E8A-4147-A177-3AD203B41FA5}">
-                      <a16:colId xmlns="" xmlns:a16="http://schemas.microsoft.com/office/drawing/2014/main" val="3679797539"/>
+                      <a16:colId xmlns:a16="http://schemas.microsoft.com/office/drawing/2014/main" xmlns="" val="3679797539"/>
                     </a:ext>
                   </a:extLst>
                 </a:gridCol>
                 <a:gridCol w="1387470">
                   <a:extLst>
                     <a:ext uri="{9D8B030D-6E8A-4147-A177-3AD203B41FA5}">
-                      <a16:colId xmlns="" xmlns:a16="http://schemas.microsoft.com/office/drawing/2014/main" val="4188008786"/>
+                      <a16:colId xmlns:a16="http://schemas.microsoft.com/office/drawing/2014/main" xmlns="" val="4188008786"/>
                     </a:ext>
                   </a:extLst>
                 </a:gridCol>
                 <a:gridCol w="1387470">
                   <a:extLst>
                     <a:ext uri="{9D8B030D-6E8A-4147-A177-3AD203B41FA5}">
-                      <a16:colId xmlns="" xmlns:a16="http://schemas.microsoft.com/office/drawing/2014/main" val="3214238948"/>
+                      <a16:colId xmlns:a16="http://schemas.microsoft.com/office/drawing/2014/main" xmlns="" val="3214238948"/>
                     </a:ext>
                   </a:extLst>
                 </a:gridCol>
                 <a:gridCol w="1387470">
                   <a:extLst>
                     <a:ext uri="{9D8B030D-6E8A-4147-A177-3AD203B41FA5}">
-                      <a16:colId xmlns="" xmlns:a16="http://schemas.microsoft.com/office/drawing/2014/main" val="1291486487"/>
+                      <a16:colId xmlns:a16="http://schemas.microsoft.com/office/drawing/2014/main" xmlns="" val="1291486487"/>
                     </a:ext>
                   </a:extLst>
                 </a:gridCol>
                 <a:gridCol w="1387470">
                   <a:extLst>
                     <a:ext uri="{9D8B030D-6E8A-4147-A177-3AD203B41FA5}">
-                      <a16:colId xmlns="" xmlns:a16="http://schemas.microsoft.com/office/drawing/2014/main" val="4284112643"/>
+                      <a16:colId xmlns:a16="http://schemas.microsoft.com/office/drawing/2014/main" xmlns="" val="4284112643"/>
                     </a:ext>
                   </a:extLst>
                 </a:gridCol>
                 <a:gridCol w="1387470">
                   <a:extLst>
                     <a:ext uri="{9D8B030D-6E8A-4147-A177-3AD203B41FA5}">
-                      <a16:colId xmlns="" xmlns:a16="http://schemas.microsoft.com/office/drawing/2014/main" val="3117914522"/>
+                      <a16:colId xmlns:a16="http://schemas.microsoft.com/office/drawing/2014/main" xmlns="" val="3117914522"/>
                     </a:ext>
                   </a:extLst>
                 </a:gridCol>
@@ -6124,7 +6127,7 @@
                 </a:tc>
                 <a:extLst>
                   <a:ext uri="{0D108BD9-81ED-4DB2-BD59-A6C34878D82A}">
-                    <a16:rowId xmlns="" xmlns:a16="http://schemas.microsoft.com/office/drawing/2014/main" val="652390980"/>
+                    <a16:rowId xmlns:a16="http://schemas.microsoft.com/office/drawing/2014/main" xmlns="" val="652390980"/>
                   </a:ext>
                 </a:extLst>
               </a:tr>
@@ -6251,7 +6254,7 @@
                 </a:tc>
                 <a:extLst>
                   <a:ext uri="{0D108BD9-81ED-4DB2-BD59-A6C34878D82A}">
-                    <a16:rowId xmlns="" xmlns:a16="http://schemas.microsoft.com/office/drawing/2014/main" val="730336656"/>
+                    <a16:rowId xmlns:a16="http://schemas.microsoft.com/office/drawing/2014/main" xmlns="" val="730336656"/>
                   </a:ext>
                 </a:extLst>
               </a:tr>
@@ -6381,7 +6384,7 @@
                 </a:tc>
                 <a:extLst>
                   <a:ext uri="{0D108BD9-81ED-4DB2-BD59-A6C34878D82A}">
-                    <a16:rowId xmlns="" xmlns:a16="http://schemas.microsoft.com/office/drawing/2014/main" val="2897143220"/>
+                    <a16:rowId xmlns:a16="http://schemas.microsoft.com/office/drawing/2014/main" xmlns="" val="2897143220"/>
                   </a:ext>
                 </a:extLst>
               </a:tr>
@@ -6490,7 +6493,7 @@
                 </a:tc>
                 <a:extLst>
                   <a:ext uri="{0D108BD9-81ED-4DB2-BD59-A6C34878D82A}">
-                    <a16:rowId xmlns="" xmlns:a16="http://schemas.microsoft.com/office/drawing/2014/main" val="378457201"/>
+                    <a16:rowId xmlns:a16="http://schemas.microsoft.com/office/drawing/2014/main" xmlns="" val="378457201"/>
                   </a:ext>
                 </a:extLst>
               </a:tr>
@@ -6503,7 +6506,7 @@
           <p:cNvPr id="33" name="Picture 8" descr="C:\Users\HuyTran\Desktop\WPF project\Paul_Circle.png">
             <a:extLst>
               <a:ext uri="{FF2B5EF4-FFF2-40B4-BE49-F238E27FC236}">
-                <a16:creationId xmlns="" xmlns:a16="http://schemas.microsoft.com/office/drawing/2014/main" id="{32195FC0-28CD-4790-A24C-49F04CE18E57}"/>
+                <a16:creationId xmlns:a16="http://schemas.microsoft.com/office/drawing/2014/main" xmlns="" id="{32195FC0-28CD-4790-A24C-49F04CE18E57}"/>
               </a:ext>
             </a:extLst>
           </p:cNvPr>
@@ -6550,7 +6553,7 @@
           <p:cNvPr id="41" name="Picture 40">
             <a:extLst>
               <a:ext uri="{FF2B5EF4-FFF2-40B4-BE49-F238E27FC236}">
-                <a16:creationId xmlns="" xmlns:a16="http://schemas.microsoft.com/office/drawing/2014/main" id="{8046200F-BFB6-44F6-9BA4-2962423B01FB}"/>
+                <a16:creationId xmlns:a16="http://schemas.microsoft.com/office/drawing/2014/main" xmlns="" id="{8046200F-BFB6-44F6-9BA4-2962423B01FB}"/>
               </a:ext>
             </a:extLst>
           </p:cNvPr>
@@ -6586,7 +6589,7 @@
           <p:cNvPr id="43" name="Picture 42">
             <a:extLst>
               <a:ext uri="{FF2B5EF4-FFF2-40B4-BE49-F238E27FC236}">
-                <a16:creationId xmlns="" xmlns:a16="http://schemas.microsoft.com/office/drawing/2014/main" id="{D16D08E2-E856-4E0C-9AF4-2A5EADD25C26}"/>
+                <a16:creationId xmlns:a16="http://schemas.microsoft.com/office/drawing/2014/main" xmlns="" id="{D16D08E2-E856-4E0C-9AF4-2A5EADD25C26}"/>
               </a:ext>
             </a:extLst>
           </p:cNvPr>
@@ -6622,7 +6625,7 @@
           <p:cNvPr id="44" name="Picture 8" descr="C:\Users\HuyTran\Desktop\WPF project\Paul_Circle.png">
             <a:extLst>
               <a:ext uri="{FF2B5EF4-FFF2-40B4-BE49-F238E27FC236}">
-                <a16:creationId xmlns="" xmlns:a16="http://schemas.microsoft.com/office/drawing/2014/main" id="{6C5005F2-AD03-4FBF-A55A-F95E95E16E0F}"/>
+                <a16:creationId xmlns:a16="http://schemas.microsoft.com/office/drawing/2014/main" xmlns="" id="{6C5005F2-AD03-4FBF-A55A-F95E95E16E0F}"/>
               </a:ext>
             </a:extLst>
           </p:cNvPr>
@@ -6669,7 +6672,7 @@
           <p:cNvPr id="45" name="TextBox 44">
             <a:extLst>
               <a:ext uri="{FF2B5EF4-FFF2-40B4-BE49-F238E27FC236}">
-                <a16:creationId xmlns="" xmlns:a16="http://schemas.microsoft.com/office/drawing/2014/main" id="{CB50F9E7-6FDA-46FA-BDB9-58270F195A10}"/>
+                <a16:creationId xmlns:a16="http://schemas.microsoft.com/office/drawing/2014/main" xmlns="" id="{CB50F9E7-6FDA-46FA-BDB9-58270F195A10}"/>
               </a:ext>
             </a:extLst>
           </p:cNvPr>
@@ -6748,7 +6751,7 @@
           <p:cNvPr id="27" name="Picture 26">
             <a:extLst>
               <a:ext uri="{FF2B5EF4-FFF2-40B4-BE49-F238E27FC236}">
-                <a16:creationId xmlns="" xmlns:a16="http://schemas.microsoft.com/office/drawing/2014/main" id="{F8233DEE-CB43-4357-9797-CF14F6FA1001}"/>
+                <a16:creationId xmlns:a16="http://schemas.microsoft.com/office/drawing/2014/main" xmlns="" id="{F8233DEE-CB43-4357-9797-CF14F6FA1001}"/>
               </a:ext>
             </a:extLst>
           </p:cNvPr>
@@ -6784,7 +6787,7 @@
           <p:cNvPr id="29" name="Rectangle 28">
             <a:extLst>
               <a:ext uri="{FF2B5EF4-FFF2-40B4-BE49-F238E27FC236}">
-                <a16:creationId xmlns="" xmlns:a16="http://schemas.microsoft.com/office/drawing/2014/main" id="{B016A826-C07C-4935-8309-3A8C25F43B25}"/>
+                <a16:creationId xmlns:a16="http://schemas.microsoft.com/office/drawing/2014/main" xmlns="" id="{B016A826-C07C-4935-8309-3A8C25F43B25}"/>
               </a:ext>
             </a:extLst>
           </p:cNvPr>
@@ -6896,7 +6899,7 @@
           <p:cNvPr id="6" name="TextBox 5">
             <a:extLst>
               <a:ext uri="{FF2B5EF4-FFF2-40B4-BE49-F238E27FC236}">
-                <a16:creationId xmlns="" xmlns:a16="http://schemas.microsoft.com/office/drawing/2014/main" id="{CD2A8DE0-B0E7-40FB-9538-60D54401A4F8}"/>
+                <a16:creationId xmlns:a16="http://schemas.microsoft.com/office/drawing/2014/main" xmlns="" id="{CD2A8DE0-B0E7-40FB-9538-60D54401A4F8}"/>
               </a:ext>
             </a:extLst>
           </p:cNvPr>
@@ -7023,7 +7026,7 @@
           <p:cNvPr id="11" name="Picture 10">
             <a:extLst>
               <a:ext uri="{FF2B5EF4-FFF2-40B4-BE49-F238E27FC236}">
-                <a16:creationId xmlns="" xmlns:a16="http://schemas.microsoft.com/office/drawing/2014/main" id="{F6164AE6-B86F-4668-B82E-2CCF243694C5}"/>
+                <a16:creationId xmlns:a16="http://schemas.microsoft.com/office/drawing/2014/main" xmlns="" id="{F6164AE6-B86F-4668-B82E-2CCF243694C5}"/>
               </a:ext>
             </a:extLst>
           </p:cNvPr>
@@ -7053,7 +7056,7 @@
           <p:cNvPr id="41" name="Rectangle 40">
             <a:extLst>
               <a:ext uri="{FF2B5EF4-FFF2-40B4-BE49-F238E27FC236}">
-                <a16:creationId xmlns="" xmlns:a16="http://schemas.microsoft.com/office/drawing/2014/main" id="{E81BDFDF-A2C2-47AD-8D90-A0FE79376AA6}"/>
+                <a16:creationId xmlns:a16="http://schemas.microsoft.com/office/drawing/2014/main" xmlns="" id="{E81BDFDF-A2C2-47AD-8D90-A0FE79376AA6}"/>
               </a:ext>
             </a:extLst>
           </p:cNvPr>
@@ -7131,7 +7134,7 @@
           <p:cNvPr id="43" name="TextBox 42">
             <a:extLst>
               <a:ext uri="{FF2B5EF4-FFF2-40B4-BE49-F238E27FC236}">
-                <a16:creationId xmlns="" xmlns:a16="http://schemas.microsoft.com/office/drawing/2014/main" id="{F43B97D8-23B6-4B2F-AE82-8C0B2E7C3495}"/>
+                <a16:creationId xmlns:a16="http://schemas.microsoft.com/office/drawing/2014/main" xmlns="" id="{F43B97D8-23B6-4B2F-AE82-8C0B2E7C3495}"/>
               </a:ext>
             </a:extLst>
           </p:cNvPr>
@@ -7255,7 +7258,7 @@
           <p:cNvPr id="3" name="Table 3">
             <a:extLst>
               <a:ext uri="{FF2B5EF4-FFF2-40B4-BE49-F238E27FC236}">
-                <a16:creationId xmlns="" xmlns:a16="http://schemas.microsoft.com/office/drawing/2014/main" id="{9B423CCB-E8FB-4CDB-A31C-9E89725D6698}"/>
+                <a16:creationId xmlns:a16="http://schemas.microsoft.com/office/drawing/2014/main" xmlns="" id="{9B423CCB-E8FB-4CDB-A31C-9E89725D6698}"/>
               </a:ext>
             </a:extLst>
           </p:cNvPr>
@@ -7284,35 +7287,35 @@
                 <a:gridCol w="1409816">
                   <a:extLst>
                     <a:ext uri="{9D8B030D-6E8A-4147-A177-3AD203B41FA5}">
-                      <a16:colId xmlns="" xmlns:a16="http://schemas.microsoft.com/office/drawing/2014/main" val="3679797539"/>
+                      <a16:colId xmlns:a16="http://schemas.microsoft.com/office/drawing/2014/main" xmlns="" val="3679797539"/>
                     </a:ext>
                   </a:extLst>
                 </a:gridCol>
                 <a:gridCol w="1409816">
                   <a:extLst>
                     <a:ext uri="{9D8B030D-6E8A-4147-A177-3AD203B41FA5}">
-                      <a16:colId xmlns="" xmlns:a16="http://schemas.microsoft.com/office/drawing/2014/main" val="4188008786"/>
+                      <a16:colId xmlns:a16="http://schemas.microsoft.com/office/drawing/2014/main" xmlns="" val="4188008786"/>
                     </a:ext>
                   </a:extLst>
                 </a:gridCol>
                 <a:gridCol w="1409816">
                   <a:extLst>
                     <a:ext uri="{9D8B030D-6E8A-4147-A177-3AD203B41FA5}">
-                      <a16:colId xmlns="" xmlns:a16="http://schemas.microsoft.com/office/drawing/2014/main" val="3214238948"/>
+                      <a16:colId xmlns:a16="http://schemas.microsoft.com/office/drawing/2014/main" xmlns="" val="3214238948"/>
                     </a:ext>
                   </a:extLst>
                 </a:gridCol>
                 <a:gridCol w="2819632">
                   <a:extLst>
                     <a:ext uri="{9D8B030D-6E8A-4147-A177-3AD203B41FA5}">
-                      <a16:colId xmlns="" xmlns:a16="http://schemas.microsoft.com/office/drawing/2014/main" val="1291486487"/>
+                      <a16:colId xmlns:a16="http://schemas.microsoft.com/office/drawing/2014/main" xmlns="" val="1291486487"/>
                     </a:ext>
                   </a:extLst>
                 </a:gridCol>
                 <a:gridCol w="1409816">
                   <a:extLst>
                     <a:ext uri="{9D8B030D-6E8A-4147-A177-3AD203B41FA5}">
-                      <a16:colId xmlns="" xmlns:a16="http://schemas.microsoft.com/office/drawing/2014/main" val="3117914522"/>
+                      <a16:colId xmlns:a16="http://schemas.microsoft.com/office/drawing/2014/main" xmlns="" val="3117914522"/>
                     </a:ext>
                   </a:extLst>
                 </a:gridCol>
@@ -7449,7 +7452,7 @@
                 </a:tc>
                 <a:extLst>
                   <a:ext uri="{0D108BD9-81ED-4DB2-BD59-A6C34878D82A}">
-                    <a16:rowId xmlns="" xmlns:a16="http://schemas.microsoft.com/office/drawing/2014/main" val="652390980"/>
+                    <a16:rowId xmlns:a16="http://schemas.microsoft.com/office/drawing/2014/main" xmlns="" val="652390980"/>
                   </a:ext>
                 </a:extLst>
               </a:tr>
@@ -7556,7 +7559,7 @@
                 </a:tc>
                 <a:extLst>
                   <a:ext uri="{0D108BD9-81ED-4DB2-BD59-A6C34878D82A}">
-                    <a16:rowId xmlns="" xmlns:a16="http://schemas.microsoft.com/office/drawing/2014/main" val="730336656"/>
+                    <a16:rowId xmlns:a16="http://schemas.microsoft.com/office/drawing/2014/main" xmlns="" val="730336656"/>
                   </a:ext>
                 </a:extLst>
               </a:tr>
@@ -7682,7 +7685,7 @@
                 </a:tc>
                 <a:extLst>
                   <a:ext uri="{0D108BD9-81ED-4DB2-BD59-A6C34878D82A}">
-                    <a16:rowId xmlns="" xmlns:a16="http://schemas.microsoft.com/office/drawing/2014/main" val="2897143220"/>
+                    <a16:rowId xmlns:a16="http://schemas.microsoft.com/office/drawing/2014/main" xmlns="" val="2897143220"/>
                   </a:ext>
                 </a:extLst>
               </a:tr>
@@ -7695,7 +7698,7 @@
           <p:cNvPr id="13" name="Picture 8" descr="C:\Users\HuyTran\Desktop\WPF project\Paul_Circle.png">
             <a:extLst>
               <a:ext uri="{FF2B5EF4-FFF2-40B4-BE49-F238E27FC236}">
-                <a16:creationId xmlns="" xmlns:a16="http://schemas.microsoft.com/office/drawing/2014/main" id="{7709B346-3CF0-4506-B6E0-39CD18074E81}"/>
+                <a16:creationId xmlns:a16="http://schemas.microsoft.com/office/drawing/2014/main" xmlns="" id="{7709B346-3CF0-4506-B6E0-39CD18074E81}"/>
               </a:ext>
             </a:extLst>
           </p:cNvPr>
@@ -7742,7 +7745,7 @@
           <p:cNvPr id="31" name="Picture 8" descr="C:\Users\HuyTran\Desktop\WPF project\Paul_Circle.png">
             <a:extLst>
               <a:ext uri="{FF2B5EF4-FFF2-40B4-BE49-F238E27FC236}">
-                <a16:creationId xmlns="" xmlns:a16="http://schemas.microsoft.com/office/drawing/2014/main" id="{9D463E07-0A4D-4B8D-850A-7D52CDDFB46C}"/>
+                <a16:creationId xmlns:a16="http://schemas.microsoft.com/office/drawing/2014/main" xmlns="" id="{9D463E07-0A4D-4B8D-850A-7D52CDDFB46C}"/>
               </a:ext>
             </a:extLst>
           </p:cNvPr>
@@ -7789,7 +7792,7 @@
           <p:cNvPr id="7" name="Picture 6">
             <a:extLst>
               <a:ext uri="{FF2B5EF4-FFF2-40B4-BE49-F238E27FC236}">
-                <a16:creationId xmlns="" xmlns:a16="http://schemas.microsoft.com/office/drawing/2014/main" id="{798CD5D1-9D70-45D6-834A-50850E654654}"/>
+                <a16:creationId xmlns:a16="http://schemas.microsoft.com/office/drawing/2014/main" xmlns="" id="{798CD5D1-9D70-45D6-834A-50850E654654}"/>
               </a:ext>
             </a:extLst>
           </p:cNvPr>
@@ -7824,7 +7827,7 @@
           <p:cNvPr id="9" name="Picture 8">
             <a:extLst>
               <a:ext uri="{FF2B5EF4-FFF2-40B4-BE49-F238E27FC236}">
-                <a16:creationId xmlns="" xmlns:a16="http://schemas.microsoft.com/office/drawing/2014/main" id="{EBB267E1-41AD-45A6-B6C2-FAA07AAB8FB6}"/>
+                <a16:creationId xmlns:a16="http://schemas.microsoft.com/office/drawing/2014/main" xmlns="" id="{EBB267E1-41AD-45A6-B6C2-FAA07AAB8FB6}"/>
               </a:ext>
             </a:extLst>
           </p:cNvPr>
@@ -7860,7 +7863,7 @@
           <p:cNvPr id="14" name="Picture 14" descr="C:\Users\HuyTran\Desktop\WPF project\customerManager.png">
             <a:extLst>
               <a:ext uri="{FF2B5EF4-FFF2-40B4-BE49-F238E27FC236}">
-                <a16:creationId xmlns="" xmlns:a16="http://schemas.microsoft.com/office/drawing/2014/main" id="{41B28C13-A5DB-4748-85A8-315AD602B8E1}"/>
+                <a16:creationId xmlns:a16="http://schemas.microsoft.com/office/drawing/2014/main" xmlns="" id="{41B28C13-A5DB-4748-85A8-315AD602B8E1}"/>
               </a:ext>
             </a:extLst>
           </p:cNvPr>
@@ -7907,7 +7910,7 @@
           <p:cNvPr id="15" name="TextBox 14">
             <a:extLst>
               <a:ext uri="{FF2B5EF4-FFF2-40B4-BE49-F238E27FC236}">
-                <a16:creationId xmlns="" xmlns:a16="http://schemas.microsoft.com/office/drawing/2014/main" id="{DFF33260-D293-48CF-9E85-A78DF93A80C5}"/>
+                <a16:creationId xmlns:a16="http://schemas.microsoft.com/office/drawing/2014/main" xmlns="" id="{DFF33260-D293-48CF-9E85-A78DF93A80C5}"/>
               </a:ext>
             </a:extLst>
           </p:cNvPr>
@@ -7963,7 +7966,7 @@
           <p:cNvPr id="16" name="Rectangle 15">
             <a:extLst>
               <a:ext uri="{FF2B5EF4-FFF2-40B4-BE49-F238E27FC236}">
-                <a16:creationId xmlns="" xmlns:a16="http://schemas.microsoft.com/office/drawing/2014/main" id="{26A7CF91-3D87-4389-9922-B6915A57A790}"/>
+                <a16:creationId xmlns:a16="http://schemas.microsoft.com/office/drawing/2014/main" xmlns="" id="{26A7CF91-3D87-4389-9922-B6915A57A790}"/>
               </a:ext>
             </a:extLst>
           </p:cNvPr>
@@ -8009,7 +8012,7 @@
           <p:cNvPr id="4" name="Picture 3">
             <a:extLst>
               <a:ext uri="{FF2B5EF4-FFF2-40B4-BE49-F238E27FC236}">
-                <a16:creationId xmlns="" xmlns:a16="http://schemas.microsoft.com/office/drawing/2014/main" id="{003F4C48-9750-4D9A-A4E6-B98DEE8A85F1}"/>
+                <a16:creationId xmlns:a16="http://schemas.microsoft.com/office/drawing/2014/main" xmlns="" id="{003F4C48-9750-4D9A-A4E6-B98DEE8A85F1}"/>
               </a:ext>
             </a:extLst>
           </p:cNvPr>
@@ -8044,7 +8047,7 @@
           <p:cNvPr id="19" name="Picture 18">
             <a:extLst>
               <a:ext uri="{FF2B5EF4-FFF2-40B4-BE49-F238E27FC236}">
-                <a16:creationId xmlns="" xmlns:a16="http://schemas.microsoft.com/office/drawing/2014/main" id="{C1C11DF2-AD5A-40D1-A80B-AF0CC98DE87A}"/>
+                <a16:creationId xmlns:a16="http://schemas.microsoft.com/office/drawing/2014/main" xmlns="" id="{C1C11DF2-AD5A-40D1-A80B-AF0CC98DE87A}"/>
               </a:ext>
             </a:extLst>
           </p:cNvPr>
@@ -8079,7 +8082,7 @@
           <p:cNvPr id="20" name="Picture 19">
             <a:extLst>
               <a:ext uri="{FF2B5EF4-FFF2-40B4-BE49-F238E27FC236}">
-                <a16:creationId xmlns="" xmlns:a16="http://schemas.microsoft.com/office/drawing/2014/main" id="{A1E27E13-D052-4757-96D9-B148BE0701D0}"/>
+                <a16:creationId xmlns:a16="http://schemas.microsoft.com/office/drawing/2014/main" xmlns="" id="{A1E27E13-D052-4757-96D9-B148BE0701D0}"/>
               </a:ext>
             </a:extLst>
           </p:cNvPr>
@@ -8115,7 +8118,7 @@
           <p:cNvPr id="21" name="Picture 20">
             <a:extLst>
               <a:ext uri="{FF2B5EF4-FFF2-40B4-BE49-F238E27FC236}">
-                <a16:creationId xmlns="" xmlns:a16="http://schemas.microsoft.com/office/drawing/2014/main" id="{32A8615D-F6AB-4A25-8E87-66207969E1E3}"/>
+                <a16:creationId xmlns:a16="http://schemas.microsoft.com/office/drawing/2014/main" xmlns="" id="{32A8615D-F6AB-4A25-8E87-66207969E1E3}"/>
               </a:ext>
             </a:extLst>
           </p:cNvPr>
@@ -8188,7 +8191,7 @@
           <p:cNvPr id="6" name="TextBox 5">
             <a:extLst>
               <a:ext uri="{FF2B5EF4-FFF2-40B4-BE49-F238E27FC236}">
-                <a16:creationId xmlns="" xmlns:a16="http://schemas.microsoft.com/office/drawing/2014/main" id="{CD2A8DE0-B0E7-40FB-9538-60D54401A4F8}"/>
+                <a16:creationId xmlns:a16="http://schemas.microsoft.com/office/drawing/2014/main" xmlns="" id="{CD2A8DE0-B0E7-40FB-9538-60D54401A4F8}"/>
               </a:ext>
             </a:extLst>
           </p:cNvPr>
@@ -8276,7 +8279,7 @@
           <p:cNvPr id="11" name="Picture 10">
             <a:extLst>
               <a:ext uri="{FF2B5EF4-FFF2-40B4-BE49-F238E27FC236}">
-                <a16:creationId xmlns="" xmlns:a16="http://schemas.microsoft.com/office/drawing/2014/main" id="{F6164AE6-B86F-4668-B82E-2CCF243694C5}"/>
+                <a16:creationId xmlns:a16="http://schemas.microsoft.com/office/drawing/2014/main" xmlns="" id="{F6164AE6-B86F-4668-B82E-2CCF243694C5}"/>
               </a:ext>
             </a:extLst>
           </p:cNvPr>
@@ -8306,7 +8309,7 @@
           <p:cNvPr id="12" name="Rectangle 11">
             <a:extLst>
               <a:ext uri="{FF2B5EF4-FFF2-40B4-BE49-F238E27FC236}">
-                <a16:creationId xmlns="" xmlns:a16="http://schemas.microsoft.com/office/drawing/2014/main" id="{9DC85E5D-8339-4A90-8911-6572A28FAB1B}"/>
+                <a16:creationId xmlns:a16="http://schemas.microsoft.com/office/drawing/2014/main" xmlns="" id="{9DC85E5D-8339-4A90-8911-6572A28FAB1B}"/>
               </a:ext>
             </a:extLst>
           </p:cNvPr>
@@ -8360,7 +8363,7 @@
           <p:cNvPr id="13" name="Picture 8" descr="C:\Users\HuyTran\Desktop\WPF project\Paul_Circle.png">
             <a:extLst>
               <a:ext uri="{FF2B5EF4-FFF2-40B4-BE49-F238E27FC236}">
-                <a16:creationId xmlns="" xmlns:a16="http://schemas.microsoft.com/office/drawing/2014/main" id="{7709B346-3CF0-4506-B6E0-39CD18074E81}"/>
+                <a16:creationId xmlns:a16="http://schemas.microsoft.com/office/drawing/2014/main" xmlns="" id="{7709B346-3CF0-4506-B6E0-39CD18074E81}"/>
               </a:ext>
             </a:extLst>
           </p:cNvPr>
@@ -8407,7 +8410,7 @@
           <p:cNvPr id="14" name="TextBox 13">
             <a:extLst>
               <a:ext uri="{FF2B5EF4-FFF2-40B4-BE49-F238E27FC236}">
-                <a16:creationId xmlns="" xmlns:a16="http://schemas.microsoft.com/office/drawing/2014/main" id="{88CA780A-86AF-4CC5-93C8-9AA542968897}"/>
+                <a16:creationId xmlns:a16="http://schemas.microsoft.com/office/drawing/2014/main" xmlns="" id="{88CA780A-86AF-4CC5-93C8-9AA542968897}"/>
               </a:ext>
             </a:extLst>
           </p:cNvPr>
@@ -8459,7 +8462,7 @@
           <p:cNvPr id="17" name="TextBox 16">
             <a:extLst>
               <a:ext uri="{FF2B5EF4-FFF2-40B4-BE49-F238E27FC236}">
-                <a16:creationId xmlns="" xmlns:a16="http://schemas.microsoft.com/office/drawing/2014/main" id="{E74F7379-B503-4B35-946D-61820AE3A953}"/>
+                <a16:creationId xmlns:a16="http://schemas.microsoft.com/office/drawing/2014/main" xmlns="" id="{E74F7379-B503-4B35-946D-61820AE3A953}"/>
               </a:ext>
             </a:extLst>
           </p:cNvPr>
@@ -8514,7 +8517,7 @@
           <p:cNvPr id="18" name="TextBox 17">
             <a:extLst>
               <a:ext uri="{FF2B5EF4-FFF2-40B4-BE49-F238E27FC236}">
-                <a16:creationId xmlns="" xmlns:a16="http://schemas.microsoft.com/office/drawing/2014/main" id="{DDEA07C1-E0BC-44D5-97BC-55487ACFA934}"/>
+                <a16:creationId xmlns:a16="http://schemas.microsoft.com/office/drawing/2014/main" xmlns="" id="{DDEA07C1-E0BC-44D5-97BC-55487ACFA934}"/>
               </a:ext>
             </a:extLst>
           </p:cNvPr>
@@ -8569,7 +8572,7 @@
           <p:cNvPr id="19" name="TextBox 18">
             <a:extLst>
               <a:ext uri="{FF2B5EF4-FFF2-40B4-BE49-F238E27FC236}">
-                <a16:creationId xmlns="" xmlns:a16="http://schemas.microsoft.com/office/drawing/2014/main" id="{DE082C68-9641-440A-83B8-07164C781333}"/>
+                <a16:creationId xmlns:a16="http://schemas.microsoft.com/office/drawing/2014/main" xmlns="" id="{DE082C68-9641-440A-83B8-07164C781333}"/>
               </a:ext>
             </a:extLst>
           </p:cNvPr>
@@ -8624,7 +8627,7 @@
           <p:cNvPr id="20" name="TextBox 19">
             <a:extLst>
               <a:ext uri="{FF2B5EF4-FFF2-40B4-BE49-F238E27FC236}">
-                <a16:creationId xmlns="" xmlns:a16="http://schemas.microsoft.com/office/drawing/2014/main" id="{6DD24C2E-7386-42E5-86E8-6DEC9280B005}"/>
+                <a16:creationId xmlns:a16="http://schemas.microsoft.com/office/drawing/2014/main" xmlns="" id="{6DD24C2E-7386-42E5-86E8-6DEC9280B005}"/>
               </a:ext>
             </a:extLst>
           </p:cNvPr>
@@ -8679,7 +8682,7 @@
           <p:cNvPr id="23" name="Rectangle 22">
             <a:extLst>
               <a:ext uri="{FF2B5EF4-FFF2-40B4-BE49-F238E27FC236}">
-                <a16:creationId xmlns="" xmlns:a16="http://schemas.microsoft.com/office/drawing/2014/main" id="{7E948C6D-3FFA-44C6-BD28-5EB2DEC69A26}"/>
+                <a16:creationId xmlns:a16="http://schemas.microsoft.com/office/drawing/2014/main" xmlns="" id="{7E948C6D-3FFA-44C6-BD28-5EB2DEC69A26}"/>
               </a:ext>
             </a:extLst>
           </p:cNvPr>
@@ -8725,7 +8728,7 @@
           <p:cNvPr id="26" name="Rectangle 25">
             <a:extLst>
               <a:ext uri="{FF2B5EF4-FFF2-40B4-BE49-F238E27FC236}">
-                <a16:creationId xmlns="" xmlns:a16="http://schemas.microsoft.com/office/drawing/2014/main" id="{39CF1CDE-A93F-4AB1-968F-94B2D4449D82}"/>
+                <a16:creationId xmlns:a16="http://schemas.microsoft.com/office/drawing/2014/main" xmlns="" id="{39CF1CDE-A93F-4AB1-968F-94B2D4449D82}"/>
               </a:ext>
             </a:extLst>
           </p:cNvPr>
@@ -8771,7 +8774,7 @@
           <p:cNvPr id="29" name="Rectangle 28">
             <a:extLst>
               <a:ext uri="{FF2B5EF4-FFF2-40B4-BE49-F238E27FC236}">
-                <a16:creationId xmlns="" xmlns:a16="http://schemas.microsoft.com/office/drawing/2014/main" id="{14852D35-E350-44FF-922A-B2A645A7B618}"/>
+                <a16:creationId xmlns:a16="http://schemas.microsoft.com/office/drawing/2014/main" xmlns="" id="{14852D35-E350-44FF-922A-B2A645A7B618}"/>
               </a:ext>
             </a:extLst>
           </p:cNvPr>
@@ -8817,7 +8820,7 @@
           <p:cNvPr id="41" name="Rectangle 40">
             <a:extLst>
               <a:ext uri="{FF2B5EF4-FFF2-40B4-BE49-F238E27FC236}">
-                <a16:creationId xmlns="" xmlns:a16="http://schemas.microsoft.com/office/drawing/2014/main" id="{E81BDFDF-A2C2-47AD-8D90-A0FE79376AA6}"/>
+                <a16:creationId xmlns:a16="http://schemas.microsoft.com/office/drawing/2014/main" xmlns="" id="{E81BDFDF-A2C2-47AD-8D90-A0FE79376AA6}"/>
               </a:ext>
             </a:extLst>
           </p:cNvPr>
@@ -8877,7 +8880,7 @@
           <p:cNvPr id="42" name="Rectangle 41">
             <a:extLst>
               <a:ext uri="{FF2B5EF4-FFF2-40B4-BE49-F238E27FC236}">
-                <a16:creationId xmlns="" xmlns:a16="http://schemas.microsoft.com/office/drawing/2014/main" id="{353BFA1C-32B8-4D02-82DD-D04AE5441E95}"/>
+                <a16:creationId xmlns:a16="http://schemas.microsoft.com/office/drawing/2014/main" xmlns="" id="{353BFA1C-32B8-4D02-82DD-D04AE5441E95}"/>
               </a:ext>
             </a:extLst>
           </p:cNvPr>
@@ -8951,7 +8954,7 @@
           <p:cNvPr id="43" name="TextBox 42">
             <a:extLst>
               <a:ext uri="{FF2B5EF4-FFF2-40B4-BE49-F238E27FC236}">
-                <a16:creationId xmlns="" xmlns:a16="http://schemas.microsoft.com/office/drawing/2014/main" id="{F43B97D8-23B6-4B2F-AE82-8C0B2E7C3495}"/>
+                <a16:creationId xmlns:a16="http://schemas.microsoft.com/office/drawing/2014/main" xmlns="" id="{F43B97D8-23B6-4B2F-AE82-8C0B2E7C3495}"/>
               </a:ext>
             </a:extLst>
           </p:cNvPr>
@@ -9051,7 +9054,7 @@
           <p:cNvPr id="48" name="TextBox 47">
             <a:extLst>
               <a:ext uri="{FF2B5EF4-FFF2-40B4-BE49-F238E27FC236}">
-                <a16:creationId xmlns="" xmlns:a16="http://schemas.microsoft.com/office/drawing/2014/main" id="{F645AFEA-5815-4FE2-9618-7C86B01C2515}"/>
+                <a16:creationId xmlns:a16="http://schemas.microsoft.com/office/drawing/2014/main" xmlns="" id="{F645AFEA-5815-4FE2-9618-7C86B01C2515}"/>
               </a:ext>
             </a:extLst>
           </p:cNvPr>
@@ -9106,7 +9109,7 @@
           <p:cNvPr id="49" name="Rectangle 48">
             <a:extLst>
               <a:ext uri="{FF2B5EF4-FFF2-40B4-BE49-F238E27FC236}">
-                <a16:creationId xmlns="" xmlns:a16="http://schemas.microsoft.com/office/drawing/2014/main" id="{6BB4A87D-F73C-4006-BF33-C237ABCF2E42}"/>
+                <a16:creationId xmlns:a16="http://schemas.microsoft.com/office/drawing/2014/main" xmlns="" id="{6BB4A87D-F73C-4006-BF33-C237ABCF2E42}"/>
               </a:ext>
             </a:extLst>
           </p:cNvPr>
@@ -9152,7 +9155,7 @@
           <p:cNvPr id="21" name="Picture 14" descr="C:\Users\HuyTran\Desktop\WPF project\customerManager.png">
             <a:extLst>
               <a:ext uri="{FF2B5EF4-FFF2-40B4-BE49-F238E27FC236}">
-                <a16:creationId xmlns="" xmlns:a16="http://schemas.microsoft.com/office/drawing/2014/main" id="{DFE9520C-9B4D-47F4-B26D-724D36068689}"/>
+                <a16:creationId xmlns:a16="http://schemas.microsoft.com/office/drawing/2014/main" xmlns="" id="{DFE9520C-9B4D-47F4-B26D-724D36068689}"/>
               </a:ext>
             </a:extLst>
           </p:cNvPr>
@@ -9237,7 +9240,7 @@
           <p:cNvPr id="6" name="TextBox 5">
             <a:extLst>
               <a:ext uri="{FF2B5EF4-FFF2-40B4-BE49-F238E27FC236}">
-                <a16:creationId xmlns="" xmlns:a16="http://schemas.microsoft.com/office/drawing/2014/main" id="{CD2A8DE0-B0E7-40FB-9538-60D54401A4F8}"/>
+                <a16:creationId xmlns:a16="http://schemas.microsoft.com/office/drawing/2014/main" xmlns="" id="{CD2A8DE0-B0E7-40FB-9538-60D54401A4F8}"/>
               </a:ext>
             </a:extLst>
           </p:cNvPr>
@@ -9337,7 +9340,7 @@
           <p:cNvPr id="11" name="Picture 10">
             <a:extLst>
               <a:ext uri="{FF2B5EF4-FFF2-40B4-BE49-F238E27FC236}">
-                <a16:creationId xmlns="" xmlns:a16="http://schemas.microsoft.com/office/drawing/2014/main" id="{F6164AE6-B86F-4668-B82E-2CCF243694C5}"/>
+                <a16:creationId xmlns:a16="http://schemas.microsoft.com/office/drawing/2014/main" xmlns="" id="{F6164AE6-B86F-4668-B82E-2CCF243694C5}"/>
               </a:ext>
             </a:extLst>
           </p:cNvPr>
@@ -9367,7 +9370,7 @@
           <p:cNvPr id="12" name="Rectangle 11">
             <a:extLst>
               <a:ext uri="{FF2B5EF4-FFF2-40B4-BE49-F238E27FC236}">
-                <a16:creationId xmlns="" xmlns:a16="http://schemas.microsoft.com/office/drawing/2014/main" id="{9DC85E5D-8339-4A90-8911-6572A28FAB1B}"/>
+                <a16:creationId xmlns:a16="http://schemas.microsoft.com/office/drawing/2014/main" xmlns="" id="{9DC85E5D-8339-4A90-8911-6572A28FAB1B}"/>
               </a:ext>
             </a:extLst>
           </p:cNvPr>
@@ -9421,7 +9424,7 @@
           <p:cNvPr id="13" name="Picture 8" descr="C:\Users\HuyTran\Desktop\WPF project\Paul_Circle.png">
             <a:extLst>
               <a:ext uri="{FF2B5EF4-FFF2-40B4-BE49-F238E27FC236}">
-                <a16:creationId xmlns="" xmlns:a16="http://schemas.microsoft.com/office/drawing/2014/main" id="{7709B346-3CF0-4506-B6E0-39CD18074E81}"/>
+                <a16:creationId xmlns:a16="http://schemas.microsoft.com/office/drawing/2014/main" xmlns="" id="{7709B346-3CF0-4506-B6E0-39CD18074E81}"/>
               </a:ext>
             </a:extLst>
           </p:cNvPr>
@@ -9468,7 +9471,7 @@
           <p:cNvPr id="14" name="TextBox 13">
             <a:extLst>
               <a:ext uri="{FF2B5EF4-FFF2-40B4-BE49-F238E27FC236}">
-                <a16:creationId xmlns="" xmlns:a16="http://schemas.microsoft.com/office/drawing/2014/main" id="{88CA780A-86AF-4CC5-93C8-9AA542968897}"/>
+                <a16:creationId xmlns:a16="http://schemas.microsoft.com/office/drawing/2014/main" xmlns="" id="{88CA780A-86AF-4CC5-93C8-9AA542968897}"/>
               </a:ext>
             </a:extLst>
           </p:cNvPr>
@@ -9520,7 +9523,7 @@
           <p:cNvPr id="17" name="TextBox 16">
             <a:extLst>
               <a:ext uri="{FF2B5EF4-FFF2-40B4-BE49-F238E27FC236}">
-                <a16:creationId xmlns="" xmlns:a16="http://schemas.microsoft.com/office/drawing/2014/main" id="{E74F7379-B503-4B35-946D-61820AE3A953}"/>
+                <a16:creationId xmlns:a16="http://schemas.microsoft.com/office/drawing/2014/main" xmlns="" id="{E74F7379-B503-4B35-946D-61820AE3A953}"/>
               </a:ext>
             </a:extLst>
           </p:cNvPr>
@@ -9575,7 +9578,7 @@
           <p:cNvPr id="18" name="TextBox 17">
             <a:extLst>
               <a:ext uri="{FF2B5EF4-FFF2-40B4-BE49-F238E27FC236}">
-                <a16:creationId xmlns="" xmlns:a16="http://schemas.microsoft.com/office/drawing/2014/main" id="{DDEA07C1-E0BC-44D5-97BC-55487ACFA934}"/>
+                <a16:creationId xmlns:a16="http://schemas.microsoft.com/office/drawing/2014/main" xmlns="" id="{DDEA07C1-E0BC-44D5-97BC-55487ACFA934}"/>
               </a:ext>
             </a:extLst>
           </p:cNvPr>
@@ -9654,7 +9657,7 @@
           <p:cNvPr id="42" name="Rectangle 41">
             <a:extLst>
               <a:ext uri="{FF2B5EF4-FFF2-40B4-BE49-F238E27FC236}">
-                <a16:creationId xmlns="" xmlns:a16="http://schemas.microsoft.com/office/drawing/2014/main" id="{353BFA1C-32B8-4D02-82DD-D04AE5441E95}"/>
+                <a16:creationId xmlns:a16="http://schemas.microsoft.com/office/drawing/2014/main" xmlns="" id="{353BFA1C-32B8-4D02-82DD-D04AE5441E95}"/>
               </a:ext>
             </a:extLst>
           </p:cNvPr>
@@ -9728,7 +9731,7 @@
           <p:cNvPr id="43" name="TextBox 42">
             <a:extLst>
               <a:ext uri="{FF2B5EF4-FFF2-40B4-BE49-F238E27FC236}">
-                <a16:creationId xmlns="" xmlns:a16="http://schemas.microsoft.com/office/drawing/2014/main" id="{F43B97D8-23B6-4B2F-AE82-8C0B2E7C3495}"/>
+                <a16:creationId xmlns:a16="http://schemas.microsoft.com/office/drawing/2014/main" xmlns="" id="{F43B97D8-23B6-4B2F-AE82-8C0B2E7C3495}"/>
               </a:ext>
             </a:extLst>
           </p:cNvPr>
@@ -9852,7 +9855,7 @@
           <p:cNvPr id="49" name="Rectangle 48">
             <a:extLst>
               <a:ext uri="{FF2B5EF4-FFF2-40B4-BE49-F238E27FC236}">
-                <a16:creationId xmlns="" xmlns:a16="http://schemas.microsoft.com/office/drawing/2014/main" id="{6BB4A87D-F73C-4006-BF33-C237ABCF2E42}"/>
+                <a16:creationId xmlns:a16="http://schemas.microsoft.com/office/drawing/2014/main" xmlns="" id="{6BB4A87D-F73C-4006-BF33-C237ABCF2E42}"/>
               </a:ext>
             </a:extLst>
           </p:cNvPr>
@@ -9898,7 +9901,7 @@
           <p:cNvPr id="34" name="TextBox 33">
             <a:extLst>
               <a:ext uri="{FF2B5EF4-FFF2-40B4-BE49-F238E27FC236}">
-                <a16:creationId xmlns="" xmlns:a16="http://schemas.microsoft.com/office/drawing/2014/main" id="{FCB6013B-D2D1-4736-9A0F-C6999AEC0807}"/>
+                <a16:creationId xmlns:a16="http://schemas.microsoft.com/office/drawing/2014/main" xmlns="" id="{FCB6013B-D2D1-4736-9A0F-C6999AEC0807}"/>
               </a:ext>
             </a:extLst>
           </p:cNvPr>
@@ -9941,7 +9944,7 @@
           <p:cNvPr id="35" name="Rectangle 34">
             <a:extLst>
               <a:ext uri="{FF2B5EF4-FFF2-40B4-BE49-F238E27FC236}">
-                <a16:creationId xmlns="" xmlns:a16="http://schemas.microsoft.com/office/drawing/2014/main" id="{641B9C04-FC45-42E0-8BEC-A540512108B4}"/>
+                <a16:creationId xmlns:a16="http://schemas.microsoft.com/office/drawing/2014/main" xmlns="" id="{641B9C04-FC45-42E0-8BEC-A540512108B4}"/>
               </a:ext>
             </a:extLst>
           </p:cNvPr>
@@ -9987,7 +9990,7 @@
           <p:cNvPr id="37" name="Rectangle 36">
             <a:extLst>
               <a:ext uri="{FF2B5EF4-FFF2-40B4-BE49-F238E27FC236}">
-                <a16:creationId xmlns="" xmlns:a16="http://schemas.microsoft.com/office/drawing/2014/main" id="{35AEE3D0-05A6-41C1-A246-E626445A01A9}"/>
+                <a16:creationId xmlns:a16="http://schemas.microsoft.com/office/drawing/2014/main" xmlns="" id="{35AEE3D0-05A6-41C1-A246-E626445A01A9}"/>
               </a:ext>
             </a:extLst>
           </p:cNvPr>
@@ -10071,7 +10074,7 @@
           <p:cNvPr id="38" name="TextBox 37">
             <a:extLst>
               <a:ext uri="{FF2B5EF4-FFF2-40B4-BE49-F238E27FC236}">
-                <a16:creationId xmlns="" xmlns:a16="http://schemas.microsoft.com/office/drawing/2014/main" id="{F1E935BC-342E-4DED-B95A-AF834CCE5868}"/>
+                <a16:creationId xmlns:a16="http://schemas.microsoft.com/office/drawing/2014/main" xmlns="" id="{F1E935BC-342E-4DED-B95A-AF834CCE5868}"/>
               </a:ext>
             </a:extLst>
           </p:cNvPr>
@@ -10154,7 +10157,7 @@
           <p:cNvPr id="39" name="Picture 14" descr="C:\Users\HuyTran\Desktop\WPF project\customerManager.png">
             <a:extLst>
               <a:ext uri="{FF2B5EF4-FFF2-40B4-BE49-F238E27FC236}">
-                <a16:creationId xmlns="" xmlns:a16="http://schemas.microsoft.com/office/drawing/2014/main" id="{2821CB2B-7CC2-4C1C-A627-D768E5897716}"/>
+                <a16:creationId xmlns:a16="http://schemas.microsoft.com/office/drawing/2014/main" xmlns="" id="{2821CB2B-7CC2-4C1C-A627-D768E5897716}"/>
               </a:ext>
             </a:extLst>
           </p:cNvPr>
@@ -10201,7 +10204,7 @@
           <p:cNvPr id="40" name="TextBox 39">
             <a:extLst>
               <a:ext uri="{FF2B5EF4-FFF2-40B4-BE49-F238E27FC236}">
-                <a16:creationId xmlns="" xmlns:a16="http://schemas.microsoft.com/office/drawing/2014/main" id="{362DFC4C-7B64-4E45-BAB6-0D6AE704BF4A}"/>
+                <a16:creationId xmlns:a16="http://schemas.microsoft.com/office/drawing/2014/main" xmlns="" id="{362DFC4C-7B64-4E45-BAB6-0D6AE704BF4A}"/>
               </a:ext>
             </a:extLst>
           </p:cNvPr>
@@ -10256,7 +10259,7 @@
           <p:cNvPr id="46" name="Rectangle 45">
             <a:extLst>
               <a:ext uri="{FF2B5EF4-FFF2-40B4-BE49-F238E27FC236}">
-                <a16:creationId xmlns="" xmlns:a16="http://schemas.microsoft.com/office/drawing/2014/main" id="{829A6FC0-BAD4-4FF2-89EE-DAEE1E9CEBF6}"/>
+                <a16:creationId xmlns:a16="http://schemas.microsoft.com/office/drawing/2014/main" xmlns="" id="{829A6FC0-BAD4-4FF2-89EE-DAEE1E9CEBF6}"/>
               </a:ext>
             </a:extLst>
           </p:cNvPr>
@@ -10302,7 +10305,7 @@
           <p:cNvPr id="52" name="TextBox 51">
             <a:extLst>
               <a:ext uri="{FF2B5EF4-FFF2-40B4-BE49-F238E27FC236}">
-                <a16:creationId xmlns="" xmlns:a16="http://schemas.microsoft.com/office/drawing/2014/main" id="{D0690CA8-A5D4-4189-BFC1-F726D6EFC49C}"/>
+                <a16:creationId xmlns:a16="http://schemas.microsoft.com/office/drawing/2014/main" xmlns="" id="{D0690CA8-A5D4-4189-BFC1-F726D6EFC49C}"/>
               </a:ext>
             </a:extLst>
           </p:cNvPr>
@@ -10357,7 +10360,7 @@
           <p:cNvPr id="53" name="Rectangle 52">
             <a:extLst>
               <a:ext uri="{FF2B5EF4-FFF2-40B4-BE49-F238E27FC236}">
-                <a16:creationId xmlns="" xmlns:a16="http://schemas.microsoft.com/office/drawing/2014/main" id="{204F543E-2462-4DF1-B28D-57639D2BEE07}"/>
+                <a16:creationId xmlns:a16="http://schemas.microsoft.com/office/drawing/2014/main" xmlns="" id="{204F543E-2462-4DF1-B28D-57639D2BEE07}"/>
               </a:ext>
             </a:extLst>
           </p:cNvPr>
@@ -10403,7 +10406,7 @@
           <p:cNvPr id="48" name="TextBox 47">
             <a:extLst>
               <a:ext uri="{FF2B5EF4-FFF2-40B4-BE49-F238E27FC236}">
-                <a16:creationId xmlns="" xmlns:a16="http://schemas.microsoft.com/office/drawing/2014/main" id="{4C8C3C9E-F5E0-44F3-86D1-CAA65DCCF7F9}"/>
+                <a16:creationId xmlns:a16="http://schemas.microsoft.com/office/drawing/2014/main" xmlns="" id="{4C8C3C9E-F5E0-44F3-86D1-CAA65DCCF7F9}"/>
               </a:ext>
             </a:extLst>
           </p:cNvPr>
@@ -10468,7 +10471,7 @@
           <p:cNvPr id="54" name="TextBox 53">
             <a:extLst>
               <a:ext uri="{FF2B5EF4-FFF2-40B4-BE49-F238E27FC236}">
-                <a16:creationId xmlns="" xmlns:a16="http://schemas.microsoft.com/office/drawing/2014/main" id="{849762B1-E659-4E62-B0B4-DD4E483263D7}"/>
+                <a16:creationId xmlns:a16="http://schemas.microsoft.com/office/drawing/2014/main" xmlns="" id="{849762B1-E659-4E62-B0B4-DD4E483263D7}"/>
               </a:ext>
             </a:extLst>
           </p:cNvPr>
@@ -10529,7 +10532,7 @@
           <p:cNvPr id="55" name="TextBox 54">
             <a:extLst>
               <a:ext uri="{FF2B5EF4-FFF2-40B4-BE49-F238E27FC236}">
-                <a16:creationId xmlns="" xmlns:a16="http://schemas.microsoft.com/office/drawing/2014/main" id="{74AA062A-FBC2-4F86-943D-D61FDEE1F488}"/>
+                <a16:creationId xmlns:a16="http://schemas.microsoft.com/office/drawing/2014/main" xmlns="" id="{74AA062A-FBC2-4F86-943D-D61FDEE1F488}"/>
               </a:ext>
             </a:extLst>
           </p:cNvPr>
@@ -10572,7 +10575,7 @@
           <p:cNvPr id="56" name="TextBox 55">
             <a:extLst>
               <a:ext uri="{FF2B5EF4-FFF2-40B4-BE49-F238E27FC236}">
-                <a16:creationId xmlns="" xmlns:a16="http://schemas.microsoft.com/office/drawing/2014/main" id="{05337194-B16B-4C72-9C86-364E6C2685D3}"/>
+                <a16:creationId xmlns:a16="http://schemas.microsoft.com/office/drawing/2014/main" xmlns="" id="{05337194-B16B-4C72-9C86-364E6C2685D3}"/>
               </a:ext>
             </a:extLst>
           </p:cNvPr>
@@ -10627,7 +10630,7 @@
           <p:cNvPr id="57" name="TextBox 56">
             <a:extLst>
               <a:ext uri="{FF2B5EF4-FFF2-40B4-BE49-F238E27FC236}">
-                <a16:creationId xmlns="" xmlns:a16="http://schemas.microsoft.com/office/drawing/2014/main" id="{90D547BF-0762-41F5-84B4-303584072F7A}"/>
+                <a16:creationId xmlns:a16="http://schemas.microsoft.com/office/drawing/2014/main" xmlns="" id="{90D547BF-0762-41F5-84B4-303584072F7A}"/>
               </a:ext>
             </a:extLst>
           </p:cNvPr>
@@ -10676,7 +10679,7 @@
           <p:cNvPr id="58" name="Rectangle 57">
             <a:extLst>
               <a:ext uri="{FF2B5EF4-FFF2-40B4-BE49-F238E27FC236}">
-                <a16:creationId xmlns="" xmlns:a16="http://schemas.microsoft.com/office/drawing/2014/main" id="{82554FE1-CC09-4756-8850-A0A61052E47C}"/>
+                <a16:creationId xmlns:a16="http://schemas.microsoft.com/office/drawing/2014/main" xmlns="" id="{82554FE1-CC09-4756-8850-A0A61052E47C}"/>
               </a:ext>
             </a:extLst>
           </p:cNvPr>
@@ -10722,7 +10725,7 @@
           <p:cNvPr id="59" name="TextBox 58">
             <a:extLst>
               <a:ext uri="{FF2B5EF4-FFF2-40B4-BE49-F238E27FC236}">
-                <a16:creationId xmlns="" xmlns:a16="http://schemas.microsoft.com/office/drawing/2014/main" id="{D0B60453-84DF-48C8-AB34-9C904AAB7B32}"/>
+                <a16:creationId xmlns:a16="http://schemas.microsoft.com/office/drawing/2014/main" xmlns="" id="{D0B60453-84DF-48C8-AB34-9C904AAB7B32}"/>
               </a:ext>
             </a:extLst>
           </p:cNvPr>
@@ -10777,7 +10780,7 @@
           <p:cNvPr id="60" name="Rectangle 59">
             <a:extLst>
               <a:ext uri="{FF2B5EF4-FFF2-40B4-BE49-F238E27FC236}">
-                <a16:creationId xmlns="" xmlns:a16="http://schemas.microsoft.com/office/drawing/2014/main" id="{2AFB514D-A02F-4B5E-B2FD-5130CF4F3006}"/>
+                <a16:creationId xmlns:a16="http://schemas.microsoft.com/office/drawing/2014/main" xmlns="" id="{2AFB514D-A02F-4B5E-B2FD-5130CF4F3006}"/>
               </a:ext>
             </a:extLst>
           </p:cNvPr>
@@ -10853,7 +10856,7 @@
           <p:cNvPr id="6" name="TextBox 5">
             <a:extLst>
               <a:ext uri="{FF2B5EF4-FFF2-40B4-BE49-F238E27FC236}">
-                <a16:creationId xmlns="" xmlns:a16="http://schemas.microsoft.com/office/drawing/2014/main" id="{CD2A8DE0-B0E7-40FB-9538-60D54401A4F8}"/>
+                <a16:creationId xmlns:a16="http://schemas.microsoft.com/office/drawing/2014/main" xmlns="" id="{CD2A8DE0-B0E7-40FB-9538-60D54401A4F8}"/>
               </a:ext>
             </a:extLst>
           </p:cNvPr>
@@ -10941,7 +10944,7 @@
           <p:cNvPr id="11" name="Picture 10">
             <a:extLst>
               <a:ext uri="{FF2B5EF4-FFF2-40B4-BE49-F238E27FC236}">
-                <a16:creationId xmlns="" xmlns:a16="http://schemas.microsoft.com/office/drawing/2014/main" id="{F6164AE6-B86F-4668-B82E-2CCF243694C5}"/>
+                <a16:creationId xmlns:a16="http://schemas.microsoft.com/office/drawing/2014/main" xmlns="" id="{F6164AE6-B86F-4668-B82E-2CCF243694C5}"/>
               </a:ext>
             </a:extLst>
           </p:cNvPr>
@@ -10971,7 +10974,7 @@
           <p:cNvPr id="12" name="Rectangle 11">
             <a:extLst>
               <a:ext uri="{FF2B5EF4-FFF2-40B4-BE49-F238E27FC236}">
-                <a16:creationId xmlns="" xmlns:a16="http://schemas.microsoft.com/office/drawing/2014/main" id="{9DC85E5D-8339-4A90-8911-6572A28FAB1B}"/>
+                <a16:creationId xmlns:a16="http://schemas.microsoft.com/office/drawing/2014/main" xmlns="" id="{9DC85E5D-8339-4A90-8911-6572A28FAB1B}"/>
               </a:ext>
             </a:extLst>
           </p:cNvPr>
@@ -11025,7 +11028,7 @@
           <p:cNvPr id="13" name="Picture 8" descr="C:\Users\HuyTran\Desktop\WPF project\Paul_Circle.png">
             <a:extLst>
               <a:ext uri="{FF2B5EF4-FFF2-40B4-BE49-F238E27FC236}">
-                <a16:creationId xmlns="" xmlns:a16="http://schemas.microsoft.com/office/drawing/2014/main" id="{7709B346-3CF0-4506-B6E0-39CD18074E81}"/>
+                <a16:creationId xmlns:a16="http://schemas.microsoft.com/office/drawing/2014/main" xmlns="" id="{7709B346-3CF0-4506-B6E0-39CD18074E81}"/>
               </a:ext>
             </a:extLst>
           </p:cNvPr>
@@ -11072,7 +11075,7 @@
           <p:cNvPr id="14" name="TextBox 13">
             <a:extLst>
               <a:ext uri="{FF2B5EF4-FFF2-40B4-BE49-F238E27FC236}">
-                <a16:creationId xmlns="" xmlns:a16="http://schemas.microsoft.com/office/drawing/2014/main" id="{88CA780A-86AF-4CC5-93C8-9AA542968897}"/>
+                <a16:creationId xmlns:a16="http://schemas.microsoft.com/office/drawing/2014/main" xmlns="" id="{88CA780A-86AF-4CC5-93C8-9AA542968897}"/>
               </a:ext>
             </a:extLst>
           </p:cNvPr>
@@ -11124,7 +11127,7 @@
           <p:cNvPr id="17" name="TextBox 16">
             <a:extLst>
               <a:ext uri="{FF2B5EF4-FFF2-40B4-BE49-F238E27FC236}">
-                <a16:creationId xmlns="" xmlns:a16="http://schemas.microsoft.com/office/drawing/2014/main" id="{E74F7379-B503-4B35-946D-61820AE3A953}"/>
+                <a16:creationId xmlns:a16="http://schemas.microsoft.com/office/drawing/2014/main" xmlns="" id="{E74F7379-B503-4B35-946D-61820AE3A953}"/>
               </a:ext>
             </a:extLst>
           </p:cNvPr>
@@ -11179,7 +11182,7 @@
           <p:cNvPr id="42" name="Rectangle 41">
             <a:extLst>
               <a:ext uri="{FF2B5EF4-FFF2-40B4-BE49-F238E27FC236}">
-                <a16:creationId xmlns="" xmlns:a16="http://schemas.microsoft.com/office/drawing/2014/main" id="{353BFA1C-32B8-4D02-82DD-D04AE5441E95}"/>
+                <a16:creationId xmlns:a16="http://schemas.microsoft.com/office/drawing/2014/main" xmlns="" id="{353BFA1C-32B8-4D02-82DD-D04AE5441E95}"/>
               </a:ext>
             </a:extLst>
           </p:cNvPr>
@@ -11253,7 +11256,7 @@
           <p:cNvPr id="43" name="TextBox 42">
             <a:extLst>
               <a:ext uri="{FF2B5EF4-FFF2-40B4-BE49-F238E27FC236}">
-                <a16:creationId xmlns="" xmlns:a16="http://schemas.microsoft.com/office/drawing/2014/main" id="{F43B97D8-23B6-4B2F-AE82-8C0B2E7C3495}"/>
+                <a16:creationId xmlns:a16="http://schemas.microsoft.com/office/drawing/2014/main" xmlns="" id="{F43B97D8-23B6-4B2F-AE82-8C0B2E7C3495}"/>
               </a:ext>
             </a:extLst>
           </p:cNvPr>
@@ -11353,7 +11356,7 @@
           <p:cNvPr id="26" name="Picture 14" descr="C:\Users\HuyTran\Desktop\WPF project\customerManager.png">
             <a:extLst>
               <a:ext uri="{FF2B5EF4-FFF2-40B4-BE49-F238E27FC236}">
-                <a16:creationId xmlns="" xmlns:a16="http://schemas.microsoft.com/office/drawing/2014/main" id="{184AC657-28DB-40B0-81E2-084A43776422}"/>
+                <a16:creationId xmlns:a16="http://schemas.microsoft.com/office/drawing/2014/main" xmlns="" id="{184AC657-28DB-40B0-81E2-084A43776422}"/>
               </a:ext>
             </a:extLst>
           </p:cNvPr>
@@ -11400,7 +11403,7 @@
           <p:cNvPr id="48" name="Table 3">
             <a:extLst>
               <a:ext uri="{FF2B5EF4-FFF2-40B4-BE49-F238E27FC236}">
-                <a16:creationId xmlns="" xmlns:a16="http://schemas.microsoft.com/office/drawing/2014/main" id="{B059A884-E061-41C0-9D05-E953D19D803E}"/>
+                <a16:creationId xmlns:a16="http://schemas.microsoft.com/office/drawing/2014/main" xmlns="" id="{B059A884-E061-41C0-9D05-E953D19D803E}"/>
               </a:ext>
             </a:extLst>
           </p:cNvPr>
@@ -11429,35 +11432,35 @@
                 <a:gridCol w="1647120">
                   <a:extLst>
                     <a:ext uri="{9D8B030D-6E8A-4147-A177-3AD203B41FA5}">
-                      <a16:colId xmlns="" xmlns:a16="http://schemas.microsoft.com/office/drawing/2014/main" val="3679797539"/>
+                      <a16:colId xmlns:a16="http://schemas.microsoft.com/office/drawing/2014/main" xmlns="" val="3679797539"/>
                     </a:ext>
                   </a:extLst>
                 </a:gridCol>
                 <a:gridCol w="1647120">
                   <a:extLst>
                     <a:ext uri="{9D8B030D-6E8A-4147-A177-3AD203B41FA5}">
-                      <a16:colId xmlns="" xmlns:a16="http://schemas.microsoft.com/office/drawing/2014/main" val="4188008786"/>
+                      <a16:colId xmlns:a16="http://schemas.microsoft.com/office/drawing/2014/main" xmlns="" val="4188008786"/>
                     </a:ext>
                   </a:extLst>
                 </a:gridCol>
                 <a:gridCol w="1647120">
                   <a:extLst>
                     <a:ext uri="{9D8B030D-6E8A-4147-A177-3AD203B41FA5}">
-                      <a16:colId xmlns="" xmlns:a16="http://schemas.microsoft.com/office/drawing/2014/main" val="3214238948"/>
+                      <a16:colId xmlns:a16="http://schemas.microsoft.com/office/drawing/2014/main" xmlns="" val="3214238948"/>
                     </a:ext>
                   </a:extLst>
                 </a:gridCol>
                 <a:gridCol w="1647120">
                   <a:extLst>
                     <a:ext uri="{9D8B030D-6E8A-4147-A177-3AD203B41FA5}">
-                      <a16:colId xmlns="" xmlns:a16="http://schemas.microsoft.com/office/drawing/2014/main" val="4284112643"/>
+                      <a16:colId xmlns:a16="http://schemas.microsoft.com/office/drawing/2014/main" xmlns="" val="4284112643"/>
                     </a:ext>
                   </a:extLst>
                 </a:gridCol>
                 <a:gridCol w="1647120">
                   <a:extLst>
                     <a:ext uri="{9D8B030D-6E8A-4147-A177-3AD203B41FA5}">
-                      <a16:colId xmlns="" xmlns:a16="http://schemas.microsoft.com/office/drawing/2014/main" val="1637866270"/>
+                      <a16:colId xmlns:a16="http://schemas.microsoft.com/office/drawing/2014/main" xmlns="" val="1637866270"/>
                     </a:ext>
                   </a:extLst>
                 </a:gridCol>
@@ -11594,7 +11597,7 @@
                 </a:tc>
                 <a:extLst>
                   <a:ext uri="{0D108BD9-81ED-4DB2-BD59-A6C34878D82A}">
-                    <a16:rowId xmlns="" xmlns:a16="http://schemas.microsoft.com/office/drawing/2014/main" val="652390980"/>
+                    <a16:rowId xmlns:a16="http://schemas.microsoft.com/office/drawing/2014/main" xmlns="" val="652390980"/>
                   </a:ext>
                 </a:extLst>
               </a:tr>
@@ -11704,7 +11707,7 @@
                 </a:tc>
                 <a:extLst>
                   <a:ext uri="{0D108BD9-81ED-4DB2-BD59-A6C34878D82A}">
-                    <a16:rowId xmlns="" xmlns:a16="http://schemas.microsoft.com/office/drawing/2014/main" val="730336656"/>
+                    <a16:rowId xmlns:a16="http://schemas.microsoft.com/office/drawing/2014/main" xmlns="" val="730336656"/>
                   </a:ext>
                 </a:extLst>
               </a:tr>
@@ -11814,7 +11817,7 @@
                 </a:tc>
                 <a:extLst>
                   <a:ext uri="{0D108BD9-81ED-4DB2-BD59-A6C34878D82A}">
-                    <a16:rowId xmlns="" xmlns:a16="http://schemas.microsoft.com/office/drawing/2014/main" val="2897143220"/>
+                    <a16:rowId xmlns:a16="http://schemas.microsoft.com/office/drawing/2014/main" xmlns="" val="2897143220"/>
                   </a:ext>
                 </a:extLst>
               </a:tr>
@@ -11906,7 +11909,7 @@
                 </a:tc>
                 <a:extLst>
                   <a:ext uri="{0D108BD9-81ED-4DB2-BD59-A6C34878D82A}">
-                    <a16:rowId xmlns="" xmlns:a16="http://schemas.microsoft.com/office/drawing/2014/main" val="378457201"/>
+                    <a16:rowId xmlns:a16="http://schemas.microsoft.com/office/drawing/2014/main" xmlns="" val="378457201"/>
                   </a:ext>
                 </a:extLst>
               </a:tr>
@@ -11919,7 +11922,7 @@
           <p:cNvPr id="20" name="TextBox 19">
             <a:extLst>
               <a:ext uri="{FF2B5EF4-FFF2-40B4-BE49-F238E27FC236}">
-                <a16:creationId xmlns="" xmlns:a16="http://schemas.microsoft.com/office/drawing/2014/main" id="{F2D3941E-5A82-4C71-803B-6A06F7402E50}"/>
+                <a16:creationId xmlns:a16="http://schemas.microsoft.com/office/drawing/2014/main" xmlns="" id="{F2D3941E-5A82-4C71-803B-6A06F7402E50}"/>
               </a:ext>
             </a:extLst>
           </p:cNvPr>
@@ -12002,7 +12005,7 @@
           <p:cNvPr id="21" name="TextBox 20">
             <a:extLst>
               <a:ext uri="{FF2B5EF4-FFF2-40B4-BE49-F238E27FC236}">
-                <a16:creationId xmlns="" xmlns:a16="http://schemas.microsoft.com/office/drawing/2014/main" id="{E1DFE7D2-E553-469D-AC31-98D42A59362F}"/>
+                <a16:creationId xmlns:a16="http://schemas.microsoft.com/office/drawing/2014/main" xmlns="" id="{E1DFE7D2-E553-469D-AC31-98D42A59362F}"/>
               </a:ext>
             </a:extLst>
           </p:cNvPr>
@@ -12085,7 +12088,7 @@
           <p:cNvPr id="22" name="Group 21">
             <a:extLst>
               <a:ext uri="{FF2B5EF4-FFF2-40B4-BE49-F238E27FC236}">
-                <a16:creationId xmlns="" xmlns:a16="http://schemas.microsoft.com/office/drawing/2014/main" id="{F0192CF1-97B5-40E1-8DAA-3EDFC431C0D5}"/>
+                <a16:creationId xmlns:a16="http://schemas.microsoft.com/office/drawing/2014/main" xmlns="" id="{F0192CF1-97B5-40E1-8DAA-3EDFC431C0D5}"/>
               </a:ext>
             </a:extLst>
           </p:cNvPr>
@@ -12105,7 +12108,7 @@
             <p:cNvPr id="23" name="Rectangle 22">
               <a:extLst>
                 <a:ext uri="{FF2B5EF4-FFF2-40B4-BE49-F238E27FC236}">
-                  <a16:creationId xmlns="" xmlns:a16="http://schemas.microsoft.com/office/drawing/2014/main" id="{BDBF5120-749E-4129-B948-C87BB2A1AD98}"/>
+                  <a16:creationId xmlns:a16="http://schemas.microsoft.com/office/drawing/2014/main" xmlns="" id="{BDBF5120-749E-4129-B948-C87BB2A1AD98}"/>
                 </a:ext>
               </a:extLst>
             </p:cNvPr>
@@ -12183,7 +12186,7 @@
             <p:cNvPr id="24" name="Picture 23">
               <a:extLst>
                 <a:ext uri="{FF2B5EF4-FFF2-40B4-BE49-F238E27FC236}">
-                  <a16:creationId xmlns="" xmlns:a16="http://schemas.microsoft.com/office/drawing/2014/main" id="{3BD539B6-E0DC-4B91-B8F5-0F8408730673}"/>
+                  <a16:creationId xmlns:a16="http://schemas.microsoft.com/office/drawing/2014/main" xmlns="" id="{3BD539B6-E0DC-4B91-B8F5-0F8408730673}"/>
                 </a:ext>
               </a:extLst>
             </p:cNvPr>
@@ -12220,7 +12223,7 @@
           <p:cNvPr id="32" name="TextBox 31">
             <a:extLst>
               <a:ext uri="{FF2B5EF4-FFF2-40B4-BE49-F238E27FC236}">
-                <a16:creationId xmlns="" xmlns:a16="http://schemas.microsoft.com/office/drawing/2014/main" id="{23B352A9-D2E5-4E42-8F86-090C1E93CE40}"/>
+                <a16:creationId xmlns:a16="http://schemas.microsoft.com/office/drawing/2014/main" xmlns="" id="{23B352A9-D2E5-4E42-8F86-090C1E93CE40}"/>
               </a:ext>
             </a:extLst>
           </p:cNvPr>
@@ -12275,7 +12278,7 @@
           <p:cNvPr id="33" name="TextBox 32">
             <a:extLst>
               <a:ext uri="{FF2B5EF4-FFF2-40B4-BE49-F238E27FC236}">
-                <a16:creationId xmlns="" xmlns:a16="http://schemas.microsoft.com/office/drawing/2014/main" id="{7D4D2B2E-1B88-4B74-94AD-CD5FAC516325}"/>
+                <a16:creationId xmlns:a16="http://schemas.microsoft.com/office/drawing/2014/main" xmlns="" id="{7D4D2B2E-1B88-4B74-94AD-CD5FAC516325}"/>
               </a:ext>
             </a:extLst>
           </p:cNvPr>
@@ -12342,7 +12345,7 @@
           <p:cNvPr id="34" name="TextBox 33">
             <a:extLst>
               <a:ext uri="{FF2B5EF4-FFF2-40B4-BE49-F238E27FC236}">
-                <a16:creationId xmlns="" xmlns:a16="http://schemas.microsoft.com/office/drawing/2014/main" id="{880CC98C-5F2F-4808-85CC-5513F0BBED06}"/>
+                <a16:creationId xmlns:a16="http://schemas.microsoft.com/office/drawing/2014/main" xmlns="" id="{880CC98C-5F2F-4808-85CC-5513F0BBED06}"/>
               </a:ext>
             </a:extLst>
           </p:cNvPr>
@@ -12397,7 +12400,7 @@
           <p:cNvPr id="35" name="TextBox 34">
             <a:extLst>
               <a:ext uri="{FF2B5EF4-FFF2-40B4-BE49-F238E27FC236}">
-                <a16:creationId xmlns="" xmlns:a16="http://schemas.microsoft.com/office/drawing/2014/main" id="{72644866-79CA-4747-80B5-367DBBC423E8}"/>
+                <a16:creationId xmlns:a16="http://schemas.microsoft.com/office/drawing/2014/main" xmlns="" id="{72644866-79CA-4747-80B5-367DBBC423E8}"/>
               </a:ext>
             </a:extLst>
           </p:cNvPr>
@@ -12434,7 +12437,7 @@
           <p:cNvPr id="36" name="TextBox 35">
             <a:extLst>
               <a:ext uri="{FF2B5EF4-FFF2-40B4-BE49-F238E27FC236}">
-                <a16:creationId xmlns="" xmlns:a16="http://schemas.microsoft.com/office/drawing/2014/main" id="{6044C464-4557-4545-AE3E-834D38DAD8F6}"/>
+                <a16:creationId xmlns:a16="http://schemas.microsoft.com/office/drawing/2014/main" xmlns="" id="{6044C464-4557-4545-AE3E-834D38DAD8F6}"/>
               </a:ext>
             </a:extLst>
           </p:cNvPr>
@@ -12471,7 +12474,7 @@
           <p:cNvPr id="37" name="TextBox 36">
             <a:extLst>
               <a:ext uri="{FF2B5EF4-FFF2-40B4-BE49-F238E27FC236}">
-                <a16:creationId xmlns="" xmlns:a16="http://schemas.microsoft.com/office/drawing/2014/main" id="{12A74E4C-1180-45CF-82D0-F78FC2C95AA5}"/>
+                <a16:creationId xmlns:a16="http://schemas.microsoft.com/office/drawing/2014/main" xmlns="" id="{12A74E4C-1180-45CF-82D0-F78FC2C95AA5}"/>
               </a:ext>
             </a:extLst>
           </p:cNvPr>
@@ -12541,7 +12544,7 @@
           <p:cNvPr id="6" name="TextBox 5">
             <a:extLst>
               <a:ext uri="{FF2B5EF4-FFF2-40B4-BE49-F238E27FC236}">
-                <a16:creationId xmlns="" xmlns:a16="http://schemas.microsoft.com/office/drawing/2014/main" id="{CD2A8DE0-B0E7-40FB-9538-60D54401A4F8}"/>
+                <a16:creationId xmlns:a16="http://schemas.microsoft.com/office/drawing/2014/main" xmlns="" id="{CD2A8DE0-B0E7-40FB-9538-60D54401A4F8}"/>
               </a:ext>
             </a:extLst>
           </p:cNvPr>
@@ -12641,7 +12644,7 @@
           <p:cNvPr id="11" name="Picture 10">
             <a:extLst>
               <a:ext uri="{FF2B5EF4-FFF2-40B4-BE49-F238E27FC236}">
-                <a16:creationId xmlns="" xmlns:a16="http://schemas.microsoft.com/office/drawing/2014/main" id="{F6164AE6-B86F-4668-B82E-2CCF243694C5}"/>
+                <a16:creationId xmlns:a16="http://schemas.microsoft.com/office/drawing/2014/main" xmlns="" id="{F6164AE6-B86F-4668-B82E-2CCF243694C5}"/>
               </a:ext>
             </a:extLst>
           </p:cNvPr>
@@ -12671,7 +12674,7 @@
           <p:cNvPr id="41" name="Rectangle 40">
             <a:extLst>
               <a:ext uri="{FF2B5EF4-FFF2-40B4-BE49-F238E27FC236}">
-                <a16:creationId xmlns="" xmlns:a16="http://schemas.microsoft.com/office/drawing/2014/main" id="{E81BDFDF-A2C2-47AD-8D90-A0FE79376AA6}"/>
+                <a16:creationId xmlns:a16="http://schemas.microsoft.com/office/drawing/2014/main" xmlns="" id="{E81BDFDF-A2C2-47AD-8D90-A0FE79376AA6}"/>
               </a:ext>
             </a:extLst>
           </p:cNvPr>
@@ -12749,7 +12752,7 @@
           <p:cNvPr id="43" name="TextBox 42">
             <a:extLst>
               <a:ext uri="{FF2B5EF4-FFF2-40B4-BE49-F238E27FC236}">
-                <a16:creationId xmlns="" xmlns:a16="http://schemas.microsoft.com/office/drawing/2014/main" id="{F43B97D8-23B6-4B2F-AE82-8C0B2E7C3495}"/>
+                <a16:creationId xmlns:a16="http://schemas.microsoft.com/office/drawing/2014/main" xmlns="" id="{F43B97D8-23B6-4B2F-AE82-8C0B2E7C3495}"/>
               </a:ext>
             </a:extLst>
           </p:cNvPr>
@@ -12873,7 +12876,7 @@
           <p:cNvPr id="3" name="Table 3">
             <a:extLst>
               <a:ext uri="{FF2B5EF4-FFF2-40B4-BE49-F238E27FC236}">
-                <a16:creationId xmlns="" xmlns:a16="http://schemas.microsoft.com/office/drawing/2014/main" id="{9B423CCB-E8FB-4CDB-A31C-9E89725D6698}"/>
+                <a16:creationId xmlns:a16="http://schemas.microsoft.com/office/drawing/2014/main" xmlns="" id="{9B423CCB-E8FB-4CDB-A31C-9E89725D6698}"/>
               </a:ext>
             </a:extLst>
           </p:cNvPr>
@@ -12902,35 +12905,35 @@
                 <a:gridCol w="1397116">
                   <a:extLst>
                     <a:ext uri="{9D8B030D-6E8A-4147-A177-3AD203B41FA5}">
-                      <a16:colId xmlns="" xmlns:a16="http://schemas.microsoft.com/office/drawing/2014/main" val="3679797539"/>
+                      <a16:colId xmlns:a16="http://schemas.microsoft.com/office/drawing/2014/main" xmlns="" val="3679797539"/>
                     </a:ext>
                   </a:extLst>
                 </a:gridCol>
                 <a:gridCol w="1397116">
                   <a:extLst>
                     <a:ext uri="{9D8B030D-6E8A-4147-A177-3AD203B41FA5}">
-                      <a16:colId xmlns="" xmlns:a16="http://schemas.microsoft.com/office/drawing/2014/main" val="4188008786"/>
+                      <a16:colId xmlns:a16="http://schemas.microsoft.com/office/drawing/2014/main" xmlns="" val="4188008786"/>
                     </a:ext>
                   </a:extLst>
                 </a:gridCol>
                 <a:gridCol w="2643435">
                   <a:extLst>
                     <a:ext uri="{9D8B030D-6E8A-4147-A177-3AD203B41FA5}">
-                      <a16:colId xmlns="" xmlns:a16="http://schemas.microsoft.com/office/drawing/2014/main" val="240713644"/>
+                      <a16:colId xmlns:a16="http://schemas.microsoft.com/office/drawing/2014/main" xmlns="" val="240713644"/>
                     </a:ext>
                   </a:extLst>
                 </a:gridCol>
                 <a:gridCol w="1283731">
                   <a:extLst>
                     <a:ext uri="{9D8B030D-6E8A-4147-A177-3AD203B41FA5}">
-                      <a16:colId xmlns="" xmlns:a16="http://schemas.microsoft.com/office/drawing/2014/main" val="3214238948"/>
+                      <a16:colId xmlns:a16="http://schemas.microsoft.com/office/drawing/2014/main" xmlns="" val="3214238948"/>
                     </a:ext>
                   </a:extLst>
                 </a:gridCol>
                 <a:gridCol w="1661298">
                   <a:extLst>
                     <a:ext uri="{9D8B030D-6E8A-4147-A177-3AD203B41FA5}">
-                      <a16:colId xmlns="" xmlns:a16="http://schemas.microsoft.com/office/drawing/2014/main" val="1291486487"/>
+                      <a16:colId xmlns:a16="http://schemas.microsoft.com/office/drawing/2014/main" xmlns="" val="1291486487"/>
                     </a:ext>
                   </a:extLst>
                 </a:gridCol>
@@ -13087,7 +13090,7 @@
                 </a:tc>
                 <a:extLst>
                   <a:ext uri="{0D108BD9-81ED-4DB2-BD59-A6C34878D82A}">
-                    <a16:rowId xmlns="" xmlns:a16="http://schemas.microsoft.com/office/drawing/2014/main" val="652390980"/>
+                    <a16:rowId xmlns:a16="http://schemas.microsoft.com/office/drawing/2014/main" xmlns="" val="652390980"/>
                   </a:ext>
                 </a:extLst>
               </a:tr>
@@ -13233,7 +13236,7 @@
                 </a:tc>
                 <a:extLst>
                   <a:ext uri="{0D108BD9-81ED-4DB2-BD59-A6C34878D82A}">
-                    <a16:rowId xmlns="" xmlns:a16="http://schemas.microsoft.com/office/drawing/2014/main" val="730336656"/>
+                    <a16:rowId xmlns:a16="http://schemas.microsoft.com/office/drawing/2014/main" xmlns="" val="730336656"/>
                   </a:ext>
                 </a:extLst>
               </a:tr>
@@ -13427,7 +13430,7 @@
                 </a:tc>
                 <a:extLst>
                   <a:ext uri="{0D108BD9-81ED-4DB2-BD59-A6C34878D82A}">
-                    <a16:rowId xmlns="" xmlns:a16="http://schemas.microsoft.com/office/drawing/2014/main" val="2897143220"/>
+                    <a16:rowId xmlns:a16="http://schemas.microsoft.com/office/drawing/2014/main" xmlns="" val="2897143220"/>
                   </a:ext>
                 </a:extLst>
               </a:tr>
@@ -13440,7 +13443,7 @@
           <p:cNvPr id="7" name="Picture 6">
             <a:extLst>
               <a:ext uri="{FF2B5EF4-FFF2-40B4-BE49-F238E27FC236}">
-                <a16:creationId xmlns="" xmlns:a16="http://schemas.microsoft.com/office/drawing/2014/main" id="{798CD5D1-9D70-45D6-834A-50850E654654}"/>
+                <a16:creationId xmlns:a16="http://schemas.microsoft.com/office/drawing/2014/main" xmlns="" id="{798CD5D1-9D70-45D6-834A-50850E654654}"/>
               </a:ext>
             </a:extLst>
           </p:cNvPr>
@@ -13475,7 +13478,7 @@
           <p:cNvPr id="9" name="Picture 8">
             <a:extLst>
               <a:ext uri="{FF2B5EF4-FFF2-40B4-BE49-F238E27FC236}">
-                <a16:creationId xmlns="" xmlns:a16="http://schemas.microsoft.com/office/drawing/2014/main" id="{EBB267E1-41AD-45A6-B6C2-FAA07AAB8FB6}"/>
+                <a16:creationId xmlns:a16="http://schemas.microsoft.com/office/drawing/2014/main" xmlns="" id="{EBB267E1-41AD-45A6-B6C2-FAA07AAB8FB6}"/>
               </a:ext>
             </a:extLst>
           </p:cNvPr>
@@ -13511,7 +13514,7 @@
           <p:cNvPr id="17" name="TextBox 16">
             <a:extLst>
               <a:ext uri="{FF2B5EF4-FFF2-40B4-BE49-F238E27FC236}">
-                <a16:creationId xmlns="" xmlns:a16="http://schemas.microsoft.com/office/drawing/2014/main" id="{D8855AE3-3414-440E-8C9F-70903C6BA91F}"/>
+                <a16:creationId xmlns:a16="http://schemas.microsoft.com/office/drawing/2014/main" xmlns="" id="{D8855AE3-3414-440E-8C9F-70903C6BA91F}"/>
               </a:ext>
             </a:extLst>
           </p:cNvPr>
@@ -13567,7 +13570,7 @@
           <p:cNvPr id="18" name="Rectangle 17">
             <a:extLst>
               <a:ext uri="{FF2B5EF4-FFF2-40B4-BE49-F238E27FC236}">
-                <a16:creationId xmlns="" xmlns:a16="http://schemas.microsoft.com/office/drawing/2014/main" id="{49DC6DD1-7A8F-4D6E-BCFF-6C9A2C086C04}"/>
+                <a16:creationId xmlns:a16="http://schemas.microsoft.com/office/drawing/2014/main" xmlns="" id="{49DC6DD1-7A8F-4D6E-BCFF-6C9A2C086C04}"/>
               </a:ext>
             </a:extLst>
           </p:cNvPr>
@@ -13613,7 +13616,7 @@
           <p:cNvPr id="29" name="Picture 28">
             <a:extLst>
               <a:ext uri="{FF2B5EF4-FFF2-40B4-BE49-F238E27FC236}">
-                <a16:creationId xmlns="" xmlns:a16="http://schemas.microsoft.com/office/drawing/2014/main" id="{2BC60C21-8910-44A3-B261-05905A0D88F5}"/>
+                <a16:creationId xmlns:a16="http://schemas.microsoft.com/office/drawing/2014/main" xmlns="" id="{2BC60C21-8910-44A3-B261-05905A0D88F5}"/>
               </a:ext>
             </a:extLst>
           </p:cNvPr>
@@ -13648,7 +13651,7 @@
           <p:cNvPr id="30" name="Picture 29">
             <a:extLst>
               <a:ext uri="{FF2B5EF4-FFF2-40B4-BE49-F238E27FC236}">
-                <a16:creationId xmlns="" xmlns:a16="http://schemas.microsoft.com/office/drawing/2014/main" id="{BDC1081C-99D0-458D-8456-D8E354B8D26E}"/>
+                <a16:creationId xmlns:a16="http://schemas.microsoft.com/office/drawing/2014/main" xmlns="" id="{BDC1081C-99D0-458D-8456-D8E354B8D26E}"/>
               </a:ext>
             </a:extLst>
           </p:cNvPr>
@@ -13684,7 +13687,7 @@
           <p:cNvPr id="25" name="Picture 24">
             <a:extLst>
               <a:ext uri="{FF2B5EF4-FFF2-40B4-BE49-F238E27FC236}">
-                <a16:creationId xmlns="" xmlns:a16="http://schemas.microsoft.com/office/drawing/2014/main" id="{6DFBF82F-6D9F-4652-B29D-D8A47C76365C}"/>
+                <a16:creationId xmlns:a16="http://schemas.microsoft.com/office/drawing/2014/main" xmlns="" id="{6DFBF82F-6D9F-4652-B29D-D8A47C76365C}"/>
               </a:ext>
             </a:extLst>
           </p:cNvPr>
@@ -13720,7 +13723,7 @@
           <p:cNvPr id="26" name="Picture 15" descr="C:\Users\HuyTran\Desktop\WPF project\vendor.png">
             <a:extLst>
               <a:ext uri="{FF2B5EF4-FFF2-40B4-BE49-F238E27FC236}">
-                <a16:creationId xmlns="" xmlns:a16="http://schemas.microsoft.com/office/drawing/2014/main" id="{5C34EC34-7E69-4C48-AEC1-7D5783C00694}"/>
+                <a16:creationId xmlns:a16="http://schemas.microsoft.com/office/drawing/2014/main" xmlns="" id="{5C34EC34-7E69-4C48-AEC1-7D5783C00694}"/>
               </a:ext>
             </a:extLst>
           </p:cNvPr>
@@ -13767,7 +13770,7 @@
           <p:cNvPr id="27" name="TextBox 26">
             <a:extLst>
               <a:ext uri="{FF2B5EF4-FFF2-40B4-BE49-F238E27FC236}">
-                <a16:creationId xmlns="" xmlns:a16="http://schemas.microsoft.com/office/drawing/2014/main" id="{63137638-498A-47AC-B83C-BEFF6208AB14}"/>
+                <a16:creationId xmlns:a16="http://schemas.microsoft.com/office/drawing/2014/main" xmlns="" id="{63137638-498A-47AC-B83C-BEFF6208AB14}"/>
               </a:ext>
             </a:extLst>
           </p:cNvPr>
@@ -13810,7 +13813,7 @@
           <p:cNvPr id="28" name="Rectangle 27">
             <a:extLst>
               <a:ext uri="{FF2B5EF4-FFF2-40B4-BE49-F238E27FC236}">
-                <a16:creationId xmlns="" xmlns:a16="http://schemas.microsoft.com/office/drawing/2014/main" id="{0B057384-08ED-4852-B500-A731E8853351}"/>
+                <a16:creationId xmlns:a16="http://schemas.microsoft.com/office/drawing/2014/main" xmlns="" id="{0B057384-08ED-4852-B500-A731E8853351}"/>
               </a:ext>
             </a:extLst>
           </p:cNvPr>
@@ -13856,7 +13859,7 @@
           <p:cNvPr id="31" name="TextBox 30">
             <a:extLst>
               <a:ext uri="{FF2B5EF4-FFF2-40B4-BE49-F238E27FC236}">
-                <a16:creationId xmlns="" xmlns:a16="http://schemas.microsoft.com/office/drawing/2014/main" id="{B05534EA-BA99-4206-BA4C-D4935B9AE8CD}"/>
+                <a16:creationId xmlns:a16="http://schemas.microsoft.com/office/drawing/2014/main" xmlns="" id="{B05534EA-BA99-4206-BA4C-D4935B9AE8CD}"/>
               </a:ext>
             </a:extLst>
           </p:cNvPr>
@@ -13899,7 +13902,7 @@
           <p:cNvPr id="35" name="Rectangle 34">
             <a:extLst>
               <a:ext uri="{FF2B5EF4-FFF2-40B4-BE49-F238E27FC236}">
-                <a16:creationId xmlns="" xmlns:a16="http://schemas.microsoft.com/office/drawing/2014/main" id="{06E56464-0307-4F45-BFCD-957347011BF6}"/>
+                <a16:creationId xmlns:a16="http://schemas.microsoft.com/office/drawing/2014/main" xmlns="" id="{06E56464-0307-4F45-BFCD-957347011BF6}"/>
               </a:ext>
             </a:extLst>
           </p:cNvPr>
@@ -13945,7 +13948,7 @@
           <p:cNvPr id="19" name="TextBox 18">
             <a:extLst>
               <a:ext uri="{FF2B5EF4-FFF2-40B4-BE49-F238E27FC236}">
-                <a16:creationId xmlns="" xmlns:a16="http://schemas.microsoft.com/office/drawing/2014/main" id="{2DE7C752-9266-403A-9A14-34F604EB1A41}"/>
+                <a16:creationId xmlns:a16="http://schemas.microsoft.com/office/drawing/2014/main" xmlns="" id="{2DE7C752-9266-403A-9A14-34F604EB1A41}"/>
               </a:ext>
             </a:extLst>
           </p:cNvPr>
@@ -14028,7 +14031,7 @@
           <p:cNvPr id="20" name="TextBox 19">
             <a:extLst>
               <a:ext uri="{FF2B5EF4-FFF2-40B4-BE49-F238E27FC236}">
-                <a16:creationId xmlns="" xmlns:a16="http://schemas.microsoft.com/office/drawing/2014/main" id="{D30FBF0B-C980-4639-98C2-349AAC661AA5}"/>
+                <a16:creationId xmlns:a16="http://schemas.microsoft.com/office/drawing/2014/main" xmlns="" id="{D30FBF0B-C980-4639-98C2-349AAC661AA5}"/>
               </a:ext>
             </a:extLst>
           </p:cNvPr>
@@ -14149,7 +14152,7 @@
           <p:cNvPr id="6" name="TextBox 5">
             <a:extLst>
               <a:ext uri="{FF2B5EF4-FFF2-40B4-BE49-F238E27FC236}">
-                <a16:creationId xmlns="" xmlns:a16="http://schemas.microsoft.com/office/drawing/2014/main" id="{CD2A8DE0-B0E7-40FB-9538-60D54401A4F8}"/>
+                <a16:creationId xmlns:a16="http://schemas.microsoft.com/office/drawing/2014/main" xmlns="" id="{CD2A8DE0-B0E7-40FB-9538-60D54401A4F8}"/>
               </a:ext>
             </a:extLst>
           </p:cNvPr>
@@ -14225,7 +14228,7 @@
           <p:cNvPr id="11" name="Picture 10">
             <a:extLst>
               <a:ext uri="{FF2B5EF4-FFF2-40B4-BE49-F238E27FC236}">
-                <a16:creationId xmlns="" xmlns:a16="http://schemas.microsoft.com/office/drawing/2014/main" id="{F6164AE6-B86F-4668-B82E-2CCF243694C5}"/>
+                <a16:creationId xmlns:a16="http://schemas.microsoft.com/office/drawing/2014/main" xmlns="" id="{F6164AE6-B86F-4668-B82E-2CCF243694C5}"/>
               </a:ext>
             </a:extLst>
           </p:cNvPr>
@@ -14255,7 +14258,7 @@
           <p:cNvPr id="31" name="TextBox 30">
             <a:extLst>
               <a:ext uri="{FF2B5EF4-FFF2-40B4-BE49-F238E27FC236}">
-                <a16:creationId xmlns="" xmlns:a16="http://schemas.microsoft.com/office/drawing/2014/main" id="{5966DF16-C2DB-4C52-B444-530F784F1688}"/>
+                <a16:creationId xmlns:a16="http://schemas.microsoft.com/office/drawing/2014/main" xmlns="" id="{5966DF16-C2DB-4C52-B444-530F784F1688}"/>
               </a:ext>
             </a:extLst>
           </p:cNvPr>
@@ -14322,7 +14325,7 @@
           <p:cNvPr id="34" name="TextBox 33">
             <a:extLst>
               <a:ext uri="{FF2B5EF4-FFF2-40B4-BE49-F238E27FC236}">
-                <a16:creationId xmlns="" xmlns:a16="http://schemas.microsoft.com/office/drawing/2014/main" id="{D1EA9BE8-A44E-409B-80DF-D0657D91E1A5}"/>
+                <a16:creationId xmlns:a16="http://schemas.microsoft.com/office/drawing/2014/main" xmlns="" id="{D1EA9BE8-A44E-409B-80DF-D0657D91E1A5}"/>
               </a:ext>
             </a:extLst>
           </p:cNvPr>
@@ -14401,7 +14404,7 @@
           <p:cNvPr id="47" name="Rectangle 46">
             <a:extLst>
               <a:ext uri="{FF2B5EF4-FFF2-40B4-BE49-F238E27FC236}">
-                <a16:creationId xmlns="" xmlns:a16="http://schemas.microsoft.com/office/drawing/2014/main" id="{3996E642-D4A2-4D79-A742-5550448C1FDF}"/>
+                <a16:creationId xmlns:a16="http://schemas.microsoft.com/office/drawing/2014/main" xmlns="" id="{3996E642-D4A2-4D79-A742-5550448C1FDF}"/>
               </a:ext>
             </a:extLst>
           </p:cNvPr>
@@ -14479,7 +14482,7 @@
           <p:cNvPr id="54" name="TextBox 53">
             <a:extLst>
               <a:ext uri="{FF2B5EF4-FFF2-40B4-BE49-F238E27FC236}">
-                <a16:creationId xmlns="" xmlns:a16="http://schemas.microsoft.com/office/drawing/2014/main" id="{E05C8096-46D4-4A7C-A2B8-9D79A1BCDC32}"/>
+                <a16:creationId xmlns:a16="http://schemas.microsoft.com/office/drawing/2014/main" xmlns="" id="{E05C8096-46D4-4A7C-A2B8-9D79A1BCDC32}"/>
               </a:ext>
             </a:extLst>
           </p:cNvPr>
@@ -14558,7 +14561,7 @@
           <p:cNvPr id="56" name="Rectangle 55">
             <a:extLst>
               <a:ext uri="{FF2B5EF4-FFF2-40B4-BE49-F238E27FC236}">
-                <a16:creationId xmlns="" xmlns:a16="http://schemas.microsoft.com/office/drawing/2014/main" id="{D1AFC196-8286-44EA-B141-AB550462EA4C}"/>
+                <a16:creationId xmlns:a16="http://schemas.microsoft.com/office/drawing/2014/main" xmlns="" id="{D1AFC196-8286-44EA-B141-AB550462EA4C}"/>
               </a:ext>
             </a:extLst>
           </p:cNvPr>
@@ -14604,7 +14607,7 @@
           <p:cNvPr id="57" name="Rectangle 56">
             <a:extLst>
               <a:ext uri="{FF2B5EF4-FFF2-40B4-BE49-F238E27FC236}">
-                <a16:creationId xmlns="" xmlns:a16="http://schemas.microsoft.com/office/drawing/2014/main" id="{93F1A291-15A0-4EEE-A517-C4C056E66505}"/>
+                <a16:creationId xmlns:a16="http://schemas.microsoft.com/office/drawing/2014/main" xmlns="" id="{93F1A291-15A0-4EEE-A517-C4C056E66505}"/>
               </a:ext>
             </a:extLst>
           </p:cNvPr>
@@ -14664,7 +14667,7 @@
           <p:cNvPr id="58" name="Rectangle 57">
             <a:extLst>
               <a:ext uri="{FF2B5EF4-FFF2-40B4-BE49-F238E27FC236}">
-                <a16:creationId xmlns="" xmlns:a16="http://schemas.microsoft.com/office/drawing/2014/main" id="{C313D5D0-14D9-4013-A702-8F05786AB4A7}"/>
+                <a16:creationId xmlns:a16="http://schemas.microsoft.com/office/drawing/2014/main" xmlns="" id="{C313D5D0-14D9-4013-A702-8F05786AB4A7}"/>
               </a:ext>
             </a:extLst>
           </p:cNvPr>
@@ -14738,7 +14741,7 @@
           <p:cNvPr id="63" name="TextBox 62">
             <a:extLst>
               <a:ext uri="{FF2B5EF4-FFF2-40B4-BE49-F238E27FC236}">
-                <a16:creationId xmlns="" xmlns:a16="http://schemas.microsoft.com/office/drawing/2014/main" id="{5C4E79A3-8CAA-468B-A296-FDF5DF35DB8E}"/>
+                <a16:creationId xmlns:a16="http://schemas.microsoft.com/office/drawing/2014/main" xmlns="" id="{5C4E79A3-8CAA-468B-A296-FDF5DF35DB8E}"/>
               </a:ext>
             </a:extLst>
           </p:cNvPr>
@@ -14793,7 +14796,7 @@
           <p:cNvPr id="64" name="Rectangle 63">
             <a:extLst>
               <a:ext uri="{FF2B5EF4-FFF2-40B4-BE49-F238E27FC236}">
-                <a16:creationId xmlns="" xmlns:a16="http://schemas.microsoft.com/office/drawing/2014/main" id="{0829BC16-F805-4F38-821A-1F207D5BC17B}"/>
+                <a16:creationId xmlns:a16="http://schemas.microsoft.com/office/drawing/2014/main" xmlns="" id="{0829BC16-F805-4F38-821A-1F207D5BC17B}"/>
               </a:ext>
             </a:extLst>
           </p:cNvPr>
@@ -14838,7 +14841,7 @@
           <p:cNvPr id="2" name="Isosceles Triangle 1">
             <a:extLst>
               <a:ext uri="{FF2B5EF4-FFF2-40B4-BE49-F238E27FC236}">
-                <a16:creationId xmlns="" xmlns:a16="http://schemas.microsoft.com/office/drawing/2014/main" id="{A803AD18-415E-4067-8241-BA7F4157E4B7}"/>
+                <a16:creationId xmlns:a16="http://schemas.microsoft.com/office/drawing/2014/main" xmlns="" id="{A803AD18-415E-4067-8241-BA7F4157E4B7}"/>
               </a:ext>
             </a:extLst>
           </p:cNvPr>
@@ -14894,7 +14897,7 @@
           <p:cNvPr id="33" name="TextBox 32">
             <a:extLst>
               <a:ext uri="{FF2B5EF4-FFF2-40B4-BE49-F238E27FC236}">
-                <a16:creationId xmlns="" xmlns:a16="http://schemas.microsoft.com/office/drawing/2014/main" id="{714AA337-E53A-4C36-B973-9951830BBDDF}"/>
+                <a16:creationId xmlns:a16="http://schemas.microsoft.com/office/drawing/2014/main" xmlns="" id="{714AA337-E53A-4C36-B973-9951830BBDDF}"/>
               </a:ext>
             </a:extLst>
           </p:cNvPr>
@@ -14970,7 +14973,7 @@
           <p:cNvPr id="38" name="Picture 15" descr="C:\Users\HuyTran\Desktop\WPF project\vendor.png">
             <a:extLst>
               <a:ext uri="{FF2B5EF4-FFF2-40B4-BE49-F238E27FC236}">
-                <a16:creationId xmlns="" xmlns:a16="http://schemas.microsoft.com/office/drawing/2014/main" id="{EE57F203-51CC-4E2B-B8DB-B71C73703F4E}"/>
+                <a16:creationId xmlns:a16="http://schemas.microsoft.com/office/drawing/2014/main" xmlns="" id="{EE57F203-51CC-4E2B-B8DB-B71C73703F4E}"/>
               </a:ext>
             </a:extLst>
           </p:cNvPr>
@@ -15017,7 +15020,7 @@
           <p:cNvPr id="4" name="Rectangle: Rounded Corners 3">
             <a:extLst>
               <a:ext uri="{FF2B5EF4-FFF2-40B4-BE49-F238E27FC236}">
-                <a16:creationId xmlns="" xmlns:a16="http://schemas.microsoft.com/office/drawing/2014/main" id="{ABC18C6D-7921-4575-A12F-F9110BFF0971}"/>
+                <a16:creationId xmlns:a16="http://schemas.microsoft.com/office/drawing/2014/main" xmlns="" id="{ABC18C6D-7921-4575-A12F-F9110BFF0971}"/>
               </a:ext>
             </a:extLst>
           </p:cNvPr>
@@ -15064,7 +15067,7 @@
           <p:cNvPr id="39" name="Table 3">
             <a:extLst>
               <a:ext uri="{FF2B5EF4-FFF2-40B4-BE49-F238E27FC236}">
-                <a16:creationId xmlns="" xmlns:a16="http://schemas.microsoft.com/office/drawing/2014/main" id="{D81FBA65-B9F1-4504-B0F9-1953EDEA2F90}"/>
+                <a16:creationId xmlns:a16="http://schemas.microsoft.com/office/drawing/2014/main" xmlns="" id="{D81FBA65-B9F1-4504-B0F9-1953EDEA2F90}"/>
               </a:ext>
             </a:extLst>
           </p:cNvPr>
@@ -15093,42 +15096,42 @@
                 <a:gridCol w="1407902">
                   <a:extLst>
                     <a:ext uri="{9D8B030D-6E8A-4147-A177-3AD203B41FA5}">
-                      <a16:colId xmlns="" xmlns:a16="http://schemas.microsoft.com/office/drawing/2014/main" val="2205170896"/>
+                      <a16:colId xmlns:a16="http://schemas.microsoft.com/office/drawing/2014/main" xmlns="" val="2205170896"/>
                     </a:ext>
                   </a:extLst>
                 </a:gridCol>
                 <a:gridCol w="1407902">
                   <a:extLst>
                     <a:ext uri="{9D8B030D-6E8A-4147-A177-3AD203B41FA5}">
-                      <a16:colId xmlns="" xmlns:a16="http://schemas.microsoft.com/office/drawing/2014/main" val="3679797539"/>
+                      <a16:colId xmlns:a16="http://schemas.microsoft.com/office/drawing/2014/main" xmlns="" val="3679797539"/>
                     </a:ext>
                   </a:extLst>
                 </a:gridCol>
                 <a:gridCol w="1407902">
                   <a:extLst>
                     <a:ext uri="{9D8B030D-6E8A-4147-A177-3AD203B41FA5}">
-                      <a16:colId xmlns="" xmlns:a16="http://schemas.microsoft.com/office/drawing/2014/main" val="742831095"/>
+                      <a16:colId xmlns:a16="http://schemas.microsoft.com/office/drawing/2014/main" xmlns="" val="742831095"/>
                     </a:ext>
                   </a:extLst>
                 </a:gridCol>
                 <a:gridCol w="1407902">
                   <a:extLst>
                     <a:ext uri="{9D8B030D-6E8A-4147-A177-3AD203B41FA5}">
-                      <a16:colId xmlns="" xmlns:a16="http://schemas.microsoft.com/office/drawing/2014/main" val="4188008786"/>
+                      <a16:colId xmlns:a16="http://schemas.microsoft.com/office/drawing/2014/main" xmlns="" val="4188008786"/>
                     </a:ext>
                   </a:extLst>
                 </a:gridCol>
                 <a:gridCol w="2282404">
                   <a:extLst>
                     <a:ext uri="{9D8B030D-6E8A-4147-A177-3AD203B41FA5}">
-                      <a16:colId xmlns="" xmlns:a16="http://schemas.microsoft.com/office/drawing/2014/main" val="3214238948"/>
+                      <a16:colId xmlns:a16="http://schemas.microsoft.com/office/drawing/2014/main" xmlns="" val="3214238948"/>
                     </a:ext>
                   </a:extLst>
                 </a:gridCol>
                 <a:gridCol w="533400">
                   <a:extLst>
                     <a:ext uri="{9D8B030D-6E8A-4147-A177-3AD203B41FA5}">
-                      <a16:colId xmlns="" xmlns:a16="http://schemas.microsoft.com/office/drawing/2014/main" val="4284112643"/>
+                      <a16:colId xmlns:a16="http://schemas.microsoft.com/office/drawing/2014/main" xmlns="" val="4284112643"/>
                     </a:ext>
                   </a:extLst>
                 </a:gridCol>
@@ -15306,7 +15309,7 @@
                 </a:tc>
                 <a:extLst>
                   <a:ext uri="{0D108BD9-81ED-4DB2-BD59-A6C34878D82A}">
-                    <a16:rowId xmlns="" xmlns:a16="http://schemas.microsoft.com/office/drawing/2014/main" val="652390980"/>
+                    <a16:rowId xmlns:a16="http://schemas.microsoft.com/office/drawing/2014/main" xmlns="" val="652390980"/>
                   </a:ext>
                 </a:extLst>
               </a:tr>
@@ -15442,7 +15445,7 @@
                 </a:tc>
                 <a:extLst>
                   <a:ext uri="{0D108BD9-81ED-4DB2-BD59-A6C34878D82A}">
-                    <a16:rowId xmlns="" xmlns:a16="http://schemas.microsoft.com/office/drawing/2014/main" val="730336656"/>
+                    <a16:rowId xmlns:a16="http://schemas.microsoft.com/office/drawing/2014/main" xmlns="" val="730336656"/>
                   </a:ext>
                 </a:extLst>
               </a:tr>
@@ -15578,7 +15581,7 @@
                 </a:tc>
                 <a:extLst>
                   <a:ext uri="{0D108BD9-81ED-4DB2-BD59-A6C34878D82A}">
-                    <a16:rowId xmlns="" xmlns:a16="http://schemas.microsoft.com/office/drawing/2014/main" val="2897143220"/>
+                    <a16:rowId xmlns:a16="http://schemas.microsoft.com/office/drawing/2014/main" xmlns="" val="2897143220"/>
                   </a:ext>
                 </a:extLst>
               </a:tr>
@@ -15591,7 +15594,7 @@
           <p:cNvPr id="41" name="Picture 40">
             <a:extLst>
               <a:ext uri="{FF2B5EF4-FFF2-40B4-BE49-F238E27FC236}">
-                <a16:creationId xmlns="" xmlns:a16="http://schemas.microsoft.com/office/drawing/2014/main" id="{B087BF17-3420-4BAA-B027-A271E65F16C7}"/>
+                <a16:creationId xmlns:a16="http://schemas.microsoft.com/office/drawing/2014/main" xmlns="" id="{B087BF17-3420-4BAA-B027-A271E65F16C7}"/>
               </a:ext>
             </a:extLst>
           </p:cNvPr>
@@ -15627,7 +15630,7 @@
           <p:cNvPr id="42" name="Picture 41">
             <a:extLst>
               <a:ext uri="{FF2B5EF4-FFF2-40B4-BE49-F238E27FC236}">
-                <a16:creationId xmlns="" xmlns:a16="http://schemas.microsoft.com/office/drawing/2014/main" id="{996136BD-5978-496E-9680-3E5C65A5A765}"/>
+                <a16:creationId xmlns:a16="http://schemas.microsoft.com/office/drawing/2014/main" xmlns="" id="{996136BD-5978-496E-9680-3E5C65A5A765}"/>
               </a:ext>
             </a:extLst>
           </p:cNvPr>
@@ -15663,7 +15666,7 @@
           <p:cNvPr id="43" name="TextBox 42">
             <a:extLst>
               <a:ext uri="{FF2B5EF4-FFF2-40B4-BE49-F238E27FC236}">
-                <a16:creationId xmlns="" xmlns:a16="http://schemas.microsoft.com/office/drawing/2014/main" id="{B2D7C725-066E-488A-B762-81226FC59499}"/>
+                <a16:creationId xmlns:a16="http://schemas.microsoft.com/office/drawing/2014/main" xmlns="" id="{B2D7C725-066E-488A-B762-81226FC59499}"/>
               </a:ext>
             </a:extLst>
           </p:cNvPr>
@@ -15718,7 +15721,7 @@
           <p:cNvPr id="44" name="TextBox 43">
             <a:extLst>
               <a:ext uri="{FF2B5EF4-FFF2-40B4-BE49-F238E27FC236}">
-                <a16:creationId xmlns="" xmlns:a16="http://schemas.microsoft.com/office/drawing/2014/main" id="{F498808D-A113-4D36-991E-354312065658}"/>
+                <a16:creationId xmlns:a16="http://schemas.microsoft.com/office/drawing/2014/main" xmlns="" id="{F498808D-A113-4D36-991E-354312065658}"/>
               </a:ext>
             </a:extLst>
           </p:cNvPr>
@@ -15755,7 +15758,7 @@
           <p:cNvPr id="45" name="TextBox 44">
             <a:extLst>
               <a:ext uri="{FF2B5EF4-FFF2-40B4-BE49-F238E27FC236}">
-                <a16:creationId xmlns="" xmlns:a16="http://schemas.microsoft.com/office/drawing/2014/main" id="{A1FDA721-3EDE-4D14-899F-A164F4000F30}"/>
+                <a16:creationId xmlns:a16="http://schemas.microsoft.com/office/drawing/2014/main" xmlns="" id="{A1FDA721-3EDE-4D14-899F-A164F4000F30}"/>
               </a:ext>
             </a:extLst>
           </p:cNvPr>
@@ -15811,7 +15814,7 @@
           <p:cNvPr id="46" name="Rectangle 45">
             <a:extLst>
               <a:ext uri="{FF2B5EF4-FFF2-40B4-BE49-F238E27FC236}">
-                <a16:creationId xmlns="" xmlns:a16="http://schemas.microsoft.com/office/drawing/2014/main" id="{B8A0A57E-4A4B-4365-8269-EAC1FEFB6F3E}"/>
+                <a16:creationId xmlns:a16="http://schemas.microsoft.com/office/drawing/2014/main" xmlns="" id="{B8A0A57E-4A4B-4365-8269-EAC1FEFB6F3E}"/>
               </a:ext>
             </a:extLst>
           </p:cNvPr>
@@ -15857,7 +15860,7 @@
           <p:cNvPr id="50" name="TextBox 49">
             <a:extLst>
               <a:ext uri="{FF2B5EF4-FFF2-40B4-BE49-F238E27FC236}">
-                <a16:creationId xmlns="" xmlns:a16="http://schemas.microsoft.com/office/drawing/2014/main" id="{42F4B878-A027-4843-B5F4-1E5FD57DE689}"/>
+                <a16:creationId xmlns:a16="http://schemas.microsoft.com/office/drawing/2014/main" xmlns="" id="{42F4B878-A027-4843-B5F4-1E5FD57DE689}"/>
               </a:ext>
             </a:extLst>
           </p:cNvPr>
@@ -15912,7 +15915,7 @@
           <p:cNvPr id="51" name="Rectangle 50">
             <a:extLst>
               <a:ext uri="{FF2B5EF4-FFF2-40B4-BE49-F238E27FC236}">
-                <a16:creationId xmlns="" xmlns:a16="http://schemas.microsoft.com/office/drawing/2014/main" id="{EAAEBF77-B728-4D57-8E85-2A4F299A8A76}"/>
+                <a16:creationId xmlns:a16="http://schemas.microsoft.com/office/drawing/2014/main" xmlns="" id="{EAAEBF77-B728-4D57-8E85-2A4F299A8A76}"/>
               </a:ext>
             </a:extLst>
           </p:cNvPr>
@@ -15958,7 +15961,7 @@
           <p:cNvPr id="52" name="TextBox 51">
             <a:extLst>
               <a:ext uri="{FF2B5EF4-FFF2-40B4-BE49-F238E27FC236}">
-                <a16:creationId xmlns="" xmlns:a16="http://schemas.microsoft.com/office/drawing/2014/main" id="{FAC9516D-B61B-4835-91FB-34C9D25A8EC6}"/>
+                <a16:creationId xmlns:a16="http://schemas.microsoft.com/office/drawing/2014/main" xmlns="" id="{FAC9516D-B61B-4835-91FB-34C9D25A8EC6}"/>
               </a:ext>
             </a:extLst>
           </p:cNvPr>
@@ -16013,7 +16016,7 @@
           <p:cNvPr id="59" name="Rectangle 58">
             <a:extLst>
               <a:ext uri="{FF2B5EF4-FFF2-40B4-BE49-F238E27FC236}">
-                <a16:creationId xmlns="" xmlns:a16="http://schemas.microsoft.com/office/drawing/2014/main" id="{E6D6D1D3-FC22-4773-9A16-7C93EF827A83}"/>
+                <a16:creationId xmlns:a16="http://schemas.microsoft.com/office/drawing/2014/main" xmlns="" id="{E6D6D1D3-FC22-4773-9A16-7C93EF827A83}"/>
               </a:ext>
             </a:extLst>
           </p:cNvPr>
@@ -16059,7 +16062,7 @@
           <p:cNvPr id="60" name="Rectangle: Rounded Corners 59">
             <a:extLst>
               <a:ext uri="{FF2B5EF4-FFF2-40B4-BE49-F238E27FC236}">
-                <a16:creationId xmlns="" xmlns:a16="http://schemas.microsoft.com/office/drawing/2014/main" id="{1183DE86-55E0-4912-A784-AD7F56C03513}"/>
+                <a16:creationId xmlns:a16="http://schemas.microsoft.com/office/drawing/2014/main" xmlns="" id="{1183DE86-55E0-4912-A784-AD7F56C03513}"/>
               </a:ext>
             </a:extLst>
           </p:cNvPr>
@@ -16106,7 +16109,7 @@
           <p:cNvPr id="65" name="TextBox 64">
             <a:extLst>
               <a:ext uri="{FF2B5EF4-FFF2-40B4-BE49-F238E27FC236}">
-                <a16:creationId xmlns="" xmlns:a16="http://schemas.microsoft.com/office/drawing/2014/main" id="{6D68C27C-45F8-44C5-8B78-67642F566E94}"/>
+                <a16:creationId xmlns:a16="http://schemas.microsoft.com/office/drawing/2014/main" xmlns="" id="{6D68C27C-45F8-44C5-8B78-67642F566E94}"/>
               </a:ext>
             </a:extLst>
           </p:cNvPr>
@@ -16174,7 +16177,7 @@
           <p:cNvPr id="66" name="Rectangle 65">
             <a:extLst>
               <a:ext uri="{FF2B5EF4-FFF2-40B4-BE49-F238E27FC236}">
-                <a16:creationId xmlns="" xmlns:a16="http://schemas.microsoft.com/office/drawing/2014/main" id="{34540B77-C3AF-4D85-9B43-17EA48B8FFF1}"/>
+                <a16:creationId xmlns:a16="http://schemas.microsoft.com/office/drawing/2014/main" xmlns="" id="{34540B77-C3AF-4D85-9B43-17EA48B8FFF1}"/>
               </a:ext>
             </a:extLst>
           </p:cNvPr>
@@ -16222,7 +16225,7 @@
           <p:cNvPr id="67" name="TextBox 66">
             <a:extLst>
               <a:ext uri="{FF2B5EF4-FFF2-40B4-BE49-F238E27FC236}">
-                <a16:creationId xmlns="" xmlns:a16="http://schemas.microsoft.com/office/drawing/2014/main" id="{F41370ED-4A86-4B0A-9F52-7BFE55371334}"/>
+                <a16:creationId xmlns:a16="http://schemas.microsoft.com/office/drawing/2014/main" xmlns="" id="{F41370ED-4A86-4B0A-9F52-7BFE55371334}"/>
               </a:ext>
             </a:extLst>
           </p:cNvPr>
@@ -16277,7 +16280,7 @@
           <p:cNvPr id="36" name="TextBox 35">
             <a:extLst>
               <a:ext uri="{FF2B5EF4-FFF2-40B4-BE49-F238E27FC236}">
-                <a16:creationId xmlns="" xmlns:a16="http://schemas.microsoft.com/office/drawing/2014/main" id="{80626531-6842-43BF-A345-F1B8B4296706}"/>
+                <a16:creationId xmlns:a16="http://schemas.microsoft.com/office/drawing/2014/main" xmlns="" id="{80626531-6842-43BF-A345-F1B8B4296706}"/>
               </a:ext>
             </a:extLst>
           </p:cNvPr>
@@ -16355,7 +16358,7 @@
           <p:cNvPr id="6" name="TextBox 5">
             <a:extLst>
               <a:ext uri="{FF2B5EF4-FFF2-40B4-BE49-F238E27FC236}">
-                <a16:creationId xmlns="" xmlns:a16="http://schemas.microsoft.com/office/drawing/2014/main" id="{CD2A8DE0-B0E7-40FB-9538-60D54401A4F8}"/>
+                <a16:creationId xmlns:a16="http://schemas.microsoft.com/office/drawing/2014/main" xmlns="" id="{CD2A8DE0-B0E7-40FB-9538-60D54401A4F8}"/>
               </a:ext>
             </a:extLst>
           </p:cNvPr>
@@ -16467,7 +16470,7 @@
           <p:cNvPr id="11" name="Picture 10">
             <a:extLst>
               <a:ext uri="{FF2B5EF4-FFF2-40B4-BE49-F238E27FC236}">
-                <a16:creationId xmlns="" xmlns:a16="http://schemas.microsoft.com/office/drawing/2014/main" id="{F6164AE6-B86F-4668-B82E-2CCF243694C5}"/>
+                <a16:creationId xmlns:a16="http://schemas.microsoft.com/office/drawing/2014/main" xmlns="" id="{F6164AE6-B86F-4668-B82E-2CCF243694C5}"/>
               </a:ext>
             </a:extLst>
           </p:cNvPr>
@@ -16497,7 +16500,7 @@
           <p:cNvPr id="31" name="TextBox 30">
             <a:extLst>
               <a:ext uri="{FF2B5EF4-FFF2-40B4-BE49-F238E27FC236}">
-                <a16:creationId xmlns="" xmlns:a16="http://schemas.microsoft.com/office/drawing/2014/main" id="{5966DF16-C2DB-4C52-B444-530F784F1688}"/>
+                <a16:creationId xmlns:a16="http://schemas.microsoft.com/office/drawing/2014/main" xmlns="" id="{5966DF16-C2DB-4C52-B444-530F784F1688}"/>
               </a:ext>
             </a:extLst>
           </p:cNvPr>
@@ -16564,7 +16567,7 @@
           <p:cNvPr id="47" name="Rectangle 46">
             <a:extLst>
               <a:ext uri="{FF2B5EF4-FFF2-40B4-BE49-F238E27FC236}">
-                <a16:creationId xmlns="" xmlns:a16="http://schemas.microsoft.com/office/drawing/2014/main" id="{3996E642-D4A2-4D79-A742-5550448C1FDF}"/>
+                <a16:creationId xmlns:a16="http://schemas.microsoft.com/office/drawing/2014/main" xmlns="" id="{3996E642-D4A2-4D79-A742-5550448C1FDF}"/>
               </a:ext>
             </a:extLst>
           </p:cNvPr>
@@ -16645,7 +16648,7 @@
           <p:cNvPr id="54" name="TextBox 53">
             <a:extLst>
               <a:ext uri="{FF2B5EF4-FFF2-40B4-BE49-F238E27FC236}">
-                <a16:creationId xmlns="" xmlns:a16="http://schemas.microsoft.com/office/drawing/2014/main" id="{E05C8096-46D4-4A7C-A2B8-9D79A1BCDC32}"/>
+                <a16:creationId xmlns:a16="http://schemas.microsoft.com/office/drawing/2014/main" xmlns="" id="{E05C8096-46D4-4A7C-A2B8-9D79A1BCDC32}"/>
               </a:ext>
             </a:extLst>
           </p:cNvPr>
@@ -16724,7 +16727,7 @@
           <p:cNvPr id="56" name="Rectangle 55">
             <a:extLst>
               <a:ext uri="{FF2B5EF4-FFF2-40B4-BE49-F238E27FC236}">
-                <a16:creationId xmlns="" xmlns:a16="http://schemas.microsoft.com/office/drawing/2014/main" id="{D1AFC196-8286-44EA-B141-AB550462EA4C}"/>
+                <a16:creationId xmlns:a16="http://schemas.microsoft.com/office/drawing/2014/main" xmlns="" id="{D1AFC196-8286-44EA-B141-AB550462EA4C}"/>
               </a:ext>
             </a:extLst>
           </p:cNvPr>
@@ -16770,7 +16773,7 @@
           <p:cNvPr id="57" name="Rectangle 56">
             <a:extLst>
               <a:ext uri="{FF2B5EF4-FFF2-40B4-BE49-F238E27FC236}">
-                <a16:creationId xmlns="" xmlns:a16="http://schemas.microsoft.com/office/drawing/2014/main" id="{93F1A291-15A0-4EEE-A517-C4C056E66505}"/>
+                <a16:creationId xmlns:a16="http://schemas.microsoft.com/office/drawing/2014/main" xmlns="" id="{93F1A291-15A0-4EEE-A517-C4C056E66505}"/>
               </a:ext>
             </a:extLst>
           </p:cNvPr>
@@ -16830,7 +16833,7 @@
           <p:cNvPr id="58" name="Rectangle 57">
             <a:extLst>
               <a:ext uri="{FF2B5EF4-FFF2-40B4-BE49-F238E27FC236}">
-                <a16:creationId xmlns="" xmlns:a16="http://schemas.microsoft.com/office/drawing/2014/main" id="{C313D5D0-14D9-4013-A702-8F05786AB4A7}"/>
+                <a16:creationId xmlns:a16="http://schemas.microsoft.com/office/drawing/2014/main" xmlns="" id="{C313D5D0-14D9-4013-A702-8F05786AB4A7}"/>
               </a:ext>
             </a:extLst>
           </p:cNvPr>
@@ -16904,7 +16907,7 @@
           <p:cNvPr id="63" name="TextBox 62">
             <a:extLst>
               <a:ext uri="{FF2B5EF4-FFF2-40B4-BE49-F238E27FC236}">
-                <a16:creationId xmlns="" xmlns:a16="http://schemas.microsoft.com/office/drawing/2014/main" id="{5C4E79A3-8CAA-468B-A296-FDF5DF35DB8E}"/>
+                <a16:creationId xmlns:a16="http://schemas.microsoft.com/office/drawing/2014/main" xmlns="" id="{5C4E79A3-8CAA-468B-A296-FDF5DF35DB8E}"/>
               </a:ext>
             </a:extLst>
           </p:cNvPr>
@@ -16959,7 +16962,7 @@
           <p:cNvPr id="64" name="Rectangle 63">
             <a:extLst>
               <a:ext uri="{FF2B5EF4-FFF2-40B4-BE49-F238E27FC236}">
-                <a16:creationId xmlns="" xmlns:a16="http://schemas.microsoft.com/office/drawing/2014/main" id="{0829BC16-F805-4F38-821A-1F207D5BC17B}"/>
+                <a16:creationId xmlns:a16="http://schemas.microsoft.com/office/drawing/2014/main" xmlns="" id="{0829BC16-F805-4F38-821A-1F207D5BC17B}"/>
               </a:ext>
             </a:extLst>
           </p:cNvPr>
@@ -17004,7 +17007,7 @@
           <p:cNvPr id="33" name="TextBox 32">
             <a:extLst>
               <a:ext uri="{FF2B5EF4-FFF2-40B4-BE49-F238E27FC236}">
-                <a16:creationId xmlns="" xmlns:a16="http://schemas.microsoft.com/office/drawing/2014/main" id="{714AA337-E53A-4C36-B973-9951830BBDDF}"/>
+                <a16:creationId xmlns:a16="http://schemas.microsoft.com/office/drawing/2014/main" xmlns="" id="{714AA337-E53A-4C36-B973-9951830BBDDF}"/>
               </a:ext>
             </a:extLst>
           </p:cNvPr>
@@ -17152,7 +17155,7 @@
           <p:cNvPr id="38" name="Picture 15" descr="C:\Users\HuyTran\Desktop\WPF project\vendor.png">
             <a:extLst>
               <a:ext uri="{FF2B5EF4-FFF2-40B4-BE49-F238E27FC236}">
-                <a16:creationId xmlns="" xmlns:a16="http://schemas.microsoft.com/office/drawing/2014/main" id="{EE57F203-51CC-4E2B-B8DB-B71C73703F4E}"/>
+                <a16:creationId xmlns:a16="http://schemas.microsoft.com/office/drawing/2014/main" xmlns="" id="{EE57F203-51CC-4E2B-B8DB-B71C73703F4E}"/>
               </a:ext>
             </a:extLst>
           </p:cNvPr>
@@ -17199,7 +17202,7 @@
           <p:cNvPr id="4" name="Rectangle: Rounded Corners 3">
             <a:extLst>
               <a:ext uri="{FF2B5EF4-FFF2-40B4-BE49-F238E27FC236}">
-                <a16:creationId xmlns="" xmlns:a16="http://schemas.microsoft.com/office/drawing/2014/main" id="{ABC18C6D-7921-4575-A12F-F9110BFF0971}"/>
+                <a16:creationId xmlns:a16="http://schemas.microsoft.com/office/drawing/2014/main" xmlns="" id="{ABC18C6D-7921-4575-A12F-F9110BFF0971}"/>
               </a:ext>
             </a:extLst>
           </p:cNvPr>
@@ -17246,7 +17249,7 @@
           <p:cNvPr id="29" name="TextBox 28">
             <a:extLst>
               <a:ext uri="{FF2B5EF4-FFF2-40B4-BE49-F238E27FC236}">
-                <a16:creationId xmlns="" xmlns:a16="http://schemas.microsoft.com/office/drawing/2014/main" id="{BFF6D494-CE07-489A-B995-2086F94ABE83}"/>
+                <a16:creationId xmlns:a16="http://schemas.microsoft.com/office/drawing/2014/main" xmlns="" id="{BFF6D494-CE07-489A-B995-2086F94ABE83}"/>
               </a:ext>
             </a:extLst>
           </p:cNvPr>
@@ -17301,7 +17304,7 @@
           <p:cNvPr id="30" name="Rectangle 29">
             <a:extLst>
               <a:ext uri="{FF2B5EF4-FFF2-40B4-BE49-F238E27FC236}">
-                <a16:creationId xmlns="" xmlns:a16="http://schemas.microsoft.com/office/drawing/2014/main" id="{06527183-5952-4171-B7FC-1BEB45DFB228}"/>
+                <a16:creationId xmlns:a16="http://schemas.microsoft.com/office/drawing/2014/main" xmlns="" id="{06527183-5952-4171-B7FC-1BEB45DFB228}"/>
               </a:ext>
             </a:extLst>
           </p:cNvPr>
@@ -17352,7 +17355,7 @@
           <p:cNvPr id="41" name="Table 3">
             <a:extLst>
               <a:ext uri="{FF2B5EF4-FFF2-40B4-BE49-F238E27FC236}">
-                <a16:creationId xmlns="" xmlns:a16="http://schemas.microsoft.com/office/drawing/2014/main" id="{623E82C4-7A03-43F7-BE80-5D37858F3225}"/>
+                <a16:creationId xmlns:a16="http://schemas.microsoft.com/office/drawing/2014/main" xmlns="" id="{623E82C4-7A03-43F7-BE80-5D37858F3225}"/>
               </a:ext>
             </a:extLst>
           </p:cNvPr>
@@ -17381,42 +17384,42 @@
                 <a:gridCol w="1407902">
                   <a:extLst>
                     <a:ext uri="{9D8B030D-6E8A-4147-A177-3AD203B41FA5}">
-                      <a16:colId xmlns="" xmlns:a16="http://schemas.microsoft.com/office/drawing/2014/main" val="2205170896"/>
+                      <a16:colId xmlns:a16="http://schemas.microsoft.com/office/drawing/2014/main" xmlns="" val="2205170896"/>
                     </a:ext>
                   </a:extLst>
                 </a:gridCol>
                 <a:gridCol w="1407902">
                   <a:extLst>
                     <a:ext uri="{9D8B030D-6E8A-4147-A177-3AD203B41FA5}">
-                      <a16:colId xmlns="" xmlns:a16="http://schemas.microsoft.com/office/drawing/2014/main" val="3679797539"/>
+                      <a16:colId xmlns:a16="http://schemas.microsoft.com/office/drawing/2014/main" xmlns="" val="3679797539"/>
                     </a:ext>
                   </a:extLst>
                 </a:gridCol>
                 <a:gridCol w="1407902">
                   <a:extLst>
                     <a:ext uri="{9D8B030D-6E8A-4147-A177-3AD203B41FA5}">
-                      <a16:colId xmlns="" xmlns:a16="http://schemas.microsoft.com/office/drawing/2014/main" val="742831095"/>
+                      <a16:colId xmlns:a16="http://schemas.microsoft.com/office/drawing/2014/main" xmlns="" val="742831095"/>
                     </a:ext>
                   </a:extLst>
                 </a:gridCol>
                 <a:gridCol w="1407902">
                   <a:extLst>
                     <a:ext uri="{9D8B030D-6E8A-4147-A177-3AD203B41FA5}">
-                      <a16:colId xmlns="" xmlns:a16="http://schemas.microsoft.com/office/drawing/2014/main" val="4188008786"/>
+                      <a16:colId xmlns:a16="http://schemas.microsoft.com/office/drawing/2014/main" xmlns="" val="4188008786"/>
                     </a:ext>
                   </a:extLst>
                 </a:gridCol>
                 <a:gridCol w="2282404">
                   <a:extLst>
                     <a:ext uri="{9D8B030D-6E8A-4147-A177-3AD203B41FA5}">
-                      <a16:colId xmlns="" xmlns:a16="http://schemas.microsoft.com/office/drawing/2014/main" val="3214238948"/>
+                      <a16:colId xmlns:a16="http://schemas.microsoft.com/office/drawing/2014/main" xmlns="" val="3214238948"/>
                     </a:ext>
                   </a:extLst>
                 </a:gridCol>
                 <a:gridCol w="533400">
                   <a:extLst>
                     <a:ext uri="{9D8B030D-6E8A-4147-A177-3AD203B41FA5}">
-                      <a16:colId xmlns="" xmlns:a16="http://schemas.microsoft.com/office/drawing/2014/main" val="4284112643"/>
+                      <a16:colId xmlns:a16="http://schemas.microsoft.com/office/drawing/2014/main" xmlns="" val="4284112643"/>
                     </a:ext>
                   </a:extLst>
                 </a:gridCol>
@@ -17594,7 +17597,7 @@
                 </a:tc>
                 <a:extLst>
                   <a:ext uri="{0D108BD9-81ED-4DB2-BD59-A6C34878D82A}">
-                    <a16:rowId xmlns="" xmlns:a16="http://schemas.microsoft.com/office/drawing/2014/main" val="652390980"/>
+                    <a16:rowId xmlns:a16="http://schemas.microsoft.com/office/drawing/2014/main" xmlns="" val="652390980"/>
                   </a:ext>
                 </a:extLst>
               </a:tr>
@@ -17730,7 +17733,7 @@
                 </a:tc>
                 <a:extLst>
                   <a:ext uri="{0D108BD9-81ED-4DB2-BD59-A6C34878D82A}">
-                    <a16:rowId xmlns="" xmlns:a16="http://schemas.microsoft.com/office/drawing/2014/main" val="730336656"/>
+                    <a16:rowId xmlns:a16="http://schemas.microsoft.com/office/drawing/2014/main" xmlns="" val="730336656"/>
                   </a:ext>
                 </a:extLst>
               </a:tr>
@@ -17866,7 +17869,7 @@
                 </a:tc>
                 <a:extLst>
                   <a:ext uri="{0D108BD9-81ED-4DB2-BD59-A6C34878D82A}">
-                    <a16:rowId xmlns="" xmlns:a16="http://schemas.microsoft.com/office/drawing/2014/main" val="2897143220"/>
+                    <a16:rowId xmlns:a16="http://schemas.microsoft.com/office/drawing/2014/main" xmlns="" val="2897143220"/>
                   </a:ext>
                 </a:extLst>
               </a:tr>
@@ -17879,7 +17882,7 @@
           <p:cNvPr id="42" name="Picture 41">
             <a:extLst>
               <a:ext uri="{FF2B5EF4-FFF2-40B4-BE49-F238E27FC236}">
-                <a16:creationId xmlns="" xmlns:a16="http://schemas.microsoft.com/office/drawing/2014/main" id="{4567B398-2131-46D9-B112-83C5F1C09B28}"/>
+                <a16:creationId xmlns:a16="http://schemas.microsoft.com/office/drawing/2014/main" xmlns="" id="{4567B398-2131-46D9-B112-83C5F1C09B28}"/>
               </a:ext>
             </a:extLst>
           </p:cNvPr>
@@ -17915,7 +17918,7 @@
           <p:cNvPr id="43" name="Picture 42">
             <a:extLst>
               <a:ext uri="{FF2B5EF4-FFF2-40B4-BE49-F238E27FC236}">
-                <a16:creationId xmlns="" xmlns:a16="http://schemas.microsoft.com/office/drawing/2014/main" id="{9683BAC7-01CC-4E36-BE64-BC92448C1B97}"/>
+                <a16:creationId xmlns:a16="http://schemas.microsoft.com/office/drawing/2014/main" xmlns="" id="{9683BAC7-01CC-4E36-BE64-BC92448C1B97}"/>
               </a:ext>
             </a:extLst>
           </p:cNvPr>
@@ -17951,7 +17954,7 @@
           <p:cNvPr id="65" name="TextBox 64">
             <a:extLst>
               <a:ext uri="{FF2B5EF4-FFF2-40B4-BE49-F238E27FC236}">
-                <a16:creationId xmlns="" xmlns:a16="http://schemas.microsoft.com/office/drawing/2014/main" id="{611DF8EE-0FF6-446B-A5A5-5F97BF1EE171}"/>
+                <a16:creationId xmlns:a16="http://schemas.microsoft.com/office/drawing/2014/main" xmlns="" id="{611DF8EE-0FF6-446B-A5A5-5F97BF1EE171}"/>
               </a:ext>
             </a:extLst>
           </p:cNvPr>
@@ -18006,7 +18009,7 @@
           <p:cNvPr id="66" name="TextBox 65">
             <a:extLst>
               <a:ext uri="{FF2B5EF4-FFF2-40B4-BE49-F238E27FC236}">
-                <a16:creationId xmlns="" xmlns:a16="http://schemas.microsoft.com/office/drawing/2014/main" id="{F6E7464D-71F5-44F6-99CD-0CF7156AE6DF}"/>
+                <a16:creationId xmlns:a16="http://schemas.microsoft.com/office/drawing/2014/main" xmlns="" id="{F6E7464D-71F5-44F6-99CD-0CF7156AE6DF}"/>
               </a:ext>
             </a:extLst>
           </p:cNvPr>
@@ -18043,7 +18046,7 @@
           <p:cNvPr id="67" name="TextBox 66">
             <a:extLst>
               <a:ext uri="{FF2B5EF4-FFF2-40B4-BE49-F238E27FC236}">
-                <a16:creationId xmlns="" xmlns:a16="http://schemas.microsoft.com/office/drawing/2014/main" id="{FEA23420-2DDE-419D-BAA0-5D4C76EC1B72}"/>
+                <a16:creationId xmlns:a16="http://schemas.microsoft.com/office/drawing/2014/main" xmlns="" id="{FEA23420-2DDE-419D-BAA0-5D4C76EC1B72}"/>
               </a:ext>
             </a:extLst>
           </p:cNvPr>
@@ -18111,7 +18114,7 @@
           <p:cNvPr id="68" name="Rectangle 67">
             <a:extLst>
               <a:ext uri="{FF2B5EF4-FFF2-40B4-BE49-F238E27FC236}">
-                <a16:creationId xmlns="" xmlns:a16="http://schemas.microsoft.com/office/drawing/2014/main" id="{F0E5F963-CEEF-4589-9275-C7AC03734243}"/>
+                <a16:creationId xmlns:a16="http://schemas.microsoft.com/office/drawing/2014/main" xmlns="" id="{F0E5F963-CEEF-4589-9275-C7AC03734243}"/>
               </a:ext>
             </a:extLst>
           </p:cNvPr>
@@ -18159,7 +18162,7 @@
           <p:cNvPr id="69" name="TextBox 68">
             <a:extLst>
               <a:ext uri="{FF2B5EF4-FFF2-40B4-BE49-F238E27FC236}">
-                <a16:creationId xmlns="" xmlns:a16="http://schemas.microsoft.com/office/drawing/2014/main" id="{1B7138D9-E098-43EC-9792-4B21C058EB93}"/>
+                <a16:creationId xmlns:a16="http://schemas.microsoft.com/office/drawing/2014/main" xmlns="" id="{1B7138D9-E098-43EC-9792-4B21C058EB93}"/>
               </a:ext>
             </a:extLst>
           </p:cNvPr>
@@ -18214,7 +18217,7 @@
           <p:cNvPr id="70" name="TextBox 69">
             <a:extLst>
               <a:ext uri="{FF2B5EF4-FFF2-40B4-BE49-F238E27FC236}">
-                <a16:creationId xmlns="" xmlns:a16="http://schemas.microsoft.com/office/drawing/2014/main" id="{B4462DC0-3876-4701-BC38-5B30062A2AFB}"/>
+                <a16:creationId xmlns:a16="http://schemas.microsoft.com/office/drawing/2014/main" xmlns="" id="{B4462DC0-3876-4701-BC38-5B30062A2AFB}"/>
               </a:ext>
             </a:extLst>
           </p:cNvPr>
@@ -18254,7 +18257,7 @@
           <p:cNvPr id="71" name="TextBox 70">
             <a:extLst>
               <a:ext uri="{FF2B5EF4-FFF2-40B4-BE49-F238E27FC236}">
-                <a16:creationId xmlns="" xmlns:a16="http://schemas.microsoft.com/office/drawing/2014/main" id="{422EA802-DE61-43CB-B2C2-BD4E306CFC31}"/>
+                <a16:creationId xmlns:a16="http://schemas.microsoft.com/office/drawing/2014/main" xmlns="" id="{422EA802-DE61-43CB-B2C2-BD4E306CFC31}"/>
               </a:ext>
             </a:extLst>
           </p:cNvPr>
@@ -18333,7 +18336,7 @@
           <p:cNvPr id="72" name="TextBox 71">
             <a:extLst>
               <a:ext uri="{FF2B5EF4-FFF2-40B4-BE49-F238E27FC236}">
-                <a16:creationId xmlns="" xmlns:a16="http://schemas.microsoft.com/office/drawing/2014/main" id="{04887649-12D0-4605-ABB9-2C89BE9B86C3}"/>
+                <a16:creationId xmlns:a16="http://schemas.microsoft.com/office/drawing/2014/main" xmlns="" id="{04887649-12D0-4605-ABB9-2C89BE9B86C3}"/>
               </a:ext>
             </a:extLst>
           </p:cNvPr>
@@ -18389,7 +18392,7 @@
           <p:cNvPr id="73" name="Rectangle 72">
             <a:extLst>
               <a:ext uri="{FF2B5EF4-FFF2-40B4-BE49-F238E27FC236}">
-                <a16:creationId xmlns="" xmlns:a16="http://schemas.microsoft.com/office/drawing/2014/main" id="{F720F3AA-E34E-4FD7-B375-B850AB0E7D56}"/>
+                <a16:creationId xmlns:a16="http://schemas.microsoft.com/office/drawing/2014/main" xmlns="" id="{F720F3AA-E34E-4FD7-B375-B850AB0E7D56}"/>
               </a:ext>
             </a:extLst>
           </p:cNvPr>
@@ -18435,7 +18438,7 @@
           <p:cNvPr id="74" name="TextBox 73">
             <a:extLst>
               <a:ext uri="{FF2B5EF4-FFF2-40B4-BE49-F238E27FC236}">
-                <a16:creationId xmlns="" xmlns:a16="http://schemas.microsoft.com/office/drawing/2014/main" id="{21ABF510-B58B-4BC3-90F9-D1980EDCFF5F}"/>
+                <a16:creationId xmlns:a16="http://schemas.microsoft.com/office/drawing/2014/main" xmlns="" id="{21ABF510-B58B-4BC3-90F9-D1980EDCFF5F}"/>
               </a:ext>
             </a:extLst>
           </p:cNvPr>
@@ -18490,7 +18493,7 @@
           <p:cNvPr id="75" name="Rectangle 74">
             <a:extLst>
               <a:ext uri="{FF2B5EF4-FFF2-40B4-BE49-F238E27FC236}">
-                <a16:creationId xmlns="" xmlns:a16="http://schemas.microsoft.com/office/drawing/2014/main" id="{AB38BA3A-720A-41DF-B309-25CE3F910D12}"/>
+                <a16:creationId xmlns:a16="http://schemas.microsoft.com/office/drawing/2014/main" xmlns="" id="{AB38BA3A-720A-41DF-B309-25CE3F910D12}"/>
               </a:ext>
             </a:extLst>
           </p:cNvPr>
@@ -18536,7 +18539,7 @@
           <p:cNvPr id="76" name="TextBox 75">
             <a:extLst>
               <a:ext uri="{FF2B5EF4-FFF2-40B4-BE49-F238E27FC236}">
-                <a16:creationId xmlns="" xmlns:a16="http://schemas.microsoft.com/office/drawing/2014/main" id="{4683F27E-953D-4ECF-A8D1-1F95E7D9A922}"/>
+                <a16:creationId xmlns:a16="http://schemas.microsoft.com/office/drawing/2014/main" xmlns="" id="{4683F27E-953D-4ECF-A8D1-1F95E7D9A922}"/>
               </a:ext>
             </a:extLst>
           </p:cNvPr>
@@ -18591,7 +18594,7 @@
           <p:cNvPr id="77" name="Rectangle 76">
             <a:extLst>
               <a:ext uri="{FF2B5EF4-FFF2-40B4-BE49-F238E27FC236}">
-                <a16:creationId xmlns="" xmlns:a16="http://schemas.microsoft.com/office/drawing/2014/main" id="{7E496E63-9ED4-45FB-807A-7F4AC0DE2700}"/>
+                <a16:creationId xmlns:a16="http://schemas.microsoft.com/office/drawing/2014/main" xmlns="" id="{7E496E63-9ED4-45FB-807A-7F4AC0DE2700}"/>
               </a:ext>
             </a:extLst>
           </p:cNvPr>
@@ -18637,7 +18640,7 @@
           <p:cNvPr id="78" name="Rectangle: Rounded Corners 77">
             <a:extLst>
               <a:ext uri="{FF2B5EF4-FFF2-40B4-BE49-F238E27FC236}">
-                <a16:creationId xmlns="" xmlns:a16="http://schemas.microsoft.com/office/drawing/2014/main" id="{55199E54-3D9C-4154-9A94-CDE31EE12D0D}"/>
+                <a16:creationId xmlns:a16="http://schemas.microsoft.com/office/drawing/2014/main" xmlns="" id="{55199E54-3D9C-4154-9A94-CDE31EE12D0D}"/>
               </a:ext>
             </a:extLst>
           </p:cNvPr>
@@ -18722,7 +18725,7 @@
           <p:cNvPr id="6" name="TextBox 5">
             <a:extLst>
               <a:ext uri="{FF2B5EF4-FFF2-40B4-BE49-F238E27FC236}">
-                <a16:creationId xmlns="" xmlns:a16="http://schemas.microsoft.com/office/drawing/2014/main" id="{CD2A8DE0-B0E7-40FB-9538-60D54401A4F8}"/>
+                <a16:creationId xmlns:a16="http://schemas.microsoft.com/office/drawing/2014/main" xmlns="" id="{CD2A8DE0-B0E7-40FB-9538-60D54401A4F8}"/>
               </a:ext>
             </a:extLst>
           </p:cNvPr>
@@ -18804,7 +18807,7 @@
           <p:cNvPr id="11" name="Picture 10">
             <a:extLst>
               <a:ext uri="{FF2B5EF4-FFF2-40B4-BE49-F238E27FC236}">
-                <a16:creationId xmlns="" xmlns:a16="http://schemas.microsoft.com/office/drawing/2014/main" id="{F6164AE6-B86F-4668-B82E-2CCF243694C5}"/>
+                <a16:creationId xmlns:a16="http://schemas.microsoft.com/office/drawing/2014/main" xmlns="" id="{F6164AE6-B86F-4668-B82E-2CCF243694C5}"/>
               </a:ext>
             </a:extLst>
           </p:cNvPr>
@@ -18834,7 +18837,7 @@
           <p:cNvPr id="31" name="TextBox 30">
             <a:extLst>
               <a:ext uri="{FF2B5EF4-FFF2-40B4-BE49-F238E27FC236}">
-                <a16:creationId xmlns="" xmlns:a16="http://schemas.microsoft.com/office/drawing/2014/main" id="{5966DF16-C2DB-4C52-B444-530F784F1688}"/>
+                <a16:creationId xmlns:a16="http://schemas.microsoft.com/office/drawing/2014/main" xmlns="" id="{5966DF16-C2DB-4C52-B444-530F784F1688}"/>
               </a:ext>
             </a:extLst>
           </p:cNvPr>
@@ -18901,7 +18904,7 @@
           <p:cNvPr id="47" name="Rectangle 46">
             <a:extLst>
               <a:ext uri="{FF2B5EF4-FFF2-40B4-BE49-F238E27FC236}">
-                <a16:creationId xmlns="" xmlns:a16="http://schemas.microsoft.com/office/drawing/2014/main" id="{3996E642-D4A2-4D79-A742-5550448C1FDF}"/>
+                <a16:creationId xmlns:a16="http://schemas.microsoft.com/office/drawing/2014/main" xmlns="" id="{3996E642-D4A2-4D79-A742-5550448C1FDF}"/>
               </a:ext>
             </a:extLst>
           </p:cNvPr>
@@ -18982,7 +18985,7 @@
           <p:cNvPr id="54" name="TextBox 53">
             <a:extLst>
               <a:ext uri="{FF2B5EF4-FFF2-40B4-BE49-F238E27FC236}">
-                <a16:creationId xmlns="" xmlns:a16="http://schemas.microsoft.com/office/drawing/2014/main" id="{E05C8096-46D4-4A7C-A2B8-9D79A1BCDC32}"/>
+                <a16:creationId xmlns:a16="http://schemas.microsoft.com/office/drawing/2014/main" xmlns="" id="{E05C8096-46D4-4A7C-A2B8-9D79A1BCDC32}"/>
               </a:ext>
             </a:extLst>
           </p:cNvPr>
@@ -19061,7 +19064,7 @@
           <p:cNvPr id="58" name="Rectangle 57">
             <a:extLst>
               <a:ext uri="{FF2B5EF4-FFF2-40B4-BE49-F238E27FC236}">
-                <a16:creationId xmlns="" xmlns:a16="http://schemas.microsoft.com/office/drawing/2014/main" id="{C313D5D0-14D9-4013-A702-8F05786AB4A7}"/>
+                <a16:creationId xmlns:a16="http://schemas.microsoft.com/office/drawing/2014/main" xmlns="" id="{C313D5D0-14D9-4013-A702-8F05786AB4A7}"/>
               </a:ext>
             </a:extLst>
           </p:cNvPr>
@@ -19135,7 +19138,7 @@
           <p:cNvPr id="63" name="TextBox 62">
             <a:extLst>
               <a:ext uri="{FF2B5EF4-FFF2-40B4-BE49-F238E27FC236}">
-                <a16:creationId xmlns="" xmlns:a16="http://schemas.microsoft.com/office/drawing/2014/main" id="{5C4E79A3-8CAA-468B-A296-FDF5DF35DB8E}"/>
+                <a16:creationId xmlns:a16="http://schemas.microsoft.com/office/drawing/2014/main" xmlns="" id="{5C4E79A3-8CAA-468B-A296-FDF5DF35DB8E}"/>
               </a:ext>
             </a:extLst>
           </p:cNvPr>
@@ -19190,7 +19193,7 @@
           <p:cNvPr id="64" name="Rectangle 63">
             <a:extLst>
               <a:ext uri="{FF2B5EF4-FFF2-40B4-BE49-F238E27FC236}">
-                <a16:creationId xmlns="" xmlns:a16="http://schemas.microsoft.com/office/drawing/2014/main" id="{0829BC16-F805-4F38-821A-1F207D5BC17B}"/>
+                <a16:creationId xmlns:a16="http://schemas.microsoft.com/office/drawing/2014/main" xmlns="" id="{0829BC16-F805-4F38-821A-1F207D5BC17B}"/>
               </a:ext>
             </a:extLst>
           </p:cNvPr>
@@ -19235,7 +19238,7 @@
           <p:cNvPr id="33" name="TextBox 32">
             <a:extLst>
               <a:ext uri="{FF2B5EF4-FFF2-40B4-BE49-F238E27FC236}">
-                <a16:creationId xmlns="" xmlns:a16="http://schemas.microsoft.com/office/drawing/2014/main" id="{714AA337-E53A-4C36-B973-9951830BBDDF}"/>
+                <a16:creationId xmlns:a16="http://schemas.microsoft.com/office/drawing/2014/main" xmlns="" id="{714AA337-E53A-4C36-B973-9951830BBDDF}"/>
               </a:ext>
             </a:extLst>
           </p:cNvPr>
@@ -19335,7 +19338,7 @@
           <p:cNvPr id="38" name="Picture 15" descr="C:\Users\HuyTran\Desktop\WPF project\vendor.png">
             <a:extLst>
               <a:ext uri="{FF2B5EF4-FFF2-40B4-BE49-F238E27FC236}">
-                <a16:creationId xmlns="" xmlns:a16="http://schemas.microsoft.com/office/drawing/2014/main" id="{EE57F203-51CC-4E2B-B8DB-B71C73703F4E}"/>
+                <a16:creationId xmlns:a16="http://schemas.microsoft.com/office/drawing/2014/main" xmlns="" id="{EE57F203-51CC-4E2B-B8DB-B71C73703F4E}"/>
               </a:ext>
             </a:extLst>
           </p:cNvPr>
@@ -19382,7 +19385,7 @@
           <p:cNvPr id="29" name="TextBox 28">
             <a:extLst>
               <a:ext uri="{FF2B5EF4-FFF2-40B4-BE49-F238E27FC236}">
-                <a16:creationId xmlns="" xmlns:a16="http://schemas.microsoft.com/office/drawing/2014/main" id="{BFF6D494-CE07-489A-B995-2086F94ABE83}"/>
+                <a16:creationId xmlns:a16="http://schemas.microsoft.com/office/drawing/2014/main" xmlns="" id="{BFF6D494-CE07-489A-B995-2086F94ABE83}"/>
               </a:ext>
             </a:extLst>
           </p:cNvPr>
@@ -19437,7 +19440,7 @@
           <p:cNvPr id="30" name="Rectangle 29">
             <a:extLst>
               <a:ext uri="{FF2B5EF4-FFF2-40B4-BE49-F238E27FC236}">
-                <a16:creationId xmlns="" xmlns:a16="http://schemas.microsoft.com/office/drawing/2014/main" id="{06527183-5952-4171-B7FC-1BEB45DFB228}"/>
+                <a16:creationId xmlns:a16="http://schemas.microsoft.com/office/drawing/2014/main" xmlns="" id="{06527183-5952-4171-B7FC-1BEB45DFB228}"/>
               </a:ext>
             </a:extLst>
           </p:cNvPr>
@@ -19488,7 +19491,7 @@
           <p:cNvPr id="41" name="Table 3">
             <a:extLst>
               <a:ext uri="{FF2B5EF4-FFF2-40B4-BE49-F238E27FC236}">
-                <a16:creationId xmlns="" xmlns:a16="http://schemas.microsoft.com/office/drawing/2014/main" id="{623E82C4-7A03-43F7-BE80-5D37858F3225}"/>
+                <a16:creationId xmlns:a16="http://schemas.microsoft.com/office/drawing/2014/main" xmlns="" id="{623E82C4-7A03-43F7-BE80-5D37858F3225}"/>
               </a:ext>
             </a:extLst>
           </p:cNvPr>
@@ -19517,35 +19520,35 @@
                 <a:gridCol w="1502794">
                   <a:extLst>
                     <a:ext uri="{9D8B030D-6E8A-4147-A177-3AD203B41FA5}">
-                      <a16:colId xmlns="" xmlns:a16="http://schemas.microsoft.com/office/drawing/2014/main" val="2205170896"/>
+                      <a16:colId xmlns:a16="http://schemas.microsoft.com/office/drawing/2014/main" xmlns="" val="2205170896"/>
                     </a:ext>
                   </a:extLst>
                 </a:gridCol>
                 <a:gridCol w="1502794">
                   <a:extLst>
                     <a:ext uri="{9D8B030D-6E8A-4147-A177-3AD203B41FA5}">
-                      <a16:colId xmlns="" xmlns:a16="http://schemas.microsoft.com/office/drawing/2014/main" val="3679797539"/>
+                      <a16:colId xmlns:a16="http://schemas.microsoft.com/office/drawing/2014/main" xmlns="" val="3679797539"/>
                     </a:ext>
                   </a:extLst>
                 </a:gridCol>
                 <a:gridCol w="1502794">
                   <a:extLst>
                     <a:ext uri="{9D8B030D-6E8A-4147-A177-3AD203B41FA5}">
-                      <a16:colId xmlns="" xmlns:a16="http://schemas.microsoft.com/office/drawing/2014/main" val="742831095"/>
+                      <a16:colId xmlns:a16="http://schemas.microsoft.com/office/drawing/2014/main" xmlns="" val="742831095"/>
                     </a:ext>
                   </a:extLst>
                 </a:gridCol>
                 <a:gridCol w="1502794">
                   <a:extLst>
                     <a:ext uri="{9D8B030D-6E8A-4147-A177-3AD203B41FA5}">
-                      <a16:colId xmlns="" xmlns:a16="http://schemas.microsoft.com/office/drawing/2014/main" val="4188008786"/>
+                      <a16:colId xmlns:a16="http://schemas.microsoft.com/office/drawing/2014/main" xmlns="" val="4188008786"/>
                     </a:ext>
                   </a:extLst>
                 </a:gridCol>
                 <a:gridCol w="2436237">
                   <a:extLst>
                     <a:ext uri="{9D8B030D-6E8A-4147-A177-3AD203B41FA5}">
-                      <a16:colId xmlns="" xmlns:a16="http://schemas.microsoft.com/office/drawing/2014/main" val="3214238948"/>
+                      <a16:colId xmlns:a16="http://schemas.microsoft.com/office/drawing/2014/main" xmlns="" val="3214238948"/>
                     </a:ext>
                   </a:extLst>
                 </a:gridCol>
@@ -19706,7 +19709,7 @@
                 </a:tc>
                 <a:extLst>
                   <a:ext uri="{0D108BD9-81ED-4DB2-BD59-A6C34878D82A}">
-                    <a16:rowId xmlns="" xmlns:a16="http://schemas.microsoft.com/office/drawing/2014/main" val="652390980"/>
+                    <a16:rowId xmlns:a16="http://schemas.microsoft.com/office/drawing/2014/main" xmlns="" val="652390980"/>
                   </a:ext>
                 </a:extLst>
               </a:tr>
@@ -19825,7 +19828,7 @@
                 </a:tc>
                 <a:extLst>
                   <a:ext uri="{0D108BD9-81ED-4DB2-BD59-A6C34878D82A}">
-                    <a16:rowId xmlns="" xmlns:a16="http://schemas.microsoft.com/office/drawing/2014/main" val="730336656"/>
+                    <a16:rowId xmlns:a16="http://schemas.microsoft.com/office/drawing/2014/main" xmlns="" val="730336656"/>
                   </a:ext>
                 </a:extLst>
               </a:tr>
@@ -19944,7 +19947,7 @@
                 </a:tc>
                 <a:extLst>
                   <a:ext uri="{0D108BD9-81ED-4DB2-BD59-A6C34878D82A}">
-                    <a16:rowId xmlns="" xmlns:a16="http://schemas.microsoft.com/office/drawing/2014/main" val="2897143220"/>
+                    <a16:rowId xmlns:a16="http://schemas.microsoft.com/office/drawing/2014/main" xmlns="" val="2897143220"/>
                   </a:ext>
                 </a:extLst>
               </a:tr>
@@ -19957,7 +19960,7 @@
           <p:cNvPr id="65" name="TextBox 64">
             <a:extLst>
               <a:ext uri="{FF2B5EF4-FFF2-40B4-BE49-F238E27FC236}">
-                <a16:creationId xmlns="" xmlns:a16="http://schemas.microsoft.com/office/drawing/2014/main" id="{611DF8EE-0FF6-446B-A5A5-5F97BF1EE171}"/>
+                <a16:creationId xmlns:a16="http://schemas.microsoft.com/office/drawing/2014/main" xmlns="" id="{611DF8EE-0FF6-446B-A5A5-5F97BF1EE171}"/>
               </a:ext>
             </a:extLst>
           </p:cNvPr>
@@ -20012,7 +20015,7 @@
           <p:cNvPr id="66" name="TextBox 65">
             <a:extLst>
               <a:ext uri="{FF2B5EF4-FFF2-40B4-BE49-F238E27FC236}">
-                <a16:creationId xmlns="" xmlns:a16="http://schemas.microsoft.com/office/drawing/2014/main" id="{F6E7464D-71F5-44F6-99CD-0CF7156AE6DF}"/>
+                <a16:creationId xmlns:a16="http://schemas.microsoft.com/office/drawing/2014/main" xmlns="" id="{F6E7464D-71F5-44F6-99CD-0CF7156AE6DF}"/>
               </a:ext>
             </a:extLst>
           </p:cNvPr>
@@ -20049,7 +20052,7 @@
           <p:cNvPr id="67" name="TextBox 66">
             <a:extLst>
               <a:ext uri="{FF2B5EF4-FFF2-40B4-BE49-F238E27FC236}">
-                <a16:creationId xmlns="" xmlns:a16="http://schemas.microsoft.com/office/drawing/2014/main" id="{FEA23420-2DDE-419D-BAA0-5D4C76EC1B72}"/>
+                <a16:creationId xmlns:a16="http://schemas.microsoft.com/office/drawing/2014/main" xmlns="" id="{FEA23420-2DDE-419D-BAA0-5D4C76EC1B72}"/>
               </a:ext>
             </a:extLst>
           </p:cNvPr>
@@ -20117,7 +20120,7 @@
           <p:cNvPr id="68" name="Rectangle 67">
             <a:extLst>
               <a:ext uri="{FF2B5EF4-FFF2-40B4-BE49-F238E27FC236}">
-                <a16:creationId xmlns="" xmlns:a16="http://schemas.microsoft.com/office/drawing/2014/main" id="{F0E5F963-CEEF-4589-9275-C7AC03734243}"/>
+                <a16:creationId xmlns:a16="http://schemas.microsoft.com/office/drawing/2014/main" xmlns="" id="{F0E5F963-CEEF-4589-9275-C7AC03734243}"/>
               </a:ext>
             </a:extLst>
           </p:cNvPr>
@@ -20168,7 +20171,7 @@
           <p:cNvPr id="69" name="TextBox 68">
             <a:extLst>
               <a:ext uri="{FF2B5EF4-FFF2-40B4-BE49-F238E27FC236}">
-                <a16:creationId xmlns="" xmlns:a16="http://schemas.microsoft.com/office/drawing/2014/main" id="{1B7138D9-E098-43EC-9792-4B21C058EB93}"/>
+                <a16:creationId xmlns:a16="http://schemas.microsoft.com/office/drawing/2014/main" xmlns="" id="{1B7138D9-E098-43EC-9792-4B21C058EB93}"/>
               </a:ext>
             </a:extLst>
           </p:cNvPr>
@@ -20223,7 +20226,7 @@
           <p:cNvPr id="70" name="TextBox 69">
             <a:extLst>
               <a:ext uri="{FF2B5EF4-FFF2-40B4-BE49-F238E27FC236}">
-                <a16:creationId xmlns="" xmlns:a16="http://schemas.microsoft.com/office/drawing/2014/main" id="{B4462DC0-3876-4701-BC38-5B30062A2AFB}"/>
+                <a16:creationId xmlns:a16="http://schemas.microsoft.com/office/drawing/2014/main" xmlns="" id="{B4462DC0-3876-4701-BC38-5B30062A2AFB}"/>
               </a:ext>
             </a:extLst>
           </p:cNvPr>
@@ -20263,7 +20266,7 @@
           <p:cNvPr id="71" name="TextBox 70">
             <a:extLst>
               <a:ext uri="{FF2B5EF4-FFF2-40B4-BE49-F238E27FC236}">
-                <a16:creationId xmlns="" xmlns:a16="http://schemas.microsoft.com/office/drawing/2014/main" id="{422EA802-DE61-43CB-B2C2-BD4E306CFC31}"/>
+                <a16:creationId xmlns:a16="http://schemas.microsoft.com/office/drawing/2014/main" xmlns="" id="{422EA802-DE61-43CB-B2C2-BD4E306CFC31}"/>
               </a:ext>
             </a:extLst>
           </p:cNvPr>
@@ -20342,7 +20345,7 @@
           <p:cNvPr id="34" name="TextBox 33">
             <a:extLst>
               <a:ext uri="{FF2B5EF4-FFF2-40B4-BE49-F238E27FC236}">
-                <a16:creationId xmlns="" xmlns:a16="http://schemas.microsoft.com/office/drawing/2014/main" id="{3EAD5C47-1D0F-4800-8304-C2BFF406E601}"/>
+                <a16:creationId xmlns:a16="http://schemas.microsoft.com/office/drawing/2014/main" xmlns="" id="{3EAD5C47-1D0F-4800-8304-C2BFF406E601}"/>
               </a:ext>
             </a:extLst>
           </p:cNvPr>
@@ -20463,7 +20466,7 @@
           <p:cNvPr id="6" name="TextBox 5">
             <a:extLst>
               <a:ext uri="{FF2B5EF4-FFF2-40B4-BE49-F238E27FC236}">
-                <a16:creationId xmlns="" xmlns:a16="http://schemas.microsoft.com/office/drawing/2014/main" id="{CD2A8DE0-B0E7-40FB-9538-60D54401A4F8}"/>
+                <a16:creationId xmlns:a16="http://schemas.microsoft.com/office/drawing/2014/main" xmlns="" id="{CD2A8DE0-B0E7-40FB-9538-60D54401A4F8}"/>
               </a:ext>
             </a:extLst>
           </p:cNvPr>
@@ -20575,7 +20578,7 @@
           <p:cNvPr id="11" name="Picture 10">
             <a:extLst>
               <a:ext uri="{FF2B5EF4-FFF2-40B4-BE49-F238E27FC236}">
-                <a16:creationId xmlns="" xmlns:a16="http://schemas.microsoft.com/office/drawing/2014/main" id="{F6164AE6-B86F-4668-B82E-2CCF243694C5}"/>
+                <a16:creationId xmlns:a16="http://schemas.microsoft.com/office/drawing/2014/main" xmlns="" id="{F6164AE6-B86F-4668-B82E-2CCF243694C5}"/>
               </a:ext>
             </a:extLst>
           </p:cNvPr>
@@ -20605,7 +20608,7 @@
           <p:cNvPr id="41" name="Rectangle 40">
             <a:extLst>
               <a:ext uri="{FF2B5EF4-FFF2-40B4-BE49-F238E27FC236}">
-                <a16:creationId xmlns="" xmlns:a16="http://schemas.microsoft.com/office/drawing/2014/main" id="{E81BDFDF-A2C2-47AD-8D90-A0FE79376AA6}"/>
+                <a16:creationId xmlns:a16="http://schemas.microsoft.com/office/drawing/2014/main" xmlns="" id="{E81BDFDF-A2C2-47AD-8D90-A0FE79376AA6}"/>
               </a:ext>
             </a:extLst>
           </p:cNvPr>
@@ -20683,7 +20686,7 @@
           <p:cNvPr id="43" name="TextBox 42">
             <a:extLst>
               <a:ext uri="{FF2B5EF4-FFF2-40B4-BE49-F238E27FC236}">
-                <a16:creationId xmlns="" xmlns:a16="http://schemas.microsoft.com/office/drawing/2014/main" id="{F43B97D8-23B6-4B2F-AE82-8C0B2E7C3495}"/>
+                <a16:creationId xmlns:a16="http://schemas.microsoft.com/office/drawing/2014/main" xmlns="" id="{F43B97D8-23B6-4B2F-AE82-8C0B2E7C3495}"/>
               </a:ext>
             </a:extLst>
           </p:cNvPr>
@@ -20831,7 +20834,7 @@
           <p:cNvPr id="3" name="Table 3">
             <a:extLst>
               <a:ext uri="{FF2B5EF4-FFF2-40B4-BE49-F238E27FC236}">
-                <a16:creationId xmlns="" xmlns:a16="http://schemas.microsoft.com/office/drawing/2014/main" id="{9B423CCB-E8FB-4CDB-A31C-9E89725D6698}"/>
+                <a16:creationId xmlns:a16="http://schemas.microsoft.com/office/drawing/2014/main" xmlns="" id="{9B423CCB-E8FB-4CDB-A31C-9E89725D6698}"/>
               </a:ext>
             </a:extLst>
           </p:cNvPr>
@@ -20860,35 +20863,35 @@
                 <a:gridCol w="1409816">
                   <a:extLst>
                     <a:ext uri="{9D8B030D-6E8A-4147-A177-3AD203B41FA5}">
-                      <a16:colId xmlns="" xmlns:a16="http://schemas.microsoft.com/office/drawing/2014/main" val="3679797539"/>
+                      <a16:colId xmlns:a16="http://schemas.microsoft.com/office/drawing/2014/main" xmlns="" val="3679797539"/>
                     </a:ext>
                   </a:extLst>
                 </a:gridCol>
                 <a:gridCol w="1409816">
                   <a:extLst>
                     <a:ext uri="{9D8B030D-6E8A-4147-A177-3AD203B41FA5}">
-                      <a16:colId xmlns="" xmlns:a16="http://schemas.microsoft.com/office/drawing/2014/main" val="4188008786"/>
+                      <a16:colId xmlns:a16="http://schemas.microsoft.com/office/drawing/2014/main" xmlns="" val="4188008786"/>
                     </a:ext>
                   </a:extLst>
                 </a:gridCol>
                 <a:gridCol w="1448264">
                   <a:extLst>
                     <a:ext uri="{9D8B030D-6E8A-4147-A177-3AD203B41FA5}">
-                      <a16:colId xmlns="" xmlns:a16="http://schemas.microsoft.com/office/drawing/2014/main" val="240713644"/>
+                      <a16:colId xmlns:a16="http://schemas.microsoft.com/office/drawing/2014/main" xmlns="" val="240713644"/>
                     </a:ext>
                   </a:extLst>
                 </a:gridCol>
                 <a:gridCol w="2514600">
                   <a:extLst>
                     <a:ext uri="{9D8B030D-6E8A-4147-A177-3AD203B41FA5}">
-                      <a16:colId xmlns="" xmlns:a16="http://schemas.microsoft.com/office/drawing/2014/main" val="3214238948"/>
+                      <a16:colId xmlns:a16="http://schemas.microsoft.com/office/drawing/2014/main" xmlns="" val="3214238948"/>
                     </a:ext>
                   </a:extLst>
                 </a:gridCol>
                 <a:gridCol w="1676400">
                   <a:extLst>
                     <a:ext uri="{9D8B030D-6E8A-4147-A177-3AD203B41FA5}">
-                      <a16:colId xmlns="" xmlns:a16="http://schemas.microsoft.com/office/drawing/2014/main" val="1291486487"/>
+                      <a16:colId xmlns:a16="http://schemas.microsoft.com/office/drawing/2014/main" xmlns="" val="1291486487"/>
                     </a:ext>
                   </a:extLst>
                 </a:gridCol>
@@ -21023,7 +21026,7 @@
                 </a:tc>
                 <a:extLst>
                   <a:ext uri="{0D108BD9-81ED-4DB2-BD59-A6C34878D82A}">
-                    <a16:rowId xmlns="" xmlns:a16="http://schemas.microsoft.com/office/drawing/2014/main" val="652390980"/>
+                    <a16:rowId xmlns:a16="http://schemas.microsoft.com/office/drawing/2014/main" xmlns="" val="652390980"/>
                   </a:ext>
                 </a:extLst>
               </a:tr>
@@ -21152,7 +21155,7 @@
                 </a:tc>
                 <a:extLst>
                   <a:ext uri="{0D108BD9-81ED-4DB2-BD59-A6C34878D82A}">
-                    <a16:rowId xmlns="" xmlns:a16="http://schemas.microsoft.com/office/drawing/2014/main" val="730336656"/>
+                    <a16:rowId xmlns:a16="http://schemas.microsoft.com/office/drawing/2014/main" xmlns="" val="730336656"/>
                   </a:ext>
                 </a:extLst>
               </a:tr>
@@ -21313,7 +21316,7 @@
                 </a:tc>
                 <a:extLst>
                   <a:ext uri="{0D108BD9-81ED-4DB2-BD59-A6C34878D82A}">
-                    <a16:rowId xmlns="" xmlns:a16="http://schemas.microsoft.com/office/drawing/2014/main" val="2897143220"/>
+                    <a16:rowId xmlns:a16="http://schemas.microsoft.com/office/drawing/2014/main" xmlns="" val="2897143220"/>
                   </a:ext>
                 </a:extLst>
               </a:tr>
@@ -21326,7 +21329,7 @@
           <p:cNvPr id="17" name="TextBox 16">
             <a:extLst>
               <a:ext uri="{FF2B5EF4-FFF2-40B4-BE49-F238E27FC236}">
-                <a16:creationId xmlns="" xmlns:a16="http://schemas.microsoft.com/office/drawing/2014/main" id="{D8855AE3-3414-440E-8C9F-70903C6BA91F}"/>
+                <a16:creationId xmlns:a16="http://schemas.microsoft.com/office/drawing/2014/main" xmlns="" id="{D8855AE3-3414-440E-8C9F-70903C6BA91F}"/>
               </a:ext>
             </a:extLst>
           </p:cNvPr>
@@ -21382,7 +21385,7 @@
           <p:cNvPr id="18" name="Rectangle 17">
             <a:extLst>
               <a:ext uri="{FF2B5EF4-FFF2-40B4-BE49-F238E27FC236}">
-                <a16:creationId xmlns="" xmlns:a16="http://schemas.microsoft.com/office/drawing/2014/main" id="{49DC6DD1-7A8F-4D6E-BCFF-6C9A2C086C04}"/>
+                <a16:creationId xmlns:a16="http://schemas.microsoft.com/office/drawing/2014/main" xmlns="" id="{49DC6DD1-7A8F-4D6E-BCFF-6C9A2C086C04}"/>
               </a:ext>
             </a:extLst>
           </p:cNvPr>
@@ -21428,7 +21431,7 @@
           <p:cNvPr id="25" name="Picture 24">
             <a:extLst>
               <a:ext uri="{FF2B5EF4-FFF2-40B4-BE49-F238E27FC236}">
-                <a16:creationId xmlns="" xmlns:a16="http://schemas.microsoft.com/office/drawing/2014/main" id="{6DFBF82F-6D9F-4652-B29D-D8A47C76365C}"/>
+                <a16:creationId xmlns:a16="http://schemas.microsoft.com/office/drawing/2014/main" xmlns="" id="{6DFBF82F-6D9F-4652-B29D-D8A47C76365C}"/>
               </a:ext>
             </a:extLst>
           </p:cNvPr>
@@ -21464,7 +21467,7 @@
           <p:cNvPr id="22" name="Picture 21">
             <a:extLst>
               <a:ext uri="{FF2B5EF4-FFF2-40B4-BE49-F238E27FC236}">
-                <a16:creationId xmlns="" xmlns:a16="http://schemas.microsoft.com/office/drawing/2014/main" id="{152C4223-FE44-492A-94DA-D432CDA97147}"/>
+                <a16:creationId xmlns:a16="http://schemas.microsoft.com/office/drawing/2014/main" xmlns="" id="{152C4223-FE44-492A-94DA-D432CDA97147}"/>
               </a:ext>
             </a:extLst>
           </p:cNvPr>
@@ -21499,7 +21502,7 @@
           <p:cNvPr id="23" name="Picture 22">
             <a:extLst>
               <a:ext uri="{FF2B5EF4-FFF2-40B4-BE49-F238E27FC236}">
-                <a16:creationId xmlns="" xmlns:a16="http://schemas.microsoft.com/office/drawing/2014/main" id="{28EBE4F5-C6EB-4CF6-8188-71ACA64C1695}"/>
+                <a16:creationId xmlns:a16="http://schemas.microsoft.com/office/drawing/2014/main" xmlns="" id="{28EBE4F5-C6EB-4CF6-8188-71ACA64C1695}"/>
               </a:ext>
             </a:extLst>
           </p:cNvPr>
@@ -21535,7 +21538,7 @@
           <p:cNvPr id="24" name="Picture 23">
             <a:extLst>
               <a:ext uri="{FF2B5EF4-FFF2-40B4-BE49-F238E27FC236}">
-                <a16:creationId xmlns="" xmlns:a16="http://schemas.microsoft.com/office/drawing/2014/main" id="{52EB17A2-1213-425A-87D0-9E086069B2A1}"/>
+                <a16:creationId xmlns:a16="http://schemas.microsoft.com/office/drawing/2014/main" xmlns="" id="{52EB17A2-1213-425A-87D0-9E086069B2A1}"/>
               </a:ext>
             </a:extLst>
           </p:cNvPr>
@@ -21570,7 +21573,7 @@
           <p:cNvPr id="32" name="Picture 31">
             <a:extLst>
               <a:ext uri="{FF2B5EF4-FFF2-40B4-BE49-F238E27FC236}">
-                <a16:creationId xmlns="" xmlns:a16="http://schemas.microsoft.com/office/drawing/2014/main" id="{9E933CBA-513F-4CCA-860A-2490166915F8}"/>
+                <a16:creationId xmlns:a16="http://schemas.microsoft.com/office/drawing/2014/main" xmlns="" id="{9E933CBA-513F-4CCA-860A-2490166915F8}"/>
               </a:ext>
             </a:extLst>
           </p:cNvPr>
@@ -21605,7 +21608,7 @@
           <p:cNvPr id="33" name="Picture 32">
             <a:extLst>
               <a:ext uri="{FF2B5EF4-FFF2-40B4-BE49-F238E27FC236}">
-                <a16:creationId xmlns="" xmlns:a16="http://schemas.microsoft.com/office/drawing/2014/main" id="{2BC9312B-3AF4-440F-B845-F4A0B58E6C78}"/>
+                <a16:creationId xmlns:a16="http://schemas.microsoft.com/office/drawing/2014/main" xmlns="" id="{2BC9312B-3AF4-440F-B845-F4A0B58E6C78}"/>
               </a:ext>
             </a:extLst>
           </p:cNvPr>
@@ -21641,7 +21644,7 @@
           <p:cNvPr id="34" name="Picture 33">
             <a:extLst>
               <a:ext uri="{FF2B5EF4-FFF2-40B4-BE49-F238E27FC236}">
-                <a16:creationId xmlns="" xmlns:a16="http://schemas.microsoft.com/office/drawing/2014/main" id="{E087B8C1-BC3D-4931-BC92-8B4F12F136DF}"/>
+                <a16:creationId xmlns:a16="http://schemas.microsoft.com/office/drawing/2014/main" xmlns="" id="{E087B8C1-BC3D-4931-BC92-8B4F12F136DF}"/>
               </a:ext>
             </a:extLst>
           </p:cNvPr>
@@ -21676,7 +21679,7 @@
           <p:cNvPr id="5" name="Picture 4">
             <a:extLst>
               <a:ext uri="{FF2B5EF4-FFF2-40B4-BE49-F238E27FC236}">
-                <a16:creationId xmlns="" xmlns:a16="http://schemas.microsoft.com/office/drawing/2014/main" id="{4EB02010-3707-4ED9-9532-806BF43A1420}"/>
+                <a16:creationId xmlns:a16="http://schemas.microsoft.com/office/drawing/2014/main" xmlns="" id="{4EB02010-3707-4ED9-9532-806BF43A1420}"/>
               </a:ext>
             </a:extLst>
           </p:cNvPr>
@@ -21750,7 +21753,7 @@
           <p:cNvPr id="6" name="TextBox 5">
             <a:extLst>
               <a:ext uri="{FF2B5EF4-FFF2-40B4-BE49-F238E27FC236}">
-                <a16:creationId xmlns="" xmlns:a16="http://schemas.microsoft.com/office/drawing/2014/main" id="{CD2A8DE0-B0E7-40FB-9538-60D54401A4F8}"/>
+                <a16:creationId xmlns:a16="http://schemas.microsoft.com/office/drawing/2014/main" xmlns="" id="{CD2A8DE0-B0E7-40FB-9538-60D54401A4F8}"/>
               </a:ext>
             </a:extLst>
           </p:cNvPr>
@@ -21802,7 +21805,7 @@
           <p:cNvPr id="3" name="Picture 2">
             <a:extLst>
               <a:ext uri="{FF2B5EF4-FFF2-40B4-BE49-F238E27FC236}">
-                <a16:creationId xmlns="" xmlns:a16="http://schemas.microsoft.com/office/drawing/2014/main" id="{5C292BA5-A729-4FFF-85B0-3702B3A4EC3D}"/>
+                <a16:creationId xmlns:a16="http://schemas.microsoft.com/office/drawing/2014/main" xmlns="" id="{5C292BA5-A729-4FFF-85B0-3702B3A4EC3D}"/>
               </a:ext>
             </a:extLst>
           </p:cNvPr>
@@ -21877,7 +21880,7 @@
           <p:cNvPr id="6" name="TextBox 5">
             <a:extLst>
               <a:ext uri="{FF2B5EF4-FFF2-40B4-BE49-F238E27FC236}">
-                <a16:creationId xmlns="" xmlns:a16="http://schemas.microsoft.com/office/drawing/2014/main" id="{CD2A8DE0-B0E7-40FB-9538-60D54401A4F8}"/>
+                <a16:creationId xmlns:a16="http://schemas.microsoft.com/office/drawing/2014/main" xmlns="" id="{CD2A8DE0-B0E7-40FB-9538-60D54401A4F8}"/>
               </a:ext>
             </a:extLst>
           </p:cNvPr>
@@ -21977,7 +21980,7 @@
           <p:cNvPr id="11" name="Picture 10">
             <a:extLst>
               <a:ext uri="{FF2B5EF4-FFF2-40B4-BE49-F238E27FC236}">
-                <a16:creationId xmlns="" xmlns:a16="http://schemas.microsoft.com/office/drawing/2014/main" id="{F6164AE6-B86F-4668-B82E-2CCF243694C5}"/>
+                <a16:creationId xmlns:a16="http://schemas.microsoft.com/office/drawing/2014/main" xmlns="" id="{F6164AE6-B86F-4668-B82E-2CCF243694C5}"/>
               </a:ext>
             </a:extLst>
           </p:cNvPr>
@@ -22007,7 +22010,7 @@
           <p:cNvPr id="18" name="TextBox 17">
             <a:extLst>
               <a:ext uri="{FF2B5EF4-FFF2-40B4-BE49-F238E27FC236}">
-                <a16:creationId xmlns="" xmlns:a16="http://schemas.microsoft.com/office/drawing/2014/main" id="{DDEA07C1-E0BC-44D5-97BC-55487ACFA934}"/>
+                <a16:creationId xmlns:a16="http://schemas.microsoft.com/office/drawing/2014/main" xmlns="" id="{DDEA07C1-E0BC-44D5-97BC-55487ACFA934}"/>
               </a:ext>
             </a:extLst>
           </p:cNvPr>
@@ -22047,7 +22050,7 @@
           <p:cNvPr id="19" name="TextBox 18">
             <a:extLst>
               <a:ext uri="{FF2B5EF4-FFF2-40B4-BE49-F238E27FC236}">
-                <a16:creationId xmlns="" xmlns:a16="http://schemas.microsoft.com/office/drawing/2014/main" id="{DE082C68-9641-440A-83B8-07164C781333}"/>
+                <a16:creationId xmlns:a16="http://schemas.microsoft.com/office/drawing/2014/main" xmlns="" id="{DE082C68-9641-440A-83B8-07164C781333}"/>
               </a:ext>
             </a:extLst>
           </p:cNvPr>
@@ -22102,7 +22105,7 @@
           <p:cNvPr id="20" name="TextBox 19">
             <a:extLst>
               <a:ext uri="{FF2B5EF4-FFF2-40B4-BE49-F238E27FC236}">
-                <a16:creationId xmlns="" xmlns:a16="http://schemas.microsoft.com/office/drawing/2014/main" id="{6DD24C2E-7386-42E5-86E8-6DEC9280B005}"/>
+                <a16:creationId xmlns:a16="http://schemas.microsoft.com/office/drawing/2014/main" xmlns="" id="{6DD24C2E-7386-42E5-86E8-6DEC9280B005}"/>
               </a:ext>
             </a:extLst>
           </p:cNvPr>
@@ -22157,7 +22160,7 @@
           <p:cNvPr id="23" name="Rectangle 22">
             <a:extLst>
               <a:ext uri="{FF2B5EF4-FFF2-40B4-BE49-F238E27FC236}">
-                <a16:creationId xmlns="" xmlns:a16="http://schemas.microsoft.com/office/drawing/2014/main" id="{7E948C6D-3FFA-44C6-BD28-5EB2DEC69A26}"/>
+                <a16:creationId xmlns:a16="http://schemas.microsoft.com/office/drawing/2014/main" xmlns="" id="{7E948C6D-3FFA-44C6-BD28-5EB2DEC69A26}"/>
               </a:ext>
             </a:extLst>
           </p:cNvPr>
@@ -22203,7 +22206,7 @@
           <p:cNvPr id="26" name="Rectangle 25">
             <a:extLst>
               <a:ext uri="{FF2B5EF4-FFF2-40B4-BE49-F238E27FC236}">
-                <a16:creationId xmlns="" xmlns:a16="http://schemas.microsoft.com/office/drawing/2014/main" id="{39CF1CDE-A93F-4AB1-968F-94B2D4449D82}"/>
+                <a16:creationId xmlns:a16="http://schemas.microsoft.com/office/drawing/2014/main" xmlns="" id="{39CF1CDE-A93F-4AB1-968F-94B2D4449D82}"/>
               </a:ext>
             </a:extLst>
           </p:cNvPr>
@@ -22249,7 +22252,7 @@
           <p:cNvPr id="29" name="Rectangle 28">
             <a:extLst>
               <a:ext uri="{FF2B5EF4-FFF2-40B4-BE49-F238E27FC236}">
-                <a16:creationId xmlns="" xmlns:a16="http://schemas.microsoft.com/office/drawing/2014/main" id="{14852D35-E350-44FF-922A-B2A645A7B618}"/>
+                <a16:creationId xmlns:a16="http://schemas.microsoft.com/office/drawing/2014/main" xmlns="" id="{14852D35-E350-44FF-922A-B2A645A7B618}"/>
               </a:ext>
             </a:extLst>
           </p:cNvPr>
@@ -22295,7 +22298,7 @@
           <p:cNvPr id="41" name="Rectangle 40">
             <a:extLst>
               <a:ext uri="{FF2B5EF4-FFF2-40B4-BE49-F238E27FC236}">
-                <a16:creationId xmlns="" xmlns:a16="http://schemas.microsoft.com/office/drawing/2014/main" id="{E81BDFDF-A2C2-47AD-8D90-A0FE79376AA6}"/>
+                <a16:creationId xmlns:a16="http://schemas.microsoft.com/office/drawing/2014/main" xmlns="" id="{E81BDFDF-A2C2-47AD-8D90-A0FE79376AA6}"/>
               </a:ext>
             </a:extLst>
           </p:cNvPr>
@@ -22355,7 +22358,7 @@
           <p:cNvPr id="42" name="Rectangle 41">
             <a:extLst>
               <a:ext uri="{FF2B5EF4-FFF2-40B4-BE49-F238E27FC236}">
-                <a16:creationId xmlns="" xmlns:a16="http://schemas.microsoft.com/office/drawing/2014/main" id="{353BFA1C-32B8-4D02-82DD-D04AE5441E95}"/>
+                <a16:creationId xmlns:a16="http://schemas.microsoft.com/office/drawing/2014/main" xmlns="" id="{353BFA1C-32B8-4D02-82DD-D04AE5441E95}"/>
               </a:ext>
             </a:extLst>
           </p:cNvPr>
@@ -22429,7 +22432,7 @@
           <p:cNvPr id="48" name="TextBox 47">
             <a:extLst>
               <a:ext uri="{FF2B5EF4-FFF2-40B4-BE49-F238E27FC236}">
-                <a16:creationId xmlns="" xmlns:a16="http://schemas.microsoft.com/office/drawing/2014/main" id="{F645AFEA-5815-4FE2-9618-7C86B01C2515}"/>
+                <a16:creationId xmlns:a16="http://schemas.microsoft.com/office/drawing/2014/main" xmlns="" id="{F645AFEA-5815-4FE2-9618-7C86B01C2515}"/>
               </a:ext>
             </a:extLst>
           </p:cNvPr>
@@ -22484,7 +22487,7 @@
           <p:cNvPr id="49" name="Rectangle 48">
             <a:extLst>
               <a:ext uri="{FF2B5EF4-FFF2-40B4-BE49-F238E27FC236}">
-                <a16:creationId xmlns="" xmlns:a16="http://schemas.microsoft.com/office/drawing/2014/main" id="{6BB4A87D-F73C-4006-BF33-C237ABCF2E42}"/>
+                <a16:creationId xmlns:a16="http://schemas.microsoft.com/office/drawing/2014/main" xmlns="" id="{6BB4A87D-F73C-4006-BF33-C237ABCF2E42}"/>
               </a:ext>
             </a:extLst>
           </p:cNvPr>
@@ -22530,7 +22533,7 @@
           <p:cNvPr id="22" name="TextBox 21">
             <a:extLst>
               <a:ext uri="{FF2B5EF4-FFF2-40B4-BE49-F238E27FC236}">
-                <a16:creationId xmlns="" xmlns:a16="http://schemas.microsoft.com/office/drawing/2014/main" id="{2458615F-EDD4-4CB1-8636-7046012BCFC7}"/>
+                <a16:creationId xmlns:a16="http://schemas.microsoft.com/office/drawing/2014/main" xmlns="" id="{2458615F-EDD4-4CB1-8636-7046012BCFC7}"/>
               </a:ext>
             </a:extLst>
           </p:cNvPr>
@@ -22654,7 +22657,7 @@
           <p:cNvPr id="25" name="TextBox 24">
             <a:extLst>
               <a:ext uri="{FF2B5EF4-FFF2-40B4-BE49-F238E27FC236}">
-                <a16:creationId xmlns="" xmlns:a16="http://schemas.microsoft.com/office/drawing/2014/main" id="{D2AE1B74-BAF0-44E9-A1E2-8323FB69F8D2}"/>
+                <a16:creationId xmlns:a16="http://schemas.microsoft.com/office/drawing/2014/main" xmlns="" id="{D2AE1B74-BAF0-44E9-A1E2-8323FB69F8D2}"/>
               </a:ext>
             </a:extLst>
           </p:cNvPr>
@@ -22691,7 +22694,7 @@
           <p:cNvPr id="27" name="Rectangle 26">
             <a:extLst>
               <a:ext uri="{FF2B5EF4-FFF2-40B4-BE49-F238E27FC236}">
-                <a16:creationId xmlns="" xmlns:a16="http://schemas.microsoft.com/office/drawing/2014/main" id="{37977B50-6556-4B94-B1F8-5F92215A0B0C}"/>
+                <a16:creationId xmlns:a16="http://schemas.microsoft.com/office/drawing/2014/main" xmlns="" id="{37977B50-6556-4B94-B1F8-5F92215A0B0C}"/>
               </a:ext>
             </a:extLst>
           </p:cNvPr>
@@ -22737,7 +22740,7 @@
           <p:cNvPr id="28" name="Rectangle 27">
             <a:extLst>
               <a:ext uri="{FF2B5EF4-FFF2-40B4-BE49-F238E27FC236}">
-                <a16:creationId xmlns="" xmlns:a16="http://schemas.microsoft.com/office/drawing/2014/main" id="{26182A3A-E93D-4E7E-9086-70BE570A4FCB}"/>
+                <a16:creationId xmlns:a16="http://schemas.microsoft.com/office/drawing/2014/main" xmlns="" id="{26182A3A-E93D-4E7E-9086-70BE570A4FCB}"/>
               </a:ext>
             </a:extLst>
           </p:cNvPr>
@@ -22791,7 +22794,7 @@
           <p:cNvPr id="30" name="TextBox 29">
             <a:extLst>
               <a:ext uri="{FF2B5EF4-FFF2-40B4-BE49-F238E27FC236}">
-                <a16:creationId xmlns="" xmlns:a16="http://schemas.microsoft.com/office/drawing/2014/main" id="{05601848-AFEC-4027-874E-FE90D21DA0AE}"/>
+                <a16:creationId xmlns:a16="http://schemas.microsoft.com/office/drawing/2014/main" xmlns="" id="{05601848-AFEC-4027-874E-FE90D21DA0AE}"/>
               </a:ext>
             </a:extLst>
           </p:cNvPr>
@@ -22846,7 +22849,7 @@
           <p:cNvPr id="31" name="TextBox 30">
             <a:extLst>
               <a:ext uri="{FF2B5EF4-FFF2-40B4-BE49-F238E27FC236}">
-                <a16:creationId xmlns="" xmlns:a16="http://schemas.microsoft.com/office/drawing/2014/main" id="{10A0C468-71CF-47C9-A47C-BFCA2C6B0AF1}"/>
+                <a16:creationId xmlns:a16="http://schemas.microsoft.com/office/drawing/2014/main" xmlns="" id="{10A0C468-71CF-47C9-A47C-BFCA2C6B0AF1}"/>
               </a:ext>
             </a:extLst>
           </p:cNvPr>
@@ -22913,7 +22916,7 @@
           <p:cNvPr id="21" name="Picture 20">
             <a:extLst>
               <a:ext uri="{FF2B5EF4-FFF2-40B4-BE49-F238E27FC236}">
-                <a16:creationId xmlns="" xmlns:a16="http://schemas.microsoft.com/office/drawing/2014/main" id="{AFEE3E03-059F-4485-BB9B-E7F9A7381F0D}"/>
+                <a16:creationId xmlns:a16="http://schemas.microsoft.com/office/drawing/2014/main" xmlns="" id="{AFEE3E03-059F-4485-BB9B-E7F9A7381F0D}"/>
               </a:ext>
             </a:extLst>
           </p:cNvPr>
@@ -22987,7 +22990,7 @@
           <p:cNvPr id="6" name="TextBox 5">
             <a:extLst>
               <a:ext uri="{FF2B5EF4-FFF2-40B4-BE49-F238E27FC236}">
-                <a16:creationId xmlns="" xmlns:a16="http://schemas.microsoft.com/office/drawing/2014/main" id="{CD2A8DE0-B0E7-40FB-9538-60D54401A4F8}"/>
+                <a16:creationId xmlns:a16="http://schemas.microsoft.com/office/drawing/2014/main" xmlns="" id="{CD2A8DE0-B0E7-40FB-9538-60D54401A4F8}"/>
               </a:ext>
             </a:extLst>
           </p:cNvPr>
@@ -23087,7 +23090,7 @@
           <p:cNvPr id="11" name="Picture 10">
             <a:extLst>
               <a:ext uri="{FF2B5EF4-FFF2-40B4-BE49-F238E27FC236}">
-                <a16:creationId xmlns="" xmlns:a16="http://schemas.microsoft.com/office/drawing/2014/main" id="{F6164AE6-B86F-4668-B82E-2CCF243694C5}"/>
+                <a16:creationId xmlns:a16="http://schemas.microsoft.com/office/drawing/2014/main" xmlns="" id="{F6164AE6-B86F-4668-B82E-2CCF243694C5}"/>
               </a:ext>
             </a:extLst>
           </p:cNvPr>
@@ -23117,7 +23120,7 @@
           <p:cNvPr id="18" name="TextBox 17">
             <a:extLst>
               <a:ext uri="{FF2B5EF4-FFF2-40B4-BE49-F238E27FC236}">
-                <a16:creationId xmlns="" xmlns:a16="http://schemas.microsoft.com/office/drawing/2014/main" id="{DDEA07C1-E0BC-44D5-97BC-55487ACFA934}"/>
+                <a16:creationId xmlns:a16="http://schemas.microsoft.com/office/drawing/2014/main" xmlns="" id="{DDEA07C1-E0BC-44D5-97BC-55487ACFA934}"/>
               </a:ext>
             </a:extLst>
           </p:cNvPr>
@@ -23196,7 +23199,7 @@
           <p:cNvPr id="42" name="Rectangle 41">
             <a:extLst>
               <a:ext uri="{FF2B5EF4-FFF2-40B4-BE49-F238E27FC236}">
-                <a16:creationId xmlns="" xmlns:a16="http://schemas.microsoft.com/office/drawing/2014/main" id="{353BFA1C-32B8-4D02-82DD-D04AE5441E95}"/>
+                <a16:creationId xmlns:a16="http://schemas.microsoft.com/office/drawing/2014/main" xmlns="" id="{353BFA1C-32B8-4D02-82DD-D04AE5441E95}"/>
               </a:ext>
             </a:extLst>
           </p:cNvPr>
@@ -23270,7 +23273,7 @@
           <p:cNvPr id="49" name="Rectangle 48">
             <a:extLst>
               <a:ext uri="{FF2B5EF4-FFF2-40B4-BE49-F238E27FC236}">
-                <a16:creationId xmlns="" xmlns:a16="http://schemas.microsoft.com/office/drawing/2014/main" id="{6BB4A87D-F73C-4006-BF33-C237ABCF2E42}"/>
+                <a16:creationId xmlns:a16="http://schemas.microsoft.com/office/drawing/2014/main" xmlns="" id="{6BB4A87D-F73C-4006-BF33-C237ABCF2E42}"/>
               </a:ext>
             </a:extLst>
           </p:cNvPr>
@@ -23316,7 +23319,7 @@
           <p:cNvPr id="21" name="TextBox 20">
             <a:extLst>
               <a:ext uri="{FF2B5EF4-FFF2-40B4-BE49-F238E27FC236}">
-                <a16:creationId xmlns="" xmlns:a16="http://schemas.microsoft.com/office/drawing/2014/main" id="{4BDFFEA8-D337-4BC0-8DCA-D76392741E23}"/>
+                <a16:creationId xmlns:a16="http://schemas.microsoft.com/office/drawing/2014/main" xmlns="" id="{4BDFFEA8-D337-4BC0-8DCA-D76392741E23}"/>
               </a:ext>
             </a:extLst>
           </p:cNvPr>
@@ -23381,7 +23384,7 @@
           <p:cNvPr id="22" name="TextBox 21">
             <a:extLst>
               <a:ext uri="{FF2B5EF4-FFF2-40B4-BE49-F238E27FC236}">
-                <a16:creationId xmlns="" xmlns:a16="http://schemas.microsoft.com/office/drawing/2014/main" id="{3F6E2C2B-281C-49B5-89F1-ED3726EAF780}"/>
+                <a16:creationId xmlns:a16="http://schemas.microsoft.com/office/drawing/2014/main" xmlns="" id="{3F6E2C2B-281C-49B5-89F1-ED3726EAF780}"/>
               </a:ext>
             </a:extLst>
           </p:cNvPr>
@@ -23442,7 +23445,7 @@
           <p:cNvPr id="34" name="TextBox 33">
             <a:extLst>
               <a:ext uri="{FF2B5EF4-FFF2-40B4-BE49-F238E27FC236}">
-                <a16:creationId xmlns="" xmlns:a16="http://schemas.microsoft.com/office/drawing/2014/main" id="{FCB6013B-D2D1-4736-9A0F-C6999AEC0807}"/>
+                <a16:creationId xmlns:a16="http://schemas.microsoft.com/office/drawing/2014/main" xmlns="" id="{FCB6013B-D2D1-4736-9A0F-C6999AEC0807}"/>
               </a:ext>
             </a:extLst>
           </p:cNvPr>
@@ -23485,7 +23488,7 @@
           <p:cNvPr id="35" name="Rectangle 34">
             <a:extLst>
               <a:ext uri="{FF2B5EF4-FFF2-40B4-BE49-F238E27FC236}">
-                <a16:creationId xmlns="" xmlns:a16="http://schemas.microsoft.com/office/drawing/2014/main" id="{641B9C04-FC45-42E0-8BEC-A540512108B4}"/>
+                <a16:creationId xmlns:a16="http://schemas.microsoft.com/office/drawing/2014/main" xmlns="" id="{641B9C04-FC45-42E0-8BEC-A540512108B4}"/>
               </a:ext>
             </a:extLst>
           </p:cNvPr>
@@ -23531,7 +23534,7 @@
           <p:cNvPr id="36" name="TextBox 35">
             <a:extLst>
               <a:ext uri="{FF2B5EF4-FFF2-40B4-BE49-F238E27FC236}">
-                <a16:creationId xmlns="" xmlns:a16="http://schemas.microsoft.com/office/drawing/2014/main" id="{46AAFE98-E7BB-4ADB-897F-0B40DB41A22D}"/>
+                <a16:creationId xmlns:a16="http://schemas.microsoft.com/office/drawing/2014/main" xmlns="" id="{46AAFE98-E7BB-4ADB-897F-0B40DB41A22D}"/>
               </a:ext>
             </a:extLst>
           </p:cNvPr>
@@ -23586,7 +23589,7 @@
           <p:cNvPr id="37" name="Rectangle 36">
             <a:extLst>
               <a:ext uri="{FF2B5EF4-FFF2-40B4-BE49-F238E27FC236}">
-                <a16:creationId xmlns="" xmlns:a16="http://schemas.microsoft.com/office/drawing/2014/main" id="{35AEE3D0-05A6-41C1-A246-E626445A01A9}"/>
+                <a16:creationId xmlns:a16="http://schemas.microsoft.com/office/drawing/2014/main" xmlns="" id="{35AEE3D0-05A6-41C1-A246-E626445A01A9}"/>
               </a:ext>
             </a:extLst>
           </p:cNvPr>
@@ -23670,7 +23673,7 @@
           <p:cNvPr id="38" name="TextBox 37">
             <a:extLst>
               <a:ext uri="{FF2B5EF4-FFF2-40B4-BE49-F238E27FC236}">
-                <a16:creationId xmlns="" xmlns:a16="http://schemas.microsoft.com/office/drawing/2014/main" id="{F1E935BC-342E-4DED-B95A-AF834CCE5868}"/>
+                <a16:creationId xmlns:a16="http://schemas.microsoft.com/office/drawing/2014/main" xmlns="" id="{F1E935BC-342E-4DED-B95A-AF834CCE5868}"/>
               </a:ext>
             </a:extLst>
           </p:cNvPr>
@@ -23753,7 +23756,7 @@
           <p:cNvPr id="40" name="TextBox 39">
             <a:extLst>
               <a:ext uri="{FF2B5EF4-FFF2-40B4-BE49-F238E27FC236}">
-                <a16:creationId xmlns="" xmlns:a16="http://schemas.microsoft.com/office/drawing/2014/main" id="{362DFC4C-7B64-4E45-BAB6-0D6AE704BF4A}"/>
+                <a16:creationId xmlns:a16="http://schemas.microsoft.com/office/drawing/2014/main" xmlns="" id="{362DFC4C-7B64-4E45-BAB6-0D6AE704BF4A}"/>
               </a:ext>
             </a:extLst>
           </p:cNvPr>
@@ -23808,7 +23811,7 @@
           <p:cNvPr id="45" name="TextBox 44">
             <a:extLst>
               <a:ext uri="{FF2B5EF4-FFF2-40B4-BE49-F238E27FC236}">
-                <a16:creationId xmlns="" xmlns:a16="http://schemas.microsoft.com/office/drawing/2014/main" id="{BEB9BFB6-92D3-4FE6-B447-090767996ED7}"/>
+                <a16:creationId xmlns:a16="http://schemas.microsoft.com/office/drawing/2014/main" xmlns="" id="{BEB9BFB6-92D3-4FE6-B447-090767996ED7}"/>
               </a:ext>
             </a:extLst>
           </p:cNvPr>
@@ -23857,7 +23860,7 @@
           <p:cNvPr id="46" name="Rectangle 45">
             <a:extLst>
               <a:ext uri="{FF2B5EF4-FFF2-40B4-BE49-F238E27FC236}">
-                <a16:creationId xmlns="" xmlns:a16="http://schemas.microsoft.com/office/drawing/2014/main" id="{829A6FC0-BAD4-4FF2-89EE-DAEE1E9CEBF6}"/>
+                <a16:creationId xmlns:a16="http://schemas.microsoft.com/office/drawing/2014/main" xmlns="" id="{829A6FC0-BAD4-4FF2-89EE-DAEE1E9CEBF6}"/>
               </a:ext>
             </a:extLst>
           </p:cNvPr>
@@ -23903,7 +23906,7 @@
           <p:cNvPr id="47" name="Rectangle 46">
             <a:extLst>
               <a:ext uri="{FF2B5EF4-FFF2-40B4-BE49-F238E27FC236}">
-                <a16:creationId xmlns="" xmlns:a16="http://schemas.microsoft.com/office/drawing/2014/main" id="{8159DB57-E520-4FB7-8FC5-35129A01AB2C}"/>
+                <a16:creationId xmlns:a16="http://schemas.microsoft.com/office/drawing/2014/main" xmlns="" id="{8159DB57-E520-4FB7-8FC5-35129A01AB2C}"/>
               </a:ext>
             </a:extLst>
           </p:cNvPr>
@@ -23949,7 +23952,7 @@
           <p:cNvPr id="50" name="TextBox 49">
             <a:extLst>
               <a:ext uri="{FF2B5EF4-FFF2-40B4-BE49-F238E27FC236}">
-                <a16:creationId xmlns="" xmlns:a16="http://schemas.microsoft.com/office/drawing/2014/main" id="{DBF1EB73-7CC8-4B17-A129-7E44D1479735}"/>
+                <a16:creationId xmlns:a16="http://schemas.microsoft.com/office/drawing/2014/main" xmlns="" id="{DBF1EB73-7CC8-4B17-A129-7E44D1479735}"/>
               </a:ext>
             </a:extLst>
           </p:cNvPr>
@@ -24004,7 +24007,7 @@
           <p:cNvPr id="51" name="Rectangle 50">
             <a:extLst>
               <a:ext uri="{FF2B5EF4-FFF2-40B4-BE49-F238E27FC236}">
-                <a16:creationId xmlns="" xmlns:a16="http://schemas.microsoft.com/office/drawing/2014/main" id="{8AF4A862-5198-45B4-9562-839926384826}"/>
+                <a16:creationId xmlns:a16="http://schemas.microsoft.com/office/drawing/2014/main" xmlns="" id="{8AF4A862-5198-45B4-9562-839926384826}"/>
               </a:ext>
             </a:extLst>
           </p:cNvPr>
@@ -24050,7 +24053,7 @@
           <p:cNvPr id="52" name="TextBox 51">
             <a:extLst>
               <a:ext uri="{FF2B5EF4-FFF2-40B4-BE49-F238E27FC236}">
-                <a16:creationId xmlns="" xmlns:a16="http://schemas.microsoft.com/office/drawing/2014/main" id="{D0690CA8-A5D4-4189-BFC1-F726D6EFC49C}"/>
+                <a16:creationId xmlns:a16="http://schemas.microsoft.com/office/drawing/2014/main" xmlns="" id="{D0690CA8-A5D4-4189-BFC1-F726D6EFC49C}"/>
               </a:ext>
             </a:extLst>
           </p:cNvPr>
@@ -24105,7 +24108,7 @@
           <p:cNvPr id="53" name="Rectangle 52">
             <a:extLst>
               <a:ext uri="{FF2B5EF4-FFF2-40B4-BE49-F238E27FC236}">
-                <a16:creationId xmlns="" xmlns:a16="http://schemas.microsoft.com/office/drawing/2014/main" id="{204F543E-2462-4DF1-B28D-57639D2BEE07}"/>
+                <a16:creationId xmlns:a16="http://schemas.microsoft.com/office/drawing/2014/main" xmlns="" id="{204F543E-2462-4DF1-B28D-57639D2BEE07}"/>
               </a:ext>
             </a:extLst>
           </p:cNvPr>
@@ -24151,7 +24154,7 @@
           <p:cNvPr id="30" name="TextBox 29">
             <a:extLst>
               <a:ext uri="{FF2B5EF4-FFF2-40B4-BE49-F238E27FC236}">
-                <a16:creationId xmlns="" xmlns:a16="http://schemas.microsoft.com/office/drawing/2014/main" id="{7BC17DE0-2ECC-45C7-AF4E-4EFD61D76F61}"/>
+                <a16:creationId xmlns:a16="http://schemas.microsoft.com/office/drawing/2014/main" xmlns="" id="{7BC17DE0-2ECC-45C7-AF4E-4EFD61D76F61}"/>
               </a:ext>
             </a:extLst>
           </p:cNvPr>
@@ -24275,7 +24278,7 @@
           <p:cNvPr id="32" name="Rectangle 31">
             <a:extLst>
               <a:ext uri="{FF2B5EF4-FFF2-40B4-BE49-F238E27FC236}">
-                <a16:creationId xmlns="" xmlns:a16="http://schemas.microsoft.com/office/drawing/2014/main" id="{972F606E-97EA-4C73-B693-17053CCA1B1A}"/>
+                <a16:creationId xmlns:a16="http://schemas.microsoft.com/office/drawing/2014/main" xmlns="" id="{972F606E-97EA-4C73-B693-17053CCA1B1A}"/>
               </a:ext>
             </a:extLst>
           </p:cNvPr>
@@ -24329,7 +24332,7 @@
           <p:cNvPr id="17" name="TextBox 16">
             <a:extLst>
               <a:ext uri="{FF2B5EF4-FFF2-40B4-BE49-F238E27FC236}">
-                <a16:creationId xmlns="" xmlns:a16="http://schemas.microsoft.com/office/drawing/2014/main" id="{E74F7379-B503-4B35-946D-61820AE3A953}"/>
+                <a16:creationId xmlns:a16="http://schemas.microsoft.com/office/drawing/2014/main" xmlns="" id="{E74F7379-B503-4B35-946D-61820AE3A953}"/>
               </a:ext>
             </a:extLst>
           </p:cNvPr>
@@ -24384,7 +24387,7 @@
           <p:cNvPr id="14" name="TextBox 13">
             <a:extLst>
               <a:ext uri="{FF2B5EF4-FFF2-40B4-BE49-F238E27FC236}">
-                <a16:creationId xmlns="" xmlns:a16="http://schemas.microsoft.com/office/drawing/2014/main" id="{88CA780A-86AF-4CC5-93C8-9AA542968897}"/>
+                <a16:creationId xmlns:a16="http://schemas.microsoft.com/office/drawing/2014/main" xmlns="" id="{88CA780A-86AF-4CC5-93C8-9AA542968897}"/>
               </a:ext>
             </a:extLst>
           </p:cNvPr>
@@ -24451,7 +24454,7 @@
           <p:cNvPr id="27" name="Picture 26">
             <a:extLst>
               <a:ext uri="{FF2B5EF4-FFF2-40B4-BE49-F238E27FC236}">
-                <a16:creationId xmlns="" xmlns:a16="http://schemas.microsoft.com/office/drawing/2014/main" id="{D6E0915E-A0EB-4F33-BBC4-EC1A86439242}"/>
+                <a16:creationId xmlns:a16="http://schemas.microsoft.com/office/drawing/2014/main" xmlns="" id="{D6E0915E-A0EB-4F33-BBC4-EC1A86439242}"/>
               </a:ext>
             </a:extLst>
           </p:cNvPr>
@@ -24525,7 +24528,7 @@
           <p:cNvPr id="6" name="TextBox 5">
             <a:extLst>
               <a:ext uri="{FF2B5EF4-FFF2-40B4-BE49-F238E27FC236}">
-                <a16:creationId xmlns="" xmlns:a16="http://schemas.microsoft.com/office/drawing/2014/main" id="{CD2A8DE0-B0E7-40FB-9538-60D54401A4F8}"/>
+                <a16:creationId xmlns:a16="http://schemas.microsoft.com/office/drawing/2014/main" xmlns="" id="{CD2A8DE0-B0E7-40FB-9538-60D54401A4F8}"/>
               </a:ext>
             </a:extLst>
           </p:cNvPr>
@@ -24613,7 +24616,7 @@
           <p:cNvPr id="11" name="Picture 10">
             <a:extLst>
               <a:ext uri="{FF2B5EF4-FFF2-40B4-BE49-F238E27FC236}">
-                <a16:creationId xmlns="" xmlns:a16="http://schemas.microsoft.com/office/drawing/2014/main" id="{F6164AE6-B86F-4668-B82E-2CCF243694C5}"/>
+                <a16:creationId xmlns:a16="http://schemas.microsoft.com/office/drawing/2014/main" xmlns="" id="{F6164AE6-B86F-4668-B82E-2CCF243694C5}"/>
               </a:ext>
             </a:extLst>
           </p:cNvPr>
@@ -24643,7 +24646,7 @@
           <p:cNvPr id="43" name="TextBox 42">
             <a:extLst>
               <a:ext uri="{FF2B5EF4-FFF2-40B4-BE49-F238E27FC236}">
-                <a16:creationId xmlns="" xmlns:a16="http://schemas.microsoft.com/office/drawing/2014/main" id="{F43B97D8-23B6-4B2F-AE82-8C0B2E7C3495}"/>
+                <a16:creationId xmlns:a16="http://schemas.microsoft.com/office/drawing/2014/main" xmlns="" id="{F43B97D8-23B6-4B2F-AE82-8C0B2E7C3495}"/>
               </a:ext>
             </a:extLst>
           </p:cNvPr>
@@ -24743,7 +24746,7 @@
           <p:cNvPr id="48" name="Table 3">
             <a:extLst>
               <a:ext uri="{FF2B5EF4-FFF2-40B4-BE49-F238E27FC236}">
-                <a16:creationId xmlns="" xmlns:a16="http://schemas.microsoft.com/office/drawing/2014/main" id="{B059A884-E061-41C0-9D05-E953D19D803E}"/>
+                <a16:creationId xmlns:a16="http://schemas.microsoft.com/office/drawing/2014/main" xmlns="" id="{B059A884-E061-41C0-9D05-E953D19D803E}"/>
               </a:ext>
             </a:extLst>
           </p:cNvPr>
@@ -24772,35 +24775,35 @@
                 <a:gridCol w="1662360">
                   <a:extLst>
                     <a:ext uri="{9D8B030D-6E8A-4147-A177-3AD203B41FA5}">
-                      <a16:colId xmlns="" xmlns:a16="http://schemas.microsoft.com/office/drawing/2014/main" val="3679797539"/>
+                      <a16:colId xmlns:a16="http://schemas.microsoft.com/office/drawing/2014/main" xmlns="" val="3679797539"/>
                     </a:ext>
                   </a:extLst>
                 </a:gridCol>
                 <a:gridCol w="1662360">
                   <a:extLst>
                     <a:ext uri="{9D8B030D-6E8A-4147-A177-3AD203B41FA5}">
-                      <a16:colId xmlns="" xmlns:a16="http://schemas.microsoft.com/office/drawing/2014/main" val="4188008786"/>
+                      <a16:colId xmlns:a16="http://schemas.microsoft.com/office/drawing/2014/main" xmlns="" val="4188008786"/>
                     </a:ext>
                   </a:extLst>
                 </a:gridCol>
                 <a:gridCol w="1662360">
                   <a:extLst>
                     <a:ext uri="{9D8B030D-6E8A-4147-A177-3AD203B41FA5}">
-                      <a16:colId xmlns="" xmlns:a16="http://schemas.microsoft.com/office/drawing/2014/main" val="3214238948"/>
+                      <a16:colId xmlns:a16="http://schemas.microsoft.com/office/drawing/2014/main" xmlns="" val="3214238948"/>
                     </a:ext>
                   </a:extLst>
                 </a:gridCol>
                 <a:gridCol w="1662360">
                   <a:extLst>
                     <a:ext uri="{9D8B030D-6E8A-4147-A177-3AD203B41FA5}">
-                      <a16:colId xmlns="" xmlns:a16="http://schemas.microsoft.com/office/drawing/2014/main" val="4284112643"/>
+                      <a16:colId xmlns:a16="http://schemas.microsoft.com/office/drawing/2014/main" xmlns="" val="4284112643"/>
                     </a:ext>
                   </a:extLst>
                 </a:gridCol>
                 <a:gridCol w="1662360">
                   <a:extLst>
                     <a:ext uri="{9D8B030D-6E8A-4147-A177-3AD203B41FA5}">
-                      <a16:colId xmlns="" xmlns:a16="http://schemas.microsoft.com/office/drawing/2014/main" val="2550577522"/>
+                      <a16:colId xmlns:a16="http://schemas.microsoft.com/office/drawing/2014/main" xmlns="" val="2550577522"/>
                     </a:ext>
                   </a:extLst>
                 </a:gridCol>
@@ -24937,7 +24940,7 @@
                 </a:tc>
                 <a:extLst>
                   <a:ext uri="{0D108BD9-81ED-4DB2-BD59-A6C34878D82A}">
-                    <a16:rowId xmlns="" xmlns:a16="http://schemas.microsoft.com/office/drawing/2014/main" val="652390980"/>
+                    <a16:rowId xmlns:a16="http://schemas.microsoft.com/office/drawing/2014/main" xmlns="" val="652390980"/>
                   </a:ext>
                 </a:extLst>
               </a:tr>
@@ -25047,7 +25050,7 @@
                 </a:tc>
                 <a:extLst>
                   <a:ext uri="{0D108BD9-81ED-4DB2-BD59-A6C34878D82A}">
-                    <a16:rowId xmlns="" xmlns:a16="http://schemas.microsoft.com/office/drawing/2014/main" val="730336656"/>
+                    <a16:rowId xmlns:a16="http://schemas.microsoft.com/office/drawing/2014/main" xmlns="" val="730336656"/>
                   </a:ext>
                 </a:extLst>
               </a:tr>
@@ -25157,7 +25160,7 @@
                 </a:tc>
                 <a:extLst>
                   <a:ext uri="{0D108BD9-81ED-4DB2-BD59-A6C34878D82A}">
-                    <a16:rowId xmlns="" xmlns:a16="http://schemas.microsoft.com/office/drawing/2014/main" val="2897143220"/>
+                    <a16:rowId xmlns:a16="http://schemas.microsoft.com/office/drawing/2014/main" xmlns="" val="2897143220"/>
                   </a:ext>
                 </a:extLst>
               </a:tr>
@@ -25249,7 +25252,7 @@
                 </a:tc>
                 <a:extLst>
                   <a:ext uri="{0D108BD9-81ED-4DB2-BD59-A6C34878D82A}">
-                    <a16:rowId xmlns="" xmlns:a16="http://schemas.microsoft.com/office/drawing/2014/main" val="378457201"/>
+                    <a16:rowId xmlns:a16="http://schemas.microsoft.com/office/drawing/2014/main" xmlns="" val="378457201"/>
                   </a:ext>
                 </a:extLst>
               </a:tr>
@@ -25262,7 +25265,7 @@
           <p:cNvPr id="53" name="TextBox 52">
             <a:extLst>
               <a:ext uri="{FF2B5EF4-FFF2-40B4-BE49-F238E27FC236}">
-                <a16:creationId xmlns="" xmlns:a16="http://schemas.microsoft.com/office/drawing/2014/main" id="{0A81DF9D-3B66-4EB3-B913-764CB1451577}"/>
+                <a16:creationId xmlns:a16="http://schemas.microsoft.com/office/drawing/2014/main" xmlns="" id="{0A81DF9D-3B66-4EB3-B913-764CB1451577}"/>
               </a:ext>
             </a:extLst>
           </p:cNvPr>
@@ -25317,7 +25320,7 @@
           <p:cNvPr id="54" name="TextBox 53">
             <a:extLst>
               <a:ext uri="{FF2B5EF4-FFF2-40B4-BE49-F238E27FC236}">
-                <a16:creationId xmlns="" xmlns:a16="http://schemas.microsoft.com/office/drawing/2014/main" id="{285ED952-B657-4DD6-BD3D-89C78E728766}"/>
+                <a16:creationId xmlns:a16="http://schemas.microsoft.com/office/drawing/2014/main" xmlns="" id="{285ED952-B657-4DD6-BD3D-89C78E728766}"/>
               </a:ext>
             </a:extLst>
           </p:cNvPr>
@@ -25384,7 +25387,7 @@
           <p:cNvPr id="55" name="TextBox 54">
             <a:extLst>
               <a:ext uri="{FF2B5EF4-FFF2-40B4-BE49-F238E27FC236}">
-                <a16:creationId xmlns="" xmlns:a16="http://schemas.microsoft.com/office/drawing/2014/main" id="{0363DA7F-8F5F-4BF3-9734-5D5EF3109253}"/>
+                <a16:creationId xmlns:a16="http://schemas.microsoft.com/office/drawing/2014/main" xmlns="" id="{0363DA7F-8F5F-4BF3-9734-5D5EF3109253}"/>
               </a:ext>
             </a:extLst>
           </p:cNvPr>
@@ -25439,7 +25442,7 @@
           <p:cNvPr id="56" name="TextBox 55">
             <a:extLst>
               <a:ext uri="{FF2B5EF4-FFF2-40B4-BE49-F238E27FC236}">
-                <a16:creationId xmlns="" xmlns:a16="http://schemas.microsoft.com/office/drawing/2014/main" id="{F00E7184-C9B4-4353-86E8-BF6E98915666}"/>
+                <a16:creationId xmlns:a16="http://schemas.microsoft.com/office/drawing/2014/main" xmlns="" id="{F00E7184-C9B4-4353-86E8-BF6E98915666}"/>
               </a:ext>
             </a:extLst>
           </p:cNvPr>
@@ -25476,7 +25479,7 @@
           <p:cNvPr id="57" name="TextBox 56">
             <a:extLst>
               <a:ext uri="{FF2B5EF4-FFF2-40B4-BE49-F238E27FC236}">
-                <a16:creationId xmlns="" xmlns:a16="http://schemas.microsoft.com/office/drawing/2014/main" id="{B09DCD21-9F4F-426E-B731-3FBDA87B9E35}"/>
+                <a16:creationId xmlns:a16="http://schemas.microsoft.com/office/drawing/2014/main" xmlns="" id="{B09DCD21-9F4F-426E-B731-3FBDA87B9E35}"/>
               </a:ext>
             </a:extLst>
           </p:cNvPr>
@@ -25513,7 +25516,7 @@
           <p:cNvPr id="58" name="TextBox 57">
             <a:extLst>
               <a:ext uri="{FF2B5EF4-FFF2-40B4-BE49-F238E27FC236}">
-                <a16:creationId xmlns="" xmlns:a16="http://schemas.microsoft.com/office/drawing/2014/main" id="{CB8F6CBC-464E-4B8C-BD38-219F6D6BAE63}"/>
+                <a16:creationId xmlns:a16="http://schemas.microsoft.com/office/drawing/2014/main" xmlns="" id="{CB8F6CBC-464E-4B8C-BD38-219F6D6BAE63}"/>
               </a:ext>
             </a:extLst>
           </p:cNvPr>
@@ -25553,7 +25556,7 @@
           <p:cNvPr id="20" name="Rectangle 19">
             <a:extLst>
               <a:ext uri="{FF2B5EF4-FFF2-40B4-BE49-F238E27FC236}">
-                <a16:creationId xmlns="" xmlns:a16="http://schemas.microsoft.com/office/drawing/2014/main" id="{B5243046-0B08-483F-B693-57760479CE70}"/>
+                <a16:creationId xmlns:a16="http://schemas.microsoft.com/office/drawing/2014/main" xmlns="" id="{B5243046-0B08-483F-B693-57760479CE70}"/>
               </a:ext>
             </a:extLst>
           </p:cNvPr>
@@ -25607,7 +25610,7 @@
           <p:cNvPr id="21" name="TextBox 20">
             <a:extLst>
               <a:ext uri="{FF2B5EF4-FFF2-40B4-BE49-F238E27FC236}">
-                <a16:creationId xmlns="" xmlns:a16="http://schemas.microsoft.com/office/drawing/2014/main" id="{48ABFA86-7AB5-4D39-956B-991F60D517C2}"/>
+                <a16:creationId xmlns:a16="http://schemas.microsoft.com/office/drawing/2014/main" xmlns="" id="{48ABFA86-7AB5-4D39-956B-991F60D517C2}"/>
               </a:ext>
             </a:extLst>
           </p:cNvPr>
@@ -25662,7 +25665,7 @@
           <p:cNvPr id="24" name="TextBox 23">
             <a:extLst>
               <a:ext uri="{FF2B5EF4-FFF2-40B4-BE49-F238E27FC236}">
-                <a16:creationId xmlns="" xmlns:a16="http://schemas.microsoft.com/office/drawing/2014/main" id="{8EC91563-0742-4234-B324-D1AC181F511C}"/>
+                <a16:creationId xmlns:a16="http://schemas.microsoft.com/office/drawing/2014/main" xmlns="" id="{8EC91563-0742-4234-B324-D1AC181F511C}"/>
               </a:ext>
             </a:extLst>
           </p:cNvPr>
@@ -25729,7 +25732,7 @@
           <p:cNvPr id="18" name="TextBox 17">
             <a:extLst>
               <a:ext uri="{FF2B5EF4-FFF2-40B4-BE49-F238E27FC236}">
-                <a16:creationId xmlns="" xmlns:a16="http://schemas.microsoft.com/office/drawing/2014/main" id="{4AA1BF53-BC7B-40F6-92D8-40F53E3B5C1F}"/>
+                <a16:creationId xmlns:a16="http://schemas.microsoft.com/office/drawing/2014/main" xmlns="" id="{4AA1BF53-BC7B-40F6-92D8-40F53E3B5C1F}"/>
               </a:ext>
             </a:extLst>
           </p:cNvPr>
@@ -25812,7 +25815,7 @@
           <p:cNvPr id="22" name="TextBox 21">
             <a:extLst>
               <a:ext uri="{FF2B5EF4-FFF2-40B4-BE49-F238E27FC236}">
-                <a16:creationId xmlns="" xmlns:a16="http://schemas.microsoft.com/office/drawing/2014/main" id="{6D247830-2565-4644-BF16-8F85EF250857}"/>
+                <a16:creationId xmlns:a16="http://schemas.microsoft.com/office/drawing/2014/main" xmlns="" id="{6D247830-2565-4644-BF16-8F85EF250857}"/>
               </a:ext>
             </a:extLst>
           </p:cNvPr>
@@ -25895,7 +25898,7 @@
           <p:cNvPr id="23" name="Picture 22">
             <a:extLst>
               <a:ext uri="{FF2B5EF4-FFF2-40B4-BE49-F238E27FC236}">
-                <a16:creationId xmlns="" xmlns:a16="http://schemas.microsoft.com/office/drawing/2014/main" id="{C646A48A-F738-43B4-9B1D-67FC4EF2DF4B}"/>
+                <a16:creationId xmlns:a16="http://schemas.microsoft.com/office/drawing/2014/main" xmlns="" id="{C646A48A-F738-43B4-9B1D-67FC4EF2DF4B}"/>
               </a:ext>
             </a:extLst>
           </p:cNvPr>
@@ -25931,7 +25934,7 @@
           <p:cNvPr id="25" name="Rectangle 24">
             <a:extLst>
               <a:ext uri="{FF2B5EF4-FFF2-40B4-BE49-F238E27FC236}">
-                <a16:creationId xmlns="" xmlns:a16="http://schemas.microsoft.com/office/drawing/2014/main" id="{EC213373-7A4E-40B0-8875-BBFE323A15D8}"/>
+                <a16:creationId xmlns:a16="http://schemas.microsoft.com/office/drawing/2014/main" xmlns="" id="{EC213373-7A4E-40B0-8875-BBFE323A15D8}"/>
               </a:ext>
             </a:extLst>
           </p:cNvPr>
@@ -26005,7 +26008,7 @@
           <p:cNvPr id="26" name="Group 25">
             <a:extLst>
               <a:ext uri="{FF2B5EF4-FFF2-40B4-BE49-F238E27FC236}">
-                <a16:creationId xmlns="" xmlns:a16="http://schemas.microsoft.com/office/drawing/2014/main" id="{C7B0FA4C-875E-4B2B-AA0C-41566882B7E2}"/>
+                <a16:creationId xmlns:a16="http://schemas.microsoft.com/office/drawing/2014/main" xmlns="" id="{C7B0FA4C-875E-4B2B-AA0C-41566882B7E2}"/>
               </a:ext>
             </a:extLst>
           </p:cNvPr>
@@ -26025,7 +26028,7 @@
             <p:cNvPr id="27" name="Rectangle 26">
               <a:extLst>
                 <a:ext uri="{FF2B5EF4-FFF2-40B4-BE49-F238E27FC236}">
-                  <a16:creationId xmlns="" xmlns:a16="http://schemas.microsoft.com/office/drawing/2014/main" id="{9969480F-3B74-4CC4-8434-19572E987218}"/>
+                  <a16:creationId xmlns:a16="http://schemas.microsoft.com/office/drawing/2014/main" xmlns="" id="{9969480F-3B74-4CC4-8434-19572E987218}"/>
                 </a:ext>
               </a:extLst>
             </p:cNvPr>
@@ -26103,7 +26106,7 @@
             <p:cNvPr id="28" name="Picture 27">
               <a:extLst>
                 <a:ext uri="{FF2B5EF4-FFF2-40B4-BE49-F238E27FC236}">
-                  <a16:creationId xmlns="" xmlns:a16="http://schemas.microsoft.com/office/drawing/2014/main" id="{203CB132-6C52-4CF5-8E55-A5968F1397A1}"/>
+                  <a16:creationId xmlns:a16="http://schemas.microsoft.com/office/drawing/2014/main" xmlns="" id="{203CB132-6C52-4CF5-8E55-A5968F1397A1}"/>
                 </a:ext>
               </a:extLst>
             </p:cNvPr>
@@ -26178,7 +26181,7 @@
           <p:cNvPr id="6" name="TextBox 5">
             <a:extLst>
               <a:ext uri="{FF2B5EF4-FFF2-40B4-BE49-F238E27FC236}">
-                <a16:creationId xmlns="" xmlns:a16="http://schemas.microsoft.com/office/drawing/2014/main" id="{CD2A8DE0-B0E7-40FB-9538-60D54401A4F8}"/>
+                <a16:creationId xmlns:a16="http://schemas.microsoft.com/office/drawing/2014/main" xmlns="" id="{CD2A8DE0-B0E7-40FB-9538-60D54401A4F8}"/>
               </a:ext>
             </a:extLst>
           </p:cNvPr>
@@ -26271,7 +26274,7 @@
           <p:cNvPr id="11" name="Picture 10">
             <a:extLst>
               <a:ext uri="{FF2B5EF4-FFF2-40B4-BE49-F238E27FC236}">
-                <a16:creationId xmlns="" xmlns:a16="http://schemas.microsoft.com/office/drawing/2014/main" id="{F6164AE6-B86F-4668-B82E-2CCF243694C5}"/>
+                <a16:creationId xmlns:a16="http://schemas.microsoft.com/office/drawing/2014/main" xmlns="" id="{F6164AE6-B86F-4668-B82E-2CCF243694C5}"/>
               </a:ext>
             </a:extLst>
           </p:cNvPr>
@@ -26301,7 +26304,7 @@
           <p:cNvPr id="42" name="Rectangle 41">
             <a:extLst>
               <a:ext uri="{FF2B5EF4-FFF2-40B4-BE49-F238E27FC236}">
-                <a16:creationId xmlns="" xmlns:a16="http://schemas.microsoft.com/office/drawing/2014/main" id="{353BFA1C-32B8-4D02-82DD-D04AE5441E95}"/>
+                <a16:creationId xmlns:a16="http://schemas.microsoft.com/office/drawing/2014/main" xmlns="" id="{353BFA1C-32B8-4D02-82DD-D04AE5441E95}"/>
               </a:ext>
             </a:extLst>
           </p:cNvPr>
@@ -26375,7 +26378,7 @@
           <p:cNvPr id="43" name="TextBox 42">
             <a:extLst>
               <a:ext uri="{FF2B5EF4-FFF2-40B4-BE49-F238E27FC236}">
-                <a16:creationId xmlns="" xmlns:a16="http://schemas.microsoft.com/office/drawing/2014/main" id="{F43B97D8-23B6-4B2F-AE82-8C0B2E7C3495}"/>
+                <a16:creationId xmlns:a16="http://schemas.microsoft.com/office/drawing/2014/main" xmlns="" id="{F43B97D8-23B6-4B2F-AE82-8C0B2E7C3495}"/>
               </a:ext>
             </a:extLst>
           </p:cNvPr>
@@ -26451,7 +26454,7 @@
           <p:cNvPr id="48" name="Table 3">
             <a:extLst>
               <a:ext uri="{FF2B5EF4-FFF2-40B4-BE49-F238E27FC236}">
-                <a16:creationId xmlns="" xmlns:a16="http://schemas.microsoft.com/office/drawing/2014/main" id="{B059A884-E061-41C0-9D05-E953D19D803E}"/>
+                <a16:creationId xmlns:a16="http://schemas.microsoft.com/office/drawing/2014/main" xmlns="" id="{B059A884-E061-41C0-9D05-E953D19D803E}"/>
               </a:ext>
             </a:extLst>
           </p:cNvPr>
@@ -26480,49 +26483,49 @@
                 <a:gridCol w="1512602">
                   <a:extLst>
                     <a:ext uri="{9D8B030D-6E8A-4147-A177-3AD203B41FA5}">
-                      <a16:colId xmlns="" xmlns:a16="http://schemas.microsoft.com/office/drawing/2014/main" val="2205170896"/>
+                      <a16:colId xmlns:a16="http://schemas.microsoft.com/office/drawing/2014/main" xmlns="" val="2205170896"/>
                     </a:ext>
                   </a:extLst>
                 </a:gridCol>
                 <a:gridCol w="684589">
                   <a:extLst>
                     <a:ext uri="{9D8B030D-6E8A-4147-A177-3AD203B41FA5}">
-                      <a16:colId xmlns="" xmlns:a16="http://schemas.microsoft.com/office/drawing/2014/main" val="3679797539"/>
+                      <a16:colId xmlns:a16="http://schemas.microsoft.com/office/drawing/2014/main" xmlns="" val="3679797539"/>
                     </a:ext>
                   </a:extLst>
                 </a:gridCol>
                 <a:gridCol w="1098596">
                   <a:extLst>
                     <a:ext uri="{9D8B030D-6E8A-4147-A177-3AD203B41FA5}">
-                      <a16:colId xmlns="" xmlns:a16="http://schemas.microsoft.com/office/drawing/2014/main" val="2142246052"/>
+                      <a16:colId xmlns:a16="http://schemas.microsoft.com/office/drawing/2014/main" xmlns="" val="2142246052"/>
                     </a:ext>
                   </a:extLst>
                 </a:gridCol>
                 <a:gridCol w="1380822">
                   <a:extLst>
                     <a:ext uri="{9D8B030D-6E8A-4147-A177-3AD203B41FA5}">
-                      <a16:colId xmlns="" xmlns:a16="http://schemas.microsoft.com/office/drawing/2014/main" val="4188008786"/>
+                      <a16:colId xmlns:a16="http://schemas.microsoft.com/office/drawing/2014/main" xmlns="" val="4188008786"/>
                     </a:ext>
                   </a:extLst>
                 </a:gridCol>
                 <a:gridCol w="1657337">
                   <a:extLst>
                     <a:ext uri="{9D8B030D-6E8A-4147-A177-3AD203B41FA5}">
-                      <a16:colId xmlns="" xmlns:a16="http://schemas.microsoft.com/office/drawing/2014/main" val="3214238948"/>
+                      <a16:colId xmlns:a16="http://schemas.microsoft.com/office/drawing/2014/main" xmlns="" val="3214238948"/>
                     </a:ext>
                   </a:extLst>
                 </a:gridCol>
                 <a:gridCol w="1345714">
                   <a:extLst>
                     <a:ext uri="{9D8B030D-6E8A-4147-A177-3AD203B41FA5}">
-                      <a16:colId xmlns="" xmlns:a16="http://schemas.microsoft.com/office/drawing/2014/main" val="4284112643"/>
+                      <a16:colId xmlns:a16="http://schemas.microsoft.com/office/drawing/2014/main" xmlns="" val="4284112643"/>
                     </a:ext>
                   </a:extLst>
                 </a:gridCol>
                 <a:gridCol w="537625">
                   <a:extLst>
                     <a:ext uri="{9D8B030D-6E8A-4147-A177-3AD203B41FA5}">
-                      <a16:colId xmlns="" xmlns:a16="http://schemas.microsoft.com/office/drawing/2014/main" val="4177220187"/>
+                      <a16:colId xmlns:a16="http://schemas.microsoft.com/office/drawing/2014/main" xmlns="" val="4177220187"/>
                     </a:ext>
                   </a:extLst>
                 </a:gridCol>
@@ -26715,7 +26718,7 @@
                 </a:tc>
                 <a:extLst>
                   <a:ext uri="{0D108BD9-81ED-4DB2-BD59-A6C34878D82A}">
-                    <a16:rowId xmlns="" xmlns:a16="http://schemas.microsoft.com/office/drawing/2014/main" val="652390980"/>
+                    <a16:rowId xmlns:a16="http://schemas.microsoft.com/office/drawing/2014/main" xmlns="" val="652390980"/>
                   </a:ext>
                 </a:extLst>
               </a:tr>
@@ -26871,7 +26874,7 @@
                 </a:tc>
                 <a:extLst>
                   <a:ext uri="{0D108BD9-81ED-4DB2-BD59-A6C34878D82A}">
-                    <a16:rowId xmlns="" xmlns:a16="http://schemas.microsoft.com/office/drawing/2014/main" val="730336656"/>
+                    <a16:rowId xmlns:a16="http://schemas.microsoft.com/office/drawing/2014/main" xmlns="" val="730336656"/>
                   </a:ext>
                 </a:extLst>
               </a:tr>
@@ -27027,7 +27030,7 @@
                 </a:tc>
                 <a:extLst>
                   <a:ext uri="{0D108BD9-81ED-4DB2-BD59-A6C34878D82A}">
-                    <a16:rowId xmlns="" xmlns:a16="http://schemas.microsoft.com/office/drawing/2014/main" val="2897143220"/>
+                    <a16:rowId xmlns:a16="http://schemas.microsoft.com/office/drawing/2014/main" xmlns="" val="2897143220"/>
                   </a:ext>
                 </a:extLst>
               </a:tr>
@@ -27153,7 +27156,7 @@
                 </a:tc>
                 <a:extLst>
                   <a:ext uri="{0D108BD9-81ED-4DB2-BD59-A6C34878D82A}">
-                    <a16:rowId xmlns="" xmlns:a16="http://schemas.microsoft.com/office/drawing/2014/main" val="378457201"/>
+                    <a16:rowId xmlns:a16="http://schemas.microsoft.com/office/drawing/2014/main" xmlns="" val="378457201"/>
                   </a:ext>
                 </a:extLst>
               </a:tr>
@@ -27166,7 +27169,7 @@
           <p:cNvPr id="53" name="TextBox 52">
             <a:extLst>
               <a:ext uri="{FF2B5EF4-FFF2-40B4-BE49-F238E27FC236}">
-                <a16:creationId xmlns="" xmlns:a16="http://schemas.microsoft.com/office/drawing/2014/main" id="{0A81DF9D-3B66-4EB3-B913-764CB1451577}"/>
+                <a16:creationId xmlns:a16="http://schemas.microsoft.com/office/drawing/2014/main" xmlns="" id="{0A81DF9D-3B66-4EB3-B913-764CB1451577}"/>
               </a:ext>
             </a:extLst>
           </p:cNvPr>
@@ -27221,7 +27224,7 @@
           <p:cNvPr id="54" name="TextBox 53">
             <a:extLst>
               <a:ext uri="{FF2B5EF4-FFF2-40B4-BE49-F238E27FC236}">
-                <a16:creationId xmlns="" xmlns:a16="http://schemas.microsoft.com/office/drawing/2014/main" id="{285ED952-B657-4DD6-BD3D-89C78E728766}"/>
+                <a16:creationId xmlns:a16="http://schemas.microsoft.com/office/drawing/2014/main" xmlns="" id="{285ED952-B657-4DD6-BD3D-89C78E728766}"/>
               </a:ext>
             </a:extLst>
           </p:cNvPr>
@@ -27276,7 +27279,7 @@
           <p:cNvPr id="55" name="TextBox 54">
             <a:extLst>
               <a:ext uri="{FF2B5EF4-FFF2-40B4-BE49-F238E27FC236}">
-                <a16:creationId xmlns="" xmlns:a16="http://schemas.microsoft.com/office/drawing/2014/main" id="{0363DA7F-8F5F-4BF3-9734-5D5EF3109253}"/>
+                <a16:creationId xmlns:a16="http://schemas.microsoft.com/office/drawing/2014/main" xmlns="" id="{0363DA7F-8F5F-4BF3-9734-5D5EF3109253}"/>
               </a:ext>
             </a:extLst>
           </p:cNvPr>
@@ -27331,7 +27334,7 @@
           <p:cNvPr id="56" name="TextBox 55">
             <a:extLst>
               <a:ext uri="{FF2B5EF4-FFF2-40B4-BE49-F238E27FC236}">
-                <a16:creationId xmlns="" xmlns:a16="http://schemas.microsoft.com/office/drawing/2014/main" id="{F00E7184-C9B4-4353-86E8-BF6E98915666}"/>
+                <a16:creationId xmlns:a16="http://schemas.microsoft.com/office/drawing/2014/main" xmlns="" id="{F00E7184-C9B4-4353-86E8-BF6E98915666}"/>
               </a:ext>
             </a:extLst>
           </p:cNvPr>
@@ -27368,7 +27371,7 @@
           <p:cNvPr id="57" name="TextBox 56">
             <a:extLst>
               <a:ext uri="{FF2B5EF4-FFF2-40B4-BE49-F238E27FC236}">
-                <a16:creationId xmlns="" xmlns:a16="http://schemas.microsoft.com/office/drawing/2014/main" id="{B09DCD21-9F4F-426E-B731-3FBDA87B9E35}"/>
+                <a16:creationId xmlns:a16="http://schemas.microsoft.com/office/drawing/2014/main" xmlns="" id="{B09DCD21-9F4F-426E-B731-3FBDA87B9E35}"/>
               </a:ext>
             </a:extLst>
           </p:cNvPr>
@@ -27405,7 +27408,7 @@
           <p:cNvPr id="18" name="Picture 9" descr="C:\Users\HuyTran\Desktop\WPF project\Pharmacy\Pharmacy_R1\Pharmacy\Pharmacy\Resource\Icons\app icon.png">
             <a:extLst>
               <a:ext uri="{FF2B5EF4-FFF2-40B4-BE49-F238E27FC236}">
-                <a16:creationId xmlns="" xmlns:a16="http://schemas.microsoft.com/office/drawing/2014/main" id="{73E06A25-59E2-44AE-ACF4-CC0E4BBD9F2F}"/>
+                <a16:creationId xmlns:a16="http://schemas.microsoft.com/office/drawing/2014/main" xmlns="" id="{73E06A25-59E2-44AE-ACF4-CC0E4BBD9F2F}"/>
               </a:ext>
             </a:extLst>
           </p:cNvPr>
@@ -27452,7 +27455,7 @@
           <p:cNvPr id="22" name="TextBox 21">
             <a:extLst>
               <a:ext uri="{FF2B5EF4-FFF2-40B4-BE49-F238E27FC236}">
-                <a16:creationId xmlns="" xmlns:a16="http://schemas.microsoft.com/office/drawing/2014/main" id="{DEE513CE-29AD-4183-ADB3-3E880FCC7B04}"/>
+                <a16:creationId xmlns:a16="http://schemas.microsoft.com/office/drawing/2014/main" xmlns="" id="{DEE513CE-29AD-4183-ADB3-3E880FCC7B04}"/>
               </a:ext>
             </a:extLst>
           </p:cNvPr>
@@ -27495,7 +27498,7 @@
           <p:cNvPr id="25" name="Rectangle 24">
             <a:extLst>
               <a:ext uri="{FF2B5EF4-FFF2-40B4-BE49-F238E27FC236}">
-                <a16:creationId xmlns="" xmlns:a16="http://schemas.microsoft.com/office/drawing/2014/main" id="{B32E5649-6D3F-4A89-9541-FC848823689D}"/>
+                <a16:creationId xmlns:a16="http://schemas.microsoft.com/office/drawing/2014/main" xmlns="" id="{B32E5649-6D3F-4A89-9541-FC848823689D}"/>
               </a:ext>
             </a:extLst>
           </p:cNvPr>
@@ -27541,7 +27544,7 @@
           <p:cNvPr id="27" name="Rectangle 26">
             <a:extLst>
               <a:ext uri="{FF2B5EF4-FFF2-40B4-BE49-F238E27FC236}">
-                <a16:creationId xmlns="" xmlns:a16="http://schemas.microsoft.com/office/drawing/2014/main" id="{144145E3-8466-4612-8478-3C34ED5354C8}"/>
+                <a16:creationId xmlns:a16="http://schemas.microsoft.com/office/drawing/2014/main" xmlns="" id="{144145E3-8466-4612-8478-3C34ED5354C8}"/>
               </a:ext>
             </a:extLst>
           </p:cNvPr>
@@ -27637,7 +27640,7 @@
           <p:cNvPr id="28" name="TextBox 27">
             <a:extLst>
               <a:ext uri="{FF2B5EF4-FFF2-40B4-BE49-F238E27FC236}">
-                <a16:creationId xmlns="" xmlns:a16="http://schemas.microsoft.com/office/drawing/2014/main" id="{FA4E3A6A-0686-4E38-92E9-4B1F61014D92}"/>
+                <a16:creationId xmlns:a16="http://schemas.microsoft.com/office/drawing/2014/main" xmlns="" id="{FA4E3A6A-0686-4E38-92E9-4B1F61014D92}"/>
               </a:ext>
             </a:extLst>
           </p:cNvPr>
@@ -27677,7 +27680,7 @@
           <p:cNvPr id="31" name="TextBox 30">
             <a:extLst>
               <a:ext uri="{FF2B5EF4-FFF2-40B4-BE49-F238E27FC236}">
-                <a16:creationId xmlns="" xmlns:a16="http://schemas.microsoft.com/office/drawing/2014/main" id="{76C2072E-784E-4345-9C4B-8EC3B9D3772E}"/>
+                <a16:creationId xmlns:a16="http://schemas.microsoft.com/office/drawing/2014/main" xmlns="" id="{76C2072E-784E-4345-9C4B-8EC3B9D3772E}"/>
               </a:ext>
             </a:extLst>
           </p:cNvPr>
@@ -27733,7 +27736,7 @@
           <p:cNvPr id="32" name="Rectangle 31">
             <a:extLst>
               <a:ext uri="{FF2B5EF4-FFF2-40B4-BE49-F238E27FC236}">
-                <a16:creationId xmlns="" xmlns:a16="http://schemas.microsoft.com/office/drawing/2014/main" id="{13FE3164-72A7-41C4-A2A0-749029D47117}"/>
+                <a16:creationId xmlns:a16="http://schemas.microsoft.com/office/drawing/2014/main" xmlns="" id="{13FE3164-72A7-41C4-A2A0-749029D47117}"/>
               </a:ext>
             </a:extLst>
           </p:cNvPr>
@@ -27779,7 +27782,7 @@
           <p:cNvPr id="33" name="TextBox 32">
             <a:extLst>
               <a:ext uri="{FF2B5EF4-FFF2-40B4-BE49-F238E27FC236}">
-                <a16:creationId xmlns="" xmlns:a16="http://schemas.microsoft.com/office/drawing/2014/main" id="{BE12D3AC-4EBB-40A4-9080-A584002F695D}"/>
+                <a16:creationId xmlns:a16="http://schemas.microsoft.com/office/drawing/2014/main" xmlns="" id="{BE12D3AC-4EBB-40A4-9080-A584002F695D}"/>
               </a:ext>
             </a:extLst>
           </p:cNvPr>
@@ -27834,7 +27837,7 @@
           <p:cNvPr id="34" name="Rectangle 33">
             <a:extLst>
               <a:ext uri="{FF2B5EF4-FFF2-40B4-BE49-F238E27FC236}">
-                <a16:creationId xmlns="" xmlns:a16="http://schemas.microsoft.com/office/drawing/2014/main" id="{C99A3D83-EC2F-4FA2-94E1-43A7EB4F5D13}"/>
+                <a16:creationId xmlns:a16="http://schemas.microsoft.com/office/drawing/2014/main" xmlns="" id="{C99A3D83-EC2F-4FA2-94E1-43A7EB4F5D13}"/>
               </a:ext>
             </a:extLst>
           </p:cNvPr>
@@ -27880,7 +27883,7 @@
           <p:cNvPr id="37" name="Rectangle: Rounded Corners 36">
             <a:extLst>
               <a:ext uri="{FF2B5EF4-FFF2-40B4-BE49-F238E27FC236}">
-                <a16:creationId xmlns="" xmlns:a16="http://schemas.microsoft.com/office/drawing/2014/main" id="{6B2FAAB8-50B8-4C46-A0DD-C3E697AA15A6}"/>
+                <a16:creationId xmlns:a16="http://schemas.microsoft.com/office/drawing/2014/main" xmlns="" id="{6B2FAAB8-50B8-4C46-A0DD-C3E697AA15A6}"/>
               </a:ext>
             </a:extLst>
           </p:cNvPr>
@@ -27927,7 +27930,7 @@
           <p:cNvPr id="40" name="TextBox 39">
             <a:extLst>
               <a:ext uri="{FF2B5EF4-FFF2-40B4-BE49-F238E27FC236}">
-                <a16:creationId xmlns="" xmlns:a16="http://schemas.microsoft.com/office/drawing/2014/main" id="{463395D7-BD58-445A-949D-EE60B595666A}"/>
+                <a16:creationId xmlns:a16="http://schemas.microsoft.com/office/drawing/2014/main" xmlns="" id="{463395D7-BD58-445A-949D-EE60B595666A}"/>
               </a:ext>
             </a:extLst>
           </p:cNvPr>
@@ -28018,7 +28021,7 @@
           <p:cNvPr id="45" name="Picture 44">
             <a:extLst>
               <a:ext uri="{FF2B5EF4-FFF2-40B4-BE49-F238E27FC236}">
-                <a16:creationId xmlns="" xmlns:a16="http://schemas.microsoft.com/office/drawing/2014/main" id="{F743E24F-D57F-40F0-BDC3-0E55A4D4E3F8}"/>
+                <a16:creationId xmlns:a16="http://schemas.microsoft.com/office/drawing/2014/main" xmlns="" id="{F743E24F-D57F-40F0-BDC3-0E55A4D4E3F8}"/>
               </a:ext>
             </a:extLst>
           </p:cNvPr>
@@ -28054,7 +28057,7 @@
           <p:cNvPr id="46" name="Picture 45">
             <a:extLst>
               <a:ext uri="{FF2B5EF4-FFF2-40B4-BE49-F238E27FC236}">
-                <a16:creationId xmlns="" xmlns:a16="http://schemas.microsoft.com/office/drawing/2014/main" id="{F34AFE7F-723E-4AC7-8215-5053D4C5418C}"/>
+                <a16:creationId xmlns:a16="http://schemas.microsoft.com/office/drawing/2014/main" xmlns="" id="{F34AFE7F-723E-4AC7-8215-5053D4C5418C}"/>
               </a:ext>
             </a:extLst>
           </p:cNvPr>
@@ -28090,7 +28093,7 @@
           <p:cNvPr id="49" name="TextBox 48">
             <a:extLst>
               <a:ext uri="{FF2B5EF4-FFF2-40B4-BE49-F238E27FC236}">
-                <a16:creationId xmlns="" xmlns:a16="http://schemas.microsoft.com/office/drawing/2014/main" id="{C2F4089A-58B5-4764-9670-B99EABB02D07}"/>
+                <a16:creationId xmlns:a16="http://schemas.microsoft.com/office/drawing/2014/main" xmlns="" id="{C2F4089A-58B5-4764-9670-B99EABB02D07}"/>
               </a:ext>
             </a:extLst>
           </p:cNvPr>
@@ -28145,7 +28148,7 @@
           <p:cNvPr id="50" name="TextBox 49">
             <a:extLst>
               <a:ext uri="{FF2B5EF4-FFF2-40B4-BE49-F238E27FC236}">
-                <a16:creationId xmlns="" xmlns:a16="http://schemas.microsoft.com/office/drawing/2014/main" id="{D0F4F5EA-5E5C-416F-986A-40FF06772027}"/>
+                <a16:creationId xmlns:a16="http://schemas.microsoft.com/office/drawing/2014/main" xmlns="" id="{D0F4F5EA-5E5C-416F-986A-40FF06772027}"/>
               </a:ext>
             </a:extLst>
           </p:cNvPr>
@@ -28200,7 +28203,7 @@
           <p:cNvPr id="51" name="TextBox 50">
             <a:extLst>
               <a:ext uri="{FF2B5EF4-FFF2-40B4-BE49-F238E27FC236}">
-                <a16:creationId xmlns="" xmlns:a16="http://schemas.microsoft.com/office/drawing/2014/main" id="{87645D2B-C1C4-4E84-885C-2AB6F05FF04A}"/>
+                <a16:creationId xmlns:a16="http://schemas.microsoft.com/office/drawing/2014/main" xmlns="" id="{87645D2B-C1C4-4E84-885C-2AB6F05FF04A}"/>
               </a:ext>
             </a:extLst>
           </p:cNvPr>
@@ -28237,7 +28240,7 @@
           <p:cNvPr id="52" name="TextBox 51">
             <a:extLst>
               <a:ext uri="{FF2B5EF4-FFF2-40B4-BE49-F238E27FC236}">
-                <a16:creationId xmlns="" xmlns:a16="http://schemas.microsoft.com/office/drawing/2014/main" id="{3D8F60B0-6609-461F-8DB7-DC664D4EAE89}"/>
+                <a16:creationId xmlns:a16="http://schemas.microsoft.com/office/drawing/2014/main" xmlns="" id="{3D8F60B0-6609-461F-8DB7-DC664D4EAE89}"/>
               </a:ext>
             </a:extLst>
           </p:cNvPr>
@@ -28274,7 +28277,7 @@
           <p:cNvPr id="60" name="Rectangle 59">
             <a:extLst>
               <a:ext uri="{FF2B5EF4-FFF2-40B4-BE49-F238E27FC236}">
-                <a16:creationId xmlns="" xmlns:a16="http://schemas.microsoft.com/office/drawing/2014/main" id="{5873DF57-4E7A-4756-9C46-507DB6BE5F79}"/>
+                <a16:creationId xmlns:a16="http://schemas.microsoft.com/office/drawing/2014/main" xmlns="" id="{5873DF57-4E7A-4756-9C46-507DB6BE5F79}"/>
               </a:ext>
             </a:extLst>
           </p:cNvPr>
@@ -28320,7 +28323,7 @@
           <p:cNvPr id="61" name="TextBox 60">
             <a:extLst>
               <a:ext uri="{FF2B5EF4-FFF2-40B4-BE49-F238E27FC236}">
-                <a16:creationId xmlns="" xmlns:a16="http://schemas.microsoft.com/office/drawing/2014/main" id="{AB7A2275-3A78-4F02-BC15-060236729553}"/>
+                <a16:creationId xmlns:a16="http://schemas.microsoft.com/office/drawing/2014/main" xmlns="" id="{AB7A2275-3A78-4F02-BC15-060236729553}"/>
               </a:ext>
             </a:extLst>
           </p:cNvPr>
@@ -28375,7 +28378,7 @@
           <p:cNvPr id="62" name="Rectangle 61">
             <a:extLst>
               <a:ext uri="{FF2B5EF4-FFF2-40B4-BE49-F238E27FC236}">
-                <a16:creationId xmlns="" xmlns:a16="http://schemas.microsoft.com/office/drawing/2014/main" id="{2975F9AD-5639-41AB-98F4-000F7727A8E2}"/>
+                <a16:creationId xmlns:a16="http://schemas.microsoft.com/office/drawing/2014/main" xmlns="" id="{2975F9AD-5639-41AB-98F4-000F7727A8E2}"/>
               </a:ext>
             </a:extLst>
           </p:cNvPr>
@@ -28421,7 +28424,7 @@
           <p:cNvPr id="63" name="TextBox 62">
             <a:extLst>
               <a:ext uri="{FF2B5EF4-FFF2-40B4-BE49-F238E27FC236}">
-                <a16:creationId xmlns="" xmlns:a16="http://schemas.microsoft.com/office/drawing/2014/main" id="{B582E5B7-E87C-48C5-AC0E-102B92901134}"/>
+                <a16:creationId xmlns:a16="http://schemas.microsoft.com/office/drawing/2014/main" xmlns="" id="{B582E5B7-E87C-48C5-AC0E-102B92901134}"/>
               </a:ext>
             </a:extLst>
           </p:cNvPr>
@@ -28476,7 +28479,7 @@
           <p:cNvPr id="64" name="Rectangle 63">
             <a:extLst>
               <a:ext uri="{FF2B5EF4-FFF2-40B4-BE49-F238E27FC236}">
-                <a16:creationId xmlns="" xmlns:a16="http://schemas.microsoft.com/office/drawing/2014/main" id="{9432B22F-F23E-4634-8D68-13C303BAA278}"/>
+                <a16:creationId xmlns:a16="http://schemas.microsoft.com/office/drawing/2014/main" xmlns="" id="{9432B22F-F23E-4634-8D68-13C303BAA278}"/>
               </a:ext>
             </a:extLst>
           </p:cNvPr>
@@ -28522,7 +28525,7 @@
           <p:cNvPr id="2" name="Rectangle 1">
             <a:extLst>
               <a:ext uri="{FF2B5EF4-FFF2-40B4-BE49-F238E27FC236}">
-                <a16:creationId xmlns="" xmlns:a16="http://schemas.microsoft.com/office/drawing/2014/main" id="{90496632-D7E2-414C-BB42-E62FF6828367}"/>
+                <a16:creationId xmlns:a16="http://schemas.microsoft.com/office/drawing/2014/main" xmlns="" id="{90496632-D7E2-414C-BB42-E62FF6828367}"/>
               </a:ext>
             </a:extLst>
           </p:cNvPr>
@@ -28574,7 +28577,7 @@
           <p:cNvPr id="65" name="TextBox 64">
             <a:extLst>
               <a:ext uri="{FF2B5EF4-FFF2-40B4-BE49-F238E27FC236}">
-                <a16:creationId xmlns="" xmlns:a16="http://schemas.microsoft.com/office/drawing/2014/main" id="{E020F078-6363-4168-BDF0-C6BC9924A81B}"/>
+                <a16:creationId xmlns:a16="http://schemas.microsoft.com/office/drawing/2014/main" xmlns="" id="{E020F078-6363-4168-BDF0-C6BC9924A81B}"/>
               </a:ext>
             </a:extLst>
           </p:cNvPr>
@@ -28631,7 +28634,7 @@
           <p:cNvPr id="66" name="Rectangle 65">
             <a:extLst>
               <a:ext uri="{FF2B5EF4-FFF2-40B4-BE49-F238E27FC236}">
-                <a16:creationId xmlns="" xmlns:a16="http://schemas.microsoft.com/office/drawing/2014/main" id="{0A5A2BC3-56F9-4839-BA83-BC03A40A9FB1}"/>
+                <a16:creationId xmlns:a16="http://schemas.microsoft.com/office/drawing/2014/main" xmlns="" id="{0A5A2BC3-56F9-4839-BA83-BC03A40A9FB1}"/>
               </a:ext>
             </a:extLst>
           </p:cNvPr>
@@ -28683,7 +28686,7 @@
           <p:cNvPr id="67" name="TextBox 66">
             <a:extLst>
               <a:ext uri="{FF2B5EF4-FFF2-40B4-BE49-F238E27FC236}">
-                <a16:creationId xmlns="" xmlns:a16="http://schemas.microsoft.com/office/drawing/2014/main" id="{D0CB97D5-2234-4E2B-B16E-4BBD3437F38A}"/>
+                <a16:creationId xmlns:a16="http://schemas.microsoft.com/office/drawing/2014/main" xmlns="" id="{D0CB97D5-2234-4E2B-B16E-4BBD3437F38A}"/>
               </a:ext>
             </a:extLst>
           </p:cNvPr>
@@ -28740,7 +28743,7 @@
           <p:cNvPr id="38" name="TextBox 37">
             <a:extLst>
               <a:ext uri="{FF2B5EF4-FFF2-40B4-BE49-F238E27FC236}">
-                <a16:creationId xmlns="" xmlns:a16="http://schemas.microsoft.com/office/drawing/2014/main" id="{EE2A1E57-244A-4822-9A8D-AFCD97CEB42B}"/>
+                <a16:creationId xmlns:a16="http://schemas.microsoft.com/office/drawing/2014/main" xmlns="" id="{EE2A1E57-244A-4822-9A8D-AFCD97CEB42B}"/>
               </a:ext>
             </a:extLst>
           </p:cNvPr>
@@ -28796,7 +28799,7 @@
           <p:cNvPr id="39" name="Rectangle 38">
             <a:extLst>
               <a:ext uri="{FF2B5EF4-FFF2-40B4-BE49-F238E27FC236}">
-                <a16:creationId xmlns="" xmlns:a16="http://schemas.microsoft.com/office/drawing/2014/main" id="{7AF9FC0F-1532-4C9F-85BE-382BBEB8A2DB}"/>
+                <a16:creationId xmlns:a16="http://schemas.microsoft.com/office/drawing/2014/main" xmlns="" id="{7AF9FC0F-1532-4C9F-85BE-382BBEB8A2DB}"/>
               </a:ext>
             </a:extLst>
           </p:cNvPr>
@@ -28880,7 +28883,7 @@
           <p:cNvPr id="6" name="TextBox 5">
             <a:extLst>
               <a:ext uri="{FF2B5EF4-FFF2-40B4-BE49-F238E27FC236}">
-                <a16:creationId xmlns="" xmlns:a16="http://schemas.microsoft.com/office/drawing/2014/main" id="{CD2A8DE0-B0E7-40FB-9538-60D54401A4F8}"/>
+                <a16:creationId xmlns:a16="http://schemas.microsoft.com/office/drawing/2014/main" xmlns="" id="{CD2A8DE0-B0E7-40FB-9538-60D54401A4F8}"/>
               </a:ext>
             </a:extLst>
           </p:cNvPr>
@@ -28991,7 +28994,7 @@
           <p:cNvPr id="11" name="Picture 10">
             <a:extLst>
               <a:ext uri="{FF2B5EF4-FFF2-40B4-BE49-F238E27FC236}">
-                <a16:creationId xmlns="" xmlns:a16="http://schemas.microsoft.com/office/drawing/2014/main" id="{F6164AE6-B86F-4668-B82E-2CCF243694C5}"/>
+                <a16:creationId xmlns:a16="http://schemas.microsoft.com/office/drawing/2014/main" xmlns="" id="{F6164AE6-B86F-4668-B82E-2CCF243694C5}"/>
               </a:ext>
             </a:extLst>
           </p:cNvPr>
@@ -29021,7 +29024,7 @@
           <p:cNvPr id="43" name="TextBox 42">
             <a:extLst>
               <a:ext uri="{FF2B5EF4-FFF2-40B4-BE49-F238E27FC236}">
-                <a16:creationId xmlns="" xmlns:a16="http://schemas.microsoft.com/office/drawing/2014/main" id="{F43B97D8-23B6-4B2F-AE82-8C0B2E7C3495}"/>
+                <a16:creationId xmlns:a16="http://schemas.microsoft.com/office/drawing/2014/main" xmlns="" id="{F43B97D8-23B6-4B2F-AE82-8C0B2E7C3495}"/>
               </a:ext>
             </a:extLst>
           </p:cNvPr>
@@ -29145,7 +29148,7 @@
           <p:cNvPr id="41" name="Table 3">
             <a:extLst>
               <a:ext uri="{FF2B5EF4-FFF2-40B4-BE49-F238E27FC236}">
-                <a16:creationId xmlns="" xmlns:a16="http://schemas.microsoft.com/office/drawing/2014/main" id="{995E6F81-12C9-4445-97C2-C8DA4F46028F}"/>
+                <a16:creationId xmlns:a16="http://schemas.microsoft.com/office/drawing/2014/main" xmlns="" id="{995E6F81-12C9-4445-97C2-C8DA4F46028F}"/>
               </a:ext>
             </a:extLst>
           </p:cNvPr>
@@ -29174,35 +29177,35 @@
                 <a:gridCol w="1397116">
                   <a:extLst>
                     <a:ext uri="{9D8B030D-6E8A-4147-A177-3AD203B41FA5}">
-                      <a16:colId xmlns="" xmlns:a16="http://schemas.microsoft.com/office/drawing/2014/main" val="3679797539"/>
+                      <a16:colId xmlns:a16="http://schemas.microsoft.com/office/drawing/2014/main" xmlns="" val="3679797539"/>
                     </a:ext>
                   </a:extLst>
                 </a:gridCol>
                 <a:gridCol w="1397116">
                   <a:extLst>
                     <a:ext uri="{9D8B030D-6E8A-4147-A177-3AD203B41FA5}">
-                      <a16:colId xmlns="" xmlns:a16="http://schemas.microsoft.com/office/drawing/2014/main" val="4188008786"/>
+                      <a16:colId xmlns:a16="http://schemas.microsoft.com/office/drawing/2014/main" xmlns="" val="4188008786"/>
                     </a:ext>
                   </a:extLst>
                 </a:gridCol>
                 <a:gridCol w="2643435">
                   <a:extLst>
                     <a:ext uri="{9D8B030D-6E8A-4147-A177-3AD203B41FA5}">
-                      <a16:colId xmlns="" xmlns:a16="http://schemas.microsoft.com/office/drawing/2014/main" val="240713644"/>
+                      <a16:colId xmlns:a16="http://schemas.microsoft.com/office/drawing/2014/main" xmlns="" val="240713644"/>
                     </a:ext>
                   </a:extLst>
                 </a:gridCol>
                 <a:gridCol w="1283731">
                   <a:extLst>
                     <a:ext uri="{9D8B030D-6E8A-4147-A177-3AD203B41FA5}">
-                      <a16:colId xmlns="" xmlns:a16="http://schemas.microsoft.com/office/drawing/2014/main" val="3214238948"/>
+                      <a16:colId xmlns:a16="http://schemas.microsoft.com/office/drawing/2014/main" xmlns="" val="3214238948"/>
                     </a:ext>
                   </a:extLst>
                 </a:gridCol>
                 <a:gridCol w="1661298">
                   <a:extLst>
                     <a:ext uri="{9D8B030D-6E8A-4147-A177-3AD203B41FA5}">
-                      <a16:colId xmlns="" xmlns:a16="http://schemas.microsoft.com/office/drawing/2014/main" val="1291486487"/>
+                      <a16:colId xmlns:a16="http://schemas.microsoft.com/office/drawing/2014/main" xmlns="" val="1291486487"/>
                     </a:ext>
                   </a:extLst>
                 </a:gridCol>
@@ -29351,7 +29354,7 @@
                 </a:tc>
                 <a:extLst>
                   <a:ext uri="{0D108BD9-81ED-4DB2-BD59-A6C34878D82A}">
-                    <a16:rowId xmlns="" xmlns:a16="http://schemas.microsoft.com/office/drawing/2014/main" val="652390980"/>
+                    <a16:rowId xmlns:a16="http://schemas.microsoft.com/office/drawing/2014/main" xmlns="" val="652390980"/>
                   </a:ext>
                 </a:extLst>
               </a:tr>
@@ -29481,7 +29484,7 @@
                 </a:tc>
                 <a:extLst>
                   <a:ext uri="{0D108BD9-81ED-4DB2-BD59-A6C34878D82A}">
-                    <a16:rowId xmlns="" xmlns:a16="http://schemas.microsoft.com/office/drawing/2014/main" val="730336656"/>
+                    <a16:rowId xmlns:a16="http://schemas.microsoft.com/office/drawing/2014/main" xmlns="" val="730336656"/>
                   </a:ext>
                 </a:extLst>
               </a:tr>
@@ -29659,7 +29662,7 @@
                 </a:tc>
                 <a:extLst>
                   <a:ext uri="{0D108BD9-81ED-4DB2-BD59-A6C34878D82A}">
-                    <a16:rowId xmlns="" xmlns:a16="http://schemas.microsoft.com/office/drawing/2014/main" val="2897143220"/>
+                    <a16:rowId xmlns:a16="http://schemas.microsoft.com/office/drawing/2014/main" xmlns="" val="2897143220"/>
                   </a:ext>
                 </a:extLst>
               </a:tr>
@@ -29672,7 +29675,7 @@
           <p:cNvPr id="44" name="Picture 43">
             <a:extLst>
               <a:ext uri="{FF2B5EF4-FFF2-40B4-BE49-F238E27FC236}">
-                <a16:creationId xmlns="" xmlns:a16="http://schemas.microsoft.com/office/drawing/2014/main" id="{E8F2500A-7FEF-4C34-9318-5BBA44B9C7EE}"/>
+                <a16:creationId xmlns:a16="http://schemas.microsoft.com/office/drawing/2014/main" xmlns="" id="{E8F2500A-7FEF-4C34-9318-5BBA44B9C7EE}"/>
               </a:ext>
             </a:extLst>
           </p:cNvPr>
@@ -29707,7 +29710,7 @@
           <p:cNvPr id="47" name="Picture 46">
             <a:extLst>
               <a:ext uri="{FF2B5EF4-FFF2-40B4-BE49-F238E27FC236}">
-                <a16:creationId xmlns="" xmlns:a16="http://schemas.microsoft.com/office/drawing/2014/main" id="{6A95477A-CFEF-4433-9481-BDB8CE7372F9}"/>
+                <a16:creationId xmlns:a16="http://schemas.microsoft.com/office/drawing/2014/main" xmlns="" id="{6A95477A-CFEF-4433-9481-BDB8CE7372F9}"/>
               </a:ext>
             </a:extLst>
           </p:cNvPr>
@@ -29743,7 +29746,7 @@
           <p:cNvPr id="58" name="TextBox 57">
             <a:extLst>
               <a:ext uri="{FF2B5EF4-FFF2-40B4-BE49-F238E27FC236}">
-                <a16:creationId xmlns="" xmlns:a16="http://schemas.microsoft.com/office/drawing/2014/main" id="{21306075-217C-4E77-89ED-9D0503261CA8}"/>
+                <a16:creationId xmlns:a16="http://schemas.microsoft.com/office/drawing/2014/main" xmlns="" id="{21306075-217C-4E77-89ED-9D0503261CA8}"/>
               </a:ext>
             </a:extLst>
           </p:cNvPr>
@@ -29799,7 +29802,7 @@
           <p:cNvPr id="59" name="Rectangle 58">
             <a:extLst>
               <a:ext uri="{FF2B5EF4-FFF2-40B4-BE49-F238E27FC236}">
-                <a16:creationId xmlns="" xmlns:a16="http://schemas.microsoft.com/office/drawing/2014/main" id="{8D045116-D39B-4FEF-AD2E-F95906BA7D63}"/>
+                <a16:creationId xmlns:a16="http://schemas.microsoft.com/office/drawing/2014/main" xmlns="" id="{8D045116-D39B-4FEF-AD2E-F95906BA7D63}"/>
               </a:ext>
             </a:extLst>
           </p:cNvPr>
@@ -29845,7 +29848,7 @@
           <p:cNvPr id="68" name="Picture 67">
             <a:extLst>
               <a:ext uri="{FF2B5EF4-FFF2-40B4-BE49-F238E27FC236}">
-                <a16:creationId xmlns="" xmlns:a16="http://schemas.microsoft.com/office/drawing/2014/main" id="{5A832714-A0D7-42F8-B326-727D02E5920A}"/>
+                <a16:creationId xmlns:a16="http://schemas.microsoft.com/office/drawing/2014/main" xmlns="" id="{5A832714-A0D7-42F8-B326-727D02E5920A}"/>
               </a:ext>
             </a:extLst>
           </p:cNvPr>
@@ -29880,7 +29883,7 @@
           <p:cNvPr id="69" name="Picture 68">
             <a:extLst>
               <a:ext uri="{FF2B5EF4-FFF2-40B4-BE49-F238E27FC236}">
-                <a16:creationId xmlns="" xmlns:a16="http://schemas.microsoft.com/office/drawing/2014/main" id="{215FECDF-36BB-4530-9C84-D563FBCA6F25}"/>
+                <a16:creationId xmlns:a16="http://schemas.microsoft.com/office/drawing/2014/main" xmlns="" id="{215FECDF-36BB-4530-9C84-D563FBCA6F25}"/>
               </a:ext>
             </a:extLst>
           </p:cNvPr>
@@ -29916,7 +29919,7 @@
           <p:cNvPr id="70" name="TextBox 69">
             <a:extLst>
               <a:ext uri="{FF2B5EF4-FFF2-40B4-BE49-F238E27FC236}">
-                <a16:creationId xmlns="" xmlns:a16="http://schemas.microsoft.com/office/drawing/2014/main" id="{8634B90D-5054-47D1-83A7-B25F102206CE}"/>
+                <a16:creationId xmlns:a16="http://schemas.microsoft.com/office/drawing/2014/main" xmlns="" id="{8634B90D-5054-47D1-83A7-B25F102206CE}"/>
               </a:ext>
             </a:extLst>
           </p:cNvPr>
@@ -29959,7 +29962,7 @@
           <p:cNvPr id="71" name="Rectangle 70">
             <a:extLst>
               <a:ext uri="{FF2B5EF4-FFF2-40B4-BE49-F238E27FC236}">
-                <a16:creationId xmlns="" xmlns:a16="http://schemas.microsoft.com/office/drawing/2014/main" id="{FDD46318-8266-4C48-B803-2AAFC5D44477}"/>
+                <a16:creationId xmlns:a16="http://schemas.microsoft.com/office/drawing/2014/main" xmlns="" id="{FDD46318-8266-4C48-B803-2AAFC5D44477}"/>
               </a:ext>
             </a:extLst>
           </p:cNvPr>
@@ -30005,7 +30008,7 @@
           <p:cNvPr id="72" name="TextBox 71">
             <a:extLst>
               <a:ext uri="{FF2B5EF4-FFF2-40B4-BE49-F238E27FC236}">
-                <a16:creationId xmlns="" xmlns:a16="http://schemas.microsoft.com/office/drawing/2014/main" id="{D328C833-50D6-47C1-822E-9675B0F83551}"/>
+                <a16:creationId xmlns:a16="http://schemas.microsoft.com/office/drawing/2014/main" xmlns="" id="{D328C833-50D6-47C1-822E-9675B0F83551}"/>
               </a:ext>
             </a:extLst>
           </p:cNvPr>
@@ -30048,7 +30051,7 @@
           <p:cNvPr id="73" name="Rectangle 72">
             <a:extLst>
               <a:ext uri="{FF2B5EF4-FFF2-40B4-BE49-F238E27FC236}">
-                <a16:creationId xmlns="" xmlns:a16="http://schemas.microsoft.com/office/drawing/2014/main" id="{23ECA885-2810-420C-8B87-E288FF3E7138}"/>
+                <a16:creationId xmlns:a16="http://schemas.microsoft.com/office/drawing/2014/main" xmlns="" id="{23ECA885-2810-420C-8B87-E288FF3E7138}"/>
               </a:ext>
             </a:extLst>
           </p:cNvPr>
@@ -30094,7 +30097,7 @@
           <p:cNvPr id="74" name="TextBox 73">
             <a:extLst>
               <a:ext uri="{FF2B5EF4-FFF2-40B4-BE49-F238E27FC236}">
-                <a16:creationId xmlns="" xmlns:a16="http://schemas.microsoft.com/office/drawing/2014/main" id="{246592B6-F2E6-47EC-9E7D-B2E65A78625E}"/>
+                <a16:creationId xmlns:a16="http://schemas.microsoft.com/office/drawing/2014/main" xmlns="" id="{246592B6-F2E6-47EC-9E7D-B2E65A78625E}"/>
               </a:ext>
             </a:extLst>
           </p:cNvPr>
@@ -30177,7 +30180,7 @@
           <p:cNvPr id="75" name="TextBox 74">
             <a:extLst>
               <a:ext uri="{FF2B5EF4-FFF2-40B4-BE49-F238E27FC236}">
-                <a16:creationId xmlns="" xmlns:a16="http://schemas.microsoft.com/office/drawing/2014/main" id="{7CA3F01E-33F0-42DF-A357-F5A6805C7D7A}"/>
+                <a16:creationId xmlns:a16="http://schemas.microsoft.com/office/drawing/2014/main" xmlns="" id="{7CA3F01E-33F0-42DF-A357-F5A6805C7D7A}"/>
               </a:ext>
             </a:extLst>
           </p:cNvPr>
@@ -30260,7 +30263,7 @@
           <p:cNvPr id="4" name="Picture 3">
             <a:extLst>
               <a:ext uri="{FF2B5EF4-FFF2-40B4-BE49-F238E27FC236}">
-                <a16:creationId xmlns="" xmlns:a16="http://schemas.microsoft.com/office/drawing/2014/main" id="{BD2E99BE-00C8-42EC-82D6-902C26EC2318}"/>
+                <a16:creationId xmlns:a16="http://schemas.microsoft.com/office/drawing/2014/main" xmlns="" id="{BD2E99BE-00C8-42EC-82D6-902C26EC2318}"/>
               </a:ext>
             </a:extLst>
           </p:cNvPr>
@@ -30326,7 +30329,7 @@
           <p:cNvPr id="6" name="TextBox 5">
             <a:extLst>
               <a:ext uri="{FF2B5EF4-FFF2-40B4-BE49-F238E27FC236}">
-                <a16:creationId xmlns="" xmlns:a16="http://schemas.microsoft.com/office/drawing/2014/main" id="{CD2A8DE0-B0E7-40FB-9538-60D54401A4F8}"/>
+                <a16:creationId xmlns:a16="http://schemas.microsoft.com/office/drawing/2014/main" xmlns="" id="{CD2A8DE0-B0E7-40FB-9538-60D54401A4F8}"/>
               </a:ext>
             </a:extLst>
           </p:cNvPr>
@@ -30426,7 +30429,7 @@
           <p:cNvPr id="11" name="Picture 10">
             <a:extLst>
               <a:ext uri="{FF2B5EF4-FFF2-40B4-BE49-F238E27FC236}">
-                <a16:creationId xmlns="" xmlns:a16="http://schemas.microsoft.com/office/drawing/2014/main" id="{F6164AE6-B86F-4668-B82E-2CCF243694C5}"/>
+                <a16:creationId xmlns:a16="http://schemas.microsoft.com/office/drawing/2014/main" xmlns="" id="{F6164AE6-B86F-4668-B82E-2CCF243694C5}"/>
               </a:ext>
             </a:extLst>
           </p:cNvPr>
@@ -30456,7 +30459,7 @@
           <p:cNvPr id="29" name="TextBox 28">
             <a:extLst>
               <a:ext uri="{FF2B5EF4-FFF2-40B4-BE49-F238E27FC236}">
-                <a16:creationId xmlns="" xmlns:a16="http://schemas.microsoft.com/office/drawing/2014/main" id="{BFF6D494-CE07-489A-B995-2086F94ABE83}"/>
+                <a16:creationId xmlns:a16="http://schemas.microsoft.com/office/drawing/2014/main" xmlns="" id="{BFF6D494-CE07-489A-B995-2086F94ABE83}"/>
               </a:ext>
             </a:extLst>
           </p:cNvPr>
@@ -30511,7 +30514,7 @@
           <p:cNvPr id="30" name="Rectangle 29">
             <a:extLst>
               <a:ext uri="{FF2B5EF4-FFF2-40B4-BE49-F238E27FC236}">
-                <a16:creationId xmlns="" xmlns:a16="http://schemas.microsoft.com/office/drawing/2014/main" id="{06527183-5952-4171-B7FC-1BEB45DFB228}"/>
+                <a16:creationId xmlns:a16="http://schemas.microsoft.com/office/drawing/2014/main" xmlns="" id="{06527183-5952-4171-B7FC-1BEB45DFB228}"/>
               </a:ext>
             </a:extLst>
           </p:cNvPr>
@@ -30562,7 +30565,7 @@
           <p:cNvPr id="39" name="TextBox 38">
             <a:extLst>
               <a:ext uri="{FF2B5EF4-FFF2-40B4-BE49-F238E27FC236}">
-                <a16:creationId xmlns="" xmlns:a16="http://schemas.microsoft.com/office/drawing/2014/main" id="{B521D3FC-1412-41B5-A658-C724DABB10C9}"/>
+                <a16:creationId xmlns:a16="http://schemas.microsoft.com/office/drawing/2014/main" xmlns="" id="{B521D3FC-1412-41B5-A658-C724DABB10C9}"/>
               </a:ext>
             </a:extLst>
           </p:cNvPr>
@@ -30686,7 +30689,7 @@
           <p:cNvPr id="41" name="Picture 40">
             <a:extLst>
               <a:ext uri="{FF2B5EF4-FFF2-40B4-BE49-F238E27FC236}">
-                <a16:creationId xmlns="" xmlns:a16="http://schemas.microsoft.com/office/drawing/2014/main" id="{A4495172-8BD4-4978-8E1A-C1B6AC078595}"/>
+                <a16:creationId xmlns:a16="http://schemas.microsoft.com/office/drawing/2014/main" xmlns="" id="{A4495172-8BD4-4978-8E1A-C1B6AC078595}"/>
               </a:ext>
             </a:extLst>
           </p:cNvPr>
@@ -30722,7 +30725,7 @@
           <p:cNvPr id="53" name="TextBox 52">
             <a:extLst>
               <a:ext uri="{FF2B5EF4-FFF2-40B4-BE49-F238E27FC236}">
-                <a16:creationId xmlns="" xmlns:a16="http://schemas.microsoft.com/office/drawing/2014/main" id="{CE832020-9CDE-4658-8DA3-E6824D6E34D4}"/>
+                <a16:creationId xmlns:a16="http://schemas.microsoft.com/office/drawing/2014/main" xmlns="" id="{CE832020-9CDE-4658-8DA3-E6824D6E34D4}"/>
               </a:ext>
             </a:extLst>
           </p:cNvPr>
@@ -30765,7 +30768,7 @@
           <p:cNvPr id="55" name="Rectangle 54">
             <a:extLst>
               <a:ext uri="{FF2B5EF4-FFF2-40B4-BE49-F238E27FC236}">
-                <a16:creationId xmlns="" xmlns:a16="http://schemas.microsoft.com/office/drawing/2014/main" id="{07E4F0A4-E860-455D-97E8-3F196C5AFA92}"/>
+                <a16:creationId xmlns:a16="http://schemas.microsoft.com/office/drawing/2014/main" xmlns="" id="{07E4F0A4-E860-455D-97E8-3F196C5AFA92}"/>
               </a:ext>
             </a:extLst>
           </p:cNvPr>
@@ -30811,7 +30814,7 @@
           <p:cNvPr id="59" name="TextBox 58">
             <a:extLst>
               <a:ext uri="{FF2B5EF4-FFF2-40B4-BE49-F238E27FC236}">
-                <a16:creationId xmlns="" xmlns:a16="http://schemas.microsoft.com/office/drawing/2014/main" id="{CEFD4588-7544-4B5F-9CED-2AB585FCC9C8}"/>
+                <a16:creationId xmlns:a16="http://schemas.microsoft.com/office/drawing/2014/main" xmlns="" id="{CEFD4588-7544-4B5F-9CED-2AB585FCC9C8}"/>
               </a:ext>
             </a:extLst>
           </p:cNvPr>
@@ -30866,7 +30869,7 @@
           <p:cNvPr id="60" name="Rectangle 59">
             <a:extLst>
               <a:ext uri="{FF2B5EF4-FFF2-40B4-BE49-F238E27FC236}">
-                <a16:creationId xmlns="" xmlns:a16="http://schemas.microsoft.com/office/drawing/2014/main" id="{71FDB9AA-7266-4298-81AE-502F709C045A}"/>
+                <a16:creationId xmlns:a16="http://schemas.microsoft.com/office/drawing/2014/main" xmlns="" id="{71FDB9AA-7266-4298-81AE-502F709C045A}"/>
               </a:ext>
             </a:extLst>
           </p:cNvPr>
@@ -30912,7 +30915,7 @@
           <p:cNvPr id="61" name="TextBox 60">
             <a:extLst>
               <a:ext uri="{FF2B5EF4-FFF2-40B4-BE49-F238E27FC236}">
-                <a16:creationId xmlns="" xmlns:a16="http://schemas.microsoft.com/office/drawing/2014/main" id="{B9FB6F64-C32D-426B-850F-510D0B59D5E4}"/>
+                <a16:creationId xmlns:a16="http://schemas.microsoft.com/office/drawing/2014/main" xmlns="" id="{B9FB6F64-C32D-426B-850F-510D0B59D5E4}"/>
               </a:ext>
             </a:extLst>
           </p:cNvPr>
@@ -30967,7 +30970,7 @@
           <p:cNvPr id="62" name="Rectangle 61">
             <a:extLst>
               <a:ext uri="{FF2B5EF4-FFF2-40B4-BE49-F238E27FC236}">
-                <a16:creationId xmlns="" xmlns:a16="http://schemas.microsoft.com/office/drawing/2014/main" id="{58018F04-E9E6-415C-AE2F-9ED7CC78D729}"/>
+                <a16:creationId xmlns:a16="http://schemas.microsoft.com/office/drawing/2014/main" xmlns="" id="{58018F04-E9E6-415C-AE2F-9ED7CC78D729}"/>
               </a:ext>
             </a:extLst>
           </p:cNvPr>
@@ -31013,7 +31016,7 @@
           <p:cNvPr id="65" name="Rectangle 64">
             <a:extLst>
               <a:ext uri="{FF2B5EF4-FFF2-40B4-BE49-F238E27FC236}">
-                <a16:creationId xmlns="" xmlns:a16="http://schemas.microsoft.com/office/drawing/2014/main" id="{2D208BF8-B8FD-4515-9472-6F0489D28156}"/>
+                <a16:creationId xmlns:a16="http://schemas.microsoft.com/office/drawing/2014/main" xmlns="" id="{2D208BF8-B8FD-4515-9472-6F0489D28156}"/>
               </a:ext>
             </a:extLst>
           </p:cNvPr>
@@ -31065,7 +31068,7 @@
           <p:cNvPr id="66" name="TextBox 65">
             <a:extLst>
               <a:ext uri="{FF2B5EF4-FFF2-40B4-BE49-F238E27FC236}">
-                <a16:creationId xmlns="" xmlns:a16="http://schemas.microsoft.com/office/drawing/2014/main" id="{B0AB6BC6-C475-4800-995C-6DE26CBC6053}"/>
+                <a16:creationId xmlns:a16="http://schemas.microsoft.com/office/drawing/2014/main" xmlns="" id="{B0AB6BC6-C475-4800-995C-6DE26CBC6053}"/>
               </a:ext>
             </a:extLst>
           </p:cNvPr>
@@ -31122,7 +31125,7 @@
           <p:cNvPr id="67" name="Table 3">
             <a:extLst>
               <a:ext uri="{FF2B5EF4-FFF2-40B4-BE49-F238E27FC236}">
-                <a16:creationId xmlns="" xmlns:a16="http://schemas.microsoft.com/office/drawing/2014/main" id="{48744A14-B164-40D8-9551-D0E2F7F9396F}"/>
+                <a16:creationId xmlns:a16="http://schemas.microsoft.com/office/drawing/2014/main" xmlns="" id="{48744A14-B164-40D8-9551-D0E2F7F9396F}"/>
               </a:ext>
             </a:extLst>
           </p:cNvPr>
@@ -31151,49 +31154,49 @@
                 <a:gridCol w="1512601">
                   <a:extLst>
                     <a:ext uri="{9D8B030D-6E8A-4147-A177-3AD203B41FA5}">
-                      <a16:colId xmlns="" xmlns:a16="http://schemas.microsoft.com/office/drawing/2014/main" val="2205170896"/>
+                      <a16:colId xmlns:a16="http://schemas.microsoft.com/office/drawing/2014/main" xmlns="" val="2205170896"/>
                     </a:ext>
                   </a:extLst>
                 </a:gridCol>
                 <a:gridCol w="684589">
                   <a:extLst>
                     <a:ext uri="{9D8B030D-6E8A-4147-A177-3AD203B41FA5}">
-                      <a16:colId xmlns="" xmlns:a16="http://schemas.microsoft.com/office/drawing/2014/main" val="3679797539"/>
+                      <a16:colId xmlns:a16="http://schemas.microsoft.com/office/drawing/2014/main" xmlns="" val="3679797539"/>
                     </a:ext>
                   </a:extLst>
                 </a:gridCol>
                 <a:gridCol w="1098597">
                   <a:extLst>
                     <a:ext uri="{9D8B030D-6E8A-4147-A177-3AD203B41FA5}">
-                      <a16:colId xmlns="" xmlns:a16="http://schemas.microsoft.com/office/drawing/2014/main" val="2142246052"/>
+                      <a16:colId xmlns:a16="http://schemas.microsoft.com/office/drawing/2014/main" xmlns="" val="2142246052"/>
                     </a:ext>
                   </a:extLst>
                 </a:gridCol>
                 <a:gridCol w="1380822">
                   <a:extLst>
                     <a:ext uri="{9D8B030D-6E8A-4147-A177-3AD203B41FA5}">
-                      <a16:colId xmlns="" xmlns:a16="http://schemas.microsoft.com/office/drawing/2014/main" val="4188008786"/>
+                      <a16:colId xmlns:a16="http://schemas.microsoft.com/office/drawing/2014/main" xmlns="" val="4188008786"/>
                     </a:ext>
                   </a:extLst>
                 </a:gridCol>
                 <a:gridCol w="1657336">
                   <a:extLst>
                     <a:ext uri="{9D8B030D-6E8A-4147-A177-3AD203B41FA5}">
-                      <a16:colId xmlns="" xmlns:a16="http://schemas.microsoft.com/office/drawing/2014/main" val="3214238948"/>
+                      <a16:colId xmlns:a16="http://schemas.microsoft.com/office/drawing/2014/main" xmlns="" val="3214238948"/>
                     </a:ext>
                   </a:extLst>
                 </a:gridCol>
                 <a:gridCol w="1345714">
                   <a:extLst>
                     <a:ext uri="{9D8B030D-6E8A-4147-A177-3AD203B41FA5}">
-                      <a16:colId xmlns="" xmlns:a16="http://schemas.microsoft.com/office/drawing/2014/main" val="4284112643"/>
+                      <a16:colId xmlns:a16="http://schemas.microsoft.com/office/drawing/2014/main" xmlns="" val="4284112643"/>
                     </a:ext>
                   </a:extLst>
                 </a:gridCol>
                 <a:gridCol w="537625">
                   <a:extLst>
                     <a:ext uri="{9D8B030D-6E8A-4147-A177-3AD203B41FA5}">
-                      <a16:colId xmlns="" xmlns:a16="http://schemas.microsoft.com/office/drawing/2014/main" val="4177220187"/>
+                      <a16:colId xmlns:a16="http://schemas.microsoft.com/office/drawing/2014/main" xmlns="" val="4177220187"/>
                     </a:ext>
                   </a:extLst>
                 </a:gridCol>
@@ -31386,7 +31389,7 @@
                 </a:tc>
                 <a:extLst>
                   <a:ext uri="{0D108BD9-81ED-4DB2-BD59-A6C34878D82A}">
-                    <a16:rowId xmlns="" xmlns:a16="http://schemas.microsoft.com/office/drawing/2014/main" val="652390980"/>
+                    <a16:rowId xmlns:a16="http://schemas.microsoft.com/office/drawing/2014/main" xmlns="" val="652390980"/>
                   </a:ext>
                 </a:extLst>
               </a:tr>
@@ -31542,7 +31545,7 @@
                 </a:tc>
                 <a:extLst>
                   <a:ext uri="{0D108BD9-81ED-4DB2-BD59-A6C34878D82A}">
-                    <a16:rowId xmlns="" xmlns:a16="http://schemas.microsoft.com/office/drawing/2014/main" val="730336656"/>
+                    <a16:rowId xmlns:a16="http://schemas.microsoft.com/office/drawing/2014/main" xmlns="" val="730336656"/>
                   </a:ext>
                 </a:extLst>
               </a:tr>
@@ -31698,7 +31701,7 @@
                 </a:tc>
                 <a:extLst>
                   <a:ext uri="{0D108BD9-81ED-4DB2-BD59-A6C34878D82A}">
-                    <a16:rowId xmlns="" xmlns:a16="http://schemas.microsoft.com/office/drawing/2014/main" val="2897143220"/>
+                    <a16:rowId xmlns:a16="http://schemas.microsoft.com/office/drawing/2014/main" xmlns="" val="2897143220"/>
                   </a:ext>
                 </a:extLst>
               </a:tr>
@@ -31824,7 +31827,7 @@
                 </a:tc>
                 <a:extLst>
                   <a:ext uri="{0D108BD9-81ED-4DB2-BD59-A6C34878D82A}">
-                    <a16:rowId xmlns="" xmlns:a16="http://schemas.microsoft.com/office/drawing/2014/main" val="378457201"/>
+                    <a16:rowId xmlns:a16="http://schemas.microsoft.com/office/drawing/2014/main" xmlns="" val="378457201"/>
                   </a:ext>
                 </a:extLst>
               </a:tr>
@@ -31837,7 +31840,7 @@
           <p:cNvPr id="68" name="TextBox 67">
             <a:extLst>
               <a:ext uri="{FF2B5EF4-FFF2-40B4-BE49-F238E27FC236}">
-                <a16:creationId xmlns="" xmlns:a16="http://schemas.microsoft.com/office/drawing/2014/main" id="{0B2B71CE-B153-4DDE-BDEB-059BA3F60FA5}"/>
+                <a16:creationId xmlns:a16="http://schemas.microsoft.com/office/drawing/2014/main" xmlns="" id="{0B2B71CE-B153-4DDE-BDEB-059BA3F60FA5}"/>
               </a:ext>
             </a:extLst>
           </p:cNvPr>
@@ -31892,7 +31895,7 @@
           <p:cNvPr id="69" name="TextBox 68">
             <a:extLst>
               <a:ext uri="{FF2B5EF4-FFF2-40B4-BE49-F238E27FC236}">
-                <a16:creationId xmlns="" xmlns:a16="http://schemas.microsoft.com/office/drawing/2014/main" id="{5C4004F3-E3E3-4D56-AA4C-4F76DCDFB78D}"/>
+                <a16:creationId xmlns:a16="http://schemas.microsoft.com/office/drawing/2014/main" xmlns="" id="{5C4004F3-E3E3-4D56-AA4C-4F76DCDFB78D}"/>
               </a:ext>
             </a:extLst>
           </p:cNvPr>
@@ -31947,7 +31950,7 @@
           <p:cNvPr id="70" name="TextBox 69">
             <a:extLst>
               <a:ext uri="{FF2B5EF4-FFF2-40B4-BE49-F238E27FC236}">
-                <a16:creationId xmlns="" xmlns:a16="http://schemas.microsoft.com/office/drawing/2014/main" id="{9B2A568A-4D50-413D-AF62-A94B81B555B9}"/>
+                <a16:creationId xmlns:a16="http://schemas.microsoft.com/office/drawing/2014/main" xmlns="" id="{9B2A568A-4D50-413D-AF62-A94B81B555B9}"/>
               </a:ext>
             </a:extLst>
           </p:cNvPr>
@@ -32002,7 +32005,7 @@
           <p:cNvPr id="71" name="TextBox 70">
             <a:extLst>
               <a:ext uri="{FF2B5EF4-FFF2-40B4-BE49-F238E27FC236}">
-                <a16:creationId xmlns="" xmlns:a16="http://schemas.microsoft.com/office/drawing/2014/main" id="{9D45D638-9E35-4EA0-A683-E7ECFB3B4120}"/>
+                <a16:creationId xmlns:a16="http://schemas.microsoft.com/office/drawing/2014/main" xmlns="" id="{9D45D638-9E35-4EA0-A683-E7ECFB3B4120}"/>
               </a:ext>
             </a:extLst>
           </p:cNvPr>
@@ -32039,7 +32042,7 @@
           <p:cNvPr id="85" name="TextBox 84">
             <a:extLst>
               <a:ext uri="{FF2B5EF4-FFF2-40B4-BE49-F238E27FC236}">
-                <a16:creationId xmlns="" xmlns:a16="http://schemas.microsoft.com/office/drawing/2014/main" id="{C79C853B-4759-4CEE-9434-A19EDD37C882}"/>
+                <a16:creationId xmlns:a16="http://schemas.microsoft.com/office/drawing/2014/main" xmlns="" id="{C79C853B-4759-4CEE-9434-A19EDD37C882}"/>
               </a:ext>
             </a:extLst>
           </p:cNvPr>
@@ -32076,7 +32079,7 @@
           <p:cNvPr id="86" name="TextBox 85">
             <a:extLst>
               <a:ext uri="{FF2B5EF4-FFF2-40B4-BE49-F238E27FC236}">
-                <a16:creationId xmlns="" xmlns:a16="http://schemas.microsoft.com/office/drawing/2014/main" id="{5E1A0F4D-8C51-42D1-9D4B-52008CC1DE7F}"/>
+                <a16:creationId xmlns:a16="http://schemas.microsoft.com/office/drawing/2014/main" xmlns="" id="{5E1A0F4D-8C51-42D1-9D4B-52008CC1DE7F}"/>
               </a:ext>
             </a:extLst>
           </p:cNvPr>
@@ -32116,7 +32119,7 @@
           <p:cNvPr id="87" name="TextBox 86">
             <a:extLst>
               <a:ext uri="{FF2B5EF4-FFF2-40B4-BE49-F238E27FC236}">
-                <a16:creationId xmlns="" xmlns:a16="http://schemas.microsoft.com/office/drawing/2014/main" id="{0E5990FC-D4A0-40E5-8CD4-AF5EAA32DD04}"/>
+                <a16:creationId xmlns:a16="http://schemas.microsoft.com/office/drawing/2014/main" xmlns="" id="{0E5990FC-D4A0-40E5-8CD4-AF5EAA32DD04}"/>
               </a:ext>
             </a:extLst>
           </p:cNvPr>
@@ -32172,7 +32175,7 @@
           <p:cNvPr id="88" name="Rectangle 87">
             <a:extLst>
               <a:ext uri="{FF2B5EF4-FFF2-40B4-BE49-F238E27FC236}">
-                <a16:creationId xmlns="" xmlns:a16="http://schemas.microsoft.com/office/drawing/2014/main" id="{DEC79840-E798-44DF-A691-9031BF595401}"/>
+                <a16:creationId xmlns:a16="http://schemas.microsoft.com/office/drawing/2014/main" xmlns="" id="{DEC79840-E798-44DF-A691-9031BF595401}"/>
               </a:ext>
             </a:extLst>
           </p:cNvPr>
@@ -32218,7 +32221,7 @@
           <p:cNvPr id="89" name="TextBox 88">
             <a:extLst>
               <a:ext uri="{FF2B5EF4-FFF2-40B4-BE49-F238E27FC236}">
-                <a16:creationId xmlns="" xmlns:a16="http://schemas.microsoft.com/office/drawing/2014/main" id="{9949D540-A2D0-41BE-BB28-64FE02033B63}"/>
+                <a16:creationId xmlns:a16="http://schemas.microsoft.com/office/drawing/2014/main" xmlns="" id="{9949D540-A2D0-41BE-BB28-64FE02033B63}"/>
               </a:ext>
             </a:extLst>
           </p:cNvPr>
@@ -32273,7 +32276,7 @@
           <p:cNvPr id="90" name="Rectangle 89">
             <a:extLst>
               <a:ext uri="{FF2B5EF4-FFF2-40B4-BE49-F238E27FC236}">
-                <a16:creationId xmlns="" xmlns:a16="http://schemas.microsoft.com/office/drawing/2014/main" id="{DF9CC562-55BC-46C2-B5EA-90A713C4E010}"/>
+                <a16:creationId xmlns:a16="http://schemas.microsoft.com/office/drawing/2014/main" xmlns="" id="{DF9CC562-55BC-46C2-B5EA-90A713C4E010}"/>
               </a:ext>
             </a:extLst>
           </p:cNvPr>
@@ -32319,7 +32322,7 @@
           <p:cNvPr id="91" name="Rectangle: Rounded Corners 90">
             <a:extLst>
               <a:ext uri="{FF2B5EF4-FFF2-40B4-BE49-F238E27FC236}">
-                <a16:creationId xmlns="" xmlns:a16="http://schemas.microsoft.com/office/drawing/2014/main" id="{2D067F56-298B-4030-A0A7-FCDF6507855D}"/>
+                <a16:creationId xmlns:a16="http://schemas.microsoft.com/office/drawing/2014/main" xmlns="" id="{2D067F56-298B-4030-A0A7-FCDF6507855D}"/>
               </a:ext>
             </a:extLst>
           </p:cNvPr>
@@ -32366,7 +32369,7 @@
           <p:cNvPr id="92" name="TextBox 91">
             <a:extLst>
               <a:ext uri="{FF2B5EF4-FFF2-40B4-BE49-F238E27FC236}">
-                <a16:creationId xmlns="" xmlns:a16="http://schemas.microsoft.com/office/drawing/2014/main" id="{EB085821-27F6-4E21-A264-4CAE94E017FC}"/>
+                <a16:creationId xmlns:a16="http://schemas.microsoft.com/office/drawing/2014/main" xmlns="" id="{EB085821-27F6-4E21-A264-4CAE94E017FC}"/>
               </a:ext>
             </a:extLst>
           </p:cNvPr>
@@ -32457,7 +32460,7 @@
           <p:cNvPr id="93" name="Picture 92">
             <a:extLst>
               <a:ext uri="{FF2B5EF4-FFF2-40B4-BE49-F238E27FC236}">
-                <a16:creationId xmlns="" xmlns:a16="http://schemas.microsoft.com/office/drawing/2014/main" id="{B234899E-DE34-4D4E-AC04-445980B7F1A1}"/>
+                <a16:creationId xmlns:a16="http://schemas.microsoft.com/office/drawing/2014/main" xmlns="" id="{B234899E-DE34-4D4E-AC04-445980B7F1A1}"/>
               </a:ext>
             </a:extLst>
           </p:cNvPr>
@@ -32493,7 +32496,7 @@
           <p:cNvPr id="94" name="Picture 93">
             <a:extLst>
               <a:ext uri="{FF2B5EF4-FFF2-40B4-BE49-F238E27FC236}">
-                <a16:creationId xmlns="" xmlns:a16="http://schemas.microsoft.com/office/drawing/2014/main" id="{79A0504D-ECA1-46B2-B54A-B45CC0148EA7}"/>
+                <a16:creationId xmlns:a16="http://schemas.microsoft.com/office/drawing/2014/main" xmlns="" id="{79A0504D-ECA1-46B2-B54A-B45CC0148EA7}"/>
               </a:ext>
             </a:extLst>
           </p:cNvPr>
@@ -32529,7 +32532,7 @@
           <p:cNvPr id="95" name="TextBox 94">
             <a:extLst>
               <a:ext uri="{FF2B5EF4-FFF2-40B4-BE49-F238E27FC236}">
-                <a16:creationId xmlns="" xmlns:a16="http://schemas.microsoft.com/office/drawing/2014/main" id="{E4386678-8A11-4DAC-ACB0-DE702CFD639F}"/>
+                <a16:creationId xmlns:a16="http://schemas.microsoft.com/office/drawing/2014/main" xmlns="" id="{E4386678-8A11-4DAC-ACB0-DE702CFD639F}"/>
               </a:ext>
             </a:extLst>
           </p:cNvPr>
@@ -32584,7 +32587,7 @@
           <p:cNvPr id="96" name="TextBox 95">
             <a:extLst>
               <a:ext uri="{FF2B5EF4-FFF2-40B4-BE49-F238E27FC236}">
-                <a16:creationId xmlns="" xmlns:a16="http://schemas.microsoft.com/office/drawing/2014/main" id="{42EE9AC5-7D07-4FD7-9ABB-512939DF8D1A}"/>
+                <a16:creationId xmlns:a16="http://schemas.microsoft.com/office/drawing/2014/main" xmlns="" id="{42EE9AC5-7D07-4FD7-9ABB-512939DF8D1A}"/>
               </a:ext>
             </a:extLst>
           </p:cNvPr>
@@ -32639,7 +32642,7 @@
           <p:cNvPr id="97" name="TextBox 96">
             <a:extLst>
               <a:ext uri="{FF2B5EF4-FFF2-40B4-BE49-F238E27FC236}">
-                <a16:creationId xmlns="" xmlns:a16="http://schemas.microsoft.com/office/drawing/2014/main" id="{1F61D072-ED2F-4A0A-8A63-B215A10C2F9C}"/>
+                <a16:creationId xmlns:a16="http://schemas.microsoft.com/office/drawing/2014/main" xmlns="" id="{1F61D072-ED2F-4A0A-8A63-B215A10C2F9C}"/>
               </a:ext>
             </a:extLst>
           </p:cNvPr>
@@ -32676,7 +32679,7 @@
           <p:cNvPr id="98" name="TextBox 97">
             <a:extLst>
               <a:ext uri="{FF2B5EF4-FFF2-40B4-BE49-F238E27FC236}">
-                <a16:creationId xmlns="" xmlns:a16="http://schemas.microsoft.com/office/drawing/2014/main" id="{7BBBE65D-5D20-4002-98AC-E28A47F0D1F9}"/>
+                <a16:creationId xmlns:a16="http://schemas.microsoft.com/office/drawing/2014/main" xmlns="" id="{7BBBE65D-5D20-4002-98AC-E28A47F0D1F9}"/>
               </a:ext>
             </a:extLst>
           </p:cNvPr>
@@ -32713,7 +32716,7 @@
           <p:cNvPr id="99" name="Rectangle 98">
             <a:extLst>
               <a:ext uri="{FF2B5EF4-FFF2-40B4-BE49-F238E27FC236}">
-                <a16:creationId xmlns="" xmlns:a16="http://schemas.microsoft.com/office/drawing/2014/main" id="{C53AB7F5-1DB3-4033-978D-1DA979A04ED3}"/>
+                <a16:creationId xmlns:a16="http://schemas.microsoft.com/office/drawing/2014/main" xmlns="" id="{C53AB7F5-1DB3-4033-978D-1DA979A04ED3}"/>
               </a:ext>
             </a:extLst>
           </p:cNvPr>
@@ -32759,7 +32762,7 @@
           <p:cNvPr id="100" name="Rectangle 99">
             <a:extLst>
               <a:ext uri="{FF2B5EF4-FFF2-40B4-BE49-F238E27FC236}">
-                <a16:creationId xmlns="" xmlns:a16="http://schemas.microsoft.com/office/drawing/2014/main" id="{6C99F4D9-2F99-4D13-A4BC-1B44B8BB272E}"/>
+                <a16:creationId xmlns:a16="http://schemas.microsoft.com/office/drawing/2014/main" xmlns="" id="{6C99F4D9-2F99-4D13-A4BC-1B44B8BB272E}"/>
               </a:ext>
             </a:extLst>
           </p:cNvPr>
@@ -32811,7 +32814,7 @@
           <p:cNvPr id="101" name="TextBox 100">
             <a:extLst>
               <a:ext uri="{FF2B5EF4-FFF2-40B4-BE49-F238E27FC236}">
-                <a16:creationId xmlns="" xmlns:a16="http://schemas.microsoft.com/office/drawing/2014/main" id="{80267CA5-02CA-4472-A78D-7F06DB6FB1A6}"/>
+                <a16:creationId xmlns:a16="http://schemas.microsoft.com/office/drawing/2014/main" xmlns="" id="{80267CA5-02CA-4472-A78D-7F06DB6FB1A6}"/>
               </a:ext>
             </a:extLst>
           </p:cNvPr>
@@ -32868,7 +32871,7 @@
           <p:cNvPr id="102" name="TextBox 101">
             <a:extLst>
               <a:ext uri="{FF2B5EF4-FFF2-40B4-BE49-F238E27FC236}">
-                <a16:creationId xmlns="" xmlns:a16="http://schemas.microsoft.com/office/drawing/2014/main" id="{DF0DDDB7-4087-48B3-B4A9-81494AA6C8F5}"/>
+                <a16:creationId xmlns:a16="http://schemas.microsoft.com/office/drawing/2014/main" xmlns="" id="{DF0DDDB7-4087-48B3-B4A9-81494AA6C8F5}"/>
               </a:ext>
             </a:extLst>
           </p:cNvPr>
@@ -32924,7 +32927,7 @@
           <p:cNvPr id="103" name="Rectangle 102">
             <a:extLst>
               <a:ext uri="{FF2B5EF4-FFF2-40B4-BE49-F238E27FC236}">
-                <a16:creationId xmlns="" xmlns:a16="http://schemas.microsoft.com/office/drawing/2014/main" id="{E6D7C114-4DEC-48D7-B1FC-A5A327E36F7F}"/>
+                <a16:creationId xmlns:a16="http://schemas.microsoft.com/office/drawing/2014/main" xmlns="" id="{E6D7C114-4DEC-48D7-B1FC-A5A327E36F7F}"/>
               </a:ext>
             </a:extLst>
           </p:cNvPr>
@@ -33000,7 +33003,7 @@
           <p:cNvPr id="6" name="TextBox 5">
             <a:extLst>
               <a:ext uri="{FF2B5EF4-FFF2-40B4-BE49-F238E27FC236}">
-                <a16:creationId xmlns="" xmlns:a16="http://schemas.microsoft.com/office/drawing/2014/main" id="{CD2A8DE0-B0E7-40FB-9538-60D54401A4F8}"/>
+                <a16:creationId xmlns:a16="http://schemas.microsoft.com/office/drawing/2014/main" xmlns="" id="{CD2A8DE0-B0E7-40FB-9538-60D54401A4F8}"/>
               </a:ext>
             </a:extLst>
           </p:cNvPr>
@@ -33087,7 +33090,7 @@
           <p:cNvPr id="11" name="Picture 10">
             <a:extLst>
               <a:ext uri="{FF2B5EF4-FFF2-40B4-BE49-F238E27FC236}">
-                <a16:creationId xmlns="" xmlns:a16="http://schemas.microsoft.com/office/drawing/2014/main" id="{F6164AE6-B86F-4668-B82E-2CCF243694C5}"/>
+                <a16:creationId xmlns:a16="http://schemas.microsoft.com/office/drawing/2014/main" xmlns="" id="{F6164AE6-B86F-4668-B82E-2CCF243694C5}"/>
               </a:ext>
             </a:extLst>
           </p:cNvPr>
@@ -33117,7 +33120,7 @@
           <p:cNvPr id="43" name="TextBox 42">
             <a:extLst>
               <a:ext uri="{FF2B5EF4-FFF2-40B4-BE49-F238E27FC236}">
-                <a16:creationId xmlns="" xmlns:a16="http://schemas.microsoft.com/office/drawing/2014/main" id="{F43B97D8-23B6-4B2F-AE82-8C0B2E7C3495}"/>
+                <a16:creationId xmlns:a16="http://schemas.microsoft.com/office/drawing/2014/main" xmlns="" id="{F43B97D8-23B6-4B2F-AE82-8C0B2E7C3495}"/>
               </a:ext>
             </a:extLst>
           </p:cNvPr>
@@ -33205,7 +33208,7 @@
           <p:cNvPr id="38" name="Picture 16" descr="C:\Users\HuyTran\Desktop\WPF project\sale_manager.png">
             <a:extLst>
               <a:ext uri="{FF2B5EF4-FFF2-40B4-BE49-F238E27FC236}">
-                <a16:creationId xmlns="" xmlns:a16="http://schemas.microsoft.com/office/drawing/2014/main" id="{4478BCFA-C856-40D5-8492-F2A458A331F5}"/>
+                <a16:creationId xmlns:a16="http://schemas.microsoft.com/office/drawing/2014/main" xmlns="" id="{4478BCFA-C856-40D5-8492-F2A458A331F5}"/>
               </a:ext>
             </a:extLst>
           </p:cNvPr>
@@ -33252,7 +33255,7 @@
           <p:cNvPr id="19" name="Rectangle 18">
             <a:extLst>
               <a:ext uri="{FF2B5EF4-FFF2-40B4-BE49-F238E27FC236}">
-                <a16:creationId xmlns="" xmlns:a16="http://schemas.microsoft.com/office/drawing/2014/main" id="{A27F8DB5-D067-4B05-A42F-00B3387B43E0}"/>
+                <a16:creationId xmlns:a16="http://schemas.microsoft.com/office/drawing/2014/main" xmlns="" id="{A27F8DB5-D067-4B05-A42F-00B3387B43E0}"/>
               </a:ext>
             </a:extLst>
           </p:cNvPr>
@@ -33330,7 +33333,7 @@
           <p:cNvPr id="20" name="Table 3">
             <a:extLst>
               <a:ext uri="{FF2B5EF4-FFF2-40B4-BE49-F238E27FC236}">
-                <a16:creationId xmlns="" xmlns:a16="http://schemas.microsoft.com/office/drawing/2014/main" id="{C0DEBE7D-158A-43A4-BA05-61739E03A881}"/>
+                <a16:creationId xmlns:a16="http://schemas.microsoft.com/office/drawing/2014/main" xmlns="" id="{C0DEBE7D-158A-43A4-BA05-61739E03A881}"/>
               </a:ext>
             </a:extLst>
           </p:cNvPr>
@@ -33359,35 +33362,35 @@
                 <a:gridCol w="1397116">
                   <a:extLst>
                     <a:ext uri="{9D8B030D-6E8A-4147-A177-3AD203B41FA5}">
-                      <a16:colId xmlns="" xmlns:a16="http://schemas.microsoft.com/office/drawing/2014/main" val="3679797539"/>
+                      <a16:colId xmlns:a16="http://schemas.microsoft.com/office/drawing/2014/main" xmlns="" val="3679797539"/>
                     </a:ext>
                   </a:extLst>
                 </a:gridCol>
                 <a:gridCol w="1397116">
                   <a:extLst>
                     <a:ext uri="{9D8B030D-6E8A-4147-A177-3AD203B41FA5}">
-                      <a16:colId xmlns="" xmlns:a16="http://schemas.microsoft.com/office/drawing/2014/main" val="4188008786"/>
+                      <a16:colId xmlns:a16="http://schemas.microsoft.com/office/drawing/2014/main" xmlns="" val="4188008786"/>
                     </a:ext>
                   </a:extLst>
                 </a:gridCol>
                 <a:gridCol w="2643435">
                   <a:extLst>
                     <a:ext uri="{9D8B030D-6E8A-4147-A177-3AD203B41FA5}">
-                      <a16:colId xmlns="" xmlns:a16="http://schemas.microsoft.com/office/drawing/2014/main" val="240713644"/>
+                      <a16:colId xmlns:a16="http://schemas.microsoft.com/office/drawing/2014/main" xmlns="" val="240713644"/>
                     </a:ext>
                   </a:extLst>
                 </a:gridCol>
                 <a:gridCol w="1283731">
                   <a:extLst>
                     <a:ext uri="{9D8B030D-6E8A-4147-A177-3AD203B41FA5}">
-                      <a16:colId xmlns="" xmlns:a16="http://schemas.microsoft.com/office/drawing/2014/main" val="3214238948"/>
+                      <a16:colId xmlns:a16="http://schemas.microsoft.com/office/drawing/2014/main" xmlns="" val="3214238948"/>
                     </a:ext>
                   </a:extLst>
                 </a:gridCol>
                 <a:gridCol w="1661298">
                   <a:extLst>
                     <a:ext uri="{9D8B030D-6E8A-4147-A177-3AD203B41FA5}">
-                      <a16:colId xmlns="" xmlns:a16="http://schemas.microsoft.com/office/drawing/2014/main" val="1291486487"/>
+                      <a16:colId xmlns:a16="http://schemas.microsoft.com/office/drawing/2014/main" xmlns="" val="1291486487"/>
                     </a:ext>
                   </a:extLst>
                 </a:gridCol>
@@ -33515,7 +33518,7 @@
                 </a:tc>
                 <a:extLst>
                   <a:ext uri="{0D108BD9-81ED-4DB2-BD59-A6C34878D82A}">
-                    <a16:rowId xmlns="" xmlns:a16="http://schemas.microsoft.com/office/drawing/2014/main" val="652390980"/>
+                    <a16:rowId xmlns:a16="http://schemas.microsoft.com/office/drawing/2014/main" xmlns="" val="652390980"/>
                   </a:ext>
                 </a:extLst>
               </a:tr>
@@ -33616,7 +33619,7 @@
                 </a:tc>
                 <a:extLst>
                   <a:ext uri="{0D108BD9-81ED-4DB2-BD59-A6C34878D82A}">
-                    <a16:rowId xmlns="" xmlns:a16="http://schemas.microsoft.com/office/drawing/2014/main" val="730336656"/>
+                    <a16:rowId xmlns:a16="http://schemas.microsoft.com/office/drawing/2014/main" xmlns="" val="730336656"/>
                   </a:ext>
                 </a:extLst>
               </a:tr>
@@ -33749,7 +33752,7 @@
                 </a:tc>
                 <a:extLst>
                   <a:ext uri="{0D108BD9-81ED-4DB2-BD59-A6C34878D82A}">
-                    <a16:rowId xmlns="" xmlns:a16="http://schemas.microsoft.com/office/drawing/2014/main" val="2897143220"/>
+                    <a16:rowId xmlns:a16="http://schemas.microsoft.com/office/drawing/2014/main" xmlns="" val="2897143220"/>
                   </a:ext>
                 </a:extLst>
               </a:tr>
@@ -33762,7 +33765,7 @@
           <p:cNvPr id="21" name="Picture 20">
             <a:extLst>
               <a:ext uri="{FF2B5EF4-FFF2-40B4-BE49-F238E27FC236}">
-                <a16:creationId xmlns="" xmlns:a16="http://schemas.microsoft.com/office/drawing/2014/main" id="{C8EB9F5B-D398-4378-B14E-C617E8C344D4}"/>
+                <a16:creationId xmlns:a16="http://schemas.microsoft.com/office/drawing/2014/main" xmlns="" id="{C8EB9F5B-D398-4378-B14E-C617E8C344D4}"/>
               </a:ext>
             </a:extLst>
           </p:cNvPr>
@@ -33797,7 +33800,7 @@
           <p:cNvPr id="23" name="Picture 22">
             <a:extLst>
               <a:ext uri="{FF2B5EF4-FFF2-40B4-BE49-F238E27FC236}">
-                <a16:creationId xmlns="" xmlns:a16="http://schemas.microsoft.com/office/drawing/2014/main" id="{004175EF-B749-4406-A760-921733086A82}"/>
+                <a16:creationId xmlns:a16="http://schemas.microsoft.com/office/drawing/2014/main" xmlns="" id="{004175EF-B749-4406-A760-921733086A82}"/>
               </a:ext>
             </a:extLst>
           </p:cNvPr>
@@ -33833,7 +33836,7 @@
           <p:cNvPr id="28" name="Picture 27">
             <a:extLst>
               <a:ext uri="{FF2B5EF4-FFF2-40B4-BE49-F238E27FC236}">
-                <a16:creationId xmlns="" xmlns:a16="http://schemas.microsoft.com/office/drawing/2014/main" id="{D03FF920-181F-4C1A-BB0F-CF6B53EE6A3E}"/>
+                <a16:creationId xmlns:a16="http://schemas.microsoft.com/office/drawing/2014/main" xmlns="" id="{D03FF920-181F-4C1A-BB0F-CF6B53EE6A3E}"/>
               </a:ext>
             </a:extLst>
           </p:cNvPr>
@@ -33868,7 +33871,7 @@
           <p:cNvPr id="29" name="Picture 28">
             <a:extLst>
               <a:ext uri="{FF2B5EF4-FFF2-40B4-BE49-F238E27FC236}">
-                <a16:creationId xmlns="" xmlns:a16="http://schemas.microsoft.com/office/drawing/2014/main" id="{2F019121-6958-4C7B-BF4A-C4A6CD289FF3}"/>
+                <a16:creationId xmlns:a16="http://schemas.microsoft.com/office/drawing/2014/main" xmlns="" id="{2F019121-6958-4C7B-BF4A-C4A6CD289FF3}"/>
               </a:ext>
             </a:extLst>
           </p:cNvPr>
@@ -33904,7 +33907,7 @@
           <p:cNvPr id="30" name="Picture 29">
             <a:extLst>
               <a:ext uri="{FF2B5EF4-FFF2-40B4-BE49-F238E27FC236}">
-                <a16:creationId xmlns="" xmlns:a16="http://schemas.microsoft.com/office/drawing/2014/main" id="{B6AE83A2-C7C4-4C82-94D4-FD3CB38FC2BA}"/>
+                <a16:creationId xmlns:a16="http://schemas.microsoft.com/office/drawing/2014/main" xmlns="" id="{B6AE83A2-C7C4-4C82-94D4-FD3CB38FC2BA}"/>
               </a:ext>
             </a:extLst>
           </p:cNvPr>
@@ -33940,7 +33943,7 @@
           <p:cNvPr id="31" name="TextBox 30">
             <a:extLst>
               <a:ext uri="{FF2B5EF4-FFF2-40B4-BE49-F238E27FC236}">
-                <a16:creationId xmlns="" xmlns:a16="http://schemas.microsoft.com/office/drawing/2014/main" id="{35027200-2475-4C98-B638-984C0BD7645B}"/>
+                <a16:creationId xmlns:a16="http://schemas.microsoft.com/office/drawing/2014/main" xmlns="" id="{35027200-2475-4C98-B638-984C0BD7645B}"/>
               </a:ext>
             </a:extLst>
           </p:cNvPr>
@@ -33983,7 +33986,7 @@
           <p:cNvPr id="32" name="Rectangle 31">
             <a:extLst>
               <a:ext uri="{FF2B5EF4-FFF2-40B4-BE49-F238E27FC236}">
-                <a16:creationId xmlns="" xmlns:a16="http://schemas.microsoft.com/office/drawing/2014/main" id="{C358816E-54E5-45F0-8D61-868350D0A38A}"/>
+                <a16:creationId xmlns:a16="http://schemas.microsoft.com/office/drawing/2014/main" xmlns="" id="{C358816E-54E5-45F0-8D61-868350D0A38A}"/>
               </a:ext>
             </a:extLst>
           </p:cNvPr>
@@ -34029,7 +34032,7 @@
           <p:cNvPr id="33" name="TextBox 32">
             <a:extLst>
               <a:ext uri="{FF2B5EF4-FFF2-40B4-BE49-F238E27FC236}">
-                <a16:creationId xmlns="" xmlns:a16="http://schemas.microsoft.com/office/drawing/2014/main" id="{AD4DF309-D482-4184-9C2A-7174361E5311}"/>
+                <a16:creationId xmlns:a16="http://schemas.microsoft.com/office/drawing/2014/main" xmlns="" id="{AD4DF309-D482-4184-9C2A-7174361E5311}"/>
               </a:ext>
             </a:extLst>
           </p:cNvPr>
@@ -34072,7 +34075,7 @@
           <p:cNvPr id="34" name="Rectangle 33">
             <a:extLst>
               <a:ext uri="{FF2B5EF4-FFF2-40B4-BE49-F238E27FC236}">
-                <a16:creationId xmlns="" xmlns:a16="http://schemas.microsoft.com/office/drawing/2014/main" id="{36C8DF58-7B1A-4F51-8B8A-5F50C203472F}"/>
+                <a16:creationId xmlns:a16="http://schemas.microsoft.com/office/drawing/2014/main" xmlns="" id="{36C8DF58-7B1A-4F51-8B8A-5F50C203472F}"/>
               </a:ext>
             </a:extLst>
           </p:cNvPr>
@@ -34118,7 +34121,7 @@
           <p:cNvPr id="35" name="TextBox 34">
             <a:extLst>
               <a:ext uri="{FF2B5EF4-FFF2-40B4-BE49-F238E27FC236}">
-                <a16:creationId xmlns="" xmlns:a16="http://schemas.microsoft.com/office/drawing/2014/main" id="{E55A6D9F-6CF6-4BA9-AC80-84F9BA974904}"/>
+                <a16:creationId xmlns:a16="http://schemas.microsoft.com/office/drawing/2014/main" xmlns="" id="{E55A6D9F-6CF6-4BA9-AC80-84F9BA974904}"/>
               </a:ext>
             </a:extLst>
           </p:cNvPr>
@@ -34201,7 +34204,7 @@
           <p:cNvPr id="36" name="TextBox 35">
             <a:extLst>
               <a:ext uri="{FF2B5EF4-FFF2-40B4-BE49-F238E27FC236}">
-                <a16:creationId xmlns="" xmlns:a16="http://schemas.microsoft.com/office/drawing/2014/main" id="{B935F52B-D327-4903-A95A-0D769D3CD3FC}"/>
+                <a16:creationId xmlns:a16="http://schemas.microsoft.com/office/drawing/2014/main" xmlns="" id="{B935F52B-D327-4903-A95A-0D769D3CD3FC}"/>
               </a:ext>
             </a:extLst>
           </p:cNvPr>
@@ -34284,7 +34287,7 @@
           <p:cNvPr id="37" name="TextBox 36">
             <a:extLst>
               <a:ext uri="{FF2B5EF4-FFF2-40B4-BE49-F238E27FC236}">
-                <a16:creationId xmlns="" xmlns:a16="http://schemas.microsoft.com/office/drawing/2014/main" id="{3AE6391C-ABD7-4218-B604-0CB7B2F52F45}"/>
+                <a16:creationId xmlns:a16="http://schemas.microsoft.com/office/drawing/2014/main" xmlns="" id="{3AE6391C-ABD7-4218-B604-0CB7B2F52F45}"/>
               </a:ext>
             </a:extLst>
           </p:cNvPr>
@@ -34351,7 +34354,7 @@
           <p:cNvPr id="40" name="Rectangle 39">
             <a:extLst>
               <a:ext uri="{FF2B5EF4-FFF2-40B4-BE49-F238E27FC236}">
-                <a16:creationId xmlns="" xmlns:a16="http://schemas.microsoft.com/office/drawing/2014/main" id="{F2CB0BEF-FBC2-4C2A-A01D-11110C0F11A0}"/>
+                <a16:creationId xmlns:a16="http://schemas.microsoft.com/office/drawing/2014/main" xmlns="" id="{F2CB0BEF-FBC2-4C2A-A01D-11110C0F11A0}"/>
               </a:ext>
             </a:extLst>
           </p:cNvPr>
@@ -34399,7 +34402,7 @@
           <p:cNvPr id="45" name="Isosceles Triangle 44">
             <a:extLst>
               <a:ext uri="{FF2B5EF4-FFF2-40B4-BE49-F238E27FC236}">
-                <a16:creationId xmlns="" xmlns:a16="http://schemas.microsoft.com/office/drawing/2014/main" id="{EAC040A5-A876-458E-A723-A903B2166B1F}"/>
+                <a16:creationId xmlns:a16="http://schemas.microsoft.com/office/drawing/2014/main" xmlns="" id="{EAC040A5-A876-458E-A723-A903B2166B1F}"/>
               </a:ext>
             </a:extLst>
           </p:cNvPr>
@@ -34492,7 +34495,7 @@
           <p:cNvPr id="6" name="TextBox 5">
             <a:extLst>
               <a:ext uri="{FF2B5EF4-FFF2-40B4-BE49-F238E27FC236}">
-                <a16:creationId xmlns="" xmlns:a16="http://schemas.microsoft.com/office/drawing/2014/main" id="{CD2A8DE0-B0E7-40FB-9538-60D54401A4F8}"/>
+                <a16:creationId xmlns:a16="http://schemas.microsoft.com/office/drawing/2014/main" xmlns="" id="{CD2A8DE0-B0E7-40FB-9538-60D54401A4F8}"/>
               </a:ext>
             </a:extLst>
           </p:cNvPr>
@@ -34579,7 +34582,7 @@
           <p:cNvPr id="11" name="Picture 10">
             <a:extLst>
               <a:ext uri="{FF2B5EF4-FFF2-40B4-BE49-F238E27FC236}">
-                <a16:creationId xmlns="" xmlns:a16="http://schemas.microsoft.com/office/drawing/2014/main" id="{F6164AE6-B86F-4668-B82E-2CCF243694C5}"/>
+                <a16:creationId xmlns:a16="http://schemas.microsoft.com/office/drawing/2014/main" xmlns="" id="{F6164AE6-B86F-4668-B82E-2CCF243694C5}"/>
               </a:ext>
             </a:extLst>
           </p:cNvPr>
@@ -34609,7 +34612,7 @@
           <p:cNvPr id="42" name="Rectangle 41">
             <a:extLst>
               <a:ext uri="{FF2B5EF4-FFF2-40B4-BE49-F238E27FC236}">
-                <a16:creationId xmlns="" xmlns:a16="http://schemas.microsoft.com/office/drawing/2014/main" id="{353BFA1C-32B8-4D02-82DD-D04AE5441E95}"/>
+                <a16:creationId xmlns:a16="http://schemas.microsoft.com/office/drawing/2014/main" xmlns="" id="{353BFA1C-32B8-4D02-82DD-D04AE5441E95}"/>
               </a:ext>
             </a:extLst>
           </p:cNvPr>
@@ -34677,7 +34680,7 @@
           <p:cNvPr id="43" name="TextBox 42">
             <a:extLst>
               <a:ext uri="{FF2B5EF4-FFF2-40B4-BE49-F238E27FC236}">
-                <a16:creationId xmlns="" xmlns:a16="http://schemas.microsoft.com/office/drawing/2014/main" id="{F43B97D8-23B6-4B2F-AE82-8C0B2E7C3495}"/>
+                <a16:creationId xmlns:a16="http://schemas.microsoft.com/office/drawing/2014/main" xmlns="" id="{F43B97D8-23B6-4B2F-AE82-8C0B2E7C3495}"/>
               </a:ext>
             </a:extLst>
           </p:cNvPr>
@@ -34777,7 +34780,7 @@
           <p:cNvPr id="22" name="TextBox 21">
             <a:extLst>
               <a:ext uri="{FF2B5EF4-FFF2-40B4-BE49-F238E27FC236}">
-                <a16:creationId xmlns="" xmlns:a16="http://schemas.microsoft.com/office/drawing/2014/main" id="{DEE513CE-29AD-4183-ADB3-3E880FCC7B04}"/>
+                <a16:creationId xmlns:a16="http://schemas.microsoft.com/office/drawing/2014/main" xmlns="" id="{DEE513CE-29AD-4183-ADB3-3E880FCC7B04}"/>
               </a:ext>
             </a:extLst>
           </p:cNvPr>
@@ -34832,7 +34835,7 @@
           <p:cNvPr id="25" name="Rectangle 24">
             <a:extLst>
               <a:ext uri="{FF2B5EF4-FFF2-40B4-BE49-F238E27FC236}">
-                <a16:creationId xmlns="" xmlns:a16="http://schemas.microsoft.com/office/drawing/2014/main" id="{B32E5649-6D3F-4A89-9541-FC848823689D}"/>
+                <a16:creationId xmlns:a16="http://schemas.microsoft.com/office/drawing/2014/main" xmlns="" id="{B32E5649-6D3F-4A89-9541-FC848823689D}"/>
               </a:ext>
             </a:extLst>
           </p:cNvPr>
@@ -34878,7 +34881,7 @@
           <p:cNvPr id="27" name="Rectangle 26">
             <a:extLst>
               <a:ext uri="{FF2B5EF4-FFF2-40B4-BE49-F238E27FC236}">
-                <a16:creationId xmlns="" xmlns:a16="http://schemas.microsoft.com/office/drawing/2014/main" id="{144145E3-8466-4612-8478-3C34ED5354C8}"/>
+                <a16:creationId xmlns:a16="http://schemas.microsoft.com/office/drawing/2014/main" xmlns="" id="{144145E3-8466-4612-8478-3C34ED5354C8}"/>
               </a:ext>
             </a:extLst>
           </p:cNvPr>
@@ -34938,7 +34941,7 @@
           <p:cNvPr id="63" name="TextBox 62">
             <a:extLst>
               <a:ext uri="{FF2B5EF4-FFF2-40B4-BE49-F238E27FC236}">
-                <a16:creationId xmlns="" xmlns:a16="http://schemas.microsoft.com/office/drawing/2014/main" id="{B582E5B7-E87C-48C5-AC0E-102B92901134}"/>
+                <a16:creationId xmlns:a16="http://schemas.microsoft.com/office/drawing/2014/main" xmlns="" id="{B582E5B7-E87C-48C5-AC0E-102B92901134}"/>
               </a:ext>
             </a:extLst>
           </p:cNvPr>
@@ -35005,7 +35008,7 @@
           <p:cNvPr id="64" name="Rectangle 63">
             <a:extLst>
               <a:ext uri="{FF2B5EF4-FFF2-40B4-BE49-F238E27FC236}">
-                <a16:creationId xmlns="" xmlns:a16="http://schemas.microsoft.com/office/drawing/2014/main" id="{9432B22F-F23E-4634-8D68-13C303BAA278}"/>
+                <a16:creationId xmlns:a16="http://schemas.microsoft.com/office/drawing/2014/main" xmlns="" id="{9432B22F-F23E-4634-8D68-13C303BAA278}"/>
               </a:ext>
             </a:extLst>
           </p:cNvPr>
@@ -35053,7 +35056,7 @@
           <p:cNvPr id="38" name="Picture 16" descr="C:\Users\HuyTran\Desktop\WPF project\sale_manager.png">
             <a:extLst>
               <a:ext uri="{FF2B5EF4-FFF2-40B4-BE49-F238E27FC236}">
-                <a16:creationId xmlns="" xmlns:a16="http://schemas.microsoft.com/office/drawing/2014/main" id="{4478BCFA-C856-40D5-8492-F2A458A331F5}"/>
+                <a16:creationId xmlns:a16="http://schemas.microsoft.com/office/drawing/2014/main" xmlns="" id="{4478BCFA-C856-40D5-8492-F2A458A331F5}"/>
               </a:ext>
             </a:extLst>
           </p:cNvPr>
@@ -35100,7 +35103,7 @@
           <p:cNvPr id="39" name="Isosceles Triangle 38">
             <a:extLst>
               <a:ext uri="{FF2B5EF4-FFF2-40B4-BE49-F238E27FC236}">
-                <a16:creationId xmlns="" xmlns:a16="http://schemas.microsoft.com/office/drawing/2014/main" id="{CE40D531-971C-4B87-AE2C-A23E1594FB15}"/>
+                <a16:creationId xmlns:a16="http://schemas.microsoft.com/office/drawing/2014/main" xmlns="" id="{CE40D531-971C-4B87-AE2C-A23E1594FB15}"/>
               </a:ext>
             </a:extLst>
           </p:cNvPr>
@@ -35156,7 +35159,7 @@
           <p:cNvPr id="41" name="TextBox 40">
             <a:extLst>
               <a:ext uri="{FF2B5EF4-FFF2-40B4-BE49-F238E27FC236}">
-                <a16:creationId xmlns="" xmlns:a16="http://schemas.microsoft.com/office/drawing/2014/main" id="{5A677C6D-8488-4BE5-AA19-7A7963472BFC}"/>
+                <a16:creationId xmlns:a16="http://schemas.microsoft.com/office/drawing/2014/main" xmlns="" id="{5A677C6D-8488-4BE5-AA19-7A7963472BFC}"/>
               </a:ext>
             </a:extLst>
           </p:cNvPr>
@@ -35199,7 +35202,7 @@
           <p:cNvPr id="44" name="Rectangle 43">
             <a:extLst>
               <a:ext uri="{FF2B5EF4-FFF2-40B4-BE49-F238E27FC236}">
-                <a16:creationId xmlns="" xmlns:a16="http://schemas.microsoft.com/office/drawing/2014/main" id="{F68F26D9-57CB-43BE-9CD6-1A549AC359F7}"/>
+                <a16:creationId xmlns:a16="http://schemas.microsoft.com/office/drawing/2014/main" xmlns="" id="{F68F26D9-57CB-43BE-9CD6-1A549AC359F7}"/>
               </a:ext>
             </a:extLst>
           </p:cNvPr>
@@ -35245,7 +35248,7 @@
           <p:cNvPr id="58" name="TextBox 57">
             <a:extLst>
               <a:ext uri="{FF2B5EF4-FFF2-40B4-BE49-F238E27FC236}">
-                <a16:creationId xmlns="" xmlns:a16="http://schemas.microsoft.com/office/drawing/2014/main" id="{A79E1008-5EE8-43CF-828F-5713E9565E61}"/>
+                <a16:creationId xmlns:a16="http://schemas.microsoft.com/office/drawing/2014/main" xmlns="" id="{A79E1008-5EE8-43CF-828F-5713E9565E61}"/>
               </a:ext>
             </a:extLst>
           </p:cNvPr>
@@ -35300,7 +35303,7 @@
           <p:cNvPr id="59" name="Rectangle 58">
             <a:extLst>
               <a:ext uri="{FF2B5EF4-FFF2-40B4-BE49-F238E27FC236}">
-                <a16:creationId xmlns="" xmlns:a16="http://schemas.microsoft.com/office/drawing/2014/main" id="{EFEF2FA2-6192-42C3-A33A-38457F0B7678}"/>
+                <a16:creationId xmlns:a16="http://schemas.microsoft.com/office/drawing/2014/main" xmlns="" id="{EFEF2FA2-6192-42C3-A33A-38457F0B7678}"/>
               </a:ext>
             </a:extLst>
           </p:cNvPr>
@@ -35346,7 +35349,7 @@
           <p:cNvPr id="68" name="TextBox 67">
             <a:extLst>
               <a:ext uri="{FF2B5EF4-FFF2-40B4-BE49-F238E27FC236}">
-                <a16:creationId xmlns="" xmlns:a16="http://schemas.microsoft.com/office/drawing/2014/main" id="{A67DAA64-F730-4410-A239-969946757E44}"/>
+                <a16:creationId xmlns:a16="http://schemas.microsoft.com/office/drawing/2014/main" xmlns="" id="{A67DAA64-F730-4410-A239-969946757E44}"/>
               </a:ext>
             </a:extLst>
           </p:cNvPr>
@@ -35425,7 +35428,7 @@
           <p:cNvPr id="69" name="Rectangle 68">
             <a:extLst>
               <a:ext uri="{FF2B5EF4-FFF2-40B4-BE49-F238E27FC236}">
-                <a16:creationId xmlns="" xmlns:a16="http://schemas.microsoft.com/office/drawing/2014/main" id="{C7BF5F9F-8645-4C59-9C82-7A31F98DBA63}"/>
+                <a16:creationId xmlns:a16="http://schemas.microsoft.com/office/drawing/2014/main" xmlns="" id="{C7BF5F9F-8645-4C59-9C82-7A31F98DBA63}"/>
               </a:ext>
             </a:extLst>
           </p:cNvPr>
@@ -35471,7 +35474,7 @@
           <p:cNvPr id="70" name="Rectangle: Rounded Corners 69">
             <a:extLst>
               <a:ext uri="{FF2B5EF4-FFF2-40B4-BE49-F238E27FC236}">
-                <a16:creationId xmlns="" xmlns:a16="http://schemas.microsoft.com/office/drawing/2014/main" id="{065E8468-3CD7-46AB-9AE3-BC0AA3EDE4A2}"/>
+                <a16:creationId xmlns:a16="http://schemas.microsoft.com/office/drawing/2014/main" xmlns="" id="{065E8468-3CD7-46AB-9AE3-BC0AA3EDE4A2}"/>
               </a:ext>
             </a:extLst>
           </p:cNvPr>
@@ -35555,7 +35558,7 @@
           <p:cNvPr id="6" name="Picture 5">
             <a:extLst>
               <a:ext uri="{FF2B5EF4-FFF2-40B4-BE49-F238E27FC236}">
-                <a16:creationId xmlns="" xmlns:a16="http://schemas.microsoft.com/office/drawing/2014/main" id="{F6164AE6-B86F-4668-B82E-2CCF243694C5}"/>
+                <a16:creationId xmlns:a16="http://schemas.microsoft.com/office/drawing/2014/main" xmlns="" id="{F6164AE6-B86F-4668-B82E-2CCF243694C5}"/>
               </a:ext>
             </a:extLst>
           </p:cNvPr>
@@ -35585,7 +35588,7 @@
           <p:cNvPr id="7" name="TextBox 6">
             <a:extLst>
               <a:ext uri="{FF2B5EF4-FFF2-40B4-BE49-F238E27FC236}">
-                <a16:creationId xmlns="" xmlns:a16="http://schemas.microsoft.com/office/drawing/2014/main" id="{F43B97D8-23B6-4B2F-AE82-8C0B2E7C3495}"/>
+                <a16:creationId xmlns:a16="http://schemas.microsoft.com/office/drawing/2014/main" xmlns="" id="{F43B97D8-23B6-4B2F-AE82-8C0B2E7C3495}"/>
               </a:ext>
             </a:extLst>
           </p:cNvPr>
@@ -35661,7 +35664,7 @@
           <p:cNvPr id="9" name="TextBox 8">
             <a:extLst>
               <a:ext uri="{FF2B5EF4-FFF2-40B4-BE49-F238E27FC236}">
-                <a16:creationId xmlns="" xmlns:a16="http://schemas.microsoft.com/office/drawing/2014/main" id="{F43B97D8-23B6-4B2F-AE82-8C0B2E7C3495}"/>
+                <a16:creationId xmlns:a16="http://schemas.microsoft.com/office/drawing/2014/main" xmlns="" id="{F43B97D8-23B6-4B2F-AE82-8C0B2E7C3495}"/>
               </a:ext>
             </a:extLst>
           </p:cNvPr>
@@ -35698,7 +35701,7 @@
           <p:cNvPr id="50" name="Rectangle 49">
             <a:extLst>
               <a:ext uri="{FF2B5EF4-FFF2-40B4-BE49-F238E27FC236}">
-                <a16:creationId xmlns="" xmlns:a16="http://schemas.microsoft.com/office/drawing/2014/main" id="{F68F26D9-57CB-43BE-9CD6-1A549AC359F7}"/>
+                <a16:creationId xmlns:a16="http://schemas.microsoft.com/office/drawing/2014/main" xmlns="" id="{F68F26D9-57CB-43BE-9CD6-1A549AC359F7}"/>
               </a:ext>
             </a:extLst>
           </p:cNvPr>
@@ -35745,7 +35748,7 @@
           <p:cNvPr id="11" name="TextBox 10">
             <a:extLst>
               <a:ext uri="{FF2B5EF4-FFF2-40B4-BE49-F238E27FC236}">
-                <a16:creationId xmlns="" xmlns:a16="http://schemas.microsoft.com/office/drawing/2014/main" id="{B582E5B7-E87C-48C5-AC0E-102B92901134}"/>
+                <a16:creationId xmlns:a16="http://schemas.microsoft.com/office/drawing/2014/main" xmlns="" id="{B582E5B7-E87C-48C5-AC0E-102B92901134}"/>
               </a:ext>
             </a:extLst>
           </p:cNvPr>
@@ -35962,7 +35965,7 @@
           <p:cNvPr id="15" name="TextBox 14">
             <a:extLst>
               <a:ext uri="{FF2B5EF4-FFF2-40B4-BE49-F238E27FC236}">
-                <a16:creationId xmlns="" xmlns:a16="http://schemas.microsoft.com/office/drawing/2014/main" id="{B582E5B7-E87C-48C5-AC0E-102B92901134}"/>
+                <a16:creationId xmlns:a16="http://schemas.microsoft.com/office/drawing/2014/main" xmlns="" id="{B582E5B7-E87C-48C5-AC0E-102B92901134}"/>
               </a:ext>
             </a:extLst>
           </p:cNvPr>
@@ -36031,7 +36034,7 @@
             <p:cNvPr id="16" name="TextBox 15">
               <a:extLst>
                 <a:ext uri="{FF2B5EF4-FFF2-40B4-BE49-F238E27FC236}">
-                  <a16:creationId xmlns="" xmlns:a16="http://schemas.microsoft.com/office/drawing/2014/main" id="{B582E5B7-E87C-48C5-AC0E-102B92901134}"/>
+                  <a16:creationId xmlns:a16="http://schemas.microsoft.com/office/drawing/2014/main" xmlns="" id="{B582E5B7-E87C-48C5-AC0E-102B92901134}"/>
                 </a:ext>
               </a:extLst>
             </p:cNvPr>
@@ -36151,7 +36154,7 @@
             <p:cNvPr id="18" name="TextBox 17">
               <a:extLst>
                 <a:ext uri="{FF2B5EF4-FFF2-40B4-BE49-F238E27FC236}">
-                  <a16:creationId xmlns="" xmlns:a16="http://schemas.microsoft.com/office/drawing/2014/main" id="{B582E5B7-E87C-48C5-AC0E-102B92901134}"/>
+                  <a16:creationId xmlns:a16="http://schemas.microsoft.com/office/drawing/2014/main" xmlns="" id="{B582E5B7-E87C-48C5-AC0E-102B92901134}"/>
                 </a:ext>
               </a:extLst>
             </p:cNvPr>
@@ -36223,7 +36226,7 @@
               <p:cNvPr id="19" name="TextBox 18">
                 <a:extLst>
                   <a:ext uri="{FF2B5EF4-FFF2-40B4-BE49-F238E27FC236}">
-                    <a16:creationId xmlns="" xmlns:a16="http://schemas.microsoft.com/office/drawing/2014/main" id="{B582E5B7-E87C-48C5-AC0E-102B92901134}"/>
+                    <a16:creationId xmlns:a16="http://schemas.microsoft.com/office/drawing/2014/main" xmlns="" id="{B582E5B7-E87C-48C5-AC0E-102B92901134}"/>
                   </a:ext>
                 </a:extLst>
               </p:cNvPr>
@@ -37331,7 +37334,7 @@
             <p:cNvPr id="58" name="TextBox 57">
               <a:extLst>
                 <a:ext uri="{FF2B5EF4-FFF2-40B4-BE49-F238E27FC236}">
-                  <a16:creationId xmlns="" xmlns:a16="http://schemas.microsoft.com/office/drawing/2014/main" id="{B582E5B7-E87C-48C5-AC0E-102B92901134}"/>
+                  <a16:creationId xmlns:a16="http://schemas.microsoft.com/office/drawing/2014/main" xmlns="" id="{B582E5B7-E87C-48C5-AC0E-102B92901134}"/>
                 </a:ext>
               </a:extLst>
             </p:cNvPr>
@@ -37403,7 +37406,7 @@
               <p:cNvPr id="60" name="TextBox 59">
                 <a:extLst>
                   <a:ext uri="{FF2B5EF4-FFF2-40B4-BE49-F238E27FC236}">
-                    <a16:creationId xmlns="" xmlns:a16="http://schemas.microsoft.com/office/drawing/2014/main" id="{B582E5B7-E87C-48C5-AC0E-102B92901134}"/>
+                    <a16:creationId xmlns:a16="http://schemas.microsoft.com/office/drawing/2014/main" xmlns="" id="{B582E5B7-E87C-48C5-AC0E-102B92901134}"/>
                   </a:ext>
                 </a:extLst>
               </p:cNvPr>
@@ -37510,7 +37513,7 @@
           <p:cNvPr id="62" name="Rectangle 61">
             <a:extLst>
               <a:ext uri="{FF2B5EF4-FFF2-40B4-BE49-F238E27FC236}">
-                <a16:creationId xmlns="" xmlns:a16="http://schemas.microsoft.com/office/drawing/2014/main" id="{353BFA1C-32B8-4D02-82DD-D04AE5441E95}"/>
+                <a16:creationId xmlns:a16="http://schemas.microsoft.com/office/drawing/2014/main" xmlns="" id="{353BFA1C-32B8-4D02-82DD-D04AE5441E95}"/>
               </a:ext>
             </a:extLst>
           </p:cNvPr>
@@ -37578,7 +37581,7 @@
           <p:cNvPr id="63" name="Rectangle 62">
             <a:extLst>
               <a:ext uri="{FF2B5EF4-FFF2-40B4-BE49-F238E27FC236}">
-                <a16:creationId xmlns="" xmlns:a16="http://schemas.microsoft.com/office/drawing/2014/main" id="{144145E3-8466-4612-8478-3C34ED5354C8}"/>
+                <a16:creationId xmlns:a16="http://schemas.microsoft.com/office/drawing/2014/main" xmlns="" id="{144145E3-8466-4612-8478-3C34ED5354C8}"/>
               </a:ext>
             </a:extLst>
           </p:cNvPr>
@@ -37638,7 +37641,7 @@
           <p:cNvPr id="49" name="TextBox 48">
             <a:extLst>
               <a:ext uri="{FF2B5EF4-FFF2-40B4-BE49-F238E27FC236}">
-                <a16:creationId xmlns="" xmlns:a16="http://schemas.microsoft.com/office/drawing/2014/main" id="{CD2A8DE0-B0E7-40FB-9538-60D54401A4F8}"/>
+                <a16:creationId xmlns:a16="http://schemas.microsoft.com/office/drawing/2014/main" xmlns="" id="{CD2A8DE0-B0E7-40FB-9538-60D54401A4F8}"/>
               </a:ext>
             </a:extLst>
           </p:cNvPr>
@@ -37751,7 +37754,7 @@
           <p:cNvPr id="6" name="Picture 5">
             <a:extLst>
               <a:ext uri="{FF2B5EF4-FFF2-40B4-BE49-F238E27FC236}">
-                <a16:creationId xmlns="" xmlns:a16="http://schemas.microsoft.com/office/drawing/2014/main" id="{F6164AE6-B86F-4668-B82E-2CCF243694C5}"/>
+                <a16:creationId xmlns:a16="http://schemas.microsoft.com/office/drawing/2014/main" xmlns="" id="{F6164AE6-B86F-4668-B82E-2CCF243694C5}"/>
               </a:ext>
             </a:extLst>
           </p:cNvPr>
@@ -37781,7 +37784,7 @@
           <p:cNvPr id="7" name="TextBox 6">
             <a:extLst>
               <a:ext uri="{FF2B5EF4-FFF2-40B4-BE49-F238E27FC236}">
-                <a16:creationId xmlns="" xmlns:a16="http://schemas.microsoft.com/office/drawing/2014/main" id="{F43B97D8-23B6-4B2F-AE82-8C0B2E7C3495}"/>
+                <a16:creationId xmlns:a16="http://schemas.microsoft.com/office/drawing/2014/main" xmlns="" id="{F43B97D8-23B6-4B2F-AE82-8C0B2E7C3495}"/>
               </a:ext>
             </a:extLst>
           </p:cNvPr>
@@ -37857,7 +37860,7 @@
           <p:cNvPr id="9" name="TextBox 8">
             <a:extLst>
               <a:ext uri="{FF2B5EF4-FFF2-40B4-BE49-F238E27FC236}">
-                <a16:creationId xmlns="" xmlns:a16="http://schemas.microsoft.com/office/drawing/2014/main" id="{F43B97D8-23B6-4B2F-AE82-8C0B2E7C3495}"/>
+                <a16:creationId xmlns:a16="http://schemas.microsoft.com/office/drawing/2014/main" xmlns="" id="{F43B97D8-23B6-4B2F-AE82-8C0B2E7C3495}"/>
               </a:ext>
             </a:extLst>
           </p:cNvPr>
@@ -37891,7 +37894,7 @@
           <p:cNvPr id="50" name="Rectangle 49">
             <a:extLst>
               <a:ext uri="{FF2B5EF4-FFF2-40B4-BE49-F238E27FC236}">
-                <a16:creationId xmlns="" xmlns:a16="http://schemas.microsoft.com/office/drawing/2014/main" id="{F68F26D9-57CB-43BE-9CD6-1A549AC359F7}"/>
+                <a16:creationId xmlns:a16="http://schemas.microsoft.com/office/drawing/2014/main" xmlns="" id="{F68F26D9-57CB-43BE-9CD6-1A549AC359F7}"/>
               </a:ext>
             </a:extLst>
           </p:cNvPr>
@@ -37940,7 +37943,7 @@
           <p:cNvPr id="15" name="TextBox 14">
             <a:extLst>
               <a:ext uri="{FF2B5EF4-FFF2-40B4-BE49-F238E27FC236}">
-                <a16:creationId xmlns="" xmlns:a16="http://schemas.microsoft.com/office/drawing/2014/main" id="{B582E5B7-E87C-48C5-AC0E-102B92901134}"/>
+                <a16:creationId xmlns:a16="http://schemas.microsoft.com/office/drawing/2014/main" xmlns="" id="{B582E5B7-E87C-48C5-AC0E-102B92901134}"/>
               </a:ext>
             </a:extLst>
           </p:cNvPr>
@@ -38036,7 +38039,7 @@
             <p:cNvPr id="16" name="TextBox 15">
               <a:extLst>
                 <a:ext uri="{FF2B5EF4-FFF2-40B4-BE49-F238E27FC236}">
-                  <a16:creationId xmlns="" xmlns:a16="http://schemas.microsoft.com/office/drawing/2014/main" id="{B582E5B7-E87C-48C5-AC0E-102B92901134}"/>
+                  <a16:creationId xmlns:a16="http://schemas.microsoft.com/office/drawing/2014/main" xmlns="" id="{B582E5B7-E87C-48C5-AC0E-102B92901134}"/>
                 </a:ext>
               </a:extLst>
             </p:cNvPr>
@@ -38211,7 +38214,7 @@
               <p:cNvPr id="51" name="TextBox 50">
                 <a:extLst>
                   <a:ext uri="{FF2B5EF4-FFF2-40B4-BE49-F238E27FC236}">
-                    <a16:creationId xmlns="" xmlns:a16="http://schemas.microsoft.com/office/drawing/2014/main" id="{35027200-2475-4C98-B638-984C0BD7645B}"/>
+                    <a16:creationId xmlns:a16="http://schemas.microsoft.com/office/drawing/2014/main" xmlns="" id="{35027200-2475-4C98-B638-984C0BD7645B}"/>
                   </a:ext>
                 </a:extLst>
               </p:cNvPr>
@@ -38254,7 +38257,7 @@
               <p:cNvPr id="52" name="Rectangle 51">
                 <a:extLst>
                   <a:ext uri="{FF2B5EF4-FFF2-40B4-BE49-F238E27FC236}">
-                    <a16:creationId xmlns="" xmlns:a16="http://schemas.microsoft.com/office/drawing/2014/main" id="{C358816E-54E5-45F0-8D61-868350D0A38A}"/>
+                    <a16:creationId xmlns:a16="http://schemas.microsoft.com/office/drawing/2014/main" xmlns="" id="{C358816E-54E5-45F0-8D61-868350D0A38A}"/>
                   </a:ext>
                 </a:extLst>
               </p:cNvPr>
@@ -38316,7 +38319,7 @@
               <p:cNvPr id="53" name="TextBox 52">
                 <a:extLst>
                   <a:ext uri="{FF2B5EF4-FFF2-40B4-BE49-F238E27FC236}">
-                    <a16:creationId xmlns="" xmlns:a16="http://schemas.microsoft.com/office/drawing/2014/main" id="{AD4DF309-D482-4184-9C2A-7174361E5311}"/>
+                    <a16:creationId xmlns:a16="http://schemas.microsoft.com/office/drawing/2014/main" xmlns="" id="{AD4DF309-D482-4184-9C2A-7174361E5311}"/>
                   </a:ext>
                 </a:extLst>
               </p:cNvPr>
@@ -38359,7 +38362,7 @@
               <p:cNvPr id="54" name="Rectangle 53">
                 <a:extLst>
                   <a:ext uri="{FF2B5EF4-FFF2-40B4-BE49-F238E27FC236}">
-                    <a16:creationId xmlns="" xmlns:a16="http://schemas.microsoft.com/office/drawing/2014/main" id="{36C8DF58-7B1A-4F51-8B8A-5F50C203472F}"/>
+                    <a16:creationId xmlns:a16="http://schemas.microsoft.com/office/drawing/2014/main" xmlns="" id="{36C8DF58-7B1A-4F51-8B8A-5F50C203472F}"/>
                   </a:ext>
                 </a:extLst>
               </p:cNvPr>
@@ -38408,7 +38411,7 @@
           <p:cNvPr id="55" name="TextBox 54">
             <a:extLst>
               <a:ext uri="{FF2B5EF4-FFF2-40B4-BE49-F238E27FC236}">
-                <a16:creationId xmlns="" xmlns:a16="http://schemas.microsoft.com/office/drawing/2014/main" id="{B582E5B7-E87C-48C5-AC0E-102B92901134}"/>
+                <a16:creationId xmlns:a16="http://schemas.microsoft.com/office/drawing/2014/main" xmlns="" id="{B582E5B7-E87C-48C5-AC0E-102B92901134}"/>
               </a:ext>
             </a:extLst>
           </p:cNvPr>
@@ -38492,7 +38495,7 @@
             <p:cNvPr id="64" name="TextBox 63">
               <a:extLst>
                 <a:ext uri="{FF2B5EF4-FFF2-40B4-BE49-F238E27FC236}">
-                  <a16:creationId xmlns="" xmlns:a16="http://schemas.microsoft.com/office/drawing/2014/main" id="{B582E5B7-E87C-48C5-AC0E-102B92901134}"/>
+                  <a16:creationId xmlns:a16="http://schemas.microsoft.com/office/drawing/2014/main" xmlns="" id="{B582E5B7-E87C-48C5-AC0E-102B92901134}"/>
                 </a:ext>
               </a:extLst>
             </p:cNvPr>
@@ -38581,206 +38584,126 @@
           </p:txBody>
         </p:sp>
       </p:grpSp>
-      <p:grpSp>
-        <p:nvGrpSpPr>
-          <p:cNvPr id="10" name="Group 9"/>
-          <p:cNvGrpSpPr/>
-          <p:nvPr/>
-        </p:nvGrpSpPr>
-        <p:grpSpPr>
-          <a:xfrm>
-            <a:off x="5326528" y="1867999"/>
-            <a:ext cx="914400" cy="914400"/>
-            <a:chOff x="5715000" y="1765883"/>
-            <a:chExt cx="914400" cy="914400"/>
-          </a:xfrm>
-        </p:grpSpPr>
-        <p:sp>
-          <p:nvSpPr>
-            <p:cNvPr id="5" name="Oval 4"/>
-            <p:cNvSpPr/>
-            <p:nvPr/>
-          </p:nvSpPr>
-          <p:spPr>
-            <a:xfrm>
-              <a:off x="5715000" y="1765883"/>
-              <a:ext cx="914400" cy="914400"/>
-            </a:xfrm>
-            <a:prstGeom prst="ellipse">
-              <a:avLst/>
-            </a:prstGeom>
+      <p:graphicFrame>
+        <p:nvGraphicFramePr>
+          <p:cNvPr id="22" name="Chart 21"/>
+          <p:cNvGraphicFramePr/>
+          <p:nvPr>
+            <p:extLst>
+              <p:ext uri="{D42A27DB-BD31-4B8C-83A1-F6EECF244321}">
+                <p14:modId xmlns:p14="http://schemas.microsoft.com/office/powerpoint/2010/main" val="537405628"/>
+              </p:ext>
+            </p:extLst>
+          </p:nvPr>
+        </p:nvGraphicFramePr>
+        <p:xfrm>
+          <a:off x="845484" y="3505200"/>
+          <a:ext cx="8012629" cy="3174900"/>
+        </p:xfrm>
+        <a:graphic>
+          <a:graphicData uri="http://schemas.openxmlformats.org/drawingml/2006/chart">
+            <c:chart xmlns:c="http://schemas.openxmlformats.org/drawingml/2006/chart" xmlns:r="http://schemas.openxmlformats.org/officeDocument/2006/relationships" r:id="rId4"/>
+          </a:graphicData>
+        </a:graphic>
+      </p:graphicFrame>
+      <p:sp>
+        <p:nvSpPr>
+          <p:cNvPr id="85" name="TextBox 84">
+            <a:extLst>
+              <a:ext uri="{FF2B5EF4-FFF2-40B4-BE49-F238E27FC236}">
+                <a16:creationId xmlns:a16="http://schemas.microsoft.com/office/drawing/2014/main" xmlns="" id="{CD2A8DE0-B0E7-40FB-9538-60D54401A4F8}"/>
+              </a:ext>
+            </a:extLst>
+          </p:cNvPr>
+          <p:cNvSpPr txBox="1"/>
+          <p:nvPr/>
+        </p:nvSpPr>
+        <p:spPr>
+          <a:xfrm>
+            <a:off x="228600" y="76200"/>
+            <a:ext cx="4572000" cy="369332"/>
+          </a:xfrm>
+          <a:prstGeom prst="rect">
+            <a:avLst/>
+          </a:prstGeom>
+          <a:noFill/>
+        </p:spPr>
+        <p:txBody>
+          <a:bodyPr wrap="square" rtlCol="0">
+            <a:spAutoFit/>
+          </a:bodyPr>
+          <a:lstStyle/>
+          <a:p>
+            <a:r>
+              <a:rPr lang="en-US" dirty="0" err="1">
+                <a:latin typeface="+mj-lt"/>
+              </a:rPr>
+              <a:t>Màn</a:t>
+            </a:r>
+            <a:r>
+              <a:rPr lang="en-US" dirty="0">
+                <a:latin typeface="+mj-lt"/>
+              </a:rPr>
+              <a:t> </a:t>
+            </a:r>
+            <a:r>
+              <a:rPr lang="en-US" dirty="0" err="1" smtClean="0">
+                <a:latin typeface="+mj-lt"/>
+              </a:rPr>
+              <a:t>hình</a:t>
+            </a:r>
+            <a:r>
+              <a:rPr lang="en-US" dirty="0" smtClean="0">
+                <a:latin typeface="+mj-lt"/>
+              </a:rPr>
+              <a:t> </a:t>
+            </a:r>
+            <a:r>
+              <a:rPr lang="en-US" dirty="0" err="1" smtClean="0">
+                <a:latin typeface="+mj-lt"/>
+              </a:rPr>
+              <a:t>báo</a:t>
+            </a:r>
+            <a:r>
+              <a:rPr lang="en-US" dirty="0" smtClean="0">
+                <a:latin typeface="+mj-lt"/>
+              </a:rPr>
+              <a:t> </a:t>
+            </a:r>
+            <a:r>
+              <a:rPr lang="en-US" dirty="0" err="1" smtClean="0">
+                <a:latin typeface="+mj-lt"/>
+              </a:rPr>
+              <a:t>cáo</a:t>
+            </a:r>
+            <a:endParaRPr lang="en-US" dirty="0">
+              <a:latin typeface="+mj-lt"/>
+            </a:endParaRPr>
+          </a:p>
+        </p:txBody>
+      </p:sp>
+      <p:sp>
+        <p:nvSpPr>
+          <p:cNvPr id="46" name="Rectangle 45"/>
+          <p:cNvSpPr/>
+          <p:nvPr/>
+        </p:nvSpPr>
+        <p:spPr>
+          <a:xfrm>
+            <a:off x="5161128" y="1752600"/>
+            <a:ext cx="3252622" cy="1182156"/>
+          </a:xfrm>
+          <a:prstGeom prst="rect">
+            <a:avLst/>
+          </a:prstGeom>
+          <a:solidFill>
+            <a:srgbClr val="ECECEC"/>
+          </a:solidFill>
+          <a:ln w="12700">
             <a:solidFill>
-              <a:srgbClr val="4BBF60"/>
-            </a:solidFill>
-            <a:ln>
-              <a:solidFill>
-                <a:srgbClr val="36D68A"/>
-              </a:solidFill>
-            </a:ln>
-          </p:spPr>
-          <p:style>
-            <a:lnRef idx="2">
-              <a:schemeClr val="accent1">
-                <a:shade val="50000"/>
-              </a:schemeClr>
-            </a:lnRef>
-            <a:fillRef idx="1">
-              <a:schemeClr val="accent1"/>
-            </a:fillRef>
-            <a:effectRef idx="0">
-              <a:schemeClr val="accent1"/>
-            </a:effectRef>
-            <a:fontRef idx="minor">
-              <a:schemeClr val="lt1"/>
-            </a:fontRef>
-          </p:style>
-          <p:txBody>
-            <a:bodyPr rtlCol="0" anchor="ctr"/>
-            <a:lstStyle/>
-            <a:p>
-              <a:pPr algn="ctr"/>
-              <a:endParaRPr lang="en-US" dirty="0"/>
-            </a:p>
-          </p:txBody>
-        </p:sp>
-        <p:sp>
-          <p:nvSpPr>
-            <p:cNvPr id="66" name="Rectangle 65">
-              <a:extLst>
-                <a:ext uri="{FF2B5EF4-FFF2-40B4-BE49-F238E27FC236}">
-                  <a16:creationId xmlns="" xmlns:a16="http://schemas.microsoft.com/office/drawing/2014/main" id="{36C8DF58-7B1A-4F51-8B8A-5F50C203472F}"/>
-                </a:ext>
-              </a:extLst>
-            </p:cNvPr>
-            <p:cNvSpPr/>
-            <p:nvPr/>
-          </p:nvSpPr>
-          <p:spPr>
-            <a:xfrm>
-              <a:off x="5770176" y="2100152"/>
-              <a:ext cx="804047" cy="450095"/>
-            </a:xfrm>
-            <a:prstGeom prst="rect">
-              <a:avLst/>
-            </a:prstGeom>
-            <a:noFill/>
-            <a:ln w="12700">
-              <a:noFill/>
-            </a:ln>
-          </p:spPr>
-          <p:style>
-            <a:lnRef idx="2">
-              <a:schemeClr val="dk1"/>
-            </a:lnRef>
-            <a:fillRef idx="1">
-              <a:schemeClr val="lt1"/>
-            </a:fillRef>
-            <a:effectRef idx="0">
-              <a:schemeClr val="dk1"/>
-            </a:effectRef>
-            <a:fontRef idx="minor">
-              <a:schemeClr val="dk1"/>
-            </a:fontRef>
-          </p:style>
-          <p:txBody>
-            <a:bodyPr rtlCol="0" anchor="ctr"/>
-            <a:lstStyle/>
-            <a:p>
-              <a:pPr algn="ctr"/>
-              <a:r>
-                <a:rPr lang="en-US" sz="1000" dirty="0" err="1" smtClean="0">
-                  <a:latin typeface="+mj-lt"/>
-                </a:rPr>
-                <a:t>Thống</a:t>
-              </a:r>
-              <a:r>
-                <a:rPr lang="en-US" sz="1000" dirty="0" smtClean="0">
-                  <a:latin typeface="+mj-lt"/>
-                </a:rPr>
-                <a:t> </a:t>
-              </a:r>
-              <a:r>
-                <a:rPr lang="en-US" sz="1000" dirty="0" err="1" smtClean="0">
-                  <a:latin typeface="+mj-lt"/>
-                </a:rPr>
-                <a:t>kê</a:t>
-              </a:r>
-              <a:endParaRPr lang="en-US" sz="1000" dirty="0">
-                <a:latin typeface="+mj-lt"/>
-              </a:endParaRPr>
-            </a:p>
-          </p:txBody>
-        </p:sp>
-        <p:pic>
-          <p:nvPicPr>
-            <p:cNvPr id="67" name="Picture 17" descr="C:\Users\HuyTran\Desktop\WPF project\report.png"/>
-            <p:cNvPicPr>
-              <a:picLocks noChangeAspect="1" noChangeArrowheads="1"/>
-            </p:cNvPicPr>
-            <p:nvPr/>
-          </p:nvPicPr>
-          <p:blipFill>
-            <a:blip r:embed="rId4" cstate="print">
-              <a:extLst>
-                <a:ext uri="{28A0092B-C50C-407E-A947-70E740481C1C}">
-                  <a14:useLocalDpi xmlns:a14="http://schemas.microsoft.com/office/drawing/2010/main" val="0"/>
-                </a:ext>
-              </a:extLst>
-            </a:blip>
-            <a:srcRect/>
-            <a:stretch>
-              <a:fillRect/>
-            </a:stretch>
-          </p:blipFill>
-          <p:spPr bwMode="auto">
-            <a:xfrm>
-              <a:off x="6027271" y="1878877"/>
-              <a:ext cx="289857" cy="293587"/>
-            </a:xfrm>
-            <a:prstGeom prst="rect">
-              <a:avLst/>
-            </a:prstGeom>
-            <a:noFill/>
-            <a:extLst>
-              <a:ext uri="{909E8E84-426E-40DD-AFC4-6F175D3DCCD1}">
-                <a14:hiddenFill xmlns:a14="http://schemas.microsoft.com/office/drawing/2010/main">
-                  <a:solidFill>
-                    <a:srgbClr val="FFFFFF"/>
-                  </a:solidFill>
-                </a14:hiddenFill>
-              </a:ext>
-            </a:extLst>
-          </p:spPr>
-        </p:pic>
-      </p:grpSp>
-      <p:sp>
-        <p:nvSpPr>
-          <p:cNvPr id="73" name="Rectangle 72">
-            <a:extLst>
-              <a:ext uri="{FF2B5EF4-FFF2-40B4-BE49-F238E27FC236}">
-                <a16:creationId xmlns="" xmlns:a16="http://schemas.microsoft.com/office/drawing/2014/main" id="{9969480F-3B74-4CC4-8434-19572E987218}"/>
-              </a:ext>
-            </a:extLst>
-          </p:cNvPr>
-          <p:cNvSpPr/>
-          <p:nvPr/>
-        </p:nvSpPr>
-        <p:spPr>
-          <a:xfrm>
-            <a:off x="6400800" y="1927835"/>
-            <a:ext cx="1136921" cy="358165"/>
-          </a:xfrm>
-          <a:prstGeom prst="rect">
-            <a:avLst/>
-          </a:prstGeom>
-          <a:solidFill>
-            <a:srgbClr val="0070C0"/>
-          </a:solidFill>
-          <a:ln>
-            <a:solidFill>
-              <a:schemeClr val="tx2">
-                <a:lumMod val="60000"/>
-                <a:lumOff val="40000"/>
+              <a:schemeClr val="tx1">
+                <a:lumMod val="95000"/>
+                <a:lumOff val="5000"/>
               </a:schemeClr>
             </a:solidFill>
           </a:ln>
@@ -38806,30 +38729,720 @@
           <a:lstStyle/>
           <a:p>
             <a:pPr algn="ctr"/>
-            <a:r>
-              <a:rPr lang="en-US" sz="1200" b="1" dirty="0" smtClean="0">
-                <a:latin typeface="+mj-lt"/>
-              </a:rPr>
-              <a:t>           </a:t>
-            </a:r>
-            <a:r>
-              <a:rPr lang="en-US" sz="1200" b="1" dirty="0" err="1" smtClean="0">
-                <a:latin typeface="+mj-lt"/>
-              </a:rPr>
-              <a:t>Lưu</a:t>
-            </a:r>
-            <a:endParaRPr lang="en-US" sz="1200" b="1" dirty="0">
-              <a:latin typeface="+mj-lt"/>
-            </a:endParaRPr>
-          </a:p>
-        </p:txBody>
-      </p:sp>
-      <p:sp>
-        <p:nvSpPr>
-          <p:cNvPr id="75" name="Rectangle 74">
-            <a:extLst>
-              <a:ext uri="{FF2B5EF4-FFF2-40B4-BE49-F238E27FC236}">
-                <a16:creationId xmlns="" xmlns:a16="http://schemas.microsoft.com/office/drawing/2014/main" id="{9969480F-3B74-4CC4-8434-19572E987218}"/>
+            <a:endParaRPr lang="en-US"/>
+          </a:p>
+        </p:txBody>
+      </p:sp>
+      <p:grpSp>
+        <p:nvGrpSpPr>
+          <p:cNvPr id="90" name="Group 89"/>
+          <p:cNvGrpSpPr/>
+          <p:nvPr/>
+        </p:nvGrpSpPr>
+        <p:grpSpPr>
+          <a:xfrm>
+            <a:off x="5326528" y="1867999"/>
+            <a:ext cx="2836479" cy="914400"/>
+            <a:chOff x="5326528" y="1867999"/>
+            <a:chExt cx="2836479" cy="914400"/>
+          </a:xfrm>
+        </p:grpSpPr>
+        <p:grpSp>
+          <p:nvGrpSpPr>
+            <p:cNvPr id="10" name="Group 9"/>
+            <p:cNvGrpSpPr/>
+            <p:nvPr/>
+          </p:nvGrpSpPr>
+          <p:grpSpPr>
+            <a:xfrm>
+              <a:off x="5326528" y="1867999"/>
+              <a:ext cx="914400" cy="914400"/>
+              <a:chOff x="5715000" y="1765883"/>
+              <a:chExt cx="914400" cy="914400"/>
+            </a:xfrm>
+          </p:grpSpPr>
+          <p:sp>
+            <p:nvSpPr>
+              <p:cNvPr id="5" name="Oval 4"/>
+              <p:cNvSpPr/>
+              <p:nvPr/>
+            </p:nvSpPr>
+            <p:spPr>
+              <a:xfrm>
+                <a:off x="5715000" y="1765883"/>
+                <a:ext cx="914400" cy="914400"/>
+              </a:xfrm>
+              <a:prstGeom prst="ellipse">
+                <a:avLst/>
+              </a:prstGeom>
+              <a:solidFill>
+                <a:srgbClr val="4BBF60"/>
+              </a:solidFill>
+              <a:ln>
+                <a:solidFill>
+                  <a:srgbClr val="36D68A"/>
+                </a:solidFill>
+              </a:ln>
+            </p:spPr>
+            <p:style>
+              <a:lnRef idx="2">
+                <a:schemeClr val="accent1">
+                  <a:shade val="50000"/>
+                </a:schemeClr>
+              </a:lnRef>
+              <a:fillRef idx="1">
+                <a:schemeClr val="accent1"/>
+              </a:fillRef>
+              <a:effectRef idx="0">
+                <a:schemeClr val="accent1"/>
+              </a:effectRef>
+              <a:fontRef idx="minor">
+                <a:schemeClr val="lt1"/>
+              </a:fontRef>
+            </p:style>
+            <p:txBody>
+              <a:bodyPr rtlCol="0" anchor="ctr"/>
+              <a:lstStyle/>
+              <a:p>
+                <a:pPr algn="ctr"/>
+                <a:endParaRPr lang="en-US" dirty="0"/>
+              </a:p>
+            </p:txBody>
+          </p:sp>
+          <p:sp>
+            <p:nvSpPr>
+              <p:cNvPr id="66" name="Rectangle 65">
+                <a:extLst>
+                  <a:ext uri="{FF2B5EF4-FFF2-40B4-BE49-F238E27FC236}">
+                    <a16:creationId xmlns:a16="http://schemas.microsoft.com/office/drawing/2014/main" xmlns="" id="{36C8DF58-7B1A-4F51-8B8A-5F50C203472F}"/>
+                  </a:ext>
+                </a:extLst>
+              </p:cNvPr>
+              <p:cNvSpPr/>
+              <p:nvPr/>
+            </p:nvSpPr>
+            <p:spPr>
+              <a:xfrm>
+                <a:off x="5770176" y="2100152"/>
+                <a:ext cx="804047" cy="450095"/>
+              </a:xfrm>
+              <a:prstGeom prst="rect">
+                <a:avLst/>
+              </a:prstGeom>
+              <a:noFill/>
+              <a:ln w="12700">
+                <a:noFill/>
+              </a:ln>
+            </p:spPr>
+            <p:style>
+              <a:lnRef idx="2">
+                <a:schemeClr val="dk1"/>
+              </a:lnRef>
+              <a:fillRef idx="1">
+                <a:schemeClr val="lt1"/>
+              </a:fillRef>
+              <a:effectRef idx="0">
+                <a:schemeClr val="dk1"/>
+              </a:effectRef>
+              <a:fontRef idx="minor">
+                <a:schemeClr val="dk1"/>
+              </a:fontRef>
+            </p:style>
+            <p:txBody>
+              <a:bodyPr rtlCol="0" anchor="ctr"/>
+              <a:lstStyle/>
+              <a:p>
+                <a:pPr algn="ctr"/>
+                <a:r>
+                  <a:rPr lang="en-US" sz="1000" dirty="0" err="1" smtClean="0">
+                    <a:latin typeface="+mj-lt"/>
+                  </a:rPr>
+                  <a:t>Thống</a:t>
+                </a:r>
+                <a:r>
+                  <a:rPr lang="en-US" sz="1000" dirty="0" smtClean="0">
+                    <a:latin typeface="+mj-lt"/>
+                  </a:rPr>
+                  <a:t> </a:t>
+                </a:r>
+                <a:r>
+                  <a:rPr lang="en-US" sz="1000" dirty="0" err="1" smtClean="0">
+                    <a:latin typeface="+mj-lt"/>
+                  </a:rPr>
+                  <a:t>kê</a:t>
+                </a:r>
+                <a:endParaRPr lang="en-US" sz="1000" dirty="0">
+                  <a:latin typeface="+mj-lt"/>
+                </a:endParaRPr>
+              </a:p>
+            </p:txBody>
+          </p:sp>
+          <p:pic>
+            <p:nvPicPr>
+              <p:cNvPr id="67" name="Picture 17" descr="C:\Users\HuyTran\Desktop\WPF project\report.png"/>
+              <p:cNvPicPr>
+                <a:picLocks noChangeAspect="1" noChangeArrowheads="1"/>
+              </p:cNvPicPr>
+              <p:nvPr/>
+            </p:nvPicPr>
+            <p:blipFill>
+              <a:blip r:embed="rId5" cstate="print">
+                <a:extLst>
+                  <a:ext uri="{28A0092B-C50C-407E-A947-70E740481C1C}">
+                    <a14:useLocalDpi xmlns:a14="http://schemas.microsoft.com/office/drawing/2010/main" val="0"/>
+                  </a:ext>
+                </a:extLst>
+              </a:blip>
+              <a:srcRect/>
+              <a:stretch>
+                <a:fillRect/>
+              </a:stretch>
+            </p:blipFill>
+            <p:spPr bwMode="auto">
+              <a:xfrm>
+                <a:off x="6027271" y="1878877"/>
+                <a:ext cx="289857" cy="293587"/>
+              </a:xfrm>
+              <a:prstGeom prst="rect">
+                <a:avLst/>
+              </a:prstGeom>
+              <a:noFill/>
+              <a:extLst>
+                <a:ext uri="{909E8E84-426E-40DD-AFC4-6F175D3DCCD1}">
+                  <a14:hiddenFill xmlns:a14="http://schemas.microsoft.com/office/drawing/2010/main">
+                    <a:solidFill>
+                      <a:srgbClr val="FFFFFF"/>
+                    </a:solidFill>
+                  </a14:hiddenFill>
+                </a:ext>
+              </a:extLst>
+            </p:spPr>
+          </p:pic>
+        </p:grpSp>
+        <p:grpSp>
+          <p:nvGrpSpPr>
+            <p:cNvPr id="86" name="Group 85"/>
+            <p:cNvGrpSpPr/>
+            <p:nvPr/>
+          </p:nvGrpSpPr>
+          <p:grpSpPr>
+            <a:xfrm>
+              <a:off x="6400801" y="1927835"/>
+              <a:ext cx="1133474" cy="358165"/>
+              <a:chOff x="6400801" y="1927835"/>
+              <a:chExt cx="1133474" cy="358165"/>
+            </a:xfrm>
+          </p:grpSpPr>
+          <p:sp>
+            <p:nvSpPr>
+              <p:cNvPr id="73" name="Rectangle 72">
+                <a:extLst>
+                  <a:ext uri="{FF2B5EF4-FFF2-40B4-BE49-F238E27FC236}">
+                    <a16:creationId xmlns:a16="http://schemas.microsoft.com/office/drawing/2014/main" xmlns="" id="{9969480F-3B74-4CC4-8434-19572E987218}"/>
+                  </a:ext>
+                </a:extLst>
+              </p:cNvPr>
+              <p:cNvSpPr/>
+              <p:nvPr/>
+            </p:nvSpPr>
+            <p:spPr>
+              <a:xfrm>
+                <a:off x="6400801" y="1927835"/>
+                <a:ext cx="457199" cy="358165"/>
+              </a:xfrm>
+              <a:prstGeom prst="rect">
+                <a:avLst/>
+              </a:prstGeom>
+              <a:solidFill>
+                <a:srgbClr val="0070C0"/>
+              </a:solidFill>
+              <a:ln>
+                <a:solidFill>
+                  <a:schemeClr val="tx2">
+                    <a:lumMod val="60000"/>
+                    <a:lumOff val="40000"/>
+                  </a:schemeClr>
+                </a:solidFill>
+              </a:ln>
+            </p:spPr>
+            <p:style>
+              <a:lnRef idx="2">
+                <a:schemeClr val="accent1">
+                  <a:shade val="50000"/>
+                </a:schemeClr>
+              </a:lnRef>
+              <a:fillRef idx="1">
+                <a:schemeClr val="accent1"/>
+              </a:fillRef>
+              <a:effectRef idx="0">
+                <a:schemeClr val="accent1"/>
+              </a:effectRef>
+              <a:fontRef idx="minor">
+                <a:schemeClr val="lt1"/>
+              </a:fontRef>
+            </p:style>
+            <p:txBody>
+              <a:bodyPr rtlCol="0" anchor="ctr"/>
+              <a:lstStyle/>
+              <a:p>
+                <a:pPr algn="ctr"/>
+                <a:r>
+                  <a:rPr lang="en-US" sz="1200" b="1" dirty="0" smtClean="0">
+                    <a:latin typeface="+mj-lt"/>
+                  </a:rPr>
+                  <a:t>           </a:t>
+                </a:r>
+                <a:endParaRPr lang="en-US" sz="1200" b="1" dirty="0">
+                  <a:latin typeface="+mj-lt"/>
+                </a:endParaRPr>
+              </a:p>
+            </p:txBody>
+          </p:sp>
+          <p:sp>
+            <p:nvSpPr>
+              <p:cNvPr id="75" name="Rectangle 74">
+                <a:extLst>
+                  <a:ext uri="{FF2B5EF4-FFF2-40B4-BE49-F238E27FC236}">
+                    <a16:creationId xmlns:a16="http://schemas.microsoft.com/office/drawing/2014/main" xmlns="" id="{9969480F-3B74-4CC4-8434-19572E987218}"/>
+                  </a:ext>
+                </a:extLst>
+              </p:cNvPr>
+              <p:cNvSpPr/>
+              <p:nvPr/>
+            </p:nvSpPr>
+            <p:spPr>
+              <a:xfrm>
+                <a:off x="7086600" y="1927835"/>
+                <a:ext cx="447675" cy="358165"/>
+              </a:xfrm>
+              <a:prstGeom prst="rect">
+                <a:avLst/>
+              </a:prstGeom>
+              <a:solidFill>
+                <a:srgbClr val="0070C0"/>
+              </a:solidFill>
+              <a:ln>
+                <a:solidFill>
+                  <a:schemeClr val="tx2">
+                    <a:lumMod val="60000"/>
+                    <a:lumOff val="40000"/>
+                  </a:schemeClr>
+                </a:solidFill>
+              </a:ln>
+            </p:spPr>
+            <p:style>
+              <a:lnRef idx="2">
+                <a:schemeClr val="accent1">
+                  <a:shade val="50000"/>
+                </a:schemeClr>
+              </a:lnRef>
+              <a:fillRef idx="1">
+                <a:schemeClr val="accent1"/>
+              </a:fillRef>
+              <a:effectRef idx="0">
+                <a:schemeClr val="accent1"/>
+              </a:effectRef>
+              <a:fontRef idx="minor">
+                <a:schemeClr val="lt1"/>
+              </a:fontRef>
+            </p:style>
+            <p:txBody>
+              <a:bodyPr rtlCol="0" anchor="ctr"/>
+              <a:lstStyle/>
+              <a:p>
+                <a:pPr algn="ctr"/>
+                <a:endParaRPr lang="en-US" sz="1200" b="1" dirty="0">
+                  <a:latin typeface="+mj-lt"/>
+                </a:endParaRPr>
+              </a:p>
+            </p:txBody>
+          </p:sp>
+          <p:sp>
+            <p:nvSpPr>
+              <p:cNvPr id="76" name="Rectangle 75">
+                <a:extLst>
+                  <a:ext uri="{FF2B5EF4-FFF2-40B4-BE49-F238E27FC236}">
+                    <a16:creationId xmlns:a16="http://schemas.microsoft.com/office/drawing/2014/main" xmlns="" id="{9969480F-3B74-4CC4-8434-19572E987218}"/>
+                  </a:ext>
+                </a:extLst>
+              </p:cNvPr>
+              <p:cNvSpPr/>
+              <p:nvPr/>
+            </p:nvSpPr>
+            <p:spPr>
+              <a:xfrm>
+                <a:off x="6477000" y="1990163"/>
+                <a:ext cx="304800" cy="244965"/>
+              </a:xfrm>
+              <a:prstGeom prst="rect">
+                <a:avLst/>
+              </a:prstGeom>
+              <a:noFill/>
+              <a:ln>
+                <a:noFill/>
+              </a:ln>
+            </p:spPr>
+            <p:style>
+              <a:lnRef idx="2">
+                <a:schemeClr val="accent1">
+                  <a:shade val="50000"/>
+                </a:schemeClr>
+              </a:lnRef>
+              <a:fillRef idx="1">
+                <a:schemeClr val="accent1"/>
+              </a:fillRef>
+              <a:effectRef idx="0">
+                <a:schemeClr val="accent1"/>
+              </a:effectRef>
+              <a:fontRef idx="minor">
+                <a:schemeClr val="lt1"/>
+              </a:fontRef>
+            </p:style>
+            <p:txBody>
+              <a:bodyPr rtlCol="0" anchor="ctr"/>
+              <a:lstStyle/>
+              <a:p>
+                <a:pPr algn="ctr"/>
+                <a:r>
+                  <a:rPr lang="en-US" sz="2000" dirty="0" smtClean="0">
+                    <a:latin typeface="FontAwesome" pitchFamily="2" charset="0"/>
+                  </a:rPr>
+                  <a:t></a:t>
+                </a:r>
+                <a:endParaRPr lang="en-US" sz="1200" b="1" dirty="0">
+                  <a:latin typeface="+mj-lt"/>
+                </a:endParaRPr>
+              </a:p>
+            </p:txBody>
+          </p:sp>
+          <p:sp>
+            <p:nvSpPr>
+              <p:cNvPr id="77" name="Rectangle 76">
+                <a:extLst>
+                  <a:ext uri="{FF2B5EF4-FFF2-40B4-BE49-F238E27FC236}">
+                    <a16:creationId xmlns:a16="http://schemas.microsoft.com/office/drawing/2014/main" xmlns="" id="{9969480F-3B74-4CC4-8434-19572E987218}"/>
+                  </a:ext>
+                </a:extLst>
+              </p:cNvPr>
+              <p:cNvSpPr/>
+              <p:nvPr/>
+            </p:nvSpPr>
+            <p:spPr>
+              <a:xfrm>
+                <a:off x="7162800" y="1984434"/>
+                <a:ext cx="304800" cy="244965"/>
+              </a:xfrm>
+              <a:prstGeom prst="rect">
+                <a:avLst/>
+              </a:prstGeom>
+              <a:noFill/>
+              <a:ln>
+                <a:noFill/>
+              </a:ln>
+            </p:spPr>
+            <p:style>
+              <a:lnRef idx="2">
+                <a:schemeClr val="accent1">
+                  <a:shade val="50000"/>
+                </a:schemeClr>
+              </a:lnRef>
+              <a:fillRef idx="1">
+                <a:schemeClr val="accent1"/>
+              </a:fillRef>
+              <a:effectRef idx="0">
+                <a:schemeClr val="accent1"/>
+              </a:effectRef>
+              <a:fontRef idx="minor">
+                <a:schemeClr val="lt1"/>
+              </a:fontRef>
+            </p:style>
+            <p:txBody>
+              <a:bodyPr rtlCol="0" anchor="ctr"/>
+              <a:lstStyle/>
+              <a:p>
+                <a:pPr algn="ctr"/>
+                <a:r>
+                  <a:rPr lang="en-US" sz="2000" dirty="0">
+                    <a:latin typeface="FontAwesome" pitchFamily="2" charset="0"/>
+                  </a:rPr>
+                  <a:t></a:t>
+                </a:r>
+                <a:endParaRPr lang="en-US" sz="1200" b="1" dirty="0">
+                  <a:latin typeface="+mj-lt"/>
+                </a:endParaRPr>
+              </a:p>
+            </p:txBody>
+          </p:sp>
+        </p:grpSp>
+        <p:grpSp>
+          <p:nvGrpSpPr>
+            <p:cNvPr id="88" name="Group 87"/>
+            <p:cNvGrpSpPr/>
+            <p:nvPr/>
+          </p:nvGrpSpPr>
+          <p:grpSpPr>
+            <a:xfrm>
+              <a:off x="7772400" y="1911613"/>
+              <a:ext cx="390607" cy="390607"/>
+              <a:chOff x="7772400" y="1911613"/>
+              <a:chExt cx="390607" cy="390607"/>
+            </a:xfrm>
+          </p:grpSpPr>
+          <p:sp>
+            <p:nvSpPr>
+              <p:cNvPr id="79" name="Oval 78"/>
+              <p:cNvSpPr/>
+              <p:nvPr/>
+            </p:nvSpPr>
+            <p:spPr>
+              <a:xfrm>
+                <a:off x="7772400" y="1911613"/>
+                <a:ext cx="390607" cy="390607"/>
+              </a:xfrm>
+              <a:prstGeom prst="ellipse">
+                <a:avLst/>
+              </a:prstGeom>
+              <a:solidFill>
+                <a:schemeClr val="bg1">
+                  <a:lumMod val="65000"/>
+                </a:schemeClr>
+              </a:solidFill>
+              <a:ln>
+                <a:solidFill>
+                  <a:schemeClr val="bg1">
+                    <a:lumMod val="85000"/>
+                  </a:schemeClr>
+                </a:solidFill>
+              </a:ln>
+            </p:spPr>
+            <p:style>
+              <a:lnRef idx="2">
+                <a:schemeClr val="accent1">
+                  <a:shade val="50000"/>
+                </a:schemeClr>
+              </a:lnRef>
+              <a:fillRef idx="1">
+                <a:schemeClr val="accent1"/>
+              </a:fillRef>
+              <a:effectRef idx="0">
+                <a:schemeClr val="accent1"/>
+              </a:effectRef>
+              <a:fontRef idx="minor">
+                <a:schemeClr val="lt1"/>
+              </a:fontRef>
+            </p:style>
+            <p:txBody>
+              <a:bodyPr rtlCol="0" anchor="ctr"/>
+              <a:lstStyle/>
+              <a:p>
+                <a:pPr algn="ctr"/>
+                <a:endParaRPr lang="en-US" dirty="0"/>
+              </a:p>
+            </p:txBody>
+          </p:sp>
+          <p:sp>
+            <p:nvSpPr>
+              <p:cNvPr id="82" name="Rectangle 81">
+                <a:extLst>
+                  <a:ext uri="{FF2B5EF4-FFF2-40B4-BE49-F238E27FC236}">
+                    <a16:creationId xmlns:a16="http://schemas.microsoft.com/office/drawing/2014/main" xmlns="" id="{9969480F-3B74-4CC4-8434-19572E987218}"/>
+                  </a:ext>
+                </a:extLst>
+              </p:cNvPr>
+              <p:cNvSpPr/>
+              <p:nvPr/>
+            </p:nvSpPr>
+            <p:spPr>
+              <a:xfrm>
+                <a:off x="7842169" y="2000488"/>
+                <a:ext cx="251067" cy="201780"/>
+              </a:xfrm>
+              <a:prstGeom prst="rect">
+                <a:avLst/>
+              </a:prstGeom>
+              <a:noFill/>
+              <a:ln>
+                <a:noFill/>
+              </a:ln>
+            </p:spPr>
+            <p:style>
+              <a:lnRef idx="2">
+                <a:schemeClr val="accent1">
+                  <a:shade val="50000"/>
+                </a:schemeClr>
+              </a:lnRef>
+              <a:fillRef idx="1">
+                <a:schemeClr val="accent1"/>
+              </a:fillRef>
+              <a:effectRef idx="0">
+                <a:schemeClr val="accent1"/>
+              </a:effectRef>
+              <a:fontRef idx="minor">
+                <a:schemeClr val="lt1"/>
+              </a:fontRef>
+            </p:style>
+            <p:txBody>
+              <a:bodyPr rtlCol="0" anchor="ctr"/>
+              <a:lstStyle/>
+              <a:p>
+                <a:pPr algn="ctr"/>
+                <a:r>
+                  <a:rPr lang="en-US" sz="1500" dirty="0">
+                    <a:solidFill>
+                      <a:schemeClr val="tx1"/>
+                    </a:solidFill>
+                    <a:latin typeface="FontAwesome" pitchFamily="2" charset="0"/>
+                  </a:rPr>
+                  <a:t></a:t>
+                </a:r>
+                <a:endParaRPr lang="en-US" sz="1500" b="1" dirty="0">
+                  <a:solidFill>
+                    <a:schemeClr val="tx1"/>
+                  </a:solidFill>
+                  <a:latin typeface="FontAwesome" pitchFamily="2" charset="0"/>
+                </a:endParaRPr>
+              </a:p>
+            </p:txBody>
+          </p:sp>
+        </p:grpSp>
+        <p:grpSp>
+          <p:nvGrpSpPr>
+            <p:cNvPr id="89" name="Group 88"/>
+            <p:cNvGrpSpPr/>
+            <p:nvPr/>
+          </p:nvGrpSpPr>
+          <p:grpSpPr>
+            <a:xfrm>
+              <a:off x="7772400" y="2356990"/>
+              <a:ext cx="390607" cy="390607"/>
+              <a:chOff x="7772400" y="2356990"/>
+              <a:chExt cx="390607" cy="390607"/>
+            </a:xfrm>
+          </p:grpSpPr>
+          <p:sp>
+            <p:nvSpPr>
+              <p:cNvPr id="83" name="Oval 82"/>
+              <p:cNvSpPr/>
+              <p:nvPr/>
+            </p:nvSpPr>
+            <p:spPr>
+              <a:xfrm>
+                <a:off x="7772400" y="2356990"/>
+                <a:ext cx="390607" cy="390607"/>
+              </a:xfrm>
+              <a:prstGeom prst="ellipse">
+                <a:avLst/>
+              </a:prstGeom>
+              <a:solidFill>
+                <a:schemeClr val="bg1">
+                  <a:lumMod val="65000"/>
+                </a:schemeClr>
+              </a:solidFill>
+              <a:ln>
+                <a:solidFill>
+                  <a:schemeClr val="bg1">
+                    <a:lumMod val="85000"/>
+                  </a:schemeClr>
+                </a:solidFill>
+              </a:ln>
+            </p:spPr>
+            <p:style>
+              <a:lnRef idx="2">
+                <a:schemeClr val="accent1">
+                  <a:shade val="50000"/>
+                </a:schemeClr>
+              </a:lnRef>
+              <a:fillRef idx="1">
+                <a:schemeClr val="accent1"/>
+              </a:fillRef>
+              <a:effectRef idx="0">
+                <a:schemeClr val="accent1"/>
+              </a:effectRef>
+              <a:fontRef idx="minor">
+                <a:schemeClr val="lt1"/>
+              </a:fontRef>
+            </p:style>
+            <p:txBody>
+              <a:bodyPr rtlCol="0" anchor="ctr"/>
+              <a:lstStyle/>
+              <a:p>
+                <a:pPr algn="ctr"/>
+                <a:endParaRPr lang="en-US" dirty="0"/>
+              </a:p>
+            </p:txBody>
+          </p:sp>
+          <p:sp>
+            <p:nvSpPr>
+              <p:cNvPr id="84" name="Rectangle 83">
+                <a:extLst>
+                  <a:ext uri="{FF2B5EF4-FFF2-40B4-BE49-F238E27FC236}">
+                    <a16:creationId xmlns:a16="http://schemas.microsoft.com/office/drawing/2014/main" xmlns="" id="{9969480F-3B74-4CC4-8434-19572E987218}"/>
+                  </a:ext>
+                </a:extLst>
+              </p:cNvPr>
+              <p:cNvSpPr/>
+              <p:nvPr/>
+            </p:nvSpPr>
+            <p:spPr>
+              <a:xfrm>
+                <a:off x="7879818" y="2445865"/>
+                <a:ext cx="188631" cy="201780"/>
+              </a:xfrm>
+              <a:prstGeom prst="rect">
+                <a:avLst/>
+              </a:prstGeom>
+              <a:noFill/>
+              <a:ln>
+                <a:noFill/>
+              </a:ln>
+            </p:spPr>
+            <p:style>
+              <a:lnRef idx="2">
+                <a:schemeClr val="accent1">
+                  <a:shade val="50000"/>
+                </a:schemeClr>
+              </a:lnRef>
+              <a:fillRef idx="1">
+                <a:schemeClr val="accent1"/>
+              </a:fillRef>
+              <a:effectRef idx="0">
+                <a:schemeClr val="accent1"/>
+              </a:effectRef>
+              <a:fontRef idx="minor">
+                <a:schemeClr val="lt1"/>
+              </a:fontRef>
+            </p:style>
+            <p:txBody>
+              <a:bodyPr rtlCol="0" anchor="ctr"/>
+              <a:lstStyle/>
+              <a:p>
+                <a:pPr algn="ctr"/>
+                <a:r>
+                  <a:rPr lang="en-US" sz="1600" dirty="0">
+                    <a:solidFill>
+                      <a:schemeClr val="tx1"/>
+                    </a:solidFill>
+                    <a:latin typeface="FontAwesome" pitchFamily="2" charset="0"/>
+                  </a:rPr>
+                  <a:t></a:t>
+                </a:r>
+                <a:endParaRPr lang="en-US" sz="1500" b="1" dirty="0">
+                  <a:solidFill>
+                    <a:schemeClr val="tx1"/>
+                  </a:solidFill>
+                  <a:latin typeface="FontAwesome" pitchFamily="2" charset="0"/>
+                </a:endParaRPr>
+              </a:p>
+            </p:txBody>
+          </p:sp>
+        </p:grpSp>
+      </p:grpSp>
+      <p:sp>
+        <p:nvSpPr>
+          <p:cNvPr id="41" name="Rectangle 40">
+            <a:extLst>
+              <a:ext uri="{FF2B5EF4-FFF2-40B4-BE49-F238E27FC236}">
+                <a16:creationId xmlns:a16="http://schemas.microsoft.com/office/drawing/2014/main" xmlns="" id="{9969480F-3B74-4CC4-8434-19572E987218}"/>
               </a:ext>
             </a:extLst>
           </p:cNvPr>
@@ -38838,21 +39451,18 @@
         </p:nvSpPr>
         <p:spPr>
           <a:xfrm>
-            <a:off x="6410325" y="2385035"/>
-            <a:ext cx="1136921" cy="358165"/>
+            <a:off x="6400801" y="2373210"/>
+            <a:ext cx="1142999" cy="358165"/>
           </a:xfrm>
           <a:prstGeom prst="rect">
             <a:avLst/>
           </a:prstGeom>
           <a:solidFill>
-            <a:srgbClr val="0070C0"/>
+            <a:srgbClr val="4BBF60"/>
           </a:solidFill>
           <a:ln>
             <a:solidFill>
-              <a:schemeClr val="tx2">
-                <a:lumMod val="60000"/>
-                <a:lumOff val="40000"/>
-              </a:schemeClr>
+              <a:srgbClr val="36D68A"/>
             </a:solidFill>
           </a:ln>
         </p:spPr>
@@ -38881,7 +39491,7 @@
               <a:rPr lang="en-US" sz="1200" b="1" dirty="0" smtClean="0">
                 <a:latin typeface="+mj-lt"/>
               </a:rPr>
-              <a:t>        In</a:t>
+              <a:t>           </a:t>
             </a:r>
             <a:endParaRPr lang="en-US" sz="1200" b="1" dirty="0">
               <a:latin typeface="+mj-lt"/>
@@ -38891,10 +39501,10 @@
       </p:sp>
       <p:sp>
         <p:nvSpPr>
-          <p:cNvPr id="76" name="Rectangle 75">
-            <a:extLst>
-              <a:ext uri="{FF2B5EF4-FFF2-40B4-BE49-F238E27FC236}">
-                <a16:creationId xmlns="" xmlns:a16="http://schemas.microsoft.com/office/drawing/2014/main" id="{9969480F-3B74-4CC4-8434-19572E987218}"/>
+          <p:cNvPr id="42" name="Rectangle 41">
+            <a:extLst>
+              <a:ext uri="{FF2B5EF4-FFF2-40B4-BE49-F238E27FC236}">
+                <a16:creationId xmlns:a16="http://schemas.microsoft.com/office/drawing/2014/main" xmlns="" id="{36C8DF58-7B1A-4F51-8B8A-5F50C203472F}"/>
               </a:ext>
             </a:extLst>
           </p:cNvPr>
@@ -38903,7 +39513,75 @@
         </p:nvSpPr>
         <p:spPr>
           <a:xfrm>
-            <a:off x="6477000" y="1990163"/>
+            <a:off x="6781800" y="2394621"/>
+            <a:ext cx="706824" cy="315341"/>
+          </a:xfrm>
+          <a:prstGeom prst="rect">
+            <a:avLst/>
+          </a:prstGeom>
+          <a:noFill/>
+          <a:ln w="12700">
+            <a:noFill/>
+          </a:ln>
+        </p:spPr>
+        <p:style>
+          <a:lnRef idx="2">
+            <a:schemeClr val="dk1"/>
+          </a:lnRef>
+          <a:fillRef idx="1">
+            <a:schemeClr val="lt1"/>
+          </a:fillRef>
+          <a:effectRef idx="0">
+            <a:schemeClr val="dk1"/>
+          </a:effectRef>
+          <a:fontRef idx="minor">
+            <a:schemeClr val="dk1"/>
+          </a:fontRef>
+        </p:style>
+        <p:txBody>
+          <a:bodyPr rtlCol="0" anchor="ctr"/>
+          <a:lstStyle/>
+          <a:p>
+            <a:pPr algn="ctr"/>
+            <a:r>
+              <a:rPr lang="en-US" sz="1000" dirty="0" err="1" smtClean="0">
+                <a:latin typeface="+mj-lt"/>
+              </a:rPr>
+              <a:t>Báo</a:t>
+            </a:r>
+            <a:r>
+              <a:rPr lang="en-US" sz="1000" dirty="0" smtClean="0">
+                <a:latin typeface="+mj-lt"/>
+              </a:rPr>
+              <a:t> </a:t>
+            </a:r>
+            <a:r>
+              <a:rPr lang="en-US" sz="1000" dirty="0" err="1" smtClean="0">
+                <a:latin typeface="+mj-lt"/>
+              </a:rPr>
+              <a:t>cáo</a:t>
+            </a:r>
+            <a:endParaRPr lang="en-US" sz="1000" dirty="0">
+              <a:latin typeface="+mj-lt"/>
+            </a:endParaRPr>
+          </a:p>
+        </p:txBody>
+      </p:sp>
+      <p:sp>
+        <p:nvSpPr>
+          <p:cNvPr id="45" name="Rectangle 44">
+            <a:extLst>
+              <a:ext uri="{FF2B5EF4-FFF2-40B4-BE49-F238E27FC236}">
+                <a16:creationId xmlns:a16="http://schemas.microsoft.com/office/drawing/2014/main" xmlns="" id="{9969480F-3B74-4CC4-8434-19572E987218}"/>
+              </a:ext>
+            </a:extLst>
+          </p:cNvPr>
+          <p:cNvSpPr/>
+          <p:nvPr/>
+        </p:nvSpPr>
+        <p:spPr>
+          <a:xfrm>
+            <a:off x="6482639" y="2424309"/>
             <a:ext cx="304800" cy="244965"/>
           </a:xfrm>
           <a:prstGeom prst="rect">
@@ -38936,401 +39614,13 @@
           <a:p>
             <a:pPr algn="ctr"/>
             <a:r>
-              <a:rPr lang="en-US" sz="2000" dirty="0" smtClean="0">
+              <a:rPr lang="en-US" sz="2000" b="1" dirty="0">
                 <a:latin typeface="FontAwesome" pitchFamily="2" charset="0"/>
               </a:rPr>
-              <a:t></a:t>
-            </a:r>
-            <a:endParaRPr lang="en-US" sz="1200" b="1" dirty="0">
-              <a:latin typeface="+mj-lt"/>
-            </a:endParaRPr>
-          </a:p>
-        </p:txBody>
-      </p:sp>
-      <p:sp>
-        <p:nvSpPr>
-          <p:cNvPr id="77" name="Rectangle 76">
-            <a:extLst>
-              <a:ext uri="{FF2B5EF4-FFF2-40B4-BE49-F238E27FC236}">
-                <a16:creationId xmlns="" xmlns:a16="http://schemas.microsoft.com/office/drawing/2014/main" id="{9969480F-3B74-4CC4-8434-19572E987218}"/>
-              </a:ext>
-            </a:extLst>
-          </p:cNvPr>
-          <p:cNvSpPr/>
-          <p:nvPr/>
-        </p:nvSpPr>
-        <p:spPr>
-          <a:xfrm>
-            <a:off x="6477000" y="2441634"/>
-            <a:ext cx="304800" cy="244965"/>
-          </a:xfrm>
-          <a:prstGeom prst="rect">
-            <a:avLst/>
-          </a:prstGeom>
-          <a:noFill/>
-          <a:ln>
-            <a:noFill/>
-          </a:ln>
-        </p:spPr>
-        <p:style>
-          <a:lnRef idx="2">
-            <a:schemeClr val="accent1">
-              <a:shade val="50000"/>
-            </a:schemeClr>
-          </a:lnRef>
-          <a:fillRef idx="1">
-            <a:schemeClr val="accent1"/>
-          </a:fillRef>
-          <a:effectRef idx="0">
-            <a:schemeClr val="accent1"/>
-          </a:effectRef>
-          <a:fontRef idx="minor">
-            <a:schemeClr val="lt1"/>
-          </a:fontRef>
-        </p:style>
-        <p:txBody>
-          <a:bodyPr rtlCol="0" anchor="ctr"/>
-          <a:lstStyle/>
-          <a:p>
-            <a:pPr algn="ctr"/>
-            <a:r>
-              <a:rPr lang="en-US" sz="2000" dirty="0">
-                <a:latin typeface="FontAwesome" pitchFamily="2" charset="0"/>
-              </a:rPr>
-              <a:t></a:t>
-            </a:r>
-            <a:endParaRPr lang="en-US" sz="1200" b="1" dirty="0">
-              <a:latin typeface="+mj-lt"/>
-            </a:endParaRPr>
-          </a:p>
-        </p:txBody>
-      </p:sp>
-      <p:sp>
-        <p:nvSpPr>
-          <p:cNvPr id="79" name="Oval 78"/>
-          <p:cNvSpPr/>
-          <p:nvPr/>
-        </p:nvSpPr>
-        <p:spPr>
-          <a:xfrm>
-            <a:off x="7772400" y="1911613"/>
-            <a:ext cx="390607" cy="390607"/>
-          </a:xfrm>
-          <a:prstGeom prst="ellipse">
-            <a:avLst/>
-          </a:prstGeom>
-          <a:solidFill>
-            <a:schemeClr val="bg1">
-              <a:lumMod val="65000"/>
-            </a:schemeClr>
-          </a:solidFill>
-          <a:ln>
-            <a:solidFill>
-              <a:schemeClr val="bg1">
-                <a:lumMod val="85000"/>
-              </a:schemeClr>
-            </a:solidFill>
-          </a:ln>
-        </p:spPr>
-        <p:style>
-          <a:lnRef idx="2">
-            <a:schemeClr val="accent1">
-              <a:shade val="50000"/>
-            </a:schemeClr>
-          </a:lnRef>
-          <a:fillRef idx="1">
-            <a:schemeClr val="accent1"/>
-          </a:fillRef>
-          <a:effectRef idx="0">
-            <a:schemeClr val="accent1"/>
-          </a:effectRef>
-          <a:fontRef idx="minor">
-            <a:schemeClr val="lt1"/>
-          </a:fontRef>
-        </p:style>
-        <p:txBody>
-          <a:bodyPr rtlCol="0" anchor="ctr"/>
-          <a:lstStyle/>
-          <a:p>
-            <a:pPr algn="ctr"/>
-            <a:endParaRPr lang="en-US" dirty="0"/>
-          </a:p>
-        </p:txBody>
-      </p:sp>
-      <p:sp>
-        <p:nvSpPr>
-          <p:cNvPr id="82" name="Rectangle 81">
-            <a:extLst>
-              <a:ext uri="{FF2B5EF4-FFF2-40B4-BE49-F238E27FC236}">
-                <a16:creationId xmlns="" xmlns:a16="http://schemas.microsoft.com/office/drawing/2014/main" id="{9969480F-3B74-4CC4-8434-19572E987218}"/>
-              </a:ext>
-            </a:extLst>
-          </p:cNvPr>
-          <p:cNvSpPr/>
-          <p:nvPr/>
-        </p:nvSpPr>
-        <p:spPr>
-          <a:xfrm>
-            <a:off x="7842169" y="2000488"/>
-            <a:ext cx="251067" cy="201780"/>
-          </a:xfrm>
-          <a:prstGeom prst="rect">
-            <a:avLst/>
-          </a:prstGeom>
-          <a:noFill/>
-          <a:ln>
-            <a:noFill/>
-          </a:ln>
-        </p:spPr>
-        <p:style>
-          <a:lnRef idx="2">
-            <a:schemeClr val="accent1">
-              <a:shade val="50000"/>
-            </a:schemeClr>
-          </a:lnRef>
-          <a:fillRef idx="1">
-            <a:schemeClr val="accent1"/>
-          </a:fillRef>
-          <a:effectRef idx="0">
-            <a:schemeClr val="accent1"/>
-          </a:effectRef>
-          <a:fontRef idx="minor">
-            <a:schemeClr val="lt1"/>
-          </a:fontRef>
-        </p:style>
-        <p:txBody>
-          <a:bodyPr rtlCol="0" anchor="ctr"/>
-          <a:lstStyle/>
-          <a:p>
-            <a:pPr algn="ctr"/>
-            <a:r>
-              <a:rPr lang="en-US" sz="1500" dirty="0">
-                <a:solidFill>
-                  <a:schemeClr val="tx1"/>
-                </a:solidFill>
-                <a:latin typeface="FontAwesome" pitchFamily="2" charset="0"/>
-              </a:rPr>
-              <a:t></a:t>
-            </a:r>
-            <a:endParaRPr lang="en-US" sz="1500" b="1" dirty="0">
-              <a:solidFill>
-                <a:schemeClr val="tx1"/>
-              </a:solidFill>
+              <a:t></a:t>
+            </a:r>
+            <a:endParaRPr lang="en-US" sz="2000" b="1" dirty="0">
               <a:latin typeface="FontAwesome" pitchFamily="2" charset="0"/>
-            </a:endParaRPr>
-          </a:p>
-        </p:txBody>
-      </p:sp>
-      <p:sp>
-        <p:nvSpPr>
-          <p:cNvPr id="83" name="Oval 82"/>
-          <p:cNvSpPr/>
-          <p:nvPr/>
-        </p:nvSpPr>
-        <p:spPr>
-          <a:xfrm>
-            <a:off x="7772400" y="2356990"/>
-            <a:ext cx="390607" cy="390607"/>
-          </a:xfrm>
-          <a:prstGeom prst="ellipse">
-            <a:avLst/>
-          </a:prstGeom>
-          <a:solidFill>
-            <a:schemeClr val="bg1">
-              <a:lumMod val="65000"/>
-            </a:schemeClr>
-          </a:solidFill>
-          <a:ln>
-            <a:solidFill>
-              <a:schemeClr val="bg1">
-                <a:lumMod val="85000"/>
-              </a:schemeClr>
-            </a:solidFill>
-          </a:ln>
-        </p:spPr>
-        <p:style>
-          <a:lnRef idx="2">
-            <a:schemeClr val="accent1">
-              <a:shade val="50000"/>
-            </a:schemeClr>
-          </a:lnRef>
-          <a:fillRef idx="1">
-            <a:schemeClr val="accent1"/>
-          </a:fillRef>
-          <a:effectRef idx="0">
-            <a:schemeClr val="accent1"/>
-          </a:effectRef>
-          <a:fontRef idx="minor">
-            <a:schemeClr val="lt1"/>
-          </a:fontRef>
-        </p:style>
-        <p:txBody>
-          <a:bodyPr rtlCol="0" anchor="ctr"/>
-          <a:lstStyle/>
-          <a:p>
-            <a:pPr algn="ctr"/>
-            <a:endParaRPr lang="en-US" dirty="0"/>
-          </a:p>
-        </p:txBody>
-      </p:sp>
-      <p:sp>
-        <p:nvSpPr>
-          <p:cNvPr id="84" name="Rectangle 83">
-            <a:extLst>
-              <a:ext uri="{FF2B5EF4-FFF2-40B4-BE49-F238E27FC236}">
-                <a16:creationId xmlns="" xmlns:a16="http://schemas.microsoft.com/office/drawing/2014/main" id="{9969480F-3B74-4CC4-8434-19572E987218}"/>
-              </a:ext>
-            </a:extLst>
-          </p:cNvPr>
-          <p:cNvSpPr/>
-          <p:nvPr/>
-        </p:nvSpPr>
-        <p:spPr>
-          <a:xfrm>
-            <a:off x="7879818" y="2445865"/>
-            <a:ext cx="188631" cy="201780"/>
-          </a:xfrm>
-          <a:prstGeom prst="rect">
-            <a:avLst/>
-          </a:prstGeom>
-          <a:noFill/>
-          <a:ln>
-            <a:noFill/>
-          </a:ln>
-        </p:spPr>
-        <p:style>
-          <a:lnRef idx="2">
-            <a:schemeClr val="accent1">
-              <a:shade val="50000"/>
-            </a:schemeClr>
-          </a:lnRef>
-          <a:fillRef idx="1">
-            <a:schemeClr val="accent1"/>
-          </a:fillRef>
-          <a:effectRef idx="0">
-            <a:schemeClr val="accent1"/>
-          </a:effectRef>
-          <a:fontRef idx="minor">
-            <a:schemeClr val="lt1"/>
-          </a:fontRef>
-        </p:style>
-        <p:txBody>
-          <a:bodyPr rtlCol="0" anchor="ctr"/>
-          <a:lstStyle/>
-          <a:p>
-            <a:pPr algn="ctr"/>
-            <a:r>
-              <a:rPr lang="en-US" sz="1600" dirty="0">
-                <a:solidFill>
-                  <a:schemeClr val="tx1"/>
-                </a:solidFill>
-                <a:latin typeface="FontAwesome" pitchFamily="2" charset="0"/>
-              </a:rPr>
-              <a:t></a:t>
-            </a:r>
-            <a:endParaRPr lang="en-US" sz="1500" b="1" dirty="0">
-              <a:solidFill>
-                <a:schemeClr val="tx1"/>
-              </a:solidFill>
-              <a:latin typeface="FontAwesome" pitchFamily="2" charset="0"/>
-            </a:endParaRPr>
-          </a:p>
-        </p:txBody>
-      </p:sp>
-      <p:graphicFrame>
-        <p:nvGraphicFramePr>
-          <p:cNvPr id="22" name="Chart 21"/>
-          <p:cNvGraphicFramePr/>
-          <p:nvPr>
-            <p:extLst>
-              <p:ext uri="{D42A27DB-BD31-4B8C-83A1-F6EECF244321}">
-                <p14:modId xmlns:p14="http://schemas.microsoft.com/office/powerpoint/2010/main" val="3382963606"/>
-              </p:ext>
-            </p:extLst>
-          </p:nvPr>
-        </p:nvGraphicFramePr>
-        <p:xfrm>
-          <a:off x="845484" y="3505200"/>
-          <a:ext cx="8012629" cy="3174900"/>
-        </p:xfrm>
-        <a:graphic>
-          <a:graphicData uri="http://schemas.openxmlformats.org/drawingml/2006/chart">
-            <c:chart xmlns:c="http://schemas.openxmlformats.org/drawingml/2006/chart" xmlns:r="http://schemas.openxmlformats.org/officeDocument/2006/relationships" r:id="rId5"/>
-          </a:graphicData>
-        </a:graphic>
-      </p:graphicFrame>
-      <p:sp>
-        <p:nvSpPr>
-          <p:cNvPr id="85" name="TextBox 84">
-            <a:extLst>
-              <a:ext uri="{FF2B5EF4-FFF2-40B4-BE49-F238E27FC236}">
-                <a16:creationId xmlns="" xmlns:a16="http://schemas.microsoft.com/office/drawing/2014/main" id="{CD2A8DE0-B0E7-40FB-9538-60D54401A4F8}"/>
-              </a:ext>
-            </a:extLst>
-          </p:cNvPr>
-          <p:cNvSpPr txBox="1"/>
-          <p:nvPr/>
-        </p:nvSpPr>
-        <p:spPr>
-          <a:xfrm>
-            <a:off x="228600" y="76200"/>
-            <a:ext cx="4572000" cy="369332"/>
-          </a:xfrm>
-          <a:prstGeom prst="rect">
-            <a:avLst/>
-          </a:prstGeom>
-          <a:noFill/>
-        </p:spPr>
-        <p:txBody>
-          <a:bodyPr wrap="square" rtlCol="0">
-            <a:spAutoFit/>
-          </a:bodyPr>
-          <a:lstStyle/>
-          <a:p>
-            <a:r>
-              <a:rPr lang="en-US" dirty="0" err="1">
-                <a:latin typeface="+mj-lt"/>
-              </a:rPr>
-              <a:t>Màn</a:t>
-            </a:r>
-            <a:r>
-              <a:rPr lang="en-US" dirty="0">
-                <a:latin typeface="+mj-lt"/>
-              </a:rPr>
-              <a:t> </a:t>
-            </a:r>
-            <a:r>
-              <a:rPr lang="en-US" dirty="0" err="1" smtClean="0">
-                <a:latin typeface="+mj-lt"/>
-              </a:rPr>
-              <a:t>hình</a:t>
-            </a:r>
-            <a:r>
-              <a:rPr lang="en-US" dirty="0" smtClean="0">
-                <a:latin typeface="+mj-lt"/>
-              </a:rPr>
-              <a:t> </a:t>
-            </a:r>
-            <a:r>
-              <a:rPr lang="en-US" dirty="0" err="1" smtClean="0">
-                <a:latin typeface="+mj-lt"/>
-              </a:rPr>
-              <a:t>báo</a:t>
-            </a:r>
-            <a:r>
-              <a:rPr lang="en-US" dirty="0" smtClean="0">
-                <a:latin typeface="+mj-lt"/>
-              </a:rPr>
-              <a:t> </a:t>
-            </a:r>
-            <a:r>
-              <a:rPr lang="en-US" dirty="0" err="1" smtClean="0">
-                <a:latin typeface="+mj-lt"/>
-              </a:rPr>
-              <a:t>cáo</a:t>
-            </a:r>
-            <a:endParaRPr lang="en-US" dirty="0">
-              <a:latin typeface="+mj-lt"/>
             </a:endParaRPr>
           </a:p>
         </p:txBody>
@@ -39377,7 +39667,7 @@
           <p:cNvPr id="6" name="TextBox 5">
             <a:extLst>
               <a:ext uri="{FF2B5EF4-FFF2-40B4-BE49-F238E27FC236}">
-                <a16:creationId xmlns="" xmlns:a16="http://schemas.microsoft.com/office/drawing/2014/main" id="{CD2A8DE0-B0E7-40FB-9538-60D54401A4F8}"/>
+                <a16:creationId xmlns:a16="http://schemas.microsoft.com/office/drawing/2014/main" xmlns="" id="{CD2A8DE0-B0E7-40FB-9538-60D54401A4F8}"/>
               </a:ext>
             </a:extLst>
           </p:cNvPr>
@@ -39489,7 +39779,7 @@
           <p:cNvPr id="11" name="Picture 10">
             <a:extLst>
               <a:ext uri="{FF2B5EF4-FFF2-40B4-BE49-F238E27FC236}">
-                <a16:creationId xmlns="" xmlns:a16="http://schemas.microsoft.com/office/drawing/2014/main" id="{F6164AE6-B86F-4668-B82E-2CCF243694C5}"/>
+                <a16:creationId xmlns:a16="http://schemas.microsoft.com/office/drawing/2014/main" xmlns="" id="{F6164AE6-B86F-4668-B82E-2CCF243694C5}"/>
               </a:ext>
             </a:extLst>
           </p:cNvPr>
@@ -39519,7 +39809,7 @@
           <p:cNvPr id="12" name="Rectangle 11">
             <a:extLst>
               <a:ext uri="{FF2B5EF4-FFF2-40B4-BE49-F238E27FC236}">
-                <a16:creationId xmlns="" xmlns:a16="http://schemas.microsoft.com/office/drawing/2014/main" id="{9DC85E5D-8339-4A90-8911-6572A28FAB1B}"/>
+                <a16:creationId xmlns:a16="http://schemas.microsoft.com/office/drawing/2014/main" xmlns="" id="{9DC85E5D-8339-4A90-8911-6572A28FAB1B}"/>
               </a:ext>
             </a:extLst>
           </p:cNvPr>
@@ -39573,7 +39863,7 @@
           <p:cNvPr id="13" name="Picture 8" descr="C:\Users\HuyTran\Desktop\WPF project\Paul_Circle.png">
             <a:extLst>
               <a:ext uri="{FF2B5EF4-FFF2-40B4-BE49-F238E27FC236}">
-                <a16:creationId xmlns="" xmlns:a16="http://schemas.microsoft.com/office/drawing/2014/main" id="{7709B346-3CF0-4506-B6E0-39CD18074E81}"/>
+                <a16:creationId xmlns:a16="http://schemas.microsoft.com/office/drawing/2014/main" xmlns="" id="{7709B346-3CF0-4506-B6E0-39CD18074E81}"/>
               </a:ext>
             </a:extLst>
           </p:cNvPr>
@@ -39620,7 +39910,7 @@
           <p:cNvPr id="14" name="TextBox 13">
             <a:extLst>
               <a:ext uri="{FF2B5EF4-FFF2-40B4-BE49-F238E27FC236}">
-                <a16:creationId xmlns="" xmlns:a16="http://schemas.microsoft.com/office/drawing/2014/main" id="{88CA780A-86AF-4CC5-93C8-9AA542968897}"/>
+                <a16:creationId xmlns:a16="http://schemas.microsoft.com/office/drawing/2014/main" xmlns="" id="{88CA780A-86AF-4CC5-93C8-9AA542968897}"/>
               </a:ext>
             </a:extLst>
           </p:cNvPr>
@@ -39672,7 +39962,7 @@
           <p:cNvPr id="16" name="TextBox 15">
             <a:extLst>
               <a:ext uri="{FF2B5EF4-FFF2-40B4-BE49-F238E27FC236}">
-                <a16:creationId xmlns="" xmlns:a16="http://schemas.microsoft.com/office/drawing/2014/main" id="{5AD7D250-00C2-41C7-AF99-CE4054EFC6EB}"/>
+                <a16:creationId xmlns:a16="http://schemas.microsoft.com/office/drawing/2014/main" xmlns="" id="{5AD7D250-00C2-41C7-AF99-CE4054EFC6EB}"/>
               </a:ext>
             </a:extLst>
           </p:cNvPr>
@@ -39739,7 +40029,7 @@
           <p:cNvPr id="17" name="TextBox 16">
             <a:extLst>
               <a:ext uri="{FF2B5EF4-FFF2-40B4-BE49-F238E27FC236}">
-                <a16:creationId xmlns="" xmlns:a16="http://schemas.microsoft.com/office/drawing/2014/main" id="{E74F7379-B503-4B35-946D-61820AE3A953}"/>
+                <a16:creationId xmlns:a16="http://schemas.microsoft.com/office/drawing/2014/main" xmlns="" id="{E74F7379-B503-4B35-946D-61820AE3A953}"/>
               </a:ext>
             </a:extLst>
           </p:cNvPr>
@@ -39794,7 +40084,7 @@
           <p:cNvPr id="18" name="TextBox 17">
             <a:extLst>
               <a:ext uri="{FF2B5EF4-FFF2-40B4-BE49-F238E27FC236}">
-                <a16:creationId xmlns="" xmlns:a16="http://schemas.microsoft.com/office/drawing/2014/main" id="{DDEA07C1-E0BC-44D5-97BC-55487ACFA934}"/>
+                <a16:creationId xmlns:a16="http://schemas.microsoft.com/office/drawing/2014/main" xmlns="" id="{DDEA07C1-E0BC-44D5-97BC-55487ACFA934}"/>
               </a:ext>
             </a:extLst>
           </p:cNvPr>
@@ -39849,7 +40139,7 @@
           <p:cNvPr id="20" name="TextBox 19">
             <a:extLst>
               <a:ext uri="{FF2B5EF4-FFF2-40B4-BE49-F238E27FC236}">
-                <a16:creationId xmlns="" xmlns:a16="http://schemas.microsoft.com/office/drawing/2014/main" id="{6DD24C2E-7386-42E5-86E8-6DEC9280B005}"/>
+                <a16:creationId xmlns:a16="http://schemas.microsoft.com/office/drawing/2014/main" xmlns="" id="{6DD24C2E-7386-42E5-86E8-6DEC9280B005}"/>
               </a:ext>
             </a:extLst>
           </p:cNvPr>
@@ -39904,7 +40194,7 @@
           <p:cNvPr id="21" name="TextBox 20">
             <a:extLst>
               <a:ext uri="{FF2B5EF4-FFF2-40B4-BE49-F238E27FC236}">
-                <a16:creationId xmlns="" xmlns:a16="http://schemas.microsoft.com/office/drawing/2014/main" id="{81BFF984-C029-41E6-8538-470254464A09}"/>
+                <a16:creationId xmlns:a16="http://schemas.microsoft.com/office/drawing/2014/main" xmlns="" id="{81BFF984-C029-41E6-8538-470254464A09}"/>
               </a:ext>
             </a:extLst>
           </p:cNvPr>
@@ -39959,7 +40249,7 @@
           <p:cNvPr id="22" name="TextBox 21">
             <a:extLst>
               <a:ext uri="{FF2B5EF4-FFF2-40B4-BE49-F238E27FC236}">
-                <a16:creationId xmlns="" xmlns:a16="http://schemas.microsoft.com/office/drawing/2014/main" id="{E4BC4C1D-D2B2-4E6E-ACC9-7BAA02083053}"/>
+                <a16:creationId xmlns:a16="http://schemas.microsoft.com/office/drawing/2014/main" xmlns="" id="{E4BC4C1D-D2B2-4E6E-ACC9-7BAA02083053}"/>
               </a:ext>
             </a:extLst>
           </p:cNvPr>
@@ -39996,7 +40286,7 @@
           <p:cNvPr id="23" name="Rectangle 22">
             <a:extLst>
               <a:ext uri="{FF2B5EF4-FFF2-40B4-BE49-F238E27FC236}">
-                <a16:creationId xmlns="" xmlns:a16="http://schemas.microsoft.com/office/drawing/2014/main" id="{7E948C6D-3FFA-44C6-BD28-5EB2DEC69A26}"/>
+                <a16:creationId xmlns:a16="http://schemas.microsoft.com/office/drawing/2014/main" xmlns="" id="{7E948C6D-3FFA-44C6-BD28-5EB2DEC69A26}"/>
               </a:ext>
             </a:extLst>
           </p:cNvPr>
@@ -40042,7 +40332,7 @@
           <p:cNvPr id="29" name="Rectangle 28">
             <a:extLst>
               <a:ext uri="{FF2B5EF4-FFF2-40B4-BE49-F238E27FC236}">
-                <a16:creationId xmlns="" xmlns:a16="http://schemas.microsoft.com/office/drawing/2014/main" id="{14852D35-E350-44FF-922A-B2A645A7B618}"/>
+                <a16:creationId xmlns:a16="http://schemas.microsoft.com/office/drawing/2014/main" xmlns="" id="{14852D35-E350-44FF-922A-B2A645A7B618}"/>
               </a:ext>
             </a:extLst>
           </p:cNvPr>
@@ -40088,7 +40378,7 @@
           <p:cNvPr id="32" name="Rectangle 31">
             <a:extLst>
               <a:ext uri="{FF2B5EF4-FFF2-40B4-BE49-F238E27FC236}">
-                <a16:creationId xmlns="" xmlns:a16="http://schemas.microsoft.com/office/drawing/2014/main" id="{E0599030-51CE-4BBD-A746-8BAC4D3A4E33}"/>
+                <a16:creationId xmlns:a16="http://schemas.microsoft.com/office/drawing/2014/main" xmlns="" id="{E0599030-51CE-4BBD-A746-8BAC4D3A4E33}"/>
               </a:ext>
             </a:extLst>
           </p:cNvPr>
@@ -40134,7 +40424,7 @@
           <p:cNvPr id="33" name="Rectangle 32">
             <a:extLst>
               <a:ext uri="{FF2B5EF4-FFF2-40B4-BE49-F238E27FC236}">
-                <a16:creationId xmlns="" xmlns:a16="http://schemas.microsoft.com/office/drawing/2014/main" id="{5781F7A4-1267-400B-9E6F-A534D33BCF42}"/>
+                <a16:creationId xmlns:a16="http://schemas.microsoft.com/office/drawing/2014/main" xmlns="" id="{5781F7A4-1267-400B-9E6F-A534D33BCF42}"/>
               </a:ext>
             </a:extLst>
           </p:cNvPr>
@@ -40180,7 +40470,7 @@
           <p:cNvPr id="35" name="TextBox 34">
             <a:extLst>
               <a:ext uri="{FF2B5EF4-FFF2-40B4-BE49-F238E27FC236}">
-                <a16:creationId xmlns="" xmlns:a16="http://schemas.microsoft.com/office/drawing/2014/main" id="{01F2CDC5-6D31-4B0F-894C-782A34F2BAC9}"/>
+                <a16:creationId xmlns:a16="http://schemas.microsoft.com/office/drawing/2014/main" xmlns="" id="{01F2CDC5-6D31-4B0F-894C-782A34F2BAC9}"/>
               </a:ext>
             </a:extLst>
           </p:cNvPr>
@@ -40338,7 +40628,7 @@
           <p:cNvPr id="36" name="TextBox 35">
             <a:extLst>
               <a:ext uri="{FF2B5EF4-FFF2-40B4-BE49-F238E27FC236}">
-                <a16:creationId xmlns="" xmlns:a16="http://schemas.microsoft.com/office/drawing/2014/main" id="{6A974F09-0E60-4E8E-ACFA-E52D217F0771}"/>
+                <a16:creationId xmlns:a16="http://schemas.microsoft.com/office/drawing/2014/main" xmlns="" id="{6A974F09-0E60-4E8E-ACFA-E52D217F0771}"/>
               </a:ext>
             </a:extLst>
           </p:cNvPr>
@@ -40405,7 +40695,7 @@
           <p:cNvPr id="37" name="TextBox 36">
             <a:extLst>
               <a:ext uri="{FF2B5EF4-FFF2-40B4-BE49-F238E27FC236}">
-                <a16:creationId xmlns="" xmlns:a16="http://schemas.microsoft.com/office/drawing/2014/main" id="{A881AD65-3987-4583-8508-74D37D6CED05}"/>
+                <a16:creationId xmlns:a16="http://schemas.microsoft.com/office/drawing/2014/main" xmlns="" id="{A881AD65-3987-4583-8508-74D37D6CED05}"/>
               </a:ext>
             </a:extLst>
           </p:cNvPr>
@@ -40484,7 +40774,7 @@
           <p:cNvPr id="38" name="Rectangle 37">
             <a:extLst>
               <a:ext uri="{FF2B5EF4-FFF2-40B4-BE49-F238E27FC236}">
-                <a16:creationId xmlns="" xmlns:a16="http://schemas.microsoft.com/office/drawing/2014/main" id="{5846A0D7-9A53-434E-B1CC-6C1383C33E2F}"/>
+                <a16:creationId xmlns:a16="http://schemas.microsoft.com/office/drawing/2014/main" xmlns="" id="{5846A0D7-9A53-434E-B1CC-6C1383C33E2F}"/>
               </a:ext>
             </a:extLst>
           </p:cNvPr>
@@ -40530,7 +40820,7 @@
           <p:cNvPr id="39" name="Rectangle 38">
             <a:extLst>
               <a:ext uri="{FF2B5EF4-FFF2-40B4-BE49-F238E27FC236}">
-                <a16:creationId xmlns="" xmlns:a16="http://schemas.microsoft.com/office/drawing/2014/main" id="{CCECDDF0-BF0A-47B0-81E6-96F334E7E193}"/>
+                <a16:creationId xmlns:a16="http://schemas.microsoft.com/office/drawing/2014/main" xmlns="" id="{CCECDDF0-BF0A-47B0-81E6-96F334E7E193}"/>
               </a:ext>
             </a:extLst>
           </p:cNvPr>
@@ -40576,7 +40866,7 @@
           <p:cNvPr id="41" name="Rectangle 40">
             <a:extLst>
               <a:ext uri="{FF2B5EF4-FFF2-40B4-BE49-F238E27FC236}">
-                <a16:creationId xmlns="" xmlns:a16="http://schemas.microsoft.com/office/drawing/2014/main" id="{E81BDFDF-A2C2-47AD-8D90-A0FE79376AA6}"/>
+                <a16:creationId xmlns:a16="http://schemas.microsoft.com/office/drawing/2014/main" xmlns="" id="{E81BDFDF-A2C2-47AD-8D90-A0FE79376AA6}"/>
               </a:ext>
             </a:extLst>
           </p:cNvPr>
@@ -40636,7 +40926,7 @@
           <p:cNvPr id="42" name="Rectangle 41">
             <a:extLst>
               <a:ext uri="{FF2B5EF4-FFF2-40B4-BE49-F238E27FC236}">
-                <a16:creationId xmlns="" xmlns:a16="http://schemas.microsoft.com/office/drawing/2014/main" id="{353BFA1C-32B8-4D02-82DD-D04AE5441E95}"/>
+                <a16:creationId xmlns:a16="http://schemas.microsoft.com/office/drawing/2014/main" xmlns="" id="{353BFA1C-32B8-4D02-82DD-D04AE5441E95}"/>
               </a:ext>
             </a:extLst>
           </p:cNvPr>
@@ -40710,7 +41000,7 @@
           <p:cNvPr id="43" name="TextBox 42">
             <a:extLst>
               <a:ext uri="{FF2B5EF4-FFF2-40B4-BE49-F238E27FC236}">
-                <a16:creationId xmlns="" xmlns:a16="http://schemas.microsoft.com/office/drawing/2014/main" id="{F43B97D8-23B6-4B2F-AE82-8C0B2E7C3495}"/>
+                <a16:creationId xmlns:a16="http://schemas.microsoft.com/office/drawing/2014/main" xmlns="" id="{F43B97D8-23B6-4B2F-AE82-8C0B2E7C3495}"/>
               </a:ext>
             </a:extLst>
           </p:cNvPr>
@@ -40810,7 +41100,7 @@
           <p:cNvPr id="44" name="Picture 11" descr="C:\Users\HuyTran\Desktop\WPF project\personal_info.png">
             <a:extLst>
               <a:ext uri="{FF2B5EF4-FFF2-40B4-BE49-F238E27FC236}">
-                <a16:creationId xmlns="" xmlns:a16="http://schemas.microsoft.com/office/drawing/2014/main" id="{EECA5767-0FD1-45DB-9D6E-56D6067F6EB1}"/>
+                <a16:creationId xmlns:a16="http://schemas.microsoft.com/office/drawing/2014/main" xmlns="" id="{EECA5767-0FD1-45DB-9D6E-56D6067F6EB1}"/>
               </a:ext>
             </a:extLst>
           </p:cNvPr>
@@ -44190,7 +44480,7 @@
           <p:cNvPr id="6" name="TextBox 5">
             <a:extLst>
               <a:ext uri="{FF2B5EF4-FFF2-40B4-BE49-F238E27FC236}">
-                <a16:creationId xmlns="" xmlns:a16="http://schemas.microsoft.com/office/drawing/2014/main" id="{CD2A8DE0-B0E7-40FB-9538-60D54401A4F8}"/>
+                <a16:creationId xmlns:a16="http://schemas.microsoft.com/office/drawing/2014/main" xmlns="" id="{CD2A8DE0-B0E7-40FB-9538-60D54401A4F8}"/>
               </a:ext>
             </a:extLst>
           </p:cNvPr>
@@ -44341,7 +44631,7 @@
           <p:cNvPr id="11" name="Picture 10">
             <a:extLst>
               <a:ext uri="{FF2B5EF4-FFF2-40B4-BE49-F238E27FC236}">
-                <a16:creationId xmlns="" xmlns:a16="http://schemas.microsoft.com/office/drawing/2014/main" id="{F6164AE6-B86F-4668-B82E-2CCF243694C5}"/>
+                <a16:creationId xmlns:a16="http://schemas.microsoft.com/office/drawing/2014/main" xmlns="" id="{F6164AE6-B86F-4668-B82E-2CCF243694C5}"/>
               </a:ext>
             </a:extLst>
           </p:cNvPr>
@@ -44371,7 +44661,7 @@
           <p:cNvPr id="41" name="Rectangle 40">
             <a:extLst>
               <a:ext uri="{FF2B5EF4-FFF2-40B4-BE49-F238E27FC236}">
-                <a16:creationId xmlns="" xmlns:a16="http://schemas.microsoft.com/office/drawing/2014/main" id="{E81BDFDF-A2C2-47AD-8D90-A0FE79376AA6}"/>
+                <a16:creationId xmlns:a16="http://schemas.microsoft.com/office/drawing/2014/main" xmlns="" id="{E81BDFDF-A2C2-47AD-8D90-A0FE79376AA6}"/>
               </a:ext>
             </a:extLst>
           </p:cNvPr>
@@ -44449,7 +44739,7 @@
           <p:cNvPr id="43" name="TextBox 42">
             <a:extLst>
               <a:ext uri="{FF2B5EF4-FFF2-40B4-BE49-F238E27FC236}">
-                <a16:creationId xmlns="" xmlns:a16="http://schemas.microsoft.com/office/drawing/2014/main" id="{F43B97D8-23B6-4B2F-AE82-8C0B2E7C3495}"/>
+                <a16:creationId xmlns:a16="http://schemas.microsoft.com/office/drawing/2014/main" xmlns="" id="{F43B97D8-23B6-4B2F-AE82-8C0B2E7C3495}"/>
               </a:ext>
             </a:extLst>
           </p:cNvPr>
@@ -44573,7 +44863,7 @@
           <p:cNvPr id="28" name="Picture 12" descr="C:\Users\HuyTran\Desktop\WPF project\emplyee.png">
             <a:extLst>
               <a:ext uri="{FF2B5EF4-FFF2-40B4-BE49-F238E27FC236}">
-                <a16:creationId xmlns="" xmlns:a16="http://schemas.microsoft.com/office/drawing/2014/main" id="{E32E6BA6-2B0A-46A0-B770-0E9B9AB540EE}"/>
+                <a16:creationId xmlns:a16="http://schemas.microsoft.com/office/drawing/2014/main" xmlns="" id="{E32E6BA6-2B0A-46A0-B770-0E9B9AB540EE}"/>
               </a:ext>
             </a:extLst>
           </p:cNvPr>
@@ -44620,7 +44910,7 @@
           <p:cNvPr id="3" name="Table 3">
             <a:extLst>
               <a:ext uri="{FF2B5EF4-FFF2-40B4-BE49-F238E27FC236}">
-                <a16:creationId xmlns="" xmlns:a16="http://schemas.microsoft.com/office/drawing/2014/main" id="{9B423CCB-E8FB-4CDB-A31C-9E89725D6698}"/>
+                <a16:creationId xmlns:a16="http://schemas.microsoft.com/office/drawing/2014/main" xmlns="" id="{9B423CCB-E8FB-4CDB-A31C-9E89725D6698}"/>
               </a:ext>
             </a:extLst>
           </p:cNvPr>
@@ -44649,42 +44939,42 @@
                 <a:gridCol w="1409816">
                   <a:extLst>
                     <a:ext uri="{9D8B030D-6E8A-4147-A177-3AD203B41FA5}">
-                      <a16:colId xmlns="" xmlns:a16="http://schemas.microsoft.com/office/drawing/2014/main" val="3679797539"/>
+                      <a16:colId xmlns:a16="http://schemas.microsoft.com/office/drawing/2014/main" xmlns="" val="3679797539"/>
                     </a:ext>
                   </a:extLst>
                 </a:gridCol>
                 <a:gridCol w="1409816">
                   <a:extLst>
                     <a:ext uri="{9D8B030D-6E8A-4147-A177-3AD203B41FA5}">
-                      <a16:colId xmlns="" xmlns:a16="http://schemas.microsoft.com/office/drawing/2014/main" val="4188008786"/>
+                      <a16:colId xmlns:a16="http://schemas.microsoft.com/office/drawing/2014/main" xmlns="" val="4188008786"/>
                     </a:ext>
                   </a:extLst>
                 </a:gridCol>
                 <a:gridCol w="1409816">
                   <a:extLst>
                     <a:ext uri="{9D8B030D-6E8A-4147-A177-3AD203B41FA5}">
-                      <a16:colId xmlns="" xmlns:a16="http://schemas.microsoft.com/office/drawing/2014/main" val="3214238948"/>
+                      <a16:colId xmlns:a16="http://schemas.microsoft.com/office/drawing/2014/main" xmlns="" val="3214238948"/>
                     </a:ext>
                   </a:extLst>
                 </a:gridCol>
                 <a:gridCol w="1409816">
                   <a:extLst>
                     <a:ext uri="{9D8B030D-6E8A-4147-A177-3AD203B41FA5}">
-                      <a16:colId xmlns="" xmlns:a16="http://schemas.microsoft.com/office/drawing/2014/main" val="1291486487"/>
+                      <a16:colId xmlns:a16="http://schemas.microsoft.com/office/drawing/2014/main" xmlns="" val="1291486487"/>
                     </a:ext>
                   </a:extLst>
                 </a:gridCol>
                 <a:gridCol w="1409816">
                   <a:extLst>
                     <a:ext uri="{9D8B030D-6E8A-4147-A177-3AD203B41FA5}">
-                      <a16:colId xmlns="" xmlns:a16="http://schemas.microsoft.com/office/drawing/2014/main" val="4284112643"/>
+                      <a16:colId xmlns:a16="http://schemas.microsoft.com/office/drawing/2014/main" xmlns="" val="4284112643"/>
                     </a:ext>
                   </a:extLst>
                 </a:gridCol>
                 <a:gridCol w="1409816">
                   <a:extLst>
                     <a:ext uri="{9D8B030D-6E8A-4147-A177-3AD203B41FA5}">
-                      <a16:colId xmlns="" xmlns:a16="http://schemas.microsoft.com/office/drawing/2014/main" val="3117914522"/>
+                      <a16:colId xmlns:a16="http://schemas.microsoft.com/office/drawing/2014/main" xmlns="" val="3117914522"/>
                     </a:ext>
                   </a:extLst>
                 </a:gridCol>
@@ -44858,7 +45148,7 @@
                 </a:tc>
                 <a:extLst>
                   <a:ext uri="{0D108BD9-81ED-4DB2-BD59-A6C34878D82A}">
-                    <a16:rowId xmlns="" xmlns:a16="http://schemas.microsoft.com/office/drawing/2014/main" val="652390980"/>
+                    <a16:rowId xmlns:a16="http://schemas.microsoft.com/office/drawing/2014/main" xmlns="" val="652390980"/>
                   </a:ext>
                 </a:extLst>
               </a:tr>
@@ -45014,7 +45304,7 @@
                 </a:tc>
                 <a:extLst>
                   <a:ext uri="{0D108BD9-81ED-4DB2-BD59-A6C34878D82A}">
-                    <a16:rowId xmlns="" xmlns:a16="http://schemas.microsoft.com/office/drawing/2014/main" val="730336656"/>
+                    <a16:rowId xmlns:a16="http://schemas.microsoft.com/office/drawing/2014/main" xmlns="" val="730336656"/>
                   </a:ext>
                 </a:extLst>
               </a:tr>
@@ -45192,7 +45482,7 @@
                 </a:tc>
                 <a:extLst>
                   <a:ext uri="{0D108BD9-81ED-4DB2-BD59-A6C34878D82A}">
-                    <a16:rowId xmlns="" xmlns:a16="http://schemas.microsoft.com/office/drawing/2014/main" val="2897143220"/>
+                    <a16:rowId xmlns:a16="http://schemas.microsoft.com/office/drawing/2014/main" xmlns="" val="2897143220"/>
                   </a:ext>
                 </a:extLst>
               </a:tr>
@@ -45205,7 +45495,7 @@
           <p:cNvPr id="13" name="Picture 8" descr="C:\Users\HuyTran\Desktop\WPF project\Paul_Circle.png">
             <a:extLst>
               <a:ext uri="{FF2B5EF4-FFF2-40B4-BE49-F238E27FC236}">
-                <a16:creationId xmlns="" xmlns:a16="http://schemas.microsoft.com/office/drawing/2014/main" id="{7709B346-3CF0-4506-B6E0-39CD18074E81}"/>
+                <a16:creationId xmlns:a16="http://schemas.microsoft.com/office/drawing/2014/main" xmlns="" id="{7709B346-3CF0-4506-B6E0-39CD18074E81}"/>
               </a:ext>
             </a:extLst>
           </p:cNvPr>
@@ -45252,7 +45542,7 @@
           <p:cNvPr id="31" name="Picture 8" descr="C:\Users\HuyTran\Desktop\WPF project\Paul_Circle.png">
             <a:extLst>
               <a:ext uri="{FF2B5EF4-FFF2-40B4-BE49-F238E27FC236}">
-                <a16:creationId xmlns="" xmlns:a16="http://schemas.microsoft.com/office/drawing/2014/main" id="{9D463E07-0A4D-4B8D-850A-7D52CDDFB46C}"/>
+                <a16:creationId xmlns:a16="http://schemas.microsoft.com/office/drawing/2014/main" xmlns="" id="{9D463E07-0A4D-4B8D-850A-7D52CDDFB46C}"/>
               </a:ext>
             </a:extLst>
           </p:cNvPr>
@@ -45299,7 +45589,7 @@
           <p:cNvPr id="7" name="Picture 6">
             <a:extLst>
               <a:ext uri="{FF2B5EF4-FFF2-40B4-BE49-F238E27FC236}">
-                <a16:creationId xmlns="" xmlns:a16="http://schemas.microsoft.com/office/drawing/2014/main" id="{798CD5D1-9D70-45D6-834A-50850E654654}"/>
+                <a16:creationId xmlns:a16="http://schemas.microsoft.com/office/drawing/2014/main" xmlns="" id="{798CD5D1-9D70-45D6-834A-50850E654654}"/>
               </a:ext>
             </a:extLst>
           </p:cNvPr>
@@ -45334,7 +45624,7 @@
           <p:cNvPr id="9" name="Picture 8">
             <a:extLst>
               <a:ext uri="{FF2B5EF4-FFF2-40B4-BE49-F238E27FC236}">
-                <a16:creationId xmlns="" xmlns:a16="http://schemas.microsoft.com/office/drawing/2014/main" id="{EBB267E1-41AD-45A6-B6C2-FAA07AAB8FB6}"/>
+                <a16:creationId xmlns:a16="http://schemas.microsoft.com/office/drawing/2014/main" xmlns="" id="{EBB267E1-41AD-45A6-B6C2-FAA07AAB8FB6}"/>
               </a:ext>
             </a:extLst>
           </p:cNvPr>
@@ -45370,7 +45660,7 @@
           <p:cNvPr id="40" name="Picture 39">
             <a:extLst>
               <a:ext uri="{FF2B5EF4-FFF2-40B4-BE49-F238E27FC236}">
-                <a16:creationId xmlns="" xmlns:a16="http://schemas.microsoft.com/office/drawing/2014/main" id="{6B449C4B-3DC7-4901-B916-CCCF6A1D782C}"/>
+                <a16:creationId xmlns:a16="http://schemas.microsoft.com/office/drawing/2014/main" xmlns="" id="{6B449C4B-3DC7-4901-B916-CCCF6A1D782C}"/>
               </a:ext>
             </a:extLst>
           </p:cNvPr>
@@ -45405,7 +45695,7 @@
           <p:cNvPr id="45" name="Picture 44">
             <a:extLst>
               <a:ext uri="{FF2B5EF4-FFF2-40B4-BE49-F238E27FC236}">
-                <a16:creationId xmlns="" xmlns:a16="http://schemas.microsoft.com/office/drawing/2014/main" id="{570DBA95-004C-4BF8-B2E3-D3C29FBF55C4}"/>
+                <a16:creationId xmlns:a16="http://schemas.microsoft.com/office/drawing/2014/main" xmlns="" id="{570DBA95-004C-4BF8-B2E3-D3C29FBF55C4}"/>
               </a:ext>
             </a:extLst>
           </p:cNvPr>
@@ -45479,7 +45769,7 @@
           <p:cNvPr id="6" name="TextBox 5">
             <a:extLst>
               <a:ext uri="{FF2B5EF4-FFF2-40B4-BE49-F238E27FC236}">
-                <a16:creationId xmlns="" xmlns:a16="http://schemas.microsoft.com/office/drawing/2014/main" id="{CD2A8DE0-B0E7-40FB-9538-60D54401A4F8}"/>
+                <a16:creationId xmlns:a16="http://schemas.microsoft.com/office/drawing/2014/main" xmlns="" id="{CD2A8DE0-B0E7-40FB-9538-60D54401A4F8}"/>
               </a:ext>
             </a:extLst>
           </p:cNvPr>
@@ -45630,7 +45920,7 @@
           <p:cNvPr id="11" name="Picture 10">
             <a:extLst>
               <a:ext uri="{FF2B5EF4-FFF2-40B4-BE49-F238E27FC236}">
-                <a16:creationId xmlns="" xmlns:a16="http://schemas.microsoft.com/office/drawing/2014/main" id="{F6164AE6-B86F-4668-B82E-2CCF243694C5}"/>
+                <a16:creationId xmlns:a16="http://schemas.microsoft.com/office/drawing/2014/main" xmlns="" id="{F6164AE6-B86F-4668-B82E-2CCF243694C5}"/>
               </a:ext>
             </a:extLst>
           </p:cNvPr>
@@ -45660,7 +45950,7 @@
           <p:cNvPr id="12" name="Rectangle 11">
             <a:extLst>
               <a:ext uri="{FF2B5EF4-FFF2-40B4-BE49-F238E27FC236}">
-                <a16:creationId xmlns="" xmlns:a16="http://schemas.microsoft.com/office/drawing/2014/main" id="{9DC85E5D-8339-4A90-8911-6572A28FAB1B}"/>
+                <a16:creationId xmlns:a16="http://schemas.microsoft.com/office/drawing/2014/main" xmlns="" id="{9DC85E5D-8339-4A90-8911-6572A28FAB1B}"/>
               </a:ext>
             </a:extLst>
           </p:cNvPr>
@@ -45714,7 +46004,7 @@
           <p:cNvPr id="13" name="Picture 8" descr="C:\Users\HuyTran\Desktop\WPF project\Paul_Circle.png">
             <a:extLst>
               <a:ext uri="{FF2B5EF4-FFF2-40B4-BE49-F238E27FC236}">
-                <a16:creationId xmlns="" xmlns:a16="http://schemas.microsoft.com/office/drawing/2014/main" id="{7709B346-3CF0-4506-B6E0-39CD18074E81}"/>
+                <a16:creationId xmlns:a16="http://schemas.microsoft.com/office/drawing/2014/main" xmlns="" id="{7709B346-3CF0-4506-B6E0-39CD18074E81}"/>
               </a:ext>
             </a:extLst>
           </p:cNvPr>
@@ -45761,7 +46051,7 @@
           <p:cNvPr id="14" name="TextBox 13">
             <a:extLst>
               <a:ext uri="{FF2B5EF4-FFF2-40B4-BE49-F238E27FC236}">
-                <a16:creationId xmlns="" xmlns:a16="http://schemas.microsoft.com/office/drawing/2014/main" id="{88CA780A-86AF-4CC5-93C8-9AA542968897}"/>
+                <a16:creationId xmlns:a16="http://schemas.microsoft.com/office/drawing/2014/main" xmlns="" id="{88CA780A-86AF-4CC5-93C8-9AA542968897}"/>
               </a:ext>
             </a:extLst>
           </p:cNvPr>
@@ -45813,7 +46103,7 @@
           <p:cNvPr id="16" name="TextBox 15">
             <a:extLst>
               <a:ext uri="{FF2B5EF4-FFF2-40B4-BE49-F238E27FC236}">
-                <a16:creationId xmlns="" xmlns:a16="http://schemas.microsoft.com/office/drawing/2014/main" id="{5AD7D250-00C2-41C7-AF99-CE4054EFC6EB}"/>
+                <a16:creationId xmlns:a16="http://schemas.microsoft.com/office/drawing/2014/main" xmlns="" id="{5AD7D250-00C2-41C7-AF99-CE4054EFC6EB}"/>
               </a:ext>
             </a:extLst>
           </p:cNvPr>
@@ -45880,7 +46170,7 @@
           <p:cNvPr id="17" name="TextBox 16">
             <a:extLst>
               <a:ext uri="{FF2B5EF4-FFF2-40B4-BE49-F238E27FC236}">
-                <a16:creationId xmlns="" xmlns:a16="http://schemas.microsoft.com/office/drawing/2014/main" id="{E74F7379-B503-4B35-946D-61820AE3A953}"/>
+                <a16:creationId xmlns:a16="http://schemas.microsoft.com/office/drawing/2014/main" xmlns="" id="{E74F7379-B503-4B35-946D-61820AE3A953}"/>
               </a:ext>
             </a:extLst>
           </p:cNvPr>
@@ -45935,7 +46225,7 @@
           <p:cNvPr id="28" name="TextBox 27">
             <a:extLst>
               <a:ext uri="{FF2B5EF4-FFF2-40B4-BE49-F238E27FC236}">
-                <a16:creationId xmlns="" xmlns:a16="http://schemas.microsoft.com/office/drawing/2014/main" id="{8F345D2C-1E4C-4A1A-8D6E-410B30EE87E6}"/>
+                <a16:creationId xmlns:a16="http://schemas.microsoft.com/office/drawing/2014/main" xmlns="" id="{8F345D2C-1E4C-4A1A-8D6E-410B30EE87E6}"/>
               </a:ext>
             </a:extLst>
           </p:cNvPr>
@@ -46059,7 +46349,7 @@
           <p:cNvPr id="30" name="Picture 12" descr="C:\Users\HuyTran\Desktop\WPF project\emplyee.png">
             <a:extLst>
               <a:ext uri="{FF2B5EF4-FFF2-40B4-BE49-F238E27FC236}">
-                <a16:creationId xmlns="" xmlns:a16="http://schemas.microsoft.com/office/drawing/2014/main" id="{3CC5700F-22E8-4347-B889-B0C8F022B27B}"/>
+                <a16:creationId xmlns:a16="http://schemas.microsoft.com/office/drawing/2014/main" xmlns="" id="{3CC5700F-22E8-4347-B889-B0C8F022B27B}"/>
               </a:ext>
             </a:extLst>
           </p:cNvPr>
@@ -46106,7 +46396,7 @@
           <p:cNvPr id="31" name="TextBox 30">
             <a:extLst>
               <a:ext uri="{FF2B5EF4-FFF2-40B4-BE49-F238E27FC236}">
-                <a16:creationId xmlns="" xmlns:a16="http://schemas.microsoft.com/office/drawing/2014/main" id="{5966DF16-C2DB-4C52-B444-530F784F1688}"/>
+                <a16:creationId xmlns:a16="http://schemas.microsoft.com/office/drawing/2014/main" xmlns="" id="{5966DF16-C2DB-4C52-B444-530F784F1688}"/>
               </a:ext>
             </a:extLst>
           </p:cNvPr>
@@ -46161,7 +46451,7 @@
           <p:cNvPr id="40" name="TextBox 39">
             <a:extLst>
               <a:ext uri="{FF2B5EF4-FFF2-40B4-BE49-F238E27FC236}">
-                <a16:creationId xmlns="" xmlns:a16="http://schemas.microsoft.com/office/drawing/2014/main" id="{BDEA9192-45FB-471A-8F44-C1E1216F91C9}"/>
+                <a16:creationId xmlns:a16="http://schemas.microsoft.com/office/drawing/2014/main" xmlns="" id="{BDEA9192-45FB-471A-8F44-C1E1216F91C9}"/>
               </a:ext>
             </a:extLst>
           </p:cNvPr>
@@ -46216,7 +46506,7 @@
           <p:cNvPr id="45" name="TextBox 44">
             <a:extLst>
               <a:ext uri="{FF2B5EF4-FFF2-40B4-BE49-F238E27FC236}">
-                <a16:creationId xmlns="" xmlns:a16="http://schemas.microsoft.com/office/drawing/2014/main" id="{8BFFB88C-E681-4ACD-BFA4-056A082BD285}"/>
+                <a16:creationId xmlns:a16="http://schemas.microsoft.com/office/drawing/2014/main" xmlns="" id="{8BFFB88C-E681-4ACD-BFA4-056A082BD285}"/>
               </a:ext>
             </a:extLst>
           </p:cNvPr>
@@ -46271,7 +46561,7 @@
           <p:cNvPr id="46" name="TextBox 45">
             <a:extLst>
               <a:ext uri="{FF2B5EF4-FFF2-40B4-BE49-F238E27FC236}">
-                <a16:creationId xmlns="" xmlns:a16="http://schemas.microsoft.com/office/drawing/2014/main" id="{E812D2A8-F0C3-43C6-9E94-27A5CC75E4F6}"/>
+                <a16:creationId xmlns:a16="http://schemas.microsoft.com/office/drawing/2014/main" xmlns="" id="{E812D2A8-F0C3-43C6-9E94-27A5CC75E4F6}"/>
               </a:ext>
             </a:extLst>
           </p:cNvPr>
@@ -46308,7 +46598,7 @@
           <p:cNvPr id="47" name="Rectangle 46">
             <a:extLst>
               <a:ext uri="{FF2B5EF4-FFF2-40B4-BE49-F238E27FC236}">
-                <a16:creationId xmlns="" xmlns:a16="http://schemas.microsoft.com/office/drawing/2014/main" id="{3996E642-D4A2-4D79-A742-5550448C1FDF}"/>
+                <a16:creationId xmlns:a16="http://schemas.microsoft.com/office/drawing/2014/main" xmlns="" id="{3996E642-D4A2-4D79-A742-5550448C1FDF}"/>
               </a:ext>
             </a:extLst>
           </p:cNvPr>
@@ -46354,7 +46644,7 @@
           <p:cNvPr id="49" name="Rectangle 48">
             <a:extLst>
               <a:ext uri="{FF2B5EF4-FFF2-40B4-BE49-F238E27FC236}">
-                <a16:creationId xmlns="" xmlns:a16="http://schemas.microsoft.com/office/drawing/2014/main" id="{392D3F3E-82EC-46EE-B892-F49588178DD3}"/>
+                <a16:creationId xmlns:a16="http://schemas.microsoft.com/office/drawing/2014/main" xmlns="" id="{392D3F3E-82EC-46EE-B892-F49588178DD3}"/>
               </a:ext>
             </a:extLst>
           </p:cNvPr>
@@ -46400,7 +46690,7 @@
           <p:cNvPr id="50" name="Rectangle 49">
             <a:extLst>
               <a:ext uri="{FF2B5EF4-FFF2-40B4-BE49-F238E27FC236}">
-                <a16:creationId xmlns="" xmlns:a16="http://schemas.microsoft.com/office/drawing/2014/main" id="{B42D5ACD-C5C6-48D1-BF6C-B2C1BCD7410F}"/>
+                <a16:creationId xmlns:a16="http://schemas.microsoft.com/office/drawing/2014/main" xmlns="" id="{B42D5ACD-C5C6-48D1-BF6C-B2C1BCD7410F}"/>
               </a:ext>
             </a:extLst>
           </p:cNvPr>
@@ -46446,7 +46736,7 @@
           <p:cNvPr id="51" name="Rectangle 50">
             <a:extLst>
               <a:ext uri="{FF2B5EF4-FFF2-40B4-BE49-F238E27FC236}">
-                <a16:creationId xmlns="" xmlns:a16="http://schemas.microsoft.com/office/drawing/2014/main" id="{E1405096-503D-49E1-9204-0034C948B4D5}"/>
+                <a16:creationId xmlns:a16="http://schemas.microsoft.com/office/drawing/2014/main" xmlns="" id="{E1405096-503D-49E1-9204-0034C948B4D5}"/>
               </a:ext>
             </a:extLst>
           </p:cNvPr>
@@ -46492,7 +46782,7 @@
           <p:cNvPr id="53" name="TextBox 52">
             <a:extLst>
               <a:ext uri="{FF2B5EF4-FFF2-40B4-BE49-F238E27FC236}">
-                <a16:creationId xmlns="" xmlns:a16="http://schemas.microsoft.com/office/drawing/2014/main" id="{FE0AE89D-4FA9-4115-8B78-5EC058441CB9}"/>
+                <a16:creationId xmlns:a16="http://schemas.microsoft.com/office/drawing/2014/main" xmlns="" id="{FE0AE89D-4FA9-4115-8B78-5EC058441CB9}"/>
               </a:ext>
             </a:extLst>
           </p:cNvPr>
@@ -46547,7 +46837,7 @@
           <p:cNvPr id="54" name="TextBox 53">
             <a:extLst>
               <a:ext uri="{FF2B5EF4-FFF2-40B4-BE49-F238E27FC236}">
-                <a16:creationId xmlns="" xmlns:a16="http://schemas.microsoft.com/office/drawing/2014/main" id="{E05C8096-46D4-4A7C-A2B8-9D79A1BCDC32}"/>
+                <a16:creationId xmlns:a16="http://schemas.microsoft.com/office/drawing/2014/main" xmlns="" id="{E05C8096-46D4-4A7C-A2B8-9D79A1BCDC32}"/>
               </a:ext>
             </a:extLst>
           </p:cNvPr>
@@ -46626,7 +46916,7 @@
           <p:cNvPr id="55" name="Rectangle 54">
             <a:extLst>
               <a:ext uri="{FF2B5EF4-FFF2-40B4-BE49-F238E27FC236}">
-                <a16:creationId xmlns="" xmlns:a16="http://schemas.microsoft.com/office/drawing/2014/main" id="{F69AF0D9-0AAE-4E50-8597-FDBE5BA3762C}"/>
+                <a16:creationId xmlns:a16="http://schemas.microsoft.com/office/drawing/2014/main" xmlns="" id="{F69AF0D9-0AAE-4E50-8597-FDBE5BA3762C}"/>
               </a:ext>
             </a:extLst>
           </p:cNvPr>
@@ -46672,7 +46962,7 @@
           <p:cNvPr id="56" name="Rectangle 55">
             <a:extLst>
               <a:ext uri="{FF2B5EF4-FFF2-40B4-BE49-F238E27FC236}">
-                <a16:creationId xmlns="" xmlns:a16="http://schemas.microsoft.com/office/drawing/2014/main" id="{D1AFC196-8286-44EA-B141-AB550462EA4C}"/>
+                <a16:creationId xmlns:a16="http://schemas.microsoft.com/office/drawing/2014/main" xmlns="" id="{D1AFC196-8286-44EA-B141-AB550462EA4C}"/>
               </a:ext>
             </a:extLst>
           </p:cNvPr>
@@ -46718,7 +47008,7 @@
           <p:cNvPr id="57" name="Rectangle 56">
             <a:extLst>
               <a:ext uri="{FF2B5EF4-FFF2-40B4-BE49-F238E27FC236}">
-                <a16:creationId xmlns="" xmlns:a16="http://schemas.microsoft.com/office/drawing/2014/main" id="{93F1A291-15A0-4EEE-A517-C4C056E66505}"/>
+                <a16:creationId xmlns:a16="http://schemas.microsoft.com/office/drawing/2014/main" xmlns="" id="{93F1A291-15A0-4EEE-A517-C4C056E66505}"/>
               </a:ext>
             </a:extLst>
           </p:cNvPr>
@@ -46778,7 +47068,7 @@
           <p:cNvPr id="58" name="Rectangle 57">
             <a:extLst>
               <a:ext uri="{FF2B5EF4-FFF2-40B4-BE49-F238E27FC236}">
-                <a16:creationId xmlns="" xmlns:a16="http://schemas.microsoft.com/office/drawing/2014/main" id="{C313D5D0-14D9-4013-A702-8F05786AB4A7}"/>
+                <a16:creationId xmlns:a16="http://schemas.microsoft.com/office/drawing/2014/main" xmlns="" id="{C313D5D0-14D9-4013-A702-8F05786AB4A7}"/>
               </a:ext>
             </a:extLst>
           </p:cNvPr>
@@ -46852,7 +47142,7 @@
           <p:cNvPr id="61" name="TextBox 60">
             <a:extLst>
               <a:ext uri="{FF2B5EF4-FFF2-40B4-BE49-F238E27FC236}">
-                <a16:creationId xmlns="" xmlns:a16="http://schemas.microsoft.com/office/drawing/2014/main" id="{BE490A08-29E0-4571-9E90-06F47C84DC9B}"/>
+                <a16:creationId xmlns:a16="http://schemas.microsoft.com/office/drawing/2014/main" xmlns="" id="{BE490A08-29E0-4571-9E90-06F47C84DC9B}"/>
               </a:ext>
             </a:extLst>
           </p:cNvPr>
@@ -46919,7 +47209,7 @@
           <p:cNvPr id="62" name="Rectangle 61">
             <a:extLst>
               <a:ext uri="{FF2B5EF4-FFF2-40B4-BE49-F238E27FC236}">
-                <a16:creationId xmlns="" xmlns:a16="http://schemas.microsoft.com/office/drawing/2014/main" id="{6E234CCF-F0D4-4828-A7E0-AD8DBE9D5157}"/>
+                <a16:creationId xmlns:a16="http://schemas.microsoft.com/office/drawing/2014/main" xmlns="" id="{6E234CCF-F0D4-4828-A7E0-AD8DBE9D5157}"/>
               </a:ext>
             </a:extLst>
           </p:cNvPr>
@@ -46965,7 +47255,7 @@
           <p:cNvPr id="63" name="TextBox 62">
             <a:extLst>
               <a:ext uri="{FF2B5EF4-FFF2-40B4-BE49-F238E27FC236}">
-                <a16:creationId xmlns="" xmlns:a16="http://schemas.microsoft.com/office/drawing/2014/main" id="{5C4E79A3-8CAA-468B-A296-FDF5DF35DB8E}"/>
+                <a16:creationId xmlns:a16="http://schemas.microsoft.com/office/drawing/2014/main" xmlns="" id="{5C4E79A3-8CAA-468B-A296-FDF5DF35DB8E}"/>
               </a:ext>
             </a:extLst>
           </p:cNvPr>
@@ -47020,7 +47310,7 @@
           <p:cNvPr id="64" name="Rectangle 63">
             <a:extLst>
               <a:ext uri="{FF2B5EF4-FFF2-40B4-BE49-F238E27FC236}">
-                <a16:creationId xmlns="" xmlns:a16="http://schemas.microsoft.com/office/drawing/2014/main" id="{0829BC16-F805-4F38-821A-1F207D5BC17B}"/>
+                <a16:creationId xmlns:a16="http://schemas.microsoft.com/office/drawing/2014/main" xmlns="" id="{0829BC16-F805-4F38-821A-1F207D5BC17B}"/>
               </a:ext>
             </a:extLst>
           </p:cNvPr>
@@ -47083,7 +47373,7 @@
           <p:cNvPr id="2" name="Isosceles Triangle 1">
             <a:extLst>
               <a:ext uri="{FF2B5EF4-FFF2-40B4-BE49-F238E27FC236}">
-                <a16:creationId xmlns="" xmlns:a16="http://schemas.microsoft.com/office/drawing/2014/main" id="{A803AD18-415E-4067-8241-BA7F4157E4B7}"/>
+                <a16:creationId xmlns:a16="http://schemas.microsoft.com/office/drawing/2014/main" xmlns="" id="{A803AD18-415E-4067-8241-BA7F4157E4B7}"/>
               </a:ext>
             </a:extLst>
           </p:cNvPr>
@@ -47177,7 +47467,7 @@
           <p:cNvPr id="6" name="TextBox 5">
             <a:extLst>
               <a:ext uri="{FF2B5EF4-FFF2-40B4-BE49-F238E27FC236}">
-                <a16:creationId xmlns="" xmlns:a16="http://schemas.microsoft.com/office/drawing/2014/main" id="{CD2A8DE0-B0E7-40FB-9538-60D54401A4F8}"/>
+                <a16:creationId xmlns:a16="http://schemas.microsoft.com/office/drawing/2014/main" xmlns="" id="{CD2A8DE0-B0E7-40FB-9538-60D54401A4F8}"/>
               </a:ext>
             </a:extLst>
           </p:cNvPr>
@@ -47340,7 +47630,7 @@
           <p:cNvPr id="11" name="Picture 10">
             <a:extLst>
               <a:ext uri="{FF2B5EF4-FFF2-40B4-BE49-F238E27FC236}">
-                <a16:creationId xmlns="" xmlns:a16="http://schemas.microsoft.com/office/drawing/2014/main" id="{F6164AE6-B86F-4668-B82E-2CCF243694C5}"/>
+                <a16:creationId xmlns:a16="http://schemas.microsoft.com/office/drawing/2014/main" xmlns="" id="{F6164AE6-B86F-4668-B82E-2CCF243694C5}"/>
               </a:ext>
             </a:extLst>
           </p:cNvPr>
@@ -47370,7 +47660,7 @@
           <p:cNvPr id="12" name="Rectangle 11">
             <a:extLst>
               <a:ext uri="{FF2B5EF4-FFF2-40B4-BE49-F238E27FC236}">
-                <a16:creationId xmlns="" xmlns:a16="http://schemas.microsoft.com/office/drawing/2014/main" id="{9DC85E5D-8339-4A90-8911-6572A28FAB1B}"/>
+                <a16:creationId xmlns:a16="http://schemas.microsoft.com/office/drawing/2014/main" xmlns="" id="{9DC85E5D-8339-4A90-8911-6572A28FAB1B}"/>
               </a:ext>
             </a:extLst>
           </p:cNvPr>
@@ -47424,7 +47714,7 @@
           <p:cNvPr id="13" name="Picture 8" descr="C:\Users\HuyTran\Desktop\WPF project\Paul_Circle.png">
             <a:extLst>
               <a:ext uri="{FF2B5EF4-FFF2-40B4-BE49-F238E27FC236}">
-                <a16:creationId xmlns="" xmlns:a16="http://schemas.microsoft.com/office/drawing/2014/main" id="{7709B346-3CF0-4506-B6E0-39CD18074E81}"/>
+                <a16:creationId xmlns:a16="http://schemas.microsoft.com/office/drawing/2014/main" xmlns="" id="{7709B346-3CF0-4506-B6E0-39CD18074E81}"/>
               </a:ext>
             </a:extLst>
           </p:cNvPr>
@@ -47471,7 +47761,7 @@
           <p:cNvPr id="14" name="TextBox 13">
             <a:extLst>
               <a:ext uri="{FF2B5EF4-FFF2-40B4-BE49-F238E27FC236}">
-                <a16:creationId xmlns="" xmlns:a16="http://schemas.microsoft.com/office/drawing/2014/main" id="{88CA780A-86AF-4CC5-93C8-9AA542968897}"/>
+                <a16:creationId xmlns:a16="http://schemas.microsoft.com/office/drawing/2014/main" xmlns="" id="{88CA780A-86AF-4CC5-93C8-9AA542968897}"/>
               </a:ext>
             </a:extLst>
           </p:cNvPr>
@@ -47523,7 +47813,7 @@
           <p:cNvPr id="16" name="TextBox 15">
             <a:extLst>
               <a:ext uri="{FF2B5EF4-FFF2-40B4-BE49-F238E27FC236}">
-                <a16:creationId xmlns="" xmlns:a16="http://schemas.microsoft.com/office/drawing/2014/main" id="{5AD7D250-00C2-41C7-AF99-CE4054EFC6EB}"/>
+                <a16:creationId xmlns:a16="http://schemas.microsoft.com/office/drawing/2014/main" xmlns="" id="{5AD7D250-00C2-41C7-AF99-CE4054EFC6EB}"/>
               </a:ext>
             </a:extLst>
           </p:cNvPr>
@@ -47590,7 +47880,7 @@
           <p:cNvPr id="17" name="TextBox 16">
             <a:extLst>
               <a:ext uri="{FF2B5EF4-FFF2-40B4-BE49-F238E27FC236}">
-                <a16:creationId xmlns="" xmlns:a16="http://schemas.microsoft.com/office/drawing/2014/main" id="{E74F7379-B503-4B35-946D-61820AE3A953}"/>
+                <a16:creationId xmlns:a16="http://schemas.microsoft.com/office/drawing/2014/main" xmlns="" id="{E74F7379-B503-4B35-946D-61820AE3A953}"/>
               </a:ext>
             </a:extLst>
           </p:cNvPr>
@@ -47645,7 +47935,7 @@
           <p:cNvPr id="28" name="TextBox 27">
             <a:extLst>
               <a:ext uri="{FF2B5EF4-FFF2-40B4-BE49-F238E27FC236}">
-                <a16:creationId xmlns="" xmlns:a16="http://schemas.microsoft.com/office/drawing/2014/main" id="{8F345D2C-1E4C-4A1A-8D6E-410B30EE87E6}"/>
+                <a16:creationId xmlns:a16="http://schemas.microsoft.com/office/drawing/2014/main" xmlns="" id="{8F345D2C-1E4C-4A1A-8D6E-410B30EE87E6}"/>
               </a:ext>
             </a:extLst>
           </p:cNvPr>
@@ -47793,7 +48083,7 @@
           <p:cNvPr id="30" name="Picture 12" descr="C:\Users\HuyTran\Desktop\WPF project\emplyee.png">
             <a:extLst>
               <a:ext uri="{FF2B5EF4-FFF2-40B4-BE49-F238E27FC236}">
-                <a16:creationId xmlns="" xmlns:a16="http://schemas.microsoft.com/office/drawing/2014/main" id="{3CC5700F-22E8-4347-B889-B0C8F022B27B}"/>
+                <a16:creationId xmlns:a16="http://schemas.microsoft.com/office/drawing/2014/main" xmlns="" id="{3CC5700F-22E8-4347-B889-B0C8F022B27B}"/>
               </a:ext>
             </a:extLst>
           </p:cNvPr>
@@ -47840,7 +48130,7 @@
           <p:cNvPr id="32" name="TextBox 31">
             <a:extLst>
               <a:ext uri="{FF2B5EF4-FFF2-40B4-BE49-F238E27FC236}">
-                <a16:creationId xmlns="" xmlns:a16="http://schemas.microsoft.com/office/drawing/2014/main" id="{9D964AA7-CD87-4C30-A4ED-2BC00993283D}"/>
+                <a16:creationId xmlns:a16="http://schemas.microsoft.com/office/drawing/2014/main" xmlns="" id="{9D964AA7-CD87-4C30-A4ED-2BC00993283D}"/>
               </a:ext>
             </a:extLst>
           </p:cNvPr>
@@ -47895,7 +48185,7 @@
           <p:cNvPr id="35" name="TextBox 34">
             <a:extLst>
               <a:ext uri="{FF2B5EF4-FFF2-40B4-BE49-F238E27FC236}">
-                <a16:creationId xmlns="" xmlns:a16="http://schemas.microsoft.com/office/drawing/2014/main" id="{BC692BE7-D83C-4B93-96A4-9FA89652ECCB}"/>
+                <a16:creationId xmlns:a16="http://schemas.microsoft.com/office/drawing/2014/main" xmlns="" id="{BC692BE7-D83C-4B93-96A4-9FA89652ECCB}"/>
               </a:ext>
             </a:extLst>
           </p:cNvPr>
@@ -47950,7 +48240,7 @@
           <p:cNvPr id="36" name="TextBox 35">
             <a:extLst>
               <a:ext uri="{FF2B5EF4-FFF2-40B4-BE49-F238E27FC236}">
-                <a16:creationId xmlns="" xmlns:a16="http://schemas.microsoft.com/office/drawing/2014/main" id="{42E5C02B-398B-4055-9ED4-CEF690C185A1}"/>
+                <a16:creationId xmlns:a16="http://schemas.microsoft.com/office/drawing/2014/main" xmlns="" id="{42E5C02B-398B-4055-9ED4-CEF690C185A1}"/>
               </a:ext>
             </a:extLst>
           </p:cNvPr>
@@ -48005,7 +48295,7 @@
           <p:cNvPr id="37" name="TextBox 36">
             <a:extLst>
               <a:ext uri="{FF2B5EF4-FFF2-40B4-BE49-F238E27FC236}">
-                <a16:creationId xmlns="" xmlns:a16="http://schemas.microsoft.com/office/drawing/2014/main" id="{22161E90-1933-42AF-8106-FC23F6868519}"/>
+                <a16:creationId xmlns:a16="http://schemas.microsoft.com/office/drawing/2014/main" xmlns="" id="{22161E90-1933-42AF-8106-FC23F6868519}"/>
               </a:ext>
             </a:extLst>
           </p:cNvPr>
@@ -48042,7 +48332,7 @@
           <p:cNvPr id="38" name="Rectangle 37">
             <a:extLst>
               <a:ext uri="{FF2B5EF4-FFF2-40B4-BE49-F238E27FC236}">
-                <a16:creationId xmlns="" xmlns:a16="http://schemas.microsoft.com/office/drawing/2014/main" id="{A6863D23-4FFC-40D8-B6E9-AF12F6EDB3F3}"/>
+                <a16:creationId xmlns:a16="http://schemas.microsoft.com/office/drawing/2014/main" xmlns="" id="{A6863D23-4FFC-40D8-B6E9-AF12F6EDB3F3}"/>
               </a:ext>
             </a:extLst>
           </p:cNvPr>
@@ -48088,7 +48378,7 @@
           <p:cNvPr id="41" name="Rectangle 40">
             <a:extLst>
               <a:ext uri="{FF2B5EF4-FFF2-40B4-BE49-F238E27FC236}">
-                <a16:creationId xmlns="" xmlns:a16="http://schemas.microsoft.com/office/drawing/2014/main" id="{E30EA41F-1CC2-448B-A66A-AD22E59B54FE}"/>
+                <a16:creationId xmlns:a16="http://schemas.microsoft.com/office/drawing/2014/main" xmlns="" id="{E30EA41F-1CC2-448B-A66A-AD22E59B54FE}"/>
               </a:ext>
             </a:extLst>
           </p:cNvPr>
@@ -48134,7 +48424,7 @@
           <p:cNvPr id="42" name="Rectangle 41">
             <a:extLst>
               <a:ext uri="{FF2B5EF4-FFF2-40B4-BE49-F238E27FC236}">
-                <a16:creationId xmlns="" xmlns:a16="http://schemas.microsoft.com/office/drawing/2014/main" id="{336085CB-FC1D-422C-9828-EB9F9BCE9C83}"/>
+                <a16:creationId xmlns:a16="http://schemas.microsoft.com/office/drawing/2014/main" xmlns="" id="{336085CB-FC1D-422C-9828-EB9F9BCE9C83}"/>
               </a:ext>
             </a:extLst>
           </p:cNvPr>
@@ -48180,7 +48470,7 @@
           <p:cNvPr id="43" name="Rectangle 42">
             <a:extLst>
               <a:ext uri="{FF2B5EF4-FFF2-40B4-BE49-F238E27FC236}">
-                <a16:creationId xmlns="" xmlns:a16="http://schemas.microsoft.com/office/drawing/2014/main" id="{3497FB9B-5D1B-4A6C-B735-13DB9072AE41}"/>
+                <a16:creationId xmlns:a16="http://schemas.microsoft.com/office/drawing/2014/main" xmlns="" id="{3497FB9B-5D1B-4A6C-B735-13DB9072AE41}"/>
               </a:ext>
             </a:extLst>
           </p:cNvPr>
@@ -48226,7 +48516,7 @@
           <p:cNvPr id="44" name="TextBox 43">
             <a:extLst>
               <a:ext uri="{FF2B5EF4-FFF2-40B4-BE49-F238E27FC236}">
-                <a16:creationId xmlns="" xmlns:a16="http://schemas.microsoft.com/office/drawing/2014/main" id="{3E4E32E2-8FA3-40F3-B044-2465D64AEEAE}"/>
+                <a16:creationId xmlns:a16="http://schemas.microsoft.com/office/drawing/2014/main" xmlns="" id="{3E4E32E2-8FA3-40F3-B044-2465D64AEEAE}"/>
               </a:ext>
             </a:extLst>
           </p:cNvPr>
@@ -48281,7 +48571,7 @@
           <p:cNvPr id="52" name="TextBox 51">
             <a:extLst>
               <a:ext uri="{FF2B5EF4-FFF2-40B4-BE49-F238E27FC236}">
-                <a16:creationId xmlns="" xmlns:a16="http://schemas.microsoft.com/office/drawing/2014/main" id="{3BACEE0E-1EED-4664-8C74-A01883731E3A}"/>
+                <a16:creationId xmlns:a16="http://schemas.microsoft.com/office/drawing/2014/main" xmlns="" id="{3BACEE0E-1EED-4664-8C74-A01883731E3A}"/>
               </a:ext>
             </a:extLst>
           </p:cNvPr>
@@ -48360,7 +48650,7 @@
           <p:cNvPr id="63" name="Rectangle 62">
             <a:extLst>
               <a:ext uri="{FF2B5EF4-FFF2-40B4-BE49-F238E27FC236}">
-                <a16:creationId xmlns="" xmlns:a16="http://schemas.microsoft.com/office/drawing/2014/main" id="{31CDD4BD-BE8A-4397-9195-C689D2E3B8E4}"/>
+                <a16:creationId xmlns:a16="http://schemas.microsoft.com/office/drawing/2014/main" xmlns="" id="{31CDD4BD-BE8A-4397-9195-C689D2E3B8E4}"/>
               </a:ext>
             </a:extLst>
           </p:cNvPr>
@@ -48406,7 +48696,7 @@
           <p:cNvPr id="64" name="Rectangle 63">
             <a:extLst>
               <a:ext uri="{FF2B5EF4-FFF2-40B4-BE49-F238E27FC236}">
-                <a16:creationId xmlns="" xmlns:a16="http://schemas.microsoft.com/office/drawing/2014/main" id="{93821D52-F263-4CDF-A590-27650ED3F722}"/>
+                <a16:creationId xmlns:a16="http://schemas.microsoft.com/office/drawing/2014/main" xmlns="" id="{93821D52-F263-4CDF-A590-27650ED3F722}"/>
               </a:ext>
             </a:extLst>
           </p:cNvPr>
@@ -48452,7 +48742,7 @@
           <p:cNvPr id="65" name="Rectangle 64">
             <a:extLst>
               <a:ext uri="{FF2B5EF4-FFF2-40B4-BE49-F238E27FC236}">
-                <a16:creationId xmlns="" xmlns:a16="http://schemas.microsoft.com/office/drawing/2014/main" id="{D431FB73-103A-4074-BF97-C645133A57A3}"/>
+                <a16:creationId xmlns:a16="http://schemas.microsoft.com/office/drawing/2014/main" xmlns="" id="{D431FB73-103A-4074-BF97-C645133A57A3}"/>
               </a:ext>
             </a:extLst>
           </p:cNvPr>
@@ -48512,7 +48802,7 @@
           <p:cNvPr id="66" name="Rectangle 65">
             <a:extLst>
               <a:ext uri="{FF2B5EF4-FFF2-40B4-BE49-F238E27FC236}">
-                <a16:creationId xmlns="" xmlns:a16="http://schemas.microsoft.com/office/drawing/2014/main" id="{7398C209-16AC-4BF1-9602-F03C420337F6}"/>
+                <a16:creationId xmlns:a16="http://schemas.microsoft.com/office/drawing/2014/main" xmlns="" id="{7398C209-16AC-4BF1-9602-F03C420337F6}"/>
               </a:ext>
             </a:extLst>
           </p:cNvPr>
@@ -48586,7 +48876,7 @@
           <p:cNvPr id="69" name="TextBox 68">
             <a:extLst>
               <a:ext uri="{FF2B5EF4-FFF2-40B4-BE49-F238E27FC236}">
-                <a16:creationId xmlns="" xmlns:a16="http://schemas.microsoft.com/office/drawing/2014/main" id="{5C57A79A-682E-43DD-96D0-4135E5E5C3E8}"/>
+                <a16:creationId xmlns:a16="http://schemas.microsoft.com/office/drawing/2014/main" xmlns="" id="{5C57A79A-682E-43DD-96D0-4135E5E5C3E8}"/>
               </a:ext>
             </a:extLst>
           </p:cNvPr>
@@ -48653,7 +48943,7 @@
           <p:cNvPr id="70" name="Rectangle 69">
             <a:extLst>
               <a:ext uri="{FF2B5EF4-FFF2-40B4-BE49-F238E27FC236}">
-                <a16:creationId xmlns="" xmlns:a16="http://schemas.microsoft.com/office/drawing/2014/main" id="{F0767A87-C8BA-4E57-B6D8-3924C9E7C35D}"/>
+                <a16:creationId xmlns:a16="http://schemas.microsoft.com/office/drawing/2014/main" xmlns="" id="{F0767A87-C8BA-4E57-B6D8-3924C9E7C35D}"/>
               </a:ext>
             </a:extLst>
           </p:cNvPr>
@@ -48702,7 +48992,7 @@
           <p:cNvPr id="71" name="TextBox 70">
             <a:extLst>
               <a:ext uri="{FF2B5EF4-FFF2-40B4-BE49-F238E27FC236}">
-                <a16:creationId xmlns="" xmlns:a16="http://schemas.microsoft.com/office/drawing/2014/main" id="{50901380-5073-48D7-8286-7A24B8B07C62}"/>
+                <a16:creationId xmlns:a16="http://schemas.microsoft.com/office/drawing/2014/main" xmlns="" id="{50901380-5073-48D7-8286-7A24B8B07C62}"/>
               </a:ext>
             </a:extLst>
           </p:cNvPr>
@@ -48757,7 +49047,7 @@
           <p:cNvPr id="72" name="Rectangle 71">
             <a:extLst>
               <a:ext uri="{FF2B5EF4-FFF2-40B4-BE49-F238E27FC236}">
-                <a16:creationId xmlns="" xmlns:a16="http://schemas.microsoft.com/office/drawing/2014/main" id="{34A59E57-2973-41BD-A52B-F762C78C2DE7}"/>
+                <a16:creationId xmlns:a16="http://schemas.microsoft.com/office/drawing/2014/main" xmlns="" id="{34A59E57-2973-41BD-A52B-F762C78C2DE7}"/>
               </a:ext>
             </a:extLst>
           </p:cNvPr>
@@ -48820,7 +49110,7 @@
           <p:cNvPr id="73" name="Isosceles Triangle 72">
             <a:extLst>
               <a:ext uri="{FF2B5EF4-FFF2-40B4-BE49-F238E27FC236}">
-                <a16:creationId xmlns="" xmlns:a16="http://schemas.microsoft.com/office/drawing/2014/main" id="{93E1B32A-AC57-4830-9B8F-22515F6148D6}"/>
+                <a16:creationId xmlns:a16="http://schemas.microsoft.com/office/drawing/2014/main" xmlns="" id="{93E1B32A-AC57-4830-9B8F-22515F6148D6}"/>
               </a:ext>
             </a:extLst>
           </p:cNvPr>
@@ -48876,7 +49166,7 @@
           <p:cNvPr id="74" name="TextBox 73">
             <a:extLst>
               <a:ext uri="{FF2B5EF4-FFF2-40B4-BE49-F238E27FC236}">
-                <a16:creationId xmlns="" xmlns:a16="http://schemas.microsoft.com/office/drawing/2014/main" id="{21EA6452-F2A8-452F-8743-05E670A28A95}"/>
+                <a16:creationId xmlns:a16="http://schemas.microsoft.com/office/drawing/2014/main" xmlns="" id="{21EA6452-F2A8-452F-8743-05E670A28A95}"/>
               </a:ext>
             </a:extLst>
           </p:cNvPr>
@@ -49072,7 +49362,7 @@
           <p:cNvPr id="6" name="TextBox 5">
             <a:extLst>
               <a:ext uri="{FF2B5EF4-FFF2-40B4-BE49-F238E27FC236}">
-                <a16:creationId xmlns="" xmlns:a16="http://schemas.microsoft.com/office/drawing/2014/main" id="{CD2A8DE0-B0E7-40FB-9538-60D54401A4F8}"/>
+                <a16:creationId xmlns:a16="http://schemas.microsoft.com/office/drawing/2014/main" xmlns="" id="{CD2A8DE0-B0E7-40FB-9538-60D54401A4F8}"/>
               </a:ext>
             </a:extLst>
           </p:cNvPr>
@@ -49199,7 +49489,7 @@
           <p:cNvPr id="11" name="Picture 10">
             <a:extLst>
               <a:ext uri="{FF2B5EF4-FFF2-40B4-BE49-F238E27FC236}">
-                <a16:creationId xmlns="" xmlns:a16="http://schemas.microsoft.com/office/drawing/2014/main" id="{F6164AE6-B86F-4668-B82E-2CCF243694C5}"/>
+                <a16:creationId xmlns:a16="http://schemas.microsoft.com/office/drawing/2014/main" xmlns="" id="{F6164AE6-B86F-4668-B82E-2CCF243694C5}"/>
               </a:ext>
             </a:extLst>
           </p:cNvPr>
@@ -49229,7 +49519,7 @@
           <p:cNvPr id="41" name="Rectangle 40">
             <a:extLst>
               <a:ext uri="{FF2B5EF4-FFF2-40B4-BE49-F238E27FC236}">
-                <a16:creationId xmlns="" xmlns:a16="http://schemas.microsoft.com/office/drawing/2014/main" id="{E81BDFDF-A2C2-47AD-8D90-A0FE79376AA6}"/>
+                <a16:creationId xmlns:a16="http://schemas.microsoft.com/office/drawing/2014/main" xmlns="" id="{E81BDFDF-A2C2-47AD-8D90-A0FE79376AA6}"/>
               </a:ext>
             </a:extLst>
           </p:cNvPr>
@@ -49307,7 +49597,7 @@
           <p:cNvPr id="43" name="TextBox 42">
             <a:extLst>
               <a:ext uri="{FF2B5EF4-FFF2-40B4-BE49-F238E27FC236}">
-                <a16:creationId xmlns="" xmlns:a16="http://schemas.microsoft.com/office/drawing/2014/main" id="{F43B97D8-23B6-4B2F-AE82-8C0B2E7C3495}"/>
+                <a16:creationId xmlns:a16="http://schemas.microsoft.com/office/drawing/2014/main" xmlns="" id="{F43B97D8-23B6-4B2F-AE82-8C0B2E7C3495}"/>
               </a:ext>
             </a:extLst>
           </p:cNvPr>
@@ -49407,7 +49697,7 @@
           <p:cNvPr id="3" name="Table 3">
             <a:extLst>
               <a:ext uri="{FF2B5EF4-FFF2-40B4-BE49-F238E27FC236}">
-                <a16:creationId xmlns="" xmlns:a16="http://schemas.microsoft.com/office/drawing/2014/main" id="{9B423CCB-E8FB-4CDB-A31C-9E89725D6698}"/>
+                <a16:creationId xmlns:a16="http://schemas.microsoft.com/office/drawing/2014/main" xmlns="" id="{9B423CCB-E8FB-4CDB-A31C-9E89725D6698}"/>
               </a:ext>
             </a:extLst>
           </p:cNvPr>
@@ -49436,49 +49726,49 @@
                 <a:gridCol w="1208414">
                   <a:extLst>
                     <a:ext uri="{9D8B030D-6E8A-4147-A177-3AD203B41FA5}">
-                      <a16:colId xmlns="" xmlns:a16="http://schemas.microsoft.com/office/drawing/2014/main" val="3679797539"/>
+                      <a16:colId xmlns:a16="http://schemas.microsoft.com/office/drawing/2014/main" xmlns="" val="3679797539"/>
                     </a:ext>
                   </a:extLst>
                 </a:gridCol>
                 <a:gridCol w="1208414">
                   <a:extLst>
                     <a:ext uri="{9D8B030D-6E8A-4147-A177-3AD203B41FA5}">
-                      <a16:colId xmlns="" xmlns:a16="http://schemas.microsoft.com/office/drawing/2014/main" val="4188008786"/>
+                      <a16:colId xmlns:a16="http://schemas.microsoft.com/office/drawing/2014/main" xmlns="" val="4188008786"/>
                     </a:ext>
                   </a:extLst>
                 </a:gridCol>
                 <a:gridCol w="1208414">
                   <a:extLst>
                     <a:ext uri="{9D8B030D-6E8A-4147-A177-3AD203B41FA5}">
-                      <a16:colId xmlns="" xmlns:a16="http://schemas.microsoft.com/office/drawing/2014/main" val="240713644"/>
+                      <a16:colId xmlns:a16="http://schemas.microsoft.com/office/drawing/2014/main" xmlns="" val="240713644"/>
                     </a:ext>
                   </a:extLst>
                 </a:gridCol>
                 <a:gridCol w="1208414">
                   <a:extLst>
                     <a:ext uri="{9D8B030D-6E8A-4147-A177-3AD203B41FA5}">
-                      <a16:colId xmlns="" xmlns:a16="http://schemas.microsoft.com/office/drawing/2014/main" val="2702378126"/>
+                      <a16:colId xmlns:a16="http://schemas.microsoft.com/office/drawing/2014/main" xmlns="" val="2702378126"/>
                     </a:ext>
                   </a:extLst>
                 </a:gridCol>
                 <a:gridCol w="1208414">
                   <a:extLst>
                     <a:ext uri="{9D8B030D-6E8A-4147-A177-3AD203B41FA5}">
-                      <a16:colId xmlns="" xmlns:a16="http://schemas.microsoft.com/office/drawing/2014/main" val="3214238948"/>
+                      <a16:colId xmlns:a16="http://schemas.microsoft.com/office/drawing/2014/main" xmlns="" val="3214238948"/>
                     </a:ext>
                   </a:extLst>
                 </a:gridCol>
                 <a:gridCol w="1208414">
                   <a:extLst>
                     <a:ext uri="{9D8B030D-6E8A-4147-A177-3AD203B41FA5}">
-                      <a16:colId xmlns="" xmlns:a16="http://schemas.microsoft.com/office/drawing/2014/main" val="1291486487"/>
+                      <a16:colId xmlns:a16="http://schemas.microsoft.com/office/drawing/2014/main" xmlns="" val="1291486487"/>
                     </a:ext>
                   </a:extLst>
                 </a:gridCol>
                 <a:gridCol w="1208414">
                   <a:extLst>
                     <a:ext uri="{9D8B030D-6E8A-4147-A177-3AD203B41FA5}">
-                      <a16:colId xmlns="" xmlns:a16="http://schemas.microsoft.com/office/drawing/2014/main" val="3117914522"/>
+                      <a16:colId xmlns:a16="http://schemas.microsoft.com/office/drawing/2014/main" xmlns="" val="3117914522"/>
                     </a:ext>
                   </a:extLst>
                 </a:gridCol>
@@ -49684,7 +49974,7 @@
                 </a:tc>
                 <a:extLst>
                   <a:ext uri="{0D108BD9-81ED-4DB2-BD59-A6C34878D82A}">
-                    <a16:rowId xmlns="" xmlns:a16="http://schemas.microsoft.com/office/drawing/2014/main" val="652390980"/>
+                    <a16:rowId xmlns:a16="http://schemas.microsoft.com/office/drawing/2014/main" xmlns="" val="652390980"/>
                   </a:ext>
                 </a:extLst>
               </a:tr>
@@ -49858,7 +50148,7 @@
                 </a:tc>
                 <a:extLst>
                   <a:ext uri="{0D108BD9-81ED-4DB2-BD59-A6C34878D82A}">
-                    <a16:rowId xmlns="" xmlns:a16="http://schemas.microsoft.com/office/drawing/2014/main" val="730336656"/>
+                    <a16:rowId xmlns:a16="http://schemas.microsoft.com/office/drawing/2014/main" xmlns="" val="730336656"/>
                   </a:ext>
                 </a:extLst>
               </a:tr>
@@ -50076,7 +50366,7 @@
                 </a:tc>
                 <a:extLst>
                   <a:ext uri="{0D108BD9-81ED-4DB2-BD59-A6C34878D82A}">
-                    <a16:rowId xmlns="" xmlns:a16="http://schemas.microsoft.com/office/drawing/2014/main" val="2897143220"/>
+                    <a16:rowId xmlns:a16="http://schemas.microsoft.com/office/drawing/2014/main" xmlns="" val="2897143220"/>
                   </a:ext>
                 </a:extLst>
               </a:tr>
@@ -50089,7 +50379,7 @@
           <p:cNvPr id="7" name="Picture 6">
             <a:extLst>
               <a:ext uri="{FF2B5EF4-FFF2-40B4-BE49-F238E27FC236}">
-                <a16:creationId xmlns="" xmlns:a16="http://schemas.microsoft.com/office/drawing/2014/main" id="{798CD5D1-9D70-45D6-834A-50850E654654}"/>
+                <a16:creationId xmlns:a16="http://schemas.microsoft.com/office/drawing/2014/main" xmlns="" id="{798CD5D1-9D70-45D6-834A-50850E654654}"/>
               </a:ext>
             </a:extLst>
           </p:cNvPr>
@@ -50124,7 +50414,7 @@
           <p:cNvPr id="9" name="Picture 8">
             <a:extLst>
               <a:ext uri="{FF2B5EF4-FFF2-40B4-BE49-F238E27FC236}">
-                <a16:creationId xmlns="" xmlns:a16="http://schemas.microsoft.com/office/drawing/2014/main" id="{EBB267E1-41AD-45A6-B6C2-FAA07AAB8FB6}"/>
+                <a16:creationId xmlns:a16="http://schemas.microsoft.com/office/drawing/2014/main" xmlns="" id="{EBB267E1-41AD-45A6-B6C2-FAA07AAB8FB6}"/>
               </a:ext>
             </a:extLst>
           </p:cNvPr>
@@ -50160,7 +50450,7 @@
           <p:cNvPr id="4" name="TextBox 3">
             <a:extLst>
               <a:ext uri="{FF2B5EF4-FFF2-40B4-BE49-F238E27FC236}">
-                <a16:creationId xmlns="" xmlns:a16="http://schemas.microsoft.com/office/drawing/2014/main" id="{C3527A43-286D-4434-8089-15E488E7825B}"/>
+                <a16:creationId xmlns:a16="http://schemas.microsoft.com/office/drawing/2014/main" xmlns="" id="{C3527A43-286D-4434-8089-15E488E7825B}"/>
               </a:ext>
             </a:extLst>
           </p:cNvPr>
@@ -50228,7 +50518,7 @@
           <p:cNvPr id="17" name="TextBox 16">
             <a:extLst>
               <a:ext uri="{FF2B5EF4-FFF2-40B4-BE49-F238E27FC236}">
-                <a16:creationId xmlns="" xmlns:a16="http://schemas.microsoft.com/office/drawing/2014/main" id="{D8855AE3-3414-440E-8C9F-70903C6BA91F}"/>
+                <a16:creationId xmlns:a16="http://schemas.microsoft.com/office/drawing/2014/main" xmlns="" id="{D8855AE3-3414-440E-8C9F-70903C6BA91F}"/>
               </a:ext>
             </a:extLst>
           </p:cNvPr>
@@ -50284,7 +50574,7 @@
           <p:cNvPr id="18" name="Rectangle 17">
             <a:extLst>
               <a:ext uri="{FF2B5EF4-FFF2-40B4-BE49-F238E27FC236}">
-                <a16:creationId xmlns="" xmlns:a16="http://schemas.microsoft.com/office/drawing/2014/main" id="{49DC6DD1-7A8F-4D6E-BCFF-6C9A2C086C04}"/>
+                <a16:creationId xmlns:a16="http://schemas.microsoft.com/office/drawing/2014/main" xmlns="" id="{49DC6DD1-7A8F-4D6E-BCFF-6C9A2C086C04}"/>
               </a:ext>
             </a:extLst>
           </p:cNvPr>
@@ -50330,7 +50620,7 @@
           <p:cNvPr id="2050" name="Picture 2" descr="IRSATIM 150">
             <a:extLst>
               <a:ext uri="{FF2B5EF4-FFF2-40B4-BE49-F238E27FC236}">
-                <a16:creationId xmlns="" xmlns:a16="http://schemas.microsoft.com/office/drawing/2014/main" id="{0B22A803-B8F8-409E-B9C0-2A6C12374B70}"/>
+                <a16:creationId xmlns:a16="http://schemas.microsoft.com/office/drawing/2014/main" xmlns="" id="{0B22A803-B8F8-409E-B9C0-2A6C12374B70}"/>
               </a:ext>
             </a:extLst>
           </p:cNvPr>
@@ -50386,7 +50676,7 @@
           <p:cNvPr id="2052" name="Picture 4" descr="Thuốc Agimstan 40mg hộp 28 viên-Nhà thuốc An Khang">
             <a:extLst>
               <a:ext uri="{FF2B5EF4-FFF2-40B4-BE49-F238E27FC236}">
-                <a16:creationId xmlns="" xmlns:a16="http://schemas.microsoft.com/office/drawing/2014/main" id="{8CC3E845-808D-43A8-8218-72D143CF113C}"/>
+                <a16:creationId xmlns:a16="http://schemas.microsoft.com/office/drawing/2014/main" xmlns="" id="{8CC3E845-808D-43A8-8218-72D143CF113C}"/>
               </a:ext>
             </a:extLst>
           </p:cNvPr>
@@ -50496,7 +50786,7 @@
           <p:cNvPr id="16" name="Picture 15">
             <a:extLst>
               <a:ext uri="{FF2B5EF4-FFF2-40B4-BE49-F238E27FC236}">
-                <a16:creationId xmlns="" xmlns:a16="http://schemas.microsoft.com/office/drawing/2014/main" id="{60534341-FDAB-4EA1-B766-C4F78F46443B}"/>
+                <a16:creationId xmlns:a16="http://schemas.microsoft.com/office/drawing/2014/main" xmlns="" id="{60534341-FDAB-4EA1-B766-C4F78F46443B}"/>
               </a:ext>
             </a:extLst>
           </p:cNvPr>
@@ -50531,7 +50821,7 @@
           <p:cNvPr id="29" name="Picture 28">
             <a:extLst>
               <a:ext uri="{FF2B5EF4-FFF2-40B4-BE49-F238E27FC236}">
-                <a16:creationId xmlns="" xmlns:a16="http://schemas.microsoft.com/office/drawing/2014/main" id="{2BC60C21-8910-44A3-B261-05905A0D88F5}"/>
+                <a16:creationId xmlns:a16="http://schemas.microsoft.com/office/drawing/2014/main" xmlns="" id="{2BC60C21-8910-44A3-B261-05905A0D88F5}"/>
               </a:ext>
             </a:extLst>
           </p:cNvPr>
@@ -50566,7 +50856,7 @@
           <p:cNvPr id="30" name="Picture 29">
             <a:extLst>
               <a:ext uri="{FF2B5EF4-FFF2-40B4-BE49-F238E27FC236}">
-                <a16:creationId xmlns="" xmlns:a16="http://schemas.microsoft.com/office/drawing/2014/main" id="{BDC1081C-99D0-458D-8456-D8E354B8D26E}"/>
+                <a16:creationId xmlns:a16="http://schemas.microsoft.com/office/drawing/2014/main" xmlns="" id="{BDC1081C-99D0-458D-8456-D8E354B8D26E}"/>
               </a:ext>
             </a:extLst>
           </p:cNvPr>
@@ -50602,7 +50892,7 @@
           <p:cNvPr id="32" name="Picture 31">
             <a:extLst>
               <a:ext uri="{FF2B5EF4-FFF2-40B4-BE49-F238E27FC236}">
-                <a16:creationId xmlns="" xmlns:a16="http://schemas.microsoft.com/office/drawing/2014/main" id="{828B8773-6599-40B2-A948-FB508819A2D8}"/>
+                <a16:creationId xmlns:a16="http://schemas.microsoft.com/office/drawing/2014/main" xmlns="" id="{828B8773-6599-40B2-A948-FB508819A2D8}"/>
               </a:ext>
             </a:extLst>
           </p:cNvPr>
@@ -50637,7 +50927,7 @@
           <p:cNvPr id="23" name="Group 22">
             <a:extLst>
               <a:ext uri="{FF2B5EF4-FFF2-40B4-BE49-F238E27FC236}">
-                <a16:creationId xmlns="" xmlns:a16="http://schemas.microsoft.com/office/drawing/2014/main" id="{84C571D8-0DDB-4F4B-BBA7-A0D299C6EF88}"/>
+                <a16:creationId xmlns:a16="http://schemas.microsoft.com/office/drawing/2014/main" xmlns="" id="{84C571D8-0DDB-4F4B-BBA7-A0D299C6EF88}"/>
               </a:ext>
             </a:extLst>
           </p:cNvPr>
@@ -50657,7 +50947,7 @@
             <p:cNvPr id="33" name="Rectangle 32">
               <a:extLst>
                 <a:ext uri="{FF2B5EF4-FFF2-40B4-BE49-F238E27FC236}">
-                  <a16:creationId xmlns="" xmlns:a16="http://schemas.microsoft.com/office/drawing/2014/main" id="{D810A6DA-7C4B-4959-8B3E-0CB0AE15AD7D}"/>
+                  <a16:creationId xmlns:a16="http://schemas.microsoft.com/office/drawing/2014/main" xmlns="" id="{D810A6DA-7C4B-4959-8B3E-0CB0AE15AD7D}"/>
                 </a:ext>
               </a:extLst>
             </p:cNvPr>
@@ -50747,7 +51037,7 @@
             <p:cNvPr id="20" name="Picture 19">
               <a:extLst>
                 <a:ext uri="{FF2B5EF4-FFF2-40B4-BE49-F238E27FC236}">
-                  <a16:creationId xmlns="" xmlns:a16="http://schemas.microsoft.com/office/drawing/2014/main" id="{F9E3ED2E-3D65-4507-8FEA-641F025498F9}"/>
+                  <a16:creationId xmlns:a16="http://schemas.microsoft.com/office/drawing/2014/main" xmlns="" id="{F9E3ED2E-3D65-4507-8FEA-641F025498F9}"/>
                 </a:ext>
               </a:extLst>
             </p:cNvPr>
@@ -50784,7 +51074,7 @@
           <p:cNvPr id="34" name="Group 33">
             <a:extLst>
               <a:ext uri="{FF2B5EF4-FFF2-40B4-BE49-F238E27FC236}">
-                <a16:creationId xmlns="" xmlns:a16="http://schemas.microsoft.com/office/drawing/2014/main" id="{577519E5-1850-44A0-895E-518F426F29A6}"/>
+                <a16:creationId xmlns:a16="http://schemas.microsoft.com/office/drawing/2014/main" xmlns="" id="{577519E5-1850-44A0-895E-518F426F29A6}"/>
               </a:ext>
             </a:extLst>
           </p:cNvPr>
@@ -50804,7 +51094,7 @@
             <p:cNvPr id="22" name="Rectangle 21">
               <a:extLst>
                 <a:ext uri="{FF2B5EF4-FFF2-40B4-BE49-F238E27FC236}">
-                  <a16:creationId xmlns="" xmlns:a16="http://schemas.microsoft.com/office/drawing/2014/main" id="{3298A6E1-59A0-477C-8D1D-C2C4E2AF6905}"/>
+                  <a16:creationId xmlns:a16="http://schemas.microsoft.com/office/drawing/2014/main" xmlns="" id="{3298A6E1-59A0-477C-8D1D-C2C4E2AF6905}"/>
                 </a:ext>
               </a:extLst>
             </p:cNvPr>
@@ -50881,7 +51171,7 @@
             <p:cNvPr id="25" name="Picture 24">
               <a:extLst>
                 <a:ext uri="{FF2B5EF4-FFF2-40B4-BE49-F238E27FC236}">
-                  <a16:creationId xmlns="" xmlns:a16="http://schemas.microsoft.com/office/drawing/2014/main" id="{6DFBF82F-6D9F-4652-B29D-D8A47C76365C}"/>
+                  <a16:creationId xmlns:a16="http://schemas.microsoft.com/office/drawing/2014/main" xmlns="" id="{6DFBF82F-6D9F-4652-B29D-D8A47C76365C}"/>
                 </a:ext>
               </a:extLst>
             </p:cNvPr>
@@ -50918,7 +51208,7 @@
           <p:cNvPr id="5" name="Picture 4">
             <a:extLst>
               <a:ext uri="{FF2B5EF4-FFF2-40B4-BE49-F238E27FC236}">
-                <a16:creationId xmlns="" xmlns:a16="http://schemas.microsoft.com/office/drawing/2014/main" id="{E9F84932-5E2B-4789-A36E-41ABBCCB30F2}"/>
+                <a16:creationId xmlns:a16="http://schemas.microsoft.com/office/drawing/2014/main" xmlns="" id="{E9F84932-5E2B-4789-A36E-41ABBCCB30F2}"/>
               </a:ext>
             </a:extLst>
           </p:cNvPr>
@@ -50992,7 +51282,7 @@
           <p:cNvPr id="6" name="TextBox 5">
             <a:extLst>
               <a:ext uri="{FF2B5EF4-FFF2-40B4-BE49-F238E27FC236}">
-                <a16:creationId xmlns="" xmlns:a16="http://schemas.microsoft.com/office/drawing/2014/main" id="{CD2A8DE0-B0E7-40FB-9538-60D54401A4F8}"/>
+                <a16:creationId xmlns:a16="http://schemas.microsoft.com/office/drawing/2014/main" xmlns="" id="{CD2A8DE0-B0E7-40FB-9538-60D54401A4F8}"/>
               </a:ext>
             </a:extLst>
           </p:cNvPr>
@@ -51119,7 +51409,7 @@
           <p:cNvPr id="11" name="Picture 10">
             <a:extLst>
               <a:ext uri="{FF2B5EF4-FFF2-40B4-BE49-F238E27FC236}">
-                <a16:creationId xmlns="" xmlns:a16="http://schemas.microsoft.com/office/drawing/2014/main" id="{F6164AE6-B86F-4668-B82E-2CCF243694C5}"/>
+                <a16:creationId xmlns:a16="http://schemas.microsoft.com/office/drawing/2014/main" xmlns="" id="{F6164AE6-B86F-4668-B82E-2CCF243694C5}"/>
               </a:ext>
             </a:extLst>
           </p:cNvPr>
@@ -51149,7 +51439,7 @@
           <p:cNvPr id="12" name="Rectangle 11">
             <a:extLst>
               <a:ext uri="{FF2B5EF4-FFF2-40B4-BE49-F238E27FC236}">
-                <a16:creationId xmlns="" xmlns:a16="http://schemas.microsoft.com/office/drawing/2014/main" id="{9DC85E5D-8339-4A90-8911-6572A28FAB1B}"/>
+                <a16:creationId xmlns:a16="http://schemas.microsoft.com/office/drawing/2014/main" xmlns="" id="{9DC85E5D-8339-4A90-8911-6572A28FAB1B}"/>
               </a:ext>
             </a:extLst>
           </p:cNvPr>
@@ -51203,7 +51493,7 @@
           <p:cNvPr id="13" name="Picture 8" descr="C:\Users\HuyTran\Desktop\WPF project\Paul_Circle.png">
             <a:extLst>
               <a:ext uri="{FF2B5EF4-FFF2-40B4-BE49-F238E27FC236}">
-                <a16:creationId xmlns="" xmlns:a16="http://schemas.microsoft.com/office/drawing/2014/main" id="{7709B346-3CF0-4506-B6E0-39CD18074E81}"/>
+                <a16:creationId xmlns:a16="http://schemas.microsoft.com/office/drawing/2014/main" xmlns="" id="{7709B346-3CF0-4506-B6E0-39CD18074E81}"/>
               </a:ext>
             </a:extLst>
           </p:cNvPr>
@@ -51250,7 +51540,7 @@
           <p:cNvPr id="14" name="TextBox 13">
             <a:extLst>
               <a:ext uri="{FF2B5EF4-FFF2-40B4-BE49-F238E27FC236}">
-                <a16:creationId xmlns="" xmlns:a16="http://schemas.microsoft.com/office/drawing/2014/main" id="{88CA780A-86AF-4CC5-93C8-9AA542968897}"/>
+                <a16:creationId xmlns:a16="http://schemas.microsoft.com/office/drawing/2014/main" xmlns="" id="{88CA780A-86AF-4CC5-93C8-9AA542968897}"/>
               </a:ext>
             </a:extLst>
           </p:cNvPr>
@@ -51302,7 +51592,7 @@
           <p:cNvPr id="16" name="TextBox 15">
             <a:extLst>
               <a:ext uri="{FF2B5EF4-FFF2-40B4-BE49-F238E27FC236}">
-                <a16:creationId xmlns="" xmlns:a16="http://schemas.microsoft.com/office/drawing/2014/main" id="{5AD7D250-00C2-41C7-AF99-CE4054EFC6EB}"/>
+                <a16:creationId xmlns:a16="http://schemas.microsoft.com/office/drawing/2014/main" xmlns="" id="{5AD7D250-00C2-41C7-AF99-CE4054EFC6EB}"/>
               </a:ext>
             </a:extLst>
           </p:cNvPr>
@@ -51354,7 +51644,7 @@
           <p:cNvPr id="17" name="TextBox 16">
             <a:extLst>
               <a:ext uri="{FF2B5EF4-FFF2-40B4-BE49-F238E27FC236}">
-                <a16:creationId xmlns="" xmlns:a16="http://schemas.microsoft.com/office/drawing/2014/main" id="{E74F7379-B503-4B35-946D-61820AE3A953}"/>
+                <a16:creationId xmlns:a16="http://schemas.microsoft.com/office/drawing/2014/main" xmlns="" id="{E74F7379-B503-4B35-946D-61820AE3A953}"/>
               </a:ext>
             </a:extLst>
           </p:cNvPr>
@@ -51409,7 +51699,7 @@
           <p:cNvPr id="28" name="TextBox 27">
             <a:extLst>
               <a:ext uri="{FF2B5EF4-FFF2-40B4-BE49-F238E27FC236}">
-                <a16:creationId xmlns="" xmlns:a16="http://schemas.microsoft.com/office/drawing/2014/main" id="{8F345D2C-1E4C-4A1A-8D6E-410B30EE87E6}"/>
+                <a16:creationId xmlns:a16="http://schemas.microsoft.com/office/drawing/2014/main" xmlns="" id="{8F345D2C-1E4C-4A1A-8D6E-410B30EE87E6}"/>
               </a:ext>
             </a:extLst>
           </p:cNvPr>
@@ -51509,7 +51799,7 @@
           <p:cNvPr id="31" name="TextBox 30">
             <a:extLst>
               <a:ext uri="{FF2B5EF4-FFF2-40B4-BE49-F238E27FC236}">
-                <a16:creationId xmlns="" xmlns:a16="http://schemas.microsoft.com/office/drawing/2014/main" id="{5966DF16-C2DB-4C52-B444-530F784F1688}"/>
+                <a16:creationId xmlns:a16="http://schemas.microsoft.com/office/drawing/2014/main" xmlns="" id="{5966DF16-C2DB-4C52-B444-530F784F1688}"/>
               </a:ext>
             </a:extLst>
           </p:cNvPr>
@@ -51564,7 +51854,7 @@
           <p:cNvPr id="34" name="TextBox 33">
             <a:extLst>
               <a:ext uri="{FF2B5EF4-FFF2-40B4-BE49-F238E27FC236}">
-                <a16:creationId xmlns="" xmlns:a16="http://schemas.microsoft.com/office/drawing/2014/main" id="{D1EA9BE8-A44E-409B-80DF-D0657D91E1A5}"/>
+                <a16:creationId xmlns:a16="http://schemas.microsoft.com/office/drawing/2014/main" xmlns="" id="{D1EA9BE8-A44E-409B-80DF-D0657D91E1A5}"/>
               </a:ext>
             </a:extLst>
           </p:cNvPr>
@@ -51631,7 +51921,7 @@
           <p:cNvPr id="40" name="TextBox 39">
             <a:extLst>
               <a:ext uri="{FF2B5EF4-FFF2-40B4-BE49-F238E27FC236}">
-                <a16:creationId xmlns="" xmlns:a16="http://schemas.microsoft.com/office/drawing/2014/main" id="{BDEA9192-45FB-471A-8F44-C1E1216F91C9}"/>
+                <a16:creationId xmlns:a16="http://schemas.microsoft.com/office/drawing/2014/main" xmlns="" id="{BDEA9192-45FB-471A-8F44-C1E1216F91C9}"/>
               </a:ext>
             </a:extLst>
           </p:cNvPr>
@@ -51698,7 +51988,7 @@
           <p:cNvPr id="47" name="Rectangle 46">
             <a:extLst>
               <a:ext uri="{FF2B5EF4-FFF2-40B4-BE49-F238E27FC236}">
-                <a16:creationId xmlns="" xmlns:a16="http://schemas.microsoft.com/office/drawing/2014/main" id="{3996E642-D4A2-4D79-A742-5550448C1FDF}"/>
+                <a16:creationId xmlns:a16="http://schemas.microsoft.com/office/drawing/2014/main" xmlns="" id="{3996E642-D4A2-4D79-A742-5550448C1FDF}"/>
               </a:ext>
             </a:extLst>
           </p:cNvPr>
@@ -51755,7 +52045,7 @@
           <p:cNvPr id="48" name="Rectangle 47">
             <a:extLst>
               <a:ext uri="{FF2B5EF4-FFF2-40B4-BE49-F238E27FC236}">
-                <a16:creationId xmlns="" xmlns:a16="http://schemas.microsoft.com/office/drawing/2014/main" id="{3774104E-E37A-4AB6-A124-5F75D98C5FCA}"/>
+                <a16:creationId xmlns:a16="http://schemas.microsoft.com/office/drawing/2014/main" xmlns="" id="{3774104E-E37A-4AB6-A124-5F75D98C5FCA}"/>
               </a:ext>
             </a:extLst>
           </p:cNvPr>
@@ -51801,7 +52091,7 @@
           <p:cNvPr id="49" name="Rectangle 48">
             <a:extLst>
               <a:ext uri="{FF2B5EF4-FFF2-40B4-BE49-F238E27FC236}">
-                <a16:creationId xmlns="" xmlns:a16="http://schemas.microsoft.com/office/drawing/2014/main" id="{392D3F3E-82EC-46EE-B892-F49588178DD3}"/>
+                <a16:creationId xmlns:a16="http://schemas.microsoft.com/office/drawing/2014/main" xmlns="" id="{392D3F3E-82EC-46EE-B892-F49588178DD3}"/>
               </a:ext>
             </a:extLst>
           </p:cNvPr>
@@ -51847,7 +52137,7 @@
           <p:cNvPr id="53" name="TextBox 52">
             <a:extLst>
               <a:ext uri="{FF2B5EF4-FFF2-40B4-BE49-F238E27FC236}">
-                <a16:creationId xmlns="" xmlns:a16="http://schemas.microsoft.com/office/drawing/2014/main" id="{FE0AE89D-4FA9-4115-8B78-5EC058441CB9}"/>
+                <a16:creationId xmlns:a16="http://schemas.microsoft.com/office/drawing/2014/main" xmlns="" id="{FE0AE89D-4FA9-4115-8B78-5EC058441CB9}"/>
               </a:ext>
             </a:extLst>
           </p:cNvPr>
@@ -51914,7 +52204,7 @@
           <p:cNvPr id="54" name="TextBox 53">
             <a:extLst>
               <a:ext uri="{FF2B5EF4-FFF2-40B4-BE49-F238E27FC236}">
-                <a16:creationId xmlns="" xmlns:a16="http://schemas.microsoft.com/office/drawing/2014/main" id="{E05C8096-46D4-4A7C-A2B8-9D79A1BCDC32}"/>
+                <a16:creationId xmlns:a16="http://schemas.microsoft.com/office/drawing/2014/main" xmlns="" id="{E05C8096-46D4-4A7C-A2B8-9D79A1BCDC32}"/>
               </a:ext>
             </a:extLst>
           </p:cNvPr>
@@ -51969,7 +52259,7 @@
           <p:cNvPr id="55" name="Rectangle 54">
             <a:extLst>
               <a:ext uri="{FF2B5EF4-FFF2-40B4-BE49-F238E27FC236}">
-                <a16:creationId xmlns="" xmlns:a16="http://schemas.microsoft.com/office/drawing/2014/main" id="{F69AF0D9-0AAE-4E50-8597-FDBE5BA3762C}"/>
+                <a16:creationId xmlns:a16="http://schemas.microsoft.com/office/drawing/2014/main" xmlns="" id="{F69AF0D9-0AAE-4E50-8597-FDBE5BA3762C}"/>
               </a:ext>
             </a:extLst>
           </p:cNvPr>
@@ -52015,7 +52305,7 @@
           <p:cNvPr id="56" name="Rectangle 55">
             <a:extLst>
               <a:ext uri="{FF2B5EF4-FFF2-40B4-BE49-F238E27FC236}">
-                <a16:creationId xmlns="" xmlns:a16="http://schemas.microsoft.com/office/drawing/2014/main" id="{D1AFC196-8286-44EA-B141-AB550462EA4C}"/>
+                <a16:creationId xmlns:a16="http://schemas.microsoft.com/office/drawing/2014/main" xmlns="" id="{D1AFC196-8286-44EA-B141-AB550462EA4C}"/>
               </a:ext>
             </a:extLst>
           </p:cNvPr>
@@ -52061,7 +52351,7 @@
           <p:cNvPr id="57" name="Rectangle 56">
             <a:extLst>
               <a:ext uri="{FF2B5EF4-FFF2-40B4-BE49-F238E27FC236}">
-                <a16:creationId xmlns="" xmlns:a16="http://schemas.microsoft.com/office/drawing/2014/main" id="{93F1A291-15A0-4EEE-A517-C4C056E66505}"/>
+                <a16:creationId xmlns:a16="http://schemas.microsoft.com/office/drawing/2014/main" xmlns="" id="{93F1A291-15A0-4EEE-A517-C4C056E66505}"/>
               </a:ext>
             </a:extLst>
           </p:cNvPr>
@@ -52121,7 +52411,7 @@
           <p:cNvPr id="58" name="Rectangle 57">
             <a:extLst>
               <a:ext uri="{FF2B5EF4-FFF2-40B4-BE49-F238E27FC236}">
-                <a16:creationId xmlns="" xmlns:a16="http://schemas.microsoft.com/office/drawing/2014/main" id="{C313D5D0-14D9-4013-A702-8F05786AB4A7}"/>
+                <a16:creationId xmlns:a16="http://schemas.microsoft.com/office/drawing/2014/main" xmlns="" id="{C313D5D0-14D9-4013-A702-8F05786AB4A7}"/>
               </a:ext>
             </a:extLst>
           </p:cNvPr>
@@ -52195,7 +52485,7 @@
           <p:cNvPr id="61" name="TextBox 60">
             <a:extLst>
               <a:ext uri="{FF2B5EF4-FFF2-40B4-BE49-F238E27FC236}">
-                <a16:creationId xmlns="" xmlns:a16="http://schemas.microsoft.com/office/drawing/2014/main" id="{BE490A08-29E0-4571-9E90-06F47C84DC9B}"/>
+                <a16:creationId xmlns:a16="http://schemas.microsoft.com/office/drawing/2014/main" xmlns="" id="{BE490A08-29E0-4571-9E90-06F47C84DC9B}"/>
               </a:ext>
             </a:extLst>
           </p:cNvPr>
@@ -52250,7 +52540,7 @@
           <p:cNvPr id="62" name="Rectangle 61">
             <a:extLst>
               <a:ext uri="{FF2B5EF4-FFF2-40B4-BE49-F238E27FC236}">
-                <a16:creationId xmlns="" xmlns:a16="http://schemas.microsoft.com/office/drawing/2014/main" id="{6E234CCF-F0D4-4828-A7E0-AD8DBE9D5157}"/>
+                <a16:creationId xmlns:a16="http://schemas.microsoft.com/office/drawing/2014/main" xmlns="" id="{6E234CCF-F0D4-4828-A7E0-AD8DBE9D5157}"/>
               </a:ext>
             </a:extLst>
           </p:cNvPr>
@@ -52296,7 +52586,7 @@
           <p:cNvPr id="63" name="TextBox 62">
             <a:extLst>
               <a:ext uri="{FF2B5EF4-FFF2-40B4-BE49-F238E27FC236}">
-                <a16:creationId xmlns="" xmlns:a16="http://schemas.microsoft.com/office/drawing/2014/main" id="{5C4E79A3-8CAA-468B-A296-FDF5DF35DB8E}"/>
+                <a16:creationId xmlns:a16="http://schemas.microsoft.com/office/drawing/2014/main" xmlns="" id="{5C4E79A3-8CAA-468B-A296-FDF5DF35DB8E}"/>
               </a:ext>
             </a:extLst>
           </p:cNvPr>
@@ -52351,7 +52641,7 @@
           <p:cNvPr id="64" name="Rectangle 63">
             <a:extLst>
               <a:ext uri="{FF2B5EF4-FFF2-40B4-BE49-F238E27FC236}">
-                <a16:creationId xmlns="" xmlns:a16="http://schemas.microsoft.com/office/drawing/2014/main" id="{0829BC16-F805-4F38-821A-1F207D5BC17B}"/>
+                <a16:creationId xmlns:a16="http://schemas.microsoft.com/office/drawing/2014/main" xmlns="" id="{0829BC16-F805-4F38-821A-1F207D5BC17B}"/>
               </a:ext>
             </a:extLst>
           </p:cNvPr>
@@ -52396,7 +52686,7 @@
           <p:cNvPr id="2" name="Isosceles Triangle 1">
             <a:extLst>
               <a:ext uri="{FF2B5EF4-FFF2-40B4-BE49-F238E27FC236}">
-                <a16:creationId xmlns="" xmlns:a16="http://schemas.microsoft.com/office/drawing/2014/main" id="{A803AD18-415E-4067-8241-BA7F4157E4B7}"/>
+                <a16:creationId xmlns:a16="http://schemas.microsoft.com/office/drawing/2014/main" xmlns="" id="{A803AD18-415E-4067-8241-BA7F4157E4B7}"/>
               </a:ext>
             </a:extLst>
           </p:cNvPr>
@@ -52452,7 +52742,7 @@
           <p:cNvPr id="3" name="Oval 2">
             <a:extLst>
               <a:ext uri="{FF2B5EF4-FFF2-40B4-BE49-F238E27FC236}">
-                <a16:creationId xmlns="" xmlns:a16="http://schemas.microsoft.com/office/drawing/2014/main" id="{9C9318B9-81FA-44F8-BD03-3CBF4DC51669}"/>
+                <a16:creationId xmlns:a16="http://schemas.microsoft.com/office/drawing/2014/main" xmlns="" id="{9C9318B9-81FA-44F8-BD03-3CBF4DC51669}"/>
               </a:ext>
             </a:extLst>
           </p:cNvPr>
@@ -52506,7 +52796,7 @@
           <p:cNvPr id="35" name="Picture 2" descr="IRSATIM 150">
             <a:extLst>
               <a:ext uri="{FF2B5EF4-FFF2-40B4-BE49-F238E27FC236}">
-                <a16:creationId xmlns="" xmlns:a16="http://schemas.microsoft.com/office/drawing/2014/main" id="{45CC87D4-4A93-4FC5-8D67-29873A5D5646}"/>
+                <a16:creationId xmlns:a16="http://schemas.microsoft.com/office/drawing/2014/main" xmlns="" id="{45CC87D4-4A93-4FC5-8D67-29873A5D5646}"/>
               </a:ext>
             </a:extLst>
           </p:cNvPr>
@@ -52562,7 +52852,7 @@
           <p:cNvPr id="36" name="Isosceles Triangle 35">
             <a:extLst>
               <a:ext uri="{FF2B5EF4-FFF2-40B4-BE49-F238E27FC236}">
-                <a16:creationId xmlns="" xmlns:a16="http://schemas.microsoft.com/office/drawing/2014/main" id="{A17C4DDD-5D38-458A-9FE1-F65258238692}"/>
+                <a16:creationId xmlns:a16="http://schemas.microsoft.com/office/drawing/2014/main" xmlns="" id="{A17C4DDD-5D38-458A-9FE1-F65258238692}"/>
               </a:ext>
             </a:extLst>
           </p:cNvPr>
@@ -52618,7 +52908,7 @@
           <p:cNvPr id="37" name="Isosceles Triangle 36">
             <a:extLst>
               <a:ext uri="{FF2B5EF4-FFF2-40B4-BE49-F238E27FC236}">
-                <a16:creationId xmlns="" xmlns:a16="http://schemas.microsoft.com/office/drawing/2014/main" id="{1A556C7D-71AD-4CAC-BB13-403C446E0B68}"/>
+                <a16:creationId xmlns:a16="http://schemas.microsoft.com/office/drawing/2014/main" xmlns="" id="{1A556C7D-71AD-4CAC-BB13-403C446E0B68}"/>
               </a:ext>
             </a:extLst>
           </p:cNvPr>
@@ -52674,7 +52964,7 @@
           <p:cNvPr id="33" name="TextBox 32">
             <a:extLst>
               <a:ext uri="{FF2B5EF4-FFF2-40B4-BE49-F238E27FC236}">
-                <a16:creationId xmlns="" xmlns:a16="http://schemas.microsoft.com/office/drawing/2014/main" id="{BA832293-C24C-4491-B0AD-5CEC4FE04AF0}"/>
+                <a16:creationId xmlns:a16="http://schemas.microsoft.com/office/drawing/2014/main" xmlns="" id="{BA832293-C24C-4491-B0AD-5CEC4FE04AF0}"/>
               </a:ext>
             </a:extLst>
           </p:cNvPr>
@@ -52729,7 +53019,7 @@
           <p:cNvPr id="38" name="Rectangle 37">
             <a:extLst>
               <a:ext uri="{FF2B5EF4-FFF2-40B4-BE49-F238E27FC236}">
-                <a16:creationId xmlns="" xmlns:a16="http://schemas.microsoft.com/office/drawing/2014/main" id="{713ABEAB-3294-49C2-A3C6-83F58CE9BABD}"/>
+                <a16:creationId xmlns:a16="http://schemas.microsoft.com/office/drawing/2014/main" xmlns="" id="{713ABEAB-3294-49C2-A3C6-83F58CE9BABD}"/>
               </a:ext>
             </a:extLst>
           </p:cNvPr>
@@ -52775,7 +53065,7 @@
           <p:cNvPr id="39" name="Picture 38">
             <a:extLst>
               <a:ext uri="{FF2B5EF4-FFF2-40B4-BE49-F238E27FC236}">
-                <a16:creationId xmlns="" xmlns:a16="http://schemas.microsoft.com/office/drawing/2014/main" id="{A7436721-6E2B-4770-9A40-643D265D3460}"/>
+                <a16:creationId xmlns:a16="http://schemas.microsoft.com/office/drawing/2014/main" xmlns="" id="{A7436721-6E2B-4770-9A40-643D265D3460}"/>
               </a:ext>
             </a:extLst>
           </p:cNvPr>
@@ -52849,7 +53139,7 @@
           <p:cNvPr id="6" name="TextBox 5">
             <a:extLst>
               <a:ext uri="{FF2B5EF4-FFF2-40B4-BE49-F238E27FC236}">
-                <a16:creationId xmlns="" xmlns:a16="http://schemas.microsoft.com/office/drawing/2014/main" id="{CD2A8DE0-B0E7-40FB-9538-60D54401A4F8}"/>
+                <a16:creationId xmlns:a16="http://schemas.microsoft.com/office/drawing/2014/main" xmlns="" id="{CD2A8DE0-B0E7-40FB-9538-60D54401A4F8}"/>
               </a:ext>
             </a:extLst>
           </p:cNvPr>
@@ -52976,7 +53266,7 @@
           <p:cNvPr id="11" name="Picture 10">
             <a:extLst>
               <a:ext uri="{FF2B5EF4-FFF2-40B4-BE49-F238E27FC236}">
-                <a16:creationId xmlns="" xmlns:a16="http://schemas.microsoft.com/office/drawing/2014/main" id="{F6164AE6-B86F-4668-B82E-2CCF243694C5}"/>
+                <a16:creationId xmlns:a16="http://schemas.microsoft.com/office/drawing/2014/main" xmlns="" id="{F6164AE6-B86F-4668-B82E-2CCF243694C5}"/>
               </a:ext>
             </a:extLst>
           </p:cNvPr>
@@ -53006,7 +53296,7 @@
           <p:cNvPr id="12" name="Rectangle 11">
             <a:extLst>
               <a:ext uri="{FF2B5EF4-FFF2-40B4-BE49-F238E27FC236}">
-                <a16:creationId xmlns="" xmlns:a16="http://schemas.microsoft.com/office/drawing/2014/main" id="{9DC85E5D-8339-4A90-8911-6572A28FAB1B}"/>
+                <a16:creationId xmlns:a16="http://schemas.microsoft.com/office/drawing/2014/main" xmlns="" id="{9DC85E5D-8339-4A90-8911-6572A28FAB1B}"/>
               </a:ext>
             </a:extLst>
           </p:cNvPr>
@@ -53060,7 +53350,7 @@
           <p:cNvPr id="13" name="Picture 8" descr="C:\Users\HuyTran\Desktop\WPF project\Paul_Circle.png">
             <a:extLst>
               <a:ext uri="{FF2B5EF4-FFF2-40B4-BE49-F238E27FC236}">
-                <a16:creationId xmlns="" xmlns:a16="http://schemas.microsoft.com/office/drawing/2014/main" id="{7709B346-3CF0-4506-B6E0-39CD18074E81}"/>
+                <a16:creationId xmlns:a16="http://schemas.microsoft.com/office/drawing/2014/main" xmlns="" id="{7709B346-3CF0-4506-B6E0-39CD18074E81}"/>
               </a:ext>
             </a:extLst>
           </p:cNvPr>
@@ -53107,7 +53397,7 @@
           <p:cNvPr id="14" name="TextBox 13">
             <a:extLst>
               <a:ext uri="{FF2B5EF4-FFF2-40B4-BE49-F238E27FC236}">
-                <a16:creationId xmlns="" xmlns:a16="http://schemas.microsoft.com/office/drawing/2014/main" id="{88CA780A-86AF-4CC5-93C8-9AA542968897}"/>
+                <a16:creationId xmlns:a16="http://schemas.microsoft.com/office/drawing/2014/main" xmlns="" id="{88CA780A-86AF-4CC5-93C8-9AA542968897}"/>
               </a:ext>
             </a:extLst>
           </p:cNvPr>
@@ -53159,7 +53449,7 @@
           <p:cNvPr id="16" name="TextBox 15">
             <a:extLst>
               <a:ext uri="{FF2B5EF4-FFF2-40B4-BE49-F238E27FC236}">
-                <a16:creationId xmlns="" xmlns:a16="http://schemas.microsoft.com/office/drawing/2014/main" id="{5AD7D250-00C2-41C7-AF99-CE4054EFC6EB}"/>
+                <a16:creationId xmlns:a16="http://schemas.microsoft.com/office/drawing/2014/main" xmlns="" id="{5AD7D250-00C2-41C7-AF99-CE4054EFC6EB}"/>
               </a:ext>
             </a:extLst>
           </p:cNvPr>
@@ -53211,7 +53501,7 @@
           <p:cNvPr id="17" name="TextBox 16">
             <a:extLst>
               <a:ext uri="{FF2B5EF4-FFF2-40B4-BE49-F238E27FC236}">
-                <a16:creationId xmlns="" xmlns:a16="http://schemas.microsoft.com/office/drawing/2014/main" id="{E74F7379-B503-4B35-946D-61820AE3A953}"/>
+                <a16:creationId xmlns:a16="http://schemas.microsoft.com/office/drawing/2014/main" xmlns="" id="{E74F7379-B503-4B35-946D-61820AE3A953}"/>
               </a:ext>
             </a:extLst>
           </p:cNvPr>
@@ -53266,7 +53556,7 @@
           <p:cNvPr id="28" name="TextBox 27">
             <a:extLst>
               <a:ext uri="{FF2B5EF4-FFF2-40B4-BE49-F238E27FC236}">
-                <a16:creationId xmlns="" xmlns:a16="http://schemas.microsoft.com/office/drawing/2014/main" id="{8F345D2C-1E4C-4A1A-8D6E-410B30EE87E6}"/>
+                <a16:creationId xmlns:a16="http://schemas.microsoft.com/office/drawing/2014/main" xmlns="" id="{8F345D2C-1E4C-4A1A-8D6E-410B30EE87E6}"/>
               </a:ext>
             </a:extLst>
           </p:cNvPr>
@@ -53414,7 +53704,7 @@
           <p:cNvPr id="53" name="TextBox 52">
             <a:extLst>
               <a:ext uri="{FF2B5EF4-FFF2-40B4-BE49-F238E27FC236}">
-                <a16:creationId xmlns="" xmlns:a16="http://schemas.microsoft.com/office/drawing/2014/main" id="{FE0AE89D-4FA9-4115-8B78-5EC058441CB9}"/>
+                <a16:creationId xmlns:a16="http://schemas.microsoft.com/office/drawing/2014/main" xmlns="" id="{FE0AE89D-4FA9-4115-8B78-5EC058441CB9}"/>
               </a:ext>
             </a:extLst>
           </p:cNvPr>
@@ -53481,7 +53771,7 @@
           <p:cNvPr id="54" name="TextBox 53">
             <a:extLst>
               <a:ext uri="{FF2B5EF4-FFF2-40B4-BE49-F238E27FC236}">
-                <a16:creationId xmlns="" xmlns:a16="http://schemas.microsoft.com/office/drawing/2014/main" id="{E05C8096-46D4-4A7C-A2B8-9D79A1BCDC32}"/>
+                <a16:creationId xmlns:a16="http://schemas.microsoft.com/office/drawing/2014/main" xmlns="" id="{E05C8096-46D4-4A7C-A2B8-9D79A1BCDC32}"/>
               </a:ext>
             </a:extLst>
           </p:cNvPr>
@@ -53536,7 +53826,7 @@
           <p:cNvPr id="55" name="Rectangle 54">
             <a:extLst>
               <a:ext uri="{FF2B5EF4-FFF2-40B4-BE49-F238E27FC236}">
-                <a16:creationId xmlns="" xmlns:a16="http://schemas.microsoft.com/office/drawing/2014/main" id="{F69AF0D9-0AAE-4E50-8597-FDBE5BA3762C}"/>
+                <a16:creationId xmlns:a16="http://schemas.microsoft.com/office/drawing/2014/main" xmlns="" id="{F69AF0D9-0AAE-4E50-8597-FDBE5BA3762C}"/>
               </a:ext>
             </a:extLst>
           </p:cNvPr>
@@ -53582,7 +53872,7 @@
           <p:cNvPr id="56" name="Rectangle 55">
             <a:extLst>
               <a:ext uri="{FF2B5EF4-FFF2-40B4-BE49-F238E27FC236}">
-                <a16:creationId xmlns="" xmlns:a16="http://schemas.microsoft.com/office/drawing/2014/main" id="{D1AFC196-8286-44EA-B141-AB550462EA4C}"/>
+                <a16:creationId xmlns:a16="http://schemas.microsoft.com/office/drawing/2014/main" xmlns="" id="{D1AFC196-8286-44EA-B141-AB550462EA4C}"/>
               </a:ext>
             </a:extLst>
           </p:cNvPr>
@@ -53628,7 +53918,7 @@
           <p:cNvPr id="57" name="Rectangle 56">
             <a:extLst>
               <a:ext uri="{FF2B5EF4-FFF2-40B4-BE49-F238E27FC236}">
-                <a16:creationId xmlns="" xmlns:a16="http://schemas.microsoft.com/office/drawing/2014/main" id="{93F1A291-15A0-4EEE-A517-C4C056E66505}"/>
+                <a16:creationId xmlns:a16="http://schemas.microsoft.com/office/drawing/2014/main" xmlns="" id="{93F1A291-15A0-4EEE-A517-C4C056E66505}"/>
               </a:ext>
             </a:extLst>
           </p:cNvPr>
@@ -53688,7 +53978,7 @@
           <p:cNvPr id="58" name="Rectangle 57">
             <a:extLst>
               <a:ext uri="{FF2B5EF4-FFF2-40B4-BE49-F238E27FC236}">
-                <a16:creationId xmlns="" xmlns:a16="http://schemas.microsoft.com/office/drawing/2014/main" id="{C313D5D0-14D9-4013-A702-8F05786AB4A7}"/>
+                <a16:creationId xmlns:a16="http://schemas.microsoft.com/office/drawing/2014/main" xmlns="" id="{C313D5D0-14D9-4013-A702-8F05786AB4A7}"/>
               </a:ext>
             </a:extLst>
           </p:cNvPr>
@@ -53762,7 +54052,7 @@
           <p:cNvPr id="63" name="TextBox 62">
             <a:extLst>
               <a:ext uri="{FF2B5EF4-FFF2-40B4-BE49-F238E27FC236}">
-                <a16:creationId xmlns="" xmlns:a16="http://schemas.microsoft.com/office/drawing/2014/main" id="{5C4E79A3-8CAA-468B-A296-FDF5DF35DB8E}"/>
+                <a16:creationId xmlns:a16="http://schemas.microsoft.com/office/drawing/2014/main" xmlns="" id="{5C4E79A3-8CAA-468B-A296-FDF5DF35DB8E}"/>
               </a:ext>
             </a:extLst>
           </p:cNvPr>
@@ -53817,7 +54107,7 @@
           <p:cNvPr id="64" name="Rectangle 63">
             <a:extLst>
               <a:ext uri="{FF2B5EF4-FFF2-40B4-BE49-F238E27FC236}">
-                <a16:creationId xmlns="" xmlns:a16="http://schemas.microsoft.com/office/drawing/2014/main" id="{0829BC16-F805-4F38-821A-1F207D5BC17B}"/>
+                <a16:creationId xmlns:a16="http://schemas.microsoft.com/office/drawing/2014/main" xmlns="" id="{0829BC16-F805-4F38-821A-1F207D5BC17B}"/>
               </a:ext>
             </a:extLst>
           </p:cNvPr>
@@ -53862,7 +54152,7 @@
           <p:cNvPr id="3" name="Oval 2">
             <a:extLst>
               <a:ext uri="{FF2B5EF4-FFF2-40B4-BE49-F238E27FC236}">
-                <a16:creationId xmlns="" xmlns:a16="http://schemas.microsoft.com/office/drawing/2014/main" id="{9C9318B9-81FA-44F8-BD03-3CBF4DC51669}"/>
+                <a16:creationId xmlns:a16="http://schemas.microsoft.com/office/drawing/2014/main" xmlns="" id="{9C9318B9-81FA-44F8-BD03-3CBF4DC51669}"/>
               </a:ext>
             </a:extLst>
           </p:cNvPr>
@@ -53916,7 +54206,7 @@
           <p:cNvPr id="35" name="Picture 2" descr="IRSATIM 150">
             <a:extLst>
               <a:ext uri="{FF2B5EF4-FFF2-40B4-BE49-F238E27FC236}">
-                <a16:creationId xmlns="" xmlns:a16="http://schemas.microsoft.com/office/drawing/2014/main" id="{45CC87D4-4A93-4FC5-8D67-29873A5D5646}"/>
+                <a16:creationId xmlns:a16="http://schemas.microsoft.com/office/drawing/2014/main" xmlns="" id="{45CC87D4-4A93-4FC5-8D67-29873A5D5646}"/>
               </a:ext>
             </a:extLst>
           </p:cNvPr>
@@ -53972,7 +54262,7 @@
           <p:cNvPr id="39" name="TextBox 38">
             <a:extLst>
               <a:ext uri="{FF2B5EF4-FFF2-40B4-BE49-F238E27FC236}">
-                <a16:creationId xmlns="" xmlns:a16="http://schemas.microsoft.com/office/drawing/2014/main" id="{73273492-29A5-4F53-AF89-8C22E6508DF3}"/>
+                <a16:creationId xmlns:a16="http://schemas.microsoft.com/office/drawing/2014/main" xmlns="" id="{73273492-29A5-4F53-AF89-8C22E6508DF3}"/>
               </a:ext>
             </a:extLst>
           </p:cNvPr>
@@ -54027,7 +54317,7 @@
           <p:cNvPr id="41" name="TextBox 40">
             <a:extLst>
               <a:ext uri="{FF2B5EF4-FFF2-40B4-BE49-F238E27FC236}">
-                <a16:creationId xmlns="" xmlns:a16="http://schemas.microsoft.com/office/drawing/2014/main" id="{E67AEADD-660D-4717-BED0-43ACC7DD3ECA}"/>
+                <a16:creationId xmlns:a16="http://schemas.microsoft.com/office/drawing/2014/main" xmlns="" id="{E67AEADD-660D-4717-BED0-43ACC7DD3ECA}"/>
               </a:ext>
             </a:extLst>
           </p:cNvPr>
@@ -54094,7 +54384,7 @@
           <p:cNvPr id="42" name="TextBox 41">
             <a:extLst>
               <a:ext uri="{FF2B5EF4-FFF2-40B4-BE49-F238E27FC236}">
-                <a16:creationId xmlns="" xmlns:a16="http://schemas.microsoft.com/office/drawing/2014/main" id="{BA2FA212-3A2F-4976-9D7A-B6AC7D04F42E}"/>
+                <a16:creationId xmlns:a16="http://schemas.microsoft.com/office/drawing/2014/main" xmlns="" id="{BA2FA212-3A2F-4976-9D7A-B6AC7D04F42E}"/>
               </a:ext>
             </a:extLst>
           </p:cNvPr>
@@ -54161,7 +54451,7 @@
           <p:cNvPr id="43" name="Rectangle 42">
             <a:extLst>
               <a:ext uri="{FF2B5EF4-FFF2-40B4-BE49-F238E27FC236}">
-                <a16:creationId xmlns="" xmlns:a16="http://schemas.microsoft.com/office/drawing/2014/main" id="{58FA033B-894B-4801-B9D5-801552CDFA84}"/>
+                <a16:creationId xmlns:a16="http://schemas.microsoft.com/office/drawing/2014/main" xmlns="" id="{58FA033B-894B-4801-B9D5-801552CDFA84}"/>
               </a:ext>
             </a:extLst>
           </p:cNvPr>
@@ -54218,7 +54508,7 @@
           <p:cNvPr id="44" name="Rectangle 43">
             <a:extLst>
               <a:ext uri="{FF2B5EF4-FFF2-40B4-BE49-F238E27FC236}">
-                <a16:creationId xmlns="" xmlns:a16="http://schemas.microsoft.com/office/drawing/2014/main" id="{D7B5DF37-D162-478C-956B-ED34F0B6D920}"/>
+                <a16:creationId xmlns:a16="http://schemas.microsoft.com/office/drawing/2014/main" xmlns="" id="{D7B5DF37-D162-478C-956B-ED34F0B6D920}"/>
               </a:ext>
             </a:extLst>
           </p:cNvPr>
@@ -54264,7 +54554,7 @@
           <p:cNvPr id="45" name="Rectangle 44">
             <a:extLst>
               <a:ext uri="{FF2B5EF4-FFF2-40B4-BE49-F238E27FC236}">
-                <a16:creationId xmlns="" xmlns:a16="http://schemas.microsoft.com/office/drawing/2014/main" id="{044E8DF8-4829-48F2-A0E9-44485C9A2113}"/>
+                <a16:creationId xmlns:a16="http://schemas.microsoft.com/office/drawing/2014/main" xmlns="" id="{044E8DF8-4829-48F2-A0E9-44485C9A2113}"/>
               </a:ext>
             </a:extLst>
           </p:cNvPr>
@@ -54310,7 +54600,7 @@
           <p:cNvPr id="46" name="TextBox 45">
             <a:extLst>
               <a:ext uri="{FF2B5EF4-FFF2-40B4-BE49-F238E27FC236}">
-                <a16:creationId xmlns="" xmlns:a16="http://schemas.microsoft.com/office/drawing/2014/main" id="{878687E5-4CCB-4D7D-9D08-36226DD1A8F7}"/>
+                <a16:creationId xmlns:a16="http://schemas.microsoft.com/office/drawing/2014/main" xmlns="" id="{878687E5-4CCB-4D7D-9D08-36226DD1A8F7}"/>
               </a:ext>
             </a:extLst>
           </p:cNvPr>
@@ -54365,7 +54655,7 @@
           <p:cNvPr id="50" name="Rectangle 49">
             <a:extLst>
               <a:ext uri="{FF2B5EF4-FFF2-40B4-BE49-F238E27FC236}">
-                <a16:creationId xmlns="" xmlns:a16="http://schemas.microsoft.com/office/drawing/2014/main" id="{4E7C3C02-1A44-485D-902E-170431AB88B9}"/>
+                <a16:creationId xmlns:a16="http://schemas.microsoft.com/office/drawing/2014/main" xmlns="" id="{4E7C3C02-1A44-485D-902E-170431AB88B9}"/>
               </a:ext>
             </a:extLst>
           </p:cNvPr>
@@ -54411,7 +54701,7 @@
           <p:cNvPr id="51" name="Isosceles Triangle 50">
             <a:extLst>
               <a:ext uri="{FF2B5EF4-FFF2-40B4-BE49-F238E27FC236}">
-                <a16:creationId xmlns="" xmlns:a16="http://schemas.microsoft.com/office/drawing/2014/main" id="{4E65350F-8A8E-4637-83DE-8DDE738A5518}"/>
+                <a16:creationId xmlns:a16="http://schemas.microsoft.com/office/drawing/2014/main" xmlns="" id="{4E65350F-8A8E-4637-83DE-8DDE738A5518}"/>
               </a:ext>
             </a:extLst>
           </p:cNvPr>
@@ -54467,7 +54757,7 @@
           <p:cNvPr id="52" name="Isosceles Triangle 51">
             <a:extLst>
               <a:ext uri="{FF2B5EF4-FFF2-40B4-BE49-F238E27FC236}">
-                <a16:creationId xmlns="" xmlns:a16="http://schemas.microsoft.com/office/drawing/2014/main" id="{24EA7224-A6D5-4D23-9653-B772ADE6266D}"/>
+                <a16:creationId xmlns:a16="http://schemas.microsoft.com/office/drawing/2014/main" xmlns="" id="{24EA7224-A6D5-4D23-9653-B772ADE6266D}"/>
               </a:ext>
             </a:extLst>
           </p:cNvPr>
@@ -54523,7 +54813,7 @@
           <p:cNvPr id="59" name="Isosceles Triangle 58">
             <a:extLst>
               <a:ext uri="{FF2B5EF4-FFF2-40B4-BE49-F238E27FC236}">
-                <a16:creationId xmlns="" xmlns:a16="http://schemas.microsoft.com/office/drawing/2014/main" id="{BF5508BF-D8E1-46AE-92B0-7ACEE67E1ED6}"/>
+                <a16:creationId xmlns:a16="http://schemas.microsoft.com/office/drawing/2014/main" xmlns="" id="{BF5508BF-D8E1-46AE-92B0-7ACEE67E1ED6}"/>
               </a:ext>
             </a:extLst>
           </p:cNvPr>
@@ -54579,7 +54869,7 @@
           <p:cNvPr id="60" name="TextBox 59">
             <a:extLst>
               <a:ext uri="{FF2B5EF4-FFF2-40B4-BE49-F238E27FC236}">
-                <a16:creationId xmlns="" xmlns:a16="http://schemas.microsoft.com/office/drawing/2014/main" id="{568C4ECB-2FDE-48A7-8E03-65E381A9A1CA}"/>
+                <a16:creationId xmlns:a16="http://schemas.microsoft.com/office/drawing/2014/main" xmlns="" id="{568C4ECB-2FDE-48A7-8E03-65E381A9A1CA}"/>
               </a:ext>
             </a:extLst>
           </p:cNvPr>
@@ -54634,7 +54924,7 @@
           <p:cNvPr id="65" name="Rectangle 64">
             <a:extLst>
               <a:ext uri="{FF2B5EF4-FFF2-40B4-BE49-F238E27FC236}">
-                <a16:creationId xmlns="" xmlns:a16="http://schemas.microsoft.com/office/drawing/2014/main" id="{A85FB4A0-DEDD-4BCA-8D5A-45B2F19BE95B}"/>
+                <a16:creationId xmlns:a16="http://schemas.microsoft.com/office/drawing/2014/main" xmlns="" id="{A85FB4A0-DEDD-4BCA-8D5A-45B2F19BE95B}"/>
               </a:ext>
             </a:extLst>
           </p:cNvPr>
@@ -54680,7 +54970,7 @@
           <p:cNvPr id="34" name="Table 3">
             <a:extLst>
               <a:ext uri="{FF2B5EF4-FFF2-40B4-BE49-F238E27FC236}">
-                <a16:creationId xmlns="" xmlns:a16="http://schemas.microsoft.com/office/drawing/2014/main" id="{2BBD02BB-053D-450E-BC1A-531530C977C2}"/>
+                <a16:creationId xmlns:a16="http://schemas.microsoft.com/office/drawing/2014/main" xmlns="" id="{2BBD02BB-053D-450E-BC1A-531530C977C2}"/>
               </a:ext>
             </a:extLst>
           </p:cNvPr>
@@ -54709,21 +54999,21 @@
                 <a:gridCol w="2819400">
                   <a:extLst>
                     <a:ext uri="{9D8B030D-6E8A-4147-A177-3AD203B41FA5}">
-                      <a16:colId xmlns="" xmlns:a16="http://schemas.microsoft.com/office/drawing/2014/main" val="3679797539"/>
+                      <a16:colId xmlns:a16="http://schemas.microsoft.com/office/drawing/2014/main" xmlns="" val="3679797539"/>
                     </a:ext>
                   </a:extLst>
                 </a:gridCol>
                 <a:gridCol w="2819400">
                   <a:extLst>
                     <a:ext uri="{9D8B030D-6E8A-4147-A177-3AD203B41FA5}">
-                      <a16:colId xmlns="" xmlns:a16="http://schemas.microsoft.com/office/drawing/2014/main" val="4188008786"/>
+                      <a16:colId xmlns:a16="http://schemas.microsoft.com/office/drawing/2014/main" xmlns="" val="4188008786"/>
                     </a:ext>
                   </a:extLst>
                 </a:gridCol>
                 <a:gridCol w="2819400">
                   <a:extLst>
                     <a:ext uri="{9D8B030D-6E8A-4147-A177-3AD203B41FA5}">
-                      <a16:colId xmlns="" xmlns:a16="http://schemas.microsoft.com/office/drawing/2014/main" val="3214238948"/>
+                      <a16:colId xmlns:a16="http://schemas.microsoft.com/office/drawing/2014/main" xmlns="" val="3214238948"/>
                     </a:ext>
                   </a:extLst>
                 </a:gridCol>
@@ -54818,7 +55108,7 @@
                 </a:tc>
                 <a:extLst>
                   <a:ext uri="{0D108BD9-81ED-4DB2-BD59-A6C34878D82A}">
-                    <a16:rowId xmlns="" xmlns:a16="http://schemas.microsoft.com/office/drawing/2014/main" val="652390980"/>
+                    <a16:rowId xmlns:a16="http://schemas.microsoft.com/office/drawing/2014/main" xmlns="" val="652390980"/>
                   </a:ext>
                 </a:extLst>
               </a:tr>
@@ -54876,7 +55166,7 @@
                 </a:tc>
                 <a:extLst>
                   <a:ext uri="{0D108BD9-81ED-4DB2-BD59-A6C34878D82A}">
-                    <a16:rowId xmlns="" xmlns:a16="http://schemas.microsoft.com/office/drawing/2014/main" val="730336656"/>
+                    <a16:rowId xmlns:a16="http://schemas.microsoft.com/office/drawing/2014/main" xmlns="" val="730336656"/>
                   </a:ext>
                 </a:extLst>
               </a:tr>
@@ -54934,7 +55224,7 @@
                 </a:tc>
                 <a:extLst>
                   <a:ext uri="{0D108BD9-81ED-4DB2-BD59-A6C34878D82A}">
-                    <a16:rowId xmlns="" xmlns:a16="http://schemas.microsoft.com/office/drawing/2014/main" val="2897143220"/>
+                    <a16:rowId xmlns:a16="http://schemas.microsoft.com/office/drawing/2014/main" xmlns="" val="2897143220"/>
                   </a:ext>
                 </a:extLst>
               </a:tr>
@@ -54947,7 +55237,7 @@
           <p:cNvPr id="36" name="TextBox 35">
             <a:extLst>
               <a:ext uri="{FF2B5EF4-FFF2-40B4-BE49-F238E27FC236}">
-                <a16:creationId xmlns="" xmlns:a16="http://schemas.microsoft.com/office/drawing/2014/main" id="{6E5C6BD5-A2A3-45E6-B1BA-86A0FC1C32E9}"/>
+                <a16:creationId xmlns:a16="http://schemas.microsoft.com/office/drawing/2014/main" xmlns="" id="{6E5C6BD5-A2A3-45E6-B1BA-86A0FC1C32E9}"/>
               </a:ext>
             </a:extLst>
           </p:cNvPr>
@@ -55002,7 +55292,7 @@
           <p:cNvPr id="37" name="Picture 36">
             <a:extLst>
               <a:ext uri="{FF2B5EF4-FFF2-40B4-BE49-F238E27FC236}">
-                <a16:creationId xmlns="" xmlns:a16="http://schemas.microsoft.com/office/drawing/2014/main" id="{2FFF2B0C-7C44-4132-9C8B-1BBB8CA4820B}"/>
+                <a16:creationId xmlns:a16="http://schemas.microsoft.com/office/drawing/2014/main" xmlns="" id="{2FFF2B0C-7C44-4132-9C8B-1BBB8CA4820B}"/>
               </a:ext>
             </a:extLst>
           </p:cNvPr>
@@ -55628,7 +55918,7 @@
   <a:extraClrSchemeLst/>
   <a:extLst>
     <a:ext uri="{05A4C25C-085E-4340-85A3-A5531E510DB2}">
-      <thm15:themeFamily xmlns="" xmlns:thm15="http://schemas.microsoft.com/office/thememl/2012/main" name="Office Theme" id="{62F939B6-93AF-4DB8-9C6B-D6C7DFDC589F}" vid="{4A3C46E8-61CC-4603-A589-7422A47A8E4A}"/>
+      <thm15:themeFamily xmlns:thm15="http://schemas.microsoft.com/office/thememl/2012/main" xmlns="" name="Office Theme" id="{62F939B6-93AF-4DB8-9C6B-D6C7DFDC589F}" vid="{4A3C46E8-61CC-4603-A589-7422A47A8E4A}"/>
     </a:ext>
   </a:extLst>
 </a:theme>
